--- a/day 8/SAC_Training Day 8.pptx
+++ b/day 8/SAC_Training Day 8.pptx
@@ -6,7 +6,7 @@
     <p:sldMasterId id="2147483660" r:id="rId2"/>
   </p:sldMasterIdLst>
   <p:notesMasterIdLst>
-    <p:notesMasterId r:id="rId21"/>
+    <p:notesMasterId r:id="rId17"/>
   </p:notesMasterIdLst>
   <p:sldIdLst>
     <p:sldId id="256" r:id="rId3"/>
@@ -15,18 +15,14 @@
     <p:sldId id="455" r:id="rId6"/>
     <p:sldId id="483" r:id="rId7"/>
     <p:sldId id="457" r:id="rId8"/>
-    <p:sldId id="459" r:id="rId9"/>
-    <p:sldId id="458" r:id="rId10"/>
-    <p:sldId id="486" r:id="rId11"/>
-    <p:sldId id="390" r:id="rId12"/>
-    <p:sldId id="498" r:id="rId13"/>
-    <p:sldId id="391" r:id="rId14"/>
-    <p:sldId id="392" r:id="rId15"/>
-    <p:sldId id="393" r:id="rId16"/>
-    <p:sldId id="462" r:id="rId17"/>
-    <p:sldId id="475" r:id="rId18"/>
-    <p:sldId id="399" r:id="rId19"/>
-    <p:sldId id="409" r:id="rId20"/>
+    <p:sldId id="390" r:id="rId9"/>
+    <p:sldId id="498" r:id="rId10"/>
+    <p:sldId id="391" r:id="rId11"/>
+    <p:sldId id="392" r:id="rId12"/>
+    <p:sldId id="462" r:id="rId13"/>
+    <p:sldId id="475" r:id="rId14"/>
+    <p:sldId id="399" r:id="rId15"/>
+    <p:sldId id="409" r:id="rId16"/>
   </p:sldIdLst>
   <p:sldSz cx="12192000" cy="6858000"/>
   <p:notesSz cx="6858000" cy="9144000"/>
@@ -379,7 +375,7 @@
           <a:p>
             <a:fld id="{4AF2A06D-4991-4208-8C88-4E8BAD69A8B8}" type="datetimeFigureOut">
               <a:rPr lang="en-US" smtClean="0"/>
-              <a:t>12/15/2020</a:t>
+              <a:t>12/16/2020</a:t>
             </a:fld>
             <a:endParaRPr lang="en-US"/>
           </a:p>
@@ -926,7 +922,7 @@
                 <a:tabLst/>
                 <a:defRPr/>
               </a:pPr>
-              <a:t>18</a:t>
+              <a:t>14</a:t>
             </a:fld>
             <a:endParaRPr kumimoji="0" lang="en-US" sz="1200" b="0" i="0" u="none" strike="noStrike" kern="1200" cap="none" spc="0" normalizeH="0" baseline="0" noProof="0">
               <a:ln>
@@ -1087,7 +1083,7 @@
           <a:p>
             <a:fld id="{E26E0DA5-0C76-4851-AA82-0B75261F9EB4}" type="datetimeFigureOut">
               <a:rPr lang="en-US" smtClean="0"/>
-              <a:t>12/15/2020</a:t>
+              <a:t>12/16/2020</a:t>
             </a:fld>
             <a:endParaRPr lang="en-US"/>
           </a:p>
@@ -1255,7 +1251,7 @@
           <a:p>
             <a:fld id="{E26E0DA5-0C76-4851-AA82-0B75261F9EB4}" type="datetimeFigureOut">
               <a:rPr lang="en-US" smtClean="0"/>
-              <a:t>12/15/2020</a:t>
+              <a:t>12/16/2020</a:t>
             </a:fld>
             <a:endParaRPr lang="en-US"/>
           </a:p>
@@ -1433,7 +1429,7 @@
           <a:p>
             <a:fld id="{E26E0DA5-0C76-4851-AA82-0B75261F9EB4}" type="datetimeFigureOut">
               <a:rPr lang="en-US" smtClean="0"/>
-              <a:t>12/15/2020</a:t>
+              <a:t>12/16/2020</a:t>
             </a:fld>
             <a:endParaRPr lang="en-US"/>
           </a:p>
@@ -1557,7 +1553,7 @@
             <a:fld id="{425404F2-BE9A-4460-8815-8F645183555F}" type="datetimeFigureOut">
               <a:rPr lang="en-US" smtClean="0"/>
               <a:pPr/>
-              <a:t>12/15/2020</a:t>
+              <a:t>12/16/2020</a:t>
             </a:fld>
             <a:endParaRPr lang="en-US"/>
           </a:p>
@@ -1739,7 +1735,7 @@
             <a:fld id="{425404F2-BE9A-4460-8815-8F645183555F}" type="datetimeFigureOut">
               <a:rPr lang="en-US" smtClean="0"/>
               <a:pPr/>
-              <a:t>12/15/2020</a:t>
+              <a:t>12/16/2020</a:t>
             </a:fld>
             <a:endParaRPr lang="en-US"/>
           </a:p>
@@ -1921,7 +1917,7 @@
             <a:fld id="{425404F2-BE9A-4460-8815-8F645183555F}" type="datetimeFigureOut">
               <a:rPr lang="en-US" smtClean="0"/>
               <a:pPr/>
-              <a:t>12/15/2020</a:t>
+              <a:t>12/16/2020</a:t>
             </a:fld>
             <a:endParaRPr lang="en-US"/>
           </a:p>
@@ -2103,7 +2099,7 @@
             <a:fld id="{425404F2-BE9A-4460-8815-8F645183555F}" type="datetimeFigureOut">
               <a:rPr lang="en-US" smtClean="0"/>
               <a:pPr/>
-              <a:t>12/15/2020</a:t>
+              <a:t>12/16/2020</a:t>
             </a:fld>
             <a:endParaRPr lang="en-US"/>
           </a:p>
@@ -2223,552 +2219,6 @@
 </file>
 
 <file path=ppt/slideLayouts/slideLayout16.xml><?xml version="1.0" encoding="utf-8"?>
-<p:sldLayout xmlns:a="http://schemas.openxmlformats.org/drawingml/2006/main" xmlns:r="http://schemas.openxmlformats.org/officeDocument/2006/relationships" xmlns:p="http://schemas.openxmlformats.org/presentationml/2006/main" userDrawn="1">
-  <p:cSld name="5_Title Only">
-    <p:spTree>
-      <p:nvGrpSpPr>
-        <p:cNvPr id="1" name=""/>
-        <p:cNvGrpSpPr/>
-        <p:nvPr/>
-      </p:nvGrpSpPr>
-      <p:grpSpPr>
-        <a:xfrm>
-          <a:off x="0" y="0"/>
-          <a:ext cx="0" cy="0"/>
-          <a:chOff x="0" y="0"/>
-          <a:chExt cx="0" cy="0"/>
-        </a:xfrm>
-      </p:grpSpPr>
-      <p:sp>
-        <p:nvSpPr>
-          <p:cNvPr id="2" name="Title 1"/>
-          <p:cNvSpPr>
-            <a:spLocks noGrp="1"/>
-          </p:cNvSpPr>
-          <p:nvPr>
-            <p:ph type="title"/>
-          </p:nvPr>
-        </p:nvSpPr>
-        <p:spPr/>
-        <p:txBody>
-          <a:bodyPr>
-            <a:noAutofit/>
-          </a:bodyPr>
-          <a:lstStyle>
-            <a:lvl1pPr>
-              <a:defRPr sz="3600"/>
-            </a:lvl1pPr>
-          </a:lstStyle>
-          <a:p>
-            <a:r>
-              <a:rPr lang="en-US"/>
-              <a:t>Click to edit Master title style</a:t>
-            </a:r>
-          </a:p>
-        </p:txBody>
-      </p:sp>
-      <p:sp>
-        <p:nvSpPr>
-          <p:cNvPr id="3" name="Date Placeholder 2"/>
-          <p:cNvSpPr>
-            <a:spLocks noGrp="1"/>
-          </p:cNvSpPr>
-          <p:nvPr>
-            <p:ph type="dt" sz="half" idx="10"/>
-          </p:nvPr>
-        </p:nvSpPr>
-        <p:spPr/>
-        <p:txBody>
-          <a:bodyPr/>
-          <a:lstStyle/>
-          <a:p>
-            <a:fld id="{425404F2-BE9A-4460-8815-8F645183555F}" type="datetimeFigureOut">
-              <a:rPr lang="en-US" smtClean="0"/>
-              <a:pPr/>
-              <a:t>12/15/2020</a:t>
-            </a:fld>
-            <a:endParaRPr lang="en-US"/>
-          </a:p>
-        </p:txBody>
-      </p:sp>
-      <p:sp>
-        <p:nvSpPr>
-          <p:cNvPr id="4" name="Footer Placeholder 3"/>
-          <p:cNvSpPr>
-            <a:spLocks noGrp="1"/>
-          </p:cNvSpPr>
-          <p:nvPr>
-            <p:ph type="ftr" sz="quarter" idx="11"/>
-          </p:nvPr>
-        </p:nvSpPr>
-        <p:spPr/>
-        <p:txBody>
-          <a:bodyPr/>
-          <a:lstStyle/>
-          <a:p>
-            <a:endParaRPr lang="en-US"/>
-          </a:p>
-        </p:txBody>
-      </p:sp>
-      <p:sp>
-        <p:nvSpPr>
-          <p:cNvPr id="5" name="Slide Number Placeholder 4"/>
-          <p:cNvSpPr>
-            <a:spLocks noGrp="1"/>
-          </p:cNvSpPr>
-          <p:nvPr>
-            <p:ph type="sldNum" sz="quarter" idx="12"/>
-          </p:nvPr>
-        </p:nvSpPr>
-        <p:spPr/>
-        <p:txBody>
-          <a:bodyPr/>
-          <a:lstStyle/>
-          <a:p>
-            <a:fld id="{96E69268-9C8B-4EBF-A9EE-DC5DC2D48DC3}" type="slidenum">
-              <a:rPr lang="en-US" smtClean="0"/>
-              <a:pPr/>
-              <a:t>‹#›</a:t>
-            </a:fld>
-            <a:endParaRPr lang="en-US"/>
-          </a:p>
-        </p:txBody>
-      </p:sp>
-      <p:sp>
-        <p:nvSpPr>
-          <p:cNvPr id="9" name="Content Placeholder 6"/>
-          <p:cNvSpPr>
-            <a:spLocks noGrp="1"/>
-          </p:cNvSpPr>
-          <p:nvPr>
-            <p:ph sz="quarter" idx="13"/>
-          </p:nvPr>
-        </p:nvSpPr>
-        <p:spPr>
-          <a:xfrm>
-            <a:off x="608170" y="932702"/>
-            <a:ext cx="10975658" cy="484187"/>
-          </a:xfrm>
-        </p:spPr>
-        <p:txBody>
-          <a:bodyPr>
-            <a:noAutofit/>
-          </a:bodyPr>
-          <a:lstStyle>
-            <a:lvl1pPr marL="0" indent="0">
-              <a:buFontTx/>
-              <a:buNone/>
-              <a:defRPr sz="2200"/>
-            </a:lvl1pPr>
-            <a:lvl2pPr marL="609494" indent="0">
-              <a:buFontTx/>
-              <a:buNone/>
-              <a:defRPr sz="2000"/>
-            </a:lvl2pPr>
-            <a:lvl3pPr marL="1218986" indent="0">
-              <a:buFontTx/>
-              <a:buNone/>
-              <a:defRPr sz="1600"/>
-            </a:lvl3pPr>
-            <a:lvl4pPr marL="1828480" indent="0">
-              <a:buFontTx/>
-              <a:buNone/>
-              <a:defRPr sz="1400"/>
-            </a:lvl4pPr>
-            <a:lvl5pPr marL="2437973" indent="0">
-              <a:buFontTx/>
-              <a:buNone/>
-              <a:defRPr sz="1400"/>
-            </a:lvl5pPr>
-          </a:lstStyle>
-          <a:p>
-            <a:pPr lvl="0"/>
-            <a:r>
-              <a:rPr lang="en-US" dirty="0"/>
-              <a:t>Click to edit Master text styles</a:t>
-            </a:r>
-            <a:endParaRPr lang="en-IN" dirty="0"/>
-          </a:p>
-        </p:txBody>
-      </p:sp>
-    </p:spTree>
-    <p:extLst>
-      <p:ext uri="{BB962C8B-B14F-4D97-AF65-F5344CB8AC3E}">
-        <p14:creationId xmlns:p14="http://schemas.microsoft.com/office/powerpoint/2010/main" val="3071300776"/>
-      </p:ext>
-    </p:extLst>
-  </p:cSld>
-  <p:clrMapOvr>
-    <a:masterClrMapping/>
-  </p:clrMapOvr>
-</p:sldLayout>
-</file>
-
-<file path=ppt/slideLayouts/slideLayout17.xml><?xml version="1.0" encoding="utf-8"?>
-<p:sldLayout xmlns:a="http://schemas.openxmlformats.org/drawingml/2006/main" xmlns:r="http://schemas.openxmlformats.org/officeDocument/2006/relationships" xmlns:p="http://schemas.openxmlformats.org/presentationml/2006/main" userDrawn="1">
-  <p:cSld name="6_Title Only">
-    <p:spTree>
-      <p:nvGrpSpPr>
-        <p:cNvPr id="1" name=""/>
-        <p:cNvGrpSpPr/>
-        <p:nvPr/>
-      </p:nvGrpSpPr>
-      <p:grpSpPr>
-        <a:xfrm>
-          <a:off x="0" y="0"/>
-          <a:ext cx="0" cy="0"/>
-          <a:chOff x="0" y="0"/>
-          <a:chExt cx="0" cy="0"/>
-        </a:xfrm>
-      </p:grpSpPr>
-      <p:sp>
-        <p:nvSpPr>
-          <p:cNvPr id="2" name="Title 1"/>
-          <p:cNvSpPr>
-            <a:spLocks noGrp="1"/>
-          </p:cNvSpPr>
-          <p:nvPr>
-            <p:ph type="title"/>
-          </p:nvPr>
-        </p:nvSpPr>
-        <p:spPr/>
-        <p:txBody>
-          <a:bodyPr>
-            <a:noAutofit/>
-          </a:bodyPr>
-          <a:lstStyle>
-            <a:lvl1pPr>
-              <a:defRPr sz="3600"/>
-            </a:lvl1pPr>
-          </a:lstStyle>
-          <a:p>
-            <a:r>
-              <a:rPr lang="en-US"/>
-              <a:t>Click to edit Master title style</a:t>
-            </a:r>
-          </a:p>
-        </p:txBody>
-      </p:sp>
-      <p:sp>
-        <p:nvSpPr>
-          <p:cNvPr id="3" name="Date Placeholder 2"/>
-          <p:cNvSpPr>
-            <a:spLocks noGrp="1"/>
-          </p:cNvSpPr>
-          <p:nvPr>
-            <p:ph type="dt" sz="half" idx="10"/>
-          </p:nvPr>
-        </p:nvSpPr>
-        <p:spPr/>
-        <p:txBody>
-          <a:bodyPr/>
-          <a:lstStyle/>
-          <a:p>
-            <a:fld id="{425404F2-BE9A-4460-8815-8F645183555F}" type="datetimeFigureOut">
-              <a:rPr lang="en-US" smtClean="0"/>
-              <a:pPr/>
-              <a:t>12/15/2020</a:t>
-            </a:fld>
-            <a:endParaRPr lang="en-US"/>
-          </a:p>
-        </p:txBody>
-      </p:sp>
-      <p:sp>
-        <p:nvSpPr>
-          <p:cNvPr id="4" name="Footer Placeholder 3"/>
-          <p:cNvSpPr>
-            <a:spLocks noGrp="1"/>
-          </p:cNvSpPr>
-          <p:nvPr>
-            <p:ph type="ftr" sz="quarter" idx="11"/>
-          </p:nvPr>
-        </p:nvSpPr>
-        <p:spPr/>
-        <p:txBody>
-          <a:bodyPr/>
-          <a:lstStyle/>
-          <a:p>
-            <a:endParaRPr lang="en-US"/>
-          </a:p>
-        </p:txBody>
-      </p:sp>
-      <p:sp>
-        <p:nvSpPr>
-          <p:cNvPr id="5" name="Slide Number Placeholder 4"/>
-          <p:cNvSpPr>
-            <a:spLocks noGrp="1"/>
-          </p:cNvSpPr>
-          <p:nvPr>
-            <p:ph type="sldNum" sz="quarter" idx="12"/>
-          </p:nvPr>
-        </p:nvSpPr>
-        <p:spPr/>
-        <p:txBody>
-          <a:bodyPr/>
-          <a:lstStyle/>
-          <a:p>
-            <a:fld id="{96E69268-9C8B-4EBF-A9EE-DC5DC2D48DC3}" type="slidenum">
-              <a:rPr lang="en-US" smtClean="0"/>
-              <a:pPr/>
-              <a:t>‹#›</a:t>
-            </a:fld>
-            <a:endParaRPr lang="en-US"/>
-          </a:p>
-        </p:txBody>
-      </p:sp>
-      <p:sp>
-        <p:nvSpPr>
-          <p:cNvPr id="9" name="Content Placeholder 6"/>
-          <p:cNvSpPr>
-            <a:spLocks noGrp="1"/>
-          </p:cNvSpPr>
-          <p:nvPr>
-            <p:ph sz="quarter" idx="13"/>
-          </p:nvPr>
-        </p:nvSpPr>
-        <p:spPr>
-          <a:xfrm>
-            <a:off x="608170" y="932702"/>
-            <a:ext cx="10975658" cy="484187"/>
-          </a:xfrm>
-        </p:spPr>
-        <p:txBody>
-          <a:bodyPr>
-            <a:noAutofit/>
-          </a:bodyPr>
-          <a:lstStyle>
-            <a:lvl1pPr marL="0" indent="0">
-              <a:buFontTx/>
-              <a:buNone/>
-              <a:defRPr sz="2200"/>
-            </a:lvl1pPr>
-            <a:lvl2pPr marL="609494" indent="0">
-              <a:buFontTx/>
-              <a:buNone/>
-              <a:defRPr sz="2000"/>
-            </a:lvl2pPr>
-            <a:lvl3pPr marL="1218986" indent="0">
-              <a:buFontTx/>
-              <a:buNone/>
-              <a:defRPr sz="1600"/>
-            </a:lvl3pPr>
-            <a:lvl4pPr marL="1828480" indent="0">
-              <a:buFontTx/>
-              <a:buNone/>
-              <a:defRPr sz="1400"/>
-            </a:lvl4pPr>
-            <a:lvl5pPr marL="2437973" indent="0">
-              <a:buFontTx/>
-              <a:buNone/>
-              <a:defRPr sz="1400"/>
-            </a:lvl5pPr>
-          </a:lstStyle>
-          <a:p>
-            <a:pPr lvl="0"/>
-            <a:r>
-              <a:rPr lang="en-US" dirty="0"/>
-              <a:t>Click to edit Master text styles</a:t>
-            </a:r>
-            <a:endParaRPr lang="en-IN" dirty="0"/>
-          </a:p>
-        </p:txBody>
-      </p:sp>
-    </p:spTree>
-    <p:extLst>
-      <p:ext uri="{BB962C8B-B14F-4D97-AF65-F5344CB8AC3E}">
-        <p14:creationId xmlns:p14="http://schemas.microsoft.com/office/powerpoint/2010/main" val="2389164072"/>
-      </p:ext>
-    </p:extLst>
-  </p:cSld>
-  <p:clrMapOvr>
-    <a:masterClrMapping/>
-  </p:clrMapOvr>
-</p:sldLayout>
-</file>
-
-<file path=ppt/slideLayouts/slideLayout18.xml><?xml version="1.0" encoding="utf-8"?>
-<p:sldLayout xmlns:a="http://schemas.openxmlformats.org/drawingml/2006/main" xmlns:r="http://schemas.openxmlformats.org/officeDocument/2006/relationships" xmlns:p="http://schemas.openxmlformats.org/presentationml/2006/main" userDrawn="1">
-  <p:cSld name="13_Title Only">
-    <p:spTree>
-      <p:nvGrpSpPr>
-        <p:cNvPr id="1" name=""/>
-        <p:cNvGrpSpPr/>
-        <p:nvPr/>
-      </p:nvGrpSpPr>
-      <p:grpSpPr>
-        <a:xfrm>
-          <a:off x="0" y="0"/>
-          <a:ext cx="0" cy="0"/>
-          <a:chOff x="0" y="0"/>
-          <a:chExt cx="0" cy="0"/>
-        </a:xfrm>
-      </p:grpSpPr>
-      <p:sp>
-        <p:nvSpPr>
-          <p:cNvPr id="2" name="Title 1"/>
-          <p:cNvSpPr>
-            <a:spLocks noGrp="1"/>
-          </p:cNvSpPr>
-          <p:nvPr>
-            <p:ph type="title"/>
-          </p:nvPr>
-        </p:nvSpPr>
-        <p:spPr/>
-        <p:txBody>
-          <a:bodyPr>
-            <a:noAutofit/>
-          </a:bodyPr>
-          <a:lstStyle>
-            <a:lvl1pPr>
-              <a:defRPr sz="3600"/>
-            </a:lvl1pPr>
-          </a:lstStyle>
-          <a:p>
-            <a:r>
-              <a:rPr lang="en-US"/>
-              <a:t>Click to edit Master title style</a:t>
-            </a:r>
-          </a:p>
-        </p:txBody>
-      </p:sp>
-      <p:sp>
-        <p:nvSpPr>
-          <p:cNvPr id="3" name="Date Placeholder 2"/>
-          <p:cNvSpPr>
-            <a:spLocks noGrp="1"/>
-          </p:cNvSpPr>
-          <p:nvPr>
-            <p:ph type="dt" sz="half" idx="10"/>
-          </p:nvPr>
-        </p:nvSpPr>
-        <p:spPr/>
-        <p:txBody>
-          <a:bodyPr/>
-          <a:lstStyle/>
-          <a:p>
-            <a:fld id="{425404F2-BE9A-4460-8815-8F645183555F}" type="datetimeFigureOut">
-              <a:rPr lang="en-US" smtClean="0"/>
-              <a:pPr/>
-              <a:t>12/15/2020</a:t>
-            </a:fld>
-            <a:endParaRPr lang="en-US"/>
-          </a:p>
-        </p:txBody>
-      </p:sp>
-      <p:sp>
-        <p:nvSpPr>
-          <p:cNvPr id="4" name="Footer Placeholder 3"/>
-          <p:cNvSpPr>
-            <a:spLocks noGrp="1"/>
-          </p:cNvSpPr>
-          <p:nvPr>
-            <p:ph type="ftr" sz="quarter" idx="11"/>
-          </p:nvPr>
-        </p:nvSpPr>
-        <p:spPr/>
-        <p:txBody>
-          <a:bodyPr/>
-          <a:lstStyle/>
-          <a:p>
-            <a:endParaRPr lang="en-US"/>
-          </a:p>
-        </p:txBody>
-      </p:sp>
-      <p:sp>
-        <p:nvSpPr>
-          <p:cNvPr id="5" name="Slide Number Placeholder 4"/>
-          <p:cNvSpPr>
-            <a:spLocks noGrp="1"/>
-          </p:cNvSpPr>
-          <p:nvPr>
-            <p:ph type="sldNum" sz="quarter" idx="12"/>
-          </p:nvPr>
-        </p:nvSpPr>
-        <p:spPr/>
-        <p:txBody>
-          <a:bodyPr/>
-          <a:lstStyle/>
-          <a:p>
-            <a:fld id="{96E69268-9C8B-4EBF-A9EE-DC5DC2D48DC3}" type="slidenum">
-              <a:rPr lang="en-US" smtClean="0"/>
-              <a:pPr/>
-              <a:t>‹#›</a:t>
-            </a:fld>
-            <a:endParaRPr lang="en-US"/>
-          </a:p>
-        </p:txBody>
-      </p:sp>
-      <p:sp>
-        <p:nvSpPr>
-          <p:cNvPr id="9" name="Content Placeholder 6"/>
-          <p:cNvSpPr>
-            <a:spLocks noGrp="1"/>
-          </p:cNvSpPr>
-          <p:nvPr>
-            <p:ph sz="quarter" idx="13"/>
-          </p:nvPr>
-        </p:nvSpPr>
-        <p:spPr>
-          <a:xfrm>
-            <a:off x="608170" y="932702"/>
-            <a:ext cx="10975658" cy="484187"/>
-          </a:xfrm>
-        </p:spPr>
-        <p:txBody>
-          <a:bodyPr>
-            <a:noAutofit/>
-          </a:bodyPr>
-          <a:lstStyle>
-            <a:lvl1pPr marL="0" indent="0">
-              <a:buFontTx/>
-              <a:buNone/>
-              <a:defRPr sz="2200"/>
-            </a:lvl1pPr>
-            <a:lvl2pPr marL="609494" indent="0">
-              <a:buFontTx/>
-              <a:buNone/>
-              <a:defRPr sz="2000"/>
-            </a:lvl2pPr>
-            <a:lvl3pPr marL="1218986" indent="0">
-              <a:buFontTx/>
-              <a:buNone/>
-              <a:defRPr sz="1600"/>
-            </a:lvl3pPr>
-            <a:lvl4pPr marL="1828480" indent="0">
-              <a:buFontTx/>
-              <a:buNone/>
-              <a:defRPr sz="1400"/>
-            </a:lvl4pPr>
-            <a:lvl5pPr marL="2437973" indent="0">
-              <a:buFontTx/>
-              <a:buNone/>
-              <a:defRPr sz="1400"/>
-            </a:lvl5pPr>
-          </a:lstStyle>
-          <a:p>
-            <a:pPr lvl="0"/>
-            <a:r>
-              <a:rPr lang="en-US" dirty="0"/>
-              <a:t>Click to edit Master text styles</a:t>
-            </a:r>
-            <a:endParaRPr lang="en-IN" dirty="0"/>
-          </a:p>
-        </p:txBody>
-      </p:sp>
-    </p:spTree>
-    <p:extLst>
-      <p:ext uri="{BB962C8B-B14F-4D97-AF65-F5344CB8AC3E}">
-        <p14:creationId xmlns:p14="http://schemas.microsoft.com/office/powerpoint/2010/main" val="101906067"/>
-      </p:ext>
-    </p:extLst>
-  </p:cSld>
-  <p:clrMapOvr>
-    <a:masterClrMapping/>
-  </p:clrMapOvr>
-</p:sldLayout>
-</file>
-
-<file path=ppt/slideLayouts/slideLayout19.xml><?xml version="1.0" encoding="utf-8"?>
 <p:sldLayout xmlns:a="http://schemas.openxmlformats.org/drawingml/2006/main" xmlns:r="http://schemas.openxmlformats.org/officeDocument/2006/relationships" xmlns:p="http://schemas.openxmlformats.org/presentationml/2006/main" userDrawn="1">
   <p:cSld name="15_Title Only">
     <p:spTree>
@@ -2831,7 +2281,7 @@
             <a:fld id="{425404F2-BE9A-4460-8815-8F645183555F}" type="datetimeFigureOut">
               <a:rPr lang="en-US" smtClean="0"/>
               <a:pPr/>
-              <a:t>12/15/2020</a:t>
+              <a:t>12/16/2020</a:t>
             </a:fld>
             <a:endParaRPr lang="en-US"/>
           </a:p>
@@ -2941,6 +2391,552 @@
     <p:extLst>
       <p:ext uri="{BB962C8B-B14F-4D97-AF65-F5344CB8AC3E}">
         <p14:creationId xmlns:p14="http://schemas.microsoft.com/office/powerpoint/2010/main" val="4282746695"/>
+      </p:ext>
+    </p:extLst>
+  </p:cSld>
+  <p:clrMapOvr>
+    <a:masterClrMapping/>
+  </p:clrMapOvr>
+</p:sldLayout>
+</file>
+
+<file path=ppt/slideLayouts/slideLayout17.xml><?xml version="1.0" encoding="utf-8"?>
+<p:sldLayout xmlns:a="http://schemas.openxmlformats.org/drawingml/2006/main" xmlns:r="http://schemas.openxmlformats.org/officeDocument/2006/relationships" xmlns:p="http://schemas.openxmlformats.org/presentationml/2006/main" userDrawn="1">
+  <p:cSld name="16_Title Only">
+    <p:spTree>
+      <p:nvGrpSpPr>
+        <p:cNvPr id="1" name=""/>
+        <p:cNvGrpSpPr/>
+        <p:nvPr/>
+      </p:nvGrpSpPr>
+      <p:grpSpPr>
+        <a:xfrm>
+          <a:off x="0" y="0"/>
+          <a:ext cx="0" cy="0"/>
+          <a:chOff x="0" y="0"/>
+          <a:chExt cx="0" cy="0"/>
+        </a:xfrm>
+      </p:grpSpPr>
+      <p:sp>
+        <p:nvSpPr>
+          <p:cNvPr id="2" name="Title 1"/>
+          <p:cNvSpPr>
+            <a:spLocks noGrp="1"/>
+          </p:cNvSpPr>
+          <p:nvPr>
+            <p:ph type="title"/>
+          </p:nvPr>
+        </p:nvSpPr>
+        <p:spPr/>
+        <p:txBody>
+          <a:bodyPr>
+            <a:noAutofit/>
+          </a:bodyPr>
+          <a:lstStyle>
+            <a:lvl1pPr>
+              <a:defRPr sz="3600"/>
+            </a:lvl1pPr>
+          </a:lstStyle>
+          <a:p>
+            <a:r>
+              <a:rPr lang="en-US"/>
+              <a:t>Click to edit Master title style</a:t>
+            </a:r>
+          </a:p>
+        </p:txBody>
+      </p:sp>
+      <p:sp>
+        <p:nvSpPr>
+          <p:cNvPr id="3" name="Date Placeholder 2"/>
+          <p:cNvSpPr>
+            <a:spLocks noGrp="1"/>
+          </p:cNvSpPr>
+          <p:nvPr>
+            <p:ph type="dt" sz="half" idx="10"/>
+          </p:nvPr>
+        </p:nvSpPr>
+        <p:spPr/>
+        <p:txBody>
+          <a:bodyPr/>
+          <a:lstStyle/>
+          <a:p>
+            <a:fld id="{425404F2-BE9A-4460-8815-8F645183555F}" type="datetimeFigureOut">
+              <a:rPr lang="en-US" smtClean="0"/>
+              <a:pPr/>
+              <a:t>12/16/2020</a:t>
+            </a:fld>
+            <a:endParaRPr lang="en-US"/>
+          </a:p>
+        </p:txBody>
+      </p:sp>
+      <p:sp>
+        <p:nvSpPr>
+          <p:cNvPr id="4" name="Footer Placeholder 3"/>
+          <p:cNvSpPr>
+            <a:spLocks noGrp="1"/>
+          </p:cNvSpPr>
+          <p:nvPr>
+            <p:ph type="ftr" sz="quarter" idx="11"/>
+          </p:nvPr>
+        </p:nvSpPr>
+        <p:spPr/>
+        <p:txBody>
+          <a:bodyPr/>
+          <a:lstStyle/>
+          <a:p>
+            <a:endParaRPr lang="en-US"/>
+          </a:p>
+        </p:txBody>
+      </p:sp>
+      <p:sp>
+        <p:nvSpPr>
+          <p:cNvPr id="5" name="Slide Number Placeholder 4"/>
+          <p:cNvSpPr>
+            <a:spLocks noGrp="1"/>
+          </p:cNvSpPr>
+          <p:nvPr>
+            <p:ph type="sldNum" sz="quarter" idx="12"/>
+          </p:nvPr>
+        </p:nvSpPr>
+        <p:spPr/>
+        <p:txBody>
+          <a:bodyPr/>
+          <a:lstStyle/>
+          <a:p>
+            <a:fld id="{96E69268-9C8B-4EBF-A9EE-DC5DC2D48DC3}" type="slidenum">
+              <a:rPr lang="en-US" smtClean="0"/>
+              <a:pPr/>
+              <a:t>‹#›</a:t>
+            </a:fld>
+            <a:endParaRPr lang="en-US"/>
+          </a:p>
+        </p:txBody>
+      </p:sp>
+      <p:sp>
+        <p:nvSpPr>
+          <p:cNvPr id="9" name="Content Placeholder 6"/>
+          <p:cNvSpPr>
+            <a:spLocks noGrp="1"/>
+          </p:cNvSpPr>
+          <p:nvPr>
+            <p:ph sz="quarter" idx="13"/>
+          </p:nvPr>
+        </p:nvSpPr>
+        <p:spPr>
+          <a:xfrm>
+            <a:off x="608170" y="932702"/>
+            <a:ext cx="10975658" cy="484187"/>
+          </a:xfrm>
+        </p:spPr>
+        <p:txBody>
+          <a:bodyPr>
+            <a:noAutofit/>
+          </a:bodyPr>
+          <a:lstStyle>
+            <a:lvl1pPr marL="0" indent="0">
+              <a:buFontTx/>
+              <a:buNone/>
+              <a:defRPr sz="2200"/>
+            </a:lvl1pPr>
+            <a:lvl2pPr marL="609494" indent="0">
+              <a:buFontTx/>
+              <a:buNone/>
+              <a:defRPr sz="2000"/>
+            </a:lvl2pPr>
+            <a:lvl3pPr marL="1218986" indent="0">
+              <a:buFontTx/>
+              <a:buNone/>
+              <a:defRPr sz="1600"/>
+            </a:lvl3pPr>
+            <a:lvl4pPr marL="1828480" indent="0">
+              <a:buFontTx/>
+              <a:buNone/>
+              <a:defRPr sz="1400"/>
+            </a:lvl4pPr>
+            <a:lvl5pPr marL="2437973" indent="0">
+              <a:buFontTx/>
+              <a:buNone/>
+              <a:defRPr sz="1400"/>
+            </a:lvl5pPr>
+          </a:lstStyle>
+          <a:p>
+            <a:pPr lvl="0"/>
+            <a:r>
+              <a:rPr lang="en-US" dirty="0"/>
+              <a:t>Click to edit Master text styles</a:t>
+            </a:r>
+            <a:endParaRPr lang="en-IN" dirty="0"/>
+          </a:p>
+        </p:txBody>
+      </p:sp>
+    </p:spTree>
+    <p:extLst>
+      <p:ext uri="{BB962C8B-B14F-4D97-AF65-F5344CB8AC3E}">
+        <p14:creationId xmlns:p14="http://schemas.microsoft.com/office/powerpoint/2010/main" val="4075137405"/>
+      </p:ext>
+    </p:extLst>
+  </p:cSld>
+  <p:clrMapOvr>
+    <a:masterClrMapping/>
+  </p:clrMapOvr>
+</p:sldLayout>
+</file>
+
+<file path=ppt/slideLayouts/slideLayout18.xml><?xml version="1.0" encoding="utf-8"?>
+<p:sldLayout xmlns:a="http://schemas.openxmlformats.org/drawingml/2006/main" xmlns:r="http://schemas.openxmlformats.org/officeDocument/2006/relationships" xmlns:p="http://schemas.openxmlformats.org/presentationml/2006/main" userDrawn="1">
+  <p:cSld name="19_Title Only">
+    <p:spTree>
+      <p:nvGrpSpPr>
+        <p:cNvPr id="1" name=""/>
+        <p:cNvGrpSpPr/>
+        <p:nvPr/>
+      </p:nvGrpSpPr>
+      <p:grpSpPr>
+        <a:xfrm>
+          <a:off x="0" y="0"/>
+          <a:ext cx="0" cy="0"/>
+          <a:chOff x="0" y="0"/>
+          <a:chExt cx="0" cy="0"/>
+        </a:xfrm>
+      </p:grpSpPr>
+      <p:sp>
+        <p:nvSpPr>
+          <p:cNvPr id="2" name="Title 1"/>
+          <p:cNvSpPr>
+            <a:spLocks noGrp="1"/>
+          </p:cNvSpPr>
+          <p:nvPr>
+            <p:ph type="title"/>
+          </p:nvPr>
+        </p:nvSpPr>
+        <p:spPr/>
+        <p:txBody>
+          <a:bodyPr>
+            <a:noAutofit/>
+          </a:bodyPr>
+          <a:lstStyle>
+            <a:lvl1pPr>
+              <a:defRPr sz="3600"/>
+            </a:lvl1pPr>
+          </a:lstStyle>
+          <a:p>
+            <a:r>
+              <a:rPr lang="en-US"/>
+              <a:t>Click to edit Master title style</a:t>
+            </a:r>
+          </a:p>
+        </p:txBody>
+      </p:sp>
+      <p:sp>
+        <p:nvSpPr>
+          <p:cNvPr id="3" name="Date Placeholder 2"/>
+          <p:cNvSpPr>
+            <a:spLocks noGrp="1"/>
+          </p:cNvSpPr>
+          <p:nvPr>
+            <p:ph type="dt" sz="half" idx="10"/>
+          </p:nvPr>
+        </p:nvSpPr>
+        <p:spPr/>
+        <p:txBody>
+          <a:bodyPr/>
+          <a:lstStyle/>
+          <a:p>
+            <a:fld id="{425404F2-BE9A-4460-8815-8F645183555F}" type="datetimeFigureOut">
+              <a:rPr lang="en-US" smtClean="0"/>
+              <a:pPr/>
+              <a:t>12/16/2020</a:t>
+            </a:fld>
+            <a:endParaRPr lang="en-US"/>
+          </a:p>
+        </p:txBody>
+      </p:sp>
+      <p:sp>
+        <p:nvSpPr>
+          <p:cNvPr id="4" name="Footer Placeholder 3"/>
+          <p:cNvSpPr>
+            <a:spLocks noGrp="1"/>
+          </p:cNvSpPr>
+          <p:nvPr>
+            <p:ph type="ftr" sz="quarter" idx="11"/>
+          </p:nvPr>
+        </p:nvSpPr>
+        <p:spPr/>
+        <p:txBody>
+          <a:bodyPr/>
+          <a:lstStyle/>
+          <a:p>
+            <a:endParaRPr lang="en-US"/>
+          </a:p>
+        </p:txBody>
+      </p:sp>
+      <p:sp>
+        <p:nvSpPr>
+          <p:cNvPr id="5" name="Slide Number Placeholder 4"/>
+          <p:cNvSpPr>
+            <a:spLocks noGrp="1"/>
+          </p:cNvSpPr>
+          <p:nvPr>
+            <p:ph type="sldNum" sz="quarter" idx="12"/>
+          </p:nvPr>
+        </p:nvSpPr>
+        <p:spPr/>
+        <p:txBody>
+          <a:bodyPr/>
+          <a:lstStyle/>
+          <a:p>
+            <a:fld id="{96E69268-9C8B-4EBF-A9EE-DC5DC2D48DC3}" type="slidenum">
+              <a:rPr lang="en-US" smtClean="0"/>
+              <a:pPr/>
+              <a:t>‹#›</a:t>
+            </a:fld>
+            <a:endParaRPr lang="en-US"/>
+          </a:p>
+        </p:txBody>
+      </p:sp>
+      <p:sp>
+        <p:nvSpPr>
+          <p:cNvPr id="9" name="Content Placeholder 6"/>
+          <p:cNvSpPr>
+            <a:spLocks noGrp="1"/>
+          </p:cNvSpPr>
+          <p:nvPr>
+            <p:ph sz="quarter" idx="13"/>
+          </p:nvPr>
+        </p:nvSpPr>
+        <p:spPr>
+          <a:xfrm>
+            <a:off x="608170" y="932702"/>
+            <a:ext cx="10975658" cy="484187"/>
+          </a:xfrm>
+        </p:spPr>
+        <p:txBody>
+          <a:bodyPr>
+            <a:noAutofit/>
+          </a:bodyPr>
+          <a:lstStyle>
+            <a:lvl1pPr marL="0" indent="0">
+              <a:buFontTx/>
+              <a:buNone/>
+              <a:defRPr sz="2200"/>
+            </a:lvl1pPr>
+            <a:lvl2pPr marL="609494" indent="0">
+              <a:buFontTx/>
+              <a:buNone/>
+              <a:defRPr sz="2000"/>
+            </a:lvl2pPr>
+            <a:lvl3pPr marL="1218986" indent="0">
+              <a:buFontTx/>
+              <a:buNone/>
+              <a:defRPr sz="1600"/>
+            </a:lvl3pPr>
+            <a:lvl4pPr marL="1828480" indent="0">
+              <a:buFontTx/>
+              <a:buNone/>
+              <a:defRPr sz="1400"/>
+            </a:lvl4pPr>
+            <a:lvl5pPr marL="2437973" indent="0">
+              <a:buFontTx/>
+              <a:buNone/>
+              <a:defRPr sz="1400"/>
+            </a:lvl5pPr>
+          </a:lstStyle>
+          <a:p>
+            <a:pPr lvl="0"/>
+            <a:r>
+              <a:rPr lang="en-US" dirty="0"/>
+              <a:t>Click to edit Master text styles</a:t>
+            </a:r>
+            <a:endParaRPr lang="en-IN" dirty="0"/>
+          </a:p>
+        </p:txBody>
+      </p:sp>
+    </p:spTree>
+    <p:extLst>
+      <p:ext uri="{BB962C8B-B14F-4D97-AF65-F5344CB8AC3E}">
+        <p14:creationId xmlns:p14="http://schemas.microsoft.com/office/powerpoint/2010/main" val="2549721615"/>
+      </p:ext>
+    </p:extLst>
+  </p:cSld>
+  <p:clrMapOvr>
+    <a:masterClrMapping/>
+  </p:clrMapOvr>
+</p:sldLayout>
+</file>
+
+<file path=ppt/slideLayouts/slideLayout19.xml><?xml version="1.0" encoding="utf-8"?>
+<p:sldLayout xmlns:a="http://schemas.openxmlformats.org/drawingml/2006/main" xmlns:r="http://schemas.openxmlformats.org/officeDocument/2006/relationships" xmlns:p="http://schemas.openxmlformats.org/presentationml/2006/main" userDrawn="1">
+  <p:cSld name="20_Title Only">
+    <p:spTree>
+      <p:nvGrpSpPr>
+        <p:cNvPr id="1" name=""/>
+        <p:cNvGrpSpPr/>
+        <p:nvPr/>
+      </p:nvGrpSpPr>
+      <p:grpSpPr>
+        <a:xfrm>
+          <a:off x="0" y="0"/>
+          <a:ext cx="0" cy="0"/>
+          <a:chOff x="0" y="0"/>
+          <a:chExt cx="0" cy="0"/>
+        </a:xfrm>
+      </p:grpSpPr>
+      <p:sp>
+        <p:nvSpPr>
+          <p:cNvPr id="2" name="Title 1"/>
+          <p:cNvSpPr>
+            <a:spLocks noGrp="1"/>
+          </p:cNvSpPr>
+          <p:nvPr>
+            <p:ph type="title"/>
+          </p:nvPr>
+        </p:nvSpPr>
+        <p:spPr/>
+        <p:txBody>
+          <a:bodyPr>
+            <a:noAutofit/>
+          </a:bodyPr>
+          <a:lstStyle>
+            <a:lvl1pPr>
+              <a:defRPr sz="3600"/>
+            </a:lvl1pPr>
+          </a:lstStyle>
+          <a:p>
+            <a:r>
+              <a:rPr lang="en-US"/>
+              <a:t>Click to edit Master title style</a:t>
+            </a:r>
+          </a:p>
+        </p:txBody>
+      </p:sp>
+      <p:sp>
+        <p:nvSpPr>
+          <p:cNvPr id="3" name="Date Placeholder 2"/>
+          <p:cNvSpPr>
+            <a:spLocks noGrp="1"/>
+          </p:cNvSpPr>
+          <p:nvPr>
+            <p:ph type="dt" sz="half" idx="10"/>
+          </p:nvPr>
+        </p:nvSpPr>
+        <p:spPr/>
+        <p:txBody>
+          <a:bodyPr/>
+          <a:lstStyle/>
+          <a:p>
+            <a:fld id="{425404F2-BE9A-4460-8815-8F645183555F}" type="datetimeFigureOut">
+              <a:rPr lang="en-US" smtClean="0"/>
+              <a:pPr/>
+              <a:t>12/16/2020</a:t>
+            </a:fld>
+            <a:endParaRPr lang="en-US"/>
+          </a:p>
+        </p:txBody>
+      </p:sp>
+      <p:sp>
+        <p:nvSpPr>
+          <p:cNvPr id="4" name="Footer Placeholder 3"/>
+          <p:cNvSpPr>
+            <a:spLocks noGrp="1"/>
+          </p:cNvSpPr>
+          <p:nvPr>
+            <p:ph type="ftr" sz="quarter" idx="11"/>
+          </p:nvPr>
+        </p:nvSpPr>
+        <p:spPr/>
+        <p:txBody>
+          <a:bodyPr/>
+          <a:lstStyle/>
+          <a:p>
+            <a:endParaRPr lang="en-US"/>
+          </a:p>
+        </p:txBody>
+      </p:sp>
+      <p:sp>
+        <p:nvSpPr>
+          <p:cNvPr id="5" name="Slide Number Placeholder 4"/>
+          <p:cNvSpPr>
+            <a:spLocks noGrp="1"/>
+          </p:cNvSpPr>
+          <p:nvPr>
+            <p:ph type="sldNum" sz="quarter" idx="12"/>
+          </p:nvPr>
+        </p:nvSpPr>
+        <p:spPr/>
+        <p:txBody>
+          <a:bodyPr/>
+          <a:lstStyle/>
+          <a:p>
+            <a:fld id="{96E69268-9C8B-4EBF-A9EE-DC5DC2D48DC3}" type="slidenum">
+              <a:rPr lang="en-US" smtClean="0"/>
+              <a:pPr/>
+              <a:t>‹#›</a:t>
+            </a:fld>
+            <a:endParaRPr lang="en-US"/>
+          </a:p>
+        </p:txBody>
+      </p:sp>
+      <p:sp>
+        <p:nvSpPr>
+          <p:cNvPr id="9" name="Content Placeholder 6"/>
+          <p:cNvSpPr>
+            <a:spLocks noGrp="1"/>
+          </p:cNvSpPr>
+          <p:nvPr>
+            <p:ph sz="quarter" idx="13"/>
+          </p:nvPr>
+        </p:nvSpPr>
+        <p:spPr>
+          <a:xfrm>
+            <a:off x="608170" y="932702"/>
+            <a:ext cx="10975658" cy="484187"/>
+          </a:xfrm>
+        </p:spPr>
+        <p:txBody>
+          <a:bodyPr>
+            <a:noAutofit/>
+          </a:bodyPr>
+          <a:lstStyle>
+            <a:lvl1pPr marL="0" indent="0">
+              <a:buFontTx/>
+              <a:buNone/>
+              <a:defRPr sz="2200"/>
+            </a:lvl1pPr>
+            <a:lvl2pPr marL="609494" indent="0">
+              <a:buFontTx/>
+              <a:buNone/>
+              <a:defRPr sz="2000"/>
+            </a:lvl2pPr>
+            <a:lvl3pPr marL="1218986" indent="0">
+              <a:buFontTx/>
+              <a:buNone/>
+              <a:defRPr sz="1600"/>
+            </a:lvl3pPr>
+            <a:lvl4pPr marL="1828480" indent="0">
+              <a:buFontTx/>
+              <a:buNone/>
+              <a:defRPr sz="1400"/>
+            </a:lvl4pPr>
+            <a:lvl5pPr marL="2437973" indent="0">
+              <a:buFontTx/>
+              <a:buNone/>
+              <a:defRPr sz="1400"/>
+            </a:lvl5pPr>
+          </a:lstStyle>
+          <a:p>
+            <a:pPr lvl="0"/>
+            <a:r>
+              <a:rPr lang="en-US" dirty="0"/>
+              <a:t>Click to edit Master text styles</a:t>
+            </a:r>
+            <a:endParaRPr lang="en-IN" dirty="0"/>
+          </a:p>
+        </p:txBody>
+      </p:sp>
+    </p:spTree>
+    <p:extLst>
+      <p:ext uri="{BB962C8B-B14F-4D97-AF65-F5344CB8AC3E}">
+        <p14:creationId xmlns:p14="http://schemas.microsoft.com/office/powerpoint/2010/main" val="4002971214"/>
       </p:ext>
     </p:extLst>
   </p:cSld>
@@ -3057,7 +3053,7 @@
           <a:p>
             <a:fld id="{E26E0DA5-0C76-4851-AA82-0B75261F9EB4}" type="datetimeFigureOut">
               <a:rPr lang="en-US" smtClean="0"/>
-              <a:t>12/15/2020</a:t>
+              <a:t>12/16/2020</a:t>
             </a:fld>
             <a:endParaRPr lang="en-US"/>
           </a:p>
@@ -3119,734 +3115,6 @@
 </file>
 
 <file path=ppt/slideLayouts/slideLayout20.xml><?xml version="1.0" encoding="utf-8"?>
-<p:sldLayout xmlns:a="http://schemas.openxmlformats.org/drawingml/2006/main" xmlns:r="http://schemas.openxmlformats.org/officeDocument/2006/relationships" xmlns:p="http://schemas.openxmlformats.org/presentationml/2006/main" userDrawn="1">
-  <p:cSld name="16_Title Only">
-    <p:spTree>
-      <p:nvGrpSpPr>
-        <p:cNvPr id="1" name=""/>
-        <p:cNvGrpSpPr/>
-        <p:nvPr/>
-      </p:nvGrpSpPr>
-      <p:grpSpPr>
-        <a:xfrm>
-          <a:off x="0" y="0"/>
-          <a:ext cx="0" cy="0"/>
-          <a:chOff x="0" y="0"/>
-          <a:chExt cx="0" cy="0"/>
-        </a:xfrm>
-      </p:grpSpPr>
-      <p:sp>
-        <p:nvSpPr>
-          <p:cNvPr id="2" name="Title 1"/>
-          <p:cNvSpPr>
-            <a:spLocks noGrp="1"/>
-          </p:cNvSpPr>
-          <p:nvPr>
-            <p:ph type="title"/>
-          </p:nvPr>
-        </p:nvSpPr>
-        <p:spPr/>
-        <p:txBody>
-          <a:bodyPr>
-            <a:noAutofit/>
-          </a:bodyPr>
-          <a:lstStyle>
-            <a:lvl1pPr>
-              <a:defRPr sz="3600"/>
-            </a:lvl1pPr>
-          </a:lstStyle>
-          <a:p>
-            <a:r>
-              <a:rPr lang="en-US"/>
-              <a:t>Click to edit Master title style</a:t>
-            </a:r>
-          </a:p>
-        </p:txBody>
-      </p:sp>
-      <p:sp>
-        <p:nvSpPr>
-          <p:cNvPr id="3" name="Date Placeholder 2"/>
-          <p:cNvSpPr>
-            <a:spLocks noGrp="1"/>
-          </p:cNvSpPr>
-          <p:nvPr>
-            <p:ph type="dt" sz="half" idx="10"/>
-          </p:nvPr>
-        </p:nvSpPr>
-        <p:spPr/>
-        <p:txBody>
-          <a:bodyPr/>
-          <a:lstStyle/>
-          <a:p>
-            <a:fld id="{425404F2-BE9A-4460-8815-8F645183555F}" type="datetimeFigureOut">
-              <a:rPr lang="en-US" smtClean="0"/>
-              <a:pPr/>
-              <a:t>12/15/2020</a:t>
-            </a:fld>
-            <a:endParaRPr lang="en-US"/>
-          </a:p>
-        </p:txBody>
-      </p:sp>
-      <p:sp>
-        <p:nvSpPr>
-          <p:cNvPr id="4" name="Footer Placeholder 3"/>
-          <p:cNvSpPr>
-            <a:spLocks noGrp="1"/>
-          </p:cNvSpPr>
-          <p:nvPr>
-            <p:ph type="ftr" sz="quarter" idx="11"/>
-          </p:nvPr>
-        </p:nvSpPr>
-        <p:spPr/>
-        <p:txBody>
-          <a:bodyPr/>
-          <a:lstStyle/>
-          <a:p>
-            <a:endParaRPr lang="en-US"/>
-          </a:p>
-        </p:txBody>
-      </p:sp>
-      <p:sp>
-        <p:nvSpPr>
-          <p:cNvPr id="5" name="Slide Number Placeholder 4"/>
-          <p:cNvSpPr>
-            <a:spLocks noGrp="1"/>
-          </p:cNvSpPr>
-          <p:nvPr>
-            <p:ph type="sldNum" sz="quarter" idx="12"/>
-          </p:nvPr>
-        </p:nvSpPr>
-        <p:spPr/>
-        <p:txBody>
-          <a:bodyPr/>
-          <a:lstStyle/>
-          <a:p>
-            <a:fld id="{96E69268-9C8B-4EBF-A9EE-DC5DC2D48DC3}" type="slidenum">
-              <a:rPr lang="en-US" smtClean="0"/>
-              <a:pPr/>
-              <a:t>‹#›</a:t>
-            </a:fld>
-            <a:endParaRPr lang="en-US"/>
-          </a:p>
-        </p:txBody>
-      </p:sp>
-      <p:sp>
-        <p:nvSpPr>
-          <p:cNvPr id="9" name="Content Placeholder 6"/>
-          <p:cNvSpPr>
-            <a:spLocks noGrp="1"/>
-          </p:cNvSpPr>
-          <p:nvPr>
-            <p:ph sz="quarter" idx="13"/>
-          </p:nvPr>
-        </p:nvSpPr>
-        <p:spPr>
-          <a:xfrm>
-            <a:off x="608170" y="932702"/>
-            <a:ext cx="10975658" cy="484187"/>
-          </a:xfrm>
-        </p:spPr>
-        <p:txBody>
-          <a:bodyPr>
-            <a:noAutofit/>
-          </a:bodyPr>
-          <a:lstStyle>
-            <a:lvl1pPr marL="0" indent="0">
-              <a:buFontTx/>
-              <a:buNone/>
-              <a:defRPr sz="2200"/>
-            </a:lvl1pPr>
-            <a:lvl2pPr marL="609494" indent="0">
-              <a:buFontTx/>
-              <a:buNone/>
-              <a:defRPr sz="2000"/>
-            </a:lvl2pPr>
-            <a:lvl3pPr marL="1218986" indent="0">
-              <a:buFontTx/>
-              <a:buNone/>
-              <a:defRPr sz="1600"/>
-            </a:lvl3pPr>
-            <a:lvl4pPr marL="1828480" indent="0">
-              <a:buFontTx/>
-              <a:buNone/>
-              <a:defRPr sz="1400"/>
-            </a:lvl4pPr>
-            <a:lvl5pPr marL="2437973" indent="0">
-              <a:buFontTx/>
-              <a:buNone/>
-              <a:defRPr sz="1400"/>
-            </a:lvl5pPr>
-          </a:lstStyle>
-          <a:p>
-            <a:pPr lvl="0"/>
-            <a:r>
-              <a:rPr lang="en-US" dirty="0"/>
-              <a:t>Click to edit Master text styles</a:t>
-            </a:r>
-            <a:endParaRPr lang="en-IN" dirty="0"/>
-          </a:p>
-        </p:txBody>
-      </p:sp>
-    </p:spTree>
-    <p:extLst>
-      <p:ext uri="{BB962C8B-B14F-4D97-AF65-F5344CB8AC3E}">
-        <p14:creationId xmlns:p14="http://schemas.microsoft.com/office/powerpoint/2010/main" val="4075137405"/>
-      </p:ext>
-    </p:extLst>
-  </p:cSld>
-  <p:clrMapOvr>
-    <a:masterClrMapping/>
-  </p:clrMapOvr>
-</p:sldLayout>
-</file>
-
-<file path=ppt/slideLayouts/slideLayout21.xml><?xml version="1.0" encoding="utf-8"?>
-<p:sldLayout xmlns:a="http://schemas.openxmlformats.org/drawingml/2006/main" xmlns:r="http://schemas.openxmlformats.org/officeDocument/2006/relationships" xmlns:p="http://schemas.openxmlformats.org/presentationml/2006/main" userDrawn="1">
-  <p:cSld name="19_Title Only">
-    <p:spTree>
-      <p:nvGrpSpPr>
-        <p:cNvPr id="1" name=""/>
-        <p:cNvGrpSpPr/>
-        <p:nvPr/>
-      </p:nvGrpSpPr>
-      <p:grpSpPr>
-        <a:xfrm>
-          <a:off x="0" y="0"/>
-          <a:ext cx="0" cy="0"/>
-          <a:chOff x="0" y="0"/>
-          <a:chExt cx="0" cy="0"/>
-        </a:xfrm>
-      </p:grpSpPr>
-      <p:sp>
-        <p:nvSpPr>
-          <p:cNvPr id="2" name="Title 1"/>
-          <p:cNvSpPr>
-            <a:spLocks noGrp="1"/>
-          </p:cNvSpPr>
-          <p:nvPr>
-            <p:ph type="title"/>
-          </p:nvPr>
-        </p:nvSpPr>
-        <p:spPr/>
-        <p:txBody>
-          <a:bodyPr>
-            <a:noAutofit/>
-          </a:bodyPr>
-          <a:lstStyle>
-            <a:lvl1pPr>
-              <a:defRPr sz="3600"/>
-            </a:lvl1pPr>
-          </a:lstStyle>
-          <a:p>
-            <a:r>
-              <a:rPr lang="en-US"/>
-              <a:t>Click to edit Master title style</a:t>
-            </a:r>
-          </a:p>
-        </p:txBody>
-      </p:sp>
-      <p:sp>
-        <p:nvSpPr>
-          <p:cNvPr id="3" name="Date Placeholder 2"/>
-          <p:cNvSpPr>
-            <a:spLocks noGrp="1"/>
-          </p:cNvSpPr>
-          <p:nvPr>
-            <p:ph type="dt" sz="half" idx="10"/>
-          </p:nvPr>
-        </p:nvSpPr>
-        <p:spPr/>
-        <p:txBody>
-          <a:bodyPr/>
-          <a:lstStyle/>
-          <a:p>
-            <a:fld id="{425404F2-BE9A-4460-8815-8F645183555F}" type="datetimeFigureOut">
-              <a:rPr lang="en-US" smtClean="0"/>
-              <a:pPr/>
-              <a:t>12/15/2020</a:t>
-            </a:fld>
-            <a:endParaRPr lang="en-US"/>
-          </a:p>
-        </p:txBody>
-      </p:sp>
-      <p:sp>
-        <p:nvSpPr>
-          <p:cNvPr id="4" name="Footer Placeholder 3"/>
-          <p:cNvSpPr>
-            <a:spLocks noGrp="1"/>
-          </p:cNvSpPr>
-          <p:nvPr>
-            <p:ph type="ftr" sz="quarter" idx="11"/>
-          </p:nvPr>
-        </p:nvSpPr>
-        <p:spPr/>
-        <p:txBody>
-          <a:bodyPr/>
-          <a:lstStyle/>
-          <a:p>
-            <a:endParaRPr lang="en-US"/>
-          </a:p>
-        </p:txBody>
-      </p:sp>
-      <p:sp>
-        <p:nvSpPr>
-          <p:cNvPr id="5" name="Slide Number Placeholder 4"/>
-          <p:cNvSpPr>
-            <a:spLocks noGrp="1"/>
-          </p:cNvSpPr>
-          <p:nvPr>
-            <p:ph type="sldNum" sz="quarter" idx="12"/>
-          </p:nvPr>
-        </p:nvSpPr>
-        <p:spPr/>
-        <p:txBody>
-          <a:bodyPr/>
-          <a:lstStyle/>
-          <a:p>
-            <a:fld id="{96E69268-9C8B-4EBF-A9EE-DC5DC2D48DC3}" type="slidenum">
-              <a:rPr lang="en-US" smtClean="0"/>
-              <a:pPr/>
-              <a:t>‹#›</a:t>
-            </a:fld>
-            <a:endParaRPr lang="en-US"/>
-          </a:p>
-        </p:txBody>
-      </p:sp>
-      <p:sp>
-        <p:nvSpPr>
-          <p:cNvPr id="9" name="Content Placeholder 6"/>
-          <p:cNvSpPr>
-            <a:spLocks noGrp="1"/>
-          </p:cNvSpPr>
-          <p:nvPr>
-            <p:ph sz="quarter" idx="13"/>
-          </p:nvPr>
-        </p:nvSpPr>
-        <p:spPr>
-          <a:xfrm>
-            <a:off x="608170" y="932702"/>
-            <a:ext cx="10975658" cy="484187"/>
-          </a:xfrm>
-        </p:spPr>
-        <p:txBody>
-          <a:bodyPr>
-            <a:noAutofit/>
-          </a:bodyPr>
-          <a:lstStyle>
-            <a:lvl1pPr marL="0" indent="0">
-              <a:buFontTx/>
-              <a:buNone/>
-              <a:defRPr sz="2200"/>
-            </a:lvl1pPr>
-            <a:lvl2pPr marL="609494" indent="0">
-              <a:buFontTx/>
-              <a:buNone/>
-              <a:defRPr sz="2000"/>
-            </a:lvl2pPr>
-            <a:lvl3pPr marL="1218986" indent="0">
-              <a:buFontTx/>
-              <a:buNone/>
-              <a:defRPr sz="1600"/>
-            </a:lvl3pPr>
-            <a:lvl4pPr marL="1828480" indent="0">
-              <a:buFontTx/>
-              <a:buNone/>
-              <a:defRPr sz="1400"/>
-            </a:lvl4pPr>
-            <a:lvl5pPr marL="2437973" indent="0">
-              <a:buFontTx/>
-              <a:buNone/>
-              <a:defRPr sz="1400"/>
-            </a:lvl5pPr>
-          </a:lstStyle>
-          <a:p>
-            <a:pPr lvl="0"/>
-            <a:r>
-              <a:rPr lang="en-US" dirty="0"/>
-              <a:t>Click to edit Master text styles</a:t>
-            </a:r>
-            <a:endParaRPr lang="en-IN" dirty="0"/>
-          </a:p>
-        </p:txBody>
-      </p:sp>
-    </p:spTree>
-    <p:extLst>
-      <p:ext uri="{BB962C8B-B14F-4D97-AF65-F5344CB8AC3E}">
-        <p14:creationId xmlns:p14="http://schemas.microsoft.com/office/powerpoint/2010/main" val="2549721615"/>
-      </p:ext>
-    </p:extLst>
-  </p:cSld>
-  <p:clrMapOvr>
-    <a:masterClrMapping/>
-  </p:clrMapOvr>
-</p:sldLayout>
-</file>
-
-<file path=ppt/slideLayouts/slideLayout22.xml><?xml version="1.0" encoding="utf-8"?>
-<p:sldLayout xmlns:a="http://schemas.openxmlformats.org/drawingml/2006/main" xmlns:r="http://schemas.openxmlformats.org/officeDocument/2006/relationships" xmlns:p="http://schemas.openxmlformats.org/presentationml/2006/main" userDrawn="1">
-  <p:cSld name="20_Title Only">
-    <p:spTree>
-      <p:nvGrpSpPr>
-        <p:cNvPr id="1" name=""/>
-        <p:cNvGrpSpPr/>
-        <p:nvPr/>
-      </p:nvGrpSpPr>
-      <p:grpSpPr>
-        <a:xfrm>
-          <a:off x="0" y="0"/>
-          <a:ext cx="0" cy="0"/>
-          <a:chOff x="0" y="0"/>
-          <a:chExt cx="0" cy="0"/>
-        </a:xfrm>
-      </p:grpSpPr>
-      <p:sp>
-        <p:nvSpPr>
-          <p:cNvPr id="2" name="Title 1"/>
-          <p:cNvSpPr>
-            <a:spLocks noGrp="1"/>
-          </p:cNvSpPr>
-          <p:nvPr>
-            <p:ph type="title"/>
-          </p:nvPr>
-        </p:nvSpPr>
-        <p:spPr/>
-        <p:txBody>
-          <a:bodyPr>
-            <a:noAutofit/>
-          </a:bodyPr>
-          <a:lstStyle>
-            <a:lvl1pPr>
-              <a:defRPr sz="3600"/>
-            </a:lvl1pPr>
-          </a:lstStyle>
-          <a:p>
-            <a:r>
-              <a:rPr lang="en-US"/>
-              <a:t>Click to edit Master title style</a:t>
-            </a:r>
-          </a:p>
-        </p:txBody>
-      </p:sp>
-      <p:sp>
-        <p:nvSpPr>
-          <p:cNvPr id="3" name="Date Placeholder 2"/>
-          <p:cNvSpPr>
-            <a:spLocks noGrp="1"/>
-          </p:cNvSpPr>
-          <p:nvPr>
-            <p:ph type="dt" sz="half" idx="10"/>
-          </p:nvPr>
-        </p:nvSpPr>
-        <p:spPr/>
-        <p:txBody>
-          <a:bodyPr/>
-          <a:lstStyle/>
-          <a:p>
-            <a:fld id="{425404F2-BE9A-4460-8815-8F645183555F}" type="datetimeFigureOut">
-              <a:rPr lang="en-US" smtClean="0"/>
-              <a:pPr/>
-              <a:t>12/15/2020</a:t>
-            </a:fld>
-            <a:endParaRPr lang="en-US"/>
-          </a:p>
-        </p:txBody>
-      </p:sp>
-      <p:sp>
-        <p:nvSpPr>
-          <p:cNvPr id="4" name="Footer Placeholder 3"/>
-          <p:cNvSpPr>
-            <a:spLocks noGrp="1"/>
-          </p:cNvSpPr>
-          <p:nvPr>
-            <p:ph type="ftr" sz="quarter" idx="11"/>
-          </p:nvPr>
-        </p:nvSpPr>
-        <p:spPr/>
-        <p:txBody>
-          <a:bodyPr/>
-          <a:lstStyle/>
-          <a:p>
-            <a:endParaRPr lang="en-US"/>
-          </a:p>
-        </p:txBody>
-      </p:sp>
-      <p:sp>
-        <p:nvSpPr>
-          <p:cNvPr id="5" name="Slide Number Placeholder 4"/>
-          <p:cNvSpPr>
-            <a:spLocks noGrp="1"/>
-          </p:cNvSpPr>
-          <p:nvPr>
-            <p:ph type="sldNum" sz="quarter" idx="12"/>
-          </p:nvPr>
-        </p:nvSpPr>
-        <p:spPr/>
-        <p:txBody>
-          <a:bodyPr/>
-          <a:lstStyle/>
-          <a:p>
-            <a:fld id="{96E69268-9C8B-4EBF-A9EE-DC5DC2D48DC3}" type="slidenum">
-              <a:rPr lang="en-US" smtClean="0"/>
-              <a:pPr/>
-              <a:t>‹#›</a:t>
-            </a:fld>
-            <a:endParaRPr lang="en-US"/>
-          </a:p>
-        </p:txBody>
-      </p:sp>
-      <p:sp>
-        <p:nvSpPr>
-          <p:cNvPr id="9" name="Content Placeholder 6"/>
-          <p:cNvSpPr>
-            <a:spLocks noGrp="1"/>
-          </p:cNvSpPr>
-          <p:nvPr>
-            <p:ph sz="quarter" idx="13"/>
-          </p:nvPr>
-        </p:nvSpPr>
-        <p:spPr>
-          <a:xfrm>
-            <a:off x="608170" y="932702"/>
-            <a:ext cx="10975658" cy="484187"/>
-          </a:xfrm>
-        </p:spPr>
-        <p:txBody>
-          <a:bodyPr>
-            <a:noAutofit/>
-          </a:bodyPr>
-          <a:lstStyle>
-            <a:lvl1pPr marL="0" indent="0">
-              <a:buFontTx/>
-              <a:buNone/>
-              <a:defRPr sz="2200"/>
-            </a:lvl1pPr>
-            <a:lvl2pPr marL="609494" indent="0">
-              <a:buFontTx/>
-              <a:buNone/>
-              <a:defRPr sz="2000"/>
-            </a:lvl2pPr>
-            <a:lvl3pPr marL="1218986" indent="0">
-              <a:buFontTx/>
-              <a:buNone/>
-              <a:defRPr sz="1600"/>
-            </a:lvl3pPr>
-            <a:lvl4pPr marL="1828480" indent="0">
-              <a:buFontTx/>
-              <a:buNone/>
-              <a:defRPr sz="1400"/>
-            </a:lvl4pPr>
-            <a:lvl5pPr marL="2437973" indent="0">
-              <a:buFontTx/>
-              <a:buNone/>
-              <a:defRPr sz="1400"/>
-            </a:lvl5pPr>
-          </a:lstStyle>
-          <a:p>
-            <a:pPr lvl="0"/>
-            <a:r>
-              <a:rPr lang="en-US" dirty="0"/>
-              <a:t>Click to edit Master text styles</a:t>
-            </a:r>
-            <a:endParaRPr lang="en-IN" dirty="0"/>
-          </a:p>
-        </p:txBody>
-      </p:sp>
-    </p:spTree>
-    <p:extLst>
-      <p:ext uri="{BB962C8B-B14F-4D97-AF65-F5344CB8AC3E}">
-        <p14:creationId xmlns:p14="http://schemas.microsoft.com/office/powerpoint/2010/main" val="4002971214"/>
-      </p:ext>
-    </p:extLst>
-  </p:cSld>
-  <p:clrMapOvr>
-    <a:masterClrMapping/>
-  </p:clrMapOvr>
-</p:sldLayout>
-</file>
-
-<file path=ppt/slideLayouts/slideLayout23.xml><?xml version="1.0" encoding="utf-8"?>
-<p:sldLayout xmlns:a="http://schemas.openxmlformats.org/drawingml/2006/main" xmlns:r="http://schemas.openxmlformats.org/officeDocument/2006/relationships" xmlns:p="http://schemas.openxmlformats.org/presentationml/2006/main" userDrawn="1">
-  <p:cSld name="21_Title Only">
-    <p:spTree>
-      <p:nvGrpSpPr>
-        <p:cNvPr id="1" name=""/>
-        <p:cNvGrpSpPr/>
-        <p:nvPr/>
-      </p:nvGrpSpPr>
-      <p:grpSpPr>
-        <a:xfrm>
-          <a:off x="0" y="0"/>
-          <a:ext cx="0" cy="0"/>
-          <a:chOff x="0" y="0"/>
-          <a:chExt cx="0" cy="0"/>
-        </a:xfrm>
-      </p:grpSpPr>
-      <p:sp>
-        <p:nvSpPr>
-          <p:cNvPr id="2" name="Title 1"/>
-          <p:cNvSpPr>
-            <a:spLocks noGrp="1"/>
-          </p:cNvSpPr>
-          <p:nvPr>
-            <p:ph type="title"/>
-          </p:nvPr>
-        </p:nvSpPr>
-        <p:spPr/>
-        <p:txBody>
-          <a:bodyPr>
-            <a:noAutofit/>
-          </a:bodyPr>
-          <a:lstStyle>
-            <a:lvl1pPr>
-              <a:defRPr sz="3600"/>
-            </a:lvl1pPr>
-          </a:lstStyle>
-          <a:p>
-            <a:r>
-              <a:rPr lang="en-US"/>
-              <a:t>Click to edit Master title style</a:t>
-            </a:r>
-          </a:p>
-        </p:txBody>
-      </p:sp>
-      <p:sp>
-        <p:nvSpPr>
-          <p:cNvPr id="3" name="Date Placeholder 2"/>
-          <p:cNvSpPr>
-            <a:spLocks noGrp="1"/>
-          </p:cNvSpPr>
-          <p:nvPr>
-            <p:ph type="dt" sz="half" idx="10"/>
-          </p:nvPr>
-        </p:nvSpPr>
-        <p:spPr/>
-        <p:txBody>
-          <a:bodyPr/>
-          <a:lstStyle/>
-          <a:p>
-            <a:fld id="{425404F2-BE9A-4460-8815-8F645183555F}" type="datetimeFigureOut">
-              <a:rPr lang="en-US" smtClean="0"/>
-              <a:pPr/>
-              <a:t>12/15/2020</a:t>
-            </a:fld>
-            <a:endParaRPr lang="en-US"/>
-          </a:p>
-        </p:txBody>
-      </p:sp>
-      <p:sp>
-        <p:nvSpPr>
-          <p:cNvPr id="4" name="Footer Placeholder 3"/>
-          <p:cNvSpPr>
-            <a:spLocks noGrp="1"/>
-          </p:cNvSpPr>
-          <p:nvPr>
-            <p:ph type="ftr" sz="quarter" idx="11"/>
-          </p:nvPr>
-        </p:nvSpPr>
-        <p:spPr/>
-        <p:txBody>
-          <a:bodyPr/>
-          <a:lstStyle/>
-          <a:p>
-            <a:endParaRPr lang="en-US"/>
-          </a:p>
-        </p:txBody>
-      </p:sp>
-      <p:sp>
-        <p:nvSpPr>
-          <p:cNvPr id="5" name="Slide Number Placeholder 4"/>
-          <p:cNvSpPr>
-            <a:spLocks noGrp="1"/>
-          </p:cNvSpPr>
-          <p:nvPr>
-            <p:ph type="sldNum" sz="quarter" idx="12"/>
-          </p:nvPr>
-        </p:nvSpPr>
-        <p:spPr/>
-        <p:txBody>
-          <a:bodyPr/>
-          <a:lstStyle/>
-          <a:p>
-            <a:fld id="{96E69268-9C8B-4EBF-A9EE-DC5DC2D48DC3}" type="slidenum">
-              <a:rPr lang="en-US" smtClean="0"/>
-              <a:pPr/>
-              <a:t>‹#›</a:t>
-            </a:fld>
-            <a:endParaRPr lang="en-US"/>
-          </a:p>
-        </p:txBody>
-      </p:sp>
-      <p:sp>
-        <p:nvSpPr>
-          <p:cNvPr id="9" name="Content Placeholder 6"/>
-          <p:cNvSpPr>
-            <a:spLocks noGrp="1"/>
-          </p:cNvSpPr>
-          <p:nvPr>
-            <p:ph sz="quarter" idx="13"/>
-          </p:nvPr>
-        </p:nvSpPr>
-        <p:spPr>
-          <a:xfrm>
-            <a:off x="608170" y="932702"/>
-            <a:ext cx="10975658" cy="484187"/>
-          </a:xfrm>
-        </p:spPr>
-        <p:txBody>
-          <a:bodyPr>
-            <a:noAutofit/>
-          </a:bodyPr>
-          <a:lstStyle>
-            <a:lvl1pPr marL="0" indent="0">
-              <a:buFontTx/>
-              <a:buNone/>
-              <a:defRPr sz="2200"/>
-            </a:lvl1pPr>
-            <a:lvl2pPr marL="609494" indent="0">
-              <a:buFontTx/>
-              <a:buNone/>
-              <a:defRPr sz="2000"/>
-            </a:lvl2pPr>
-            <a:lvl3pPr marL="1218986" indent="0">
-              <a:buFontTx/>
-              <a:buNone/>
-              <a:defRPr sz="1600"/>
-            </a:lvl3pPr>
-            <a:lvl4pPr marL="1828480" indent="0">
-              <a:buFontTx/>
-              <a:buNone/>
-              <a:defRPr sz="1400"/>
-            </a:lvl4pPr>
-            <a:lvl5pPr marL="2437973" indent="0">
-              <a:buFontTx/>
-              <a:buNone/>
-              <a:defRPr sz="1400"/>
-            </a:lvl5pPr>
-          </a:lstStyle>
-          <a:p>
-            <a:pPr lvl="0"/>
-            <a:r>
-              <a:rPr lang="en-US" dirty="0"/>
-              <a:t>Click to edit Master text styles</a:t>
-            </a:r>
-            <a:endParaRPr lang="en-IN" dirty="0"/>
-          </a:p>
-        </p:txBody>
-      </p:sp>
-    </p:spTree>
-    <p:extLst>
-      <p:ext uri="{BB962C8B-B14F-4D97-AF65-F5344CB8AC3E}">
-        <p14:creationId xmlns:p14="http://schemas.microsoft.com/office/powerpoint/2010/main" val="3122474114"/>
-      </p:ext>
-    </p:extLst>
-  </p:cSld>
-  <p:clrMapOvr>
-    <a:masterClrMapping/>
-  </p:clrMapOvr>
-</p:sldLayout>
-</file>
-
-<file path=ppt/slideLayouts/slideLayout24.xml><?xml version="1.0" encoding="utf-8"?>
 <p:sldLayout xmlns:a="http://schemas.openxmlformats.org/drawingml/2006/main" xmlns:r="http://schemas.openxmlformats.org/officeDocument/2006/relationships" xmlns:p="http://schemas.openxmlformats.org/presentationml/2006/main" type="title" preserve="1">
   <p:cSld name="1_Title Slide">
     <p:spTree>
@@ -4112,7 +3380,7 @@
             <a:fld id="{9578D6DB-6798-42D2-B9AD-FC6F1C72FC30}" type="datetimeFigureOut">
               <a:rPr lang="en-US" smtClean="0"/>
               <a:pPr/>
-              <a:t>12/15/2020</a:t>
+              <a:t>12/16/2020</a:t>
             </a:fld>
             <a:endParaRPr lang="en-US"/>
           </a:p>
@@ -4174,7 +3442,7 @@
 </p:sldLayout>
 </file>
 
-<file path=ppt/slideLayouts/slideLayout25.xml><?xml version="1.0" encoding="utf-8"?>
+<file path=ppt/slideLayouts/slideLayout21.xml><?xml version="1.0" encoding="utf-8"?>
 <p:sldLayout xmlns:a="http://schemas.openxmlformats.org/drawingml/2006/main" xmlns:r="http://schemas.openxmlformats.org/officeDocument/2006/relationships" xmlns:p="http://schemas.openxmlformats.org/presentationml/2006/main" type="title" preserve="1">
   <p:cSld name="Title Slide">
     <p:spTree>
@@ -4354,7 +3622,7 @@
             <a:fld id="{425404F2-BE9A-4460-8815-8F645183555F}" type="datetimeFigureOut">
               <a:rPr lang="en-US" smtClean="0"/>
               <a:pPr/>
-              <a:t>12/15/2020</a:t>
+              <a:t>12/16/2020</a:t>
             </a:fld>
             <a:endParaRPr lang="en-US"/>
           </a:p>
@@ -4416,7 +3684,7 @@
 </p:sldLayout>
 </file>
 
-<file path=ppt/slideLayouts/slideLayout26.xml><?xml version="1.0" encoding="utf-8"?>
+<file path=ppt/slideLayouts/slideLayout22.xml><?xml version="1.0" encoding="utf-8"?>
 <p:sldLayout xmlns:a="http://schemas.openxmlformats.org/drawingml/2006/main" xmlns:r="http://schemas.openxmlformats.org/officeDocument/2006/relationships" xmlns:p="http://schemas.openxmlformats.org/presentationml/2006/main" preserve="1" userDrawn="1">
   <p:cSld name="Section Header">
     <p:spTree>
@@ -4482,7 +3750,7 @@
             <a:fld id="{425404F2-BE9A-4460-8815-8F645183555F}" type="datetimeFigureOut">
               <a:rPr lang="en-US" smtClean="0"/>
               <a:pPr/>
-              <a:t>12/15/2020</a:t>
+              <a:t>12/16/2020</a:t>
             </a:fld>
             <a:endParaRPr lang="en-US"/>
           </a:p>
@@ -4544,7 +3812,7 @@
 </p:sldLayout>
 </file>
 
-<file path=ppt/slideLayouts/slideLayout27.xml><?xml version="1.0" encoding="utf-8"?>
+<file path=ppt/slideLayouts/slideLayout23.xml><?xml version="1.0" encoding="utf-8"?>
 <p:sldLayout xmlns:a="http://schemas.openxmlformats.org/drawingml/2006/main" xmlns:r="http://schemas.openxmlformats.org/officeDocument/2006/relationships" xmlns:p="http://schemas.openxmlformats.org/presentationml/2006/main" type="title" preserve="1">
   <p:cSld name="2_Title Slide">
     <p:spTree>
@@ -4732,7 +4000,7 @@
             <a:fld id="{425404F2-BE9A-4460-8815-8F645183555F}" type="datetimeFigureOut">
               <a:rPr lang="en-US" smtClean="0"/>
               <a:pPr/>
-              <a:t>12/15/2020</a:t>
+              <a:t>12/16/2020</a:t>
             </a:fld>
             <a:endParaRPr lang="en-US"/>
           </a:p>
@@ -4794,7 +4062,7 @@
 </p:sldLayout>
 </file>
 
-<file path=ppt/slideLayouts/slideLayout28.xml><?xml version="1.0" encoding="utf-8"?>
+<file path=ppt/slideLayouts/slideLayout24.xml><?xml version="1.0" encoding="utf-8"?>
 <p:sldLayout xmlns:a="http://schemas.openxmlformats.org/drawingml/2006/main" xmlns:r="http://schemas.openxmlformats.org/officeDocument/2006/relationships" xmlns:p="http://schemas.openxmlformats.org/presentationml/2006/main" type="obj" preserve="1">
   <p:cSld name="Title and Content">
     <p:spTree>
@@ -4902,7 +4170,7 @@
             <a:fld id="{425404F2-BE9A-4460-8815-8F645183555F}" type="datetimeFigureOut">
               <a:rPr lang="en-US" smtClean="0"/>
               <a:pPr/>
-              <a:t>12/15/2020</a:t>
+              <a:t>12/16/2020</a:t>
             </a:fld>
             <a:endParaRPr lang="en-US"/>
           </a:p>
@@ -4964,7 +4232,7 @@
 </p:sldLayout>
 </file>
 
-<file path=ppt/slideLayouts/slideLayout29.xml><?xml version="1.0" encoding="utf-8"?>
+<file path=ppt/slideLayouts/slideLayout25.xml><?xml version="1.0" encoding="utf-8"?>
 <p:sldLayout xmlns:a="http://schemas.openxmlformats.org/drawingml/2006/main" xmlns:r="http://schemas.openxmlformats.org/officeDocument/2006/relationships" xmlns:p="http://schemas.openxmlformats.org/presentationml/2006/main" type="twoObj" preserve="1">
   <p:cSld name="Two Content">
     <p:spTree>
@@ -5189,7 +4457,7 @@
             <a:fld id="{425404F2-BE9A-4460-8815-8F645183555F}" type="datetimeFigureOut">
               <a:rPr lang="en-US" smtClean="0"/>
               <a:pPr/>
-              <a:t>12/15/2020</a:t>
+              <a:t>12/16/2020</a:t>
             </a:fld>
             <a:endParaRPr lang="en-US"/>
           </a:p>
@@ -5251,252 +4519,7 @@
 </p:sldLayout>
 </file>
 
-<file path=ppt/slideLayouts/slideLayout3.xml><?xml version="1.0" encoding="utf-8"?>
-<p:sldLayout xmlns:a="http://schemas.openxmlformats.org/drawingml/2006/main" xmlns:r="http://schemas.openxmlformats.org/officeDocument/2006/relationships" xmlns:p="http://schemas.openxmlformats.org/presentationml/2006/main" type="secHead" preserve="1">
-  <p:cSld name="Section Header">
-    <p:spTree>
-      <p:nvGrpSpPr>
-        <p:cNvPr id="1" name=""/>
-        <p:cNvGrpSpPr/>
-        <p:nvPr/>
-      </p:nvGrpSpPr>
-      <p:grpSpPr>
-        <a:xfrm>
-          <a:off x="0" y="0"/>
-          <a:ext cx="0" cy="0"/>
-          <a:chOff x="0" y="0"/>
-          <a:chExt cx="0" cy="0"/>
-        </a:xfrm>
-      </p:grpSpPr>
-      <p:sp>
-        <p:nvSpPr>
-          <p:cNvPr id="2" name="Title 1"/>
-          <p:cNvSpPr>
-            <a:spLocks noGrp="1"/>
-          </p:cNvSpPr>
-          <p:nvPr>
-            <p:ph type="title"/>
-          </p:nvPr>
-        </p:nvSpPr>
-        <p:spPr>
-          <a:xfrm>
-            <a:off x="831850" y="1709738"/>
-            <a:ext cx="10515600" cy="2852737"/>
-          </a:xfrm>
-        </p:spPr>
-        <p:txBody>
-          <a:bodyPr anchor="b"/>
-          <a:lstStyle>
-            <a:lvl1pPr>
-              <a:defRPr sz="6000"/>
-            </a:lvl1pPr>
-          </a:lstStyle>
-          <a:p>
-            <a:r>
-              <a:rPr lang="en-US"/>
-              <a:t>Click to edit Master title style</a:t>
-            </a:r>
-          </a:p>
-        </p:txBody>
-      </p:sp>
-      <p:sp>
-        <p:nvSpPr>
-          <p:cNvPr id="3" name="Text Placeholder 2"/>
-          <p:cNvSpPr>
-            <a:spLocks noGrp="1"/>
-          </p:cNvSpPr>
-          <p:nvPr>
-            <p:ph type="body" idx="1"/>
-          </p:nvPr>
-        </p:nvSpPr>
-        <p:spPr>
-          <a:xfrm>
-            <a:off x="831850" y="4589463"/>
-            <a:ext cx="10515600" cy="1500187"/>
-          </a:xfrm>
-        </p:spPr>
-        <p:txBody>
-          <a:bodyPr/>
-          <a:lstStyle>
-            <a:lvl1pPr marL="0" indent="0">
-              <a:buNone/>
-              <a:defRPr sz="2400">
-                <a:solidFill>
-                  <a:schemeClr val="tx1">
-                    <a:tint val="75000"/>
-                  </a:schemeClr>
-                </a:solidFill>
-              </a:defRPr>
-            </a:lvl1pPr>
-            <a:lvl2pPr marL="457200" indent="0">
-              <a:buNone/>
-              <a:defRPr sz="2000">
-                <a:solidFill>
-                  <a:schemeClr val="tx1">
-                    <a:tint val="75000"/>
-                  </a:schemeClr>
-                </a:solidFill>
-              </a:defRPr>
-            </a:lvl2pPr>
-            <a:lvl3pPr marL="914400" indent="0">
-              <a:buNone/>
-              <a:defRPr sz="1800">
-                <a:solidFill>
-                  <a:schemeClr val="tx1">
-                    <a:tint val="75000"/>
-                  </a:schemeClr>
-                </a:solidFill>
-              </a:defRPr>
-            </a:lvl3pPr>
-            <a:lvl4pPr marL="1371600" indent="0">
-              <a:buNone/>
-              <a:defRPr sz="1600">
-                <a:solidFill>
-                  <a:schemeClr val="tx1">
-                    <a:tint val="75000"/>
-                  </a:schemeClr>
-                </a:solidFill>
-              </a:defRPr>
-            </a:lvl4pPr>
-            <a:lvl5pPr marL="1828800" indent="0">
-              <a:buNone/>
-              <a:defRPr sz="1600">
-                <a:solidFill>
-                  <a:schemeClr val="tx1">
-                    <a:tint val="75000"/>
-                  </a:schemeClr>
-                </a:solidFill>
-              </a:defRPr>
-            </a:lvl5pPr>
-            <a:lvl6pPr marL="2286000" indent="0">
-              <a:buNone/>
-              <a:defRPr sz="1600">
-                <a:solidFill>
-                  <a:schemeClr val="tx1">
-                    <a:tint val="75000"/>
-                  </a:schemeClr>
-                </a:solidFill>
-              </a:defRPr>
-            </a:lvl6pPr>
-            <a:lvl7pPr marL="2743200" indent="0">
-              <a:buNone/>
-              <a:defRPr sz="1600">
-                <a:solidFill>
-                  <a:schemeClr val="tx1">
-                    <a:tint val="75000"/>
-                  </a:schemeClr>
-                </a:solidFill>
-              </a:defRPr>
-            </a:lvl7pPr>
-            <a:lvl8pPr marL="3200400" indent="0">
-              <a:buNone/>
-              <a:defRPr sz="1600">
-                <a:solidFill>
-                  <a:schemeClr val="tx1">
-                    <a:tint val="75000"/>
-                  </a:schemeClr>
-                </a:solidFill>
-              </a:defRPr>
-            </a:lvl8pPr>
-            <a:lvl9pPr marL="3657600" indent="0">
-              <a:buNone/>
-              <a:defRPr sz="1600">
-                <a:solidFill>
-                  <a:schemeClr val="tx1">
-                    <a:tint val="75000"/>
-                  </a:schemeClr>
-                </a:solidFill>
-              </a:defRPr>
-            </a:lvl9pPr>
-          </a:lstStyle>
-          <a:p>
-            <a:pPr lvl="0"/>
-            <a:r>
-              <a:rPr lang="en-US"/>
-              <a:t>Edit Master text styles</a:t>
-            </a:r>
-          </a:p>
-        </p:txBody>
-      </p:sp>
-      <p:sp>
-        <p:nvSpPr>
-          <p:cNvPr id="4" name="Date Placeholder 3"/>
-          <p:cNvSpPr>
-            <a:spLocks noGrp="1"/>
-          </p:cNvSpPr>
-          <p:nvPr>
-            <p:ph type="dt" sz="half" idx="10"/>
-          </p:nvPr>
-        </p:nvSpPr>
-        <p:spPr/>
-        <p:txBody>
-          <a:bodyPr/>
-          <a:lstStyle/>
-          <a:p>
-            <a:fld id="{E26E0DA5-0C76-4851-AA82-0B75261F9EB4}" type="datetimeFigureOut">
-              <a:rPr lang="en-US" smtClean="0"/>
-              <a:t>12/15/2020</a:t>
-            </a:fld>
-            <a:endParaRPr lang="en-US"/>
-          </a:p>
-        </p:txBody>
-      </p:sp>
-      <p:sp>
-        <p:nvSpPr>
-          <p:cNvPr id="5" name="Footer Placeholder 4"/>
-          <p:cNvSpPr>
-            <a:spLocks noGrp="1"/>
-          </p:cNvSpPr>
-          <p:nvPr>
-            <p:ph type="ftr" sz="quarter" idx="11"/>
-          </p:nvPr>
-        </p:nvSpPr>
-        <p:spPr/>
-        <p:txBody>
-          <a:bodyPr/>
-          <a:lstStyle/>
-          <a:p>
-            <a:endParaRPr lang="en-US"/>
-          </a:p>
-        </p:txBody>
-      </p:sp>
-      <p:sp>
-        <p:nvSpPr>
-          <p:cNvPr id="6" name="Slide Number Placeholder 5"/>
-          <p:cNvSpPr>
-            <a:spLocks noGrp="1"/>
-          </p:cNvSpPr>
-          <p:nvPr>
-            <p:ph type="sldNum" sz="quarter" idx="12"/>
-          </p:nvPr>
-        </p:nvSpPr>
-        <p:spPr/>
-        <p:txBody>
-          <a:bodyPr/>
-          <a:lstStyle/>
-          <a:p>
-            <a:fld id="{63E83446-D492-49CB-B85A-4EA5E06E8E78}" type="slidenum">
-              <a:rPr lang="en-US" smtClean="0"/>
-              <a:t>‹#›</a:t>
-            </a:fld>
-            <a:endParaRPr lang="en-US"/>
-          </a:p>
-        </p:txBody>
-      </p:sp>
-    </p:spTree>
-    <p:extLst>
-      <p:ext uri="{BB962C8B-B14F-4D97-AF65-F5344CB8AC3E}">
-        <p14:creationId xmlns:p14="http://schemas.microsoft.com/office/powerpoint/2010/main" val="3946343447"/>
-      </p:ext>
-    </p:extLst>
-  </p:cSld>
-  <p:clrMapOvr>
-    <a:masterClrMapping/>
-  </p:clrMapOvr>
-</p:sldLayout>
-</file>
-
-<file path=ppt/slideLayouts/slideLayout30.xml><?xml version="1.0" encoding="utf-8"?>
+<file path=ppt/slideLayouts/slideLayout26.xml><?xml version="1.0" encoding="utf-8"?>
 <p:sldLayout xmlns:a="http://schemas.openxmlformats.org/drawingml/2006/main" xmlns:r="http://schemas.openxmlformats.org/officeDocument/2006/relationships" xmlns:p="http://schemas.openxmlformats.org/presentationml/2006/main" type="twoTxTwoObj" preserve="1">
   <p:cSld name="Comparison">
     <p:spTree>
@@ -5855,7 +4878,7 @@
             <a:fld id="{425404F2-BE9A-4460-8815-8F645183555F}" type="datetimeFigureOut">
               <a:rPr lang="en-US" smtClean="0"/>
               <a:pPr/>
-              <a:t>12/15/2020</a:t>
+              <a:t>12/16/2020</a:t>
             </a:fld>
             <a:endParaRPr lang="en-US"/>
           </a:p>
@@ -5917,7 +4940,7 @@
 </p:sldLayout>
 </file>
 
-<file path=ppt/slideLayouts/slideLayout31.xml><?xml version="1.0" encoding="utf-8"?>
+<file path=ppt/slideLayouts/slideLayout27.xml><?xml version="1.0" encoding="utf-8"?>
 <p:sldLayout xmlns:a="http://schemas.openxmlformats.org/drawingml/2006/main" xmlns:r="http://schemas.openxmlformats.org/officeDocument/2006/relationships" xmlns:p="http://schemas.openxmlformats.org/presentationml/2006/main" preserve="1" userDrawn="1">
   <p:cSld name="Title Only">
     <p:spTree>
@@ -5980,7 +5003,7 @@
             <a:fld id="{425404F2-BE9A-4460-8815-8F645183555F}" type="datetimeFigureOut">
               <a:rPr lang="en-US" smtClean="0"/>
               <a:pPr/>
-              <a:t>12/15/2020</a:t>
+              <a:t>12/16/2020</a:t>
             </a:fld>
             <a:endParaRPr lang="en-US"/>
           </a:p>
@@ -6099,7 +5122,7 @@
 </p:sldLayout>
 </file>
 
-<file path=ppt/slideLayouts/slideLayout32.xml><?xml version="1.0" encoding="utf-8"?>
+<file path=ppt/slideLayouts/slideLayout28.xml><?xml version="1.0" encoding="utf-8"?>
 <p:sldLayout xmlns:a="http://schemas.openxmlformats.org/drawingml/2006/main" xmlns:r="http://schemas.openxmlformats.org/officeDocument/2006/relationships" xmlns:p="http://schemas.openxmlformats.org/presentationml/2006/main" preserve="1" userDrawn="1">
   <p:cSld name="2_Title Only">
     <p:spTree>
@@ -6162,7 +5185,7 @@
             <a:fld id="{425404F2-BE9A-4460-8815-8F645183555F}" type="datetimeFigureOut">
               <a:rPr lang="en-US" smtClean="0"/>
               <a:pPr/>
-              <a:t>12/15/2020</a:t>
+              <a:t>12/16/2020</a:t>
             </a:fld>
             <a:endParaRPr lang="en-US"/>
           </a:p>
@@ -6623,7 +5646,7 @@
 </p:sldLayout>
 </file>
 
-<file path=ppt/slideLayouts/slideLayout33.xml><?xml version="1.0" encoding="utf-8"?>
+<file path=ppt/slideLayouts/slideLayout29.xml><?xml version="1.0" encoding="utf-8"?>
 <p:sldLayout xmlns:a="http://schemas.openxmlformats.org/drawingml/2006/main" xmlns:r="http://schemas.openxmlformats.org/officeDocument/2006/relationships" xmlns:p="http://schemas.openxmlformats.org/presentationml/2006/main" type="titleOnly" preserve="1">
   <p:cSld name="1_Title Only">
     <p:bg>
@@ -6709,7 +5732,7 @@
             <a:fld id="{425404F2-BE9A-4460-8815-8F645183555F}" type="datetimeFigureOut">
               <a:rPr lang="en-US" smtClean="0"/>
               <a:pPr/>
-              <a:t>12/15/2020</a:t>
+              <a:t>12/16/2020</a:t>
             </a:fld>
             <a:endParaRPr lang="en-US"/>
           </a:p>
@@ -6771,7 +5794,252 @@
 </p:sldLayout>
 </file>
 
-<file path=ppt/slideLayouts/slideLayout34.xml><?xml version="1.0" encoding="utf-8"?>
+<file path=ppt/slideLayouts/slideLayout3.xml><?xml version="1.0" encoding="utf-8"?>
+<p:sldLayout xmlns:a="http://schemas.openxmlformats.org/drawingml/2006/main" xmlns:r="http://schemas.openxmlformats.org/officeDocument/2006/relationships" xmlns:p="http://schemas.openxmlformats.org/presentationml/2006/main" type="secHead" preserve="1">
+  <p:cSld name="Section Header">
+    <p:spTree>
+      <p:nvGrpSpPr>
+        <p:cNvPr id="1" name=""/>
+        <p:cNvGrpSpPr/>
+        <p:nvPr/>
+      </p:nvGrpSpPr>
+      <p:grpSpPr>
+        <a:xfrm>
+          <a:off x="0" y="0"/>
+          <a:ext cx="0" cy="0"/>
+          <a:chOff x="0" y="0"/>
+          <a:chExt cx="0" cy="0"/>
+        </a:xfrm>
+      </p:grpSpPr>
+      <p:sp>
+        <p:nvSpPr>
+          <p:cNvPr id="2" name="Title 1"/>
+          <p:cNvSpPr>
+            <a:spLocks noGrp="1"/>
+          </p:cNvSpPr>
+          <p:nvPr>
+            <p:ph type="title"/>
+          </p:nvPr>
+        </p:nvSpPr>
+        <p:spPr>
+          <a:xfrm>
+            <a:off x="831850" y="1709738"/>
+            <a:ext cx="10515600" cy="2852737"/>
+          </a:xfrm>
+        </p:spPr>
+        <p:txBody>
+          <a:bodyPr anchor="b"/>
+          <a:lstStyle>
+            <a:lvl1pPr>
+              <a:defRPr sz="6000"/>
+            </a:lvl1pPr>
+          </a:lstStyle>
+          <a:p>
+            <a:r>
+              <a:rPr lang="en-US"/>
+              <a:t>Click to edit Master title style</a:t>
+            </a:r>
+          </a:p>
+        </p:txBody>
+      </p:sp>
+      <p:sp>
+        <p:nvSpPr>
+          <p:cNvPr id="3" name="Text Placeholder 2"/>
+          <p:cNvSpPr>
+            <a:spLocks noGrp="1"/>
+          </p:cNvSpPr>
+          <p:nvPr>
+            <p:ph type="body" idx="1"/>
+          </p:nvPr>
+        </p:nvSpPr>
+        <p:spPr>
+          <a:xfrm>
+            <a:off x="831850" y="4589463"/>
+            <a:ext cx="10515600" cy="1500187"/>
+          </a:xfrm>
+        </p:spPr>
+        <p:txBody>
+          <a:bodyPr/>
+          <a:lstStyle>
+            <a:lvl1pPr marL="0" indent="0">
+              <a:buNone/>
+              <a:defRPr sz="2400">
+                <a:solidFill>
+                  <a:schemeClr val="tx1">
+                    <a:tint val="75000"/>
+                  </a:schemeClr>
+                </a:solidFill>
+              </a:defRPr>
+            </a:lvl1pPr>
+            <a:lvl2pPr marL="457200" indent="0">
+              <a:buNone/>
+              <a:defRPr sz="2000">
+                <a:solidFill>
+                  <a:schemeClr val="tx1">
+                    <a:tint val="75000"/>
+                  </a:schemeClr>
+                </a:solidFill>
+              </a:defRPr>
+            </a:lvl2pPr>
+            <a:lvl3pPr marL="914400" indent="0">
+              <a:buNone/>
+              <a:defRPr sz="1800">
+                <a:solidFill>
+                  <a:schemeClr val="tx1">
+                    <a:tint val="75000"/>
+                  </a:schemeClr>
+                </a:solidFill>
+              </a:defRPr>
+            </a:lvl3pPr>
+            <a:lvl4pPr marL="1371600" indent="0">
+              <a:buNone/>
+              <a:defRPr sz="1600">
+                <a:solidFill>
+                  <a:schemeClr val="tx1">
+                    <a:tint val="75000"/>
+                  </a:schemeClr>
+                </a:solidFill>
+              </a:defRPr>
+            </a:lvl4pPr>
+            <a:lvl5pPr marL="1828800" indent="0">
+              <a:buNone/>
+              <a:defRPr sz="1600">
+                <a:solidFill>
+                  <a:schemeClr val="tx1">
+                    <a:tint val="75000"/>
+                  </a:schemeClr>
+                </a:solidFill>
+              </a:defRPr>
+            </a:lvl5pPr>
+            <a:lvl6pPr marL="2286000" indent="0">
+              <a:buNone/>
+              <a:defRPr sz="1600">
+                <a:solidFill>
+                  <a:schemeClr val="tx1">
+                    <a:tint val="75000"/>
+                  </a:schemeClr>
+                </a:solidFill>
+              </a:defRPr>
+            </a:lvl6pPr>
+            <a:lvl7pPr marL="2743200" indent="0">
+              <a:buNone/>
+              <a:defRPr sz="1600">
+                <a:solidFill>
+                  <a:schemeClr val="tx1">
+                    <a:tint val="75000"/>
+                  </a:schemeClr>
+                </a:solidFill>
+              </a:defRPr>
+            </a:lvl7pPr>
+            <a:lvl8pPr marL="3200400" indent="0">
+              <a:buNone/>
+              <a:defRPr sz="1600">
+                <a:solidFill>
+                  <a:schemeClr val="tx1">
+                    <a:tint val="75000"/>
+                  </a:schemeClr>
+                </a:solidFill>
+              </a:defRPr>
+            </a:lvl8pPr>
+            <a:lvl9pPr marL="3657600" indent="0">
+              <a:buNone/>
+              <a:defRPr sz="1600">
+                <a:solidFill>
+                  <a:schemeClr val="tx1">
+                    <a:tint val="75000"/>
+                  </a:schemeClr>
+                </a:solidFill>
+              </a:defRPr>
+            </a:lvl9pPr>
+          </a:lstStyle>
+          <a:p>
+            <a:pPr lvl="0"/>
+            <a:r>
+              <a:rPr lang="en-US"/>
+              <a:t>Edit Master text styles</a:t>
+            </a:r>
+          </a:p>
+        </p:txBody>
+      </p:sp>
+      <p:sp>
+        <p:nvSpPr>
+          <p:cNvPr id="4" name="Date Placeholder 3"/>
+          <p:cNvSpPr>
+            <a:spLocks noGrp="1"/>
+          </p:cNvSpPr>
+          <p:nvPr>
+            <p:ph type="dt" sz="half" idx="10"/>
+          </p:nvPr>
+        </p:nvSpPr>
+        <p:spPr/>
+        <p:txBody>
+          <a:bodyPr/>
+          <a:lstStyle/>
+          <a:p>
+            <a:fld id="{E26E0DA5-0C76-4851-AA82-0B75261F9EB4}" type="datetimeFigureOut">
+              <a:rPr lang="en-US" smtClean="0"/>
+              <a:t>12/16/2020</a:t>
+            </a:fld>
+            <a:endParaRPr lang="en-US"/>
+          </a:p>
+        </p:txBody>
+      </p:sp>
+      <p:sp>
+        <p:nvSpPr>
+          <p:cNvPr id="5" name="Footer Placeholder 4"/>
+          <p:cNvSpPr>
+            <a:spLocks noGrp="1"/>
+          </p:cNvSpPr>
+          <p:nvPr>
+            <p:ph type="ftr" sz="quarter" idx="11"/>
+          </p:nvPr>
+        </p:nvSpPr>
+        <p:spPr/>
+        <p:txBody>
+          <a:bodyPr/>
+          <a:lstStyle/>
+          <a:p>
+            <a:endParaRPr lang="en-US"/>
+          </a:p>
+        </p:txBody>
+      </p:sp>
+      <p:sp>
+        <p:nvSpPr>
+          <p:cNvPr id="6" name="Slide Number Placeholder 5"/>
+          <p:cNvSpPr>
+            <a:spLocks noGrp="1"/>
+          </p:cNvSpPr>
+          <p:nvPr>
+            <p:ph type="sldNum" sz="quarter" idx="12"/>
+          </p:nvPr>
+        </p:nvSpPr>
+        <p:spPr/>
+        <p:txBody>
+          <a:bodyPr/>
+          <a:lstStyle/>
+          <a:p>
+            <a:fld id="{63E83446-D492-49CB-B85A-4EA5E06E8E78}" type="slidenum">
+              <a:rPr lang="en-US" smtClean="0"/>
+              <a:t>‹#›</a:t>
+            </a:fld>
+            <a:endParaRPr lang="en-US"/>
+          </a:p>
+        </p:txBody>
+      </p:sp>
+    </p:spTree>
+    <p:extLst>
+      <p:ext uri="{BB962C8B-B14F-4D97-AF65-F5344CB8AC3E}">
+        <p14:creationId xmlns:p14="http://schemas.microsoft.com/office/powerpoint/2010/main" val="3946343447"/>
+      </p:ext>
+    </p:extLst>
+  </p:cSld>
+  <p:clrMapOvr>
+    <a:masterClrMapping/>
+  </p:clrMapOvr>
+</p:sldLayout>
+</file>
+
+<file path=ppt/slideLayouts/slideLayout30.xml><?xml version="1.0" encoding="utf-8"?>
 <p:sldLayout xmlns:a="http://schemas.openxmlformats.org/drawingml/2006/main" xmlns:r="http://schemas.openxmlformats.org/officeDocument/2006/relationships" xmlns:p="http://schemas.openxmlformats.org/presentationml/2006/main" preserve="1" userDrawn="1">
   <p:cSld name="3_Title Only">
     <p:bg>
@@ -6857,7 +6125,7 @@
             <a:fld id="{425404F2-BE9A-4460-8815-8F645183555F}" type="datetimeFigureOut">
               <a:rPr lang="en-US" smtClean="0"/>
               <a:pPr/>
-              <a:t>12/15/2020</a:t>
+              <a:t>12/16/2020</a:t>
             </a:fld>
             <a:endParaRPr lang="en-US"/>
           </a:p>
@@ -7004,7 +6272,7 @@
 </p:sldLayout>
 </file>
 
-<file path=ppt/slideLayouts/slideLayout35.xml><?xml version="1.0" encoding="utf-8"?>
+<file path=ppt/slideLayouts/slideLayout31.xml><?xml version="1.0" encoding="utf-8"?>
 <p:sldLayout xmlns:a="http://schemas.openxmlformats.org/drawingml/2006/main" xmlns:r="http://schemas.openxmlformats.org/officeDocument/2006/relationships" xmlns:p="http://schemas.openxmlformats.org/presentationml/2006/main" preserve="1" userDrawn="1">
   <p:cSld name="4_Title Only">
     <p:bg>
@@ -7090,7 +6358,7 @@
             <a:fld id="{425404F2-BE9A-4460-8815-8F645183555F}" type="datetimeFigureOut">
               <a:rPr lang="en-US" smtClean="0"/>
               <a:pPr/>
-              <a:t>12/15/2020</a:t>
+              <a:t>12/16/2020</a:t>
             </a:fld>
             <a:endParaRPr lang="en-US"/>
           </a:p>
@@ -7237,7 +6505,7 @@
 </p:sldLayout>
 </file>
 
-<file path=ppt/slideLayouts/slideLayout36.xml><?xml version="1.0" encoding="utf-8"?>
+<file path=ppt/slideLayouts/slideLayout32.xml><?xml version="1.0" encoding="utf-8"?>
 <p:sldLayout xmlns:a="http://schemas.openxmlformats.org/drawingml/2006/main" xmlns:r="http://schemas.openxmlformats.org/officeDocument/2006/relationships" xmlns:p="http://schemas.openxmlformats.org/presentationml/2006/main" preserve="1" userDrawn="1">
   <p:cSld name="5_Title Only">
     <p:bg>
@@ -7328,7 +6596,7 @@
             <a:fld id="{425404F2-BE9A-4460-8815-8F645183555F}" type="datetimeFigureOut">
               <a:rPr lang="en-US" smtClean="0"/>
               <a:pPr/>
-              <a:t>12/15/2020</a:t>
+              <a:t>12/16/2020</a:t>
             </a:fld>
             <a:endParaRPr lang="en-US"/>
           </a:p>
@@ -7475,7 +6743,7 @@
 </p:sldLayout>
 </file>
 
-<file path=ppt/slideLayouts/slideLayout37.xml><?xml version="1.0" encoding="utf-8"?>
+<file path=ppt/slideLayouts/slideLayout33.xml><?xml version="1.0" encoding="utf-8"?>
 <p:sldLayout xmlns:a="http://schemas.openxmlformats.org/drawingml/2006/main" xmlns:r="http://schemas.openxmlformats.org/officeDocument/2006/relationships" xmlns:p="http://schemas.openxmlformats.org/presentationml/2006/main" type="blank" preserve="1">
   <p:cSld name="Blank">
     <p:spTree>
@@ -7510,7 +6778,7 @@
             <a:fld id="{425404F2-BE9A-4460-8815-8F645183555F}" type="datetimeFigureOut">
               <a:rPr lang="en-US" smtClean="0"/>
               <a:pPr/>
-              <a:t>12/15/2020</a:t>
+              <a:t>12/16/2020</a:t>
             </a:fld>
             <a:endParaRPr lang="en-US"/>
           </a:p>
@@ -7572,7 +6840,7 @@
 </p:sldLayout>
 </file>
 
-<file path=ppt/slideLayouts/slideLayout38.xml><?xml version="1.0" encoding="utf-8"?>
+<file path=ppt/slideLayouts/slideLayout34.xml><?xml version="1.0" encoding="utf-8"?>
 <p:sldLayout xmlns:a="http://schemas.openxmlformats.org/drawingml/2006/main" xmlns:r="http://schemas.openxmlformats.org/officeDocument/2006/relationships" xmlns:p="http://schemas.openxmlformats.org/presentationml/2006/main" type="objTx" preserve="1">
   <p:cSld name="Content with Caption">
     <p:spTree>
@@ -7787,7 +7055,7 @@
             <a:fld id="{425404F2-BE9A-4460-8815-8F645183555F}" type="datetimeFigureOut">
               <a:rPr lang="en-US" smtClean="0"/>
               <a:pPr/>
-              <a:t>12/15/2020</a:t>
+              <a:t>12/16/2020</a:t>
             </a:fld>
             <a:endParaRPr lang="en-US"/>
           </a:p>
@@ -7849,7 +7117,7 @@
 </p:sldLayout>
 </file>
 
-<file path=ppt/slideLayouts/slideLayout39.xml><?xml version="1.0" encoding="utf-8"?>
+<file path=ppt/slideLayouts/slideLayout35.xml><?xml version="1.0" encoding="utf-8"?>
 <p:sldLayout xmlns:a="http://schemas.openxmlformats.org/drawingml/2006/main" xmlns:r="http://schemas.openxmlformats.org/officeDocument/2006/relationships" xmlns:p="http://schemas.openxmlformats.org/presentationml/2006/main" type="picTx" preserve="1">
   <p:cSld name="Picture with Caption">
     <p:spTree>
@@ -8041,7 +7309,7 @@
             <a:fld id="{425404F2-BE9A-4460-8815-8F645183555F}" type="datetimeFigureOut">
               <a:rPr lang="en-US" smtClean="0"/>
               <a:pPr/>
-              <a:t>12/15/2020</a:t>
+              <a:t>12/16/2020</a:t>
             </a:fld>
             <a:endParaRPr lang="en-US"/>
           </a:p>
@@ -8094,6 +7362,356 @@
     <p:extLst>
       <p:ext uri="{BB962C8B-B14F-4D97-AF65-F5344CB8AC3E}">
         <p14:creationId xmlns:p14="http://schemas.microsoft.com/office/powerpoint/2010/main" val="3059576409"/>
+      </p:ext>
+    </p:extLst>
+  </p:cSld>
+  <p:clrMapOvr>
+    <a:masterClrMapping/>
+  </p:clrMapOvr>
+</p:sldLayout>
+</file>
+
+<file path=ppt/slideLayouts/slideLayout36.xml><?xml version="1.0" encoding="utf-8"?>
+<p:sldLayout xmlns:a="http://schemas.openxmlformats.org/drawingml/2006/main" xmlns:r="http://schemas.openxmlformats.org/officeDocument/2006/relationships" xmlns:p="http://schemas.openxmlformats.org/presentationml/2006/main" type="vertTx" preserve="1">
+  <p:cSld name="Title and Vertical Text">
+    <p:spTree>
+      <p:nvGrpSpPr>
+        <p:cNvPr id="1" name=""/>
+        <p:cNvGrpSpPr/>
+        <p:nvPr/>
+      </p:nvGrpSpPr>
+      <p:grpSpPr>
+        <a:xfrm>
+          <a:off x="0" y="0"/>
+          <a:ext cx="0" cy="0"/>
+          <a:chOff x="0" y="0"/>
+          <a:chExt cx="0" cy="0"/>
+        </a:xfrm>
+      </p:grpSpPr>
+      <p:sp>
+        <p:nvSpPr>
+          <p:cNvPr id="2" name="Title 1"/>
+          <p:cNvSpPr>
+            <a:spLocks noGrp="1"/>
+          </p:cNvSpPr>
+          <p:nvPr>
+            <p:ph type="title"/>
+          </p:nvPr>
+        </p:nvSpPr>
+        <p:spPr/>
+        <p:txBody>
+          <a:bodyPr/>
+          <a:lstStyle/>
+          <a:p>
+            <a:r>
+              <a:rPr lang="en-US"/>
+              <a:t>Click to edit Master title style</a:t>
+            </a:r>
+          </a:p>
+        </p:txBody>
+      </p:sp>
+      <p:sp>
+        <p:nvSpPr>
+          <p:cNvPr id="3" name="Vertical Text Placeholder 2"/>
+          <p:cNvSpPr>
+            <a:spLocks noGrp="1"/>
+          </p:cNvSpPr>
+          <p:nvPr>
+            <p:ph type="body" orient="vert" idx="1"/>
+          </p:nvPr>
+        </p:nvSpPr>
+        <p:spPr/>
+        <p:txBody>
+          <a:bodyPr vert="eaVert"/>
+          <a:lstStyle/>
+          <a:p>
+            <a:pPr lvl="0"/>
+            <a:r>
+              <a:rPr lang="en-US"/>
+              <a:t>Click to edit Master text styles</a:t>
+            </a:r>
+          </a:p>
+          <a:p>
+            <a:pPr lvl="1"/>
+            <a:r>
+              <a:rPr lang="en-US"/>
+              <a:t>Second level</a:t>
+            </a:r>
+          </a:p>
+          <a:p>
+            <a:pPr lvl="2"/>
+            <a:r>
+              <a:rPr lang="en-US"/>
+              <a:t>Third level</a:t>
+            </a:r>
+          </a:p>
+          <a:p>
+            <a:pPr lvl="3"/>
+            <a:r>
+              <a:rPr lang="en-US"/>
+              <a:t>Fourth level</a:t>
+            </a:r>
+          </a:p>
+          <a:p>
+            <a:pPr lvl="4"/>
+            <a:r>
+              <a:rPr lang="en-US"/>
+              <a:t>Fifth level</a:t>
+            </a:r>
+          </a:p>
+        </p:txBody>
+      </p:sp>
+      <p:sp>
+        <p:nvSpPr>
+          <p:cNvPr id="4" name="Date Placeholder 3"/>
+          <p:cNvSpPr>
+            <a:spLocks noGrp="1"/>
+          </p:cNvSpPr>
+          <p:nvPr>
+            <p:ph type="dt" sz="half" idx="10"/>
+          </p:nvPr>
+        </p:nvSpPr>
+        <p:spPr/>
+        <p:txBody>
+          <a:bodyPr/>
+          <a:lstStyle/>
+          <a:p>
+            <a:fld id="{425404F2-BE9A-4460-8815-8F645183555F}" type="datetimeFigureOut">
+              <a:rPr lang="en-US" smtClean="0"/>
+              <a:pPr/>
+              <a:t>12/16/2020</a:t>
+            </a:fld>
+            <a:endParaRPr lang="en-US"/>
+          </a:p>
+        </p:txBody>
+      </p:sp>
+      <p:sp>
+        <p:nvSpPr>
+          <p:cNvPr id="5" name="Footer Placeholder 4"/>
+          <p:cNvSpPr>
+            <a:spLocks noGrp="1"/>
+          </p:cNvSpPr>
+          <p:nvPr>
+            <p:ph type="ftr" sz="quarter" idx="11"/>
+          </p:nvPr>
+        </p:nvSpPr>
+        <p:spPr/>
+        <p:txBody>
+          <a:bodyPr/>
+          <a:lstStyle/>
+          <a:p>
+            <a:endParaRPr lang="en-US"/>
+          </a:p>
+        </p:txBody>
+      </p:sp>
+      <p:sp>
+        <p:nvSpPr>
+          <p:cNvPr id="6" name="Slide Number Placeholder 5"/>
+          <p:cNvSpPr>
+            <a:spLocks noGrp="1"/>
+          </p:cNvSpPr>
+          <p:nvPr>
+            <p:ph type="sldNum" sz="quarter" idx="12"/>
+          </p:nvPr>
+        </p:nvSpPr>
+        <p:spPr/>
+        <p:txBody>
+          <a:bodyPr/>
+          <a:lstStyle/>
+          <a:p>
+            <a:fld id="{96E69268-9C8B-4EBF-A9EE-DC5DC2D48DC3}" type="slidenum">
+              <a:rPr lang="en-US" smtClean="0"/>
+              <a:pPr/>
+              <a:t>‹#›</a:t>
+            </a:fld>
+            <a:endParaRPr lang="en-US"/>
+          </a:p>
+        </p:txBody>
+      </p:sp>
+    </p:spTree>
+    <p:extLst>
+      <p:ext uri="{BB962C8B-B14F-4D97-AF65-F5344CB8AC3E}">
+        <p14:creationId xmlns:p14="http://schemas.microsoft.com/office/powerpoint/2010/main" val="3688185401"/>
+      </p:ext>
+    </p:extLst>
+  </p:cSld>
+  <p:clrMapOvr>
+    <a:masterClrMapping/>
+  </p:clrMapOvr>
+</p:sldLayout>
+</file>
+
+<file path=ppt/slideLayouts/slideLayout37.xml><?xml version="1.0" encoding="utf-8"?>
+<p:sldLayout xmlns:a="http://schemas.openxmlformats.org/drawingml/2006/main" xmlns:r="http://schemas.openxmlformats.org/officeDocument/2006/relationships" xmlns:p="http://schemas.openxmlformats.org/presentationml/2006/main" type="vertTitleAndTx" preserve="1">
+  <p:cSld name="Vertical Title and Text">
+    <p:spTree>
+      <p:nvGrpSpPr>
+        <p:cNvPr id="1" name=""/>
+        <p:cNvGrpSpPr/>
+        <p:nvPr/>
+      </p:nvGrpSpPr>
+      <p:grpSpPr>
+        <a:xfrm>
+          <a:off x="0" y="0"/>
+          <a:ext cx="0" cy="0"/>
+          <a:chOff x="0" y="0"/>
+          <a:chExt cx="0" cy="0"/>
+        </a:xfrm>
+      </p:grpSpPr>
+      <p:sp>
+        <p:nvSpPr>
+          <p:cNvPr id="2" name="Vertical Title 1"/>
+          <p:cNvSpPr>
+            <a:spLocks noGrp="1"/>
+          </p:cNvSpPr>
+          <p:nvPr>
+            <p:ph type="title" orient="vert"/>
+          </p:nvPr>
+        </p:nvSpPr>
+        <p:spPr>
+          <a:xfrm>
+            <a:off x="8839200" y="274640"/>
+            <a:ext cx="2743200" cy="5851525"/>
+          </a:xfrm>
+        </p:spPr>
+        <p:txBody>
+          <a:bodyPr vert="eaVert"/>
+          <a:lstStyle/>
+          <a:p>
+            <a:r>
+              <a:rPr lang="en-US"/>
+              <a:t>Click to edit Master title style</a:t>
+            </a:r>
+          </a:p>
+        </p:txBody>
+      </p:sp>
+      <p:sp>
+        <p:nvSpPr>
+          <p:cNvPr id="3" name="Vertical Text Placeholder 2"/>
+          <p:cNvSpPr>
+            <a:spLocks noGrp="1"/>
+          </p:cNvSpPr>
+          <p:nvPr>
+            <p:ph type="body" orient="vert" idx="1"/>
+          </p:nvPr>
+        </p:nvSpPr>
+        <p:spPr>
+          <a:xfrm>
+            <a:off x="609600" y="274640"/>
+            <a:ext cx="8026400" cy="5851525"/>
+          </a:xfrm>
+        </p:spPr>
+        <p:txBody>
+          <a:bodyPr vert="eaVert"/>
+          <a:lstStyle/>
+          <a:p>
+            <a:pPr lvl="0"/>
+            <a:r>
+              <a:rPr lang="en-US"/>
+              <a:t>Click to edit Master text styles</a:t>
+            </a:r>
+          </a:p>
+          <a:p>
+            <a:pPr lvl="1"/>
+            <a:r>
+              <a:rPr lang="en-US"/>
+              <a:t>Second level</a:t>
+            </a:r>
+          </a:p>
+          <a:p>
+            <a:pPr lvl="2"/>
+            <a:r>
+              <a:rPr lang="en-US"/>
+              <a:t>Third level</a:t>
+            </a:r>
+          </a:p>
+          <a:p>
+            <a:pPr lvl="3"/>
+            <a:r>
+              <a:rPr lang="en-US"/>
+              <a:t>Fourth level</a:t>
+            </a:r>
+          </a:p>
+          <a:p>
+            <a:pPr lvl="4"/>
+            <a:r>
+              <a:rPr lang="en-US"/>
+              <a:t>Fifth level</a:t>
+            </a:r>
+          </a:p>
+        </p:txBody>
+      </p:sp>
+      <p:sp>
+        <p:nvSpPr>
+          <p:cNvPr id="4" name="Date Placeholder 3"/>
+          <p:cNvSpPr>
+            <a:spLocks noGrp="1"/>
+          </p:cNvSpPr>
+          <p:nvPr>
+            <p:ph type="dt" sz="half" idx="10"/>
+          </p:nvPr>
+        </p:nvSpPr>
+        <p:spPr/>
+        <p:txBody>
+          <a:bodyPr/>
+          <a:lstStyle/>
+          <a:p>
+            <a:fld id="{425404F2-BE9A-4460-8815-8F645183555F}" type="datetimeFigureOut">
+              <a:rPr lang="en-US" smtClean="0"/>
+              <a:pPr/>
+              <a:t>12/16/2020</a:t>
+            </a:fld>
+            <a:endParaRPr lang="en-US"/>
+          </a:p>
+        </p:txBody>
+      </p:sp>
+      <p:sp>
+        <p:nvSpPr>
+          <p:cNvPr id="5" name="Footer Placeholder 4"/>
+          <p:cNvSpPr>
+            <a:spLocks noGrp="1"/>
+          </p:cNvSpPr>
+          <p:nvPr>
+            <p:ph type="ftr" sz="quarter" idx="11"/>
+          </p:nvPr>
+        </p:nvSpPr>
+        <p:spPr/>
+        <p:txBody>
+          <a:bodyPr/>
+          <a:lstStyle/>
+          <a:p>
+            <a:endParaRPr lang="en-US"/>
+          </a:p>
+        </p:txBody>
+      </p:sp>
+      <p:sp>
+        <p:nvSpPr>
+          <p:cNvPr id="6" name="Slide Number Placeholder 5"/>
+          <p:cNvSpPr>
+            <a:spLocks noGrp="1"/>
+          </p:cNvSpPr>
+          <p:nvPr>
+            <p:ph type="sldNum" sz="quarter" idx="12"/>
+          </p:nvPr>
+        </p:nvSpPr>
+        <p:spPr/>
+        <p:txBody>
+          <a:bodyPr/>
+          <a:lstStyle/>
+          <a:p>
+            <a:fld id="{96E69268-9C8B-4EBF-A9EE-DC5DC2D48DC3}" type="slidenum">
+              <a:rPr lang="en-US" smtClean="0"/>
+              <a:pPr/>
+              <a:t>‹#›</a:t>
+            </a:fld>
+            <a:endParaRPr lang="en-US"/>
+          </a:p>
+        </p:txBody>
+      </p:sp>
+    </p:spTree>
+    <p:extLst>
+      <p:ext uri="{BB962C8B-B14F-4D97-AF65-F5344CB8AC3E}">
+        <p14:creationId xmlns:p14="http://schemas.microsoft.com/office/powerpoint/2010/main" val="3217696323"/>
       </p:ext>
     </p:extLst>
   </p:cSld>
@@ -8271,7 +7889,7 @@
           <a:p>
             <a:fld id="{E26E0DA5-0C76-4851-AA82-0B75261F9EB4}" type="datetimeFigureOut">
               <a:rPr lang="en-US" smtClean="0"/>
-              <a:t>12/15/2020</a:t>
+              <a:t>12/16/2020</a:t>
             </a:fld>
             <a:endParaRPr lang="en-US"/>
           </a:p>
@@ -8323,356 +7941,6 @@
     <p:extLst>
       <p:ext uri="{BB962C8B-B14F-4D97-AF65-F5344CB8AC3E}">
         <p14:creationId xmlns:p14="http://schemas.microsoft.com/office/powerpoint/2010/main" val="1233466970"/>
-      </p:ext>
-    </p:extLst>
-  </p:cSld>
-  <p:clrMapOvr>
-    <a:masterClrMapping/>
-  </p:clrMapOvr>
-</p:sldLayout>
-</file>
-
-<file path=ppt/slideLayouts/slideLayout40.xml><?xml version="1.0" encoding="utf-8"?>
-<p:sldLayout xmlns:a="http://schemas.openxmlformats.org/drawingml/2006/main" xmlns:r="http://schemas.openxmlformats.org/officeDocument/2006/relationships" xmlns:p="http://schemas.openxmlformats.org/presentationml/2006/main" type="vertTx" preserve="1">
-  <p:cSld name="Title and Vertical Text">
-    <p:spTree>
-      <p:nvGrpSpPr>
-        <p:cNvPr id="1" name=""/>
-        <p:cNvGrpSpPr/>
-        <p:nvPr/>
-      </p:nvGrpSpPr>
-      <p:grpSpPr>
-        <a:xfrm>
-          <a:off x="0" y="0"/>
-          <a:ext cx="0" cy="0"/>
-          <a:chOff x="0" y="0"/>
-          <a:chExt cx="0" cy="0"/>
-        </a:xfrm>
-      </p:grpSpPr>
-      <p:sp>
-        <p:nvSpPr>
-          <p:cNvPr id="2" name="Title 1"/>
-          <p:cNvSpPr>
-            <a:spLocks noGrp="1"/>
-          </p:cNvSpPr>
-          <p:nvPr>
-            <p:ph type="title"/>
-          </p:nvPr>
-        </p:nvSpPr>
-        <p:spPr/>
-        <p:txBody>
-          <a:bodyPr/>
-          <a:lstStyle/>
-          <a:p>
-            <a:r>
-              <a:rPr lang="en-US"/>
-              <a:t>Click to edit Master title style</a:t>
-            </a:r>
-          </a:p>
-        </p:txBody>
-      </p:sp>
-      <p:sp>
-        <p:nvSpPr>
-          <p:cNvPr id="3" name="Vertical Text Placeholder 2"/>
-          <p:cNvSpPr>
-            <a:spLocks noGrp="1"/>
-          </p:cNvSpPr>
-          <p:nvPr>
-            <p:ph type="body" orient="vert" idx="1"/>
-          </p:nvPr>
-        </p:nvSpPr>
-        <p:spPr/>
-        <p:txBody>
-          <a:bodyPr vert="eaVert"/>
-          <a:lstStyle/>
-          <a:p>
-            <a:pPr lvl="0"/>
-            <a:r>
-              <a:rPr lang="en-US"/>
-              <a:t>Click to edit Master text styles</a:t>
-            </a:r>
-          </a:p>
-          <a:p>
-            <a:pPr lvl="1"/>
-            <a:r>
-              <a:rPr lang="en-US"/>
-              <a:t>Second level</a:t>
-            </a:r>
-          </a:p>
-          <a:p>
-            <a:pPr lvl="2"/>
-            <a:r>
-              <a:rPr lang="en-US"/>
-              <a:t>Third level</a:t>
-            </a:r>
-          </a:p>
-          <a:p>
-            <a:pPr lvl="3"/>
-            <a:r>
-              <a:rPr lang="en-US"/>
-              <a:t>Fourth level</a:t>
-            </a:r>
-          </a:p>
-          <a:p>
-            <a:pPr lvl="4"/>
-            <a:r>
-              <a:rPr lang="en-US"/>
-              <a:t>Fifth level</a:t>
-            </a:r>
-          </a:p>
-        </p:txBody>
-      </p:sp>
-      <p:sp>
-        <p:nvSpPr>
-          <p:cNvPr id="4" name="Date Placeholder 3"/>
-          <p:cNvSpPr>
-            <a:spLocks noGrp="1"/>
-          </p:cNvSpPr>
-          <p:nvPr>
-            <p:ph type="dt" sz="half" idx="10"/>
-          </p:nvPr>
-        </p:nvSpPr>
-        <p:spPr/>
-        <p:txBody>
-          <a:bodyPr/>
-          <a:lstStyle/>
-          <a:p>
-            <a:fld id="{425404F2-BE9A-4460-8815-8F645183555F}" type="datetimeFigureOut">
-              <a:rPr lang="en-US" smtClean="0"/>
-              <a:pPr/>
-              <a:t>12/15/2020</a:t>
-            </a:fld>
-            <a:endParaRPr lang="en-US"/>
-          </a:p>
-        </p:txBody>
-      </p:sp>
-      <p:sp>
-        <p:nvSpPr>
-          <p:cNvPr id="5" name="Footer Placeholder 4"/>
-          <p:cNvSpPr>
-            <a:spLocks noGrp="1"/>
-          </p:cNvSpPr>
-          <p:nvPr>
-            <p:ph type="ftr" sz="quarter" idx="11"/>
-          </p:nvPr>
-        </p:nvSpPr>
-        <p:spPr/>
-        <p:txBody>
-          <a:bodyPr/>
-          <a:lstStyle/>
-          <a:p>
-            <a:endParaRPr lang="en-US"/>
-          </a:p>
-        </p:txBody>
-      </p:sp>
-      <p:sp>
-        <p:nvSpPr>
-          <p:cNvPr id="6" name="Slide Number Placeholder 5"/>
-          <p:cNvSpPr>
-            <a:spLocks noGrp="1"/>
-          </p:cNvSpPr>
-          <p:nvPr>
-            <p:ph type="sldNum" sz="quarter" idx="12"/>
-          </p:nvPr>
-        </p:nvSpPr>
-        <p:spPr/>
-        <p:txBody>
-          <a:bodyPr/>
-          <a:lstStyle/>
-          <a:p>
-            <a:fld id="{96E69268-9C8B-4EBF-A9EE-DC5DC2D48DC3}" type="slidenum">
-              <a:rPr lang="en-US" smtClean="0"/>
-              <a:pPr/>
-              <a:t>‹#›</a:t>
-            </a:fld>
-            <a:endParaRPr lang="en-US"/>
-          </a:p>
-        </p:txBody>
-      </p:sp>
-    </p:spTree>
-    <p:extLst>
-      <p:ext uri="{BB962C8B-B14F-4D97-AF65-F5344CB8AC3E}">
-        <p14:creationId xmlns:p14="http://schemas.microsoft.com/office/powerpoint/2010/main" val="3688185401"/>
-      </p:ext>
-    </p:extLst>
-  </p:cSld>
-  <p:clrMapOvr>
-    <a:masterClrMapping/>
-  </p:clrMapOvr>
-</p:sldLayout>
-</file>
-
-<file path=ppt/slideLayouts/slideLayout41.xml><?xml version="1.0" encoding="utf-8"?>
-<p:sldLayout xmlns:a="http://schemas.openxmlformats.org/drawingml/2006/main" xmlns:r="http://schemas.openxmlformats.org/officeDocument/2006/relationships" xmlns:p="http://schemas.openxmlformats.org/presentationml/2006/main" type="vertTitleAndTx" preserve="1">
-  <p:cSld name="Vertical Title and Text">
-    <p:spTree>
-      <p:nvGrpSpPr>
-        <p:cNvPr id="1" name=""/>
-        <p:cNvGrpSpPr/>
-        <p:nvPr/>
-      </p:nvGrpSpPr>
-      <p:grpSpPr>
-        <a:xfrm>
-          <a:off x="0" y="0"/>
-          <a:ext cx="0" cy="0"/>
-          <a:chOff x="0" y="0"/>
-          <a:chExt cx="0" cy="0"/>
-        </a:xfrm>
-      </p:grpSpPr>
-      <p:sp>
-        <p:nvSpPr>
-          <p:cNvPr id="2" name="Vertical Title 1"/>
-          <p:cNvSpPr>
-            <a:spLocks noGrp="1"/>
-          </p:cNvSpPr>
-          <p:nvPr>
-            <p:ph type="title" orient="vert"/>
-          </p:nvPr>
-        </p:nvSpPr>
-        <p:spPr>
-          <a:xfrm>
-            <a:off x="8839200" y="274640"/>
-            <a:ext cx="2743200" cy="5851525"/>
-          </a:xfrm>
-        </p:spPr>
-        <p:txBody>
-          <a:bodyPr vert="eaVert"/>
-          <a:lstStyle/>
-          <a:p>
-            <a:r>
-              <a:rPr lang="en-US"/>
-              <a:t>Click to edit Master title style</a:t>
-            </a:r>
-          </a:p>
-        </p:txBody>
-      </p:sp>
-      <p:sp>
-        <p:nvSpPr>
-          <p:cNvPr id="3" name="Vertical Text Placeholder 2"/>
-          <p:cNvSpPr>
-            <a:spLocks noGrp="1"/>
-          </p:cNvSpPr>
-          <p:nvPr>
-            <p:ph type="body" orient="vert" idx="1"/>
-          </p:nvPr>
-        </p:nvSpPr>
-        <p:spPr>
-          <a:xfrm>
-            <a:off x="609600" y="274640"/>
-            <a:ext cx="8026400" cy="5851525"/>
-          </a:xfrm>
-        </p:spPr>
-        <p:txBody>
-          <a:bodyPr vert="eaVert"/>
-          <a:lstStyle/>
-          <a:p>
-            <a:pPr lvl="0"/>
-            <a:r>
-              <a:rPr lang="en-US"/>
-              <a:t>Click to edit Master text styles</a:t>
-            </a:r>
-          </a:p>
-          <a:p>
-            <a:pPr lvl="1"/>
-            <a:r>
-              <a:rPr lang="en-US"/>
-              <a:t>Second level</a:t>
-            </a:r>
-          </a:p>
-          <a:p>
-            <a:pPr lvl="2"/>
-            <a:r>
-              <a:rPr lang="en-US"/>
-              <a:t>Third level</a:t>
-            </a:r>
-          </a:p>
-          <a:p>
-            <a:pPr lvl="3"/>
-            <a:r>
-              <a:rPr lang="en-US"/>
-              <a:t>Fourth level</a:t>
-            </a:r>
-          </a:p>
-          <a:p>
-            <a:pPr lvl="4"/>
-            <a:r>
-              <a:rPr lang="en-US"/>
-              <a:t>Fifth level</a:t>
-            </a:r>
-          </a:p>
-        </p:txBody>
-      </p:sp>
-      <p:sp>
-        <p:nvSpPr>
-          <p:cNvPr id="4" name="Date Placeholder 3"/>
-          <p:cNvSpPr>
-            <a:spLocks noGrp="1"/>
-          </p:cNvSpPr>
-          <p:nvPr>
-            <p:ph type="dt" sz="half" idx="10"/>
-          </p:nvPr>
-        </p:nvSpPr>
-        <p:spPr/>
-        <p:txBody>
-          <a:bodyPr/>
-          <a:lstStyle/>
-          <a:p>
-            <a:fld id="{425404F2-BE9A-4460-8815-8F645183555F}" type="datetimeFigureOut">
-              <a:rPr lang="en-US" smtClean="0"/>
-              <a:pPr/>
-              <a:t>12/15/2020</a:t>
-            </a:fld>
-            <a:endParaRPr lang="en-US"/>
-          </a:p>
-        </p:txBody>
-      </p:sp>
-      <p:sp>
-        <p:nvSpPr>
-          <p:cNvPr id="5" name="Footer Placeholder 4"/>
-          <p:cNvSpPr>
-            <a:spLocks noGrp="1"/>
-          </p:cNvSpPr>
-          <p:nvPr>
-            <p:ph type="ftr" sz="quarter" idx="11"/>
-          </p:nvPr>
-        </p:nvSpPr>
-        <p:spPr/>
-        <p:txBody>
-          <a:bodyPr/>
-          <a:lstStyle/>
-          <a:p>
-            <a:endParaRPr lang="en-US"/>
-          </a:p>
-        </p:txBody>
-      </p:sp>
-      <p:sp>
-        <p:nvSpPr>
-          <p:cNvPr id="6" name="Slide Number Placeholder 5"/>
-          <p:cNvSpPr>
-            <a:spLocks noGrp="1"/>
-          </p:cNvSpPr>
-          <p:nvPr>
-            <p:ph type="sldNum" sz="quarter" idx="12"/>
-          </p:nvPr>
-        </p:nvSpPr>
-        <p:spPr/>
-        <p:txBody>
-          <a:bodyPr/>
-          <a:lstStyle/>
-          <a:p>
-            <a:fld id="{96E69268-9C8B-4EBF-A9EE-DC5DC2D48DC3}" type="slidenum">
-              <a:rPr lang="en-US" smtClean="0"/>
-              <a:pPr/>
-              <a:t>‹#›</a:t>
-            </a:fld>
-            <a:endParaRPr lang="en-US"/>
-          </a:p>
-        </p:txBody>
-      </p:sp>
-    </p:spTree>
-    <p:extLst>
-      <p:ext uri="{BB962C8B-B14F-4D97-AF65-F5344CB8AC3E}">
-        <p14:creationId xmlns:p14="http://schemas.microsoft.com/office/powerpoint/2010/main" val="3217696323"/>
       </p:ext>
     </p:extLst>
   </p:cSld>
@@ -8985,7 +8253,7 @@
           <a:p>
             <a:fld id="{E26E0DA5-0C76-4851-AA82-0B75261F9EB4}" type="datetimeFigureOut">
               <a:rPr lang="en-US" smtClean="0"/>
-              <a:t>12/15/2020</a:t>
+              <a:t>12/16/2020</a:t>
             </a:fld>
             <a:endParaRPr lang="en-US"/>
           </a:p>
@@ -9102,7 +8370,7 @@
           <a:p>
             <a:fld id="{E26E0DA5-0C76-4851-AA82-0B75261F9EB4}" type="datetimeFigureOut">
               <a:rPr lang="en-US" smtClean="0"/>
-              <a:t>12/15/2020</a:t>
+              <a:t>12/16/2020</a:t>
             </a:fld>
             <a:endParaRPr lang="en-US"/>
           </a:p>
@@ -9197,7 +8465,7 @@
           <a:p>
             <a:fld id="{E26E0DA5-0C76-4851-AA82-0B75261F9EB4}" type="datetimeFigureOut">
               <a:rPr lang="en-US" smtClean="0"/>
-              <a:t>12/15/2020</a:t>
+              <a:t>12/16/2020</a:t>
             </a:fld>
             <a:endParaRPr lang="en-US"/>
           </a:p>
@@ -9472,7 +8740,7 @@
           <a:p>
             <a:fld id="{E26E0DA5-0C76-4851-AA82-0B75261F9EB4}" type="datetimeFigureOut">
               <a:rPr lang="en-US" smtClean="0"/>
-              <a:t>12/15/2020</a:t>
+              <a:t>12/16/2020</a:t>
             </a:fld>
             <a:endParaRPr lang="en-US"/>
           </a:p>
@@ -9724,7 +8992,7 @@
           <a:p>
             <a:fld id="{E26E0DA5-0C76-4851-AA82-0B75261F9EB4}" type="datetimeFigureOut">
               <a:rPr lang="en-US" smtClean="0"/>
-              <a:t>12/15/2020</a:t>
+              <a:t>12/16/2020</a:t>
             </a:fld>
             <a:endParaRPr lang="en-US"/>
           </a:p>
@@ -9935,7 +9203,7 @@
           <a:p>
             <a:fld id="{E26E0DA5-0C76-4851-AA82-0B75261F9EB4}" type="datetimeFigureOut">
               <a:rPr lang="en-US" smtClean="0"/>
-              <a:t>12/15/2020</a:t>
+              <a:t>12/16/2020</a:t>
             </a:fld>
             <a:endParaRPr lang="en-US"/>
           </a:p>
@@ -10043,14 +9311,10 @@
     <p:sldLayoutId id="2147483680" r:id="rId13"/>
     <p:sldLayoutId id="2147483681" r:id="rId14"/>
     <p:sldLayoutId id="2147483682" r:id="rId15"/>
-    <p:sldLayoutId id="2147483683" r:id="rId16"/>
-    <p:sldLayoutId id="2147483684" r:id="rId17"/>
-    <p:sldLayoutId id="2147483691" r:id="rId18"/>
-    <p:sldLayoutId id="2147483693" r:id="rId19"/>
-    <p:sldLayoutId id="2147483694" r:id="rId20"/>
-    <p:sldLayoutId id="2147483697" r:id="rId21"/>
-    <p:sldLayoutId id="2147483698" r:id="rId22"/>
-    <p:sldLayoutId id="2147483699" r:id="rId23"/>
+    <p:sldLayoutId id="2147483693" r:id="rId16"/>
+    <p:sldLayoutId id="2147483694" r:id="rId17"/>
+    <p:sldLayoutId id="2147483697" r:id="rId18"/>
+    <p:sldLayoutId id="2147483698" r:id="rId19"/>
   </p:sldLayoutIdLst>
   <p:txStyles>
     <p:titleStyle>
@@ -10504,7 +9768,7 @@
             <a:fld id="{425404F2-BE9A-4460-8815-8F645183555F}" type="datetimeFigureOut">
               <a:rPr lang="en-US" smtClean="0"/>
               <a:pPr/>
-              <a:t>12/15/2020</a:t>
+              <a:t>12/16/2020</a:t>
             </a:fld>
             <a:endParaRPr lang="en-US"/>
           </a:p>
@@ -11173,7 +10437,7 @@
                 </a:solidFill>
                 <a:latin typeface="Patua One" pitchFamily="2" charset="0"/>
               </a:rPr>
-              <a:t>Regression Concept</a:t>
+              <a:t>RMSE &amp; MAPE</a:t>
             </a:r>
           </a:p>
         </p:txBody>
@@ -11308,7 +10572,7 @@
           <p:cNvPr id="4" name="Content Placeholder 3">
             <a:extLst>
               <a:ext uri="{FF2B5EF4-FFF2-40B4-BE49-F238E27FC236}">
-                <a16:creationId xmlns:a16="http://schemas.microsoft.com/office/drawing/2014/main" id="{502FC43D-EFB6-4F3B-B176-68397577827F}"/>
+                <a16:creationId xmlns:a16="http://schemas.microsoft.com/office/drawing/2014/main" id="{9596F4A2-567E-4A2C-A543-E303D822C70E}"/>
               </a:ext>
             </a:extLst>
           </p:cNvPr>
@@ -11321,8 +10585,8 @@
         </p:nvSpPr>
         <p:spPr>
           <a:xfrm>
-            <a:off x="228600" y="933558"/>
-            <a:ext cx="11811001" cy="5628931"/>
+            <a:off x="152400" y="881174"/>
+            <a:ext cx="10972800" cy="484187"/>
           </a:xfrm>
         </p:spPr>
         <p:txBody>
@@ -11331,79 +10595,42 @@
           <a:p>
             <a:r>
               <a:rPr lang="en-US" dirty="0"/>
-              <a:t>If our machine learning scenario would like to predict the dependent variable which is of type continuous (number) we use regression scenario.</a:t>
-            </a:r>
-          </a:p>
+              <a:t>RMSD/RMSE – Root mean Square Residual (Error)</a:t>
+            </a:r>
+          </a:p>
+        </p:txBody>
+      </p:sp>
+      <p:sp>
+        <p:nvSpPr>
+          <p:cNvPr id="217" name="TextBox 216">
+            <a:extLst>
+              <a:ext uri="{FF2B5EF4-FFF2-40B4-BE49-F238E27FC236}">
+                <a16:creationId xmlns:a16="http://schemas.microsoft.com/office/drawing/2014/main" id="{3A92E90A-4DAB-43CA-8E8D-3BFE0C237B20}"/>
+              </a:ext>
+            </a:extLst>
+          </p:cNvPr>
+          <p:cNvSpPr txBox="1"/>
+          <p:nvPr/>
+        </p:nvSpPr>
+        <p:spPr>
+          <a:xfrm>
+            <a:off x="152401" y="3921563"/>
+            <a:ext cx="11807195" cy="923330"/>
+          </a:xfrm>
+          <a:prstGeom prst="rect">
+            <a:avLst/>
+          </a:prstGeom>
+          <a:noFill/>
+        </p:spPr>
+        <p:txBody>
+          <a:bodyPr wrap="square" rtlCol="0">
+            <a:spAutoFit/>
+          </a:bodyPr>
+          <a:lstStyle/>
           <a:p>
             <a:r>
               <a:rPr lang="en-US" dirty="0"/>
-              <a:t>There are 2 types of regression :-</a:t>
-            </a:r>
-          </a:p>
-          <a:p>
-            <a:r>
-              <a:rPr lang="en-US" dirty="0"/>
-              <a:t>Linear Regression – When my dependent variable is precisely dependent on one independent variable, we use linear regression.</a:t>
-            </a:r>
-          </a:p>
-          <a:p>
-            <a:r>
-              <a:rPr lang="en-US" dirty="0"/>
-              <a:t>Multi-regression – When my dependent variable is dependent on Multiple independent variables we can use multi-regression.</a:t>
-            </a:r>
-          </a:p>
-          <a:p>
-            <a:r>
-              <a:rPr lang="en-US" dirty="0" err="1"/>
-              <a:t>Eg.</a:t>
-            </a:r>
-            <a:r>
-              <a:rPr lang="en-US" dirty="0"/>
-              <a:t> Predict </a:t>
-            </a:r>
-            <a:r>
-              <a:rPr lang="en-US" b="1" dirty="0"/>
-              <a:t>house price </a:t>
-            </a:r>
-            <a:r>
-              <a:rPr lang="en-US" dirty="0"/>
-              <a:t>based on the different factors. </a:t>
-            </a:r>
-          </a:p>
-          <a:p>
-            <a:r>
-              <a:rPr lang="en-US" dirty="0"/>
-              <a:t>What will be the </a:t>
-            </a:r>
-            <a:r>
-              <a:rPr lang="en-US" b="1" dirty="0"/>
-              <a:t>% score </a:t>
-            </a:r>
-            <a:r>
-              <a:rPr lang="en-US" dirty="0"/>
-              <a:t>in exam depending on hours spent, book studied, practice papers tested.</a:t>
-            </a:r>
-          </a:p>
-          <a:p>
-            <a:r>
-              <a:rPr lang="en-US" dirty="0"/>
-              <a:t>What will be my </a:t>
-            </a:r>
-            <a:r>
-              <a:rPr lang="en-US" b="1" dirty="0"/>
-              <a:t>annual sales </a:t>
-            </a:r>
-            <a:r>
-              <a:rPr lang="en-US" dirty="0"/>
-              <a:t>depending on factors like employee, </a:t>
-            </a:r>
-            <a:r>
-              <a:rPr lang="en-US" dirty="0" err="1"/>
-              <a:t>cust</a:t>
-            </a:r>
-            <a:r>
-              <a:rPr lang="en-US" dirty="0"/>
-              <a:t>. Visits, leads,…</a:t>
+              <a:t>The value of RMSE can range between 0 to infinite which is difficult to be interpreted by the business, in order to make our business user understand the power of our model, we relies on a % based measure. This is called MAPE (Meal Absolute Percentage Error)</a:t>
             </a:r>
           </a:p>
         </p:txBody>
@@ -11411,7 +10638,7 @@
     </p:spTree>
     <p:extLst>
       <p:ext uri="{BB962C8B-B14F-4D97-AF65-F5344CB8AC3E}">
-        <p14:creationId xmlns:p14="http://schemas.microsoft.com/office/powerpoint/2010/main" val="1700320375"/>
+        <p14:creationId xmlns:p14="http://schemas.microsoft.com/office/powerpoint/2010/main" val="2919730680"/>
       </p:ext>
     </p:extLst>
   </p:cSld>
@@ -11443,6 +10670,1191 @@
       </p:grpSpPr>
       <p:sp>
         <p:nvSpPr>
+          <p:cNvPr id="2" name="Title 3">
+            <a:extLst>
+              <a:ext uri="{FF2B5EF4-FFF2-40B4-BE49-F238E27FC236}">
+                <a16:creationId xmlns:a16="http://schemas.microsoft.com/office/drawing/2014/main" id="{F07FC580-E2AB-4C55-8C95-D5E077A1D127}"/>
+              </a:ext>
+            </a:extLst>
+          </p:cNvPr>
+          <p:cNvSpPr txBox="1">
+            <a:spLocks/>
+          </p:cNvSpPr>
+          <p:nvPr/>
+        </p:nvSpPr>
+        <p:spPr>
+          <a:xfrm>
+            <a:off x="261764" y="188640"/>
+            <a:ext cx="11292008" cy="711081"/>
+          </a:xfrm>
+          <a:prstGeom prst="rect">
+            <a:avLst/>
+          </a:prstGeom>
+        </p:spPr>
+        <p:txBody>
+          <a:bodyPr/>
+          <a:lstStyle>
+            <a:lvl1pPr algn="l" defTabSz="914400" rtl="0" eaLnBrk="1" latinLnBrk="0" hangingPunct="1">
+              <a:lnSpc>
+                <a:spcPct val="90000"/>
+              </a:lnSpc>
+              <a:spcBef>
+                <a:spcPct val="0"/>
+              </a:spcBef>
+              <a:buNone/>
+              <a:defRPr sz="4400" kern="1200">
+                <a:solidFill>
+                  <a:schemeClr val="tx1"/>
+                </a:solidFill>
+                <a:latin typeface="+mj-lt"/>
+                <a:ea typeface="+mj-ea"/>
+                <a:cs typeface="+mj-cs"/>
+              </a:defRPr>
+            </a:lvl1pPr>
+          </a:lstStyle>
+          <a:p>
+            <a:endParaRPr lang="en-US" b="1" dirty="0"/>
+          </a:p>
+        </p:txBody>
+      </p:sp>
+      <p:sp>
+        <p:nvSpPr>
+          <p:cNvPr id="7" name="TextBox 6">
+            <a:extLst>
+              <a:ext uri="{FF2B5EF4-FFF2-40B4-BE49-F238E27FC236}">
+                <a16:creationId xmlns:a16="http://schemas.microsoft.com/office/drawing/2014/main" id="{17EB74BE-8011-4153-8F37-3BEF9C1F4CC0}"/>
+              </a:ext>
+            </a:extLst>
+          </p:cNvPr>
+          <p:cNvSpPr txBox="1"/>
+          <p:nvPr/>
+        </p:nvSpPr>
+        <p:spPr>
+          <a:xfrm>
+            <a:off x="3512128" y="2507734"/>
+            <a:ext cx="6174508" cy="1323439"/>
+          </a:xfrm>
+          <a:prstGeom prst="rect">
+            <a:avLst/>
+          </a:prstGeom>
+          <a:noFill/>
+        </p:spPr>
+        <p:txBody>
+          <a:bodyPr wrap="square">
+            <a:spAutoFit/>
+          </a:bodyPr>
+          <a:lstStyle/>
+          <a:p>
+            <a:r>
+              <a:rPr lang="en-US" sz="8000" b="1" dirty="0"/>
+              <a:t>End of Day 8</a:t>
+            </a:r>
+          </a:p>
+        </p:txBody>
+      </p:sp>
+    </p:spTree>
+    <p:extLst>
+      <p:ext uri="{BB962C8B-B14F-4D97-AF65-F5344CB8AC3E}">
+        <p14:creationId xmlns:p14="http://schemas.microsoft.com/office/powerpoint/2010/main" val="3867772902"/>
+      </p:ext>
+    </p:extLst>
+  </p:cSld>
+  <p:clrMapOvr>
+    <a:masterClrMapping/>
+  </p:clrMapOvr>
+</p:sld>
+</file>
+
+<file path=ppt/slides/slide12.xml><?xml version="1.0" encoding="utf-8"?>
+<p:sld xmlns:a="http://schemas.openxmlformats.org/drawingml/2006/main" xmlns:r="http://schemas.openxmlformats.org/officeDocument/2006/relationships" xmlns:p="http://schemas.openxmlformats.org/presentationml/2006/main">
+  <p:cSld>
+    <p:spTree>
+      <p:nvGrpSpPr>
+        <p:cNvPr id="1" name=""/>
+        <p:cNvGrpSpPr/>
+        <p:nvPr/>
+      </p:nvGrpSpPr>
+      <p:grpSpPr>
+        <a:xfrm>
+          <a:off x="0" y="0"/>
+          <a:ext cx="0" cy="0"/>
+          <a:chOff x="0" y="0"/>
+          <a:chExt cx="0" cy="0"/>
+        </a:xfrm>
+      </p:grpSpPr>
+      <p:sp>
+        <p:nvSpPr>
+          <p:cNvPr id="2" name="Title 1">
+            <a:extLst>
+              <a:ext uri="{FF2B5EF4-FFF2-40B4-BE49-F238E27FC236}">
+                <a16:creationId xmlns:a16="http://schemas.microsoft.com/office/drawing/2014/main" id="{29CB9E00-0397-4178-9E57-32DC82D3A8F7}"/>
+              </a:ext>
+            </a:extLst>
+          </p:cNvPr>
+          <p:cNvSpPr>
+            <a:spLocks noGrp="1"/>
+          </p:cNvSpPr>
+          <p:nvPr>
+            <p:ph type="title"/>
+          </p:nvPr>
+        </p:nvSpPr>
+        <p:spPr/>
+        <p:txBody>
+          <a:bodyPr/>
+          <a:lstStyle/>
+          <a:p>
+            <a:endParaRPr lang="en-US"/>
+          </a:p>
+        </p:txBody>
+      </p:sp>
+      <p:sp>
+        <p:nvSpPr>
+          <p:cNvPr id="3" name="Content Placeholder 2">
+            <a:extLst>
+              <a:ext uri="{FF2B5EF4-FFF2-40B4-BE49-F238E27FC236}">
+                <a16:creationId xmlns:a16="http://schemas.microsoft.com/office/drawing/2014/main" id="{73A078A5-4F35-4958-8384-CBBBD3DED2C3}"/>
+              </a:ext>
+            </a:extLst>
+          </p:cNvPr>
+          <p:cNvSpPr>
+            <a:spLocks noGrp="1"/>
+          </p:cNvSpPr>
+          <p:nvPr>
+            <p:ph sz="quarter" idx="13"/>
+          </p:nvPr>
+        </p:nvSpPr>
+        <p:spPr/>
+        <p:txBody>
+          <a:bodyPr/>
+          <a:lstStyle/>
+          <a:p>
+            <a:endParaRPr lang="en-US"/>
+          </a:p>
+        </p:txBody>
+      </p:sp>
+    </p:spTree>
+    <p:extLst>
+      <p:ext uri="{BB962C8B-B14F-4D97-AF65-F5344CB8AC3E}">
+        <p14:creationId xmlns:p14="http://schemas.microsoft.com/office/powerpoint/2010/main" val="3265325021"/>
+      </p:ext>
+    </p:extLst>
+  </p:cSld>
+  <p:clrMapOvr>
+    <a:masterClrMapping/>
+  </p:clrMapOvr>
+</p:sld>
+</file>
+
+<file path=ppt/slides/slide13.xml><?xml version="1.0" encoding="utf-8"?>
+<p:sld xmlns:a="http://schemas.openxmlformats.org/drawingml/2006/main" xmlns:r="http://schemas.openxmlformats.org/officeDocument/2006/relationships" xmlns:p="http://schemas.openxmlformats.org/presentationml/2006/main">
+  <p:cSld>
+    <p:spTree>
+      <p:nvGrpSpPr>
+        <p:cNvPr id="1" name=""/>
+        <p:cNvGrpSpPr/>
+        <p:nvPr/>
+      </p:nvGrpSpPr>
+      <p:grpSpPr>
+        <a:xfrm>
+          <a:off x="0" y="0"/>
+          <a:ext cx="0" cy="0"/>
+          <a:chOff x="0" y="0"/>
+          <a:chExt cx="0" cy="0"/>
+        </a:xfrm>
+      </p:grpSpPr>
+      <p:pic>
+        <p:nvPicPr>
+          <p:cNvPr id="1028" name="Picture 4" descr="Free Vector | Flat people with question marks background">
+            <a:extLst>
+              <a:ext uri="{FF2B5EF4-FFF2-40B4-BE49-F238E27FC236}">
+                <a16:creationId xmlns:a16="http://schemas.microsoft.com/office/drawing/2014/main" id="{E158EC70-4769-4E41-A278-C90EC4E480C7}"/>
+              </a:ext>
+            </a:extLst>
+          </p:cNvPr>
+          <p:cNvPicPr>
+            <a:picLocks noChangeAspect="1" noChangeArrowheads="1"/>
+          </p:cNvPicPr>
+          <p:nvPr/>
+        </p:nvPicPr>
+        <p:blipFill rotWithShape="1">
+          <a:blip r:embed="rId2">
+            <a:extLst>
+              <a:ext uri="{28A0092B-C50C-407E-A947-70E740481C1C}">
+                <a14:useLocalDpi xmlns:a14="http://schemas.microsoft.com/office/drawing/2010/main" val="0"/>
+              </a:ext>
+            </a:extLst>
+          </a:blip>
+          <a:srcRect t="1" b="22246"/>
+          <a:stretch/>
+        </p:blipFill>
+        <p:spPr bwMode="auto">
+          <a:xfrm>
+            <a:off x="1848418" y="639706"/>
+            <a:ext cx="7599507" cy="5908876"/>
+          </a:xfrm>
+          <a:prstGeom prst="rect">
+            <a:avLst/>
+          </a:prstGeom>
+          <a:noFill/>
+          <a:extLst>
+            <a:ext uri="{909E8E84-426E-40DD-AFC4-6F175D3DCCD1}">
+              <a14:hiddenFill xmlns:a14="http://schemas.microsoft.com/office/drawing/2010/main">
+                <a:solidFill>
+                  <a:srgbClr val="FFFFFF"/>
+                </a:solidFill>
+              </a14:hiddenFill>
+            </a:ext>
+          </a:extLst>
+        </p:spPr>
+      </p:pic>
+      <p:sp>
+        <p:nvSpPr>
+          <p:cNvPr id="2" name="TextBox 1">
+            <a:extLst>
+              <a:ext uri="{FF2B5EF4-FFF2-40B4-BE49-F238E27FC236}">
+                <a16:creationId xmlns:a16="http://schemas.microsoft.com/office/drawing/2014/main" id="{994C3DB2-D47E-4B94-804B-87AF1FDEF86E}"/>
+              </a:ext>
+            </a:extLst>
+          </p:cNvPr>
+          <p:cNvSpPr txBox="1"/>
+          <p:nvPr/>
+        </p:nvSpPr>
+        <p:spPr>
+          <a:xfrm>
+            <a:off x="4535055" y="1052946"/>
+            <a:ext cx="5588000" cy="769441"/>
+          </a:xfrm>
+          <a:prstGeom prst="rect">
+            <a:avLst/>
+          </a:prstGeom>
+          <a:noFill/>
+        </p:spPr>
+        <p:txBody>
+          <a:bodyPr wrap="square" rtlCol="0">
+            <a:spAutoFit/>
+          </a:bodyPr>
+          <a:lstStyle/>
+          <a:p>
+            <a:r>
+              <a:rPr lang="en-US" sz="4400" b="1" dirty="0"/>
+              <a:t>Questions</a:t>
+            </a:r>
+          </a:p>
+        </p:txBody>
+      </p:sp>
+    </p:spTree>
+    <p:extLst>
+      <p:ext uri="{BB962C8B-B14F-4D97-AF65-F5344CB8AC3E}">
+        <p14:creationId xmlns:p14="http://schemas.microsoft.com/office/powerpoint/2010/main" val="1308118299"/>
+      </p:ext>
+    </p:extLst>
+  </p:cSld>
+  <p:clrMapOvr>
+    <a:masterClrMapping/>
+  </p:clrMapOvr>
+</p:sld>
+</file>
+
+<file path=ppt/slides/slide14.xml><?xml version="1.0" encoding="utf-8"?>
+<p:sld xmlns:a="http://schemas.openxmlformats.org/drawingml/2006/main" xmlns:r="http://schemas.openxmlformats.org/officeDocument/2006/relationships" xmlns:p="http://schemas.openxmlformats.org/presentationml/2006/main">
+  <p:cSld>
+    <p:bg>
+      <p:bgPr>
+        <a:solidFill>
+          <a:schemeClr val="bg1">
+            <a:lumMod val="95000"/>
+          </a:schemeClr>
+        </a:solidFill>
+        <a:effectLst/>
+      </p:bgPr>
+    </p:bg>
+    <p:spTree>
+      <p:nvGrpSpPr>
+        <p:cNvPr id="1" name=""/>
+        <p:cNvGrpSpPr/>
+        <p:nvPr/>
+      </p:nvGrpSpPr>
+      <p:grpSpPr>
+        <a:xfrm>
+          <a:off x="0" y="0"/>
+          <a:ext cx="0" cy="0"/>
+          <a:chOff x="0" y="0"/>
+          <a:chExt cx="0" cy="0"/>
+        </a:xfrm>
+      </p:grpSpPr>
+      <p:pic>
+        <p:nvPicPr>
+          <p:cNvPr id="2052" name="Picture 4" descr="Ski Jumping Arena - Free Presentation Templates">
+            <a:extLst>
+              <a:ext uri="{FF2B5EF4-FFF2-40B4-BE49-F238E27FC236}">
+                <a16:creationId xmlns:a16="http://schemas.microsoft.com/office/drawing/2014/main" id="{B0D7E6A1-F72A-4F69-B4FB-A4ED7A0C6CED}"/>
+              </a:ext>
+            </a:extLst>
+          </p:cNvPr>
+          <p:cNvPicPr>
+            <a:picLocks noChangeAspect="1" noChangeArrowheads="1"/>
+          </p:cNvPicPr>
+          <p:nvPr/>
+        </p:nvPicPr>
+        <p:blipFill rotWithShape="1">
+          <a:blip r:embed="rId3">
+            <a:extLst>
+              <a:ext uri="{28A0092B-C50C-407E-A947-70E740481C1C}">
+                <a14:useLocalDpi xmlns:a14="http://schemas.microsoft.com/office/drawing/2010/main" val="0"/>
+              </a:ext>
+            </a:extLst>
+          </a:blip>
+          <a:srcRect r="2246" b="2246"/>
+          <a:stretch/>
+        </p:blipFill>
+        <p:spPr bwMode="auto">
+          <a:xfrm>
+            <a:off x="0" y="0"/>
+            <a:ext cx="12192000" cy="6858000"/>
+          </a:xfrm>
+          <a:prstGeom prst="rect">
+            <a:avLst/>
+          </a:prstGeom>
+          <a:noFill/>
+          <a:extLst>
+            <a:ext uri="{909E8E84-426E-40DD-AFC4-6F175D3DCCD1}">
+              <a14:hiddenFill xmlns:a14="http://schemas.microsoft.com/office/drawing/2010/main">
+                <a:solidFill>
+                  <a:srgbClr val="FFFFFF"/>
+                </a:solidFill>
+              </a14:hiddenFill>
+            </a:ext>
+          </a:extLst>
+        </p:spPr>
+      </p:pic>
+      <p:sp>
+        <p:nvSpPr>
+          <p:cNvPr id="5" name="TextBox 4"/>
+          <p:cNvSpPr txBox="1"/>
+          <p:nvPr/>
+        </p:nvSpPr>
+        <p:spPr>
+          <a:xfrm>
+            <a:off x="1910833" y="3429000"/>
+            <a:ext cx="6629399" cy="1200329"/>
+          </a:xfrm>
+          <a:prstGeom prst="rect">
+            <a:avLst/>
+          </a:prstGeom>
+          <a:noFill/>
+        </p:spPr>
+        <p:txBody>
+          <a:bodyPr wrap="square" rtlCol="0">
+            <a:spAutoFit/>
+          </a:bodyPr>
+          <a:lstStyle/>
+          <a:p>
+            <a:pPr marL="0" marR="0" lvl="0" indent="0" algn="l" defTabSz="914400" rtl="0" eaLnBrk="1" fontAlgn="auto" latinLnBrk="0" hangingPunct="1">
+              <a:lnSpc>
+                <a:spcPct val="100000"/>
+              </a:lnSpc>
+              <a:spcBef>
+                <a:spcPts val="0"/>
+              </a:spcBef>
+              <a:spcAft>
+                <a:spcPts val="0"/>
+              </a:spcAft>
+              <a:buClrTx/>
+              <a:buSzTx/>
+              <a:buFontTx/>
+              <a:buNone/>
+              <a:tabLst/>
+              <a:defRPr/>
+            </a:pPr>
+            <a:r>
+              <a:rPr kumimoji="0" lang="en-US" sz="3600" b="0" i="0" u="none" strike="noStrike" kern="1200" cap="none" spc="-150" normalizeH="0" baseline="0" noProof="0" dirty="0">
+                <a:ln>
+                  <a:noFill/>
+                </a:ln>
+                <a:solidFill>
+                  <a:prstClr val="white"/>
+                </a:solidFill>
+                <a:effectLst/>
+                <a:uLnTx/>
+                <a:uFillTx/>
+                <a:latin typeface="Calibri" panose="020F0502020204030204"/>
+                <a:ea typeface="+mn-ea"/>
+                <a:cs typeface="+mn-cs"/>
+              </a:rPr>
+              <a:t>Anurag Bajaj</a:t>
+            </a:r>
+          </a:p>
+          <a:p>
+            <a:pPr marL="0" marR="0" lvl="0" indent="0" algn="l" defTabSz="914400" rtl="0" eaLnBrk="1" fontAlgn="auto" latinLnBrk="0" hangingPunct="1">
+              <a:lnSpc>
+                <a:spcPct val="100000"/>
+              </a:lnSpc>
+              <a:spcBef>
+                <a:spcPts val="0"/>
+              </a:spcBef>
+              <a:spcAft>
+                <a:spcPts val="0"/>
+              </a:spcAft>
+              <a:buClrTx/>
+              <a:buSzTx/>
+              <a:buFontTx/>
+              <a:buNone/>
+              <a:tabLst/>
+              <a:defRPr/>
+            </a:pPr>
+            <a:r>
+              <a:rPr lang="en-US" sz="3600" spc="-150" dirty="0">
+                <a:solidFill>
+                  <a:prstClr val="white"/>
+                </a:solidFill>
+                <a:latin typeface="Calibri" panose="020F0502020204030204"/>
+              </a:rPr>
+              <a:t>anurag.bajaj02@gmail.com</a:t>
+            </a:r>
+            <a:endParaRPr kumimoji="0" lang="en-US" sz="3600" b="0" i="0" u="none" strike="noStrike" kern="1200" cap="none" spc="-150" normalizeH="0" baseline="0" noProof="0" dirty="0">
+              <a:ln>
+                <a:noFill/>
+              </a:ln>
+              <a:solidFill>
+                <a:prstClr val="white"/>
+              </a:solidFill>
+              <a:effectLst/>
+              <a:uLnTx/>
+              <a:uFillTx/>
+              <a:latin typeface="Calibri" panose="020F0502020204030204"/>
+              <a:ea typeface="+mn-ea"/>
+              <a:cs typeface="+mn-cs"/>
+            </a:endParaRPr>
+          </a:p>
+        </p:txBody>
+      </p:sp>
+    </p:spTree>
+    <p:extLst>
+      <p:ext uri="{BB962C8B-B14F-4D97-AF65-F5344CB8AC3E}">
+        <p14:creationId xmlns:p14="http://schemas.microsoft.com/office/powerpoint/2010/main" val="132008300"/>
+      </p:ext>
+    </p:extLst>
+  </p:cSld>
+  <p:clrMapOvr>
+    <a:masterClrMapping/>
+  </p:clrMapOvr>
+  <mc:AlternateContent xmlns:mc="http://schemas.openxmlformats.org/markup-compatibility/2006" xmlns:p14="http://schemas.microsoft.com/office/powerpoint/2010/main">
+    <mc:Choice Requires="p14">
+      <p:transition spd="med" p14:dur="700">
+        <p:fade/>
+      </p:transition>
+    </mc:Choice>
+    <mc:Fallback xmlns="">
+      <p:transition spd="med">
+        <p:fade/>
+      </p:transition>
+    </mc:Fallback>
+  </mc:AlternateContent>
+</p:sld>
+</file>
+
+<file path=ppt/slides/slide2.xml><?xml version="1.0" encoding="utf-8"?>
+<p:sld xmlns:a="http://schemas.openxmlformats.org/drawingml/2006/main" xmlns:r="http://schemas.openxmlformats.org/officeDocument/2006/relationships" xmlns:p="http://schemas.openxmlformats.org/presentationml/2006/main">
+  <p:cSld>
+    <p:spTree>
+      <p:nvGrpSpPr>
+        <p:cNvPr id="1" name=""/>
+        <p:cNvGrpSpPr/>
+        <p:nvPr/>
+      </p:nvGrpSpPr>
+      <p:grpSpPr>
+        <a:xfrm>
+          <a:off x="0" y="0"/>
+          <a:ext cx="0" cy="0"/>
+          <a:chOff x="0" y="0"/>
+          <a:chExt cx="0" cy="0"/>
+        </a:xfrm>
+      </p:grpSpPr>
+      <p:sp>
+        <p:nvSpPr>
+          <p:cNvPr id="2" name="Title 3">
+            <a:extLst>
+              <a:ext uri="{FF2B5EF4-FFF2-40B4-BE49-F238E27FC236}">
+                <a16:creationId xmlns:a16="http://schemas.microsoft.com/office/drawing/2014/main" id="{F07FC580-E2AB-4C55-8C95-D5E077A1D127}"/>
+              </a:ext>
+            </a:extLst>
+          </p:cNvPr>
+          <p:cNvSpPr txBox="1">
+            <a:spLocks/>
+          </p:cNvSpPr>
+          <p:nvPr/>
+        </p:nvSpPr>
+        <p:spPr>
+          <a:xfrm>
+            <a:off x="261764" y="188640"/>
+            <a:ext cx="11292008" cy="711081"/>
+          </a:xfrm>
+          <a:prstGeom prst="rect">
+            <a:avLst/>
+          </a:prstGeom>
+        </p:spPr>
+        <p:txBody>
+          <a:bodyPr/>
+          <a:lstStyle>
+            <a:lvl1pPr algn="l" defTabSz="914400" rtl="0" eaLnBrk="1" latinLnBrk="0" hangingPunct="1">
+              <a:lnSpc>
+                <a:spcPct val="90000"/>
+              </a:lnSpc>
+              <a:spcBef>
+                <a:spcPct val="0"/>
+              </a:spcBef>
+              <a:buNone/>
+              <a:defRPr sz="4400" kern="1200">
+                <a:solidFill>
+                  <a:schemeClr val="tx1"/>
+                </a:solidFill>
+                <a:latin typeface="+mj-lt"/>
+                <a:ea typeface="+mj-ea"/>
+                <a:cs typeface="+mj-cs"/>
+              </a:defRPr>
+            </a:lvl1pPr>
+          </a:lstStyle>
+          <a:p>
+            <a:pPr marL="0" marR="0" lvl="0" indent="0" algn="l" defTabSz="914400" rtl="0" eaLnBrk="1" fontAlgn="auto" latinLnBrk="0" hangingPunct="1">
+              <a:lnSpc>
+                <a:spcPct val="90000"/>
+              </a:lnSpc>
+              <a:spcBef>
+                <a:spcPct val="0"/>
+              </a:spcBef>
+              <a:spcAft>
+                <a:spcPts val="0"/>
+              </a:spcAft>
+              <a:buClrTx/>
+              <a:buSzTx/>
+              <a:buFontTx/>
+              <a:buNone/>
+              <a:tabLst/>
+              <a:defRPr/>
+            </a:pPr>
+            <a:r>
+              <a:rPr kumimoji="0" lang="en-US" sz="4400" b="1" i="0" u="none" strike="noStrike" kern="1200" cap="none" spc="0" normalizeH="0" baseline="0" noProof="0" dirty="0">
+                <a:ln>
+                  <a:noFill/>
+                </a:ln>
+                <a:solidFill>
+                  <a:prstClr val="black"/>
+                </a:solidFill>
+                <a:effectLst/>
+                <a:uLnTx/>
+                <a:uFillTx/>
+                <a:latin typeface="Calibri Light" panose="020F0302020204030204"/>
+                <a:ea typeface="+mj-ea"/>
+                <a:cs typeface="+mj-cs"/>
+              </a:rPr>
+              <a:t>Agenda – Day 8</a:t>
+            </a:r>
+          </a:p>
+        </p:txBody>
+      </p:sp>
+      <p:sp>
+        <p:nvSpPr>
+          <p:cNvPr id="4" name="Footer Placeholder 45">
+            <a:extLst>
+              <a:ext uri="{FF2B5EF4-FFF2-40B4-BE49-F238E27FC236}">
+                <a16:creationId xmlns:a16="http://schemas.microsoft.com/office/drawing/2014/main" id="{90E33047-DFF5-4690-8905-31E4C115EFDC}"/>
+              </a:ext>
+            </a:extLst>
+          </p:cNvPr>
+          <p:cNvSpPr>
+            <a:spLocks noGrp="1"/>
+          </p:cNvSpPr>
+          <p:nvPr>
+            <p:ph type="ftr" sz="quarter" idx="11"/>
+          </p:nvPr>
+        </p:nvSpPr>
+        <p:spPr>
+          <a:xfrm>
+            <a:off x="10123055" y="6548582"/>
+            <a:ext cx="2225295" cy="203620"/>
+          </a:xfrm>
+        </p:spPr>
+        <p:txBody>
+          <a:bodyPr/>
+          <a:lstStyle/>
+          <a:p>
+            <a:pPr marL="0" marR="0" lvl="0" indent="0" algn="ctr" defTabSz="914400" rtl="0" eaLnBrk="1" fontAlgn="auto" latinLnBrk="0" hangingPunct="1">
+              <a:lnSpc>
+                <a:spcPct val="100000"/>
+              </a:lnSpc>
+              <a:spcBef>
+                <a:spcPts val="0"/>
+              </a:spcBef>
+              <a:spcAft>
+                <a:spcPts val="0"/>
+              </a:spcAft>
+              <a:buClrTx/>
+              <a:buSzTx/>
+              <a:buFontTx/>
+              <a:buNone/>
+              <a:tabLst/>
+              <a:defRPr/>
+            </a:pPr>
+            <a:r>
+              <a:rPr kumimoji="0" lang="en-US" sz="1200" b="1" i="0" u="none" strike="noStrike" kern="1200" cap="none" spc="0" normalizeH="0" baseline="0" noProof="0" dirty="0">
+                <a:ln>
+                  <a:noFill/>
+                </a:ln>
+                <a:solidFill>
+                  <a:prstClr val="black"/>
+                </a:solidFill>
+                <a:effectLst/>
+                <a:uLnTx/>
+                <a:uFillTx/>
+                <a:latin typeface="Calibri" panose="020F0502020204030204"/>
+                <a:ea typeface="+mn-ea"/>
+                <a:cs typeface="+mn-cs"/>
+              </a:rPr>
+              <a:t>Anubhav trainings</a:t>
+            </a:r>
+          </a:p>
+        </p:txBody>
+      </p:sp>
+      <p:sp>
+        <p:nvSpPr>
+          <p:cNvPr id="5" name="TextBox 4">
+            <a:extLst>
+              <a:ext uri="{FF2B5EF4-FFF2-40B4-BE49-F238E27FC236}">
+                <a16:creationId xmlns:a16="http://schemas.microsoft.com/office/drawing/2014/main" id="{27E5B41D-1DDF-48C9-A5AF-075F84492B68}"/>
+              </a:ext>
+            </a:extLst>
+          </p:cNvPr>
+          <p:cNvSpPr txBox="1"/>
+          <p:nvPr/>
+        </p:nvSpPr>
+        <p:spPr>
+          <a:xfrm>
+            <a:off x="247878" y="982353"/>
+            <a:ext cx="11696243" cy="4031873"/>
+          </a:xfrm>
+          <a:prstGeom prst="rect">
+            <a:avLst/>
+          </a:prstGeom>
+          <a:noFill/>
+        </p:spPr>
+        <p:txBody>
+          <a:bodyPr wrap="square" rtlCol="0">
+            <a:spAutoFit/>
+          </a:bodyPr>
+          <a:lstStyle/>
+          <a:p>
+            <a:pPr marL="0" marR="0" lvl="0" indent="0" algn="l" defTabSz="914400" rtl="0" eaLnBrk="1" fontAlgn="auto" latinLnBrk="0" hangingPunct="1">
+              <a:lnSpc>
+                <a:spcPct val="100000"/>
+              </a:lnSpc>
+              <a:spcBef>
+                <a:spcPts val="0"/>
+              </a:spcBef>
+              <a:spcAft>
+                <a:spcPts val="0"/>
+              </a:spcAft>
+              <a:buClrTx/>
+              <a:buSzTx/>
+              <a:buFontTx/>
+              <a:buNone/>
+              <a:tabLst/>
+              <a:defRPr/>
+            </a:pPr>
+            <a:r>
+              <a:rPr kumimoji="0" lang="en-US" sz="1600" b="1" i="0" u="none" strike="noStrike" kern="1200" cap="none" spc="0" normalizeH="0" baseline="0" noProof="0" dirty="0">
+                <a:ln>
+                  <a:noFill/>
+                </a:ln>
+                <a:solidFill>
+                  <a:prstClr val="black"/>
+                </a:solidFill>
+                <a:effectLst/>
+                <a:uLnTx/>
+                <a:uFillTx/>
+                <a:latin typeface="Calibri" panose="020F0502020204030204"/>
+                <a:ea typeface="+mn-ea"/>
+                <a:cs typeface="+mn-cs"/>
+              </a:rPr>
+              <a:t>Classification Concept and Scenario</a:t>
+            </a:r>
+          </a:p>
+          <a:p>
+            <a:pPr marL="742950" lvl="1" indent="-285750">
+              <a:buFont typeface="Arial" panose="020B0604020202020204" pitchFamily="34" charset="0"/>
+              <a:buChar char="•"/>
+              <a:defRPr/>
+            </a:pPr>
+            <a:r>
+              <a:rPr kumimoji="0" lang="en-US" sz="1600" b="0" i="0" u="none" strike="noStrike" kern="1200" cap="none" spc="0" normalizeH="0" baseline="0" noProof="0" dirty="0">
+                <a:ln>
+                  <a:noFill/>
+                </a:ln>
+                <a:solidFill>
+                  <a:prstClr val="black"/>
+                </a:solidFill>
+                <a:effectLst/>
+                <a:uLnTx/>
+                <a:uFillTx/>
+                <a:latin typeface="Calibri" panose="020F0502020204030204"/>
+                <a:ea typeface="+mn-ea"/>
+                <a:cs typeface="+mn-cs"/>
+              </a:rPr>
+              <a:t>Logistic Regression Example</a:t>
+            </a:r>
+          </a:p>
+          <a:p>
+            <a:pPr marL="742950" lvl="1" indent="-285750">
+              <a:buFont typeface="Arial" panose="020B0604020202020204" pitchFamily="34" charset="0"/>
+              <a:buChar char="•"/>
+              <a:defRPr/>
+            </a:pPr>
+            <a:r>
+              <a:rPr kumimoji="0" lang="en-US" sz="1600" b="0" i="0" u="none" strike="noStrike" kern="1200" cap="none" spc="0" normalizeH="0" baseline="0" noProof="0" dirty="0">
+                <a:ln>
+                  <a:noFill/>
+                </a:ln>
+                <a:solidFill>
+                  <a:prstClr val="black"/>
+                </a:solidFill>
+                <a:effectLst/>
+                <a:uLnTx/>
+                <a:uFillTx/>
+                <a:latin typeface="Calibri" panose="020F0502020204030204"/>
+                <a:ea typeface="+mn-ea"/>
+                <a:cs typeface="+mn-cs"/>
+              </a:rPr>
+              <a:t>Confusion Matrix</a:t>
+            </a:r>
+          </a:p>
+          <a:p>
+            <a:pPr marL="742950" lvl="1" indent="-285750">
+              <a:buFont typeface="Arial" panose="020B0604020202020204" pitchFamily="34" charset="0"/>
+              <a:buChar char="•"/>
+              <a:defRPr/>
+            </a:pPr>
+            <a:r>
+              <a:rPr kumimoji="0" lang="en-US" sz="1600" b="0" i="0" u="none" strike="noStrike" kern="1200" cap="none" spc="0" normalizeH="0" baseline="0" noProof="0" dirty="0">
+                <a:ln>
+                  <a:noFill/>
+                </a:ln>
+                <a:solidFill>
+                  <a:prstClr val="black"/>
+                </a:solidFill>
+                <a:effectLst/>
+                <a:uLnTx/>
+                <a:uFillTx/>
+                <a:latin typeface="Calibri" panose="020F0502020204030204"/>
+                <a:ea typeface="+mn-ea"/>
+                <a:cs typeface="+mn-cs"/>
+              </a:rPr>
+              <a:t>AUC and ROC Curves</a:t>
+            </a:r>
+          </a:p>
+          <a:p>
+            <a:pPr marL="742950" lvl="1" indent="-285750">
+              <a:buFont typeface="Arial" panose="020B0604020202020204" pitchFamily="34" charset="0"/>
+              <a:buChar char="•"/>
+              <a:defRPr/>
+            </a:pPr>
+            <a:r>
+              <a:rPr kumimoji="0" lang="en-US" sz="1600" b="0" i="0" u="none" strike="noStrike" kern="1200" cap="none" spc="0" normalizeH="0" baseline="0" noProof="0" dirty="0">
+                <a:ln>
+                  <a:noFill/>
+                </a:ln>
+                <a:solidFill>
+                  <a:prstClr val="black"/>
+                </a:solidFill>
+                <a:effectLst/>
+                <a:uLnTx/>
+                <a:uFillTx/>
+                <a:latin typeface="Calibri" panose="020F0502020204030204"/>
+                <a:ea typeface="+mn-ea"/>
+                <a:cs typeface="+mn-cs"/>
+              </a:rPr>
+              <a:t>Profit Simulation</a:t>
+            </a:r>
+          </a:p>
+          <a:p>
+            <a:pPr marL="742950" lvl="1" indent="-285750">
+              <a:buFont typeface="Arial" panose="020B0604020202020204" pitchFamily="34" charset="0"/>
+              <a:buChar char="•"/>
+              <a:defRPr/>
+            </a:pPr>
+            <a:r>
+              <a:rPr kumimoji="0" lang="en-US" sz="1600" b="0" i="0" u="none" strike="noStrike" kern="1200" cap="none" spc="0" normalizeH="0" baseline="0" noProof="0" dirty="0">
+                <a:ln>
+                  <a:noFill/>
+                </a:ln>
+                <a:solidFill>
+                  <a:prstClr val="black"/>
+                </a:solidFill>
+                <a:effectLst/>
+                <a:uLnTx/>
+                <a:uFillTx/>
+                <a:latin typeface="Calibri" panose="020F0502020204030204"/>
+                <a:ea typeface="+mn-ea"/>
+                <a:cs typeface="+mn-cs"/>
+              </a:rPr>
+              <a:t>ML Scenario – Classification</a:t>
+            </a:r>
+          </a:p>
+          <a:p>
+            <a:pPr marL="0" marR="0" lvl="0" indent="0" algn="l" defTabSz="914400" rtl="0" eaLnBrk="1" fontAlgn="auto" latinLnBrk="0" hangingPunct="1">
+              <a:lnSpc>
+                <a:spcPct val="100000"/>
+              </a:lnSpc>
+              <a:spcBef>
+                <a:spcPts val="0"/>
+              </a:spcBef>
+              <a:spcAft>
+                <a:spcPts val="0"/>
+              </a:spcAft>
+              <a:buClrTx/>
+              <a:buSzTx/>
+              <a:buFontTx/>
+              <a:buNone/>
+              <a:tabLst/>
+              <a:defRPr/>
+            </a:pPr>
+            <a:endParaRPr kumimoji="0" lang="en-US" sz="1600" b="0" i="0" u="none" strike="noStrike" kern="1200" cap="none" spc="0" normalizeH="0" baseline="0" noProof="0" dirty="0">
+              <a:ln>
+                <a:noFill/>
+              </a:ln>
+              <a:solidFill>
+                <a:prstClr val="black"/>
+              </a:solidFill>
+              <a:effectLst/>
+              <a:uLnTx/>
+              <a:uFillTx/>
+              <a:latin typeface="Calibri" panose="020F0502020204030204"/>
+              <a:ea typeface="+mn-ea"/>
+              <a:cs typeface="+mn-cs"/>
+            </a:endParaRPr>
+          </a:p>
+          <a:p>
+            <a:pPr marL="0" marR="0" lvl="0" indent="0" algn="l" defTabSz="914400" rtl="0" eaLnBrk="1" fontAlgn="auto" latinLnBrk="0" hangingPunct="1">
+              <a:lnSpc>
+                <a:spcPct val="100000"/>
+              </a:lnSpc>
+              <a:spcBef>
+                <a:spcPts val="0"/>
+              </a:spcBef>
+              <a:spcAft>
+                <a:spcPts val="0"/>
+              </a:spcAft>
+              <a:buClrTx/>
+              <a:buSzTx/>
+              <a:buFontTx/>
+              <a:buNone/>
+              <a:tabLst/>
+              <a:defRPr/>
+            </a:pPr>
+            <a:r>
+              <a:rPr kumimoji="0" lang="en-US" sz="1600" b="0" i="0" u="none" strike="noStrike" kern="1200" cap="none" spc="0" normalizeH="0" baseline="0" noProof="0" dirty="0">
+                <a:ln>
+                  <a:noFill/>
+                </a:ln>
+                <a:solidFill>
+                  <a:prstClr val="black"/>
+                </a:solidFill>
+                <a:effectLst/>
+                <a:uLnTx/>
+                <a:uFillTx/>
+                <a:latin typeface="Calibri" panose="020F0502020204030204"/>
+                <a:ea typeface="+mn-ea"/>
+                <a:cs typeface="+mn-cs"/>
+              </a:rPr>
+              <a:t>---Break---</a:t>
+            </a:r>
+          </a:p>
+          <a:p>
+            <a:pPr marL="0" marR="0" lvl="0" indent="0" algn="l" defTabSz="914400" rtl="0" eaLnBrk="1" fontAlgn="auto" latinLnBrk="0" hangingPunct="1">
+              <a:lnSpc>
+                <a:spcPct val="100000"/>
+              </a:lnSpc>
+              <a:spcBef>
+                <a:spcPts val="0"/>
+              </a:spcBef>
+              <a:spcAft>
+                <a:spcPts val="0"/>
+              </a:spcAft>
+              <a:buClrTx/>
+              <a:buSzTx/>
+              <a:buFontTx/>
+              <a:buNone/>
+              <a:tabLst/>
+              <a:defRPr/>
+            </a:pPr>
+            <a:endParaRPr kumimoji="0" lang="en-US" sz="1600" b="1" i="0" u="none" strike="noStrike" kern="1200" cap="none" spc="0" normalizeH="0" baseline="0" noProof="0" dirty="0">
+              <a:ln>
+                <a:noFill/>
+              </a:ln>
+              <a:solidFill>
+                <a:prstClr val="black"/>
+              </a:solidFill>
+              <a:effectLst/>
+              <a:uLnTx/>
+              <a:uFillTx/>
+              <a:latin typeface="Calibri" panose="020F0502020204030204"/>
+              <a:ea typeface="+mn-ea"/>
+              <a:cs typeface="+mn-cs"/>
+            </a:endParaRPr>
+          </a:p>
+          <a:p>
+            <a:pPr marL="0" marR="0" lvl="0" indent="0" algn="l" defTabSz="914400" rtl="0" eaLnBrk="1" fontAlgn="auto" latinLnBrk="0" hangingPunct="1">
+              <a:lnSpc>
+                <a:spcPct val="100000"/>
+              </a:lnSpc>
+              <a:spcBef>
+                <a:spcPts val="0"/>
+              </a:spcBef>
+              <a:spcAft>
+                <a:spcPts val="0"/>
+              </a:spcAft>
+              <a:buClrTx/>
+              <a:buSzTx/>
+              <a:buFontTx/>
+              <a:buNone/>
+              <a:tabLst/>
+              <a:defRPr/>
+            </a:pPr>
+            <a:r>
+              <a:rPr kumimoji="0" lang="en-US" sz="1600" b="1" i="0" u="none" strike="noStrike" kern="1200" cap="none" spc="0" normalizeH="0" baseline="0" noProof="0" dirty="0">
+                <a:ln>
+                  <a:noFill/>
+                </a:ln>
+                <a:solidFill>
+                  <a:prstClr val="black"/>
+                </a:solidFill>
+                <a:effectLst/>
+                <a:uLnTx/>
+                <a:uFillTx/>
+                <a:latin typeface="Calibri" panose="020F0502020204030204"/>
+                <a:ea typeface="+mn-ea"/>
+                <a:cs typeface="+mn-cs"/>
+              </a:rPr>
+              <a:t>Regression Concept and Scenario</a:t>
+            </a:r>
+          </a:p>
+          <a:p>
+            <a:pPr marL="742950" lvl="1" indent="-285750">
+              <a:buFont typeface="Arial" panose="020B0604020202020204" pitchFamily="34" charset="0"/>
+              <a:buChar char="•"/>
+              <a:defRPr/>
+            </a:pPr>
+            <a:r>
+              <a:rPr kumimoji="0" lang="en-US" sz="1600" b="0" i="0" u="none" strike="noStrike" kern="1200" cap="none" spc="0" normalizeH="0" baseline="0" noProof="0" dirty="0">
+                <a:ln>
+                  <a:noFill/>
+                </a:ln>
+                <a:solidFill>
+                  <a:prstClr val="black"/>
+                </a:solidFill>
+                <a:effectLst/>
+                <a:uLnTx/>
+                <a:uFillTx/>
+                <a:latin typeface="Calibri" panose="020F0502020204030204"/>
+                <a:ea typeface="+mn-ea"/>
+                <a:cs typeface="+mn-cs"/>
+              </a:rPr>
+              <a:t>	Concept of Regression</a:t>
+            </a:r>
+          </a:p>
+          <a:p>
+            <a:pPr marL="742950" lvl="1" indent="-285750">
+              <a:buFont typeface="Arial" panose="020B0604020202020204" pitchFamily="34" charset="0"/>
+              <a:buChar char="•"/>
+              <a:defRPr/>
+            </a:pPr>
+            <a:r>
+              <a:rPr kumimoji="0" lang="en-US" sz="1600" b="0" i="0" u="none" strike="noStrike" kern="1200" cap="none" spc="0" normalizeH="0" baseline="0" noProof="0" dirty="0">
+                <a:ln>
+                  <a:noFill/>
+                </a:ln>
+                <a:solidFill>
+                  <a:prstClr val="black"/>
+                </a:solidFill>
+                <a:effectLst/>
+                <a:uLnTx/>
+                <a:uFillTx/>
+                <a:latin typeface="Calibri" panose="020F0502020204030204"/>
+                <a:ea typeface="+mn-ea"/>
+                <a:cs typeface="+mn-cs"/>
+              </a:rPr>
+              <a:t>	Determination of MAPE</a:t>
+            </a:r>
+          </a:p>
+          <a:p>
+            <a:pPr marL="742950" lvl="1" indent="-285750">
+              <a:buFont typeface="Arial" panose="020B0604020202020204" pitchFamily="34" charset="0"/>
+              <a:buChar char="•"/>
+              <a:defRPr/>
+            </a:pPr>
+            <a:r>
+              <a:rPr kumimoji="0" lang="en-US" sz="1600" b="0" i="0" u="none" strike="noStrike" kern="1200" cap="none" spc="0" normalizeH="0" baseline="0" noProof="0" dirty="0">
+                <a:ln>
+                  <a:noFill/>
+                </a:ln>
+                <a:solidFill>
+                  <a:prstClr val="black"/>
+                </a:solidFill>
+                <a:effectLst/>
+                <a:uLnTx/>
+                <a:uFillTx/>
+                <a:latin typeface="Calibri" panose="020F0502020204030204"/>
+                <a:ea typeface="+mn-ea"/>
+                <a:cs typeface="+mn-cs"/>
+              </a:rPr>
+              <a:t>	Concept of Residuals</a:t>
+            </a:r>
+          </a:p>
+          <a:p>
+            <a:pPr marL="742950" lvl="1" indent="-285750">
+              <a:buFont typeface="Arial" panose="020B0604020202020204" pitchFamily="34" charset="0"/>
+              <a:buChar char="•"/>
+              <a:defRPr/>
+            </a:pPr>
+            <a:r>
+              <a:rPr kumimoji="0" lang="en-US" sz="1600" b="0" i="0" u="none" strike="noStrike" kern="1200" cap="none" spc="0" normalizeH="0" baseline="0" noProof="0" dirty="0">
+                <a:ln>
+                  <a:noFill/>
+                </a:ln>
+                <a:solidFill>
+                  <a:prstClr val="black"/>
+                </a:solidFill>
+                <a:effectLst/>
+                <a:uLnTx/>
+                <a:uFillTx/>
+                <a:latin typeface="Calibri" panose="020F0502020204030204"/>
+                <a:ea typeface="+mn-ea"/>
+                <a:cs typeface="+mn-cs"/>
+              </a:rPr>
+              <a:t>	Quadrantile</a:t>
+            </a:r>
+          </a:p>
+          <a:p>
+            <a:pPr marL="742950" lvl="1" indent="-285750">
+              <a:buFont typeface="Arial" panose="020B0604020202020204" pitchFamily="34" charset="0"/>
+              <a:buChar char="•"/>
+              <a:defRPr/>
+            </a:pPr>
+            <a:r>
+              <a:rPr kumimoji="0" lang="en-US" sz="1600" b="0" i="0" u="none" strike="noStrike" kern="1200" cap="none" spc="0" normalizeH="0" baseline="0" noProof="0" dirty="0">
+                <a:ln>
+                  <a:noFill/>
+                </a:ln>
+                <a:solidFill>
+                  <a:prstClr val="black"/>
+                </a:solidFill>
+                <a:effectLst/>
+                <a:uLnTx/>
+                <a:uFillTx/>
+                <a:latin typeface="Calibri" panose="020F0502020204030204"/>
+                <a:ea typeface="+mn-ea"/>
+                <a:cs typeface="+mn-cs"/>
+              </a:rPr>
+              <a:t>	Our HR Scenario</a:t>
+            </a:r>
+            <a:r>
+              <a:rPr lang="en-US" sz="1600" dirty="0">
+                <a:solidFill>
+                  <a:prstClr val="black"/>
+                </a:solidFill>
+                <a:latin typeface="Calibri" panose="020F0502020204030204"/>
+              </a:rPr>
+              <a:t>	</a:t>
+            </a:r>
+            <a:endParaRPr kumimoji="0" lang="en-US" sz="1600" b="0" i="0" u="none" strike="noStrike" kern="1200" cap="none" spc="0" normalizeH="0" baseline="0" noProof="0" dirty="0">
+              <a:ln>
+                <a:noFill/>
+              </a:ln>
+              <a:solidFill>
+                <a:prstClr val="black"/>
+              </a:solidFill>
+              <a:effectLst/>
+              <a:uLnTx/>
+              <a:uFillTx/>
+              <a:latin typeface="Calibri" panose="020F0502020204030204"/>
+              <a:ea typeface="+mn-ea"/>
+              <a:cs typeface="+mn-cs"/>
+            </a:endParaRPr>
+          </a:p>
+          <a:p>
+            <a:pPr marL="0" marR="0" lvl="0" indent="0" algn="l" defTabSz="914400" rtl="0" eaLnBrk="1" fontAlgn="auto" latinLnBrk="0" hangingPunct="1">
+              <a:lnSpc>
+                <a:spcPct val="100000"/>
+              </a:lnSpc>
+              <a:spcBef>
+                <a:spcPts val="0"/>
+              </a:spcBef>
+              <a:spcAft>
+                <a:spcPts val="0"/>
+              </a:spcAft>
+              <a:buClrTx/>
+              <a:buSzTx/>
+              <a:buFontTx/>
+              <a:buNone/>
+              <a:tabLst/>
+              <a:defRPr/>
+            </a:pPr>
+            <a:r>
+              <a:rPr lang="en-US" sz="1600" dirty="0">
+                <a:solidFill>
+                  <a:prstClr val="black"/>
+                </a:solidFill>
+                <a:latin typeface="Calibri" panose="020F0502020204030204"/>
+              </a:rPr>
+              <a:t>	</a:t>
+            </a:r>
+            <a:endParaRPr kumimoji="0" lang="en-US" sz="1600" b="0" i="0" u="none" strike="noStrike" kern="1200" cap="none" spc="0" normalizeH="0" baseline="0" noProof="0" dirty="0">
+              <a:ln>
+                <a:noFill/>
+              </a:ln>
+              <a:solidFill>
+                <a:prstClr val="black"/>
+              </a:solidFill>
+              <a:effectLst/>
+              <a:uLnTx/>
+              <a:uFillTx/>
+              <a:latin typeface="Calibri" panose="020F0502020204030204"/>
+              <a:ea typeface="+mn-ea"/>
+              <a:cs typeface="+mn-cs"/>
+            </a:endParaRPr>
+          </a:p>
+        </p:txBody>
+      </p:sp>
+    </p:spTree>
+    <p:extLst>
+      <p:ext uri="{BB962C8B-B14F-4D97-AF65-F5344CB8AC3E}">
+        <p14:creationId xmlns:p14="http://schemas.microsoft.com/office/powerpoint/2010/main" val="2321857352"/>
+      </p:ext>
+    </p:extLst>
+  </p:cSld>
+  <p:clrMapOvr>
+    <a:masterClrMapping/>
+  </p:clrMapOvr>
+</p:sld>
+</file>
+
+<file path=ppt/slides/slide3.xml><?xml version="1.0" encoding="utf-8"?>
+<p:sld xmlns:a="http://schemas.openxmlformats.org/drawingml/2006/main" xmlns:r="http://schemas.openxmlformats.org/officeDocument/2006/relationships" xmlns:p="http://schemas.openxmlformats.org/presentationml/2006/main">
+  <p:cSld>
+    <p:spTree>
+      <p:nvGrpSpPr>
+        <p:cNvPr id="1" name=""/>
+        <p:cNvGrpSpPr/>
+        <p:nvPr/>
+      </p:nvGrpSpPr>
+      <p:grpSpPr>
+        <a:xfrm>
+          <a:off x="0" y="0"/>
+          <a:ext cx="0" cy="0"/>
+          <a:chOff x="0" y="0"/>
+          <a:chExt cx="0" cy="0"/>
+        </a:xfrm>
+      </p:grpSpPr>
+      <p:sp>
+        <p:nvSpPr>
           <p:cNvPr id="11" name="Title 10"/>
           <p:cNvSpPr>
             <a:spLocks noGrp="1"/>
@@ -11473,7 +11885,7 @@
                 </a:solidFill>
                 <a:latin typeface="Patua One" pitchFamily="2" charset="0"/>
               </a:rPr>
-              <a:t>Model look like</a:t>
+              <a:t>Machine Learning Scenario – Classification </a:t>
             </a:r>
           </a:p>
         </p:txBody>
@@ -11603,2823 +12015,6 @@
           </a:fontRef>
         </p:style>
       </p:cxnSp>
-      <p:cxnSp>
-        <p:nvCxnSpPr>
-          <p:cNvPr id="6" name="Straight Arrow Connector 5">
-            <a:extLst>
-              <a:ext uri="{FF2B5EF4-FFF2-40B4-BE49-F238E27FC236}">
-                <a16:creationId xmlns:a16="http://schemas.microsoft.com/office/drawing/2014/main" id="{CF01A2FF-B0DF-4AEB-AF33-302BC4F25C73}"/>
-              </a:ext>
-            </a:extLst>
-          </p:cNvPr>
-          <p:cNvCxnSpPr/>
-          <p:nvPr/>
-        </p:nvCxnSpPr>
-        <p:spPr>
-          <a:xfrm flipV="1">
-            <a:off x="990600" y="1066800"/>
-            <a:ext cx="0" cy="2438400"/>
-          </a:xfrm>
-          <a:prstGeom prst="straightConnector1">
-            <a:avLst/>
-          </a:prstGeom>
-          <a:ln>
-            <a:tailEnd type="triangle"/>
-          </a:ln>
-        </p:spPr>
-        <p:style>
-          <a:lnRef idx="1">
-            <a:schemeClr val="accent1"/>
-          </a:lnRef>
-          <a:fillRef idx="0">
-            <a:schemeClr val="accent1"/>
-          </a:fillRef>
-          <a:effectRef idx="0">
-            <a:schemeClr val="accent1"/>
-          </a:effectRef>
-          <a:fontRef idx="minor">
-            <a:schemeClr val="tx1"/>
-          </a:fontRef>
-        </p:style>
-      </p:cxnSp>
-      <p:cxnSp>
-        <p:nvCxnSpPr>
-          <p:cNvPr id="8" name="Straight Arrow Connector 7">
-            <a:extLst>
-              <a:ext uri="{FF2B5EF4-FFF2-40B4-BE49-F238E27FC236}">
-                <a16:creationId xmlns:a16="http://schemas.microsoft.com/office/drawing/2014/main" id="{9B61A3DE-C4F1-48C9-9300-94CB16470B9B}"/>
-              </a:ext>
-            </a:extLst>
-          </p:cNvPr>
-          <p:cNvCxnSpPr/>
-          <p:nvPr/>
-        </p:nvCxnSpPr>
-        <p:spPr>
-          <a:xfrm>
-            <a:off x="914400" y="3429000"/>
-            <a:ext cx="3733800" cy="0"/>
-          </a:xfrm>
-          <a:prstGeom prst="straightConnector1">
-            <a:avLst/>
-          </a:prstGeom>
-          <a:ln>
-            <a:tailEnd type="triangle"/>
-          </a:ln>
-        </p:spPr>
-        <p:style>
-          <a:lnRef idx="1">
-            <a:schemeClr val="accent1"/>
-          </a:lnRef>
-          <a:fillRef idx="0">
-            <a:schemeClr val="accent1"/>
-          </a:fillRef>
-          <a:effectRef idx="0">
-            <a:schemeClr val="accent1"/>
-          </a:effectRef>
-          <a:fontRef idx="minor">
-            <a:schemeClr val="tx1"/>
-          </a:fontRef>
-        </p:style>
-      </p:cxnSp>
-      <p:sp>
-        <p:nvSpPr>
-          <p:cNvPr id="9" name="TextBox 8">
-            <a:extLst>
-              <a:ext uri="{FF2B5EF4-FFF2-40B4-BE49-F238E27FC236}">
-                <a16:creationId xmlns:a16="http://schemas.microsoft.com/office/drawing/2014/main" id="{BDA64FD3-E2EC-45B3-AFB7-FEC2F3CA548F}"/>
-              </a:ext>
-            </a:extLst>
-          </p:cNvPr>
-          <p:cNvSpPr txBox="1"/>
-          <p:nvPr/>
-        </p:nvSpPr>
-        <p:spPr>
-          <a:xfrm>
-            <a:off x="1676401" y="3505200"/>
-            <a:ext cx="4190997" cy="369332"/>
-          </a:xfrm>
-          <a:prstGeom prst="rect">
-            <a:avLst/>
-          </a:prstGeom>
-          <a:noFill/>
-        </p:spPr>
-        <p:txBody>
-          <a:bodyPr wrap="square" rtlCol="0">
-            <a:spAutoFit/>
-          </a:bodyPr>
-          <a:lstStyle/>
-          <a:p>
-            <a:r>
-              <a:rPr lang="en-US" dirty="0"/>
-              <a:t>X – independent variables</a:t>
-            </a:r>
-          </a:p>
-        </p:txBody>
-      </p:sp>
-      <p:sp>
-        <p:nvSpPr>
-          <p:cNvPr id="10" name="TextBox 9">
-            <a:extLst>
-              <a:ext uri="{FF2B5EF4-FFF2-40B4-BE49-F238E27FC236}">
-                <a16:creationId xmlns:a16="http://schemas.microsoft.com/office/drawing/2014/main" id="{E43BB223-CAC2-478D-87E4-3A391CA5E821}"/>
-              </a:ext>
-            </a:extLst>
-          </p:cNvPr>
-          <p:cNvSpPr txBox="1"/>
-          <p:nvPr/>
-        </p:nvSpPr>
-        <p:spPr>
-          <a:xfrm>
-            <a:off x="-762000" y="1600200"/>
-            <a:ext cx="1676381" cy="923330"/>
-          </a:xfrm>
-          <a:prstGeom prst="rect">
-            <a:avLst/>
-          </a:prstGeom>
-          <a:noFill/>
-        </p:spPr>
-        <p:txBody>
-          <a:bodyPr wrap="square" rtlCol="0">
-            <a:spAutoFit/>
-          </a:bodyPr>
-          <a:lstStyle/>
-          <a:p>
-            <a:r>
-              <a:rPr lang="en-US" dirty="0"/>
-              <a:t>Y dependent variable</a:t>
-            </a:r>
-          </a:p>
-          <a:p>
-            <a:r>
-              <a:rPr lang="en-US" dirty="0"/>
-              <a:t>(prediction)</a:t>
-            </a:r>
-          </a:p>
-        </p:txBody>
-      </p:sp>
-      <p:cxnSp>
-        <p:nvCxnSpPr>
-          <p:cNvPr id="239" name="Straight Arrow Connector 238">
-            <a:extLst>
-              <a:ext uri="{FF2B5EF4-FFF2-40B4-BE49-F238E27FC236}">
-                <a16:creationId xmlns:a16="http://schemas.microsoft.com/office/drawing/2014/main" id="{F0720F38-2977-4285-A495-BAF53BD6DF8B}"/>
-              </a:ext>
-            </a:extLst>
-          </p:cNvPr>
-          <p:cNvCxnSpPr>
-            <a:cxnSpLocks/>
-          </p:cNvCxnSpPr>
-          <p:nvPr/>
-        </p:nvCxnSpPr>
-        <p:spPr>
-          <a:xfrm flipV="1">
-            <a:off x="6172200" y="1066801"/>
-            <a:ext cx="0" cy="2353282"/>
-          </a:xfrm>
-          <a:prstGeom prst="straightConnector1">
-            <a:avLst/>
-          </a:prstGeom>
-          <a:ln>
-            <a:tailEnd type="triangle"/>
-          </a:ln>
-        </p:spPr>
-        <p:style>
-          <a:lnRef idx="1">
-            <a:schemeClr val="accent1"/>
-          </a:lnRef>
-          <a:fillRef idx="0">
-            <a:schemeClr val="accent1"/>
-          </a:fillRef>
-          <a:effectRef idx="0">
-            <a:schemeClr val="accent1"/>
-          </a:effectRef>
-          <a:fontRef idx="minor">
-            <a:schemeClr val="tx1"/>
-          </a:fontRef>
-        </p:style>
-      </p:cxnSp>
-      <p:cxnSp>
-        <p:nvCxnSpPr>
-          <p:cNvPr id="242" name="Straight Arrow Connector 241">
-            <a:extLst>
-              <a:ext uri="{FF2B5EF4-FFF2-40B4-BE49-F238E27FC236}">
-                <a16:creationId xmlns:a16="http://schemas.microsoft.com/office/drawing/2014/main" id="{CBC71256-C65E-4B3B-AAB9-C71CED6D1A2F}"/>
-              </a:ext>
-            </a:extLst>
-          </p:cNvPr>
-          <p:cNvCxnSpPr/>
-          <p:nvPr/>
-        </p:nvCxnSpPr>
-        <p:spPr>
-          <a:xfrm>
-            <a:off x="6019800" y="3227123"/>
-            <a:ext cx="3124200" cy="0"/>
-          </a:xfrm>
-          <a:prstGeom prst="straightConnector1">
-            <a:avLst/>
-          </a:prstGeom>
-          <a:ln>
-            <a:tailEnd type="triangle"/>
-          </a:ln>
-        </p:spPr>
-        <p:style>
-          <a:lnRef idx="1">
-            <a:schemeClr val="accent1"/>
-          </a:lnRef>
-          <a:fillRef idx="0">
-            <a:schemeClr val="accent1"/>
-          </a:fillRef>
-          <a:effectRef idx="0">
-            <a:schemeClr val="accent1"/>
-          </a:effectRef>
-          <a:fontRef idx="minor">
-            <a:schemeClr val="tx1"/>
-          </a:fontRef>
-        </p:style>
-      </p:cxnSp>
-      <p:cxnSp>
-        <p:nvCxnSpPr>
-          <p:cNvPr id="243" name="Straight Arrow Connector 242">
-            <a:extLst>
-              <a:ext uri="{FF2B5EF4-FFF2-40B4-BE49-F238E27FC236}">
-                <a16:creationId xmlns:a16="http://schemas.microsoft.com/office/drawing/2014/main" id="{880B6985-11BC-4A52-A744-32E56D7444C8}"/>
-              </a:ext>
-            </a:extLst>
-          </p:cNvPr>
-          <p:cNvCxnSpPr>
-            <a:cxnSpLocks/>
-          </p:cNvCxnSpPr>
-          <p:nvPr/>
-        </p:nvCxnSpPr>
-        <p:spPr>
-          <a:xfrm flipV="1">
-            <a:off x="9448800" y="1066801"/>
-            <a:ext cx="0" cy="2353282"/>
-          </a:xfrm>
-          <a:prstGeom prst="straightConnector1">
-            <a:avLst/>
-          </a:prstGeom>
-          <a:ln>
-            <a:tailEnd type="triangle"/>
-          </a:ln>
-        </p:spPr>
-        <p:style>
-          <a:lnRef idx="1">
-            <a:schemeClr val="accent1"/>
-          </a:lnRef>
-          <a:fillRef idx="0">
-            <a:schemeClr val="accent1"/>
-          </a:fillRef>
-          <a:effectRef idx="0">
-            <a:schemeClr val="accent1"/>
-          </a:effectRef>
-          <a:fontRef idx="minor">
-            <a:schemeClr val="tx1"/>
-          </a:fontRef>
-        </p:style>
-      </p:cxnSp>
-      <p:cxnSp>
-        <p:nvCxnSpPr>
-          <p:cNvPr id="244" name="Straight Arrow Connector 243">
-            <a:extLst>
-              <a:ext uri="{FF2B5EF4-FFF2-40B4-BE49-F238E27FC236}">
-                <a16:creationId xmlns:a16="http://schemas.microsoft.com/office/drawing/2014/main" id="{F7F097CF-B133-4469-B391-64956F09DE06}"/>
-              </a:ext>
-            </a:extLst>
-          </p:cNvPr>
-          <p:cNvCxnSpPr/>
-          <p:nvPr/>
-        </p:nvCxnSpPr>
-        <p:spPr>
-          <a:xfrm>
-            <a:off x="9296400" y="3227123"/>
-            <a:ext cx="3124200" cy="0"/>
-          </a:xfrm>
-          <a:prstGeom prst="straightConnector1">
-            <a:avLst/>
-          </a:prstGeom>
-          <a:ln>
-            <a:tailEnd type="triangle"/>
-          </a:ln>
-        </p:spPr>
-        <p:style>
-          <a:lnRef idx="1">
-            <a:schemeClr val="accent1"/>
-          </a:lnRef>
-          <a:fillRef idx="0">
-            <a:schemeClr val="accent1"/>
-          </a:fillRef>
-          <a:effectRef idx="0">
-            <a:schemeClr val="accent1"/>
-          </a:effectRef>
-          <a:fontRef idx="minor">
-            <a:schemeClr val="tx1"/>
-          </a:fontRef>
-        </p:style>
-      </p:cxnSp>
-      <p:sp>
-        <p:nvSpPr>
-          <p:cNvPr id="245" name="TextBox 244">
-            <a:extLst>
-              <a:ext uri="{FF2B5EF4-FFF2-40B4-BE49-F238E27FC236}">
-                <a16:creationId xmlns:a16="http://schemas.microsoft.com/office/drawing/2014/main" id="{1F835A76-63FD-4247-8962-A907E1E44270}"/>
-              </a:ext>
-            </a:extLst>
-          </p:cNvPr>
-          <p:cNvSpPr txBox="1"/>
-          <p:nvPr/>
-        </p:nvSpPr>
-        <p:spPr>
-          <a:xfrm>
-            <a:off x="7391400" y="3227123"/>
-            <a:ext cx="759324" cy="369332"/>
-          </a:xfrm>
-          <a:prstGeom prst="rect">
-            <a:avLst/>
-          </a:prstGeom>
-          <a:noFill/>
-        </p:spPr>
-        <p:txBody>
-          <a:bodyPr wrap="square" rtlCol="0">
-            <a:spAutoFit/>
-          </a:bodyPr>
-          <a:lstStyle/>
-          <a:p>
-            <a:r>
-              <a:rPr lang="en-US" dirty="0"/>
-              <a:t>x</a:t>
-            </a:r>
-          </a:p>
-        </p:txBody>
-      </p:sp>
-      <p:sp>
-        <p:nvSpPr>
-          <p:cNvPr id="246" name="TextBox 245">
-            <a:extLst>
-              <a:ext uri="{FF2B5EF4-FFF2-40B4-BE49-F238E27FC236}">
-                <a16:creationId xmlns:a16="http://schemas.microsoft.com/office/drawing/2014/main" id="{3E091CFA-6EB7-4CDF-B293-64AD0E79A570}"/>
-              </a:ext>
-            </a:extLst>
-          </p:cNvPr>
-          <p:cNvSpPr txBox="1"/>
-          <p:nvPr/>
-        </p:nvSpPr>
-        <p:spPr>
-          <a:xfrm>
-            <a:off x="5715001" y="1775963"/>
-            <a:ext cx="304791" cy="369332"/>
-          </a:xfrm>
-          <a:prstGeom prst="rect">
-            <a:avLst/>
-          </a:prstGeom>
-          <a:noFill/>
-        </p:spPr>
-        <p:txBody>
-          <a:bodyPr wrap="square" rtlCol="0">
-            <a:spAutoFit/>
-          </a:bodyPr>
-          <a:lstStyle/>
-          <a:p>
-            <a:r>
-              <a:rPr lang="en-US" dirty="0"/>
-              <a:t>y</a:t>
-            </a:r>
-          </a:p>
-        </p:txBody>
-      </p:sp>
-      <p:sp>
-        <p:nvSpPr>
-          <p:cNvPr id="248" name="TextBox 247">
-            <a:extLst>
-              <a:ext uri="{FF2B5EF4-FFF2-40B4-BE49-F238E27FC236}">
-                <a16:creationId xmlns:a16="http://schemas.microsoft.com/office/drawing/2014/main" id="{4805E5CC-D6EE-4F14-BB14-E8A278269E58}"/>
-              </a:ext>
-            </a:extLst>
-          </p:cNvPr>
-          <p:cNvSpPr txBox="1"/>
-          <p:nvPr/>
-        </p:nvSpPr>
-        <p:spPr>
-          <a:xfrm>
-            <a:off x="10696877" y="3148690"/>
-            <a:ext cx="759324" cy="369332"/>
-          </a:xfrm>
-          <a:prstGeom prst="rect">
-            <a:avLst/>
-          </a:prstGeom>
-          <a:noFill/>
-        </p:spPr>
-        <p:txBody>
-          <a:bodyPr wrap="square" rtlCol="0">
-            <a:spAutoFit/>
-          </a:bodyPr>
-          <a:lstStyle/>
-          <a:p>
-            <a:r>
-              <a:rPr lang="en-US" dirty="0"/>
-              <a:t>x</a:t>
-            </a:r>
-          </a:p>
-        </p:txBody>
-      </p:sp>
-      <p:sp>
-        <p:nvSpPr>
-          <p:cNvPr id="250" name="TextBox 249">
-            <a:extLst>
-              <a:ext uri="{FF2B5EF4-FFF2-40B4-BE49-F238E27FC236}">
-                <a16:creationId xmlns:a16="http://schemas.microsoft.com/office/drawing/2014/main" id="{F8673E91-B288-4167-AA31-BF62C56E5265}"/>
-              </a:ext>
-            </a:extLst>
-          </p:cNvPr>
-          <p:cNvSpPr txBox="1"/>
-          <p:nvPr/>
-        </p:nvSpPr>
-        <p:spPr>
-          <a:xfrm>
-            <a:off x="9020478" y="1697530"/>
-            <a:ext cx="304791" cy="369332"/>
-          </a:xfrm>
-          <a:prstGeom prst="rect">
-            <a:avLst/>
-          </a:prstGeom>
-          <a:noFill/>
-        </p:spPr>
-        <p:txBody>
-          <a:bodyPr wrap="square" rtlCol="0">
-            <a:spAutoFit/>
-          </a:bodyPr>
-          <a:lstStyle/>
-          <a:p>
-            <a:r>
-              <a:rPr lang="en-US" dirty="0"/>
-              <a:t>y</a:t>
-            </a:r>
-          </a:p>
-        </p:txBody>
-      </p:sp>
-      <mc:AlternateContent xmlns:mc="http://schemas.openxmlformats.org/markup-compatibility/2006">
-        <mc:Choice xmlns:p14="http://schemas.microsoft.com/office/powerpoint/2010/main" Requires="p14">
-          <p:contentPart p14:bwMode="auto" r:id="rId3">
-            <p14:nvContentPartPr>
-              <p14:cNvPr id="294" name="Ink 293">
-                <a:extLst>
-                  <a:ext uri="{FF2B5EF4-FFF2-40B4-BE49-F238E27FC236}">
-                    <a16:creationId xmlns:a16="http://schemas.microsoft.com/office/drawing/2014/main" id="{A0E873E2-AA67-4172-9697-675686346D76}"/>
-                  </a:ext>
-                </a:extLst>
-              </p14:cNvPr>
-              <p14:cNvContentPartPr/>
-              <p14:nvPr/>
-            </p14:nvContentPartPr>
-            <p14:xfrm>
-              <a:off x="6233313" y="3604763"/>
-              <a:ext cx="1666080" cy="319320"/>
-            </p14:xfrm>
-          </p:contentPart>
-        </mc:Choice>
-        <mc:Fallback>
-          <p:pic>
-            <p:nvPicPr>
-              <p:cNvPr id="294" name="Ink 293">
-                <a:extLst>
-                  <a:ext uri="{FF2B5EF4-FFF2-40B4-BE49-F238E27FC236}">
-                    <a16:creationId xmlns:a16="http://schemas.microsoft.com/office/drawing/2014/main" id="{A0E873E2-AA67-4172-9697-675686346D76}"/>
-                  </a:ext>
-                </a:extLst>
-              </p:cNvPr>
-              <p:cNvPicPr/>
-              <p:nvPr/>
-            </p:nvPicPr>
-            <p:blipFill>
-              <a:blip r:embed="rId4"/>
-              <a:stretch>
-                <a:fillRect/>
-              </a:stretch>
-            </p:blipFill>
-            <p:spPr>
-              <a:xfrm>
-                <a:off x="6224313" y="3595763"/>
-                <a:ext cx="1683720" cy="336960"/>
-              </a:xfrm>
-              <a:prstGeom prst="rect">
-                <a:avLst/>
-              </a:prstGeom>
-            </p:spPr>
-          </p:pic>
-        </mc:Fallback>
-      </mc:AlternateContent>
-      <mc:AlternateContent xmlns:mc="http://schemas.openxmlformats.org/markup-compatibility/2006">
-        <mc:Choice xmlns:p14="http://schemas.microsoft.com/office/powerpoint/2010/main" Requires="p14">
-          <p:contentPart p14:bwMode="auto" r:id="rId5">
-            <p14:nvContentPartPr>
-              <p14:cNvPr id="295" name="Ink 294">
-                <a:extLst>
-                  <a:ext uri="{FF2B5EF4-FFF2-40B4-BE49-F238E27FC236}">
-                    <a16:creationId xmlns:a16="http://schemas.microsoft.com/office/drawing/2014/main" id="{B8C82A7A-0B59-4DB9-A0FF-5DE17BE36A0E}"/>
-                  </a:ext>
-                </a:extLst>
-              </p14:cNvPr>
-              <p14:cNvContentPartPr/>
-              <p14:nvPr/>
-            </p14:nvContentPartPr>
-            <p14:xfrm>
-              <a:off x="9453153" y="3156563"/>
-              <a:ext cx="9360" cy="360"/>
-            </p14:xfrm>
-          </p:contentPart>
-        </mc:Choice>
-        <mc:Fallback>
-          <p:pic>
-            <p:nvPicPr>
-              <p:cNvPr id="295" name="Ink 294">
-                <a:extLst>
-                  <a:ext uri="{FF2B5EF4-FFF2-40B4-BE49-F238E27FC236}">
-                    <a16:creationId xmlns:a16="http://schemas.microsoft.com/office/drawing/2014/main" id="{B8C82A7A-0B59-4DB9-A0FF-5DE17BE36A0E}"/>
-                  </a:ext>
-                </a:extLst>
-              </p:cNvPr>
-              <p:cNvPicPr/>
-              <p:nvPr/>
-            </p:nvPicPr>
-            <p:blipFill>
-              <a:blip r:embed="rId6"/>
-              <a:stretch>
-                <a:fillRect/>
-              </a:stretch>
-            </p:blipFill>
-            <p:spPr>
-              <a:xfrm>
-                <a:off x="9444153" y="3147563"/>
-                <a:ext cx="27000" cy="18000"/>
-              </a:xfrm>
-              <a:prstGeom prst="rect">
-                <a:avLst/>
-              </a:prstGeom>
-            </p:spPr>
-          </p:pic>
-        </mc:Fallback>
-      </mc:AlternateContent>
-      <mc:AlternateContent xmlns:mc="http://schemas.openxmlformats.org/markup-compatibility/2006">
-        <mc:Choice xmlns:p14="http://schemas.microsoft.com/office/powerpoint/2010/main" Requires="p14">
-          <p:contentPart p14:bwMode="auto" r:id="rId7">
-            <p14:nvContentPartPr>
-              <p14:cNvPr id="356" name="Ink 355">
-                <a:extLst>
-                  <a:ext uri="{FF2B5EF4-FFF2-40B4-BE49-F238E27FC236}">
-                    <a16:creationId xmlns:a16="http://schemas.microsoft.com/office/drawing/2014/main" id="{0C62523B-5440-41F0-9B72-2B51EBD2467A}"/>
-                  </a:ext>
-                </a:extLst>
-              </p14:cNvPr>
-              <p14:cNvContentPartPr/>
-              <p14:nvPr/>
-            </p14:nvContentPartPr>
-            <p14:xfrm>
-              <a:off x="9681393" y="3532043"/>
-              <a:ext cx="1513080" cy="363240"/>
-            </p14:xfrm>
-          </p:contentPart>
-        </mc:Choice>
-        <mc:Fallback>
-          <p:pic>
-            <p:nvPicPr>
-              <p:cNvPr id="356" name="Ink 355">
-                <a:extLst>
-                  <a:ext uri="{FF2B5EF4-FFF2-40B4-BE49-F238E27FC236}">
-                    <a16:creationId xmlns:a16="http://schemas.microsoft.com/office/drawing/2014/main" id="{0C62523B-5440-41F0-9B72-2B51EBD2467A}"/>
-                  </a:ext>
-                </a:extLst>
-              </p:cNvPr>
-              <p:cNvPicPr/>
-              <p:nvPr/>
-            </p:nvPicPr>
-            <p:blipFill>
-              <a:blip r:embed="rId8"/>
-              <a:stretch>
-                <a:fillRect/>
-              </a:stretch>
-            </p:blipFill>
-            <p:spPr>
-              <a:xfrm>
-                <a:off x="9672393" y="3523043"/>
-                <a:ext cx="1530720" cy="380880"/>
-              </a:xfrm>
-              <a:prstGeom prst="rect">
-                <a:avLst/>
-              </a:prstGeom>
-            </p:spPr>
-          </p:pic>
-        </mc:Fallback>
-      </mc:AlternateContent>
-      <p:sp>
-        <p:nvSpPr>
-          <p:cNvPr id="357" name="TextBox 356">
-            <a:extLst>
-              <a:ext uri="{FF2B5EF4-FFF2-40B4-BE49-F238E27FC236}">
-                <a16:creationId xmlns:a16="http://schemas.microsoft.com/office/drawing/2014/main" id="{979641FD-FE59-486D-B556-67A15492CBF8}"/>
-              </a:ext>
-            </a:extLst>
-          </p:cNvPr>
-          <p:cNvSpPr txBox="1"/>
-          <p:nvPr/>
-        </p:nvSpPr>
-        <p:spPr>
-          <a:xfrm>
-            <a:off x="5867397" y="4114884"/>
-            <a:ext cx="3148768" cy="954107"/>
-          </a:xfrm>
-          <a:prstGeom prst="rect">
-            <a:avLst/>
-          </a:prstGeom>
-          <a:noFill/>
-        </p:spPr>
-        <p:txBody>
-          <a:bodyPr wrap="square" rtlCol="0">
-            <a:spAutoFit/>
-          </a:bodyPr>
-          <a:lstStyle/>
-          <a:p>
-            <a:r>
-              <a:rPr lang="en-US" sz="1400" b="1" dirty="0"/>
-              <a:t>When our model tries to cover most of the data points for each feature</a:t>
-            </a:r>
-          </a:p>
-          <a:p>
-            <a:r>
-              <a:rPr lang="en-US" sz="1400" b="1" dirty="0"/>
-              <a:t>When we provide too much of features to the model</a:t>
-            </a:r>
-          </a:p>
-        </p:txBody>
-      </p:sp>
-      <p:sp>
-        <p:nvSpPr>
-          <p:cNvPr id="359" name="TextBox 358">
-            <a:extLst>
-              <a:ext uri="{FF2B5EF4-FFF2-40B4-BE49-F238E27FC236}">
-                <a16:creationId xmlns:a16="http://schemas.microsoft.com/office/drawing/2014/main" id="{FD3DC332-35B3-4A6C-98A9-45182103DAA8}"/>
-              </a:ext>
-            </a:extLst>
-          </p:cNvPr>
-          <p:cNvSpPr txBox="1"/>
-          <p:nvPr/>
-        </p:nvSpPr>
-        <p:spPr>
-          <a:xfrm>
-            <a:off x="9122493" y="4101756"/>
-            <a:ext cx="3148768" cy="954107"/>
-          </a:xfrm>
-          <a:prstGeom prst="rect">
-            <a:avLst/>
-          </a:prstGeom>
-          <a:noFill/>
-        </p:spPr>
-        <p:txBody>
-          <a:bodyPr wrap="square" rtlCol="0">
-            <a:spAutoFit/>
-          </a:bodyPr>
-          <a:lstStyle/>
-          <a:p>
-            <a:r>
-              <a:rPr lang="en-US" sz="1400" b="1" dirty="0"/>
-              <a:t>When our model has nothing to do with features, and it does not cover any actual outcome</a:t>
-            </a:r>
-          </a:p>
-          <a:p>
-            <a:r>
-              <a:rPr lang="en-US" sz="1400" b="1" dirty="0"/>
-              <a:t>When we provide very less features</a:t>
-            </a:r>
-          </a:p>
-        </p:txBody>
-      </p:sp>
-    </p:spTree>
-    <p:extLst>
-      <p:ext uri="{BB962C8B-B14F-4D97-AF65-F5344CB8AC3E}">
-        <p14:creationId xmlns:p14="http://schemas.microsoft.com/office/powerpoint/2010/main" val="748130589"/>
-      </p:ext>
-    </p:extLst>
-  </p:cSld>
-  <p:clrMapOvr>
-    <a:masterClrMapping/>
-  </p:clrMapOvr>
-  <p:transition spd="slow">
-    <p:push dir="u"/>
-  </p:transition>
-</p:sld>
-</file>
-
-<file path=ppt/slides/slide12.xml><?xml version="1.0" encoding="utf-8"?>
-<p:sld xmlns:a="http://schemas.openxmlformats.org/drawingml/2006/main" xmlns:r="http://schemas.openxmlformats.org/officeDocument/2006/relationships" xmlns:p="http://schemas.openxmlformats.org/presentationml/2006/main">
-  <p:cSld>
-    <p:spTree>
-      <p:nvGrpSpPr>
-        <p:cNvPr id="1" name=""/>
-        <p:cNvGrpSpPr/>
-        <p:nvPr/>
-      </p:nvGrpSpPr>
-      <p:grpSpPr>
-        <a:xfrm>
-          <a:off x="0" y="0"/>
-          <a:ext cx="0" cy="0"/>
-          <a:chOff x="0" y="0"/>
-          <a:chExt cx="0" cy="0"/>
-        </a:xfrm>
-      </p:grpSpPr>
-      <p:sp>
-        <p:nvSpPr>
-          <p:cNvPr id="11" name="Title 10"/>
-          <p:cNvSpPr>
-            <a:spLocks noGrp="1"/>
-          </p:cNvSpPr>
-          <p:nvPr>
-            <p:ph type="title"/>
-          </p:nvPr>
-        </p:nvSpPr>
-        <p:spPr>
-          <a:xfrm>
-            <a:off x="-20279" y="41354"/>
-            <a:ext cx="10969943" cy="711081"/>
-          </a:xfrm>
-        </p:spPr>
-        <p:txBody>
-          <a:bodyPr>
-            <a:noAutofit/>
-          </a:bodyPr>
-          <a:lstStyle/>
-          <a:p>
-            <a:r>
-              <a:rPr lang="en-IN" dirty="0">
-                <a:solidFill>
-                  <a:schemeClr val="tx2">
-                    <a:lumMod val="60000"/>
-                    <a:lumOff val="40000"/>
-                  </a:schemeClr>
-                </a:solidFill>
-                <a:latin typeface="Patua One" pitchFamily="2" charset="0"/>
-              </a:rPr>
-              <a:t>Matrices to check regression quality</a:t>
-            </a:r>
-          </a:p>
-        </p:txBody>
-      </p:sp>
-      <p:sp>
-        <p:nvSpPr>
-          <p:cNvPr id="37" name="TextBox 36">
-            <a:extLst>
-              <a:ext uri="{FF2B5EF4-FFF2-40B4-BE49-F238E27FC236}">
-                <a16:creationId xmlns:a16="http://schemas.microsoft.com/office/drawing/2014/main" id="{E8CAC22F-1542-4031-BC6C-A16989886504}"/>
-              </a:ext>
-            </a:extLst>
-          </p:cNvPr>
-          <p:cNvSpPr txBox="1"/>
-          <p:nvPr/>
-        </p:nvSpPr>
-        <p:spPr>
-          <a:xfrm>
-            <a:off x="4943872" y="6550224"/>
-            <a:ext cx="3456384" cy="307777"/>
-          </a:xfrm>
-          <a:prstGeom prst="rect">
-            <a:avLst/>
-          </a:prstGeom>
-          <a:noFill/>
-        </p:spPr>
-        <p:txBody>
-          <a:bodyPr wrap="square" rtlCol="0">
-            <a:spAutoFit/>
-          </a:bodyPr>
-          <a:lstStyle/>
-          <a:p>
-            <a:pPr defTabSz="1218987">
-              <a:defRPr/>
-            </a:pPr>
-            <a:r>
-              <a:rPr lang="en-US" sz="1400" b="1" dirty="0">
-                <a:solidFill>
-                  <a:prstClr val="black"/>
-                </a:solidFill>
-                <a:latin typeface="Arial Rounded MT Bold" panose="020F0704030504030204" pitchFamily="34" charset="0"/>
-                <a:ea typeface="Arial Unicode MS" panose="020B0604020202020204" pitchFamily="34" charset="-128"/>
-                <a:cs typeface="Arial Unicode MS" panose="020B0604020202020204" pitchFamily="34" charset="-128"/>
-              </a:rPr>
-              <a:t>www.anubhavtrainings.com</a:t>
-            </a:r>
-            <a:endParaRPr lang="en-IN" sz="1400" b="1" dirty="0">
-              <a:solidFill>
-                <a:prstClr val="black"/>
-              </a:solidFill>
-              <a:latin typeface="Arial Rounded MT Bold" panose="020F0704030504030204" pitchFamily="34" charset="0"/>
-              <a:ea typeface="Arial Unicode MS" panose="020B0604020202020204" pitchFamily="34" charset="-128"/>
-              <a:cs typeface="Arial Unicode MS" panose="020B0604020202020204" pitchFamily="34" charset="-128"/>
-            </a:endParaRPr>
-          </a:p>
-        </p:txBody>
-      </p:sp>
-      <p:pic>
-        <p:nvPicPr>
-          <p:cNvPr id="40" name="Picture 39">
-            <a:extLst>
-              <a:ext uri="{FF2B5EF4-FFF2-40B4-BE49-F238E27FC236}">
-                <a16:creationId xmlns:a16="http://schemas.microsoft.com/office/drawing/2014/main" id="{DA60E6FB-8C44-4FEB-B6E9-83DA908565CD}"/>
-              </a:ext>
-            </a:extLst>
-          </p:cNvPr>
-          <p:cNvPicPr>
-            <a:picLocks noChangeAspect="1"/>
-          </p:cNvPicPr>
-          <p:nvPr/>
-        </p:nvPicPr>
-        <p:blipFill>
-          <a:blip r:embed="rId2">
-            <a:extLst>
-              <a:ext uri="{28A0092B-C50C-407E-A947-70E740481C1C}">
-                <a14:useLocalDpi xmlns:a14="http://schemas.microsoft.com/office/drawing/2010/main" val="0"/>
-              </a:ext>
-            </a:extLst>
-          </a:blip>
-          <a:stretch>
-            <a:fillRect/>
-          </a:stretch>
-        </p:blipFill>
-        <p:spPr>
-          <a:xfrm>
-            <a:off x="9624393" y="106009"/>
-            <a:ext cx="2335203" cy="762895"/>
-          </a:xfrm>
-          <a:prstGeom prst="rect">
-            <a:avLst/>
-          </a:prstGeom>
-        </p:spPr>
-      </p:pic>
-      <p:cxnSp>
-        <p:nvCxnSpPr>
-          <p:cNvPr id="41" name="Straight Connector 40">
-            <a:extLst>
-              <a:ext uri="{FF2B5EF4-FFF2-40B4-BE49-F238E27FC236}">
-                <a16:creationId xmlns:a16="http://schemas.microsoft.com/office/drawing/2014/main" id="{3B3B7D73-CAE9-45AC-ACCE-FAEF4E505C7A}"/>
-              </a:ext>
-            </a:extLst>
-          </p:cNvPr>
-          <p:cNvCxnSpPr/>
-          <p:nvPr/>
-        </p:nvCxnSpPr>
-        <p:spPr>
-          <a:xfrm>
-            <a:off x="1588" y="764704"/>
-            <a:ext cx="6479584" cy="0"/>
-          </a:xfrm>
-          <a:prstGeom prst="line">
-            <a:avLst/>
-          </a:prstGeom>
-        </p:spPr>
-        <p:style>
-          <a:lnRef idx="2">
-            <a:schemeClr val="accent6"/>
-          </a:lnRef>
-          <a:fillRef idx="0">
-            <a:schemeClr val="accent6"/>
-          </a:fillRef>
-          <a:effectRef idx="1">
-            <a:schemeClr val="accent6"/>
-          </a:effectRef>
-          <a:fontRef idx="minor">
-            <a:schemeClr val="tx1"/>
-          </a:fontRef>
-        </p:style>
-      </p:cxnSp>
-      <p:pic>
-        <p:nvPicPr>
-          <p:cNvPr id="2" name="Picture 1">
-            <a:extLst>
-              <a:ext uri="{FF2B5EF4-FFF2-40B4-BE49-F238E27FC236}">
-                <a16:creationId xmlns:a16="http://schemas.microsoft.com/office/drawing/2014/main" id="{BE3A0870-F741-4A04-933F-6678A44A8D7A}"/>
-              </a:ext>
-            </a:extLst>
-          </p:cNvPr>
-          <p:cNvPicPr>
-            <a:picLocks noChangeAspect="1"/>
-          </p:cNvPicPr>
-          <p:nvPr/>
-        </p:nvPicPr>
-        <p:blipFill>
-          <a:blip r:embed="rId3"/>
-          <a:stretch>
-            <a:fillRect/>
-          </a:stretch>
-        </p:blipFill>
-        <p:spPr>
-          <a:xfrm>
-            <a:off x="263352" y="1102433"/>
-            <a:ext cx="4824536" cy="5318679"/>
-          </a:xfrm>
-          <a:prstGeom prst="rect">
-            <a:avLst/>
-          </a:prstGeom>
-        </p:spPr>
-      </p:pic>
-      <p:sp>
-        <p:nvSpPr>
-          <p:cNvPr id="3" name="TextBox 2">
-            <a:extLst>
-              <a:ext uri="{FF2B5EF4-FFF2-40B4-BE49-F238E27FC236}">
-                <a16:creationId xmlns:a16="http://schemas.microsoft.com/office/drawing/2014/main" id="{2FDE069B-C593-4FF4-8BE8-B8FBBD17AB9F}"/>
-              </a:ext>
-            </a:extLst>
-          </p:cNvPr>
-          <p:cNvSpPr txBox="1"/>
-          <p:nvPr/>
-        </p:nvSpPr>
-        <p:spPr>
-          <a:xfrm>
-            <a:off x="5113145" y="938408"/>
-            <a:ext cx="6670849" cy="646331"/>
-          </a:xfrm>
-          <a:prstGeom prst="rect">
-            <a:avLst/>
-          </a:prstGeom>
-          <a:noFill/>
-        </p:spPr>
-        <p:txBody>
-          <a:bodyPr wrap="square" rtlCol="0">
-            <a:spAutoFit/>
-          </a:bodyPr>
-          <a:lstStyle/>
-          <a:p>
-            <a:r>
-              <a:rPr lang="en-US" b="1" dirty="0"/>
-              <a:t>How far our actual values are from predicted values. – Residual / deviation</a:t>
-            </a:r>
-          </a:p>
-        </p:txBody>
-      </p:sp>
-    </p:spTree>
-    <p:extLst>
-      <p:ext uri="{BB962C8B-B14F-4D97-AF65-F5344CB8AC3E}">
-        <p14:creationId xmlns:p14="http://schemas.microsoft.com/office/powerpoint/2010/main" val="3942472168"/>
-      </p:ext>
-    </p:extLst>
-  </p:cSld>
-  <p:clrMapOvr>
-    <a:masterClrMapping/>
-  </p:clrMapOvr>
-  <p:transition spd="slow">
-    <p:push dir="u"/>
-  </p:transition>
-</p:sld>
-</file>
-
-<file path=ppt/slides/slide13.xml><?xml version="1.0" encoding="utf-8"?>
-<p:sld xmlns:a="http://schemas.openxmlformats.org/drawingml/2006/main" xmlns:r="http://schemas.openxmlformats.org/officeDocument/2006/relationships" xmlns:p="http://schemas.openxmlformats.org/presentationml/2006/main">
-  <p:cSld>
-    <p:spTree>
-      <p:nvGrpSpPr>
-        <p:cNvPr id="1" name=""/>
-        <p:cNvGrpSpPr/>
-        <p:nvPr/>
-      </p:nvGrpSpPr>
-      <p:grpSpPr>
-        <a:xfrm>
-          <a:off x="0" y="0"/>
-          <a:ext cx="0" cy="0"/>
-          <a:chOff x="0" y="0"/>
-          <a:chExt cx="0" cy="0"/>
-        </a:xfrm>
-      </p:grpSpPr>
-      <p:sp>
-        <p:nvSpPr>
-          <p:cNvPr id="11" name="Title 10"/>
-          <p:cNvSpPr>
-            <a:spLocks noGrp="1"/>
-          </p:cNvSpPr>
-          <p:nvPr>
-            <p:ph type="title"/>
-          </p:nvPr>
-        </p:nvSpPr>
-        <p:spPr>
-          <a:xfrm>
-            <a:off x="-20279" y="41354"/>
-            <a:ext cx="10969943" cy="711081"/>
-          </a:xfrm>
-        </p:spPr>
-        <p:txBody>
-          <a:bodyPr>
-            <a:noAutofit/>
-          </a:bodyPr>
-          <a:lstStyle/>
-          <a:p>
-            <a:r>
-              <a:rPr lang="en-IN" dirty="0">
-                <a:solidFill>
-                  <a:schemeClr val="tx2">
-                    <a:lumMod val="60000"/>
-                    <a:lumOff val="40000"/>
-                  </a:schemeClr>
-                </a:solidFill>
-                <a:latin typeface="Patua One" pitchFamily="2" charset="0"/>
-              </a:rPr>
-              <a:t>RMSE &amp; MAPE</a:t>
-            </a:r>
-          </a:p>
-        </p:txBody>
-      </p:sp>
-      <p:sp>
-        <p:nvSpPr>
-          <p:cNvPr id="37" name="TextBox 36">
-            <a:extLst>
-              <a:ext uri="{FF2B5EF4-FFF2-40B4-BE49-F238E27FC236}">
-                <a16:creationId xmlns:a16="http://schemas.microsoft.com/office/drawing/2014/main" id="{E8CAC22F-1542-4031-BC6C-A16989886504}"/>
-              </a:ext>
-            </a:extLst>
-          </p:cNvPr>
-          <p:cNvSpPr txBox="1"/>
-          <p:nvPr/>
-        </p:nvSpPr>
-        <p:spPr>
-          <a:xfrm>
-            <a:off x="4943872" y="6550224"/>
-            <a:ext cx="3456384" cy="307777"/>
-          </a:xfrm>
-          <a:prstGeom prst="rect">
-            <a:avLst/>
-          </a:prstGeom>
-          <a:noFill/>
-        </p:spPr>
-        <p:txBody>
-          <a:bodyPr wrap="square" rtlCol="0">
-            <a:spAutoFit/>
-          </a:bodyPr>
-          <a:lstStyle/>
-          <a:p>
-            <a:pPr defTabSz="1218987">
-              <a:defRPr/>
-            </a:pPr>
-            <a:r>
-              <a:rPr lang="en-US" sz="1400" b="1" dirty="0">
-                <a:solidFill>
-                  <a:prstClr val="black"/>
-                </a:solidFill>
-                <a:latin typeface="Arial Rounded MT Bold" panose="020F0704030504030204" pitchFamily="34" charset="0"/>
-                <a:ea typeface="Arial Unicode MS" panose="020B0604020202020204" pitchFamily="34" charset="-128"/>
-                <a:cs typeface="Arial Unicode MS" panose="020B0604020202020204" pitchFamily="34" charset="-128"/>
-              </a:rPr>
-              <a:t>www.anubhavtrainings.com</a:t>
-            </a:r>
-            <a:endParaRPr lang="en-IN" sz="1400" b="1" dirty="0">
-              <a:solidFill>
-                <a:prstClr val="black"/>
-              </a:solidFill>
-              <a:latin typeface="Arial Rounded MT Bold" panose="020F0704030504030204" pitchFamily="34" charset="0"/>
-              <a:ea typeface="Arial Unicode MS" panose="020B0604020202020204" pitchFamily="34" charset="-128"/>
-              <a:cs typeface="Arial Unicode MS" panose="020B0604020202020204" pitchFamily="34" charset="-128"/>
-            </a:endParaRPr>
-          </a:p>
-        </p:txBody>
-      </p:sp>
-      <p:pic>
-        <p:nvPicPr>
-          <p:cNvPr id="40" name="Picture 39">
-            <a:extLst>
-              <a:ext uri="{FF2B5EF4-FFF2-40B4-BE49-F238E27FC236}">
-                <a16:creationId xmlns:a16="http://schemas.microsoft.com/office/drawing/2014/main" id="{DA60E6FB-8C44-4FEB-B6E9-83DA908565CD}"/>
-              </a:ext>
-            </a:extLst>
-          </p:cNvPr>
-          <p:cNvPicPr>
-            <a:picLocks noChangeAspect="1"/>
-          </p:cNvPicPr>
-          <p:nvPr/>
-        </p:nvPicPr>
-        <p:blipFill>
-          <a:blip r:embed="rId2">
-            <a:extLst>
-              <a:ext uri="{28A0092B-C50C-407E-A947-70E740481C1C}">
-                <a14:useLocalDpi xmlns:a14="http://schemas.microsoft.com/office/drawing/2010/main" val="0"/>
-              </a:ext>
-            </a:extLst>
-          </a:blip>
-          <a:stretch>
-            <a:fillRect/>
-          </a:stretch>
-        </p:blipFill>
-        <p:spPr>
-          <a:xfrm>
-            <a:off x="9624393" y="106009"/>
-            <a:ext cx="2335203" cy="762895"/>
-          </a:xfrm>
-          <a:prstGeom prst="rect">
-            <a:avLst/>
-          </a:prstGeom>
-        </p:spPr>
-      </p:pic>
-      <p:cxnSp>
-        <p:nvCxnSpPr>
-          <p:cNvPr id="41" name="Straight Connector 40">
-            <a:extLst>
-              <a:ext uri="{FF2B5EF4-FFF2-40B4-BE49-F238E27FC236}">
-                <a16:creationId xmlns:a16="http://schemas.microsoft.com/office/drawing/2014/main" id="{3B3B7D73-CAE9-45AC-ACCE-FAEF4E505C7A}"/>
-              </a:ext>
-            </a:extLst>
-          </p:cNvPr>
-          <p:cNvCxnSpPr/>
-          <p:nvPr/>
-        </p:nvCxnSpPr>
-        <p:spPr>
-          <a:xfrm>
-            <a:off x="1588" y="764704"/>
-            <a:ext cx="6479584" cy="0"/>
-          </a:xfrm>
-          <a:prstGeom prst="line">
-            <a:avLst/>
-          </a:prstGeom>
-        </p:spPr>
-        <p:style>
-          <a:lnRef idx="2">
-            <a:schemeClr val="accent6"/>
-          </a:lnRef>
-          <a:fillRef idx="0">
-            <a:schemeClr val="accent6"/>
-          </a:fillRef>
-          <a:effectRef idx="1">
-            <a:schemeClr val="accent6"/>
-          </a:effectRef>
-          <a:fontRef idx="minor">
-            <a:schemeClr val="tx1"/>
-          </a:fontRef>
-        </p:style>
-      </p:cxnSp>
-      <p:sp>
-        <p:nvSpPr>
-          <p:cNvPr id="4" name="Content Placeholder 3">
-            <a:extLst>
-              <a:ext uri="{FF2B5EF4-FFF2-40B4-BE49-F238E27FC236}">
-                <a16:creationId xmlns:a16="http://schemas.microsoft.com/office/drawing/2014/main" id="{9596F4A2-567E-4A2C-A543-E303D822C70E}"/>
-              </a:ext>
-            </a:extLst>
-          </p:cNvPr>
-          <p:cNvSpPr>
-            <a:spLocks noGrp="1"/>
-          </p:cNvSpPr>
-          <p:nvPr>
-            <p:ph sz="quarter" idx="13"/>
-          </p:nvPr>
-        </p:nvSpPr>
-        <p:spPr>
-          <a:xfrm>
-            <a:off x="152400" y="881174"/>
-            <a:ext cx="10972800" cy="484187"/>
-          </a:xfrm>
-        </p:spPr>
-        <p:txBody>
-          <a:bodyPr/>
-          <a:lstStyle/>
-          <a:p>
-            <a:r>
-              <a:rPr lang="en-US" dirty="0"/>
-              <a:t>RMSD/RMSE – Root mean Square Residual (Error)</a:t>
-            </a:r>
-          </a:p>
-        </p:txBody>
-      </p:sp>
-      <p:sp>
-        <p:nvSpPr>
-          <p:cNvPr id="217" name="TextBox 216">
-            <a:extLst>
-              <a:ext uri="{FF2B5EF4-FFF2-40B4-BE49-F238E27FC236}">
-                <a16:creationId xmlns:a16="http://schemas.microsoft.com/office/drawing/2014/main" id="{3A92E90A-4DAB-43CA-8E8D-3BFE0C237B20}"/>
-              </a:ext>
-            </a:extLst>
-          </p:cNvPr>
-          <p:cNvSpPr txBox="1"/>
-          <p:nvPr/>
-        </p:nvSpPr>
-        <p:spPr>
-          <a:xfrm>
-            <a:off x="152401" y="3921563"/>
-            <a:ext cx="11807195" cy="923330"/>
-          </a:xfrm>
-          <a:prstGeom prst="rect">
-            <a:avLst/>
-          </a:prstGeom>
-          <a:noFill/>
-        </p:spPr>
-        <p:txBody>
-          <a:bodyPr wrap="square" rtlCol="0">
-            <a:spAutoFit/>
-          </a:bodyPr>
-          <a:lstStyle/>
-          <a:p>
-            <a:r>
-              <a:rPr lang="en-US" dirty="0"/>
-              <a:t>The value of RMSE can range between 0 to infinite which is difficult to be interpreted by the business, in order to make our business user understand the power of our model, we relies on a % based measure. This is called MAPE (Meal Absolute Percentage Error)</a:t>
-            </a:r>
-          </a:p>
-        </p:txBody>
-      </p:sp>
-    </p:spTree>
-    <p:extLst>
-      <p:ext uri="{BB962C8B-B14F-4D97-AF65-F5344CB8AC3E}">
-        <p14:creationId xmlns:p14="http://schemas.microsoft.com/office/powerpoint/2010/main" val="2919730680"/>
-      </p:ext>
-    </p:extLst>
-  </p:cSld>
-  <p:clrMapOvr>
-    <a:masterClrMapping/>
-  </p:clrMapOvr>
-  <p:transition spd="slow">
-    <p:push dir="u"/>
-  </p:transition>
-</p:sld>
-</file>
-
-<file path=ppt/slides/slide14.xml><?xml version="1.0" encoding="utf-8"?>
-<p:sld xmlns:a="http://schemas.openxmlformats.org/drawingml/2006/main" xmlns:r="http://schemas.openxmlformats.org/officeDocument/2006/relationships" xmlns:p="http://schemas.openxmlformats.org/presentationml/2006/main">
-  <p:cSld>
-    <p:spTree>
-      <p:nvGrpSpPr>
-        <p:cNvPr id="1" name=""/>
-        <p:cNvGrpSpPr/>
-        <p:nvPr/>
-      </p:nvGrpSpPr>
-      <p:grpSpPr>
-        <a:xfrm>
-          <a:off x="0" y="0"/>
-          <a:ext cx="0" cy="0"/>
-          <a:chOff x="0" y="0"/>
-          <a:chExt cx="0" cy="0"/>
-        </a:xfrm>
-      </p:grpSpPr>
-      <p:sp>
-        <p:nvSpPr>
-          <p:cNvPr id="11" name="Title 10"/>
-          <p:cNvSpPr>
-            <a:spLocks noGrp="1"/>
-          </p:cNvSpPr>
-          <p:nvPr>
-            <p:ph type="title"/>
-          </p:nvPr>
-        </p:nvSpPr>
-        <p:spPr>
-          <a:xfrm>
-            <a:off x="-20279" y="41354"/>
-            <a:ext cx="10969943" cy="711081"/>
-          </a:xfrm>
-        </p:spPr>
-        <p:txBody>
-          <a:bodyPr>
-            <a:noAutofit/>
-          </a:bodyPr>
-          <a:lstStyle/>
-          <a:p>
-            <a:r>
-              <a:rPr lang="en-IN" dirty="0">
-                <a:solidFill>
-                  <a:schemeClr val="tx2">
-                    <a:lumMod val="60000"/>
-                    <a:lumOff val="40000"/>
-                  </a:schemeClr>
-                </a:solidFill>
-                <a:latin typeface="Patua One" pitchFamily="2" charset="0"/>
-              </a:rPr>
-              <a:t>Draw Values of RMSE in the Reg. chart</a:t>
-            </a:r>
-          </a:p>
-        </p:txBody>
-      </p:sp>
-      <p:sp>
-        <p:nvSpPr>
-          <p:cNvPr id="37" name="TextBox 36">
-            <a:extLst>
-              <a:ext uri="{FF2B5EF4-FFF2-40B4-BE49-F238E27FC236}">
-                <a16:creationId xmlns:a16="http://schemas.microsoft.com/office/drawing/2014/main" id="{E8CAC22F-1542-4031-BC6C-A16989886504}"/>
-              </a:ext>
-            </a:extLst>
-          </p:cNvPr>
-          <p:cNvSpPr txBox="1"/>
-          <p:nvPr/>
-        </p:nvSpPr>
-        <p:spPr>
-          <a:xfrm>
-            <a:off x="4943872" y="6550224"/>
-            <a:ext cx="3456384" cy="307777"/>
-          </a:xfrm>
-          <a:prstGeom prst="rect">
-            <a:avLst/>
-          </a:prstGeom>
-          <a:noFill/>
-        </p:spPr>
-        <p:txBody>
-          <a:bodyPr wrap="square" rtlCol="0">
-            <a:spAutoFit/>
-          </a:bodyPr>
-          <a:lstStyle/>
-          <a:p>
-            <a:pPr defTabSz="1218987">
-              <a:defRPr/>
-            </a:pPr>
-            <a:r>
-              <a:rPr lang="en-US" sz="1400" b="1" dirty="0">
-                <a:solidFill>
-                  <a:prstClr val="black"/>
-                </a:solidFill>
-                <a:latin typeface="Arial Rounded MT Bold" panose="020F0704030504030204" pitchFamily="34" charset="0"/>
-                <a:ea typeface="Arial Unicode MS" panose="020B0604020202020204" pitchFamily="34" charset="-128"/>
-                <a:cs typeface="Arial Unicode MS" panose="020B0604020202020204" pitchFamily="34" charset="-128"/>
-              </a:rPr>
-              <a:t>www.anubhavtrainings.com</a:t>
-            </a:r>
-            <a:endParaRPr lang="en-IN" sz="1400" b="1" dirty="0">
-              <a:solidFill>
-                <a:prstClr val="black"/>
-              </a:solidFill>
-              <a:latin typeface="Arial Rounded MT Bold" panose="020F0704030504030204" pitchFamily="34" charset="0"/>
-              <a:ea typeface="Arial Unicode MS" panose="020B0604020202020204" pitchFamily="34" charset="-128"/>
-              <a:cs typeface="Arial Unicode MS" panose="020B0604020202020204" pitchFamily="34" charset="-128"/>
-            </a:endParaRPr>
-          </a:p>
-        </p:txBody>
-      </p:sp>
-      <p:pic>
-        <p:nvPicPr>
-          <p:cNvPr id="40" name="Picture 39">
-            <a:extLst>
-              <a:ext uri="{FF2B5EF4-FFF2-40B4-BE49-F238E27FC236}">
-                <a16:creationId xmlns:a16="http://schemas.microsoft.com/office/drawing/2014/main" id="{DA60E6FB-8C44-4FEB-B6E9-83DA908565CD}"/>
-              </a:ext>
-            </a:extLst>
-          </p:cNvPr>
-          <p:cNvPicPr>
-            <a:picLocks noChangeAspect="1"/>
-          </p:cNvPicPr>
-          <p:nvPr/>
-        </p:nvPicPr>
-        <p:blipFill>
-          <a:blip r:embed="rId2">
-            <a:extLst>
-              <a:ext uri="{28A0092B-C50C-407E-A947-70E740481C1C}">
-                <a14:useLocalDpi xmlns:a14="http://schemas.microsoft.com/office/drawing/2010/main" val="0"/>
-              </a:ext>
-            </a:extLst>
-          </a:blip>
-          <a:stretch>
-            <a:fillRect/>
-          </a:stretch>
-        </p:blipFill>
-        <p:spPr>
-          <a:xfrm>
-            <a:off x="9624393" y="106009"/>
-            <a:ext cx="2335203" cy="762895"/>
-          </a:xfrm>
-          <a:prstGeom prst="rect">
-            <a:avLst/>
-          </a:prstGeom>
-        </p:spPr>
-      </p:pic>
-      <p:cxnSp>
-        <p:nvCxnSpPr>
-          <p:cNvPr id="41" name="Straight Connector 40">
-            <a:extLst>
-              <a:ext uri="{FF2B5EF4-FFF2-40B4-BE49-F238E27FC236}">
-                <a16:creationId xmlns:a16="http://schemas.microsoft.com/office/drawing/2014/main" id="{3B3B7D73-CAE9-45AC-ACCE-FAEF4E505C7A}"/>
-              </a:ext>
-            </a:extLst>
-          </p:cNvPr>
-          <p:cNvCxnSpPr/>
-          <p:nvPr/>
-        </p:nvCxnSpPr>
-        <p:spPr>
-          <a:xfrm>
-            <a:off x="1588" y="764704"/>
-            <a:ext cx="6479584" cy="0"/>
-          </a:xfrm>
-          <a:prstGeom prst="line">
-            <a:avLst/>
-          </a:prstGeom>
-        </p:spPr>
-        <p:style>
-          <a:lnRef idx="2">
-            <a:schemeClr val="accent6"/>
-          </a:lnRef>
-          <a:fillRef idx="0">
-            <a:schemeClr val="accent6"/>
-          </a:fillRef>
-          <a:effectRef idx="1">
-            <a:schemeClr val="accent6"/>
-          </a:effectRef>
-          <a:fontRef idx="minor">
-            <a:schemeClr val="tx1"/>
-          </a:fontRef>
-        </p:style>
-      </p:cxnSp>
-      <p:pic>
-        <p:nvPicPr>
-          <p:cNvPr id="7" name="Picture 6">
-            <a:extLst>
-              <a:ext uri="{FF2B5EF4-FFF2-40B4-BE49-F238E27FC236}">
-                <a16:creationId xmlns:a16="http://schemas.microsoft.com/office/drawing/2014/main" id="{6C0D43F7-2A8A-4127-A994-5AE55F12ADD8}"/>
-              </a:ext>
-            </a:extLst>
-          </p:cNvPr>
-          <p:cNvPicPr>
-            <a:picLocks noChangeAspect="1"/>
-          </p:cNvPicPr>
-          <p:nvPr/>
-        </p:nvPicPr>
-        <p:blipFill>
-          <a:blip r:embed="rId3"/>
-          <a:stretch>
-            <a:fillRect/>
-          </a:stretch>
-        </p:blipFill>
-        <p:spPr>
-          <a:xfrm>
-            <a:off x="3503712" y="1124745"/>
-            <a:ext cx="4824536" cy="5318679"/>
-          </a:xfrm>
-          <a:prstGeom prst="rect">
-            <a:avLst/>
-          </a:prstGeom>
-        </p:spPr>
-      </p:pic>
-    </p:spTree>
-    <p:extLst>
-      <p:ext uri="{BB962C8B-B14F-4D97-AF65-F5344CB8AC3E}">
-        <p14:creationId xmlns:p14="http://schemas.microsoft.com/office/powerpoint/2010/main" val="3692036744"/>
-      </p:ext>
-    </p:extLst>
-  </p:cSld>
-  <p:clrMapOvr>
-    <a:masterClrMapping/>
-  </p:clrMapOvr>
-  <p:transition spd="slow">
-    <p:push dir="u"/>
-  </p:transition>
-</p:sld>
-</file>
-
-<file path=ppt/slides/slide15.xml><?xml version="1.0" encoding="utf-8"?>
-<p:sld xmlns:a="http://schemas.openxmlformats.org/drawingml/2006/main" xmlns:r="http://schemas.openxmlformats.org/officeDocument/2006/relationships" xmlns:p="http://schemas.openxmlformats.org/presentationml/2006/main">
-  <p:cSld>
-    <p:spTree>
-      <p:nvGrpSpPr>
-        <p:cNvPr id="1" name=""/>
-        <p:cNvGrpSpPr/>
-        <p:nvPr/>
-      </p:nvGrpSpPr>
-      <p:grpSpPr>
-        <a:xfrm>
-          <a:off x="0" y="0"/>
-          <a:ext cx="0" cy="0"/>
-          <a:chOff x="0" y="0"/>
-          <a:chExt cx="0" cy="0"/>
-        </a:xfrm>
-      </p:grpSpPr>
-      <p:sp>
-        <p:nvSpPr>
-          <p:cNvPr id="2" name="Title 3">
-            <a:extLst>
-              <a:ext uri="{FF2B5EF4-FFF2-40B4-BE49-F238E27FC236}">
-                <a16:creationId xmlns:a16="http://schemas.microsoft.com/office/drawing/2014/main" id="{F07FC580-E2AB-4C55-8C95-D5E077A1D127}"/>
-              </a:ext>
-            </a:extLst>
-          </p:cNvPr>
-          <p:cNvSpPr txBox="1">
-            <a:spLocks/>
-          </p:cNvSpPr>
-          <p:nvPr/>
-        </p:nvSpPr>
-        <p:spPr>
-          <a:xfrm>
-            <a:off x="261764" y="188640"/>
-            <a:ext cx="11292008" cy="711081"/>
-          </a:xfrm>
-          <a:prstGeom prst="rect">
-            <a:avLst/>
-          </a:prstGeom>
-        </p:spPr>
-        <p:txBody>
-          <a:bodyPr/>
-          <a:lstStyle>
-            <a:lvl1pPr algn="l" defTabSz="914400" rtl="0" eaLnBrk="1" latinLnBrk="0" hangingPunct="1">
-              <a:lnSpc>
-                <a:spcPct val="90000"/>
-              </a:lnSpc>
-              <a:spcBef>
-                <a:spcPct val="0"/>
-              </a:spcBef>
-              <a:buNone/>
-              <a:defRPr sz="4400" kern="1200">
-                <a:solidFill>
-                  <a:schemeClr val="tx1"/>
-                </a:solidFill>
-                <a:latin typeface="+mj-lt"/>
-                <a:ea typeface="+mj-ea"/>
-                <a:cs typeface="+mj-cs"/>
-              </a:defRPr>
-            </a:lvl1pPr>
-          </a:lstStyle>
-          <a:p>
-            <a:endParaRPr lang="en-US" b="1" dirty="0"/>
-          </a:p>
-        </p:txBody>
-      </p:sp>
-      <p:sp>
-        <p:nvSpPr>
-          <p:cNvPr id="7" name="TextBox 6">
-            <a:extLst>
-              <a:ext uri="{FF2B5EF4-FFF2-40B4-BE49-F238E27FC236}">
-                <a16:creationId xmlns:a16="http://schemas.microsoft.com/office/drawing/2014/main" id="{17EB74BE-8011-4153-8F37-3BEF9C1F4CC0}"/>
-              </a:ext>
-            </a:extLst>
-          </p:cNvPr>
-          <p:cNvSpPr txBox="1"/>
-          <p:nvPr/>
-        </p:nvSpPr>
-        <p:spPr>
-          <a:xfrm>
-            <a:off x="3512128" y="2507734"/>
-            <a:ext cx="6174508" cy="1323439"/>
-          </a:xfrm>
-          <a:prstGeom prst="rect">
-            <a:avLst/>
-          </a:prstGeom>
-          <a:noFill/>
-        </p:spPr>
-        <p:txBody>
-          <a:bodyPr wrap="square">
-            <a:spAutoFit/>
-          </a:bodyPr>
-          <a:lstStyle/>
-          <a:p>
-            <a:r>
-              <a:rPr lang="en-US" sz="8000" b="1" dirty="0"/>
-              <a:t>End of Day 8</a:t>
-            </a:r>
-          </a:p>
-        </p:txBody>
-      </p:sp>
-    </p:spTree>
-    <p:extLst>
-      <p:ext uri="{BB962C8B-B14F-4D97-AF65-F5344CB8AC3E}">
-        <p14:creationId xmlns:p14="http://schemas.microsoft.com/office/powerpoint/2010/main" val="3867772902"/>
-      </p:ext>
-    </p:extLst>
-  </p:cSld>
-  <p:clrMapOvr>
-    <a:masterClrMapping/>
-  </p:clrMapOvr>
-</p:sld>
-</file>
-
-<file path=ppt/slides/slide16.xml><?xml version="1.0" encoding="utf-8"?>
-<p:sld xmlns:a="http://schemas.openxmlformats.org/drawingml/2006/main" xmlns:r="http://schemas.openxmlformats.org/officeDocument/2006/relationships" xmlns:p="http://schemas.openxmlformats.org/presentationml/2006/main">
-  <p:cSld>
-    <p:spTree>
-      <p:nvGrpSpPr>
-        <p:cNvPr id="1" name=""/>
-        <p:cNvGrpSpPr/>
-        <p:nvPr/>
-      </p:nvGrpSpPr>
-      <p:grpSpPr>
-        <a:xfrm>
-          <a:off x="0" y="0"/>
-          <a:ext cx="0" cy="0"/>
-          <a:chOff x="0" y="0"/>
-          <a:chExt cx="0" cy="0"/>
-        </a:xfrm>
-      </p:grpSpPr>
-      <p:sp>
-        <p:nvSpPr>
-          <p:cNvPr id="2" name="Title 1">
-            <a:extLst>
-              <a:ext uri="{FF2B5EF4-FFF2-40B4-BE49-F238E27FC236}">
-                <a16:creationId xmlns:a16="http://schemas.microsoft.com/office/drawing/2014/main" id="{29CB9E00-0397-4178-9E57-32DC82D3A8F7}"/>
-              </a:ext>
-            </a:extLst>
-          </p:cNvPr>
-          <p:cNvSpPr>
-            <a:spLocks noGrp="1"/>
-          </p:cNvSpPr>
-          <p:nvPr>
-            <p:ph type="title"/>
-          </p:nvPr>
-        </p:nvSpPr>
-        <p:spPr/>
-        <p:txBody>
-          <a:bodyPr/>
-          <a:lstStyle/>
-          <a:p>
-            <a:endParaRPr lang="en-US"/>
-          </a:p>
-        </p:txBody>
-      </p:sp>
-      <p:sp>
-        <p:nvSpPr>
-          <p:cNvPr id="3" name="Content Placeholder 2">
-            <a:extLst>
-              <a:ext uri="{FF2B5EF4-FFF2-40B4-BE49-F238E27FC236}">
-                <a16:creationId xmlns:a16="http://schemas.microsoft.com/office/drawing/2014/main" id="{73A078A5-4F35-4958-8384-CBBBD3DED2C3}"/>
-              </a:ext>
-            </a:extLst>
-          </p:cNvPr>
-          <p:cNvSpPr>
-            <a:spLocks noGrp="1"/>
-          </p:cNvSpPr>
-          <p:nvPr>
-            <p:ph sz="quarter" idx="13"/>
-          </p:nvPr>
-        </p:nvSpPr>
-        <p:spPr/>
-        <p:txBody>
-          <a:bodyPr/>
-          <a:lstStyle/>
-          <a:p>
-            <a:endParaRPr lang="en-US"/>
-          </a:p>
-        </p:txBody>
-      </p:sp>
-    </p:spTree>
-    <p:extLst>
-      <p:ext uri="{BB962C8B-B14F-4D97-AF65-F5344CB8AC3E}">
-        <p14:creationId xmlns:p14="http://schemas.microsoft.com/office/powerpoint/2010/main" val="3265325021"/>
-      </p:ext>
-    </p:extLst>
-  </p:cSld>
-  <p:clrMapOvr>
-    <a:masterClrMapping/>
-  </p:clrMapOvr>
-</p:sld>
-</file>
-
-<file path=ppt/slides/slide17.xml><?xml version="1.0" encoding="utf-8"?>
-<p:sld xmlns:a="http://schemas.openxmlformats.org/drawingml/2006/main" xmlns:r="http://schemas.openxmlformats.org/officeDocument/2006/relationships" xmlns:p="http://schemas.openxmlformats.org/presentationml/2006/main">
-  <p:cSld>
-    <p:spTree>
-      <p:nvGrpSpPr>
-        <p:cNvPr id="1" name=""/>
-        <p:cNvGrpSpPr/>
-        <p:nvPr/>
-      </p:nvGrpSpPr>
-      <p:grpSpPr>
-        <a:xfrm>
-          <a:off x="0" y="0"/>
-          <a:ext cx="0" cy="0"/>
-          <a:chOff x="0" y="0"/>
-          <a:chExt cx="0" cy="0"/>
-        </a:xfrm>
-      </p:grpSpPr>
-      <p:pic>
-        <p:nvPicPr>
-          <p:cNvPr id="1028" name="Picture 4" descr="Free Vector | Flat people with question marks background">
-            <a:extLst>
-              <a:ext uri="{FF2B5EF4-FFF2-40B4-BE49-F238E27FC236}">
-                <a16:creationId xmlns:a16="http://schemas.microsoft.com/office/drawing/2014/main" id="{E158EC70-4769-4E41-A278-C90EC4E480C7}"/>
-              </a:ext>
-            </a:extLst>
-          </p:cNvPr>
-          <p:cNvPicPr>
-            <a:picLocks noChangeAspect="1" noChangeArrowheads="1"/>
-          </p:cNvPicPr>
-          <p:nvPr/>
-        </p:nvPicPr>
-        <p:blipFill rotWithShape="1">
-          <a:blip r:embed="rId2">
-            <a:extLst>
-              <a:ext uri="{28A0092B-C50C-407E-A947-70E740481C1C}">
-                <a14:useLocalDpi xmlns:a14="http://schemas.microsoft.com/office/drawing/2010/main" val="0"/>
-              </a:ext>
-            </a:extLst>
-          </a:blip>
-          <a:srcRect t="1" b="22246"/>
-          <a:stretch/>
-        </p:blipFill>
-        <p:spPr bwMode="auto">
-          <a:xfrm>
-            <a:off x="1848418" y="639706"/>
-            <a:ext cx="7599507" cy="5908876"/>
-          </a:xfrm>
-          <a:prstGeom prst="rect">
-            <a:avLst/>
-          </a:prstGeom>
-          <a:noFill/>
-          <a:extLst>
-            <a:ext uri="{909E8E84-426E-40DD-AFC4-6F175D3DCCD1}">
-              <a14:hiddenFill xmlns:a14="http://schemas.microsoft.com/office/drawing/2010/main">
-                <a:solidFill>
-                  <a:srgbClr val="FFFFFF"/>
-                </a:solidFill>
-              </a14:hiddenFill>
-            </a:ext>
-          </a:extLst>
-        </p:spPr>
-      </p:pic>
-      <p:sp>
-        <p:nvSpPr>
-          <p:cNvPr id="2" name="TextBox 1">
-            <a:extLst>
-              <a:ext uri="{FF2B5EF4-FFF2-40B4-BE49-F238E27FC236}">
-                <a16:creationId xmlns:a16="http://schemas.microsoft.com/office/drawing/2014/main" id="{994C3DB2-D47E-4B94-804B-87AF1FDEF86E}"/>
-              </a:ext>
-            </a:extLst>
-          </p:cNvPr>
-          <p:cNvSpPr txBox="1"/>
-          <p:nvPr/>
-        </p:nvSpPr>
-        <p:spPr>
-          <a:xfrm>
-            <a:off x="4535055" y="1052946"/>
-            <a:ext cx="5588000" cy="769441"/>
-          </a:xfrm>
-          <a:prstGeom prst="rect">
-            <a:avLst/>
-          </a:prstGeom>
-          <a:noFill/>
-        </p:spPr>
-        <p:txBody>
-          <a:bodyPr wrap="square" rtlCol="0">
-            <a:spAutoFit/>
-          </a:bodyPr>
-          <a:lstStyle/>
-          <a:p>
-            <a:r>
-              <a:rPr lang="en-US" sz="4400" b="1" dirty="0"/>
-              <a:t>Questions</a:t>
-            </a:r>
-          </a:p>
-        </p:txBody>
-      </p:sp>
-    </p:spTree>
-    <p:extLst>
-      <p:ext uri="{BB962C8B-B14F-4D97-AF65-F5344CB8AC3E}">
-        <p14:creationId xmlns:p14="http://schemas.microsoft.com/office/powerpoint/2010/main" val="1308118299"/>
-      </p:ext>
-    </p:extLst>
-  </p:cSld>
-  <p:clrMapOvr>
-    <a:masterClrMapping/>
-  </p:clrMapOvr>
-</p:sld>
-</file>
-
-<file path=ppt/slides/slide18.xml><?xml version="1.0" encoding="utf-8"?>
-<p:sld xmlns:a="http://schemas.openxmlformats.org/drawingml/2006/main" xmlns:r="http://schemas.openxmlformats.org/officeDocument/2006/relationships" xmlns:p="http://schemas.openxmlformats.org/presentationml/2006/main">
-  <p:cSld>
-    <p:bg>
-      <p:bgPr>
-        <a:solidFill>
-          <a:schemeClr val="bg1">
-            <a:lumMod val="95000"/>
-          </a:schemeClr>
-        </a:solidFill>
-        <a:effectLst/>
-      </p:bgPr>
-    </p:bg>
-    <p:spTree>
-      <p:nvGrpSpPr>
-        <p:cNvPr id="1" name=""/>
-        <p:cNvGrpSpPr/>
-        <p:nvPr/>
-      </p:nvGrpSpPr>
-      <p:grpSpPr>
-        <a:xfrm>
-          <a:off x="0" y="0"/>
-          <a:ext cx="0" cy="0"/>
-          <a:chOff x="0" y="0"/>
-          <a:chExt cx="0" cy="0"/>
-        </a:xfrm>
-      </p:grpSpPr>
-      <p:pic>
-        <p:nvPicPr>
-          <p:cNvPr id="2052" name="Picture 4" descr="Ski Jumping Arena - Free Presentation Templates">
-            <a:extLst>
-              <a:ext uri="{FF2B5EF4-FFF2-40B4-BE49-F238E27FC236}">
-                <a16:creationId xmlns:a16="http://schemas.microsoft.com/office/drawing/2014/main" id="{B0D7E6A1-F72A-4F69-B4FB-A4ED7A0C6CED}"/>
-              </a:ext>
-            </a:extLst>
-          </p:cNvPr>
-          <p:cNvPicPr>
-            <a:picLocks noChangeAspect="1" noChangeArrowheads="1"/>
-          </p:cNvPicPr>
-          <p:nvPr/>
-        </p:nvPicPr>
-        <p:blipFill rotWithShape="1">
-          <a:blip r:embed="rId3">
-            <a:extLst>
-              <a:ext uri="{28A0092B-C50C-407E-A947-70E740481C1C}">
-                <a14:useLocalDpi xmlns:a14="http://schemas.microsoft.com/office/drawing/2010/main" val="0"/>
-              </a:ext>
-            </a:extLst>
-          </a:blip>
-          <a:srcRect r="2246" b="2246"/>
-          <a:stretch/>
-        </p:blipFill>
-        <p:spPr bwMode="auto">
-          <a:xfrm>
-            <a:off x="0" y="0"/>
-            <a:ext cx="12192000" cy="6858000"/>
-          </a:xfrm>
-          <a:prstGeom prst="rect">
-            <a:avLst/>
-          </a:prstGeom>
-          <a:noFill/>
-          <a:extLst>
-            <a:ext uri="{909E8E84-426E-40DD-AFC4-6F175D3DCCD1}">
-              <a14:hiddenFill xmlns:a14="http://schemas.microsoft.com/office/drawing/2010/main">
-                <a:solidFill>
-                  <a:srgbClr val="FFFFFF"/>
-                </a:solidFill>
-              </a14:hiddenFill>
-            </a:ext>
-          </a:extLst>
-        </p:spPr>
-      </p:pic>
-      <p:sp>
-        <p:nvSpPr>
-          <p:cNvPr id="5" name="TextBox 4"/>
-          <p:cNvSpPr txBox="1"/>
-          <p:nvPr/>
-        </p:nvSpPr>
-        <p:spPr>
-          <a:xfrm>
-            <a:off x="1910833" y="3429000"/>
-            <a:ext cx="6629399" cy="1200329"/>
-          </a:xfrm>
-          <a:prstGeom prst="rect">
-            <a:avLst/>
-          </a:prstGeom>
-          <a:noFill/>
-        </p:spPr>
-        <p:txBody>
-          <a:bodyPr wrap="square" rtlCol="0">
-            <a:spAutoFit/>
-          </a:bodyPr>
-          <a:lstStyle/>
-          <a:p>
-            <a:pPr marL="0" marR="0" lvl="0" indent="0" algn="l" defTabSz="914400" rtl="0" eaLnBrk="1" fontAlgn="auto" latinLnBrk="0" hangingPunct="1">
-              <a:lnSpc>
-                <a:spcPct val="100000"/>
-              </a:lnSpc>
-              <a:spcBef>
-                <a:spcPts val="0"/>
-              </a:spcBef>
-              <a:spcAft>
-                <a:spcPts val="0"/>
-              </a:spcAft>
-              <a:buClrTx/>
-              <a:buSzTx/>
-              <a:buFontTx/>
-              <a:buNone/>
-              <a:tabLst/>
-              <a:defRPr/>
-            </a:pPr>
-            <a:r>
-              <a:rPr kumimoji="0" lang="en-US" sz="3600" b="0" i="0" u="none" strike="noStrike" kern="1200" cap="none" spc="-150" normalizeH="0" baseline="0" noProof="0" dirty="0">
-                <a:ln>
-                  <a:noFill/>
-                </a:ln>
-                <a:solidFill>
-                  <a:prstClr val="white"/>
-                </a:solidFill>
-                <a:effectLst/>
-                <a:uLnTx/>
-                <a:uFillTx/>
-                <a:latin typeface="Calibri" panose="020F0502020204030204"/>
-                <a:ea typeface="+mn-ea"/>
-                <a:cs typeface="+mn-cs"/>
-              </a:rPr>
-              <a:t>Anurag Bajaj</a:t>
-            </a:r>
-          </a:p>
-          <a:p>
-            <a:pPr marL="0" marR="0" lvl="0" indent="0" algn="l" defTabSz="914400" rtl="0" eaLnBrk="1" fontAlgn="auto" latinLnBrk="0" hangingPunct="1">
-              <a:lnSpc>
-                <a:spcPct val="100000"/>
-              </a:lnSpc>
-              <a:spcBef>
-                <a:spcPts val="0"/>
-              </a:spcBef>
-              <a:spcAft>
-                <a:spcPts val="0"/>
-              </a:spcAft>
-              <a:buClrTx/>
-              <a:buSzTx/>
-              <a:buFontTx/>
-              <a:buNone/>
-              <a:tabLst/>
-              <a:defRPr/>
-            </a:pPr>
-            <a:r>
-              <a:rPr lang="en-US" sz="3600" spc="-150" dirty="0">
-                <a:solidFill>
-                  <a:prstClr val="white"/>
-                </a:solidFill>
-                <a:latin typeface="Calibri" panose="020F0502020204030204"/>
-              </a:rPr>
-              <a:t>anurag.bajaj02@gmail.com</a:t>
-            </a:r>
-            <a:endParaRPr kumimoji="0" lang="en-US" sz="3600" b="0" i="0" u="none" strike="noStrike" kern="1200" cap="none" spc="-150" normalizeH="0" baseline="0" noProof="0" dirty="0">
-              <a:ln>
-                <a:noFill/>
-              </a:ln>
-              <a:solidFill>
-                <a:prstClr val="white"/>
-              </a:solidFill>
-              <a:effectLst/>
-              <a:uLnTx/>
-              <a:uFillTx/>
-              <a:latin typeface="Calibri" panose="020F0502020204030204"/>
-              <a:ea typeface="+mn-ea"/>
-              <a:cs typeface="+mn-cs"/>
-            </a:endParaRPr>
-          </a:p>
-        </p:txBody>
-      </p:sp>
-    </p:spTree>
-    <p:extLst>
-      <p:ext uri="{BB962C8B-B14F-4D97-AF65-F5344CB8AC3E}">
-        <p14:creationId xmlns:p14="http://schemas.microsoft.com/office/powerpoint/2010/main" val="132008300"/>
-      </p:ext>
-    </p:extLst>
-  </p:cSld>
-  <p:clrMapOvr>
-    <a:masterClrMapping/>
-  </p:clrMapOvr>
-  <mc:AlternateContent xmlns:mc="http://schemas.openxmlformats.org/markup-compatibility/2006" xmlns:p14="http://schemas.microsoft.com/office/powerpoint/2010/main">
-    <mc:Choice Requires="p14">
-      <p:transition spd="med" p14:dur="700">
-        <p:fade/>
-      </p:transition>
-    </mc:Choice>
-    <mc:Fallback xmlns="">
-      <p:transition spd="med">
-        <p:fade/>
-      </p:transition>
-    </mc:Fallback>
-  </mc:AlternateContent>
-</p:sld>
-</file>
-
-<file path=ppt/slides/slide2.xml><?xml version="1.0" encoding="utf-8"?>
-<p:sld xmlns:a="http://schemas.openxmlformats.org/drawingml/2006/main" xmlns:r="http://schemas.openxmlformats.org/officeDocument/2006/relationships" xmlns:p="http://schemas.openxmlformats.org/presentationml/2006/main">
-  <p:cSld>
-    <p:spTree>
-      <p:nvGrpSpPr>
-        <p:cNvPr id="1" name=""/>
-        <p:cNvGrpSpPr/>
-        <p:nvPr/>
-      </p:nvGrpSpPr>
-      <p:grpSpPr>
-        <a:xfrm>
-          <a:off x="0" y="0"/>
-          <a:ext cx="0" cy="0"/>
-          <a:chOff x="0" y="0"/>
-          <a:chExt cx="0" cy="0"/>
-        </a:xfrm>
-      </p:grpSpPr>
-      <p:sp>
-        <p:nvSpPr>
-          <p:cNvPr id="2" name="Title 3">
-            <a:extLst>
-              <a:ext uri="{FF2B5EF4-FFF2-40B4-BE49-F238E27FC236}">
-                <a16:creationId xmlns:a16="http://schemas.microsoft.com/office/drawing/2014/main" id="{F07FC580-E2AB-4C55-8C95-D5E077A1D127}"/>
-              </a:ext>
-            </a:extLst>
-          </p:cNvPr>
-          <p:cNvSpPr txBox="1">
-            <a:spLocks/>
-          </p:cNvSpPr>
-          <p:nvPr/>
-        </p:nvSpPr>
-        <p:spPr>
-          <a:xfrm>
-            <a:off x="261764" y="188640"/>
-            <a:ext cx="11292008" cy="711081"/>
-          </a:xfrm>
-          <a:prstGeom prst="rect">
-            <a:avLst/>
-          </a:prstGeom>
-        </p:spPr>
-        <p:txBody>
-          <a:bodyPr/>
-          <a:lstStyle>
-            <a:lvl1pPr algn="l" defTabSz="914400" rtl="0" eaLnBrk="1" latinLnBrk="0" hangingPunct="1">
-              <a:lnSpc>
-                <a:spcPct val="90000"/>
-              </a:lnSpc>
-              <a:spcBef>
-                <a:spcPct val="0"/>
-              </a:spcBef>
-              <a:buNone/>
-              <a:defRPr sz="4400" kern="1200">
-                <a:solidFill>
-                  <a:schemeClr val="tx1"/>
-                </a:solidFill>
-                <a:latin typeface="+mj-lt"/>
-                <a:ea typeface="+mj-ea"/>
-                <a:cs typeface="+mj-cs"/>
-              </a:defRPr>
-            </a:lvl1pPr>
-          </a:lstStyle>
-          <a:p>
-            <a:pPr marL="0" marR="0" lvl="0" indent="0" algn="l" defTabSz="914400" rtl="0" eaLnBrk="1" fontAlgn="auto" latinLnBrk="0" hangingPunct="1">
-              <a:lnSpc>
-                <a:spcPct val="90000"/>
-              </a:lnSpc>
-              <a:spcBef>
-                <a:spcPct val="0"/>
-              </a:spcBef>
-              <a:spcAft>
-                <a:spcPts val="0"/>
-              </a:spcAft>
-              <a:buClrTx/>
-              <a:buSzTx/>
-              <a:buFontTx/>
-              <a:buNone/>
-              <a:tabLst/>
-              <a:defRPr/>
-            </a:pPr>
-            <a:r>
-              <a:rPr kumimoji="0" lang="en-US" sz="4400" b="1" i="0" u="none" strike="noStrike" kern="1200" cap="none" spc="0" normalizeH="0" baseline="0" noProof="0" dirty="0">
-                <a:ln>
-                  <a:noFill/>
-                </a:ln>
-                <a:solidFill>
-                  <a:prstClr val="black"/>
-                </a:solidFill>
-                <a:effectLst/>
-                <a:uLnTx/>
-                <a:uFillTx/>
-                <a:latin typeface="Calibri Light" panose="020F0302020204030204"/>
-                <a:ea typeface="+mj-ea"/>
-                <a:cs typeface="+mj-cs"/>
-              </a:rPr>
-              <a:t>Agenda – Day 8</a:t>
-            </a:r>
-          </a:p>
-        </p:txBody>
-      </p:sp>
-      <p:sp>
-        <p:nvSpPr>
-          <p:cNvPr id="4" name="Footer Placeholder 45">
-            <a:extLst>
-              <a:ext uri="{FF2B5EF4-FFF2-40B4-BE49-F238E27FC236}">
-                <a16:creationId xmlns:a16="http://schemas.microsoft.com/office/drawing/2014/main" id="{90E33047-DFF5-4690-8905-31E4C115EFDC}"/>
-              </a:ext>
-            </a:extLst>
-          </p:cNvPr>
-          <p:cNvSpPr>
-            <a:spLocks noGrp="1"/>
-          </p:cNvSpPr>
-          <p:nvPr>
-            <p:ph type="ftr" sz="quarter" idx="11"/>
-          </p:nvPr>
-        </p:nvSpPr>
-        <p:spPr>
-          <a:xfrm>
-            <a:off x="10123055" y="6548582"/>
-            <a:ext cx="2225295" cy="203620"/>
-          </a:xfrm>
-        </p:spPr>
-        <p:txBody>
-          <a:bodyPr/>
-          <a:lstStyle/>
-          <a:p>
-            <a:pPr marL="0" marR="0" lvl="0" indent="0" algn="ctr" defTabSz="914400" rtl="0" eaLnBrk="1" fontAlgn="auto" latinLnBrk="0" hangingPunct="1">
-              <a:lnSpc>
-                <a:spcPct val="100000"/>
-              </a:lnSpc>
-              <a:spcBef>
-                <a:spcPts val="0"/>
-              </a:spcBef>
-              <a:spcAft>
-                <a:spcPts val="0"/>
-              </a:spcAft>
-              <a:buClrTx/>
-              <a:buSzTx/>
-              <a:buFontTx/>
-              <a:buNone/>
-              <a:tabLst/>
-              <a:defRPr/>
-            </a:pPr>
-            <a:r>
-              <a:rPr kumimoji="0" lang="en-US" sz="1200" b="1" i="0" u="none" strike="noStrike" kern="1200" cap="none" spc="0" normalizeH="0" baseline="0" noProof="0" dirty="0">
-                <a:ln>
-                  <a:noFill/>
-                </a:ln>
-                <a:solidFill>
-                  <a:prstClr val="black"/>
-                </a:solidFill>
-                <a:effectLst/>
-                <a:uLnTx/>
-                <a:uFillTx/>
-                <a:latin typeface="Calibri" panose="020F0502020204030204"/>
-                <a:ea typeface="+mn-ea"/>
-                <a:cs typeface="+mn-cs"/>
-              </a:rPr>
-              <a:t>Anubhav trainings</a:t>
-            </a:r>
-          </a:p>
-        </p:txBody>
-      </p:sp>
-      <p:sp>
-        <p:nvSpPr>
-          <p:cNvPr id="5" name="TextBox 4">
-            <a:extLst>
-              <a:ext uri="{FF2B5EF4-FFF2-40B4-BE49-F238E27FC236}">
-                <a16:creationId xmlns:a16="http://schemas.microsoft.com/office/drawing/2014/main" id="{27E5B41D-1DDF-48C9-A5AF-075F84492B68}"/>
-              </a:ext>
-            </a:extLst>
-          </p:cNvPr>
-          <p:cNvSpPr txBox="1"/>
-          <p:nvPr/>
-        </p:nvSpPr>
-        <p:spPr>
-          <a:xfrm>
-            <a:off x="247878" y="982353"/>
-            <a:ext cx="11696243" cy="4031873"/>
-          </a:xfrm>
-          <a:prstGeom prst="rect">
-            <a:avLst/>
-          </a:prstGeom>
-          <a:noFill/>
-        </p:spPr>
-        <p:txBody>
-          <a:bodyPr wrap="square" rtlCol="0">
-            <a:spAutoFit/>
-          </a:bodyPr>
-          <a:lstStyle/>
-          <a:p>
-            <a:pPr marL="0" marR="0" lvl="0" indent="0" algn="l" defTabSz="914400" rtl="0" eaLnBrk="1" fontAlgn="auto" latinLnBrk="0" hangingPunct="1">
-              <a:lnSpc>
-                <a:spcPct val="100000"/>
-              </a:lnSpc>
-              <a:spcBef>
-                <a:spcPts val="0"/>
-              </a:spcBef>
-              <a:spcAft>
-                <a:spcPts val="0"/>
-              </a:spcAft>
-              <a:buClrTx/>
-              <a:buSzTx/>
-              <a:buFontTx/>
-              <a:buNone/>
-              <a:tabLst/>
-              <a:defRPr/>
-            </a:pPr>
-            <a:r>
-              <a:rPr kumimoji="0" lang="en-US" sz="1600" b="1" i="0" u="none" strike="noStrike" kern="1200" cap="none" spc="0" normalizeH="0" baseline="0" noProof="0" dirty="0">
-                <a:ln>
-                  <a:noFill/>
-                </a:ln>
-                <a:solidFill>
-                  <a:prstClr val="black"/>
-                </a:solidFill>
-                <a:effectLst/>
-                <a:uLnTx/>
-                <a:uFillTx/>
-                <a:latin typeface="Calibri" panose="020F0502020204030204"/>
-                <a:ea typeface="+mn-ea"/>
-                <a:cs typeface="+mn-cs"/>
-              </a:rPr>
-              <a:t>Classification Concept and Scenario</a:t>
-            </a:r>
-          </a:p>
-          <a:p>
-            <a:pPr marL="742950" lvl="1" indent="-285750">
-              <a:buFont typeface="Arial" panose="020B0604020202020204" pitchFamily="34" charset="0"/>
-              <a:buChar char="•"/>
-              <a:defRPr/>
-            </a:pPr>
-            <a:r>
-              <a:rPr kumimoji="0" lang="en-US" sz="1600" b="0" i="0" u="none" strike="noStrike" kern="1200" cap="none" spc="0" normalizeH="0" baseline="0" noProof="0" dirty="0">
-                <a:ln>
-                  <a:noFill/>
-                </a:ln>
-                <a:solidFill>
-                  <a:prstClr val="black"/>
-                </a:solidFill>
-                <a:effectLst/>
-                <a:uLnTx/>
-                <a:uFillTx/>
-                <a:latin typeface="Calibri" panose="020F0502020204030204"/>
-                <a:ea typeface="+mn-ea"/>
-                <a:cs typeface="+mn-cs"/>
-              </a:rPr>
-              <a:t>Logistic Regression Example</a:t>
-            </a:r>
-          </a:p>
-          <a:p>
-            <a:pPr marL="742950" lvl="1" indent="-285750">
-              <a:buFont typeface="Arial" panose="020B0604020202020204" pitchFamily="34" charset="0"/>
-              <a:buChar char="•"/>
-              <a:defRPr/>
-            </a:pPr>
-            <a:r>
-              <a:rPr kumimoji="0" lang="en-US" sz="1600" b="0" i="0" u="none" strike="noStrike" kern="1200" cap="none" spc="0" normalizeH="0" baseline="0" noProof="0" dirty="0">
-                <a:ln>
-                  <a:noFill/>
-                </a:ln>
-                <a:solidFill>
-                  <a:prstClr val="black"/>
-                </a:solidFill>
-                <a:effectLst/>
-                <a:uLnTx/>
-                <a:uFillTx/>
-                <a:latin typeface="Calibri" panose="020F0502020204030204"/>
-                <a:ea typeface="+mn-ea"/>
-                <a:cs typeface="+mn-cs"/>
-              </a:rPr>
-              <a:t>Confusion Matrix</a:t>
-            </a:r>
-          </a:p>
-          <a:p>
-            <a:pPr marL="742950" lvl="1" indent="-285750">
-              <a:buFont typeface="Arial" panose="020B0604020202020204" pitchFamily="34" charset="0"/>
-              <a:buChar char="•"/>
-              <a:defRPr/>
-            </a:pPr>
-            <a:r>
-              <a:rPr kumimoji="0" lang="en-US" sz="1600" b="0" i="0" u="none" strike="noStrike" kern="1200" cap="none" spc="0" normalizeH="0" baseline="0" noProof="0" dirty="0">
-                <a:ln>
-                  <a:noFill/>
-                </a:ln>
-                <a:solidFill>
-                  <a:prstClr val="black"/>
-                </a:solidFill>
-                <a:effectLst/>
-                <a:uLnTx/>
-                <a:uFillTx/>
-                <a:latin typeface="Calibri" panose="020F0502020204030204"/>
-                <a:ea typeface="+mn-ea"/>
-                <a:cs typeface="+mn-cs"/>
-              </a:rPr>
-              <a:t>AUC and ROC Curves</a:t>
-            </a:r>
-          </a:p>
-          <a:p>
-            <a:pPr marL="742950" lvl="1" indent="-285750">
-              <a:buFont typeface="Arial" panose="020B0604020202020204" pitchFamily="34" charset="0"/>
-              <a:buChar char="•"/>
-              <a:defRPr/>
-            </a:pPr>
-            <a:r>
-              <a:rPr kumimoji="0" lang="en-US" sz="1600" b="0" i="0" u="none" strike="noStrike" kern="1200" cap="none" spc="0" normalizeH="0" baseline="0" noProof="0" dirty="0">
-                <a:ln>
-                  <a:noFill/>
-                </a:ln>
-                <a:solidFill>
-                  <a:prstClr val="black"/>
-                </a:solidFill>
-                <a:effectLst/>
-                <a:uLnTx/>
-                <a:uFillTx/>
-                <a:latin typeface="Calibri" panose="020F0502020204030204"/>
-                <a:ea typeface="+mn-ea"/>
-                <a:cs typeface="+mn-cs"/>
-              </a:rPr>
-              <a:t>Profit Simulation</a:t>
-            </a:r>
-          </a:p>
-          <a:p>
-            <a:pPr marL="742950" lvl="1" indent="-285750">
-              <a:buFont typeface="Arial" panose="020B0604020202020204" pitchFamily="34" charset="0"/>
-              <a:buChar char="•"/>
-              <a:defRPr/>
-            </a:pPr>
-            <a:r>
-              <a:rPr kumimoji="0" lang="en-US" sz="1600" b="0" i="0" u="none" strike="noStrike" kern="1200" cap="none" spc="0" normalizeH="0" baseline="0" noProof="0" dirty="0">
-                <a:ln>
-                  <a:noFill/>
-                </a:ln>
-                <a:solidFill>
-                  <a:prstClr val="black"/>
-                </a:solidFill>
-                <a:effectLst/>
-                <a:uLnTx/>
-                <a:uFillTx/>
-                <a:latin typeface="Calibri" panose="020F0502020204030204"/>
-                <a:ea typeface="+mn-ea"/>
-                <a:cs typeface="+mn-cs"/>
-              </a:rPr>
-              <a:t>ML Scenario – Classification</a:t>
-            </a:r>
-          </a:p>
-          <a:p>
-            <a:pPr marL="0" marR="0" lvl="0" indent="0" algn="l" defTabSz="914400" rtl="0" eaLnBrk="1" fontAlgn="auto" latinLnBrk="0" hangingPunct="1">
-              <a:lnSpc>
-                <a:spcPct val="100000"/>
-              </a:lnSpc>
-              <a:spcBef>
-                <a:spcPts val="0"/>
-              </a:spcBef>
-              <a:spcAft>
-                <a:spcPts val="0"/>
-              </a:spcAft>
-              <a:buClrTx/>
-              <a:buSzTx/>
-              <a:buFontTx/>
-              <a:buNone/>
-              <a:tabLst/>
-              <a:defRPr/>
-            </a:pPr>
-            <a:endParaRPr kumimoji="0" lang="en-US" sz="1600" b="0" i="0" u="none" strike="noStrike" kern="1200" cap="none" spc="0" normalizeH="0" baseline="0" noProof="0" dirty="0">
-              <a:ln>
-                <a:noFill/>
-              </a:ln>
-              <a:solidFill>
-                <a:prstClr val="black"/>
-              </a:solidFill>
-              <a:effectLst/>
-              <a:uLnTx/>
-              <a:uFillTx/>
-              <a:latin typeface="Calibri" panose="020F0502020204030204"/>
-              <a:ea typeface="+mn-ea"/>
-              <a:cs typeface="+mn-cs"/>
-            </a:endParaRPr>
-          </a:p>
-          <a:p>
-            <a:pPr marL="0" marR="0" lvl="0" indent="0" algn="l" defTabSz="914400" rtl="0" eaLnBrk="1" fontAlgn="auto" latinLnBrk="0" hangingPunct="1">
-              <a:lnSpc>
-                <a:spcPct val="100000"/>
-              </a:lnSpc>
-              <a:spcBef>
-                <a:spcPts val="0"/>
-              </a:spcBef>
-              <a:spcAft>
-                <a:spcPts val="0"/>
-              </a:spcAft>
-              <a:buClrTx/>
-              <a:buSzTx/>
-              <a:buFontTx/>
-              <a:buNone/>
-              <a:tabLst/>
-              <a:defRPr/>
-            </a:pPr>
-            <a:r>
-              <a:rPr kumimoji="0" lang="en-US" sz="1600" b="0" i="0" u="none" strike="noStrike" kern="1200" cap="none" spc="0" normalizeH="0" baseline="0" noProof="0" dirty="0">
-                <a:ln>
-                  <a:noFill/>
-                </a:ln>
-                <a:solidFill>
-                  <a:prstClr val="black"/>
-                </a:solidFill>
-                <a:effectLst/>
-                <a:uLnTx/>
-                <a:uFillTx/>
-                <a:latin typeface="Calibri" panose="020F0502020204030204"/>
-                <a:ea typeface="+mn-ea"/>
-                <a:cs typeface="+mn-cs"/>
-              </a:rPr>
-              <a:t>---Break---</a:t>
-            </a:r>
-          </a:p>
-          <a:p>
-            <a:pPr marL="0" marR="0" lvl="0" indent="0" algn="l" defTabSz="914400" rtl="0" eaLnBrk="1" fontAlgn="auto" latinLnBrk="0" hangingPunct="1">
-              <a:lnSpc>
-                <a:spcPct val="100000"/>
-              </a:lnSpc>
-              <a:spcBef>
-                <a:spcPts val="0"/>
-              </a:spcBef>
-              <a:spcAft>
-                <a:spcPts val="0"/>
-              </a:spcAft>
-              <a:buClrTx/>
-              <a:buSzTx/>
-              <a:buFontTx/>
-              <a:buNone/>
-              <a:tabLst/>
-              <a:defRPr/>
-            </a:pPr>
-            <a:endParaRPr kumimoji="0" lang="en-US" sz="1600" b="1" i="0" u="none" strike="noStrike" kern="1200" cap="none" spc="0" normalizeH="0" baseline="0" noProof="0" dirty="0">
-              <a:ln>
-                <a:noFill/>
-              </a:ln>
-              <a:solidFill>
-                <a:prstClr val="black"/>
-              </a:solidFill>
-              <a:effectLst/>
-              <a:uLnTx/>
-              <a:uFillTx/>
-              <a:latin typeface="Calibri" panose="020F0502020204030204"/>
-              <a:ea typeface="+mn-ea"/>
-              <a:cs typeface="+mn-cs"/>
-            </a:endParaRPr>
-          </a:p>
-          <a:p>
-            <a:pPr marL="0" marR="0" lvl="0" indent="0" algn="l" defTabSz="914400" rtl="0" eaLnBrk="1" fontAlgn="auto" latinLnBrk="0" hangingPunct="1">
-              <a:lnSpc>
-                <a:spcPct val="100000"/>
-              </a:lnSpc>
-              <a:spcBef>
-                <a:spcPts val="0"/>
-              </a:spcBef>
-              <a:spcAft>
-                <a:spcPts val="0"/>
-              </a:spcAft>
-              <a:buClrTx/>
-              <a:buSzTx/>
-              <a:buFontTx/>
-              <a:buNone/>
-              <a:tabLst/>
-              <a:defRPr/>
-            </a:pPr>
-            <a:r>
-              <a:rPr kumimoji="0" lang="en-US" sz="1600" b="1" i="0" u="none" strike="noStrike" kern="1200" cap="none" spc="0" normalizeH="0" baseline="0" noProof="0" dirty="0">
-                <a:ln>
-                  <a:noFill/>
-                </a:ln>
-                <a:solidFill>
-                  <a:prstClr val="black"/>
-                </a:solidFill>
-                <a:effectLst/>
-                <a:uLnTx/>
-                <a:uFillTx/>
-                <a:latin typeface="Calibri" panose="020F0502020204030204"/>
-                <a:ea typeface="+mn-ea"/>
-                <a:cs typeface="+mn-cs"/>
-              </a:rPr>
-              <a:t>Regression Concept and Scenario</a:t>
-            </a:r>
-          </a:p>
-          <a:p>
-            <a:pPr marL="742950" lvl="1" indent="-285750">
-              <a:buFont typeface="Arial" panose="020B0604020202020204" pitchFamily="34" charset="0"/>
-              <a:buChar char="•"/>
-              <a:defRPr/>
-            </a:pPr>
-            <a:r>
-              <a:rPr kumimoji="0" lang="en-US" sz="1600" b="0" i="0" u="none" strike="noStrike" kern="1200" cap="none" spc="0" normalizeH="0" baseline="0" noProof="0" dirty="0">
-                <a:ln>
-                  <a:noFill/>
-                </a:ln>
-                <a:solidFill>
-                  <a:prstClr val="black"/>
-                </a:solidFill>
-                <a:effectLst/>
-                <a:uLnTx/>
-                <a:uFillTx/>
-                <a:latin typeface="Calibri" panose="020F0502020204030204"/>
-                <a:ea typeface="+mn-ea"/>
-                <a:cs typeface="+mn-cs"/>
-              </a:rPr>
-              <a:t>	Concept of Regression</a:t>
-            </a:r>
-          </a:p>
-          <a:p>
-            <a:pPr marL="742950" lvl="1" indent="-285750">
-              <a:buFont typeface="Arial" panose="020B0604020202020204" pitchFamily="34" charset="0"/>
-              <a:buChar char="•"/>
-              <a:defRPr/>
-            </a:pPr>
-            <a:r>
-              <a:rPr kumimoji="0" lang="en-US" sz="1600" b="0" i="0" u="none" strike="noStrike" kern="1200" cap="none" spc="0" normalizeH="0" baseline="0" noProof="0" dirty="0">
-                <a:ln>
-                  <a:noFill/>
-                </a:ln>
-                <a:solidFill>
-                  <a:prstClr val="black"/>
-                </a:solidFill>
-                <a:effectLst/>
-                <a:uLnTx/>
-                <a:uFillTx/>
-                <a:latin typeface="Calibri" panose="020F0502020204030204"/>
-                <a:ea typeface="+mn-ea"/>
-                <a:cs typeface="+mn-cs"/>
-              </a:rPr>
-              <a:t>	Determination of MAPE</a:t>
-            </a:r>
-          </a:p>
-          <a:p>
-            <a:pPr marL="742950" lvl="1" indent="-285750">
-              <a:buFont typeface="Arial" panose="020B0604020202020204" pitchFamily="34" charset="0"/>
-              <a:buChar char="•"/>
-              <a:defRPr/>
-            </a:pPr>
-            <a:r>
-              <a:rPr kumimoji="0" lang="en-US" sz="1600" b="0" i="0" u="none" strike="noStrike" kern="1200" cap="none" spc="0" normalizeH="0" baseline="0" noProof="0" dirty="0">
-                <a:ln>
-                  <a:noFill/>
-                </a:ln>
-                <a:solidFill>
-                  <a:prstClr val="black"/>
-                </a:solidFill>
-                <a:effectLst/>
-                <a:uLnTx/>
-                <a:uFillTx/>
-                <a:latin typeface="Calibri" panose="020F0502020204030204"/>
-                <a:ea typeface="+mn-ea"/>
-                <a:cs typeface="+mn-cs"/>
-              </a:rPr>
-              <a:t>	Concept of Residuals</a:t>
-            </a:r>
-          </a:p>
-          <a:p>
-            <a:pPr marL="742950" lvl="1" indent="-285750">
-              <a:buFont typeface="Arial" panose="020B0604020202020204" pitchFamily="34" charset="0"/>
-              <a:buChar char="•"/>
-              <a:defRPr/>
-            </a:pPr>
-            <a:r>
-              <a:rPr kumimoji="0" lang="en-US" sz="1600" b="0" i="0" u="none" strike="noStrike" kern="1200" cap="none" spc="0" normalizeH="0" baseline="0" noProof="0" dirty="0">
-                <a:ln>
-                  <a:noFill/>
-                </a:ln>
-                <a:solidFill>
-                  <a:prstClr val="black"/>
-                </a:solidFill>
-                <a:effectLst/>
-                <a:uLnTx/>
-                <a:uFillTx/>
-                <a:latin typeface="Calibri" panose="020F0502020204030204"/>
-                <a:ea typeface="+mn-ea"/>
-                <a:cs typeface="+mn-cs"/>
-              </a:rPr>
-              <a:t>	Quadrantile</a:t>
-            </a:r>
-          </a:p>
-          <a:p>
-            <a:pPr marL="742950" lvl="1" indent="-285750">
-              <a:buFont typeface="Arial" panose="020B0604020202020204" pitchFamily="34" charset="0"/>
-              <a:buChar char="•"/>
-              <a:defRPr/>
-            </a:pPr>
-            <a:r>
-              <a:rPr kumimoji="0" lang="en-US" sz="1600" b="0" i="0" u="none" strike="noStrike" kern="1200" cap="none" spc="0" normalizeH="0" baseline="0" noProof="0" dirty="0">
-                <a:ln>
-                  <a:noFill/>
-                </a:ln>
-                <a:solidFill>
-                  <a:prstClr val="black"/>
-                </a:solidFill>
-                <a:effectLst/>
-                <a:uLnTx/>
-                <a:uFillTx/>
-                <a:latin typeface="Calibri" panose="020F0502020204030204"/>
-                <a:ea typeface="+mn-ea"/>
-                <a:cs typeface="+mn-cs"/>
-              </a:rPr>
-              <a:t>	Our HR Scenario</a:t>
-            </a:r>
-            <a:r>
-              <a:rPr lang="en-US" sz="1600" dirty="0">
-                <a:solidFill>
-                  <a:prstClr val="black"/>
-                </a:solidFill>
-                <a:latin typeface="Calibri" panose="020F0502020204030204"/>
-              </a:rPr>
-              <a:t>	</a:t>
-            </a:r>
-            <a:endParaRPr kumimoji="0" lang="en-US" sz="1600" b="0" i="0" u="none" strike="noStrike" kern="1200" cap="none" spc="0" normalizeH="0" baseline="0" noProof="0" dirty="0">
-              <a:ln>
-                <a:noFill/>
-              </a:ln>
-              <a:solidFill>
-                <a:prstClr val="black"/>
-              </a:solidFill>
-              <a:effectLst/>
-              <a:uLnTx/>
-              <a:uFillTx/>
-              <a:latin typeface="Calibri" panose="020F0502020204030204"/>
-              <a:ea typeface="+mn-ea"/>
-              <a:cs typeface="+mn-cs"/>
-            </a:endParaRPr>
-          </a:p>
-          <a:p>
-            <a:pPr marL="0" marR="0" lvl="0" indent="0" algn="l" defTabSz="914400" rtl="0" eaLnBrk="1" fontAlgn="auto" latinLnBrk="0" hangingPunct="1">
-              <a:lnSpc>
-                <a:spcPct val="100000"/>
-              </a:lnSpc>
-              <a:spcBef>
-                <a:spcPts val="0"/>
-              </a:spcBef>
-              <a:spcAft>
-                <a:spcPts val="0"/>
-              </a:spcAft>
-              <a:buClrTx/>
-              <a:buSzTx/>
-              <a:buFontTx/>
-              <a:buNone/>
-              <a:tabLst/>
-              <a:defRPr/>
-            </a:pPr>
-            <a:r>
-              <a:rPr lang="en-US" sz="1600" dirty="0">
-                <a:solidFill>
-                  <a:prstClr val="black"/>
-                </a:solidFill>
-                <a:latin typeface="Calibri" panose="020F0502020204030204"/>
-              </a:rPr>
-              <a:t>	</a:t>
-            </a:r>
-            <a:endParaRPr kumimoji="0" lang="en-US" sz="1600" b="0" i="0" u="none" strike="noStrike" kern="1200" cap="none" spc="0" normalizeH="0" baseline="0" noProof="0" dirty="0">
-              <a:ln>
-                <a:noFill/>
-              </a:ln>
-              <a:solidFill>
-                <a:prstClr val="black"/>
-              </a:solidFill>
-              <a:effectLst/>
-              <a:uLnTx/>
-              <a:uFillTx/>
-              <a:latin typeface="Calibri" panose="020F0502020204030204"/>
-              <a:ea typeface="+mn-ea"/>
-              <a:cs typeface="+mn-cs"/>
-            </a:endParaRPr>
-          </a:p>
-        </p:txBody>
-      </p:sp>
-    </p:spTree>
-    <p:extLst>
-      <p:ext uri="{BB962C8B-B14F-4D97-AF65-F5344CB8AC3E}">
-        <p14:creationId xmlns:p14="http://schemas.microsoft.com/office/powerpoint/2010/main" val="2321857352"/>
-      </p:ext>
-    </p:extLst>
-  </p:cSld>
-  <p:clrMapOvr>
-    <a:masterClrMapping/>
-  </p:clrMapOvr>
-</p:sld>
-</file>
-
-<file path=ppt/slides/slide3.xml><?xml version="1.0" encoding="utf-8"?>
-<p:sld xmlns:a="http://schemas.openxmlformats.org/drawingml/2006/main" xmlns:r="http://schemas.openxmlformats.org/officeDocument/2006/relationships" xmlns:p="http://schemas.openxmlformats.org/presentationml/2006/main">
-  <p:cSld>
-    <p:spTree>
-      <p:nvGrpSpPr>
-        <p:cNvPr id="1" name=""/>
-        <p:cNvGrpSpPr/>
-        <p:nvPr/>
-      </p:nvGrpSpPr>
-      <p:grpSpPr>
-        <a:xfrm>
-          <a:off x="0" y="0"/>
-          <a:ext cx="0" cy="0"/>
-          <a:chOff x="0" y="0"/>
-          <a:chExt cx="0" cy="0"/>
-        </a:xfrm>
-      </p:grpSpPr>
-      <p:sp>
-        <p:nvSpPr>
-          <p:cNvPr id="11" name="Title 10"/>
-          <p:cNvSpPr>
-            <a:spLocks noGrp="1"/>
-          </p:cNvSpPr>
-          <p:nvPr>
-            <p:ph type="title"/>
-          </p:nvPr>
-        </p:nvSpPr>
-        <p:spPr>
-          <a:xfrm>
-            <a:off x="-20279" y="41354"/>
-            <a:ext cx="10969943" cy="711081"/>
-          </a:xfrm>
-        </p:spPr>
-        <p:txBody>
-          <a:bodyPr>
-            <a:noAutofit/>
-          </a:bodyPr>
-          <a:lstStyle/>
-          <a:p>
-            <a:r>
-              <a:rPr lang="en-IN" dirty="0">
-                <a:solidFill>
-                  <a:schemeClr val="tx2">
-                    <a:lumMod val="60000"/>
-                    <a:lumOff val="40000"/>
-                  </a:schemeClr>
-                </a:solidFill>
-                <a:latin typeface="Patua One" pitchFamily="2" charset="0"/>
-              </a:rPr>
-              <a:t>Machine Learning Scenario – Classification </a:t>
-            </a:r>
-          </a:p>
-        </p:txBody>
-      </p:sp>
-      <p:sp>
-        <p:nvSpPr>
-          <p:cNvPr id="37" name="TextBox 36">
-            <a:extLst>
-              <a:ext uri="{FF2B5EF4-FFF2-40B4-BE49-F238E27FC236}">
-                <a16:creationId xmlns:a16="http://schemas.microsoft.com/office/drawing/2014/main" id="{E8CAC22F-1542-4031-BC6C-A16989886504}"/>
-              </a:ext>
-            </a:extLst>
-          </p:cNvPr>
-          <p:cNvSpPr txBox="1"/>
-          <p:nvPr/>
-        </p:nvSpPr>
-        <p:spPr>
-          <a:xfrm>
-            <a:off x="4943872" y="6550224"/>
-            <a:ext cx="3456384" cy="307777"/>
-          </a:xfrm>
-          <a:prstGeom prst="rect">
-            <a:avLst/>
-          </a:prstGeom>
-          <a:noFill/>
-        </p:spPr>
-        <p:txBody>
-          <a:bodyPr wrap="square" rtlCol="0">
-            <a:spAutoFit/>
-          </a:bodyPr>
-          <a:lstStyle/>
-          <a:p>
-            <a:pPr defTabSz="1218987">
-              <a:defRPr/>
-            </a:pPr>
-            <a:r>
-              <a:rPr lang="en-US" sz="1400" b="1" dirty="0">
-                <a:solidFill>
-                  <a:prstClr val="black"/>
-                </a:solidFill>
-                <a:latin typeface="Arial Rounded MT Bold" panose="020F0704030504030204" pitchFamily="34" charset="0"/>
-                <a:ea typeface="Arial Unicode MS" panose="020B0604020202020204" pitchFamily="34" charset="-128"/>
-                <a:cs typeface="Arial Unicode MS" panose="020B0604020202020204" pitchFamily="34" charset="-128"/>
-              </a:rPr>
-              <a:t>www.anubhavtrainings.com</a:t>
-            </a:r>
-            <a:endParaRPr lang="en-IN" sz="1400" b="1" dirty="0">
-              <a:solidFill>
-                <a:prstClr val="black"/>
-              </a:solidFill>
-              <a:latin typeface="Arial Rounded MT Bold" panose="020F0704030504030204" pitchFamily="34" charset="0"/>
-              <a:ea typeface="Arial Unicode MS" panose="020B0604020202020204" pitchFamily="34" charset="-128"/>
-              <a:cs typeface="Arial Unicode MS" panose="020B0604020202020204" pitchFamily="34" charset="-128"/>
-            </a:endParaRPr>
-          </a:p>
-        </p:txBody>
-      </p:sp>
-      <p:pic>
-        <p:nvPicPr>
-          <p:cNvPr id="40" name="Picture 39">
-            <a:extLst>
-              <a:ext uri="{FF2B5EF4-FFF2-40B4-BE49-F238E27FC236}">
-                <a16:creationId xmlns:a16="http://schemas.microsoft.com/office/drawing/2014/main" id="{DA60E6FB-8C44-4FEB-B6E9-83DA908565CD}"/>
-              </a:ext>
-            </a:extLst>
-          </p:cNvPr>
-          <p:cNvPicPr>
-            <a:picLocks noChangeAspect="1"/>
-          </p:cNvPicPr>
-          <p:nvPr/>
-        </p:nvPicPr>
-        <p:blipFill>
-          <a:blip r:embed="rId2">
-            <a:extLst>
-              <a:ext uri="{28A0092B-C50C-407E-A947-70E740481C1C}">
-                <a14:useLocalDpi xmlns:a14="http://schemas.microsoft.com/office/drawing/2010/main" val="0"/>
-              </a:ext>
-            </a:extLst>
-          </a:blip>
-          <a:stretch>
-            <a:fillRect/>
-          </a:stretch>
-        </p:blipFill>
-        <p:spPr>
-          <a:xfrm>
-            <a:off x="9624393" y="106009"/>
-            <a:ext cx="2335203" cy="762895"/>
-          </a:xfrm>
-          <a:prstGeom prst="rect">
-            <a:avLst/>
-          </a:prstGeom>
-        </p:spPr>
-      </p:pic>
-      <p:cxnSp>
-        <p:nvCxnSpPr>
-          <p:cNvPr id="41" name="Straight Connector 40">
-            <a:extLst>
-              <a:ext uri="{FF2B5EF4-FFF2-40B4-BE49-F238E27FC236}">
-                <a16:creationId xmlns:a16="http://schemas.microsoft.com/office/drawing/2014/main" id="{3B3B7D73-CAE9-45AC-ACCE-FAEF4E505C7A}"/>
-              </a:ext>
-            </a:extLst>
-          </p:cNvPr>
-          <p:cNvCxnSpPr/>
-          <p:nvPr/>
-        </p:nvCxnSpPr>
-        <p:spPr>
-          <a:xfrm>
-            <a:off x="1588" y="764704"/>
-            <a:ext cx="6479584" cy="0"/>
-          </a:xfrm>
-          <a:prstGeom prst="line">
-            <a:avLst/>
-          </a:prstGeom>
-        </p:spPr>
-        <p:style>
-          <a:lnRef idx="2">
-            <a:schemeClr val="accent6"/>
-          </a:lnRef>
-          <a:fillRef idx="0">
-            <a:schemeClr val="accent6"/>
-          </a:fillRef>
-          <a:effectRef idx="1">
-            <a:schemeClr val="accent6"/>
-          </a:effectRef>
-          <a:fontRef idx="minor">
-            <a:schemeClr val="tx1"/>
-          </a:fontRef>
-        </p:style>
-      </p:cxnSp>
       <p:sp>
         <p:nvSpPr>
           <p:cNvPr id="2" name="TextBox 1">
@@ -14572,8 +12167,8 @@
           </a:p>
         </p:txBody>
       </p:sp>
-      <mc:AlternateContent xmlns:mc="http://schemas.openxmlformats.org/markup-compatibility/2006">
-        <mc:Choice xmlns:p14="http://schemas.microsoft.com/office/powerpoint/2010/main" Requires="p14">
+      <mc:AlternateContent xmlns:mc="http://schemas.openxmlformats.org/markup-compatibility/2006" xmlns:p14="http://schemas.microsoft.com/office/powerpoint/2010/main">
+        <mc:Choice Requires="p14">
           <p:contentPart p14:bwMode="auto" r:id="rId3">
             <p14:nvContentPartPr>
               <p14:cNvPr id="54" name="Ink 53">
@@ -14592,7 +12187,7 @@
             </p14:xfrm>
           </p:contentPart>
         </mc:Choice>
-        <mc:Fallback>
+        <mc:Fallback xmlns="">
           <p:pic>
             <p:nvPicPr>
               <p:cNvPr id="54" name="Ink 53">
@@ -18072,8 +15667,8 @@
           </a:p>
         </p:txBody>
       </p:sp>
-      <mc:AlternateContent xmlns:mc="http://schemas.openxmlformats.org/markup-compatibility/2006">
-        <mc:Choice xmlns:p14="http://schemas.microsoft.com/office/powerpoint/2010/main" Requires="p14">
+      <mc:AlternateContent xmlns:mc="http://schemas.openxmlformats.org/markup-compatibility/2006" xmlns:p14="http://schemas.microsoft.com/office/powerpoint/2010/main">
+        <mc:Choice Requires="p14">
           <p:contentPart p14:bwMode="auto" r:id="rId3">
             <p14:nvContentPartPr>
               <p14:cNvPr id="379" name="Ink 378">
@@ -18092,7 +15687,7 @@
             </p14:xfrm>
           </p:contentPart>
         </mc:Choice>
-        <mc:Fallback>
+        <mc:Fallback xmlns="">
           <p:pic>
             <p:nvPicPr>
               <p:cNvPr id="379" name="Ink 378">
@@ -18188,7 +15783,7 @@
                 </a:solidFill>
                 <a:latin typeface="Patua One" pitchFamily="2" charset="0"/>
               </a:rPr>
-              <a:t>ROC and AUC</a:t>
+              <a:t>Regression Concept</a:t>
             </a:r>
           </a:p>
         </p:txBody>
@@ -18320,41 +15915,105 @@
       </p:cxnSp>
       <p:sp>
         <p:nvSpPr>
-          <p:cNvPr id="2" name="TextBox 1">
+          <p:cNvPr id="4" name="Content Placeholder 3">
             <a:extLst>
               <a:ext uri="{FF2B5EF4-FFF2-40B4-BE49-F238E27FC236}">
-                <a16:creationId xmlns:a16="http://schemas.microsoft.com/office/drawing/2014/main" id="{EA5A1026-75BF-44A7-A9CD-CF55A7B680D3}"/>
+                <a16:creationId xmlns:a16="http://schemas.microsoft.com/office/drawing/2014/main" id="{502FC43D-EFB6-4F3B-B176-68397577827F}"/>
               </a:ext>
             </a:extLst>
           </p:cNvPr>
-          <p:cNvSpPr txBox="1"/>
-          <p:nvPr/>
+          <p:cNvSpPr>
+            <a:spLocks noGrp="1"/>
+          </p:cNvSpPr>
+          <p:nvPr>
+            <p:ph sz="quarter" idx="13"/>
+          </p:nvPr>
         </p:nvSpPr>
         <p:spPr>
           <a:xfrm>
-            <a:off x="20515" y="835431"/>
-            <a:ext cx="12268200" cy="923330"/>
+            <a:off x="228600" y="933558"/>
+            <a:ext cx="11811001" cy="5628931"/>
           </a:xfrm>
-          <a:prstGeom prst="rect">
-            <a:avLst/>
-          </a:prstGeom>
-          <a:noFill/>
         </p:spPr>
         <p:txBody>
-          <a:bodyPr wrap="square" rtlCol="0">
-            <a:spAutoFit/>
-          </a:bodyPr>
+          <a:bodyPr/>
           <a:lstStyle/>
           <a:p>
             <a:r>
               <a:rPr lang="en-US" dirty="0"/>
-              <a:t>If we check our accuracy with different-different models (200), system will product 200 different matrixes, which are difficult for us to compare manually, so we rely on the ROC Curve, which is easy as compared to matrixes to compare.</a:t>
+              <a:t>If our machine learning scenario would like to predict the dependent variable which is of type continuous (number) we use regression scenario.</a:t>
             </a:r>
           </a:p>
           <a:p>
             <a:r>
               <a:rPr lang="en-US" dirty="0"/>
-              <a:t>ROC (Receiver Operating Characteristics – Plat between TPR v/s FPR)</a:t>
+              <a:t>There are 2 types of regression :-</a:t>
+            </a:r>
+          </a:p>
+          <a:p>
+            <a:r>
+              <a:rPr lang="en-US" dirty="0"/>
+              <a:t>Linear Regression – When my dependent variable is precisely dependent on one independent variable, we use linear regression.</a:t>
+            </a:r>
+          </a:p>
+          <a:p>
+            <a:r>
+              <a:rPr lang="en-US" dirty="0"/>
+              <a:t>Multi-regression – When my dependent variable is dependent on Multiple independent variables we can use multi-regression.</a:t>
+            </a:r>
+          </a:p>
+          <a:p>
+            <a:r>
+              <a:rPr lang="en-US" dirty="0" err="1"/>
+              <a:t>Eg.</a:t>
+            </a:r>
+            <a:r>
+              <a:rPr lang="en-US" dirty="0"/>
+              <a:t> Predict </a:t>
+            </a:r>
+            <a:r>
+              <a:rPr lang="en-US" b="1" dirty="0"/>
+              <a:t>house price </a:t>
+            </a:r>
+            <a:r>
+              <a:rPr lang="en-US" dirty="0"/>
+              <a:t>based on the different factors. </a:t>
+            </a:r>
+          </a:p>
+          <a:p>
+            <a:r>
+              <a:rPr lang="en-US" dirty="0"/>
+              <a:t>What will be the </a:t>
+            </a:r>
+            <a:r>
+              <a:rPr lang="en-US" b="1" dirty="0"/>
+              <a:t>% score </a:t>
+            </a:r>
+            <a:r>
+              <a:rPr lang="en-US" dirty="0"/>
+              <a:t>in exam depending on hours spent, book studied, practice papers tested.</a:t>
+            </a:r>
+          </a:p>
+          <a:p>
+            <a:r>
+              <a:rPr lang="en-US" dirty="0"/>
+              <a:t>What will be my </a:t>
+            </a:r>
+            <a:r>
+              <a:rPr lang="en-US" b="1" dirty="0"/>
+              <a:t>annual sales </a:t>
+            </a:r>
+            <a:r>
+              <a:rPr lang="en-US" dirty="0"/>
+              <a:t>depending on factors like employee, </a:t>
+            </a:r>
+            <a:r>
+              <a:rPr lang="en-US" dirty="0" err="1"/>
+              <a:t>cust</a:t>
+            </a:r>
+            <a:r>
+              <a:rPr lang="en-US" dirty="0"/>
+              <a:t>. Visits, leads,…</a:t>
             </a:r>
           </a:p>
         </p:txBody>
@@ -18362,7 +16021,7 @@
     </p:spTree>
     <p:extLst>
       <p:ext uri="{BB962C8B-B14F-4D97-AF65-F5344CB8AC3E}">
-        <p14:creationId xmlns:p14="http://schemas.microsoft.com/office/powerpoint/2010/main" val="2342871116"/>
+        <p14:creationId xmlns:p14="http://schemas.microsoft.com/office/powerpoint/2010/main" val="1700320375"/>
       </p:ext>
     </p:extLst>
   </p:cSld>
@@ -18415,18 +16074,17 @@
           <a:lstStyle/>
           <a:p>
             <a:r>
-              <a:rPr lang="en-US" dirty="0"/>
-              <a:t>Metrices</a:t>
-            </a:r>
-            <a:endParaRPr lang="en-IN" dirty="0">
-              <a:solidFill>
-                <a:schemeClr val="tx2">
-                  <a:lumMod val="60000"/>
-                  <a:lumOff val="40000"/>
-                </a:schemeClr>
-              </a:solidFill>
-              <a:latin typeface="Patua One" pitchFamily="2" charset="0"/>
-            </a:endParaRPr>
+              <a:rPr lang="en-IN" dirty="0">
+                <a:solidFill>
+                  <a:schemeClr val="tx2">
+                    <a:lumMod val="60000"/>
+                    <a:lumOff val="40000"/>
+                  </a:schemeClr>
+                </a:solidFill>
+                <a:latin typeface="Patua One" pitchFamily="2" charset="0"/>
+              </a:rPr>
+              <a:t>Model look like</a:t>
+            </a:r>
           </a:p>
         </p:txBody>
       </p:sp>
@@ -18555,12 +16213,90 @@
           </a:fontRef>
         </p:style>
       </p:cxnSp>
-      <p:sp>
-        <p:nvSpPr>
-          <p:cNvPr id="7" name="TextBox 6">
+      <p:cxnSp>
+        <p:nvCxnSpPr>
+          <p:cNvPr id="6" name="Straight Arrow Connector 5">
             <a:extLst>
               <a:ext uri="{FF2B5EF4-FFF2-40B4-BE49-F238E27FC236}">
-                <a16:creationId xmlns:a16="http://schemas.microsoft.com/office/drawing/2014/main" id="{EBC9EAA6-7E53-459A-8E4A-B343091BB47D}"/>
+                <a16:creationId xmlns:a16="http://schemas.microsoft.com/office/drawing/2014/main" id="{CF01A2FF-B0DF-4AEB-AF33-302BC4F25C73}"/>
+              </a:ext>
+            </a:extLst>
+          </p:cNvPr>
+          <p:cNvCxnSpPr/>
+          <p:nvPr/>
+        </p:nvCxnSpPr>
+        <p:spPr>
+          <a:xfrm flipV="1">
+            <a:off x="990600" y="1066800"/>
+            <a:ext cx="0" cy="2438400"/>
+          </a:xfrm>
+          <a:prstGeom prst="straightConnector1">
+            <a:avLst/>
+          </a:prstGeom>
+          <a:ln>
+            <a:tailEnd type="triangle"/>
+          </a:ln>
+        </p:spPr>
+        <p:style>
+          <a:lnRef idx="1">
+            <a:schemeClr val="accent1"/>
+          </a:lnRef>
+          <a:fillRef idx="0">
+            <a:schemeClr val="accent1"/>
+          </a:fillRef>
+          <a:effectRef idx="0">
+            <a:schemeClr val="accent1"/>
+          </a:effectRef>
+          <a:fontRef idx="minor">
+            <a:schemeClr val="tx1"/>
+          </a:fontRef>
+        </p:style>
+      </p:cxnSp>
+      <p:cxnSp>
+        <p:nvCxnSpPr>
+          <p:cNvPr id="8" name="Straight Arrow Connector 7">
+            <a:extLst>
+              <a:ext uri="{FF2B5EF4-FFF2-40B4-BE49-F238E27FC236}">
+                <a16:creationId xmlns:a16="http://schemas.microsoft.com/office/drawing/2014/main" id="{9B61A3DE-C4F1-48C9-9300-94CB16470B9B}"/>
+              </a:ext>
+            </a:extLst>
+          </p:cNvPr>
+          <p:cNvCxnSpPr/>
+          <p:nvPr/>
+        </p:nvCxnSpPr>
+        <p:spPr>
+          <a:xfrm>
+            <a:off x="914400" y="3429000"/>
+            <a:ext cx="3733800" cy="0"/>
+          </a:xfrm>
+          <a:prstGeom prst="straightConnector1">
+            <a:avLst/>
+          </a:prstGeom>
+          <a:ln>
+            <a:tailEnd type="triangle"/>
+          </a:ln>
+        </p:spPr>
+        <p:style>
+          <a:lnRef idx="1">
+            <a:schemeClr val="accent1"/>
+          </a:lnRef>
+          <a:fillRef idx="0">
+            <a:schemeClr val="accent1"/>
+          </a:fillRef>
+          <a:effectRef idx="0">
+            <a:schemeClr val="accent1"/>
+          </a:effectRef>
+          <a:fontRef idx="minor">
+            <a:schemeClr val="tx1"/>
+          </a:fontRef>
+        </p:style>
+      </p:cxnSp>
+      <p:sp>
+        <p:nvSpPr>
+          <p:cNvPr id="9" name="TextBox 8">
+            <a:extLst>
+              <a:ext uri="{FF2B5EF4-FFF2-40B4-BE49-F238E27FC236}">
+                <a16:creationId xmlns:a16="http://schemas.microsoft.com/office/drawing/2014/main" id="{BDA64FD3-E2EC-45B3-AFB7-FEC2F3CA548F}"/>
               </a:ext>
             </a:extLst>
           </p:cNvPr>
@@ -18569,8 +16305,8 @@
         </p:nvSpPr>
         <p:spPr>
           <a:xfrm>
-            <a:off x="136158" y="4604717"/>
-            <a:ext cx="11502394" cy="1877437"/>
+            <a:off x="1676401" y="3505200"/>
+            <a:ext cx="4190997" cy="369332"/>
           </a:xfrm>
           <a:prstGeom prst="rect">
             <a:avLst/>
@@ -18578,642 +16314,598 @@
           <a:noFill/>
         </p:spPr>
         <p:txBody>
-          <a:bodyPr wrap="square">
+          <a:bodyPr wrap="square" rtlCol="0">
             <a:spAutoFit/>
           </a:bodyPr>
           <a:lstStyle/>
           <a:p>
-            <a:pPr algn="l"/>
-            <a:r>
-              <a:rPr lang="en-US" b="1" dirty="0">
-                <a:solidFill>
-                  <a:srgbClr val="F1AC00"/>
-                </a:solidFill>
-                <a:latin typeface="Arial" panose="020B0604020202020204" pitchFamily="34" charset="0"/>
-              </a:rPr>
-              <a:t>Predictive power </a:t>
-            </a:r>
-            <a:r>
-              <a:rPr lang="en-US" b="1" dirty="0">
-                <a:solidFill>
-                  <a:srgbClr val="000000"/>
-                </a:solidFill>
-                <a:latin typeface="Arial" panose="020B0604020202020204" pitchFamily="34" charset="0"/>
-              </a:rPr>
-              <a:t>represents how close to the perfect model the model is (quality)</a:t>
-            </a:r>
-          </a:p>
-          <a:p>
-            <a:pPr algn="l"/>
-            <a:r>
-              <a:rPr lang="en-US" sz="1600" i="1" dirty="0">
-                <a:solidFill>
-                  <a:srgbClr val="000000"/>
-                </a:solidFill>
-                <a:latin typeface="Arial" panose="020B0604020202020204" pitchFamily="34" charset="0"/>
-              </a:rPr>
-              <a:t>Area between Validation and Random curves divided by the area between Perfect and Random curves = C/(A+B+C)</a:t>
-            </a:r>
-          </a:p>
-          <a:p>
-            <a:pPr algn="l"/>
-            <a:r>
-              <a:rPr lang="en-US" sz="1600" dirty="0">
-                <a:solidFill>
-                  <a:srgbClr val="000000"/>
-                </a:solidFill>
-                <a:latin typeface="Arial" panose="020B0604020202020204" pitchFamily="34" charset="0"/>
-              </a:rPr>
-              <a:t>= 0 </a:t>
-            </a:r>
-            <a:r>
-              <a:rPr lang="en-US" sz="1600" dirty="0">
-                <a:solidFill>
-                  <a:srgbClr val="000000"/>
-                </a:solidFill>
-                <a:latin typeface="Wingdings-Regular"/>
-              </a:rPr>
-              <a:t>➔ </a:t>
-            </a:r>
-            <a:r>
-              <a:rPr lang="en-US" sz="1600" dirty="0">
-                <a:solidFill>
-                  <a:srgbClr val="000000"/>
-                </a:solidFill>
-                <a:latin typeface="Arial" panose="020B0604020202020204" pitchFamily="34" charset="0"/>
-              </a:rPr>
-              <a:t>Bad quality &gt;= 0.98 </a:t>
-            </a:r>
-            <a:r>
-              <a:rPr lang="en-US" sz="1600" dirty="0">
-                <a:solidFill>
-                  <a:srgbClr val="000000"/>
-                </a:solidFill>
-                <a:latin typeface="Wingdings-Regular"/>
-              </a:rPr>
-              <a:t>➔ </a:t>
-            </a:r>
-            <a:r>
-              <a:rPr lang="en-US" sz="1600" dirty="0">
-                <a:solidFill>
-                  <a:srgbClr val="000000"/>
-                </a:solidFill>
-                <a:latin typeface="Arial" panose="020B0604020202020204" pitchFamily="34" charset="0"/>
-              </a:rPr>
-              <a:t>certainly dependent variables between 0.75 and 0.97 </a:t>
-            </a:r>
-            <a:r>
-              <a:rPr lang="en-US" sz="1600" dirty="0">
-                <a:solidFill>
-                  <a:srgbClr val="000000"/>
-                </a:solidFill>
-                <a:latin typeface="Wingdings-Regular"/>
-              </a:rPr>
-              <a:t>➔ </a:t>
-            </a:r>
-            <a:r>
-              <a:rPr lang="en-US" sz="1600" dirty="0">
-                <a:solidFill>
-                  <a:srgbClr val="000000"/>
-                </a:solidFill>
-                <a:latin typeface="Arial" panose="020B0604020202020204" pitchFamily="34" charset="0"/>
-              </a:rPr>
-              <a:t>quality acceptable</a:t>
-            </a:r>
-          </a:p>
-          <a:p>
-            <a:pPr algn="l"/>
-            <a:r>
-              <a:rPr lang="en-US" b="1" dirty="0">
-                <a:solidFill>
-                  <a:srgbClr val="F1AC00"/>
-                </a:solidFill>
-                <a:latin typeface="Arial" panose="020B0604020202020204" pitchFamily="34" charset="0"/>
-              </a:rPr>
-              <a:t>Prediction confidence </a:t>
-            </a:r>
-            <a:r>
-              <a:rPr lang="en-US" b="1" dirty="0">
-                <a:solidFill>
-                  <a:srgbClr val="000000"/>
-                </a:solidFill>
-                <a:latin typeface="Arial" panose="020B0604020202020204" pitchFamily="34" charset="0"/>
-              </a:rPr>
-              <a:t>expresses the ability to reproduce the same detection (robustness)</a:t>
-            </a:r>
-          </a:p>
-          <a:p>
-            <a:pPr algn="l"/>
-            <a:r>
-              <a:rPr lang="en-US" sz="1600" dirty="0">
-                <a:solidFill>
-                  <a:srgbClr val="000000"/>
-                </a:solidFill>
-                <a:latin typeface="Arial" panose="020B0604020202020204" pitchFamily="34" charset="0"/>
-              </a:rPr>
-              <a:t>You need a « validation sample » to estimate this KPI: it represents another view of the same population</a:t>
-            </a:r>
-          </a:p>
-          <a:p>
-            <a:pPr algn="l"/>
-            <a:r>
-              <a:rPr lang="en-US" sz="1600" i="1" dirty="0">
-                <a:solidFill>
-                  <a:srgbClr val="000000"/>
-                </a:solidFill>
-                <a:latin typeface="Arial" panose="020B0604020202020204" pitchFamily="34" charset="0"/>
-              </a:rPr>
-              <a:t>1 </a:t>
-            </a:r>
-            <a:r>
-              <a:rPr lang="en-US" sz="1600" i="1" dirty="0">
-                <a:solidFill>
-                  <a:srgbClr val="000000"/>
-                </a:solidFill>
-                <a:latin typeface="Arial-ItalicMT"/>
-              </a:rPr>
-              <a:t>– </a:t>
-            </a:r>
-            <a:r>
-              <a:rPr lang="en-US" sz="1600" i="1" dirty="0">
-                <a:solidFill>
-                  <a:srgbClr val="000000"/>
-                </a:solidFill>
-                <a:latin typeface="Arial" panose="020B0604020202020204" pitchFamily="34" charset="0"/>
-              </a:rPr>
-              <a:t>(area between Validation and Training) / (area between Perfect and Random) = </a:t>
-            </a:r>
-            <a:r>
-              <a:rPr lang="en-US" sz="1600" dirty="0">
-                <a:solidFill>
-                  <a:srgbClr val="000000"/>
-                </a:solidFill>
-                <a:latin typeface="Arial" panose="020B0604020202020204" pitchFamily="34" charset="0"/>
-              </a:rPr>
-              <a:t>1- B/(A+B+C)</a:t>
-            </a:r>
-          </a:p>
-          <a:p>
-            <a:pPr algn="l"/>
-            <a:r>
-              <a:rPr lang="en-US" sz="1600" dirty="0">
-                <a:solidFill>
-                  <a:srgbClr val="000000"/>
-                </a:solidFill>
-                <a:latin typeface="Arial" panose="020B0604020202020204" pitchFamily="34" charset="0"/>
-              </a:rPr>
-              <a:t>&gt;= 0.95 </a:t>
-            </a:r>
-            <a:r>
-              <a:rPr lang="en-US" sz="1600" dirty="0">
-                <a:solidFill>
-                  <a:srgbClr val="000000"/>
-                </a:solidFill>
-                <a:latin typeface="Wingdings-Regular"/>
-              </a:rPr>
-              <a:t>➔ </a:t>
-            </a:r>
-            <a:r>
-              <a:rPr lang="en-US" sz="1600" dirty="0">
-                <a:solidFill>
-                  <a:srgbClr val="000000"/>
-                </a:solidFill>
-                <a:latin typeface="Arial" panose="020B0604020202020204" pitchFamily="34" charset="0"/>
-              </a:rPr>
-              <a:t>good robustness</a:t>
-            </a:r>
-            <a:endParaRPr lang="en-US" sz="1600" dirty="0"/>
-          </a:p>
-        </p:txBody>
-      </p:sp>
-      <p:pic>
-        <p:nvPicPr>
-          <p:cNvPr id="3" name="Picture 2">
+            <a:r>
+              <a:rPr lang="en-US" dirty="0"/>
+              <a:t>X – independent variables</a:t>
+            </a:r>
+          </a:p>
+        </p:txBody>
+      </p:sp>
+      <p:sp>
+        <p:nvSpPr>
+          <p:cNvPr id="10" name="TextBox 9">
             <a:extLst>
               <a:ext uri="{FF2B5EF4-FFF2-40B4-BE49-F238E27FC236}">
-                <a16:creationId xmlns:a16="http://schemas.microsoft.com/office/drawing/2014/main" id="{8DA16462-4B75-4B35-B411-FBFFDFCF75F1}"/>
+                <a16:creationId xmlns:a16="http://schemas.microsoft.com/office/drawing/2014/main" id="{E43BB223-CAC2-478D-87E4-3A391CA5E821}"/>
               </a:ext>
             </a:extLst>
           </p:cNvPr>
-          <p:cNvPicPr>
-            <a:picLocks noChangeAspect="1"/>
-          </p:cNvPicPr>
+          <p:cNvSpPr txBox="1"/>
           <p:nvPr/>
-        </p:nvPicPr>
-        <p:blipFill>
-          <a:blip r:embed="rId3"/>
-          <a:stretch>
-            <a:fillRect/>
-          </a:stretch>
-        </p:blipFill>
+        </p:nvSpPr>
         <p:spPr>
           <a:xfrm>
-            <a:off x="7022359" y="1107240"/>
-            <a:ext cx="4640982" cy="3185436"/>
+            <a:off x="-762000" y="1600200"/>
+            <a:ext cx="1676381" cy="923330"/>
           </a:xfrm>
           <a:prstGeom prst="rect">
             <a:avLst/>
           </a:prstGeom>
+          <a:noFill/>
         </p:spPr>
-      </p:pic>
-      <p:graphicFrame>
-        <p:nvGraphicFramePr>
-          <p:cNvPr id="6" name="Table 5">
+        <p:txBody>
+          <a:bodyPr wrap="square" rtlCol="0">
+            <a:spAutoFit/>
+          </a:bodyPr>
+          <a:lstStyle/>
+          <a:p>
+            <a:r>
+              <a:rPr lang="en-US" dirty="0"/>
+              <a:t>Y dependent variable</a:t>
+            </a:r>
+          </a:p>
+          <a:p>
+            <a:r>
+              <a:rPr lang="en-US" dirty="0"/>
+              <a:t>(prediction)</a:t>
+            </a:r>
+          </a:p>
+        </p:txBody>
+      </p:sp>
+      <p:cxnSp>
+        <p:nvCxnSpPr>
+          <p:cNvPr id="239" name="Straight Arrow Connector 238">
             <a:extLst>
               <a:ext uri="{FF2B5EF4-FFF2-40B4-BE49-F238E27FC236}">
-                <a16:creationId xmlns:a16="http://schemas.microsoft.com/office/drawing/2014/main" id="{9B5001E8-0500-49F3-81B8-85B9EF9129EF}"/>
+                <a16:creationId xmlns:a16="http://schemas.microsoft.com/office/drawing/2014/main" id="{F0720F38-2977-4285-A495-BAF53BD6DF8B}"/>
               </a:ext>
             </a:extLst>
           </p:cNvPr>
-          <p:cNvGraphicFramePr>
-            <a:graphicFrameLocks noGrp="1"/>
-          </p:cNvGraphicFramePr>
+          <p:cNvCxnSpPr>
+            <a:cxnSpLocks/>
+          </p:cNvCxnSpPr>
           <p:nvPr/>
-        </p:nvGraphicFramePr>
-        <p:xfrm>
-          <a:off x="152400" y="1074703"/>
-          <a:ext cx="6629400" cy="2860862"/>
-        </p:xfrm>
-        <a:graphic>
-          <a:graphicData uri="http://schemas.openxmlformats.org/drawingml/2006/table">
-            <a:tbl>
-              <a:tblPr>
-                <a:tableStyleId>{5DA37D80-6434-44D0-A028-1B22A696006F}</a:tableStyleId>
-              </a:tblPr>
-              <a:tblGrid>
-                <a:gridCol w="1406585">
-                  <a:extLst>
-                    <a:ext uri="{9D8B030D-6E8A-4147-A177-3AD203B41FA5}">
-                      <a16:colId xmlns:a16="http://schemas.microsoft.com/office/drawing/2014/main" val="638649834"/>
-                    </a:ext>
-                  </a:extLst>
-                </a:gridCol>
-                <a:gridCol w="5222815">
-                  <a:extLst>
-                    <a:ext uri="{9D8B030D-6E8A-4147-A177-3AD203B41FA5}">
-                      <a16:colId xmlns:a16="http://schemas.microsoft.com/office/drawing/2014/main" val="1673970776"/>
-                    </a:ext>
-                  </a:extLst>
-                </a:gridCol>
-              </a:tblGrid>
-              <a:tr h="357112">
-                <a:tc>
-                  <a:txBody>
-                    <a:bodyPr/>
-                    <a:lstStyle/>
-                    <a:p>
-                      <a:pPr algn="just" rtl="0" fontAlgn="ctr"/>
-                      <a:r>
-                        <a:rPr lang="en-US" sz="1200" u="none" strike="noStrike" dirty="0">
-                          <a:effectLst/>
-                        </a:rPr>
-                        <a:t>Metrics</a:t>
-                      </a:r>
-                      <a:endParaRPr lang="en-US" sz="1200" b="0" i="0" u="none" strike="noStrike" dirty="0">
-                        <a:solidFill>
-                          <a:srgbClr val="000000"/>
-                        </a:solidFill>
-                        <a:effectLst/>
-                        <a:latin typeface="Arial" panose="020B0604020202020204" pitchFamily="34" charset="0"/>
-                      </a:endParaRPr>
-                    </a:p>
-                  </a:txBody>
-                  <a:tcPr marL="7620" marR="7620" marT="7620" marB="0" anchor="ctr">
-                    <a:solidFill>
-                      <a:schemeClr val="accent6">
-                        <a:lumMod val="60000"/>
-                        <a:lumOff val="40000"/>
-                      </a:schemeClr>
-                    </a:solidFill>
-                  </a:tcPr>
-                </a:tc>
-                <a:tc>
-                  <a:txBody>
-                    <a:bodyPr/>
-                    <a:lstStyle/>
-                    <a:p>
-                      <a:pPr algn="just" rtl="0" fontAlgn="ctr"/>
-                      <a:r>
-                        <a:rPr lang="en-US" sz="1200" u="none" strike="noStrike" dirty="0">
-                          <a:effectLst/>
-                        </a:rPr>
-                        <a:t>Definitions</a:t>
-                      </a:r>
-                      <a:endParaRPr lang="en-US" sz="1200" b="0" i="0" u="none" strike="noStrike" dirty="0">
-                        <a:solidFill>
-                          <a:srgbClr val="000000"/>
-                        </a:solidFill>
-                        <a:effectLst/>
-                        <a:latin typeface="Arial" panose="020B0604020202020204" pitchFamily="34" charset="0"/>
-                      </a:endParaRPr>
-                    </a:p>
-                  </a:txBody>
-                  <a:tcPr marL="7620" marR="7620" marT="7620" marB="0" anchor="ctr">
-                    <a:solidFill>
-                      <a:schemeClr val="accent6">
-                        <a:lumMod val="60000"/>
-                        <a:lumOff val="40000"/>
-                      </a:schemeClr>
-                    </a:solidFill>
-                  </a:tcPr>
-                </a:tc>
+        </p:nvCxnSpPr>
+        <p:spPr>
+          <a:xfrm flipV="1">
+            <a:off x="6172200" y="1066801"/>
+            <a:ext cx="0" cy="2353282"/>
+          </a:xfrm>
+          <a:prstGeom prst="straightConnector1">
+            <a:avLst/>
+          </a:prstGeom>
+          <a:ln>
+            <a:tailEnd type="triangle"/>
+          </a:ln>
+        </p:spPr>
+        <p:style>
+          <a:lnRef idx="1">
+            <a:schemeClr val="accent1"/>
+          </a:lnRef>
+          <a:fillRef idx="0">
+            <a:schemeClr val="accent1"/>
+          </a:fillRef>
+          <a:effectRef idx="0">
+            <a:schemeClr val="accent1"/>
+          </a:effectRef>
+          <a:fontRef idx="minor">
+            <a:schemeClr val="tx1"/>
+          </a:fontRef>
+        </p:style>
+      </p:cxnSp>
+      <p:cxnSp>
+        <p:nvCxnSpPr>
+          <p:cNvPr id="242" name="Straight Arrow Connector 241">
+            <a:extLst>
+              <a:ext uri="{FF2B5EF4-FFF2-40B4-BE49-F238E27FC236}">
+                <a16:creationId xmlns:a16="http://schemas.microsoft.com/office/drawing/2014/main" id="{CBC71256-C65E-4B3B-AAB9-C71CED6D1A2F}"/>
+              </a:ext>
+            </a:extLst>
+          </p:cNvPr>
+          <p:cNvCxnSpPr/>
+          <p:nvPr/>
+        </p:nvCxnSpPr>
+        <p:spPr>
+          <a:xfrm>
+            <a:off x="6019800" y="3227123"/>
+            <a:ext cx="3124200" cy="0"/>
+          </a:xfrm>
+          <a:prstGeom prst="straightConnector1">
+            <a:avLst/>
+          </a:prstGeom>
+          <a:ln>
+            <a:tailEnd type="triangle"/>
+          </a:ln>
+        </p:spPr>
+        <p:style>
+          <a:lnRef idx="1">
+            <a:schemeClr val="accent1"/>
+          </a:lnRef>
+          <a:fillRef idx="0">
+            <a:schemeClr val="accent1"/>
+          </a:fillRef>
+          <a:effectRef idx="0">
+            <a:schemeClr val="accent1"/>
+          </a:effectRef>
+          <a:fontRef idx="minor">
+            <a:schemeClr val="tx1"/>
+          </a:fontRef>
+        </p:style>
+      </p:cxnSp>
+      <p:cxnSp>
+        <p:nvCxnSpPr>
+          <p:cNvPr id="243" name="Straight Arrow Connector 242">
+            <a:extLst>
+              <a:ext uri="{FF2B5EF4-FFF2-40B4-BE49-F238E27FC236}">
+                <a16:creationId xmlns:a16="http://schemas.microsoft.com/office/drawing/2014/main" id="{880B6985-11BC-4A52-A744-32E56D7444C8}"/>
+              </a:ext>
+            </a:extLst>
+          </p:cNvPr>
+          <p:cNvCxnSpPr>
+            <a:cxnSpLocks/>
+          </p:cNvCxnSpPr>
+          <p:nvPr/>
+        </p:nvCxnSpPr>
+        <p:spPr>
+          <a:xfrm flipV="1">
+            <a:off x="9448800" y="1066801"/>
+            <a:ext cx="0" cy="2353282"/>
+          </a:xfrm>
+          <a:prstGeom prst="straightConnector1">
+            <a:avLst/>
+          </a:prstGeom>
+          <a:ln>
+            <a:tailEnd type="triangle"/>
+          </a:ln>
+        </p:spPr>
+        <p:style>
+          <a:lnRef idx="1">
+            <a:schemeClr val="accent1"/>
+          </a:lnRef>
+          <a:fillRef idx="0">
+            <a:schemeClr val="accent1"/>
+          </a:fillRef>
+          <a:effectRef idx="0">
+            <a:schemeClr val="accent1"/>
+          </a:effectRef>
+          <a:fontRef idx="minor">
+            <a:schemeClr val="tx1"/>
+          </a:fontRef>
+        </p:style>
+      </p:cxnSp>
+      <p:cxnSp>
+        <p:nvCxnSpPr>
+          <p:cNvPr id="244" name="Straight Arrow Connector 243">
+            <a:extLst>
+              <a:ext uri="{FF2B5EF4-FFF2-40B4-BE49-F238E27FC236}">
+                <a16:creationId xmlns:a16="http://schemas.microsoft.com/office/drawing/2014/main" id="{F7F097CF-B133-4469-B391-64956F09DE06}"/>
+              </a:ext>
+            </a:extLst>
+          </p:cNvPr>
+          <p:cNvCxnSpPr/>
+          <p:nvPr/>
+        </p:nvCxnSpPr>
+        <p:spPr>
+          <a:xfrm>
+            <a:off x="9296400" y="3227123"/>
+            <a:ext cx="3124200" cy="0"/>
+          </a:xfrm>
+          <a:prstGeom prst="straightConnector1">
+            <a:avLst/>
+          </a:prstGeom>
+          <a:ln>
+            <a:tailEnd type="triangle"/>
+          </a:ln>
+        </p:spPr>
+        <p:style>
+          <a:lnRef idx="1">
+            <a:schemeClr val="accent1"/>
+          </a:lnRef>
+          <a:fillRef idx="0">
+            <a:schemeClr val="accent1"/>
+          </a:fillRef>
+          <a:effectRef idx="0">
+            <a:schemeClr val="accent1"/>
+          </a:effectRef>
+          <a:fontRef idx="minor">
+            <a:schemeClr val="tx1"/>
+          </a:fontRef>
+        </p:style>
+      </p:cxnSp>
+      <p:sp>
+        <p:nvSpPr>
+          <p:cNvPr id="245" name="TextBox 244">
+            <a:extLst>
+              <a:ext uri="{FF2B5EF4-FFF2-40B4-BE49-F238E27FC236}">
+                <a16:creationId xmlns:a16="http://schemas.microsoft.com/office/drawing/2014/main" id="{1F835A76-63FD-4247-8962-A907E1E44270}"/>
+              </a:ext>
+            </a:extLst>
+          </p:cNvPr>
+          <p:cNvSpPr txBox="1"/>
+          <p:nvPr/>
+        </p:nvSpPr>
+        <p:spPr>
+          <a:xfrm>
+            <a:off x="7391400" y="3227123"/>
+            <a:ext cx="759324" cy="369332"/>
+          </a:xfrm>
+          <a:prstGeom prst="rect">
+            <a:avLst/>
+          </a:prstGeom>
+          <a:noFill/>
+        </p:spPr>
+        <p:txBody>
+          <a:bodyPr wrap="square" rtlCol="0">
+            <a:spAutoFit/>
+          </a:bodyPr>
+          <a:lstStyle/>
+          <a:p>
+            <a:r>
+              <a:rPr lang="en-US" dirty="0"/>
+              <a:t>x</a:t>
+            </a:r>
+          </a:p>
+        </p:txBody>
+      </p:sp>
+      <p:sp>
+        <p:nvSpPr>
+          <p:cNvPr id="246" name="TextBox 245">
+            <a:extLst>
+              <a:ext uri="{FF2B5EF4-FFF2-40B4-BE49-F238E27FC236}">
+                <a16:creationId xmlns:a16="http://schemas.microsoft.com/office/drawing/2014/main" id="{3E091CFA-6EB7-4CDF-B293-64AD0E79A570}"/>
+              </a:ext>
+            </a:extLst>
+          </p:cNvPr>
+          <p:cNvSpPr txBox="1"/>
+          <p:nvPr/>
+        </p:nvSpPr>
+        <p:spPr>
+          <a:xfrm>
+            <a:off x="5715001" y="1775963"/>
+            <a:ext cx="304791" cy="369332"/>
+          </a:xfrm>
+          <a:prstGeom prst="rect">
+            <a:avLst/>
+          </a:prstGeom>
+          <a:noFill/>
+        </p:spPr>
+        <p:txBody>
+          <a:bodyPr wrap="square" rtlCol="0">
+            <a:spAutoFit/>
+          </a:bodyPr>
+          <a:lstStyle/>
+          <a:p>
+            <a:r>
+              <a:rPr lang="en-US" dirty="0"/>
+              <a:t>y</a:t>
+            </a:r>
+          </a:p>
+        </p:txBody>
+      </p:sp>
+      <p:sp>
+        <p:nvSpPr>
+          <p:cNvPr id="248" name="TextBox 247">
+            <a:extLst>
+              <a:ext uri="{FF2B5EF4-FFF2-40B4-BE49-F238E27FC236}">
+                <a16:creationId xmlns:a16="http://schemas.microsoft.com/office/drawing/2014/main" id="{4805E5CC-D6EE-4F14-BB14-E8A278269E58}"/>
+              </a:ext>
+            </a:extLst>
+          </p:cNvPr>
+          <p:cNvSpPr txBox="1"/>
+          <p:nvPr/>
+        </p:nvSpPr>
+        <p:spPr>
+          <a:xfrm>
+            <a:off x="10696877" y="3148690"/>
+            <a:ext cx="759324" cy="369332"/>
+          </a:xfrm>
+          <a:prstGeom prst="rect">
+            <a:avLst/>
+          </a:prstGeom>
+          <a:noFill/>
+        </p:spPr>
+        <p:txBody>
+          <a:bodyPr wrap="square" rtlCol="0">
+            <a:spAutoFit/>
+          </a:bodyPr>
+          <a:lstStyle/>
+          <a:p>
+            <a:r>
+              <a:rPr lang="en-US" dirty="0"/>
+              <a:t>x</a:t>
+            </a:r>
+          </a:p>
+        </p:txBody>
+      </p:sp>
+      <p:sp>
+        <p:nvSpPr>
+          <p:cNvPr id="250" name="TextBox 249">
+            <a:extLst>
+              <a:ext uri="{FF2B5EF4-FFF2-40B4-BE49-F238E27FC236}">
+                <a16:creationId xmlns:a16="http://schemas.microsoft.com/office/drawing/2014/main" id="{F8673E91-B288-4167-AA31-BF62C56E5265}"/>
+              </a:ext>
+            </a:extLst>
+          </p:cNvPr>
+          <p:cNvSpPr txBox="1"/>
+          <p:nvPr/>
+        </p:nvSpPr>
+        <p:spPr>
+          <a:xfrm>
+            <a:off x="9020478" y="1697530"/>
+            <a:ext cx="304791" cy="369332"/>
+          </a:xfrm>
+          <a:prstGeom prst="rect">
+            <a:avLst/>
+          </a:prstGeom>
+          <a:noFill/>
+        </p:spPr>
+        <p:txBody>
+          <a:bodyPr wrap="square" rtlCol="0">
+            <a:spAutoFit/>
+          </a:bodyPr>
+          <a:lstStyle/>
+          <a:p>
+            <a:r>
+              <a:rPr lang="en-US" dirty="0"/>
+              <a:t>y</a:t>
+            </a:r>
+          </a:p>
+        </p:txBody>
+      </p:sp>
+      <mc:AlternateContent xmlns:mc="http://schemas.openxmlformats.org/markup-compatibility/2006" xmlns:p14="http://schemas.microsoft.com/office/powerpoint/2010/main">
+        <mc:Choice Requires="p14">
+          <p:contentPart p14:bwMode="auto" r:id="rId3">
+            <p14:nvContentPartPr>
+              <p14:cNvPr id="294" name="Ink 293">
                 <a:extLst>
-                  <a:ext uri="{0D108BD9-81ED-4DB2-BD59-A6C34878D82A}">
-                    <a16:rowId xmlns:a16="http://schemas.microsoft.com/office/drawing/2014/main" val="696909808"/>
+                  <a:ext uri="{FF2B5EF4-FFF2-40B4-BE49-F238E27FC236}">
+                    <a16:creationId xmlns:a16="http://schemas.microsoft.com/office/drawing/2014/main" id="{A0E873E2-AA67-4172-9697-675686346D76}"/>
                   </a:ext>
                 </a:extLst>
-              </a:tr>
-              <a:tr h="699939">
-                <a:tc>
-                  <a:txBody>
-                    <a:bodyPr/>
-                    <a:lstStyle/>
-                    <a:p>
-                      <a:pPr algn="l" rtl="0" fontAlgn="ctr"/>
-                      <a:r>
-                        <a:rPr lang="en-US" sz="1200" u="none" strike="noStrike" dirty="0">
-                          <a:effectLst/>
-                        </a:rPr>
-                        <a:t>Classification Rate</a:t>
-                      </a:r>
-                      <a:endParaRPr lang="en-US" sz="1200" b="0" i="0" u="none" strike="noStrike" dirty="0">
-                        <a:solidFill>
-                          <a:srgbClr val="000000"/>
-                        </a:solidFill>
-                        <a:effectLst/>
-                        <a:latin typeface="Arial" panose="020B0604020202020204" pitchFamily="34" charset="0"/>
-                      </a:endParaRPr>
-                    </a:p>
-                  </a:txBody>
-                  <a:tcPr marL="7620" marR="7620" marT="7620" marB="0" anchor="ctr"/>
-                </a:tc>
-                <a:tc>
-                  <a:txBody>
-                    <a:bodyPr/>
-                    <a:lstStyle/>
-                    <a:p>
-                      <a:pPr algn="l" rtl="0" fontAlgn="ctr"/>
-                      <a:r>
-                        <a:rPr lang="en-US" sz="1200" u="none" strike="noStrike" dirty="0">
-                          <a:effectLst/>
-                        </a:rPr>
-                        <a:t>Percentage of targets accurately classified by the model when applied on the validation data sets (TP+TN) / N  ~ also known as accuracy of model</a:t>
-                      </a:r>
-                      <a:endParaRPr lang="en-US" sz="1200" b="0" i="0" u="none" strike="noStrike" dirty="0">
-                        <a:solidFill>
-                          <a:srgbClr val="000000"/>
-                        </a:solidFill>
-                        <a:effectLst/>
-                        <a:latin typeface="Arial" panose="020B0604020202020204" pitchFamily="34" charset="0"/>
-                      </a:endParaRPr>
-                    </a:p>
-                  </a:txBody>
-                  <a:tcPr marL="7620" marR="7620" marT="7620" marB="0" anchor="ctr"/>
-                </a:tc>
+              </p14:cNvPr>
+              <p14:cNvContentPartPr/>
+              <p14:nvPr/>
+            </p14:nvContentPartPr>
+            <p14:xfrm>
+              <a:off x="6233313" y="3604763"/>
+              <a:ext cx="1666080" cy="319320"/>
+            </p14:xfrm>
+          </p:contentPart>
+        </mc:Choice>
+        <mc:Fallback xmlns="">
+          <p:pic>
+            <p:nvPicPr>
+              <p:cNvPr id="294" name="Ink 293">
                 <a:extLst>
-                  <a:ext uri="{0D108BD9-81ED-4DB2-BD59-A6C34878D82A}">
-                    <a16:rowId xmlns:a16="http://schemas.microsoft.com/office/drawing/2014/main" val="2507528534"/>
+                  <a:ext uri="{FF2B5EF4-FFF2-40B4-BE49-F238E27FC236}">
+                    <a16:creationId xmlns:a16="http://schemas.microsoft.com/office/drawing/2014/main" id="{A0E873E2-AA67-4172-9697-675686346D76}"/>
                   </a:ext>
                 </a:extLst>
-              </a:tr>
-              <a:tr h="357112">
-                <a:tc>
-                  <a:txBody>
-                    <a:bodyPr/>
-                    <a:lstStyle/>
-                    <a:p>
-                      <a:pPr algn="l" rtl="0" fontAlgn="ctr"/>
-                      <a:r>
-                        <a:rPr lang="en-US" sz="1200" u="none" strike="noStrike" dirty="0">
-                          <a:effectLst/>
-                        </a:rPr>
-                        <a:t>Sensitivity (TPR)</a:t>
-                      </a:r>
-                      <a:endParaRPr lang="en-US" sz="1200" b="0" i="0" u="none" strike="noStrike" dirty="0">
-                        <a:solidFill>
-                          <a:srgbClr val="4C5876"/>
-                        </a:solidFill>
-                        <a:effectLst/>
-                        <a:latin typeface="Arial" panose="020B0604020202020204" pitchFamily="34" charset="0"/>
-                      </a:endParaRPr>
-                    </a:p>
-                  </a:txBody>
-                  <a:tcPr marL="7620" marR="7620" marT="7620" marB="0" anchor="ctr"/>
-                </a:tc>
-                <a:tc>
-                  <a:txBody>
-                    <a:bodyPr/>
-                    <a:lstStyle/>
-                    <a:p>
-                      <a:pPr algn="l" rtl="0" fontAlgn="ctr"/>
-                      <a:r>
-                        <a:rPr lang="en-US" sz="1200" u="none" strike="noStrike" dirty="0">
-                          <a:effectLst/>
-                        </a:rPr>
-                        <a:t>Percentage of actual positive targets that have been correctly predicted. TP/(TP+FN)</a:t>
-                      </a:r>
-                      <a:endParaRPr lang="en-US" sz="1200" b="0" i="0" u="none" strike="noStrike" dirty="0">
-                        <a:solidFill>
-                          <a:srgbClr val="000000"/>
-                        </a:solidFill>
-                        <a:effectLst/>
-                        <a:latin typeface="Arial" panose="020B0604020202020204" pitchFamily="34" charset="0"/>
-                      </a:endParaRPr>
-                    </a:p>
-                  </a:txBody>
-                  <a:tcPr marL="7620" marR="7620" marT="7620" marB="0" anchor="ctr"/>
-                </a:tc>
+              </p:cNvPr>
+              <p:cNvPicPr/>
+              <p:nvPr/>
+            </p:nvPicPr>
+            <p:blipFill>
+              <a:blip r:embed="rId4"/>
+              <a:stretch>
+                <a:fillRect/>
+              </a:stretch>
+            </p:blipFill>
+            <p:spPr>
+              <a:xfrm>
+                <a:off x="6224313" y="3595763"/>
+                <a:ext cx="1683720" cy="336960"/>
+              </a:xfrm>
+              <a:prstGeom prst="rect">
+                <a:avLst/>
+              </a:prstGeom>
+            </p:spPr>
+          </p:pic>
+        </mc:Fallback>
+      </mc:AlternateContent>
+      <mc:AlternateContent xmlns:mc="http://schemas.openxmlformats.org/markup-compatibility/2006" xmlns:p14="http://schemas.microsoft.com/office/powerpoint/2010/main">
+        <mc:Choice Requires="p14">
+          <p:contentPart p14:bwMode="auto" r:id="rId5">
+            <p14:nvContentPartPr>
+              <p14:cNvPr id="295" name="Ink 294">
                 <a:extLst>
-                  <a:ext uri="{0D108BD9-81ED-4DB2-BD59-A6C34878D82A}">
-                    <a16:rowId xmlns:a16="http://schemas.microsoft.com/office/drawing/2014/main" val="1827169515"/>
+                  <a:ext uri="{FF2B5EF4-FFF2-40B4-BE49-F238E27FC236}">
+                    <a16:creationId xmlns:a16="http://schemas.microsoft.com/office/drawing/2014/main" id="{B8C82A7A-0B59-4DB9-A0FF-5DE17BE36A0E}"/>
                   </a:ext>
                 </a:extLst>
-              </a:tr>
-              <a:tr h="357112">
-                <a:tc>
-                  <a:txBody>
-                    <a:bodyPr/>
-                    <a:lstStyle/>
-                    <a:p>
-                      <a:pPr algn="l" rtl="0" fontAlgn="ctr"/>
-                      <a:r>
-                        <a:rPr lang="en-US" sz="1200" u="none" strike="noStrike" dirty="0">
-                          <a:effectLst/>
-                        </a:rPr>
-                        <a:t>Specificity (FPR)</a:t>
-                      </a:r>
-                      <a:endParaRPr lang="en-US" sz="1200" b="0" i="0" u="none" strike="noStrike" dirty="0">
-                        <a:solidFill>
-                          <a:srgbClr val="000000"/>
-                        </a:solidFill>
-                        <a:effectLst/>
-                        <a:latin typeface="Arial" panose="020B0604020202020204" pitchFamily="34" charset="0"/>
-                      </a:endParaRPr>
-                    </a:p>
-                  </a:txBody>
-                  <a:tcPr marL="7620" marR="7620" marT="7620" marB="0" anchor="ctr"/>
-                </a:tc>
-                <a:tc>
-                  <a:txBody>
-                    <a:bodyPr/>
-                    <a:lstStyle/>
-                    <a:p>
-                      <a:pPr algn="l" rtl="0" fontAlgn="ctr"/>
-                      <a:r>
-                        <a:rPr lang="en-US" sz="1200" u="none" strike="noStrike" dirty="0">
-                          <a:effectLst/>
-                        </a:rPr>
-                        <a:t>Percentage of negative targets that have been incorrectly detected as positive.</a:t>
-                      </a:r>
-                    </a:p>
-                    <a:p>
-                      <a:pPr algn="l" rtl="0" fontAlgn="ctr"/>
-                      <a:r>
-                        <a:rPr lang="en-US" sz="1200" b="0" i="0" u="none" strike="noStrike" dirty="0">
-                          <a:solidFill>
-                            <a:srgbClr val="000000"/>
-                          </a:solidFill>
-                          <a:effectLst/>
-                          <a:latin typeface="Arial" panose="020B0604020202020204" pitchFamily="34" charset="0"/>
-                        </a:rPr>
-                        <a:t>FP / (FP + TN)  = 1 - specificity</a:t>
-                      </a:r>
-                    </a:p>
-                  </a:txBody>
-                  <a:tcPr marL="7620" marR="7620" marT="7620" marB="0" anchor="ctr"/>
-                </a:tc>
+              </p14:cNvPr>
+              <p14:cNvContentPartPr/>
+              <p14:nvPr/>
+            </p14:nvContentPartPr>
+            <p14:xfrm>
+              <a:off x="9453153" y="3156563"/>
+              <a:ext cx="9360" cy="360"/>
+            </p14:xfrm>
+          </p:contentPart>
+        </mc:Choice>
+        <mc:Fallback xmlns="">
+          <p:pic>
+            <p:nvPicPr>
+              <p:cNvPr id="295" name="Ink 294">
                 <a:extLst>
-                  <a:ext uri="{0D108BD9-81ED-4DB2-BD59-A6C34878D82A}">
-                    <a16:rowId xmlns:a16="http://schemas.microsoft.com/office/drawing/2014/main" val="813864819"/>
+                  <a:ext uri="{FF2B5EF4-FFF2-40B4-BE49-F238E27FC236}">
+                    <a16:creationId xmlns:a16="http://schemas.microsoft.com/office/drawing/2014/main" id="{B8C82A7A-0B59-4DB9-A0FF-5DE17BE36A0E}"/>
                   </a:ext>
                 </a:extLst>
-              </a:tr>
-              <a:tr h="357112">
-                <a:tc>
-                  <a:txBody>
-                    <a:bodyPr/>
-                    <a:lstStyle/>
-                    <a:p>
-                      <a:pPr algn="l" rtl="0" fontAlgn="ctr"/>
-                      <a:r>
-                        <a:rPr lang="en-US" sz="1200" u="none" strike="noStrike" dirty="0">
-                          <a:effectLst/>
-                        </a:rPr>
-                        <a:t>Precision</a:t>
-                      </a:r>
-                      <a:endParaRPr lang="en-US" sz="1200" b="0" i="0" u="none" strike="noStrike" dirty="0">
-                        <a:solidFill>
-                          <a:srgbClr val="000000"/>
-                        </a:solidFill>
-                        <a:effectLst/>
-                        <a:latin typeface="Arial" panose="020B0604020202020204" pitchFamily="34" charset="0"/>
-                      </a:endParaRPr>
-                    </a:p>
-                  </a:txBody>
-                  <a:tcPr marL="7620" marR="7620" marT="7620" marB="0" anchor="ctr"/>
-                </a:tc>
-                <a:tc>
-                  <a:txBody>
-                    <a:bodyPr/>
-                    <a:lstStyle/>
-                    <a:p>
-                      <a:pPr algn="l" rtl="0" fontAlgn="ctr"/>
-                      <a:r>
-                        <a:rPr lang="en-US" sz="1200" u="none" strike="noStrike" dirty="0">
-                          <a:effectLst/>
-                        </a:rPr>
-                        <a:t>Percentage of predictive positive targets that are actually positive targets.</a:t>
-                      </a:r>
-                    </a:p>
-                    <a:p>
-                      <a:pPr algn="l" rtl="0" fontAlgn="ctr"/>
-                      <a:r>
-                        <a:rPr lang="en-US" sz="1200" b="0" i="0" u="none" strike="noStrike" dirty="0">
-                          <a:solidFill>
-                            <a:srgbClr val="000000"/>
-                          </a:solidFill>
-                          <a:effectLst/>
-                          <a:latin typeface="Arial" panose="020B0604020202020204" pitchFamily="34" charset="0"/>
-                        </a:rPr>
-                        <a:t>TP/(TP+FP)</a:t>
-                      </a:r>
-                    </a:p>
-                  </a:txBody>
-                  <a:tcPr marL="7620" marR="7620" marT="7620" marB="0" anchor="ctr"/>
-                </a:tc>
+              </p:cNvPr>
+              <p:cNvPicPr/>
+              <p:nvPr/>
+            </p:nvPicPr>
+            <p:blipFill>
+              <a:blip r:embed="rId6"/>
+              <a:stretch>
+                <a:fillRect/>
+              </a:stretch>
+            </p:blipFill>
+            <p:spPr>
+              <a:xfrm>
+                <a:off x="9444153" y="3147563"/>
+                <a:ext cx="27000" cy="18000"/>
+              </a:xfrm>
+              <a:prstGeom prst="rect">
+                <a:avLst/>
+              </a:prstGeom>
+            </p:spPr>
+          </p:pic>
+        </mc:Fallback>
+      </mc:AlternateContent>
+      <mc:AlternateContent xmlns:mc="http://schemas.openxmlformats.org/markup-compatibility/2006" xmlns:p14="http://schemas.microsoft.com/office/powerpoint/2010/main">
+        <mc:Choice Requires="p14">
+          <p:contentPart p14:bwMode="auto" r:id="rId7">
+            <p14:nvContentPartPr>
+              <p14:cNvPr id="356" name="Ink 355">
                 <a:extLst>
-                  <a:ext uri="{0D108BD9-81ED-4DB2-BD59-A6C34878D82A}">
-                    <a16:rowId xmlns:a16="http://schemas.microsoft.com/office/drawing/2014/main" val="1135056758"/>
+                  <a:ext uri="{FF2B5EF4-FFF2-40B4-BE49-F238E27FC236}">
+                    <a16:creationId xmlns:a16="http://schemas.microsoft.com/office/drawing/2014/main" id="{0C62523B-5440-41F0-9B72-2B51EBD2467A}"/>
                   </a:ext>
                 </a:extLst>
-              </a:tr>
-              <a:tr h="699939">
-                <a:tc>
-                  <a:txBody>
-                    <a:bodyPr/>
-                    <a:lstStyle/>
-                    <a:p>
-                      <a:pPr algn="l" rtl="0" fontAlgn="ctr"/>
-                      <a:r>
-                        <a:rPr lang="en-US" sz="1200" u="none" strike="noStrike" dirty="0">
-                          <a:effectLst/>
-                        </a:rPr>
-                        <a:t>FI score</a:t>
-                      </a:r>
-                      <a:endParaRPr lang="en-US" sz="1200" b="0" i="0" u="none" strike="noStrike" dirty="0">
-                        <a:solidFill>
-                          <a:srgbClr val="4C5876"/>
-                        </a:solidFill>
-                        <a:effectLst/>
-                        <a:latin typeface="Arial" panose="020B0604020202020204" pitchFamily="34" charset="0"/>
-                      </a:endParaRPr>
-                    </a:p>
-                  </a:txBody>
-                  <a:tcPr marL="7620" marR="7620" marT="7620" marB="0" anchor="ctr"/>
-                </a:tc>
-                <a:tc>
-                  <a:txBody>
-                    <a:bodyPr/>
-                    <a:lstStyle/>
-                    <a:p>
-                      <a:pPr algn="l" rtl="0" fontAlgn="ctr"/>
-                      <a:r>
-                        <a:rPr lang="en-US" sz="1200" u="none" strike="noStrike" dirty="0">
-                          <a:effectLst/>
-                        </a:rPr>
-                        <a:t>Harmonic mean of Precision and Recall (Recall and Precision are evenly weighted).</a:t>
-                      </a:r>
-                    </a:p>
-                    <a:p>
-                      <a:pPr algn="l" rtl="0" fontAlgn="ctr"/>
-                      <a:r>
-                        <a:rPr lang="en-US" sz="1200" b="0" i="0" u="none" strike="noStrike" dirty="0">
-                          <a:solidFill>
-                            <a:srgbClr val="000000"/>
-                          </a:solidFill>
-                          <a:effectLst/>
-                          <a:latin typeface="Arial" panose="020B0604020202020204" pitchFamily="34" charset="0"/>
-                        </a:rPr>
-                        <a:t>F1 = 2 (Precision X Recall) / (Precision + Recall)</a:t>
-                      </a:r>
-                    </a:p>
-                  </a:txBody>
-                  <a:tcPr marL="7620" marR="7620" marT="7620" marB="0" anchor="ctr"/>
-                </a:tc>
+              </p14:cNvPr>
+              <p14:cNvContentPartPr/>
+              <p14:nvPr/>
+            </p14:nvContentPartPr>
+            <p14:xfrm>
+              <a:off x="9681393" y="3532043"/>
+              <a:ext cx="1513080" cy="363240"/>
+            </p14:xfrm>
+          </p:contentPart>
+        </mc:Choice>
+        <mc:Fallback xmlns="">
+          <p:pic>
+            <p:nvPicPr>
+              <p:cNvPr id="356" name="Ink 355">
                 <a:extLst>
-                  <a:ext uri="{0D108BD9-81ED-4DB2-BD59-A6C34878D82A}">
-                    <a16:rowId xmlns:a16="http://schemas.microsoft.com/office/drawing/2014/main" val="1536725876"/>
+                  <a:ext uri="{FF2B5EF4-FFF2-40B4-BE49-F238E27FC236}">
+                    <a16:creationId xmlns:a16="http://schemas.microsoft.com/office/drawing/2014/main" id="{0C62523B-5440-41F0-9B72-2B51EBD2467A}"/>
                   </a:ext>
                 </a:extLst>
-              </a:tr>
-            </a:tbl>
-          </a:graphicData>
-        </a:graphic>
-      </p:graphicFrame>
+              </p:cNvPr>
+              <p:cNvPicPr/>
+              <p:nvPr/>
+            </p:nvPicPr>
+            <p:blipFill>
+              <a:blip r:embed="rId8"/>
+              <a:stretch>
+                <a:fillRect/>
+              </a:stretch>
+            </p:blipFill>
+            <p:spPr>
+              <a:xfrm>
+                <a:off x="9672393" y="3523043"/>
+                <a:ext cx="1530720" cy="380880"/>
+              </a:xfrm>
+              <a:prstGeom prst="rect">
+                <a:avLst/>
+              </a:prstGeom>
+            </p:spPr>
+          </p:pic>
+        </mc:Fallback>
+      </mc:AlternateContent>
+      <p:sp>
+        <p:nvSpPr>
+          <p:cNvPr id="357" name="TextBox 356">
+            <a:extLst>
+              <a:ext uri="{FF2B5EF4-FFF2-40B4-BE49-F238E27FC236}">
+                <a16:creationId xmlns:a16="http://schemas.microsoft.com/office/drawing/2014/main" id="{979641FD-FE59-486D-B556-67A15492CBF8}"/>
+              </a:ext>
+            </a:extLst>
+          </p:cNvPr>
+          <p:cNvSpPr txBox="1"/>
+          <p:nvPr/>
+        </p:nvSpPr>
+        <p:spPr>
+          <a:xfrm>
+            <a:off x="5867397" y="4114884"/>
+            <a:ext cx="3148768" cy="954107"/>
+          </a:xfrm>
+          <a:prstGeom prst="rect">
+            <a:avLst/>
+          </a:prstGeom>
+          <a:noFill/>
+        </p:spPr>
+        <p:txBody>
+          <a:bodyPr wrap="square" rtlCol="0">
+            <a:spAutoFit/>
+          </a:bodyPr>
+          <a:lstStyle/>
+          <a:p>
+            <a:r>
+              <a:rPr lang="en-US" sz="1400" b="1" dirty="0"/>
+              <a:t>When our model tries to cover most of the data points for each feature</a:t>
+            </a:r>
+          </a:p>
+          <a:p>
+            <a:r>
+              <a:rPr lang="en-US" sz="1400" b="1" dirty="0"/>
+              <a:t>When we provide too much of features to the model</a:t>
+            </a:r>
+          </a:p>
+        </p:txBody>
+      </p:sp>
+      <p:sp>
+        <p:nvSpPr>
+          <p:cNvPr id="359" name="TextBox 358">
+            <a:extLst>
+              <a:ext uri="{FF2B5EF4-FFF2-40B4-BE49-F238E27FC236}">
+                <a16:creationId xmlns:a16="http://schemas.microsoft.com/office/drawing/2014/main" id="{FD3DC332-35B3-4A6C-98A9-45182103DAA8}"/>
+              </a:ext>
+            </a:extLst>
+          </p:cNvPr>
+          <p:cNvSpPr txBox="1"/>
+          <p:nvPr/>
+        </p:nvSpPr>
+        <p:spPr>
+          <a:xfrm>
+            <a:off x="9122493" y="4101756"/>
+            <a:ext cx="3148768" cy="954107"/>
+          </a:xfrm>
+          <a:prstGeom prst="rect">
+            <a:avLst/>
+          </a:prstGeom>
+          <a:noFill/>
+        </p:spPr>
+        <p:txBody>
+          <a:bodyPr wrap="square" rtlCol="0">
+            <a:spAutoFit/>
+          </a:bodyPr>
+          <a:lstStyle/>
+          <a:p>
+            <a:r>
+              <a:rPr lang="en-US" sz="1400" b="1" dirty="0"/>
+              <a:t>When our model has nothing to do with features, and it does not cover any actual outcome</a:t>
+            </a:r>
+          </a:p>
+          <a:p>
+            <a:r>
+              <a:rPr lang="en-US" sz="1400" b="1" dirty="0"/>
+              <a:t>When we provide very less features</a:t>
+            </a:r>
+          </a:p>
+        </p:txBody>
+      </p:sp>
     </p:spTree>
     <p:extLst>
       <p:ext uri="{BB962C8B-B14F-4D97-AF65-F5344CB8AC3E}">
-        <p14:creationId xmlns:p14="http://schemas.microsoft.com/office/powerpoint/2010/main" val="2100094325"/>
+        <p14:creationId xmlns:p14="http://schemas.microsoft.com/office/powerpoint/2010/main" val="748130589"/>
       </p:ext>
     </p:extLst>
   </p:cSld>
@@ -19245,72 +16937,227 @@
       </p:grpSpPr>
       <p:sp>
         <p:nvSpPr>
-          <p:cNvPr id="2" name="Title 1">
+          <p:cNvPr id="11" name="Title 10"/>
+          <p:cNvSpPr>
+            <a:spLocks noGrp="1"/>
+          </p:cNvSpPr>
+          <p:nvPr>
+            <p:ph type="title"/>
+          </p:nvPr>
+        </p:nvSpPr>
+        <p:spPr>
+          <a:xfrm>
+            <a:off x="-20279" y="41354"/>
+            <a:ext cx="10969943" cy="711081"/>
+          </a:xfrm>
+        </p:spPr>
+        <p:txBody>
+          <a:bodyPr>
+            <a:noAutofit/>
+          </a:bodyPr>
+          <a:lstStyle/>
+          <a:p>
+            <a:r>
+              <a:rPr lang="en-IN" dirty="0">
+                <a:solidFill>
+                  <a:schemeClr val="tx2">
+                    <a:lumMod val="60000"/>
+                    <a:lumOff val="40000"/>
+                  </a:schemeClr>
+                </a:solidFill>
+                <a:latin typeface="Patua One" pitchFamily="2" charset="0"/>
+              </a:rPr>
+              <a:t>Matrices to check regression quality</a:t>
+            </a:r>
+          </a:p>
+        </p:txBody>
+      </p:sp>
+      <p:sp>
+        <p:nvSpPr>
+          <p:cNvPr id="37" name="TextBox 36">
             <a:extLst>
               <a:ext uri="{FF2B5EF4-FFF2-40B4-BE49-F238E27FC236}">
-                <a16:creationId xmlns:a16="http://schemas.microsoft.com/office/drawing/2014/main" id="{008DCE6C-AEFB-4AD6-9DFC-94F53FFB493B}"/>
+                <a16:creationId xmlns:a16="http://schemas.microsoft.com/office/drawing/2014/main" id="{E8CAC22F-1542-4031-BC6C-A16989886504}"/>
               </a:ext>
             </a:extLst>
           </p:cNvPr>
-          <p:cNvSpPr>
-            <a:spLocks noGrp="1"/>
-          </p:cNvSpPr>
-          <p:nvPr>
-            <p:ph type="title"/>
-          </p:nvPr>
+          <p:cNvSpPr txBox="1"/>
+          <p:nvPr/>
         </p:nvSpPr>
         <p:spPr>
           <a:xfrm>
-            <a:off x="152401" y="76201"/>
-            <a:ext cx="10969943" cy="711081"/>
+            <a:off x="4943872" y="6550224"/>
+            <a:ext cx="3456384" cy="307777"/>
           </a:xfrm>
+          <a:prstGeom prst="rect">
+            <a:avLst/>
+          </a:prstGeom>
+          <a:noFill/>
         </p:spPr>
         <p:txBody>
-          <a:bodyPr/>
-          <a:lstStyle/>
-          <a:p>
-            <a:r>
-              <a:rPr lang="en-US" dirty="0"/>
-              <a:t>Profit Simulation</a:t>
-            </a:r>
-          </a:p>
-        </p:txBody>
-      </p:sp>
-      <p:sp>
-        <p:nvSpPr>
-          <p:cNvPr id="3" name="Content Placeholder 2">
+          <a:bodyPr wrap="square" rtlCol="0">
+            <a:spAutoFit/>
+          </a:bodyPr>
+          <a:lstStyle/>
+          <a:p>
+            <a:pPr defTabSz="1218987">
+              <a:defRPr/>
+            </a:pPr>
+            <a:r>
+              <a:rPr lang="en-US" sz="1400" b="1" dirty="0">
+                <a:solidFill>
+                  <a:prstClr val="black"/>
+                </a:solidFill>
+                <a:latin typeface="Arial Rounded MT Bold" panose="020F0704030504030204" pitchFamily="34" charset="0"/>
+                <a:ea typeface="Arial Unicode MS" panose="020B0604020202020204" pitchFamily="34" charset="-128"/>
+                <a:cs typeface="Arial Unicode MS" panose="020B0604020202020204" pitchFamily="34" charset="-128"/>
+              </a:rPr>
+              <a:t>www.anubhavtrainings.com</a:t>
+            </a:r>
+            <a:endParaRPr lang="en-IN" sz="1400" b="1" dirty="0">
+              <a:solidFill>
+                <a:prstClr val="black"/>
+              </a:solidFill>
+              <a:latin typeface="Arial Rounded MT Bold" panose="020F0704030504030204" pitchFamily="34" charset="0"/>
+              <a:ea typeface="Arial Unicode MS" panose="020B0604020202020204" pitchFamily="34" charset="-128"/>
+              <a:cs typeface="Arial Unicode MS" panose="020B0604020202020204" pitchFamily="34" charset="-128"/>
+            </a:endParaRPr>
+          </a:p>
+        </p:txBody>
+      </p:sp>
+      <p:pic>
+        <p:nvPicPr>
+          <p:cNvPr id="40" name="Picture 39">
             <a:extLst>
               <a:ext uri="{FF2B5EF4-FFF2-40B4-BE49-F238E27FC236}">
-                <a16:creationId xmlns:a16="http://schemas.microsoft.com/office/drawing/2014/main" id="{7C159253-4E6E-4795-BEAB-DE1DA868368F}"/>
+                <a16:creationId xmlns:a16="http://schemas.microsoft.com/office/drawing/2014/main" id="{DA60E6FB-8C44-4FEB-B6E9-83DA908565CD}"/>
               </a:ext>
             </a:extLst>
           </p:cNvPr>
-          <p:cNvSpPr>
-            <a:spLocks noGrp="1"/>
-          </p:cNvSpPr>
-          <p:nvPr>
-            <p:ph sz="quarter" idx="13"/>
-          </p:nvPr>
-        </p:nvSpPr>
+          <p:cNvPicPr>
+            <a:picLocks noChangeAspect="1"/>
+          </p:cNvPicPr>
+          <p:nvPr/>
+        </p:nvPicPr>
+        <p:blipFill>
+          <a:blip r:embed="rId2">
+            <a:extLst>
+              <a:ext uri="{28A0092B-C50C-407E-A947-70E740481C1C}">
+                <a14:useLocalDpi xmlns:a14="http://schemas.microsoft.com/office/drawing/2010/main" val="0"/>
+              </a:ext>
+            </a:extLst>
+          </a:blip>
+          <a:stretch>
+            <a:fillRect/>
+          </a:stretch>
+        </p:blipFill>
         <p:spPr>
           <a:xfrm>
-            <a:off x="183124" y="685800"/>
-            <a:ext cx="10972800" cy="1143000"/>
+            <a:off x="9624393" y="106009"/>
+            <a:ext cx="2335203" cy="762895"/>
           </a:xfrm>
+          <a:prstGeom prst="rect">
+            <a:avLst/>
+          </a:prstGeom>
         </p:spPr>
-        <p:txBody>
-          <a:bodyPr/>
-          <a:lstStyle/>
-          <a:p>
-            <a:r>
-              <a:rPr lang="en-US" dirty="0"/>
-              <a:t>Classification Rate &gt; 0.75 ~ 0.95 – Good Model</a:t>
-            </a:r>
-          </a:p>
-          <a:p>
-            <a:r>
-              <a:rPr lang="en-US" dirty="0"/>
-              <a:t>Confidence &gt; 0.90</a:t>
+      </p:pic>
+      <p:cxnSp>
+        <p:nvCxnSpPr>
+          <p:cNvPr id="41" name="Straight Connector 40">
+            <a:extLst>
+              <a:ext uri="{FF2B5EF4-FFF2-40B4-BE49-F238E27FC236}">
+                <a16:creationId xmlns:a16="http://schemas.microsoft.com/office/drawing/2014/main" id="{3B3B7D73-CAE9-45AC-ACCE-FAEF4E505C7A}"/>
+              </a:ext>
+            </a:extLst>
+          </p:cNvPr>
+          <p:cNvCxnSpPr/>
+          <p:nvPr/>
+        </p:nvCxnSpPr>
+        <p:spPr>
+          <a:xfrm>
+            <a:off x="1588" y="764704"/>
+            <a:ext cx="6479584" cy="0"/>
+          </a:xfrm>
+          <a:prstGeom prst="line">
+            <a:avLst/>
+          </a:prstGeom>
+        </p:spPr>
+        <p:style>
+          <a:lnRef idx="2">
+            <a:schemeClr val="accent6"/>
+          </a:lnRef>
+          <a:fillRef idx="0">
+            <a:schemeClr val="accent6"/>
+          </a:fillRef>
+          <a:effectRef idx="1">
+            <a:schemeClr val="accent6"/>
+          </a:effectRef>
+          <a:fontRef idx="minor">
+            <a:schemeClr val="tx1"/>
+          </a:fontRef>
+        </p:style>
+      </p:cxnSp>
+      <p:pic>
+        <p:nvPicPr>
+          <p:cNvPr id="2" name="Picture 1">
+            <a:extLst>
+              <a:ext uri="{FF2B5EF4-FFF2-40B4-BE49-F238E27FC236}">
+                <a16:creationId xmlns:a16="http://schemas.microsoft.com/office/drawing/2014/main" id="{BE3A0870-F741-4A04-933F-6678A44A8D7A}"/>
+              </a:ext>
+            </a:extLst>
+          </p:cNvPr>
+          <p:cNvPicPr>
+            <a:picLocks noChangeAspect="1"/>
+          </p:cNvPicPr>
+          <p:nvPr/>
+        </p:nvPicPr>
+        <p:blipFill>
+          <a:blip r:embed="rId3"/>
+          <a:stretch>
+            <a:fillRect/>
+          </a:stretch>
+        </p:blipFill>
+        <p:spPr>
+          <a:xfrm>
+            <a:off x="263352" y="1102433"/>
+            <a:ext cx="4824536" cy="5318679"/>
+          </a:xfrm>
+          <a:prstGeom prst="rect">
+            <a:avLst/>
+          </a:prstGeom>
+        </p:spPr>
+      </p:pic>
+      <p:sp>
+        <p:nvSpPr>
+          <p:cNvPr id="3" name="TextBox 2">
+            <a:extLst>
+              <a:ext uri="{FF2B5EF4-FFF2-40B4-BE49-F238E27FC236}">
+                <a16:creationId xmlns:a16="http://schemas.microsoft.com/office/drawing/2014/main" id="{2FDE069B-C593-4FF4-8BE8-B8FBBD17AB9F}"/>
+              </a:ext>
+            </a:extLst>
+          </p:cNvPr>
+          <p:cNvSpPr txBox="1"/>
+          <p:nvPr/>
+        </p:nvSpPr>
+        <p:spPr>
+          <a:xfrm>
+            <a:off x="5113145" y="938408"/>
+            <a:ext cx="6670849" cy="646331"/>
+          </a:xfrm>
+          <a:prstGeom prst="rect">
+            <a:avLst/>
+          </a:prstGeom>
+          <a:noFill/>
+        </p:spPr>
+        <p:txBody>
+          <a:bodyPr wrap="square" rtlCol="0">
+            <a:spAutoFit/>
+          </a:bodyPr>
+          <a:lstStyle/>
+          <a:p>
+            <a:r>
+              <a:rPr lang="en-US" b="1" dirty="0"/>
+              <a:t>How far our actual values are from predicted values. – Residual / deviation</a:t>
             </a:r>
           </a:p>
         </p:txBody>
@@ -19318,13 +17165,16 @@
     </p:spTree>
     <p:extLst>
       <p:ext uri="{BB962C8B-B14F-4D97-AF65-F5344CB8AC3E}">
-        <p14:creationId xmlns:p14="http://schemas.microsoft.com/office/powerpoint/2010/main" val="1291560190"/>
+        <p14:creationId xmlns:p14="http://schemas.microsoft.com/office/powerpoint/2010/main" val="3942472168"/>
       </p:ext>
     </p:extLst>
   </p:cSld>
   <p:clrMapOvr>
     <a:masterClrMapping/>
   </p:clrMapOvr>
+  <p:transition spd="slow">
+    <p:push dir="u"/>
+  </p:transition>
 </p:sld>
 </file>
 

--- a/day 8/SAC_Training Day 8.pptx
+++ b/day 8/SAC_Training Day 8.pptx
@@ -6,7 +6,7 @@
     <p:sldMasterId id="2147483660" r:id="rId2"/>
   </p:sldMasterIdLst>
   <p:notesMasterIdLst>
-    <p:notesMasterId r:id="rId17"/>
+    <p:notesMasterId r:id="rId20"/>
   </p:notesMasterIdLst>
   <p:sldIdLst>
     <p:sldId id="256" r:id="rId3"/>
@@ -15,14 +15,17 @@
     <p:sldId id="455" r:id="rId6"/>
     <p:sldId id="483" r:id="rId7"/>
     <p:sldId id="457" r:id="rId8"/>
-    <p:sldId id="390" r:id="rId9"/>
-    <p:sldId id="498" r:id="rId10"/>
-    <p:sldId id="391" r:id="rId11"/>
-    <p:sldId id="392" r:id="rId12"/>
-    <p:sldId id="462" r:id="rId13"/>
-    <p:sldId id="475" r:id="rId14"/>
-    <p:sldId id="399" r:id="rId15"/>
-    <p:sldId id="409" r:id="rId16"/>
+    <p:sldId id="459" r:id="rId9"/>
+    <p:sldId id="458" r:id="rId10"/>
+    <p:sldId id="484" r:id="rId11"/>
+    <p:sldId id="390" r:id="rId12"/>
+    <p:sldId id="498" r:id="rId13"/>
+    <p:sldId id="391" r:id="rId14"/>
+    <p:sldId id="392" r:id="rId15"/>
+    <p:sldId id="462" r:id="rId16"/>
+    <p:sldId id="475" r:id="rId17"/>
+    <p:sldId id="399" r:id="rId18"/>
+    <p:sldId id="409" r:id="rId19"/>
   </p:sldIdLst>
   <p:sldSz cx="12192000" cy="6858000"/>
   <p:notesSz cx="6858000" cy="9144000"/>
@@ -158,6 +161,361 @@
 </inkml:ink>
 </file>
 
+<file path=ppt/ink/ink10.xml><?xml version="1.0" encoding="utf-8"?>
+<inkml:ink xmlns:inkml="http://www.w3.org/2003/InkML">
+  <inkml:definitions>
+    <inkml:context xml:id="ctx0">
+      <inkml:inkSource xml:id="inkSrc0">
+        <inkml:traceFormat>
+          <inkml:channel name="X" type="integer" max="1920" units="cm"/>
+          <inkml:channel name="Y" type="integer" max="1080" units="cm"/>
+          <inkml:channel name="T" type="integer" max="2.14748E9" units="dev"/>
+        </inkml:traceFormat>
+        <inkml:channelProperties>
+          <inkml:channelProperty channel="X" name="resolution" value="55.81395" units="1/cm"/>
+          <inkml:channelProperty channel="Y" name="resolution" value="55.6701" units="1/cm"/>
+          <inkml:channelProperty channel="T" name="resolution" value="1" units="1/dev"/>
+        </inkml:channelProperties>
+      </inkml:inkSource>
+      <inkml:timestamp xml:id="ts0" timeString="2020-10-18T02:46:14.650"/>
+    </inkml:context>
+    <inkml:brush xml:id="br0">
+      <inkml:brushProperty name="width" value="0.05" units="cm"/>
+      <inkml:brushProperty name="height" value="0.05" units="cm"/>
+      <inkml:brushProperty name="fitToCurve" value="1"/>
+    </inkml:brush>
+  </inkml:definitions>
+  <inkml:trace contextRef="#ctx0" brushRef="#br0">332 367 0,'0'-25'0,"24"25"16,1 0 0,-25-24 46,24-1-31,-24 1 1,0-1-1,-24 25-15,-1 0-16,1 0 15,0 0-15,-1 0 16,1 0-16,-1 0 0,1 0 15,0 0-15,-1 0 16,1 0-16,-1 25 16,1-25-1,24 24 1,-25-24-16,25 25 0,-24-25 16,24 24-16,-24 1 15,24-1-15,0 0 16,0 1-16,0-1 0,24 1 15,-24-1-15,24-24 16,1 25-16,-1-1 16,1-24-16,-1 0 0,1 0 15,-1 0 1,0-24-16,-24-1 0,25 25 16,-1-24-16,-24-1 15,0 1-15,25-1 0,-25 1 16,24 0-16,-24-1 15,0 1 1,24 48 31,-24 1-31,0-1-1,0 0-15,0 25 0,0-24 16,0-1-16,0 1 15,0 23-15,0-23 0,0 24 16,0-25-16,0 0 0,0 25 16,-24-24-16,24-1 15,0 1-15,0-1 0,0 0 16,-24 1-16,24-1 0,0 1 16,-25-25-1,1 0 1,-1 0-1,1-25-15,0 25 0,-1 0 16,1-24-16,-1 24 16,1 0-16,-1 0 0,1 0 15,0 0-15,-1 0 16,50 0 15,-1 0-15</inkml:trace>
+  <inkml:trace contextRef="#ctx0" brushRef="#br0" timeOffset="894">869 391 0,'0'-24'32,"0"-1"-1,0 1-31,-24 24 16,24-25-1,-24 25-15,-1 0 16,1 0-16,-1 0 15,1 0-15,-1 25 16,1-25-16,0 0 0,-1 24 16,1 1-16,-1-1 15,1-24-15,24 24 16,0 1-16,0-1 16,24 1-1,1-25-15,-1 0 0,1 24 16,-1-24-16,0 0 0,1 0 15,-1 0-15,1 0 16,-1-24-16,1 24 16,-25-25-16,0 1 15,24 24-15,-24-25 0,0 1 16,0 0-16,0 48 62,0 0-62,0 1 16,0-1-16,0 1 0,0 24 16,0-25-16,0 25 15,24 0-15,-24-25 0,0 25 16,25 0-16,-25-25 16,0 25-16,0-25 0,0 25 15,0-24-15,0-1 0,0 1 16,0-1-1,-25-24-15,1 0 16,0 0-16,-1 0 16,-24-24-16,25 24 15,-1 0-15,1-25 0,0 25 16,-1-24-16,1 24 16,-1-25-16,1 25 0,24-24 31,24 24-16,1 0 1</inkml:trace>
+  <inkml:trace contextRef="#ctx0" brushRef="#br0" timeOffset="1459">1260 513 0,'0'-24'31,"-24"-1"-31,24 1 16,-25 24-1,25-25 1,0 1 0,0 0-16,25 24 15,-1 0-15,1-25 16,-1 25-16,0 0 0,1 0 16,-1 0-16,1 0 15,-1 25-15,1-25 0,-25 24 16,0 0-16,0 1 0,0-1 15,0 1-15,-25 24 16,1-25-16,-1 0 0,1 25 16,-25-24-16,25-1 15,-1 1-15,1-1 0,-1-24 16,1 24-16,-1-24 16,25 25-16,25-25 31,-1 0-16,1 0-15,-1 0 0,25 24 16,0-24-16,-25 0 16,25 0-16,0 0 0,0 0 15,-25-24-15,1 24 0,-1 0 16,1 0-16</inkml:trace>
+  <inkml:trace contextRef="#ctx0" brushRef="#br0" timeOffset="1846">2115 220 0,'-24'0'16,"24"-24"-16,0-1 16,-25 25-1,25 25 1,25-1-1,-25 0-15,0 1 16,24 24-16,-24-25 0,0 25 16,24 24-16,-24-24 0,25 0 15,-25 0-15,0 0 16,0 0-16,24-1 0,-24-23 16,0 24-16</inkml:trace>
+  <inkml:trace contextRef="#ctx0" brushRef="#br0" timeOffset="2364">2042 586 0,'-25'-24'0,"1"24"16,-1-24-1,50 24 1,-25-25-16,24 25 15,1 0-15,-1 0 16,25 0-16,-25 0 0,25-24 16,0 24-16,-24 0 15,23 0-15,1 0 0,-24-25 16,-1 25-16,-48 0 47,24 25-47,-25-25 15,25 24-15,-24-24 0,24 25 16,0-1-16,-25 0 0,25 1 16,0-1-16,0 1 15,25-1-15,-1 25 0,1-49 16,-1 24-16,0 1 0,1-25 16,-1 24-16,25-24 15,-24 0-15,-1-24 0,0 24 16,1-25-16,-1 25 15,-24-24-15,25-1 0,-25-23 16,0 23-16,-25 1 16,1-1-16,-1 1 0,1 0 15,0-1-15,-25 25 0,24-24 16,-24 24-16,25 0 16,0 0-16,-1 0 0,25 24 15</inkml:trace>
+  <inkml:trace contextRef="#ctx0" brushRef="#br0" timeOffset="2948">2921 172 0,'-25'-24'16,"25"-1"-16,-24 25 0,24-24 15,0-1-15,-24 25 16,24 25 0,0-1-1,0 1-15,0-1 0,0 1 16,0 23-16,24 1 0,-24 0 15,0 0-15,24 24 16,-24-24-16,0 0 0,0 0 16,0 0-16,0-25 15,25 1-15,-25-1 0,0 0 16,0-48 15,0 0-15,0-1-16,24 1 15,-24-1-15,0 1 0,25-1 16,-1 1-16,-24 0 0,25-1 16,-1 1-16,0 24 15,1 0-15,-1 0 0,1 0 16,-1 0-16,1 24 16,-1 1-16,0-1 0,1 0 15,-25 1-15,24 24 0,-24-25 16,0 1-16,0-1 15,-24 0-15,24 1 0,-25-25 16,1 24-16,0-24 0,-1 0 31,1 0-31,-1 0 0,1-24 0,-1-1 16</inkml:trace>
+  <inkml:trace contextRef="#ctx0" brushRef="#br0" timeOffset="3389">3409 489 0,'-24'0'16,"48"0"15,1 24-16,-1-24-15,1 0 0,-25 25 16,24-25-16,1 0 16,-1 0-16,0 0 15,1 0 1,-25-25-16,24 1 16,-24-1-16,0 1 15,-24-1 1,24 1-16,-25 0 0,1 24 15,0-25-15,-1 25 0,1-24 16,-25 24-16,24 24 16,1-24-16,0 25 0,-1 23 15,25-23-15,0 24 16,0 0-16,0-25 0,25 25 16,-1 0-16,0-25 15,1 25-15,-1-25 0,1-24 16,-1 25-16,1-25 0,-1 0 15,0 0-15</inkml:trace>
+  <inkml:trace contextRef="#ctx0" brushRef="#br0" timeOffset="3845">4289 391 0,'-25'0'15,"25"-24"-15,-24-1 32,24 1-17,-25 24-15,1-25 16,0 25-16,-1 0 16,1 0-16,-1 25 0,1-1 15,-1 1-15,1-1 0,0 0 16,-1 1-16,1-1 15,24 25-15,-25-24 0,25 23 16,0-23-16,0 24 16,25-25-16,-25 1 0,24-1 15,1 0-15,23 1 0,-23-1 16,24-24-16,0 0 16,-1 0-16,1 0 0</inkml:trace>
+  <inkml:trace contextRef="#ctx0" brushRef="#br0" timeOffset="4692">4631 391 0,'-25'-24'0,"1"24"16,-1 0-16,1 24 15,-1-24-15,1 24 16,0 1-16,24-1 0,-25 1 15,1 24-15,24-25 16,0 25-16,0 0 0,0-25 16,0 25-16,24-25 0,1 1 15,-1-1-15,0 1 16,1-25-16,-1 24 0,25-24 16,-24 0-16,23 0 15,-23-24-15,-1-1 0,1 25 16,-1-24-16,0-25 0,1 25 15,-25-1-15,0-24 16,0 0-16,0 25 0,0-25 16,-25 0-16,1 25 15,0-1-15,-1 1 0,-24 0 16,25 24-16,0 0 0,-1 0 16,1 24-16,-1 0 15,1 1-15,24 24 16,0-25-16,0 1 0,0-1 15,0 0-15,0 1 16,24-1-16,-24 1 0,25-25 16,-1 24-16,1-24 15,-1 25-15,0-25 0,1 0 16,-1-25-16,1 1 16,-1-1-1,-24 1-15,24-1 0,-24 1 16,25-25-16,-1 25 15,-24-1-15,25 1 0,-1-1 16,1 25 0,-1 0-16,-24 25 15,24-1-15,-24 1 16,0-1-16,25 1 16,-25-1-16,0 0 0,24 1 15,-24-1-15,25-24 0,-25 25 16,0-50 15,24 25-15,-24-24-16,25-1 15,-1 1-15,0 0 0,1-1 16,-1 1-16,1-1 16,-1 1-16,1 24 0,-1 0 15,-24 24 1,0 25-16,0-24 15,0 23-15,0-23 0,0 24 16,0-25-16,0 1 16,24-1-16,-24 0 0,25 1 15</inkml:trace>
+  <inkml:trace contextRef="#ctx0" brushRef="#br0" timeOffset="4946">5388 171 0,'-25'-24'0,"25"-1"16,25 25 0,-1 0-1,-24 25-15,0-1 0,25 25 16,-1 0-16,-24-25 0,0 25 15,24 0-15,1 0 16,-25 0-16,24 0 0,-24-1 16,0 1-16,25-24 0,-25-1 15,0 0-15,0 1 16</inkml:trace>
+  <inkml:trace contextRef="#ctx0" brushRef="#br0" timeOffset="5536">5461 464 0,'-25'-24'15,"1"-1"-15,48 25 47,1 0-47,-1 0 0,1 0 16,24 0-16,-1 0 15,1 0-15,0 0 0,0-24 16,0 24-16,0 0 0,0 0 16,-25-24-16,25 24 15,-25-25-15,1 1 16,-25-1 0,-25 25-1,1-24-15,-1 24 16,1 0-16,0 0 15,-1 24-15,1 1 0,-1-1 16,1 1-16,-1-1 16,25 25-16,-24-25 0,24 25 15,0-24-15,0-1 0,0 25 16,0-25-16,0 1 16,24-25-16,-24 24 0,25-24 15,-1 0-15,1 0 16,-1 0-16,1-24 15,-1-1-15,-24 1 16,0-1-16,24 1 16,-24 0-16,0-25 0,0 24 15,25 1-15,-25-1 16,24 1-16,-24 48 16,0 1-1,0 24-15,0-25 16,0 25-16,0-25 0,0 25 15,0-24-15,25-1 16,-25 1-16,24-1 0</inkml:trace>
+  <inkml:trace contextRef="#ctx0" brushRef="#br0" timeOffset="5880">6462 513 0,'-24'0'0,"24"-24"16,-25 24-16,25-25 0,-24 25 15,24-24-15,-24 24 16,24-25-16,0 1 0,-25 24 16,25-24-16,0-1 15,-24 1-15,-1 24 16,1 0-16,-1 0 15,1 24-15,24 25 16,-24-25-16,24 1 0,-25-1 16,25 25-16,0-24 15,0 23-15,0-23 0,0-1 16,0 1-16,25-1 0,-1 0 16,0 1-16,1-25 15,24 24-15,-25-24 16,25 0-16,0-24 0,-25 24 15</inkml:trace>
+  <inkml:trace contextRef="#ctx0" brushRef="#br0" timeOffset="6096">6609 318 0,'0'-74'16,"-25"26"-16,25-1 16,-24 0-16,24 24 0,0 1 15,-24 0-15,24 48 31,0 0-31,0 25 0,0 0 16,0 24-16,0-24 0,0 25 16,0-26-16,0 26 15,24-25-15,-24-1 0,24 1 16,-24 0-16,25-24 16,-1-1-16</inkml:trace>
+  <inkml:trace contextRef="#ctx0" brushRef="#br0" timeOffset="6287">6584 489 0,'-24'0'16,"24"-25"-16,-24 25 0,24-24 16,24 24-1,0 0 1,1 0-16,-1 0 15,25 0-15,-25 0 16,25 0-16,-24 0 0,24 0 16</inkml:trace>
+  <inkml:trace contextRef="#ctx0" brushRef="#br0" timeOffset="6809">7024 489 0,'0'24'94,"24"-24"-94,1 0 15,-1 0-15,1 0 16,24 0 0,-25 0-16,0 0 0,1 0 15,-1 0-15,-24-24 16,0-1-1,0 1-15,0-1 16,0 1-16,-24 0 16,-1 24-1,1 0-15,0 0 0,-1 0 16,1 0-16,-1 24 16,1-24-16,-1 24 0,1 1 15,0-1-15,24 1 0,-25 24 16,25-25-16,0 0 15,25 25-15,-1-24 0,0-1 16,1 1-16,24-1 16,-25-24-16,25 24 0,0-24 15,0 0-15</inkml:trace>
+  <inkml:trace contextRef="#ctx0" brushRef="#br0" timeOffset="7361">7683 489 0,'0'-25'0,"0"1"16,0-1-16,0 1 15,0 0 1,-24 24 0,0 0-16,-1 0 0,1 0 15,-1 0-15,1 24 16,-1-24-16,1 24 0,0 1 15,-1-1-15,25 1 16,-24 24-16,24-25 0,0 0 16,0 25-16,0-24 0,24-1 15,-24 0-15,25 1 16,-1-25-16,-24 24 0,24-24 16,1 0-16,-1 0 15,1-24-15,-1 24 16,-24-25-16,25 1 0,-1 0 15,0-25-15,-24 24 16,25-23-16,-25-26 0,24 25 16,-24-24-16,0 24 15,0-24-15,0 24 0,0 0 16,-24 1-16,-1 23 0,25-24 16,-24 49-16,0 0 15,24 25 1,0-1-16,0 1 15,0 23-15,0-23 0,0 24 16,0-1-16,24 1 0,-24 25 16,24-26-16,1 1 15,-25 25-15,24-26 0,1 1 16,-1 0-16,1-25 0,-1 25 16,-24-24-16,24-1 15,1-24-15</inkml:trace>
+</inkml:ink>
+</file>
+
+<file path=ppt/ink/ink11.xml><?xml version="1.0" encoding="utf-8"?>
+<inkml:ink xmlns:inkml="http://www.w3.org/2003/InkML">
+  <inkml:definitions>
+    <inkml:context xml:id="ctx0">
+      <inkml:inkSource xml:id="inkSrc0">
+        <inkml:traceFormat>
+          <inkml:channel name="X" type="integer" max="1920" units="cm"/>
+          <inkml:channel name="Y" type="integer" max="1080" units="cm"/>
+          <inkml:channel name="T" type="integer" max="2.14748E9" units="dev"/>
+        </inkml:traceFormat>
+        <inkml:channelProperties>
+          <inkml:channelProperty channel="X" name="resolution" value="55.81395" units="1/cm"/>
+          <inkml:channelProperty channel="Y" name="resolution" value="55.6701" units="1/cm"/>
+          <inkml:channelProperty channel="T" name="resolution" value="1" units="1/dev"/>
+        </inkml:channelProperties>
+      </inkml:inkSource>
+      <inkml:timestamp xml:id="ts0" timeString="2020-10-18T02:47:09.078"/>
+    </inkml:context>
+    <inkml:brush xml:id="br0">
+      <inkml:brushProperty name="width" value="0.05" units="cm"/>
+      <inkml:brushProperty name="height" value="0.05" units="cm"/>
+      <inkml:brushProperty name="fitToCurve" value="1"/>
+    </inkml:brush>
+  </inkml:definitions>
+  <inkml:trace contextRef="#ctx0" brushRef="#br0">26 242 0,'-24'0'62,"24"-25"-46,0 1 15,0-1-15,0 1 15,0 0-15,0 48 46,0 0-62,0 1 16,0-1-16,0 1 0,0-1 15,24 25-15,-24 0 16,0 0-16,25-25 0,-25 25 16,0 0-16,0 0 15,24-25-15,-24 25 0,0-25 16,0 25-16,0-24 0,0-1 16,0 0-1,0-48 16,0 0-31,0-1 16,0 1-16,0-25 0,25 24 16,-25 1-16,24-25 15,-24 25-15,24-1 0,-24 1 16,25 0-16,-1 24 0,1 0 16,-1 24-16,1-24 15,-1 49-15,-24-25 0,24 1 16,1-1-16,-25 25 15,24-25-15,-24 25 0,0-24 16,0-1-16,0 0 0,0 1 16,-24-25-16,24 24 15</inkml:trace>
+  <inkml:trace contextRef="#ctx0" brushRef="#br0" timeOffset="432">661 559 0,'-24'0'15,"0"0"-15,-1 0 0,1 0 16,-1 0 0,1 0-16,24 25 31,0-1-31,24 1 15,-24-1-15,25 0 16,-25 1-16,24-1 16,1-24-16,-25 25 0,24-1 15,0-24-15,1 0 16,-25 24-16,24-24 0,1 0 16,-25-24-16,24 24 15,-24-24-15,0-1 16,0 1-16,0-1 0,-24 1 15,24-25-15,-25 25 16,25-25-16,-24 24 0,24 1 16,-25 0-16,25-1 0,-24 25 15,0 0 1,24 25-16,0-1 16,24 0-1,-24 1-15,24-25 0</inkml:trace>
+  <inkml:trace contextRef="#ctx0" brushRef="#br0" timeOffset="1003">954 437 0,'-24'0'15,"0"-24"1,24 48-1,24 1 1,-24-1-16,0 0 16,24 1-16,1-1 15,-25 25-15,24-25 0,-24 25 16,25-24-16,-25-1 0,24-24 16,1 25-16,-1-1 15,0-24 1,-24-24-16,25 24 15,-25-25-15,0 1 0,24-1 16,-24 1-16,0-1 0,0 1 16,0-25-16,0 25 15,0-1-15,0 1 16,25 48 0,-25 1-1,24-25-15,-24 24 0,25 1 16,-25-1-16,24 25 15,0-49-15,1 24 0,-25 1 16,24-1-16,1-24 16,-1 0-16,0 0 15,1 0-15,-25-24 16,0-1-16,0 1 16,0-1-16,0 1 0,-25-25 15,25 25-15,-24-25 16,24 25-16,-24-1 0,24 1 15,-25-1-15,1 25 16</inkml:trace>
+  <inkml:trace contextRef="#ctx0" brushRef="#br0" timeOffset="1632">1687 462 0,'-24'0'15,"-1"0"1,25-25-16,-24 25 16,48 0 15,-24 25-31,25-25 0,-25 24 15,24 0-15,1 1 16,-1-1-16,-24 1 0,24-1 16,-24 0-16,0 1 15,0-1-15,25-24 0,-25 25 16,0-50 15,0 1-15,0-1-16,0 1 15,0 0-15,0-25 0,0 24 16,0 1-16,0 0 0,24-1 16,-24 1-16,25 24 15,-1 0-15,-24 24 16,25 1-16,-25-1 16,0 0-16,24 1 0,-24 24 15,0-25-15,0 0 0,0 1 16,0-1-1,24-24-15,-24-24 16,0-1 0,25 1-16,-25 0 15,0-1-15,24 1 0,-24-25 16,25 25-16,-1-1 16,-24 1-16,24 24 0,1-25 15,-1 50-15,1-25 16,-1 24-16,-24 1 15,25 23-15,-25-23 0,0-1 16,0 25-16,0-25 16,0 1-16,0-1 15,24-24-15</inkml:trace>
+  <inkml:trace contextRef="#ctx0" brushRef="#br0" timeOffset="2672">2444 413 0,'0'-25'15,"25"25"1,-25-24-16,0-1 16,0 1-16,-25 24 15,1 0 1,-1 0-16,1 0 15,0 0-15,-1 24 16,1-24-16,-1 25 0,1-25 16,24 24-16,-25 1 0,25-1 15,0 1-15,0-1 16,0 0-16,25 1 0,-25-1 16,24 1-16,1-1 15,-1-24-15,-24 24 0,25-24 16,-1 0-16,0 0 0,1 0 15,-1-24-15,1 24 16,-25-24-16,24-1 0,-24 1 16,25-1-16,-25-23 15,0 23-15,0-24 0,0 25 16,0-1-16,0 1 0,0 48 31,0 1-15,0-1-16,0 1 0,0-1 15,0 1-15,24-1 16,-24 0-16,0 1 16,24-25-16,1 0 15,-1 0-15,1 0 16,-25-25-16,24 25 0,1-24 16,-1 0-16,-24-1 15,24 1-15,-24-1 0,0 1 16,0-1-16,0 1 15,0 0-15,0-1 16,-24 25-16,24 25 16,0-1-1,0 0-15,0 1 16,24-1-16,-24 1 16,25-1-16,-1 1 0,-24-1 15,49 0-15,-25-24 0,1 25 16,24-25-16,-25 0 15,1 0-15,-1 0 0,0 0 16,1-25-16,-1 25 16,-24-24-16,0 0 0,0-1 15,0 1-15,0-1 0,0 1 16,-24-1-16,-1 1 16,1 24-16,0 0 15,24 24 1,0 1-16,0-1 15,0 1-15,24 24 0,0-1 16,-24 1-16,25 0 16,-1 0-16,1 0 0,-1 0 15,-24-1-15,25-23 16,-25 24-16,0-25 0,-25 1 16,1-1-16,-1-24 15,-24 0-15,25-24 16,0 24-16,-25-25 0,24 1 15,1-25-15,24 24 16,-25-23-16,25 23 0,0 1 16,0-1-16,25 1 0,-1-1 15,1 1-15,-1 24 16,1 0-16,-1-24 0,0 24 16,1 0-16,24-25 15</inkml:trace>
+  <inkml:trace contextRef="#ctx0" brushRef="#br0" timeOffset="2963">3299 70 0,'0'-25'0,"0"1"16,0 0-1,0 48 17,0 0-17,24 25-15,-24 0 0,25 0 16,-25 0-16,0 0 0,24 24 16,-24-24-16,0 0 15,25-1-15,-25 1 0,0-24 16,0-1-16,0 0 15,0 1-15</inkml:trace>
+  <inkml:trace contextRef="#ctx0" brushRef="#br0" timeOffset="3552">3665 364 0,'-24'24'0,"0"-24"16,-1 0-16,50 0 31,-1 0-15,0 25-16,1-25 15,-25 24 1,24-24-16,1 0 0,-1 0 15,1 0 1,-1-24 0,-24-1-1,0 1 1,0-1-16,0 1 0,-24 24 16,24-24-16,0-1 0,-25 1 15,1 24-15,24-25 16,-25 25-16,1 0 0,-1 0 15,25 25 1,-24-25-16,24 24 0,0 1 16,0-1-16,0 0 15,0 1-15,0-1 16,0 1-16,0-1 0,0 1 16,0-1-16,0 0 15,24 1-15,1-1 16,-25 1-16,24-25 0,1 24 15,-1-24 1,1 24-16,-1-24 0,0 0 16,1 0-16,-1 0 15,-24 25-15,25-25 16,-25-25 0,0 1-1</inkml:trace>
+  <inkml:trace contextRef="#ctx0" brushRef="#br0" timeOffset="4247">4227 388 0,'0'-24'47,"25"24"-47,-25-25 16,0 1 0,0 0-16,0-1 15,-25 1-15,1 24 16,-1 0-16,1 0 15,-1 0 1,1 24-16,0 1 0,24-1 16,-25 0-16,1 25 0,24-24 15,-25-1-15,25 25 16,0-25-16,25 1 0,-1-1 16,-24 1-16,25-25 15,-1 24-15,0-24 0,1 0 16,-1 0-16,1 0 15,-1-24-15,-24-1 0,25 1 16,-25-1-16,0 1 16,0-49-1,0 48-15,0 1 0,0-1 16,0 1-16,0 48 31,24 1-31,-24-1 16,24 1-16,-24-1 0,25 25 15,-25-25-15,24 1 16,1-1-16,-25 1 0,24-1 16,1-24-16</inkml:trace>
+  <inkml:trace contextRef="#ctx0" brushRef="#br0" timeOffset="4626">4447 315 0,'0'-24'15,"-24"-1"-15,24 1 16,0-1-16,0 50 16,0-1-1,24 1-15,-24 23 16,24-23-16,1 24 0,-1-25 16,-24 25-16,25-25 15,-1 25-15,0-24 0,1-1 16,-25 1-16,24-1 15,1-24-15,-1 0 16,1 0-16,-25-24 16,0-1-16,0 1 15,0-1-15,0-24 0,-25 1 16,25 23-16,0-24 16,0 0-16,0 25 0,0-25 15,0 25-15,0-1 16,0 1-16,0 48 31,25-24-31,-25 25 16,24-25-16,-24 24 15</inkml:trace>
+  <inkml:trace contextRef="#ctx0" brushRef="#br0" timeOffset="5102">4960 363 0,'-25'0'16,"50"0"15,-1 0-16,1 0 1,-1 0-16,1 0 16,-1 0-16,0 0 15,1-25 1,-1 1 0,-24 0-1,0-1-15,-24 25 0,24-24 16,-25-1-16,1 25 0,0-24 15,-1 24 1,1 0-16,-1 0 0,1 24 16,-1 1-16,25-1 0,-24 25 15,24 0-15,0-25 16,24 25-16,1 0 0,-1-25 16,1 25-16,-1-24 15,1-1-15,23 0 0,-23 1 16,-1-1-16,1-24 15,24 0-15,-25-24 0,0-1 16,1 1-16</inkml:trace>
+  <inkml:trace contextRef="#ctx0" brushRef="#br0" timeOffset="5407">5693 291 0,'-25'24'16,"1"-24"-16,24 24 16,-25-24-16,50 0 15,-1 0 1,1 0-16,23 0 15,1 0-15,-24 0 0,23 0 16,-23 0-16,-1 0 16,1 0-16,-25-24 47</inkml:trace>
+</inkml:ink>
+</file>
+
+<file path=ppt/ink/ink12.xml><?xml version="1.0" encoding="utf-8"?>
+<inkml:ink xmlns:inkml="http://www.w3.org/2003/InkML">
+  <inkml:definitions>
+    <inkml:context xml:id="ctx0">
+      <inkml:inkSource xml:id="inkSrc0">
+        <inkml:traceFormat>
+          <inkml:channel name="X" type="integer" max="1920" units="cm"/>
+          <inkml:channel name="Y" type="integer" max="1080" units="cm"/>
+          <inkml:channel name="T" type="integer" max="2.14748E9" units="dev"/>
+        </inkml:traceFormat>
+        <inkml:channelProperties>
+          <inkml:channelProperty channel="X" name="resolution" value="55.81395" units="1/cm"/>
+          <inkml:channelProperty channel="Y" name="resolution" value="55.6701" units="1/cm"/>
+          <inkml:channelProperty channel="T" name="resolution" value="1" units="1/dev"/>
+        </inkml:channelProperties>
+      </inkml:inkSource>
+      <inkml:timestamp xml:id="ts0" timeString="2020-10-18T02:47:16.104"/>
+    </inkml:context>
+    <inkml:brush xml:id="br0">
+      <inkml:brushProperty name="width" value="0.05" units="cm"/>
+      <inkml:brushProperty name="height" value="0.05" units="cm"/>
+      <inkml:brushProperty name="fitToCurve" value="1"/>
+    </inkml:brush>
+  </inkml:definitions>
+  <inkml:trace contextRef="#ctx0" brushRef="#br0">318 202 0,'0'-24'15,"24"24"1,1 0 0,-25-25-1,24 1 1,-24-1 15,0 1-15,-24 24-16,24-24 15,-25 24-15,-24 0 16,25 0-16,-1 0 0,1 0 16,-25 0-16,25 0 0,-1 0 15,-23 0-15,23 24 16,25 0-16,-24 1 0,-1-1 16,25 1-16,0-1 15,0 1-15,25-1 0,-25 0 16,24 1-16,1-1 15,-1-24-15,0 25 0,1-25 16,-1 0-16,1 0 0,-1 0 16,0 0-16,1 0 15,-1 0-15,1-25 0,-1 1 16,-24-1 0,25 1-16,-25 0 15,0-25-15,0 24 0,0 1 16,0-1-16,24 1 15,-24 0-15,24 24 16,-24 24-16,25 0 16,-25 1-16,0-1 15,24 25-15,-24-24 0,0 23 16,25 1-16,-25-24 16,24 23-16,1 1 0,-25-24 15,24 24-15,-24-25 0,24 25 16,-24-25-16,0 1 15,25-1-15,-25 1 16,0-1-16,0 0 0,0 1 16,-25-25-1,1 0 1,0 0-16,-1 0 16,1-25-16,-25 25 0,24 0 15,1 0-15,-25 0 16,25 0-16,-1 0 0,-24 25 15,25-25-15,0 0 0,-1 0 16,25 24-16,-24-24 16,24 25-1,24-25 1</inkml:trace>
+  <inkml:trace contextRef="#ctx0" brushRef="#br0" timeOffset="738">1124 373 0,'0'-24'0,"0"-1"0,0 1 16,-25 24-16,25-25 15,0 1-15,-24 24 16,24-24-16,-25-1 16,25 1-1,-24 24-15,24-25 0,-24 25 16,24-24-16,-25 24 0,1 0 16,-1 0-16,1 0 15,-1 0-15,1 0 16,24 24-16,-24-24 15,24 25-15,0-1 0,-25 1 16,25-1-16,0 0 0,25 1 16,-25-1-16,24 1 15,0-25-15,-24 24 0,25-24 16,-1 0-16,1 0 0,-1 0 16,1 0-16,-1 0 15,-24-24-15,24-1 0,1 25 16,-25-24-16,0-1 15,24 1-15,-24 0 0,0-1 16,0 1-16,0 48 47,0 1-47,25-1 16,-25 0-16,0 25 0,24-24 15,-24 23-15,0-23 0,0 24 16,25-25-16,-25 25 15,0-25-15,0 1 0,24-1 16,-24 1-16,0-1 16,24-24-16,-24 25 0,-24-1 15,0-24 1,-1 0-16,1 0 16,-1 0-16,-24 0 15,25 0-15,0 0 16,-1 0-16,1 0 15,-1 0-15,25 24 32</inkml:trace>
+  <inkml:trace contextRef="#ctx0" brushRef="#br0" timeOffset="1403">1490 397 0,'-24'0'15,"24"-24"1,0 0 0,0-1-1,0 1 1,24-1-16,-24 1 16,24-1-1,-24 1-15,25 24 0,-1-24 16,1 24-1,-1 0-15,1-25 0,-1 25 16,0 0-16,1 25 0,-25-1 16,24-24-16,-24 24 15,0 25-15,0-24 0,0 24 16,0-25-16,0 25 0,-24 0 16,24-25-16,-25 25 15,25 0-15,-24-25 0,0 1 16,-1-1-16,1 1 15,-1-1-15,1-24 0,24 24 16,-25-24-16,25 25 0,-24-25 16,48 0-1,1 0 1,-1-25-16,25 25 16,-24-24-16,23 24 0,-23 0 15,24-24-15,0 24 0,-25 0 16,25 0-16,-25 0 15,1 0-15,-1 0 0,1 0 16,-1 24-16,0-24 16,-24 24-1,25-48 32</inkml:trace>
+  <inkml:trace contextRef="#ctx0" brushRef="#br0" timeOffset="2045">2394 153 0,'0'-24'0,"-25"24"16,50 0 46,-25 24-62,24-24 0,-24 25 16,25-1-16,-1 0 15,0 25-15,1-24 0,-1-1 16,25 25-16,-24-25 0,23 25 16,-23-24-16,24 24 15,-25-25-15,1 0 0,23 1 16,-48-1-16,25-24 16,-1 25-16</inkml:trace>
+  <inkml:trace contextRef="#ctx0" brushRef="#br0" timeOffset="2400">2833 80 0,'0'-24'16,"-24"24"-16,0 24 31,-1 0-15,25 1-16,0-1 0,-24 1 16,24-1-16,-25 0 0,25 25 15,-24-24-15,24-1 16,-25 25-16,25-25 0,-24 25 15,24 0-15,0-24 16,-24 23-16,24-23 0,0-1 16,-25 1-16,25-1 0,0 1 15,0-1-15,-24 0 16,24 1 0,0-50-1</inkml:trace>
+  <inkml:trace contextRef="#ctx0" brushRef="#br0" timeOffset="2982">3322 104 0,'-25'0'15,"25"-24"-15,0 0 16,0 48 31,0 0-32,25 25-15,-25-24 16,24-1-16,-24 25 16,0 0-16,25 0 0,-25-25 15,0 25-15,24 0 16,-24-25-16,0 25 0,0-25 15,25 1-15,-25-1 16,0 1-16,0-1 0,24-24 16,0 0-16,1-24 15</inkml:trace>
+  <inkml:trace contextRef="#ctx0" brushRef="#br0" timeOffset="3473">3786 129 0,'0'-25'16,"0"1"-1,-25 24 1,25 24-1,-24 1 1,0-1-16,24 1 16,0-1-16,-25 25 0,25-25 15,0 25-15,0 0 16,0-25-16,25 25 0,-25-24 16,24-1-16,-24 1 15,24-1-15,1 0 0,-1 1 16,1-25-16,-1 0 0,1 0 15,-1 0-15,0 0 16,1-25-16,-1 1 16,-24 0-16,25-1 15,-25-24-15,0 25 0,0-25 16,0 0-16,-25 0 16,25 0-16,-24 25 0,-1-25 15,1 25-15,0-1 0,-1 25 16,1-24-16,-1 24 15,1 0-15,-1 24 0,25 1 16,-24-25-16,24 24 0,0 1 16,0-1-16</inkml:trace>
+  <inkml:trace contextRef="#ctx0" brushRef="#br0" timeOffset="3826">4323 397 0,'-24'0'16,"48"0"15,-24 25-16,25-1 1,-25 1 0,0-50 15,0 1-15,24 24-1,0 0 16</inkml:trace>
+  <inkml:trace contextRef="#ctx0" brushRef="#br0" timeOffset="4332">4958 31 0,'-24'0'16,"-1"0"-16,1 0 0,-1 0 16,25-24-16,-24 24 15,0 0-15,-1 24 16,1 1-16,24-1 15,-25 0-15,25 1 16,0 24-16,0-25 0,0 25 16,0 0-16,0 0 15,0-1-15,0 1 0,25 0 16,-1-24-16,-24-1 0,25 0 16,-1 1-16,0-1 15,1-24-15,24 0 0,-25 0 16,1 0-16,-1 0 15,0-24-15,1-1 16,-25 1-16,0 0 0,0-25 16,0 24-16,0 1 15,0-1-15,-25 1 0,25 0 16,-24 24-16,0 0 16,-1 0-16,25 24 15,-24 0-15,-1 1 0,25-1 16,-24 1-1,24-1-15,0 1 0,24-25 16,1 0 0</inkml:trace>
+  <inkml:trace contextRef="#ctx0" brushRef="#br0" timeOffset="4800">5349 227 0,'-25'-25'0,"1"1"15,24-1-15,0 1 16,0-1-16,0 1 16,0 0-16,24 24 0,1-25 15,-1 25 1,1 0-16,-1 0 15,-24 25-15,25-25 16,-1 24-16,-24 0 0,24 25 16,-24-24-16,0 24 0,0-1 15,0-23-15,0 24 16,-24-25-16,0 25 0,-1-25 16,1 1-16,-1-1 15,1-24-15,24 25 0,-25-25 16,1 24-16,48-24 31,1 0-31,-1 0 16,25 24-16,-24-24 15,23 0-15,1 0 0,-24 0 16,24 0-16,-25 0 0,0 0 16,1 0-16,-1 0 15,1 0-15,-25-24 0,24 24 16,-24-24-1</inkml:trace>
+  <inkml:trace contextRef="#ctx0" brushRef="#br0" timeOffset="5543">6253 80 0,'0'-24'16,"0"-1"-1,-25 25 1,1-24 0,-1 24-16,1 0 15,-25 0-15,25 0 0,-1 0 16,1 24-16,-1-24 15,1 0-15,0 0 0,-1 0 16,1 0-16,-1 0 16,25 25 15,25-25-15,-25 24-1,0 0 1,0 1-16,0-1 0,24 1 15,-24 23-15,0-23 0,0-1 16,0 1-16,0-1 16,25 1-16,-25-1 15,0 0 1,24-24-16,0 0 16,1 0-1,-1-24 1,1 24-16,-1-24 15,0-1 1,1 25-16,-1 0 0,1 0 16,-1-24-16,1 24 0,-1 0 15,0 0-15,1 24 16,-1-24-16,1 25 0,-1-25 16,1 24-16,-25 0 0,24 1 15,-24-1-15,24 25 16,-24-24-16,0-1 0,25 0 15,-25 1-15,0-1 16,0 1-16,0-1 16,-25-24-16,1 25 15,0-25-15,-25 24 16,-25-24 0,50 0-16,-25 0 0,25-24 15,-1 24-15,1-25 0,-1 25 16,25-24-16</inkml:trace>
+  <inkml:trace contextRef="#ctx0" brushRef="#br0" timeOffset="5832">6765 227 0,'-24'0'15,"24"-25"1,24 25 0,-24-24-16,25 24 15,-1 0-15,1 0 0,24 0 16,-25 0-16,0 0 15,1 0-15,-1 0 0,1 24 32</inkml:trace>
+  <inkml:trace contextRef="#ctx0" brushRef="#br0" timeOffset="6026">6839 446 0,'-25'25'0,"25"-1"15,25-24 1,-1 0 0,1 0-16,-1 0 15,0-24-15,1 24 16,-1 0-16,1 0 0,-1-25 16,1 25-16,-25-24 15</inkml:trace>
+  <inkml:trace contextRef="#ctx0" brushRef="#br0" timeOffset="6714">6765 80 0,'-24'0'0,"24"-24"0,0-1 31,24 25-15,1 0-16,-1 0 16,1 0-1,-1 25-15,1-1 16,-25 0-16,24 1 16,-24-1-16,0 1 0,0-1 15,0 1-15,-24-1 0,-1 0 16,1-24-1,-1 0-15,1 0 16,-1-24 0,1 0-16,0-1 15,24 1-15,-25 24 0,25-25 16,25 1-16,-25-1 16,24 1-16,0 0 0,1-1 15,-1 25-15,1-24 16,-1 24-16,1 0 0,-1 0 15,0 0-15,-24 24 16,0 1-16,0-1 16</inkml:trace>
+  <inkml:trace contextRef="#ctx0" brushRef="#br0" timeOffset="7014">7229 80 0,'25'-24'15,"-50"24"17,1 0-17,0 24-15,-1 0 0,1 1 16,-1-1-16,1 25 0,0 0 15,-1 0-15,25 0 16,-24-1-16,-1 1 0,25 0 16,-24 0-16,24-25 15,0 25-15,0-24 0,0-1 16,0 1-16,24-25 16</inkml:trace>
+  <inkml:trace contextRef="#ctx0" brushRef="#br0" timeOffset="7410">7449 446 0,'0'-24'0,"-24"24"15,24-25 1,24 25-1,1 25 1,-1-1-16,-24 1 16,0-1-16,0 1 15,0-1-15,0 0 0,-24 1 16,-1-25 0,1 0-16,-1 0 0,1 0 15,-25 0-15,25-25 16,-1 25-16,25-24 15,0 0-15,0-1 0,0 1 16,25-1-16,-1 1 16,1-1-16,-1 25 0,0-24 15,1 0-15,-1 24 0,1 0 16,-1 0 0,1 24-16,-25 0 15,24 1 1</inkml:trace>
+  <inkml:trace contextRef="#ctx0" brushRef="#br0" timeOffset="7656">8011 227 0,'0'-25'0,"-24"1"16,24-1-1,24 25-15,0 0 16,1 0-16,-1 0 16,1 0-16,-1 0 15,1 0-15</inkml:trace>
+  <inkml:trace contextRef="#ctx0" brushRef="#br0" timeOffset="7812">8011 397 0,'0'25'16,"24"-25"-1,1 0-15,-1 0 0,25 0 16,-24 0-16,23 0 15,1 0-15,0 0 0</inkml:trace>
+</inkml:ink>
+</file>
+
+<file path=ppt/ink/ink13.xml><?xml version="1.0" encoding="utf-8"?>
+<inkml:ink xmlns:inkml="http://www.w3.org/2003/InkML">
+  <inkml:definitions>
+    <inkml:context xml:id="ctx0">
+      <inkml:inkSource xml:id="inkSrc0">
+        <inkml:traceFormat>
+          <inkml:channel name="X" type="integer" max="1920" units="cm"/>
+          <inkml:channel name="Y" type="integer" max="1080" units="cm"/>
+          <inkml:channel name="T" type="integer" max="2.14748E9" units="dev"/>
+        </inkml:traceFormat>
+        <inkml:channelProperties>
+          <inkml:channelProperty channel="X" name="resolution" value="55.81395" units="1/cm"/>
+          <inkml:channelProperty channel="Y" name="resolution" value="55.6701" units="1/cm"/>
+          <inkml:channelProperty channel="T" name="resolution" value="1" units="1/dev"/>
+        </inkml:channelProperties>
+      </inkml:inkSource>
+      <inkml:timestamp xml:id="ts0" timeString="2020-10-18T02:47:36.282"/>
+    </inkml:context>
+    <inkml:brush xml:id="br0">
+      <inkml:brushProperty name="width" value="0.05" units="cm"/>
+      <inkml:brushProperty name="height" value="0.05" units="cm"/>
+      <inkml:brushProperty name="fitToCurve" value="1"/>
+    </inkml:brush>
+  </inkml:definitions>
+  <inkml:trace contextRef="#ctx0" brushRef="#br0">15 0 0,'0'25'172,"0"-1"-156,0 0-1,0 1-15,0-1 16,0 25-16,0-24 0,0 23 16,0-23-16,0 24 0,0-25 15,0 25-15,0 0 16,0-25-16,0 25 0,0-25 16,0 1-16,0-1 15,0 1-15,0-1 0,0 1 16,24-25-16</inkml:trace>
+  <inkml:trace contextRef="#ctx0" brushRef="#br0" timeOffset="583">454 147 0,'-24'0'16,"24"-25"-1,-25 25 1,25 25 0,0-1-1,-24-24 1,24 25-16,-25-1 16,25 0-16,-24 1 0,24-1 15,0 25-15,0 0 0,0-25 16,0 25-16,0-24 15,24-1-15,1 0 0,-1 1 16,1-1-16,-1-24 16,1 0-16,-1 0 0,25 0 15,-25 0-15,1-24 0,24-1 16,-25 1-16,-24 0 16,24-25-16,1 24 0,-25-24 15,0 25-15,0 0 16,-25-25-16,25 24 0,-24 1 15,0 0-15,-1-1 0,-24 25 16,25-24-16,-1 24 16,1-25-16,0 25 0,-1 0 15,1 0-15,24 25 16,0-1-16</inkml:trace>
+  <inkml:trace contextRef="#ctx0" brushRef="#br0" timeOffset="1358">1333 122 0,'0'-24'0,"0"-1"16,-24 1-1,0 24 1,-1 0 0,1-24-16,-1 24 15,1 0-15,-1 0 0,1 0 16,-25 0-16,25 24 0,-1-24 15,1 0 1,-1 0-16,1 0 16,24 24 15,-24-24-31,24 25 16,-25-25-1,25 24-15,-24 1 16,24-1-1,0 1 1,0-1-16,0 0 0,24 1 16,-24-1-1,0 1-15,25-1 16,-25 1 0,24-50 46,0 25-46,1-24-16,-1 24 15,1-25-15,-1 25 0,1 0 16,-1 0-16,0 0 16,1 0-16,-1 25 0,1-25 15,-25 24-15,24 1 16,-24-1-16,25 0 0,-25 1 15,0-1-15,0 1 0,0-1 16,0 0-16,-25 1 16,1-1-16,-1-24 15,1 25-15,-25-25 16,25 0-16,-1 24 0,1-24 16,-1 0-16,-24 0 0,25-24 15,0 24 1</inkml:trace>
+</inkml:ink>
+</file>
+
+<file path=ppt/ink/ink14.xml><?xml version="1.0" encoding="utf-8"?>
+<inkml:ink xmlns:inkml="http://www.w3.org/2003/InkML">
+  <inkml:definitions>
+    <inkml:context xml:id="ctx0">
+      <inkml:inkSource xml:id="inkSrc0">
+        <inkml:traceFormat>
+          <inkml:channel name="X" type="integer" max="1920" units="cm"/>
+          <inkml:channel name="Y" type="integer" max="1080" units="cm"/>
+          <inkml:channel name="T" type="integer" max="2.14748E9" units="dev"/>
+        </inkml:traceFormat>
+        <inkml:channelProperties>
+          <inkml:channelProperty channel="X" name="resolution" value="55.81395" units="1/cm"/>
+          <inkml:channelProperty channel="Y" name="resolution" value="55.6701" units="1/cm"/>
+          <inkml:channelProperty channel="T" name="resolution" value="1" units="1/dev"/>
+        </inkml:channelProperties>
+      </inkml:inkSource>
+      <inkml:timestamp xml:id="ts0" timeString="2020-10-18T02:47:40.050"/>
+    </inkml:context>
+    <inkml:brush xml:id="br0">
+      <inkml:brushProperty name="width" value="0.05" units="cm"/>
+      <inkml:brushProperty name="height" value="0.05" units="cm"/>
+      <inkml:brushProperty name="fitToCurve" value="1"/>
+    </inkml:brush>
+  </inkml:definitions>
+  <inkml:trace contextRef="#ctx0" brushRef="#br0">74 73 0,'0'-24'16,"-25"0"-16,25-1 15,-24 25 1,0 25-1,24-1 1,0 0-16,0 25 16,0-24-16,0 24 0,0-1 15,0 1-15,0-24 16,0 24-16,0-1 0,0 1 16,0-24-16,24 24 15,-24-1-15,24-23 0,-24-1 16,0 1-16,0-1 0,0 0 15</inkml:trace>
+  <inkml:trace contextRef="#ctx0" brushRef="#br0" timeOffset="465">367 391 0,'-24'-24'0,"-1"24"16,1 0-1,48 0 17,1 24-17,-1-24-15,0 0 16,1 0-16,-1 0 15,25 0-15,-24 0 0,-1-24 16,0 24-16,1 0 0,-1 0 16,-24-25-16,0 1 15,0-1-15,-24 1 16,-1-1 0,-23 1-16,23 24 0,1-24 15,-25 24-15,24 0 0,1 0 16,0 0-16,-1 24 15,1 0-15,-1 1 0,25-1 16,-24 25-16,24 0 16,0-25-16,0 25 0,24 0 15,-24-25-15,25 25 0,-25-24 16,24-1-16,1 1 16,-1-1-16,0-24 0,25 0 15,0 0-15,-24 0 16</inkml:trace>
+  <inkml:trace contextRef="#ctx0" brushRef="#br0" timeOffset="967">978 391 0,'0'-24'15,"0"-1"1,0 1-1,0-1 1,0 1 0,-25-1-16,1 25 15,-1-24-15,1 24 16,-1 24-16,1-24 16,24 25-16,-24-1 15,-1 1-15,1-1 0,24 25 16,-25-25-16,25 1 0,0 24 15,0-25-15,0 1 16,0-1-16,25 0 0,-25 1 16,24-1-16,1-24 15,-1 0-15,0 0 16,1-24-16,-1-1 0,1 1 16,-25 0-1,24-1-15,-24 1 0,0-1 16,0 1-16,0-1 15,0 1-15,0 0 0,0 48 32,25-24-17,-25 24-15,0 1 0,0-1 16,24 25-16,-24-24 0,24-1 16,1 0-16,-25 1 15,24-1-15,1 1 0</inkml:trace>
+  <inkml:trace contextRef="#ctx0" brushRef="#br0" timeOffset="1389">1173 367 0,'0'-25'0,"0"1"15,-25-1-15,25 1 16,0 48-1,25-24-15,-25 25 16,24-1-16,-24 1 16,0-1-16,25 25 0,-25-25 15,24 1-15,1-1 0,-25 0 16,24 1-16,0-1 16,-24 1-16,25-25 0,-1 0 15,-24 24-15,25-24 16,-1-24-16,-24-1 15,0 1-15,25 24 16,-25-25-16,0 1 16,0 0-16,0-1 0,0 1 15,0-25-15,0 25 16,0-1-16,0 1 16,0-1-16,-25 50 31,25-1-31,0 1 15,25-1 1</inkml:trace>
+  <inkml:trace contextRef="#ctx0" brushRef="#br0" timeOffset="1867">1710 391 0,'25'0'94,"-1"0"-79,1 0 1,-1 0-16,0 0 15,1 0-15,-1 0 16,-24-24 0,25 24-16,-25-25 15,0 1-15,-25 24 16,25-25-16,-24 25 0,24-24 16,-25 24-16,25-25 15,-24 25-15,0 0 0,-1 0 16,1 0-16,-1 0 15,1 25-15,-1-25 0,1 24 16,0 1-16,-1 24 16,25-25-16,-24 25 0,24-25 15,0 25-15,24 0 0,-24-25 16,25 25-16,-1-24 16,25-1-16,-25-24 0,25 24 15,-24-24-15,23 0 0,-23 0 16,24 0-16,-25-24 15,0 0-15,1 24 0</inkml:trace>
+</inkml:ink>
+</file>
+
+<file path=ppt/ink/ink15.xml><?xml version="1.0" encoding="utf-8"?>
+<inkml:ink xmlns:inkml="http://www.w3.org/2003/InkML">
+  <inkml:definitions>
+    <inkml:context xml:id="ctx0">
+      <inkml:inkSource xml:id="inkSrc0">
+        <inkml:traceFormat>
+          <inkml:channel name="X" type="integer" max="1920" units="cm"/>
+          <inkml:channel name="Y" type="integer" max="1080" units="cm"/>
+          <inkml:channel name="T" type="integer" max="2.14748E9" units="dev"/>
+        </inkml:traceFormat>
+        <inkml:channelProperties>
+          <inkml:channelProperty channel="X" name="resolution" value="55.81395" units="1/cm"/>
+          <inkml:channelProperty channel="Y" name="resolution" value="55.6701" units="1/cm"/>
+          <inkml:channelProperty channel="T" name="resolution" value="1" units="1/dev"/>
+        </inkml:channelProperties>
+      </inkml:inkSource>
+      <inkml:timestamp xml:id="ts0" timeString="2020-10-18T02:47:38.548"/>
+    </inkml:context>
+    <inkml:brush xml:id="br0">
+      <inkml:brushProperty name="width" value="0.05" units="cm"/>
+      <inkml:brushProperty name="height" value="0.05" units="cm"/>
+      <inkml:brushProperty name="fitToCurve" value="1"/>
+    </inkml:brush>
+  </inkml:definitions>
+  <inkml:trace contextRef="#ctx0" brushRef="#br0">74 366 0,'0'-24'0,"0"-1"15,0 1-15,0 0 16,-25 24 31,25 24-32,0 0-15,-24 1 0,24 24 16,0-25-16,-24 25 16,24-25-16,0 25 0,0-24 15,0-1-15,24 0 0,-24 1 16,24-1-16,1-24 16,-25 25-16,24-25 0,1 0 15,-1 0-15,1-25 16,-1 1-16,0-1 15,-24 1-15,25 0 0,-1-1 16,-24 1-16,0-25 16,0 24-16,0 1 0,0 0 15,0-1-15,0 50 32,0-1-17,0 0-15,0 1 16,0-1-16,0 1 0,0-1 15,25 1-15,-25-1 0,24 0 16,0 1-16,1-25 16,-1 24-16,1-24 0,-1 0 15,1 0-15,-1 0 16,0 0-16,1 0 0,-1-24 16,1-1-16,-25 1 15,0 0-15,0-1 16,0 1-16,0-25 0,0 24 15,0 1-15,0 0 16,0-25-16,0 24 16,-25 25-1,25 25-15,0-1 16,0 25-16,0-25 16,0 1-16,25-1 15,-25 1-15,24-1 0,-24 1 16,25-25-16,-1 24 0,0-24 15,1 0-15,-1 0 16</inkml:trace>
+  <inkml:trace contextRef="#ctx0" brushRef="#br0" timeOffset="244">855 317 0,'-24'0'0,"24"25"31,0-1-15,0 1-1,0-1-15,0 0 0,0 1 16,0-1-16,0 1 16,24-1-16,-24 1 0,0-1 15,25 0-15,-25 1 16,24-25-1</inkml:trace>
+  <inkml:trace contextRef="#ctx0" brushRef="#br0" timeOffset="441">807 146 0,'-25'-24'16,"25"0"-16,-24-1 15,-1 1-15,25 48 47,25-24-47,-1 25 16,1-25 0</inkml:trace>
+  <inkml:trace contextRef="#ctx0" brushRef="#br0" timeOffset="705">1051 98 0,'0'-25'16,"0"50"15,0-1-31,24-24 0,-24 49 15,25-25-15,-1 1 16,-24 24-16,24-1 0,-24 1 16,25-24-16,-25 23 0,0 1 15,0-24-15,0-1 16,0 25-16,0-25 16,24-24-16</inkml:trace>
+  <inkml:trace contextRef="#ctx0" brushRef="#br0" timeOffset="1083">1393 98 0,'0'-25'0,"0"1"16,0-1-16,0 1 16,24 48 15,-24 25-16,0-24-15,24-1 0,-24 25 16,0-25-16,25 25 16,-25 0-16,0-25 0,24 25 15,-24-24-15,25 24 0,-25-25 16,0 0-16,0 1 16,24-1-16,-24 1 15</inkml:trace>
+</inkml:ink>
+</file>
+
+<file path=ppt/ink/ink16.xml><?xml version="1.0" encoding="utf-8"?>
+<inkml:ink xmlns:inkml="http://www.w3.org/2003/InkML">
+  <inkml:definitions>
+    <inkml:context xml:id="ctx0">
+      <inkml:inkSource xml:id="inkSrc0">
+        <inkml:traceFormat>
+          <inkml:channel name="X" type="integer" max="1920" units="cm"/>
+          <inkml:channel name="Y" type="integer" max="1080" units="cm"/>
+          <inkml:channel name="T" type="integer" max="2.14748E9" units="dev"/>
+        </inkml:traceFormat>
+        <inkml:channelProperties>
+          <inkml:channelProperty channel="X" name="resolution" value="55.81395" units="1/cm"/>
+          <inkml:channelProperty channel="Y" name="resolution" value="55.6701" units="1/cm"/>
+          <inkml:channelProperty channel="T" name="resolution" value="1" units="1/dev"/>
+        </inkml:channelProperties>
+      </inkml:inkSource>
+      <inkml:timestamp xml:id="ts0" timeString="2020-10-18T02:48:04.938"/>
+    </inkml:context>
+    <inkml:brush xml:id="br0">
+      <inkml:brushProperty name="width" value="0.05" units="cm"/>
+      <inkml:brushProperty name="height" value="0.05" units="cm"/>
+      <inkml:brushProperty name="fitToCurve" value="1"/>
+    </inkml:brush>
+  </inkml:definitions>
+  <inkml:trace contextRef="#ctx0" brushRef="#br0">611 176 0,'0'-25'0,"0"1"16,-24 24-1,-1-24-15,1 24 47,-1 0-31,1-25 0,-1 25-16,1-24 15,0 24-15,-1-25 0,-24 25 16,25-24-16,-25 24 0,25 0 15,-25 0-15,0 24 16,25 1-16,-1-25 16,-24 24-16,49 1 0,-24 23 15,-1-23-15,25-1 0,0 1 16,25-1-16,-1 1 0,1-25 16,24 0-16,-25 24 15,25-24-15,24 0 0,-24 0 16,0 0-16,24 0 15,-24 0-15,0 0 0,-25 24 16,1-24-16,-1 25 0,0-1 16,-24 1-16,0-1 15,0 0-15,-24-24 0,0 25 16,-1-1-16,1-24 16,-25 25-16,24-25 0,-23 24 15,23-24-15,-24 0 0,25 0 16,0 0-16,-1 0 15,1 0-15,24-24 0,0-1 16,24 25-16,1-49 16</inkml:trace>
+  <inkml:trace contextRef="#ctx0" brushRef="#br0" timeOffset="579">1148 176 0,'-24'0'0,"-1"0"15,1 0-15,24-25 16,-24 25-16,24-24 15,0 0 1,0-1-16,0 1 16,-25 24 15,25 24-31,-24 1 0,-1-1 16,1 0-16,24 1 15,-25-1-15,25 1 0,-24-1 16,24 25-16,0-25 0,24 1 15,-24-1 1,25 1-16,-1-25 16,1 0-1,-1 0 1,-24-25-16,25 1 16,-25-1-16,24 1 15,-24 0-15,0-1 16,0 1-16,0-1 15,0 1-15,24 24 0,-24-25 16,25 25-16,-25 25 0,24-25 16,1 24-16,-25 1 15,24-1-15,-24 25 0,25-25 16,-25 1-16,0-1 0,24 25 16,0-25-1,-24 1-15,25-25 0</inkml:trace>
+  <inkml:trace contextRef="#ctx0" brushRef="#br0" timeOffset="1002">1393 103 0,'-25'0'0,"25"-25"16,-24 25-16,24-24 0,-25 24 15,25 24-15,0 1 16,25-1-16,-1 0 16,1 1-16,-1-1 0,0 25 15,25-24-15,-24-1 16,-1 0-16,0 25 0,1-24 16,-1-1-16,-24 0 0,25 1 15,-1-1-15,-24 1 16,25-25-1,-25-25-15,0 1 16,24-1 0,-24-23-16,0 23 0,0-24 15,24 1-15,-24 23 16,0-24-16,0 0 0,25 25 16,-25-25-16,0 25 15,24 24 1,-24 24-1,25 1 1,-25-1-16</inkml:trace>
+  <inkml:trace contextRef="#ctx0" brushRef="#br0" timeOffset="1524">2125 225 0,'0'24'0,"-24"-24"16,-1 0 15,50 25 0,-1-25-15,1 24-1,-1-24-15,1 0 16,-1-24-16,0 24 16,1-25-16,-1 25 15,-24-24-15,25-1 0,-1 25 16,-24-24-16,0-1 0,0 1 16,0 0-1,-24 24-15,-1 0 0,1 0 16,-25 0-1,25 0-15,-1 24 0,-24 0 16,25 1-16,-1 24 16,1-25-16,24 25 0,0-25 15,0 25-15,0-24 0,24 23 16,1-23-16,-1-1 16,1 1-16,-1-1 0,1 1 15,23-25-15,-23 24 16,24-24-16,-1 0 0,-23 0 15,-1-24-15,1 24 0,-1-25 16,1 25-16,-25-24 16,0-1-1</inkml:trace>
+</inkml:ink>
+</file>
+
+<file path=ppt/ink/ink17.xml><?xml version="1.0" encoding="utf-8"?>
+<inkml:ink xmlns:inkml="http://www.w3.org/2003/InkML">
+  <inkml:definitions>
+    <inkml:context xml:id="ctx0">
+      <inkml:inkSource xml:id="inkSrc0">
+        <inkml:traceFormat>
+          <inkml:channel name="X" type="integer" max="1920" units="cm"/>
+          <inkml:channel name="Y" type="integer" max="1080" units="cm"/>
+          <inkml:channel name="T" type="integer" max="2.14748E9" units="dev"/>
+        </inkml:traceFormat>
+        <inkml:channelProperties>
+          <inkml:channelProperty channel="X" name="resolution" value="55.81395" units="1/cm"/>
+          <inkml:channelProperty channel="Y" name="resolution" value="55.6701" units="1/cm"/>
+          <inkml:channelProperty channel="T" name="resolution" value="1" units="1/dev"/>
+        </inkml:channelProperties>
+      </inkml:inkSource>
+      <inkml:timestamp xml:id="ts0" timeString="2020-10-18T02:49:46.300"/>
+    </inkml:context>
+    <inkml:brush xml:id="br0">
+      <inkml:brushProperty name="width" value="0.05" units="cm"/>
+      <inkml:brushProperty name="height" value="0.05" units="cm"/>
+      <inkml:brushProperty name="fitToCurve" value="1"/>
+    </inkml:brush>
+  </inkml:definitions>
+  <inkml:trace contextRef="#ctx0" brushRef="#br0">3810 60 0,'-25'0'0,"1"0"16,48 0 47,-24 25-63,25-25 15,-1 0 1,1 0-16,-1 0 0,0 0 15,1 24-15,24-24 16,0 0-16,-1 0 0,26 0 16,-25 0-16,24-24 15,0 24-15,25 0 0,-25 0 16,0 0-16,25-25 0,-25 25 16,25 0-16,-25 0 15,25 0-15,0 0 0,-25 0 16,25 0-16,-25 0 0,25 0 15,-25 0-15,0 0 16,25 0-16,-25 0 0,0 0 16,25 0-16,-25 0 15,25 0-15,-25 0 0,0 0 16,25 0-16,-25 0 16,25 0-16,-25 0 0,1 0 15,-1 0-15,0 0 0,0 0 16,-24 0-16,25 0 15,-26 0-15,26 0 0,-25 0 16,-1 0-16,1 0 0,24 0 16,-24 0-16,0 0 15,24 0-15,-24-24 0,0 24 16,0 0-16,0 0 16,24 0-16,-24 0 0,0 0 15,0 0-15,0 0 0,-1-25 16,1 25-16,0 0 15,0 0-15,0 0 0,24 0 16,-24 0-16,0 0 16,0 0-16,-1 0 0,1 0 15,0 0-15,0 0 0,0 0 16,0 0-16,-25 0 16,25 0-16,-25 0 0,1 0 15,-1 0 1</inkml:trace>
+  <inkml:trace contextRef="#ctx0" brushRef="#br0" timeOffset="954">49 988 0,'-25'0'0,"25"-24"31,-24 24-31,24-25 31,0 50 0,0-1-31,0 1 16,0-1-16,0 25 16,0-25-16,0 25 0,0-24 15,24 23-15,-24-23 16,0-1-16,0 1 0,0-1 16,25 1-16,-25-1 15,0 0-15</inkml:trace>
+  <inkml:trace contextRef="#ctx0" brushRef="#br0" timeOffset="1255">73 1037 0,'-24'0'16,"24"-24"-16,-25 24 15,50 0 1,-1 0 0,0 0-1,1 24-15,-1-24 0,1 24 16,-1 1-16,1-1 0,-1 1 16,25-1-16,-25 1 15,1-1-15,-1 0 0,0-24 16,1 25-16,-1-1 15,1 1-15,-1-25 0,1 24 16</inkml:trace>
+  <inkml:trace contextRef="#ctx0" brushRef="#br0" timeOffset="1518">488 988 0,'-24'-24'0,"24"-1"0,-25 25 16,25-24 0,0 48-1,0 1-15,0 24 16,25-25 0,-25 0-16,0 25 0,24-24 15,-24-1-15,0 25 16,0-25-16,25 1 0,-25-1 15,0 1-15,0-1 0,24-24 16,-24 25-16,0-1 16</inkml:trace>
+  <inkml:trace contextRef="#ctx0" brushRef="#br0" timeOffset="1992">806 1232 0,'0'-24'16,"24"24"46,1 0-46,-1 0 0,0 0-1,-24-24 1,25-1-16,-25 1 16,0-1-1,-25 25-15,25-24 16,-24 24-16,24-25 0,-24 25 15,-1 0-15,1 0 16,-1 0-16,1 25 0,-1-1 16,25 1-1,-24-25-15,24 24 0,0 25 16,24-25-16,-24 1 0,25-1 16,-1 1-16,-24-1 15,49 1-15,-24-25 0,-1 24 16,0-24-16,25 24 15,-24-24-15,-1 0 0</inkml:trace>
+  <inkml:trace contextRef="#ctx0" brushRef="#br0" timeOffset="2285">1099 842 0,'0'-25'32,"0"50"-17,0-1 1,24 1 0,-24-1-16,0 25 15,25-25-15,-1 1 16,-24 23-16,0-23 0,24 24 15,-24-25-15,25 25 0,-25-25 16,0 1-16,0-1 16,24-24-16,-24 25 0</inkml:trace>
+  <inkml:trace contextRef="#ctx0" brushRef="#br0" timeOffset="2460">1123 1135 0,'0'-25'0,"0"1"16,25 24-1,-1 0 1,0 0-16,1 0 16,-1 0-16,25 0 15,-24 0-15,-1 0 0</inkml:trace>
+  <inkml:trace contextRef="#ctx0" brushRef="#br0" timeOffset="3065">2076 964 0,'0'-25'0,"0"1"15,0 0 1,0-1-16,0 1 15,-25 24-15,25-25 0,-24 1 16,-1-1-16,1 25 0,0-24 16,-1 24-16,1 0 15,-25 0-15,24 24 0,1-24 16,0 25-16,-1-1 16,1 1-16,24-1 0,0 1 15,0-1-15,0 0 0,24 1 16,25-1-16,-25 1 15,25-25-15,-24 24 0,24 0 16,-1 1-16,1-1 16,-24-24-16,24 25 0,-25-1 15,0-24-15,25 25 0,-49-1 16,25 0-16,-25 1 16,24-1-16,-24 1 15,0-1-15,-24-24 16,24 25-16,-25-25 0,1 24 15,-1-24-15,1 0 0,0 0 16,-1 0-16,-24 0 16,25 0-16,-25 0 0,25-24 15,-1 24-15,1-25 16,-1 1-16,25-1 16</inkml:trace>
+  <inkml:trace contextRef="#ctx0" brushRef="#br0" timeOffset="3641">2589 1109 0,'24'0'15,"-24"-24"-15,0-1 16,24 1-16,-24 0 16,0-1-1,0 1-15,-24 24 0,24-25 16,-24 1-16,-1 0 16,1 24-1,-1 24-15,1 0 16,24 1-16,-25-1 15,25 1-15,0 23 0,0-23 16,0-1-16,0 1 0,25-1 16,-25 1-16,24-1 15,-24 0-15,25-24 16,-25 25-16,24-25 16,1 0-16,-1 0 31,-24-25-31,0 1 15,24 0-15,-24-1 16,0 1-16,0-1 16,25 1-16,-25-1 15,0 1-15,24 24 16,-24 24 0,25-24-16,-25 25 0,0-1 15,24 1-15,1-25 16,-25 24-16,24 1 0,-24-1 15,24 0-15,-24 1 0,25-1 16,-25 1-16,24-25 16,-24 24-16</inkml:trace>
+  <inkml:trace contextRef="#ctx0" brushRef="#br0" timeOffset="4086">2979 1037 0,'-24'0'0,"-1"-24"0,1 24 15,24-25 1,-24 25-16,24 25 31,24-25-31,-24 24 16,24 0-16,1 1 15,-25-1-15,24 25 16,-24-24-16,25-1 0,-1 0 16,-24 1-16,25-1 15,-25 1 1,24-25-16,-24-25 31,0 1-15,0-1-16,0 1 0,0-25 15,0 25-15,0-1 16,0-24-16,0 25 0,0 0 16,0-1-16,0 1 15,0-1-15,24 25 0,1 25 32,-25-1-17,24-24-15</inkml:trace>
+  <inkml:trace contextRef="#ctx0" brushRef="#br0" timeOffset="4627">3370 1037 0,'-24'0'0,"-1"0"16,1 0-1,48 24 32,-24 1-31,25-25 0,-25 24-16,24-24 15,1 0-15,-1-24 16,0-1-1,1 25-15,-1-24 0,1 24 16,-25-24-16,24-1 16,-24 1-16,0-1 15,-24 25 1,24-24-16,-25 24 0,1 0 16,-1 0-16,1 0 0,0 0 15,-1 24 1,1-24-16,24 25 0,0-1 15,0 1-15,0-1 0,0 25 16,0-25-16,24 1 16,1-1-16,-25 25 0,24-49 15,0 24-15,1 1 16,-1-1-16,1-24 0,-1 25 16,25-25-16,-25 0 0,25 0 15,-24 0-15,-1-25 16,0 25-16,1 0 0,-1-24 15,1 24 1,-25-25-16</inkml:trace>
+</inkml:ink>
+</file>
+
+<file path=ppt/ink/ink18.xml><?xml version="1.0" encoding="utf-8"?>
+<inkml:ink xmlns:inkml="http://www.w3.org/2003/InkML">
+  <inkml:definitions>
+    <inkml:context xml:id="ctx0">
+      <inkml:inkSource xml:id="inkSrc0">
+        <inkml:traceFormat>
+          <inkml:channel name="X" type="integer" max="1920" units="cm"/>
+          <inkml:channel name="Y" type="integer" max="1080" units="cm"/>
+          <inkml:channel name="T" type="integer" max="2.14748E9" units="dev"/>
+        </inkml:traceFormat>
+        <inkml:channelProperties>
+          <inkml:channelProperty channel="X" name="resolution" value="55.81395" units="1/cm"/>
+          <inkml:channelProperty channel="Y" name="resolution" value="55.6701" units="1/cm"/>
+          <inkml:channelProperty channel="T" name="resolution" value="1" units="1/dev"/>
+        </inkml:channelProperties>
+      </inkml:inkSource>
+      <inkml:timestamp xml:id="ts0" timeString="2020-10-18T02:51:29.820"/>
+    </inkml:context>
+    <inkml:brush xml:id="br0">
+      <inkml:brushProperty name="width" value="0.05" units="cm"/>
+      <inkml:brushProperty name="height" value="0.05" units="cm"/>
+      <inkml:brushProperty name="fitToCurve" value="1"/>
+    </inkml:brush>
+  </inkml:definitions>
+  <inkml:trace contextRef="#ctx0" brushRef="#br0">0 245 0,'24'-25'0,"0"1"32,-24-1-32,25 1 15,-25-1 1,0 1-1,0 0 1,0 48 15,0 0-15,-25 1 0,25 24-16,0-25 15,0 1-15,0 23 0,25 1 16,-25-24-16,24 24 15,-24-1-15,25-23 0,-25 24 16,24-25-16,-24 0 16,24 1-16,-24-1 0,25-24 15,-1 0-15,1 0 16,-1-24 0,-24-1-16,25 1 0,-25-25 15,24 25-15,0-1 16,-24-23-16,25 23 0,-25 1 15,0-1-15,24 1 16,-24 48 0,25 1-1,-25-1-15,0 1 16,24-1-16,1 0 0,-25 1 16,24-1-16,0 1 0,1-1 15,-25 0-15,24-24 16,1 25-16,-1-25 0,0 0 15,1 0-15,-1-25 16,1 1-16,-25-25 16,24 25-1,-24-1-15,0-23 0,-24-1 16,24 0-16,-25 24 0,25-23 16,-24 23-16,-1-24 15,25 25-15,-24-1 16,24 50-1,0-1 1,0 1-16,24-1 16,1-24-16</inkml:trace>
+  <inkml:trace contextRef="#ctx0" brushRef="#br0" timeOffset="815">1074 171 0,'0'-24'15,"-24"24"-15,-1 0 32,25 24-32,0 1 15,0-1-15,0 25 0,0-25 16,0 25-16,25 0 15,-25 0-15,0-25 0,24 25 16,-24-24-16,0 23 16,0-23-16,0-1 15,0 1-15,25-25 0,-25-25 16,0 1 0,0-1-16,0-23 15,0 23-15,0-24 16,0 0-16,0 1 0,0-26 15,0 26-15,0-1 0,24 0 16,-24 0-16,0 0 16,0 25-16,24 24 0,1 0 15,-1 24 1,1 25-16,-25-25 16,24 1-16,-24 24 0,24-25 15,-24 25-15,25-25 16,-25 1-16,0 24 0,24-25 15,-24 0-15,0 1 16,0-1-16,0 1 16,25-25-16,-25-25 31,0 1-15,0-1-16,0 1 15,0-25-15,0 25 0,24-25 16,-24 25-16,0-1 0,0-24 15,25 49-15,-25-24 16,24 24-16,0 24 0,1 25 16,-1-24-1,1-1-15,-25 25 0,24 0 16,1-25-16,-25 25 0,24-25 16,-24 1-16,24-1 15,-24 1-15</inkml:trace>
+  <inkml:trace contextRef="#ctx0" brushRef="#br0" timeOffset="1223">1685 25 0,'-25'0'0,"25"-25"16,-24 25-16,24 25 31,24-1-15,-24 1-16,25-1 0,-25 0 15,24 25-15,-24 0 0,25 0 16,-1 0-16,-24 0 16,0 0-16,0-1 0,0 1 15,0 0-15,0-25 0,0 25 16,0-24-1,0-1-15,24-24 16,1-24 0,-1-1-16,1 25 0,-1-24 15,25 24-15,-25-25 0,1 25 16,-1-24-16,25 24 16,-25 0-16,1 0 0,-1 0 15,1 0 1</inkml:trace>
+</inkml:ink>
+</file>
+
+<file path=ppt/ink/ink19.xml><?xml version="1.0" encoding="utf-8"?>
+<inkml:ink xmlns:inkml="http://www.w3.org/2003/InkML">
+  <inkml:definitions>
+    <inkml:context xml:id="ctx0">
+      <inkml:inkSource xml:id="inkSrc0">
+        <inkml:traceFormat>
+          <inkml:channel name="X" type="integer" max="1920" units="cm"/>
+          <inkml:channel name="Y" type="integer" max="1080" units="cm"/>
+          <inkml:channel name="T" type="integer" max="2.14748E9" units="dev"/>
+        </inkml:traceFormat>
+        <inkml:channelProperties>
+          <inkml:channelProperty channel="X" name="resolution" value="55.81395" units="1/cm"/>
+          <inkml:channelProperty channel="Y" name="resolution" value="55.6701" units="1/cm"/>
+          <inkml:channelProperty channel="T" name="resolution" value="1" units="1/dev"/>
+        </inkml:channelProperties>
+      </inkml:inkSource>
+      <inkml:timestamp xml:id="ts0" timeString="2020-10-18T02:53:16.299"/>
+    </inkml:context>
+    <inkml:brush xml:id="br0">
+      <inkml:brushProperty name="width" value="0.05" units="cm"/>
+      <inkml:brushProperty name="height" value="0.05" units="cm"/>
+      <inkml:brushProperty name="fitToCurve" value="1"/>
+    </inkml:brush>
+  </inkml:definitions>
+  <inkml:trace contextRef="#ctx0" brushRef="#br0">49 74 0,'0'-24'32,"0"-1"15,-25 25-47,25 25 31,0-1-16,0 1-15,-24-1 16,24 0-16,0 1 16,0 24-16,0-25 0,0 25 15,0-25-15,0 25 0,0-24 16,0-1-16,0 1 16,0 23-16,24-23 0,-24-1 15,0 1 1,25-1-16,-25 0 15,0 1-15</inkml:trace>
+  <inkml:trace contextRef="#ctx0" brushRef="#br0" timeOffset="602">464 172 0,'0'-25'0,"0"1"15,0 0 1,0-1-16,0 1 16,0-1-1,0 1 1,24 24 0,1 0-1,-1 0-15,1 0 16,-1 24-16,0 1 15,1-1-15,-25 25 16,0 0-16,0 0 0,0 0 16,0-25-16,0 25 15,-25 0-15,1-1 0,0-23 16,-25 24-16,24-25 16,1 1-16,-1-1 0,1-24 15,24 24-15,24-24 31,1 0-31,-1-24 16,1 24-16,-1 0 16,25-24-16,-25 24 0,25 0 15,-24 0-15,-1 24 16,1-24-16,-1 24 0,0-24 16,1 25-16,-25-1 0,24-24 15,-24 25-15</inkml:trace>
+  <inkml:trace contextRef="#ctx0" brushRef="#br0" timeOffset="852">1001 440 0,'25'0'62,"-1"-24"-46,0 24 0</inkml:trace>
+  <inkml:trace contextRef="#ctx0" brushRef="#br0" timeOffset="1390">1270 99 0,'0'-25'0,"24"25"31,-24 25 16,0-1-47,0 0 16,25 1-16,-25-1 15,24 1-15,-24 24 0,25-25 16,-25 0-16,24 1 0,0-1 16,-24 1-16,25-1 15,-1-24-15,1 0 16,-1 0-16,0 0 0,-24-24 16,25 24-16,-1-25 15,-24 1-15,25-1 0,-25 1 16,0 0-16,0-1 15,0 1-15,-25-25 0,25 24 16,0 1 0,-24 24-16,24 24 15,0 1 1,24-1-16,-24 25 16,0-24-16,0 23 0,25 1 15,-25 0-15,0-24 16,0 23-16,0 1 0,24-24 15,-24 23-15,25-23 0,-25-1 16,0 1-16,24-25 16</inkml:trace>
+  <inkml:trace contextRef="#ctx0" brushRef="#br0" timeOffset="1801">1954 172 0,'24'0'47,"0"24"-47,-24 1 15,25-1-15,-25 1 16,24-1-16,-24 0 16,0 1-16,-24-25 0,-1 24 15,1-24 1,0 0-16,-1 0 0,1 0 16,-1-24-16,25-1 15,0 1-15,0 0 16,0-1-16,0 1 0,0-1 15,25 1-15,-1-1 16,-24 1-16,25 24 0,-1 0 16,0 0-1,-24 24-15,25-24 0,-25 25 16,0-1-16</inkml:trace>
+  <inkml:trace contextRef="#ctx0" brushRef="#br0" timeOffset="2148">2271 123 0,'0'-24'15,"0"48"17,0 0-32,0 1 15,0 24-15,0-25 16,0 25-16,0-25 16,-24 25-16,24 0 0,0-24 15,-25 23-15,25-23 16,0 24-16,0-25 0,0 0 15,0 1-15,0-1 0,-24 1 16,24-1-16,0 1 16</inkml:trace>
+  <inkml:trace contextRef="#ctx0" brushRef="#br0" timeOffset="2617">2711 367 0,'-25'0'15,"50"0"32,-1 0-31,1 25-16,-25-1 15,24 0 1,-24 1-16,0-1 16,0 1-1,-24-1-15,-1 1 16,1-25-16,-1 0 15,1 0-15,0 0 16,-1-25-16,1 1 16,24-1-1,0 1-15,24-1 16,-24 1-16,25 0 0,-1-1 16,0 25-1,1 0-15,-1 0 16,-24 25-16,25-1 15</inkml:trace>
+  <inkml:trace contextRef="#ctx0" brushRef="#br0" timeOffset="3103">3272 245 0,'-24'0'15,"48"0"17,1 0-17,-1 0 1,1 0-16,-1 0 0</inkml:trace>
+  <inkml:trace contextRef="#ctx0" brushRef="#br0" timeOffset="3295">3297 392 0,'0'24'16,"24"-24"15,1 0-31,-1 0 16,1 0-1,-1 0-15,0 0 0,1 0 16</inkml:trace>
+</inkml:ink>
+</file>
+
 <file path=ppt/ink/ink2.xml><?xml version="1.0" encoding="utf-8"?>
 <inkml:ink xmlns:inkml="http://www.w3.org/2003/InkML">
   <inkml:definitions>
@@ -186,7 +544,670 @@
 </inkml:ink>
 </file>
 
+<file path=ppt/ink/ink20.xml><?xml version="1.0" encoding="utf-8"?>
+<inkml:ink xmlns:inkml="http://www.w3.org/2003/InkML">
+  <inkml:definitions>
+    <inkml:context xml:id="ctx0">
+      <inkml:inkSource xml:id="inkSrc0">
+        <inkml:traceFormat>
+          <inkml:channel name="X" type="integer" max="1920" units="cm"/>
+          <inkml:channel name="Y" type="integer" max="1080" units="cm"/>
+          <inkml:channel name="T" type="integer" max="2.14748E9" units="dev"/>
+        </inkml:traceFormat>
+        <inkml:channelProperties>
+          <inkml:channelProperty channel="X" name="resolution" value="55.81395" units="1/cm"/>
+          <inkml:channelProperty channel="Y" name="resolution" value="55.6701" units="1/cm"/>
+          <inkml:channelProperty channel="T" name="resolution" value="1" units="1/dev"/>
+        </inkml:channelProperties>
+      </inkml:inkSource>
+      <inkml:timestamp xml:id="ts0" timeString="2020-10-18T02:53:27.914"/>
+    </inkml:context>
+    <inkml:brush xml:id="br0">
+      <inkml:brushProperty name="width" value="0.05" units="cm"/>
+      <inkml:brushProperty name="height" value="0.05" units="cm"/>
+      <inkml:brushProperty name="fitToCurve" value="1"/>
+    </inkml:brush>
+  </inkml:definitions>
+  <inkml:trace contextRef="#ctx0" brushRef="#br0">398 196 0,'-25'0'109,"25"25"-93,-24-25-16,0 0 15,24 24-15,-25-24 16,1 0-16,-1 0 15,1 25-15,-1-25 0,1 0 16,0 0-16,-1 0 0,1 0 16,-1 0-1,1-25-15,24 1 32,0-1-32,0 1 15,24 0-15,-24-1 16,25 1-16,-1-1 15,-24 1-15,25-1 0,-1 25 16,0-24-16,1 24 16,-1 0-16,25 0 0,-24 0 15,-1 24-15,0 1 0,1-1 16,-25 1-16,24-1 16,-24 1-16,25 23 0,-25 1 15,0 0-15,0-24 16,-25 23-16,1 1 0,-1 0 15,1 0-15,0 0 0,-1-25 16,1 25-16,-1-24 16,-24-1-16,25 0 0,0 1 15,-1-25-15,1 0 16,-1 0-16,1 0 0,-1 0 16,1-25-16,24 1 0,0 0 15,0-1-15,0 1 16,0-1-16,24-24 0,1 49 15,-25-24-15,24 0 0,1 24 16,-1 0-16,1 0 16,-1 24-16,-24 0 0,24-24 15,1 25-15,-1-1 16,1 1-16,-1-1 0,-24 1 16,25-1-16,-1 0 0,0 1 15,-24-1-15,25-24 16,-1 25-16,1-25 15</inkml:trace>
+  <inkml:trace contextRef="#ctx0" brushRef="#br0" timeOffset="906">1008 148 0,'0'-25'0,"-24"25"32,24-24-17,-24 24-15,-1 0 16,1 0 0,-1 0-16,1 0 0,-1 0 15,1 0-15,0 0 0,-1 0 16,1 0-16,-1 0 15,1 0-15,-1 0 0,1 0 16,0 0 0,24-25-1,-25 25-15,50 25 32,-1-1-1,-24 1-31,24-25 15,-24 24-15,0 0 0,25 1 16,-25-1 0,0 1-16,0-1 0,0 1 15,0 23-15,0-23 16,0-1-16,0 1 0,0-1 16,0 1-16,0-1 15,24-24 1,1 0-1,-25-24-15,24-1 16,-24 1 0,25 24-16,-25-25 0,24 1 15,0 24-15,-24-25 16,25 25-16,-1 0 0,-24-24 16,25 24-16,-1 0 0,1 24 15,-1-24 1,0 25-16,1-25 0,-25 24 15,24 1-15,1-1 16,-25 1-16,0-1 0,24 25 16,-24-25-16,0 1 0,0-1 15,0 0-15,-24 1 16,24-1-16,-25-24 0,1 25 16,-1-25-16,1 24 15,0-24-15,-1 0 0,1 0 16,-25 25-16,24-25 15,1 0-15,-25 0 0,25 0 16,-1 0-16,1-25 0,-1 25 16</inkml:trace>
+  <inkml:trace contextRef="#ctx0" brushRef="#br0" timeOffset="1602">1485 421 0,'0'-24'16,"-24"24"-16,0 0 16,-1 0-1,1 24-15,-1-24 16,25 25-16,0-1 16,-24 1-16,24-1 0,0 25 15,-25-25-15,25 25 16,0 0-16,0-25 0,0 25 15,25-24-15,-25-1 0,24 0 16,1 1-16,-1-25 16,25 24-16,-25-24 0,25 0 15,-24 0-15,24-24 0,-25 24 16,0-25-16,1 1 16,-1 0-16,-24-1 0,0 1 15,0-25-15,-24 24 16,-1 1-16,1 0 0,-25-25 15,25 24-15,-25 1 0,0 0 16,25-1-16,-25 1 16,24 24-16,1-25 0,-1 1 15,25-1-15,0 1 16,-24-49-16,24 48 16,0 1-16,24-1 0,-24-23 15,25 23-15,-25 1 16,24-1-16,-24 1 0,25 0 15,-1-1-15,1 25 16,-1 0-16,0 0 0,1 0 16,-1 25-16,1-25 0,-1 24 15,1 25-15,-1-25 16,0 25-16,-24 0 0,0-25 16,0 25-16,-24 0 15,0 0-15,-1-25 0,1 25 16</inkml:trace>
+</inkml:ink>
+</file>
+
+<file path=ppt/ink/ink21.xml><?xml version="1.0" encoding="utf-8"?>
+<inkml:ink xmlns:inkml="http://www.w3.org/2003/InkML">
+  <inkml:definitions>
+    <inkml:context xml:id="ctx0">
+      <inkml:inkSource xml:id="inkSrc0">
+        <inkml:traceFormat>
+          <inkml:channel name="X" type="integer" max="1920" units="cm"/>
+          <inkml:channel name="Y" type="integer" max="1080" units="cm"/>
+          <inkml:channel name="T" type="integer" max="2.14748E9" units="dev"/>
+        </inkml:traceFormat>
+        <inkml:channelProperties>
+          <inkml:channelProperty channel="X" name="resolution" value="55.81395" units="1/cm"/>
+          <inkml:channelProperty channel="Y" name="resolution" value="55.6701" units="1/cm"/>
+          <inkml:channelProperty channel="T" name="resolution" value="1" units="1/dev"/>
+        </inkml:channelProperties>
+      </inkml:inkSource>
+      <inkml:timestamp xml:id="ts0" timeString="2020-10-18T02:54:03.483"/>
+    </inkml:context>
+    <inkml:brush xml:id="br0">
+      <inkml:brushProperty name="width" value="0.05" units="cm"/>
+      <inkml:brushProperty name="height" value="0.05" units="cm"/>
+      <inkml:brushProperty name="fitToCurve" value="1"/>
+    </inkml:brush>
+  </inkml:definitions>
+  <inkml:trace contextRef="#ctx0" brushRef="#br0">24 149 0,'0'-25'16,"-24"25"-16,24-24 0,0 0 31,0 48 1,0 0-32,0 1 15,0 24-15,24-25 0,-24 25 16,0 0-16,25 0 15,-25 0-15,24-1 0,-24-23 16,24 24-16,-24-25 0,25 0 16,-25 1-16,0-1 15,24-24-15,-24 25 0,25-25 16,-25-25 0</inkml:trace>
+  <inkml:trace contextRef="#ctx0" brushRef="#br0" timeOffset="498">537 146 0,'-24'0'0,"24"-25"31,-25 25-16,1 25 1,-1-1 0,1 1-1,24 24-15,0-25 0,0 25 16,0-25-16,0 25 16,0 0-16,0-25 0,24 25 15,-24-24-15,25-1 16,-1 0-16,-24 1 0,25-25 15,-1 24-15,1-24 0,-1 0 16,0-24-16,1-1 16,24 1-16,-25 0 0,0-1 15,-24 1-15,25-25 16,-1 0-16,-24 0 0,0 25 16,0-25-16,-24 0 0,-1 25 15,1-25-15,0 24 16,-1 25-16,-24-24 0,25 24 15,0 0-15,-1 0 16,1 24-16,-1-24 0,1 25 16,24-1-16,0 1 15,0-1-15,0 1 16,24-1-16</inkml:trace>
+  <inkml:trace contextRef="#ctx0" brushRef="#br0" timeOffset="1398">1343 149 0,'24'0'16,"1"0"0,-25-25-1,24 25 1,-24 25-16,0-1 16,-24-24-1,24 25-15,-25-25 16,25 24-16,-24 1 15,0-25-15,-1 0 16,-24 24 0,25-24-16,0 0 15,-1 0-15,1-24 16,-1 24-16,25-25 0,0 1 16,0-1-16,0 1 15,25-1-15,-25 1 16,0 0-16,24-1 15,1 1-15,-1-1 16,0 25 0,1 25-16,-25-1 15,24 1-15,1-1 16,-25 0-16,24 25 0,0 0 16,-24-24-16,0 23 0,0 1 15,0-24-15,-24 24 16,24-25-16,-24 25 0,-1-25 15,1 1-15,-1-1 0,1 0 16,0-24-16,-1 25 16,1-25-16,-1 0 15,1 0 1,24-25-16,0 1 16,0 0-16,0-1 15,0 1-15,24-1 16,-24-23-16,25 23 0,-25 1 15,24-1-15,1 1 16,-1 24 0,-24 24-16,24 1 15,-24-1-15,25 1 16,-25-1-16,24 25 0,1-25 16,-1 1-16,0-1 15,1 0-15,-1 1 0,1-25 16,24 24-16,-25-24 0,0 0 15,1 0-15,-1 0 16,1 0-16,-1 0 0,1 0 16,-1 0-16,0-24 15,-24-1-15,0 1 16,-24 0 0,0-1-1,-1 25-15</inkml:trace>
+</inkml:ink>
+</file>
+
+<file path=ppt/ink/ink22.xml><?xml version="1.0" encoding="utf-8"?>
+<inkml:ink xmlns:inkml="http://www.w3.org/2003/InkML">
+  <inkml:definitions>
+    <inkml:context xml:id="ctx0">
+      <inkml:inkSource xml:id="inkSrc0">
+        <inkml:traceFormat>
+          <inkml:channel name="X" type="integer" max="1920" units="cm"/>
+          <inkml:channel name="Y" type="integer" max="1080" units="cm"/>
+          <inkml:channel name="T" type="integer" max="2.14748E9" units="dev"/>
+        </inkml:traceFormat>
+        <inkml:channelProperties>
+          <inkml:channelProperty channel="X" name="resolution" value="55.81395" units="1/cm"/>
+          <inkml:channelProperty channel="Y" name="resolution" value="55.6701" units="1/cm"/>
+          <inkml:channelProperty channel="T" name="resolution" value="1" units="1/dev"/>
+        </inkml:channelProperties>
+      </inkml:inkSource>
+      <inkml:timestamp xml:id="ts0" timeString="2020-10-18T02:54:02.870"/>
+    </inkml:context>
+    <inkml:brush xml:id="br0">
+      <inkml:brushProperty name="width" value="0.05" units="cm"/>
+      <inkml:brushProperty name="height" value="0.05" units="cm"/>
+      <inkml:brushProperty name="fitToCurve" value="1"/>
+    </inkml:brush>
+  </inkml:definitions>
+  <inkml:trace contextRef="#ctx0" brushRef="#br0">49 5 0,'-25'0'16,"1"0"15,48 0 0,1 0-15,-1 0-1,1 0-15,-1 0 0,0 0 16,1 0-16,-1 0 16,1 0-16,-25 24 0</inkml:trace>
+  <inkml:trace contextRef="#ctx0" brushRef="#br0" timeOffset="193">146 103 0,'-24'0'0,"0"24"0,-1 1 16,1-25-16,24 24 16,-25 0-16,1 1 15,24-1-15,24-24 32,1 0-32,24 25 15,-25-25-15,25 0 16,0 0-16,-25 0 0,25-25 15,0 25-15,-25 0 0,1-24 16,-1 24-16</inkml:trace>
+</inkml:ink>
+</file>
+
+<file path=ppt/ink/ink23.xml><?xml version="1.0" encoding="utf-8"?>
+<inkml:ink xmlns:inkml="http://www.w3.org/2003/InkML">
+  <inkml:definitions>
+    <inkml:context xml:id="ctx0">
+      <inkml:inkSource xml:id="inkSrc0">
+        <inkml:traceFormat>
+          <inkml:channel name="X" type="integer" max="1920" units="cm"/>
+          <inkml:channel name="Y" type="integer" max="1080" units="cm"/>
+          <inkml:channel name="T" type="integer" max="2.14748E9" units="dev"/>
+        </inkml:traceFormat>
+        <inkml:channelProperties>
+          <inkml:channelProperty channel="X" name="resolution" value="55.81395" units="1/cm"/>
+          <inkml:channelProperty channel="Y" name="resolution" value="55.6701" units="1/cm"/>
+          <inkml:channelProperty channel="T" name="resolution" value="1" units="1/dev"/>
+        </inkml:channelProperties>
+      </inkml:inkSource>
+      <inkml:timestamp xml:id="ts0" timeString="2020-10-18T02:54:00.734"/>
+    </inkml:context>
+    <inkml:brush xml:id="br0">
+      <inkml:brushProperty name="width" value="0.05" units="cm"/>
+      <inkml:brushProperty name="height" value="0.05" units="cm"/>
+      <inkml:brushProperty name="fitToCurve" value="1"/>
+    </inkml:brush>
+  </inkml:definitions>
+  <inkml:trace contextRef="#ctx0" brushRef="#br0">49 98 0,'-25'0'0,"25"-25"16,0 1-16,-24-1 16,24 1-1,0 48 17,0 1-32,0-1 15,0 1-15,0-1 0,0 0 16,24 1-16,-24 24 15,25 0-15,-25-25 0,24 25 16,-24 0-16,25 0 16,-25-25-16,0 25 0,24-25 15,-24 1-15,0-1 0,0 0 16,24-24-16,-24 25 16</inkml:trace>
+  <inkml:trace contextRef="#ctx0" brushRef="#br0" timeOffset="456">415 391 0,'0'-25'16,"-24"25"-16,-1-24 15,50 48 32,-1-24-31,0 0-16,1 0 15,-1 0-15,1 0 16,-1 0-16,-24-24 0,25 24 16,-25-25-16,24 25 15,-24-24-15,0 0 16,0-1-16,-24 25 0,-1 0 15,1 0-15,-1-24 16,1 24-16,-1 0 0,-23 24 16,23-24-16,-24 25 15,25-25-15,0 24 0,24 0 16,-25 1-16,25-1 0,0 25 16,25-24-16,-25-1 15,24 0-15,0 25 0,25-24 16,-24-1-16,23 1 15,-23-25-15,24 24 0,-25-24 16,25 0-16,-25 0 0,25-24 16</inkml:trace>
+  <inkml:trace contextRef="#ctx0" brushRef="#br0" timeOffset="937">904 317 0,'0'-24'15,"0"0"1,0-1 0,0 1-16,-25 24 15,1-25-15,-1 25 16,1 0 0,-1 0-16,25 25 0,-24-25 15,0 24-15,-1 1 0,25-1 16,-24 0-16,24 1 15,0 24-15,0-25 0,0 1 16,0-1-16,24 0 16,1 1-16,-1-1 15,0-24 1,1 0-16,-1 0 0,1 0 16,-1 0-16,-24-24 0,25 24 15,-1-25-15,-24 1 16,0 0-16,0-1 0,0 1 15,0-1-15,0 1 0,0-1 16,0 1 0,24 24-1,-24 24 1,25 1-16,-25 24 0,0-25 16,24 1-16,-24-1 0,25 25 15,-25-25-15,24 1 16,1-1-16,-1-24 15,0 0 1</inkml:trace>
+  <inkml:trace contextRef="#ctx0" brushRef="#br0" timeOffset="1320">1172 391 0,'0'-49'16,"0"24"-16,0 1 15,0 0-15,-24-1 0,24 1 16,0-1-16,0 50 31,24-1-31,-24 25 16,25-25-16,-1 25 15,-24-24-15,24 24 0,1-25 16,-25 25-16,24-25 0,1-24 16,-25 25-16,24-25 15,1 0-15,-1 0 16,0-25-1,1 1-15,-25-25 16,0 25-16,0-1 0,24-24 16,-24 25-16,0-25 15,0 25-15,0-1 0,0 1 16,0-1 0,0 50-1,25-25 1,-25 24-1,24-24-15,1 25 0,-1-25 16,0 0-16</inkml:trace>
+  <inkml:trace contextRef="#ctx0" brushRef="#br0" timeOffset="1783">1709 293 0,'0'24'16,"25"-24"-16,-25 25 46,24-25-30,-24 24-16,25-24 16,-25 25-16,24-25 15,-24 24 1,25-24-16,-1 0 0,0 0 16,1 0-1,-1 0-15,-24-24 16,25-1-16,-25 1 15,0-1-15,0 1 0,0 0 16,0-1-16,-25 1 16,1-1-16,-1 25 15,1 0-15,0 0 16,-25 0-16,24 25 0,1-25 16,-1 24-16,1 25 15,0-25-15,24 25 0,-25 0 16,25-24-16,25 23 0,-25 1 15,24-24-15,0-1 16,1 25-16,-1-49 0,1 24 16,-1 1-16,25-25 0,-25 0 15,25 0-15,-24 0 16,-1 0-16,1 0 0,-1-25 16,0 1-16,-24-1 15,25 1-15,-25 0 0,0-1 16</inkml:trace>
+</inkml:ink>
+</file>
+
+<file path=ppt/ink/ink24.xml><?xml version="1.0" encoding="utf-8"?>
+<inkml:ink xmlns:inkml="http://www.w3.org/2003/InkML">
+  <inkml:definitions>
+    <inkml:context xml:id="ctx0">
+      <inkml:inkSource xml:id="inkSrc0">
+        <inkml:traceFormat>
+          <inkml:channel name="X" type="integer" max="1920" units="cm"/>
+          <inkml:channel name="Y" type="integer" max="1080" units="cm"/>
+          <inkml:channel name="T" type="integer" max="2.14748E9" units="dev"/>
+        </inkml:traceFormat>
+        <inkml:channelProperties>
+          <inkml:channelProperty channel="X" name="resolution" value="55.81395" units="1/cm"/>
+          <inkml:channelProperty channel="Y" name="resolution" value="55.6701" units="1/cm"/>
+          <inkml:channelProperty channel="T" name="resolution" value="1" units="1/dev"/>
+        </inkml:channelProperties>
+      </inkml:inkSource>
+      <inkml:timestamp xml:id="ts0" timeString="2020-10-18T02:53:59.391"/>
+    </inkml:context>
+    <inkml:brush xml:id="br0">
+      <inkml:brushProperty name="width" value="0.05" units="cm"/>
+      <inkml:brushProperty name="height" value="0.05" units="cm"/>
+      <inkml:brushProperty name="fitToCurve" value="1"/>
+    </inkml:brush>
+  </inkml:definitions>
+  <inkml:trace contextRef="#ctx0" brushRef="#br0">0 48 0,'0'-24'31,"0"0"0,0 48 32,0 0-48,24 1-15,-24-1 16,24 25-16,-24-24 16,25 23-16,-25 1 0,24 0 15,-24 0-15,25-25 0,-25 25 16,0 0-16,24-24 16,-24-1-16,0 25 0,0-25 15,0 1-15,0-1 16,0 1-1,0-50 17,0 1-32,0-1 15,24-24 1,-24 25-16,25-25 0,-25 25 16,24-25-16,1 0 0,-1 0 15,1 25-15,-1-1 16,0 1-16,1 24 0,-1 0 15,1 0-15,-1 0 0,1 24 16,-25 1-16,24-1 16,-24 25-16,0-25 0,24 25 15,-24-24-15,0 24 16,25-25-16,-25 0 0,0 1 16,24-25-16,-24 24 0</inkml:trace>
+  <inkml:trace contextRef="#ctx0" brushRef="#br0" timeOffset="978">781 317 0,'0'-24'15,"0"-1"-15,0 1 16,0 48 15,0 1-15,0-1-16,0 25 15,0-25-15,0 25 0,0-24 16,0 24-16,0-25 0,0 0 16,24 1-16,-24-1 15,25-24-15,-1 25 0,1-25 16,-1 0-1,-24-25-15,25 1 16,-25-1-16,0 1 16,0 0-16,-25-1 15,25 1-15,-24-1 0,-1-24 16,1 25-16,24 0 16,-25-1-16,1 1 0,24-1 15,24 1 16,1 24-15,-1 0 0,1 0-16,-1 0 0,1 0 15,-1 0-15,0 0 16,1 0-16,-1 0 16,1 0-16,-1 24 31,1 1-16,-25-1-15,0 1 16,0-1-16,24 0 16,-24 1-16,0 24 0,0-25 15,0 1-15,0-1 0,0 0 16,0 1-16,24-25 16,-24 24-16,25 1 15,-1-25 1,1 0-16,-1 0 15,1-25-15,-25 1 0,24 24 16,-24-49-16,0 25 16,0-1-16,0 1 0,24-1 15,-24-24-15,0 25 16,0 0-16,25 48 31,-25 0-15,0 1-16,24-1 0,1 1 15,-25-1-15,24 1 16,1 23-16,-25-23 0,24-1 16,0 1-16,1-25 0,-1 24 15,1-24 1,-1 0-16,0 0 0,-24-24 16,25-1-16,-1 1 15,1-1-15,-25 1 0,24-25 16,-24 0-16,0 25 0,0-25 15,-24 25-15,24-1 16,-25 1-16,1-1 0,-1 25 16,1 0-16,0 0 15,-1 0-15,1 0 16,24 25-16,0-1 16</inkml:trace>
+</inkml:ink>
+</file>
+
+<file path=ppt/ink/ink25.xml><?xml version="1.0" encoding="utf-8"?>
+<inkml:ink xmlns:inkml="http://www.w3.org/2003/InkML">
+  <inkml:definitions>
+    <inkml:context xml:id="ctx0">
+      <inkml:inkSource xml:id="inkSrc0">
+        <inkml:traceFormat>
+          <inkml:channel name="X" type="integer" max="1920" units="cm"/>
+          <inkml:channel name="Y" type="integer" max="1080" units="cm"/>
+          <inkml:channel name="T" type="integer" max="2.14748E9" units="dev"/>
+        </inkml:traceFormat>
+        <inkml:channelProperties>
+          <inkml:channelProperty channel="X" name="resolution" value="55.81395" units="1/cm"/>
+          <inkml:channelProperty channel="Y" name="resolution" value="55.6701" units="1/cm"/>
+          <inkml:channelProperty channel="T" name="resolution" value="1" units="1/dev"/>
+        </inkml:channelProperties>
+      </inkml:inkSource>
+      <inkml:timestamp xml:id="ts0" timeString="2020-10-18T02:47:49.065"/>
+    </inkml:context>
+    <inkml:brush xml:id="br0">
+      <inkml:brushProperty name="width" value="0.05" units="cm"/>
+      <inkml:brushProperty name="height" value="0.05" units="cm"/>
+      <inkml:brushProperty name="fitToCurve" value="1"/>
+    </inkml:brush>
+  </inkml:definitions>
+  <inkml:trace contextRef="#ctx0" brushRef="#br0">14190 1393 0,'0'-25'16,"0"1"-16,0-1 16,0 1-1,24 24 1,-24 24 15,25 1-31,-25-1 16,0 1-16,0-1 15,24 25-15,-24-25 0,25 25 16,-1 24-16,-24-24 0,24 0 16,1 24-16,-1-24 15,-24 0-15,25 24 0,-25-24 16,24 24-16,-24-24 15,0 0-15,25 24 0,-25-24 16,0 0-16,24 24 0,-24-24 16,0 0-16,0 24 15,0-24-15,24 0 0,-24 24 16,0-24-16,0 24 16,0-24-16,0 25 0,0-26 15,0 1-15,0 0 0,0 0 16,0 0-16,0 0 15,0-1-15,0 1 0,0 0 16,0 0-16,0-25 16,0 25-16,0 0 0,0-24 15,0 23-15,0 1 0,0-24 16,25 24-16,-25-1 16,0-23-16,0 24 0,0-25 15,0 25-15,0-25 16,0 1-16,0 24 0,0-25 15,0 25-15,0-25 0,0 1 16,0 24-16,0-25 16,24 25-16,-24-25 0,0 25 15,0-25-15,0 25 16,0-24-16,0 24 0,0-1 16,0 1-16,0 0 0,0-24 15,0 23-15,0 1 16,0 0-16,0-24 0,0 23 15,0-23-15,0 24 16,0-25-16,25 25 0,-25-25 16,0 1-16,0 24 0,24-25 15,-24 0-15,0 1 16,0 24-16,0-25 0,25 1 16,-25-1-16,0 25 15,0-25-15,0 1 0,0-1 16,0 1-16,0-1 0,0 0 15,0 25-15,0-24 16,0-1-16,0 0 0,0 1 16,0-1-16,0 1 0,0-1 15,0 1-15,0-1 16,0 0-16,0 1 16,0-1-1,0 1-15,0-1 0,24 25 16,-24 0-16,0-25 0,0 25 15,0-24-15,0 23 16,24 1-16,-24-24 0,0-1 16,0 1-16,0-1 15,0 0-15,25 1 16,-25-1 0,24-24-1,-24 25-15,25-1 16,-25 0-16,0 1 15,-25-50 17</inkml:trace>
+  <inkml:trace contextRef="#ctx0" brushRef="#br0" timeOffset="2635">1148 1515 0,'24'-25'15,"1"25"-15,-1 0 16,1 0 0,-1 0-16,1 0 15,-1 0 1,0 0-16,1 0 15,24 0-15,-25 0 16,25 0-16,0 0 0,0 0 16,24-24-16,25 24 15,-25-25-15,25 25 0,24-24 16,-25 24-16,25-24 0,1-1 16,-26 25-16,25-24 15,1-1-15,-26 25 0,1 0 16,24-24-16,-24 24 0,-1 0 15,25-25-15,-24 25 16,24 0-16,25 0 0,-25-24 16,25 24-16,-1-24 15,25 24-15,-24-25 0,23 25 16,1-24-16,25 24 0,-25-25 16,24 1-16,1 24 15,-25-24-15,24 24 0,0 0 16,-24-25-16,25 25 15,-50 0-15,25-24 0,-24 24 16,24 0-16,-25 0 0,25 0 16,0-25-16,0 25 15,0 0-15,0 0 0,0 0 16,0 0-16,0 0 16,-25 0-16,1 0 0,0 0 15,-1 25-15,1-25 0,-1 0 16,-24 24-16,25-24 15,-1 0-15,-24 0 0,25 25 16,0-25-16,-1 0 16,-24 0-16,25 24 0,-25-24 15,24 0-15,-24 0 0,25 24 16,-25-24-16,0 0 16,0 0-16,25 0 0,-25 0 15,0 25-15,0-25 16,0 0-16,0 0 0,-24 0 15,24 0-15,-24 24 0,24-24 16,-24 0-16,-1 0 16,1 0-16,0 0 0,0 0 15,-1 0-15,1 0 16,0 25-16,-1-25 0,1 0 16,0 0-16,-1 0 0,1 0 15,0 0-15,24 0 16,-24 0-16,-1 0 0,1 0 15,0 0-15,-1 0 16,1 0-16,0 0 0,-1 0 16,1 0-16,24 0 0,-24 0 15,24 0-15,0 0 16,0 0-16,0 24 0,0-24 16,1 0-16,23 0 0,-24 0 15,25 0-15,-25 24 16,24-24-16,1 0 0,-25 0 15,49 0-15,-24 0 16,-1 25-16,1-25 0,24 0 16,-25 0-16,25 0 15,-24 24-15,24-24 0,-25 0 16,25 0-16,-24 25 0,24-25 16,-25 0-16,25 0 15,0 24-15,0-24 0,-24 0 16,24 0-16,0 25 0,0-25 15,-25 24-15,25-24 16,0 0-16,0 24 0,0-24 16,-25 25-16,25-25 15,0 24-15,-24-24 0,24 0 16,-25 25-16,1-25 0,-1 24 16,1-24-16,-25 25 15,0-25-15,0 24 16,0-24-16,-24 24 0,0-24 15,-25 0-15,0 25 0,1-25 16,-26 0-16,1 0 16,0 0-16,-24-25 0,23 25 15,1-24-15,0 24 0,0 0 16,0-24-16,24 24 16,0 0-16,1-25 0,23 25 15,1 0-15,-25 0 0,49 0 16,-24 0-16,24-24 15,0 24-15,0 0 0,1 0 16,23 0-16,1 0 16,-25 0-16,24 0 0,-48 24 15,24-24-15,-24 0 16,-25 25-16,25-25 0,-49 24 16,24-24-16,0 24 0,0-24 15,-24 25-15,49-25 16,-25 0-16,25 24 0,0-24 15,-1 25-15,1-25 0,0 24 16,24-24-16,-25 25 16,26-25-16,-26 0 0,25 24 15,-24-24-15,0 0 16,0 0-16,-25 0 0,0 0 16,0 0-16,-24 0 0,0 0 15,0 0-15,-25 0 16,25 0-16,-24 0 0,-1 0 15,0 0-15,1 0 16,-1 0-16,1 24 0,-1-24 16,0 25-16</inkml:trace>
+  <inkml:trace contextRef="#ctx0" brushRef="#br0" timeOffset="4037">2296 513 0,'-25'0'0,"25"-24"0,-24 0 16,0 24-16,-1-25 0,1 1 16,-1 24-16,1 0 15,0 0-15,-1 24 0,-24-24 16,25 25-16,-25-1 0,25 0 16,-25 1-16,24 24 15,1-25-15,-1 25 0,1 0 16,24 0-16,0-25 15,24 25-15,1-25 0,-1 25 16,1-24-16,24 23 0,-25-23 16,25-25-16,0 24 15,24-24-15,-24 0 0,0 0 16,-1 0-16</inkml:trace>
+  <inkml:trace contextRef="#ctx0" brushRef="#br0" timeOffset="4471">2760 708 0,'0'-25'0,"-24"1"31,-1 24-31,1-25 15,-1 25-15,1 0 16,-1 0-16,25 25 16,-24-25-16,0 24 0,24 1 15,0-1-15,0 1 16,0-1-16,0 0 0,0 1 16,24-1-16,0 1 15,1-25-15,-1 24 16,1-24-16,-1 0 0,1 0 15,-1-24-15,0 24 16,1-25-16,-25 1 0,24-1 16,-24 1-16,0 0 15,0-1-15,0 1 16,-24-1-16,-1 1 0,1-1 16,0 25-16,-1-24 15,1 24-15,-1 0 16,1 0-16,24 24 15</inkml:trace>
+  <inkml:trace contextRef="#ctx0" brushRef="#br0" timeOffset="4913">3395 538 0,'0'-25'16,"-24"25"-16,24-24 15,-25 24-15,1-24 0,-1 24 16,1 0-16,-1 0 0,1 0 16,-25 0-16,25 0 15,-1 0-15,1 24 0,-1 0 16,25 1-1,0-1 1,25-24-16,-1 25 16,1-25-16,-1 24 0,25 0 15,-25-24-15,25 0 0,-24 25 16,-1-25-16,1 24 16,-1-24-16,0 25 0,1-1 15,-1 1-15,-24-1 16,0 0-1,-24 1-15,-1-25 0,1 24 16,0-24-16,-1 0 16,1 0-16,-1 0 0,1 0 15,-1-24-15,1-1 16,24 1-16</inkml:trace>
+  <inkml:trace contextRef="#ctx0" brushRef="#br0" timeOffset="5207">3541 342 0,'0'-24'15,"0"0"-15,-24-1 0,24 1 16,0-1-1,24 50 1,-24-1-16,25 1 0,-25 23 16,24-23-16,1 24 0,-1 0 15,-24-1-15,25 1 16,-1-24-16,-24 24 0,24-25 16,-24 25-16,25-25 0,-25 1 15,24-25 1,-24 24-16</inkml:trace>
+  <inkml:trace contextRef="#ctx0" brushRef="#br0" timeOffset="5388">3615 562 0,'-25'0'0,"25"-24"31,25 24-16,24 0-15,-25 0 16,0-25-16,25 25 0,-24 0 16,24 0-16,-25 0 15</inkml:trace>
+  <inkml:trace contextRef="#ctx0" brushRef="#br0" timeOffset="5768">4494 367 0,'-24'-25'0,"-1"1"0,1 0 16,-1-1-16,1 1 16,-1-1-16,25 1 0,-24 24 15,24 24 1,0 1-16,0-1 16,0 1-16,0 23 0,24 1 15,-24 0-15,25 0 16,-25 0-16,24 0 0,1 0 15,-1-1-15,-24 1 16,25-24-16,-1 23 0,-24-23 16,24-1-16,-24 1 0,25-25 15</inkml:trace>
+  <inkml:trace contextRef="#ctx0" brushRef="#br0" timeOffset="6280">4445 660 0,'-24'-24'16,"-1"24"-16,25-25 0,-24 25 16,24-24-1,24 24 1,1 0-16,-1 0 0,1-25 16,23 25-16,1 0 15,0 0-15,0-24 0,0 24 16,-25 0-16,25 0 0,-25 0 15,1-25-15,-1 25 16,-48 0 0,-1 0-1,1 0 1,24 25 0,-24-25-16,24 24 15,0 1-15,0-1 0,0 1 16,0-1-16,0 0 0,24 1 15,0-25 1,1 24-16,24-24 0,-25 0 16,1 0-16,23 0 15,-23-24-15,-1 24 0,1-25 16,-1 25-16,-24-24 0,25 24 16,-25-24-16,-25-1 15,1 1-15,-1 24 16,1-25-16,-25 1 15,25-1-15,-1 1 0,1 24 16,-1-24-16,1 24 0,-1 0 16,25 24-1,0 0-15,0 1 16</inkml:trace>
+  <inkml:trace contextRef="#ctx0" brushRef="#br0" timeOffset="6635">5764 489 0,'-49'-24'15,"25"24"-15,-1 0 0,1-25 16,-1 25-16,1-24 16,0 24-16,-1 0 15,1 0-15,-1 0 16,1 0-16,-1 0 16,1 24-16,24 1 15,-24-1-15,24 0 16,0 1-16,0 24 0,24-25 15,-24 25-15,24-25 16,1 1-16,-1-1 0,1-24 16,24 25-16,-1-25 0</inkml:trace>
+  <inkml:trace contextRef="#ctx0" brushRef="#br0" timeOffset="7463">6057 440 0,'-24'0'16,"-1"-24"-16,1 24 15,-1 0-15,1-25 0,0 25 16,-1 0 0,25 25-1,-24-1-15,24 1 16,0-1-16,-25 0 15,25 1-15,0-1 0,0 1 16,25-1-16,-25 1 0,24-1 16,1-24-16,-1 24 15,25-24-15,-25 0 0,25 0 16,0-24-16,-25 24 0,1-24 16,24-1-16,-25 1 15,-24-1-15,0 1 16,-24-1-16,24 1 15,-25 0-15,-24-1 0,25 1 16,-1 24-16,1-25 0,0 1 16,-1 24-16,1 0 15,24 24-15,0 1 16,0-1-16,0 1 16,0-1-16,24 0 0,1 1 15,-1-1-15,0-24 16,1 0-1,-1 0-15,-24-24 16,25 24-16,-1-25 16,-24 1-16,25 24 0,-1-24 15,-24-1-15,24 1 0,1-1 16,-1 1 0,1 24-1,-25 24-15,24 1 16,1-1-16,-25 1 15,24-1-15,-24 0 0,24 1 16,-24-1-16,25 1 16,-25-1-16,24 1 15,-24-50 1,25 25 0,-25-24-16,24-1 15,-24-24-15,24 25 16,-24 0-16,25-1 0,-1-24 15,-24 25-15,25-1 16,-1 25-16,1 0 0,-1 0 16,0 0-16,-24 25 15,25-1-15,-1 1 16,-24-1-16,25 1 0,-25-1 16,0 0-16,24 1 15,-24-1-15,25 1 16</inkml:trace>
+  <inkml:trace contextRef="#ctx0" brushRef="#br0" timeOffset="7732">6936 269 0,'0'-24'0,"0"-1"15,0-24-15,0 25 16,0 0-16,0 48 31,25 0-31,-25 1 0,24-1 16,-24 25-16,25 0 0,-25-25 16,24 25-16,-24 0 15,24 0-15,-24-25 0,25 1 16,-25 24-16,0-25 15,0 0 1</inkml:trace>
+  <inkml:trace contextRef="#ctx0" brushRef="#br0" timeOffset="8282">6961 513 0,'-25'0'0,"25"-24"15,-24 24-15,24-24 16,24 24-1,1-25-15,-1 25 0,1 0 16,23 0-16,1-24 16,0 24-16,0 0 0,0 0 15,24 0-15,-24 0 0,0 0 16,-25 0-16,25-25 16,-25 25-16,1 0 0,-25-24 31,-25 24-31,25-25 15,-24 25-15,0-24 0,-1 24 16,-24 0-16,25 0 16,-1 0-16,1 0 0,24 24 15,-24-24-15,24 25 16,-25-1-16,25 1 0,0-1 16,0 1-16,0 23 0,25-23 15,-25-1-15,0 1 16,24-25-16,0 24 0,1-24 15,-1 0 1,1 0-16,-1 0 0,1 0 16,-25-24-16,24-1 0,0 25 15,-24-24-15,0-1 16,0 1-16,0 0 0,0-25 16,0 24-16,0 1 15,0-1-15,0 50 31,25-1-31,-1 1 16,-24-1-16,25 1 0,-25-1 16,24 0-16,1 1 0,-25-1 15,24 1-15,0-25 16</inkml:trace>
+  <inkml:trace contextRef="#ctx0" brushRef="#br0" timeOffset="8602">7986 416 0,'0'-25'16,"-24"1"0,0-1-16,-1 1 15,1 24-15,-1 0 16,1 0-16,-1 0 15,1 0-15,24 24 0,-24-24 16,-1 25-16,25-1 0,0 1 16,0-1-16,0 1 15,0-1-15,0 0 0,25 1 16,-1-1-16,0 1 16,1-25-16,-1 24 0,1 0 15,24-24-15,-25 0 0,0 0 16,1 0-16,-1 0 15,1-24-15,-1 0 0</inkml:trace>
+  <inkml:trace contextRef="#ctx0" brushRef="#br0" timeOffset="8844">8060 171 0,'0'-24'15,"-25"0"-15,25-1 16,0 1-16,0 48 15,0 1-15,0-1 16,25 0-16,-25 1 16,24 24-16,1 0 0,-1-25 15,-24 25-15,24 0 16,1 0-16,-1-25 0,1 25 16,-1-25-16,1 1 0,-25-1 15,24 1-15,-24-1 16</inkml:trace>
+  <inkml:trace contextRef="#ctx0" brushRef="#br0" timeOffset="9058">8109 391 0,'-25'0'15,"1"0"1,48 0 15,1 0-31,-1 0 0,0 0 16,25 0-16,-24-24 15,24 24-15,-25 0 0,0 0 16,1-25-16,-1 25 0,1 0 16</inkml:trace>
+  <inkml:trace contextRef="#ctx0" brushRef="#br0" timeOffset="9738">9012 342 0,'-24'0'0,"-1"0"16,25-24 0,25 24 31,-1-24-32,1 24-15,-1 0 0,0 0 16,1 0-16,-1 0 15,1 0-15,-1 0 16</inkml:trace>
+  <inkml:trace contextRef="#ctx0" brushRef="#br0" timeOffset="9959">9061 489 0,'-24'24'16,"48"-48"15,0 24-15,1 0-16,-1 0 16,1 0-16,-1 0 15,1 0-15,-1 0 0,-24-24 16,24 24-16</inkml:trace>
+  <inkml:trace contextRef="#ctx0" brushRef="#br0" timeOffset="10902">9574 196 0,'0'-25'32,"24"25"-1,-24 25-15,25-1-16,-25 1 15,0-1-15,24 1 0,-24 23 16,25-23-16,-1 24 15,-24-25-15,24 25 0,1-25 16,-25 25-16,24-24 16,-24-1-16,0 0 0,0 1 15,25-25-15,-25 24 0</inkml:trace>
+  <inkml:trace contextRef="#ctx0" brushRef="#br0" timeOffset="11544">10575 269 0,'-24'0'15,"24"-24"1,-25 24-16,25-25 16,-24 25-1,24-24-15,-24 24 16,24-25-16,-25 25 0,1 0 15,-1 0 1,1 0-16,0 0 16,24 25-16,-25-25 15,-24 24-15,25-24 0,-1 25 16,1-1-16,0 1 0,-1-25 16,25 24-16,-24 0 15,24 1-15,24-1 16,1-24-16,-1 0 15,0 25-15,1-25 16,-1 0-16,25 0 0,0 24 16,-25-24-16,1 0 15,24 0-15,-25 0 0,49 25 32,-48-1-32,-1 0 15,-24 1-15,0-1 16,0 1-1,-24-25-15,-1 24 16,1-24 0,-1 0-16,1 0 15,0 0-15,-1 0 0,1 0 16,-1 0-16,-23 0 16</inkml:trace>
+  <inkml:trace contextRef="#ctx0" brushRef="#br0" timeOffset="11962">10331 98 0,'0'-24'0,"0"-1"0,0 1 15,0-1 1,0 50 15,24-1-15,-24 1-16,0-1 0,25 1 15,-25 23-15,24 1 16,-24 0-16,25 0 0,-25 0 16,24 24-16,-24-24 0,25 24 15,-25-24-15,0 0 16,24 0-16,-24 0 0,24-1 16,-24-23-16,0-1 15,25 1-15,-25-1 0,24-24 16</inkml:trace>
+  <inkml:trace contextRef="#ctx0" brushRef="#br0" timeOffset="45211">0 2028 0,'0'-25'47,"0"1"31,25 24-62,-25 24 46,24 1-46,-24-1-16,24 0 15,-24 25-15,25-24 16,-1 24 0,-24-25-16,25 25 0,-25-25 15,24-24-15,-24 25 0,25-1 16,-1-24-16,0 0 16,1 0-1,-25-24-15,0-1 16,24 1-16,-24-1 15,0 1-15,0 0 16,0-1-16,0 1 0,0-1 16,0 1-16,0-1 15,0 1-15,0 0 16,25 48 15,-25 0-31,24 1 16,0 24-1,1-25-15,-1 1 0,-24-1 16,25 0-16,-1 1 0,1-1 16,-25 1-16,24-25 15,0 24-15,1-24 0,-1 25 16,1-50 0,-25 1-1,24 24-15,-24-25 0,0 1 16,0-1-16,0-23 15,0 23-15,0 1 0,-24-25 16,24 24-16,0 1 16,-25 0-16,25-1 0,-24 25 31,-1 25 0,25-1-15</inkml:trace>
+  <inkml:trace contextRef="#ctx0" brushRef="#br0" timeOffset="45751">976 2101 0,'0'-25'15,"0"1"1,-24 24-16,24-24 16,-25 24 15,1 0-16,24 24-15,-25-24 16,25 24-16,-24 1 0,24-1 16,0 1-16,-24-1 15,24 1-15,0 23 0,0-23 16,24-1-16,0 1 16,1-1-16,-1-24 15,1 25-15,-1-25 0,0 0 16,1 0-16,-1-25 0,1 25 15,-25-24-15,24-1 16,-24 1-16,0-1 0,0 1 16,0 0-16,0-1 15,0 1-15,0-1 0,-24 1 16,24-1-16,-25 25 16,25-24-16,-24 24 0,-1 0 15,1 0 1,24 24 31</inkml:trace>
+  <inkml:trace contextRef="#ctx0" brushRef="#br0" timeOffset="46339">806 1710 0,'-24'0'0,"24"-24"16,-25-1-1,25 50 1,0-1 0,0 1-16,0 23 15,0-23-15,0 24 16,0-25-16,0 25 0,0 0 16,0 0-16,0-1 15,0 1-15,-24-24 0,24 24 16,0-1-16,-25 1 0,25-24 15,0 24-15,0-25 16,0 25-16,0-25 0,0 1 16,0-1-16,0 1 15,0-1-15,0 0 16,0 1-16,25-25 47,-25-25-47</inkml:trace>
+  <inkml:trace contextRef="#ctx0" brushRef="#br0" timeOffset="47357">1368 2125 0,'-25'0'0,"25"-24"0,-24 24 16,24-25 0,24 25 15,-24 25-15,25-1-16,-25 1 15,24-1-15,-24 1 16,25-1-16,-25 25 0,24-25 15,-24 1-15,0-1 16,0 1-16,0-1 16,24-24-16,-24 24 0,0-48 31,0 0-15,0-1-16,0 1 15,0-1-15,0-24 0,-24 25 16,24-25-16,0 0 15,0 25-15,0-25 0,0 0 16,0 0-16,0 25 0,0-1 16,0 1-16,0 0 15,24 24-15,1 24 16,-1 25 0,1-25-16,-25 1 15,24 24-15,1-25 0,-1 0 16,0 25-16,-24-24 0,25-1 15,-25 1-15,24-1 16,-24 0-16,25-24 16,-25-24 15,0 0-31,-25-1 16,25 1-16,0-1 15,-24-24-15,24 25 0,0-25 16,0 25-16,24-1 15,-24 1-15,25 24 0,-25-25 16,24 25-16,1 0 16,-1 25-16,0-1 0,1 1 15,-1 24 1,1-1-16,-25-23 0,24-1 16,-24 1-16,25 24 0,-25-25 15,24 0-15,-24 1 16,0-1-1</inkml:trace>
+  <inkml:trace contextRef="#ctx0" brushRef="#br0" timeOffset="47821">2027 1954 0,'-24'-24'0,"-1"-1"16,25 1-1,25 48 17,-25 1-17,24-1-15,-24 1 16,25-1-16,-25 1 0,24 23 15,-24-23-15,0-1 16,24 25-16,-24-24 0,0 23 16,0-23-16,25-1 0,-25 1 15,0-1 1,0 1-16,24-25 16,1 0 15,-1 0-16,1 0 1,-1 0-16,0 0 0,1-25 16,-1 25-16,1 0 15,-1 0-15,1 0 16,-25-24-16,24 24 16</inkml:trace>
+  <inkml:trace contextRef="#ctx0" brushRef="#br0" timeOffset="48702">2809 2028 0,'24'0'78,"1"0"-62,-1 0-1,0 0-15</inkml:trace>
+  <inkml:trace contextRef="#ctx0" brushRef="#br0" timeOffset="48883">2858 2150 0,'0'24'31,"24"-24"0,0 0-15,1 0-16,-1 0 0</inkml:trace>
+  <inkml:trace contextRef="#ctx0" brushRef="#br0" timeOffset="51904">4372 1906 0,'24'0'16,"-24"-25"-1,0 1 48,0-1-48,0 1 1,0-1 0,0 1-16,-24 0 15,24-1-15,-25 25 16,1-24-16,0-1 16,-1 25-16,1 0 15,-1 25 1,1-25-16,-1 24 0,1 1 15,0-25-15,24 24 0,-25 0 16,25 1-16,-24-1 16,24 1-16,0-1 0,0 1 15,0-1-15,24 0 16,-24 1-16,25-1 0,-25 1 16,24-1-16,0 0 15,1-24-15,-25 25 16,24-25-16,1 0 0,-1 0 15,1 0 1,-25-25-16,24 1 16,0 24-16,-24-24 0,25-1 15,-25 1-15,0-1 16,24 1-16,-24 0 0,0-1 16,0 1-16,0-1 15,0 1 1,0 48 15,0 1-15,25-1-1,-25 1-15,0-1 0,0 25 16,0-25-16,24 25 0,-24-25 16,0 25-16,25-24 15,-25 24-15,0-25 0,24 0 16,-24 25-16,0-24 15,0-1-15,24 1 0,-24-1 16,0 0 0,0 1-16,0-1 15</inkml:trace>
+  <inkml:trace contextRef="#ctx0" brushRef="#br0" timeOffset="52824">4958 1930 0,'0'-25'16,"0"1"15,0 0-15,24-1 0,-24 1-16,0-1 15,-24 25 1,24-24-16,-24 24 0,-1 0 15,1 0 1,-1 0-16,1 0 16,-1 0-16,25 24 0,-24-24 15,0 25-15,-1-1 16,25 1-16,-24-1 16,24 0-1,0 1-15,0-1 0,0 1 16,24-1-16,-24 1 0,25-1 15,-1 0 1,0-24-16,-24 25 0,25-25 16,-1 0-1,1-25-15,-1 25 0,-24-24 16,25 0-16,-1 24 0,-24-25 16,0 1-16,24-1 15,-24 1-15,0-1 16,0 1-16,0 0 15,0-1 1,0 50 15,0-1-15,0 0 0,0 1-16,0-1 0,25 1 15,-25-1-15,0 1 0,24 23 16,-24-23-16,0 24 15,25-25-15,-25 1 0,24 23 16,-24-23-16,25-1 16,-25 1-16,24-1 0,-24 1 15,0-1-15,24 0 0,-24 1 16,0-1 0,0-48 15</inkml:trace>
+  <inkml:trace contextRef="#ctx0" brushRef="#br0" timeOffset="53933">5495 1881 0,'0'25'78,"-24"-1"-47,-1-24-15,25 24-16,-24-24 0,0 0 16,-1 0-1,1 0 1,-1 0-16,1 0 31,24-24-31,0 0 16,0-1-1,0 1-15,24-1 16,-24 1-16,25 24 0,-1-25 16,1 25-1,-1 0-15,0 0 16,-24 25-16,25-25 16,-1 24-16,1 1 0,-1-1 15,1 25-15,-25-25 0,24 1 16,0 24-16,1-25 15,-25 25-15,24-25 0,-24 1 16,25 24-16,-25-25 16,0 0-16,0 1 0,-25-1 15,1 1-15,-1-1 0,1 1 16,-25-25 0,25 24-16,-1-24 0,1 0 15,-1-24 1,1 24-16,24-25 0,-24 1 15,-1-1-15,25 1 16,0-1-16,0 1 16,25 0-16,-1-1 15,0 25 1,1 0-16,-1 0 16,1 0-16,-1 25 0,1-25 15,-1 24 1,0 0-16,1 1 0,-1-25 15,1 24-15,-25 1 16,24-1-16,1 1 0,-1-1 16,0 0-16,1 1 15,-1-25-15,1 24 16,-1-24-16,0 0 16,1-24-16</inkml:trace>
+  <inkml:trace contextRef="#ctx0" brushRef="#br0" timeOffset="54508">5886 1931 0,'0'-25'0,"-24"25"16,48 0 30,0 0-30,-24 25-16,25-25 16,-1 24-16,1-24 0,-1 25 15,25-1-15,-25 1 16,25 23-16,0-23 0,0 24 16,0-25-16,-25 1 0,25-1 15,0 0-15,-25 1 16,1-1-16,24 1 0,-25-1 15,1-24-15</inkml:trace>
+  <inkml:trace contextRef="#ctx0" brushRef="#br0" timeOffset="54970">6326 1832 0,'-25'0'16,"25"-24"-16,-24 24 31,48 0 0,-24 24-15,0 1-16,0-1 15,-24 1-15,24 23 16,-25-23-16,25 24 0,-24-25 16,24 25-16,-24 0 15,24-25-15,-25 1 0,25 23 16,-24-23-16,24-1 0,0 1 15,-25-1-15,25 1 16,0-1-16,0 0 0,-24-24 16,24 25-16,0-1 15,0-48 48</inkml:trace>
+  <inkml:trace contextRef="#ctx0" brushRef="#br0" timeOffset="68834">6912 1832 0,'24'0'47,"-24"-24"-47,0-1 47,0 50 15,0-1-46,0 1-16,25-1 16,-25 0-16,0 1 0,0-1 15,0 25-15,0-24 0,0-1 16,0 25-16,0-25 15,0 25-15,0-24 0,0 23 16,0-23-16,0-1 0,0 1 16,0-1-16,0 1 15,0-1-15,24-24 32,-24-24-1</inkml:trace>
+  <inkml:trace contextRef="#ctx0" brushRef="#br0" timeOffset="69595">7913 1930 0,'0'-25'31,"0"1"16,-24 24-47,-1 0 15,1 0 1,0 0-16,-1 0 0,1 0 16,-1 0-16,1 0 0,-25 0 15,25 24-15,-1-24 16,1 25-16,-1-25 0,1 24 16,-1-24-16,25 25 15,-24-25-15,24 24 0,0 1 16,24-1-1,1-24 1,-1 24-16,1-24 0,24 0 16,-25 0-16,25 25 15,-25-25-15,25 0 0,-24 0 16,23 0-16,-23 0 0,-1 24 16,1-24-16,-1 25 15,0-1-15,1 1 16,-25-1-1,-25 0 1,1-24-16,0 25 16,-1-25-16,-24 0 15,25 0-15,0 24 0,-1-24 16,1 0-16,-25 0 16,24 0-16,1 0 15,0 0-15,-1-24 0,1-1 31</inkml:trace>
+  <inkml:trace contextRef="#ctx0" brushRef="#br0" timeOffset="70006">7742 1735 0,'-24'-25'16,"48"50"31,-24-1-32,0 0-15,0 1 16,25 24-16,-25 0 0,0-25 16,0 25-16,0 0 0,24-1 15,-24 1-15,0 0 16,0 0-16,25 0 0,-25-25 16,0 1-16,0-1 15,24 1-15,-24-1 0,0 0 16,0-48 15,-24 0-15</inkml:trace>
+  <inkml:trace contextRef="#ctx0" brushRef="#br0" timeOffset="70460">8621 1979 0,'-24'0'0,"24"24"78,24-24-63,1 0-15,-1 0 16,1 0 0,-1 0-16,1 0 0,-1 0 15,0 0-15,1 0 16,-1 0-16</inkml:trace>
+  <inkml:trace contextRef="#ctx0" brushRef="#br0" timeOffset="70675">8646 2125 0,'0'25'0,"0"-1"16,0 1-1,24-25 1,1 0 0,-1 0-16,1-25 0,-1 25 15,0 0-15,1 0 16,-1 0-16,1 0 0</inkml:trace>
+  <inkml:trace contextRef="#ctx0" brushRef="#br0" timeOffset="71414">9965 1954 0,'-25'-24'15,"25"-1"1,0 1-1,0 0 1,0-1-16,-24 25 16,-1-24-16,25-1 15,-24 25-15,0-24 0,-1 24 16,1 0-16,-25 0 16,24 0-16,1 0 0,-25 0 15,25 0-15,-1 24 0,-23-24 16,23 25-16,1-1 15,-1 1-15,25-1 16,0 0-16,0 1 16,0-1-16,25 1 0,-1-1 15,-24 1-15,25-25 16,-1 24-16,0-24 0,1 24 16,-1-24-16,1 0 0,23 0 15,-23 0-15,-1-24 16,1 24-16,-25-24 0,24-1 15,-24 1-15,25-1 0,-1 1 16,-24-1 0,0 1-16,0 0 15,0 48 17,0 0-32,24 1 15,-24-1-15,25 25 16,-25-24-16,24 23 0,-24-23 15,25 24-15,-25 0 16,24-25-16,-24 25 16,0-25-16,25 1 0,-25-1 0,24 1 15,-24-1-15,24-24 16</inkml:trace>
+  <inkml:trace contextRef="#ctx0" brushRef="#br0" timeOffset="72064">10551 1881 0,'24'0'0,"-24"-24"31,0-1-31,0 1 16,-24 24 0,24-25-16,-25 25 15,1 0-15,0-24 0,-1 24 16,1 0-16,-1 0 15,1 24-15,0-24 0,-1 25 16,1-25 0,-25 49-16,24-25 0,25 0 15,0 1-15,0-1 16,0 1-16,0-1 16,0 1-16,25-25 0,-1 24 15,1-24-15,-1 0 0,1 0 16,-1 0-16,0 0 15,1 0-15,-25-24 0,24-1 16,1 25-16,-25-24 16,24-1-16,-24 1 15,24-1-15,-24 1 0,0 0 16,25 24 15,-25 24-15,0 0-16,0 25 15,24-24-15,-24-1 0,0 1 16,25 23-16,-25-23 16,0-1-16,24 25 0,-24-24 15,25-1-15,-25 0 16,0 1-16,24-1 0,-24 1 16,24-25-1</inkml:trace>
+  <inkml:trace contextRef="#ctx0" brushRef="#br0" timeOffset="72651">10966 1881 0,'-24'0'0,"24"-24"16,-25 24-16,25-25 0,0 1 31,0-1-15,25 25-1,-1 0 1,1 0-16,-1 0 0,0 25 16,25-25-1,-24 24-15,-1 1 0,-24-1 16,24 0-16,1 1 16,-25-1-16,0 1 0,-25 24 15,25-25-15,-48 0 0,23 1 16,1-1-16,-1 1 15,1-1-15,-25-24 0,49 25 16,-24-25-16,-1 24 16,50-24-1,-1 0 1,25 0 0,-25 0-16,1 0 0,24 0 15,-25 0-15,25 0 0,0 0 16,-25 0-16,1 0 15,-1 0-15,0 0 0,1 0 16,-1 24 0</inkml:trace>
+  <inkml:trace contextRef="#ctx0" brushRef="#br0" timeOffset="73275">12187 1930 0,'0'-25'32,"-24"25"-17,24-24-15,-25 24 16,1 0-16,0-24 16,-1 24-16,1 0 0,-1 0 15,1 0-15,-1 0 16,-23 0-16,-1 24 0,24-24 15,1 0-15,-1 24 16,-23-24-16,48 25 0,-25-1 16,25 1-16,-24-25 0,24 24 15,0 1-15,24-1 16,1 0-16,-1 1 16,0-25-16,1 0 15,24 24-15,-25-24 0,25 0 16,-25 0-16,25 0 0,-24 0 15,-1 0-15,1 25 16,-1-25-16,0 0 0,1 24 16,-1 1-1,-24-1-15,0 0 16,-24-24 0,24 25-16,-25-25 15,1 24-15,0-24 0,-25 0 16,24 0-16,1 0 15,-1 0-15,-23 0 0,23 0 16,1 0-16,-1 0 0,1-24 16,-1 24-16,1 0 15,0 0-15,-1 0 0</inkml:trace>
+  <inkml:trace contextRef="#ctx0" brushRef="#br0" timeOffset="73773">11919 1759 0,'-25'0'16,"25"-24"-1,0 48 32,0 0-31,0 1-16,25-1 0,-25 1 15,0-1-15,24 25 16,-24-25-16,0 25 0,24 0 16,-24-25-16,0 25 0,25 0 15,-25-24-15,24 23 16,-24-23-16,0 24 0,25-25 16,-25 25-16,0-25 15,24 1-15,-24 24 0,0-25 16,25 1-16,-25-1 15,0 0-15,0 1 16,0-50 15</inkml:trace>
+  <inkml:trace contextRef="#ctx0" brushRef="#br0" timeOffset="89264">4152 3273 0,'24'0'16,"1"0"-1,-25-24 63,0 48-15,0 1-48,0-1-15,0 0 16,0 25-16,0-24 16,0 24-16,0-1 0,0-23 15,0 24-15,0-25 0,0 1 16,0 23-16,24-23 16,-24-1-16,0 1 0,0-1 15,0 1-15,0-1 16,0 0-16,0 1 0,0-1 15</inkml:trace>
+  <inkml:trace contextRef="#ctx0" brushRef="#br0" timeOffset="89954">4738 3346 0,'0'-24'16,"-24"24"30,-1 0-30,25 24 0,-24 1-1,-1-1-15,25 1 16,-24-1-16,24 1 0,0-1 16,0 0-16,0 1 15,0 24-15,0-25 0,0 1 16,0-1-16,0 0 15,24 1-15,1-1 0,-25 1 16,24-25-16,1 24 0,-1-24 16,1 0-16,-1 0 15,0 0-15,1 0 0,-1 0 16,1-24-16,-1-1 16,1 1-16,-25-1 0,0 1 15,0 0-15,0-1 0,0 1 16,0-1-16,-25 1 15,1-1-15,24 1 0,-25 0 16,1-1-16,-1 25 16,1-24-16,0 24 0,-1 0 15,1 0-15,-1 0 16,25 24-16,-24-24 16,24 25-16,0-1 15</inkml:trace>
+  <inkml:trace contextRef="#ctx0" brushRef="#br0" timeOffset="91028">5373 3200 0,'0'-25'0,"0"1"31,-24 24 1,-1 0-17,25 24 1,-24-24-16,0 0 0,-1 0 16,1 25-1,-1-25-15,1 0 0,-1 0 16,1 0-16,24 24 78,0 1-62,0-1-1,0 1 1,0-1-1,0 0 1,0 1-16,0-1 16,0 1-1,0-1-15,0 1 16,0-1 0,24-24-16,-24 24 15,25-24-15,-25 25 16,24-50 46,1 1-30,-1 24-32,1-24 15,-1 24 1,0-25-1,1 25 1,-25 25-16,24-1 16,1 0-1,-25 1-15,24-25 16,0 24-16,-24 1 0,25-1 16,-1-24-16,-24 25 0,25-1 15,-25 0 1,0 1-16,-25-1 15,1 1 1,-1-1 0,1-24-16,0 25 0,-1-1 15,1-24 1,-1 24-16,1-24 16,0 0-1,-1 0-15,1 0 16,48-24 46</inkml:trace>
+  <inkml:trace contextRef="#ctx0" brushRef="#br0" timeOffset="92420">5862 3273 0,'0'-24'15,"0"48"48,24-24-63,0 0 31,-24 25-31,25-1 0,-1-24 16,1 24-16,-1 1 15,1 24-15,23-25 0,-23 25 16,24-25-16,-25 25 0,25-24 15,-25-1-15,1 1 16,24 23-16,-25-48 0,1 25 16,-25-1-16,24 1 0,0-25 15,1 24 1</inkml:trace>
+  <inkml:trace contextRef="#ctx0" brushRef="#br0" timeOffset="92829">6301 3224 0,'-24'0'16,"24"25"-16,0-1 15,-25 1-15,25-1 16,-24 0-16,24 1 16,0-1-16,-24 1 15,24-1-15,-25 1 0,1 23 16,24-23-16,-25 24 15,1 0-15,-25-25 0,25 25 16,24-25-16,-25 1 16,1 23-16,24-23 0,-25-1 15,25 1-15,0-1 16,0 1 0,0-50 15</inkml:trace>
+  <inkml:trace contextRef="#ctx0" brushRef="#br0" timeOffset="103710">6936 3249 0,'0'-25'15,"25"25"-15,-25-24 32,0 48 30,0 1-62,0-1 16,24 1-16,-24-1 15,0 0-15,0 25 0,0 0 16,0 0-16,0-25 16,0 25-16,25 0 0,-25-24 15,0 23-15,0-23 0,0-1 16,0 1-16,0-1 16,0 0-16,0 1 31</inkml:trace>
+  <inkml:trace contextRef="#ctx0" brushRef="#br0" timeOffset="104279">7376 3322 0,'0'24'78,"0"1"-62,0-1 0,-25 1-16,25 24 15,0-25-15,0 0 0,0 1 16,25 24-16,-25-25 0,24 1 16,-24-1-16,25 0 15,-1 1-15,1-25 16,-1 24-16,0-24 15,25 0-15,-24-24 16,-1 24-16,1-25 0,-1 1 16,-24 0-16,24-1 15,-24 1-15,25-1 0,-25 1 16,0-25-16,-25 25 16,1-25-16,0 24 0,-1 1 15,1-1-15,-1 1 0,-24 24 16,25-24-16,0 24 15,-1 0-15,-24 0 0,25 0 16,-1 0-16,1 0 16,24 24-1,24-24-15</inkml:trace>
+  <inkml:trace contextRef="#ctx0" brushRef="#br0" timeOffset="104977">8280 3274 0,'24'0'0,"-24"-24"16,24 24-1,-24-25 1,0 1-1,-24 24 1,0-25-16,-1 25 16,1 0-16,-1 0 0,1 25 15,-1-25-15,1 24 16,0-24-16,-1 25 0,1-25 16,24 24-16,-25 1 15,25-1-15,0 0 16,25 1-1,-1-1 1,1-24-16,-1 0 0,0 25 16,1-25-16,-1 0 15,25 24-15,-24-24 0,-1 0 16,25 25-16,-25-25 0,1 24 16,-1-24-16,-24 24 15,25-24-15,-25 25 0,24-1 16,-24 1-1,0-1-15,-24-24 0,-1 25 16,1-1-16,-1-24 16,1 24-16,-1-24 15,1 0-15,0 25 0,-25-25 16,24 0-16,1 0 0,-1 0 16,1-25-16,0 25 15,-1-24-15,1 24 0,24-24 16,-25 24-16,25-25 15,0 1-15</inkml:trace>
+  <inkml:trace contextRef="#ctx0" brushRef="#br0" timeOffset="105421">8109 3029 0,'0'-24'0,"24"24"32,0 24-1,-24 0-16,0 1 1,25-25-16,-25 24 16,0 25-16,0-25 0,24 25 15,-24-24-15,0 24 16,25-1-16,-25 1 0,24 0 16,-24-24-16,0 23 0,25 1 15,-25-24-15,0-1 16,24 25-16,-24-25 0,0 1 15,0-1-15,24-24 16,-24 25-16,0-1 0,0 1 16</inkml:trace>
+  <inkml:trace contextRef="#ctx0" brushRef="#br0" timeOffset="106021">8890 3298 0,'0'24'63,"25"-24"-63,-1 0 16,0 0-16,1 0 15,-1 0-15,1 0 16,-1-24-16,25 24 0,-25 0 15,1 0-15,-1-25 0,1 25 16,-1 0-16,0 0 16,-48 0-1</inkml:trace>
+  <inkml:trace contextRef="#ctx0" brushRef="#br0" timeOffset="106309">8988 3469 0,'0'24'31,"24"0"0,1-24-15,-1 0-16,1-24 0,-1 24 16,0 0-16,1 0 15,-1-24-15,1 24 0,-1 0 16,0 0-16</inkml:trace>
+  <inkml:trace contextRef="#ctx0" brushRef="#br0" timeOffset="107748">9818 3102 0,'-24'-24'16,"48"24"15,-24 24-15,0 1-1,0-1 1,0 1-16,0 23 16,0-23-16,0 24 0,0-1 15,0 1-15,0-24 16,0 24-16,25-1 0,-25-23 16,24 24-16,-24-25 15,0 1-15,24-1 0,-24 0 16,0 1-16,0-1 0,0 1 15</inkml:trace>
+  <inkml:trace contextRef="#ctx0" brushRef="#br0" timeOffset="108294">10429 3224 0,'-25'0'63,"1"25"-48,24-1 1,-24 1 0,24-1-16,-25 0 0,25 1 15,0-1-15,0 1 16,0-1-16,0 1 0,0-1 15,25 0-15,-1 1 0,0-25 16,1 24-16,-1-24 16,1 25-16,-1-25 0,0 0 15,1 0-15,-1-25 0,1 25 16,-1-24-16,1-1 16,-25 1-16,24 0 15,-24-1-15,0 1 0,0-1 16,-24 1-16,-1-25 0,25 25 15,-24-1-15,-1 25 16,1-24-16,-25 24 0,25-25 16,-1 25-16,1 0 15,-1 25 1</inkml:trace>
+  <inkml:trace contextRef="#ctx0" brushRef="#br0" timeOffset="109154">11285 3127 0,'0'-25'16,"0"1"-1,0-1 32,-25 25-47,1 0 16,-1 0-1,1 0-15,-1 0 0,1 0 16,0 0-16,-1 25 16,1-25-16,-1 0 15,1 0-15,24 24 63,-24-24-48,24 25-15,-25-1 16,25 0 0,0 1-1,0-1-15,0 1 16,0-1 0,0 1-16,0-1 0,0 0 15,0 1 1,25-25-1,-1 0 32,-24-25-31,24 25-16,1 0 16,-25-24-16,24 24 0,1 0 15,-1 0-15,0 0 16,1 0-16,-1 0 15,1 0-15,-1 24 0,1 1 16,-1-25 0,0 24-16,1 1 0,-1-1 15,1 1-15,-1-1 16,-24 0-16,0 1 16,0-1-16,-24 1 15,-1-25 1,1 24-16,-1-24 0,-23 0 15,23 25-15,1-25 16,-25 0-16,24 0 0,1 0 16,0 24-16,-1-24 0,1 0 15,-1-24 1</inkml:trace>
+  <inkml:trace contextRef="#ctx0" brushRef="#br0" timeOffset="109680">11796 3273 0,'-24'0'63,"0"25"-47,-1-1-16,25 0 15,0 1-15,-24-1 0,24 1 16,0-1-16,0 1 15,0-1-15,24 0 0,-24 1 16,25-25-16,-1 24 0,0-24 16,1 25-16,-1-25 15,1 0-15,-1 0 0,1 0 16,-1 0-16,0-25 16,1 1-16,-1 24 0,1-25 15,-1 1-15,-24-25 0,0 25 16,0-1-16,0 1 15,-24-1-15,-1 1 0,1 0 16,-1-1-16,1 25 16,-25 0-16,25-24 0,-1 24 15,1 0-15,-1 0 0,1 0 16,24 24-16,-24-24 16</inkml:trace>
+  <inkml:trace contextRef="#ctx0" brushRef="#br0" timeOffset="110330">12602 3200 0,'25'-24'15,"-1"24"1,-24-25-16,25 1 16,-25-1-1,0 1 16,-25 24-31,1 0 16,-1 0-16,1 0 16,-25 0-16,25 24 0,-1-24 15,1 25-15,-25-25 16,25 24-16,-1 1 16,25-1-16,0 0 15,0 1-15,25-25 16,-1 24-16,0 1 0,1-25 15,-1 24-15,25 0 16,-24-24-16,23 25 0,-23-25 16,24 24-16,-25-24 15,25 25-15,-25-25 0,1 24 16,-1-24-16,1 0 16,-25 25-16,24-25 0,-24 24 15,0 0-15,-24-24 16,-25 25-1,24-1-15,1-24 0,0 0 16,-1 25-16,-24-25 0,25 0 16,-1 0-16,1 0 15,0 0-15,-1-25 0,1 25 16,24-24-16,-25 24 16,25-25-16,-24 1 15,24 0-15,0-1 0,-25 25 0,25-24 16</inkml:trace>
+  <inkml:trace contextRef="#ctx0" brushRef="#br0" timeOffset="110767">12554 2956 0,'0'24'47,"24"-24"-31,-24 25-16,0-1 15,24 0-15,-24 1 16,25 24-16,-25 0 0,0-25 16,24 25-16,-24 0 0,25-1 15,-25 1-15,24-24 16,-24 24-16,0-25 0,0 25 16,25-25-16,-25 1 15,0-1-15,0 1 0,0-1 16,0 0-16,0 1 0,0-1 15,0 1-15,0-1 16,-25 0 0,25-48-1</inkml:trace>
+  <inkml:trace contextRef="#ctx0" brushRef="#br0" timeOffset="113130">13091 1832 0,'24'-24'15,"1"24"1,-1 0-16,-24-25 15,-24 25 32,24-24-47,-25 24 16,1 0 0,-1 0-1,1 0-15,24 24 31,-24-24-31,48 0 79,0 0-17</inkml:trace>
+  <inkml:trace contextRef="#ctx0" brushRef="#br0" timeOffset="132635">9916 4787 0,'24'0'16,"1"0"109,-1 0-125,1 0 15,-1 0-15,0 0 16,25 0-16,0 0 0,-24 0 16,23 0-16,1 0 0,-24 0 15,-1 0-15,1 0 16,-1 0-16,0 0 0,1 0 31,-25-24-15,-25 24-16</inkml:trace>
+  <inkml:trace contextRef="#ctx0" brushRef="#br0" timeOffset="133498">9965 4812 0,'0'24'47,"0"1"-15,0-1-17,0 1-15,0-1 16,0 0-16,0 1 15,0-1-15,0 1 0,0-1 16,0 0-16,0 1 16,24-1-16,-24 1 15,0-1 1,0-48 31,0-1-32,0 1 17,25 24-17,-1 0 1,-24-25-16,24 25 16,1 0-1,-1 0-15,1-24 16,-1 24-16,1 0 0,-1 0 15,0 0-15,1 0 0,-1 0 16,1 0-16,-1 0 16,1 24-16,-1-24 0,0 25 15,1-1 1,-1-24-16,-24 25 0,25-25 16,-25 24-16,24 1 15,-24-1-15,0 0 16,0 1-16,-24-25 15,24 24-15,-25 1 16,1-1-16,-1 1 16,1-25-16,24 24 0,-24-24 15,-25 24 1,24-24-16,1 0 16,-1 0-16,1 0 15,0 0-15,-1 0 0,1 0 16,-1 0-16,1 0 15,-1 0-15,1 0 16</inkml:trace>
+  <inkml:trace contextRef="#ctx0" brushRef="#br0" timeOffset="134789">10942 5105 0,'-25'24'63,"1"-24"-48,-1 0-15,1 25 16,0-25-16,-1 24 15,1-24-15,-1 25 16,1-1-16,24 0 16,0 1-16,-25-1 15,25 1-15,0-1 0,25 1 16,-25-1-16,24-24 0,1 24 16,-1-24-16,1 25 15,-1-25-15,0 0 0,25 0 16,-24 0-16,-1 0 0,25-25 15,-25 25-15,1-24 16,-1 24-16,-24-24 0,25 24 16,-25-25-16,24 1 15,-24-1-15,0 1 16,-24-1 0,24 1-16,-25 0 15,1-1-15,-1 25 0,1-24 16,0 24-16,-1-25 15,-48 1-15,48 24 16,-23 0-16,23-25 0,1 25 16,-1-24-16,1 24 15,24-24-15,-25 24 0,25-25 16,-24 25-16,24-24 16,0-1-1,24 1-15,1 0 16,-1 24-1,-24-25-15,25 25 0,-1-24 16,1 24-16,-1-25 16,0 25-16,1 0 0,-1-24 15,1 24-15,-1 0 16,1 24 0,-1 1-16,0-1 15,-24 1 1,0-1-16,25 0 0,-25 1 15,0-1-15,0 1 0,0-1 16,-25 0-16,25 1 16,-24-25-16,0 24 0,-1 1 15,1-25 1,-1 24-16,1-24 0</inkml:trace>
+  <inkml:trace contextRef="#ctx0" brushRef="#br0" timeOffset="135611">11821 4934 0,'0'-24'31,"0"-1"-15,-25 25-1,1-24 1,0 24-16,-1 0 16,-24 0-1,25 0-15,-1 0 0,1 0 16,-25 24-16,25-24 16,-25 0-16,25 25 0,-1-25 15,1 24-15,-1-24 0,25 24 16,-24 1-16,24-1 15,0 1 1,0-1-16,24-24 0,-24 25 16,25-25-16,-1 24 0,1-24 15,23 0-15,-23 0 0,24 0 16,-1 0-16,1 0 16,0 0-16,-24 24 0,23-24 15,-23 0-15,-1 0 16,-24 25-16,25-25 0,-1 0 15,-24 24-15,0 1 0,25-25 16,-25 24-16,0 0 16,0 1-16,-25-1 15,1-24 1,-1 25-16,1-25 0,-1 0 16,-23 0-16,-1 0 0,0 24 15,0-24-15,0 0 16,25 0-16,-25 0 0,25-24 15,-1 24-15,25-25 16</inkml:trace>
+  <inkml:trace contextRef="#ctx0" brushRef="#br0" timeOffset="136192">11503 4665 0,'0'25'62,"25"-1"-62,-25 1 0,0-1 16,24 0-16,-24 25 16,25 0-16,-25 0 0,24 24 15,-24-24-15,24 0 0,1 24 16,-25-24-16,24 0 15,-24 0-15,0 0 0,25-25 16,-25 25-16,0-25 16,24 25-16,-24-24 0,0-1 15,0 0-15,25 1 0,-25-1 16,0 1-16,24-25 16,-24 24-16</inkml:trace>
+  <inkml:trace contextRef="#ctx0" brushRef="#br0" timeOffset="20827">14971 318 0,'-24'0'16,"24"-24"-16,0-1 0,-24 1 15,24-1 1,0 50-1,24-1 1,-24 25-16,0-25 16,24 25-16,1 25 0,-25-26 15,24 26-15,1-1 16,-1 0-16,-24 0 0,25-24 16,-25 25-16,24-26 15,-24 1-15,0 0 0,0-24 16,0 23-16,0-23 0,0-1 15,0-48 1,0-1 0,-24 1-16,24 0 0,0-25 15,-25 0-15,25 0 16,0 0-16,0 0 0,0 0 16,0 1-16,0-1 15,0 0-15,25 0 0,-1 25 16,0-1-16,1 25 0,24 0 15,-25 0-15,25 0 16,-25 25-16,1-1 0,-1 1 16,-24-1-16,0 0 0,0 1 15,-24-1 1,24 1-16,-25-25 0,1 24 16,0-24-16,-1 0 15,1 24-15,-1-24 0,1 0 16</inkml:trace>
+  <inkml:trace contextRef="#ctx0" brushRef="#br0" timeOffset="21222">15606 538 0,'-24'0'15,"0"0"-15,-1 0 16,1 0-1,24 24 1,24-24 0,1 0-16,-1 0 15,0 0-15,1 0 0,24 0 16,-25 0-16,1 0 16,-1 0-16,-24-24 15,0-1 1,-24 1-1,-1 24-15,1-24 0,-1 24 16,1 0-16,-1 0 16,1 0-16,0 0 0,-1 24 15,1-24-15,24 24 16,0 1-16,0-1 16,0 25-16,0-25 0,0 1 15,24-1-15,1 1 16,-1-25-16,0 24 0,1-24 15,24 0-15</inkml:trace>
+  <inkml:trace contextRef="#ctx0" brushRef="#br0" timeOffset="21577">15924 465 0,'0'-25'0,"0"1"0,0-1 15,24 25 1,1 25 0,-1-1-16,-24 1 15,25-1-15,-1 0 16,-24 25-16,24-24 0,-24-1 16,0 0-16,0 1 15,0-1-15,0 1 0,0-1 16,-24-24-1,24-24 1,0-1-16,0 1 16,0-1-16,0 1 15,24-25-15,1 25 0,-1-1 16,1 1-16,-1 0 0,25-1 16,-25 25-16,1 0 15,-1 0-15,1 0 0,-1 0 16</inkml:trace>
+  <inkml:trace contextRef="#ctx0" brushRef="#br0" timeOffset="22040">16852 635 0,'-24'0'0,"-1"0"0,1 0 16,-1 0-16,50 0 31,-1 0-15,-24 25 0,25-25-16,-1 0 0,0 0 15,1 0-15,-1 0 16,1 0-16,-1 0 15,1-25-15,-25 1 16,24 24-16,-24-24 16,0-1-16,0 1 15,-24-1-15,-1 25 16,-24-24-16,25 24 16,-1 0-16,-23 0 0,23 0 15,1 24-15,-1-24 16,25 25-16,0-1 0,0 1 15,0-1-15,0 25 0,0-25 16,0 25-16,25-24 16,-1-1-16,-24 25 0,25-25 15,-1 1-15,25-25 16,-25 0-16,1 0 0</inkml:trace>
+  <inkml:trace contextRef="#ctx0" brushRef="#br0" timeOffset="22632">17267 538 0,'-24'-25'16,"-1"1"-16,25 0 0,-24 24 15,0-25-15,-1 25 16,25 25 0,25-1-1,-1 0-15,-24 1 0,24-1 16,1 1-16,-25-1 0,24 25 15,-24-25-15,25 1 16,-25-1-16,0 1 0,0-1 16,0-48 31,0-1-47,0 1 15,0-1-15,24 1 0,-24-25 16,0 25-16,25-1 15,-25 1-15,24 24 0,0-25 16,1 25-16,-1 25 16,1-25-16,-25 24 15,24 1-15,-24-1 0,0 1 16,24-1-16,-24 0 0,0 1 16,0-1-16,0 1 15,0-1-15,0-48 31,0-1-15,0 1-16,25-1 16,-25 1-16,24 0 15,1-1-15,-1 1 0,1-1 16,-1 1-16,25 24 16,-25 0-16,1 24 15,-25 1-15,24-1 0,-24 1 16,0-1-16,0 0 15,0 25-15,0-24 0,0-1 16,0 0-16,0 1 16</inkml:trace>
+  <inkml:trace contextRef="#ctx0" brushRef="#br0" timeOffset="23191">17878 440 0,'0'-24'16,"0"-1"-16,0 1 16,0 48-1,0 1 1,0-1-16,0 1 16,24 23-16,-24 1 15,25 0-15,-1 0 0,1 24 16,-1-24-16,0 24 0,1-24 15,-1 24-15,1-24 16,-1 25-16,0-26 0,1 1 16,-1 0-16,1-24 0,-25-1 15,0 0-15,-25-48 32,25 0-17,-24-1-15,-1-24 0,1 25 16,0-25-16,24 0 0,-25 0 15,25-24-15,-24 24 16,24 0-16,0-24 0,0 24 16,24 0-16,-24 0 0,25 1 15,-1 23-15,-24 1 16,24-1-16,1 25 16,-1 0-16,1 0 0,-1 0 15,1 25-15,-1-1 0,0 1 16,1-1-16,-25 0 15,24 1-15,1-1 0,-25 1 16,0-1-16,0 1 0,0-1 16,-25-24-16,25 24 15,-24 1-15,-1-25 0,1 0 16,0 0-16,-1 0 16,25-25-1,-24 25-15</inkml:trace>
+  <inkml:trace contextRef="#ctx0" brushRef="#br0" timeOffset="23606">19001 538 0,'-24'0'0,"-1"0"15,25-25-15,-24 25 0,0 0 16,-1 0 0,50 0-16,-1 0 15,0 0-15,1 0 16,-1 0-16,1 0 16,-1 0-16,1 25 15,-25-1 1,-25-24-1,1 25-15,-1-1 0,1-24 16,-1 25-16,1-25 16,0 24-16,-1-24 0,25 24 15,-24-24-15,24 25 16,-25-25-16,50 24 16,-1-24-16,1 0 15,23 0 1,-23 0-16,-1-24 0,1 24 15,-1 0-15,1 0 16</inkml:trace>
+  <inkml:trace contextRef="#ctx0" brushRef="#br0" timeOffset="23952">19881 440 0,'-25'0'0,"25"-24"16,0 48 15,25 1-16,-25-1-15,0 0 16,0 1-16,24 24 0,-24-25 16,0 25-16,0-25 15,24 25-15,-24 0 0,0-25 16,25 25-16,-25-24 0,0-1 16,0 1-16</inkml:trace>
+  <inkml:trace contextRef="#ctx0" brushRef="#br0" timeOffset="24395">20442 440 0,'-24'0'31,"24"25"-15,-25-25-16,1 24 15,24 0-15,-24 1 0,24 24 16,-25-25-16,25 1 16,0 23-16,0-23 0,0-1 15,0 1-15,25-1 16,-1 0-16,0 1 0,1-1 15,-1 1-15,25-25 16,-25 0-16,25 0 0,-24 0 16,-1-25-16,1 25 0,23-24 15,-23-1-15,-25-23 16,24 23-16,-24 1 0,0-1 16,0-23-16,0 23 0,0-24 15,-24 25-15,-1 24 16,1-25-16,-25 25 0,25 0 15,-25 0-15,24 0 16,1 0-16,0 0 0,-1 25 16,50-25-1</inkml:trace>
+  <inkml:trace contextRef="#ctx0" brushRef="#br0" timeOffset="25070">21541 513 0,'0'-24'0,"0"0"31,0-1-31,0 1 16,-24-1-1,-1 25 1,1 0-16,0 0 15,-1 0-15,-24 0 0,25 0 16,-25 0-16,25 0 0,-1 25 16,-24-25-16,25 24 15,-1-24-15,1 25 0,24-1 16,-24 0-16,24 1 16,0-1-16,0 1 15,0-1-15,24-24 16,0 25-16,1-1 0,-1-24 15,25 0-15,0 24 0,0-24 16,0 0-16,24 25 16,-24-25-16,0 0 0,0 0 15,-25 0-15,0 24 0,1-24 16,-1 0-16,1 25 16,-25-1-16,0 0 15,-25-24-15,25 25 16,-24-25-16,-1 24 0,1-24 15,0 25-15,-1-25 16,1 0-16,-25 0 0,0 0 16,0 0-16,0 0 0,0 0 15,1-25-15,23 25 16,-24 0-16,25 0 0,-1-24 16,1 24-16,24-25 15</inkml:trace>
+  <inkml:trace contextRef="#ctx0" brushRef="#br0" timeOffset="25447">21370 269 0,'-24'25'31,"24"-1"-15,0 0-16,-25 1 0,25-1 16,0 1-16,0 24 15,0-25-15,0 25 0,0 0 16,25-1-16,-25 26 0,24-25 15,-24-1-15,25 1 16,-25 0-16,24 0 0,-24 24 16,0-24-16,25 0 15,-25 0-15,0-25 0,24 25 16,-24-24-16,0 23 0,0-23 16,0-50-1</inkml:trace>
+  <inkml:trace contextRef="#ctx0" brushRef="#br0" timeOffset="-81984.73">14923 1686 0,'0'-25'0,"-25"25"16,1 0-1,-1-24-15,1 24 0,-1 0 16,25 24 31,0 1-31,0-1-16,25 1 15,-25 23-15,0-23 16,24-1-16,-24 1 0,25 23 15,-25-23-15,24-1 0,-24 1 16,25-25-16,-25 24 16,0 1-16,24-25 0,0 0 31,-24-25-15,0 1-16,25-1 15,-25-24-15,0 25 16,24 0-16,-24-1 0,0-24 15,25 25-15,-1 0 16,-24-1 0,25 25-16,-25 25 15,24-1 1,-24 0-16,24 1 16,-24-1-16,25 1 0,-25-1 15,24 0-15,1-24 16,-25 25-16,24-25 0,1 0 15,-1 0 1,0 0 0,-24-25-16,25 25 0,-25-24 15,0 0-15,0-1 16,0 1-16,24-1 0,-24 1 16,0 0-16,0-1 15,0 1-15,0-1 16,0 50 31</inkml:trace>
+  <inkml:trace contextRef="#ctx0" brushRef="#br0" timeOffset="-81553.73">15655 1612 0,'-24'0'31,"24"25"0,0-1-31,0 1 0,0-1 16,0 1-16,0 23 0,0-23 16,0-1-16,0 1 15,0 24-15,24-49 0,-24 24 16,0 0-16,0 1 31,25-25-31,-1 0 16,1-25-16,-1 25 15,0 0-15,1-24 0,-1 24 16,1 0-16,24-24 16,-25 24-16,0 0 0,1 0 15,-1 0-15,1 0 16,-1 0-16,-24 24 16,25-24-16,-50 0 15</inkml:trace>
+  <inkml:trace contextRef="#ctx0" brushRef="#br0" timeOffset="-80796.73">15729 1637 0,'0'-25'16,"0"1"0,0 0-1,0 48 48,-25-24-63,25 24 15,-24 1-15,24-1 0,-25 1 16,1-1-16,24 25 16,-25-25-16,1 25 0,0-24 15,24 24-15,-25-25 16,1 25-16,24-25 0,-25 1 15,25-1-15,-24 0 0,24 1 16,0-1-16,-24-24 16,24 25-1,24-50 48</inkml:trace>
+  <inkml:trace contextRef="#ctx0" brushRef="#br0" timeOffset="-78673.73">17218 1930 0,'25'0'31,"-25"24"63,0 1-79,-25-25-15,25 24 16,-24-24-16,24 25 0,-24-25 15,-1 24-15,1-24 16,-1 24-16,1-24 16,-1 0-16,1-24 15,0 24 1,-1-24-16,25-1 16,0 1-1,0-1-15,25 1 16,-25 0-16,24-1 0,0 25 15,-24-24-15,25-1 16,-1 25-16,1-24 0,-1 24 16,1 0-1,-1 0-15,0 24 0,1 1 16,-25-1-16,24 1 0,-24-1 16,0 25-16,0-25 15,0 1-15,0 23 0,-24-23 16,-1 24-16,1-25 15,0 1-15,-1-1 0,1 25 16,-25-25-16,24 1 0,1-1 16,0 1-16,-1-25 15,1 24-15,-1-24 0,1 0 16,24-24 0,0-1-1,0 1-15,0-1 16,24 25-16,-24-24 0,25 24 15,-1-25-15,1 25 16,-1 25 0,0-25-16,-24 24 0,25 1 15,-1-1-15,1-24 0,-1 25 16,1-1-16,-1-24 16,0 24-16,1-24 0,-1 0 15,1 0-15,-1 0 0</inkml:trace>
+  <inkml:trace contextRef="#ctx0" brushRef="#br0" timeOffset="-77924.73">17902 2003 0,'-24'0'16,"24"25"0,-25-25-1,1 0 1,0 0-16,24-25 16,-25 25-16,1 0 0,-1 0 15,1 0-15,-1 0 16,1 0-16,0 0 0,-1 0 15,1 0-15,-1 0 16,1 0-16,-1 0 16,25 25 31,-24-1-32,24 0 1,0 1-1,0-1-15,0 1 16,24-1-16,-24 1 16,0-1-1,25 0-15,-25 1 16,24-1-16,1-24 31,-1-24 0,1 24-31,-1-25 16,0 25-16,1-24 16,-1 24-1,1 0-15,-1 0 0,1 0 16,-1 0-16,0 0 16,1 24-16,-1-24 15,1 25-15,-25-1 0,24 1 16,-24-1-16,0 1 15,0-1-15,0 0 16,0 1-16,-24-25 0,-1 24 16,1-24-16,-1 0 15,-23 0-15,23 0 0,-24 0 16,0 0-16,25 0 16,-25 0-16,25 0 0,-1-24 15</inkml:trace>
+  <inkml:trace contextRef="#ctx0" brushRef="#br0" timeOffset="-77264.73">18635 2247 0,'-24'0'31,"-1"0"-15,1 0-16,-1 0 16,1 0-16,-1 0 15,1 25-15,0-1 0,-1-24 16,1 25-16,-1-1 0,25 1 15,0-1 1,0 0-16,25 1 0,-1-1 16,1-24-16,23 25 0,1-25 15,-24 24-15,24-24 16,-1 0-16,1 0 0,0-24 16,-25 24-16,1 0 15,-1-25-15,1 25 0,-1-24 16,-24-1-16,-24 1 15,-1 0-15,1-1 16,-25 1-16,0-1 0,0 1 16,1-1-16,-1-23 15,24 23-15,-24 25 0,25-24 16,0-1-16,24 1 0,0-1 16,0 1-16,0 0 15,24-1-15,0 1 16,1-1-16,-1 25 15,1-24-15,-1 0 0,1 24 16,-1 0-16,0 0 0,1 0 16,-1 0-16,-24 24 15,25 0-15,-25 1 0,0-1 16,24 1-16,-24-1 0,0 25 16,0-25-16,-24 1 15,24-1-15,-25 1 0,25-1 16,0 0-16,0 1 15,25-1-15</inkml:trace>
+  <inkml:trace contextRef="#ctx0" brushRef="#br0" timeOffset="-76903.73">19148 2028 0,'0'-25'0,"0"1"31,0 48-15,24 1-1,1-1-15,-1 0 16,25 1-16,-25-1 0,25 25 16,0-24-16,0 23 0,-25-23 15,25-1-15,-24 25 16,-1-24-16,25-1 0,-49 0 16,24 1-16,-24-1 0,25-24 15,-25 25-15,0-50 31</inkml:trace>
+  <inkml:trace contextRef="#ctx0" brushRef="#br0" timeOffset="-76609.73">19636 1954 0,'0'-24'16,"-24"24"-16,-1 0 15,1 0 1,24 24-16,-24-24 16,-1 25-16,25-1 15,-24 1-15,-1-1 0,1 0 16,-1 25-16,1-24 0,0-1 16,-1 25-16,1-25 15,-1 1-15,1 24 0,24-25 16,-24 25-16,24-25 15,-25 1-15,25 24 0,-24-25 16,24 0-16,0 1 16,24-25-1</inkml:trace>
+  <inkml:trace contextRef="#ctx0" brushRef="#br0" timeOffset="-76062.73">20125 2052 0,'0'-24'15,"0"48"64,0 0-64,0 1 1,0 24-16,0-25 0,0 25 15,0-25-15,0 25 16,0-24-16,0 24 0,0-25 16,0 0-16,0 1 15,0-1-15,0 1 0,24-1 16,-24 0-16,25-24 0,-25 25 16,24-25-16,0 0 15</inkml:trace>
+  <inkml:trace contextRef="#ctx0" brushRef="#br0" timeOffset="-75120.73">20784 2150 0,'25'-25'0,"-25"1"16,0-1 15,-25 25-16,1-24 1,-1 24-16,1 0 0,-1 0 16,1 0-16,24 24 0,-24-24 15,-1 0-15,1 25 16,-1-25-16,25 24 16,-24-24-16,24 25 15,0-1-15,-24-24 0,24 25 16,24-1-16,0 0 15,1 1-15,24-25 16,-25 24-16,25-24 0,0 25 16,0-1-16,-1-24 15,1 25-15,-24-25 0,-1 0 16,1 24-16,-25 0 16,-25-24-16,1 25 15,-1-25-15,-24 0 0,1 24 16,-1-24-16,0 0 15,24 0-15,-23 0 0,-1 0 16,0-24-16</inkml:trace>
+  <inkml:trace contextRef="#ctx0" brushRef="#br0" timeOffset="-74803.73">20686 1954 0,'0'-24'16,"-24"24"-1,24 24 17,0 1-32,0-1 0,0 1 15,0 23-15,0-23 0,0 24 16,0-25-16,24 25 15,-24 0-15,0 0 0,25 0 16,-25-25-16,24 25 16,-24 0-16,0-25 0,0 0 15,25 1-15,-25-1 0,0 1 16,24-25 15</inkml:trace>
+  <inkml:trace contextRef="#ctx0" brushRef="#br0" timeOffset="-74461.73">21419 2199 0,'-24'0'0,"-1"0"16,1 0-16,48-25 31,1 25-15,-1 0-1,25 0-15,-25 0 16,1 0-16,-1 0 0,1 0 16,-1 0-16,1 25 15,-1-25-15</inkml:trace>
+  <inkml:trace contextRef="#ctx0" brushRef="#br0" timeOffset="-74260.73">21395 2321 0,'-25'0'0,"25"24"16,25-24 15,-1 25-15,1-25-16,-1 0 15,0 0-15,1 0 0,-1 0 16,1 0-16,-1 0 15,25 0-15,-25 0 0,1-25 16</inkml:trace>
+  <inkml:trace contextRef="#ctx0" brushRef="#br0" timeOffset="-73454.73">22567 2101 0,'0'-25'0,"0"1"15,24 24 17,-48 0 15,0 0-32,-1 0-15,1 0 16,-1 24-16,1-24 0,-25 0 15,25 0-15,-1 0 16,1 0-16,-1 0 0,1-24 16,0 24-16,24-24 15,0-1 1,24 1 0,0 24-16,-24-25 15,25 25-15,-1-24 0,1-1 16,-1 25-16,-24-24 0,25 24 15,-1 0-15,0 24 16,-24 1 0,0 24-16,0-25 15,0 25-15,0 0 0,0-25 16,-24 25-16,24 0 0,0 0 16,-24-25-16,24 1 15,-25-1-15,25 1 0,-24-1 16,-50 0-1,50-24-15,0 0 16,-25 0-16,24-24 16,1 24-16,-1-24 0,25-1 15,0 1-15,0-1 16,25 1 0,-1 24-16,1-25 0,-1 25 15,1 0-15,-1 0 0,0 25 16,1-25-16,-1 24 15,1-24-15,24 25 0,-25-1 16,-24 1-16,24-25 16,1 24-16,-1 0 15,1-24-15</inkml:trace>
+  <inkml:trace contextRef="#ctx0" brushRef="#br0" timeOffset="-72572.73">23056 2028 0,'0'-25'31,"-25"25"1,25-24-17,-24 24-15,-1 0 16,1 0-16,24-25 0,-25 25 16,1 0-16,0 0 0,-1 0 15,1 0-15,-1 0 16,1 25-16,-1-25 0,1 0 15,0 0-15,-1 24 16,50-24 62,-25 25-62,24-25-16,-24 24 15,0 0 1,0 1 0,0-1-1,0 1 1,24-25-16,-24 24 0,0 1 16,0-1-1,-24-24-15,24 24 0,0 1 16,-24-25-16,24 24 15,-25-24 1,25 25-16,25-25 16,-25-25-16,24 25 15,-24-24-15,24 24 0,1-25 16,-1 1 0,1 24-1,-25-24-15,24 24 16,1 0-1,-1 0 1,-24 24-16,24-24 16,1 24-16,-1-24 0,-24 25 15,25-1-15,-1-24 0,-24 25 16,25-1-16,-25 1 16,0-1-16,0 0 15,0 1 1,0-1-16,-25-24 0,1 25 15,-1-25-15,1 0 16,-1 0-16,1 0 16,0 0-16,-25 0 15,24-25-15,1 25 0,-1 0 16,25-24-16,-24 24 0,0 0 16</inkml:trace>
+  <inkml:trace contextRef="#ctx0" brushRef="#br0" timeOffset="-71834.73">23617 2247 0,'-24'0'47,"-1"0"-31,1 0-1,0 0-15,-1 0 16,25 25-16,-24-25 0,-1 24 15,1 1-15,24-1 16,-25 1-16,25-1 0,0 0 16,0 1-1,0-1-15,25-24 0,-1 25 16,1-1-16,-1-24 0,25 0 16,-25 24-16,25-24 15,0 0-15,-25 0 0,25 0 16,-24-24-16,-1 24 15,-24-24-15,0-1 16,0 1-16,-24 24 0,-25-25 16,24 1-16,-23 0 15,-1 24-15,0-25 0,0 1 16,0-1-16,0 1 16,25 24-16,0-25 0,-1 1 15,1 0-15,24-1 16,0 1-1,0-1-15,0 1 16,24-1 0,1 25-1,-1-24-15,0 24 0,1 0 16,-1 0 0,1 0-16,-1 0 0,1 0 0,-1 0 15,0 0-15,1 0 16,-25 24-16,24-24 0,-24 25 15,0-1-15,0 1 0,0-1 16,-24-24-16,24 25 16,-25-1-16,25 0 0,-24 1 15,0-1-15,24 1 16,-25-25-16</inkml:trace>
+  <inkml:trace contextRef="#ctx0" brushRef="#br0" timeOffset="-71208.73">24472 2150 0,'24'0'0,"1"0"31,-25-25-15,0 1-1,-25-1 1,1 25-16,-25-24 16,25 24-16,-1 0 15,-24 0-15,25 0 0,-25 0 16,0 0-16,25 0 0,0 24 16,-1-24-16,1 25 15,-1-1-15,25 1 16,0-1-16,25-24 15,-25 25-15,24-1 0,1 0 16,-1-24-16,25 25 0,-25-25 16,25 24-16,0 1 15,-25-25-15,25 24 0,-24-24 16,-1 25-16,0-25 16,1 24-16,-1-24 0,-24 24 15,0 1 1,-24-25-16,-1 0 15,-23 0-15,-1 0 0,0 24 16,0-24-16,0 0 0,0 0 16,25 0-16,-25 0 15,25-24-15,-1 24 0,1 0 16,24-25-16</inkml:trace>
+  <inkml:trace contextRef="#ctx0" brushRef="#br0" timeOffset="-70814.73">24301 1931 0,'0'-25'0,"-24"25"15,24 25 17,0-1-17,0 1 1,24-1-16,-24 1 16,24-1-16,1 25 0,-25-25 15,24 25-15,-24 0 16,25-25-16,-25 25 0,0 0 15,0 0-15,24-25 16,-24 25-16,0-24 0,-24 24 16,24-25-16,-25 0 0,25 1 15,0-1-15,-24 1 16,24-1-16,-25 0 16</inkml:trace>
+  <inkml:trace contextRef="#ctx0" brushRef="#br0" timeOffset="-51061.73">15533 3273 0,'0'-24'31,"0"-1"-31,0 1 16,0-1-1,0 1 1,-24 0 0,-1-1-16,1 25 15,-25-24-15,25 24 16,-25 0-16,24 0 0,-23 24 16,-1-24-16,24 25 15,1-1-15,-1 0 0,25 1 16,-24-1-16,24 1 0,0-1 15,24 1-15,-24-1 16,25 0-16,-1 1 0,1-1 16,24-24-16,-25 25 15,25-25-15,0 24 0,-25-24 16,25 25-16,-25-25 0,1 24 16,-1 0-16,1-24 15,-25 25-15,0-1 0,0 1 16,0-1-16,0 1 15,-25-25-15,1 24 0,24 0 16,-49-24-16,25 25 0,-25-25 16,0 0-16,0 0 15,25 0-15,-25 0 0,0 0 16,24-25-16,1 25 0,0 0 16,24-24-16,0 0 15</inkml:trace>
+  <inkml:trace contextRef="#ctx0" brushRef="#br0" timeOffset="-50540.73">15826 3420 0,'25'0'0,"-1"0"0,1 0 16,-1 0-1,-24-25-15,24 25 0,-24-24 32,-24 24-32,0 0 0,-1 0 15,1 0-15,-1 0 0,1 0 16,-1 24-16,1-24 16,0 25-16,-1-1 0,1-24 15,24 25-15,-25-1 16,25 0-16,0 1 0,0-1 15,25 1-15,-25-1 0,24 1 16,1-25-16,-25 24 16,24-24-16,0 0 0,1 0 15,-1 0 1,1 0-16,-1-24 0,-24-1 16,25 25-16,-25-24 0,24-1 15,-24 1-15,24-1 16,-24 1-16,25 0 0,-25-1 15,0 1-15,0-1 16,24 25-16,-24 25 16,25-1-1,-25 1-15,24 23 16,-24-23-16,25-1 0,-1 1 16,0-1-16,-24 1 15,25-1-15,-1-24 0,1 24 16</inkml:trace>
+  <inkml:trace contextRef="#ctx0" brushRef="#br0" timeOffset="-50143.73">16241 3420 0,'-24'-25'0,"24"1"15,0-1-15,0 50 31,24-1-31,-24 1 0,25-1 16,-1 1-16,1-1 0,-1 0 16,1 1-16,-25-1 15,24 1-15,0-1 0,-24 1 16,0-1-16,25-24 16,-25 24-16,24-24 15,-24-24 16,0 0-31,0-1 0,0 1 16,0-1-16,25-24 16,-25 25-16,0-25 0,0 25 15,0-25-15,0 24 0,24 1 16,1 48 15,-25 1-15,24-25-16,-24 24 0,0 1 15,24-25-15,-24 24 0</inkml:trace>
+  <inkml:trace contextRef="#ctx0" brushRef="#br0" timeOffset="-49790.73">17072 3444 0,'-25'0'0,"1"0"32,48 0 15,1 0-32,-1 0-15,1 0 0,-1 0 16,1 0-16</inkml:trace>
+  <inkml:trace contextRef="#ctx0" brushRef="#br0" timeOffset="-49610.73">17096 3566 0,'0'25'16,"-24"-25"-16,24 24 15,24-24 1,1-24-1,-1 24 1,1 0-16,-1 0 0,0 0 16,1 0-16</inkml:trace>
+  <inkml:trace contextRef="#ctx0" brushRef="#br0" timeOffset="-48606.73">18024 3273 0,'0'-24'15,"-24"24"-15,24-25 16,0 1 0,0 48 15,0 1-31,24 24 16,-24-25-16,0 25 0,25 0 15,-25-25-15,24 25 16,-24 0-16,25-25 0,-25 1 15,0-1-15,24 1 0,-24-1 16,0 0-16,24-24 16,1 0-1</inkml:trace>
+  <inkml:trace contextRef="#ctx0" brushRef="#br0" timeOffset="-48180.73">18537 3298 0,'0'-25'16,"0"1"-16,-24 24 15,-1 24 17,25 1-32,-24-1 15,24 25-15,0-25 16,-24 1-16,24 24 0,0-25 15,0 25-15,0-25 16,0 1-16,24-1 0,-24 1 16,24-1-16,1 0 0,24-24 15,-25 0-15,25 0 16,-25 0-16,25 0 0,-24-24 16,23 0-16,-23-1 15,-1 1-15,-24-1 0,25-24 16,-25 25-16,0 0 0,-25-25 15,1 24-15,-1 1 16,-23-1-16,23 1 0,-24 24 16,25-24-16,-25 24 15,25 0-15,-1 0 0,1 0 16,48 24 0,1-24-1,-1 0-15</inkml:trace>
+  <inkml:trace contextRef="#ctx0" brushRef="#br0" timeOffset="-47519.73">19245 3273 0,'25'0'16,"-25"-24"-1,24 24 1,-48 24 31,-1 1-31,1-25-16,24 24 15,-24-24-15,-1 0 16,1 0-16,-1 0 15,1 0-15,24-24 16,-24 24-16,24-25 16,0 1-16,0-1 15,24 25-15,-24-24 16,24-1-16,1 25 0,-1-24 16,1 24-16,-1 0 0,0 0 15,1 0-15,-1 0 16,1 24-16,-25 25 0,24-24 15,-24 24-15,0-1 0,0 1 16,-24 0-16,-1 0 16,25-25-16,-24 25 0,-25-24 15,25-1-15,-1-24 16,1 25-16,-1-25 0,1 0 16,0 0-16,-1 0 0,25-25 15,-24 25-15,24-24 16,0-1-16,24-24 15,-24 25-15,25 24 16,-1-24-16,0 24 0,1 0 16,-1 0-16,25 0 0,-25 24 15,1 0-15,-1 1 16,25-25-16,-24 49 0,-1-25 16,0 1-16,1-1 15,24 0-15,-25-24 0,1 25 16,23-1-16,-23-24 0,24 0 15,-25 0-15</inkml:trace>
+  <inkml:trace contextRef="#ctx0" brushRef="#br0" timeOffset="-47161.73">19905 3200 0,'0'24'47,"24"-24"-32,-24 25-15,25-1 0,24 1 16,-25 23-16,0-23 16,25-1-16,0 25 0,-24-24 15,23 23-15,-23-23 0,24-1 16,-25 1-16,25-1 16,-25 1-16,1-1 15,-1-24 1</inkml:trace>
+  <inkml:trace contextRef="#ctx0" brushRef="#br0" timeOffset="-46880.73">20369 3175 0,'-24'-24'16,"-1"24"-16,1 0 15,24 24 1,0 1 0,-25-1-16,25 1 15,0 24-15,-24-1 16,24 1-16,0 0 0,-25 0 16,25 0-16,-24 0 0,24-25 15,-24 25-15,24-25 16,0 25-16,-25-24 0,25-1 15,0 1 1</inkml:trace>
+  <inkml:trace contextRef="#ctx0" brushRef="#br0" timeOffset="-46538.73">20833 3273 0,'0'-24'0,"24"24"16,-24 24 30,0 1-46,0-1 0,0 0 16,0 1-16,25-1 0,-25 25 16,0-24-16,24 23 15,-24-23-15,0-1 0,0 25 16,0-24-16,0-1 16,25 0-16,-25 1 0,0-1 15,24-24 1</inkml:trace>
+  <inkml:trace contextRef="#ctx0" brushRef="#br0" timeOffset="-46066.73">21297 3322 0,'0'-24'16,"-24"48"31,-1 0-32,25 1-15,0-1 0,-24 1 16,24 24-16,-25-25 16,25 25-16,0-25 0,0 1 15,0-1-15,0 1 16,25-1-16,-1 0 0,1-24 15,-1 25-15,0-25 0,25 0 16,-24 0-16,24 0 16,-25 0-16,0-25 0,1 1 15,-1 0-15,1-1 16,-1 1-16,-24-25 0,0 24 16,0-23-16,-24-1 0,24 24 15,-49 1-15,24-1 16,1 1-16,-25 0 0,0-1 15,25 25-15,-25 0 16,25 0-16,-25 0 0,24 0 16,1 25-16,24-1 15,24 0 1,1 1-16,-1-25 16,1 0-16</inkml:trace>
+  <inkml:trace contextRef="#ctx0" brushRef="#br0" timeOffset="-45791.73">22005 3346 0,'25'0'47,"-1"0"-32,1 0-15,-1 0 16,0 0-16,1 0 16,-1 0-16,1 0 15,-1 25 1</inkml:trace>
+  <inkml:trace contextRef="#ctx0" brushRef="#br0" timeOffset="-45571.73">22103 3517 0,'-24'25'16,"-1"-1"0,25 1-1,25-1 1,-1-24-1,0 0-15,1 25 16,-1-25-16,1 0 16,-1 0-16,1 0 0,-1 0 15,0 0-15,1 0 16,-1-25 0</inkml:trace>
+  <inkml:trace contextRef="#ctx0" brushRef="#br0" timeOffset="-45011.73">22885 3298 0,'-25'-25'0,"25"50"62,0-1-46,-24 0 0,24 25-16,0-24 15,0-1-15,0 25 0,0-25 16,0 25-16,0-24 16,24 24-16,-24-25 0,0 0 15,0 1-15,25-1 0,-25 1 16,0-1-16,24-24 15,-24 25-15,24-25 16</inkml:trace>
+  <inkml:trace contextRef="#ctx0" brushRef="#br0" timeOffset="-44510.73">23397 3346 0,'-24'0'0,"0"0"16,-1 0-1,25 25 1,-24-25-16,24 24 15,-25 1-15,25-1 0,0 1 16,0 23-16,-24-23 16,24-1-16,0 25 0,0-24 15,0-1-15,0 0 16,0 1-16,24-1 0,-24 1 16,49-25-16,-24 24 0,-1-24 15,0 0-15,1 0 16,24 0-16,-25 0 0,1-24 15,-1-1-15,-24 1 16,24-1-16,-24 1 0,25 0 16,-25-1-16,0-24 0,0 25 15,0-1-15,-25-23 16,1 23-16,0 1 0,-1-1 16,1 1-16,-1 24 15,-24-25-15,25 25 16,0 0-16,24 25 0,-25-25 15,25 24-15,25 1 16</inkml:trace>
+  <inkml:trace contextRef="#ctx0" brushRef="#br0" timeOffset="-43855.73">24277 3346 0,'24'-24'15,"-24"0"1,25 24 0,-25 24-1,0 0 1,-25 1-16,25-1 15,-24 1-15,24-1 0,-25 1 16,1-25-16,-1 24 0,1-24 16,0 0-1,-1 0-15,1 0 0,-1 0 16,1-24-16,-1 24 16,25-25-16,-24 1 0,24-1 15,0 1 1,0-1-16,0 1 0,24 0 15,1-1-15,-1 1 16,1 24-16,-1 0 16,1 0-16,-1 24 0,0-24 15,-24 49-15,25-25 0,-25 1 16,24 24-16,-24 0 16,0-25-16,0 25 0,-24 0 15,-1-25-15,25 25 16,-24-25-16,0 1 0,-25-1 15,24 1-15,-24-25 0,25 24 16,-25-24-16,0 0 16,0 0-16,25 0 0,-25 0 15,49-24-15,-24 24 16,48-25 0,25 25-16,-25 0 15,1 0-15,24 0 16,0 0-16,-1 25 0,-23-25 15,24 24-15,-25-24 16,1 25-16,-1-1 0,0-24 16,1 24-16</inkml:trace>
+  <inkml:trace contextRef="#ctx0" brushRef="#br0" timeOffset="-43370.73">24863 3493 0,'-25'0'0,"25"-24"16,0-1 15,-24 25-16,0 0 1,-1 0-16,1 25 0,-1-25 16,-24 24-16,25-24 15,0 24-15,24 1 0,-25-1 16,25 1-16,0-1 16,0 1-16,0 23 0,25-23 15,-1-1-15,0 1 0,1-25 16,-1 24-16,25 0 15,-24-24-15,-1 0 0,25 0 16,-25 0-16,1 0 16,-1 0-16,-24-24 0,24 0 15,-24-1-15,0 1 16,0-1-16,0 1 16,-24 0-16,24-1 0,-24 1 15,-1-25-15,1 49 16,-1-25-16,1 1 0,0 24 15,-1 0-15,1 0 0,-1 0 16,25 24 0</inkml:trace>
+  <inkml:trace contextRef="#ctx0" brushRef="#br0" timeOffset="-42877.73">25766 3395 0,'0'-24'0,"0"-1"15,0 1 1,0 0-16,-24 24 15,0-25-15,-1 25 0,1 0 16,-1 0-16,-23 0 0,23 0 16,1 25-16,-1-25 0,1 0 15,24 24-15,-25-24 16,25 24-16,0 1 16,0-1-1,25-24-15,-25 25 0,24-1 16,1 1-16,-1-25 0,25 24 15,-25 0-15,25-24 16,0 25-16,0-1 0,0-24 16,0 25-16,-25-25 15,25 24-15,-25 1 0,1-25 16,-25 24-16,0 0 16,-25-24-16,1 25 15,-25-25-15,25 0 0,-25 0 16,0 0-16,0 24 15,0-24-15,0 0 0,1-24 16,23 24-16,1-25 0</inkml:trace>
+  <inkml:trace contextRef="#ctx0" brushRef="#br0" timeOffset="-42564.73">25718 3078 0,'-25'0'0,"25"-25"15,-24 25-15,24 25 16,0-1 0,24 1-16,-24-1 15,0 25-15,25-25 16,-25 25-16,0 0 0,0 0 15,0 0-15,0 24 0,0-24 16,0 0-16,0 0 16,0-1-16,0-23 0,0 24 15,0 0-15,0-25 0,24 0 16,-24 25-16,0-24 16,0-1-16</inkml:trace>
+  <inkml:trace contextRef="#ctx0" brushRef="#br0" timeOffset="-40918.73">17072 4372 0,'24'0'0,"1"0"16,-1 0-16,25-24 0,24 24 15,0 0-15,1 0 0,23-25 16,1 25-16,24 0 16,-24 0-16,24-24 0,0 24 15,0 0-15,-24 0 16,0 0-16,-1 0 0,1 0 16,0 0-16,-25 0 0,171 0 31,-170 0-31,23 0 0,1 0 15,0 0-15,-1 0 0,1 0 16,0 0-16,-1 0 16,-23 0-16,23 0 0,-23 0 15,-1 0-15,-24 0 16,24 0-16,-24 0 0,24 24 16,-24-24-16,24 0 0,1 0 15,-26 0-15,26 25 16,-1-25-16,25 0 0,-25 0 15,0 0-15,25 0 16,-25-25-16,0 25 0,1 0 16,-1 0-16,0 0 0,0 0 15,-24-24-15,25 24 16,-1 0-16,-24 0 0,24 0 16,0 0-16,0 0 15,1 24-15,-1-24 0,25 0 16,-25 0-16,25 0 0,-25 0 15,25 0-15,-25 0 16,25 0-16,-25 0 0,0 0 16,25-24-16,-25 24 15,0 0-15,1 0 0,-1 0 16,0 0-16,25 0 0,-25 0 16,0-24-16,25 24 15,-25 0-15,25-25 0,-25 25 16,25 0-16,0 0 15,-25 0-15,25-24 0,-25 24 16,25 0-16,-25-25 0,25 25 16,-25-24-16,0 24 15,25 0-15,-25 0 0,0 0 16,25-25-16,-25 25 16,25 0-16,0 0 0,-25 0 15,25 0-15,-1 0 0,1 0 16,0 0-16,-1-24 15,-23 24-15,23 0 0,-23 0 16,-1 0-16,-24 0 0,0 0 16,-1 0-16,1 0 15,-24 0-15,-1-24 0,25 24 16,-25 0-16,1 0 16,-1 0-16,1 0 0,-1 0 15</inkml:trace>
+  <inkml:trace contextRef="#ctx0" brushRef="#br0" timeOffset="-40059.73">17731 5056 0,'0'-24'0,"0"48"31,0 0-15,0 1-1,25 24-15,-25-25 0,0 25 16,24-25-16,-24 25 16,0 0-16,0-24 0,0 23 15,25-23-15,-25-1 0,0 1 16,24-1-16,-24 1 16,24-25-16,1 0 15</inkml:trace>
+  <inkml:trace contextRef="#ctx0" brushRef="#br0" timeOffset="-39632.73">17853 5178 0,'0'-24'16,"0"-1"-16,-24 1 0,24 0 16,24 24-1,1 0-15,-1 0 16,1 24-16,-1 0 15,0 1-15,1-1 16,-1 1-16,25-1 0,-24 25 16,23-25-16,-23 1 0,-1-1 15,25 1-15,-24-1 16,-1 0-16,0 1 0,1-25 16,-1 0-1,1 0-15,-25-25 16,0 1-16,0 0 15,0-1-15,0-24 16,-25 25-16,25-25 0,-24 25 16,24-25-16,-25 0 15,25 0-15,0 25 0,0-1 16,-24 1-16,24-1 0,0 1 16,0 48-1,0 1-15,0-1 16,0 1-1,0-1-15,24 1 0,-24-1 16,0 0-16</inkml:trace>
+  <inkml:trace contextRef="#ctx0" brushRef="#br0" timeOffset="-39165.73">18611 5227 0,'-25'24'0,"50"-24"47,-25 25-31,0-1-1,24-24 1,-24 25-16,24-25 15,1 0 1,-25-25-16,24 25 16,1-24-16,-25-1 0,24 1 15,0 0-15,-24-1 16,0 1-16,-24 24 16,0-25-16,-1 25 0,1-24 15,-1 24-15,1 0 16,0 0-16,-25 24 0,24-24 15,25 25-15,-24-1 0,-1 1 16,25-1-16,0 25 16,0-25-16,25 25 0,-25-24 15,24 23-15,1-23 16,24-1-16,-25 1 0,25-1 16,-25 1-16,25-25 0,0 0 15,-25 0-15,25 0 16,0-25-16</inkml:trace>
+  <inkml:trace contextRef="#ctx0" brushRef="#br0" timeOffset="-38883.73">19050 4934 0,'-24'0'0,"24"-24"0,0 48 47,0 0-47,24-24 16,-24 49-16,0-24 15,0 23-15,0-23 0,0 24 16,0 0-16,0-1 0,25 1 16,-25 0-16,24-24 15,-24 23-15,24-23 0,-24-1 16,25 1-16,-25-1 15,24-24-15,-24 25 0</inkml:trace>
+  <inkml:trace contextRef="#ctx0" brushRef="#br0" timeOffset="-38709.73">19123 5251 0,'-24'0'0,"24"-24"16,-24 24-16,-1 0 15,1 0-15,48 0 32,1 0-32,-1 0 15,25 0-15,-25 0 0,25-24 16,0 24-16</inkml:trace>
+  <inkml:trace contextRef="#ctx0" brushRef="#br0" timeOffset="-38209.73">20003 5105 0,'24'0'0,"0"-24"0,1 24 15,-1-25-15,1 25 16,-1-24-16,1-1 15,-25 1-15,0-1 0,-25 1 16,1 0 0,-25 24-16,0 0 0,0 0 15,25 0-15,-25 0 16,25 0-16,-25 24 0,24 0 16,1 1-16,24-1 0,0 1 15,0-1-15,0 25 16,0-25-16,24 1 0,1 24 15,-25-25-15,49 0 16,-25 1-16,25-25 0,-25 24 16,25 1-16,-25-25 0,25 24 15,-24-24-15,24 25 16,-25-25-16,0 24 0,1 0 16,-25 1-1,-25-1-15,1-24 16,0 25-16,-1-25 0,1 24 15,-1-24-15,-24 0 16,1 0-16,23 0 0,-24 0 16,25 0-16,-25-24 15,25 24-15,-1 0 0,1-25 16</inkml:trace>
+  <inkml:trace contextRef="#ctx0" brushRef="#br0" timeOffset="-37700.73">20662 5227 0,'0'-24'0,"-24"24"16,24-25-1,-25 1 1,1 24-1,-1-25-15,1 25 16,0 0-16,-1 0 16,1 0-16,-25 0 0,24 25 15,1-25-15,0 24 0,-1 1 16,25-1 0,0 0-16,25 1 15,-1-1-15,-24 1 16,24-1-16,1 1 0,-1-1 15,1-24-15,-1 24 0,1-24 16,-1 0-16,0 0 16,1-24-16,-1 24 15,-24-24-15,25-1 16,-25 1-16,24-1 0,-24 1 16,0-1-16,24 1 0,-24 0 15,0-1-15,25 25 16,-25 25-1,24-1 1,-24 0-16,0 1 0,25-1 16,-25 25-16,0-24 0,24-1 15,-24 0-15,25 1 16,-25-1-16,24-24 0,0 0 16</inkml:trace>
+  <inkml:trace contextRef="#ctx0" brushRef="#br0" timeOffset="-37316.73">20882 5154 0,'0'-25'0,"-25"25"16,50 25 15,-1-1-15,1 1-16,-25-1 15,24 0-15,1 1 0,-25 24 16,24-25-16,-24 1 0,24-1 16,-24 0-16,25 1 15,-1-25-15,-24 24 0,25-24 32,-25-24-17,0-1-15,24 1 0,-24 0 16,0-1-16,25-24 15,-25 25-15,0-1 0,24 1 16,-24 0-16,0-1 0,0 1 16,0-1-16,24 25 15,1 0 17</inkml:trace>
+  <inkml:trace contextRef="#ctx0" brushRef="#br0" timeOffset="-36843.73">21444 5203 0,'-25'0'16,"25"24"-16,-24-24 16,48 24 15,1-24-16,-1 0-15,0 0 16,1 0-16,-1 0 16,1 0-16,-1 0 0,1 0 15,-1 0-15,-24-24 16,24 24 0,-24-24-16,0-1 15,-24 1 1,24-1-16,-24 25 0,-1-24 15,1 24-15,-1-25 0,1 25 16,-1 0 0,1 0-16,0 0 0,-1 25 15,1-1-15,24 1 16,-25-1-16,25 25 0,0-25 16,0 25-16,25-24 0,-1-1 15,1 25-15,23-25 16,-23 1-16,24-1 0,0-24 15,-1 25-15,-23-25 16,24 0-16,-1 0 0,-23-25 16,-1 25-16,1-24 0,-1-1 15,1 1-15,-25 0 16</inkml:trace>
+  <inkml:trace contextRef="#ctx0" brushRef="#br0" timeOffset="-25333.73">22665 5007 0,'-25'0'0,"1"-24"15,-1 24-15,1 0 16,0 0-16,24-25 0,-25 25 188,50 0-142,-1 0-46,0 0 16,1 0-16,24-24 0,-25 24 16,25 0-16,-25 0 15,1 0-15,24 0 0,-25-24 16,1 24-16,-1 0 0,0 0 16,1 0-1,-25 24 48,0 0-48,0 1-15,0-1 0,0 1 16,0 23-16,-25 1 16,25 0-16,0 0 0,0 0 15,0 0-15,0-25 0,0 25 16,0 0-16,-24-25 15,24 25-15,0-24 0,0-1 16,0 0-16,0-48 47</inkml:trace>
+  <inkml:trace contextRef="#ctx0" brushRef="#br0" timeOffset="-25052.73">22787 5325 0,'-25'0'0,"1"0"15,24-25 1,24 25 31,1 0-47,-1 0 0,1 0 15,-1 0-15,1 0 16,-1 0-16,25 0 0,-25-24 16,1 24-16,24 0 0,-25 0 15,0 0-15,1 0 16,-1 0-16</inkml:trace>
+  <inkml:trace contextRef="#ctx0" brushRef="#br0" timeOffset="-24486.73">23593 5056 0,'0'-24'16,"0"-1"0,0 1-1,-25 24 17,1 0-32,0 0 15,24 24-15,-25-24 16,1 25-16,-1-1 15,25 1-15,-24-1 0,-1 25 16,1-25-16,0 25 0,24 0 16,-25-25-16,25 25 15,0-24-15,0-1 0,25 0 16,-25 1-16,24-1 16,25 1-16,-25-25 0,25 0 15,0 0-15,0 0 0,0 0 16,-25-25-16,25 25 15,-25-24-15,1 24 0,-1-25 16,-24 1-16,0 0 16,0-1-16,-24 1 0,-1 24 15,1-25-15,-1 1 16,1 24-16,0-25 0,-1 25 16,-24 0-16,1 25 15,23-1 1,1-24-16,24 25 0,0-1 15,0 1-15,0-1 16,0 0-16,24-24 16,1 25-16</inkml:trace>
+  <inkml:trace contextRef="#ctx0" brushRef="#br0" timeOffset="-23742.73">24350 4958 0,'24'0'15,"1"0"16,-25 25-15,0-1 0,0 1-1,-25-25-15,25 24 0,-24-24 16,0 24-16,-1-24 16,1 0-16,-1 0 15,1 0-15,-1 0 0,1 0 16,0 0-16,-1 0 15,1-24-15,-1 24 0,25-24 16,-24 24-16,24-25 16,0 1-16,24-1 15,-24 1-15,25 24 16,-1-24-16,1 24 16,-1-25-16,0 25 0,1 0 15,-1 0-15,1 0 0,-1 0 16,1 25-16,-1-1 15,-24 0-15,0 1 0,0-1 16,0 25-16,0-25 16,-24 25-16,-1-24 0,1 24 15,-1-25-15,1 0 0,-1 1 16,-23-1-16,23 1 16,1-25-16,-25 0 0,24 24 15,1-24-15,0 0 0,-1 0 16,1 0-16,24-24 15,-25 24-15,25-25 16,0 1 0,25-1-16,-1 25 15,1-24-15,-1 24 16,0 0-16,1 24 16,-1-24-16,1 25 0,-1-1 15,1 1-15,-25-1 16,24 1-16,0-1 0,-24 0 15,25 1-15,-25-1 0,24 1 16,1-25-16,-1 0 16</inkml:trace>
+  <inkml:trace contextRef="#ctx0" brushRef="#br0" timeOffset="-23123.73">25131 5154 0,'25'0'15,"-1"0"1,-24-25 0,0 1-1,0 0-15,0-1 16,-24 25-16,-1 0 16,1-24-16,0 24 15,-1-25-15,1 25 0,-1 0 16,-24 0-16,25 0 15,-25 0-15,25 0 0,-1 0 16,-23 25-16,23-25 0,1 24 16,-1 1-1,25-1-15,0 0 0,25 1 16,-1-1-16,1 1 0,-1-1 16,0-24-16,25 24 15,-24 1-15,23-25 0,1 24 16,0-24-16,-24 0 15,23 25-15,-23-25 0,24 0 16,-25 0-16,1 24 16,-25 1-1,0-1-15,-25-24 16,1 24 0,-1-24-16,1 25 0,-1-25 15,1 0-15,0 0 16,-25 0-16,24 0 0,-24 0 15,25 0-15,0 0 0,-1-25 16,1 25-16,24-24 16</inkml:trace>
+  <inkml:trace contextRef="#ctx0" brushRef="#br0" timeOffset="-22772.73">24960 4836 0,'0'-24'0,"0"48"47,0 1-47,0-1 15,0 1-15,0-1 16,0 25-16,0-25 0,0 25 16,25 0-16,-25 0 0,24 0 15,-24-1-15,0 1 16,25 0-16,-25 0 0,0 0 16,0 0-16,24-25 15,-24 1-15,0-1 0,0 0 16,0 1-16,0-1 15</inkml:trace>
+</inkml:ink>
+</file>
+
+<file path=ppt/ink/ink26.xml><?xml version="1.0" encoding="utf-8"?>
+<inkml:ink xmlns:inkml="http://www.w3.org/2003/InkML">
+  <inkml:definitions>
+    <inkml:context xml:id="ctx0">
+      <inkml:inkSource xml:id="inkSrc0">
+        <inkml:traceFormat>
+          <inkml:channel name="X" type="integer" max="1920" units="cm"/>
+          <inkml:channel name="Y" type="integer" max="1080" units="cm"/>
+          <inkml:channel name="T" type="integer" max="2.14748E9" units="dev"/>
+        </inkml:traceFormat>
+        <inkml:channelProperties>
+          <inkml:channelProperty channel="X" name="resolution" value="55.81395" units="1/cm"/>
+          <inkml:channelProperty channel="Y" name="resolution" value="55.6701" units="1/cm"/>
+          <inkml:channelProperty channel="T" name="resolution" value="1" units="1/dev"/>
+        </inkml:channelProperties>
+      </inkml:inkSource>
+      <inkml:timestamp xml:id="ts0" timeString="2020-10-18T02:54:39.293"/>
+    </inkml:context>
+    <inkml:brush xml:id="br0">
+      <inkml:brushProperty name="width" value="0.05" units="cm"/>
+      <inkml:brushProperty name="height" value="0.05" units="cm"/>
+      <inkml:brushProperty name="fitToCurve" value="1"/>
+    </inkml:brush>
+  </inkml:definitions>
+  <inkml:trace contextRef="#ctx0" brushRef="#br0">23 10 0,'-25'0'31,"50"0"47,-1 0-62,0 0-16,25 24 16,-24-24-16,24 0 0,24 0 15,0 0-15,0 0 0,1 0 16,-1 0-16,25-24 16,-25 24-16,0 0 0,0 0 15,1 0-15,-1 0 0,-24 0 16,0 0-16,-1 0 15,1 0-15,-24 0 0,-1 0 16,1 0-16,-1 0 16,0 0-16,1 0 15,-1 0 1</inkml:trace>
+</inkml:ink>
+</file>
+
+<file path=ppt/ink/ink27.xml><?xml version="1.0" encoding="utf-8"?>
+<inkml:ink xmlns:inkml="http://www.w3.org/2003/InkML">
+  <inkml:definitions>
+    <inkml:context xml:id="ctx0">
+      <inkml:inkSource xml:id="inkSrc0">
+        <inkml:traceFormat>
+          <inkml:channel name="X" type="integer" max="1920" units="cm"/>
+          <inkml:channel name="Y" type="integer" max="1080" units="cm"/>
+          <inkml:channel name="T" type="integer" max="2.14748E9" units="dev"/>
+        </inkml:traceFormat>
+        <inkml:channelProperties>
+          <inkml:channelProperty channel="X" name="resolution" value="55.81395" units="1/cm"/>
+          <inkml:channelProperty channel="Y" name="resolution" value="55.6701" units="1/cm"/>
+          <inkml:channelProperty channel="T" name="resolution" value="1" units="1/dev"/>
+        </inkml:channelProperties>
+      </inkml:inkSource>
+      <inkml:timestamp xml:id="ts0" timeString="2020-10-18T02:54:41.761"/>
+    </inkml:context>
+    <inkml:brush xml:id="br0">
+      <inkml:brushProperty name="width" value="0.05" units="cm"/>
+      <inkml:brushProperty name="height" value="0.05" units="cm"/>
+      <inkml:brushProperty name="fitToCurve" value="1"/>
+    </inkml:brush>
+  </inkml:definitions>
+  <inkml:trace contextRef="#ctx0" brushRef="#br0">0 99 0,'25'0'110,"-1"0"-95,0 0 1,1 0-1,-1 0-15,1-25 16,-1 25-16,25 0 0,0 0 16,-25-24-16,49 24 15,-24 0-15,0-24 0,0 24 16,24 0-16,-24 0 0,24 0 16,-24 0-16,0 0 15,24 0-15,-24 0 0,0 0 16,-25 0-16,25 0 15,-24 0-15,24 0 0,-25-25 16,0 25-16,1 0 16,-1 0-16,-48 0 47,-1 0-32</inkml:trace>
+</inkml:ink>
+</file>
+
+<file path=ppt/ink/ink28.xml><?xml version="1.0" encoding="utf-8"?>
+<inkml:ink xmlns:inkml="http://www.w3.org/2003/InkML">
+  <inkml:definitions>
+    <inkml:context xml:id="ctx0">
+      <inkml:inkSource xml:id="inkSrc0">
+        <inkml:traceFormat>
+          <inkml:channel name="X" type="integer" max="1920" units="cm"/>
+          <inkml:channel name="Y" type="integer" max="1080" units="cm"/>
+          <inkml:channel name="T" type="integer" max="2.14748E9" units="dev"/>
+        </inkml:traceFormat>
+        <inkml:channelProperties>
+          <inkml:channelProperty channel="X" name="resolution" value="55.81395" units="1/cm"/>
+          <inkml:channelProperty channel="Y" name="resolution" value="55.6701" units="1/cm"/>
+          <inkml:channelProperty channel="T" name="resolution" value="1" units="1/dev"/>
+        </inkml:channelProperties>
+      </inkml:inkSource>
+      <inkml:timestamp xml:id="ts0" timeString="2020-10-18T02:54:50.472"/>
+    </inkml:context>
+    <inkml:brush xml:id="br0">
+      <inkml:brushProperty name="width" value="0.05" units="cm"/>
+      <inkml:brushProperty name="height" value="0.05" units="cm"/>
+      <inkml:brushProperty name="fitToCurve" value="1"/>
+    </inkml:brush>
+  </inkml:definitions>
+  <inkml:trace contextRef="#ctx0" brushRef="#br0">76 249 0,'-24'0'16,"24"-24"-16,-25 24 15,25-24-15,-24 24 16,24-25 0,0 50 15,0-1-16,0 0-15,0 1 16,0-1-16,0 25 0,0-24 16,0 23-16,0-23 15,0-1-15,0 1 0,24 24 16,-24-25-16,25 0 16,-1 1-1,0-25 1,-24-25-16,25 25 15,-1-24-15,-24 0 0,25-1 16,-1 1-16,0-1 0,1-24 16,-25 25-16,24 0 15,1-1-15,-1 1 0,-24-1 16,25 25-16,-1 0 16,-24 25-1,24-1-15,-24 1 16,0-1-16,0 0 0,0 1 15,25-1-15,-25 1 0,24-25 16,-24 24-16,25 1 16,-1-25-16,1 0 15,-25-25-15,24 25 16,0-24-16,-24-1 16,25 25-16,-25-24 0,0-1 15,0-23-15,0 23 16,0 1-16,0-1 0,0 1 15,0-1-15,0 1 0,0 0 16,-25 24 15,25 24-31</inkml:trace>
+  <inkml:trace contextRef="#ctx0" brushRef="#br0" timeOffset="390">882 201 0,'0'-25'32,"0"50"-17,0-1 1,0 0-16,0 1 0,0-1 15,0 1-15,-25-1 16,25 1-16,-24-1 0,24 0 16,-24 1-16,24-1 0,-25 1 15,25-1 1,25-24 15,-1 0-31,0 0 16,1 0-16,-1 0 0,25 0 15,-24-24-15,23 24 16,-23 0-16,-1 0 0,25 0 16,-24 0-16,-1 0 15,0 0-15,1 0 0,-1 0 16</inkml:trace>
+  <inkml:trace contextRef="#ctx0" brushRef="#br0" timeOffset="805">1737 249 0,'-25'0'0,"1"0"0,-1 25 15,1-25-15,0 0 0,48 0 47,0 0-47,1 0 16,24 0 0,-25 0-16,1 0 0,-1 0 15,0 0-15,1 0 16,-1 24-16,1-24 0</inkml:trace>
+  <inkml:trace contextRef="#ctx0" brushRef="#br0" timeOffset="990">1712 420 0,'0'25'16,"-24"-25"-16,24 24 15,24-24 1,1 0-1,-1 0 1,1 0-16,-1 0 0,0 0 16,25-24-16,-24 24 0,-1 0 15</inkml:trace>
+  <inkml:trace contextRef="#ctx0" brushRef="#br0" timeOffset="1548">2372 127 0,'-25'0'0,"1"-24"16,-1-1-1,25 1 17,25 0-17,-1 24 1,1 0-1,-1 0-15,1 0 0,-1-25 16,25 25-16,-25 0 16,25 0-16,-25 0 0,1 0 15,-1 0-15,1 0 0,-1 0 16,1 25 0,-25-1-1,-25-24-15,25 24 16,-24 1-16,24-1 15,0 1-15,0-1 0,0 25 16,0-25-16,0 25 16,0-24-16,0-1 0,0 25 15,0-25-15,0 1 0,0-1 16,0 1-16,0-1 16,0 1-16,0-1 15</inkml:trace>
+  <inkml:trace contextRef="#ctx0" brushRef="#br0" timeOffset="1735">2543 420 0,'-25'-24'0,"1"24"16,-1 0-16,25-24 0,-24 24 16,24-25-16,24 25 15,1 0 1,-1-24-16,1 24 15,23 0-15,-23 0 16,-1 0-16,25-25 0,-24 25 16,-1 0-16,0 0 0,1-24 15</inkml:trace>
+  <inkml:trace contextRef="#ctx0" brushRef="#br0" timeOffset="2245">3178 78 0,'24'-24'16,"-24"0"-16,-24 24 31,-1 0-15,1 0-1,24 24-15,-25 0 0,1-24 16,0 25-16,-1-1 0,25 1 16,-24 24-16,-1-25 15,25 0-15,0 25 0,0-24 16,0-1-16,0 1 16,0 23-16,0-23 0,25-1 15,-1 1-15,-24-1 16,25-24-16,-1 25 15,0-25-15,1 0 0,-1 0 16,1-25-16,-1 25 0,1-24 16,-1 24-16,-24-25 15,24 1-15,-24-1 0,0 1 16,-24 0 0,0 24-16,-1 0 15,1 0 1,-1 0-16,1 24 0,-1 0 15,1-24-15,24 25 16,0-1 0,0 1-16,24-25 15,1 0 1</inkml:trace>
+  <inkml:trace contextRef="#ctx0" brushRef="#br0" timeOffset="3084">3837 176 0,'-24'-24'0,"-1"-1"16,1 25-16,48 0 46,1 0-30,-25 25 0,0-1 15,-25-24-15,1 0-1,-1 0 1,1 0-16,24-24 0,-24 24 15,-1 0-15,25-25 16,-24 25-16,24-24 0,0-1 16,24 25-1,1-24-15,-1 24 0,0-24 16,1 24-16,-1 0 0,1 0 16,-1 0-16,1 0 15,-1 0-15,-24 24 0,24 0 16,-24 25-16,0-24 15,0 24-15,0-25 0,0 25 16,0 0-16,-24-25 0,24 1 16,-24-1-16,-1 0 15,1 1-15,-1-1 0,1 1 16,-1-25-16,1 0 16,0 0-16,-1 24 0,1-24 15,-1 0-15,25-24 0,-24-1 16,24 1-1,24 24-15,-24-25 16,25 25-16,-1-24 16,1 24-16,-1 0 15,0 0-15,1 24 0,-1-24 16,1 25-16,-25-1 16,24-24-16,1 25 0,-1-1 15,0 1-15,1-25 0,-1 24 16,1-24-16,-1 24 15,0-24-15,1 0 0,-1 0 16,25 0 0,-24 0-16,-1 0 15,-24-24 17,-24 24-1,-1 0 0</inkml:trace>
+</inkml:ink>
+</file>
+
+<file path=ppt/ink/ink29.xml><?xml version="1.0" encoding="utf-8"?>
+<inkml:ink xmlns:inkml="http://www.w3.org/2003/InkML">
+  <inkml:definitions>
+    <inkml:context xml:id="ctx0">
+      <inkml:inkSource xml:id="inkSrc0">
+        <inkml:traceFormat>
+          <inkml:channel name="X" type="integer" max="1920" units="cm"/>
+          <inkml:channel name="Y" type="integer" max="1080" units="cm"/>
+          <inkml:channel name="T" type="integer" max="2.14748E9" units="dev"/>
+        </inkml:traceFormat>
+        <inkml:channelProperties>
+          <inkml:channelProperty channel="X" name="resolution" value="55.81395" units="1/cm"/>
+          <inkml:channelProperty channel="Y" name="resolution" value="55.6701" units="1/cm"/>
+          <inkml:channelProperty channel="T" name="resolution" value="1" units="1/dev"/>
+        </inkml:channelProperties>
+      </inkml:inkSource>
+      <inkml:timestamp xml:id="ts0" timeString="2020-10-18T02:54:54.527"/>
+    </inkml:context>
+    <inkml:brush xml:id="br0">
+      <inkml:brushProperty name="width" value="0.05" units="cm"/>
+      <inkml:brushProperty name="height" value="0.05" units="cm"/>
+      <inkml:brushProperty name="fitToCurve" value="1"/>
+    </inkml:brush>
+  </inkml:definitions>
+  <inkml:trace contextRef="#ctx0" brushRef="#br0">9 279 0,'0'-25'0,"0"1"32,0 0-17,0 48 16,25 0-31,-25 1 16,24-1-16,-24 1 16,25-1-16,-25 0 0,0 1 15,24-1-15,-24 25 0,25-24 16,-25-1-16,24 0 16,0 1-16,1-1 15,-1-24 1,1 0-1,-1-24-15,-24-1 16,24 25 0,-24-24-16,25 0 0,-25-1 15,24 1-15,-24-1 16,25 1-16,-25-1 0,24 25 16,1 0-1,-1 25 1,0-1-16,1 1 15,-1-1-15,1 1 0,-1-25 16,1 24-16,-1 0 16,0 1-16,1-25 0,-1 0 15,25 24-15,-24-24 16,-1 0-16,0 0 0,25 0 16,-24 0-16,-1 0 15,1-24-15,-25-1 16,0 1-16,0 0 15,-25-1-15,25 1 16,-24-1-16,-1 1 0,25-1 16,-24 1-16,-1 0 0,1 24 15,24-25-15,-24 25 16,-1 0 0,25 25-1,25-25-15,-25 24 16,24-24-16</inkml:trace>
+  <inkml:trace contextRef="#ctx0" brushRef="#br0" timeOffset="295">1231 255 0,'0'-24'16,"-25"24"-16,25-25 15,-24 25 1,24 25 15,0-1-31,0 1 0,0 24 16,-25-25-16,25 25 16,0-25-16,-24 25 0,-1 0 15,25-25-15,-24 1 0,24 24 16,-24-25-16,24 1 15,0-1-15,-25 0 16,25 1 0,25-25-16</inkml:trace>
+  <inkml:trace contextRef="#ctx0" brushRef="#br0" timeOffset="745">1524 402 0,'-25'0'16,"1"-25"-16,-1 25 15,1 0 1,0 0 15,24 25-31,0-1 0,0 1 16,0-1-16,-25 1 0,25-1 15,0 0-15,0 1 16,25-1-16,-25 1 0,24-1 16,-24 1-16,24-25 0,-24 24 15,25-24-15,-1 0 16,1-24 0,-1-1-16,-24 1 15,25-1-15,-25 1 16,0-1-16,0 1 0,0-25 15,0 25-15,0-1 16,-25 25-16,25-24 0,-24 24 16,-1 0-16,1 0 15,-1 0 1,25 24-16,0 1 31,25-25-31,-1 0 16</inkml:trace>
+  <inkml:trace contextRef="#ctx0" brushRef="#br0" timeOffset="1063">1939 329 0,'-25'0'15,"1"0"-15,0 0 16,24-25 0,24 25 15,0 0-16,1 25 1,-1-25 0,1 0-16,-25 24 15,24-24-15</inkml:trace>
+  <inkml:trace contextRef="#ctx0" brushRef="#br0" timeOffset="1273">1963 426 0,'-24'0'16,"-1"0"-16,25 25 0,-24-25 15,48 0 17,-24 24-32,25-24 0,-1 0 15,1 0 1,-1 0-16,1 0 0,-1 0 15,0 0 1,1 0-16</inkml:trace>
+  <inkml:trace contextRef="#ctx0" brushRef="#br0" timeOffset="7891">3038 109 0,'0'24'0,"-25"-24"109,1 0-77,0 0-1,-1 0-16,1 0-15,-1 0 16,1 0-16,0 0 0,-1 0 16,1 0-16,-1 0 15,1 0-15,-1 0 0,1 0 16,0 0 0,-1 0-1,1 0 48,-1 0-48,25 25-15,-24-25 16,24 24 0,0 1-1,0-1 1,0 0 15,0 1 0,0-1 1,24-24 61,1 0-77,-1 0 0,1 0-1,-1 0-15,0 0 16,1 0-16,-1 0 15,1 0-15,-1 0 16,1 0-16,-1 0 16,0 0-1,1 0-15,-1 0 16,1 25-16,-1-25 0,0 24 16,1-24-1,-25 24-15,24-24 0,-24 25 16,25-25-16,-25 24 15,0 1-15,0-1 16,0 1-16,0-1 16,0 0-16,-25 1 15,1-1-15,-1-24 16,25 25-16,-24-1 16,0-24-16,-1 25 0,-24-25 15,25 0-15,0 24 0,-25-24 16,24 0-16,-24 0 15,25 0-15,0 0 0,-1 0 16,25-24-16,-24 24 16,-1 0-16,25-25 15,-24 25 1,48 0 31</inkml:trace>
+  <inkml:trace contextRef="#ctx0" brushRef="#br0" timeOffset="8688">3624 475 0,'-24'-24'16,"24"-1"15,-25 25-15,1 0-1,-1 0 1,1 0-16,0 25 16,-1-25-16,1 24 15,-1-24-15,25 25 0,-24-25 16,24 24-16,0 0 0,0 1 15,24-1 1,-24 1-16,25-25 16,-1 24-16,1-24 15,23 25-15,-23-25 0,-1 0 16,1 0-16,-1 0 0,25 0 16,-25 0-16,1-25 15,-1 25-15,-24-24 16,0-1-1,-24 25-15,-1-24 0,1 24 16,-1-25-16,-23 1 0,-1 24 16,24-24-16,-23-1 15,23 1-15,1-1 0,-1 1 16,1-1-16,24 1 0,-25 0 16,25-1-16,0 1 15,0-1-15,25 1 16,-1-1-16,1 1 0,-1 24 15,1-24-15,-1 24 0,25 0 16,-25 0-16,25 0 16,-25 0-16,25 0 0,-24 0 15,24 0-15,-25 0 0,0 24 16,1 0 0,-25 1-16,0-1 0,0 1 15,-25-1-15,1 1 16,24-1-16,-49 0 0,25 1 15,-1-1-15,1 1 0,-1-25 16,1 24-16,0-24 16,24 25-16,-25-25 15</inkml:trace>
+  <inkml:trace contextRef="#ctx0" brushRef="#br0" timeOffset="9164">4112 255 0,'-24'25'15,"24"-1"63,0 1-62,0-1 0,-24 0-1,-1-24 1,1 0-1,-1 0-15,1 0 16,0 0 0,24-24-16,0 0 15,0-1 1,24 25-16,0-24 16,1 24-16,-1-25 15,1 25-15,-1 0 16,-24 25 15,0-1-15</inkml:trace>
+  <inkml:trace contextRef="#ctx0" brushRef="#br0" timeOffset="9703">4332 280 0,'0'24'78,"-24"-24"-62,24 25-16,-25-1 16,25 0-16,-24 1 0,24-1 15,-24-24-15,24 25 16,0-1-16,-25 1 0,25-1 16,-24 0 15,48-24 31,-24-24 79,25 24-141</inkml:trace>
+  <inkml:trace contextRef="#ctx0" brushRef="#br0" timeOffset="10460">4187 304 0,'0'-24'16,"24"24"-16,1 0 15,-25-25 1,24 25 0,0 0-16,1 0 15,-25-24-15,24 24 16,1 0-16,-1 0 0,1 0 15,-25-25-15,24 25 16,-24-24 0,-24 24-1,-1 0-15,1 0 0,-1 0 16,1 0-16,-25 0 16,25 0-16,-1 0 15,-24 24-15,25-24 0,0 25 16,24-1-16,-25-24 0,25 25 15,0-1-15,0 1 16,0-1-16,0 0 16,25 1-16,-1-1 15,25-24 1,-25 25-16,1-25 0,23 24 16,1-24-16,-24 25 15,-1-25-15,1 24 0,-1-24 16,-24 24-16,0 1 15,-24-25 1,-1 24-16,1-24 0,-1 0 16,1 25-16,-25-25 0,25 0 15,-25 0-15,24 0 16,1 0-16,0 0 0,24-25 16</inkml:trace>
+  <inkml:trace contextRef="#ctx0" brushRef="#br0" timeOffset="10855">4283 133 0,'0'-24'16,"0"-25"-16,0 25 15,0-1-15,0 1 16,0 48 15,0 1-31,0-1 16,-24 0-16,24 1 15,0 24-15,-24-1 0,24 1 16,0 0-16,-25 0 16,25 0-16,0 0 0,-24 0 15,24-1-15,-25 1 0,25 0 16,0 0-16,0 0 15,0-25-15,0 1 0,0 24 16,0-25 0,0 0-16,0 1 15,25-25-15,-1 0 32,-24-25-32,0 1 15</inkml:trace>
+</inkml:ink>
+</file>
+
 <file path=ppt/ink/ink3.xml><?xml version="1.0" encoding="utf-8"?>
+<inkml:ink xmlns:inkml="http://www.w3.org/2003/InkML">
+  <inkml:definitions>
+    <inkml:context xml:id="ctx0">
+      <inkml:inkSource xml:id="inkSrc0">
+        <inkml:traceFormat>
+          <inkml:channel name="X" type="integer" max="1920" units="cm"/>
+          <inkml:channel name="Y" type="integer" max="1080" units="cm"/>
+          <inkml:channel name="T" type="integer" max="2.14748E9" units="dev"/>
+        </inkml:traceFormat>
+        <inkml:channelProperties>
+          <inkml:channelProperty channel="X" name="resolution" value="55.81395" units="1/cm"/>
+          <inkml:channelProperty channel="Y" name="resolution" value="55.6701" units="1/cm"/>
+          <inkml:channelProperty channel="T" name="resolution" value="1" units="1/dev"/>
+        </inkml:channelProperties>
+      </inkml:inkSource>
+      <inkml:timestamp xml:id="ts0" timeString="2020-10-18T02:45:14.791"/>
+    </inkml:context>
+    <inkml:brush xml:id="br0">
+      <inkml:brushProperty name="width" value="0.05" units="cm"/>
+      <inkml:brushProperty name="height" value="0.05" units="cm"/>
+      <inkml:brushProperty name="fitToCurve" value="1"/>
+    </inkml:brush>
+  </inkml:definitions>
+  <inkml:trace contextRef="#ctx0" brushRef="#br0">49 0 0,'-24'0'141,"-1"0"-110,50 0 0,24 0-15,-25 0-16,25 0 16,24 0-16,-24 0 15,24 0-15,25 0 0,-25 0 16,0 0-16,1 0 0,-1 0 16,0 0-16,-24 0 15,0 0-15,0 0 0,-25 0 16,1 0-16</inkml:trace>
+  <inkml:trace contextRef="#ctx0" brushRef="#br0" timeOffset="288">562 0 0,'-24'0'16,"-1"0"0,25 25-1,0-1 1,25 25 0,-25-24-16,0 23 0,0 1 15,24 0-15,-24 24 16,0-24-16,0 24 0,0 1 15,0-1-15,0-24 0,0 24 16,-24-24-16,24 0 16,0-25-16,-25 1 0,25-1 15</inkml:trace>
+  <inkml:trace contextRef="#ctx0" brushRef="#br0" timeOffset="785">977 611 0,'0'-24'31,"-24"24"-31,-1 0 31,25 24-15,-24-24-16,24 24 0,0 1 16,-24-1-16,24 1 15,-25-1-15,25 1 0,0-1 16,0 25-16,0-25 0,25-24 15,-1 25-15,0-1 16,1-24-16,-1 0 0,25 0 16,-24-24-16,23 24 15,-23-25-15,-1 1 0,1-25 16,-1 25-16,-24-25 0,0 24 16,0-24-16,0 25 15,-24 0-15,-1-1 0,1 1 16,-1 24-16,-23 0 15,23 0-15,1 24 0,-1 1 16,1-25-16,24 24 16,0 0-16</inkml:trace>
+  <inkml:trace contextRef="#ctx0" brushRef="#br0" timeOffset="1068">1417 196 0,'0'-25'0,"0"1"16,0 0-16,0 48 31,0 0-15,0 25-16,24 0 0,-24 0 15,0 0-15,0 0 0,0 24 16,0-24-16,0 0 16,0-1-16,0 1 0,0 0 15,0 0-15,0-25 16,0 1-16,0-1 0,-24-24 16</inkml:trace>
+  <inkml:trace contextRef="#ctx0" brushRef="#br0" timeOffset="1890">1319 562 0,'-24'-24'0,"-1"24"15,25-25 1,25 25 0,-1 0-16,1 0 0,-1 0 15,25 0-15,0 0 16,0 0-16,24 0 0,-24 0 15,0 0-15,24 0 16,-24 0-16,-25 0 0,25 0 16,-25 0-16,1 0 15,-25-24-15,0-1 16,0 1 0,-25 24-1,25-24-15,-24 24 0,-1 0 16,1 24-1,0-24-15,-1 24 16,1 1-16,-1-1 0,25 25 16,-24-24-16,24-1 15,-24 0-15,24 1 0,0-1 16,0 1-16,0-1 0,0 1 16,24-1-16,0-24 15,-24 24-15,25-24 0,-1 0 16,1 0-16,-1-24 15,0 24-15,1-24 0,-1-1 16,-24 1-16,25-1 0,-25-24 16,0 25-16,0-25 15,0 25-15,0-1 0,0 1 16,0 48 0,0 1-1,0-1-15,0 25 0,0 24 16,24-48-1,-24-1-15,25 1 0,-25-1 16,24 0-16,0 1 16,1-25-16,-1 0 15,1-25-15,-1 1 16,1 0-16,-1-1 0,-24-24 16,24 25-16,-24-25 0,0-24 15,0 24-15,0 0 0,0-24 16,-24 24-16,0-24 15,24 24-15,-25 24 0,25-23 16,0 23 0,-24 25-16,24 25 15,0-1-15,0 0 16,0 25-16,0 0 0,0 24 16,0-24-16,0 24 0,24-24 15,-24 25-15,0-26 16,25 1-16,-25 0 0,24-24 15,-24-1-15,0 0 16,24-24-16</inkml:trace>
+</inkml:ink>
+</file>
+
+<file path=ppt/ink/ink30.xml><?xml version="1.0" encoding="utf-8"?>
+<inkml:ink xmlns:inkml="http://www.w3.org/2003/InkML">
+  <inkml:definitions>
+    <inkml:context xml:id="ctx0">
+      <inkml:inkSource xml:id="inkSrc0">
+        <inkml:traceFormat>
+          <inkml:channel name="X" type="integer" max="1920" units="cm"/>
+          <inkml:channel name="Y" type="integer" max="1080" units="cm"/>
+          <inkml:channel name="T" type="integer" max="2.14748E9" units="dev"/>
+        </inkml:traceFormat>
+        <inkml:channelProperties>
+          <inkml:channelProperty channel="X" name="resolution" value="55.81395" units="1/cm"/>
+          <inkml:channelProperty channel="Y" name="resolution" value="55.6701" units="1/cm"/>
+          <inkml:channelProperty channel="T" name="resolution" value="1" units="1/dev"/>
+        </inkml:channelProperties>
+      </inkml:inkSource>
+      <inkml:timestamp xml:id="ts0" timeString="2020-10-18T02:55:08.181"/>
+    </inkml:context>
+    <inkml:brush xml:id="br0">
+      <inkml:brushProperty name="width" value="0.05" units="cm"/>
+      <inkml:brushProperty name="height" value="0.05" units="cm"/>
+      <inkml:brushProperty name="fitToCurve" value="1"/>
+    </inkml:brush>
+  </inkml:definitions>
+  <inkml:trace contextRef="#ctx0" brushRef="#br0">440 176 0,'0'-25'15,"0"1"16,24 24-31,1-25 16,-25 1 0,-25 24-1,1 0-15,0 0 16,-1 0-16,-24 0 0,0 24 16,25-24-16,-25 25 15,25-1-15,-1-24 0,1 25 16,-1-1-16,25 1 15,0-1-15,0 0 0,0 1 16,0-1-16,25 1 0,-1-1 16,1-24-1,-1 25-15,1-25 0,-1 0 16,0 0-16,1 0 16,-1 0-1,-48 0 1,-1 0-1,1 0-15,0 0 0,-25 24 16,24-24-16,-24 0 16,25 24-16,-25 1 0,25-1 15,-1-24-15,25 25 16,0-1-16,0 1 0,0-1 16,25 0-16,-1 1 0,1-25 15,23 24-15,1-24 0,-24 0 16,48 0-16,-49 0 15,25-24-15,0 24 0,-24-25 16,-1 1-16</inkml:trace>
+  <inkml:trace contextRef="#ctx0" brushRef="#br0" timeOffset="293">587 273 0,'-25'-24'31,"25"48"1,0 1-32,25-1 15,-1 1-15,0-1 16,1 1-16,-1-1 0,1 25 15,-1-25-15,1 1 16,-1-1-16,0 1 0,1-25 16,-1 24-16,1-24 15</inkml:trace>
+  <inkml:trace contextRef="#ctx0" brushRef="#br0" timeOffset="492">855 322 0,'-24'-24'0,"24"-1"16,-25 25-16,1 0 16,24 25-1,-24-1-15,-1 1 0,25 24 16,-24-25-16,24 0 16,0 25-16,-25-24 0,25-1 15,0 1-15,0-1 0,0 0 16</inkml:trace>
+  <inkml:trace contextRef="#ctx0" brushRef="#br0" timeOffset="774">1197 78 0,'-24'-24'0,"-1"24"16,1-25-16,-1 25 16,1 25-1,24-1-15,0 1 0,0-1 16,0 0-16,0 1 16,24 24-16,-24-1 0,25 1 15,-25 0-15,24-24 0,-24 23 16,0 1-16,0-24 15,0 24-15,0-25 0,0 0 16,0 1 0,-24-25-1</inkml:trace>
+  <inkml:trace contextRef="#ctx0" brushRef="#br0" timeOffset="1151">1051 469 0,'-25'0'16,"1"-25"-16,24 1 0,-25 24 15,25-24-15,0-1 16,25 25 0,-1 0-16,-24-24 0,49 24 15,-25 0-15,1-25 16,24 25-16,-25 0 0,1 0 16,-1 25-16,25-25 0,-25 24 15,1 1-15,-25-1 16,24 0-16,-24 1 0,25-1 15,-25 1-15,0-1 16,-25 1-16,25-1 16,-24-24-16,-1 0 15,25-24 1,0-1 0,25 1-16,-25-1 15,24 1-15,25-25 0,-25 25 16,25-1-16,-24-24 0,23 25 15,-23-1-15,-1 1 16,1 24-16,-25 24 31</inkml:trace>
+  <inkml:trace contextRef="#ctx0" brushRef="#br0" timeOffset="1619">1857 371 0,'24'0'0,"-24"-24"31,24 24-31,-24-25 16,0 1 0,0-1-1,-24 25 1,0 0-16,-1 0 15,1 0-15,-1 25 16,1-1-16,-1 1 16,25-1-16,-24 1 0,0-1 15,24 25-15,-25-25 16,25 1-16,0-1 16,0 1-16,25-25 0,-1 0 15,0 0-15,1 0 16,-1-25-1,1 1-15,-25-1 16,24 1-16,1-1 16,-25 1-16,0 0 0,24 24 15,-24-25-15,0 1 0,24 24 32,-24 24-32,0 1 0,0-1 15,0 0-15,25 1 16,-25-1-16,0 1 0,24-1 15,-24 1-15,25-25 0</inkml:trace>
+  <inkml:trace contextRef="#ctx0" brushRef="#br0" timeOffset="2076">2516 297 0,'24'-25'16,"1"1"-16,-1 24 15,-24-24-15,25-1 16,-1 1-16,-24-1 16,0 1-16,-24 24 15,24-24-15,-25 24 0,1 0 16,-25 0-16,25 0 0,-1 0 15,1 24-15,-1 0 16,1 1-16,-1-1 0,25 25 16,0-25-16,0 1 0,0-1 15,25 25-15,-25-24 16,24-1-16,25 0 0,-24 1 16,-1-1-16,0 1 15,1-25-15,-1 24 0,1 1 16,-1-25-16,0 24 15,1 0-15,-25 1 16,0-1 0,-25-24-16,1 25 15,-25-25-15,25 0 0,-1 0 16,-23 0-16,23 0 16,1-25-16,-1 25 0,25-24 15</inkml:trace>
+  <inkml:trace contextRef="#ctx0" brushRef="#br0" timeOffset="2531">3102 444 0,'25'-24'16,"-25"0"-16,-25-1 15,25 1 1,-24 24-16,24-25 0,-25 25 15,1-24-15,-1 24 0,1 0 16,0 0 0,-1 0-16,1 24 0,-1-24 15,1 25-15,-1-1 0,25 1 16,-24-1-16,24 0 16,0 1-16,0-1 0,0 1 15,0-1-15,24 1 16,1-25-16,-1 24 0,1-24 15,-1 0-15,1 0 16,-1 0-16,25 0 0,-25 0 16,1-24-16,-1-1 0,1 1 15,-1-1 1,-24 1-16,0-1 0,24 1 16,-24 0-16,0-1 15,25 25 1,-25 25-16,0-1 0,0 0 15,0 1-15,24-1 16,-24 1-16,0-1 0,25 1 16,-25-1-16,24 0 0,0-24 15</inkml:trace>
+  <inkml:trace contextRef="#ctx0" brushRef="#br0" timeOffset="2891">3420 396 0,'0'-25'16,"0"1"-16,0-1 0,-25 1 16,25 48 15,25-24-31,-25 25 0,24 24 16,0-25-16,1 0 15,-25 1-15,24 24 0,1-25 16,-1 1-16,-24-1 15,25-24-15,-25 24 0,24-24 16,-24-24 15,0 0-31,0-1 0,0 1 16,0-25-16,0 24 16,0 1-16,24-25 0,-24 25 15,0-1-15,25 25 0,-25-24 16,0 48-1,0 1 1,24-1-16,1-24 16</inkml:trace>
+  <inkml:trace contextRef="#ctx0" brushRef="#br0" timeOffset="3371">3932 396 0,'25'24'79,"-1"-24"-64,-24 24-15,25-24 16,-1 0-16,1 0 15,-1-24-15,0 0 16,1-1 0,-25 1-16,0-1 15,0 1 1,-25 24-16,25-25 0,-24 25 16,0-24-16,-1 24 0,1 0 15,-1 0-15,-24 24 16,25 1-16,0-1 0,24 1 15,-25-1-15,1 1 16,24-1-16,0 25 0,24-25 16,-24 1-16,25 24 0,-1-25 15,0 0-15,1-24 16,24 25-16,-25-25 0,1 24 16,23-24-16,-23 0 15,-1 0-15,1-24 0,-1 24 16,1-25-16,-25 1 0,24 24 15,-24-24-15,0-1 16</inkml:trace>
+  <inkml:trace contextRef="#ctx0" brushRef="#br0" timeOffset="3683">4738 322 0,'-24'0'0,"-25"0"16,25 0-16,-1 0 15,50-24 16,-1 24-15,1 0-16,-1 0 16,0 0-16,1 0 15,-1 0-15,1 0 16,-1 0 0</inkml:trace>
+  <inkml:trace contextRef="#ctx0" brushRef="#br0" timeOffset="3864">4714 420 0,'-24'24'16,"-1"-24"-16,25 25 15,0-1 1,25-24 0,-1 0-16,0 0 0,1 0 15,-1 0-15,1 0 16,-1 0-16,1 0 0,23 0 15,-23 0-15,-1 0 0</inkml:trace>
+  <inkml:trace contextRef="#ctx0" brushRef="#br0" timeOffset="4475">5349 103 0,'-24'0'15,"-1"0"-15,1 0 16,24-25 15,-25 25-31,50-24 32,-1 24-17,1 0 1,23 0-16,-23 0 15,24 0-15,-25 0 0,25 0 16,-25 0-16,25 0 0,-24 0 16,24 0-16,-25 0 15,0 24-15,-48-24 47,0 25-16,24-1-31,-25 0 16,25 25 0,0-24-16,0-1 0,0 25 15,0 0-15,0-25 0,0 25 16,25-25-16,-25 25 16,0-24-16,24-1 15,-24 1-15,24-1 0,-24 0 16</inkml:trace>
+  <inkml:trace contextRef="#ctx0" brushRef="#br0" timeOffset="4740">5544 420 0,'-24'0'0,"0"0"0,-1-24 16,50 24 31,-1 0-47,0 0 0,1 0 16,-1 0-16,25 0 15,-24 0-15,-1 0 0,25-25 16,-25 25-16,1 0 0,-1 0 15,0 0 1</inkml:trace>
+  <inkml:trace contextRef="#ctx0" brushRef="#br0" timeOffset="5237">6131 78 0,'24'-24'31,"-24"48"1,-24-24-32,-1 24 15,1 1-15,-1-1 16,25 1-16,-24-1 15,-1 25-15,25-25 0,0 25 16,0-24-16,0 24 0,0-25 16,0 25-16,0-25 15,25 1-15,-25-1 0,24 1 16,1-1-16,-1 0 16,1-24-16,-1 0 15,0 0-15,1-24 0,-1 0 16,-24-1-1,25 1-15,-25-1 0,0 1 16,0-1 0,-25 1-16,1 24 0,24-24 15,-25 24-15,1 0 0,0 24 16,-1-24-16,1 24 16,-1 1-16,25-1 15,0 1-15,0-1 16,25 1-1,-1-25-15</inkml:trace>
+  <inkml:trace contextRef="#ctx0" brushRef="#br0" timeOffset="5929">6668 224 0,'0'-25'16,"-25"25"-16,1 0 15,24 25 17,0-1-17,24-24-15,-24 24 16,0 1-16,-24-1 31,0-24-31,-1 0 16,1 0-16,-1-24 15,1 24-15,0-25 16,24 1-16,-25 24 16,25-24-16,0-1 15,25 1-15,-25-1 0,24 25 16,0-24-16,-24 0 0,25-1 15,-1 25-15,1 0 16,-1 0-16,0 0 0,1 0 16,-1 25-16,1-1 15,-25 0-15,24 1 0,-24 24 16,0-1-16,0 1 0,0 0 16,0 0-16,-24-25 15,24 25-15,-25 0 0,25-24 16,-24-1-16,24 0 0,-25 1 15,1-25-15,0 24 16,-1-24-16,1 0 0,-1 0 16,1-24-1,0-1-15,24 1 16,0 0-16,0-1 16,24 1-16,0 24 0,1-25 15,24 25-15,-25 0 16,0 0-16,1 0 15,-1 25-15,1-25 0,-1 24 16,-24 1-16,25-1 16,-1 0-16,-24 1 15,24-25-15,-24 24 0,25-24 16</inkml:trace>
+  <inkml:trace contextRef="#ctx0" brushRef="#br0" timeOffset="6241">7168 444 0,'-49'0'0,"25"0"16,0 0-16,48 0 31,0 0-31,1 0 16,-1 0-16,1 0 0,-1 0 15,1 0-15,-1 0 16,0 0-16,1 0 16,-1 0-16</inkml:trace>
+  <inkml:trace contextRef="#ctx0" brushRef="#br0" timeOffset="7085">7816 102 0,'0'-24'31,"0"0"-31,-25 24 16,25-25-1,-24 25-15,0 0 0,-1 0 16,1 0-16,-1-24 16,1 24-1,-1 0-15,1 0 0,0 0 16,24 24-16,-25-24 16,1 0-16,-1 0 15,25 25-15,-24-25 0,-1 0 16,25 24-1,0 0 17,0 1-17,0-1-15,25 1 16,-25-1 0,0 1-16,24-25 0,-24 24 15,25 0-15,-25 1 16,0-1-16,24-24 15,-24 25-15,25-25 63,-1-25-47,0 25-1,1 0 1,-1-24-16,1 24 15,-1 0-15,1 0 16,-1 0-16,0 0 16,1 24-16,-1-24 15,-24 25-15,0-1 16,25 1-16,-25-1 0,0 25 16,0-25-16,0 1 0,24-1 15,-24 1-15,0-1 16,0 0-16,0 1 15,-24-1-15,-1-24 16,1 25-16,-1-25 16,1 24-16,0-24 15,-1 0-15,1 0 0,-1 0 16,1 0-16,-1-24 0,1 24 16,24-25-16,0 1 15,0-1-15</inkml:trace>
+  <inkml:trace contextRef="#ctx0" brushRef="#br0" timeOffset="7799">8353 420 0,'-24'0'15,"-1"-24"17,1 24-32,-1 0 15,1 0 1,0 0-1,24 24-15,-25-24 0,1 24 16,24 1-16,-25-1 16,25 1-16,-24-1 0,24 1 15,0-1-15,0 0 16,0 1-16,24-1 0,1 1 16,-1-25-16,1 0 15,23 24-15,-23-24 16,-1 0-16,1 0 0,-1 0 15,0-24-15,1 24 0,-25-25 16,0 1 0,0-1-16,0 1 0,-25 0 15,1-1 1,0 1-16,-1-25 0,-24 24 16,25 1-16,0 0 0,-25-1 15,24 1-15,25-1 16,-24 1-16,24-1 0,0 1 15,24 0-15,1-1 16,-1-24-16,1 25 0,-1 24 16,0-24-16,1-1 0,-1 1 15,-24-1-15,25 25 16,-1-24-16,0 24 16,-24 24-16,25-24 15,-25 25-15,0-1 16,0 1-16,24 23 0,-24-23 15,0 24-15,0-25 16,0 25-16,0-25 0,0 25 16,-24-24-16,24-1 0,0 0 15,-25 1-15,25-1 16</inkml:trace>
+  <inkml:trace contextRef="#ctx0" brushRef="#br0" timeOffset="8315">8890 322 0,'-24'0'0,"0"0"15,-1 0-15,1 0 0,-1 0 16,25-24 0,-24 24-16,48-25 31,1 25-16,-1 0-15,1 0 0,-1 0 16,0 0-16,25 0 16,-24 25-16,23-25 0,-23 0 15,-1 0-15,1 24 16,-1-24-16</inkml:trace>
+  <inkml:trace contextRef="#ctx0" brushRef="#br0" timeOffset="8634">8842 444 0,'-25'0'0,"1"25"0,-1-25 15,25 24 1,25-24-1,-1 0 1,1 0-16,-1 25 0,0-25 16,1 0-16,24 0 0,-25 0 15,0 0-15,25-25 16,0 25-16,-24 0 0,-1 0 16,25-24-16,-25 24 15,1 0-15,-1 0 16,1 0-1,-50 0 1,1 0-16,24-25 16</inkml:trace>
+</inkml:ink>
+</file>
+
+<file path=ppt/ink/ink31.xml><?xml version="1.0" encoding="utf-8"?>
+<inkml:ink xmlns:inkml="http://www.w3.org/2003/InkML">
+  <inkml:definitions>
+    <inkml:context xml:id="ctx0">
+      <inkml:inkSource xml:id="inkSrc0">
+        <inkml:traceFormat>
+          <inkml:channel name="X" type="integer" max="1920" units="cm"/>
+          <inkml:channel name="Y" type="integer" max="1080" units="cm"/>
+          <inkml:channel name="T" type="integer" max="2.14748E9" units="dev"/>
+        </inkml:traceFormat>
+        <inkml:channelProperties>
+          <inkml:channelProperty channel="X" name="resolution" value="55.81395" units="1/cm"/>
+          <inkml:channelProperty channel="Y" name="resolution" value="55.6701" units="1/cm"/>
+          <inkml:channelProperty channel="T" name="resolution" value="1" units="1/dev"/>
+        </inkml:channelProperties>
+      </inkml:inkSource>
+      <inkml:timestamp xml:id="ts0" timeString="2020-10-18T02:55:26.030"/>
+    </inkml:context>
+    <inkml:brush xml:id="br0">
+      <inkml:brushProperty name="width" value="0.05" units="cm"/>
+      <inkml:brushProperty name="height" value="0.05" units="cm"/>
+      <inkml:brushProperty name="fitToCurve" value="1"/>
+    </inkml:brush>
+  </inkml:definitions>
+  <inkml:trace contextRef="#ctx0" brushRef="#br0">146 196 0,'0'-25'47,"-24"25"0,0 0-16,-1 0-16,1 0 17,-1 0-1,1 0 0,48 0 0,1 0-15,-1 0-16,1 0 16,-1 0-16,25 0 0,-25 0 15,25 0-15,0 0 16,0 0-16,-25 0 0,25 0 16,-24 0-16,23 0 15,-23 25-15,-1-25 0,1 0 16,-50 0 46,25 24-62,-24-24 16,24 24 0,-25-24-16,25 25 15,0-1-15,-24 1 0,24-1 16,0 0-16,-24 1 15,24-1-15,0 25 0,0-24 16,-25 23-16,25-23 0,0-1 16,0 1-16,0 24 15,0-25-15,0 0 0,0 1 16,0-1 0,0 1-16</inkml:trace>
+  <inkml:trace contextRef="#ctx0" brushRef="#br0" timeOffset="389">317 489 0,'-24'0'0,"24"-25"16,-24 25-16,24-24 0,0-1 31,24 25 0,0 0-15,1 0-1,-1 0-15,1 0 0,-1 0 16,25 0-16,-25 0 16,1 0-16,-1 0 0,25 0 15,-24 0 1,-1 0-16,-24-24 62</inkml:trace>
+  <inkml:trace contextRef="#ctx0" brushRef="#br0" timeOffset="918">879 391 0,'-24'0'0,"-1"0"31,1 0-15,-1 0-1,25 24-15,-24-24 0,24 25 16,-24-1-16,24 1 0,-25-1 16,25 0-16,0 1 15,-24-1-15,24 1 0,0-1 16,0 1-16,24-1 16,1-24-16,-1 24 0,0-24 15,1 0-15,-1 0 0,1 0 16,24 0-16,-25 0 15,0 0-15,1-24 0,-1 0 16,-24-1-16,25 25 16,-25-24-16,0-25 0,0 24 15,-25 1-15,25 0 0,-24-25 16,24 24-16,-25 1 16,1-1-16,0 25 0,-1-24 15,1 24-15,-1-24 16,1 24-16,-1 0 0,1 0 15,24 24-15,0 0 32,24-24-32,-24 25 0</inkml:trace>
+  <inkml:trace contextRef="#ctx0" brushRef="#br0" timeOffset="1619">1221 171 0,'0'-24'15,"0"-1"1,0 1-16,0 48 47,-24-24-32,24 25-15,-25-1 16,25 1-16,-24-1 16,24 0-16,0 1 15,0-1-15,0 1 0,0-1 16,0 0-16,0 1 0,0-1 15,24 1-15,1-1 16,-25 1-16,24-25 16,1 0-1,-1 24-15,0-24 16,1 0-16,-1 0 16,1-24-16,-1 24 15,0-25-15,1 1 16,-1-1-1,1 1-15,-25-1 16,0 1-16,0 0 0,24-1 16,-24 1-16,0-1 15,0 1-15,0 0 0,0-1 16,0 1 0,-24 24-16,-1 24 46,25 1-46,0-1 0,0 0 16,0 1-16,-24 24 16,24-25-16,0 25 0,0 0 15,0-25-15,0 25 0,0 0 16,0 0-16,0-25 16,0 1-16,0 23 0,0-23 15,0-1-15,0 1 16</inkml:trace>
+  <inkml:trace contextRef="#ctx0" brushRef="#br0" timeOffset="2209">2149 391 0,'0'-25'16,"0"1"-1,-24 24-15,24-24 16,0-1-16,-25 1 16,25-1-16,-24 25 15,-1 0 1,1 0-16,0 0 0,-1 0 16,1 0-16,-1 25 15,1-25-15,0 24 0,-1-24 16,1 25-16,24-1 0,0 0 15,0 1 1,0-1-16,24-24 0,1 25 16,-1-1-16,0-24 15,1 25-15,24-1 0,-25-24 16,25 24-16,-25 1 0,25-25 16,-24 24-16,-1 1 15,0-1-15,1 1 16,-25-1-16,0 0 15,0 1-15,-25-1 16,1-24-16,0 25 0,-1-25 16,-24 24-16,25-24 15,-25 0-15,25 0 0,-1 0 16,1 0-16,-1 0 16,1-24-16</inkml:trace>
+  <inkml:trace contextRef="#ctx0" brushRef="#br0" timeOffset="2622">2027 49 0,'0'-24'0,"0"-1"16,-24 50-1,24-1 1,-25 0 0,25 25-16,-24-24 15,24-1-15,0 25 16,0 0-16,0 0 0,0-1 15,0 1-15,0-24 0,0 24 16,0-1-16,24 1 16,-24-24-16,0 24 0,25-25 15,-25 0-15,0 1 16,24-1-16,-24 1 0,0-1 16,24-24-16,-24 24 15</inkml:trace>
+</inkml:ink>
+</file>
+
+<file path=ppt/ink/ink32.xml><?xml version="1.0" encoding="utf-8"?>
+<inkml:ink xmlns:inkml="http://www.w3.org/2003/InkML">
+  <inkml:definitions>
+    <inkml:context xml:id="ctx0">
+      <inkml:inkSource xml:id="inkSrc0">
+        <inkml:traceFormat>
+          <inkml:channel name="X" type="integer" max="1920" units="cm"/>
+          <inkml:channel name="Y" type="integer" max="1080" units="cm"/>
+          <inkml:channel name="T" type="integer" max="2.14748E9" units="dev"/>
+        </inkml:traceFormat>
+        <inkml:channelProperties>
+          <inkml:channelProperty channel="X" name="resolution" value="55.81395" units="1/cm"/>
+          <inkml:channelProperty channel="Y" name="resolution" value="55.6701" units="1/cm"/>
+          <inkml:channelProperty channel="T" name="resolution" value="1" units="1/dev"/>
+        </inkml:channelProperties>
+      </inkml:inkSource>
+      <inkml:timestamp xml:id="ts0" timeString="2020-10-18T02:55:34.614"/>
+    </inkml:context>
+    <inkml:brush xml:id="br0">
+      <inkml:brushProperty name="width" value="0.05" units="cm"/>
+      <inkml:brushProperty name="height" value="0.05" units="cm"/>
+      <inkml:brushProperty name="fitToCurve" value="1"/>
+    </inkml:brush>
+  </inkml:definitions>
+  <inkml:trace contextRef="#ctx0" brushRef="#br0">4127 97 0,'24'0'109,"1"0"-93,-1 0-16,-24-24 16,25 24-16,-1 0 15,1-24-15,-1 24 16,0 0-16,1-25 15,-1 25-15,1 0 16,-1 0-16,1 0 16,-25 25-1,0-1 1,0 0 0,0 1-16,0-1 15,-25 25-15,25-25 0,0 25 16,0-24-16,0 24 15,0-1-15,0 1 0,-24-24 16,24-1-16,0 25 16,0-25-16,0 1 0,-25-1 15</inkml:trace>
+  <inkml:trace contextRef="#ctx0" brushRef="#br0" timeOffset="246">4200 415 0,'-24'-25'16,"-1"25"-16,25-24 15,0 0 17,25 24-32,-1 0 0,1 0 15,-1 0-15,1 0 16,23 0-16,-23 0 0,24-25 15,-25 25-15,25 0 0,-25 0 16,1 0-16,-1 0 16,1 0-16,-1 0 0,0 0 15,-24-24 17</inkml:trace>
+  <inkml:trace contextRef="#ctx0" brushRef="#br0" timeOffset="686">4884 219 0,'-24'0'47,"24"25"-32,-25-1-15,1 1 16,24-1-16,-25 1 16,1-1-16,24 25 15,0-25-15,0 1 0,0-1 16,0 1-16,24-25 16,-24 24-16,25-24 15,-1 0-15,1 0 0,-1 0 16,1 0-16,-1-24 15,0 24-15,-24-25 0,25 1 16,-25-1-16,0 1 0,0-1 16,0 1-16,0 0 15,0-1-15,0 1 0,-25-1 16,1 1 0,0 24-1,-1 0 1,25 24-1,-24-24-15,24 25 0</inkml:trace>
+  <inkml:trace contextRef="#ctx0" brushRef="#br0" timeOffset="1212">5275 146 0,'-25'-24'0,"25"-1"16,0 1-1,0 48 17,0 1-32,0-1 15,0 1 1,0-1-16,0 0 0,0 1 15,25-1-15,-25 1 16,24-1-16,-24 1 16,25-25-16,-1 0 15,1 0-15,-1 0 16,0 0-16,1 0 16,-25-25-16,24 1 0,-24-1 15,0 1-15,0-1 16,0 1-16,25-25 0,-25 25 15,0-1-15,0 1 16,0 48 0,0 1-1,0-1-15,0 1 16,0 23-16,0-23 16,0 24-16,0-25 0,0 25 15,0-25-15,0 1 0,24-1 16,-24 1-16,0-1 0,25 1 15,-25-1-15,0 0 16,24 1-16</inkml:trace>
+  <inkml:trace contextRef="#ctx0" brushRef="#br0" timeOffset="1549">5715 97 0,'0'-24'16,"24"24"-1,0 0 16,-24 24-15,0 1-16,25-1 16,-25 1-16,24 23 0,1-23 15,-25 24-15,24-25 0,0 1 16,1-1-16,-1 0 16,1 1-16,-25-1 0,24 1 15,1-25-15,-25 24 16,24-24-16,-24-24 15</inkml:trace>
+  <inkml:trace contextRef="#ctx0" brushRef="#br0" timeOffset="1836">6032 48 0,'0'-24'16,"-24"0"-1,-1 24 1,1 0 0,24 24-1,-25-24-15,25 24 0,-24 1 16,24-1-16,-24 1 0,24 24 16,0-25-16,0 25 0,-25 0 15,25-25-15,0 25 16,0-25-16,-24 1 0,24-1 15,0 1-15,0-1 16,0 1-16,-25-1 0,25 0 16,-24-24-16</inkml:trace>
+  <inkml:trace contextRef="#ctx0" brushRef="#br0" timeOffset="2178">6423 97 0,'0'-24'0,"0"-1"15,0 50 32,0-1-47,0 1 16,0-1-16,0 1 15,0 23-15,0-23 0,0-1 16,0 25-16,0-24 16,0-1-16,0 25 0,0-25 15,0 1-15,0-1 16,0 1-16,24-25 15</inkml:trace>
+  <inkml:trace contextRef="#ctx0" brushRef="#br0" timeOffset="2628">6765 122 0,'-25'0'0,"25"-25"16,-24 25-16,24 25 47,0-1-47,0 1 15,0-1-15,0 0 16,-25 1-16,25 24 0,0-25 15,0 1-15,0-1 0,0 0 16,0 1-16,25-1 16,-25 1-16,24-25 0,1 24 15,-1-24 1,1 0-16,-1-24 0,0-1 16,1 25-16,-25-24 0,24-25 15,-24 25-15,25-1 16,-25 1-16,0-1 0,0-24 15,-25 25-15,1 0 16,-1-1-16,1 25 16,0 0-16,-1 0 15,1 0 1,-1 0 0,25 25-16</inkml:trace>
+  <inkml:trace contextRef="#ctx0" brushRef="#br0" timeOffset="3055">7278 97 0,'0'-24'0,"-25"24"31,1 0-31,-1 24 16,25 1-16,-24-1 16,24 1-16,0 23 15,-24-23-15,24 24 0,0-25 16,0 25-16,0-25 16,24 25-16,-24-24 0,24-1 15,1-24-15,-1 25 0,1-25 16,-1 0-16,25 0 15,-25-25-15,1 1 0,-1-1 16,1 1-16,-1-1 0,0 1 16,-24-25-16,25 25 15,-25-25-15,0 0 0,-25 25 16,1-25-16,0 24 16,-1 1-16,-24 24 0,25-25 15,-1 25-15,1 0 16,0 0-16,-1 25 0,1-25 15,24 24-15,0 1 0</inkml:trace>
+  <inkml:trace contextRef="#ctx0" brushRef="#br0" timeOffset="3798">4298 903 0,'24'0'32,"1"0"-17,-1 0-15,25 0 0,24 0 16,1 25-16,-1-25 16,49 0-16,0 0 0,25 0 15,24 0-15,0 0 0,0 0 16,24-25-16,-24 25 15,24 0-15,-48 0 0,24 0 16,-25 0-16,-24 0 16,1 0-16,-26-24 0,-23 24 15,-1 0-15,-24 0 0,0 0 16,-25 0-16,0 0 16,-24-25-16,25 25 0,-50 0 46,1 0-46</inkml:trace>
+  <inkml:trace contextRef="#ctx0" brushRef="#br0" timeOffset="4805">5421 1074 0,'25'0'0,"-25"25"16,-25-25 46,1 0-46,0 0-16,-1 0 16,1 0-1,-1 0-15,1 0 0,-1 0 16,1 0-16,0 0 15,-1 0-15,1 0 0,-1 0 16,25 24 47,25 1-32,-25-1-16,0 0-15,0 1 16,0-1 0,0 1-1,0-1-15,0 0 16,-25-24 0,25 25-16,25-50 31,-1 1-16,1 24 1,-1-24 0,0 24-16,1 0 0,-1 0 15,1 0 1,-1 0-16,1 0 0,-1 24 16,0-24-16,1 24 0,-1-24 15,-24 25-15,25-25 16,-1 24-16,-24 1 0,25-25 15,-25 24-15,0 1 0,0-1 16,0 0 0,-25 1-1,1-25-15,-1 0 16,1 0-16,-1 24 0,1-24 16,-25 0-16,25 0 0,-25 0 15,0 0-15,25 0 16,-1 0-16,-24 0 0,25 0 15</inkml:trace>
+  <inkml:trace contextRef="#ctx0" brushRef="#br0" timeOffset="5402">5910 1294 0,'24'0'16,"-48"24"15,-1-24-15,1 25-16,0-25 0,-1 24 15,1-24-15,24 25 16,-25-1-16,25 1 0,0-1 16,0 0-1,25-24-15,-25 25 16,24-25-16,1 0 16,-1 0-16,0 0 0,1 0 15,-1 0-15,1 0 0,-1 0 16,-24-25-16,25 25 15,-25-24-15,0 0 16,0-1-16,-25 25 16,1-24-16,-1-1 0,1 1 15,-1-1-15,-23 1 0,48 0 16,-25-1-16,1 1 16,24-1-16,0 1 15,0 0-15,0-1 16,24 1-16,1 24 0,-1-25 15,0 25-15,1 0 0,24 0 16,-25 0-16,1 25 16,-1-25-16,0 24 0,-24 1 15,0-1-15,0 0 0,0 1 16,-24-1-16,0 25 16,-25-25-16,24-24 15,1 25-15,-1-25 16</inkml:trace>
+  <inkml:trace contextRef="#ctx0" brushRef="#br0" timeOffset="6217">73 610 0,'24'-24'16,"1"24"-16,-25-25 15,24 25-15,0 0 16,1 0-16,-1 0 0,1 0 16,-1 0-16,1 25 15,-25-1 1,0 1-16,0-1 0,0 1 15,-25-1-15,1 0 0,-1 1 16,1-1-16,-1 1 16,1-1-16,-25-24 0,25 0 15,-1 0-15,1 0 16,0 0-16,24-24 16,0-1-16,0 1 0,0-1 15,0 1-15,0 0 16,24-25-16,-24 24 0,24 1 15,1 24-15,-25-25 16,24 25-16,1 25 16</inkml:trace>
+  <inkml:trace contextRef="#ctx0" brushRef="#br0" timeOffset="6522">683 561 0,'0'25'31,"0"-1"-31,0 1 16,25-1-1,-25 0-15,0 25 0,-25-24 16,25 24-16,-24-1 0,0 1 16,-1-24-16,1 24 15,-1-1-15,1-23 0,-1 24 16,1-25-16,24 1 0,-24-1 16,24 0-1</inkml:trace>
+  <inkml:trace contextRef="#ctx0" brushRef="#br0" timeOffset="6889">1025 879 0,'25'0'0,"-25"24"15,24-24 1,1 25 0,-1-1-16,-24 1 15,24-1-15,-24 0 16,0 1-16,-24-25 16,24 24-16,-24-24 0,-1 25 15,1-25-15,-1 0 16,1 0-16,-1-25 15,1 25-15,24-24 0,-24-1 16,24 1-16,0 0 16,24-1-16,-24 1 0,24-1 15,1 1-15,-1-1 0,1 25 16,-1 0-16,1 0 16,-1 0-16,0 0 15</inkml:trace>
+  <inkml:trace contextRef="#ctx0" brushRef="#br0" timeOffset="7374">1685 708 0,'0'-25'0,"24"25"0,-24-24 16,0 0-16,0-1 15,0 1-15,-24 24 16,-1-25-16,1 25 0,-1 0 16,1 0-16,-25 0 15,25 0-15,-1 0 0,-23 25 16,23-25-16,25 24 0,-24 1 15,24-1-15,0 0 16,0 1-16,24-25 0,1 24 16,-1 1-16,0-1 15,25-24-15,0 25 0,-25-1 16,25 0-16,-24-24 0,24 25 16,-25-1-16,0 1 15,-24-1-15,25 1 0,-25-1 16,0 0-1,0 1-15,-25-25 0,1 24 16,0-24-16,-1 0 0,-24 25 16,25-25-16,-25 0 15,25 0-15,-25-25 0,24 25 16,1 0-16,0-24 16,24-1-16</inkml:trace>
+  <inkml:trace contextRef="#ctx0" brushRef="#br0" timeOffset="7878">2198 807 0,'24'-25'15,"0"1"1,-24-1-1,-24 1-15,0-1 16,-1 25 0,1 0-16,-1 0 0,1 0 15,-25 25-15,25-25 0,-1 24 16,25 1-16,-24-25 16,-1 24-16,25 1 0,0-1 15,0 0-15,0 1 16,0-1-16,25 1 0,-1-1 15,1-24 1,-1 25-16,1-25 0,-1 0 16,0 0-16,1 0 0,-25-25 15,24 25-15,1-24 16,-25-1-16,24 1 16,-24-1-16,0 1 15,0 0-15,0-1 0,24 25 16,-24-24-16,25 24 15,-1 0 1,1 24-16,-25 1 0,24-1 16,1 0-16,-25 1 0,24-1 15,-24 1-15,24-1 16,-24 1-16,0-1 0,25 0 16</inkml:trace>
+  <inkml:trace contextRef="#ctx0" brushRef="#br0" timeOffset="8262">2540 708 0,'-25'0'0,"25"24"31,25 1-15,-1-1-16,-24 1 15,24-1-15,1 0 0,-1 1 16,-24-1-16,25 1 0,-1-1 16,-24 1-16,25-1 15,-1 0 1,-24-48 0,0 0-1,24-1-15,-24 1 0,0-1 16,0 1-16,0-25 15,0 25-15,0-25 0,25 24 16,-25 1-16,0-1 16,0 1-16,24 0 0,1 24 15,-1 24 1,0 0 0,1-24-1</inkml:trace>
+  <inkml:trace contextRef="#ctx0" brushRef="#br0" timeOffset="8732">3126 781 0,'-25'0'31,"50"0"-15,-1 0 0,1 25-1,-1-25 1,0 0 0,1 0-1,-1-25 1,-24 1-16,0-1 15,0 1 1,-24-1-16,-1 1 16,1 24-1,0 0-15,-25 0 0,24 0 16,1 0-16,-1 24 0,1 1 16,0-1-16,-1 1 15,25-1-15,0 25 0,0-25 16,0 25-16,25-24 0,-1-1 15,0 1-15,1-1 16,-1 0-16,25 1 0,-24-25 16,23 0-16,-23 0 15,24 0-15,-1-25 0,-23 25 16</inkml:trace>
+  <inkml:trace contextRef="#ctx0" brushRef="#br0" timeOffset="8964">3614 659 0,'-24'0'16,"24"24"-16,24-24 46,1 0-46,-1 0 16,0 0-16,1 0 16</inkml:trace>
+  <inkml:trace contextRef="#ctx0" brushRef="#br0" timeOffset="9138">3590 830 0,'-25'24'0,"1"1"15,24-1 17,24-24-32,1 0 15,-1 0-15,1 0 16,-1 0-16,0 0 0,-24-24 16,25 24-16,-1 0 0,1 0 15</inkml:trace>
+</inkml:ink>
+</file>
+
+<file path=ppt/ink/ink33.xml><?xml version="1.0" encoding="utf-8"?>
+<inkml:ink xmlns:inkml="http://www.w3.org/2003/InkML">
+  <inkml:definitions>
+    <inkml:context xml:id="ctx0">
+      <inkml:inkSource xml:id="inkSrc0">
+        <inkml:traceFormat>
+          <inkml:channel name="X" type="integer" max="1920" units="cm"/>
+          <inkml:channel name="Y" type="integer" max="1080" units="cm"/>
+          <inkml:channel name="T" type="integer" max="2.14748E9" units="dev"/>
+        </inkml:traceFormat>
+        <inkml:channelProperties>
+          <inkml:channelProperty channel="X" name="resolution" value="55.81395" units="1/cm"/>
+          <inkml:channelProperty channel="Y" name="resolution" value="55.6701" units="1/cm"/>
+          <inkml:channelProperty channel="T" name="resolution" value="1" units="1/dev"/>
+        </inkml:channelProperties>
+      </inkml:inkSource>
+      <inkml:timestamp xml:id="ts0" timeString="2020-10-18T02:55:56.050"/>
+    </inkml:context>
+    <inkml:brush xml:id="br0">
+      <inkml:brushProperty name="width" value="0.05" units="cm"/>
+      <inkml:brushProperty name="height" value="0.05" units="cm"/>
+      <inkml:brushProperty name="fitToCurve" value="1"/>
+    </inkml:brush>
+  </inkml:definitions>
+  <inkml:trace contextRef="#ctx0" brushRef="#br0">0 74 0,'0'25'63,"0"-1"-48,0 1-15,0-1 0,0 0 16,0 1-16,0-1 16,24 25-16,-24-25 0,0 1 15,0 24-15,25-25 0,-25 1 16,24-1-16,-24 0 15,0 1-15,25-1 0,-25 1 16</inkml:trace>
+  <inkml:trace contextRef="#ctx0" brushRef="#br0" timeOffset="639">220 221 0,'0'-25'0,"0"1"16,0 0 0,0-1-16,24 25 15,-24-24-15,0-1 16,25 25-16,-25-24 16,24 24-16,-24-25 0,24 25 15,1 0 1,-1 0-16,1 0 15,-25 25-15,24-25 16,1 24-16,-25 1 0,24-1 16,-24 1-16,24-1 15,-24 0-15,0 25 0,0-24 16,0-1-16,0 1 0,-24-1 16,0-24-16,-1 24 15,-24 1-15,25-25 0,-1 24 16,1-24-16,-25 25 0,25-25 15,-1 0 1,25 24-16,-24-24 0,48 0 31,1 0-31,-1 0 16,1 0-16,-1 0 0,25 24 16,-25-24-16,25 0 15,-24 0-15,23 0 0,-23 0 16,-1 0-16,1 25 15,-1-25-15</inkml:trace>
+  <inkml:trace contextRef="#ctx0" brushRef="#br0" timeOffset="1032">684 25 0,'0'-24'15,"0"48"32,0 1-31,0-1-16,0 1 16,24 24-16,-24-25 0,0 25 15,0-25-15,25 25 16,-25-24-16,0-1 0,24 25 15,-24-25-15,0 1 0,25-1 16,-25 0-16,0 1 16,24-25-1</inkml:trace>
+  <inkml:trace contextRef="#ctx0" brushRef="#br0" timeOffset="1678">977 148 0,'0'-25'16,"-24"25"-16,24-24 0,0-1 15,24 25 1,-24-24-16,24-1 16,1 1-1,-1 24-15,1 0 16,-1 0-16,0 0 16,25 0-16,-24 0 15,-1 0-15,1 24 0,-1-24 16,0 25-16,1-1 15,-25 1 1,0-1-16,0 1 16,-25-25-16,25 24 15,-24-24-15,0 24 0,-1-24 16,1 0-16,-1 25 16,1-25-16,-1 0 15,25 24-15,-24-24 0,48 0 47,1 25-31,-1-25-16,1 0 0,-1 0 15,1 24-15,-1-24 0,25 24 16,-25-24-16,1 25 16,-1-1-16,1 1 0,-1-1 15,0 1-15,-24-1 16,0 0-16,0 1 15,-24-1-15,0-24 16,-25 0-16,24 25 16,-24-25-16,25 0 0,-25 0 15,25-25-15,-25 25 16,24 0-16,25-24 0</inkml:trace>
+  <inkml:trace contextRef="#ctx0" brushRef="#br0" timeOffset="2182">1710 99 0,'0'-25'15,"24"25"32,0 0-31,-24 25-16,25-1 0,-1 1 15,-24-1 1,0 0-16,0 1 0,0-1 16,0 1-1,-24-25-15,-1 0 0,1 24 16,0-24-16,-1-24 16,1 24-1,24-25-15,-25 25 0,25-24 16,0-1-16,0 1 15,25 0-15,-25-1 16,24 1-16,1 24 0,-1-25 16,0 25-16,1-24 15,-1 24-15,1 0 0,-1 0 16</inkml:trace>
+  <inkml:trace contextRef="#ctx0" brushRef="#br0" timeOffset="2560">2174 25 0,'0'-24'16,"0"48"0,-25-24-1,25 25-15,-24-1 0,24 1 16,0-1-16,-25 25 0,25 0 15,0-25-15,0 25 16,-24 0-16,24-25 0,0 25 16,-24-24-16,24-1 0,0 0 15,0 1-15,-25-1 16,25 1-16,0-1 0</inkml:trace>
+  <inkml:trace contextRef="#ctx0" brushRef="#br0" timeOffset="3052">2467 441 0,'24'0'47,"1"0"-31,-1 0-1,-24 24 1,0 0-1,24-24-15,-24 25 0,0-1 16,0 1-16,0-1 31,-24-24-31,0 0 0,-1 0 16,25-24-16,-49 24 16,25-25-16,-1 25 15,1-24-15,24-1 0,0 1 16,0 0-1,0-1-15,24 25 0,1-24 16,-1 24-16,-24-25 16,25 25-16,-1 0 0,1 0 15,-25 25-15,24-25 0,-24 24 16,0 1-16</inkml:trace>
+  <inkml:trace contextRef="#ctx0" brushRef="#br0" timeOffset="3742">391 856 0,'-25'0'16,"1"0"-16,24-25 15,24 25 1,1 0-16,24 0 0,-1 0 15,26 0-15,23 0 16,1 25-16,0-25 0,-1 0 16,1 0-16,0 24 15,0-24-15,-1 25 0,-23-25 16,-1 0-16,-24 0 16,0 24-16,-25-24 0,0 0 15,1 0-15,-25-24 31,-25 24-31</inkml:trace>
+  <inkml:trace contextRef="#ctx0" brushRef="#br0" timeOffset="4086">782 1173 0,'-25'0'0,"50"0"31,-1 0-31,0 0 0,25 0 15,-24-24-15,23 24 0,26 0 16,-25 0-16,24 0 16,0 0-16,0 0 0,1 0 15,-1 0-15,0 0 16,1 0-16,-26 0 0,26 0 16,-50 0-16,25 0 0,-25 0 15,1 0-15</inkml:trace>
+</inkml:ink>
+</file>
+
+<file path=ppt/ink/ink34.xml><?xml version="1.0" encoding="utf-8"?>
+<inkml:ink xmlns:inkml="http://www.w3.org/2003/InkML">
+  <inkml:definitions>
+    <inkml:context xml:id="ctx0">
+      <inkml:inkSource xml:id="inkSrc0">
+        <inkml:traceFormat>
+          <inkml:channel name="X" type="integer" max="1920" units="cm"/>
+          <inkml:channel name="Y" type="integer" max="1080" units="cm"/>
+          <inkml:channel name="T" type="integer" max="2.14748E9" units="dev"/>
+        </inkml:traceFormat>
+        <inkml:channelProperties>
+          <inkml:channelProperty channel="X" name="resolution" value="55.81395" units="1/cm"/>
+          <inkml:channelProperty channel="Y" name="resolution" value="55.6701" units="1/cm"/>
+          <inkml:channelProperty channel="T" name="resolution" value="1" units="1/dev"/>
+        </inkml:channelProperties>
+      </inkml:inkSource>
+      <inkml:timestamp xml:id="ts0" timeString="2020-10-18T02:55:55.370"/>
+    </inkml:context>
+    <inkml:brush xml:id="br0">
+      <inkml:brushProperty name="width" value="0.05" units="cm"/>
+      <inkml:brushProperty name="height" value="0.05" units="cm"/>
+      <inkml:brushProperty name="fitToCurve" value="1"/>
+    </inkml:brush>
+  </inkml:definitions>
+  <inkml:trace contextRef="#ctx0" brushRef="#br0">24 127 0,'0'-24'31,"24"-1"-15,-24 1 15,0 0-15,25 24-1,-1 0 1,1-25 0,-1 25-16,1 0 0,-1 0 15,0 0-15,1 0 0,-1 0 16,1 0-16,-1 0 16,-24 25-16</inkml:trace>
+  <inkml:trace contextRef="#ctx0" brushRef="#br0" timeOffset="244">0 249 0,'24'0'47,"0"0"-47,1 0 0,-1 0 16,25-24-16,-24 24 0,23 0 15,-23 0-15,-1 0 16,1-25-16,-1 25 16</inkml:trace>
+</inkml:ink>
+</file>
+
+<file path=ppt/ink/ink35.xml><?xml version="1.0" encoding="utf-8"?>
 <inkml:ink xmlns:inkml="http://www.w3.org/2003/InkML">
   <inkml:definitions>
     <inkml:context xml:id="ctx0">
@@ -225,7 +1246,7 @@
 </inkml:ink>
 </file>
 
-<file path=ppt/ink/ink4.xml><?xml version="1.0" encoding="utf-8"?>
+<file path=ppt/ink/ink36.xml><?xml version="1.0" encoding="utf-8"?>
 <inkml:ink xmlns:inkml="http://www.w3.org/2003/InkML">
   <inkml:definitions>
     <inkml:context xml:id="ctx0">
@@ -253,7 +1274,7 @@
 </inkml:ink>
 </file>
 
-<file path=ppt/ink/ink5.xml><?xml version="1.0" encoding="utf-8"?>
+<file path=ppt/ink/ink37.xml><?xml version="1.0" encoding="utf-8"?>
 <inkml:ink xmlns:inkml="http://www.w3.org/2003/InkML">
   <inkml:definitions>
     <inkml:context xml:id="ctx0">
@@ -290,6 +1311,224 @@
   <inkml:trace contextRef="#ctx0" brushRef="#br0" timeOffset="3797">3445 153 0,'-24'-24'0,"24"48"47,0 1-47,24-1 0,-24 1 15,25 23-15,-25 1 16,24-24-16,0 24 0,-24-1 16,25 1-16,-25-24 0,0 24 15,24-25-15,-24 0 16,25 1-16,-25-1 0,24 1 15,1-25 1,-1 0-16,0 0 16</inkml:trace>
   <inkml:trace contextRef="#ctx0" brushRef="#br0" timeOffset="3977">3347 471 0,'-24'0'0,"48"0"16,1 0-1,24-25-15,-25 25 16,25 0-16,-25-24 0,25 24 16,-24-24-16</inkml:trace>
   <inkml:trace contextRef="#ctx0" brushRef="#br0" timeOffset="5268">3909 31 0,'-24'-24'0,"-1"24"15,1-25 1,48 50 0,1-25-1,-1 24-15,1 25 0,-1 0 16,25 0-16,-25 0 16,25 24-16,-24 0 0,23 0 15,-23 1-15,-1-1 16,-24-24-16,0 24 0,-49 0 15</inkml:trace>
+</inkml:ink>
+</file>
+
+<file path=ppt/ink/ink4.xml><?xml version="1.0" encoding="utf-8"?>
+<inkml:ink xmlns:inkml="http://www.w3.org/2003/InkML">
+  <inkml:definitions>
+    <inkml:context xml:id="ctx0">
+      <inkml:inkSource xml:id="inkSrc0">
+        <inkml:traceFormat>
+          <inkml:channel name="X" type="integer" max="1920" units="cm"/>
+          <inkml:channel name="Y" type="integer" max="1080" units="cm"/>
+          <inkml:channel name="T" type="integer" max="2.14748E9" units="dev"/>
+        </inkml:traceFormat>
+        <inkml:channelProperties>
+          <inkml:channelProperty channel="X" name="resolution" value="55.81395" units="1/cm"/>
+          <inkml:channelProperty channel="Y" name="resolution" value="55.6701" units="1/cm"/>
+          <inkml:channelProperty channel="T" name="resolution" value="1" units="1/dev"/>
+        </inkml:channelProperties>
+      </inkml:inkSource>
+      <inkml:timestamp xml:id="ts0" timeString="2020-10-18T02:45:17.540"/>
+    </inkml:context>
+    <inkml:brush xml:id="br0">
+      <inkml:brushProperty name="width" value="0.05" units="cm"/>
+      <inkml:brushProperty name="height" value="0.05" units="cm"/>
+      <inkml:brushProperty name="fitToCurve" value="1"/>
+    </inkml:brush>
+  </inkml:definitions>
+  <inkml:trace contextRef="#ctx0" brushRef="#br0">152 511 0,'-24'0'0,"-1"-25"15,1 25 1,48 0 31,-24 25-32,25-25-15,-25 24 16,24-24-16,0 24 0,1-24 16,-1 0-16,1 0 15,-1 0-15,1-24 16,-25 0-16,24 24 16,-24-25-16,0 1 0,0-1 15,0 1-15,-24 24 16,24-25-16,-25 1 0,1 24 15,-1-24-15,-24 24 16,25 0-16,0 24 0,-1 0 16,-24-24-16,25 25 0,24 24 15,-24-25-15,24 1 16,0 23-16,0-23 0,0 24 16,24-25-16,0 25 0,25-25 15,-24 1-15,23-1 16,1-24-16,0 25 0,0-25 15,0 0-15</inkml:trace>
+  <inkml:trace contextRef="#ctx0" brushRef="#br0" timeOffset="595">567 413 0,'-24'-25'0,"24"1"0,-25 0 16,50 24 15,-25 24-15,24 0-16,-24 1 15,25-1-15,-1 25 0,-24-24 16,25 23-16,-25-23 0,24-1 16,-24 1-16,0 24 15,0-25-15,24-24 0,-24 24 16,-24-24 15,24-24-31,0 0 0,0-1 16,0-24-16,0 25 15,0-25-15,0 0 0,0 0 16,24 0-16,-24 25 16,25 0-16,-1-1 0,1 25 15,-1 0-15,1 25 16,-1-1-16,0 0 15,-24 25-15,25-24 0,-25-1 16,24 25-16,-24-25 16,0 1-16,0-1 0,0 1 15,0-50 1,0 1 0,0-1-16,25 1 15,-25 0-15,24-25 16,-24 24-16,24-24 0,-24 25 15,25 0-15,-1-1 0,1 25 16,-25 25 0,24-1-16,-24 0 0,25 25 15,-25 0-15,0-24 16,24 23-16,-24 1 0,0 0 16,0-24-16,0-1 0,24 0 15,-24 1-15</inkml:trace>
+  <inkml:trace contextRef="#ctx0" brushRef="#br0" timeOffset="1121">1300 120 0,'0'-25'0,"0"1"15,0 0-15,0-1 16,0 1-16,0 48 31,0 1-31,0-1 0,24 25 16,-24 0-16,0 0 0,0 24 15,25 0-15,-25 25 16,24-25-16,-24 0 0,0 1 16,25-1-16,-25 0 15,24 0-15,-24-24 0,0 0 16,0 0-16,25-25 0,-25 1 15,0-1-15,-25-24 16,25-24 0,-24-1-1,-1 1-15,25-25 0,0 0 16,-24 0-16,24 0 0,0-24 16,0 24-16,0 1 15,0-26-15,0 25 0,24 1 16,1 23-16,-25 1 15,24-1-15,1 1 0,-1 24 16,0 0-16,1 0 16,-1 24-16,1-24 0,-25 25 15,24-1-15,-24 1 0,0 23 16,0-23-16,0-1 16,0 1-16,-24-1 0,-1 1 15,1-1-15,-1-24 0,25 24 16,-24-24-16,0 0 15,24-24-15</inkml:trace>
+  <inkml:trace contextRef="#ctx0" brushRef="#br0" timeOffset="1373">1764 120 0,'0'-25'0,"0"1"15,24 24 17,-24 24-32,0 1 15,25-1-15,-25 25 16,0 0-16,24 24 0,-24-24 16,0 0-16,0 24 0,0-24 15,0 24-15,0-24 16,0-24-16,0 23 0,0-23 15</inkml:trace>
+  <inkml:trace contextRef="#ctx0" brushRef="#br0" timeOffset="2375">2228 266 0,'24'0'16,"-24"-24"-16,-24 24 15,0 0 1,24 24-16,-25-24 16,25 25-16,-24-1 15,24 1-15,0-1 0,0 25 16,0-25-16,0 25 0,0-24 16,0-1-16,24 0 15,-24 25-15,25-49 0,-1 25 16,0-25-16,1 0 0,-1 0 15,1 0-15,-25-25 16,24 25-16,1-49 0,-25 25 16,0 0-16,0-25 15,0 24-15,0-24 0,0 1 16,-25 23-16,1-24 0,-1 25 16,1-1-16,-1 1 15,1 24-15,0 24 16,24 1-16,0-1 15,0 1-15,0-1 0,0 25 16,0-25-16,24 25 16,0-24-16,1-1 0,-25 1 15,49-25-15,-25 24 0,1-24 16,-1 0-16,0 0 16,1-24-16,-1-1 0,1 1 15,-1-1-15,1 1 0,-25-1 16,24-23-16,-24 23 15,0 1-15,0-1 0,0 1 16,-24 48 15,24 1-31,0-1 0,0 25 16,24-49 0,-24 24-16,24 1 0,1-1 15,-1 1 1,1-1-16,-1-24 0,0 25 15,25-1-15,-24 0 0,-1-24 16,1 0-16,-1 25 16,0-25-16,1-25 15,-25 1-15,0 0 16,0-1-16,0 1 0,-25-1 16,25 1-16,0-25 0,0 25 15,-24-1-15,24 1 16,-24 24-16,24 24 15,0 1 1,-25-1-16,25 25 0,0 24 16,0-24-16,0 24 0,0 25 15,0-25-15,25 1 16,-25-1-16,24 0 0,-24-24 16,24 0-16,-24 0 15,25-1-15,-25-23 0,-25-25 16,1 0-1,0-25-15,-1-23 16,1-1-16,-1 0 0,1 0 16,-1 0-16,1 25 0,0-25 15,24 25-15,0-1 16,0 1-16,24 24 31,0 0-31,1 0 16,-1 0-16,1 0 0,-1 0 15</inkml:trace>
+  <inkml:trace contextRef="#ctx0" brushRef="#br0" timeOffset="2832">3107 535 0,'-24'-24'0,"-1"24"15,50 0 17,-1 0-17,1 0-15,-1 24 16,1-24-1,-1 0-15,0 0 16,1-24-16,-1-1 16,-24 1-1,0-1-15,0 1 16,-24-1 0,-1 1-16,1 24 15,0-24-15,-1 24 16,1 0-16,-1 24 15,1 0-15,24 1 16,0-1-16,0 1 16,0 24-16,0-25 0,0 0 15,0 25-15,24-24 16,1-1-16,-1 1 0,1-25 16,-1 24-16,0-24 0</inkml:trace>
+  <inkml:trace contextRef="#ctx0" brushRef="#br0" timeOffset="3619">3498 462 0,'-24'0'31,"-1"0"-15,50 0 15,-1 0-16,-24-25 1,24 25-16,1 0 0,-1 0 16,1 0-1,-1 0-15,-24-24 0,25 24 16,-25-25-16,24 25 16,-24-24-16,0 0 15,-24-1 1,24 1-16,-25 24 0,1-25 15,-1 25-15,1 0 16,-1 0-16,25 25 16,-24-1-16,0 1 15,24-1-15,0 0 0,0 1 16,0-1-16,0 1 0,0-1 16,0 1-16,0-1 15,0 0-15,24-24 0,0 25 16,1-1-1,-1-24-15,1 0 0,-1 0 16,1 0-16,23-24 0,-23-1 16,-1 25-16,1-24 15,-1-25-15,1 25 0,-1-25 16,0 0-16,1 0 16,-1 0-16,1 0 0,-1 25 15,-24-25-15,25 25 0,-25-1 16,-25 50 15,25-1-31,-24 1 16,24 23-16,-25-23 0,25-1 15,0 25-15,0-24 0,0-1 16,0 0-16,25 1 16,-25-1-16,24 1 0,1-25 15,-1 24-15,0-24 16,1 25-16,-1-25 0,1 0 15,-1 24-15,0-24 0,1 0 16,-25 24-16,24-24 16,-24 25-16,0-1 0,-24 1 15,-1-1 1,1 1-16,-25-25 0,0 0 16,1 24-16,-1-24 0,0 0 15,24-24-15,-23 24 16,23-25-16,25 1 15</inkml:trace>
+  <inkml:trace contextRef="#ctx0" brushRef="#br0" timeOffset="3875">4524 315 0,'-25'0'0,"50"0"47,-1 0-31,1 0-16,-1 0 0,0 0 15</inkml:trace>
+  <inkml:trace contextRef="#ctx0" brushRef="#br0" timeOffset="4037">4573 413 0,'-25'24'15,"1"1"-15,24-1 0,-25-24 16,25 25-16,0-1 15,25-24 1,24 0-16,-25 0 0,25 0 16,0 0-16,0 0 15</inkml:trace>
+</inkml:ink>
+</file>
+
+<file path=ppt/ink/ink5.xml><?xml version="1.0" encoding="utf-8"?>
+<inkml:ink xmlns:inkml="http://www.w3.org/2003/InkML">
+  <inkml:definitions>
+    <inkml:context xml:id="ctx0">
+      <inkml:inkSource xml:id="inkSrc0">
+        <inkml:traceFormat>
+          <inkml:channel name="X" type="integer" max="1920" units="cm"/>
+          <inkml:channel name="Y" type="integer" max="1080" units="cm"/>
+          <inkml:channel name="T" type="integer" max="2.14748E9" units="dev"/>
+        </inkml:traceFormat>
+        <inkml:channelProperties>
+          <inkml:channelProperty channel="X" name="resolution" value="55.81395" units="1/cm"/>
+          <inkml:channelProperty channel="Y" name="resolution" value="55.6701" units="1/cm"/>
+          <inkml:channelProperty channel="T" name="resolution" value="1" units="1/dev"/>
+        </inkml:channelProperties>
+      </inkml:inkSource>
+      <inkml:timestamp xml:id="ts0" timeString="2020-10-18T02:45:22.931"/>
+    </inkml:context>
+    <inkml:brush xml:id="br0">
+      <inkml:brushProperty name="width" value="0.05" units="cm"/>
+      <inkml:brushProperty name="height" value="0.05" units="cm"/>
+      <inkml:brushProperty name="fitToCurve" value="1"/>
+    </inkml:brush>
+  </inkml:definitions>
+  <inkml:trace contextRef="#ctx0" brushRef="#br0">249 440 0,'25'0'15,"-25"-24"1,24 24-16,-48-24 31,-1 24-15,1 0-16,0 0 16,-1 24-16,-24-24 15,25 24-15,-1-24 0,1 25 16,24-1-16,-24 1 15,-1-1-15,25 25 0,0-25 16,0 1-16,25-1 0,-1 25 16,0-24-16,1-25 15,24 24-15,0-24 0,-25 24 16,25-24-16,0 0 16,0 0-16,-1-24 0,-23 24 15,-1-24-15,1 24 0,-25-25 16,0 1-16,0-1 15,0 1-15,-25-1 0,1 1 16,-1-25-16,-23 25 0,23-1 16,1-24-16,-1 1 15,1 23-15,-1-24 0,1 0 16,0 1-16,24 23 16,0-24-16,0 25 0,0-1 15,0 1-15,0 0 16,24-1-16,0 1 15,1 24-15,-1 0 16,1 0-16,-1 0 16,1 0-16,-25 24 0,24 1 15,-24-1-15,0 0 16,0 1-16,0-1 0,-24 1 16,24-1-16,-25 1 0,25 23 15,-24-23-15,-1-1 16,25 1-16,-24-1 0,-1 1 15,1-1 1,24 0-16</inkml:trace>
+  <inkml:trace contextRef="#ctx0" brushRef="#br0" timeOffset="474">836 245 0,'0'-24'16,"-25"24"-16,1 0 31,-1 0-15,25 24-16,-24-24 15,24 24-15,-25 1 16,25 24-16,0-25 0,0 1 16,0 23-16,0-23 15,0 24-15,0-25 0,25 1 16,-1-1-16,1 0 0,-1-24 16,25 25-16,-25-25 15,1 0-15,24 0 0,-25-25 16,1 25-16,-1-24 15,0 0-15,-24-1 0,25 1 16,-25-25-16,0 24 16,-25-23-16,25 23 0,-24 1 15,0-25-15,-1 49 0,1-25 16,-1 25-16,1 0 16,-1 0-16,1 0 0,0 25 15,24-1 1</inkml:trace>
+  <inkml:trace contextRef="#ctx0" brushRef="#br0" timeOffset="937">1348 245 0,'-24'-24'32,"0"24"-17,-1 0 1,1 0-16,-1 24 0,1 0 16,-25 1-16,25-25 0,-25 49 15,24-25-15,25 1 16,0-1-16,0 0 0,0 1 15,25-1-15,-1 1 16,25-25-16,0 24 0,0-24 16,0 0-16,-1 0 0,1 0 15,0 0-15,0 0 16,-25 0-16,1 0 0,-1-24 16,-24-1-16,0 1 0,0-1 15,0-23 1,-24 23-16,24 1 0,-25-1 15,1 1-15,-25-1 16,25 25-16,-1-24 0,1 24 16,-25 0-16,25 0 0,-1 24 15,1-24-15,-1 25 16,25-1-16,0 1 16</inkml:trace>
+  <inkml:trace contextRef="#ctx0" brushRef="#br0" timeOffset="1356">1886 245 0,'0'-24'31,"0"-1"-31,-25 1 16,1 24-16,-1 0 16,1 0-1,0 0-15,-1 24 16,1 1-16,-1-1 16,1 0-16,24 25 0,0-24 15,0 24-15,0-1 0,24-23 16,1-1-16,-1 1 15,25-1-15,-25 1 0,25-25 16,0 0-16,-24 0 16,23-25-16,1 25 0,-24-24 15,-25-1-15,24 1 0,-24-1 16,0-23-16,-24 23 16,-1-24-16,-24 25 0,25-1 15,-25 1-15,0 0 16,0 24-16,1 0 0,-1 0 15,24 24-15</inkml:trace>
+</inkml:ink>
+</file>
+
+<file path=ppt/ink/ink6.xml><?xml version="1.0" encoding="utf-8"?>
+<inkml:ink xmlns:inkml="http://www.w3.org/2003/InkML">
+  <inkml:definitions>
+    <inkml:context xml:id="ctx0">
+      <inkml:inkSource xml:id="inkSrc0">
+        <inkml:traceFormat>
+          <inkml:channel name="X" type="integer" max="1920" units="cm"/>
+          <inkml:channel name="Y" type="integer" max="1080" units="cm"/>
+          <inkml:channel name="T" type="integer" max="2.14748E9" units="dev"/>
+        </inkml:traceFormat>
+        <inkml:channelProperties>
+          <inkml:channelProperty channel="X" name="resolution" value="55.81395" units="1/cm"/>
+          <inkml:channelProperty channel="Y" name="resolution" value="55.6701" units="1/cm"/>
+          <inkml:channelProperty channel="T" name="resolution" value="1" units="1/dev"/>
+        </inkml:channelProperties>
+      </inkml:inkSource>
+      <inkml:timestamp xml:id="ts0" timeString="2020-10-18T02:45:36.251"/>
+    </inkml:context>
+    <inkml:brush xml:id="br0">
+      <inkml:brushProperty name="width" value="0.05" units="cm"/>
+      <inkml:brushProperty name="height" value="0.05" units="cm"/>
+      <inkml:brushProperty name="fitToCurve" value="1"/>
+    </inkml:brush>
+  </inkml:definitions>
+  <inkml:trace contextRef="#ctx0" brushRef="#br0">0 600 0,'0'-24'16,"0"-1"-16,0 1 15,0-1 1,0 1 15,0 48 16,0 1-31,0-1-16,0 1 15,0-1-15,0 0 16,0 1-16,0 24 0,0-25 16,0 25-16,24-25 0,-24 1 15,0 24-15,25-25 16,-1 1-16,-24-1 15,25-24-15,-25 24 16,24-24-16,0 0 16,1-24-1,-1 24-15,1-24 0,-25-1 16,24 1-16,0-1 0,1 1 16,-25-25-16,0 25 15,24-25-15,-24 24 0,0 1 16,0-25-16,0 25 0,0-1 15,-24 1-15,24-1 16,0 50 15,0-1-31,0 1 16,0-1-16,24 25 0,-24-25 16,25 1-16,-25 24 15,24-25-15,1 0 0,-25 1 16,24 24-16,0-25 15,1-24-15,-1 25 0,1-1 16,-1-24-16,1 0 0,23 0 16,-23 0-16,-1-24 15,1 24-15,-1-25 0,-24-24 16,25 25-16,-25-25 16,0 25-16,0-25 0,0 0 15,0 0-15,-25 0 16,25 25-16,-24-25 0,-1 24 15,25 1-15,-24 0 0,24-1 16,-25 25 0,25 25-1,-24-1-15,24 0 16,-24 1-16,24-1 16,0 1-16</inkml:trace>
+  <inkml:trace contextRef="#ctx0" brushRef="#br0" timeOffset="330">879 356 0,'-24'-25'15,"-1"25"1,25 25 15,0-1-15,0 1-16,-24-1 0,24 25 16,0-25-16,0 25 15,-25 0-15,25 0 0,0 0 16,0 0-16,-24-1 0,24 1 15,0-24-15,0 23 16,0-23-16,0-1 16,0 1-16,24-25 0</inkml:trace>
+  <inkml:trace contextRef="#ctx0" brushRef="#br0" timeOffset="775">1148 478 0,'-25'-25'16,"1"50"31,24-1-47,0 1 15,0-1-15,0 1 0,0-1 16,0 25-16,0-25 0,0 1 16,24 24-16,-24-25 15,0 0-15,25-24 0,-25 25 16,24-25-16,1 24 16,-1-24-16,0-24 15,1 24-15,-1-25 0,-24 1 16,25 0-16,-25-25 15,24 24-15,-24-24 0,0 25 16,-24-25-16,-1 25 16,25-1-16,-24 1 0,-1-1 15,1 1-15,-25 24 16,25 0-16,-1 0 16,1 24-16,24 1 0,-25-25 15,25 24-15,0 1 16,25-25-16,-25 24 0</inkml:trace>
+  <inkml:trace contextRef="#ctx0" brushRef="#br0" timeOffset="1332">1734 356 0,'0'-25'16,"-25"25"-16,25-24 15,0-1 1,0 1-16,-24 48 47,24 1-47,0-1 0,0 25 16,0 0-16,0 0 15,0-25-15,0 50 0,0-26 16,0 1-16,0 0 0,0-24 15,0 23-15,0-23 16,0 24-16,0-25 0,0 1 16,24-25 15,-24-25-31,25 25 16,-1-24-16,25-1 15,-24 1-15,-1 24 0,25-25 16,-25 25-16,1-24 15,24 24-15,-25 0 16,0 0-16,1 0 0,-1 0 16</inkml:trace>
+  <inkml:trace contextRef="#ctx0" brushRef="#br0" timeOffset="1842">2344 527 0,'-24'0'0,"0"-25"15,-1 25-15,1-24 16,24 48 31,24-24-47,1 25 15,-1-25 1,0 24-16,1-24 16,-1 0-16,1 0 15,-1-24 1,1-1-16,-25 1 15,0-1 1,0 1-16,0 0 0,-25-1 16,1 1-16,-1 24 15,1 0-15,-1-25 16,1 25-16,0 25 16,-1-1-16,25 1 0,-24-1 15,-1 25-15,25-25 16,0 25-16,0 0 0,0-25 15,0 25-15,25-24 16,-1-1-16,1 1 0,-25-1 16,48 0-16,-23-24 0,-1 0 15,1 0-15,24 0 16</inkml:trace>
+  <inkml:trace contextRef="#ctx0" brushRef="#br0" timeOffset="2334">2809 478 0,'0'-25'15,"0"1"-15,-25 0 16,1-1-16,-1 1 16,1-1-1,-1 25 1,1 0-1,0 0-15,-1 25 16,1-25-16,-1 24 0,1 1 16,-1-1-16,25 0 15,-24 25-15,24-24 0,0 24 16,0-25-16,24 0 16,-24 1-16,25-1 0,-1 1 15,1-1-15,-1-24 16,1 0-16,-1 0 0,0 0 15,-24-24-15,25 24 0,-1-25 16,1 1-16,-25-25 16,0 25-16,24-1 0,-24-24 15,0 25-15,0-1 0,0 1 16,0 0-16,0-1 16,0 50 15,25-1-31,-25 25 0,0-25 15,0 1-15,24 24 0,-24-25 16,24 0-16,1 1 16,-25-1-16,24 1 0</inkml:trace>
+  <inkml:trace contextRef="#ctx0" brushRef="#br0" timeOffset="2707">2906 380 0,'0'-24'0,"0"-1"16,25 25 31,-25 25-47,24-25 15,-24 24-15,0 1 0,24-1 16,-24 0-16,25 1 0,-25-1 15,24 1-15,-24-1 16,0 1-16,0-1 0,25 0 16,-50-48 15,25 0-15,-24-25-1,24 24-15,0 1 0,0-1 16,0 1-16,0-25 15,0 25-15,0-1 0,24 1 16,1 24-16,-25-24 0,24 24 16,1 0-16,-1 0 15</inkml:trace>
+  <inkml:trace contextRef="#ctx0" brushRef="#br0" timeOffset="3205">3175 331 0,'0'-24'32,"0"48"14,24-24-46,-24 25 16,0-1-16,25 1 16,-25-1-16,0 0 0,0 1 15,24-1-15,-24 1 0,0-1 16,0 1 0,0-1-16,0-48 31,0-1-16,0 1-15,0-25 16,0 24-16,0 1 16,0-25-16,25 25 0,-25-1 15,24 1-15,-24 0 16,24-1-16,1 25 16,-1 0-16,1 0 15,-25 25-15,24-1 16,-24 0-16,24 1 0,-24-1 15,0 1-15,25-1 16,-25 0-16,0 1 0,0-1 16,0 1-1</inkml:trace>
+  <inkml:trace contextRef="#ctx0" brushRef="#br0" timeOffset="3457">3541 258 0,'0'-24'15,"0"48"32,0 0-47,25-24 0,-25 25 16,24-1-16,-24 1 0,0-1 15,24 1-15,-24-1 16,0 0-16,25 1 16,-25-1-16</inkml:trace>
+  <inkml:trace contextRef="#ctx0" brushRef="#br0" timeOffset="3641">3541 38 0,'-24'-24'0,"-1"24"16,25-25 0,0 50-1</inkml:trace>
+  <inkml:trace contextRef="#ctx0" brushRef="#br0" timeOffset="4123">3810 258 0,'-25'0'0,"25"-24"0,-24 24 15,24-25 1,0 1 0,24 48 15,1 1-15,-25-1-16,24 0 0,-24 1 15,25-1-15,-25 1 16,0-1-16,0 1 0,0-1 15,24 0-15,-24 1 16,0-1-16,0-48 31,0-1-15,0 1-16,0-25 0,0 25 16,25-1-16,-25-24 15,24 25-15,-24 0 0,24-1 16,-24 1-16,25-1 0,-1 25 15,1 0-15,-1 0 16,1 25-16,-1-25 16,0 24-16,-24 1 0,25 23 15,-1-23-15,1-1 16,-25 1-16,24-1 0,-24 1 16,24-1-16,-24 0 15</inkml:trace>
+  <inkml:trace contextRef="#ctx0" brushRef="#br0" timeOffset="4818">4591 209 0,'0'-24'0,"-24"-1"0,0 1 16,24 0-1,-25 24-15,1-25 0,-1 1 16,1 24-16,-1 0 16,1 24-1,0-24-15,-1 25 0,25-1 16,-24-24-16,24 49 16,-25-25-16,25 1 0,0-1 15,0 1-15,25-1 0,-25 0 16,24-24-16,1 25 15,-1-25-15,0 0 0,25 0 16,-24 0-16,-1 0 16,1 0-16,-1 0 0,-24-25 15,24 25-15,-24-24 0,0 0 16,0-1-16,0 1 16,0-1-16,0 1 0,0-1 15,0 1-15,0 48 31,0 1-15,25-1-16,-25 25 0,24-24 16,1 23-16,-1 1 0,1 24 15,-25-24-15,24 0 16,0 24-16,-24-24 0,25 0 16,-25 0-16,0 0 0,0-25 15,0 25-15,0-25 16,-25 1-16,1-25 0,0 24 15,-1-24-15,1 0 16,-25-24-16,24 24 0,1-25 16,-25-23-16,25-1 0,-1 24 15,25-23-15,-24-1 16,24 0-16,0 0 0,24 0 16,-24 25-16,25-1 15,-1 25-15,1-24 0,-1 24 16,0 0-16,1 0 0,-1 0 15,1 0-15,-1 0 16</inkml:trace>
+  <inkml:trace contextRef="#ctx0" brushRef="#br0" timeOffset="5106">5007 307 0,'-25'0'0,"1"0"15,24-24 1,24 24-1,1-25-15,-1 25 16,0 0-16,1 0 0,-1-24 16,1 24-16,-1 0 15,1 0-15,-1 0 16</inkml:trace>
+</inkml:ink>
+</file>
+
+<file path=ppt/ink/ink7.xml><?xml version="1.0" encoding="utf-8"?>
+<inkml:ink xmlns:inkml="http://www.w3.org/2003/InkML">
+  <inkml:definitions>
+    <inkml:context xml:id="ctx0">
+      <inkml:inkSource xml:id="inkSrc0">
+        <inkml:traceFormat>
+          <inkml:channel name="X" type="integer" max="1920" units="cm"/>
+          <inkml:channel name="Y" type="integer" max="1080" units="cm"/>
+          <inkml:channel name="T" type="integer" max="2.14748E9" units="dev"/>
+        </inkml:traceFormat>
+        <inkml:channelProperties>
+          <inkml:channelProperty channel="X" name="resolution" value="55.81395" units="1/cm"/>
+          <inkml:channelProperty channel="Y" name="resolution" value="55.6701" units="1/cm"/>
+          <inkml:channelProperty channel="T" name="resolution" value="1" units="1/dev"/>
+        </inkml:channelProperties>
+      </inkml:inkSource>
+      <inkml:timestamp xml:id="ts0" timeString="2020-10-18T02:45:51.418"/>
+    </inkml:context>
+    <inkml:brush xml:id="br0">
+      <inkml:brushProperty name="width" value="0.05" units="cm"/>
+      <inkml:brushProperty name="height" value="0.05" units="cm"/>
+      <inkml:brushProperty name="fitToCurve" value="1"/>
+    </inkml:brush>
+  </inkml:definitions>
+  <inkml:trace contextRef="#ctx0" brushRef="#br0">32 201 0,'0'-24'15,"0"0"-15,0-1 16,-24 25 0,24 25-1,0-1 1,0 0-16,0 25 16,0-24-16,0 24 0,0-25 15,0 25-15,0 0 16,0-25-16,0 1 0,0 23 15,24-23-15</inkml:trace>
+  <inkml:trace contextRef="#ctx0" brushRef="#br0" timeOffset="597">570 177 0,'0'-24'16,"-25"24"-16,25-25 15,0 50 17,0-1-17,-24-24 1,24 24-16,-24-24 0,-1 25 15,1-25-15,-1 0 16,1 0-16,-1 0 0,1-25 16,0 25-1,24-24-15,0 0 0,0-1 16,0 1-16,0-1 16,0 1-16,24-1 15,0 1-15,1 24 16,-1 0-16,1 0 15,-1 24-15,-24 1 0,25 24 16,-25-25-16,24 25 0,-24 24 16,0-24-16,-24 0 15,24 0-15,-25-25 0,1 25 16,-25-24-16,24-1 16,1 0-16,0-24 0,-1 0 15,1 0-15,-1 0 16,25-24-16,0 0 15,0-1-15,0 1 0,25-1 16,-1 1-16,1-1 16,-1 25-16,0-24 0,1 24 15,-1 24-15,1-24 0,-1 25 16,1-1-16,-1 1 16,-24-1-16,24 25 0,-24-25 15,25 1-15,-1-25 16</inkml:trace>
+  <inkml:trace contextRef="#ctx0" brushRef="#br0" timeOffset="912">838 397 0,'0'-25'15,"-24"25"-15,48 0 31,-24 25 1,0-1-17,-24 1 1,0-25 15,24-25-31,-25 1 16,25-1-1,0 1 1,25 24-16,-1 0 31</inkml:trace>
+  <inkml:trace contextRef="#ctx0" brushRef="#br0" timeOffset="1515">1205 104 0,'-25'-25'0,"25"1"0,-24 24 16,24-25-16,-25 25 15,25 25 16,0-1-31,0 1 16,0-1-16,0 1 16,0-1-16,0 0 0,0 1 15,0-1-15,0 1 0,0-1 16,0 1-16,0-1 16,0 0-16,25-24 31,-1 0-16,-24-24-15,25 24 0,-1 0 16,1-24-16,-1 24 16,0 0-16,1 0 0,-1 0 15,1 0-15,-1 0 16,1 0 0,-25-25 15,0 1-31,0-1 15,0 1-15,0-1 16,0 1-16,0 0 16,0-1-16,-25 1 15,25 48 1,0 1 0,0-1-16,0 0 15,0 25-15,0-24 0,0 24 16,0-25-16,0 25 0,0-25 15,25 25-15,-25-24 0,24-1 16,-24 0-16</inkml:trace>
+  <inkml:trace contextRef="#ctx0" brushRef="#br0" timeOffset="2035">1840 153 0,'-25'0'15,"25"-25"1,0 50 15,0-1-15,0 0-1,0 1-15,0-1 16,-24-24-16,-1 25 16,1-25-1,0 0-15,24-25 16,-25 25-16,1-24 16,24-1-16,0 1 15,24 0-15,1-1 16,-1 1-1,0 24 1,1 0 0,-25 24-16</inkml:trace>
+  <inkml:trace contextRef="#ctx0" brushRef="#br0" timeOffset="2303">2060 79 0,'-25'0'0,"25"25"31,0-1-15,0 1-16,0-1 0,0 0 15,-24 1-15,24 24 16,0-25-16,0 25 0,0-25 16,-25 1-16,25 24 0,0-25 15,-24-24-15,24 25 16</inkml:trace>
+  <inkml:trace contextRef="#ctx0" brushRef="#br0" timeOffset="2642">2255 324 0,'0'-25'16,"24"25"-16,1 25 31,-25-1-15,24 0-16,-24 1 15,0-1-15,0 1 16,-24-25 0,-1 0-1,1 0-15,0-25 16,24 1 0,0-1-16,0 1 15,0 0-15,24 24 16,-24-25-16,24 25 15,1 0-15,-1 0 16,1 25-16</inkml:trace>
+  <inkml:trace contextRef="#ctx0" brushRef="#br0" timeOffset="2899">2743 177 0,'-24'0'0,"0"-24"15,-1 24-15,25-25 16,25 25-1,-1 0 1,0 0-16,1 0 16,24 0-16</inkml:trace>
+  <inkml:trace contextRef="#ctx0" brushRef="#br0" timeOffset="3062">2695 299 0,'-25'25'0,"1"-25"15,24 24-15,0 0 16,24-24 0,1 0-16,23 0 0,1 0 15,0 0-15,0 0 16,0 0-16,0 0 0</inkml:trace>
+</inkml:ink>
+</file>
+
+<file path=ppt/ink/ink8.xml><?xml version="1.0" encoding="utf-8"?>
+<inkml:ink xmlns:inkml="http://www.w3.org/2003/InkML">
+  <inkml:definitions>
+    <inkml:context xml:id="ctx0">
+      <inkml:inkSource xml:id="inkSrc0">
+        <inkml:traceFormat>
+          <inkml:channel name="X" type="integer" max="1920" units="cm"/>
+          <inkml:channel name="Y" type="integer" max="1080" units="cm"/>
+          <inkml:channel name="T" type="integer" max="2.14748E9" units="dev"/>
+        </inkml:traceFormat>
+        <inkml:channelProperties>
+          <inkml:channelProperty channel="X" name="resolution" value="55.81395" units="1/cm"/>
+          <inkml:channelProperty channel="Y" name="resolution" value="55.6701" units="1/cm"/>
+          <inkml:channelProperty channel="T" name="resolution" value="1" units="1/dev"/>
+        </inkml:channelProperties>
+      </inkml:inkSource>
+      <inkml:timestamp xml:id="ts0" timeString="2020-10-18T02:45:48.678"/>
+    </inkml:context>
+    <inkml:brush xml:id="br0">
+      <inkml:brushProperty name="width" value="0.05" units="cm"/>
+      <inkml:brushProperty name="height" value="0.05" units="cm"/>
+      <inkml:brushProperty name="fitToCurve" value="1"/>
+    </inkml:brush>
+  </inkml:definitions>
+  <inkml:trace contextRef="#ctx0" brushRef="#br0">469 187 0,'0'-25'0,"0"1"15,0 0 1,0-1-16,24 25 16,-24-24-16,0-1 15,0 1 1,-24 24-16,0 0 0,-1 0 15,1 0-15,-1 0 16,-24 0-16,1 24 0,23-24 16,-24 49-16,1-24 15,-1 23-15,24 1 0,1 0 16,-1 0-16,1 0 0,24 24 16,0-24-16,0-25 15,24 25-15,1 0 0,-1-25 16,1 1-16,-1-25 0,1 24 15,23-24-15,1 0 16,-24 0-16</inkml:trace>
+  <inkml:trace contextRef="#ctx0" brushRef="#br0" timeOffset="389">738 407 0,'-25'-25'16,"1"25"-1,-1-24-15,1 24 16,-25 0-16,25 24 16,-1-24-1,1 25-15,24-1 0,0 1 16,0-1-16,0 0 16,0 1-16,0-1 0,24 1 15,-24-1-15,25 0 0,-1 1 16,1-25-16,-1 0 15,0 0-15,25 0 0,-24 0 16,-1 0-16,1-25 0,-1 1 16,-24 0-1,0-1-15,0 1 16,-24-1-16,-1 1 16,-24 0-16,25-1 0,-1 1 15,1 24-15,24-25 16,-24 25-16,24 25 15,0-1 1,24-24 0,0 0-16</inkml:trace>
+  <inkml:trace contextRef="#ctx0" brushRef="#br0" timeOffset="815">933 407 0,'0'-25'32,"24"25"-1,-24 25-31,25-1 16,-1 1-16,-24-1 15,25 0-15,-25 1 16,0 24-16,0-25 0,0 1 15,0-1 1,-25-24 0,25-24-1,0-1-15,0 1 16,0-1-16,25 1 0,-25-1 16,24-23-16,1 23 15,-25 1-15,24-1 0,0 1 16,1-1-16,24 25 0,-25 0 15,1 0-15,-1 0 16,0 25-16,-24-1 0,25 1 16,-25 24-16,24-25 15,-24 0-15,0 25 0,0-24 16,0-1-16,-24 1 0,24-1 16</inkml:trace>
+  <inkml:trace contextRef="#ctx0" brushRef="#br0" timeOffset="1056">1446 114 0,'0'-25'16,"0"1"-16,0 48 31,0 1-31,0-1 15,0 0-15,0 25 0,0 0 16,24-24-16,-24 23 16,25 1-16,-25 0 0,24-24 15,-24 23-15,0-23 0,25-1 16,-25 1-16,0-1 16</inkml:trace>
+  <inkml:trace contextRef="#ctx0" brushRef="#br0" timeOffset="1613">1422 358 0,'0'-25'0,"24"1"16,0 24 0,1 0-16,-1 0 15,1 0-15,23 0 16,-23 0-16,24 24 0,-25-24 15,25 0-15,0 0 16,-25 0-16,25 0 0,-24 0 16,-1 0-16,0-24 0,-24 0 15,0-1 1,-24 25 0,0-24-16,-1 24 15,1 0-15,-1 0 0,1 0 16,-1 0-16,1 0 0,0 24 15,-1 1 1,1-1-16,24 25 0,0-25 16,-25 25-16,25-24 0,0-1 15,0 0-15,25 1 16,-25-1-16,24 1 0,1-25 16,-1 0-16,0 0 15,1 0-15,-1 0 0,1 0 16,-25-25-16,24 1 0,1-1 15,-25 1-15,24 0 16,-24-1-16,0 1 0,0-1 16,24 1-16,-24-1 15,0 50 1,0-1 0,0 1-1,0-1-15,0 1 0,0-1 16,25 0-16,-25 1 15,24-1-15</inkml:trace>
+  <inkml:trace contextRef="#ctx0" brushRef="#br0" timeOffset="1904">2276 407 0,'0'-25'16,"0"1"-1,0-1-15,0 1 0,-24 24 16,24-24-16,-25-1 16,25 1-16,-24 24 15,0 0-15,24 24 16,-25 1-16,25-1 16,-24 0-16,24 1 0,0-1 15,0 25-15,0-24 16,0-1-16,0 0 0,24 1 15,-24-1-15,25 1 0,-1-1 16,0-24 0,1 0-16,-1 0 0,25-24 15</inkml:trace>
+  <inkml:trace contextRef="#ctx0" brushRef="#br0" timeOffset="2113">2447 161 0,'0'-48'15,"-24"23"-15,24-24 0,-25 25 16,25 0 0,0 48-1,0 0-15,0 25 16,0-24-16,25 23 0,-25 1 16,0 0-16,24 0 15,-24 0-15,0 0 0,25-25 16,-25 25-16,0-25 0,0 1 15,24-25-15</inkml:trace>
+  <inkml:trace contextRef="#ctx0" brushRef="#br0" timeOffset="2279">2447 333 0,'0'-24'16,"25"24"-1,-1 0 1,1 0-16,-1-24 0,0 24 16,1 0-16,24 0 15,-25 0-15</inkml:trace>
+</inkml:ink>
+</file>
+
+<file path=ppt/ink/ink9.xml><?xml version="1.0" encoding="utf-8"?>
+<inkml:ink xmlns:inkml="http://www.w3.org/2003/InkML">
+  <inkml:definitions>
+    <inkml:context xml:id="ctx0">
+      <inkml:inkSource xml:id="inkSrc0">
+        <inkml:traceFormat>
+          <inkml:channel name="X" type="integer" max="1920" units="cm"/>
+          <inkml:channel name="Y" type="integer" max="1080" units="cm"/>
+          <inkml:channel name="T" type="integer" max="2.14748E9" units="dev"/>
+        </inkml:traceFormat>
+        <inkml:channelProperties>
+          <inkml:channelProperty channel="X" name="resolution" value="55.81395" units="1/cm"/>
+          <inkml:channelProperty channel="Y" name="resolution" value="55.6701" units="1/cm"/>
+          <inkml:channelProperty channel="T" name="resolution" value="1" units="1/dev"/>
+        </inkml:channelProperties>
+      </inkml:inkSource>
+      <inkml:timestamp xml:id="ts0" timeString="2020-10-18T02:45:55.623"/>
+    </inkml:context>
+    <inkml:brush xml:id="br0">
+      <inkml:brushProperty name="width" value="0.05" units="cm"/>
+      <inkml:brushProperty name="height" value="0.05" units="cm"/>
+      <inkml:brushProperty name="fitToCurve" value="1"/>
+    </inkml:brush>
+  </inkml:definitions>
+  <inkml:trace contextRef="#ctx0" brushRef="#br0">295 397 0,'-25'0'0,"1"-24"16,0 24-16,-1-25 16,1 25-1,-1 0-15,1 0 16,-1 25-16,1-1 16,24 1-16,-24-1 15,-1 0-15,1 1 0,24 24 16,0-25-16,0 1 15,0 23-15,24-23 0,1-1 16,-1 1-16,25-25 0,-25 24 16,25-24-16,0 0 15,24 0-15,-24 0 0,-24-24 16,23-1-16,-23 25 16,-1-24-16,-24-1 0,0 1 15,0 0-15,-24 24 0,-1-49 16,-23 24-16,-1 1 15,0-1-15,0 1 0,0 0 16,25-1-16,-25-24 16,24 25-16,1-1 0,0-23 15,24 23-15,0 1 0,0-1 16,24 1-16,0 0 16,1 24-16,-1-25 0,25 25 15,-24-24-15,23 24 16,-23 0-16,-1 0 0,25 24 15,-24 1-15,-25-1 0,24 0 16,-24 1-16,0-1 16,-24 25-16,24-25 0,-25 1 15,1 24-15,-1-25 16,1 1-16,24-1 0,-25 0 16,25 1-16</inkml:trace>
+  <inkml:trace contextRef="#ctx0" brushRef="#br0" timeOffset="1186">832 348 0,'0'-24'31,"-24"24"-31,-1 0 31,25 24-31,0 1 16,0-1-16,0 1 15,0-1-15,0 0 0,0 1 16,0-1-16,25 1 0,-25-1 16,24 1-16,1-25 15,-1 0-15,0 0 0,1 0 16,-1 0-16,25 0 0,-24 0 15,-1-25-15,0 1 16,-24-1-16,0 1 16,-24 24-16,24-25 15,-24 1-15,-25 0 0,24-1 16,1 1-16,-1 24 0,1-25 16,0 1-16,-1 24 15,25-24-15,25 24 31,-1 0-31,0 0 16,1 0-16,-1 0 0,1 0 16,24 0-16,-25 0 15,0 0-15,1 0 0,24 0 16,-25 0-16,0 0 16,1 0-16,-1 24 0,1-24 15,-1 24-15,1-24 0,-25 25 16,24-25-16,-24 24 15,0 1-15,0-1 0,-24-24 16,24 24-16,0 1 16,-25-1-16,25 1 15,25-1-15,-1-24 16,0 0 0,1 0-16,-1 0 0,1 0 15,-1 0-15,25 0 16,-25-24-16,1 24 15,-25-25-15,24 25 16,-24-24-16,0-1 16,-24 25-16,-1-24 0,25 0 15,-24-1-15,0 1 16,-1-1-16,1 1 0,-1 24 16,1-24-16,-1 24 15,1 0-15,48 0 47,1 0-47,-1 0 0,25 0 16,-24 0-16,-1 0 0,25 24 15,-25-24-15,1 0 16,-1 0-16,1 0 0,-1 0 16,0 0-16,1 0 0,-1 0 15,-24 24-15,25-24 16,-1 0-16,-24 25 15,0-1 1,-24-24-16,24 25 16,-25-1-16,25 0 15,0 1 1,0-1-16,25-24 16,-1 25-16,1-25 15,-1 0-15,0 0 16,25 0-16,-24-25 0,-1 25 15,0 0-15,1-24 16,-1 24-16,1-25 16,-25 1-16,0 0 15,-25-1-15,1 1 16,-1-25-16,1 25 0,0-1 16,-1 25-16,1-24 15,-25 24-15,25 0 0,-1 0 16,1 0-16,-1 24 15,1 1-15,24-1 0,0 0 16,0 1-16</inkml:trace>
+  <inkml:trace contextRef="#ctx0" brushRef="#br0" timeOffset="1461">2249 226 0,'-25'-24'0,"25"-1"0,0 1 15,0 0-15,0-1 16,25 50 0,-1-1-16,1 0 15,-1 1-15,0 24 16,1-25-16,24 49 15,-25-48-15,0 24 0,1-25 16,-1-24-16,-24 24 16,25 1-16</inkml:trace>
+  <inkml:trace contextRef="#ctx0" brushRef="#br0" timeOffset="1655">2542 153 0,'0'-49'16,"0"25"-16,-25 24 0,25-25 16,-24 25-16,24 25 15,-25-1-15,1 1 16,24 23-16,-24 1 0,24 0 16,-25-25-16,25 25 15,-24 0-15,24 0 0,0-25 16,-25 1-16,25-1 0</inkml:trace>
+  <inkml:trace contextRef="#ctx0" brushRef="#br0" timeOffset="1941">2908 153 0,'-24'-24'16,"24"-1"-1,0 50 17,0-1-32,0 0 15,0 25-15,0 0 0,0 0 16,0-25-16,24 25 15,-24 0-15,0-25 0,0 25 16,25-24-16,-25-1 0</inkml:trace>
+  <inkml:trace contextRef="#ctx0" brushRef="#br0" timeOffset="2337">3055 226 0,'-25'-24'16,"25"-1"-16,0 1 16,0 0-16,25-1 15,-1 25-15,1-24 0,-1 24 16,25 0-16,-25 0 16,25 0-16,-25 24 0,25 1 15,-49-1-15,25 0 0,-25 25 16,0 0-16,-25-24 15,1 23-15,-1 1 0,1-24 16,-25 23-16,25-23 16,-1-1-16,1-24 15,24 25-15,24-50 32,1 25-32,-1-24 15,25 24-15,-25 0 16,1 0-16,24 0 0,-25 0 15,1 0-15,-1 24 16,0-24-16,1 25 0,-1-25 16,1 0-16,-25 24 0,24-24 15</inkml:trace>
+  <inkml:trace contextRef="#ctx0" brushRef="#br0" timeOffset="2668">3811 373 0,'-25'0'0,"25"-25"16,-24 1-16,24-1 16,24 25-1,-24 25 1,25-25-16,-25 24 15,24-24 1,-48 25 0,-1-25-1,1 0-15,0 0 16,24-25-16,24 25 47,0 0-32</inkml:trace>
+  <inkml:trace contextRef="#ctx0" brushRef="#br0" timeOffset="3148">4032 80 0,'0'-25'0,"-25"1"15,25 48 17,0 1-17,0-1-15,25 1 16,-25-1-16,0 25 0,0-25 15,24 1-15,0 23 0,-24-23 16,25-1-16,-1 1 16,1-1-16,-1-24 0,1 25 15,-1-25-15,0-25 16,1 25-16,-1-24 0,-24-1 16,25 1-16,-25-1 0,0-23 15,0 23-15,0-24 16,0 25-16,0 0 0,0-1 15,0 50 17,0-1-32,0 25 0,0 0 15,24-1-15,-24 1 16,24 0-16,-24-24 0,25 23 16,-1-23-16,-24 24 15,25-25-15,-25 1 0</inkml:trace>
+  <inkml:trace contextRef="#ctx0" brushRef="#br0" timeOffset="3486">4593 55 0,'0'-24'16,"25"24"15,-1 24-15,-24 1-16,0-1 15,25 1-15,-25-1 0,0 0 16,-25 1-16,1-1 16,-1-24-1,1-24 1,24-1-1,-25 25-15,25-24 0,0 0 16,0-1-16,0 1 16,25-1-16,-1 25 31,-24 25-15</inkml:trace>
+  <inkml:trace contextRef="#ctx0" brushRef="#br0" timeOffset="3744">5009 31 0,'-25'-25'0,"1"25"15,-1 0 1,1 0-16,-1 25 15,25-1-15,-24 1 16,24-1-16,0 25 0,-24-25 16,24 25-16,0 0 0,0 0 15,0-25-15,0 25 16,0-24-16,0 23 0,0-23 16,-25-25-16</inkml:trace>
+  <inkml:trace contextRef="#ctx0" brushRef="#br0" timeOffset="4084">5253 300 0,'0'-25'0,"24"25"16,-24 25 30,0-1-30,0 0-16,-24-24 16,-1 25-16,1-25 15,-1 0-15,1 0 16,0 0-16,24-25 16,-25 25-16,25-24 15,0 0-15,0-1 16,25 25-16,-1 0 0,-24-24 15,24 24-15,1 0 16,-1 0-16,1 24 16,-1 1-1</inkml:trace>
+  <inkml:trace contextRef="#ctx0" brushRef="#br0" timeOffset="4324">5766 104 0,'-25'0'0,"25"-24"15,0-1-15,25 25 16,-1 0-1,0 0-15,1 0 16,-25 25-16,24-25 16,1 24-16</inkml:trace>
+  <inkml:trace contextRef="#ctx0" brushRef="#br0" timeOffset="4468">5644 324 0,'0'24'0,"24"1"32,25-25-32,0 0 0,-1 0 15,1 0-15,25 0 16</inkml:trace>
 </inkml:ink>
 </file>
 
@@ -922,7 +2161,7 @@
                 <a:tabLst/>
                 <a:defRPr/>
               </a:pPr>
-              <a:t>14</a:t>
+              <a:t>17</a:t>
             </a:fld>
             <a:endParaRPr kumimoji="0" lang="en-US" sz="1200" b="0" i="0" u="none" strike="noStrike" kern="1200" cap="none" spc="0" normalizeH="0" baseline="0" noProof="0">
               <a:ln>
@@ -3115,6 +4354,552 @@
 </file>
 
 <file path=ppt/slideLayouts/slideLayout20.xml><?xml version="1.0" encoding="utf-8"?>
+<p:sldLayout xmlns:a="http://schemas.openxmlformats.org/drawingml/2006/main" xmlns:r="http://schemas.openxmlformats.org/officeDocument/2006/relationships" xmlns:p="http://schemas.openxmlformats.org/presentationml/2006/main" userDrawn="1">
+  <p:cSld name="5_Title Only">
+    <p:spTree>
+      <p:nvGrpSpPr>
+        <p:cNvPr id="1" name=""/>
+        <p:cNvGrpSpPr/>
+        <p:nvPr/>
+      </p:nvGrpSpPr>
+      <p:grpSpPr>
+        <a:xfrm>
+          <a:off x="0" y="0"/>
+          <a:ext cx="0" cy="0"/>
+          <a:chOff x="0" y="0"/>
+          <a:chExt cx="0" cy="0"/>
+        </a:xfrm>
+      </p:grpSpPr>
+      <p:sp>
+        <p:nvSpPr>
+          <p:cNvPr id="2" name="Title 1"/>
+          <p:cNvSpPr>
+            <a:spLocks noGrp="1"/>
+          </p:cNvSpPr>
+          <p:nvPr>
+            <p:ph type="title"/>
+          </p:nvPr>
+        </p:nvSpPr>
+        <p:spPr/>
+        <p:txBody>
+          <a:bodyPr>
+            <a:noAutofit/>
+          </a:bodyPr>
+          <a:lstStyle>
+            <a:lvl1pPr>
+              <a:defRPr sz="3600"/>
+            </a:lvl1pPr>
+          </a:lstStyle>
+          <a:p>
+            <a:r>
+              <a:rPr lang="en-US"/>
+              <a:t>Click to edit Master title style</a:t>
+            </a:r>
+          </a:p>
+        </p:txBody>
+      </p:sp>
+      <p:sp>
+        <p:nvSpPr>
+          <p:cNvPr id="3" name="Date Placeholder 2"/>
+          <p:cNvSpPr>
+            <a:spLocks noGrp="1"/>
+          </p:cNvSpPr>
+          <p:nvPr>
+            <p:ph type="dt" sz="half" idx="10"/>
+          </p:nvPr>
+        </p:nvSpPr>
+        <p:spPr/>
+        <p:txBody>
+          <a:bodyPr/>
+          <a:lstStyle/>
+          <a:p>
+            <a:fld id="{425404F2-BE9A-4460-8815-8F645183555F}" type="datetimeFigureOut">
+              <a:rPr lang="en-US" smtClean="0"/>
+              <a:pPr/>
+              <a:t>12/16/2020</a:t>
+            </a:fld>
+            <a:endParaRPr lang="en-US"/>
+          </a:p>
+        </p:txBody>
+      </p:sp>
+      <p:sp>
+        <p:nvSpPr>
+          <p:cNvPr id="4" name="Footer Placeholder 3"/>
+          <p:cNvSpPr>
+            <a:spLocks noGrp="1"/>
+          </p:cNvSpPr>
+          <p:nvPr>
+            <p:ph type="ftr" sz="quarter" idx="11"/>
+          </p:nvPr>
+        </p:nvSpPr>
+        <p:spPr/>
+        <p:txBody>
+          <a:bodyPr/>
+          <a:lstStyle/>
+          <a:p>
+            <a:endParaRPr lang="en-US"/>
+          </a:p>
+        </p:txBody>
+      </p:sp>
+      <p:sp>
+        <p:nvSpPr>
+          <p:cNvPr id="5" name="Slide Number Placeholder 4"/>
+          <p:cNvSpPr>
+            <a:spLocks noGrp="1"/>
+          </p:cNvSpPr>
+          <p:nvPr>
+            <p:ph type="sldNum" sz="quarter" idx="12"/>
+          </p:nvPr>
+        </p:nvSpPr>
+        <p:spPr/>
+        <p:txBody>
+          <a:bodyPr/>
+          <a:lstStyle/>
+          <a:p>
+            <a:fld id="{96E69268-9C8B-4EBF-A9EE-DC5DC2D48DC3}" type="slidenum">
+              <a:rPr lang="en-US" smtClean="0"/>
+              <a:pPr/>
+              <a:t>‹#›</a:t>
+            </a:fld>
+            <a:endParaRPr lang="en-US"/>
+          </a:p>
+        </p:txBody>
+      </p:sp>
+      <p:sp>
+        <p:nvSpPr>
+          <p:cNvPr id="9" name="Content Placeholder 6"/>
+          <p:cNvSpPr>
+            <a:spLocks noGrp="1"/>
+          </p:cNvSpPr>
+          <p:nvPr>
+            <p:ph sz="quarter" idx="13"/>
+          </p:nvPr>
+        </p:nvSpPr>
+        <p:spPr>
+          <a:xfrm>
+            <a:off x="608170" y="932702"/>
+            <a:ext cx="10975658" cy="484187"/>
+          </a:xfrm>
+        </p:spPr>
+        <p:txBody>
+          <a:bodyPr>
+            <a:noAutofit/>
+          </a:bodyPr>
+          <a:lstStyle>
+            <a:lvl1pPr marL="0" indent="0">
+              <a:buFontTx/>
+              <a:buNone/>
+              <a:defRPr sz="2200"/>
+            </a:lvl1pPr>
+            <a:lvl2pPr marL="609494" indent="0">
+              <a:buFontTx/>
+              <a:buNone/>
+              <a:defRPr sz="2000"/>
+            </a:lvl2pPr>
+            <a:lvl3pPr marL="1218986" indent="0">
+              <a:buFontTx/>
+              <a:buNone/>
+              <a:defRPr sz="1600"/>
+            </a:lvl3pPr>
+            <a:lvl4pPr marL="1828480" indent="0">
+              <a:buFontTx/>
+              <a:buNone/>
+              <a:defRPr sz="1400"/>
+            </a:lvl4pPr>
+            <a:lvl5pPr marL="2437973" indent="0">
+              <a:buFontTx/>
+              <a:buNone/>
+              <a:defRPr sz="1400"/>
+            </a:lvl5pPr>
+          </a:lstStyle>
+          <a:p>
+            <a:pPr lvl="0"/>
+            <a:r>
+              <a:rPr lang="en-US" dirty="0"/>
+              <a:t>Click to edit Master text styles</a:t>
+            </a:r>
+            <a:endParaRPr lang="en-IN" dirty="0"/>
+          </a:p>
+        </p:txBody>
+      </p:sp>
+    </p:spTree>
+    <p:extLst>
+      <p:ext uri="{BB962C8B-B14F-4D97-AF65-F5344CB8AC3E}">
+        <p14:creationId xmlns:p14="http://schemas.microsoft.com/office/powerpoint/2010/main" val="2058982384"/>
+      </p:ext>
+    </p:extLst>
+  </p:cSld>
+  <p:clrMapOvr>
+    <a:masterClrMapping/>
+  </p:clrMapOvr>
+</p:sldLayout>
+</file>
+
+<file path=ppt/slideLayouts/slideLayout21.xml><?xml version="1.0" encoding="utf-8"?>
+<p:sldLayout xmlns:a="http://schemas.openxmlformats.org/drawingml/2006/main" xmlns:r="http://schemas.openxmlformats.org/officeDocument/2006/relationships" xmlns:p="http://schemas.openxmlformats.org/presentationml/2006/main" userDrawn="1">
+  <p:cSld name="6_Title Only">
+    <p:spTree>
+      <p:nvGrpSpPr>
+        <p:cNvPr id="1" name=""/>
+        <p:cNvGrpSpPr/>
+        <p:nvPr/>
+      </p:nvGrpSpPr>
+      <p:grpSpPr>
+        <a:xfrm>
+          <a:off x="0" y="0"/>
+          <a:ext cx="0" cy="0"/>
+          <a:chOff x="0" y="0"/>
+          <a:chExt cx="0" cy="0"/>
+        </a:xfrm>
+      </p:grpSpPr>
+      <p:sp>
+        <p:nvSpPr>
+          <p:cNvPr id="2" name="Title 1"/>
+          <p:cNvSpPr>
+            <a:spLocks noGrp="1"/>
+          </p:cNvSpPr>
+          <p:nvPr>
+            <p:ph type="title"/>
+          </p:nvPr>
+        </p:nvSpPr>
+        <p:spPr/>
+        <p:txBody>
+          <a:bodyPr>
+            <a:noAutofit/>
+          </a:bodyPr>
+          <a:lstStyle>
+            <a:lvl1pPr>
+              <a:defRPr sz="3600"/>
+            </a:lvl1pPr>
+          </a:lstStyle>
+          <a:p>
+            <a:r>
+              <a:rPr lang="en-US"/>
+              <a:t>Click to edit Master title style</a:t>
+            </a:r>
+          </a:p>
+        </p:txBody>
+      </p:sp>
+      <p:sp>
+        <p:nvSpPr>
+          <p:cNvPr id="3" name="Date Placeholder 2"/>
+          <p:cNvSpPr>
+            <a:spLocks noGrp="1"/>
+          </p:cNvSpPr>
+          <p:nvPr>
+            <p:ph type="dt" sz="half" idx="10"/>
+          </p:nvPr>
+        </p:nvSpPr>
+        <p:spPr/>
+        <p:txBody>
+          <a:bodyPr/>
+          <a:lstStyle/>
+          <a:p>
+            <a:fld id="{425404F2-BE9A-4460-8815-8F645183555F}" type="datetimeFigureOut">
+              <a:rPr lang="en-US" smtClean="0"/>
+              <a:pPr/>
+              <a:t>12/16/2020</a:t>
+            </a:fld>
+            <a:endParaRPr lang="en-US"/>
+          </a:p>
+        </p:txBody>
+      </p:sp>
+      <p:sp>
+        <p:nvSpPr>
+          <p:cNvPr id="4" name="Footer Placeholder 3"/>
+          <p:cNvSpPr>
+            <a:spLocks noGrp="1"/>
+          </p:cNvSpPr>
+          <p:nvPr>
+            <p:ph type="ftr" sz="quarter" idx="11"/>
+          </p:nvPr>
+        </p:nvSpPr>
+        <p:spPr/>
+        <p:txBody>
+          <a:bodyPr/>
+          <a:lstStyle/>
+          <a:p>
+            <a:endParaRPr lang="en-US"/>
+          </a:p>
+        </p:txBody>
+      </p:sp>
+      <p:sp>
+        <p:nvSpPr>
+          <p:cNvPr id="5" name="Slide Number Placeholder 4"/>
+          <p:cNvSpPr>
+            <a:spLocks noGrp="1"/>
+          </p:cNvSpPr>
+          <p:nvPr>
+            <p:ph type="sldNum" sz="quarter" idx="12"/>
+          </p:nvPr>
+        </p:nvSpPr>
+        <p:spPr/>
+        <p:txBody>
+          <a:bodyPr/>
+          <a:lstStyle/>
+          <a:p>
+            <a:fld id="{96E69268-9C8B-4EBF-A9EE-DC5DC2D48DC3}" type="slidenum">
+              <a:rPr lang="en-US" smtClean="0"/>
+              <a:pPr/>
+              <a:t>‹#›</a:t>
+            </a:fld>
+            <a:endParaRPr lang="en-US"/>
+          </a:p>
+        </p:txBody>
+      </p:sp>
+      <p:sp>
+        <p:nvSpPr>
+          <p:cNvPr id="9" name="Content Placeholder 6"/>
+          <p:cNvSpPr>
+            <a:spLocks noGrp="1"/>
+          </p:cNvSpPr>
+          <p:nvPr>
+            <p:ph sz="quarter" idx="13"/>
+          </p:nvPr>
+        </p:nvSpPr>
+        <p:spPr>
+          <a:xfrm>
+            <a:off x="608170" y="932702"/>
+            <a:ext cx="10975658" cy="484187"/>
+          </a:xfrm>
+        </p:spPr>
+        <p:txBody>
+          <a:bodyPr>
+            <a:noAutofit/>
+          </a:bodyPr>
+          <a:lstStyle>
+            <a:lvl1pPr marL="0" indent="0">
+              <a:buFontTx/>
+              <a:buNone/>
+              <a:defRPr sz="2200"/>
+            </a:lvl1pPr>
+            <a:lvl2pPr marL="609494" indent="0">
+              <a:buFontTx/>
+              <a:buNone/>
+              <a:defRPr sz="2000"/>
+            </a:lvl2pPr>
+            <a:lvl3pPr marL="1218986" indent="0">
+              <a:buFontTx/>
+              <a:buNone/>
+              <a:defRPr sz="1600"/>
+            </a:lvl3pPr>
+            <a:lvl4pPr marL="1828480" indent="0">
+              <a:buFontTx/>
+              <a:buNone/>
+              <a:defRPr sz="1400"/>
+            </a:lvl4pPr>
+            <a:lvl5pPr marL="2437973" indent="0">
+              <a:buFontTx/>
+              <a:buNone/>
+              <a:defRPr sz="1400"/>
+            </a:lvl5pPr>
+          </a:lstStyle>
+          <a:p>
+            <a:pPr lvl="0"/>
+            <a:r>
+              <a:rPr lang="en-US" dirty="0"/>
+              <a:t>Click to edit Master text styles</a:t>
+            </a:r>
+            <a:endParaRPr lang="en-IN" dirty="0"/>
+          </a:p>
+        </p:txBody>
+      </p:sp>
+    </p:spTree>
+    <p:extLst>
+      <p:ext uri="{BB962C8B-B14F-4D97-AF65-F5344CB8AC3E}">
+        <p14:creationId xmlns:p14="http://schemas.microsoft.com/office/powerpoint/2010/main" val="3187167800"/>
+      </p:ext>
+    </p:extLst>
+  </p:cSld>
+  <p:clrMapOvr>
+    <a:masterClrMapping/>
+  </p:clrMapOvr>
+</p:sldLayout>
+</file>
+
+<file path=ppt/slideLayouts/slideLayout22.xml><?xml version="1.0" encoding="utf-8"?>
+<p:sldLayout xmlns:a="http://schemas.openxmlformats.org/drawingml/2006/main" xmlns:r="http://schemas.openxmlformats.org/officeDocument/2006/relationships" xmlns:p="http://schemas.openxmlformats.org/presentationml/2006/main" userDrawn="1">
+  <p:cSld name="7_Title Only">
+    <p:spTree>
+      <p:nvGrpSpPr>
+        <p:cNvPr id="1" name=""/>
+        <p:cNvGrpSpPr/>
+        <p:nvPr/>
+      </p:nvGrpSpPr>
+      <p:grpSpPr>
+        <a:xfrm>
+          <a:off x="0" y="0"/>
+          <a:ext cx="0" cy="0"/>
+          <a:chOff x="0" y="0"/>
+          <a:chExt cx="0" cy="0"/>
+        </a:xfrm>
+      </p:grpSpPr>
+      <p:sp>
+        <p:nvSpPr>
+          <p:cNvPr id="2" name="Title 1"/>
+          <p:cNvSpPr>
+            <a:spLocks noGrp="1"/>
+          </p:cNvSpPr>
+          <p:nvPr>
+            <p:ph type="title"/>
+          </p:nvPr>
+        </p:nvSpPr>
+        <p:spPr/>
+        <p:txBody>
+          <a:bodyPr>
+            <a:noAutofit/>
+          </a:bodyPr>
+          <a:lstStyle>
+            <a:lvl1pPr>
+              <a:defRPr sz="3600"/>
+            </a:lvl1pPr>
+          </a:lstStyle>
+          <a:p>
+            <a:r>
+              <a:rPr lang="en-US"/>
+              <a:t>Click to edit Master title style</a:t>
+            </a:r>
+          </a:p>
+        </p:txBody>
+      </p:sp>
+      <p:sp>
+        <p:nvSpPr>
+          <p:cNvPr id="3" name="Date Placeholder 2"/>
+          <p:cNvSpPr>
+            <a:spLocks noGrp="1"/>
+          </p:cNvSpPr>
+          <p:nvPr>
+            <p:ph type="dt" sz="half" idx="10"/>
+          </p:nvPr>
+        </p:nvSpPr>
+        <p:spPr/>
+        <p:txBody>
+          <a:bodyPr/>
+          <a:lstStyle/>
+          <a:p>
+            <a:fld id="{425404F2-BE9A-4460-8815-8F645183555F}" type="datetimeFigureOut">
+              <a:rPr lang="en-US" smtClean="0"/>
+              <a:pPr/>
+              <a:t>12/16/2020</a:t>
+            </a:fld>
+            <a:endParaRPr lang="en-US"/>
+          </a:p>
+        </p:txBody>
+      </p:sp>
+      <p:sp>
+        <p:nvSpPr>
+          <p:cNvPr id="4" name="Footer Placeholder 3"/>
+          <p:cNvSpPr>
+            <a:spLocks noGrp="1"/>
+          </p:cNvSpPr>
+          <p:nvPr>
+            <p:ph type="ftr" sz="quarter" idx="11"/>
+          </p:nvPr>
+        </p:nvSpPr>
+        <p:spPr/>
+        <p:txBody>
+          <a:bodyPr/>
+          <a:lstStyle/>
+          <a:p>
+            <a:endParaRPr lang="en-US"/>
+          </a:p>
+        </p:txBody>
+      </p:sp>
+      <p:sp>
+        <p:nvSpPr>
+          <p:cNvPr id="5" name="Slide Number Placeholder 4"/>
+          <p:cNvSpPr>
+            <a:spLocks noGrp="1"/>
+          </p:cNvSpPr>
+          <p:nvPr>
+            <p:ph type="sldNum" sz="quarter" idx="12"/>
+          </p:nvPr>
+        </p:nvSpPr>
+        <p:spPr/>
+        <p:txBody>
+          <a:bodyPr/>
+          <a:lstStyle/>
+          <a:p>
+            <a:fld id="{96E69268-9C8B-4EBF-A9EE-DC5DC2D48DC3}" type="slidenum">
+              <a:rPr lang="en-US" smtClean="0"/>
+              <a:pPr/>
+              <a:t>‹#›</a:t>
+            </a:fld>
+            <a:endParaRPr lang="en-US"/>
+          </a:p>
+        </p:txBody>
+      </p:sp>
+      <p:sp>
+        <p:nvSpPr>
+          <p:cNvPr id="9" name="Content Placeholder 6"/>
+          <p:cNvSpPr>
+            <a:spLocks noGrp="1"/>
+          </p:cNvSpPr>
+          <p:nvPr>
+            <p:ph sz="quarter" idx="13"/>
+          </p:nvPr>
+        </p:nvSpPr>
+        <p:spPr>
+          <a:xfrm>
+            <a:off x="608170" y="932702"/>
+            <a:ext cx="10975658" cy="484187"/>
+          </a:xfrm>
+        </p:spPr>
+        <p:txBody>
+          <a:bodyPr>
+            <a:noAutofit/>
+          </a:bodyPr>
+          <a:lstStyle>
+            <a:lvl1pPr marL="0" indent="0">
+              <a:buFontTx/>
+              <a:buNone/>
+              <a:defRPr sz="2200"/>
+            </a:lvl1pPr>
+            <a:lvl2pPr marL="609494" indent="0">
+              <a:buFontTx/>
+              <a:buNone/>
+              <a:defRPr sz="2000"/>
+            </a:lvl2pPr>
+            <a:lvl3pPr marL="1218986" indent="0">
+              <a:buFontTx/>
+              <a:buNone/>
+              <a:defRPr sz="1600"/>
+            </a:lvl3pPr>
+            <a:lvl4pPr marL="1828480" indent="0">
+              <a:buFontTx/>
+              <a:buNone/>
+              <a:defRPr sz="1400"/>
+            </a:lvl4pPr>
+            <a:lvl5pPr marL="2437973" indent="0">
+              <a:buFontTx/>
+              <a:buNone/>
+              <a:defRPr sz="1400"/>
+            </a:lvl5pPr>
+          </a:lstStyle>
+          <a:p>
+            <a:pPr lvl="0"/>
+            <a:r>
+              <a:rPr lang="en-US" dirty="0"/>
+              <a:t>Click to edit Master text styles</a:t>
+            </a:r>
+            <a:endParaRPr lang="en-IN" dirty="0"/>
+          </a:p>
+        </p:txBody>
+      </p:sp>
+    </p:spTree>
+    <p:extLst>
+      <p:ext uri="{BB962C8B-B14F-4D97-AF65-F5344CB8AC3E}">
+        <p14:creationId xmlns:p14="http://schemas.microsoft.com/office/powerpoint/2010/main" val="4094137340"/>
+      </p:ext>
+    </p:extLst>
+  </p:cSld>
+  <p:clrMapOvr>
+    <a:masterClrMapping/>
+  </p:clrMapOvr>
+</p:sldLayout>
+</file>
+
+<file path=ppt/slideLayouts/slideLayout23.xml><?xml version="1.0" encoding="utf-8"?>
 <p:sldLayout xmlns:a="http://schemas.openxmlformats.org/drawingml/2006/main" xmlns:r="http://schemas.openxmlformats.org/officeDocument/2006/relationships" xmlns:p="http://schemas.openxmlformats.org/presentationml/2006/main" type="title" preserve="1">
   <p:cSld name="1_Title Slide">
     <p:spTree>
@@ -3442,7 +5227,7 @@
 </p:sldLayout>
 </file>
 
-<file path=ppt/slideLayouts/slideLayout21.xml><?xml version="1.0" encoding="utf-8"?>
+<file path=ppt/slideLayouts/slideLayout24.xml><?xml version="1.0" encoding="utf-8"?>
 <p:sldLayout xmlns:a="http://schemas.openxmlformats.org/drawingml/2006/main" xmlns:r="http://schemas.openxmlformats.org/officeDocument/2006/relationships" xmlns:p="http://schemas.openxmlformats.org/presentationml/2006/main" type="title" preserve="1">
   <p:cSld name="Title Slide">
     <p:spTree>
@@ -3684,7 +5469,7 @@
 </p:sldLayout>
 </file>
 
-<file path=ppt/slideLayouts/slideLayout22.xml><?xml version="1.0" encoding="utf-8"?>
+<file path=ppt/slideLayouts/slideLayout25.xml><?xml version="1.0" encoding="utf-8"?>
 <p:sldLayout xmlns:a="http://schemas.openxmlformats.org/drawingml/2006/main" xmlns:r="http://schemas.openxmlformats.org/officeDocument/2006/relationships" xmlns:p="http://schemas.openxmlformats.org/presentationml/2006/main" preserve="1" userDrawn="1">
   <p:cSld name="Section Header">
     <p:spTree>
@@ -3812,7 +5597,7 @@
 </p:sldLayout>
 </file>
 
-<file path=ppt/slideLayouts/slideLayout23.xml><?xml version="1.0" encoding="utf-8"?>
+<file path=ppt/slideLayouts/slideLayout26.xml><?xml version="1.0" encoding="utf-8"?>
 <p:sldLayout xmlns:a="http://schemas.openxmlformats.org/drawingml/2006/main" xmlns:r="http://schemas.openxmlformats.org/officeDocument/2006/relationships" xmlns:p="http://schemas.openxmlformats.org/presentationml/2006/main" type="title" preserve="1">
   <p:cSld name="2_Title Slide">
     <p:spTree>
@@ -4062,7 +5847,7 @@
 </p:sldLayout>
 </file>
 
-<file path=ppt/slideLayouts/slideLayout24.xml><?xml version="1.0" encoding="utf-8"?>
+<file path=ppt/slideLayouts/slideLayout27.xml><?xml version="1.0" encoding="utf-8"?>
 <p:sldLayout xmlns:a="http://schemas.openxmlformats.org/drawingml/2006/main" xmlns:r="http://schemas.openxmlformats.org/officeDocument/2006/relationships" xmlns:p="http://schemas.openxmlformats.org/presentationml/2006/main" type="obj" preserve="1">
   <p:cSld name="Title and Content">
     <p:spTree>
@@ -4232,7 +6017,7 @@
 </p:sldLayout>
 </file>
 
-<file path=ppt/slideLayouts/slideLayout25.xml><?xml version="1.0" encoding="utf-8"?>
+<file path=ppt/slideLayouts/slideLayout28.xml><?xml version="1.0" encoding="utf-8"?>
 <p:sldLayout xmlns:a="http://schemas.openxmlformats.org/drawingml/2006/main" xmlns:r="http://schemas.openxmlformats.org/officeDocument/2006/relationships" xmlns:p="http://schemas.openxmlformats.org/presentationml/2006/main" type="twoObj" preserve="1">
   <p:cSld name="Two Content">
     <p:spTree>
@@ -4519,7 +6304,7 @@
 </p:sldLayout>
 </file>
 
-<file path=ppt/slideLayouts/slideLayout26.xml><?xml version="1.0" encoding="utf-8"?>
+<file path=ppt/slideLayouts/slideLayout29.xml><?xml version="1.0" encoding="utf-8"?>
 <p:sldLayout xmlns:a="http://schemas.openxmlformats.org/drawingml/2006/main" xmlns:r="http://schemas.openxmlformats.org/officeDocument/2006/relationships" xmlns:p="http://schemas.openxmlformats.org/presentationml/2006/main" type="twoTxTwoObj" preserve="1">
   <p:cSld name="Comparison">
     <p:spTree>
@@ -4940,7 +6725,252 @@
 </p:sldLayout>
 </file>
 
-<file path=ppt/slideLayouts/slideLayout27.xml><?xml version="1.0" encoding="utf-8"?>
+<file path=ppt/slideLayouts/slideLayout3.xml><?xml version="1.0" encoding="utf-8"?>
+<p:sldLayout xmlns:a="http://schemas.openxmlformats.org/drawingml/2006/main" xmlns:r="http://schemas.openxmlformats.org/officeDocument/2006/relationships" xmlns:p="http://schemas.openxmlformats.org/presentationml/2006/main" type="secHead" preserve="1">
+  <p:cSld name="Section Header">
+    <p:spTree>
+      <p:nvGrpSpPr>
+        <p:cNvPr id="1" name=""/>
+        <p:cNvGrpSpPr/>
+        <p:nvPr/>
+      </p:nvGrpSpPr>
+      <p:grpSpPr>
+        <a:xfrm>
+          <a:off x="0" y="0"/>
+          <a:ext cx="0" cy="0"/>
+          <a:chOff x="0" y="0"/>
+          <a:chExt cx="0" cy="0"/>
+        </a:xfrm>
+      </p:grpSpPr>
+      <p:sp>
+        <p:nvSpPr>
+          <p:cNvPr id="2" name="Title 1"/>
+          <p:cNvSpPr>
+            <a:spLocks noGrp="1"/>
+          </p:cNvSpPr>
+          <p:nvPr>
+            <p:ph type="title"/>
+          </p:nvPr>
+        </p:nvSpPr>
+        <p:spPr>
+          <a:xfrm>
+            <a:off x="831850" y="1709738"/>
+            <a:ext cx="10515600" cy="2852737"/>
+          </a:xfrm>
+        </p:spPr>
+        <p:txBody>
+          <a:bodyPr anchor="b"/>
+          <a:lstStyle>
+            <a:lvl1pPr>
+              <a:defRPr sz="6000"/>
+            </a:lvl1pPr>
+          </a:lstStyle>
+          <a:p>
+            <a:r>
+              <a:rPr lang="en-US"/>
+              <a:t>Click to edit Master title style</a:t>
+            </a:r>
+          </a:p>
+        </p:txBody>
+      </p:sp>
+      <p:sp>
+        <p:nvSpPr>
+          <p:cNvPr id="3" name="Text Placeholder 2"/>
+          <p:cNvSpPr>
+            <a:spLocks noGrp="1"/>
+          </p:cNvSpPr>
+          <p:nvPr>
+            <p:ph type="body" idx="1"/>
+          </p:nvPr>
+        </p:nvSpPr>
+        <p:spPr>
+          <a:xfrm>
+            <a:off x="831850" y="4589463"/>
+            <a:ext cx="10515600" cy="1500187"/>
+          </a:xfrm>
+        </p:spPr>
+        <p:txBody>
+          <a:bodyPr/>
+          <a:lstStyle>
+            <a:lvl1pPr marL="0" indent="0">
+              <a:buNone/>
+              <a:defRPr sz="2400">
+                <a:solidFill>
+                  <a:schemeClr val="tx1">
+                    <a:tint val="75000"/>
+                  </a:schemeClr>
+                </a:solidFill>
+              </a:defRPr>
+            </a:lvl1pPr>
+            <a:lvl2pPr marL="457200" indent="0">
+              <a:buNone/>
+              <a:defRPr sz="2000">
+                <a:solidFill>
+                  <a:schemeClr val="tx1">
+                    <a:tint val="75000"/>
+                  </a:schemeClr>
+                </a:solidFill>
+              </a:defRPr>
+            </a:lvl2pPr>
+            <a:lvl3pPr marL="914400" indent="0">
+              <a:buNone/>
+              <a:defRPr sz="1800">
+                <a:solidFill>
+                  <a:schemeClr val="tx1">
+                    <a:tint val="75000"/>
+                  </a:schemeClr>
+                </a:solidFill>
+              </a:defRPr>
+            </a:lvl3pPr>
+            <a:lvl4pPr marL="1371600" indent="0">
+              <a:buNone/>
+              <a:defRPr sz="1600">
+                <a:solidFill>
+                  <a:schemeClr val="tx1">
+                    <a:tint val="75000"/>
+                  </a:schemeClr>
+                </a:solidFill>
+              </a:defRPr>
+            </a:lvl4pPr>
+            <a:lvl5pPr marL="1828800" indent="0">
+              <a:buNone/>
+              <a:defRPr sz="1600">
+                <a:solidFill>
+                  <a:schemeClr val="tx1">
+                    <a:tint val="75000"/>
+                  </a:schemeClr>
+                </a:solidFill>
+              </a:defRPr>
+            </a:lvl5pPr>
+            <a:lvl6pPr marL="2286000" indent="0">
+              <a:buNone/>
+              <a:defRPr sz="1600">
+                <a:solidFill>
+                  <a:schemeClr val="tx1">
+                    <a:tint val="75000"/>
+                  </a:schemeClr>
+                </a:solidFill>
+              </a:defRPr>
+            </a:lvl6pPr>
+            <a:lvl7pPr marL="2743200" indent="0">
+              <a:buNone/>
+              <a:defRPr sz="1600">
+                <a:solidFill>
+                  <a:schemeClr val="tx1">
+                    <a:tint val="75000"/>
+                  </a:schemeClr>
+                </a:solidFill>
+              </a:defRPr>
+            </a:lvl7pPr>
+            <a:lvl8pPr marL="3200400" indent="0">
+              <a:buNone/>
+              <a:defRPr sz="1600">
+                <a:solidFill>
+                  <a:schemeClr val="tx1">
+                    <a:tint val="75000"/>
+                  </a:schemeClr>
+                </a:solidFill>
+              </a:defRPr>
+            </a:lvl8pPr>
+            <a:lvl9pPr marL="3657600" indent="0">
+              <a:buNone/>
+              <a:defRPr sz="1600">
+                <a:solidFill>
+                  <a:schemeClr val="tx1">
+                    <a:tint val="75000"/>
+                  </a:schemeClr>
+                </a:solidFill>
+              </a:defRPr>
+            </a:lvl9pPr>
+          </a:lstStyle>
+          <a:p>
+            <a:pPr lvl="0"/>
+            <a:r>
+              <a:rPr lang="en-US"/>
+              <a:t>Edit Master text styles</a:t>
+            </a:r>
+          </a:p>
+        </p:txBody>
+      </p:sp>
+      <p:sp>
+        <p:nvSpPr>
+          <p:cNvPr id="4" name="Date Placeholder 3"/>
+          <p:cNvSpPr>
+            <a:spLocks noGrp="1"/>
+          </p:cNvSpPr>
+          <p:nvPr>
+            <p:ph type="dt" sz="half" idx="10"/>
+          </p:nvPr>
+        </p:nvSpPr>
+        <p:spPr/>
+        <p:txBody>
+          <a:bodyPr/>
+          <a:lstStyle/>
+          <a:p>
+            <a:fld id="{E26E0DA5-0C76-4851-AA82-0B75261F9EB4}" type="datetimeFigureOut">
+              <a:rPr lang="en-US" smtClean="0"/>
+              <a:t>12/16/2020</a:t>
+            </a:fld>
+            <a:endParaRPr lang="en-US"/>
+          </a:p>
+        </p:txBody>
+      </p:sp>
+      <p:sp>
+        <p:nvSpPr>
+          <p:cNvPr id="5" name="Footer Placeholder 4"/>
+          <p:cNvSpPr>
+            <a:spLocks noGrp="1"/>
+          </p:cNvSpPr>
+          <p:nvPr>
+            <p:ph type="ftr" sz="quarter" idx="11"/>
+          </p:nvPr>
+        </p:nvSpPr>
+        <p:spPr/>
+        <p:txBody>
+          <a:bodyPr/>
+          <a:lstStyle/>
+          <a:p>
+            <a:endParaRPr lang="en-US"/>
+          </a:p>
+        </p:txBody>
+      </p:sp>
+      <p:sp>
+        <p:nvSpPr>
+          <p:cNvPr id="6" name="Slide Number Placeholder 5"/>
+          <p:cNvSpPr>
+            <a:spLocks noGrp="1"/>
+          </p:cNvSpPr>
+          <p:nvPr>
+            <p:ph type="sldNum" sz="quarter" idx="12"/>
+          </p:nvPr>
+        </p:nvSpPr>
+        <p:spPr/>
+        <p:txBody>
+          <a:bodyPr/>
+          <a:lstStyle/>
+          <a:p>
+            <a:fld id="{63E83446-D492-49CB-B85A-4EA5E06E8E78}" type="slidenum">
+              <a:rPr lang="en-US" smtClean="0"/>
+              <a:t>‹#›</a:t>
+            </a:fld>
+            <a:endParaRPr lang="en-US"/>
+          </a:p>
+        </p:txBody>
+      </p:sp>
+    </p:spTree>
+    <p:extLst>
+      <p:ext uri="{BB962C8B-B14F-4D97-AF65-F5344CB8AC3E}">
+        <p14:creationId xmlns:p14="http://schemas.microsoft.com/office/powerpoint/2010/main" val="3946343447"/>
+      </p:ext>
+    </p:extLst>
+  </p:cSld>
+  <p:clrMapOvr>
+    <a:masterClrMapping/>
+  </p:clrMapOvr>
+</p:sldLayout>
+</file>
+
+<file path=ppt/slideLayouts/slideLayout30.xml><?xml version="1.0" encoding="utf-8"?>
 <p:sldLayout xmlns:a="http://schemas.openxmlformats.org/drawingml/2006/main" xmlns:r="http://schemas.openxmlformats.org/officeDocument/2006/relationships" xmlns:p="http://schemas.openxmlformats.org/presentationml/2006/main" preserve="1" userDrawn="1">
   <p:cSld name="Title Only">
     <p:spTree>
@@ -5122,7 +7152,7 @@
 </p:sldLayout>
 </file>
 
-<file path=ppt/slideLayouts/slideLayout28.xml><?xml version="1.0" encoding="utf-8"?>
+<file path=ppt/slideLayouts/slideLayout31.xml><?xml version="1.0" encoding="utf-8"?>
 <p:sldLayout xmlns:a="http://schemas.openxmlformats.org/drawingml/2006/main" xmlns:r="http://schemas.openxmlformats.org/officeDocument/2006/relationships" xmlns:p="http://schemas.openxmlformats.org/presentationml/2006/main" preserve="1" userDrawn="1">
   <p:cSld name="2_Title Only">
     <p:spTree>
@@ -5646,7 +7676,7 @@
 </p:sldLayout>
 </file>
 
-<file path=ppt/slideLayouts/slideLayout29.xml><?xml version="1.0" encoding="utf-8"?>
+<file path=ppt/slideLayouts/slideLayout32.xml><?xml version="1.0" encoding="utf-8"?>
 <p:sldLayout xmlns:a="http://schemas.openxmlformats.org/drawingml/2006/main" xmlns:r="http://schemas.openxmlformats.org/officeDocument/2006/relationships" xmlns:p="http://schemas.openxmlformats.org/presentationml/2006/main" type="titleOnly" preserve="1">
   <p:cSld name="1_Title Only">
     <p:bg>
@@ -5794,252 +7824,7 @@
 </p:sldLayout>
 </file>
 
-<file path=ppt/slideLayouts/slideLayout3.xml><?xml version="1.0" encoding="utf-8"?>
-<p:sldLayout xmlns:a="http://schemas.openxmlformats.org/drawingml/2006/main" xmlns:r="http://schemas.openxmlformats.org/officeDocument/2006/relationships" xmlns:p="http://schemas.openxmlformats.org/presentationml/2006/main" type="secHead" preserve="1">
-  <p:cSld name="Section Header">
-    <p:spTree>
-      <p:nvGrpSpPr>
-        <p:cNvPr id="1" name=""/>
-        <p:cNvGrpSpPr/>
-        <p:nvPr/>
-      </p:nvGrpSpPr>
-      <p:grpSpPr>
-        <a:xfrm>
-          <a:off x="0" y="0"/>
-          <a:ext cx="0" cy="0"/>
-          <a:chOff x="0" y="0"/>
-          <a:chExt cx="0" cy="0"/>
-        </a:xfrm>
-      </p:grpSpPr>
-      <p:sp>
-        <p:nvSpPr>
-          <p:cNvPr id="2" name="Title 1"/>
-          <p:cNvSpPr>
-            <a:spLocks noGrp="1"/>
-          </p:cNvSpPr>
-          <p:nvPr>
-            <p:ph type="title"/>
-          </p:nvPr>
-        </p:nvSpPr>
-        <p:spPr>
-          <a:xfrm>
-            <a:off x="831850" y="1709738"/>
-            <a:ext cx="10515600" cy="2852737"/>
-          </a:xfrm>
-        </p:spPr>
-        <p:txBody>
-          <a:bodyPr anchor="b"/>
-          <a:lstStyle>
-            <a:lvl1pPr>
-              <a:defRPr sz="6000"/>
-            </a:lvl1pPr>
-          </a:lstStyle>
-          <a:p>
-            <a:r>
-              <a:rPr lang="en-US"/>
-              <a:t>Click to edit Master title style</a:t>
-            </a:r>
-          </a:p>
-        </p:txBody>
-      </p:sp>
-      <p:sp>
-        <p:nvSpPr>
-          <p:cNvPr id="3" name="Text Placeholder 2"/>
-          <p:cNvSpPr>
-            <a:spLocks noGrp="1"/>
-          </p:cNvSpPr>
-          <p:nvPr>
-            <p:ph type="body" idx="1"/>
-          </p:nvPr>
-        </p:nvSpPr>
-        <p:spPr>
-          <a:xfrm>
-            <a:off x="831850" y="4589463"/>
-            <a:ext cx="10515600" cy="1500187"/>
-          </a:xfrm>
-        </p:spPr>
-        <p:txBody>
-          <a:bodyPr/>
-          <a:lstStyle>
-            <a:lvl1pPr marL="0" indent="0">
-              <a:buNone/>
-              <a:defRPr sz="2400">
-                <a:solidFill>
-                  <a:schemeClr val="tx1">
-                    <a:tint val="75000"/>
-                  </a:schemeClr>
-                </a:solidFill>
-              </a:defRPr>
-            </a:lvl1pPr>
-            <a:lvl2pPr marL="457200" indent="0">
-              <a:buNone/>
-              <a:defRPr sz="2000">
-                <a:solidFill>
-                  <a:schemeClr val="tx1">
-                    <a:tint val="75000"/>
-                  </a:schemeClr>
-                </a:solidFill>
-              </a:defRPr>
-            </a:lvl2pPr>
-            <a:lvl3pPr marL="914400" indent="0">
-              <a:buNone/>
-              <a:defRPr sz="1800">
-                <a:solidFill>
-                  <a:schemeClr val="tx1">
-                    <a:tint val="75000"/>
-                  </a:schemeClr>
-                </a:solidFill>
-              </a:defRPr>
-            </a:lvl3pPr>
-            <a:lvl4pPr marL="1371600" indent="0">
-              <a:buNone/>
-              <a:defRPr sz="1600">
-                <a:solidFill>
-                  <a:schemeClr val="tx1">
-                    <a:tint val="75000"/>
-                  </a:schemeClr>
-                </a:solidFill>
-              </a:defRPr>
-            </a:lvl4pPr>
-            <a:lvl5pPr marL="1828800" indent="0">
-              <a:buNone/>
-              <a:defRPr sz="1600">
-                <a:solidFill>
-                  <a:schemeClr val="tx1">
-                    <a:tint val="75000"/>
-                  </a:schemeClr>
-                </a:solidFill>
-              </a:defRPr>
-            </a:lvl5pPr>
-            <a:lvl6pPr marL="2286000" indent="0">
-              <a:buNone/>
-              <a:defRPr sz="1600">
-                <a:solidFill>
-                  <a:schemeClr val="tx1">
-                    <a:tint val="75000"/>
-                  </a:schemeClr>
-                </a:solidFill>
-              </a:defRPr>
-            </a:lvl6pPr>
-            <a:lvl7pPr marL="2743200" indent="0">
-              <a:buNone/>
-              <a:defRPr sz="1600">
-                <a:solidFill>
-                  <a:schemeClr val="tx1">
-                    <a:tint val="75000"/>
-                  </a:schemeClr>
-                </a:solidFill>
-              </a:defRPr>
-            </a:lvl7pPr>
-            <a:lvl8pPr marL="3200400" indent="0">
-              <a:buNone/>
-              <a:defRPr sz="1600">
-                <a:solidFill>
-                  <a:schemeClr val="tx1">
-                    <a:tint val="75000"/>
-                  </a:schemeClr>
-                </a:solidFill>
-              </a:defRPr>
-            </a:lvl8pPr>
-            <a:lvl9pPr marL="3657600" indent="0">
-              <a:buNone/>
-              <a:defRPr sz="1600">
-                <a:solidFill>
-                  <a:schemeClr val="tx1">
-                    <a:tint val="75000"/>
-                  </a:schemeClr>
-                </a:solidFill>
-              </a:defRPr>
-            </a:lvl9pPr>
-          </a:lstStyle>
-          <a:p>
-            <a:pPr lvl="0"/>
-            <a:r>
-              <a:rPr lang="en-US"/>
-              <a:t>Edit Master text styles</a:t>
-            </a:r>
-          </a:p>
-        </p:txBody>
-      </p:sp>
-      <p:sp>
-        <p:nvSpPr>
-          <p:cNvPr id="4" name="Date Placeholder 3"/>
-          <p:cNvSpPr>
-            <a:spLocks noGrp="1"/>
-          </p:cNvSpPr>
-          <p:nvPr>
-            <p:ph type="dt" sz="half" idx="10"/>
-          </p:nvPr>
-        </p:nvSpPr>
-        <p:spPr/>
-        <p:txBody>
-          <a:bodyPr/>
-          <a:lstStyle/>
-          <a:p>
-            <a:fld id="{E26E0DA5-0C76-4851-AA82-0B75261F9EB4}" type="datetimeFigureOut">
-              <a:rPr lang="en-US" smtClean="0"/>
-              <a:t>12/16/2020</a:t>
-            </a:fld>
-            <a:endParaRPr lang="en-US"/>
-          </a:p>
-        </p:txBody>
-      </p:sp>
-      <p:sp>
-        <p:nvSpPr>
-          <p:cNvPr id="5" name="Footer Placeholder 4"/>
-          <p:cNvSpPr>
-            <a:spLocks noGrp="1"/>
-          </p:cNvSpPr>
-          <p:nvPr>
-            <p:ph type="ftr" sz="quarter" idx="11"/>
-          </p:nvPr>
-        </p:nvSpPr>
-        <p:spPr/>
-        <p:txBody>
-          <a:bodyPr/>
-          <a:lstStyle/>
-          <a:p>
-            <a:endParaRPr lang="en-US"/>
-          </a:p>
-        </p:txBody>
-      </p:sp>
-      <p:sp>
-        <p:nvSpPr>
-          <p:cNvPr id="6" name="Slide Number Placeholder 5"/>
-          <p:cNvSpPr>
-            <a:spLocks noGrp="1"/>
-          </p:cNvSpPr>
-          <p:nvPr>
-            <p:ph type="sldNum" sz="quarter" idx="12"/>
-          </p:nvPr>
-        </p:nvSpPr>
-        <p:spPr/>
-        <p:txBody>
-          <a:bodyPr/>
-          <a:lstStyle/>
-          <a:p>
-            <a:fld id="{63E83446-D492-49CB-B85A-4EA5E06E8E78}" type="slidenum">
-              <a:rPr lang="en-US" smtClean="0"/>
-              <a:t>‹#›</a:t>
-            </a:fld>
-            <a:endParaRPr lang="en-US"/>
-          </a:p>
-        </p:txBody>
-      </p:sp>
-    </p:spTree>
-    <p:extLst>
-      <p:ext uri="{BB962C8B-B14F-4D97-AF65-F5344CB8AC3E}">
-        <p14:creationId xmlns:p14="http://schemas.microsoft.com/office/powerpoint/2010/main" val="3946343447"/>
-      </p:ext>
-    </p:extLst>
-  </p:cSld>
-  <p:clrMapOvr>
-    <a:masterClrMapping/>
-  </p:clrMapOvr>
-</p:sldLayout>
-</file>
-
-<file path=ppt/slideLayouts/slideLayout30.xml><?xml version="1.0" encoding="utf-8"?>
+<file path=ppt/slideLayouts/slideLayout33.xml><?xml version="1.0" encoding="utf-8"?>
 <p:sldLayout xmlns:a="http://schemas.openxmlformats.org/drawingml/2006/main" xmlns:r="http://schemas.openxmlformats.org/officeDocument/2006/relationships" xmlns:p="http://schemas.openxmlformats.org/presentationml/2006/main" preserve="1" userDrawn="1">
   <p:cSld name="3_Title Only">
     <p:bg>
@@ -6272,7 +8057,7 @@
 </p:sldLayout>
 </file>
 
-<file path=ppt/slideLayouts/slideLayout31.xml><?xml version="1.0" encoding="utf-8"?>
+<file path=ppt/slideLayouts/slideLayout34.xml><?xml version="1.0" encoding="utf-8"?>
 <p:sldLayout xmlns:a="http://schemas.openxmlformats.org/drawingml/2006/main" xmlns:r="http://schemas.openxmlformats.org/officeDocument/2006/relationships" xmlns:p="http://schemas.openxmlformats.org/presentationml/2006/main" preserve="1" userDrawn="1">
   <p:cSld name="4_Title Only">
     <p:bg>
@@ -6505,7 +8290,7 @@
 </p:sldLayout>
 </file>
 
-<file path=ppt/slideLayouts/slideLayout32.xml><?xml version="1.0" encoding="utf-8"?>
+<file path=ppt/slideLayouts/slideLayout35.xml><?xml version="1.0" encoding="utf-8"?>
 <p:sldLayout xmlns:a="http://schemas.openxmlformats.org/drawingml/2006/main" xmlns:r="http://schemas.openxmlformats.org/officeDocument/2006/relationships" xmlns:p="http://schemas.openxmlformats.org/presentationml/2006/main" preserve="1" userDrawn="1">
   <p:cSld name="5_Title Only">
     <p:bg>
@@ -6743,7 +8528,7 @@
 </p:sldLayout>
 </file>
 
-<file path=ppt/slideLayouts/slideLayout33.xml><?xml version="1.0" encoding="utf-8"?>
+<file path=ppt/slideLayouts/slideLayout36.xml><?xml version="1.0" encoding="utf-8"?>
 <p:sldLayout xmlns:a="http://schemas.openxmlformats.org/drawingml/2006/main" xmlns:r="http://schemas.openxmlformats.org/officeDocument/2006/relationships" xmlns:p="http://schemas.openxmlformats.org/presentationml/2006/main" type="blank" preserve="1">
   <p:cSld name="Blank">
     <p:spTree>
@@ -6840,7 +8625,7 @@
 </p:sldLayout>
 </file>
 
-<file path=ppt/slideLayouts/slideLayout34.xml><?xml version="1.0" encoding="utf-8"?>
+<file path=ppt/slideLayouts/slideLayout37.xml><?xml version="1.0" encoding="utf-8"?>
 <p:sldLayout xmlns:a="http://schemas.openxmlformats.org/drawingml/2006/main" xmlns:r="http://schemas.openxmlformats.org/officeDocument/2006/relationships" xmlns:p="http://schemas.openxmlformats.org/presentationml/2006/main" type="objTx" preserve="1">
   <p:cSld name="Content with Caption">
     <p:spTree>
@@ -7117,7 +8902,7 @@
 </p:sldLayout>
 </file>
 
-<file path=ppt/slideLayouts/slideLayout35.xml><?xml version="1.0" encoding="utf-8"?>
+<file path=ppt/slideLayouts/slideLayout38.xml><?xml version="1.0" encoding="utf-8"?>
 <p:sldLayout xmlns:a="http://schemas.openxmlformats.org/drawingml/2006/main" xmlns:r="http://schemas.openxmlformats.org/officeDocument/2006/relationships" xmlns:p="http://schemas.openxmlformats.org/presentationml/2006/main" type="picTx" preserve="1">
   <p:cSld name="Picture with Caption">
     <p:spTree>
@@ -7371,7 +9156,7 @@
 </p:sldLayout>
 </file>
 
-<file path=ppt/slideLayouts/slideLayout36.xml><?xml version="1.0" encoding="utf-8"?>
+<file path=ppt/slideLayouts/slideLayout39.xml><?xml version="1.0" encoding="utf-8"?>
 <p:sldLayout xmlns:a="http://schemas.openxmlformats.org/drawingml/2006/main" xmlns:r="http://schemas.openxmlformats.org/officeDocument/2006/relationships" xmlns:p="http://schemas.openxmlformats.org/presentationml/2006/main" type="vertTx" preserve="1">
   <p:cSld name="Title and Vertical Text">
     <p:spTree>
@@ -7532,186 +9317,6 @@
     <p:extLst>
       <p:ext uri="{BB962C8B-B14F-4D97-AF65-F5344CB8AC3E}">
         <p14:creationId xmlns:p14="http://schemas.microsoft.com/office/powerpoint/2010/main" val="3688185401"/>
-      </p:ext>
-    </p:extLst>
-  </p:cSld>
-  <p:clrMapOvr>
-    <a:masterClrMapping/>
-  </p:clrMapOvr>
-</p:sldLayout>
-</file>
-
-<file path=ppt/slideLayouts/slideLayout37.xml><?xml version="1.0" encoding="utf-8"?>
-<p:sldLayout xmlns:a="http://schemas.openxmlformats.org/drawingml/2006/main" xmlns:r="http://schemas.openxmlformats.org/officeDocument/2006/relationships" xmlns:p="http://schemas.openxmlformats.org/presentationml/2006/main" type="vertTitleAndTx" preserve="1">
-  <p:cSld name="Vertical Title and Text">
-    <p:spTree>
-      <p:nvGrpSpPr>
-        <p:cNvPr id="1" name=""/>
-        <p:cNvGrpSpPr/>
-        <p:nvPr/>
-      </p:nvGrpSpPr>
-      <p:grpSpPr>
-        <a:xfrm>
-          <a:off x="0" y="0"/>
-          <a:ext cx="0" cy="0"/>
-          <a:chOff x="0" y="0"/>
-          <a:chExt cx="0" cy="0"/>
-        </a:xfrm>
-      </p:grpSpPr>
-      <p:sp>
-        <p:nvSpPr>
-          <p:cNvPr id="2" name="Vertical Title 1"/>
-          <p:cNvSpPr>
-            <a:spLocks noGrp="1"/>
-          </p:cNvSpPr>
-          <p:nvPr>
-            <p:ph type="title" orient="vert"/>
-          </p:nvPr>
-        </p:nvSpPr>
-        <p:spPr>
-          <a:xfrm>
-            <a:off x="8839200" y="274640"/>
-            <a:ext cx="2743200" cy="5851525"/>
-          </a:xfrm>
-        </p:spPr>
-        <p:txBody>
-          <a:bodyPr vert="eaVert"/>
-          <a:lstStyle/>
-          <a:p>
-            <a:r>
-              <a:rPr lang="en-US"/>
-              <a:t>Click to edit Master title style</a:t>
-            </a:r>
-          </a:p>
-        </p:txBody>
-      </p:sp>
-      <p:sp>
-        <p:nvSpPr>
-          <p:cNvPr id="3" name="Vertical Text Placeholder 2"/>
-          <p:cNvSpPr>
-            <a:spLocks noGrp="1"/>
-          </p:cNvSpPr>
-          <p:nvPr>
-            <p:ph type="body" orient="vert" idx="1"/>
-          </p:nvPr>
-        </p:nvSpPr>
-        <p:spPr>
-          <a:xfrm>
-            <a:off x="609600" y="274640"/>
-            <a:ext cx="8026400" cy="5851525"/>
-          </a:xfrm>
-        </p:spPr>
-        <p:txBody>
-          <a:bodyPr vert="eaVert"/>
-          <a:lstStyle/>
-          <a:p>
-            <a:pPr lvl="0"/>
-            <a:r>
-              <a:rPr lang="en-US"/>
-              <a:t>Click to edit Master text styles</a:t>
-            </a:r>
-          </a:p>
-          <a:p>
-            <a:pPr lvl="1"/>
-            <a:r>
-              <a:rPr lang="en-US"/>
-              <a:t>Second level</a:t>
-            </a:r>
-          </a:p>
-          <a:p>
-            <a:pPr lvl="2"/>
-            <a:r>
-              <a:rPr lang="en-US"/>
-              <a:t>Third level</a:t>
-            </a:r>
-          </a:p>
-          <a:p>
-            <a:pPr lvl="3"/>
-            <a:r>
-              <a:rPr lang="en-US"/>
-              <a:t>Fourth level</a:t>
-            </a:r>
-          </a:p>
-          <a:p>
-            <a:pPr lvl="4"/>
-            <a:r>
-              <a:rPr lang="en-US"/>
-              <a:t>Fifth level</a:t>
-            </a:r>
-          </a:p>
-        </p:txBody>
-      </p:sp>
-      <p:sp>
-        <p:nvSpPr>
-          <p:cNvPr id="4" name="Date Placeholder 3"/>
-          <p:cNvSpPr>
-            <a:spLocks noGrp="1"/>
-          </p:cNvSpPr>
-          <p:nvPr>
-            <p:ph type="dt" sz="half" idx="10"/>
-          </p:nvPr>
-        </p:nvSpPr>
-        <p:spPr/>
-        <p:txBody>
-          <a:bodyPr/>
-          <a:lstStyle/>
-          <a:p>
-            <a:fld id="{425404F2-BE9A-4460-8815-8F645183555F}" type="datetimeFigureOut">
-              <a:rPr lang="en-US" smtClean="0"/>
-              <a:pPr/>
-              <a:t>12/16/2020</a:t>
-            </a:fld>
-            <a:endParaRPr lang="en-US"/>
-          </a:p>
-        </p:txBody>
-      </p:sp>
-      <p:sp>
-        <p:nvSpPr>
-          <p:cNvPr id="5" name="Footer Placeholder 4"/>
-          <p:cNvSpPr>
-            <a:spLocks noGrp="1"/>
-          </p:cNvSpPr>
-          <p:nvPr>
-            <p:ph type="ftr" sz="quarter" idx="11"/>
-          </p:nvPr>
-        </p:nvSpPr>
-        <p:spPr/>
-        <p:txBody>
-          <a:bodyPr/>
-          <a:lstStyle/>
-          <a:p>
-            <a:endParaRPr lang="en-US"/>
-          </a:p>
-        </p:txBody>
-      </p:sp>
-      <p:sp>
-        <p:nvSpPr>
-          <p:cNvPr id="6" name="Slide Number Placeholder 5"/>
-          <p:cNvSpPr>
-            <a:spLocks noGrp="1"/>
-          </p:cNvSpPr>
-          <p:nvPr>
-            <p:ph type="sldNum" sz="quarter" idx="12"/>
-          </p:nvPr>
-        </p:nvSpPr>
-        <p:spPr/>
-        <p:txBody>
-          <a:bodyPr/>
-          <a:lstStyle/>
-          <a:p>
-            <a:fld id="{96E69268-9C8B-4EBF-A9EE-DC5DC2D48DC3}" type="slidenum">
-              <a:rPr lang="en-US" smtClean="0"/>
-              <a:pPr/>
-              <a:t>‹#›</a:t>
-            </a:fld>
-            <a:endParaRPr lang="en-US"/>
-          </a:p>
-        </p:txBody>
-      </p:sp>
-    </p:spTree>
-    <p:extLst>
-      <p:ext uri="{BB962C8B-B14F-4D97-AF65-F5344CB8AC3E}">
-        <p14:creationId xmlns:p14="http://schemas.microsoft.com/office/powerpoint/2010/main" val="3217696323"/>
       </p:ext>
     </p:extLst>
   </p:cSld>
@@ -7941,6 +9546,186 @@
     <p:extLst>
       <p:ext uri="{BB962C8B-B14F-4D97-AF65-F5344CB8AC3E}">
         <p14:creationId xmlns:p14="http://schemas.microsoft.com/office/powerpoint/2010/main" val="1233466970"/>
+      </p:ext>
+    </p:extLst>
+  </p:cSld>
+  <p:clrMapOvr>
+    <a:masterClrMapping/>
+  </p:clrMapOvr>
+</p:sldLayout>
+</file>
+
+<file path=ppt/slideLayouts/slideLayout40.xml><?xml version="1.0" encoding="utf-8"?>
+<p:sldLayout xmlns:a="http://schemas.openxmlformats.org/drawingml/2006/main" xmlns:r="http://schemas.openxmlformats.org/officeDocument/2006/relationships" xmlns:p="http://schemas.openxmlformats.org/presentationml/2006/main" type="vertTitleAndTx" preserve="1">
+  <p:cSld name="Vertical Title and Text">
+    <p:spTree>
+      <p:nvGrpSpPr>
+        <p:cNvPr id="1" name=""/>
+        <p:cNvGrpSpPr/>
+        <p:nvPr/>
+      </p:nvGrpSpPr>
+      <p:grpSpPr>
+        <a:xfrm>
+          <a:off x="0" y="0"/>
+          <a:ext cx="0" cy="0"/>
+          <a:chOff x="0" y="0"/>
+          <a:chExt cx="0" cy="0"/>
+        </a:xfrm>
+      </p:grpSpPr>
+      <p:sp>
+        <p:nvSpPr>
+          <p:cNvPr id="2" name="Vertical Title 1"/>
+          <p:cNvSpPr>
+            <a:spLocks noGrp="1"/>
+          </p:cNvSpPr>
+          <p:nvPr>
+            <p:ph type="title" orient="vert"/>
+          </p:nvPr>
+        </p:nvSpPr>
+        <p:spPr>
+          <a:xfrm>
+            <a:off x="8839200" y="274640"/>
+            <a:ext cx="2743200" cy="5851525"/>
+          </a:xfrm>
+        </p:spPr>
+        <p:txBody>
+          <a:bodyPr vert="eaVert"/>
+          <a:lstStyle/>
+          <a:p>
+            <a:r>
+              <a:rPr lang="en-US"/>
+              <a:t>Click to edit Master title style</a:t>
+            </a:r>
+          </a:p>
+        </p:txBody>
+      </p:sp>
+      <p:sp>
+        <p:nvSpPr>
+          <p:cNvPr id="3" name="Vertical Text Placeholder 2"/>
+          <p:cNvSpPr>
+            <a:spLocks noGrp="1"/>
+          </p:cNvSpPr>
+          <p:nvPr>
+            <p:ph type="body" orient="vert" idx="1"/>
+          </p:nvPr>
+        </p:nvSpPr>
+        <p:spPr>
+          <a:xfrm>
+            <a:off x="609600" y="274640"/>
+            <a:ext cx="8026400" cy="5851525"/>
+          </a:xfrm>
+        </p:spPr>
+        <p:txBody>
+          <a:bodyPr vert="eaVert"/>
+          <a:lstStyle/>
+          <a:p>
+            <a:pPr lvl="0"/>
+            <a:r>
+              <a:rPr lang="en-US"/>
+              <a:t>Click to edit Master text styles</a:t>
+            </a:r>
+          </a:p>
+          <a:p>
+            <a:pPr lvl="1"/>
+            <a:r>
+              <a:rPr lang="en-US"/>
+              <a:t>Second level</a:t>
+            </a:r>
+          </a:p>
+          <a:p>
+            <a:pPr lvl="2"/>
+            <a:r>
+              <a:rPr lang="en-US"/>
+              <a:t>Third level</a:t>
+            </a:r>
+          </a:p>
+          <a:p>
+            <a:pPr lvl="3"/>
+            <a:r>
+              <a:rPr lang="en-US"/>
+              <a:t>Fourth level</a:t>
+            </a:r>
+          </a:p>
+          <a:p>
+            <a:pPr lvl="4"/>
+            <a:r>
+              <a:rPr lang="en-US"/>
+              <a:t>Fifth level</a:t>
+            </a:r>
+          </a:p>
+        </p:txBody>
+      </p:sp>
+      <p:sp>
+        <p:nvSpPr>
+          <p:cNvPr id="4" name="Date Placeholder 3"/>
+          <p:cNvSpPr>
+            <a:spLocks noGrp="1"/>
+          </p:cNvSpPr>
+          <p:nvPr>
+            <p:ph type="dt" sz="half" idx="10"/>
+          </p:nvPr>
+        </p:nvSpPr>
+        <p:spPr/>
+        <p:txBody>
+          <a:bodyPr/>
+          <a:lstStyle/>
+          <a:p>
+            <a:fld id="{425404F2-BE9A-4460-8815-8F645183555F}" type="datetimeFigureOut">
+              <a:rPr lang="en-US" smtClean="0"/>
+              <a:pPr/>
+              <a:t>12/16/2020</a:t>
+            </a:fld>
+            <a:endParaRPr lang="en-US"/>
+          </a:p>
+        </p:txBody>
+      </p:sp>
+      <p:sp>
+        <p:nvSpPr>
+          <p:cNvPr id="5" name="Footer Placeholder 4"/>
+          <p:cNvSpPr>
+            <a:spLocks noGrp="1"/>
+          </p:cNvSpPr>
+          <p:nvPr>
+            <p:ph type="ftr" sz="quarter" idx="11"/>
+          </p:nvPr>
+        </p:nvSpPr>
+        <p:spPr/>
+        <p:txBody>
+          <a:bodyPr/>
+          <a:lstStyle/>
+          <a:p>
+            <a:endParaRPr lang="en-US"/>
+          </a:p>
+        </p:txBody>
+      </p:sp>
+      <p:sp>
+        <p:nvSpPr>
+          <p:cNvPr id="6" name="Slide Number Placeholder 5"/>
+          <p:cNvSpPr>
+            <a:spLocks noGrp="1"/>
+          </p:cNvSpPr>
+          <p:nvPr>
+            <p:ph type="sldNum" sz="quarter" idx="12"/>
+          </p:nvPr>
+        </p:nvSpPr>
+        <p:spPr/>
+        <p:txBody>
+          <a:bodyPr/>
+          <a:lstStyle/>
+          <a:p>
+            <a:fld id="{96E69268-9C8B-4EBF-A9EE-DC5DC2D48DC3}" type="slidenum">
+              <a:rPr lang="en-US" smtClean="0"/>
+              <a:pPr/>
+              <a:t>‹#›</a:t>
+            </a:fld>
+            <a:endParaRPr lang="en-US"/>
+          </a:p>
+        </p:txBody>
+      </p:sp>
+    </p:spTree>
+    <p:extLst>
+      <p:ext uri="{BB962C8B-B14F-4D97-AF65-F5344CB8AC3E}">
+        <p14:creationId xmlns:p14="http://schemas.microsoft.com/office/powerpoint/2010/main" val="3217696323"/>
       </p:ext>
     </p:extLst>
   </p:cSld>
@@ -9315,6 +11100,9 @@
     <p:sldLayoutId id="2147483694" r:id="rId17"/>
     <p:sldLayoutId id="2147483697" r:id="rId18"/>
     <p:sldLayoutId id="2147483698" r:id="rId19"/>
+    <p:sldLayoutId id="2147483699" r:id="rId20"/>
+    <p:sldLayoutId id="2147483700" r:id="rId21"/>
+    <p:sldLayoutId id="2147483701" r:id="rId22"/>
   </p:sldLayoutIdLst>
   <p:txStyles>
     <p:titleStyle>
@@ -10437,7 +12225,7 @@
                 </a:solidFill>
                 <a:latin typeface="Patua One" pitchFamily="2" charset="0"/>
               </a:rPr>
-              <a:t>RMSE &amp; MAPE</a:t>
+              <a:t>Regression Concept</a:t>
             </a:r>
           </a:p>
         </p:txBody>
@@ -10572,7 +12360,7 @@
           <p:cNvPr id="4" name="Content Placeholder 3">
             <a:extLst>
               <a:ext uri="{FF2B5EF4-FFF2-40B4-BE49-F238E27FC236}">
-                <a16:creationId xmlns:a16="http://schemas.microsoft.com/office/drawing/2014/main" id="{9596F4A2-567E-4A2C-A543-E303D822C70E}"/>
+                <a16:creationId xmlns:a16="http://schemas.microsoft.com/office/drawing/2014/main" id="{502FC43D-EFB6-4F3B-B176-68397577827F}"/>
               </a:ext>
             </a:extLst>
           </p:cNvPr>
@@ -10585,8 +12373,8 @@
         </p:nvSpPr>
         <p:spPr>
           <a:xfrm>
-            <a:off x="152400" y="881174"/>
-            <a:ext cx="10972800" cy="484187"/>
+            <a:off x="228600" y="933558"/>
+            <a:ext cx="11811001" cy="5628931"/>
           </a:xfrm>
         </p:spPr>
         <p:txBody>
@@ -10595,42 +12383,79 @@
           <a:p>
             <a:r>
               <a:rPr lang="en-US" dirty="0"/>
-              <a:t>RMSD/RMSE – Root mean Square Residual (Error)</a:t>
-            </a:r>
-          </a:p>
-        </p:txBody>
-      </p:sp>
-      <p:sp>
-        <p:nvSpPr>
-          <p:cNvPr id="217" name="TextBox 216">
-            <a:extLst>
-              <a:ext uri="{FF2B5EF4-FFF2-40B4-BE49-F238E27FC236}">
-                <a16:creationId xmlns:a16="http://schemas.microsoft.com/office/drawing/2014/main" id="{3A92E90A-4DAB-43CA-8E8D-3BFE0C237B20}"/>
-              </a:ext>
-            </a:extLst>
-          </p:cNvPr>
-          <p:cNvSpPr txBox="1"/>
-          <p:nvPr/>
-        </p:nvSpPr>
-        <p:spPr>
-          <a:xfrm>
-            <a:off x="152401" y="3921563"/>
-            <a:ext cx="11807195" cy="923330"/>
-          </a:xfrm>
-          <a:prstGeom prst="rect">
-            <a:avLst/>
-          </a:prstGeom>
-          <a:noFill/>
-        </p:spPr>
-        <p:txBody>
-          <a:bodyPr wrap="square" rtlCol="0">
-            <a:spAutoFit/>
-          </a:bodyPr>
-          <a:lstStyle/>
+              <a:t>If our machine learning scenario would like to predict the dependent variable which is of type continuous (number) we use regression scenario.</a:t>
+            </a:r>
+          </a:p>
           <a:p>
             <a:r>
               <a:rPr lang="en-US" dirty="0"/>
-              <a:t>The value of RMSE can range between 0 to infinite which is difficult to be interpreted by the business, in order to make our business user understand the power of our model, we relies on a % based measure. This is called MAPE (Meal Absolute Percentage Error)</a:t>
+              <a:t>There are 2 types of regression :-</a:t>
+            </a:r>
+          </a:p>
+          <a:p>
+            <a:r>
+              <a:rPr lang="en-US" dirty="0"/>
+              <a:t>Linear Regression – When my dependent variable is precisely dependent on one independent variable, we use linear regression.</a:t>
+            </a:r>
+          </a:p>
+          <a:p>
+            <a:r>
+              <a:rPr lang="en-US" dirty="0"/>
+              <a:t>Multi-regression – When my dependent variable is dependent on Multiple independent variables we can use multi-regression.</a:t>
+            </a:r>
+          </a:p>
+          <a:p>
+            <a:r>
+              <a:rPr lang="en-US" dirty="0" err="1"/>
+              <a:t>Eg.</a:t>
+            </a:r>
+            <a:r>
+              <a:rPr lang="en-US" dirty="0"/>
+              <a:t> Predict </a:t>
+            </a:r>
+            <a:r>
+              <a:rPr lang="en-US" b="1" dirty="0"/>
+              <a:t>house price </a:t>
+            </a:r>
+            <a:r>
+              <a:rPr lang="en-US" dirty="0"/>
+              <a:t>based on the different factors. </a:t>
+            </a:r>
+          </a:p>
+          <a:p>
+            <a:r>
+              <a:rPr lang="en-US" dirty="0"/>
+              <a:t>What will be the </a:t>
+            </a:r>
+            <a:r>
+              <a:rPr lang="en-US" b="1" dirty="0"/>
+              <a:t>% score </a:t>
+            </a:r>
+            <a:r>
+              <a:rPr lang="en-US" dirty="0"/>
+              <a:t>in exam depending on hours spent, book studied, practice papers tested.</a:t>
+            </a:r>
+          </a:p>
+          <a:p>
+            <a:r>
+              <a:rPr lang="en-US" dirty="0"/>
+              <a:t>What will be my </a:t>
+            </a:r>
+            <a:r>
+              <a:rPr lang="en-US" b="1" dirty="0"/>
+              <a:t>annual sales </a:t>
+            </a:r>
+            <a:r>
+              <a:rPr lang="en-US" dirty="0"/>
+              <a:t>depending on factors like employee, </a:t>
+            </a:r>
+            <a:r>
+              <a:rPr lang="en-US" dirty="0" err="1"/>
+              <a:t>cust</a:t>
+            </a:r>
+            <a:r>
+              <a:rPr lang="en-US" dirty="0"/>
+              <a:t>. Visits, leads,…</a:t>
             </a:r>
           </a:p>
         </p:txBody>
@@ -10638,7 +12463,7 @@
     </p:spTree>
     <p:extLst>
       <p:ext uri="{BB962C8B-B14F-4D97-AF65-F5344CB8AC3E}">
-        <p14:creationId xmlns:p14="http://schemas.microsoft.com/office/powerpoint/2010/main" val="2919730680"/>
+        <p14:creationId xmlns:p14="http://schemas.microsoft.com/office/powerpoint/2010/main" val="1700320375"/>
       </p:ext>
     </p:extLst>
   </p:cSld>
@@ -10670,59 +12495,47 @@
       </p:grpSpPr>
       <p:sp>
         <p:nvSpPr>
-          <p:cNvPr id="2" name="Title 3">
+          <p:cNvPr id="11" name="Title 10"/>
+          <p:cNvSpPr>
+            <a:spLocks noGrp="1"/>
+          </p:cNvSpPr>
+          <p:nvPr>
+            <p:ph type="title"/>
+          </p:nvPr>
+        </p:nvSpPr>
+        <p:spPr>
+          <a:xfrm>
+            <a:off x="-20279" y="41354"/>
+            <a:ext cx="10969943" cy="711081"/>
+          </a:xfrm>
+        </p:spPr>
+        <p:txBody>
+          <a:bodyPr>
+            <a:noAutofit/>
+          </a:bodyPr>
+          <a:lstStyle/>
+          <a:p>
+            <a:r>
+              <a:rPr lang="en-IN" dirty="0">
+                <a:solidFill>
+                  <a:schemeClr val="tx2">
+                    <a:lumMod val="60000"/>
+                    <a:lumOff val="40000"/>
+                  </a:schemeClr>
+                </a:solidFill>
+                <a:latin typeface="Patua One" pitchFamily="2" charset="0"/>
+              </a:rPr>
+              <a:t>Model look like</a:t>
+            </a:r>
+          </a:p>
+        </p:txBody>
+      </p:sp>
+      <p:sp>
+        <p:nvSpPr>
+          <p:cNvPr id="37" name="TextBox 36">
             <a:extLst>
               <a:ext uri="{FF2B5EF4-FFF2-40B4-BE49-F238E27FC236}">
-                <a16:creationId xmlns:a16="http://schemas.microsoft.com/office/drawing/2014/main" id="{F07FC580-E2AB-4C55-8C95-D5E077A1D127}"/>
-              </a:ext>
-            </a:extLst>
-          </p:cNvPr>
-          <p:cNvSpPr txBox="1">
-            <a:spLocks/>
-          </p:cNvSpPr>
-          <p:nvPr/>
-        </p:nvSpPr>
-        <p:spPr>
-          <a:xfrm>
-            <a:off x="261764" y="188640"/>
-            <a:ext cx="11292008" cy="711081"/>
-          </a:xfrm>
-          <a:prstGeom prst="rect">
-            <a:avLst/>
-          </a:prstGeom>
-        </p:spPr>
-        <p:txBody>
-          <a:bodyPr/>
-          <a:lstStyle>
-            <a:lvl1pPr algn="l" defTabSz="914400" rtl="0" eaLnBrk="1" latinLnBrk="0" hangingPunct="1">
-              <a:lnSpc>
-                <a:spcPct val="90000"/>
-              </a:lnSpc>
-              <a:spcBef>
-                <a:spcPct val="0"/>
-              </a:spcBef>
-              <a:buNone/>
-              <a:defRPr sz="4400" kern="1200">
-                <a:solidFill>
-                  <a:schemeClr val="tx1"/>
-                </a:solidFill>
-                <a:latin typeface="+mj-lt"/>
-                <a:ea typeface="+mj-ea"/>
-                <a:cs typeface="+mj-cs"/>
-              </a:defRPr>
-            </a:lvl1pPr>
-          </a:lstStyle>
-          <a:p>
-            <a:endParaRPr lang="en-US" b="1" dirty="0"/>
-          </a:p>
-        </p:txBody>
-      </p:sp>
-      <p:sp>
-        <p:nvSpPr>
-          <p:cNvPr id="7" name="TextBox 6">
-            <a:extLst>
-              <a:ext uri="{FF2B5EF4-FFF2-40B4-BE49-F238E27FC236}">
-                <a16:creationId xmlns:a16="http://schemas.microsoft.com/office/drawing/2014/main" id="{17EB74BE-8011-4153-8F37-3BEF9C1F4CC0}"/>
+                <a16:creationId xmlns:a16="http://schemas.microsoft.com/office/drawing/2014/main" id="{E8CAC22F-1542-4031-BC6C-A16989886504}"/>
               </a:ext>
             </a:extLst>
           </p:cNvPr>
@@ -10731,8 +12544,8 @@
         </p:nvSpPr>
         <p:spPr>
           <a:xfrm>
-            <a:off x="3512128" y="2507734"/>
-            <a:ext cx="6174508" cy="1323439"/>
+            <a:off x="4943872" y="6550224"/>
+            <a:ext cx="3456384" cy="307777"/>
           </a:xfrm>
           <a:prstGeom prst="rect">
             <a:avLst/>
@@ -10740,14 +12553,793 @@
           <a:noFill/>
         </p:spPr>
         <p:txBody>
-          <a:bodyPr wrap="square">
+          <a:bodyPr wrap="square" rtlCol="0">
             <a:spAutoFit/>
           </a:bodyPr>
           <a:lstStyle/>
           <a:p>
-            <a:r>
-              <a:rPr lang="en-US" sz="8000" b="1" dirty="0"/>
-              <a:t>End of Day 8</a:t>
+            <a:pPr defTabSz="1218987">
+              <a:defRPr/>
+            </a:pPr>
+            <a:r>
+              <a:rPr lang="en-US" sz="1400" b="1" dirty="0">
+                <a:solidFill>
+                  <a:prstClr val="black"/>
+                </a:solidFill>
+                <a:latin typeface="Arial Rounded MT Bold" panose="020F0704030504030204" pitchFamily="34" charset="0"/>
+                <a:ea typeface="Arial Unicode MS" panose="020B0604020202020204" pitchFamily="34" charset="-128"/>
+                <a:cs typeface="Arial Unicode MS" panose="020B0604020202020204" pitchFamily="34" charset="-128"/>
+              </a:rPr>
+              <a:t>www.anubhavtrainings.com</a:t>
+            </a:r>
+            <a:endParaRPr lang="en-IN" sz="1400" b="1" dirty="0">
+              <a:solidFill>
+                <a:prstClr val="black"/>
+              </a:solidFill>
+              <a:latin typeface="Arial Rounded MT Bold" panose="020F0704030504030204" pitchFamily="34" charset="0"/>
+              <a:ea typeface="Arial Unicode MS" panose="020B0604020202020204" pitchFamily="34" charset="-128"/>
+              <a:cs typeface="Arial Unicode MS" panose="020B0604020202020204" pitchFamily="34" charset="-128"/>
+            </a:endParaRPr>
+          </a:p>
+        </p:txBody>
+      </p:sp>
+      <p:pic>
+        <p:nvPicPr>
+          <p:cNvPr id="40" name="Picture 39">
+            <a:extLst>
+              <a:ext uri="{FF2B5EF4-FFF2-40B4-BE49-F238E27FC236}">
+                <a16:creationId xmlns:a16="http://schemas.microsoft.com/office/drawing/2014/main" id="{DA60E6FB-8C44-4FEB-B6E9-83DA908565CD}"/>
+              </a:ext>
+            </a:extLst>
+          </p:cNvPr>
+          <p:cNvPicPr>
+            <a:picLocks noChangeAspect="1"/>
+          </p:cNvPicPr>
+          <p:nvPr/>
+        </p:nvPicPr>
+        <p:blipFill>
+          <a:blip r:embed="rId2">
+            <a:extLst>
+              <a:ext uri="{28A0092B-C50C-407E-A947-70E740481C1C}">
+                <a14:useLocalDpi xmlns:a14="http://schemas.microsoft.com/office/drawing/2010/main" val="0"/>
+              </a:ext>
+            </a:extLst>
+          </a:blip>
+          <a:stretch>
+            <a:fillRect/>
+          </a:stretch>
+        </p:blipFill>
+        <p:spPr>
+          <a:xfrm>
+            <a:off x="9624393" y="106009"/>
+            <a:ext cx="2335203" cy="762895"/>
+          </a:xfrm>
+          <a:prstGeom prst="rect">
+            <a:avLst/>
+          </a:prstGeom>
+        </p:spPr>
+      </p:pic>
+      <p:cxnSp>
+        <p:nvCxnSpPr>
+          <p:cNvPr id="41" name="Straight Connector 40">
+            <a:extLst>
+              <a:ext uri="{FF2B5EF4-FFF2-40B4-BE49-F238E27FC236}">
+                <a16:creationId xmlns:a16="http://schemas.microsoft.com/office/drawing/2014/main" id="{3B3B7D73-CAE9-45AC-ACCE-FAEF4E505C7A}"/>
+              </a:ext>
+            </a:extLst>
+          </p:cNvPr>
+          <p:cNvCxnSpPr/>
+          <p:nvPr/>
+        </p:nvCxnSpPr>
+        <p:spPr>
+          <a:xfrm>
+            <a:off x="1588" y="764704"/>
+            <a:ext cx="6479584" cy="0"/>
+          </a:xfrm>
+          <a:prstGeom prst="line">
+            <a:avLst/>
+          </a:prstGeom>
+        </p:spPr>
+        <p:style>
+          <a:lnRef idx="2">
+            <a:schemeClr val="accent6"/>
+          </a:lnRef>
+          <a:fillRef idx="0">
+            <a:schemeClr val="accent6"/>
+          </a:fillRef>
+          <a:effectRef idx="1">
+            <a:schemeClr val="accent6"/>
+          </a:effectRef>
+          <a:fontRef idx="minor">
+            <a:schemeClr val="tx1"/>
+          </a:fontRef>
+        </p:style>
+      </p:cxnSp>
+      <p:cxnSp>
+        <p:nvCxnSpPr>
+          <p:cNvPr id="6" name="Straight Arrow Connector 5">
+            <a:extLst>
+              <a:ext uri="{FF2B5EF4-FFF2-40B4-BE49-F238E27FC236}">
+                <a16:creationId xmlns:a16="http://schemas.microsoft.com/office/drawing/2014/main" id="{CF01A2FF-B0DF-4AEB-AF33-302BC4F25C73}"/>
+              </a:ext>
+            </a:extLst>
+          </p:cNvPr>
+          <p:cNvCxnSpPr/>
+          <p:nvPr/>
+        </p:nvCxnSpPr>
+        <p:spPr>
+          <a:xfrm flipV="1">
+            <a:off x="990600" y="1066800"/>
+            <a:ext cx="0" cy="2438400"/>
+          </a:xfrm>
+          <a:prstGeom prst="straightConnector1">
+            <a:avLst/>
+          </a:prstGeom>
+          <a:ln>
+            <a:tailEnd type="triangle"/>
+          </a:ln>
+        </p:spPr>
+        <p:style>
+          <a:lnRef idx="1">
+            <a:schemeClr val="accent1"/>
+          </a:lnRef>
+          <a:fillRef idx="0">
+            <a:schemeClr val="accent1"/>
+          </a:fillRef>
+          <a:effectRef idx="0">
+            <a:schemeClr val="accent1"/>
+          </a:effectRef>
+          <a:fontRef idx="minor">
+            <a:schemeClr val="tx1"/>
+          </a:fontRef>
+        </p:style>
+      </p:cxnSp>
+      <p:cxnSp>
+        <p:nvCxnSpPr>
+          <p:cNvPr id="8" name="Straight Arrow Connector 7">
+            <a:extLst>
+              <a:ext uri="{FF2B5EF4-FFF2-40B4-BE49-F238E27FC236}">
+                <a16:creationId xmlns:a16="http://schemas.microsoft.com/office/drawing/2014/main" id="{9B61A3DE-C4F1-48C9-9300-94CB16470B9B}"/>
+              </a:ext>
+            </a:extLst>
+          </p:cNvPr>
+          <p:cNvCxnSpPr/>
+          <p:nvPr/>
+        </p:nvCxnSpPr>
+        <p:spPr>
+          <a:xfrm>
+            <a:off x="914400" y="3429000"/>
+            <a:ext cx="3733800" cy="0"/>
+          </a:xfrm>
+          <a:prstGeom prst="straightConnector1">
+            <a:avLst/>
+          </a:prstGeom>
+          <a:ln>
+            <a:tailEnd type="triangle"/>
+          </a:ln>
+        </p:spPr>
+        <p:style>
+          <a:lnRef idx="1">
+            <a:schemeClr val="accent1"/>
+          </a:lnRef>
+          <a:fillRef idx="0">
+            <a:schemeClr val="accent1"/>
+          </a:fillRef>
+          <a:effectRef idx="0">
+            <a:schemeClr val="accent1"/>
+          </a:effectRef>
+          <a:fontRef idx="minor">
+            <a:schemeClr val="tx1"/>
+          </a:fontRef>
+        </p:style>
+      </p:cxnSp>
+      <p:sp>
+        <p:nvSpPr>
+          <p:cNvPr id="9" name="TextBox 8">
+            <a:extLst>
+              <a:ext uri="{FF2B5EF4-FFF2-40B4-BE49-F238E27FC236}">
+                <a16:creationId xmlns:a16="http://schemas.microsoft.com/office/drawing/2014/main" id="{BDA64FD3-E2EC-45B3-AFB7-FEC2F3CA548F}"/>
+              </a:ext>
+            </a:extLst>
+          </p:cNvPr>
+          <p:cNvSpPr txBox="1"/>
+          <p:nvPr/>
+        </p:nvSpPr>
+        <p:spPr>
+          <a:xfrm>
+            <a:off x="1676401" y="3505200"/>
+            <a:ext cx="4190997" cy="369332"/>
+          </a:xfrm>
+          <a:prstGeom prst="rect">
+            <a:avLst/>
+          </a:prstGeom>
+          <a:noFill/>
+        </p:spPr>
+        <p:txBody>
+          <a:bodyPr wrap="square" rtlCol="0">
+            <a:spAutoFit/>
+          </a:bodyPr>
+          <a:lstStyle/>
+          <a:p>
+            <a:r>
+              <a:rPr lang="en-US" dirty="0"/>
+              <a:t>X – independent variables</a:t>
+            </a:r>
+          </a:p>
+        </p:txBody>
+      </p:sp>
+      <p:sp>
+        <p:nvSpPr>
+          <p:cNvPr id="10" name="TextBox 9">
+            <a:extLst>
+              <a:ext uri="{FF2B5EF4-FFF2-40B4-BE49-F238E27FC236}">
+                <a16:creationId xmlns:a16="http://schemas.microsoft.com/office/drawing/2014/main" id="{E43BB223-CAC2-478D-87E4-3A391CA5E821}"/>
+              </a:ext>
+            </a:extLst>
+          </p:cNvPr>
+          <p:cNvSpPr txBox="1"/>
+          <p:nvPr/>
+        </p:nvSpPr>
+        <p:spPr>
+          <a:xfrm>
+            <a:off x="-762000" y="1600200"/>
+            <a:ext cx="1676381" cy="923330"/>
+          </a:xfrm>
+          <a:prstGeom prst="rect">
+            <a:avLst/>
+          </a:prstGeom>
+          <a:noFill/>
+        </p:spPr>
+        <p:txBody>
+          <a:bodyPr wrap="square" rtlCol="0">
+            <a:spAutoFit/>
+          </a:bodyPr>
+          <a:lstStyle/>
+          <a:p>
+            <a:r>
+              <a:rPr lang="en-US" dirty="0"/>
+              <a:t>Y dependent variable</a:t>
+            </a:r>
+          </a:p>
+          <a:p>
+            <a:r>
+              <a:rPr lang="en-US" dirty="0"/>
+              <a:t>(prediction)</a:t>
+            </a:r>
+          </a:p>
+        </p:txBody>
+      </p:sp>
+      <p:cxnSp>
+        <p:nvCxnSpPr>
+          <p:cNvPr id="239" name="Straight Arrow Connector 238">
+            <a:extLst>
+              <a:ext uri="{FF2B5EF4-FFF2-40B4-BE49-F238E27FC236}">
+                <a16:creationId xmlns:a16="http://schemas.microsoft.com/office/drawing/2014/main" id="{F0720F38-2977-4285-A495-BAF53BD6DF8B}"/>
+              </a:ext>
+            </a:extLst>
+          </p:cNvPr>
+          <p:cNvCxnSpPr>
+            <a:cxnSpLocks/>
+          </p:cNvCxnSpPr>
+          <p:nvPr/>
+        </p:nvCxnSpPr>
+        <p:spPr>
+          <a:xfrm flipV="1">
+            <a:off x="6172200" y="1066801"/>
+            <a:ext cx="0" cy="2353282"/>
+          </a:xfrm>
+          <a:prstGeom prst="straightConnector1">
+            <a:avLst/>
+          </a:prstGeom>
+          <a:ln>
+            <a:tailEnd type="triangle"/>
+          </a:ln>
+        </p:spPr>
+        <p:style>
+          <a:lnRef idx="1">
+            <a:schemeClr val="accent1"/>
+          </a:lnRef>
+          <a:fillRef idx="0">
+            <a:schemeClr val="accent1"/>
+          </a:fillRef>
+          <a:effectRef idx="0">
+            <a:schemeClr val="accent1"/>
+          </a:effectRef>
+          <a:fontRef idx="minor">
+            <a:schemeClr val="tx1"/>
+          </a:fontRef>
+        </p:style>
+      </p:cxnSp>
+      <p:cxnSp>
+        <p:nvCxnSpPr>
+          <p:cNvPr id="242" name="Straight Arrow Connector 241">
+            <a:extLst>
+              <a:ext uri="{FF2B5EF4-FFF2-40B4-BE49-F238E27FC236}">
+                <a16:creationId xmlns:a16="http://schemas.microsoft.com/office/drawing/2014/main" id="{CBC71256-C65E-4B3B-AAB9-C71CED6D1A2F}"/>
+              </a:ext>
+            </a:extLst>
+          </p:cNvPr>
+          <p:cNvCxnSpPr/>
+          <p:nvPr/>
+        </p:nvCxnSpPr>
+        <p:spPr>
+          <a:xfrm>
+            <a:off x="6019800" y="3227123"/>
+            <a:ext cx="3124200" cy="0"/>
+          </a:xfrm>
+          <a:prstGeom prst="straightConnector1">
+            <a:avLst/>
+          </a:prstGeom>
+          <a:ln>
+            <a:tailEnd type="triangle"/>
+          </a:ln>
+        </p:spPr>
+        <p:style>
+          <a:lnRef idx="1">
+            <a:schemeClr val="accent1"/>
+          </a:lnRef>
+          <a:fillRef idx="0">
+            <a:schemeClr val="accent1"/>
+          </a:fillRef>
+          <a:effectRef idx="0">
+            <a:schemeClr val="accent1"/>
+          </a:effectRef>
+          <a:fontRef idx="minor">
+            <a:schemeClr val="tx1"/>
+          </a:fontRef>
+        </p:style>
+      </p:cxnSp>
+      <p:cxnSp>
+        <p:nvCxnSpPr>
+          <p:cNvPr id="243" name="Straight Arrow Connector 242">
+            <a:extLst>
+              <a:ext uri="{FF2B5EF4-FFF2-40B4-BE49-F238E27FC236}">
+                <a16:creationId xmlns:a16="http://schemas.microsoft.com/office/drawing/2014/main" id="{880B6985-11BC-4A52-A744-32E56D7444C8}"/>
+              </a:ext>
+            </a:extLst>
+          </p:cNvPr>
+          <p:cNvCxnSpPr>
+            <a:cxnSpLocks/>
+          </p:cNvCxnSpPr>
+          <p:nvPr/>
+        </p:nvCxnSpPr>
+        <p:spPr>
+          <a:xfrm flipV="1">
+            <a:off x="9448800" y="1066801"/>
+            <a:ext cx="0" cy="2353282"/>
+          </a:xfrm>
+          <a:prstGeom prst="straightConnector1">
+            <a:avLst/>
+          </a:prstGeom>
+          <a:ln>
+            <a:tailEnd type="triangle"/>
+          </a:ln>
+        </p:spPr>
+        <p:style>
+          <a:lnRef idx="1">
+            <a:schemeClr val="accent1"/>
+          </a:lnRef>
+          <a:fillRef idx="0">
+            <a:schemeClr val="accent1"/>
+          </a:fillRef>
+          <a:effectRef idx="0">
+            <a:schemeClr val="accent1"/>
+          </a:effectRef>
+          <a:fontRef idx="minor">
+            <a:schemeClr val="tx1"/>
+          </a:fontRef>
+        </p:style>
+      </p:cxnSp>
+      <p:cxnSp>
+        <p:nvCxnSpPr>
+          <p:cNvPr id="244" name="Straight Arrow Connector 243">
+            <a:extLst>
+              <a:ext uri="{FF2B5EF4-FFF2-40B4-BE49-F238E27FC236}">
+                <a16:creationId xmlns:a16="http://schemas.microsoft.com/office/drawing/2014/main" id="{F7F097CF-B133-4469-B391-64956F09DE06}"/>
+              </a:ext>
+            </a:extLst>
+          </p:cNvPr>
+          <p:cNvCxnSpPr/>
+          <p:nvPr/>
+        </p:nvCxnSpPr>
+        <p:spPr>
+          <a:xfrm>
+            <a:off x="9296400" y="3227123"/>
+            <a:ext cx="3124200" cy="0"/>
+          </a:xfrm>
+          <a:prstGeom prst="straightConnector1">
+            <a:avLst/>
+          </a:prstGeom>
+          <a:ln>
+            <a:tailEnd type="triangle"/>
+          </a:ln>
+        </p:spPr>
+        <p:style>
+          <a:lnRef idx="1">
+            <a:schemeClr val="accent1"/>
+          </a:lnRef>
+          <a:fillRef idx="0">
+            <a:schemeClr val="accent1"/>
+          </a:fillRef>
+          <a:effectRef idx="0">
+            <a:schemeClr val="accent1"/>
+          </a:effectRef>
+          <a:fontRef idx="minor">
+            <a:schemeClr val="tx1"/>
+          </a:fontRef>
+        </p:style>
+      </p:cxnSp>
+      <p:sp>
+        <p:nvSpPr>
+          <p:cNvPr id="245" name="TextBox 244">
+            <a:extLst>
+              <a:ext uri="{FF2B5EF4-FFF2-40B4-BE49-F238E27FC236}">
+                <a16:creationId xmlns:a16="http://schemas.microsoft.com/office/drawing/2014/main" id="{1F835A76-63FD-4247-8962-A907E1E44270}"/>
+              </a:ext>
+            </a:extLst>
+          </p:cNvPr>
+          <p:cNvSpPr txBox="1"/>
+          <p:nvPr/>
+        </p:nvSpPr>
+        <p:spPr>
+          <a:xfrm>
+            <a:off x="7391400" y="3227123"/>
+            <a:ext cx="759324" cy="369332"/>
+          </a:xfrm>
+          <a:prstGeom prst="rect">
+            <a:avLst/>
+          </a:prstGeom>
+          <a:noFill/>
+        </p:spPr>
+        <p:txBody>
+          <a:bodyPr wrap="square" rtlCol="0">
+            <a:spAutoFit/>
+          </a:bodyPr>
+          <a:lstStyle/>
+          <a:p>
+            <a:r>
+              <a:rPr lang="en-US" dirty="0"/>
+              <a:t>x</a:t>
+            </a:r>
+          </a:p>
+        </p:txBody>
+      </p:sp>
+      <p:sp>
+        <p:nvSpPr>
+          <p:cNvPr id="246" name="TextBox 245">
+            <a:extLst>
+              <a:ext uri="{FF2B5EF4-FFF2-40B4-BE49-F238E27FC236}">
+                <a16:creationId xmlns:a16="http://schemas.microsoft.com/office/drawing/2014/main" id="{3E091CFA-6EB7-4CDF-B293-64AD0E79A570}"/>
+              </a:ext>
+            </a:extLst>
+          </p:cNvPr>
+          <p:cNvSpPr txBox="1"/>
+          <p:nvPr/>
+        </p:nvSpPr>
+        <p:spPr>
+          <a:xfrm>
+            <a:off x="5715001" y="1775963"/>
+            <a:ext cx="304791" cy="369332"/>
+          </a:xfrm>
+          <a:prstGeom prst="rect">
+            <a:avLst/>
+          </a:prstGeom>
+          <a:noFill/>
+        </p:spPr>
+        <p:txBody>
+          <a:bodyPr wrap="square" rtlCol="0">
+            <a:spAutoFit/>
+          </a:bodyPr>
+          <a:lstStyle/>
+          <a:p>
+            <a:r>
+              <a:rPr lang="en-US" dirty="0"/>
+              <a:t>y</a:t>
+            </a:r>
+          </a:p>
+        </p:txBody>
+      </p:sp>
+      <p:sp>
+        <p:nvSpPr>
+          <p:cNvPr id="248" name="TextBox 247">
+            <a:extLst>
+              <a:ext uri="{FF2B5EF4-FFF2-40B4-BE49-F238E27FC236}">
+                <a16:creationId xmlns:a16="http://schemas.microsoft.com/office/drawing/2014/main" id="{4805E5CC-D6EE-4F14-BB14-E8A278269E58}"/>
+              </a:ext>
+            </a:extLst>
+          </p:cNvPr>
+          <p:cNvSpPr txBox="1"/>
+          <p:nvPr/>
+        </p:nvSpPr>
+        <p:spPr>
+          <a:xfrm>
+            <a:off x="10696877" y="3148690"/>
+            <a:ext cx="759324" cy="369332"/>
+          </a:xfrm>
+          <a:prstGeom prst="rect">
+            <a:avLst/>
+          </a:prstGeom>
+          <a:noFill/>
+        </p:spPr>
+        <p:txBody>
+          <a:bodyPr wrap="square" rtlCol="0">
+            <a:spAutoFit/>
+          </a:bodyPr>
+          <a:lstStyle/>
+          <a:p>
+            <a:r>
+              <a:rPr lang="en-US" dirty="0"/>
+              <a:t>x</a:t>
+            </a:r>
+          </a:p>
+        </p:txBody>
+      </p:sp>
+      <p:sp>
+        <p:nvSpPr>
+          <p:cNvPr id="250" name="TextBox 249">
+            <a:extLst>
+              <a:ext uri="{FF2B5EF4-FFF2-40B4-BE49-F238E27FC236}">
+                <a16:creationId xmlns:a16="http://schemas.microsoft.com/office/drawing/2014/main" id="{F8673E91-B288-4167-AA31-BF62C56E5265}"/>
+              </a:ext>
+            </a:extLst>
+          </p:cNvPr>
+          <p:cNvSpPr txBox="1"/>
+          <p:nvPr/>
+        </p:nvSpPr>
+        <p:spPr>
+          <a:xfrm>
+            <a:off x="9020478" y="1697530"/>
+            <a:ext cx="304791" cy="369332"/>
+          </a:xfrm>
+          <a:prstGeom prst="rect">
+            <a:avLst/>
+          </a:prstGeom>
+          <a:noFill/>
+        </p:spPr>
+        <p:txBody>
+          <a:bodyPr wrap="square" rtlCol="0">
+            <a:spAutoFit/>
+          </a:bodyPr>
+          <a:lstStyle/>
+          <a:p>
+            <a:r>
+              <a:rPr lang="en-US" dirty="0"/>
+              <a:t>y</a:t>
+            </a:r>
+          </a:p>
+        </p:txBody>
+      </p:sp>
+      <mc:AlternateContent xmlns:mc="http://schemas.openxmlformats.org/markup-compatibility/2006" xmlns:p14="http://schemas.microsoft.com/office/powerpoint/2010/main">
+        <mc:Choice Requires="p14">
+          <p:contentPart p14:bwMode="auto" r:id="rId3">
+            <p14:nvContentPartPr>
+              <p14:cNvPr id="294" name="Ink 293">
+                <a:extLst>
+                  <a:ext uri="{FF2B5EF4-FFF2-40B4-BE49-F238E27FC236}">
+                    <a16:creationId xmlns:a16="http://schemas.microsoft.com/office/drawing/2014/main" id="{A0E873E2-AA67-4172-9697-675686346D76}"/>
+                  </a:ext>
+                </a:extLst>
+              </p14:cNvPr>
+              <p14:cNvContentPartPr/>
+              <p14:nvPr/>
+            </p14:nvContentPartPr>
+            <p14:xfrm>
+              <a:off x="6233313" y="3604763"/>
+              <a:ext cx="1666080" cy="319320"/>
+            </p14:xfrm>
+          </p:contentPart>
+        </mc:Choice>
+        <mc:Fallback xmlns="">
+          <p:pic>
+            <p:nvPicPr>
+              <p:cNvPr id="294" name="Ink 293">
+                <a:extLst>
+                  <a:ext uri="{FF2B5EF4-FFF2-40B4-BE49-F238E27FC236}">
+                    <a16:creationId xmlns:a16="http://schemas.microsoft.com/office/drawing/2014/main" id="{A0E873E2-AA67-4172-9697-675686346D76}"/>
+                  </a:ext>
+                </a:extLst>
+              </p:cNvPr>
+              <p:cNvPicPr/>
+              <p:nvPr/>
+            </p:nvPicPr>
+            <p:blipFill>
+              <a:blip r:embed="rId4"/>
+              <a:stretch>
+                <a:fillRect/>
+              </a:stretch>
+            </p:blipFill>
+            <p:spPr>
+              <a:xfrm>
+                <a:off x="6224313" y="3595763"/>
+                <a:ext cx="1683720" cy="336960"/>
+              </a:xfrm>
+              <a:prstGeom prst="rect">
+                <a:avLst/>
+              </a:prstGeom>
+            </p:spPr>
+          </p:pic>
+        </mc:Fallback>
+      </mc:AlternateContent>
+      <mc:AlternateContent xmlns:mc="http://schemas.openxmlformats.org/markup-compatibility/2006" xmlns:p14="http://schemas.microsoft.com/office/powerpoint/2010/main">
+        <mc:Choice Requires="p14">
+          <p:contentPart p14:bwMode="auto" r:id="rId5">
+            <p14:nvContentPartPr>
+              <p14:cNvPr id="295" name="Ink 294">
+                <a:extLst>
+                  <a:ext uri="{FF2B5EF4-FFF2-40B4-BE49-F238E27FC236}">
+                    <a16:creationId xmlns:a16="http://schemas.microsoft.com/office/drawing/2014/main" id="{B8C82A7A-0B59-4DB9-A0FF-5DE17BE36A0E}"/>
+                  </a:ext>
+                </a:extLst>
+              </p14:cNvPr>
+              <p14:cNvContentPartPr/>
+              <p14:nvPr/>
+            </p14:nvContentPartPr>
+            <p14:xfrm>
+              <a:off x="9453153" y="3156563"/>
+              <a:ext cx="9360" cy="360"/>
+            </p14:xfrm>
+          </p:contentPart>
+        </mc:Choice>
+        <mc:Fallback xmlns="">
+          <p:pic>
+            <p:nvPicPr>
+              <p:cNvPr id="295" name="Ink 294">
+                <a:extLst>
+                  <a:ext uri="{FF2B5EF4-FFF2-40B4-BE49-F238E27FC236}">
+                    <a16:creationId xmlns:a16="http://schemas.microsoft.com/office/drawing/2014/main" id="{B8C82A7A-0B59-4DB9-A0FF-5DE17BE36A0E}"/>
+                  </a:ext>
+                </a:extLst>
+              </p:cNvPr>
+              <p:cNvPicPr/>
+              <p:nvPr/>
+            </p:nvPicPr>
+            <p:blipFill>
+              <a:blip r:embed="rId6"/>
+              <a:stretch>
+                <a:fillRect/>
+              </a:stretch>
+            </p:blipFill>
+            <p:spPr>
+              <a:xfrm>
+                <a:off x="9444153" y="3147563"/>
+                <a:ext cx="27000" cy="18000"/>
+              </a:xfrm>
+              <a:prstGeom prst="rect">
+                <a:avLst/>
+              </a:prstGeom>
+            </p:spPr>
+          </p:pic>
+        </mc:Fallback>
+      </mc:AlternateContent>
+      <mc:AlternateContent xmlns:mc="http://schemas.openxmlformats.org/markup-compatibility/2006" xmlns:p14="http://schemas.microsoft.com/office/powerpoint/2010/main">
+        <mc:Choice Requires="p14">
+          <p:contentPart p14:bwMode="auto" r:id="rId7">
+            <p14:nvContentPartPr>
+              <p14:cNvPr id="356" name="Ink 355">
+                <a:extLst>
+                  <a:ext uri="{FF2B5EF4-FFF2-40B4-BE49-F238E27FC236}">
+                    <a16:creationId xmlns:a16="http://schemas.microsoft.com/office/drawing/2014/main" id="{0C62523B-5440-41F0-9B72-2B51EBD2467A}"/>
+                  </a:ext>
+                </a:extLst>
+              </p14:cNvPr>
+              <p14:cNvContentPartPr/>
+              <p14:nvPr/>
+            </p14:nvContentPartPr>
+            <p14:xfrm>
+              <a:off x="9681393" y="3532043"/>
+              <a:ext cx="1513080" cy="363240"/>
+            </p14:xfrm>
+          </p:contentPart>
+        </mc:Choice>
+        <mc:Fallback xmlns="">
+          <p:pic>
+            <p:nvPicPr>
+              <p:cNvPr id="356" name="Ink 355">
+                <a:extLst>
+                  <a:ext uri="{FF2B5EF4-FFF2-40B4-BE49-F238E27FC236}">
+                    <a16:creationId xmlns:a16="http://schemas.microsoft.com/office/drawing/2014/main" id="{0C62523B-5440-41F0-9B72-2B51EBD2467A}"/>
+                  </a:ext>
+                </a:extLst>
+              </p:cNvPr>
+              <p:cNvPicPr/>
+              <p:nvPr/>
+            </p:nvPicPr>
+            <p:blipFill>
+              <a:blip r:embed="rId8"/>
+              <a:stretch>
+                <a:fillRect/>
+              </a:stretch>
+            </p:blipFill>
+            <p:spPr>
+              <a:xfrm>
+                <a:off x="9672393" y="3523043"/>
+                <a:ext cx="1530720" cy="380880"/>
+              </a:xfrm>
+              <a:prstGeom prst="rect">
+                <a:avLst/>
+              </a:prstGeom>
+            </p:spPr>
+          </p:pic>
+        </mc:Fallback>
+      </mc:AlternateContent>
+      <p:sp>
+        <p:nvSpPr>
+          <p:cNvPr id="357" name="TextBox 356">
+            <a:extLst>
+              <a:ext uri="{FF2B5EF4-FFF2-40B4-BE49-F238E27FC236}">
+                <a16:creationId xmlns:a16="http://schemas.microsoft.com/office/drawing/2014/main" id="{979641FD-FE59-486D-B556-67A15492CBF8}"/>
+              </a:ext>
+            </a:extLst>
+          </p:cNvPr>
+          <p:cNvSpPr txBox="1"/>
+          <p:nvPr/>
+        </p:nvSpPr>
+        <p:spPr>
+          <a:xfrm>
+            <a:off x="5867397" y="4114884"/>
+            <a:ext cx="3148768" cy="954107"/>
+          </a:xfrm>
+          <a:prstGeom prst="rect">
+            <a:avLst/>
+          </a:prstGeom>
+          <a:noFill/>
+        </p:spPr>
+        <p:txBody>
+          <a:bodyPr wrap="square" rtlCol="0">
+            <a:spAutoFit/>
+          </a:bodyPr>
+          <a:lstStyle/>
+          <a:p>
+            <a:r>
+              <a:rPr lang="en-US" sz="1400" b="1" dirty="0"/>
+              <a:t>When our model tries to cover most of the data points for each feature</a:t>
+            </a:r>
+          </a:p>
+          <a:p>
+            <a:r>
+              <a:rPr lang="en-US" sz="1400" b="1" dirty="0"/>
+              <a:t>When we provide too much of features to the model</a:t>
+            </a:r>
+          </a:p>
+        </p:txBody>
+      </p:sp>
+      <p:sp>
+        <p:nvSpPr>
+          <p:cNvPr id="359" name="TextBox 358">
+            <a:extLst>
+              <a:ext uri="{FF2B5EF4-FFF2-40B4-BE49-F238E27FC236}">
+                <a16:creationId xmlns:a16="http://schemas.microsoft.com/office/drawing/2014/main" id="{FD3DC332-35B3-4A6C-98A9-45182103DAA8}"/>
+              </a:ext>
+            </a:extLst>
+          </p:cNvPr>
+          <p:cNvSpPr txBox="1"/>
+          <p:nvPr/>
+        </p:nvSpPr>
+        <p:spPr>
+          <a:xfrm>
+            <a:off x="9122493" y="4101756"/>
+            <a:ext cx="3148768" cy="954107"/>
+          </a:xfrm>
+          <a:prstGeom prst="rect">
+            <a:avLst/>
+          </a:prstGeom>
+          <a:noFill/>
+        </p:spPr>
+        <p:txBody>
+          <a:bodyPr wrap="square" rtlCol="0">
+            <a:spAutoFit/>
+          </a:bodyPr>
+          <a:lstStyle/>
+          <a:p>
+            <a:r>
+              <a:rPr lang="en-US" sz="1400" b="1" dirty="0"/>
+              <a:t>When our model has nothing to do with features, and it does not cover any actual outcome</a:t>
+            </a:r>
+          </a:p>
+          <a:p>
+            <a:r>
+              <a:rPr lang="en-US" sz="1400" b="1" dirty="0"/>
+              <a:t>When we provide very less features</a:t>
             </a:r>
           </a:p>
         </p:txBody>
@@ -10755,13 +13347,16 @@
     </p:spTree>
     <p:extLst>
       <p:ext uri="{BB962C8B-B14F-4D97-AF65-F5344CB8AC3E}">
-        <p14:creationId xmlns:p14="http://schemas.microsoft.com/office/powerpoint/2010/main" val="3867772902"/>
+        <p14:creationId xmlns:p14="http://schemas.microsoft.com/office/powerpoint/2010/main" val="748130589"/>
       </p:ext>
     </p:extLst>
   </p:cSld>
   <p:clrMapOvr>
     <a:masterClrMapping/>
   </p:clrMapOvr>
+  <p:transition spd="slow">
+    <p:push dir="u"/>
+  </p:transition>
 </p:sld>
 </file>
 
@@ -10784,6 +13379,643 @@
       </p:grpSpPr>
       <p:sp>
         <p:nvSpPr>
+          <p:cNvPr id="11" name="Title 10"/>
+          <p:cNvSpPr>
+            <a:spLocks noGrp="1"/>
+          </p:cNvSpPr>
+          <p:nvPr>
+            <p:ph type="title"/>
+          </p:nvPr>
+        </p:nvSpPr>
+        <p:spPr>
+          <a:xfrm>
+            <a:off x="-20279" y="41354"/>
+            <a:ext cx="10969943" cy="711081"/>
+          </a:xfrm>
+        </p:spPr>
+        <p:txBody>
+          <a:bodyPr>
+            <a:noAutofit/>
+          </a:bodyPr>
+          <a:lstStyle/>
+          <a:p>
+            <a:r>
+              <a:rPr lang="en-IN" dirty="0">
+                <a:solidFill>
+                  <a:schemeClr val="tx2">
+                    <a:lumMod val="60000"/>
+                    <a:lumOff val="40000"/>
+                  </a:schemeClr>
+                </a:solidFill>
+                <a:latin typeface="Patua One" pitchFamily="2" charset="0"/>
+              </a:rPr>
+              <a:t>Matrices to check regression quality</a:t>
+            </a:r>
+          </a:p>
+        </p:txBody>
+      </p:sp>
+      <p:sp>
+        <p:nvSpPr>
+          <p:cNvPr id="37" name="TextBox 36">
+            <a:extLst>
+              <a:ext uri="{FF2B5EF4-FFF2-40B4-BE49-F238E27FC236}">
+                <a16:creationId xmlns:a16="http://schemas.microsoft.com/office/drawing/2014/main" id="{E8CAC22F-1542-4031-BC6C-A16989886504}"/>
+              </a:ext>
+            </a:extLst>
+          </p:cNvPr>
+          <p:cNvSpPr txBox="1"/>
+          <p:nvPr/>
+        </p:nvSpPr>
+        <p:spPr>
+          <a:xfrm>
+            <a:off x="4943872" y="6550224"/>
+            <a:ext cx="3456384" cy="307777"/>
+          </a:xfrm>
+          <a:prstGeom prst="rect">
+            <a:avLst/>
+          </a:prstGeom>
+          <a:noFill/>
+        </p:spPr>
+        <p:txBody>
+          <a:bodyPr wrap="square" rtlCol="0">
+            <a:spAutoFit/>
+          </a:bodyPr>
+          <a:lstStyle/>
+          <a:p>
+            <a:pPr defTabSz="1218987">
+              <a:defRPr/>
+            </a:pPr>
+            <a:r>
+              <a:rPr lang="en-US" sz="1400" b="1" dirty="0">
+                <a:solidFill>
+                  <a:prstClr val="black"/>
+                </a:solidFill>
+                <a:latin typeface="Arial Rounded MT Bold" panose="020F0704030504030204" pitchFamily="34" charset="0"/>
+                <a:ea typeface="Arial Unicode MS" panose="020B0604020202020204" pitchFamily="34" charset="-128"/>
+                <a:cs typeface="Arial Unicode MS" panose="020B0604020202020204" pitchFamily="34" charset="-128"/>
+              </a:rPr>
+              <a:t>www.anubhavtrainings.com</a:t>
+            </a:r>
+            <a:endParaRPr lang="en-IN" sz="1400" b="1" dirty="0">
+              <a:solidFill>
+                <a:prstClr val="black"/>
+              </a:solidFill>
+              <a:latin typeface="Arial Rounded MT Bold" panose="020F0704030504030204" pitchFamily="34" charset="0"/>
+              <a:ea typeface="Arial Unicode MS" panose="020B0604020202020204" pitchFamily="34" charset="-128"/>
+              <a:cs typeface="Arial Unicode MS" panose="020B0604020202020204" pitchFamily="34" charset="-128"/>
+            </a:endParaRPr>
+          </a:p>
+        </p:txBody>
+      </p:sp>
+      <p:pic>
+        <p:nvPicPr>
+          <p:cNvPr id="40" name="Picture 39">
+            <a:extLst>
+              <a:ext uri="{FF2B5EF4-FFF2-40B4-BE49-F238E27FC236}">
+                <a16:creationId xmlns:a16="http://schemas.microsoft.com/office/drawing/2014/main" id="{DA60E6FB-8C44-4FEB-B6E9-83DA908565CD}"/>
+              </a:ext>
+            </a:extLst>
+          </p:cNvPr>
+          <p:cNvPicPr>
+            <a:picLocks noChangeAspect="1"/>
+          </p:cNvPicPr>
+          <p:nvPr/>
+        </p:nvPicPr>
+        <p:blipFill>
+          <a:blip r:embed="rId2">
+            <a:extLst>
+              <a:ext uri="{28A0092B-C50C-407E-A947-70E740481C1C}">
+                <a14:useLocalDpi xmlns:a14="http://schemas.microsoft.com/office/drawing/2010/main" val="0"/>
+              </a:ext>
+            </a:extLst>
+          </a:blip>
+          <a:stretch>
+            <a:fillRect/>
+          </a:stretch>
+        </p:blipFill>
+        <p:spPr>
+          <a:xfrm>
+            <a:off x="9624393" y="106009"/>
+            <a:ext cx="2335203" cy="762895"/>
+          </a:xfrm>
+          <a:prstGeom prst="rect">
+            <a:avLst/>
+          </a:prstGeom>
+        </p:spPr>
+      </p:pic>
+      <p:cxnSp>
+        <p:nvCxnSpPr>
+          <p:cNvPr id="41" name="Straight Connector 40">
+            <a:extLst>
+              <a:ext uri="{FF2B5EF4-FFF2-40B4-BE49-F238E27FC236}">
+                <a16:creationId xmlns:a16="http://schemas.microsoft.com/office/drawing/2014/main" id="{3B3B7D73-CAE9-45AC-ACCE-FAEF4E505C7A}"/>
+              </a:ext>
+            </a:extLst>
+          </p:cNvPr>
+          <p:cNvCxnSpPr/>
+          <p:nvPr/>
+        </p:nvCxnSpPr>
+        <p:spPr>
+          <a:xfrm>
+            <a:off x="1588" y="764704"/>
+            <a:ext cx="6479584" cy="0"/>
+          </a:xfrm>
+          <a:prstGeom prst="line">
+            <a:avLst/>
+          </a:prstGeom>
+        </p:spPr>
+        <p:style>
+          <a:lnRef idx="2">
+            <a:schemeClr val="accent6"/>
+          </a:lnRef>
+          <a:fillRef idx="0">
+            <a:schemeClr val="accent6"/>
+          </a:fillRef>
+          <a:effectRef idx="1">
+            <a:schemeClr val="accent6"/>
+          </a:effectRef>
+          <a:fontRef idx="minor">
+            <a:schemeClr val="tx1"/>
+          </a:fontRef>
+        </p:style>
+      </p:cxnSp>
+      <p:pic>
+        <p:nvPicPr>
+          <p:cNvPr id="2" name="Picture 1">
+            <a:extLst>
+              <a:ext uri="{FF2B5EF4-FFF2-40B4-BE49-F238E27FC236}">
+                <a16:creationId xmlns:a16="http://schemas.microsoft.com/office/drawing/2014/main" id="{BE3A0870-F741-4A04-933F-6678A44A8D7A}"/>
+              </a:ext>
+            </a:extLst>
+          </p:cNvPr>
+          <p:cNvPicPr>
+            <a:picLocks noChangeAspect="1"/>
+          </p:cNvPicPr>
+          <p:nvPr/>
+        </p:nvPicPr>
+        <p:blipFill>
+          <a:blip r:embed="rId3"/>
+          <a:stretch>
+            <a:fillRect/>
+          </a:stretch>
+        </p:blipFill>
+        <p:spPr>
+          <a:xfrm>
+            <a:off x="263352" y="1102433"/>
+            <a:ext cx="4824536" cy="5318679"/>
+          </a:xfrm>
+          <a:prstGeom prst="rect">
+            <a:avLst/>
+          </a:prstGeom>
+        </p:spPr>
+      </p:pic>
+      <p:sp>
+        <p:nvSpPr>
+          <p:cNvPr id="3" name="TextBox 2">
+            <a:extLst>
+              <a:ext uri="{FF2B5EF4-FFF2-40B4-BE49-F238E27FC236}">
+                <a16:creationId xmlns:a16="http://schemas.microsoft.com/office/drawing/2014/main" id="{2FDE069B-C593-4FF4-8BE8-B8FBBD17AB9F}"/>
+              </a:ext>
+            </a:extLst>
+          </p:cNvPr>
+          <p:cNvSpPr txBox="1"/>
+          <p:nvPr/>
+        </p:nvSpPr>
+        <p:spPr>
+          <a:xfrm>
+            <a:off x="5113145" y="938408"/>
+            <a:ext cx="6670849" cy="646331"/>
+          </a:xfrm>
+          <a:prstGeom prst="rect">
+            <a:avLst/>
+          </a:prstGeom>
+          <a:noFill/>
+        </p:spPr>
+        <p:txBody>
+          <a:bodyPr wrap="square" rtlCol="0">
+            <a:spAutoFit/>
+          </a:bodyPr>
+          <a:lstStyle/>
+          <a:p>
+            <a:r>
+              <a:rPr lang="en-US" b="1" dirty="0"/>
+              <a:t>How far our actual values are from predicted values. – Residual / deviation</a:t>
+            </a:r>
+          </a:p>
+        </p:txBody>
+      </p:sp>
+    </p:spTree>
+    <p:extLst>
+      <p:ext uri="{BB962C8B-B14F-4D97-AF65-F5344CB8AC3E}">
+        <p14:creationId xmlns:p14="http://schemas.microsoft.com/office/powerpoint/2010/main" val="3942472168"/>
+      </p:ext>
+    </p:extLst>
+  </p:cSld>
+  <p:clrMapOvr>
+    <a:masterClrMapping/>
+  </p:clrMapOvr>
+  <p:transition spd="slow">
+    <p:push dir="u"/>
+  </p:transition>
+</p:sld>
+</file>
+
+<file path=ppt/slides/slide13.xml><?xml version="1.0" encoding="utf-8"?>
+<p:sld xmlns:a="http://schemas.openxmlformats.org/drawingml/2006/main" xmlns:r="http://schemas.openxmlformats.org/officeDocument/2006/relationships" xmlns:p="http://schemas.openxmlformats.org/presentationml/2006/main">
+  <p:cSld>
+    <p:spTree>
+      <p:nvGrpSpPr>
+        <p:cNvPr id="1" name=""/>
+        <p:cNvGrpSpPr/>
+        <p:nvPr/>
+      </p:nvGrpSpPr>
+      <p:grpSpPr>
+        <a:xfrm>
+          <a:off x="0" y="0"/>
+          <a:ext cx="0" cy="0"/>
+          <a:chOff x="0" y="0"/>
+          <a:chExt cx="0" cy="0"/>
+        </a:xfrm>
+      </p:grpSpPr>
+      <p:sp>
+        <p:nvSpPr>
+          <p:cNvPr id="11" name="Title 10"/>
+          <p:cNvSpPr>
+            <a:spLocks noGrp="1"/>
+          </p:cNvSpPr>
+          <p:nvPr>
+            <p:ph type="title"/>
+          </p:nvPr>
+        </p:nvSpPr>
+        <p:spPr>
+          <a:xfrm>
+            <a:off x="-20279" y="41354"/>
+            <a:ext cx="10969943" cy="711081"/>
+          </a:xfrm>
+        </p:spPr>
+        <p:txBody>
+          <a:bodyPr>
+            <a:noAutofit/>
+          </a:bodyPr>
+          <a:lstStyle/>
+          <a:p>
+            <a:r>
+              <a:rPr lang="en-IN" dirty="0">
+                <a:solidFill>
+                  <a:schemeClr val="tx2">
+                    <a:lumMod val="60000"/>
+                    <a:lumOff val="40000"/>
+                  </a:schemeClr>
+                </a:solidFill>
+                <a:latin typeface="Patua One" pitchFamily="2" charset="0"/>
+              </a:rPr>
+              <a:t>RMSE &amp; MAPE</a:t>
+            </a:r>
+          </a:p>
+        </p:txBody>
+      </p:sp>
+      <p:sp>
+        <p:nvSpPr>
+          <p:cNvPr id="37" name="TextBox 36">
+            <a:extLst>
+              <a:ext uri="{FF2B5EF4-FFF2-40B4-BE49-F238E27FC236}">
+                <a16:creationId xmlns:a16="http://schemas.microsoft.com/office/drawing/2014/main" id="{E8CAC22F-1542-4031-BC6C-A16989886504}"/>
+              </a:ext>
+            </a:extLst>
+          </p:cNvPr>
+          <p:cNvSpPr txBox="1"/>
+          <p:nvPr/>
+        </p:nvSpPr>
+        <p:spPr>
+          <a:xfrm>
+            <a:off x="4943872" y="6550224"/>
+            <a:ext cx="3456384" cy="307777"/>
+          </a:xfrm>
+          <a:prstGeom prst="rect">
+            <a:avLst/>
+          </a:prstGeom>
+          <a:noFill/>
+        </p:spPr>
+        <p:txBody>
+          <a:bodyPr wrap="square" rtlCol="0">
+            <a:spAutoFit/>
+          </a:bodyPr>
+          <a:lstStyle/>
+          <a:p>
+            <a:pPr defTabSz="1218987">
+              <a:defRPr/>
+            </a:pPr>
+            <a:r>
+              <a:rPr lang="en-US" sz="1400" b="1" dirty="0">
+                <a:solidFill>
+                  <a:prstClr val="black"/>
+                </a:solidFill>
+                <a:latin typeface="Arial Rounded MT Bold" panose="020F0704030504030204" pitchFamily="34" charset="0"/>
+                <a:ea typeface="Arial Unicode MS" panose="020B0604020202020204" pitchFamily="34" charset="-128"/>
+                <a:cs typeface="Arial Unicode MS" panose="020B0604020202020204" pitchFamily="34" charset="-128"/>
+              </a:rPr>
+              <a:t>www.anubhavtrainings.com</a:t>
+            </a:r>
+            <a:endParaRPr lang="en-IN" sz="1400" b="1" dirty="0">
+              <a:solidFill>
+                <a:prstClr val="black"/>
+              </a:solidFill>
+              <a:latin typeface="Arial Rounded MT Bold" panose="020F0704030504030204" pitchFamily="34" charset="0"/>
+              <a:ea typeface="Arial Unicode MS" panose="020B0604020202020204" pitchFamily="34" charset="-128"/>
+              <a:cs typeface="Arial Unicode MS" panose="020B0604020202020204" pitchFamily="34" charset="-128"/>
+            </a:endParaRPr>
+          </a:p>
+        </p:txBody>
+      </p:sp>
+      <p:pic>
+        <p:nvPicPr>
+          <p:cNvPr id="40" name="Picture 39">
+            <a:extLst>
+              <a:ext uri="{FF2B5EF4-FFF2-40B4-BE49-F238E27FC236}">
+                <a16:creationId xmlns:a16="http://schemas.microsoft.com/office/drawing/2014/main" id="{DA60E6FB-8C44-4FEB-B6E9-83DA908565CD}"/>
+              </a:ext>
+            </a:extLst>
+          </p:cNvPr>
+          <p:cNvPicPr>
+            <a:picLocks noChangeAspect="1"/>
+          </p:cNvPicPr>
+          <p:nvPr/>
+        </p:nvPicPr>
+        <p:blipFill>
+          <a:blip r:embed="rId2">
+            <a:extLst>
+              <a:ext uri="{28A0092B-C50C-407E-A947-70E740481C1C}">
+                <a14:useLocalDpi xmlns:a14="http://schemas.microsoft.com/office/drawing/2010/main" val="0"/>
+              </a:ext>
+            </a:extLst>
+          </a:blip>
+          <a:stretch>
+            <a:fillRect/>
+          </a:stretch>
+        </p:blipFill>
+        <p:spPr>
+          <a:xfrm>
+            <a:off x="9624393" y="106009"/>
+            <a:ext cx="2335203" cy="762895"/>
+          </a:xfrm>
+          <a:prstGeom prst="rect">
+            <a:avLst/>
+          </a:prstGeom>
+        </p:spPr>
+      </p:pic>
+      <p:cxnSp>
+        <p:nvCxnSpPr>
+          <p:cNvPr id="41" name="Straight Connector 40">
+            <a:extLst>
+              <a:ext uri="{FF2B5EF4-FFF2-40B4-BE49-F238E27FC236}">
+                <a16:creationId xmlns:a16="http://schemas.microsoft.com/office/drawing/2014/main" id="{3B3B7D73-CAE9-45AC-ACCE-FAEF4E505C7A}"/>
+              </a:ext>
+            </a:extLst>
+          </p:cNvPr>
+          <p:cNvCxnSpPr/>
+          <p:nvPr/>
+        </p:nvCxnSpPr>
+        <p:spPr>
+          <a:xfrm>
+            <a:off x="1588" y="764704"/>
+            <a:ext cx="6479584" cy="0"/>
+          </a:xfrm>
+          <a:prstGeom prst="line">
+            <a:avLst/>
+          </a:prstGeom>
+        </p:spPr>
+        <p:style>
+          <a:lnRef idx="2">
+            <a:schemeClr val="accent6"/>
+          </a:lnRef>
+          <a:fillRef idx="0">
+            <a:schemeClr val="accent6"/>
+          </a:fillRef>
+          <a:effectRef idx="1">
+            <a:schemeClr val="accent6"/>
+          </a:effectRef>
+          <a:fontRef idx="minor">
+            <a:schemeClr val="tx1"/>
+          </a:fontRef>
+        </p:style>
+      </p:cxnSp>
+      <p:sp>
+        <p:nvSpPr>
+          <p:cNvPr id="4" name="Content Placeholder 3">
+            <a:extLst>
+              <a:ext uri="{FF2B5EF4-FFF2-40B4-BE49-F238E27FC236}">
+                <a16:creationId xmlns:a16="http://schemas.microsoft.com/office/drawing/2014/main" id="{9596F4A2-567E-4A2C-A543-E303D822C70E}"/>
+              </a:ext>
+            </a:extLst>
+          </p:cNvPr>
+          <p:cNvSpPr>
+            <a:spLocks noGrp="1"/>
+          </p:cNvSpPr>
+          <p:nvPr>
+            <p:ph sz="quarter" idx="13"/>
+          </p:nvPr>
+        </p:nvSpPr>
+        <p:spPr>
+          <a:xfrm>
+            <a:off x="152400" y="881174"/>
+            <a:ext cx="10972800" cy="484187"/>
+          </a:xfrm>
+        </p:spPr>
+        <p:txBody>
+          <a:bodyPr/>
+          <a:lstStyle/>
+          <a:p>
+            <a:r>
+              <a:rPr lang="en-US" dirty="0"/>
+              <a:t>RMSD/RMSE – Root mean Square Residual (Error)</a:t>
+            </a:r>
+          </a:p>
+        </p:txBody>
+      </p:sp>
+      <p:sp>
+        <p:nvSpPr>
+          <p:cNvPr id="217" name="TextBox 216">
+            <a:extLst>
+              <a:ext uri="{FF2B5EF4-FFF2-40B4-BE49-F238E27FC236}">
+                <a16:creationId xmlns:a16="http://schemas.microsoft.com/office/drawing/2014/main" id="{3A92E90A-4DAB-43CA-8E8D-3BFE0C237B20}"/>
+              </a:ext>
+            </a:extLst>
+          </p:cNvPr>
+          <p:cNvSpPr txBox="1"/>
+          <p:nvPr/>
+        </p:nvSpPr>
+        <p:spPr>
+          <a:xfrm>
+            <a:off x="152401" y="3921563"/>
+            <a:ext cx="11807195" cy="923330"/>
+          </a:xfrm>
+          <a:prstGeom prst="rect">
+            <a:avLst/>
+          </a:prstGeom>
+          <a:noFill/>
+        </p:spPr>
+        <p:txBody>
+          <a:bodyPr wrap="square" rtlCol="0">
+            <a:spAutoFit/>
+          </a:bodyPr>
+          <a:lstStyle/>
+          <a:p>
+            <a:r>
+              <a:rPr lang="en-US" dirty="0"/>
+              <a:t>The value of RMSE can range between 0 to infinite which is difficult to be interpreted by the business, in order to make our business user understand the power of our model, we relies on a % based measure. This is called MAPE (Meal Absolute Percentage Error)</a:t>
+            </a:r>
+          </a:p>
+        </p:txBody>
+      </p:sp>
+    </p:spTree>
+    <p:extLst>
+      <p:ext uri="{BB962C8B-B14F-4D97-AF65-F5344CB8AC3E}">
+        <p14:creationId xmlns:p14="http://schemas.microsoft.com/office/powerpoint/2010/main" val="2919730680"/>
+      </p:ext>
+    </p:extLst>
+  </p:cSld>
+  <p:clrMapOvr>
+    <a:masterClrMapping/>
+  </p:clrMapOvr>
+  <p:transition spd="slow">
+    <p:push dir="u"/>
+  </p:transition>
+</p:sld>
+</file>
+
+<file path=ppt/slides/slide14.xml><?xml version="1.0" encoding="utf-8"?>
+<p:sld xmlns:a="http://schemas.openxmlformats.org/drawingml/2006/main" xmlns:r="http://schemas.openxmlformats.org/officeDocument/2006/relationships" xmlns:p="http://schemas.openxmlformats.org/presentationml/2006/main">
+  <p:cSld>
+    <p:spTree>
+      <p:nvGrpSpPr>
+        <p:cNvPr id="1" name=""/>
+        <p:cNvGrpSpPr/>
+        <p:nvPr/>
+      </p:nvGrpSpPr>
+      <p:grpSpPr>
+        <a:xfrm>
+          <a:off x="0" y="0"/>
+          <a:ext cx="0" cy="0"/>
+          <a:chOff x="0" y="0"/>
+          <a:chExt cx="0" cy="0"/>
+        </a:xfrm>
+      </p:grpSpPr>
+      <p:sp>
+        <p:nvSpPr>
+          <p:cNvPr id="2" name="Title 3">
+            <a:extLst>
+              <a:ext uri="{FF2B5EF4-FFF2-40B4-BE49-F238E27FC236}">
+                <a16:creationId xmlns:a16="http://schemas.microsoft.com/office/drawing/2014/main" id="{F07FC580-E2AB-4C55-8C95-D5E077A1D127}"/>
+              </a:ext>
+            </a:extLst>
+          </p:cNvPr>
+          <p:cNvSpPr txBox="1">
+            <a:spLocks/>
+          </p:cNvSpPr>
+          <p:nvPr/>
+        </p:nvSpPr>
+        <p:spPr>
+          <a:xfrm>
+            <a:off x="261764" y="188640"/>
+            <a:ext cx="11292008" cy="711081"/>
+          </a:xfrm>
+          <a:prstGeom prst="rect">
+            <a:avLst/>
+          </a:prstGeom>
+        </p:spPr>
+        <p:txBody>
+          <a:bodyPr/>
+          <a:lstStyle>
+            <a:lvl1pPr algn="l" defTabSz="914400" rtl="0" eaLnBrk="1" latinLnBrk="0" hangingPunct="1">
+              <a:lnSpc>
+                <a:spcPct val="90000"/>
+              </a:lnSpc>
+              <a:spcBef>
+                <a:spcPct val="0"/>
+              </a:spcBef>
+              <a:buNone/>
+              <a:defRPr sz="4400" kern="1200">
+                <a:solidFill>
+                  <a:schemeClr val="tx1"/>
+                </a:solidFill>
+                <a:latin typeface="+mj-lt"/>
+                <a:ea typeface="+mj-ea"/>
+                <a:cs typeface="+mj-cs"/>
+              </a:defRPr>
+            </a:lvl1pPr>
+          </a:lstStyle>
+          <a:p>
+            <a:endParaRPr lang="en-US" b="1" dirty="0"/>
+          </a:p>
+        </p:txBody>
+      </p:sp>
+      <p:sp>
+        <p:nvSpPr>
+          <p:cNvPr id="7" name="TextBox 6">
+            <a:extLst>
+              <a:ext uri="{FF2B5EF4-FFF2-40B4-BE49-F238E27FC236}">
+                <a16:creationId xmlns:a16="http://schemas.microsoft.com/office/drawing/2014/main" id="{17EB74BE-8011-4153-8F37-3BEF9C1F4CC0}"/>
+              </a:ext>
+            </a:extLst>
+          </p:cNvPr>
+          <p:cNvSpPr txBox="1"/>
+          <p:nvPr/>
+        </p:nvSpPr>
+        <p:spPr>
+          <a:xfrm>
+            <a:off x="3512128" y="2507734"/>
+            <a:ext cx="6174508" cy="1323439"/>
+          </a:xfrm>
+          <a:prstGeom prst="rect">
+            <a:avLst/>
+          </a:prstGeom>
+          <a:noFill/>
+        </p:spPr>
+        <p:txBody>
+          <a:bodyPr wrap="square">
+            <a:spAutoFit/>
+          </a:bodyPr>
+          <a:lstStyle/>
+          <a:p>
+            <a:r>
+              <a:rPr lang="en-US" sz="8000" b="1" dirty="0"/>
+              <a:t>End of Day 8</a:t>
+            </a:r>
+          </a:p>
+        </p:txBody>
+      </p:sp>
+    </p:spTree>
+    <p:extLst>
+      <p:ext uri="{BB962C8B-B14F-4D97-AF65-F5344CB8AC3E}">
+        <p14:creationId xmlns:p14="http://schemas.microsoft.com/office/powerpoint/2010/main" val="3867772902"/>
+      </p:ext>
+    </p:extLst>
+  </p:cSld>
+  <p:clrMapOvr>
+    <a:masterClrMapping/>
+  </p:clrMapOvr>
+</p:sld>
+</file>
+
+<file path=ppt/slides/slide15.xml><?xml version="1.0" encoding="utf-8"?>
+<p:sld xmlns:a="http://schemas.openxmlformats.org/drawingml/2006/main" xmlns:r="http://schemas.openxmlformats.org/officeDocument/2006/relationships" xmlns:p="http://schemas.openxmlformats.org/presentationml/2006/main">
+  <p:cSld>
+    <p:spTree>
+      <p:nvGrpSpPr>
+        <p:cNvPr id="1" name=""/>
+        <p:cNvGrpSpPr/>
+        <p:nvPr/>
+      </p:nvGrpSpPr>
+      <p:grpSpPr>
+        <a:xfrm>
+          <a:off x="0" y="0"/>
+          <a:ext cx="0" cy="0"/>
+          <a:chOff x="0" y="0"/>
+          <a:chExt cx="0" cy="0"/>
+        </a:xfrm>
+      </p:grpSpPr>
+      <p:sp>
+        <p:nvSpPr>
           <p:cNvPr id="2" name="Title 1">
             <a:extLst>
               <a:ext uri="{FF2B5EF4-FFF2-40B4-BE49-F238E27FC236}">
@@ -10845,7 +14077,7 @@
 </p:sld>
 </file>
 
-<file path=ppt/slides/slide13.xml><?xml version="1.0" encoding="utf-8"?>
+<file path=ppt/slides/slide16.xml><?xml version="1.0" encoding="utf-8"?>
 <p:sld xmlns:a="http://schemas.openxmlformats.org/drawingml/2006/main" xmlns:r="http://schemas.openxmlformats.org/officeDocument/2006/relationships" xmlns:p="http://schemas.openxmlformats.org/presentationml/2006/main">
   <p:cSld>
     <p:spTree>
@@ -10955,7 +14187,7 @@
 </p:sld>
 </file>
 
-<file path=ppt/slides/slide14.xml><?xml version="1.0" encoding="utf-8"?>
+<file path=ppt/slides/slide17.xml><?xml version="1.0" encoding="utf-8"?>
 <p:sld xmlns:a="http://schemas.openxmlformats.org/drawingml/2006/main" xmlns:r="http://schemas.openxmlformats.org/officeDocument/2006/relationships" xmlns:p="http://schemas.openxmlformats.org/presentationml/2006/main">
   <p:cSld>
     <p:bg>
@@ -11330,7 +14562,7 @@
         <p:spPr>
           <a:xfrm>
             <a:off x="247878" y="982353"/>
-            <a:ext cx="11696243" cy="4031873"/>
+            <a:ext cx="11696243" cy="3539430"/>
           </a:xfrm>
           <a:prstGeom prst="rect">
             <a:avLst/>
@@ -11376,30 +14608,6 @@
                 <a:cs typeface="+mn-cs"/>
               </a:rPr>
               <a:t>Classification Concept and Scenario</a:t>
-            </a:r>
-          </a:p>
-          <a:p>
-            <a:pPr marL="742950" lvl="1" indent="-285750">
-              <a:buFont typeface="Arial" panose="020B0604020202020204" pitchFamily="34" charset="0"/>
-              <a:buChar char="•"/>
-              <a:defRPr/>
-            </a:pPr>
-            <a:r>
-              <a:rPr kumimoji="0" lang="en-US" sz="1600" b="0" i="0" u="none" strike="noStrike" kern="1200" cap="none" spc="0" normalizeH="0" baseline="0" noProof="0" dirty="0">
-                <a:ln>
-                  <a:noFill/>
-                </a:ln>
-                <a:solidFill>
-                  <a:prstClr val="black"/>
-                </a:solidFill>
-                <a:effectLst/>
-                <a:uLnTx/>
-                <a:uFillTx/>
-                <a:latin typeface="Calibri" panose="020F0502020204030204"/>
-                <a:ea typeface="+mn-ea"/>
-                <a:cs typeface="+mn-cs"/>
-              </a:rPr>
-              <a:t>Logistic Regression Example</a:t>
             </a:r>
           </a:p>
           <a:p>
@@ -11729,31 +14937,7 @@
                 <a:ea typeface="+mn-ea"/>
                 <a:cs typeface="+mn-cs"/>
               </a:rPr>
-              <a:t>	Quadrantile</a:t>
-            </a:r>
-          </a:p>
-          <a:p>
-            <a:pPr marL="742950" lvl="1" indent="-285750">
-              <a:buFont typeface="Arial" panose="020B0604020202020204" pitchFamily="34" charset="0"/>
-              <a:buChar char="•"/>
-              <a:defRPr/>
-            </a:pPr>
-            <a:r>
-              <a:rPr kumimoji="0" lang="en-US" sz="1600" b="0" i="0" u="none" strike="noStrike" kern="1200" cap="none" spc="0" normalizeH="0" baseline="0" noProof="0" dirty="0">
-                <a:ln>
-                  <a:noFill/>
-                </a:ln>
-                <a:solidFill>
-                  <a:prstClr val="black"/>
-                </a:solidFill>
-                <a:effectLst/>
-                <a:uLnTx/>
-                <a:uFillTx/>
-                <a:latin typeface="Calibri" panose="020F0502020204030204"/>
-                <a:ea typeface="+mn-ea"/>
-                <a:cs typeface="+mn-cs"/>
-              </a:rPr>
-              <a:t>	Our HR Scenario</a:t>
+              <a:t>	Our HR Scenario &lt;next day&gt;</a:t>
             </a:r>
             <a:r>
               <a:rPr lang="en-US" sz="1600" dirty="0">
@@ -15783,7 +18967,7 @@
                 </a:solidFill>
                 <a:latin typeface="Patua One" pitchFamily="2" charset="0"/>
               </a:rPr>
-              <a:t>Regression Concept</a:t>
+              <a:t>ROC and AUC</a:t>
             </a:r>
           </a:p>
         </p:txBody>
@@ -15915,105 +19099,41 @@
       </p:cxnSp>
       <p:sp>
         <p:nvSpPr>
-          <p:cNvPr id="4" name="Content Placeholder 3">
+          <p:cNvPr id="2" name="TextBox 1">
             <a:extLst>
               <a:ext uri="{FF2B5EF4-FFF2-40B4-BE49-F238E27FC236}">
-                <a16:creationId xmlns:a16="http://schemas.microsoft.com/office/drawing/2014/main" id="{502FC43D-EFB6-4F3B-B176-68397577827F}"/>
+                <a16:creationId xmlns:a16="http://schemas.microsoft.com/office/drawing/2014/main" id="{EA5A1026-75BF-44A7-A9CD-CF55A7B680D3}"/>
               </a:ext>
             </a:extLst>
           </p:cNvPr>
-          <p:cNvSpPr>
-            <a:spLocks noGrp="1"/>
-          </p:cNvSpPr>
-          <p:nvPr>
-            <p:ph sz="quarter" idx="13"/>
-          </p:nvPr>
+          <p:cNvSpPr txBox="1"/>
+          <p:nvPr/>
         </p:nvSpPr>
         <p:spPr>
           <a:xfrm>
-            <a:off x="228600" y="933558"/>
-            <a:ext cx="11811001" cy="5628931"/>
+            <a:off x="20515" y="835431"/>
+            <a:ext cx="12268200" cy="923330"/>
           </a:xfrm>
+          <a:prstGeom prst="rect">
+            <a:avLst/>
+          </a:prstGeom>
+          <a:noFill/>
         </p:spPr>
         <p:txBody>
-          <a:bodyPr/>
+          <a:bodyPr wrap="square" rtlCol="0">
+            <a:spAutoFit/>
+          </a:bodyPr>
           <a:lstStyle/>
           <a:p>
             <a:r>
               <a:rPr lang="en-US" dirty="0"/>
-              <a:t>If our machine learning scenario would like to predict the dependent variable which is of type continuous (number) we use regression scenario.</a:t>
+              <a:t>If we check our accuracy with different-different models (200), system will product 200 different matrixes, which are difficult for us to compare manually, so we rely on the ROC Curve, which is easy as compared to matrixes to compare.</a:t>
             </a:r>
           </a:p>
           <a:p>
             <a:r>
               <a:rPr lang="en-US" dirty="0"/>
-              <a:t>There are 2 types of regression :-</a:t>
-            </a:r>
-          </a:p>
-          <a:p>
-            <a:r>
-              <a:rPr lang="en-US" dirty="0"/>
-              <a:t>Linear Regression – When my dependent variable is precisely dependent on one independent variable, we use linear regression.</a:t>
-            </a:r>
-          </a:p>
-          <a:p>
-            <a:r>
-              <a:rPr lang="en-US" dirty="0"/>
-              <a:t>Multi-regression – When my dependent variable is dependent on Multiple independent variables we can use multi-regression.</a:t>
-            </a:r>
-          </a:p>
-          <a:p>
-            <a:r>
-              <a:rPr lang="en-US" dirty="0" err="1"/>
-              <a:t>Eg.</a:t>
-            </a:r>
-            <a:r>
-              <a:rPr lang="en-US" dirty="0"/>
-              <a:t> Predict </a:t>
-            </a:r>
-            <a:r>
-              <a:rPr lang="en-US" b="1" dirty="0"/>
-              <a:t>house price </a:t>
-            </a:r>
-            <a:r>
-              <a:rPr lang="en-US" dirty="0"/>
-              <a:t>based on the different factors. </a:t>
-            </a:r>
-          </a:p>
-          <a:p>
-            <a:r>
-              <a:rPr lang="en-US" dirty="0"/>
-              <a:t>What will be the </a:t>
-            </a:r>
-            <a:r>
-              <a:rPr lang="en-US" b="1" dirty="0"/>
-              <a:t>% score </a:t>
-            </a:r>
-            <a:r>
-              <a:rPr lang="en-US" dirty="0"/>
-              <a:t>in exam depending on hours spent, book studied, practice papers tested.</a:t>
-            </a:r>
-          </a:p>
-          <a:p>
-            <a:r>
-              <a:rPr lang="en-US" dirty="0"/>
-              <a:t>What will be my </a:t>
-            </a:r>
-            <a:r>
-              <a:rPr lang="en-US" b="1" dirty="0"/>
-              <a:t>annual sales </a:t>
-            </a:r>
-            <a:r>
-              <a:rPr lang="en-US" dirty="0"/>
-              <a:t>depending on factors like employee, </a:t>
-            </a:r>
-            <a:r>
-              <a:rPr lang="en-US" dirty="0" err="1"/>
-              <a:t>cust</a:t>
-            </a:r>
-            <a:r>
-              <a:rPr lang="en-US" dirty="0"/>
-              <a:t>. Visits, leads,…</a:t>
+              <a:t>ROC (Receiver Operating Characteristics – Plat between TPR v/s FPR)</a:t>
             </a:r>
           </a:p>
         </p:txBody>
@@ -16021,7 +19141,7 @@
     </p:spTree>
     <p:extLst>
       <p:ext uri="{BB962C8B-B14F-4D97-AF65-F5344CB8AC3E}">
-        <p14:creationId xmlns:p14="http://schemas.microsoft.com/office/powerpoint/2010/main" val="1700320375"/>
+        <p14:creationId xmlns:p14="http://schemas.microsoft.com/office/powerpoint/2010/main" val="2342871116"/>
       </p:ext>
     </p:extLst>
   </p:cSld>
@@ -16074,17 +19194,18 @@
           <a:lstStyle/>
           <a:p>
             <a:r>
-              <a:rPr lang="en-IN" dirty="0">
-                <a:solidFill>
-                  <a:schemeClr val="tx2">
-                    <a:lumMod val="60000"/>
-                    <a:lumOff val="40000"/>
-                  </a:schemeClr>
-                </a:solidFill>
-                <a:latin typeface="Patua One" pitchFamily="2" charset="0"/>
-              </a:rPr>
-              <a:t>Model look like</a:t>
-            </a:r>
+              <a:rPr lang="en-US" dirty="0"/>
+              <a:t>Metrices</a:t>
+            </a:r>
+            <a:endParaRPr lang="en-IN" dirty="0">
+              <a:solidFill>
+                <a:schemeClr val="tx2">
+                  <a:lumMod val="60000"/>
+                  <a:lumOff val="40000"/>
+                </a:schemeClr>
+              </a:solidFill>
+              <a:latin typeface="Patua One" pitchFamily="2" charset="0"/>
+            </a:endParaRPr>
           </a:p>
         </p:txBody>
       </p:sp>
@@ -16213,90 +19334,12 @@
           </a:fontRef>
         </p:style>
       </p:cxnSp>
-      <p:cxnSp>
-        <p:nvCxnSpPr>
-          <p:cNvPr id="6" name="Straight Arrow Connector 5">
+      <p:sp>
+        <p:nvSpPr>
+          <p:cNvPr id="7" name="TextBox 6">
             <a:extLst>
               <a:ext uri="{FF2B5EF4-FFF2-40B4-BE49-F238E27FC236}">
-                <a16:creationId xmlns:a16="http://schemas.microsoft.com/office/drawing/2014/main" id="{CF01A2FF-B0DF-4AEB-AF33-302BC4F25C73}"/>
-              </a:ext>
-            </a:extLst>
-          </p:cNvPr>
-          <p:cNvCxnSpPr/>
-          <p:nvPr/>
-        </p:nvCxnSpPr>
-        <p:spPr>
-          <a:xfrm flipV="1">
-            <a:off x="990600" y="1066800"/>
-            <a:ext cx="0" cy="2438400"/>
-          </a:xfrm>
-          <a:prstGeom prst="straightConnector1">
-            <a:avLst/>
-          </a:prstGeom>
-          <a:ln>
-            <a:tailEnd type="triangle"/>
-          </a:ln>
-        </p:spPr>
-        <p:style>
-          <a:lnRef idx="1">
-            <a:schemeClr val="accent1"/>
-          </a:lnRef>
-          <a:fillRef idx="0">
-            <a:schemeClr val="accent1"/>
-          </a:fillRef>
-          <a:effectRef idx="0">
-            <a:schemeClr val="accent1"/>
-          </a:effectRef>
-          <a:fontRef idx="minor">
-            <a:schemeClr val="tx1"/>
-          </a:fontRef>
-        </p:style>
-      </p:cxnSp>
-      <p:cxnSp>
-        <p:nvCxnSpPr>
-          <p:cNvPr id="8" name="Straight Arrow Connector 7">
-            <a:extLst>
-              <a:ext uri="{FF2B5EF4-FFF2-40B4-BE49-F238E27FC236}">
-                <a16:creationId xmlns:a16="http://schemas.microsoft.com/office/drawing/2014/main" id="{9B61A3DE-C4F1-48C9-9300-94CB16470B9B}"/>
-              </a:ext>
-            </a:extLst>
-          </p:cNvPr>
-          <p:cNvCxnSpPr/>
-          <p:nvPr/>
-        </p:nvCxnSpPr>
-        <p:spPr>
-          <a:xfrm>
-            <a:off x="914400" y="3429000"/>
-            <a:ext cx="3733800" cy="0"/>
-          </a:xfrm>
-          <a:prstGeom prst="straightConnector1">
-            <a:avLst/>
-          </a:prstGeom>
-          <a:ln>
-            <a:tailEnd type="triangle"/>
-          </a:ln>
-        </p:spPr>
-        <p:style>
-          <a:lnRef idx="1">
-            <a:schemeClr val="accent1"/>
-          </a:lnRef>
-          <a:fillRef idx="0">
-            <a:schemeClr val="accent1"/>
-          </a:fillRef>
-          <a:effectRef idx="0">
-            <a:schemeClr val="accent1"/>
-          </a:effectRef>
-          <a:fontRef idx="minor">
-            <a:schemeClr val="tx1"/>
-          </a:fontRef>
-        </p:style>
-      </p:cxnSp>
-      <p:sp>
-        <p:nvSpPr>
-          <p:cNvPr id="9" name="TextBox 8">
-            <a:extLst>
-              <a:ext uri="{FF2B5EF4-FFF2-40B4-BE49-F238E27FC236}">
-                <a16:creationId xmlns:a16="http://schemas.microsoft.com/office/drawing/2014/main" id="{BDA64FD3-E2EC-45B3-AFB7-FEC2F3CA548F}"/>
+                <a16:creationId xmlns:a16="http://schemas.microsoft.com/office/drawing/2014/main" id="{EBC9EAA6-7E53-459A-8E4A-B343091BB47D}"/>
               </a:ext>
             </a:extLst>
           </p:cNvPr>
@@ -16305,8 +19348,8 @@
         </p:nvSpPr>
         <p:spPr>
           <a:xfrm>
-            <a:off x="1676401" y="3505200"/>
-            <a:ext cx="4190997" cy="369332"/>
+            <a:off x="136158" y="4604717"/>
+            <a:ext cx="11502394" cy="1877437"/>
           </a:xfrm>
           <a:prstGeom prst="rect">
             <a:avLst/>
@@ -16314,598 +19357,642 @@
           <a:noFill/>
         </p:spPr>
         <p:txBody>
-          <a:bodyPr wrap="square" rtlCol="0">
+          <a:bodyPr wrap="square">
             <a:spAutoFit/>
           </a:bodyPr>
           <a:lstStyle/>
           <a:p>
-            <a:r>
-              <a:rPr lang="en-US" dirty="0"/>
-              <a:t>X – independent variables</a:t>
-            </a:r>
-          </a:p>
-        </p:txBody>
-      </p:sp>
-      <p:sp>
-        <p:nvSpPr>
-          <p:cNvPr id="10" name="TextBox 9">
+            <a:pPr algn="l"/>
+            <a:r>
+              <a:rPr lang="en-US" b="1" dirty="0">
+                <a:solidFill>
+                  <a:srgbClr val="F1AC00"/>
+                </a:solidFill>
+                <a:latin typeface="Arial" panose="020B0604020202020204" pitchFamily="34" charset="0"/>
+              </a:rPr>
+              <a:t>Predictive power </a:t>
+            </a:r>
+            <a:r>
+              <a:rPr lang="en-US" b="1" dirty="0">
+                <a:solidFill>
+                  <a:srgbClr val="000000"/>
+                </a:solidFill>
+                <a:latin typeface="Arial" panose="020B0604020202020204" pitchFamily="34" charset="0"/>
+              </a:rPr>
+              <a:t>represents how close to the perfect model the model is (quality)</a:t>
+            </a:r>
+          </a:p>
+          <a:p>
+            <a:pPr algn="l"/>
+            <a:r>
+              <a:rPr lang="en-US" sz="1600" i="1" dirty="0">
+                <a:solidFill>
+                  <a:srgbClr val="000000"/>
+                </a:solidFill>
+                <a:latin typeface="Arial" panose="020B0604020202020204" pitchFamily="34" charset="0"/>
+              </a:rPr>
+              <a:t>Area between Validation and Random curves divided by the area between Perfect and Random curves = C/(A+B+C)</a:t>
+            </a:r>
+          </a:p>
+          <a:p>
+            <a:pPr algn="l"/>
+            <a:r>
+              <a:rPr lang="en-US" sz="1600" dirty="0">
+                <a:solidFill>
+                  <a:srgbClr val="000000"/>
+                </a:solidFill>
+                <a:latin typeface="Arial" panose="020B0604020202020204" pitchFamily="34" charset="0"/>
+              </a:rPr>
+              <a:t>= 0 </a:t>
+            </a:r>
+            <a:r>
+              <a:rPr lang="en-US" sz="1600" dirty="0">
+                <a:solidFill>
+                  <a:srgbClr val="000000"/>
+                </a:solidFill>
+                <a:latin typeface="Wingdings-Regular"/>
+              </a:rPr>
+              <a:t>➔ </a:t>
+            </a:r>
+            <a:r>
+              <a:rPr lang="en-US" sz="1600" dirty="0">
+                <a:solidFill>
+                  <a:srgbClr val="000000"/>
+                </a:solidFill>
+                <a:latin typeface="Arial" panose="020B0604020202020204" pitchFamily="34" charset="0"/>
+              </a:rPr>
+              <a:t>Bad quality &gt;= 0.98 </a:t>
+            </a:r>
+            <a:r>
+              <a:rPr lang="en-US" sz="1600" dirty="0">
+                <a:solidFill>
+                  <a:srgbClr val="000000"/>
+                </a:solidFill>
+                <a:latin typeface="Wingdings-Regular"/>
+              </a:rPr>
+              <a:t>➔ </a:t>
+            </a:r>
+            <a:r>
+              <a:rPr lang="en-US" sz="1600" dirty="0">
+                <a:solidFill>
+                  <a:srgbClr val="000000"/>
+                </a:solidFill>
+                <a:latin typeface="Arial" panose="020B0604020202020204" pitchFamily="34" charset="0"/>
+              </a:rPr>
+              <a:t>certainly dependent variables between 0.75 and 0.97 </a:t>
+            </a:r>
+            <a:r>
+              <a:rPr lang="en-US" sz="1600" dirty="0">
+                <a:solidFill>
+                  <a:srgbClr val="000000"/>
+                </a:solidFill>
+                <a:latin typeface="Wingdings-Regular"/>
+              </a:rPr>
+              <a:t>➔ </a:t>
+            </a:r>
+            <a:r>
+              <a:rPr lang="en-US" sz="1600" dirty="0">
+                <a:solidFill>
+                  <a:srgbClr val="000000"/>
+                </a:solidFill>
+                <a:latin typeface="Arial" panose="020B0604020202020204" pitchFamily="34" charset="0"/>
+              </a:rPr>
+              <a:t>quality acceptable</a:t>
+            </a:r>
+          </a:p>
+          <a:p>
+            <a:pPr algn="l"/>
+            <a:r>
+              <a:rPr lang="en-US" b="1" dirty="0">
+                <a:solidFill>
+                  <a:srgbClr val="F1AC00"/>
+                </a:solidFill>
+                <a:latin typeface="Arial" panose="020B0604020202020204" pitchFamily="34" charset="0"/>
+              </a:rPr>
+              <a:t>Prediction confidence </a:t>
+            </a:r>
+            <a:r>
+              <a:rPr lang="en-US" b="1" dirty="0">
+                <a:solidFill>
+                  <a:srgbClr val="000000"/>
+                </a:solidFill>
+                <a:latin typeface="Arial" panose="020B0604020202020204" pitchFamily="34" charset="0"/>
+              </a:rPr>
+              <a:t>expresses the ability to reproduce the same detection (robustness)</a:t>
+            </a:r>
+          </a:p>
+          <a:p>
+            <a:pPr algn="l"/>
+            <a:r>
+              <a:rPr lang="en-US" sz="1600" dirty="0">
+                <a:solidFill>
+                  <a:srgbClr val="000000"/>
+                </a:solidFill>
+                <a:latin typeface="Arial" panose="020B0604020202020204" pitchFamily="34" charset="0"/>
+              </a:rPr>
+              <a:t>You need a « validation sample » to estimate this KPI: it represents another view of the same population</a:t>
+            </a:r>
+          </a:p>
+          <a:p>
+            <a:pPr algn="l"/>
+            <a:r>
+              <a:rPr lang="en-US" sz="1600" i="1" dirty="0">
+                <a:solidFill>
+                  <a:srgbClr val="000000"/>
+                </a:solidFill>
+                <a:latin typeface="Arial" panose="020B0604020202020204" pitchFamily="34" charset="0"/>
+              </a:rPr>
+              <a:t>1 </a:t>
+            </a:r>
+            <a:r>
+              <a:rPr lang="en-US" sz="1600" i="1" dirty="0">
+                <a:solidFill>
+                  <a:srgbClr val="000000"/>
+                </a:solidFill>
+                <a:latin typeface="Arial-ItalicMT"/>
+              </a:rPr>
+              <a:t>– </a:t>
+            </a:r>
+            <a:r>
+              <a:rPr lang="en-US" sz="1600" i="1" dirty="0">
+                <a:solidFill>
+                  <a:srgbClr val="000000"/>
+                </a:solidFill>
+                <a:latin typeface="Arial" panose="020B0604020202020204" pitchFamily="34" charset="0"/>
+              </a:rPr>
+              <a:t>(area between Validation and Training) / (area between Perfect and Random) = </a:t>
+            </a:r>
+            <a:r>
+              <a:rPr lang="en-US" sz="1600" dirty="0">
+                <a:solidFill>
+                  <a:srgbClr val="000000"/>
+                </a:solidFill>
+                <a:latin typeface="Arial" panose="020B0604020202020204" pitchFamily="34" charset="0"/>
+              </a:rPr>
+              <a:t>1- B/(A+B+C)</a:t>
+            </a:r>
+          </a:p>
+          <a:p>
+            <a:pPr algn="l"/>
+            <a:r>
+              <a:rPr lang="en-US" sz="1600" dirty="0">
+                <a:solidFill>
+                  <a:srgbClr val="000000"/>
+                </a:solidFill>
+                <a:latin typeface="Arial" panose="020B0604020202020204" pitchFamily="34" charset="0"/>
+              </a:rPr>
+              <a:t>&gt;= 0.95 </a:t>
+            </a:r>
+            <a:r>
+              <a:rPr lang="en-US" sz="1600" dirty="0">
+                <a:solidFill>
+                  <a:srgbClr val="000000"/>
+                </a:solidFill>
+                <a:latin typeface="Wingdings-Regular"/>
+              </a:rPr>
+              <a:t>➔ </a:t>
+            </a:r>
+            <a:r>
+              <a:rPr lang="en-US" sz="1600" dirty="0">
+                <a:solidFill>
+                  <a:srgbClr val="000000"/>
+                </a:solidFill>
+                <a:latin typeface="Arial" panose="020B0604020202020204" pitchFamily="34" charset="0"/>
+              </a:rPr>
+              <a:t>good robustness</a:t>
+            </a:r>
+            <a:endParaRPr lang="en-US" sz="1600" dirty="0"/>
+          </a:p>
+        </p:txBody>
+      </p:sp>
+      <p:pic>
+        <p:nvPicPr>
+          <p:cNvPr id="3" name="Picture 2">
             <a:extLst>
               <a:ext uri="{FF2B5EF4-FFF2-40B4-BE49-F238E27FC236}">
-                <a16:creationId xmlns:a16="http://schemas.microsoft.com/office/drawing/2014/main" id="{E43BB223-CAC2-478D-87E4-3A391CA5E821}"/>
+                <a16:creationId xmlns:a16="http://schemas.microsoft.com/office/drawing/2014/main" id="{8DA16462-4B75-4B35-B411-FBFFDFCF75F1}"/>
               </a:ext>
             </a:extLst>
           </p:cNvPr>
-          <p:cNvSpPr txBox="1"/>
+          <p:cNvPicPr>
+            <a:picLocks noChangeAspect="1"/>
+          </p:cNvPicPr>
           <p:nvPr/>
-        </p:nvSpPr>
+        </p:nvPicPr>
+        <p:blipFill>
+          <a:blip r:embed="rId3"/>
+          <a:stretch>
+            <a:fillRect/>
+          </a:stretch>
+        </p:blipFill>
         <p:spPr>
           <a:xfrm>
-            <a:off x="-762000" y="1600200"/>
-            <a:ext cx="1676381" cy="923330"/>
+            <a:off x="7022359" y="1107240"/>
+            <a:ext cx="4640982" cy="3185436"/>
           </a:xfrm>
           <a:prstGeom prst="rect">
             <a:avLst/>
           </a:prstGeom>
-          <a:noFill/>
         </p:spPr>
-        <p:txBody>
-          <a:bodyPr wrap="square" rtlCol="0">
-            <a:spAutoFit/>
-          </a:bodyPr>
-          <a:lstStyle/>
-          <a:p>
-            <a:r>
-              <a:rPr lang="en-US" dirty="0"/>
-              <a:t>Y dependent variable</a:t>
-            </a:r>
-          </a:p>
-          <a:p>
-            <a:r>
-              <a:rPr lang="en-US" dirty="0"/>
-              <a:t>(prediction)</a:t>
-            </a:r>
-          </a:p>
-        </p:txBody>
-      </p:sp>
-      <p:cxnSp>
-        <p:nvCxnSpPr>
-          <p:cNvPr id="239" name="Straight Arrow Connector 238">
+      </p:pic>
+      <p:graphicFrame>
+        <p:nvGraphicFramePr>
+          <p:cNvPr id="6" name="Table 5">
             <a:extLst>
               <a:ext uri="{FF2B5EF4-FFF2-40B4-BE49-F238E27FC236}">
-                <a16:creationId xmlns:a16="http://schemas.microsoft.com/office/drawing/2014/main" id="{F0720F38-2977-4285-A495-BAF53BD6DF8B}"/>
+                <a16:creationId xmlns:a16="http://schemas.microsoft.com/office/drawing/2014/main" id="{9B5001E8-0500-49F3-81B8-85B9EF9129EF}"/>
               </a:ext>
             </a:extLst>
           </p:cNvPr>
-          <p:cNvCxnSpPr>
-            <a:cxnSpLocks/>
-          </p:cNvCxnSpPr>
+          <p:cNvGraphicFramePr>
+            <a:graphicFrameLocks noGrp="1"/>
+          </p:cNvGraphicFramePr>
           <p:nvPr/>
-        </p:nvCxnSpPr>
-        <p:spPr>
-          <a:xfrm flipV="1">
-            <a:off x="6172200" y="1066801"/>
-            <a:ext cx="0" cy="2353282"/>
-          </a:xfrm>
-          <a:prstGeom prst="straightConnector1">
-            <a:avLst/>
-          </a:prstGeom>
-          <a:ln>
-            <a:tailEnd type="triangle"/>
-          </a:ln>
-        </p:spPr>
-        <p:style>
-          <a:lnRef idx="1">
-            <a:schemeClr val="accent1"/>
-          </a:lnRef>
-          <a:fillRef idx="0">
-            <a:schemeClr val="accent1"/>
-          </a:fillRef>
-          <a:effectRef idx="0">
-            <a:schemeClr val="accent1"/>
-          </a:effectRef>
-          <a:fontRef idx="minor">
-            <a:schemeClr val="tx1"/>
-          </a:fontRef>
-        </p:style>
-      </p:cxnSp>
-      <p:cxnSp>
-        <p:nvCxnSpPr>
-          <p:cNvPr id="242" name="Straight Arrow Connector 241">
-            <a:extLst>
-              <a:ext uri="{FF2B5EF4-FFF2-40B4-BE49-F238E27FC236}">
-                <a16:creationId xmlns:a16="http://schemas.microsoft.com/office/drawing/2014/main" id="{CBC71256-C65E-4B3B-AAB9-C71CED6D1A2F}"/>
-              </a:ext>
-            </a:extLst>
-          </p:cNvPr>
-          <p:cNvCxnSpPr/>
-          <p:nvPr/>
-        </p:nvCxnSpPr>
-        <p:spPr>
-          <a:xfrm>
-            <a:off x="6019800" y="3227123"/>
-            <a:ext cx="3124200" cy="0"/>
-          </a:xfrm>
-          <a:prstGeom prst="straightConnector1">
-            <a:avLst/>
-          </a:prstGeom>
-          <a:ln>
-            <a:tailEnd type="triangle"/>
-          </a:ln>
-        </p:spPr>
-        <p:style>
-          <a:lnRef idx="1">
-            <a:schemeClr val="accent1"/>
-          </a:lnRef>
-          <a:fillRef idx="0">
-            <a:schemeClr val="accent1"/>
-          </a:fillRef>
-          <a:effectRef idx="0">
-            <a:schemeClr val="accent1"/>
-          </a:effectRef>
-          <a:fontRef idx="minor">
-            <a:schemeClr val="tx1"/>
-          </a:fontRef>
-        </p:style>
-      </p:cxnSp>
-      <p:cxnSp>
-        <p:nvCxnSpPr>
-          <p:cNvPr id="243" name="Straight Arrow Connector 242">
-            <a:extLst>
-              <a:ext uri="{FF2B5EF4-FFF2-40B4-BE49-F238E27FC236}">
-                <a16:creationId xmlns:a16="http://schemas.microsoft.com/office/drawing/2014/main" id="{880B6985-11BC-4A52-A744-32E56D7444C8}"/>
-              </a:ext>
-            </a:extLst>
-          </p:cNvPr>
-          <p:cNvCxnSpPr>
-            <a:cxnSpLocks/>
-          </p:cNvCxnSpPr>
-          <p:nvPr/>
-        </p:nvCxnSpPr>
-        <p:spPr>
-          <a:xfrm flipV="1">
-            <a:off x="9448800" y="1066801"/>
-            <a:ext cx="0" cy="2353282"/>
-          </a:xfrm>
-          <a:prstGeom prst="straightConnector1">
-            <a:avLst/>
-          </a:prstGeom>
-          <a:ln>
-            <a:tailEnd type="triangle"/>
-          </a:ln>
-        </p:spPr>
-        <p:style>
-          <a:lnRef idx="1">
-            <a:schemeClr val="accent1"/>
-          </a:lnRef>
-          <a:fillRef idx="0">
-            <a:schemeClr val="accent1"/>
-          </a:fillRef>
-          <a:effectRef idx="0">
-            <a:schemeClr val="accent1"/>
-          </a:effectRef>
-          <a:fontRef idx="minor">
-            <a:schemeClr val="tx1"/>
-          </a:fontRef>
-        </p:style>
-      </p:cxnSp>
-      <p:cxnSp>
-        <p:nvCxnSpPr>
-          <p:cNvPr id="244" name="Straight Arrow Connector 243">
-            <a:extLst>
-              <a:ext uri="{FF2B5EF4-FFF2-40B4-BE49-F238E27FC236}">
-                <a16:creationId xmlns:a16="http://schemas.microsoft.com/office/drawing/2014/main" id="{F7F097CF-B133-4469-B391-64956F09DE06}"/>
-              </a:ext>
-            </a:extLst>
-          </p:cNvPr>
-          <p:cNvCxnSpPr/>
-          <p:nvPr/>
-        </p:nvCxnSpPr>
-        <p:spPr>
-          <a:xfrm>
-            <a:off x="9296400" y="3227123"/>
-            <a:ext cx="3124200" cy="0"/>
-          </a:xfrm>
-          <a:prstGeom prst="straightConnector1">
-            <a:avLst/>
-          </a:prstGeom>
-          <a:ln>
-            <a:tailEnd type="triangle"/>
-          </a:ln>
-        </p:spPr>
-        <p:style>
-          <a:lnRef idx="1">
-            <a:schemeClr val="accent1"/>
-          </a:lnRef>
-          <a:fillRef idx="0">
-            <a:schemeClr val="accent1"/>
-          </a:fillRef>
-          <a:effectRef idx="0">
-            <a:schemeClr val="accent1"/>
-          </a:effectRef>
-          <a:fontRef idx="minor">
-            <a:schemeClr val="tx1"/>
-          </a:fontRef>
-        </p:style>
-      </p:cxnSp>
-      <p:sp>
-        <p:nvSpPr>
-          <p:cNvPr id="245" name="TextBox 244">
-            <a:extLst>
-              <a:ext uri="{FF2B5EF4-FFF2-40B4-BE49-F238E27FC236}">
-                <a16:creationId xmlns:a16="http://schemas.microsoft.com/office/drawing/2014/main" id="{1F835A76-63FD-4247-8962-A907E1E44270}"/>
-              </a:ext>
-            </a:extLst>
-          </p:cNvPr>
-          <p:cNvSpPr txBox="1"/>
-          <p:nvPr/>
-        </p:nvSpPr>
-        <p:spPr>
-          <a:xfrm>
-            <a:off x="7391400" y="3227123"/>
-            <a:ext cx="759324" cy="369332"/>
-          </a:xfrm>
-          <a:prstGeom prst="rect">
-            <a:avLst/>
-          </a:prstGeom>
-          <a:noFill/>
-        </p:spPr>
-        <p:txBody>
-          <a:bodyPr wrap="square" rtlCol="0">
-            <a:spAutoFit/>
-          </a:bodyPr>
-          <a:lstStyle/>
-          <a:p>
-            <a:r>
-              <a:rPr lang="en-US" dirty="0"/>
-              <a:t>x</a:t>
-            </a:r>
-          </a:p>
-        </p:txBody>
-      </p:sp>
-      <p:sp>
-        <p:nvSpPr>
-          <p:cNvPr id="246" name="TextBox 245">
-            <a:extLst>
-              <a:ext uri="{FF2B5EF4-FFF2-40B4-BE49-F238E27FC236}">
-                <a16:creationId xmlns:a16="http://schemas.microsoft.com/office/drawing/2014/main" id="{3E091CFA-6EB7-4CDF-B293-64AD0E79A570}"/>
-              </a:ext>
-            </a:extLst>
-          </p:cNvPr>
-          <p:cNvSpPr txBox="1"/>
-          <p:nvPr/>
-        </p:nvSpPr>
-        <p:spPr>
-          <a:xfrm>
-            <a:off x="5715001" y="1775963"/>
-            <a:ext cx="304791" cy="369332"/>
-          </a:xfrm>
-          <a:prstGeom prst="rect">
-            <a:avLst/>
-          </a:prstGeom>
-          <a:noFill/>
-        </p:spPr>
-        <p:txBody>
-          <a:bodyPr wrap="square" rtlCol="0">
-            <a:spAutoFit/>
-          </a:bodyPr>
-          <a:lstStyle/>
-          <a:p>
-            <a:r>
-              <a:rPr lang="en-US" dirty="0"/>
-              <a:t>y</a:t>
-            </a:r>
-          </a:p>
-        </p:txBody>
-      </p:sp>
-      <p:sp>
-        <p:nvSpPr>
-          <p:cNvPr id="248" name="TextBox 247">
-            <a:extLst>
-              <a:ext uri="{FF2B5EF4-FFF2-40B4-BE49-F238E27FC236}">
-                <a16:creationId xmlns:a16="http://schemas.microsoft.com/office/drawing/2014/main" id="{4805E5CC-D6EE-4F14-BB14-E8A278269E58}"/>
-              </a:ext>
-            </a:extLst>
-          </p:cNvPr>
-          <p:cNvSpPr txBox="1"/>
-          <p:nvPr/>
-        </p:nvSpPr>
-        <p:spPr>
-          <a:xfrm>
-            <a:off x="10696877" y="3148690"/>
-            <a:ext cx="759324" cy="369332"/>
-          </a:xfrm>
-          <a:prstGeom prst="rect">
-            <a:avLst/>
-          </a:prstGeom>
-          <a:noFill/>
-        </p:spPr>
-        <p:txBody>
-          <a:bodyPr wrap="square" rtlCol="0">
-            <a:spAutoFit/>
-          </a:bodyPr>
-          <a:lstStyle/>
-          <a:p>
-            <a:r>
-              <a:rPr lang="en-US" dirty="0"/>
-              <a:t>x</a:t>
-            </a:r>
-          </a:p>
-        </p:txBody>
-      </p:sp>
-      <p:sp>
-        <p:nvSpPr>
-          <p:cNvPr id="250" name="TextBox 249">
-            <a:extLst>
-              <a:ext uri="{FF2B5EF4-FFF2-40B4-BE49-F238E27FC236}">
-                <a16:creationId xmlns:a16="http://schemas.microsoft.com/office/drawing/2014/main" id="{F8673E91-B288-4167-AA31-BF62C56E5265}"/>
-              </a:ext>
-            </a:extLst>
-          </p:cNvPr>
-          <p:cNvSpPr txBox="1"/>
-          <p:nvPr/>
-        </p:nvSpPr>
-        <p:spPr>
-          <a:xfrm>
-            <a:off x="9020478" y="1697530"/>
-            <a:ext cx="304791" cy="369332"/>
-          </a:xfrm>
-          <a:prstGeom prst="rect">
-            <a:avLst/>
-          </a:prstGeom>
-          <a:noFill/>
-        </p:spPr>
-        <p:txBody>
-          <a:bodyPr wrap="square" rtlCol="0">
-            <a:spAutoFit/>
-          </a:bodyPr>
-          <a:lstStyle/>
-          <a:p>
-            <a:r>
-              <a:rPr lang="en-US" dirty="0"/>
-              <a:t>y</a:t>
-            </a:r>
-          </a:p>
-        </p:txBody>
-      </p:sp>
-      <mc:AlternateContent xmlns:mc="http://schemas.openxmlformats.org/markup-compatibility/2006" xmlns:p14="http://schemas.microsoft.com/office/powerpoint/2010/main">
-        <mc:Choice Requires="p14">
-          <p:contentPart p14:bwMode="auto" r:id="rId3">
-            <p14:nvContentPartPr>
-              <p14:cNvPr id="294" name="Ink 293">
+        </p:nvGraphicFramePr>
+        <p:xfrm>
+          <a:off x="152400" y="1074703"/>
+          <a:ext cx="6629400" cy="2860862"/>
+        </p:xfrm>
+        <a:graphic>
+          <a:graphicData uri="http://schemas.openxmlformats.org/drawingml/2006/table">
+            <a:tbl>
+              <a:tblPr>
+                <a:tableStyleId>{5DA37D80-6434-44D0-A028-1B22A696006F}</a:tableStyleId>
+              </a:tblPr>
+              <a:tblGrid>
+                <a:gridCol w="1406585">
+                  <a:extLst>
+                    <a:ext uri="{9D8B030D-6E8A-4147-A177-3AD203B41FA5}">
+                      <a16:colId xmlns:a16="http://schemas.microsoft.com/office/drawing/2014/main" val="638649834"/>
+                    </a:ext>
+                  </a:extLst>
+                </a:gridCol>
+                <a:gridCol w="5222815">
+                  <a:extLst>
+                    <a:ext uri="{9D8B030D-6E8A-4147-A177-3AD203B41FA5}">
+                      <a16:colId xmlns:a16="http://schemas.microsoft.com/office/drawing/2014/main" val="1673970776"/>
+                    </a:ext>
+                  </a:extLst>
+                </a:gridCol>
+              </a:tblGrid>
+              <a:tr h="357112">
+                <a:tc>
+                  <a:txBody>
+                    <a:bodyPr/>
+                    <a:lstStyle/>
+                    <a:p>
+                      <a:pPr algn="just" rtl="0" fontAlgn="ctr"/>
+                      <a:r>
+                        <a:rPr lang="en-US" sz="1200" u="none" strike="noStrike" dirty="0">
+                          <a:effectLst/>
+                        </a:rPr>
+                        <a:t>Metrics</a:t>
+                      </a:r>
+                      <a:endParaRPr lang="en-US" sz="1200" b="0" i="0" u="none" strike="noStrike" dirty="0">
+                        <a:solidFill>
+                          <a:srgbClr val="000000"/>
+                        </a:solidFill>
+                        <a:effectLst/>
+                        <a:latin typeface="Arial" panose="020B0604020202020204" pitchFamily="34" charset="0"/>
+                      </a:endParaRPr>
+                    </a:p>
+                  </a:txBody>
+                  <a:tcPr marL="7620" marR="7620" marT="7620" marB="0" anchor="ctr">
+                    <a:solidFill>
+                      <a:schemeClr val="accent6">
+                        <a:lumMod val="60000"/>
+                        <a:lumOff val="40000"/>
+                      </a:schemeClr>
+                    </a:solidFill>
+                  </a:tcPr>
+                </a:tc>
+                <a:tc>
+                  <a:txBody>
+                    <a:bodyPr/>
+                    <a:lstStyle/>
+                    <a:p>
+                      <a:pPr algn="just" rtl="0" fontAlgn="ctr"/>
+                      <a:r>
+                        <a:rPr lang="en-US" sz="1200" u="none" strike="noStrike" dirty="0">
+                          <a:effectLst/>
+                        </a:rPr>
+                        <a:t>Definitions</a:t>
+                      </a:r>
+                      <a:endParaRPr lang="en-US" sz="1200" b="0" i="0" u="none" strike="noStrike" dirty="0">
+                        <a:solidFill>
+                          <a:srgbClr val="000000"/>
+                        </a:solidFill>
+                        <a:effectLst/>
+                        <a:latin typeface="Arial" panose="020B0604020202020204" pitchFamily="34" charset="0"/>
+                      </a:endParaRPr>
+                    </a:p>
+                  </a:txBody>
+                  <a:tcPr marL="7620" marR="7620" marT="7620" marB="0" anchor="ctr">
+                    <a:solidFill>
+                      <a:schemeClr val="accent6">
+                        <a:lumMod val="60000"/>
+                        <a:lumOff val="40000"/>
+                      </a:schemeClr>
+                    </a:solidFill>
+                  </a:tcPr>
+                </a:tc>
                 <a:extLst>
-                  <a:ext uri="{FF2B5EF4-FFF2-40B4-BE49-F238E27FC236}">
-                    <a16:creationId xmlns:a16="http://schemas.microsoft.com/office/drawing/2014/main" id="{A0E873E2-AA67-4172-9697-675686346D76}"/>
+                  <a:ext uri="{0D108BD9-81ED-4DB2-BD59-A6C34878D82A}">
+                    <a16:rowId xmlns:a16="http://schemas.microsoft.com/office/drawing/2014/main" val="696909808"/>
                   </a:ext>
                 </a:extLst>
-              </p14:cNvPr>
-              <p14:cNvContentPartPr/>
-              <p14:nvPr/>
-            </p14:nvContentPartPr>
-            <p14:xfrm>
-              <a:off x="6233313" y="3604763"/>
-              <a:ext cx="1666080" cy="319320"/>
-            </p14:xfrm>
-          </p:contentPart>
-        </mc:Choice>
-        <mc:Fallback xmlns="">
-          <p:pic>
-            <p:nvPicPr>
-              <p:cNvPr id="294" name="Ink 293">
+              </a:tr>
+              <a:tr h="699939">
+                <a:tc>
+                  <a:txBody>
+                    <a:bodyPr/>
+                    <a:lstStyle/>
+                    <a:p>
+                      <a:pPr algn="l" rtl="0" fontAlgn="ctr"/>
+                      <a:r>
+                        <a:rPr lang="en-US" sz="1200" u="none" strike="noStrike" dirty="0">
+                          <a:effectLst/>
+                        </a:rPr>
+                        <a:t>Classification Rate</a:t>
+                      </a:r>
+                      <a:endParaRPr lang="en-US" sz="1200" b="0" i="0" u="none" strike="noStrike" dirty="0">
+                        <a:solidFill>
+                          <a:srgbClr val="000000"/>
+                        </a:solidFill>
+                        <a:effectLst/>
+                        <a:latin typeface="Arial" panose="020B0604020202020204" pitchFamily="34" charset="0"/>
+                      </a:endParaRPr>
+                    </a:p>
+                  </a:txBody>
+                  <a:tcPr marL="7620" marR="7620" marT="7620" marB="0" anchor="ctr"/>
+                </a:tc>
+                <a:tc>
+                  <a:txBody>
+                    <a:bodyPr/>
+                    <a:lstStyle/>
+                    <a:p>
+                      <a:pPr algn="l" rtl="0" fontAlgn="ctr"/>
+                      <a:r>
+                        <a:rPr lang="en-US" sz="1200" u="none" strike="noStrike" dirty="0">
+                          <a:effectLst/>
+                        </a:rPr>
+                        <a:t>Percentage of targets accurately classified by the model when applied on the validation data sets (TP+TN) / N  ~ also known as accuracy of model</a:t>
+                      </a:r>
+                      <a:endParaRPr lang="en-US" sz="1200" b="0" i="0" u="none" strike="noStrike" dirty="0">
+                        <a:solidFill>
+                          <a:srgbClr val="000000"/>
+                        </a:solidFill>
+                        <a:effectLst/>
+                        <a:latin typeface="Arial" panose="020B0604020202020204" pitchFamily="34" charset="0"/>
+                      </a:endParaRPr>
+                    </a:p>
+                  </a:txBody>
+                  <a:tcPr marL="7620" marR="7620" marT="7620" marB="0" anchor="ctr"/>
+                </a:tc>
                 <a:extLst>
-                  <a:ext uri="{FF2B5EF4-FFF2-40B4-BE49-F238E27FC236}">
-                    <a16:creationId xmlns:a16="http://schemas.microsoft.com/office/drawing/2014/main" id="{A0E873E2-AA67-4172-9697-675686346D76}"/>
+                  <a:ext uri="{0D108BD9-81ED-4DB2-BD59-A6C34878D82A}">
+                    <a16:rowId xmlns:a16="http://schemas.microsoft.com/office/drawing/2014/main" val="2507528534"/>
                   </a:ext>
                 </a:extLst>
-              </p:cNvPr>
-              <p:cNvPicPr/>
-              <p:nvPr/>
-            </p:nvPicPr>
-            <p:blipFill>
-              <a:blip r:embed="rId4"/>
-              <a:stretch>
-                <a:fillRect/>
-              </a:stretch>
-            </p:blipFill>
-            <p:spPr>
-              <a:xfrm>
-                <a:off x="6224313" y="3595763"/>
-                <a:ext cx="1683720" cy="336960"/>
-              </a:xfrm>
-              <a:prstGeom prst="rect">
-                <a:avLst/>
-              </a:prstGeom>
-            </p:spPr>
-          </p:pic>
-        </mc:Fallback>
-      </mc:AlternateContent>
-      <mc:AlternateContent xmlns:mc="http://schemas.openxmlformats.org/markup-compatibility/2006" xmlns:p14="http://schemas.microsoft.com/office/powerpoint/2010/main">
-        <mc:Choice Requires="p14">
-          <p:contentPart p14:bwMode="auto" r:id="rId5">
-            <p14:nvContentPartPr>
-              <p14:cNvPr id="295" name="Ink 294">
+              </a:tr>
+              <a:tr h="357112">
+                <a:tc>
+                  <a:txBody>
+                    <a:bodyPr/>
+                    <a:lstStyle/>
+                    <a:p>
+                      <a:pPr algn="l" rtl="0" fontAlgn="ctr"/>
+                      <a:r>
+                        <a:rPr lang="en-US" sz="1200" u="none" strike="noStrike" dirty="0">
+                          <a:effectLst/>
+                        </a:rPr>
+                        <a:t>Sensitivity (TPR)</a:t>
+                      </a:r>
+                      <a:endParaRPr lang="en-US" sz="1200" b="0" i="0" u="none" strike="noStrike" dirty="0">
+                        <a:solidFill>
+                          <a:srgbClr val="4C5876"/>
+                        </a:solidFill>
+                        <a:effectLst/>
+                        <a:latin typeface="Arial" panose="020B0604020202020204" pitchFamily="34" charset="0"/>
+                      </a:endParaRPr>
+                    </a:p>
+                  </a:txBody>
+                  <a:tcPr marL="7620" marR="7620" marT="7620" marB="0" anchor="ctr"/>
+                </a:tc>
+                <a:tc>
+                  <a:txBody>
+                    <a:bodyPr/>
+                    <a:lstStyle/>
+                    <a:p>
+                      <a:pPr algn="l" rtl="0" fontAlgn="ctr"/>
+                      <a:r>
+                        <a:rPr lang="en-US" sz="1200" u="none" strike="noStrike" dirty="0">
+                          <a:effectLst/>
+                        </a:rPr>
+                        <a:t>Percentage of actual positive targets that have been correctly predicted. TP/(TP+FN)</a:t>
+                      </a:r>
+                      <a:endParaRPr lang="en-US" sz="1200" b="0" i="0" u="none" strike="noStrike" dirty="0">
+                        <a:solidFill>
+                          <a:srgbClr val="000000"/>
+                        </a:solidFill>
+                        <a:effectLst/>
+                        <a:latin typeface="Arial" panose="020B0604020202020204" pitchFamily="34" charset="0"/>
+                      </a:endParaRPr>
+                    </a:p>
+                  </a:txBody>
+                  <a:tcPr marL="7620" marR="7620" marT="7620" marB="0" anchor="ctr"/>
+                </a:tc>
                 <a:extLst>
-                  <a:ext uri="{FF2B5EF4-FFF2-40B4-BE49-F238E27FC236}">
-                    <a16:creationId xmlns:a16="http://schemas.microsoft.com/office/drawing/2014/main" id="{B8C82A7A-0B59-4DB9-A0FF-5DE17BE36A0E}"/>
+                  <a:ext uri="{0D108BD9-81ED-4DB2-BD59-A6C34878D82A}">
+                    <a16:rowId xmlns:a16="http://schemas.microsoft.com/office/drawing/2014/main" val="1827169515"/>
                   </a:ext>
                 </a:extLst>
-              </p14:cNvPr>
-              <p14:cNvContentPartPr/>
-              <p14:nvPr/>
-            </p14:nvContentPartPr>
-            <p14:xfrm>
-              <a:off x="9453153" y="3156563"/>
-              <a:ext cx="9360" cy="360"/>
-            </p14:xfrm>
-          </p:contentPart>
-        </mc:Choice>
-        <mc:Fallback xmlns="">
-          <p:pic>
-            <p:nvPicPr>
-              <p:cNvPr id="295" name="Ink 294">
+              </a:tr>
+              <a:tr h="357112">
+                <a:tc>
+                  <a:txBody>
+                    <a:bodyPr/>
+                    <a:lstStyle/>
+                    <a:p>
+                      <a:pPr algn="l" rtl="0" fontAlgn="ctr"/>
+                      <a:r>
+                        <a:rPr lang="en-US" sz="1200" u="none" strike="noStrike" dirty="0">
+                          <a:effectLst/>
+                        </a:rPr>
+                        <a:t>Specificity (FPR)</a:t>
+                      </a:r>
+                      <a:endParaRPr lang="en-US" sz="1200" b="0" i="0" u="none" strike="noStrike" dirty="0">
+                        <a:solidFill>
+                          <a:srgbClr val="000000"/>
+                        </a:solidFill>
+                        <a:effectLst/>
+                        <a:latin typeface="Arial" panose="020B0604020202020204" pitchFamily="34" charset="0"/>
+                      </a:endParaRPr>
+                    </a:p>
+                  </a:txBody>
+                  <a:tcPr marL="7620" marR="7620" marT="7620" marB="0" anchor="ctr"/>
+                </a:tc>
+                <a:tc>
+                  <a:txBody>
+                    <a:bodyPr/>
+                    <a:lstStyle/>
+                    <a:p>
+                      <a:pPr algn="l" rtl="0" fontAlgn="ctr"/>
+                      <a:r>
+                        <a:rPr lang="en-US" sz="1200" u="none" strike="noStrike" dirty="0">
+                          <a:effectLst/>
+                        </a:rPr>
+                        <a:t>Percentage of negative targets that have been incorrectly detected as positive.</a:t>
+                      </a:r>
+                    </a:p>
+                    <a:p>
+                      <a:pPr algn="l" rtl="0" fontAlgn="ctr"/>
+                      <a:r>
+                        <a:rPr lang="en-US" sz="1200" b="0" i="0" u="none" strike="noStrike" dirty="0">
+                          <a:solidFill>
+                            <a:srgbClr val="000000"/>
+                          </a:solidFill>
+                          <a:effectLst/>
+                          <a:latin typeface="Arial" panose="020B0604020202020204" pitchFamily="34" charset="0"/>
+                        </a:rPr>
+                        <a:t>FP / (FP + TN)  = 1 - specificity</a:t>
+                      </a:r>
+                    </a:p>
+                  </a:txBody>
+                  <a:tcPr marL="7620" marR="7620" marT="7620" marB="0" anchor="ctr"/>
+                </a:tc>
                 <a:extLst>
-                  <a:ext uri="{FF2B5EF4-FFF2-40B4-BE49-F238E27FC236}">
-                    <a16:creationId xmlns:a16="http://schemas.microsoft.com/office/drawing/2014/main" id="{B8C82A7A-0B59-4DB9-A0FF-5DE17BE36A0E}"/>
+                  <a:ext uri="{0D108BD9-81ED-4DB2-BD59-A6C34878D82A}">
+                    <a16:rowId xmlns:a16="http://schemas.microsoft.com/office/drawing/2014/main" val="813864819"/>
                   </a:ext>
                 </a:extLst>
-              </p:cNvPr>
-              <p:cNvPicPr/>
-              <p:nvPr/>
-            </p:nvPicPr>
-            <p:blipFill>
-              <a:blip r:embed="rId6"/>
-              <a:stretch>
-                <a:fillRect/>
-              </a:stretch>
-            </p:blipFill>
-            <p:spPr>
-              <a:xfrm>
-                <a:off x="9444153" y="3147563"/>
-                <a:ext cx="27000" cy="18000"/>
-              </a:xfrm>
-              <a:prstGeom prst="rect">
-                <a:avLst/>
-              </a:prstGeom>
-            </p:spPr>
-          </p:pic>
-        </mc:Fallback>
-      </mc:AlternateContent>
-      <mc:AlternateContent xmlns:mc="http://schemas.openxmlformats.org/markup-compatibility/2006" xmlns:p14="http://schemas.microsoft.com/office/powerpoint/2010/main">
-        <mc:Choice Requires="p14">
-          <p:contentPart p14:bwMode="auto" r:id="rId7">
-            <p14:nvContentPartPr>
-              <p14:cNvPr id="356" name="Ink 355">
+              </a:tr>
+              <a:tr h="357112">
+                <a:tc>
+                  <a:txBody>
+                    <a:bodyPr/>
+                    <a:lstStyle/>
+                    <a:p>
+                      <a:pPr algn="l" rtl="0" fontAlgn="ctr"/>
+                      <a:r>
+                        <a:rPr lang="en-US" sz="1200" u="none" strike="noStrike" dirty="0">
+                          <a:effectLst/>
+                        </a:rPr>
+                        <a:t>Precision</a:t>
+                      </a:r>
+                      <a:endParaRPr lang="en-US" sz="1200" b="0" i="0" u="none" strike="noStrike" dirty="0">
+                        <a:solidFill>
+                          <a:srgbClr val="000000"/>
+                        </a:solidFill>
+                        <a:effectLst/>
+                        <a:latin typeface="Arial" panose="020B0604020202020204" pitchFamily="34" charset="0"/>
+                      </a:endParaRPr>
+                    </a:p>
+                  </a:txBody>
+                  <a:tcPr marL="7620" marR="7620" marT="7620" marB="0" anchor="ctr"/>
+                </a:tc>
+                <a:tc>
+                  <a:txBody>
+                    <a:bodyPr/>
+                    <a:lstStyle/>
+                    <a:p>
+                      <a:pPr algn="l" rtl="0" fontAlgn="ctr"/>
+                      <a:r>
+                        <a:rPr lang="en-US" sz="1200" u="none" strike="noStrike" dirty="0">
+                          <a:effectLst/>
+                        </a:rPr>
+                        <a:t>Percentage of predictive positive targets that are actually positive targets.</a:t>
+                      </a:r>
+                    </a:p>
+                    <a:p>
+                      <a:pPr algn="l" rtl="0" fontAlgn="ctr"/>
+                      <a:r>
+                        <a:rPr lang="en-US" sz="1200" b="0" i="0" u="none" strike="noStrike" dirty="0">
+                          <a:solidFill>
+                            <a:srgbClr val="000000"/>
+                          </a:solidFill>
+                          <a:effectLst/>
+                          <a:latin typeface="Arial" panose="020B0604020202020204" pitchFamily="34" charset="0"/>
+                        </a:rPr>
+                        <a:t>TP/(TP+FP)</a:t>
+                      </a:r>
+                    </a:p>
+                  </a:txBody>
+                  <a:tcPr marL="7620" marR="7620" marT="7620" marB="0" anchor="ctr"/>
+                </a:tc>
                 <a:extLst>
-                  <a:ext uri="{FF2B5EF4-FFF2-40B4-BE49-F238E27FC236}">
-                    <a16:creationId xmlns:a16="http://schemas.microsoft.com/office/drawing/2014/main" id="{0C62523B-5440-41F0-9B72-2B51EBD2467A}"/>
+                  <a:ext uri="{0D108BD9-81ED-4DB2-BD59-A6C34878D82A}">
+                    <a16:rowId xmlns:a16="http://schemas.microsoft.com/office/drawing/2014/main" val="1135056758"/>
                   </a:ext>
                 </a:extLst>
-              </p14:cNvPr>
-              <p14:cNvContentPartPr/>
-              <p14:nvPr/>
-            </p14:nvContentPartPr>
-            <p14:xfrm>
-              <a:off x="9681393" y="3532043"/>
-              <a:ext cx="1513080" cy="363240"/>
-            </p14:xfrm>
-          </p:contentPart>
-        </mc:Choice>
-        <mc:Fallback xmlns="">
-          <p:pic>
-            <p:nvPicPr>
-              <p:cNvPr id="356" name="Ink 355">
+              </a:tr>
+              <a:tr h="699939">
+                <a:tc>
+                  <a:txBody>
+                    <a:bodyPr/>
+                    <a:lstStyle/>
+                    <a:p>
+                      <a:pPr algn="l" rtl="0" fontAlgn="ctr"/>
+                      <a:r>
+                        <a:rPr lang="en-US" sz="1200" u="none" strike="noStrike" dirty="0">
+                          <a:effectLst/>
+                        </a:rPr>
+                        <a:t>FI score</a:t>
+                      </a:r>
+                      <a:endParaRPr lang="en-US" sz="1200" b="0" i="0" u="none" strike="noStrike" dirty="0">
+                        <a:solidFill>
+                          <a:srgbClr val="4C5876"/>
+                        </a:solidFill>
+                        <a:effectLst/>
+                        <a:latin typeface="Arial" panose="020B0604020202020204" pitchFamily="34" charset="0"/>
+                      </a:endParaRPr>
+                    </a:p>
+                  </a:txBody>
+                  <a:tcPr marL="7620" marR="7620" marT="7620" marB="0" anchor="ctr"/>
+                </a:tc>
+                <a:tc>
+                  <a:txBody>
+                    <a:bodyPr/>
+                    <a:lstStyle/>
+                    <a:p>
+                      <a:pPr algn="l" rtl="0" fontAlgn="ctr"/>
+                      <a:r>
+                        <a:rPr lang="en-US" sz="1200" u="none" strike="noStrike" dirty="0">
+                          <a:effectLst/>
+                        </a:rPr>
+                        <a:t>Harmonic mean of Precision and Recall (Recall and Precision are evenly weighted).</a:t>
+                      </a:r>
+                    </a:p>
+                    <a:p>
+                      <a:pPr algn="l" rtl="0" fontAlgn="ctr"/>
+                      <a:r>
+                        <a:rPr lang="en-US" sz="1200" b="0" i="0" u="none" strike="noStrike" dirty="0">
+                          <a:solidFill>
+                            <a:srgbClr val="000000"/>
+                          </a:solidFill>
+                          <a:effectLst/>
+                          <a:latin typeface="Arial" panose="020B0604020202020204" pitchFamily="34" charset="0"/>
+                        </a:rPr>
+                        <a:t>F1 = 2 (Precision X Recall) / (Precision + Recall)</a:t>
+                      </a:r>
+                    </a:p>
+                  </a:txBody>
+                  <a:tcPr marL="7620" marR="7620" marT="7620" marB="0" anchor="ctr"/>
+                </a:tc>
                 <a:extLst>
-                  <a:ext uri="{FF2B5EF4-FFF2-40B4-BE49-F238E27FC236}">
-                    <a16:creationId xmlns:a16="http://schemas.microsoft.com/office/drawing/2014/main" id="{0C62523B-5440-41F0-9B72-2B51EBD2467A}"/>
+                  <a:ext uri="{0D108BD9-81ED-4DB2-BD59-A6C34878D82A}">
+                    <a16:rowId xmlns:a16="http://schemas.microsoft.com/office/drawing/2014/main" val="1536725876"/>
                   </a:ext>
                 </a:extLst>
-              </p:cNvPr>
-              <p:cNvPicPr/>
-              <p:nvPr/>
-            </p:nvPicPr>
-            <p:blipFill>
-              <a:blip r:embed="rId8"/>
-              <a:stretch>
-                <a:fillRect/>
-              </a:stretch>
-            </p:blipFill>
-            <p:spPr>
-              <a:xfrm>
-                <a:off x="9672393" y="3523043"/>
-                <a:ext cx="1530720" cy="380880"/>
-              </a:xfrm>
-              <a:prstGeom prst="rect">
-                <a:avLst/>
-              </a:prstGeom>
-            </p:spPr>
-          </p:pic>
-        </mc:Fallback>
-      </mc:AlternateContent>
-      <p:sp>
-        <p:nvSpPr>
-          <p:cNvPr id="357" name="TextBox 356">
-            <a:extLst>
-              <a:ext uri="{FF2B5EF4-FFF2-40B4-BE49-F238E27FC236}">
-                <a16:creationId xmlns:a16="http://schemas.microsoft.com/office/drawing/2014/main" id="{979641FD-FE59-486D-B556-67A15492CBF8}"/>
-              </a:ext>
-            </a:extLst>
-          </p:cNvPr>
-          <p:cNvSpPr txBox="1"/>
-          <p:nvPr/>
-        </p:nvSpPr>
-        <p:spPr>
-          <a:xfrm>
-            <a:off x="5867397" y="4114884"/>
-            <a:ext cx="3148768" cy="954107"/>
-          </a:xfrm>
-          <a:prstGeom prst="rect">
-            <a:avLst/>
-          </a:prstGeom>
-          <a:noFill/>
-        </p:spPr>
-        <p:txBody>
-          <a:bodyPr wrap="square" rtlCol="0">
-            <a:spAutoFit/>
-          </a:bodyPr>
-          <a:lstStyle/>
-          <a:p>
-            <a:r>
-              <a:rPr lang="en-US" sz="1400" b="1" dirty="0"/>
-              <a:t>When our model tries to cover most of the data points for each feature</a:t>
-            </a:r>
-          </a:p>
-          <a:p>
-            <a:r>
-              <a:rPr lang="en-US" sz="1400" b="1" dirty="0"/>
-              <a:t>When we provide too much of features to the model</a:t>
-            </a:r>
-          </a:p>
-        </p:txBody>
-      </p:sp>
-      <p:sp>
-        <p:nvSpPr>
-          <p:cNvPr id="359" name="TextBox 358">
-            <a:extLst>
-              <a:ext uri="{FF2B5EF4-FFF2-40B4-BE49-F238E27FC236}">
-                <a16:creationId xmlns:a16="http://schemas.microsoft.com/office/drawing/2014/main" id="{FD3DC332-35B3-4A6C-98A9-45182103DAA8}"/>
-              </a:ext>
-            </a:extLst>
-          </p:cNvPr>
-          <p:cNvSpPr txBox="1"/>
-          <p:nvPr/>
-        </p:nvSpPr>
-        <p:spPr>
-          <a:xfrm>
-            <a:off x="9122493" y="4101756"/>
-            <a:ext cx="3148768" cy="954107"/>
-          </a:xfrm>
-          <a:prstGeom prst="rect">
-            <a:avLst/>
-          </a:prstGeom>
-          <a:noFill/>
-        </p:spPr>
-        <p:txBody>
-          <a:bodyPr wrap="square" rtlCol="0">
-            <a:spAutoFit/>
-          </a:bodyPr>
-          <a:lstStyle/>
-          <a:p>
-            <a:r>
-              <a:rPr lang="en-US" sz="1400" b="1" dirty="0"/>
-              <a:t>When our model has nothing to do with features, and it does not cover any actual outcome</a:t>
-            </a:r>
-          </a:p>
-          <a:p>
-            <a:r>
-              <a:rPr lang="en-US" sz="1400" b="1" dirty="0"/>
-              <a:t>When we provide very less features</a:t>
-            </a:r>
-          </a:p>
-        </p:txBody>
-      </p:sp>
+              </a:tr>
+            </a:tbl>
+          </a:graphicData>
+        </a:graphic>
+      </p:graphicFrame>
     </p:spTree>
     <p:extLst>
       <p:ext uri="{BB962C8B-B14F-4D97-AF65-F5344CB8AC3E}">
-        <p14:creationId xmlns:p14="http://schemas.microsoft.com/office/powerpoint/2010/main" val="748130589"/>
+        <p14:creationId xmlns:p14="http://schemas.microsoft.com/office/powerpoint/2010/main" val="2100094325"/>
       </p:ext>
     </p:extLst>
   </p:cSld>
@@ -16937,7 +20024,13 @@
       </p:grpSpPr>
       <p:sp>
         <p:nvSpPr>
-          <p:cNvPr id="11" name="Title 10"/>
+          <p:cNvPr id="2" name="Title 1">
+            <a:extLst>
+              <a:ext uri="{FF2B5EF4-FFF2-40B4-BE49-F238E27FC236}">
+                <a16:creationId xmlns:a16="http://schemas.microsoft.com/office/drawing/2014/main" id="{008DCE6C-AEFB-4AD6-9DFC-94F53FFB493B}"/>
+              </a:ext>
+            </a:extLst>
+          </p:cNvPr>
           <p:cNvSpPr>
             <a:spLocks noGrp="1"/>
           </p:cNvSpPr>
@@ -16947,234 +20040,1702 @@
         </p:nvSpPr>
         <p:spPr>
           <a:xfrm>
-            <a:off x="-20279" y="41354"/>
+            <a:off x="152401" y="76201"/>
             <a:ext cx="10969943" cy="711081"/>
           </a:xfrm>
         </p:spPr>
         <p:txBody>
-          <a:bodyPr>
-            <a:noAutofit/>
-          </a:bodyPr>
-          <a:lstStyle/>
-          <a:p>
-            <a:r>
-              <a:rPr lang="en-IN" dirty="0">
-                <a:solidFill>
-                  <a:schemeClr val="tx2">
-                    <a:lumMod val="60000"/>
-                    <a:lumOff val="40000"/>
-                  </a:schemeClr>
-                </a:solidFill>
-                <a:latin typeface="Patua One" pitchFamily="2" charset="0"/>
-              </a:rPr>
-              <a:t>Matrices to check regression quality</a:t>
-            </a:r>
-          </a:p>
-        </p:txBody>
-      </p:sp>
-      <p:sp>
-        <p:nvSpPr>
-          <p:cNvPr id="37" name="TextBox 36">
+          <a:bodyPr/>
+          <a:lstStyle/>
+          <a:p>
+            <a:r>
+              <a:rPr lang="en-US" dirty="0"/>
+              <a:t>Profit Simulation</a:t>
+            </a:r>
+          </a:p>
+        </p:txBody>
+      </p:sp>
+      <p:sp>
+        <p:nvSpPr>
+          <p:cNvPr id="3" name="Content Placeholder 2">
             <a:extLst>
               <a:ext uri="{FF2B5EF4-FFF2-40B4-BE49-F238E27FC236}">
-                <a16:creationId xmlns:a16="http://schemas.microsoft.com/office/drawing/2014/main" id="{E8CAC22F-1542-4031-BC6C-A16989886504}"/>
+                <a16:creationId xmlns:a16="http://schemas.microsoft.com/office/drawing/2014/main" id="{7C159253-4E6E-4795-BEAB-DE1DA868368F}"/>
               </a:ext>
             </a:extLst>
           </p:cNvPr>
-          <p:cNvSpPr txBox="1"/>
-          <p:nvPr/>
+          <p:cNvSpPr>
+            <a:spLocks noGrp="1"/>
+          </p:cNvSpPr>
+          <p:nvPr>
+            <p:ph sz="quarter" idx="13"/>
+          </p:nvPr>
         </p:nvSpPr>
         <p:spPr>
           <a:xfrm>
-            <a:off x="4943872" y="6550224"/>
-            <a:ext cx="3456384" cy="307777"/>
+            <a:off x="183124" y="685800"/>
+            <a:ext cx="10972800" cy="1143000"/>
           </a:xfrm>
-          <a:prstGeom prst="rect">
-            <a:avLst/>
-          </a:prstGeom>
-          <a:noFill/>
         </p:spPr>
         <p:txBody>
-          <a:bodyPr wrap="square" rtlCol="0">
-            <a:spAutoFit/>
-          </a:bodyPr>
-          <a:lstStyle/>
-          <a:p>
-            <a:pPr defTabSz="1218987">
-              <a:defRPr/>
-            </a:pPr>
-            <a:r>
-              <a:rPr lang="en-US" sz="1400" b="1" dirty="0">
-                <a:solidFill>
-                  <a:prstClr val="black"/>
-                </a:solidFill>
-                <a:latin typeface="Arial Rounded MT Bold" panose="020F0704030504030204" pitchFamily="34" charset="0"/>
-                <a:ea typeface="Arial Unicode MS" panose="020B0604020202020204" pitchFamily="34" charset="-128"/>
-                <a:cs typeface="Arial Unicode MS" panose="020B0604020202020204" pitchFamily="34" charset="-128"/>
-              </a:rPr>
-              <a:t>www.anubhavtrainings.com</a:t>
-            </a:r>
-            <a:endParaRPr lang="en-IN" sz="1400" b="1" dirty="0">
-              <a:solidFill>
-                <a:prstClr val="black"/>
-              </a:solidFill>
-              <a:latin typeface="Arial Rounded MT Bold" panose="020F0704030504030204" pitchFamily="34" charset="0"/>
-              <a:ea typeface="Arial Unicode MS" panose="020B0604020202020204" pitchFamily="34" charset="-128"/>
-              <a:cs typeface="Arial Unicode MS" panose="020B0604020202020204" pitchFamily="34" charset="-128"/>
-            </a:endParaRPr>
-          </a:p>
-        </p:txBody>
-      </p:sp>
-      <p:pic>
-        <p:nvPicPr>
-          <p:cNvPr id="40" name="Picture 39">
-            <a:extLst>
-              <a:ext uri="{FF2B5EF4-FFF2-40B4-BE49-F238E27FC236}">
-                <a16:creationId xmlns:a16="http://schemas.microsoft.com/office/drawing/2014/main" id="{DA60E6FB-8C44-4FEB-B6E9-83DA908565CD}"/>
-              </a:ext>
-            </a:extLst>
-          </p:cNvPr>
-          <p:cNvPicPr>
-            <a:picLocks noChangeAspect="1"/>
-          </p:cNvPicPr>
-          <p:nvPr/>
-        </p:nvPicPr>
-        <p:blipFill>
-          <a:blip r:embed="rId2">
-            <a:extLst>
-              <a:ext uri="{28A0092B-C50C-407E-A947-70E740481C1C}">
-                <a14:useLocalDpi xmlns:a14="http://schemas.microsoft.com/office/drawing/2010/main" val="0"/>
-              </a:ext>
-            </a:extLst>
-          </a:blip>
-          <a:stretch>
-            <a:fillRect/>
-          </a:stretch>
-        </p:blipFill>
-        <p:spPr>
-          <a:xfrm>
-            <a:off x="9624393" y="106009"/>
-            <a:ext cx="2335203" cy="762895"/>
-          </a:xfrm>
-          <a:prstGeom prst="rect">
-            <a:avLst/>
-          </a:prstGeom>
-        </p:spPr>
-      </p:pic>
-      <p:cxnSp>
-        <p:nvCxnSpPr>
-          <p:cNvPr id="41" name="Straight Connector 40">
-            <a:extLst>
-              <a:ext uri="{FF2B5EF4-FFF2-40B4-BE49-F238E27FC236}">
-                <a16:creationId xmlns:a16="http://schemas.microsoft.com/office/drawing/2014/main" id="{3B3B7D73-CAE9-45AC-ACCE-FAEF4E505C7A}"/>
-              </a:ext>
-            </a:extLst>
-          </p:cNvPr>
-          <p:cNvCxnSpPr/>
-          <p:nvPr/>
-        </p:nvCxnSpPr>
-        <p:spPr>
-          <a:xfrm>
-            <a:off x="1588" y="764704"/>
-            <a:ext cx="6479584" cy="0"/>
-          </a:xfrm>
-          <a:prstGeom prst="line">
-            <a:avLst/>
-          </a:prstGeom>
-        </p:spPr>
-        <p:style>
-          <a:lnRef idx="2">
-            <a:schemeClr val="accent6"/>
-          </a:lnRef>
-          <a:fillRef idx="0">
-            <a:schemeClr val="accent6"/>
-          </a:fillRef>
-          <a:effectRef idx="1">
-            <a:schemeClr val="accent6"/>
-          </a:effectRef>
-          <a:fontRef idx="minor">
-            <a:schemeClr val="tx1"/>
-          </a:fontRef>
-        </p:style>
-      </p:cxnSp>
-      <p:pic>
-        <p:nvPicPr>
-          <p:cNvPr id="2" name="Picture 1">
-            <a:extLst>
-              <a:ext uri="{FF2B5EF4-FFF2-40B4-BE49-F238E27FC236}">
-                <a16:creationId xmlns:a16="http://schemas.microsoft.com/office/drawing/2014/main" id="{BE3A0870-F741-4A04-933F-6678A44A8D7A}"/>
-              </a:ext>
-            </a:extLst>
-          </p:cNvPr>
-          <p:cNvPicPr>
-            <a:picLocks noChangeAspect="1"/>
-          </p:cNvPicPr>
-          <p:nvPr/>
-        </p:nvPicPr>
-        <p:blipFill>
-          <a:blip r:embed="rId3"/>
-          <a:stretch>
-            <a:fillRect/>
-          </a:stretch>
-        </p:blipFill>
-        <p:spPr>
-          <a:xfrm>
-            <a:off x="263352" y="1102433"/>
-            <a:ext cx="4824536" cy="5318679"/>
-          </a:xfrm>
-          <a:prstGeom prst="rect">
-            <a:avLst/>
-          </a:prstGeom>
-        </p:spPr>
-      </p:pic>
-      <p:sp>
-        <p:nvSpPr>
-          <p:cNvPr id="3" name="TextBox 2">
-            <a:extLst>
-              <a:ext uri="{FF2B5EF4-FFF2-40B4-BE49-F238E27FC236}">
-                <a16:creationId xmlns:a16="http://schemas.microsoft.com/office/drawing/2014/main" id="{2FDE069B-C593-4FF4-8BE8-B8FBBD17AB9F}"/>
-              </a:ext>
-            </a:extLst>
-          </p:cNvPr>
-          <p:cNvSpPr txBox="1"/>
-          <p:nvPr/>
-        </p:nvSpPr>
-        <p:spPr>
-          <a:xfrm>
-            <a:off x="5113145" y="938408"/>
-            <a:ext cx="6670849" cy="646331"/>
-          </a:xfrm>
-          <a:prstGeom prst="rect">
-            <a:avLst/>
-          </a:prstGeom>
-          <a:noFill/>
-        </p:spPr>
-        <p:txBody>
-          <a:bodyPr wrap="square" rtlCol="0">
-            <a:spAutoFit/>
-          </a:bodyPr>
-          <a:lstStyle/>
-          <a:p>
-            <a:r>
-              <a:rPr lang="en-US" b="1" dirty="0"/>
-              <a:t>How far our actual values are from predicted values. – Residual / deviation</a:t>
-            </a:r>
-          </a:p>
-        </p:txBody>
-      </p:sp>
+          <a:bodyPr/>
+          <a:lstStyle/>
+          <a:p>
+            <a:r>
+              <a:rPr lang="en-US" dirty="0"/>
+              <a:t>Classification Rate &gt; 0.75 ~ 0.95 – Good Model</a:t>
+            </a:r>
+          </a:p>
+          <a:p>
+            <a:r>
+              <a:rPr lang="en-US" dirty="0"/>
+              <a:t>Confidence &gt; 0.90</a:t>
+            </a:r>
+          </a:p>
+        </p:txBody>
+      </p:sp>
+      <mc:AlternateContent xmlns:mc="http://schemas.openxmlformats.org/markup-compatibility/2006">
+        <mc:Choice xmlns:p14="http://schemas.microsoft.com/office/powerpoint/2010/main" Requires="p14">
+          <p:contentPart p14:bwMode="auto" r:id="rId2">
+            <p14:nvContentPartPr>
+              <p14:cNvPr id="10" name="Ink 9">
+                <a:extLst>
+                  <a:ext uri="{FF2B5EF4-FFF2-40B4-BE49-F238E27FC236}">
+                    <a16:creationId xmlns:a16="http://schemas.microsoft.com/office/drawing/2014/main" id="{9E6AB722-56F9-4363-BC95-73A6E34D433B}"/>
+                  </a:ext>
+                </a:extLst>
+              </p14:cNvPr>
+              <p14:cNvContentPartPr/>
+              <p14:nvPr/>
+            </p14:nvContentPartPr>
+            <p14:xfrm>
+              <a:off x="493833" y="1687971"/>
+              <a:ext cx="791640" cy="327600"/>
+            </p14:xfrm>
+          </p:contentPart>
+        </mc:Choice>
+        <mc:Fallback>
+          <p:pic>
+            <p:nvPicPr>
+              <p:cNvPr id="10" name="Ink 9">
+                <a:extLst>
+                  <a:ext uri="{FF2B5EF4-FFF2-40B4-BE49-F238E27FC236}">
+                    <a16:creationId xmlns:a16="http://schemas.microsoft.com/office/drawing/2014/main" id="{9E6AB722-56F9-4363-BC95-73A6E34D433B}"/>
+                  </a:ext>
+                </a:extLst>
+              </p:cNvPr>
+              <p:cNvPicPr/>
+              <p:nvPr/>
+            </p:nvPicPr>
+            <p:blipFill>
+              <a:blip r:embed="rId3"/>
+              <a:stretch>
+                <a:fillRect/>
+              </a:stretch>
+            </p:blipFill>
+            <p:spPr>
+              <a:xfrm>
+                <a:off x="484833" y="1678971"/>
+                <a:ext cx="809280" cy="345240"/>
+              </a:xfrm>
+              <a:prstGeom prst="rect">
+                <a:avLst/>
+              </a:prstGeom>
+            </p:spPr>
+          </p:pic>
+        </mc:Fallback>
+      </mc:AlternateContent>
+      <mc:AlternateContent xmlns:mc="http://schemas.openxmlformats.org/markup-compatibility/2006">
+        <mc:Choice xmlns:p14="http://schemas.microsoft.com/office/powerpoint/2010/main" Requires="p14">
+          <p:contentPart p14:bwMode="auto" r:id="rId4">
+            <p14:nvContentPartPr>
+              <p14:cNvPr id="21" name="Ink 20">
+                <a:extLst>
+                  <a:ext uri="{FF2B5EF4-FFF2-40B4-BE49-F238E27FC236}">
+                    <a16:creationId xmlns:a16="http://schemas.microsoft.com/office/drawing/2014/main" id="{60B485CB-FA6F-4766-9E82-566580F54E15}"/>
+                  </a:ext>
+                </a:extLst>
+              </p14:cNvPr>
+              <p14:cNvContentPartPr/>
+              <p14:nvPr/>
+            </p14:nvContentPartPr>
+            <p14:xfrm>
+              <a:off x="1555833" y="1715331"/>
+              <a:ext cx="1708200" cy="439200"/>
+            </p14:xfrm>
+          </p:contentPart>
+        </mc:Choice>
+        <mc:Fallback>
+          <p:pic>
+            <p:nvPicPr>
+              <p:cNvPr id="21" name="Ink 20">
+                <a:extLst>
+                  <a:ext uri="{FF2B5EF4-FFF2-40B4-BE49-F238E27FC236}">
+                    <a16:creationId xmlns:a16="http://schemas.microsoft.com/office/drawing/2014/main" id="{60B485CB-FA6F-4766-9E82-566580F54E15}"/>
+                  </a:ext>
+                </a:extLst>
+              </p:cNvPr>
+              <p:cNvPicPr/>
+              <p:nvPr/>
+            </p:nvPicPr>
+            <p:blipFill>
+              <a:blip r:embed="rId5"/>
+              <a:stretch>
+                <a:fillRect/>
+              </a:stretch>
+            </p:blipFill>
+            <p:spPr>
+              <a:xfrm>
+                <a:off x="1546833" y="1706331"/>
+                <a:ext cx="1725840" cy="456840"/>
+              </a:xfrm>
+              <a:prstGeom prst="rect">
+                <a:avLst/>
+              </a:prstGeom>
+            </p:spPr>
+          </p:pic>
+        </mc:Fallback>
+      </mc:AlternateContent>
+      <mc:AlternateContent xmlns:mc="http://schemas.openxmlformats.org/markup-compatibility/2006">
+        <mc:Choice xmlns:p14="http://schemas.microsoft.com/office/powerpoint/2010/main" Requires="p14">
+          <p:contentPart p14:bwMode="auto" r:id="rId6">
+            <p14:nvContentPartPr>
+              <p14:cNvPr id="26" name="Ink 25">
+                <a:extLst>
+                  <a:ext uri="{FF2B5EF4-FFF2-40B4-BE49-F238E27FC236}">
+                    <a16:creationId xmlns:a16="http://schemas.microsoft.com/office/drawing/2014/main" id="{70AC61F2-B7EB-467F-B6D6-003A51EFB404}"/>
+                  </a:ext>
+                </a:extLst>
+              </p14:cNvPr>
+              <p14:cNvContentPartPr/>
+              <p14:nvPr/>
+            </p14:nvContentPartPr>
+            <p14:xfrm>
+              <a:off x="3543033" y="1758171"/>
+              <a:ext cx="750960" cy="281880"/>
+            </p14:xfrm>
+          </p:contentPart>
+        </mc:Choice>
+        <mc:Fallback>
+          <p:pic>
+            <p:nvPicPr>
+              <p:cNvPr id="26" name="Ink 25">
+                <a:extLst>
+                  <a:ext uri="{FF2B5EF4-FFF2-40B4-BE49-F238E27FC236}">
+                    <a16:creationId xmlns:a16="http://schemas.microsoft.com/office/drawing/2014/main" id="{70AC61F2-B7EB-467F-B6D6-003A51EFB404}"/>
+                  </a:ext>
+                </a:extLst>
+              </p:cNvPr>
+              <p:cNvPicPr/>
+              <p:nvPr/>
+            </p:nvPicPr>
+            <p:blipFill>
+              <a:blip r:embed="rId7"/>
+              <a:stretch>
+                <a:fillRect/>
+              </a:stretch>
+            </p:blipFill>
+            <p:spPr>
+              <a:xfrm>
+                <a:off x="3534033" y="1749171"/>
+                <a:ext cx="768600" cy="299520"/>
+              </a:xfrm>
+              <a:prstGeom prst="rect">
+                <a:avLst/>
+              </a:prstGeom>
+            </p:spPr>
+          </p:pic>
+        </mc:Fallback>
+      </mc:AlternateContent>
+      <mc:AlternateContent xmlns:mc="http://schemas.openxmlformats.org/markup-compatibility/2006">
+        <mc:Choice xmlns:p14="http://schemas.microsoft.com/office/powerpoint/2010/main" Requires="p14">
+          <p:contentPart p14:bwMode="auto" r:id="rId8">
+            <p14:nvContentPartPr>
+              <p14:cNvPr id="40" name="Ink 39">
+                <a:extLst>
+                  <a:ext uri="{FF2B5EF4-FFF2-40B4-BE49-F238E27FC236}">
+                    <a16:creationId xmlns:a16="http://schemas.microsoft.com/office/drawing/2014/main" id="{8C8F3762-3881-4A2C-B2E7-872D22C3F664}"/>
+                  </a:ext>
+                </a:extLst>
+              </p14:cNvPr>
+              <p14:cNvContentPartPr/>
+              <p14:nvPr/>
+            </p14:nvContentPartPr>
+            <p14:xfrm>
+              <a:off x="151113" y="2149131"/>
+              <a:ext cx="1873080" cy="357120"/>
+            </p14:xfrm>
+          </p:contentPart>
+        </mc:Choice>
+        <mc:Fallback>
+          <p:pic>
+            <p:nvPicPr>
+              <p:cNvPr id="40" name="Ink 39">
+                <a:extLst>
+                  <a:ext uri="{FF2B5EF4-FFF2-40B4-BE49-F238E27FC236}">
+                    <a16:creationId xmlns:a16="http://schemas.microsoft.com/office/drawing/2014/main" id="{8C8F3762-3881-4A2C-B2E7-872D22C3F664}"/>
+                  </a:ext>
+                </a:extLst>
+              </p:cNvPr>
+              <p:cNvPicPr/>
+              <p:nvPr/>
+            </p:nvPicPr>
+            <p:blipFill>
+              <a:blip r:embed="rId9"/>
+              <a:stretch>
+                <a:fillRect/>
+              </a:stretch>
+            </p:blipFill>
+            <p:spPr>
+              <a:xfrm>
+                <a:off x="142113" y="2140131"/>
+                <a:ext cx="1890720" cy="374760"/>
+              </a:xfrm>
+              <a:prstGeom prst="rect">
+                <a:avLst/>
+              </a:prstGeom>
+            </p:spPr>
+          </p:pic>
+        </mc:Fallback>
+      </mc:AlternateContent>
+      <mc:AlternateContent xmlns:mc="http://schemas.openxmlformats.org/markup-compatibility/2006">
+        <mc:Choice xmlns:p14="http://schemas.microsoft.com/office/powerpoint/2010/main" Requires="p14">
+          <p:contentPart p14:bwMode="auto" r:id="rId10">
+            <p14:nvContentPartPr>
+              <p14:cNvPr id="58" name="Ink 57">
+                <a:extLst>
+                  <a:ext uri="{FF2B5EF4-FFF2-40B4-BE49-F238E27FC236}">
+                    <a16:creationId xmlns:a16="http://schemas.microsoft.com/office/drawing/2014/main" id="{5D1E079A-AE77-455D-9EB0-59A2E0347D12}"/>
+                  </a:ext>
+                </a:extLst>
+              </p14:cNvPr>
+              <p14:cNvContentPartPr/>
+              <p14:nvPr/>
+            </p14:nvContentPartPr>
+            <p14:xfrm>
+              <a:off x="3269433" y="2468451"/>
+              <a:ext cx="1076040" cy="204840"/>
+            </p14:xfrm>
+          </p:contentPart>
+        </mc:Choice>
+        <mc:Fallback>
+          <p:pic>
+            <p:nvPicPr>
+              <p:cNvPr id="58" name="Ink 57">
+                <a:extLst>
+                  <a:ext uri="{FF2B5EF4-FFF2-40B4-BE49-F238E27FC236}">
+                    <a16:creationId xmlns:a16="http://schemas.microsoft.com/office/drawing/2014/main" id="{5D1E079A-AE77-455D-9EB0-59A2E0347D12}"/>
+                  </a:ext>
+                </a:extLst>
+              </p:cNvPr>
+              <p:cNvPicPr/>
+              <p:nvPr/>
+            </p:nvPicPr>
+            <p:blipFill>
+              <a:blip r:embed="rId11"/>
+              <a:stretch>
+                <a:fillRect/>
+              </a:stretch>
+            </p:blipFill>
+            <p:spPr>
+              <a:xfrm>
+                <a:off x="3260433" y="2459451"/>
+                <a:ext cx="1093680" cy="222480"/>
+              </a:xfrm>
+              <a:prstGeom prst="rect">
+                <a:avLst/>
+              </a:prstGeom>
+            </p:spPr>
+          </p:pic>
+        </mc:Fallback>
+      </mc:AlternateContent>
+      <mc:AlternateContent xmlns:mc="http://schemas.openxmlformats.org/markup-compatibility/2006">
+        <mc:Choice xmlns:p14="http://schemas.microsoft.com/office/powerpoint/2010/main" Requires="p14">
+          <p:contentPart p14:bwMode="auto" r:id="rId12">
+            <p14:nvContentPartPr>
+              <p14:cNvPr id="59" name="Ink 58">
+                <a:extLst>
+                  <a:ext uri="{FF2B5EF4-FFF2-40B4-BE49-F238E27FC236}">
+                    <a16:creationId xmlns:a16="http://schemas.microsoft.com/office/drawing/2014/main" id="{C71E12D0-A960-4CA5-A85E-5568875323B5}"/>
+                  </a:ext>
+                </a:extLst>
+              </p14:cNvPr>
+              <p14:cNvContentPartPr/>
+              <p14:nvPr/>
+            </p14:nvContentPartPr>
+            <p14:xfrm>
+              <a:off x="2022033" y="2482491"/>
+              <a:ext cx="960480" cy="243720"/>
+            </p14:xfrm>
+          </p:contentPart>
+        </mc:Choice>
+        <mc:Fallback>
+          <p:pic>
+            <p:nvPicPr>
+              <p:cNvPr id="59" name="Ink 58">
+                <a:extLst>
+                  <a:ext uri="{FF2B5EF4-FFF2-40B4-BE49-F238E27FC236}">
+                    <a16:creationId xmlns:a16="http://schemas.microsoft.com/office/drawing/2014/main" id="{C71E12D0-A960-4CA5-A85E-5568875323B5}"/>
+                  </a:ext>
+                </a:extLst>
+              </p:cNvPr>
+              <p:cNvPicPr/>
+              <p:nvPr/>
+            </p:nvPicPr>
+            <p:blipFill>
+              <a:blip r:embed="rId13"/>
+              <a:stretch>
+                <a:fillRect/>
+              </a:stretch>
+            </p:blipFill>
+            <p:spPr>
+              <a:xfrm>
+                <a:off x="2013033" y="2473491"/>
+                <a:ext cx="978120" cy="261360"/>
+              </a:xfrm>
+              <a:prstGeom prst="rect">
+                <a:avLst/>
+              </a:prstGeom>
+            </p:spPr>
+          </p:pic>
+        </mc:Fallback>
+      </mc:AlternateContent>
+      <mc:AlternateContent xmlns:mc="http://schemas.openxmlformats.org/markup-compatibility/2006">
+        <mc:Choice xmlns:p14="http://schemas.microsoft.com/office/powerpoint/2010/main" Requires="p14">
+          <p:contentPart p14:bwMode="auto" r:id="rId14">
+            <p14:nvContentPartPr>
+              <p14:cNvPr id="73" name="Ink 72">
+                <a:extLst>
+                  <a:ext uri="{FF2B5EF4-FFF2-40B4-BE49-F238E27FC236}">
+                    <a16:creationId xmlns:a16="http://schemas.microsoft.com/office/drawing/2014/main" id="{EAE0EDA6-C193-410C-A4E4-A29005B95F16}"/>
+                  </a:ext>
+                </a:extLst>
+              </p14:cNvPr>
+              <p14:cNvContentPartPr/>
+              <p14:nvPr/>
+            </p14:nvContentPartPr>
+            <p14:xfrm>
+              <a:off x="4616913" y="2371611"/>
+              <a:ext cx="2137680" cy="266400"/>
+            </p14:xfrm>
+          </p:contentPart>
+        </mc:Choice>
+        <mc:Fallback>
+          <p:pic>
+            <p:nvPicPr>
+              <p:cNvPr id="73" name="Ink 72">
+                <a:extLst>
+                  <a:ext uri="{FF2B5EF4-FFF2-40B4-BE49-F238E27FC236}">
+                    <a16:creationId xmlns:a16="http://schemas.microsoft.com/office/drawing/2014/main" id="{EAE0EDA6-C193-410C-A4E4-A29005B95F16}"/>
+                  </a:ext>
+                </a:extLst>
+              </p:cNvPr>
+              <p:cNvPicPr/>
+              <p:nvPr/>
+            </p:nvPicPr>
+            <p:blipFill>
+              <a:blip r:embed="rId15"/>
+              <a:stretch>
+                <a:fillRect/>
+              </a:stretch>
+            </p:blipFill>
+            <p:spPr>
+              <a:xfrm>
+                <a:off x="4607913" y="2362611"/>
+                <a:ext cx="2155320" cy="284040"/>
+              </a:xfrm>
+              <a:prstGeom prst="rect">
+                <a:avLst/>
+              </a:prstGeom>
+            </p:spPr>
+          </p:pic>
+        </mc:Fallback>
+      </mc:AlternateContent>
+      <mc:AlternateContent xmlns:mc="http://schemas.openxmlformats.org/markup-compatibility/2006">
+        <mc:Choice xmlns:p14="http://schemas.microsoft.com/office/powerpoint/2010/main" Requires="p14">
+          <p:contentPart p14:bwMode="auto" r:id="rId16">
+            <p14:nvContentPartPr>
+              <p14:cNvPr id="93" name="Ink 92">
+                <a:extLst>
+                  <a:ext uri="{FF2B5EF4-FFF2-40B4-BE49-F238E27FC236}">
+                    <a16:creationId xmlns:a16="http://schemas.microsoft.com/office/drawing/2014/main" id="{D46A58BE-AD22-4150-8E55-44EF5B16BAA9}"/>
+                  </a:ext>
+                </a:extLst>
+              </p14:cNvPr>
+              <p14:cNvContentPartPr/>
+              <p14:nvPr/>
+            </p14:nvContentPartPr>
+            <p14:xfrm>
+              <a:off x="6977433" y="2224371"/>
+              <a:ext cx="2836800" cy="369720"/>
+            </p14:xfrm>
+          </p:contentPart>
+        </mc:Choice>
+        <mc:Fallback>
+          <p:pic>
+            <p:nvPicPr>
+              <p:cNvPr id="93" name="Ink 92">
+                <a:extLst>
+                  <a:ext uri="{FF2B5EF4-FFF2-40B4-BE49-F238E27FC236}">
+                    <a16:creationId xmlns:a16="http://schemas.microsoft.com/office/drawing/2014/main" id="{D46A58BE-AD22-4150-8E55-44EF5B16BAA9}"/>
+                  </a:ext>
+                </a:extLst>
+              </p:cNvPr>
+              <p:cNvPicPr/>
+              <p:nvPr/>
+            </p:nvPicPr>
+            <p:blipFill>
+              <a:blip r:embed="rId17"/>
+              <a:stretch>
+                <a:fillRect/>
+              </a:stretch>
+            </p:blipFill>
+            <p:spPr>
+              <a:xfrm>
+                <a:off x="6968433" y="2215371"/>
+                <a:ext cx="2854440" cy="387360"/>
+              </a:xfrm>
+              <a:prstGeom prst="rect">
+                <a:avLst/>
+              </a:prstGeom>
+            </p:spPr>
+          </p:pic>
+        </mc:Fallback>
+      </mc:AlternateContent>
+      <mc:AlternateContent xmlns:mc="http://schemas.openxmlformats.org/markup-compatibility/2006">
+        <mc:Choice xmlns:p14="http://schemas.microsoft.com/office/powerpoint/2010/main" Requires="p14">
+          <p:contentPart p14:bwMode="auto" r:id="rId18">
+            <p14:nvContentPartPr>
+              <p14:cNvPr id="108" name="Ink 107">
+                <a:extLst>
+                  <a:ext uri="{FF2B5EF4-FFF2-40B4-BE49-F238E27FC236}">
+                    <a16:creationId xmlns:a16="http://schemas.microsoft.com/office/drawing/2014/main" id="{80501A53-51B8-48B9-9828-13F9F8BE97AE}"/>
+                  </a:ext>
+                </a:extLst>
+              </p14:cNvPr>
+              <p14:cNvContentPartPr/>
+              <p14:nvPr/>
+            </p14:nvContentPartPr>
+            <p14:xfrm>
+              <a:off x="2023113" y="2937531"/>
+              <a:ext cx="2137680" cy="344160"/>
+            </p14:xfrm>
+          </p:contentPart>
+        </mc:Choice>
+        <mc:Fallback>
+          <p:pic>
+            <p:nvPicPr>
+              <p:cNvPr id="108" name="Ink 107">
+                <a:extLst>
+                  <a:ext uri="{FF2B5EF4-FFF2-40B4-BE49-F238E27FC236}">
+                    <a16:creationId xmlns:a16="http://schemas.microsoft.com/office/drawing/2014/main" id="{80501A53-51B8-48B9-9828-13F9F8BE97AE}"/>
+                  </a:ext>
+                </a:extLst>
+              </p:cNvPr>
+              <p:cNvPicPr/>
+              <p:nvPr/>
+            </p:nvPicPr>
+            <p:blipFill>
+              <a:blip r:embed="rId19"/>
+              <a:stretch>
+                <a:fillRect/>
+              </a:stretch>
+            </p:blipFill>
+            <p:spPr>
+              <a:xfrm>
+                <a:off x="2014113" y="2928531"/>
+                <a:ext cx="2155320" cy="361800"/>
+              </a:xfrm>
+              <a:prstGeom prst="rect">
+                <a:avLst/>
+              </a:prstGeom>
+            </p:spPr>
+          </p:pic>
+        </mc:Fallback>
+      </mc:AlternateContent>
+      <mc:AlternateContent xmlns:mc="http://schemas.openxmlformats.org/markup-compatibility/2006">
+        <mc:Choice xmlns:p14="http://schemas.microsoft.com/office/powerpoint/2010/main" Requires="p14">
+          <p:contentPart p14:bwMode="auto" r:id="rId20">
+            <p14:nvContentPartPr>
+              <p14:cNvPr id="129" name="Ink 128">
+                <a:extLst>
+                  <a:ext uri="{FF2B5EF4-FFF2-40B4-BE49-F238E27FC236}">
+                    <a16:creationId xmlns:a16="http://schemas.microsoft.com/office/drawing/2014/main" id="{3BDB79EA-8B8B-4F4F-9782-CFF351A22754}"/>
+                  </a:ext>
+                </a:extLst>
+              </p14:cNvPr>
+              <p14:cNvContentPartPr/>
+              <p14:nvPr/>
+            </p14:nvContentPartPr>
+            <p14:xfrm>
+              <a:off x="4503153" y="2855091"/>
+              <a:ext cx="2989800" cy="293040"/>
+            </p14:xfrm>
+          </p:contentPart>
+        </mc:Choice>
+        <mc:Fallback>
+          <p:pic>
+            <p:nvPicPr>
+              <p:cNvPr id="129" name="Ink 128">
+                <a:extLst>
+                  <a:ext uri="{FF2B5EF4-FFF2-40B4-BE49-F238E27FC236}">
+                    <a16:creationId xmlns:a16="http://schemas.microsoft.com/office/drawing/2014/main" id="{3BDB79EA-8B8B-4F4F-9782-CFF351A22754}"/>
+                  </a:ext>
+                </a:extLst>
+              </p:cNvPr>
+              <p:cNvPicPr/>
+              <p:nvPr/>
+            </p:nvPicPr>
+            <p:blipFill>
+              <a:blip r:embed="rId21"/>
+              <a:stretch>
+                <a:fillRect/>
+              </a:stretch>
+            </p:blipFill>
+            <p:spPr>
+              <a:xfrm>
+                <a:off x="4494153" y="2846091"/>
+                <a:ext cx="3007440" cy="310680"/>
+              </a:xfrm>
+              <a:prstGeom prst="rect">
+                <a:avLst/>
+              </a:prstGeom>
+            </p:spPr>
+          </p:pic>
+        </mc:Fallback>
+      </mc:AlternateContent>
+      <mc:AlternateContent xmlns:mc="http://schemas.openxmlformats.org/markup-compatibility/2006">
+        <mc:Choice xmlns:p14="http://schemas.microsoft.com/office/powerpoint/2010/main" Requires="p14">
+          <p:contentPart p14:bwMode="auto" r:id="rId22">
+            <p14:nvContentPartPr>
+              <p14:cNvPr id="133" name="Ink 132">
+                <a:extLst>
+                  <a:ext uri="{FF2B5EF4-FFF2-40B4-BE49-F238E27FC236}">
+                    <a16:creationId xmlns:a16="http://schemas.microsoft.com/office/drawing/2014/main" id="{A4E9F83A-AD61-42A6-AF7C-B20FB067C79E}"/>
+                  </a:ext>
+                </a:extLst>
+              </p14:cNvPr>
+              <p14:cNvContentPartPr/>
+              <p14:nvPr/>
+            </p14:nvContentPartPr>
+            <p14:xfrm>
+              <a:off x="7724793" y="2804691"/>
+              <a:ext cx="480240" cy="237960"/>
+            </p14:xfrm>
+          </p:contentPart>
+        </mc:Choice>
+        <mc:Fallback>
+          <p:pic>
+            <p:nvPicPr>
+              <p:cNvPr id="133" name="Ink 132">
+                <a:extLst>
+                  <a:ext uri="{FF2B5EF4-FFF2-40B4-BE49-F238E27FC236}">
+                    <a16:creationId xmlns:a16="http://schemas.microsoft.com/office/drawing/2014/main" id="{A4E9F83A-AD61-42A6-AF7C-B20FB067C79E}"/>
+                  </a:ext>
+                </a:extLst>
+              </p:cNvPr>
+              <p:cNvPicPr/>
+              <p:nvPr/>
+            </p:nvPicPr>
+            <p:blipFill>
+              <a:blip r:embed="rId23"/>
+              <a:stretch>
+                <a:fillRect/>
+              </a:stretch>
+            </p:blipFill>
+            <p:spPr>
+              <a:xfrm>
+                <a:off x="7715793" y="2795691"/>
+                <a:ext cx="497880" cy="255600"/>
+              </a:xfrm>
+              <a:prstGeom prst="rect">
+                <a:avLst/>
+              </a:prstGeom>
+            </p:spPr>
+          </p:pic>
+        </mc:Fallback>
+      </mc:AlternateContent>
+      <mc:AlternateContent xmlns:mc="http://schemas.openxmlformats.org/markup-compatibility/2006">
+        <mc:Choice xmlns:p14="http://schemas.microsoft.com/office/powerpoint/2010/main" Requires="p14">
+          <p:contentPart p14:bwMode="auto" r:id="rId24">
+            <p14:nvContentPartPr>
+              <p14:cNvPr id="144" name="Ink 143">
+                <a:extLst>
+                  <a:ext uri="{FF2B5EF4-FFF2-40B4-BE49-F238E27FC236}">
+                    <a16:creationId xmlns:a16="http://schemas.microsoft.com/office/drawing/2014/main" id="{F140B7B1-9409-49C2-83D9-3B9088BD4DA6}"/>
+                  </a:ext>
+                </a:extLst>
+              </p14:cNvPr>
+              <p14:cNvContentPartPr/>
+              <p14:nvPr/>
+            </p14:nvContentPartPr>
+            <p14:xfrm>
+              <a:off x="9206913" y="2743131"/>
+              <a:ext cx="712800" cy="256320"/>
+            </p14:xfrm>
+          </p:contentPart>
+        </mc:Choice>
+        <mc:Fallback>
+          <p:pic>
+            <p:nvPicPr>
+              <p:cNvPr id="144" name="Ink 143">
+                <a:extLst>
+                  <a:ext uri="{FF2B5EF4-FFF2-40B4-BE49-F238E27FC236}">
+                    <a16:creationId xmlns:a16="http://schemas.microsoft.com/office/drawing/2014/main" id="{F140B7B1-9409-49C2-83D9-3B9088BD4DA6}"/>
+                  </a:ext>
+                </a:extLst>
+              </p:cNvPr>
+              <p:cNvPicPr/>
+              <p:nvPr/>
+            </p:nvPicPr>
+            <p:blipFill>
+              <a:blip r:embed="rId25"/>
+              <a:stretch>
+                <a:fillRect/>
+              </a:stretch>
+            </p:blipFill>
+            <p:spPr>
+              <a:xfrm>
+                <a:off x="9197913" y="2734131"/>
+                <a:ext cx="730440" cy="273960"/>
+              </a:xfrm>
+              <a:prstGeom prst="rect">
+                <a:avLst/>
+              </a:prstGeom>
+            </p:spPr>
+          </p:pic>
+        </mc:Fallback>
+      </mc:AlternateContent>
+      <mc:AlternateContent xmlns:mc="http://schemas.openxmlformats.org/markup-compatibility/2006">
+        <mc:Choice xmlns:p14="http://schemas.microsoft.com/office/powerpoint/2010/main" Requires="p14">
+          <p:contentPart p14:bwMode="auto" r:id="rId26">
+            <p14:nvContentPartPr>
+              <p14:cNvPr id="145" name="Ink 144">
+                <a:extLst>
+                  <a:ext uri="{FF2B5EF4-FFF2-40B4-BE49-F238E27FC236}">
+                    <a16:creationId xmlns:a16="http://schemas.microsoft.com/office/drawing/2014/main" id="{141F24B6-104E-4828-B620-7D099AC7F6E5}"/>
+                  </a:ext>
+                </a:extLst>
+              </p14:cNvPr>
+              <p14:cNvContentPartPr/>
+              <p14:nvPr/>
+            </p14:nvContentPartPr>
+            <p14:xfrm>
+              <a:off x="8415633" y="2778411"/>
+              <a:ext cx="554400" cy="248760"/>
+            </p14:xfrm>
+          </p:contentPart>
+        </mc:Choice>
+        <mc:Fallback>
+          <p:pic>
+            <p:nvPicPr>
+              <p:cNvPr id="145" name="Ink 144">
+                <a:extLst>
+                  <a:ext uri="{FF2B5EF4-FFF2-40B4-BE49-F238E27FC236}">
+                    <a16:creationId xmlns:a16="http://schemas.microsoft.com/office/drawing/2014/main" id="{141F24B6-104E-4828-B620-7D099AC7F6E5}"/>
+                  </a:ext>
+                </a:extLst>
+              </p:cNvPr>
+              <p:cNvPicPr/>
+              <p:nvPr/>
+            </p:nvPicPr>
+            <p:blipFill>
+              <a:blip r:embed="rId27"/>
+              <a:stretch>
+                <a:fillRect/>
+              </a:stretch>
+            </p:blipFill>
+            <p:spPr>
+              <a:xfrm>
+                <a:off x="8406633" y="2769411"/>
+                <a:ext cx="572040" cy="266400"/>
+              </a:xfrm>
+              <a:prstGeom prst="rect">
+                <a:avLst/>
+              </a:prstGeom>
+            </p:spPr>
+          </p:pic>
+        </mc:Fallback>
+      </mc:AlternateContent>
+      <mc:AlternateContent xmlns:mc="http://schemas.openxmlformats.org/markup-compatibility/2006">
+        <mc:Choice xmlns:p14="http://schemas.microsoft.com/office/powerpoint/2010/main" Requires="p14">
+          <p:contentPart p14:bwMode="auto" r:id="rId28">
+            <p14:nvContentPartPr>
+              <p14:cNvPr id="176" name="Ink 175">
+                <a:extLst>
+                  <a:ext uri="{FF2B5EF4-FFF2-40B4-BE49-F238E27FC236}">
+                    <a16:creationId xmlns:a16="http://schemas.microsoft.com/office/drawing/2014/main" id="{0A530C66-4E7D-44F0-B14C-DA167DA7055A}"/>
+                  </a:ext>
+                </a:extLst>
+              </p14:cNvPr>
+              <p14:cNvContentPartPr/>
+              <p14:nvPr/>
+            </p14:nvContentPartPr>
+            <p14:xfrm>
+              <a:off x="4485513" y="4376811"/>
+              <a:ext cx="897480" cy="216000"/>
+            </p14:xfrm>
+          </p:contentPart>
+        </mc:Choice>
+        <mc:Fallback>
+          <p:pic>
+            <p:nvPicPr>
+              <p:cNvPr id="176" name="Ink 175">
+                <a:extLst>
+                  <a:ext uri="{FF2B5EF4-FFF2-40B4-BE49-F238E27FC236}">
+                    <a16:creationId xmlns:a16="http://schemas.microsoft.com/office/drawing/2014/main" id="{0A530C66-4E7D-44F0-B14C-DA167DA7055A}"/>
+                  </a:ext>
+                </a:extLst>
+              </p:cNvPr>
+              <p:cNvPicPr/>
+              <p:nvPr/>
+            </p:nvPicPr>
+            <p:blipFill>
+              <a:blip r:embed="rId29"/>
+              <a:stretch>
+                <a:fillRect/>
+              </a:stretch>
+            </p:blipFill>
+            <p:spPr>
+              <a:xfrm>
+                <a:off x="4476513" y="4367811"/>
+                <a:ext cx="915120" cy="233640"/>
+              </a:xfrm>
+              <a:prstGeom prst="rect">
+                <a:avLst/>
+              </a:prstGeom>
+            </p:spPr>
+          </p:pic>
+        </mc:Fallback>
+      </mc:AlternateContent>
+      <mc:AlternateContent xmlns:mc="http://schemas.openxmlformats.org/markup-compatibility/2006">
+        <mc:Choice xmlns:p14="http://schemas.microsoft.com/office/powerpoint/2010/main" Requires="p14">
+          <p:contentPart p14:bwMode="auto" r:id="rId30">
+            <p14:nvContentPartPr>
+              <p14:cNvPr id="253" name="Ink 252">
+                <a:extLst>
+                  <a:ext uri="{FF2B5EF4-FFF2-40B4-BE49-F238E27FC236}">
+                    <a16:creationId xmlns:a16="http://schemas.microsoft.com/office/drawing/2014/main" id="{F0FAF2BA-CD38-420C-8E14-99E53BDA4B96}"/>
+                  </a:ext>
+                </a:extLst>
+              </p14:cNvPr>
+              <p14:cNvContentPartPr/>
+              <p14:nvPr/>
+            </p14:nvContentPartPr>
+            <p14:xfrm>
+              <a:off x="1707393" y="5816451"/>
+              <a:ext cx="3209400" cy="505440"/>
+            </p14:xfrm>
+          </p:contentPart>
+        </mc:Choice>
+        <mc:Fallback>
+          <p:pic>
+            <p:nvPicPr>
+              <p:cNvPr id="253" name="Ink 252">
+                <a:extLst>
+                  <a:ext uri="{FF2B5EF4-FFF2-40B4-BE49-F238E27FC236}">
+                    <a16:creationId xmlns:a16="http://schemas.microsoft.com/office/drawing/2014/main" id="{F0FAF2BA-CD38-420C-8E14-99E53BDA4B96}"/>
+                  </a:ext>
+                </a:extLst>
+              </p:cNvPr>
+              <p:cNvPicPr/>
+              <p:nvPr/>
+            </p:nvPicPr>
+            <p:blipFill>
+              <a:blip r:embed="rId31"/>
+              <a:stretch>
+                <a:fillRect/>
+              </a:stretch>
+            </p:blipFill>
+            <p:spPr>
+              <a:xfrm>
+                <a:off x="1698393" y="5807451"/>
+                <a:ext cx="3227040" cy="523080"/>
+              </a:xfrm>
+              <a:prstGeom prst="rect">
+                <a:avLst/>
+              </a:prstGeom>
+            </p:spPr>
+          </p:pic>
+        </mc:Fallback>
+      </mc:AlternateContent>
+      <mc:AlternateContent xmlns:mc="http://schemas.openxmlformats.org/markup-compatibility/2006">
+        <mc:Choice xmlns:p14="http://schemas.microsoft.com/office/powerpoint/2010/main" Requires="p14">
+          <p:contentPart p14:bwMode="auto" r:id="rId32">
+            <p14:nvContentPartPr>
+              <p14:cNvPr id="264" name="Ink 263">
+                <a:extLst>
+                  <a:ext uri="{FF2B5EF4-FFF2-40B4-BE49-F238E27FC236}">
+                    <a16:creationId xmlns:a16="http://schemas.microsoft.com/office/drawing/2014/main" id="{7DE0D4F9-C084-4271-A0A7-5F639FB7C7F0}"/>
+                  </a:ext>
+                </a:extLst>
+              </p14:cNvPr>
+              <p14:cNvContentPartPr/>
+              <p14:nvPr/>
+            </p14:nvContentPartPr>
+            <p14:xfrm>
+              <a:off x="247953" y="3472851"/>
+              <a:ext cx="774000" cy="246600"/>
+            </p14:xfrm>
+          </p:contentPart>
+        </mc:Choice>
+        <mc:Fallback>
+          <p:pic>
+            <p:nvPicPr>
+              <p:cNvPr id="264" name="Ink 263">
+                <a:extLst>
+                  <a:ext uri="{FF2B5EF4-FFF2-40B4-BE49-F238E27FC236}">
+                    <a16:creationId xmlns:a16="http://schemas.microsoft.com/office/drawing/2014/main" id="{7DE0D4F9-C084-4271-A0A7-5F639FB7C7F0}"/>
+                  </a:ext>
+                </a:extLst>
+              </p:cNvPr>
+              <p:cNvPicPr/>
+              <p:nvPr/>
+            </p:nvPicPr>
+            <p:blipFill>
+              <a:blip r:embed="rId33"/>
+              <a:stretch>
+                <a:fillRect/>
+              </a:stretch>
+            </p:blipFill>
+            <p:spPr>
+              <a:xfrm>
+                <a:off x="238953" y="3463851"/>
+                <a:ext cx="791640" cy="264240"/>
+              </a:xfrm>
+              <a:prstGeom prst="rect">
+                <a:avLst/>
+              </a:prstGeom>
+            </p:spPr>
+          </p:pic>
+        </mc:Fallback>
+      </mc:AlternateContent>
+      <mc:AlternateContent xmlns:mc="http://schemas.openxmlformats.org/markup-compatibility/2006">
+        <mc:Choice xmlns:p14="http://schemas.microsoft.com/office/powerpoint/2010/main" Requires="p14">
+          <p:contentPart p14:bwMode="auto" r:id="rId34">
+            <p14:nvContentPartPr>
+              <p14:cNvPr id="274" name="Ink 273">
+                <a:extLst>
+                  <a:ext uri="{FF2B5EF4-FFF2-40B4-BE49-F238E27FC236}">
+                    <a16:creationId xmlns:a16="http://schemas.microsoft.com/office/drawing/2014/main" id="{DF87133A-4E20-4A2D-9387-BDA4BFCE1A0B}"/>
+                  </a:ext>
+                </a:extLst>
+              </p14:cNvPr>
+              <p14:cNvContentPartPr/>
+              <p14:nvPr/>
+            </p14:nvContentPartPr>
+            <p14:xfrm>
+              <a:off x="2270073" y="3463851"/>
+              <a:ext cx="1248840" cy="264600"/>
+            </p14:xfrm>
+          </p:contentPart>
+        </mc:Choice>
+        <mc:Fallback>
+          <p:pic>
+            <p:nvPicPr>
+              <p:cNvPr id="274" name="Ink 273">
+                <a:extLst>
+                  <a:ext uri="{FF2B5EF4-FFF2-40B4-BE49-F238E27FC236}">
+                    <a16:creationId xmlns:a16="http://schemas.microsoft.com/office/drawing/2014/main" id="{DF87133A-4E20-4A2D-9387-BDA4BFCE1A0B}"/>
+                  </a:ext>
+                </a:extLst>
+              </p:cNvPr>
+              <p:cNvPicPr/>
+              <p:nvPr/>
+            </p:nvPicPr>
+            <p:blipFill>
+              <a:blip r:embed="rId35"/>
+              <a:stretch>
+                <a:fillRect/>
+              </a:stretch>
+            </p:blipFill>
+            <p:spPr>
+              <a:xfrm>
+                <a:off x="2261073" y="3454851"/>
+                <a:ext cx="1266480" cy="282240"/>
+              </a:xfrm>
+              <a:prstGeom prst="rect">
+                <a:avLst/>
+              </a:prstGeom>
+            </p:spPr>
+          </p:pic>
+        </mc:Fallback>
+      </mc:AlternateContent>
+      <mc:AlternateContent xmlns:mc="http://schemas.openxmlformats.org/markup-compatibility/2006">
+        <mc:Choice xmlns:p14="http://schemas.microsoft.com/office/powerpoint/2010/main" Requires="p14">
+          <p:contentPart p14:bwMode="auto" r:id="rId36">
+            <p14:nvContentPartPr>
+              <p14:cNvPr id="279" name="Ink 278">
+                <a:extLst>
+                  <a:ext uri="{FF2B5EF4-FFF2-40B4-BE49-F238E27FC236}">
+                    <a16:creationId xmlns:a16="http://schemas.microsoft.com/office/drawing/2014/main" id="{62E4E590-E8A5-425D-A31F-41C1D2997CF4}"/>
+                  </a:ext>
+                </a:extLst>
+              </p14:cNvPr>
+              <p14:cNvContentPartPr/>
+              <p14:nvPr/>
+            </p14:nvContentPartPr>
+            <p14:xfrm>
+              <a:off x="3726993" y="3384651"/>
+              <a:ext cx="616320" cy="321120"/>
+            </p14:xfrm>
+          </p:contentPart>
+        </mc:Choice>
+        <mc:Fallback>
+          <p:pic>
+            <p:nvPicPr>
+              <p:cNvPr id="279" name="Ink 278">
+                <a:extLst>
+                  <a:ext uri="{FF2B5EF4-FFF2-40B4-BE49-F238E27FC236}">
+                    <a16:creationId xmlns:a16="http://schemas.microsoft.com/office/drawing/2014/main" id="{62E4E590-E8A5-425D-A31F-41C1D2997CF4}"/>
+                  </a:ext>
+                </a:extLst>
+              </p:cNvPr>
+              <p:cNvPicPr/>
+              <p:nvPr/>
+            </p:nvPicPr>
+            <p:blipFill>
+              <a:blip r:embed="rId37"/>
+              <a:stretch>
+                <a:fillRect/>
+              </a:stretch>
+            </p:blipFill>
+            <p:spPr>
+              <a:xfrm>
+                <a:off x="3717993" y="3375651"/>
+                <a:ext cx="633960" cy="338760"/>
+              </a:xfrm>
+              <a:prstGeom prst="rect">
+                <a:avLst/>
+              </a:prstGeom>
+            </p:spPr>
+          </p:pic>
+        </mc:Fallback>
+      </mc:AlternateContent>
+      <mc:AlternateContent xmlns:mc="http://schemas.openxmlformats.org/markup-compatibility/2006">
+        <mc:Choice xmlns:p14="http://schemas.microsoft.com/office/powerpoint/2010/main" Requires="p14">
+          <p:contentPart p14:bwMode="auto" r:id="rId38">
+            <p14:nvContentPartPr>
+              <p14:cNvPr id="316" name="Ink 315">
+                <a:extLst>
+                  <a:ext uri="{FF2B5EF4-FFF2-40B4-BE49-F238E27FC236}">
+                    <a16:creationId xmlns:a16="http://schemas.microsoft.com/office/drawing/2014/main" id="{38D1EE9B-9C3D-4882-A62F-04AC6733B174}"/>
+                  </a:ext>
+                </a:extLst>
+              </p14:cNvPr>
+              <p14:cNvContentPartPr/>
+              <p14:nvPr/>
+            </p14:nvContentPartPr>
+            <p14:xfrm>
+              <a:off x="7360833" y="3410571"/>
+              <a:ext cx="615600" cy="239400"/>
+            </p14:xfrm>
+          </p:contentPart>
+        </mc:Choice>
+        <mc:Fallback>
+          <p:pic>
+            <p:nvPicPr>
+              <p:cNvPr id="316" name="Ink 315">
+                <a:extLst>
+                  <a:ext uri="{FF2B5EF4-FFF2-40B4-BE49-F238E27FC236}">
+                    <a16:creationId xmlns:a16="http://schemas.microsoft.com/office/drawing/2014/main" id="{38D1EE9B-9C3D-4882-A62F-04AC6733B174}"/>
+                  </a:ext>
+                </a:extLst>
+              </p:cNvPr>
+              <p:cNvPicPr/>
+              <p:nvPr/>
+            </p:nvPicPr>
+            <p:blipFill>
+              <a:blip r:embed="rId39"/>
+              <a:stretch>
+                <a:fillRect/>
+              </a:stretch>
+            </p:blipFill>
+            <p:spPr>
+              <a:xfrm>
+                <a:off x="7351833" y="3401571"/>
+                <a:ext cx="633240" cy="257040"/>
+              </a:xfrm>
+              <a:prstGeom prst="rect">
+                <a:avLst/>
+              </a:prstGeom>
+            </p:spPr>
+          </p:pic>
+        </mc:Fallback>
+      </mc:AlternateContent>
+      <mc:AlternateContent xmlns:mc="http://schemas.openxmlformats.org/markup-compatibility/2006">
+        <mc:Choice xmlns:p14="http://schemas.microsoft.com/office/powerpoint/2010/main" Requires="p14">
+          <p:contentPart p14:bwMode="auto" r:id="rId40">
+            <p14:nvContentPartPr>
+              <p14:cNvPr id="317" name="Ink 316">
+                <a:extLst>
+                  <a:ext uri="{FF2B5EF4-FFF2-40B4-BE49-F238E27FC236}">
+                    <a16:creationId xmlns:a16="http://schemas.microsoft.com/office/drawing/2014/main" id="{64C53D9A-1216-473E-83CB-D0F10294D30D}"/>
+                  </a:ext>
+                </a:extLst>
+              </p14:cNvPr>
+              <p14:cNvContentPartPr/>
+              <p14:nvPr/>
+            </p14:nvContentPartPr>
+            <p14:xfrm>
+              <a:off x="7009113" y="3506331"/>
+              <a:ext cx="149760" cy="99360"/>
+            </p14:xfrm>
+          </p:contentPart>
+        </mc:Choice>
+        <mc:Fallback>
+          <p:pic>
+            <p:nvPicPr>
+              <p:cNvPr id="317" name="Ink 316">
+                <a:extLst>
+                  <a:ext uri="{FF2B5EF4-FFF2-40B4-BE49-F238E27FC236}">
+                    <a16:creationId xmlns:a16="http://schemas.microsoft.com/office/drawing/2014/main" id="{64C53D9A-1216-473E-83CB-D0F10294D30D}"/>
+                  </a:ext>
+                </a:extLst>
+              </p:cNvPr>
+              <p:cNvPicPr/>
+              <p:nvPr/>
+            </p:nvPicPr>
+            <p:blipFill>
+              <a:blip r:embed="rId41"/>
+              <a:stretch>
+                <a:fillRect/>
+              </a:stretch>
+            </p:blipFill>
+            <p:spPr>
+              <a:xfrm>
+                <a:off x="7000113" y="3497331"/>
+                <a:ext cx="167400" cy="117000"/>
+              </a:xfrm>
+              <a:prstGeom prst="rect">
+                <a:avLst/>
+              </a:prstGeom>
+            </p:spPr>
+          </p:pic>
+        </mc:Fallback>
+      </mc:AlternateContent>
+      <mc:AlternateContent xmlns:mc="http://schemas.openxmlformats.org/markup-compatibility/2006">
+        <mc:Choice xmlns:p14="http://schemas.microsoft.com/office/powerpoint/2010/main" Requires="p14">
+          <p:contentPart p14:bwMode="auto" r:id="rId42">
+            <p14:nvContentPartPr>
+              <p14:cNvPr id="318" name="Ink 317">
+                <a:extLst>
+                  <a:ext uri="{FF2B5EF4-FFF2-40B4-BE49-F238E27FC236}">
+                    <a16:creationId xmlns:a16="http://schemas.microsoft.com/office/drawing/2014/main" id="{9AA8C1D2-F5E2-4562-B529-08E7A473189A}"/>
+                  </a:ext>
+                </a:extLst>
+              </p14:cNvPr>
+              <p14:cNvContentPartPr/>
+              <p14:nvPr/>
+            </p14:nvContentPartPr>
+            <p14:xfrm>
+              <a:off x="6033153" y="3402651"/>
+              <a:ext cx="747720" cy="247320"/>
+            </p14:xfrm>
+          </p:contentPart>
+        </mc:Choice>
+        <mc:Fallback>
+          <p:pic>
+            <p:nvPicPr>
+              <p:cNvPr id="318" name="Ink 317">
+                <a:extLst>
+                  <a:ext uri="{FF2B5EF4-FFF2-40B4-BE49-F238E27FC236}">
+                    <a16:creationId xmlns:a16="http://schemas.microsoft.com/office/drawing/2014/main" id="{9AA8C1D2-F5E2-4562-B529-08E7A473189A}"/>
+                  </a:ext>
+                </a:extLst>
+              </p:cNvPr>
+              <p:cNvPicPr/>
+              <p:nvPr/>
+            </p:nvPicPr>
+            <p:blipFill>
+              <a:blip r:embed="rId43"/>
+              <a:stretch>
+                <a:fillRect/>
+              </a:stretch>
+            </p:blipFill>
+            <p:spPr>
+              <a:xfrm>
+                <a:off x="6024153" y="3393651"/>
+                <a:ext cx="765360" cy="264960"/>
+              </a:xfrm>
+              <a:prstGeom prst="rect">
+                <a:avLst/>
+              </a:prstGeom>
+            </p:spPr>
+          </p:pic>
+        </mc:Fallback>
+      </mc:AlternateContent>
+      <mc:AlternateContent xmlns:mc="http://schemas.openxmlformats.org/markup-compatibility/2006">
+        <mc:Choice xmlns:p14="http://schemas.microsoft.com/office/powerpoint/2010/main" Requires="p14">
+          <p:contentPart p14:bwMode="auto" r:id="rId44">
+            <p14:nvContentPartPr>
+              <p14:cNvPr id="319" name="Ink 318">
+                <a:extLst>
+                  <a:ext uri="{FF2B5EF4-FFF2-40B4-BE49-F238E27FC236}">
+                    <a16:creationId xmlns:a16="http://schemas.microsoft.com/office/drawing/2014/main" id="{A561D457-8402-4F8A-982C-9AA4CBC22375}"/>
+                  </a:ext>
+                </a:extLst>
+              </p14:cNvPr>
+              <p14:cNvContentPartPr/>
+              <p14:nvPr/>
+            </p14:nvContentPartPr>
+            <p14:xfrm>
+              <a:off x="5215593" y="3376371"/>
+              <a:ext cx="618120" cy="246600"/>
+            </p14:xfrm>
+          </p:contentPart>
+        </mc:Choice>
+        <mc:Fallback>
+          <p:pic>
+            <p:nvPicPr>
+              <p:cNvPr id="319" name="Ink 318">
+                <a:extLst>
+                  <a:ext uri="{FF2B5EF4-FFF2-40B4-BE49-F238E27FC236}">
+                    <a16:creationId xmlns:a16="http://schemas.microsoft.com/office/drawing/2014/main" id="{A561D457-8402-4F8A-982C-9AA4CBC22375}"/>
+                  </a:ext>
+                </a:extLst>
+              </p:cNvPr>
+              <p:cNvPicPr/>
+              <p:nvPr/>
+            </p:nvPicPr>
+            <p:blipFill>
+              <a:blip r:embed="rId45"/>
+              <a:stretch>
+                <a:fillRect/>
+              </a:stretch>
+            </p:blipFill>
+            <p:spPr>
+              <a:xfrm>
+                <a:off x="5206593" y="3367371"/>
+                <a:ext cx="635760" cy="264240"/>
+              </a:xfrm>
+              <a:prstGeom prst="rect">
+                <a:avLst/>
+              </a:prstGeom>
+            </p:spPr>
+          </p:pic>
+        </mc:Fallback>
+      </mc:AlternateContent>
+      <mc:AlternateContent xmlns:mc="http://schemas.openxmlformats.org/markup-compatibility/2006">
+        <mc:Choice xmlns:p14="http://schemas.microsoft.com/office/powerpoint/2010/main" Requires="p14">
+          <p:contentPart p14:bwMode="auto" r:id="rId46">
+            <p14:nvContentPartPr>
+              <p14:cNvPr id="361" name="Ink 360">
+                <a:extLst>
+                  <a:ext uri="{FF2B5EF4-FFF2-40B4-BE49-F238E27FC236}">
+                    <a16:creationId xmlns:a16="http://schemas.microsoft.com/office/drawing/2014/main" id="{1B5A295C-5552-43E4-ADD0-320DAEC945E3}"/>
+                  </a:ext>
+                </a:extLst>
+              </p14:cNvPr>
+              <p14:cNvContentPartPr/>
+              <p14:nvPr/>
+            </p14:nvContentPartPr>
+            <p14:xfrm>
+              <a:off x="177393" y="4308051"/>
+              <a:ext cx="10357560" cy="2347920"/>
+            </p14:xfrm>
+          </p:contentPart>
+        </mc:Choice>
+        <mc:Fallback>
+          <p:pic>
+            <p:nvPicPr>
+              <p:cNvPr id="361" name="Ink 360">
+                <a:extLst>
+                  <a:ext uri="{FF2B5EF4-FFF2-40B4-BE49-F238E27FC236}">
+                    <a16:creationId xmlns:a16="http://schemas.microsoft.com/office/drawing/2014/main" id="{1B5A295C-5552-43E4-ADD0-320DAEC945E3}"/>
+                  </a:ext>
+                </a:extLst>
+              </p:cNvPr>
+              <p:cNvPicPr/>
+              <p:nvPr/>
+            </p:nvPicPr>
+            <p:blipFill>
+              <a:blip r:embed="rId47"/>
+              <a:stretch>
+                <a:fillRect/>
+              </a:stretch>
+            </p:blipFill>
+            <p:spPr>
+              <a:xfrm>
+                <a:off x="168393" y="4299051"/>
+                <a:ext cx="10375200" cy="2365560"/>
+              </a:xfrm>
+              <a:prstGeom prst="rect">
+                <a:avLst/>
+              </a:prstGeom>
+            </p:spPr>
+          </p:pic>
+        </mc:Fallback>
+      </mc:AlternateContent>
+      <mc:AlternateContent xmlns:mc="http://schemas.openxmlformats.org/markup-compatibility/2006">
+        <mc:Choice xmlns:p14="http://schemas.microsoft.com/office/powerpoint/2010/main" Requires="p14">
+          <p:contentPart p14:bwMode="auto" r:id="rId48">
+            <p14:nvContentPartPr>
+              <p14:cNvPr id="362" name="Ink 361">
+                <a:extLst>
+                  <a:ext uri="{FF2B5EF4-FFF2-40B4-BE49-F238E27FC236}">
+                    <a16:creationId xmlns:a16="http://schemas.microsoft.com/office/drawing/2014/main" id="{4953EDF9-B416-4E93-81BE-111ADFCCF66A}"/>
+                  </a:ext>
+                </a:extLst>
+              </p14:cNvPr>
+              <p14:cNvContentPartPr/>
+              <p14:nvPr/>
+            </p14:nvContentPartPr>
+            <p14:xfrm>
+              <a:off x="8407713" y="6414771"/>
+              <a:ext cx="500760" cy="12600"/>
+            </p14:xfrm>
+          </p:contentPart>
+        </mc:Choice>
+        <mc:Fallback>
+          <p:pic>
+            <p:nvPicPr>
+              <p:cNvPr id="362" name="Ink 361">
+                <a:extLst>
+                  <a:ext uri="{FF2B5EF4-FFF2-40B4-BE49-F238E27FC236}">
+                    <a16:creationId xmlns:a16="http://schemas.microsoft.com/office/drawing/2014/main" id="{4953EDF9-B416-4E93-81BE-111ADFCCF66A}"/>
+                  </a:ext>
+                </a:extLst>
+              </p:cNvPr>
+              <p:cNvPicPr/>
+              <p:nvPr/>
+            </p:nvPicPr>
+            <p:blipFill>
+              <a:blip r:embed="rId49"/>
+              <a:stretch>
+                <a:fillRect/>
+              </a:stretch>
+            </p:blipFill>
+            <p:spPr>
+              <a:xfrm>
+                <a:off x="8398713" y="6405771"/>
+                <a:ext cx="518400" cy="30240"/>
+              </a:xfrm>
+              <a:prstGeom prst="rect">
+                <a:avLst/>
+              </a:prstGeom>
+            </p:spPr>
+          </p:pic>
+        </mc:Fallback>
+      </mc:AlternateContent>
+      <mc:AlternateContent xmlns:mc="http://schemas.openxmlformats.org/markup-compatibility/2006">
+        <mc:Choice xmlns:p14="http://schemas.microsoft.com/office/powerpoint/2010/main" Requires="p14">
+          <p:contentPart p14:bwMode="auto" r:id="rId50">
+            <p14:nvContentPartPr>
+              <p14:cNvPr id="363" name="Ink 362">
+                <a:extLst>
+                  <a:ext uri="{FF2B5EF4-FFF2-40B4-BE49-F238E27FC236}">
+                    <a16:creationId xmlns:a16="http://schemas.microsoft.com/office/drawing/2014/main" id="{5C281041-22F1-4205-A3E3-08C6AA7B0FCC}"/>
+                  </a:ext>
+                </a:extLst>
+              </p14:cNvPr>
+              <p14:cNvContentPartPr/>
+              <p14:nvPr/>
+            </p14:nvContentPartPr>
+            <p14:xfrm>
+              <a:off x="3834993" y="6400371"/>
+              <a:ext cx="438840" cy="36000"/>
+            </p14:xfrm>
+          </p:contentPart>
+        </mc:Choice>
+        <mc:Fallback>
+          <p:pic>
+            <p:nvPicPr>
+              <p:cNvPr id="363" name="Ink 362">
+                <a:extLst>
+                  <a:ext uri="{FF2B5EF4-FFF2-40B4-BE49-F238E27FC236}">
+                    <a16:creationId xmlns:a16="http://schemas.microsoft.com/office/drawing/2014/main" id="{5C281041-22F1-4205-A3E3-08C6AA7B0FCC}"/>
+                  </a:ext>
+                </a:extLst>
+              </p:cNvPr>
+              <p:cNvPicPr/>
+              <p:nvPr/>
+            </p:nvPicPr>
+            <p:blipFill>
+              <a:blip r:embed="rId51"/>
+              <a:stretch>
+                <a:fillRect/>
+              </a:stretch>
+            </p:blipFill>
+            <p:spPr>
+              <a:xfrm>
+                <a:off x="3825993" y="6391371"/>
+                <a:ext cx="456480" cy="53640"/>
+              </a:xfrm>
+              <a:prstGeom prst="rect">
+                <a:avLst/>
+              </a:prstGeom>
+            </p:spPr>
+          </p:pic>
+        </mc:Fallback>
+      </mc:AlternateContent>
+      <mc:AlternateContent xmlns:mc="http://schemas.openxmlformats.org/markup-compatibility/2006">
+        <mc:Choice xmlns:p14="http://schemas.microsoft.com/office/powerpoint/2010/main" Requires="p14">
+          <p:contentPart p14:bwMode="auto" r:id="rId52">
+            <p14:nvContentPartPr>
+              <p14:cNvPr id="373" name="Ink 372">
+                <a:extLst>
+                  <a:ext uri="{FF2B5EF4-FFF2-40B4-BE49-F238E27FC236}">
+                    <a16:creationId xmlns:a16="http://schemas.microsoft.com/office/drawing/2014/main" id="{15959A44-B526-4245-BBAB-E4F1B8FE8630}"/>
+                  </a:ext>
+                </a:extLst>
+              </p14:cNvPr>
+              <p14:cNvContentPartPr/>
+              <p14:nvPr/>
+            </p14:nvContentPartPr>
+            <p14:xfrm>
+              <a:off x="6858633" y="165171"/>
+              <a:ext cx="1506600" cy="222120"/>
+            </p14:xfrm>
+          </p:contentPart>
+        </mc:Choice>
+        <mc:Fallback>
+          <p:pic>
+            <p:nvPicPr>
+              <p:cNvPr id="373" name="Ink 372">
+                <a:extLst>
+                  <a:ext uri="{FF2B5EF4-FFF2-40B4-BE49-F238E27FC236}">
+                    <a16:creationId xmlns:a16="http://schemas.microsoft.com/office/drawing/2014/main" id="{15959A44-B526-4245-BBAB-E4F1B8FE8630}"/>
+                  </a:ext>
+                </a:extLst>
+              </p:cNvPr>
+              <p:cNvPicPr/>
+              <p:nvPr/>
+            </p:nvPicPr>
+            <p:blipFill>
+              <a:blip r:embed="rId53"/>
+              <a:stretch>
+                <a:fillRect/>
+              </a:stretch>
+            </p:blipFill>
+            <p:spPr>
+              <a:xfrm>
+                <a:off x="6849633" y="156171"/>
+                <a:ext cx="1524240" cy="239760"/>
+              </a:xfrm>
+              <a:prstGeom prst="rect">
+                <a:avLst/>
+              </a:prstGeom>
+            </p:spPr>
+          </p:pic>
+        </mc:Fallback>
+      </mc:AlternateContent>
+      <mc:AlternateContent xmlns:mc="http://schemas.openxmlformats.org/markup-compatibility/2006">
+        <mc:Choice xmlns:p14="http://schemas.microsoft.com/office/powerpoint/2010/main" Requires="p14">
+          <p:contentPart p14:bwMode="auto" r:id="rId54">
+            <p14:nvContentPartPr>
+              <p14:cNvPr id="387" name="Ink 386">
+                <a:extLst>
+                  <a:ext uri="{FF2B5EF4-FFF2-40B4-BE49-F238E27FC236}">
+                    <a16:creationId xmlns:a16="http://schemas.microsoft.com/office/drawing/2014/main" id="{46C39949-57AC-4829-A0A9-63ECB4989A67}"/>
+                  </a:ext>
+                </a:extLst>
+              </p14:cNvPr>
+              <p14:cNvContentPartPr/>
+              <p14:nvPr/>
+            </p14:nvContentPartPr>
+            <p14:xfrm>
+              <a:off x="9054273" y="119091"/>
+              <a:ext cx="1596600" cy="329760"/>
+            </p14:xfrm>
+          </p:contentPart>
+        </mc:Choice>
+        <mc:Fallback>
+          <p:pic>
+            <p:nvPicPr>
+              <p:cNvPr id="387" name="Ink 386">
+                <a:extLst>
+                  <a:ext uri="{FF2B5EF4-FFF2-40B4-BE49-F238E27FC236}">
+                    <a16:creationId xmlns:a16="http://schemas.microsoft.com/office/drawing/2014/main" id="{46C39949-57AC-4829-A0A9-63ECB4989A67}"/>
+                  </a:ext>
+                </a:extLst>
+              </p:cNvPr>
+              <p:cNvPicPr/>
+              <p:nvPr/>
+            </p:nvPicPr>
+            <p:blipFill>
+              <a:blip r:embed="rId55"/>
+              <a:stretch>
+                <a:fillRect/>
+              </a:stretch>
+            </p:blipFill>
+            <p:spPr>
+              <a:xfrm>
+                <a:off x="9045273" y="110091"/>
+                <a:ext cx="1614240" cy="347400"/>
+              </a:xfrm>
+              <a:prstGeom prst="rect">
+                <a:avLst/>
+              </a:prstGeom>
+            </p:spPr>
+          </p:pic>
+        </mc:Fallback>
+      </mc:AlternateContent>
+      <mc:AlternateContent xmlns:mc="http://schemas.openxmlformats.org/markup-compatibility/2006">
+        <mc:Choice xmlns:p14="http://schemas.microsoft.com/office/powerpoint/2010/main" Requires="p14">
+          <p:contentPart p14:bwMode="auto" r:id="rId56">
+            <p14:nvContentPartPr>
+              <p14:cNvPr id="413" name="Ink 412">
+                <a:extLst>
+                  <a:ext uri="{FF2B5EF4-FFF2-40B4-BE49-F238E27FC236}">
+                    <a16:creationId xmlns:a16="http://schemas.microsoft.com/office/drawing/2014/main" id="{6A8EEF9A-A054-4AC2-90FF-2231D178B662}"/>
+                  </a:ext>
+                </a:extLst>
+              </p14:cNvPr>
+              <p14:cNvContentPartPr/>
+              <p14:nvPr/>
+            </p14:nvContentPartPr>
+            <p14:xfrm>
+              <a:off x="6833073" y="613731"/>
+              <a:ext cx="3348360" cy="259200"/>
+            </p14:xfrm>
+          </p:contentPart>
+        </mc:Choice>
+        <mc:Fallback>
+          <p:pic>
+            <p:nvPicPr>
+              <p:cNvPr id="413" name="Ink 412">
+                <a:extLst>
+                  <a:ext uri="{FF2B5EF4-FFF2-40B4-BE49-F238E27FC236}">
+                    <a16:creationId xmlns:a16="http://schemas.microsoft.com/office/drawing/2014/main" id="{6A8EEF9A-A054-4AC2-90FF-2231D178B662}"/>
+                  </a:ext>
+                </a:extLst>
+              </p:cNvPr>
+              <p:cNvPicPr/>
+              <p:nvPr/>
+            </p:nvPicPr>
+            <p:blipFill>
+              <a:blip r:embed="rId57"/>
+              <a:stretch>
+                <a:fillRect/>
+              </a:stretch>
+            </p:blipFill>
+            <p:spPr>
+              <a:xfrm>
+                <a:off x="6824073" y="604731"/>
+                <a:ext cx="3366000" cy="276840"/>
+              </a:xfrm>
+              <a:prstGeom prst="rect">
+                <a:avLst/>
+              </a:prstGeom>
+            </p:spPr>
+          </p:pic>
+        </mc:Fallback>
+      </mc:AlternateContent>
+      <mc:AlternateContent xmlns:mc="http://schemas.openxmlformats.org/markup-compatibility/2006">
+        <mc:Choice xmlns:p14="http://schemas.microsoft.com/office/powerpoint/2010/main" Requires="p14">
+          <p:contentPart p14:bwMode="auto" r:id="rId58">
+            <p14:nvContentPartPr>
+              <p14:cNvPr id="421" name="Ink 420">
+                <a:extLst>
+                  <a:ext uri="{FF2B5EF4-FFF2-40B4-BE49-F238E27FC236}">
+                    <a16:creationId xmlns:a16="http://schemas.microsoft.com/office/drawing/2014/main" id="{AF6B9C2F-7C4A-4697-8155-8BB9E0A156AB}"/>
+                  </a:ext>
+                </a:extLst>
+              </p14:cNvPr>
+              <p14:cNvContentPartPr/>
+              <p14:nvPr/>
+            </p14:nvContentPartPr>
+            <p14:xfrm>
+              <a:off x="10314993" y="580251"/>
+              <a:ext cx="811440" cy="299520"/>
+            </p14:xfrm>
+          </p:contentPart>
+        </mc:Choice>
+        <mc:Fallback>
+          <p:pic>
+            <p:nvPicPr>
+              <p:cNvPr id="421" name="Ink 420">
+                <a:extLst>
+                  <a:ext uri="{FF2B5EF4-FFF2-40B4-BE49-F238E27FC236}">
+                    <a16:creationId xmlns:a16="http://schemas.microsoft.com/office/drawing/2014/main" id="{AF6B9C2F-7C4A-4697-8155-8BB9E0A156AB}"/>
+                  </a:ext>
+                </a:extLst>
+              </p:cNvPr>
+              <p:cNvPicPr/>
+              <p:nvPr/>
+            </p:nvPicPr>
+            <p:blipFill>
+              <a:blip r:embed="rId59"/>
+              <a:stretch>
+                <a:fillRect/>
+              </a:stretch>
+            </p:blipFill>
+            <p:spPr>
+              <a:xfrm>
+                <a:off x="10305993" y="571240"/>
+                <a:ext cx="829080" cy="317181"/>
+              </a:xfrm>
+              <a:prstGeom prst="rect">
+                <a:avLst/>
+              </a:prstGeom>
+            </p:spPr>
+          </p:pic>
+        </mc:Fallback>
+      </mc:AlternateContent>
+      <mc:AlternateContent xmlns:mc="http://schemas.openxmlformats.org/markup-compatibility/2006">
+        <mc:Choice xmlns:p14="http://schemas.microsoft.com/office/powerpoint/2010/main" Requires="p14">
+          <p:contentPart p14:bwMode="auto" r:id="rId60">
+            <p14:nvContentPartPr>
+              <p14:cNvPr id="445" name="Ink 444">
+                <a:extLst>
+                  <a:ext uri="{FF2B5EF4-FFF2-40B4-BE49-F238E27FC236}">
+                    <a16:creationId xmlns:a16="http://schemas.microsoft.com/office/drawing/2014/main" id="{082EB6CB-DE5F-4A19-9C4D-ADDC13423CE5}"/>
+                  </a:ext>
+                </a:extLst>
+              </p14:cNvPr>
+              <p14:cNvContentPartPr/>
+              <p14:nvPr/>
+            </p14:nvContentPartPr>
+            <p14:xfrm>
+              <a:off x="6358593" y="1090371"/>
+              <a:ext cx="2707920" cy="558360"/>
+            </p14:xfrm>
+          </p:contentPart>
+        </mc:Choice>
+        <mc:Fallback>
+          <p:pic>
+            <p:nvPicPr>
+              <p:cNvPr id="445" name="Ink 444">
+                <a:extLst>
+                  <a:ext uri="{FF2B5EF4-FFF2-40B4-BE49-F238E27FC236}">
+                    <a16:creationId xmlns:a16="http://schemas.microsoft.com/office/drawing/2014/main" id="{082EB6CB-DE5F-4A19-9C4D-ADDC13423CE5}"/>
+                  </a:ext>
+                </a:extLst>
+              </p:cNvPr>
+              <p:cNvPicPr/>
+              <p:nvPr/>
+            </p:nvPicPr>
+            <p:blipFill>
+              <a:blip r:embed="rId61"/>
+              <a:stretch>
+                <a:fillRect/>
+              </a:stretch>
+            </p:blipFill>
+            <p:spPr>
+              <a:xfrm>
+                <a:off x="6349593" y="1081371"/>
+                <a:ext cx="2725560" cy="576000"/>
+              </a:xfrm>
+              <a:prstGeom prst="rect">
+                <a:avLst/>
+              </a:prstGeom>
+            </p:spPr>
+          </p:pic>
+        </mc:Fallback>
+      </mc:AlternateContent>
+      <mc:AlternateContent xmlns:mc="http://schemas.openxmlformats.org/markup-compatibility/2006">
+        <mc:Choice xmlns:p14="http://schemas.microsoft.com/office/powerpoint/2010/main" Requires="p14">
+          <p:contentPart p14:bwMode="auto" r:id="rId62">
+            <p14:nvContentPartPr>
+              <p14:cNvPr id="457" name="Ink 456">
+                <a:extLst>
+                  <a:ext uri="{FF2B5EF4-FFF2-40B4-BE49-F238E27FC236}">
+                    <a16:creationId xmlns:a16="http://schemas.microsoft.com/office/drawing/2014/main" id="{DFA2F393-5999-4CF9-BF4C-1ED0C1E78796}"/>
+                  </a:ext>
+                </a:extLst>
+              </p14:cNvPr>
+              <p14:cNvContentPartPr/>
+              <p14:nvPr/>
+            </p14:nvContentPartPr>
+            <p14:xfrm>
+              <a:off x="9506073" y="1221771"/>
+              <a:ext cx="923760" cy="422640"/>
+            </p14:xfrm>
+          </p:contentPart>
+        </mc:Choice>
+        <mc:Fallback>
+          <p:pic>
+            <p:nvPicPr>
+              <p:cNvPr id="457" name="Ink 456">
+                <a:extLst>
+                  <a:ext uri="{FF2B5EF4-FFF2-40B4-BE49-F238E27FC236}">
+                    <a16:creationId xmlns:a16="http://schemas.microsoft.com/office/drawing/2014/main" id="{DFA2F393-5999-4CF9-BF4C-1ED0C1E78796}"/>
+                  </a:ext>
+                </a:extLst>
+              </p:cNvPr>
+              <p:cNvPicPr/>
+              <p:nvPr/>
+            </p:nvPicPr>
+            <p:blipFill>
+              <a:blip r:embed="rId63"/>
+              <a:stretch>
+                <a:fillRect/>
+              </a:stretch>
+            </p:blipFill>
+            <p:spPr>
+              <a:xfrm>
+                <a:off x="9497073" y="1212771"/>
+                <a:ext cx="941400" cy="440280"/>
+              </a:xfrm>
+              <a:prstGeom prst="rect">
+                <a:avLst/>
+              </a:prstGeom>
+            </p:spPr>
+          </p:pic>
+        </mc:Fallback>
+      </mc:AlternateContent>
+      <mc:AlternateContent xmlns:mc="http://schemas.openxmlformats.org/markup-compatibility/2006">
+        <mc:Choice xmlns:p14="http://schemas.microsoft.com/office/powerpoint/2010/main" Requires="p14">
+          <p:contentPart p14:bwMode="auto" r:id="rId64">
+            <p14:nvContentPartPr>
+              <p14:cNvPr id="458" name="Ink 457">
+                <a:extLst>
+                  <a:ext uri="{FF2B5EF4-FFF2-40B4-BE49-F238E27FC236}">
+                    <a16:creationId xmlns:a16="http://schemas.microsoft.com/office/drawing/2014/main" id="{A4FE9EB0-8B8F-468E-A806-83B1092C3302}"/>
+                  </a:ext>
+                </a:extLst>
+              </p14:cNvPr>
+              <p14:cNvContentPartPr/>
+              <p14:nvPr/>
+            </p14:nvContentPartPr>
+            <p14:xfrm>
+              <a:off x="9145713" y="1325811"/>
+              <a:ext cx="114480" cy="90000"/>
+            </p14:xfrm>
+          </p:contentPart>
+        </mc:Choice>
+        <mc:Fallback>
+          <p:pic>
+            <p:nvPicPr>
+              <p:cNvPr id="458" name="Ink 457">
+                <a:extLst>
+                  <a:ext uri="{FF2B5EF4-FFF2-40B4-BE49-F238E27FC236}">
+                    <a16:creationId xmlns:a16="http://schemas.microsoft.com/office/drawing/2014/main" id="{A4FE9EB0-8B8F-468E-A806-83B1092C3302}"/>
+                  </a:ext>
+                </a:extLst>
+              </p:cNvPr>
+              <p:cNvPicPr/>
+              <p:nvPr/>
+            </p:nvPicPr>
+            <p:blipFill>
+              <a:blip r:embed="rId65"/>
+              <a:stretch>
+                <a:fillRect/>
+              </a:stretch>
+            </p:blipFill>
+            <p:spPr>
+              <a:xfrm>
+                <a:off x="9136713" y="1316811"/>
+                <a:ext cx="132120" cy="107640"/>
+              </a:xfrm>
+              <a:prstGeom prst="rect">
+                <a:avLst/>
+              </a:prstGeom>
+            </p:spPr>
+          </p:pic>
+        </mc:Fallback>
+      </mc:AlternateContent>
     </p:spTree>
     <p:extLst>
       <p:ext uri="{BB962C8B-B14F-4D97-AF65-F5344CB8AC3E}">
-        <p14:creationId xmlns:p14="http://schemas.microsoft.com/office/powerpoint/2010/main" val="3942472168"/>
+        <p14:creationId xmlns:p14="http://schemas.microsoft.com/office/powerpoint/2010/main" val="1291560190"/>
       </p:ext>
     </p:extLst>
   </p:cSld>
   <p:clrMapOvr>
     <a:masterClrMapping/>
   </p:clrMapOvr>
-  <p:transition spd="slow">
-    <p:push dir="u"/>
-  </p:transition>
 </p:sld>
 </file>
 

--- a/day 8/SAC_Training Day 8.pptx
+++ b/day 8/SAC_Training Day 8.pptx
@@ -177,7 +177,7 @@
           <inkml:channelProperty channel="T" name="resolution" value="1" units="1/dev"/>
         </inkml:channelProperties>
       </inkml:inkSource>
-      <inkml:timestamp xml:id="ts0" timeString="2020-10-18T02:46:14.650"/>
+      <inkml:timestamp xml:id="ts0" timeString="2020-12-17T06:26:32.132"/>
     </inkml:context>
     <inkml:brush xml:id="br0">
       <inkml:brushProperty name="width" value="0.05" units="cm"/>
@@ -185,22 +185,391 @@
       <inkml:brushProperty name="fitToCurve" value="1"/>
     </inkml:brush>
   </inkml:definitions>
-  <inkml:trace contextRef="#ctx0" brushRef="#br0">332 367 0,'0'-25'0,"24"25"16,1 0 0,-25-24 46,24-1-31,-24 1 1,0-1-1,-24 25-15,-1 0-16,1 0 15,0 0-15,-1 0 16,1 0-16,-1 0 0,1 0 15,0 0-15,-1 0 16,1 0-16,-1 25 16,1-25-1,24 24 1,-25-24-16,25 25 0,-24-25 16,24 24-16,-24 1 15,24-1-15,0 0 16,0 1-16,0-1 0,24 1 15,-24-1-15,24-24 16,1 25-16,-1-1 16,1-24-16,-1 0 0,1 0 15,-1 0 1,0-24-16,-24-1 0,25 25 16,-1-24-16,-24-1 15,0 1-15,25-1 0,-25 1 16,24 0-16,-24-1 15,0 1 1,24 48 31,-24 1-31,0-1-1,0 0-15,0 25 0,0-24 16,0-1-16,0 1 15,0 23-15,0-23 0,0 24 16,0-25-16,0 0 0,0 25 16,-24-24-16,24-1 15,0 1-15,0-1 0,0 0 16,-24 1-16,24-1 0,0 1 16,-25-25-1,1 0 1,-1 0-1,1-25-15,0 25 0,-1 0 16,1-24-16,-1 24 16,1 0-16,-1 0 0,1 0 15,0 0-15,-1 0 16,50 0 15,-1 0-15</inkml:trace>
-  <inkml:trace contextRef="#ctx0" brushRef="#br0" timeOffset="894">869 391 0,'0'-24'32,"0"-1"-1,0 1-31,-24 24 16,24-25-1,-24 25-15,-1 0 16,1 0-16,-1 0 15,1 0-15,-1 25 16,1-25-16,0 0 0,-1 24 16,1 1-16,-1-1 15,1-24-15,24 24 16,0 1-16,0-1 16,24 1-1,1-25-15,-1 0 0,1 24 16,-1-24-16,0 0 0,1 0 15,-1 0-15,1 0 16,-1-24-16,1 24 16,-25-25-16,0 1 15,24 24-15,-24-25 0,0 1 16,0 0-16,0 48 62,0 0-62,0 1 16,0-1-16,0 1 0,0 24 16,0-25-16,0 25 15,24 0-15,-24-25 0,0 25 16,25 0-16,-25-25 16,0 25-16,0-25 0,0 25 15,0-24-15,0-1 0,0 1 16,0-1-1,-25-24-15,1 0 16,0 0-16,-1 0 16,-24-24-16,25 24 15,-1 0-15,1-25 0,0 25 16,-1-24-16,1 24 16,-1-25-16,1 25 0,24-24 31,24 24-16,1 0 1</inkml:trace>
-  <inkml:trace contextRef="#ctx0" brushRef="#br0" timeOffset="1459">1260 513 0,'0'-24'31,"-24"-1"-31,24 1 16,-25 24-1,25-25 1,0 1 0,0 0-16,25 24 15,-1 0-15,1-25 16,-1 25-16,0 0 0,1 0 16,-1 0-16,1 0 15,-1 25-15,1-25 0,-25 24 16,0 0-16,0 1 0,0-1 15,0 1-15,-25 24 16,1-25-16,-1 0 0,1 25 16,-25-24-16,25-1 15,-1 1-15,1-1 0,-1-24 16,1 24-16,-1-24 16,25 25-16,25-25 31,-1 0-16,1 0-15,-1 0 0,25 24 16,0-24-16,-25 0 16,25 0-16,0 0 0,0 0 15,-25-24-15,1 24 0,-1 0 16,1 0-16</inkml:trace>
-  <inkml:trace contextRef="#ctx0" brushRef="#br0" timeOffset="1846">2115 220 0,'-24'0'16,"24"-24"-16,0-1 16,-25 25-1,25 25 1,25-1-1,-25 0-15,0 1 16,24 24-16,-24-25 0,0 25 16,24 24-16,-24-24 0,25 0 15,-25 0-15,0 0 16,0 0-16,24-1 0,-24-23 16,0 24-16</inkml:trace>
-  <inkml:trace contextRef="#ctx0" brushRef="#br0" timeOffset="2364">2042 586 0,'-25'-24'0,"1"24"16,-1-24-1,50 24 1,-25-25-16,24 25 15,1 0-15,-1 0 16,25 0-16,-25 0 0,25-24 16,0 24-16,-24 0 15,23 0-15,1 0 0,-24-25 16,-1 25-16,-48 0 47,24 25-47,-25-25 15,25 24-15,-24-24 0,24 25 16,0-1-16,-25 0 0,25 1 16,0-1-16,0 1 15,25-1-15,-1 25 0,1-49 16,-1 24-16,0 1 0,1-25 16,-1 24-16,25-24 15,-24 0-15,-1-24 0,0 24 16,1-25-16,-1 25 15,-24-24-15,25-1 0,-25-23 16,0 23-16,-25 1 16,1-1-16,-1 1 0,1 0 15,0-1-15,-25 25 0,24-24 16,-24 24-16,25 0 16,0 0-16,-1 0 0,25 24 15</inkml:trace>
-  <inkml:trace contextRef="#ctx0" brushRef="#br0" timeOffset="2948">2921 172 0,'-25'-24'16,"25"-1"-16,-24 25 0,24-24 15,0-1-15,-24 25 16,24 25 0,0-1-1,0 1-15,0-1 0,0 1 16,0 23-16,24 1 0,-24 0 15,0 0-15,24 24 16,-24-24-16,0 0 0,0 0 16,0 0-16,0-25 15,25 1-15,-25-1 0,0 0 16,0-48 15,0 0-15,0-1-16,24 1 15,-24-1-15,0 1 0,25-1 16,-1 1-16,-24 0 0,25-1 16,-1 1-16,0 24 15,1 0-15,-1 0 0,1 0 16,-1 0-16,1 24 16,-1 1-16,0-1 0,1 0 15,-25 1-15,24 24 0,-24-25 16,0 1-16,0-1 15,-24 0-15,24 1 0,-25-25 16,1 24-16,0-24 0,-1 0 31,1 0-31,-1 0 0,1-24 0,-1-1 16</inkml:trace>
-  <inkml:trace contextRef="#ctx0" brushRef="#br0" timeOffset="3389">3409 489 0,'-24'0'16,"48"0"15,1 24-16,-1-24-15,1 0 0,-25 25 16,24-25-16,1 0 16,-1 0-16,0 0 15,1 0 1,-25-25-16,24 1 16,-24-1-16,0 1 15,-24-1 1,24 1-16,-25 0 0,1 24 15,0-25-15,-1 25 0,1-24 16,-25 24-16,24 24 16,1-24-16,0 25 0,-1 23 15,25-23-15,0 24 16,0 0-16,0-25 0,25 25 16,-1 0-16,0-25 15,1 25-15,-1-25 0,1-24 16,-1 25-16,1-25 0,-1 0 15,0 0-15</inkml:trace>
-  <inkml:trace contextRef="#ctx0" brushRef="#br0" timeOffset="3845">4289 391 0,'-25'0'15,"25"-24"-15,-24-1 32,24 1-17,-25 24-15,1-25 16,0 25-16,-1 0 16,1 0-16,-1 25 0,1-1 15,-1 1-15,1-1 0,0 0 16,-1 1-16,1-1 15,24 25-15,-25-24 0,25 23 16,0-23-16,0 24 16,25-25-16,-25 1 0,24-1 15,1 0-15,23 1 0,-23-1 16,24-24-16,0 0 16,-1 0-16,1 0 0</inkml:trace>
-  <inkml:trace contextRef="#ctx0" brushRef="#br0" timeOffset="4692">4631 391 0,'-25'-24'0,"1"24"16,-1 0-16,1 24 15,-1-24-15,1 24 16,0 1-16,24-1 0,-25 1 15,1 24-15,24-25 16,0 25-16,0 0 0,0-25 16,0 25-16,24-25 0,1 1 15,-1-1-15,0 1 16,1-25-16,-1 24 0,25-24 16,-24 0-16,23 0 15,-23-24-15,-1-1 0,1 25 16,-1-24-16,0-25 0,1 25 15,-25-1-15,0-24 16,0 0-16,0 25 0,0-25 16,-25 0-16,1 25 15,0-1-15,-1 1 0,-24 0 16,25 24-16,0 0 0,-1 0 16,1 24-16,-1 0 15,1 1-15,24 24 16,0-25-16,0 1 0,0-1 15,0 0-15,0 1 16,24-1-16,-24 1 0,25-25 16,-1 24-16,1-24 15,-1 25-15,0-25 0,1 0 16,-1-25-16,1 1 16,-1-1-1,-24 1-15,24-1 0,-24 1 16,25-25-16,-1 25 15,-24-1-15,25 1 0,-1-1 16,1 25 0,-1 0-16,-24 25 15,24-1-15,-24 1 16,0-1-16,25 1 16,-25-1-16,0 0 0,24 1 15,-24-1-15,25-24 0,-25 25 16,0-50 15,24 25-15,-24-24-16,25-1 15,-1 1-15,0 0 0,1-1 16,-1 1-16,1-1 16,-1 1-16,1 24 0,-1 0 15,-24 24 1,0 25-16,0-24 15,0 23-15,0-23 0,0 24 16,0-25-16,0 1 16,24-1-16,-24 0 0,25 1 15</inkml:trace>
-  <inkml:trace contextRef="#ctx0" brushRef="#br0" timeOffset="4946">5388 171 0,'-25'-24'0,"25"-1"16,25 25 0,-1 0-1,-24 25-15,0-1 0,25 25 16,-1 0-16,-24-25 0,0 25 15,24 0-15,1 0 16,-25 0-16,24 0 0,-24-1 16,0 1-16,25-24 0,-25-1 15,0 0-15,0 1 16</inkml:trace>
-  <inkml:trace contextRef="#ctx0" brushRef="#br0" timeOffset="5536">5461 464 0,'-25'-24'15,"1"-1"-15,48 25 47,1 0-47,-1 0 0,1 0 16,24 0-16,-1 0 15,1 0-15,0 0 0,0-24 16,0 24-16,0 0 0,0 0 16,-25-24-16,25 24 15,-25-25-15,1 1 16,-25-1 0,-25 25-1,1-24-15,-1 24 16,1 0-16,0 0 15,-1 24-15,1 1 0,-1-1 16,1 1-16,-1-1 16,25 25-16,-24-25 0,24 25 15,0-24-15,0-1 0,0 25 16,0-25-16,0 1 16,24-25-16,-24 24 0,25-24 15,-1 0-15,1 0 16,-1 0-16,1-24 15,-1-1-15,-24 1 16,0-1-16,24 1 16,-24 0-16,0-25 0,0 24 15,25 1-15,-25-1 16,24 1-16,-24 48 16,0 1-1,0 24-15,0-25 16,0 25-16,0-25 0,0 25 15,0-24-15,25-1 16,-25 1-16,24-1 0</inkml:trace>
-  <inkml:trace contextRef="#ctx0" brushRef="#br0" timeOffset="5880">6462 513 0,'-24'0'0,"24"-24"16,-25 24-16,25-25 0,-24 25 15,24-24-15,-24 24 16,24-25-16,0 1 0,-25 24 16,25-24-16,0-1 15,-24 1-15,-1 24 16,1 0-16,-1 0 15,1 24-15,24 25 16,-24-25-16,24 1 0,-25-1 16,25 25-16,0-24 15,0 23-15,0-23 0,0-1 16,0 1-16,25-1 0,-1 0 16,0 1-16,1-25 15,24 24-15,-25-24 16,25 0-16,0-24 0,-25 24 15</inkml:trace>
-  <inkml:trace contextRef="#ctx0" brushRef="#br0" timeOffset="6096">6609 318 0,'0'-74'16,"-25"26"-16,25-1 16,-24 0-16,24 24 0,0 1 15,-24 0-15,24 48 31,0 0-31,0 25 0,0 0 16,0 24-16,0-24 0,0 25 16,0-26-16,0 26 15,24-25-15,-24-1 0,24 1 16,-24 0-16,25-24 16,-1-1-16</inkml:trace>
-  <inkml:trace contextRef="#ctx0" brushRef="#br0" timeOffset="6287">6584 489 0,'-24'0'16,"24"-25"-16,-24 25 0,24-24 16,24 24-1,0 0 1,1 0-16,-1 0 15,25 0-15,-25 0 16,25 0-16,-24 0 0,24 0 16</inkml:trace>
-  <inkml:trace contextRef="#ctx0" brushRef="#br0" timeOffset="6809">7024 489 0,'0'24'94,"24"-24"-94,1 0 15,-1 0-15,1 0 16,24 0 0,-25 0-16,0 0 0,1 0 15,-1 0-15,-24-24 16,0-1-1,0 1-15,0-1 16,0 1-16,-24 0 16,-1 24-1,1 0-15,0 0 0,-1 0 16,1 0-16,-1 24 16,1-24-16,-1 24 0,1 1 15,0-1-15,24 1 0,-25 24 16,25-25-16,0 0 15,25 25-15,-1-24 0,0-1 16,1 1-16,24-1 16,-25-24-16,25 24 0,0-24 15,0 0-15</inkml:trace>
-  <inkml:trace contextRef="#ctx0" brushRef="#br0" timeOffset="7361">7683 489 0,'0'-25'0,"0"1"16,0-1-16,0 1 15,0 0 1,-24 24 0,0 0-16,-1 0 0,1 0 15,-1 0-15,1 24 16,-1-24-16,1 24 0,0 1 15,-1-1-15,25 1 16,-24 24-16,24-25 0,0 0 16,0 25-16,0-24 0,24-1 15,-24 0-15,25 1 16,-1-25-16,-24 24 0,24-24 16,1 0-16,-1 0 15,1-24-15,-1 24 16,-24-25-16,25 1 0,-1 0 15,0-25-15,-24 24 16,25-23-16,-25-26 0,24 25 16,-24-24-16,0 24 15,0-24-15,0 24 0,0 0 16,-24 1-16,-1 23 0,25-24 16,-24 49-16,0 0 15,24 25 1,0-1-16,0 1 15,0 23-15,0-23 0,0 24 16,0-1-16,24 1 0,-24 25 16,24-26-16,1 1 15,-25 25-15,24-26 0,1 1 16,-1 0-16,1-25 0,-1 25 16,-24-24-16,24-1 15,1-24-15</inkml:trace>
+  <inkml:trace contextRef="#ctx0" brushRef="#br0">12 24 0,'-21'0'16,"21"-21"-16,21 21 15,22 0 1,-1 0-16,0 0 0,43 0 16,0 0-16,20 0 15,23 0-15,-2 21 0,23-21 16,-1 0-16,0 0 0,21 0 16,-21 22-16,1-22 15,-1 0-15,0 0 0,-21 0 16,-21 0-16,-22 0 15,-20 21-15,0-21 0,-22 0 16,-21 0-16,0 0 0,-42 0 31</inkml:trace>
+  <inkml:trace contextRef="#ctx0" brushRef="#br0" timeOffset="540">118 278 0,'-21'0'47,"21"22"-32,-21-1-15,21 0 16,-21 0-16,0 21 0,21-21 15,0 22-15,-22-1 16,22-21-16,0 22 0,0-1 16,0-21-16,0 0 0,22 22 15,-22-22-15,21 0 16,0-21-16,0 21 0,0-21 16,0 21-16,0-21 15,22 0-15</inkml:trace>
+  <inkml:trace contextRef="#ctx0" brushRef="#br0" timeOffset="973">372 405 0,'-21'0'15,"0"0"1,42 0-1,0-21 1,0 21-16,0 0 0,1 0 16,-1 0-16,21-21 15,-21 21-15,22 0 0,-22 0 16,0 0-16,0 0 16,0 0-16,-42 0 31,0 0-31,21 21 15,-21-21-15,0 0 0,0 0 16,-1 0-16,1 21 16,0-21-16,0 0 15,21 21-15,-21 1 0,21-1 16,-22 0 0,22 0-16,0 22 0,0-22 15,0 0-15,0 0 16,0 21-16,0-21 0,0 1 15,0-1-15,22 0 16,-1-21 0</inkml:trace>
+  <inkml:trace contextRef="#ctx0" brushRef="#br0" timeOffset="1500">838 448 0,'-21'0'15,"21"21"1,0 0 0,0 0-16,0 0 0,0 0 15,0 1-15,0-1 16,0 0-16,0 21 0,0-20 15,-21-1-15,21 0 16,0 0-16,0 0 0,-22 0 16,22-42 15,0 0-15,22-21-1,-22 21-15,0-1 0,21-20 16,-21 0-16,0 20 0,21-20 15,-21 0-15,21 0 16,-21 20-16,21 1 0,-21 0 16,21 21-16,0 0 15,1 0-15,-1 0 16,-21 21-16,21 0 0,-21 1 16,21-1-1,-21 0-15,0 0 0,-21-21 16,21 21-16,-21 0 15,0-21-15,21 21 0,-22-21 16,1 0-16,21 22 0,-21-22 16,0 0-16</inkml:trace>
+  <inkml:trace contextRef="#ctx0" brushRef="#br0" timeOffset="1795">1240 638 0,'-21'0'15,"0"0"-15,0 0 16,42 0 31,0 0-47,0-21 15,0 21-15,0 0 0,0 0 16,1 0-16,-1 0 16,0 0-16,0 0 0,-21-21 15</inkml:trace>
+  <inkml:trace contextRef="#ctx0" brushRef="#br0" timeOffset="2035">1261 469 0,'0'21'31,"0"0"-31,0 0 15,0 0 1,0 1-16,0-1 0,0 0 16,0 0-16,0 0 0,0 1 15,-21 20-15,21-21 16,0 0-16,0 0 0,-21 0 16,21 1-1</inkml:trace>
+  <inkml:trace contextRef="#ctx0" brushRef="#br0" timeOffset="2369">1642 532 0,'0'-21'32,"0"42"-1,21 0-15,-21 1-1,0-1-15,21 0 0,-21 0 16,0 22-16,0-22 15,0 0-15,0 0 0,0 0 16,22 0 0</inkml:trace>
+  <inkml:trace contextRef="#ctx0" brushRef="#br0" timeOffset="2557">1642 554 0,'0'-22'16,"0"1"0,0 0-16,21 21 31,0 0-31,1 0 16,-1 0-16,0 21 15,0-21-15,0 21 16,1-21-16</inkml:trace>
+  <inkml:trace contextRef="#ctx0" brushRef="#br0" timeOffset="2743">1621 659 0,'0'22'0,"21"-44"46,0 22-30,1 0-16,-1 0 0,21 0 16,-21 0-16,21 0 15,-20 0-15</inkml:trace>
+  <inkml:trace contextRef="#ctx0" brushRef="#br0" timeOffset="3366">1960 511 0,'0'-21'31,"0"42"1,0 0-17,0 0 1,0 1-16,0-1 15,0 0 1,21 0-16,-21 0 16,0 1-16,0-1 15,0 0-15,0 0 16,0 0 0,0 0-1,0 0-15,0 1 31,0-44 1,0 1-32,0 0 15,0 0-15,0 0 16,0 0-16,0-22 16,0 22-16,0 0 0,0-21 15,0 20-15,0-20 16,21 0-16,-21 21 0,0 0 15,21-22-15,0 22 16,-21 0-16,22 21 16,-1 0-16,-21 21 0,21 0 15,0-21-15,-21 21 0,21 1 16,0-1-16,-21 21 16,21-21-16,1 0 0,-22 0 15,0 1-15,0-1 16,0 0-16,-22-21 15,1 21-15,0-21 0,0 0 16,0 0 0,0 0-16,0 0 15</inkml:trace>
+  <inkml:trace contextRef="#ctx0" brushRef="#br0" timeOffset="3625">2425 342 0,'0'-21'0,"22"21"16,-1 0-16,0 0 15,0 0-15,0 21 0,0 0 16,0 21-16,1-20 0,-1 20 15,0 0-15,0 0 16,-21 1-16,0-1 0,-21 1 16,0-22-16,-22 21 15,1 0-15,0-21 0</inkml:trace>
+</inkml:ink>
+</file>
+
+<file path=ppt/ink/ink100.xml><?xml version="1.0" encoding="utf-8"?>
+<inkml:ink xmlns:inkml="http://www.w3.org/2003/InkML">
+  <inkml:definitions>
+    <inkml:context xml:id="ctx0">
+      <inkml:inkSource xml:id="inkSrc0">
+        <inkml:traceFormat>
+          <inkml:channel name="X" type="integer" max="1920" units="cm"/>
+          <inkml:channel name="Y" type="integer" max="1080" units="cm"/>
+          <inkml:channel name="T" type="integer" max="2.14748E9" units="dev"/>
+        </inkml:traceFormat>
+        <inkml:channelProperties>
+          <inkml:channelProperty channel="X" name="resolution" value="55.81395" units="1/cm"/>
+          <inkml:channelProperty channel="Y" name="resolution" value="55.6701" units="1/cm"/>
+          <inkml:channelProperty channel="T" name="resolution" value="1" units="1/dev"/>
+        </inkml:channelProperties>
+      </inkml:inkSource>
+      <inkml:timestamp xml:id="ts0" timeString="2020-10-18T02:54:50.472"/>
+    </inkml:context>
+    <inkml:brush xml:id="br0">
+      <inkml:brushProperty name="width" value="0.05" units="cm"/>
+      <inkml:brushProperty name="height" value="0.05" units="cm"/>
+      <inkml:brushProperty name="fitToCurve" value="1"/>
+    </inkml:brush>
+  </inkml:definitions>
+  <inkml:trace contextRef="#ctx0" brushRef="#br0">76 249 0,'-24'0'16,"24"-24"-16,-25 24 15,25-24-15,-24 24 16,24-25 0,0 50 15,0-1-16,0 0-15,0 1 16,0-1-16,0 25 0,0-24 16,0 23-16,0-23 15,0-1-15,0 1 0,24 24 16,-24-25-16,25 0 16,-1 1-1,0-25 1,-24-25-16,25 25 15,-1-24-15,-24 0 0,25-1 16,-1 1-16,0-1 0,1-24 16,-25 25-16,24 0 15,1-1-15,-1 1 0,-24-1 16,25 25-16,-1 0 16,-24 25-1,24-1-15,-24 1 16,0-1-16,0 0 0,0 1 15,25-1-15,-25 1 0,24-25 16,-24 24-16,25 1 16,-1-25-16,1 0 15,-25-25-15,24 25 16,0-24-16,-24-1 16,25 25-16,-25-24 0,0-1 15,0-23-15,0 23 16,0 1-16,0-1 0,0 1 15,0-1-15,0 1 0,0 0 16,-25 24 15,25 24-31</inkml:trace>
+  <inkml:trace contextRef="#ctx0" brushRef="#br0" timeOffset="390">882 201 0,'0'-25'32,"0"50"-17,0-1 1,0 0-16,0 1 0,0-1 15,0 1-15,-25-1 16,25 1-16,-24-1 0,24 0 16,-24 1-16,24-1 0,-25 1 15,25-1 1,25-24 15,-1 0-31,0 0 16,1 0-16,-1 0 0,25 0 15,-24-24-15,23 24 16,-23 0-16,-1 0 0,25 0 16,-24 0-16,-1 0 15,0 0-15,1 0 0,-1 0 16</inkml:trace>
+  <inkml:trace contextRef="#ctx0" brushRef="#br0" timeOffset="805">1737 249 0,'-25'0'0,"1"0"0,-1 25 15,1-25-15,0 0 0,48 0 47,0 0-47,1 0 16,24 0 0,-25 0-16,1 0 0,-1 0 15,0 0-15,1 0 16,-1 24-16,1-24 0</inkml:trace>
+  <inkml:trace contextRef="#ctx0" brushRef="#br0" timeOffset="990">1712 420 0,'0'25'16,"-24"-25"-16,24 24 15,24-24 1,1 0-1,-1 0 1,1 0-16,-1 0 0,0 0 16,25-24-16,-24 24 0,-1 0 15</inkml:trace>
+  <inkml:trace contextRef="#ctx0" brushRef="#br0" timeOffset="1548">2372 127 0,'-25'0'0,"1"-24"16,-1-1-1,25 1 17,25 0-17,-1 24 1,1 0-1,-1 0-15,1 0 0,-1-25 16,25 25-16,-25 0 16,25 0-16,-25 0 0,1 0 15,-1 0-15,1 0 0,-1 0 16,1 25 0,-25-1-1,-25-24-15,25 24 16,-24 1-16,24-1 15,0 1-15,0-1 0,0 25 16,0-25-16,0 25 16,0-24-16,0-1 0,0 25 15,0-25-15,0 1 0,0-1 16,0 1-16,0-1 16,0 1-16,0-1 15</inkml:trace>
+  <inkml:trace contextRef="#ctx0" brushRef="#br0" timeOffset="1735">2543 420 0,'-25'-24'0,"1"24"16,-1 0-16,25-24 0,-24 24 16,24-25-16,24 25 15,1 0 1,-1-24-16,1 24 15,23 0-15,-23 0 16,-1 0-16,25-25 0,-24 25 16,-1 0-16,0 0 0,1-24 15</inkml:trace>
+  <inkml:trace contextRef="#ctx0" brushRef="#br0" timeOffset="2245">3178 78 0,'24'-24'16,"-24"0"-16,-24 24 31,-1 0-15,1 0-1,24 24-15,-25 0 0,1-24 16,0 25-16,-1-1 0,25 1 16,-24 24-16,-1-25 15,25 0-15,0 25 0,0-24 16,0-1-16,0 1 16,0 23-16,0-23 0,25-1 15,-1 1-15,-24-1 16,25-24-16,-1 25 15,0-25-15,1 0 0,-1 0 16,1-25-16,-1 25 0,1-24 16,-1 24-16,-24-25 15,24 1-15,-24-1 0,0 1 16,-24 0 0,0 24-16,-1 0 15,1 0 1,-1 0-16,1 24 0,-1 0 15,1-24-15,24 25 16,0-1 0,0 1-16,24-25 15,1 0 1</inkml:trace>
+  <inkml:trace contextRef="#ctx0" brushRef="#br0" timeOffset="3084">3837 176 0,'-24'-24'0,"-1"-1"16,1 25-16,48 0 46,1 0-30,-25 25 0,0-1 15,-25-24-15,1 0-1,-1 0 1,1 0-16,24-24 0,-24 24 15,-1 0-15,25-25 16,-24 25-16,24-24 0,0-1 16,24 25-1,1-24-15,-1 24 0,0-24 16,1 24-16,-1 0 0,1 0 16,-1 0-16,1 0 15,-1 0-15,-24 24 0,24 0 16,-24 25-16,0-24 15,0 24-15,0-25 0,0 25 16,0 0-16,-24-25 0,24 1 16,-24-1-16,-1 0 15,1 1-15,-1-1 0,1 1 16,-1-25-16,1 0 16,0 0-16,-1 24 0,1-24 15,-1 0-15,25-24 0,-24-1 16,24 1-1,24 24-15,-24-25 16,25 25-16,-1-24 16,1 24-16,-1 0 15,0 0-15,1 24 0,-1-24 16,1 25-16,-25-1 16,24-24-16,1 25 0,-1-1 15,0 1-15,1-25 0,-1 24 16,1-24-16,-1 24 15,0-24-15,1 0 0,-1 0 16,25 0 0,-24 0-16,-1 0 15,-24-24 17,-24 24-1,-1 0 0</inkml:trace>
+</inkml:ink>
+</file>
+
+<file path=ppt/ink/ink101.xml><?xml version="1.0" encoding="utf-8"?>
+<inkml:ink xmlns:inkml="http://www.w3.org/2003/InkML">
+  <inkml:definitions>
+    <inkml:context xml:id="ctx0">
+      <inkml:inkSource xml:id="inkSrc0">
+        <inkml:traceFormat>
+          <inkml:channel name="X" type="integer" max="1920" units="cm"/>
+          <inkml:channel name="Y" type="integer" max="1080" units="cm"/>
+          <inkml:channel name="T" type="integer" max="2.14748E9" units="dev"/>
+        </inkml:traceFormat>
+        <inkml:channelProperties>
+          <inkml:channelProperty channel="X" name="resolution" value="55.81395" units="1/cm"/>
+          <inkml:channelProperty channel="Y" name="resolution" value="55.6701" units="1/cm"/>
+          <inkml:channelProperty channel="T" name="resolution" value="1" units="1/dev"/>
+        </inkml:channelProperties>
+      </inkml:inkSource>
+      <inkml:timestamp xml:id="ts0" timeString="2020-10-18T02:54:54.527"/>
+    </inkml:context>
+    <inkml:brush xml:id="br0">
+      <inkml:brushProperty name="width" value="0.05" units="cm"/>
+      <inkml:brushProperty name="height" value="0.05" units="cm"/>
+      <inkml:brushProperty name="fitToCurve" value="1"/>
+    </inkml:brush>
+  </inkml:definitions>
+  <inkml:trace contextRef="#ctx0" brushRef="#br0">9 279 0,'0'-25'0,"0"1"32,0 0-17,0 48 16,25 0-31,-25 1 16,24-1-16,-24 1 16,25-1-16,-25 0 0,0 1 15,24-1-15,-24 25 0,25-24 16,-25-1-16,24 0 16,0 1-16,1-1 15,-1-24 1,1 0-1,-1-24-15,-24-1 16,24 25 0,-24-24-16,25 0 0,-25-1 15,24 1-15,-24-1 16,25 1-16,-25-1 0,24 25 16,1 0-1,-1 25 1,0-1-16,1 1 15,-1-1-15,1 1 0,-1-25 16,1 24-16,-1 0 16,0 1-16,1-25 0,-1 0 15,25 24-15,-24-24 16,-1 0-16,0 0 0,25 0 16,-24 0-16,-1 0 15,1-24-15,-25-1 16,0 1-16,0 0 15,-25-1-15,25 1 16,-24-1-16,-1 1 0,25-1 16,-24 1-16,-1 0 0,1 24 15,24-25-15,-24 25 16,-1 0 0,25 25-1,25-25-15,-25 24 16,24-24-16</inkml:trace>
+  <inkml:trace contextRef="#ctx0" brushRef="#br0" timeOffset="295">1231 255 0,'0'-24'16,"-25"24"-16,25-25 15,-24 25 1,24 25 15,0-1-31,0 1 0,0 24 16,-25-25-16,25 25 16,0-25-16,-24 25 0,-1 0 15,25-25-15,-24 1 0,24 24 16,-24-25-16,24 1 15,0-1-15,-25 0 16,25 1 0,25-25-16</inkml:trace>
+  <inkml:trace contextRef="#ctx0" brushRef="#br0" timeOffset="745">1524 402 0,'-25'0'16,"1"-25"-16,-1 25 15,1 0 1,0 0 15,24 25-31,0-1 0,0 1 16,0-1-16,-25 1 0,25-1 15,0 0-15,0 1 16,25-1-16,-25 1 0,24-1 16,-24 1-16,24-25 0,-24 24 15,25-24-15,-1 0 16,1-24 0,-1-1-16,-24 1 15,25-1-15,-25 1 16,0-1-16,0 1 0,0-25 15,0 25-15,0-1 16,-25 25-16,25-24 0,-24 24 16,-1 0-16,1 0 15,-1 0 1,25 24-16,0 1 31,25-25-31,-1 0 16</inkml:trace>
+  <inkml:trace contextRef="#ctx0" brushRef="#br0" timeOffset="1063">1939 329 0,'-25'0'15,"1"0"-15,0 0 16,24-25 0,24 25 15,0 0-16,1 25 1,-1-25 0,1 0-16,-25 24 15,24-24-15</inkml:trace>
+  <inkml:trace contextRef="#ctx0" brushRef="#br0" timeOffset="1273">1963 426 0,'-24'0'16,"-1"0"-16,25 25 0,-24-25 15,48 0 17,-24 24-32,25-24 0,-1 0 15,1 0 1,-1 0-16,1 0 0,-1 0 15,0 0 1,1 0-16</inkml:trace>
+  <inkml:trace contextRef="#ctx0" brushRef="#br0" timeOffset="7891">3038 109 0,'0'24'0,"-25"-24"109,1 0-77,0 0-1,-1 0-16,1 0-15,-1 0 16,1 0-16,0 0 0,-1 0 16,1 0-16,-1 0 15,1 0-15,-1 0 0,1 0 16,0 0 0,-1 0-1,1 0 48,-1 0-48,25 25-15,-24-25 16,24 24 0,0 1-1,0-1 1,0 0 15,0 1 0,0-1 1,24-24 61,1 0-77,-1 0 0,1 0-1,-1 0-15,0 0 16,1 0-16,-1 0 15,1 0-15,-1 0 16,1 0-16,-1 0 16,0 0-1,1 0-15,-1 0 16,1 25-16,-1-25 0,0 24 16,1-24-1,-25 24-15,24-24 0,-24 25 16,25-25-16,-25 24 15,0 1-15,0-1 16,0 1-16,0-1 16,0 0-16,-25 1 15,1-1-15,-1-24 16,25 25-16,-24-1 16,0-24-16,-1 25 0,-24-25 15,25 0-15,0 24 0,-25-24 16,24 0-16,-24 0 15,25 0-15,0 0 0,-1 0 16,25-24-16,-24 24 16,-1 0-16,25-25 15,-24 25 1,48 0 31</inkml:trace>
+  <inkml:trace contextRef="#ctx0" brushRef="#br0" timeOffset="8688">3624 475 0,'-24'-24'16,"24"-1"15,-25 25-15,1 0-1,-1 0 1,1 0-16,0 25 16,-1-25-16,1 24 15,-1-24-15,25 25 0,-24-25 16,24 24-16,0 0 0,0 1 15,24-1 1,-24 1-16,25-25 16,-1 24-16,1-24 15,23 25-15,-23-25 0,-1 0 16,1 0-16,-1 0 0,25 0 16,-25 0-16,1-25 15,-1 25-15,-24-24 16,0-1-1,-24 25-15,-1-24 0,1 24 16,-1-25-16,-23 1 0,-1 24 16,24-24-16,-23-1 15,23 1-15,1-1 0,-1 1 16,1-1-16,24 1 0,-25 0 16,25-1-16,0 1 15,0-1-15,25 1 16,-1-1-16,1 1 0,-1 24 15,1-24-15,-1 24 0,25 0 16,-25 0-16,25 0 16,-25 0-16,25 0 0,-24 0 15,24 0-15,-25 0 0,0 24 16,1 0 0,-25 1-16,0-1 0,0 1 15,-25-1-15,1 1 16,24-1-16,-49 0 0,25 1 15,-1-1-15,1 1 0,-1-25 16,1 24-16,0-24 16,24 25-16,-25-25 15</inkml:trace>
+  <inkml:trace contextRef="#ctx0" brushRef="#br0" timeOffset="9164">4112 255 0,'-24'25'15,"24"-1"63,0 1-62,0-1 0,-24 0-1,-1-24 1,1 0-1,-1 0-15,1 0 16,0 0 0,24-24-16,0 0 15,0-1 1,24 25-16,0-24 16,1 24-16,-1-25 15,1 25-15,-1 0 16,-24 25 15,0-1-15</inkml:trace>
+  <inkml:trace contextRef="#ctx0" brushRef="#br0" timeOffset="9703">4332 280 0,'0'24'78,"-24"-24"-62,24 25-16,-25-1 16,25 0-16,-24 1 0,24-1 15,-24-24-15,24 25 16,0-1-16,-25 1 0,25-1 16,-24 0 15,48-24 31,-24-24 79,25 24-141</inkml:trace>
+  <inkml:trace contextRef="#ctx0" brushRef="#br0" timeOffset="10460">4187 304 0,'0'-24'16,"24"24"-16,1 0 15,-25-25 1,24 25 0,0 0-16,1 0 15,-25-24-15,24 24 16,1 0-16,-1 0 0,1 0 15,-25-25-15,24 25 16,-24-24 0,-24 24-1,-1 0-15,1 0 0,-1 0 16,1 0-16,-25 0 16,25 0-16,-1 0 15,-24 24-15,25-24 0,0 25 16,24-1-16,-25-24 0,25 25 15,0-1-15,0 1 16,0-1-16,0 0 16,25 1-16,-1-1 15,25-24 1,-25 25-16,1-25 0,23 24 16,1-24-16,-24 25 15,-1-25-15,1 24 0,-1-24 16,-24 24-16,0 1 15,-24-25 1,-1 24-16,1-24 0,-1 0 16,1 25-16,-25-25 0,25 0 15,-25 0-15,24 0 16,1 0-16,0 0 0,24-25 16</inkml:trace>
+  <inkml:trace contextRef="#ctx0" brushRef="#br0" timeOffset="10855">4283 133 0,'0'-24'16,"0"-25"-16,0 25 15,0-1-15,0 1 16,0 48 15,0 1-31,0-1 16,-24 0-16,24 1 15,0 24-15,-24-1 0,24 1 16,0 0-16,-25 0 16,25 0-16,0 0 0,-24 0 15,24-1-15,-25 1 0,25 0 16,0 0-16,0 0 15,0-25-15,0 1 0,0 24 16,0-25 0,0 0-16,0 1 15,25-25-15,-1 0 32,-24-25-32,0 1 15</inkml:trace>
+</inkml:ink>
+</file>
+
+<file path=ppt/ink/ink102.xml><?xml version="1.0" encoding="utf-8"?>
+<inkml:ink xmlns:inkml="http://www.w3.org/2003/InkML">
+  <inkml:definitions>
+    <inkml:context xml:id="ctx0">
+      <inkml:inkSource xml:id="inkSrc0">
+        <inkml:traceFormat>
+          <inkml:channel name="X" type="integer" max="1920" units="cm"/>
+          <inkml:channel name="Y" type="integer" max="1080" units="cm"/>
+          <inkml:channel name="T" type="integer" max="2.14748E9" units="dev"/>
+        </inkml:traceFormat>
+        <inkml:channelProperties>
+          <inkml:channelProperty channel="X" name="resolution" value="55.81395" units="1/cm"/>
+          <inkml:channelProperty channel="Y" name="resolution" value="55.6701" units="1/cm"/>
+          <inkml:channelProperty channel="T" name="resolution" value="1" units="1/dev"/>
+        </inkml:channelProperties>
+      </inkml:inkSource>
+      <inkml:timestamp xml:id="ts0" timeString="2020-10-18T02:55:08.181"/>
+    </inkml:context>
+    <inkml:brush xml:id="br0">
+      <inkml:brushProperty name="width" value="0.05" units="cm"/>
+      <inkml:brushProperty name="height" value="0.05" units="cm"/>
+      <inkml:brushProperty name="fitToCurve" value="1"/>
+    </inkml:brush>
+  </inkml:definitions>
+  <inkml:trace contextRef="#ctx0" brushRef="#br0">440 176 0,'0'-25'15,"0"1"16,24 24-31,1-25 16,-25 1 0,-25 24-1,1 0-15,0 0 16,-1 0-16,-24 0 0,0 24 16,25-24-16,-25 25 15,25-1-15,-1-24 0,1 25 16,-1-1-16,25 1 15,0-1-15,0 0 0,0 1 16,0-1-16,25 1 0,-1-1 16,1-24-1,-1 25-15,1-25 0,-1 0 16,0 0-16,1 0 16,-1 0-1,-48 0 1,-1 0-1,1 0-15,0 0 0,-25 24 16,24-24-16,-24 0 16,25 24-16,-25 1 0,25-1 15,-1-24-15,25 25 16,0-1-16,0 1 0,0-1 16,25 0-16,-1 1 0,1-25 15,23 24-15,1-24 0,-24 0 16,48 0-16,-49 0 15,25-24-15,0 24 0,-24-25 16,-1 1-16</inkml:trace>
+  <inkml:trace contextRef="#ctx0" brushRef="#br0" timeOffset="293">587 273 0,'-25'-24'31,"25"48"1,0 1-32,25-1 15,-1 1-15,0-1 16,1 1-16,-1-1 0,1 25 15,-1-25-15,1 1 16,-1-1-16,0 1 0,1-25 16,-1 24-16,1-24 15</inkml:trace>
+  <inkml:trace contextRef="#ctx0" brushRef="#br0" timeOffset="492">855 322 0,'-24'-24'0,"24"-1"16,-25 25-16,1 0 16,24 25-1,-24-1-15,-1 1 0,25 24 16,-24-25-16,24 0 16,0 25-16,-25-24 0,25-1 15,0 1-15,0-1 0,0 0 16</inkml:trace>
+  <inkml:trace contextRef="#ctx0" brushRef="#br0" timeOffset="774">1197 78 0,'-24'-24'0,"-1"24"16,1-25-16,-1 25 16,1 25-1,24-1-15,0 1 0,0-1 16,0 0-16,0 1 16,24 24-16,-24-1 0,25 1 15,-25 0-15,24-24 0,-24 23 16,0 1-16,0-24 15,0 24-15,0-25 0,0 0 16,0 1 0,-24-25-1</inkml:trace>
+  <inkml:trace contextRef="#ctx0" brushRef="#br0" timeOffset="1151">1051 469 0,'-25'0'16,"1"-25"-16,24 1 0,-25 24 15,25-24-15,0-1 16,25 25 0,-1 0-16,-24-24 0,49 24 15,-25 0-15,1-25 16,24 25-16,-25 0 0,1 0 16,-1 25-16,25-25 0,-25 24 15,1 1-15,-25-1 16,24 0-16,-24 1 0,25-1 15,-25 1-15,0-1 16,-25 1-16,25-1 16,-24-24-16,-1 0 15,25-24 1,0-1 0,25 1-16,-25-1 15,24 1-15,25-25 0,-25 25 16,25-1-16,-24-24 0,23 25 15,-23-1-15,-1 1 16,1 24-16,-25 24 31</inkml:trace>
+  <inkml:trace contextRef="#ctx0" brushRef="#br0" timeOffset="1619">1857 371 0,'24'0'0,"-24"-24"31,24 24-31,-24-25 16,0 1 0,0-1-1,-24 25 1,0 0-16,-1 0 15,1 0-15,-1 25 16,1-1-16,-1 1 16,25-1-16,-24 1 0,0-1 15,24 25-15,-25-25 16,25 1-16,0-1 16,0 1-16,25-25 0,-1 0 15,0 0-15,1 0 16,-1-25-1,1 1-15,-25-1 16,24 1-16,1-1 16,-25 1-16,0 0 0,24 24 15,-24-25-15,0 1 0,24 24 32,-24 24-32,0 1 0,0-1 15,0 0-15,25 1 16,-25-1-16,0 1 0,24-1 15,-24 1-15,25-25 0</inkml:trace>
+  <inkml:trace contextRef="#ctx0" brushRef="#br0" timeOffset="2076">2516 297 0,'24'-25'16,"1"1"-16,-1 24 15,-24-24-15,25-1 16,-1 1-16,-24-1 16,0 1-16,-24 24 15,24-24-15,-25 24 0,1 0 16,-25 0-16,25 0 0,-1 0 15,1 24-15,-1 0 16,1 1-16,-1-1 0,25 25 16,0-25-16,0 1 0,0-1 15,25 25-15,-25-24 16,24-1-16,25 0 0,-24 1 16,-1-1-16,0 1 15,1-25-15,-1 24 0,1 1 16,-1-25-16,0 24 15,1 0-15,-25 1 16,0-1 0,-25-24-16,1 25 15,-25-25-15,25 0 0,-1 0 16,-23 0-16,23 0 16,1-25-16,-1 25 0,25-24 15</inkml:trace>
+  <inkml:trace contextRef="#ctx0" brushRef="#br0" timeOffset="2531">3102 444 0,'25'-24'16,"-25"0"-16,-25-1 15,25 1 1,-24 24-16,24-25 0,-25 25 15,1-24-15,-1 24 0,1 0 16,0 0 0,-1 0-16,1 24 0,-1-24 15,1 25-15,-1-1 0,25 1 16,-24-1-16,24 0 16,0 1-16,0-1 0,0 1 15,0-1-15,24 1 16,1-25-16,-1 24 0,1-24 15,-1 0-15,1 0 16,-1 0-16,25 0 0,-25 0 16,1-24-16,-1-1 0,1 1 15,-1-1 1,-24 1-16,0-1 0,24 1 16,-24 0-16,0-1 15,25 25 1,-25 25-16,0-1 0,0 0 15,0 1-15,24-1 16,-24 1-16,0-1 0,25 1 16,-25-1-16,24 0 0,0-24 15</inkml:trace>
+  <inkml:trace contextRef="#ctx0" brushRef="#br0" timeOffset="2891">3420 396 0,'0'-25'16,"0"1"-16,0-1 0,-25 1 16,25 48 15,25-24-31,-25 25 0,24 24 16,0-25-16,1 0 15,-25 1-15,24 24 0,1-25 16,-1 1-16,-24-1 15,25-24-15,-25 24 0,24-24 16,-24-24 15,0 0-31,0-1 0,0 1 16,0-25-16,0 24 16,0 1-16,24-25 0,-24 25 15,0-1-15,25 25 0,-25-24 16,0 48-1,0 1 1,24-1-16,1-24 16</inkml:trace>
+  <inkml:trace contextRef="#ctx0" brushRef="#br0" timeOffset="3371">3932 396 0,'25'24'79,"-1"-24"-64,-24 24-15,25-24 16,-1 0-16,1 0 15,-1-24-15,0 0 16,1-1 0,-25 1-16,0-1 15,0 1 1,-25 24-16,25-25 0,-24 25 16,0-24-16,-1 24 0,1 0 15,-1 0-15,-24 24 16,25 1-16,0-1 0,24 1 15,-25-1-15,1 1 16,24-1-16,0 25 0,24-25 16,-24 1-16,25 24 0,-1-25 15,0 0-15,1-24 16,24 25-16,-25-25 0,1 24 16,23-24-16,-23 0 15,-1 0-15,1-24 0,-1 24 16,1-25-16,-25 1 0,24 24 15,-24-24-15,0-1 16</inkml:trace>
+  <inkml:trace contextRef="#ctx0" brushRef="#br0" timeOffset="3683">4738 322 0,'-24'0'0,"-25"0"16,25 0-16,-1 0 15,50-24 16,-1 24-15,1 0-16,-1 0 16,0 0-16,1 0 15,-1 0-15,1 0 16,-1 0 0</inkml:trace>
+  <inkml:trace contextRef="#ctx0" brushRef="#br0" timeOffset="3864">4714 420 0,'-24'24'16,"-1"-24"-16,25 25 15,0-1 1,25-24 0,-1 0-16,0 0 0,1 0 15,-1 0-15,1 0 16,-1 0-16,1 0 0,23 0 15,-23 0-15,-1 0 0</inkml:trace>
+  <inkml:trace contextRef="#ctx0" brushRef="#br0" timeOffset="4475">5349 103 0,'-24'0'15,"-1"0"-15,1 0 16,24-25 15,-25 25-31,50-24 32,-1 24-17,1 0 1,23 0-16,-23 0 15,24 0-15,-25 0 0,25 0 16,-25 0-16,25 0 0,-24 0 16,24 0-16,-25 0 15,0 24-15,-48-24 47,0 25-16,24-1-31,-25 0 16,25 25 0,0-24-16,0-1 0,0 25 15,0 0-15,0-25 0,0 25 16,25-25-16,-25 25 16,0-24-16,24-1 15,-24 1-15,24-1 0,-24 0 16</inkml:trace>
+  <inkml:trace contextRef="#ctx0" brushRef="#br0" timeOffset="4740">5544 420 0,'-24'0'0,"0"0"0,-1-24 16,50 24 31,-1 0-47,0 0 0,1 0 16,-1 0-16,25 0 15,-24 0-15,-1 0 0,25-25 16,-25 25-16,1 0 0,-1 0 15,0 0 1</inkml:trace>
+  <inkml:trace contextRef="#ctx0" brushRef="#br0" timeOffset="5237">6131 78 0,'24'-24'31,"-24"48"1,-24-24-32,-1 24 15,1 1-15,-1-1 16,25 1-16,-24-1 15,-1 25-15,25-25 0,0 25 16,0-24-16,0 24 0,0-25 16,0 25-16,0-25 15,25 1-15,-25-1 0,24 1 16,1-1-16,-1 0 16,1-24-16,-1 0 15,0 0-15,1-24 0,-1 0 16,-24-1-1,25 1-15,-25-1 0,0 1 16,0-1 0,-25 1-16,1 24 0,24-24 15,-25 24-15,1 0 0,0 24 16,-1-24-16,1 24 16,-1 1-16,25-1 15,0 1-15,0-1 16,25 1-1,-1-25-15</inkml:trace>
+  <inkml:trace contextRef="#ctx0" brushRef="#br0" timeOffset="5929">6668 224 0,'0'-25'16,"-25"25"-16,1 0 15,24 25 17,0-1-17,24-24-15,-24 24 16,0 1-16,-24-1 31,0-24-31,-1 0 16,1 0-16,-1-24 15,1 24-15,0-25 16,24 1-16,-25 24 16,25-24-16,0-1 15,25 1-15,-25-1 0,24 25 16,0-24-16,-24 0 0,25-1 15,-1 25-15,1 0 16,-1 0-16,0 0 0,1 0 16,-1 25-16,1-1 15,-25 0-15,24 1 0,-24 24 16,0-1-16,0 1 0,0 0 16,0 0-16,-24-25 15,24 25-15,-25 0 0,25-24 16,-24-1-16,24 0 0,-25 1 15,1-25-15,0 24 16,-1-24-16,1 0 0,-1 0 16,1-24-1,0-1-15,24 1 16,0 0-16,0-1 16,24 1-16,0 24 0,1-25 15,24 25-15,-25 0 16,0 0-16,1 0 15,-1 25-15,1-25 0,-1 24 16,-24 1-16,25-1 16,-1 0-16,-24 1 15,24-25-15,-24 24 0,25-24 16</inkml:trace>
+  <inkml:trace contextRef="#ctx0" brushRef="#br0" timeOffset="6241">7168 444 0,'-49'0'0,"25"0"16,0 0-16,48 0 31,0 0-31,1 0 16,-1 0-16,1 0 0,-1 0 15,1 0-15,-1 0 16,0 0-16,1 0 16,-1 0-16</inkml:trace>
+  <inkml:trace contextRef="#ctx0" brushRef="#br0" timeOffset="7085">7816 102 0,'0'-24'31,"0"0"-31,-25 24 16,25-25-1,-24 25-15,0 0 0,-1 0 16,1 0-16,-1-24 16,1 24-1,-1 0-15,1 0 0,0 0 16,24 24-16,-25-24 16,1 0-16,-1 0 15,25 25-15,-24-25 0,-1 0 16,25 24-1,0 0 17,0 1-17,0-1-15,25 1 16,-25-1 0,0 1-16,24-25 0,-24 24 15,25 0-15,-25 1 16,0-1-16,24-24 15,-24 25-15,25-25 63,-1-25-47,0 25-1,1 0 1,-1-24-16,1 24 15,-1 0-15,1 0 16,-1 0-16,0 0 16,1 24-16,-1-24 15,-24 25-15,0-1 16,25 1-16,-25-1 0,0 25 16,0-25-16,0 1 0,24-1 15,-24 1-15,0-1 16,0 0-16,0 1 15,-24-1-15,-1-24 16,1 25-16,-1-25 16,1 24-16,0-24 15,-1 0-15,1 0 0,-1 0 16,1 0-16,-1-24 0,1 24 16,24-25-16,0 1 15,0-1-15</inkml:trace>
+  <inkml:trace contextRef="#ctx0" brushRef="#br0" timeOffset="7799">8353 420 0,'-24'0'15,"-1"-24"17,1 24-32,-1 0 15,1 0 1,0 0-1,24 24-15,-25-24 0,1 24 16,24 1-16,-25-1 16,25 1-16,-24-1 0,24 1 15,0-1-15,0 0 16,0 1-16,24-1 0,1 1 16,-1-25-16,1 0 15,23 24-15,-23-24 16,-1 0-16,1 0 0,-1 0 15,0-24-15,1 24 0,-25-25 16,0 1 0,0-1-16,0 1 0,-25 0 15,1-1 1,0 1-16,-1-25 0,-24 24 16,25 1-16,0 0 0,-25-1 15,24 1-15,25-1 16,-24 1-16,24-1 0,0 1 15,24 0-15,1-1 16,-1-24-16,1 25 0,-1 24 16,0-24-16,1-1 0,-1 1 15,-24-1-15,25 25 16,-1-24-16,0 24 16,-24 24-16,25-24 15,-25 25-15,0-1 16,0 1-16,24 23 0,-24-23 15,0 24-15,0-25 16,0 25-16,0-25 0,0 25 16,-24-24-16,24-1 0,0 0 15,-25 1-15,25-1 16</inkml:trace>
+  <inkml:trace contextRef="#ctx0" brushRef="#br0" timeOffset="8315">8890 322 0,'-24'0'0,"0"0"15,-1 0-15,1 0 0,-1 0 16,25-24 0,-24 24-16,48-25 31,1 25-16,-1 0-15,1 0 0,-1 0 16,0 0-16,25 0 16,-24 25-16,23-25 0,-23 0 15,-1 0-15,1 24 16,-1-24-16</inkml:trace>
+  <inkml:trace contextRef="#ctx0" brushRef="#br0" timeOffset="8634">8842 444 0,'-25'0'0,"1"25"0,-1-25 15,25 24 1,25-24-1,-1 0 1,1 0-16,-1 25 0,0-25 16,1 0-16,24 0 0,-25 0 15,0 0-15,25-25 16,0 25-16,-24 0 0,-1 0 16,25-24-16,-25 24 15,1 0-15,-1 0 16,1 0-1,-50 0 1,1 0-16,24-25 16</inkml:trace>
+</inkml:ink>
+</file>
+
+<file path=ppt/ink/ink103.xml><?xml version="1.0" encoding="utf-8"?>
+<inkml:ink xmlns:inkml="http://www.w3.org/2003/InkML">
+  <inkml:definitions>
+    <inkml:context xml:id="ctx0">
+      <inkml:inkSource xml:id="inkSrc0">
+        <inkml:traceFormat>
+          <inkml:channel name="X" type="integer" max="1920" units="cm"/>
+          <inkml:channel name="Y" type="integer" max="1080" units="cm"/>
+          <inkml:channel name="T" type="integer" max="2.14748E9" units="dev"/>
+        </inkml:traceFormat>
+        <inkml:channelProperties>
+          <inkml:channelProperty channel="X" name="resolution" value="55.81395" units="1/cm"/>
+          <inkml:channelProperty channel="Y" name="resolution" value="55.6701" units="1/cm"/>
+          <inkml:channelProperty channel="T" name="resolution" value="1" units="1/dev"/>
+        </inkml:channelProperties>
+      </inkml:inkSource>
+      <inkml:timestamp xml:id="ts0" timeString="2020-10-18T02:55:26.030"/>
+    </inkml:context>
+    <inkml:brush xml:id="br0">
+      <inkml:brushProperty name="width" value="0.05" units="cm"/>
+      <inkml:brushProperty name="height" value="0.05" units="cm"/>
+      <inkml:brushProperty name="fitToCurve" value="1"/>
+    </inkml:brush>
+  </inkml:definitions>
+  <inkml:trace contextRef="#ctx0" brushRef="#br0">146 196 0,'0'-25'47,"-24"25"0,0 0-16,-1 0-16,1 0 17,-1 0-1,1 0 0,48 0 0,1 0-15,-1 0-16,1 0 16,-1 0-16,25 0 0,-25 0 15,25 0-15,0 0 16,0 0-16,-25 0 0,25 0 16,-24 0-16,23 0 15,-23 25-15,-1-25 0,1 0 16,-50 0 46,25 24-62,-24-24 16,24 24 0,-25-24-16,25 25 15,0-1-15,-24 1 0,24-1 16,0 0-16,-24 1 15,24-1-15,0 25 0,0-24 16,-25 23-16,25-23 0,0-1 16,0 1-16,0 24 15,0-25-15,0 0 0,0 1 16,0-1 0,0 1-16</inkml:trace>
+  <inkml:trace contextRef="#ctx0" brushRef="#br0" timeOffset="389">317 489 0,'-24'0'0,"24"-25"16,-24 25-16,24-24 0,0-1 31,24 25 0,0 0-15,1 0-1,-1 0-15,1 0 0,-1 0 16,25 0-16,-25 0 16,1 0-16,-1 0 0,25 0 15,-24 0 1,-1 0-16,-24-24 62</inkml:trace>
+  <inkml:trace contextRef="#ctx0" brushRef="#br0" timeOffset="918">879 391 0,'-24'0'0,"-1"0"31,1 0-15,-1 0-1,25 24-15,-24-24 0,24 25 16,-24-1-16,24 1 0,-25-1 16,25 0-16,0 1 15,-24-1-15,24 1 0,0-1 16,0 1-16,24-1 16,1-24-16,-1 24 0,0-24 15,1 0-15,-1 0 0,1 0 16,24 0-16,-25 0 15,0 0-15,1-24 0,-1 0 16,-24-1-16,25 25 16,-25-24-16,0-25 0,0 24 15,-25 1-15,25 0 0,-24-25 16,24 24-16,-25 1 16,1-1-16,0 25 0,-1-24 15,1 24-15,-1-24 16,1 24-16,-1 0 0,1 0 15,24 24-15,0 0 32,24-24-32,-24 25 0</inkml:trace>
+  <inkml:trace contextRef="#ctx0" brushRef="#br0" timeOffset="1619">1221 171 0,'0'-24'15,"0"-1"1,0 1-16,0 48 47,-24-24-32,24 25-15,-25-1 16,25 1-16,-24-1 16,24 0-16,0 1 15,0-1-15,0 1 0,0-1 16,0 0-16,0 1 0,0-1 15,24 1-15,1-1 16,-25 1-16,24-25 16,1 0-1,-1 24-15,0-24 16,1 0-16,-1 0 16,1-24-16,-1 24 15,0-25-15,1 1 16,-1-1-1,1 1-15,-25-1 16,0 1-16,0 0 0,24-1 16,-24 1-16,0-1 15,0 1-15,0 0 0,0-1 16,0 1 0,-24 24-16,-1 24 46,25 1-46,0-1 0,0 0 16,0 1-16,-24 24 16,24-25-16,0 25 0,0 0 15,0-25-15,0 25 0,0 0 16,0 0-16,0-25 16,0 1-16,0 23 0,0-23 15,0-1-15,0 1 16</inkml:trace>
+  <inkml:trace contextRef="#ctx0" brushRef="#br0" timeOffset="2209">2149 391 0,'0'-25'16,"0"1"-1,-24 24-15,24-24 16,0-1-16,-25 1 16,25-1-16,-24 25 15,-1 0 1,1 0-16,0 0 0,-1 0 16,1 0-16,-1 25 15,1-25-15,0 24 0,-1-24 16,1 25-16,24-1 0,0 0 15,0 1 1,0-1-16,24-24 0,1 25 16,-1-1-16,0-24 15,1 25-15,24-1 0,-25-24 16,25 24-16,-25 1 0,25-25 16,-24 24-16,-1 1 15,0-1-15,1 1 16,-25-1-16,0 0 15,0 1-15,-25-1 16,1-24-16,0 25 0,-1-25 16,-24 24-16,25-24 15,-25 0-15,25 0 0,-1 0 16,1 0-16,-1 0 16,1-24-16</inkml:trace>
+  <inkml:trace contextRef="#ctx0" brushRef="#br0" timeOffset="2622">2027 49 0,'0'-24'0,"0"-1"16,-24 50-1,24-1 1,-25 0 0,25 25-16,-24-24 15,24-1-15,0 25 16,0 0-16,0 0 0,0-1 15,0 1-15,0-24 0,0 24 16,0-1-16,24 1 16,-24-24-16,0 24 0,25-25 15,-25 0-15,0 1 16,24-1-16,-24 1 0,0-1 16,24-24-16,-24 24 15</inkml:trace>
+</inkml:ink>
+</file>
+
+<file path=ppt/ink/ink104.xml><?xml version="1.0" encoding="utf-8"?>
+<inkml:ink xmlns:inkml="http://www.w3.org/2003/InkML">
+  <inkml:definitions>
+    <inkml:context xml:id="ctx0">
+      <inkml:inkSource xml:id="inkSrc0">
+        <inkml:traceFormat>
+          <inkml:channel name="X" type="integer" max="1920" units="cm"/>
+          <inkml:channel name="Y" type="integer" max="1080" units="cm"/>
+          <inkml:channel name="T" type="integer" max="2.14748E9" units="dev"/>
+        </inkml:traceFormat>
+        <inkml:channelProperties>
+          <inkml:channelProperty channel="X" name="resolution" value="55.81395" units="1/cm"/>
+          <inkml:channelProperty channel="Y" name="resolution" value="55.6701" units="1/cm"/>
+          <inkml:channelProperty channel="T" name="resolution" value="1" units="1/dev"/>
+        </inkml:channelProperties>
+      </inkml:inkSource>
+      <inkml:timestamp xml:id="ts0" timeString="2020-10-18T02:55:34.614"/>
+    </inkml:context>
+    <inkml:brush xml:id="br0">
+      <inkml:brushProperty name="width" value="0.05" units="cm"/>
+      <inkml:brushProperty name="height" value="0.05" units="cm"/>
+      <inkml:brushProperty name="fitToCurve" value="1"/>
+    </inkml:brush>
+  </inkml:definitions>
+  <inkml:trace contextRef="#ctx0" brushRef="#br0">4127 97 0,'24'0'109,"1"0"-93,-1 0-16,-24-24 16,25 24-16,-1 0 15,1-24-15,-1 24 16,0 0-16,1-25 15,-1 25-15,1 0 16,-1 0-16,1 0 16,-25 25-1,0-1 1,0 0 0,0 1-16,0-1 15,-25 25-15,25-25 0,0 25 16,0-24-16,0 24 15,0-1-15,0 1 0,-24-24 16,24-1-16,0 25 16,0-25-16,0 1 0,-25-1 15</inkml:trace>
+  <inkml:trace contextRef="#ctx0" brushRef="#br0" timeOffset="246">4200 415 0,'-24'-25'16,"-1"25"-16,25-24 15,0 0 17,25 24-32,-1 0 0,1 0 15,-1 0-15,1 0 16,23 0-16,-23 0 0,24-25 15,-25 25-15,25 0 0,-25 0 16,1 0-16,-1 0 16,1 0-16,-1 0 0,0 0 15,-24-24 17</inkml:trace>
+  <inkml:trace contextRef="#ctx0" brushRef="#br0" timeOffset="686">4884 219 0,'-24'0'47,"24"25"-32,-25-1-15,1 1 16,24-1-16,-25 1 16,1-1-16,24 25 15,0-25-15,0 1 0,0-1 16,0 1-16,24-25 16,-24 24-16,25-24 15,-1 0-15,1 0 0,-1 0 16,1 0-16,-1-24 15,0 24-15,-24-25 0,25 1 16,-25-1-16,0 1 0,0-1 16,0 1-16,0 0 15,0-1-15,0 1 0,-25-1 16,1 1 0,0 24-1,-1 0 1,25 24-1,-24-24-15,24 25 0</inkml:trace>
+  <inkml:trace contextRef="#ctx0" brushRef="#br0" timeOffset="1212">5275 146 0,'-25'-24'0,"25"-1"16,0 1-1,0 48 17,0 1-32,0-1 15,0 1 1,0-1-16,0 0 0,0 1 15,25-1-15,-25 1 16,24-1-16,-24 1 16,25-25-16,-1 0 15,1 0-15,-1 0 16,0 0-16,1 0 16,-25-25-16,24 1 0,-24-1 15,0 1-15,0-1 16,0 1-16,25-25 0,-25 25 15,0-1-15,0 1 16,0 48 0,0 1-1,0-1-15,0 1 16,0 23-16,0-23 16,0 24-16,0-25 0,0 25 15,0-25-15,0 1 0,24-1 16,-24 1-16,0-1 0,25 1 15,-25-1-15,0 0 16,24 1-16</inkml:trace>
+  <inkml:trace contextRef="#ctx0" brushRef="#br0" timeOffset="1549">5715 97 0,'0'-24'16,"24"24"-1,0 0 16,-24 24-15,0 1-16,25-1 16,-25 1-16,24 23 0,1-23 15,-25 24-15,24-25 0,0 1 16,1-1-16,-1 0 16,1 1-16,-25-1 0,24 1 15,1-25-15,-25 24 16,24-24-16,-24-24 15</inkml:trace>
+  <inkml:trace contextRef="#ctx0" brushRef="#br0" timeOffset="1836">6032 48 0,'0'-24'16,"-24"0"-1,-1 24 1,1 0 0,24 24-1,-25-24-15,25 24 0,-24 1 16,24-1-16,-24 1 0,24 24 16,0-25-16,0 25 0,-25 0 15,25-25-15,0 25 16,0-25-16,-24 1 0,24-1 15,0 1-15,0-1 16,0 1-16,-25-1 0,25 0 16,-24-24-16</inkml:trace>
+  <inkml:trace contextRef="#ctx0" brushRef="#br0" timeOffset="2178">6423 97 0,'0'-24'0,"0"-1"15,0 50 32,0-1-47,0 1 16,0-1-16,0 1 15,0 23-15,0-23 0,0-1 16,0 25-16,0-24 16,0-1-16,0 25 0,0-25 15,0 1-15,0-1 16,0 1-16,24-25 15</inkml:trace>
+  <inkml:trace contextRef="#ctx0" brushRef="#br0" timeOffset="2628">6765 122 0,'-25'0'0,"25"-25"16,-24 25-16,24 25 47,0-1-47,0 1 15,0-1-15,0 0 16,-25 1-16,25 24 0,0-25 15,0 1-15,0-1 0,0 0 16,0 1-16,25-1 16,-25 1-16,24-25 0,1 24 15,-1-24 1,1 0-16,-1-24 0,0-1 16,1 25-16,-25-24 0,24-25 15,-24 25-15,25-1 16,-25 1-16,0-1 0,0-24 15,-25 25-15,1 0 16,-1-1-16,1 25 16,0 0-16,-1 0 15,1 0 1,-1 0 0,25 25-16</inkml:trace>
+  <inkml:trace contextRef="#ctx0" brushRef="#br0" timeOffset="3055">7278 97 0,'0'-24'0,"-25"24"31,1 0-31,-1 24 16,25 1-16,-24-1 16,24 1-16,0 23 15,-24-23-15,24 24 0,0-25 16,0 25-16,0-25 16,24 25-16,-24-24 0,24-1 15,1-24-15,-1 25 0,1-25 16,-1 0-16,25 0 15,-25-25-15,1 1 0,-1-1 16,1 1-16,-1-1 0,0 1 16,-24-25-16,25 25 15,-25-25-15,0 0 0,-25 25 16,1-25-16,0 24 16,-1 1-16,-24 24 0,25-25 15,-1 25-15,1 0 16,0 0-16,-1 25 0,1-25 15,24 24-15,0 1 0</inkml:trace>
+  <inkml:trace contextRef="#ctx0" brushRef="#br0" timeOffset="3798">4298 903 0,'24'0'32,"1"0"-17,-1 0-15,25 0 0,24 0 16,1 25-16,-1-25 16,49 0-16,0 0 0,25 0 15,24 0-15,0 0 0,0 0 16,24-25-16,-24 25 15,24 0-15,-48 0 0,24 0 16,-25 0-16,-24 0 16,1 0-16,-26-24 0,-23 24 15,-1 0-15,-24 0 0,0 0 16,-25 0-16,0 0 16,-24-25-16,25 25 0,-50 0 46,1 0-46</inkml:trace>
+  <inkml:trace contextRef="#ctx0" brushRef="#br0" timeOffset="4805">5421 1074 0,'25'0'0,"-25"25"16,-25-25 46,1 0-46,0 0-16,-1 0 16,1 0-1,-1 0-15,1 0 0,-1 0 16,1 0-16,0 0 15,-1 0-15,1 0 0,-1 0 16,25 24 47,25 1-32,-25-1-16,0 0-15,0 1 16,0-1 0,0 1-1,0-1-15,0 0 16,-25-24 0,25 25-16,25-50 31,-1 1-16,1 24 1,-1-24 0,0 24-16,1 0 0,-1 0 15,1 0 1,-1 0-16,1 0 0,-1 24 16,0-24-16,1 24 0,-1-24 15,-24 25-15,25-25 16,-1 24-16,-24 1 0,25-25 15,-25 24-15,0 1 0,0-1 16,0 0 0,-25 1-1,1-25-15,-1 0 16,1 0-16,-1 24 0,1-24 16,-25 0-16,25 0 0,-25 0 15,0 0-15,25 0 16,-1 0-16,-24 0 0,25 0 15</inkml:trace>
+  <inkml:trace contextRef="#ctx0" brushRef="#br0" timeOffset="5402">5910 1294 0,'24'0'16,"-48"24"15,-1-24-15,1 25-16,0-25 0,-1 24 15,1-24-15,24 25 16,-25-1-16,25 1 0,0-1 16,0 0-1,25-24-15,-25 25 16,24-25-16,1 0 16,-1 0-16,0 0 0,1 0 15,-1 0-15,1 0 0,-1 0 16,-24-25-16,25 25 15,-25-24-15,0 0 16,0-1-16,-25 25 16,1-24-16,-1-1 0,1 1 15,-1-1-15,-23 1 0,48 0 16,-25-1-16,1 1 16,24-1-16,0 1 15,0 0-15,0-1 16,24 1-16,1 24 0,-1-25 15,0 25-15,1 0 0,24 0 16,-25 0-16,1 25 16,-1-25-16,0 24 0,-24 1 15,0-1-15,0 0 0,0 1 16,-24-1-16,0 25 16,-25-25-16,24-24 15,1 25-15,-1-25 16</inkml:trace>
+  <inkml:trace contextRef="#ctx0" brushRef="#br0" timeOffset="6217">73 610 0,'24'-24'16,"1"24"-16,-25-25 15,24 25-15,0 0 16,1 0-16,-1 0 0,1 0 16,-1 0-16,1 25 15,-25-1 1,0 1-16,0-1 0,0 1 15,-25-1-15,1 0 0,-1 1 16,1-1-16,-1 1 16,1-1-16,-25-24 0,25 0 15,-1 0-15,1 0 16,0 0-16,24-24 16,0-1-16,0 1 0,0-1 15,0 1-15,0 0 16,24-25-16,-24 24 0,24 1 15,1 24-15,-25-25 16,24 25-16,1 25 16</inkml:trace>
+  <inkml:trace contextRef="#ctx0" brushRef="#br0" timeOffset="6522">683 561 0,'0'25'31,"0"-1"-31,0 1 16,25-1-1,-25 0-15,0 25 0,-25-24 16,25 24-16,-24-1 0,0 1 16,-1-24-16,1 24 15,-1-1-15,1-23 0,-1 24 16,1-25-16,24 1 0,-24-1 16,24 0-1</inkml:trace>
+  <inkml:trace contextRef="#ctx0" brushRef="#br0" timeOffset="6889">1025 879 0,'25'0'0,"-25"24"15,24-24 1,1 25 0,-1-1-16,-24 1 15,24-1-15,-24 0 16,0 1-16,-24-25 16,24 24-16,-24-24 0,-1 25 15,1-25-15,-1 0 16,1 0-16,-1-25 15,1 25-15,24-24 0,-24-1 16,24 1-16,0 0 16,24-1-16,-24 1 0,24-1 15,1 1-15,-1-1 0,1 25 16,-1 0-16,1 0 16,-1 0-16,0 0 15</inkml:trace>
+  <inkml:trace contextRef="#ctx0" brushRef="#br0" timeOffset="7374">1685 708 0,'0'-25'0,"24"25"0,-24-24 16,0 0-16,0-1 15,0 1-15,-24 24 16,-1-25-16,1 25 0,-1 0 16,1 0-16,-25 0 15,25 0-15,-1 0 0,-23 25 16,23-25-16,25 24 0,-24 1 15,24-1-15,0 0 16,0 1-16,24-25 0,1 24 16,-1 1-16,0-1 15,25-24-15,0 25 0,-25-1 16,25 0-16,-24-24 0,24 25 16,-25-1-16,0 1 15,-24-1-15,25 1 0,-25-1 16,0 0-1,0 1-15,-25-25 0,1 24 16,0-24-16,-1 0 0,-24 25 16,25-25-16,-25 0 15,25 0-15,-25-25 0,24 25 16,1 0-16,0-24 16,24-1-16</inkml:trace>
+  <inkml:trace contextRef="#ctx0" brushRef="#br0" timeOffset="7878">2198 807 0,'24'-25'15,"0"1"1,-24-1-1,-24 1-15,0-1 16,-1 25 0,1 0-16,-1 0 0,1 0 15,-25 25-15,25-25 0,-1 24 16,25 1-16,-24-25 16,-1 24-16,25 1 0,0-1 15,0 0-15,0 1 16,0-1-16,25 1 0,-1-1 15,1-24 1,-1 25-16,1-25 0,-1 0 16,0 0-16,1 0 0,-25-25 15,24 25-15,1-24 16,-25-1-16,24 1 16,-24-1-16,0 1 15,0 0-15,0-1 0,24 25 16,-24-24-16,25 24 15,-1 0 1,1 24-16,-25 1 0,24-1 16,1 0-16,-25 1 0,24-1 15,-24 1-15,24-1 16,-24 1-16,0-1 0,25 0 16</inkml:trace>
+  <inkml:trace contextRef="#ctx0" brushRef="#br0" timeOffset="8262">2540 708 0,'-25'0'0,"25"24"31,25 1-15,-1-1-16,-24 1 15,24-1-15,1 0 0,-1 1 16,-24-1-16,25 1 0,-1-1 16,-24 1-16,25-1 15,-1 0 1,-24-48 0,0 0-1,24-1-15,-24 1 0,0-1 16,0 1-16,0-25 15,0 25-15,0-25 0,25 24 16,-25 1-16,0-1 16,0 1-16,24 0 0,1 24 15,-1 24 1,0 0 0,1-24-1</inkml:trace>
+  <inkml:trace contextRef="#ctx0" brushRef="#br0" timeOffset="8732">3126 781 0,'-25'0'31,"50"0"-15,-1 0 0,1 25-1,-1-25 1,0 0 0,1 0-1,-1-25 1,-24 1-16,0-1 15,0 1 1,-24-1-16,-1 1 16,1 24-1,0 0-15,-25 0 0,24 0 16,1 0-16,-1 24 0,1 1 16,0-1-16,-1 1 15,25-1-15,0 25 0,0-25 16,0 25-16,25-24 0,-1-1 15,0 1-15,1-1 16,-1 0-16,25 1 0,-24-25 16,23 0-16,-23 0 15,24 0-15,-1-25 0,-23 25 16</inkml:trace>
+  <inkml:trace contextRef="#ctx0" brushRef="#br0" timeOffset="8964">3614 659 0,'-24'0'16,"24"24"-16,24-24 46,1 0-46,-1 0 16,0 0-16,1 0 16</inkml:trace>
+  <inkml:trace contextRef="#ctx0" brushRef="#br0" timeOffset="9138">3590 830 0,'-25'24'0,"1"1"15,24-1 17,24-24-32,1 0 15,-1 0-15,1 0 16,-1 0-16,0 0 0,-24-24 16,25 24-16,-1 0 0,1 0 15</inkml:trace>
+</inkml:ink>
+</file>
+
+<file path=ppt/ink/ink105.xml><?xml version="1.0" encoding="utf-8"?>
+<inkml:ink xmlns:inkml="http://www.w3.org/2003/InkML">
+  <inkml:definitions>
+    <inkml:context xml:id="ctx0">
+      <inkml:inkSource xml:id="inkSrc0">
+        <inkml:traceFormat>
+          <inkml:channel name="X" type="integer" max="1920" units="cm"/>
+          <inkml:channel name="Y" type="integer" max="1080" units="cm"/>
+          <inkml:channel name="T" type="integer" max="2.14748E9" units="dev"/>
+        </inkml:traceFormat>
+        <inkml:channelProperties>
+          <inkml:channelProperty channel="X" name="resolution" value="55.81395" units="1/cm"/>
+          <inkml:channelProperty channel="Y" name="resolution" value="55.6701" units="1/cm"/>
+          <inkml:channelProperty channel="T" name="resolution" value="1" units="1/dev"/>
+        </inkml:channelProperties>
+      </inkml:inkSource>
+      <inkml:timestamp xml:id="ts0" timeString="2020-10-18T02:55:56.050"/>
+    </inkml:context>
+    <inkml:brush xml:id="br0">
+      <inkml:brushProperty name="width" value="0.05" units="cm"/>
+      <inkml:brushProperty name="height" value="0.05" units="cm"/>
+      <inkml:brushProperty name="fitToCurve" value="1"/>
+    </inkml:brush>
+  </inkml:definitions>
+  <inkml:trace contextRef="#ctx0" brushRef="#br0">0 74 0,'0'25'63,"0"-1"-48,0 1-15,0-1 0,0 0 16,0 1-16,0-1 16,24 25-16,-24-25 0,0 1 15,0 24-15,25-25 0,-25 1 16,24-1-16,-24 0 15,0 1-15,25-1 0,-25 1 16</inkml:trace>
+  <inkml:trace contextRef="#ctx0" brushRef="#br0" timeOffset="639">220 221 0,'0'-25'0,"0"1"16,0 0 0,0-1-16,24 25 15,-24-24-15,0-1 16,25 25-16,-25-24 16,24 24-16,-24-25 0,24 25 15,1 0 1,-1 0-16,1 0 15,-25 25-15,24-25 16,1 24-16,-25 1 0,24-1 16,-24 1-16,24-1 15,-24 0-15,0 25 0,0-24 16,0-1-16,0 1 0,-24-1 16,0-24-16,-1 24 15,-24 1-15,25-25 0,-1 24 16,1-24-16,-25 25 0,25-25 15,-1 0 1,25 24-16,-24-24 0,48 0 31,1 0-31,-1 0 16,1 0-16,-1 0 0,25 24 16,-25-24-16,25 0 15,-24 0-15,23 0 0,-23 0 16,-1 0-16,1 25 15,-1-25-15</inkml:trace>
+  <inkml:trace contextRef="#ctx0" brushRef="#br0" timeOffset="1032">684 25 0,'0'-24'15,"0"48"32,0 1-31,0-1-16,0 1 16,24 24-16,-24-25 0,0 25 15,0-25-15,25 25 16,-25-24-16,0-1 0,24 25 15,-24-25-15,0 1 0,25-1 16,-25 0-16,0 1 16,24-25-1</inkml:trace>
+  <inkml:trace contextRef="#ctx0" brushRef="#br0" timeOffset="1678">977 148 0,'0'-25'16,"-24"25"-16,24-24 0,0-1 15,24 25 1,-24-24-16,24-1 16,1 1-1,-1 24-15,1 0 16,-1 0-16,0 0 16,25 0-16,-24 0 15,-1 0-15,1 24 0,-1-24 16,0 25-16,1-1 15,-25 1 1,0-1-16,0 1 16,-25-25-16,25 24 15,-24-24-15,0 24 0,-1-24 16,1 0-16,-1 25 16,1-25-16,-1 0 15,25 24-15,-24-24 0,48 0 47,1 25-31,-1-25-16,1 0 0,-1 0 15,1 24-15,-1-24 0,25 24 16,-25-24-16,1 25 16,-1-1-16,1 1 0,-1-1 15,0 1-15,-24-1 16,0 0-16,0 1 15,-24-1-15,0-24 16,-25 0-16,24 25 16,-24-25-16,25 0 0,-25 0 15,25-25-15,-25 25 16,24 0-16,25-24 0</inkml:trace>
+  <inkml:trace contextRef="#ctx0" brushRef="#br0" timeOffset="2182">1710 99 0,'0'-25'15,"24"25"32,0 0-31,-24 25-16,25-1 0,-1 1 15,-24-1 1,0 0-16,0 1 0,0-1 16,0 1-1,-24-25-15,-1 0 0,1 24 16,0-24-16,-1-24 16,1 24-1,24-25-15,-25 25 0,25-24 16,0-1-16,0 1 15,25 0-15,-25-1 16,24 1-16,1 24 0,-1-25 16,0 25-16,1-24 15,-1 24-15,1 0 0,-1 0 16</inkml:trace>
+  <inkml:trace contextRef="#ctx0" brushRef="#br0" timeOffset="2560">2174 25 0,'0'-24'16,"0"48"0,-25-24-1,25 25-15,-24-1 0,24 1 16,0-1-16,-25 25 0,25 0 15,0-25-15,0 25 16,-24 0-16,24-25 0,0 25 16,-24-24-16,24-1 0,0 0 15,0 1-15,-25-1 16,25 1-16,0-1 0</inkml:trace>
+  <inkml:trace contextRef="#ctx0" brushRef="#br0" timeOffset="3052">2467 441 0,'24'0'47,"1"0"-31,-1 0-1,-24 24 1,0 0-1,24-24-15,-24 25 0,0-1 16,0 1-16,0-1 31,-24-24-31,0 0 0,-1 0 16,25-24-16,-49 24 16,25-25-16,-1 25 15,1-24-15,24-1 0,0 1 16,0 0-1,0-1-15,24 25 0,1-24 16,-1 24-16,-24-25 16,25 25-16,-1 0 0,1 0 15,-25 25-15,24-25 0,-24 24 16,0 1-16</inkml:trace>
+  <inkml:trace contextRef="#ctx0" brushRef="#br0" timeOffset="3742">391 856 0,'-25'0'16,"1"0"-16,24-25 15,24 25 1,1 0-16,24 0 0,-1 0 15,26 0-15,23 0 16,1 25-16,0-25 0,-1 0 16,1 0-16,0 24 15,0-24-15,-1 25 0,-23-25 16,-1 0-16,-24 0 16,0 24-16,-25-24 0,0 0 15,1 0-15,-25-24 31,-25 24-31</inkml:trace>
+  <inkml:trace contextRef="#ctx0" brushRef="#br0" timeOffset="4086">782 1173 0,'-25'0'0,"50"0"31,-1 0-31,0 0 0,25 0 15,-24-24-15,23 24 0,26 0 16,-25 0-16,24 0 16,0 0-16,0 0 0,1 0 15,-1 0-15,0 0 16,1 0-16,-26 0 0,26 0 16,-50 0-16,25 0 0,-25 0 15,1 0-15</inkml:trace>
+</inkml:ink>
+</file>
+
+<file path=ppt/ink/ink106.xml><?xml version="1.0" encoding="utf-8"?>
+<inkml:ink xmlns:inkml="http://www.w3.org/2003/InkML">
+  <inkml:definitions>
+    <inkml:context xml:id="ctx0">
+      <inkml:inkSource xml:id="inkSrc0">
+        <inkml:traceFormat>
+          <inkml:channel name="X" type="integer" max="1920" units="cm"/>
+          <inkml:channel name="Y" type="integer" max="1080" units="cm"/>
+          <inkml:channel name="T" type="integer" max="2.14748E9" units="dev"/>
+        </inkml:traceFormat>
+        <inkml:channelProperties>
+          <inkml:channelProperty channel="X" name="resolution" value="55.81395" units="1/cm"/>
+          <inkml:channelProperty channel="Y" name="resolution" value="55.6701" units="1/cm"/>
+          <inkml:channelProperty channel="T" name="resolution" value="1" units="1/dev"/>
+        </inkml:channelProperties>
+      </inkml:inkSource>
+      <inkml:timestamp xml:id="ts0" timeString="2020-10-18T02:55:55.370"/>
+    </inkml:context>
+    <inkml:brush xml:id="br0">
+      <inkml:brushProperty name="width" value="0.05" units="cm"/>
+      <inkml:brushProperty name="height" value="0.05" units="cm"/>
+      <inkml:brushProperty name="fitToCurve" value="1"/>
+    </inkml:brush>
+  </inkml:definitions>
+  <inkml:trace contextRef="#ctx0" brushRef="#br0">24 127 0,'0'-24'31,"24"-1"-15,-24 1 15,0 0-15,25 24-1,-1 0 1,1-25 0,-1 25-16,1 0 0,-1 0 15,0 0-15,1 0 0,-1 0 16,1 0-16,-1 0 16,-24 25-16</inkml:trace>
+  <inkml:trace contextRef="#ctx0" brushRef="#br0" timeOffset="244">0 249 0,'24'0'47,"0"0"-47,1 0 0,-1 0 16,25-24-16,-24 24 0,23 0 15,-23 0-15,-1 0 16,1-25-16,-1 25 16</inkml:trace>
+</inkml:ink>
+</file>
+
+<file path=ppt/ink/ink107.xml><?xml version="1.0" encoding="utf-8"?>
+<inkml:ink xmlns:inkml="http://www.w3.org/2003/InkML">
+  <inkml:definitions>
+    <inkml:context xml:id="ctx0">
+      <inkml:inkSource xml:id="inkSrc0">
+        <inkml:traceFormat>
+          <inkml:channel name="X" type="integer" max="1920" units="cm"/>
+          <inkml:channel name="Y" type="integer" max="1080" units="cm"/>
+          <inkml:channel name="T" type="integer" max="2.14748E9" units="dev"/>
+        </inkml:traceFormat>
+        <inkml:channelProperties>
+          <inkml:channelProperty channel="X" name="resolution" value="55.81395" units="1/cm"/>
+          <inkml:channelProperty channel="Y" name="resolution" value="55.6701" units="1/cm"/>
+          <inkml:channelProperty channel="T" name="resolution" value="1" units="1/dev"/>
+        </inkml:channelProperties>
+      </inkml:inkSource>
+      <inkml:timestamp xml:id="ts0" timeString="2020-10-24T01:48:09.834"/>
+    </inkml:context>
+    <inkml:brush xml:id="br0">
+      <inkml:brushProperty name="width" value="0.05" units="cm"/>
+      <inkml:brushProperty name="height" value="0.05" units="cm"/>
+      <inkml:brushProperty name="fitToCurve" value="1"/>
+    </inkml:brush>
+  </inkml:definitions>
+  <inkml:trace contextRef="#ctx0" brushRef="#br0">225 196 0,'0'-25'16,"0"1"-1,-24 24 16,24 24-15,-24-24-16,24 25 16,-25-1-16,1 0 0,-1 1 15,25-1-15,-24 25 16,-1-24-16,1 23 0,24 1 16,-24-24-16,24 24 0,0-1 15,0-23-15,24 24 16,0-25-16,-24 1 0,49-1 15,-24 0-15,-1 1 16,1-1-16,23-24 0,1 0 16,0 0-16,-24 0 0,23 0 15</inkml:trace>
+  <inkml:trace contextRef="#ctx0" brushRef="#br0" timeOffset="606">934 415 0,'0'-24'16,"-25"24"0,1 0-1,-1 0 1,1 0-1,0 24 1,-1-24-16,25 25 0,-24-1 16,-1 1-16,25-1 15,0 1-15,-24-1 0,24 0 16,0 1-16,24-1 16,1 1-16,-25-1 0,24-24 15,1 25-15,23-25 0,-23 0 16,-1 0-16,25 0 15,-24 0-15,23-25 0,-23 25 16,-1-24-16,1-1 16,-1 1-16,-24-1 0,0 1 15,0 0-15,0-1 0,-24 1 16,24-1-16,-25 1 16,1-1-16,-1 1 0,1 24 15,0-24-15,-1 24 16,1 0-16,-1 24 15,25 0 1</inkml:trace>
+  <inkml:trace contextRef="#ctx0" brushRef="#br0" timeOffset="1032">1349 342 0,'-25'0'16,"25"-24"-16,0 48 31,25 1-15,-25-1-16,24 0 0,1 1 15,-25-1-15,24 1 16,1-1-16,-25 1 0,24-1 16,-24 0-16,24 1 0,-24-1 15,25-24-15,-25 25 16,24-25-16,1-25 16,-1 1-1,-24-1 1,25 1-16,-25 0 0,0-1 15,24-24-15,-24 25 16,0-1-16,0 1 0,24 0 16,-24-1-16,0 1 15,0-1-15,25 25 16,-25 25 0</inkml:trace>
+  <inkml:trace contextRef="#ctx0" brushRef="#br0" timeOffset="1500">1984 440 0,'-25'0'15,"1"0"-15,24 24 63,24 1-63,1-1 15,-1-24 1,1 25-16,-1-25 16,1 0-16,-25-25 15,24 25-15,0-24 16,-24-1-16,25 1 15,-25-1-15,0 1 16,-25 0 0,25-1-16,-24 25 0,0 0 15,-1 0-15,1 0 16,-1 0-16,1 0 0,-1 25 16,25-1-16,-24-24 0,24 24 15,0 1-15,0-1 16,0 1-16,0-1 0,0 1 15,24-1-15,1 0 16,-1 1-16,1-25 16,-1 24-16,1-24 0,-1 0 15</inkml:trace>
+  <inkml:trace contextRef="#ctx0" brushRef="#br0" timeOffset="1904">2448 391 0,'-25'-24'0,"1"24"16,0-25-16,48 50 31,0-1-15,1 0-16,-1 1 15,1-1-15,-1 1 16,-24-1-16,25 1 0,-25-1 16,0 0-16,0 1 15,-25-25 1,1 0 0,24-25-1,-25 25-15,25-24 0,0 0 16,0-1-16,0 1 15,25-25-15,-25 24 0,24 1 16,1 0-16,-1-1 0,0 1 16,1-1-16,-1 25 15,1 0-15,-1 0 0,-24 25 16,25-25-16,-25 24 16</inkml:trace>
+  <inkml:trace contextRef="#ctx0" brushRef="#br0" timeOffset="2353">3278 269 0,'25'-25'0,"-25"1"0,24 0 16,-24-1 0,0 1-16,0-1 0,0 1 15,0 0-15,-24-1 16,-1 25-16,1 0 16,-1 0-16,1 0 0,0 25 15,-1-1-15,-24 0 16,25 1-16,-1-1 0,25 1 15,-24 23-15,24-23 16,0 24-16,0 0 0,24-25 16,1 25-16,-1 0 0,1 0 15,-1-1-15,1-23 16,23 24-16,-23-25 0,-1 25 16,-24-25-16,25 1 15,-25-1-15,0 1 0,-25-1 16,1 0-16,-1-24 15,1 0-15,-25 0 16,25 0-16,-1 0 0</inkml:trace>
+  <inkml:trace contextRef="#ctx0" brushRef="#br0" timeOffset="2562">3107 538 0,'0'-25'16,"25"25"0,-1 0-1,1 0-15,-1-24 16,0 24-16,1 0 0,-1 0 16,25 0-16,-24 0 15,23 0-15,-23 0 0,24 0 16</inkml:trace>
+  <inkml:trace contextRef="#ctx0" brushRef="#br0" timeOffset="2767">3571 415 0,'0'-24'0,"-24"24"32,24-24-32,-24 48 15,24 0 1,0 1-1,0-1-15,0 1 0,24-1 16,-24 1-16,0-1 16,24 0-16,-24 1 15,25-1-15,-25 1 16</inkml:trace>
+  <inkml:trace contextRef="#ctx0" brushRef="#br0" timeOffset="2953">3547 196 0,'0'-25'16,"-24"25"-16,48 25 46</inkml:trace>
+  <inkml:trace contextRef="#ctx0" brushRef="#br0" timeOffset="3248">3816 171 0,'0'-24'15,"24"24"17,0 24-17,-24 1 1,0-1-16,0 0 0,0 25 16,25-24-16,-25 24 15,0-1-15,0-23 0,24 24 16,-24 0-16,25-25 0,-25 0 15,24 25-15,1-24 16,-1-25-16,0 0 16,1 0-16,-1 0 15</inkml:trace>
+  <inkml:trace contextRef="#ctx0" brushRef="#br0" timeOffset="3428">3889 391 0,'-25'0'16,"25"24"-16,25-24 15,-1 0-15,1 0 16,-1 0-16,25 0 16,-25 0-16,1-24 0,-1 24 15,25 0-15</inkml:trace>
+  <inkml:trace contextRef="#ctx0" brushRef="#br0" timeOffset="3715">4280 49 0,'0'-24'0,"-25"-1"0,50 50 47,-25-1-47,24 1 0,25-1 15,-25 25-15,25 0 16,0-1-16,0 1 0,-25 0 16,1 0-16,-1 24 0,1-24 15,-25 0-15,0-25 16,0 25-16,-25 0 0,-24-25 15,0-24-15,1 25 16</inkml:trace>
+</inkml:ink>
+</file>
+
+<file path=ppt/ink/ink108.xml><?xml version="1.0" encoding="utf-8"?>
+<inkml:ink xmlns:inkml="http://www.w3.org/2003/InkML">
+  <inkml:definitions>
+    <inkml:context xml:id="ctx0">
+      <inkml:inkSource xml:id="inkSrc0">
+        <inkml:traceFormat>
+          <inkml:channel name="X" type="integer" max="1920" units="cm"/>
+          <inkml:channel name="Y" type="integer" max="1080" units="cm"/>
+          <inkml:channel name="T" type="integer" max="2.14748E9" units="dev"/>
+        </inkml:traceFormat>
+        <inkml:channelProperties>
+          <inkml:channelProperty channel="X" name="resolution" value="55.81395" units="1/cm"/>
+          <inkml:channelProperty channel="Y" name="resolution" value="55.6701" units="1/cm"/>
+          <inkml:channelProperty channel="T" name="resolution" value="1" units="1/dev"/>
+        </inkml:channelProperties>
+      </inkml:inkSource>
+      <inkml:timestamp xml:id="ts0" timeString="2020-10-24T01:48:53.517"/>
+    </inkml:context>
+    <inkml:brush xml:id="br0">
+      <inkml:brushProperty name="width" value="0.05" units="cm"/>
+      <inkml:brushProperty name="height" value="0.05" units="cm"/>
+      <inkml:brushProperty name="fitToCurve" value="1"/>
+    </inkml:brush>
+  </inkml:definitions>
+  <inkml:trace contextRef="#ctx0" brushRef="#br0">0 0 0,'25'0'32</inkml:trace>
+</inkml:ink>
+</file>
+
+<file path=ppt/ink/ink109.xml><?xml version="1.0" encoding="utf-8"?>
+<inkml:ink xmlns:inkml="http://www.w3.org/2003/InkML">
+  <inkml:definitions>
+    <inkml:context xml:id="ctx0">
+      <inkml:inkSource xml:id="inkSrc0">
+        <inkml:traceFormat>
+          <inkml:channel name="X" type="integer" max="1920" units="cm"/>
+          <inkml:channel name="Y" type="integer" max="1080" units="cm"/>
+          <inkml:channel name="T" type="integer" max="2.14748E9" units="dev"/>
+        </inkml:traceFormat>
+        <inkml:channelProperties>
+          <inkml:channelProperty channel="X" name="resolution" value="55.81395" units="1/cm"/>
+          <inkml:channelProperty channel="Y" name="resolution" value="55.6701" units="1/cm"/>
+          <inkml:channelProperty channel="T" name="resolution" value="1" units="1/dev"/>
+        </inkml:channelProperties>
+      </inkml:inkSource>
+      <inkml:timestamp xml:id="ts0" timeString="2020-10-24T01:49:28.270"/>
+    </inkml:context>
+    <inkml:brush xml:id="br0">
+      <inkml:brushProperty name="width" value="0.05" units="cm"/>
+      <inkml:brushProperty name="height" value="0.05" units="cm"/>
+      <inkml:brushProperty name="fitToCurve" value="1"/>
+    </inkml:brush>
+  </inkml:definitions>
+  <inkml:trace contextRef="#ctx0" brushRef="#br0">295 227 0,'-25'0'0,"1"0"16,-1 0-1,1 24 48,-1 1-47,1-25-16,0 24 0,-1 0 15,1 1-15,24-1 16,-25 25-16,1-25 0,24 25 15,0 0-15,-25-24 0,25 23 16,0 1-16,0-24 16,0-1-16,25 25 0,-25-25 15,24-24-15,1 25 16,-1-1-16,1-24 0,-1 25 16,25-25-16,-25 0 0,1 0 15,24 0-15,-25 0 16</inkml:trace>
+  <inkml:trace contextRef="#ctx0" brushRef="#br0" timeOffset="588">612 398 0,'-24'-25'16,"-1"25"-1,25 25 17,0-1-17,0 0-15,0 1 16,0-1 0,25 1-16,-25 24 0,24-25 15,-24 0-15,0 1 0,24-1 16,1 1-16,-1-1 15,1 1-15,-1-25 16,1 0-16,-1 0 16,0 0-16,1 0 15,-1-25-15,1 25 0,-1-24 16,1-1-16,-25 1 16,0-1-16,24-23 0,-24 23 15,0-24-15,0 25 0,-24-25 16,24 25-16,-25-1 15,25 1-15,-24 24 0,24-25 16,-25 25 0,25 25-1,0-1 1,25-24-16</inkml:trace>
+  <inkml:trace contextRef="#ctx0" brushRef="#br0" timeOffset="1096">1125 398 0,'-25'-25'15,"50"50"32,-1-1-31,-24 0-16,25 1 0,-25-1 15,24 1-15,-24-1 16,0 1-16,25-1 0,-25 0 16,0 1-16,0-1 15,0 1 1,0-50 15,-25 1-15,25-1-16,0 1 0,0 0 15,0-1-15,0 1 16,25-1-16,-25 1 0,0-1 16,24 1-16,0 0 15,1 24-15,-1 0 16,1 0-1,-1 24-15,-24 0 16,25-24-16,-1 25 0,-24-1 16,0 1-16,24-1 15,-24 1-15,0-1 16,0 0-16,0 1 16</inkml:trace>
+  <inkml:trace contextRef="#ctx0" brushRef="#br0" timeOffset="1696">1833 446 0,'-24'0'0,"24"-24"0,0 0 16,0-1 0,0 1-1,-25 24-15,1 0 32,-1 0-32,1 24 15,0 1 1,-1-25-16,25 24 0,-24 0 15,24 1-15,-25-1 0,25 1 16,0-1-16,0 1 16,0-1-16,25 0 0,-1 1 15,1-25-15,-1 0 16,0 0-16,1 0 16,-1-25-16,1 25 15,-1-24-15,-24 0 16,25-1-16,-25 1 0,0-1 15,0 1-15,-25-25 0,25 25 16,-24-25-16,24 24 16,-25-23-16,25 23 0,-24 1 15,-1-1-15,25 1 16,0 48 0,25 1-1,-25-1-15,24 1 16,-24 23-16,25-23 0,-25-1 15,24 25-15,-24-25 16,0 25-16,25-24 0,-25-1 16,0 25-16,0-25 0,24-24 15,-24 25-15</inkml:trace>
+  <inkml:trace contextRef="#ctx0" brushRef="#br0" timeOffset="2158">2077 495 0,'-24'-24'0,"0"24"16,24-25-16,24 25 46,0 25-30,1-25 0,-1 0-1,1 0 1,-1 0 0,-24-25-16,25 25 15,-25-24-15,0 0 16,0-1-1,-25 1-15,1 24 16,-1 0 0,1 0-16,24 24 0,-25-24 15,1 25-15,24-1 0,0 0 16,-24 1-16,24-1 16,0 1-16,0-1 15,24 25-15,-24-25 0,24 1 16,1-1-16,-1 1 0,1-25 15,-1 24-15,1-24 0,23 0 16</inkml:trace>
+  <inkml:trace contextRef="#ctx0" brushRef="#br0" timeOffset="2541">2443 373 0,'-25'0'0,"1"0"16,0 0 0,48 0-1,0 25 1,1-1 0,-1 0-16,1 1 0,-1-1 15,0 1 1,-24-1-16,0 1 0,25-25 15,-25 24-15,0 0 16,-25-24-16,1 0 16,0-24-1,-1 24-15,1 0 0,24-24 16,-25-1-16,25 1 0,0-1 16,0 1-16,0-1 15,0 1-15,0 0 0,25-1 16,-1 25-16,1-24 0,-1 24 15,0-25-15,1 25 16,-1 0-16</inkml:trace>
+  <inkml:trace contextRef="#ctx0" brushRef="#br0" timeOffset="2925">3176 178 0,'-24'-25'16,"0"1"-16,-1 24 16,25-24-16,-24-1 0,24 1 15,-25 24 1,25 24-16,-24-24 15,24 25-15,-25-1 0,25 25 16,-24-25-16,24 25 16,-24 0-16,24 0 0,0 0 15,0-1-15,0 1 0,24 0 16,-24 0-16,24 0 16,-24-25-16,25 25 0,-1 0 15,1-25-15,-25 25 16,24-24-16,-24-1 0,0 0 15,0 1-15,0-1 16,0 1-16,-24-1 16</inkml:trace>
+  <inkml:trace contextRef="#ctx0" brushRef="#br0" timeOffset="3112">2859 642 0,'0'-25'0,"24"25"16,1-24-16,-1 0 15,1 24 1,23-25-16,-23 25 0,-1 0 16,25 0-16,-24 0 15,-1-24-15</inkml:trace>
+  <inkml:trace contextRef="#ctx0" brushRef="#br0" timeOffset="3336">3225 471 0,'-24'-25'16,"24"1"0,0 48 15,0 1-31,24-1 15,-24 1-15,25-1 16,-25 1-16,24-1 0,-24 0 16,25 1-16,-25-1 15,24 1-15,-24-1 16,24-24-16</inkml:trace>
+  <inkml:trace contextRef="#ctx0" brushRef="#br0" timeOffset="3489">3250 227 0,'-25'-25'0</inkml:trace>
+  <inkml:trace contextRef="#ctx0" brushRef="#br0" timeOffset="3797">3445 153 0,'-24'-24'0,"24"48"47,0 1-47,24-1 0,-24 1 15,25 23-15,-25 1 16,24-24-16,0 24 0,-24-1 16,25 1-16,-25-24 0,0 24 15,24-25-15,-24 0 16,25 1-16,-25-1 0,24 1 15,1-25 1,-1 0-16,0 0 16</inkml:trace>
+  <inkml:trace contextRef="#ctx0" brushRef="#br0" timeOffset="3977">3347 471 0,'-24'0'0,"48"0"16,1 0-1,24-25-15,-25 25 16,25 0-16,-25-24 0,25 24 16,-24-24-16</inkml:trace>
+  <inkml:trace contextRef="#ctx0" brushRef="#br0" timeOffset="5268">3909 31 0,'-24'-24'0,"-1"24"15,1-25 1,48 50 0,1-25-1,-1 24-15,1 25 0,-1 0 16,25 0-16,-25 0 16,25 24-16,-24 0 0,23 0 15,-23 1-15,-1-1 16,-24-24-16,0 24 0,-49 0 15</inkml:trace>
 </inkml:ink>
 </file>
 
@@ -220,7 +589,7 @@
           <inkml:channelProperty channel="T" name="resolution" value="1" units="1/dev"/>
         </inkml:channelProperties>
       </inkml:inkSource>
-      <inkml:timestamp xml:id="ts0" timeString="2020-10-18T02:47:09.078"/>
+      <inkml:timestamp xml:id="ts0" timeString="2020-12-17T06:26:30.824"/>
     </inkml:context>
     <inkml:brush xml:id="br0">
       <inkml:brushProperty name="width" value="0.05" units="cm"/>
@@ -228,17 +597,9 @@
       <inkml:brushProperty name="fitToCurve" value="1"/>
     </inkml:brush>
   </inkml:definitions>
-  <inkml:trace contextRef="#ctx0" brushRef="#br0">26 242 0,'-24'0'62,"24"-25"-46,0 1 15,0-1-15,0 1 15,0 0-15,0 48 46,0 0-62,0 1 16,0-1-16,0 1 0,0-1 15,24 25-15,-24 0 16,0 0-16,25-25 0,-25 25 16,0 0-16,0 0 15,24-25-15,-24 25 0,0-25 16,0 25-16,0-24 0,0-1 16,0 0-1,0-48 16,0 0-31,0-1 16,0 1-16,0-25 0,25 24 16,-25 1-16,24-25 15,-24 25-15,24-1 0,-24 1 16,25 0-16,-1 24 0,1 0 16,-1 24-16,1-24 15,-1 49-15,-24-25 0,24 1 16,1-1-16,-25 25 15,24-25-15,-24 25 0,0-24 16,0-1-16,0 0 0,0 1 16,-24-25-16,24 24 15</inkml:trace>
-  <inkml:trace contextRef="#ctx0" brushRef="#br0" timeOffset="432">661 559 0,'-24'0'15,"0"0"-15,-1 0 0,1 0 16,-1 0 0,1 0-16,24 25 31,0-1-31,24 1 15,-24-1-15,25 0 16,-25 1-16,24-1 16,1-24-16,-25 25 0,24-1 15,0-24-15,1 0 16,-25 24-16,24-24 0,1 0 16,-25-24-16,24 24 15,-24-24-15,0-1 16,0 1-16,0-1 0,-24 1 15,24-25-15,-25 25 16,25-25-16,-24 24 0,24 1 16,-25 0-16,25-1 0,-24 25 15,0 0 1,24 25-16,0-1 16,24 0-1,-24 1-15,24-25 0</inkml:trace>
-  <inkml:trace contextRef="#ctx0" brushRef="#br0" timeOffset="1003">954 437 0,'-24'0'15,"0"-24"1,24 48-1,24 1 1,-24-1-16,0 0 16,24 1-16,1-1 15,-25 25-15,24-25 0,-24 25 16,25-24-16,-25-1 0,24-24 16,1 25-16,-1-1 15,0-24 1,-24-24-16,25 24 15,-25-25-15,0 1 0,24-1 16,-24 1-16,0-1 0,0 1 16,0-25-16,0 25 15,0-1-15,0 1 16,25 48 0,-25 1-1,24-25-15,-24 24 0,25 1 16,-25-1-16,24 25 15,0-49-15,1 24 0,-25 1 16,24-1-16,1-24 16,-1 0-16,0 0 15,1 0-15,-25-24 16,0-1-16,0 1 16,0-1-16,0 1 0,-25-25 15,25 25-15,-24-25 16,24 25-16,-24-1 0,24 1 15,-25-1-15,1 25 16</inkml:trace>
-  <inkml:trace contextRef="#ctx0" brushRef="#br0" timeOffset="1632">1687 462 0,'-24'0'15,"-1"0"1,25-25-16,-24 25 16,48 0 15,-24 25-31,25-25 0,-25 24 15,24 0-15,1 1 16,-1-1-16,-24 1 0,24-1 16,-24 0-16,0 1 15,0-1-15,25-24 0,-25 25 16,0-50 15,0 1-15,0-1-16,0 1 15,0 0-15,0-25 0,0 24 16,0 1-16,0 0 0,24-1 16,-24 1-16,25 24 15,-1 0-15,-24 24 16,25 1-16,-25-1 16,0 0-16,24 1 0,-24 24 15,0-25-15,0 0 0,0 1 16,0-1-1,24-24-15,-24-24 16,0-1 0,25 1-16,-25 0 15,0-1-15,24 1 0,-24-25 16,25 25-16,-1-1 16,-24 1-16,24 24 0,1-25 15,-1 50-15,1-25 16,-1 24-16,-24 1 15,25 23-15,-25-23 0,0-1 16,0 25-16,0-25 16,0 1-16,0-1 15,24-24-15</inkml:trace>
-  <inkml:trace contextRef="#ctx0" brushRef="#br0" timeOffset="2672">2444 413 0,'0'-25'15,"25"25"1,-25-24-16,0-1 16,0 1-16,-25 24 15,1 0 1,-1 0-16,1 0 15,0 0-15,-1 24 16,1-24-16,-1 25 0,1-25 16,24 24-16,-25 1 0,25-1 15,0 1-15,0-1 16,0 0-16,25 1 0,-25-1 16,24 1-16,1-1 15,-1-24-15,-24 24 0,25-24 16,-1 0-16,0 0 0,1 0 15,-1-24-15,1 24 16,-25-24-16,24-1 0,-24 1 16,25-1-16,-25-23 15,0 23-15,0-24 0,0 25 16,0-1-16,0 1 0,0 48 31,0 1-15,0-1-16,0 1 0,0-1 15,0 1-15,24-1 16,-24 0-16,0 1 16,24-25-16,1 0 15,-1 0-15,1 0 16,-25-25-16,24 25 0,1-24 16,-1 0-16,-24-1 15,24 1-15,-24-1 0,0 1 16,0-1-16,0 1 15,0 0-15,0-1 16,-24 25-16,24 25 16,0-1-1,0 0-15,0 1 16,24-1-16,-24 1 16,25-1-16,-1 1 0,-24-1 15,49 0-15,-25-24 0,1 25 16,24-25-16,-25 0 15,1 0-15,-1 0 0,0 0 16,1-25-16,-1 25 16,-24-24-16,0 0 0,0-1 15,0 1-15,0-1 0,0 1 16,-24-1-16,-1 1 16,1 24-16,0 0 15,24 24 1,0 1-16,0-1 15,0 1-15,24 24 0,0-1 16,-24 1-16,25 0 16,-1 0-16,1 0 0,-1 0 15,-24-1-15,25-23 16,-25 24-16,0-25 0,-25 1 16,1-1-16,-1-24 15,-24 0-15,25-24 16,0 24-16,-25-25 0,24 1 15,1-25-15,24 24 16,-25-23-16,25 23 0,0 1 16,0-1-16,25 1 0,-1-1 15,1 1-15,-1 24 16,1 0-16,-1-24 0,0 24 16,1 0-16,24-25 15</inkml:trace>
-  <inkml:trace contextRef="#ctx0" brushRef="#br0" timeOffset="2963">3299 70 0,'0'-25'0,"0"1"16,0 0-1,0 48 17,0 0-17,24 25-15,-24 0 0,25 0 16,-25 0-16,0 0 0,24 24 16,-24-24-16,0 0 15,25-1-15,-25 1 0,0-24 16,0-1-16,0 0 15,0 1-15</inkml:trace>
-  <inkml:trace contextRef="#ctx0" brushRef="#br0" timeOffset="3552">3665 364 0,'-24'24'0,"0"-24"16,-1 0-16,50 0 31,-1 0-15,0 25-16,1-25 15,-25 24 1,24-24-16,1 0 0,-1 0 15,1 0 1,-1-24 0,-24-1-1,0 1 1,0-1-16,0 1 0,-24 24 16,24-24-16,0-1 0,-25 1 15,1 24-15,24-25 16,-25 25-16,1 0 0,-1 0 15,25 25 1,-24-25-16,24 24 0,0 1 16,0-1-16,0 0 15,0 1-15,0-1 16,0 1-16,0-1 0,0 1 16,0-1-16,0 0 15,24 1-15,1-1 16,-25 1-16,24-25 0,1 24 15,-1-24 1,1 24-16,-1-24 0,0 0 16,1 0-16,-1 0 15,-24 25-15,25-25 16,-25-25 0,0 1-1</inkml:trace>
-  <inkml:trace contextRef="#ctx0" brushRef="#br0" timeOffset="4247">4227 388 0,'0'-24'47,"25"24"-47,-25-25 16,0 1 0,0 0-16,0-1 15,-25 1-15,1 24 16,-1 0-16,1 0 15,-1 0 1,1 24-16,0 1 0,24-1 16,-25 0-16,1 25 0,24-24 15,-25-1-15,25 25 16,0-25-16,25 1 0,-1-1 16,-24 1-16,25-25 15,-1 24-15,0-24 0,1 0 16,-1 0-16,1 0 15,-1-24-15,-24-1 0,25 1 16,-25-1-16,0 1 16,0-49-1,0 48-15,0 1 0,0-1 16,0 1-16,0 48 31,24 1-31,-24-1 16,24 1-16,-24-1 0,25 25 15,-25-25-15,24 1 16,1-1-16,-25 1 0,24-1 16,1-24-16</inkml:trace>
-  <inkml:trace contextRef="#ctx0" brushRef="#br0" timeOffset="4626">4447 315 0,'0'-24'15,"-24"-1"-15,24 1 16,0-1-16,0 50 16,0-1-1,24 1-15,-24 23 16,24-23-16,1 24 0,-1-25 16,-24 25-16,25-25 15,-1 25-15,0-24 0,1-1 16,-25 1-16,24-1 15,1-24-15,-1 0 16,1 0-16,-25-24 16,0-1-16,0 1 15,0-1-15,0-24 0,-25 1 16,25 23-16,0-24 16,0 0-16,0 25 0,0-25 15,0 25-15,0-1 16,0 1-16,0 48 31,25-24-31,-25 25 16,24-25-16,-24 24 15</inkml:trace>
-  <inkml:trace contextRef="#ctx0" brushRef="#br0" timeOffset="5102">4960 363 0,'-25'0'16,"50"0"15,-1 0-16,1 0 1,-1 0-16,1 0 16,-1 0-16,0 0 15,1-25 1,-1 1 0,-24 0-1,0-1-15,-24 25 0,24-24 16,-25-1-16,1 25 0,0-24 15,-1 24 1,1 0-16,-1 0 0,1 24 16,-1 1-16,25-1 0,-24 25 15,24 0-15,0-25 16,24 25-16,1 0 0,-1-25 16,1 25-16,-1-24 15,1-1-15,23 0 0,-23 1 16,-1-1-16,1-24 15,24 0-15,-25-24 0,0-1 16,1 1-16</inkml:trace>
-  <inkml:trace contextRef="#ctx0" brushRef="#br0" timeOffset="5407">5693 291 0,'-25'24'16,"1"-24"-16,24 24 16,-25-24-16,50 0 15,-1 0 1,1 0-16,23 0 15,1 0-15,-24 0 0,23 0 16,-23 0-16,-1 0 16,1 0-16,-25-24 47</inkml:trace>
+  <inkml:trace contextRef="#ctx0" brushRef="#br0">233 63 0,'-21'0'16,"21"-21"-16,-21 21 15,0 0 1,0 0-16,0-21 16,-1 21-1,1 0-15,0 0 16,0 0 0,0 0-16,-1 0 15,44 0 16,-1 0-31,0 0 0,21 0 16,-20 0-16,20 0 16,21 21-16,-20-21 0,-1 0 15,0 0-15,1 0 0,-1 0 16,-21 0-16,0 0 16,0 0-16,1 0 0,-22-21 15,-22 21 1,1 0-1</inkml:trace>
+  <inkml:trace contextRef="#ctx0" brushRef="#br0" timeOffset="204">297 0 0,'-21'0'0,"0"0"0,-1 21 16,1-21-1,21 21-15,-21 0 16,21 0-16,0 0 15,0 0-15,0 1 0,0 20 16,0-21-16,0 0 16,0 22-16,0-22 0,0 0 15,0 0-15,0 0 16,0 0-16,21 1 0</inkml:trace>
+  <inkml:trace contextRef="#ctx0" brushRef="#br0" timeOffset="774">572 105 0,'21'0'16,"-21"22"15,0-1-31,0 0 16,0 0-16,0 0 15,0 0-15,0 0 0,0 1 16,0-1-16,-21 21 0,21-21 16,0 1-16,0-1 15,0 0-15,0 0 16,0-42 31,0 0-32,0 0-15,0-1 0,0 1 16,21-21-16,-21 21 16,0-22-16,21 1 0,-21 0 15,0 21-15,22-22 0,-1 22 16,-21 0-16,21 0 15,0 21-15,0 0 16,0 0-16,0 0 0,1 21 16,-1-21-16,-21 21 15,21 0-15,-21 0 0,21 1 16,-21-1-16,-21 0 16,0 0-16,0 0 15,-22-21-15,22 21 0,-21-21 16,0 0-16,-1 21 15,22-21-15,0 0 0,0 0 16,-1 0-16</inkml:trace>
 </inkml:ink>
 </file>
 
@@ -258,7 +619,7 @@
           <inkml:channelProperty channel="T" name="resolution" value="1" units="1/dev"/>
         </inkml:channelProperties>
       </inkml:inkSource>
-      <inkml:timestamp xml:id="ts0" timeString="2020-10-18T02:47:16.104"/>
+      <inkml:timestamp xml:id="ts0" timeString="2020-12-17T06:26:47.836"/>
     </inkml:context>
     <inkml:brush xml:id="br0">
       <inkml:brushProperty name="width" value="0.05" units="cm"/>
@@ -266,24 +627,22 @@
       <inkml:brushProperty name="fitToCurve" value="1"/>
     </inkml:brush>
   </inkml:definitions>
-  <inkml:trace contextRef="#ctx0" brushRef="#br0">318 202 0,'0'-24'15,"24"24"1,1 0 0,-25-25-1,24 1 1,-24-1 15,0 1-15,-24 24-16,24-24 15,-25 24-15,-24 0 16,25 0-16,-1 0 0,1 0 16,-25 0-16,25 0 0,-1 0 15,-23 0-15,23 24 16,25 0-16,-24 1 0,-1-1 16,25 1-16,0-1 15,0 1-15,25-1 0,-25 0 16,24 1-16,1-1 15,-1-24-15,0 25 0,1-25 16,-1 0-16,1 0 0,-1 0 16,0 0-16,1 0 15,-1 0-15,1-25 0,-1 1 16,-24-1 0,25 1-16,-25 0 15,0-25-15,0 24 0,0 1 16,0-1-16,24 1 15,-24 0-15,24 24 16,-24 24-16,25 0 16,-25 1-16,0-1 15,24 25-15,-24-24 0,0 23 16,25 1-16,-25-24 16,24 23-16,1 1 0,-25-24 15,24 24-15,-24-25 0,24 25 16,-24-25-16,0 1 15,25-1-15,-25 1 16,0-1-16,0 0 0,0 1 16,-25-25-1,1 0 1,0 0-16,-1 0 16,1-25-16,-25 25 0,24 0 15,1 0-15,-25 0 16,25 0-16,-1 0 0,-24 25 15,25-25-15,0 0 0,-1 0 16,25 24-16,-24-24 16,24 25-1,24-25 1</inkml:trace>
-  <inkml:trace contextRef="#ctx0" brushRef="#br0" timeOffset="738">1124 373 0,'0'-24'0,"0"-1"0,0 1 16,-25 24-16,25-25 15,0 1-15,-24 24 16,24-24-16,-25-1 16,25 1-1,-24 24-15,24-25 0,-24 25 16,24-24-16,-25 24 0,1 0 16,-1 0-16,1 0 15,-1 0-15,1 0 16,24 24-16,-24-24 15,24 25-15,0-1 0,-25 1 16,25-1-16,0 0 0,25 1 16,-25-1-16,24 1 15,0-25-15,-24 24 0,25-24 16,-1 0-16,1 0 0,-1 0 16,1 0-16,-1 0 15,-24-24-15,24-1 0,1 25 16,-25-24-16,0-1 15,24 1-15,-24 0 0,0-1 16,0 1-16,0 48 47,0 1-47,25-1 16,-25 0-16,0 25 0,24-24 15,-24 23-15,0-23 0,0 24 16,25-25-16,-25 25 15,0-25-15,0 1 0,24-1 16,-24 1-16,0-1 16,24-24-16,-24 25 0,-24-1 15,0-24 1,-1 0-16,1 0 16,-1 0-16,-24 0 15,25 0-15,0 0 16,-1 0-16,1 0 15,-1 0-15,25 24 32</inkml:trace>
-  <inkml:trace contextRef="#ctx0" brushRef="#br0" timeOffset="1403">1490 397 0,'-24'0'15,"24"-24"1,0 0 0,0-1-1,0 1 1,24-1-16,-24 1 16,24-1-1,-24 1-15,25 24 0,-1-24 16,1 24-1,-1 0-15,1-25 0,-1 25 16,0 0-16,1 25 0,-25-1 16,24-24-16,-24 24 15,0 25-15,0-24 0,0 24 16,0-25-16,0 25 0,-24 0 16,24-25-16,-25 25 15,25 0-15,-24-25 0,0 1 16,-1-1-16,1 1 15,-1-1-15,1-24 0,24 24 16,-25-24-16,25 25 0,-24-25 16,48 0-1,1 0 1,-1-25-16,25 25 16,-24-24-16,23 24 0,-23 0 15,24-24-15,0 24 0,-25 0 16,25 0-16,-25 0 15,1 0-15,-1 0 0,1 0 16,-1 24-16,0-24 16,-24 24-1,25-48 32</inkml:trace>
-  <inkml:trace contextRef="#ctx0" brushRef="#br0" timeOffset="2045">2394 153 0,'0'-24'0,"-25"24"16,50 0 46,-25 24-62,24-24 0,-24 25 16,25-1-16,-1 0 15,0 25-15,1-24 0,-1-1 16,25 25-16,-24-25 0,23 25 16,-23-24-16,24 24 15,-25-25-15,1 0 0,23 1 16,-48-1-16,25-24 16,-1 25-16</inkml:trace>
-  <inkml:trace contextRef="#ctx0" brushRef="#br0" timeOffset="2400">2833 80 0,'0'-24'16,"-24"24"-16,0 24 31,-1 0-15,25 1-16,0-1 0,-24 1 16,24-1-16,-25 0 0,25 25 15,-24-24-15,24-1 16,-25 25-16,25-25 0,-24 25 15,24 0-15,0-24 16,-24 23-16,24-23 0,0-1 16,-25 1-16,25-1 0,0 1 15,0-1-15,-24 0 16,24 1 0,0-50-1</inkml:trace>
-  <inkml:trace contextRef="#ctx0" brushRef="#br0" timeOffset="2982">3322 104 0,'-25'0'15,"25"-24"-15,0 0 16,0 48 31,0 0-32,25 25-15,-25-24 16,24-1-16,-24 25 16,0 0-16,25 0 0,-25-25 15,0 25-15,24 0 16,-24-25-16,0 25 0,0-25 15,25 1-15,-25-1 16,0 1-16,0-1 0,24-24 16,0 0-16,1-24 15</inkml:trace>
-  <inkml:trace contextRef="#ctx0" brushRef="#br0" timeOffset="3473">3786 129 0,'0'-25'16,"0"1"-1,-25 24 1,25 24-1,-24 1 1,0-1-16,24 1 16,0-1-16,-25 25 0,25-25 15,0 25-15,0 0 16,0-25-16,25 25 0,-25-24 16,24-1-16,-24 1 15,24-1-15,1 0 0,-1 1 16,1-25-16,-1 0 0,1 0 15,-1 0-15,0 0 16,1-25-16,-1 1 16,-24 0-16,25-1 15,-25-24-15,0 25 0,0-25 16,0 0-16,-25 0 16,25 0-16,-24 25 0,-1-25 15,1 25-15,0-1 0,-1 25 16,1-24-16,-1 24 15,1 0-15,-1 24 0,25 1 16,-24-25-16,24 24 0,0 1 16,0-1-16</inkml:trace>
-  <inkml:trace contextRef="#ctx0" brushRef="#br0" timeOffset="3826">4323 397 0,'-24'0'16,"48"0"15,-24 25-16,25-1 1,-25 1 0,0-50 15,0 1-15,24 24-1,0 0 16</inkml:trace>
-  <inkml:trace contextRef="#ctx0" brushRef="#br0" timeOffset="4332">4958 31 0,'-24'0'16,"-1"0"-16,1 0 0,-1 0 16,25-24-16,-24 24 15,0 0-15,-1 24 16,1 1-16,24-1 15,-25 0-15,25 1 16,0 24-16,0-25 0,0 25 16,0 0-16,0 0 15,0-1-15,0 1 0,25 0 16,-1-24-16,-24-1 0,25 0 16,-1 1-16,0-1 15,1-24-15,24 0 0,-25 0 16,1 0-16,-1 0 15,0-24-15,1-1 16,-25 1-16,0 0 0,0-25 16,0 24-16,0 1 15,0-1-15,-25 1 0,25 0 16,-24 24-16,0 0 16,-1 0-16,25 24 15,-24 0-15,-1 1 0,25-1 16,-24 1-1,24-1-15,0 1 0,24-25 16,1 0 0</inkml:trace>
-  <inkml:trace contextRef="#ctx0" brushRef="#br0" timeOffset="4800">5349 227 0,'-25'-25'0,"1"1"15,24-1-15,0 1 16,0-1-16,0 1 16,0 0-16,24 24 0,1-25 15,-1 25 1,1 0-16,-1 0 15,-24 25-15,25-25 16,-1 24-16,-24 0 0,24 25 16,-24-24-16,0 24 0,0-1 15,0-23-15,0 24 16,-24-25-16,0 25 0,-1-25 16,1 1-16,-1-1 15,1-24-15,24 25 0,-25-25 16,1 24-16,48-24 31,1 0-31,-1 0 16,25 24-16,-24-24 15,23 0-15,1 0 0,-24 0 16,24 0-16,-25 0 0,0 0 16,1 0-16,-1 0 15,1 0-15,-25-24 0,24 24 16,-24-24-1</inkml:trace>
-  <inkml:trace contextRef="#ctx0" brushRef="#br0" timeOffset="5543">6253 80 0,'0'-24'16,"0"-1"-1,-25 25 1,1-24 0,-1 24-16,1 0 15,-25 0-15,25 0 0,-1 0 16,1 24-16,-1-24 15,1 0-15,0 0 0,-1 0 16,1 0-16,-1 0 16,25 25 15,25-25-15,-25 24-1,0 0 1,0 1-16,0-1 0,24 1 15,-24 23-15,0-23 0,0-1 16,0 1-16,0-1 16,25 1-16,-25-1 15,0 0 1,24-24-16,0 0 16,1 0-1,-1-24 1,1 24-16,-1-24 15,0-1 1,1 25-16,-1 0 0,1 0 16,-1-24-16,1 24 0,-1 0 15,0 0-15,1 24 16,-1-24-16,1 25 0,-1-25 16,1 24-16,-25 0 0,24 1 15,-24-1-15,24 25 16,-24-24-16,0-1 0,25 0 15,-25 1-15,0-1 16,0 1-16,0-1 16,-25-24-16,1 25 15,0-25-15,-25 24 16,-25-24 0,50 0-16,-25 0 0,25-24 15,-1 24-15,1-25 0,-1 25 16,25-24-16</inkml:trace>
-  <inkml:trace contextRef="#ctx0" brushRef="#br0" timeOffset="5832">6765 227 0,'-24'0'15,"24"-25"1,24 25 0,-24-24-16,25 24 15,-1 0-15,1 0 0,24 0 16,-25 0-16,0 0 15,1 0-15,-1 0 0,1 24 32</inkml:trace>
-  <inkml:trace contextRef="#ctx0" brushRef="#br0" timeOffset="6026">6839 446 0,'-25'25'0,"25"-1"15,25-24 1,-1 0 0,1 0-16,-1 0 15,0-24-15,1 24 16,-1 0-16,1 0 0,-1-25 16,1 25-16,-25-24 15</inkml:trace>
-  <inkml:trace contextRef="#ctx0" brushRef="#br0" timeOffset="6714">6765 80 0,'-24'0'0,"24"-24"0,0-1 31,24 25-15,1 0-16,-1 0 16,1 0-1,-1 25-15,1-1 16,-25 0-16,24 1 16,-24-1-16,0 1 0,0-1 15,0 1-15,-24-1 0,-1 0 16,1-24-1,-1 0-15,1 0 16,-1-24 0,1 0-16,0-1 15,24 1-15,-25 24 0,25-25 16,25 1-16,-25-1 16,24 1-16,0 0 0,1-1 15,-1 25-15,1-24 16,-1 24-16,1 0 0,-1 0 15,0 0-15,-24 24 16,0 1-16,0-1 16</inkml:trace>
-  <inkml:trace contextRef="#ctx0" brushRef="#br0" timeOffset="7014">7229 80 0,'25'-24'15,"-50"24"17,1 0-17,0 24-15,-1 0 0,1 1 16,-1-1-16,1 25 0,0 0 15,-1 0-15,25 0 16,-24-1-16,-1 1 0,25 0 16,-24 0-16,24-25 15,0 25-15,0-24 0,0-1 16,0 1-16,24-25 16</inkml:trace>
-  <inkml:trace contextRef="#ctx0" brushRef="#br0" timeOffset="7410">7449 446 0,'0'-24'0,"-24"24"15,24-25 1,24 25-1,1 25 1,-1-1-16,-24 1 16,0-1-16,0 1 15,0-1-15,0 0 0,-24 1 16,-1-25 0,1 0-16,-1 0 0,1 0 15,-25 0-15,25-25 16,-1 25-16,25-24 15,0 0-15,0-1 0,0 1 16,25-1-16,-1 1 16,1-1-16,-1 25 0,0-24 15,1 0-15,-1 24 0,1 0 16,-1 0 0,1 24-16,-25 0 15,24 1 1</inkml:trace>
-  <inkml:trace contextRef="#ctx0" brushRef="#br0" timeOffset="7656">8011 227 0,'0'-25'0,"-24"1"16,24-1-1,24 25-15,0 0 16,1 0-16,-1 0 16,1 0-16,-1 0 15,1 0-15</inkml:trace>
-  <inkml:trace contextRef="#ctx0" brushRef="#br0" timeOffset="7812">8011 397 0,'0'25'16,"24"-25"-1,1 0-15,-1 0 0,25 0 16,-24 0-16,23 0 15,1 0-15,0 0 0</inkml:trace>
+  <inkml:trace contextRef="#ctx0" brushRef="#br0">698 85 0,'0'-21'15,"0"-1"-15,0 1 16,21 21 0,0-21-1,1 21-15,-1 0 16,21 0-16,-21 0 16,22 21-16,-22-21 0,21 0 15,-21 0-15,22 21 16,-22-21-16,0 0 0,0 0 15,0 0-15</inkml:trace>
+  <inkml:trace contextRef="#ctx0" brushRef="#br0" timeOffset="229">804 42 0,'0'22'0,"-21"-22"15,21 21 1,0 0 0,0 0-16,0 0 0,0 0 15,0 0-15,0 1 16,0-1-16,0 0 0,0 0 16,0 0-16,0 1 0,0-1 15,0 0-15,21-21 16,-21 21-16</inkml:trace>
+  <inkml:trace contextRef="#ctx0" brushRef="#br0" timeOffset="865">1143 148 0,'0'-21'0,"0"42"47,0 0-32,-22 0-15,22 1 0,-21-1 16,21 21-16,-21-21 0,21 1 16,-21-1-16,21 0 15,0 0-15,0 0 0,-21-21 16,21 21-1,21-42 1,-21 0-16,21 21 16,-21-21-16,21 0 15,-21 0-15,21-1 0,1-20 16,-22 21-16,21 0 16,0-1-16,0 1 0,-21 0 15,21 0-15,1 21 0,-22-21 16,21 21-16,0 21 15,0-21-15,-21 21 16,21 0-16,-21 0 16,21-21-16,0 22 0,-21-1 15,22 0-15,-1 0 16,0 0-16,0-21 16,0 0-16,1 0 15,-1 0-15,-21-21 16,21 0-16,-21 0 15,21 21-15,-21-21 0,0-22 16,21 22-16,-21 0 16,0 0-16,21 0 0,-21 0 15,0-1-15,0 1 0,0 0 16,0 42 15,0 0-31,0 1 16,0-1-16,0 0 15</inkml:trace>
+  <inkml:trace contextRef="#ctx0" brushRef="#br0" timeOffset="1296">63 698 0,'-21'22'15,"0"-22"-15,0-22 16,42 1-16,0 21 15,0-21-15,22 21 16,-1 0-16,42-21 0,1 21 16,0-21-16,42 21 15,-21-21-15,42 21 0,-21-21 16,21 21-16,0 0 0,0 0 16,0 0-16,1-22 15,-1 22-15,-21 0 0,0 0 16,-21 0-16,21 0 15,-43 22-15,1-22 0,-22 0 16,1 0-16,-43 0 0,0 0 16,-21 21-16,-21-21 15,0 0-15</inkml:trace>
+  <inkml:trace contextRef="#ctx0" brushRef="#br0" timeOffset="1867">254 931 0,'-21'22'46,"-1"-1"-30,22 0-16,-21 0 0,0 0 16,0 21-16,0 1 0,21-22 15,-22 21-15,1 1 16,21-1-16,0 0 0,0-21 16,0 22-16,0-22 15,43 0-15,-22 0 0,0 1 16,21-1-16,1-21 0,-1 0 15</inkml:trace>
+  <inkml:trace contextRef="#ctx0" brushRef="#br0" timeOffset="2774">529 1079 0,'-21'0'31,"21"-22"0,21 22 16,0 0-31,0 0-16,0 0 15,0 0-15,1 0 16,-1 0 15,-21-21 16,-21 21-31,-1 0 15,22 21-15,0 1 15,-21-1-31,21 0 0,0 0 15,0 21-15,0-21 16,0 1-16,21 20 0,-21-21 16,22 0-16,-22 1 0,0-1 15,0 0-15,21 0 16,-21 0-16,0-42 31,0 0-15,0 0-16,0 0 15,0-22-15,-21 22 16,21-21-16,0 20 0,0-20 16,0 0-16,0 0 15,0 20-15,0-20 0,0 21 16,0 0-16,21-1 0,0 22 16,0-21-16,0 21 15,22 0-15,-22 21 16,0-21-16,0 22 0,21-22 15,-20 0-15,-1 21 16,0-21-16,-21 21 0,21-21 16</inkml:trace>
+  <inkml:trace contextRef="#ctx0" brushRef="#br0" timeOffset="2958">677 1185 0,'-21'0'0,"0"22"15,42-22 32,0 0-31,0 0-16,22 0 16,-22 0-16,21 0 0,-21-22 15</inkml:trace>
+  <inkml:trace contextRef="#ctx0" brushRef="#br0" timeOffset="3583">994 1080 0,'0'-22'0,"22"22"16,-22-21 0,0 42-1,0 1 1,0-1-16,0 0 15,0 0-15,0 0 16,-22 0-16,22 22 0,-21-22 16,21 0-16,0 0 0,-21 0 15,21 1-15,0-1 16,0 0-16,21-42 47,0 0-32,1-1-15,-1 1 16,-21-21-16,21 21 0,0-1 16,0-20-16,1 21 0,-22 0 15,21 0-15,0 21 16,0 0 0,0 21-1,-21 0-15,21 0 16,-21 0-16,21 0 0,-21 1 15,0-1-15,22-21 16,-22 21-16,21 0 0,0-21 16,-21 21-1,21-21-15,0 0 16,1-21-16,-22 0 16,21 0-16,0-22 15,-21 22-15,0 0 16,21 0-16,-21-21 15,0 21-15,0-1 0,0 1 16,0 0 0,0 42-1,0 0 1,21 1 0,-21-1-1</inkml:trace>
+  <inkml:trace contextRef="#ctx0" brushRef="#br0" timeOffset="3882">1693 1291 0,'-21'0'15,"42"-21"1,0 21 0,0-21-1,0 21 1,1 0-16,-1 0 0,0 0 16,0-21-16,0 21 0,1 0 15,-1 0-15,0 0 16,0 0-16,-21-21 15</inkml:trace>
+  <inkml:trace contextRef="#ctx0" brushRef="#br0" timeOffset="4092">1820 1101 0,'0'-21'0,"-21"-1"16,21 44 15,0-1-31,0 0 15,0 0 1,0 21-16,21-21 0,-21 1 16,0-1-16,0 21 0,0-21 15,0 1-15,0-1 16,0 0-16,0 0 0,0 0 16,0 0-16,21 0 15</inkml:trace>
+  <inkml:trace contextRef="#ctx0" brushRef="#br0" timeOffset="4417">2222 1101 0,'-21'0'0,"0"0"16,21-21-16,-21 21 15,21-22 1,21 22 0,0 0-16,21 0 15,-20 0-15,20 0 0,0 0 16,-21 0-16,22 0 15,-1 22-15,0-22 0,-20 0 16,-1 0-16,0 0 16,-42 0-1</inkml:trace>
+  <inkml:trace contextRef="#ctx0" brushRef="#br0" timeOffset="4615">2328 1101 0,'-21'0'15,"21"21"-15,0 0 16,-21-21-16,21 21 16,0 0-16,0 1 0,0-1 15,0 0-15,21 0 0,-21 0 16,0 0-16,0 0 16,21 1-16,-21-1 15,21 0-15,-21 0 16,21-21-16</inkml:trace>
+  <inkml:trace contextRef="#ctx0" brushRef="#br0" timeOffset="5274">2730 1080 0,'0'21'31,"0"0"-15,0 0-16,0 0 15,-21 0-15,21 0 16,0 1-16,-21-1 0,21 21 16,-21-21-16,21 1 15,0-1-15,0 0 0,0 0 16,0 0-16,0 0 15,21-21 17,-21-21-32,0 0 0,21 21 15,-21-21-15,0 0 0,0 0 16,0-1-16,0 1 0,0 0 16,0 0-16,21 0 15,-21-1-15,0 1 0,0 0 16,0 0-16,21 21 31,-21 21-15,22 0-16,-22 0 15,21 1-15,-21-1 0,21 0 16,0 0-16,0 0 16,0-21-16,0 22 0,1-22 15,-1 21-15,0-21 16,0-21-1,0-1-15,-21 1 16,22 0 0,-22 0-16,0-22 0,0 22 15,0 0-15,0-21 0,0 21 16,0 0-16,0-1 16,0 1-16,0 0 0,0 42 31,0 0-31,0 1 15,0-1-15,0 0 16,0 0-16,21 0 16,-21 0-16</inkml:trace>
+  <inkml:trace contextRef="#ctx0" brushRef="#br0" timeOffset="5532">3281 868 0,'0'-21'0,"0"-1"15,21 22-15,0 0 16,-21 22-16,21 20 16,0-21-16,0 43 0,0-22 15,-21 21-15,22 1 16,-22-22-16,0 22 0,0-22 15,0 22-15,-22-22 16,1 0-16,0-20 0,-21-1 16,-22 0-16,22 0 0</inkml:trace>
+  <inkml:trace contextRef="#ctx0" brushRef="#br0" timeOffset="5960">3196 254 0,'-21'0'16,"21"-21"-16,0 0 0,0 0 15,21 21 1,0 0 0,0 0-16,0 21 15</inkml:trace>
+  <inkml:trace contextRef="#ctx0" brushRef="#br0" timeOffset="6114">3132 466 0,'-21'0'0,"42"0"16,0 0-1,1-21-15,20 21 16,0 0-16,1-22 0,-1 22 15</inkml:trace>
 </inkml:ink>
 </file>
 
@@ -303,7 +662,7 @@
           <inkml:channelProperty channel="T" name="resolution" value="1" units="1/dev"/>
         </inkml:channelProperties>
       </inkml:inkSource>
-      <inkml:timestamp xml:id="ts0" timeString="2020-10-18T02:47:36.282"/>
+      <inkml:timestamp xml:id="ts0" timeString="2020-12-17T06:26:57.685"/>
     </inkml:context>
     <inkml:brush xml:id="br0">
       <inkml:brushProperty name="width" value="0.05" units="cm"/>
@@ -311,9 +670,14 @@
       <inkml:brushProperty name="fitToCurve" value="1"/>
     </inkml:brush>
   </inkml:definitions>
-  <inkml:trace contextRef="#ctx0" brushRef="#br0">15 0 0,'0'25'172,"0"-1"-156,0 0-1,0 1-15,0-1 16,0 25-16,0-24 0,0 23 16,0-23-16,0 24 0,0-25 15,0 25-15,0 0 16,0-25-16,0 25 0,0-25 16,0 1-16,0-1 15,0 1-15,0-1 0,0 1 16,24-25-16</inkml:trace>
-  <inkml:trace contextRef="#ctx0" brushRef="#br0" timeOffset="583">454 147 0,'-24'0'16,"24"-25"-1,-25 25 1,25 25 0,0-1-1,-24-24 1,24 25-16,-25-1 16,25 0-16,-24 1 0,24-1 15,0 25-15,0 0 0,0-25 16,0 25-16,0-24 15,24-1-15,1 0 0,-1 1 16,1-1-16,-1-24 16,1 0-16,-1 0 0,25 0 15,-25 0-15,1-24 0,24-1 16,-25 1-16,-24 0 16,24-25-16,1 24 0,-25-24 15,0 25-15,0 0 16,-25-25-16,25 24 0,-24 1 15,0 0-15,-1-1 0,-24 25 16,25-24-16,-1 24 16,1-25-16,0 25 0,-1 0 15,1 0-15,24 25 16,0-1-16</inkml:trace>
-  <inkml:trace contextRef="#ctx0" brushRef="#br0" timeOffset="1358">1333 122 0,'0'-24'0,"0"-1"16,-24 1-1,0 24 1,-1 0 0,1-24-16,-1 24 15,1 0-15,-1 0 0,1 0 16,-25 0-16,25 24 0,-1-24 15,1 0 1,-1 0-16,1 0 16,24 24 15,-24-24-31,24 25 16,-25-25-1,25 24-15,-24 1 16,24-1-1,0 1 1,0-1-16,0 0 0,24 1 16,-24-1-1,0 1-15,25-1 16,-25 1 0,24-50 46,0 25-46,1-24-16,-1 24 15,1-25-15,-1 25 0,1 0 16,-1 0-16,0 0 16,1 0-16,-1 25 0,1-25 15,-25 24-15,24 1 16,-24-1-16,25 0 0,-25 1 15,0-1-15,0 1 0,0-1 16,0 0-16,-25 1 16,1-1-16,-1-24 15,1 25-15,-25-25 16,25 0-16,-1 24 0,1-24 16,-1 0-16,-24 0 0,25-24 15,0 24 1</inkml:trace>
+  <inkml:trace contextRef="#ctx0" brushRef="#br0">106 235 0,'0'-21'0,"-21"-1"15,0 22-15,21-21 16,-22 21 0,22 21 15,0 1-31,0 20 16,0-21-16,0 21 0,0 1 15,0-22-15,0 21 16,0 1-16,0-1 0,0 0 15,0 0-15,0-20 16,0-1-16,0 0 0,0 21 16,0-20-16,0-1 15,0-42 17,0-1-17,22 1-15,-22-21 0,0 21 16,0-22-16,0-20 0,0 21 15,0-22-15,0 0 16,-22 1-16,22 0 0,0 20 16,0 1-16,0-1 15,0 22-15,0-21 0,0 21 16,22 21-16,-1 0 16,21 0-1,-21 0-15,0 21 0,0 0 16,1 0-16,20-21 0,-42 21 15,21 1-15,-21-1 16,0 0-16,0 21 0,-21-20 16,0-1-16,0 0 15,-22 0-15,22 0 0,0 0 16,-21-21-16,21 21 16,-1-21-16,1 22 0,0-22 15</inkml:trace>
+  <inkml:trace contextRef="#ctx0" brushRef="#br0" timeOffset="421">296 424 0,'22'0'0,"-22"-21"16,21 21-16,0 0 15,0 0-15,0 0 16,0 0-16,0 0 16,1 21-16,-1 0 0,-21 0 15,21 1-15,0-1 0,-21 21 16,0-21-16,0 1 16,0 20-16,0-21 0,0 0 15,0 0-15,-21-21 16,21 21-16,-21-21 0,0 0 15,21-21 1,0 0 0,0 0-16,0 0 0,0 0 15,21-22-15,-21 22 16,21-21-16,0 21 0,0-22 16,1 22-16,-1-21 0,0 21 15,0 0-15,0 21 16,0 0-16,0 0 15,1 21-15,-1 0 16,0-21-16,0 21 0,0 0 16</inkml:trace>
+  <inkml:trace contextRef="#ctx0" brushRef="#br0" timeOffset="1346">889 489 0,'-21'0'15,"21"21"1,21-21 15,0 0-15,0 0-16,0 21 16,1-21-16,-1 0 15,0 0-15,0 0 0,0-21 16,1 21-1,-1-21-15,-21 0 16,0-1-16,0 1 16,0 0-16,-21 0 15,-1 21-15,1-21 0,0-1 16,0 22-16,0 0 16,-1 0-16,1 0 0,0 22 15,0-1-15,0 0 0,0 0 16,0 0-16,21 22 15,-22-22-15,22 21 0,0 0 16,0-20-16,22-1 0,-1 21 16,-21-21-16,21 1 15,0-22-15,21 21 0,-21-21 16,1 21-16,20-21 16,0 0-16,-20 0 0,20-21 15,0 0-15,-21 21 0,22-22 16,-22 1-16,21 0 15,-42-21-15,21 20 0,1 1 16,-1 0-16,0 0 16,-21 0-16,21 0 0,-21 0 15,21-1-15,-21 1 0,21 0 16,-21 0 0,0 0-16,-21 21 31,0 0-16,0 21-15,0-21 0,21 21 16,-21 0-16,-1 0 16,1 1-16,21 20 0,0-21 15,-21 0-15,21 0 16,0 0-16,21 1 0,-21-1 16,21 0-16,1 0 0,-1-21 15,0 0-15,0 21 16,21-21-16,-21-21 0,1 21 15,20-21-15,-21 0 16,0 0-16,1-1 0,-1 1 16,0 0-16,-21-21 0,0 21 15,21-22-15,-21 22 16,0 0-16,0 0 0,0 0 16,0-1-16,0 44 15,0-1 1,0 21-16,0-21 15,0 22-15,0-22 16,0 21-16,0-21 0,0 22 16,0-22-16,0 0 15,0 0-15,0 0 16,21-21-16</inkml:trace>
+  <inkml:trace contextRef="#ctx0" brushRef="#br0" timeOffset="1513">1757 256 0,'0'-42'0,"0"20"15,0 1-15,-21 21 0,21-21 16,-22 42 0,22 0-1,0 1 1,0-1-16</inkml:trace>
+  <inkml:trace contextRef="#ctx0" brushRef="#br0" timeOffset="1940">2011 446 0,'21'0'16,"0"-21"-1,0 21 1,-21-21 0,0 0-1,-21 21 1,0 0-16,0 0 16,0 0-16,-1 21 15,1-21-15,0 21 16,0 0-16,21 0 15,0 1-15,21-1 16,0 0 0,0 0-16,1 0 0,-1 1 15,0-22-15,-21 21 16,21 0-16,-21 0 16,0 0-16,0 0 15,-21-21-15,0 21 16,0-21-16,-1 22 15,1-22-15,21-22 16,0 1 0,21 0-16,-21 0 15</inkml:trace>
+  <inkml:trace contextRef="#ctx0" brushRef="#br0" timeOffset="2179">2244 341 0,'21'-22'15,"0"1"-15,-21 0 16,21 21 0,-21 21-16,0 0 15,0 1-15,0-1 16,0 0-16,0 0 0,0 21 16,0-21-16,0 1 15,0-1-15,0 0 0,0 0 16,21 0-16,-21 1 0,0-1 15,0 0-15,0 0 16,0-42 0</inkml:trace>
+  <inkml:trace contextRef="#ctx0" brushRef="#br0" timeOffset="2354">2413 86 0,'0'-21'0,"-21"21"16,21-21-16,0 42 31,-21-21-31,21 21 16,0 1 0,0-1-16</inkml:trace>
+  <inkml:trace contextRef="#ctx0" brushRef="#br0" timeOffset="3205">2730 404 0,'-21'0'62,"21"21"-62,-21 0 16,21 1-16,-21-1 16,0 21-16,21-21 0,-21 0 15,21 22-15,0-22 16,0 0-16,21 0 16,-21 0-16,21-21 0,0 0 15,0 0-15,0 0 16,1-21-16,-1 21 0,-21-21 15,21 0-15,0 0 16,0-1-16,-21 1 0,0 0 16,0 0-16,0-21 0,0 21 15,-21-22-15,0 22 16,21 0-16,-21-22 0,0 43 16,-1-21-16,22 0 15,-21 21-15,0 0 0,0 21 16,21 0-16,0 1 15,-21-1-15,21 0 16,0 0-16,0 0 0,21 1 16,-21-1-1,21-21-15,-21 21 0,21-21 16,0 0-16,1 0 16,-1 0-16,0-21 15,0 21-15,-21-21 0,21-1 16,1 22-16,-1-21 15,0 0-15,0 0 0,0 0 16,0-1-16,0 1 0,22 0 16,-22 21-16,0 0 15,0 0-15,1 21 16,-1 0-16,-21 1 0,0-1 16,21 0-16,-21 21 15,0-20-15,0-1 0,0 0 16,0 0-16,0 0 15,21 0-15,-21 0 16,21-21 15,-21-21-31,21 0 16,0 0 0,1 0-16,-1-21 0,0 20 15,0 1-15,22 0 0,-22 0 16,0 0-16,0-1 15,0 22-15,0 22 16,-21-1-16,21 21 16,-21-21-16,22 22 0,-22-1 15,0 0-15,0 1 0,0-22 16</inkml:trace>
 </inkml:ink>
 </file>
 
@@ -333,7 +697,7 @@
           <inkml:channelProperty channel="T" name="resolution" value="1" units="1/dev"/>
         </inkml:channelProperties>
       </inkml:inkSource>
-      <inkml:timestamp xml:id="ts0" timeString="2020-10-18T02:47:40.050"/>
+      <inkml:timestamp xml:id="ts0" timeString="2020-12-17T06:27:16.668"/>
     </inkml:context>
     <inkml:brush xml:id="br0">
       <inkml:brushProperty name="width" value="0.05" units="cm"/>
@@ -341,11 +705,9 @@
       <inkml:brushProperty name="fitToCurve" value="1"/>
     </inkml:brush>
   </inkml:definitions>
-  <inkml:trace contextRef="#ctx0" brushRef="#br0">74 73 0,'0'-24'16,"-25"0"-16,25-1 15,-24 25 1,0 25-1,24-1 1,0 0-16,0 25 16,0-24-16,0 24 0,0-1 15,0 1-15,0-24 16,0 24-16,0-1 0,0 1 16,0-24-16,24 24 15,-24-1-15,24-23 0,-24-1 16,0 1-16,0-1 0,0 0 15</inkml:trace>
-  <inkml:trace contextRef="#ctx0" brushRef="#br0" timeOffset="465">367 391 0,'-24'-24'0,"-1"24"16,1 0-1,48 0 17,1 24-17,-1-24-15,0 0 16,1 0-16,-1 0 15,25 0-15,-24 0 0,-1-24 16,0 24-16,1 0 0,-1 0 16,-24-25-16,0 1 15,0-1-15,-24 1 16,-1-1 0,-23 1-16,23 24 0,1-24 15,-25 24-15,24 0 0,1 0 16,0 0-16,-1 24 15,1 0-15,-1 1 0,25-1 16,-24 25-16,24 0 16,0-25-16,0 25 0,24 0 15,-24-25-15,25 25 0,-25-24 16,24-1-16,1 1 16,-1-1-16,0-24 0,25 0 15,0 0-15,-24 0 16</inkml:trace>
-  <inkml:trace contextRef="#ctx0" brushRef="#br0" timeOffset="967">978 391 0,'0'-24'15,"0"-1"1,0 1-1,0-1 1,0 1 0,-25-1-16,1 25 15,-1-24-15,1 24 16,-1 24-16,1-24 16,24 25-16,-24-1 15,-1 1-15,1-1 0,24 25 16,-25-25-16,25 1 0,0 24 15,0-25-15,0 1 16,0-1-16,25 0 0,-25 1 16,24-1-16,1-24 15,-1 0-15,0 0 16,1-24-16,-1-1 0,1 1 16,-25 0-1,24-1-15,-24 1 0,0-1 16,0 1-16,0-1 15,0 1-15,0 0 0,0 48 32,25-24-17,-25 24-15,0 1 0,0-1 16,24 25-16,-24-24 0,24-1 16,1 0-16,-25 1 15,24-1-15,1 1 0</inkml:trace>
-  <inkml:trace contextRef="#ctx0" brushRef="#br0" timeOffset="1389">1173 367 0,'0'-25'0,"0"1"15,-25-1-15,25 1 16,0 48-1,25-24-15,-25 25 16,24-1-16,-24 1 16,0-1-16,25 25 0,-25-25 15,24 1-15,1-1 0,-25 0 16,24 1-16,0-1 16,-24 1-16,25-25 0,-1 0 15,-24 24-15,25-24 16,-1-24-16,-24-1 15,0 1-15,25 24 16,-25-25-16,0 1 16,0 0-16,0-1 0,0 1 15,0-25-15,0 25 16,0-1-16,0 1 16,0-1-16,-25 50 31,25-1-31,0 1 15,25-1 1</inkml:trace>
-  <inkml:trace contextRef="#ctx0" brushRef="#br0" timeOffset="1867">1710 391 0,'25'0'94,"-1"0"-79,1 0 1,-1 0-16,0 0 15,1 0-15,-1 0 16,-24-24 0,25 24-16,-25-25 15,0 1-15,-25 24 16,25-25-16,-24 25 0,24-24 16,-25 24-16,25-25 15,-24 25-15,0 0 0,-1 0 16,1 0-16,-1 0 15,1 25-15,-1-25 0,1 24 16,0 1-16,-1 24 16,25-25-16,-24 25 0,24-25 15,0 25-15,24 0 0,-24-25 16,25 25-16,-1-24 16,25-1-16,-25-24 0,25 24 15,-24-24-15,23 0 0,-23 0 16,24 0-16,-25-24 15,0 0-15,1 24 0</inkml:trace>
+  <inkml:trace contextRef="#ctx0" brushRef="#br0">199 216 0,'0'-22'16,"0"1"-1,0 0 1,0 42 46,0 0-62,0 22 16,0-22-16,22 0 0,-22 22 16,0-1-16,0-21 15,0 21-15,21 1 0,-21-22 16,0 21-16,0-21 0,0 22 15,0-22-15,0 0 16,0 0-16,0 0 0,0 0 16,0 1-16,0-1 15,0 0-15,0 0 16</inkml:trace>
+  <inkml:trace contextRef="#ctx0" brushRef="#br0" timeOffset="504">178 131 0,'0'-21'32,"0"0"-1,0 42 0,-21 0-15,0 0-16,0 0 15,0 1 1,21-1-16,-22 0 0,1-21 16,21 21-16,-21 0 0,0-21 15,21 21 1,-21-21-1,42 0 17,-21-21-17,21 21 1,-21-21-16,0 0 16,21 21-16,-21-21 15</inkml:trace>
+  <inkml:trace contextRef="#ctx0" brushRef="#br0" timeOffset="924">115 25 0,'21'0'0,"0"-21"31,0 21 0,0 0-15,1 21 0,-1-21-1,-21 21-15,21-21 0,0 22 16,0-22-16,-21 21 0,21-21 16,0 21-16,-21 0 15,22-21-15,-22 21 0,21-21 16,-21 21-16,21-21 15,-21 21-15,0 1 16,21-22-16,-21 21 16,21-21 15</inkml:trace>
 </inkml:ink>
 </file>
 
@@ -365,7 +727,7 @@
           <inkml:channelProperty channel="T" name="resolution" value="1" units="1/dev"/>
         </inkml:channelProperties>
       </inkml:inkSource>
-      <inkml:timestamp xml:id="ts0" timeString="2020-10-18T02:47:38.548"/>
+      <inkml:timestamp xml:id="ts0" timeString="2020-12-17T06:27:51.702"/>
     </inkml:context>
     <inkml:brush xml:id="br0">
       <inkml:brushProperty name="width" value="0.05" units="cm"/>
@@ -373,11 +735,9 @@
       <inkml:brushProperty name="fitToCurve" value="1"/>
     </inkml:brush>
   </inkml:definitions>
-  <inkml:trace contextRef="#ctx0" brushRef="#br0">74 366 0,'0'-24'0,"0"-1"15,0 1-15,0 0 16,-25 24 31,25 24-32,0 0-15,-24 1 0,24 24 16,0-25-16,-24 25 16,24-25-16,0 25 0,0-24 15,0-1-15,24 0 0,-24 1 16,24-1-16,1-24 16,-25 25-16,24-25 0,1 0 15,-1 0-15,1-25 16,-1 1-16,0-1 15,-24 1-15,25 0 0,-1-1 16,-24 1-16,0-25 16,0 24-16,0 1 0,0 0 15,0-1-15,0 50 32,0-1-17,0 0-15,0 1 16,0-1-16,0 1 0,0-1 15,25 1-15,-25-1 0,24 0 16,0 1-16,1-25 16,-1 24-16,1-24 0,-1 0 15,1 0-15,-1 0 16,0 0-16,1 0 0,-1-24 16,1-1-16,-25 1 15,0 0-15,0-1 16,0 1-16,0-25 0,0 24 15,0 1-15,0 0 16,0-25-16,0 24 16,-25 25-1,25 25-15,0-1 16,0 25-16,0-25 16,0 1-16,25-1 15,-25 1-15,24-1 0,-24 1 16,25-25-16,-1 24 0,0-24 15,1 0-15,-1 0 16</inkml:trace>
-  <inkml:trace contextRef="#ctx0" brushRef="#br0" timeOffset="244">855 317 0,'-24'0'0,"24"25"31,0-1-15,0 1-1,0-1-15,0 0 0,0 1 16,0-1-16,0 1 16,24-1-16,-24 1 0,0-1 15,25 0-15,-25 1 16,24-25-1</inkml:trace>
-  <inkml:trace contextRef="#ctx0" brushRef="#br0" timeOffset="441">807 146 0,'-25'-24'16,"25"0"-16,-24-1 15,-1 1-15,25 48 47,25-24-47,-1 25 16,1-25 0</inkml:trace>
-  <inkml:trace contextRef="#ctx0" brushRef="#br0" timeOffset="705">1051 98 0,'0'-25'16,"0"50"15,0-1-31,24-24 0,-24 49 15,25-25-15,-1 1 16,-24 24-16,24-1 0,-24 1 16,25-24-16,-25 23 0,0 1 15,0-24-15,0-1 16,0 25-16,0-25 16,24-24-16</inkml:trace>
-  <inkml:trace contextRef="#ctx0" brushRef="#br0" timeOffset="1083">1393 98 0,'0'-25'0,"0"1"16,0-1-16,0 1 16,24 48 15,-24 25-16,0-24-15,24-1 0,-24 25 16,0-25-16,25 25 16,-25 0-16,0-25 0,24 25 15,-24-24-15,25 24 0,-25-25 16,0 0-16,0 1 16,24-1-16,-24 1 15</inkml:trace>
+  <inkml:trace contextRef="#ctx0" brushRef="#br0">402 191 0,'-21'-21'15,"21"-1"1,0 1 0,0 0 15,-21 21-15,21-21-1,-22 21 1,22-21-1,-21 21-15,21-21 16,0 0 0,-21 21-16,21-22 15,-21 22-15,0 0 32,21 22-17,0-1-15,0 0 16,-22 0-16,22 21 0,0 1 15,-21-1-15,21 0 16,0 22-16,0-1 0,0 1 16,-21-1-16,21 1 0,0-1 15,0 1-15,0-22 16,0 22-16,0-22 0,-21 21 16,21-41-16,0 20 15,0 0-15,0-20 0,-21-1 16,21 0-16</inkml:trace>
+  <inkml:trace contextRef="#ctx0" brushRef="#br0" timeOffset="1284">0 530 0,'-22'0'31,"44"0"-15,-1 0-16,0 0 16,21 0-1,-20 21-15,20-21 0,0 0 16,22 0-16,-22 0 0,22 0 16,-22 0-16,0 0 15,22 0-15,-22 0 0,0 0 16,-20 0-16,-1-21 15,21 21-15,-21-22 16,0 1-16,-21 0 16,0 0-16,0 0 15,-21-1-15,21 1 16,-21 0-16,0 21 16,0-21-16,0 21 0,-1 0 15,1 21-15,-21 0 16,21 0-16,-1 1 0,1-1 15,0 21-15,0-21 0,0 22 16,0-22-16,0 21 16,21-21-16,0 0 0,0 1 15,0-1-15,0 0 16,0 0-16,21 0 0,0-21 16,-21 22-16,21-22 0,0 0 15,21 0-15,-20 0 16,-1 0-16,0 0 0,0-22 15,22 22-15,-22-21 0,0 0 16,-21 0-16,21 0 16,0-22-16,-21 22 0,21 0 15,-21-21-15,0 21 16,0-1-16,21 1 16,-21 42-1,0 1 1,0-1-16,0 0 15,0 0-15,0 0 16,0 0-16,0 0 0,0 22 16,0-22-16,0 0 0,22 0 15,-22 1-15,0-1 16,21 0-16,0 0 16,0 0-16,0 0 15,1-21-15,-1 0 16,0 0-16,0 0 15,-21-21-15,21 0 16,0 0-16,0 0 0,-21-22 16,22 22-16,-22-21 15,21-1-15,-21 1 0,0-21 16,0 20-16,0 1 0,0-22 16,0 43-16,0-21 15,0 21-15,0 0 0,0 42 47,0 0-47,-21 0 16,21 0-16,0 22 15,0-22-15,0 21 0,0 1 16,0-1-16,0-21 0,0 21 16,21 1-16,-21-22 15,21 21-15,-21-21 0,21 1 16,0 20-16,1-42 15,-1 21-15,0 0 0,0-21 16,0 21-16,0-21 16,0 0-16,1 0 0,-1 0 15,0-21-15,0 0 0,0 0 16,1 0-16,-22-22 16,21 1-16,0 21 0,-21-43 15,21 22-15,-21 0 16,0-1-16,0 1 0,0 0 15,0-1-15,0 22 0,0 0 16,-21 21 0,21 21-1,0 0-15,-21 0 16,21 22-16,0-22 0,-21 21 16,21 1-16,0-1 0,0 0 15,0 1-15,0-1 16,0-21-16,0 22 0,21-1 15,-21-21-15,21 0 16,-21 0-16,21 0 0,0 1 16,-21-1-16</inkml:trace>
+  <inkml:trace contextRef="#ctx0" brushRef="#br0" timeOffset="3025">1799 656 0,'0'-21'0,"0"0"0,0 0 15,0 0 1,-21 42 15,-1-21-15,22 21-16,-21 0 15,0 0-15,21 22 0,-21-22 16,21 0-16,0 0 16,0 22-16,0-22 0,0 0 15,21 0-15,0 0 16,0 0 0,1-21-16,-1 0 0,0 0 15,0 0-15,0 0 16,1-21-16,-1 0 15,0 0-15,-21 0 0,21 0 16,-21-22-16,0 22 16,0-21-16,0-1 0,0 22 15,0-21-15,-21 21 16,0 0-16,0 21 16,-1 0-16,1 0 15,0 21-15,21 0 16,-21 0-16,21 0 0,0 0 15,0 1-15,21-1 16,-21 0-16,21 0 0,0-21 16,1 21-16,-1-21 0,0 22 15,21-22-15,-21 0 16,22 0-16,-22 0 0,21 0 16,-21-22-16,22 22 15,-22-21-15,0 0 0,0 0 16,0 0-16,0-1 0,-21 1 15,22 21-15,-22-21 16,0 0-16,21 21 0,-21-21 16,0 42-1,0 0-15,-21-21 16,21 21-16,-22 0 0,22 1 16,0-1-16,0 0 15,-21 0-15,21 0 16,0 1-16,0-1 15,21-21-15,1 0 16,-22 21-16,21-21 16,0 0-16,0 0 15,-21-21-15,21 21 0,1-21 16,-1 21-16,0-22 16,0 1-16,-21 0 0,21 0 15,-21 0-15,0-1 0,21 1 16,-21 0-16,0 0 15,21 21-15,-21 21 16,0 0-16,0 0 16,0 22-1,0-22-15,22 0 0,-22 0 16,0 1-16,0-1 16,21-21-16,-21 21 0,21-21 15,-21 21-15,21-21 16,0 0-16,1 0 15,-1 0-15,0 0 0,0-21 16,0 0-16,0 0 16,-21-1-16,21-20 0,1 0 15,-22-1-15,21 1 0,-21 0 16,0-22-16,21 22 16,-21-22-16,0 22 0,0 21 15,0 0-15,0 0 16,-21 21-1,21 21-15,0 0 0,-21 0 16,21 21-16,0 1 16,0-1-16,0 0 0,0 1 15,0-1-15,0 0 16,21 1-16,-21-1 0,21-21 16,-21 22-16,0-22 15,21 0-15,-21 0 16,21-21-16,-42-21 31,21 0-31,-21 0 16,21-1-16,-21-20 0,21 0 15,-21 20-15,21-20 16,-22 21-16,22-21 0,0 21 16,0-1-16,22 1 15,-1 21-15,0 0 0,0-21 16,22 21-16,-1 0 0,0 0 15,0 0-15,1 21 16,-1-21-16,1 0 0</inkml:trace>
 </inkml:ink>
 </file>
 
@@ -397,7 +757,7 @@
           <inkml:channelProperty channel="T" name="resolution" value="1" units="1/dev"/>
         </inkml:channelProperties>
       </inkml:inkSource>
-      <inkml:timestamp xml:id="ts0" timeString="2020-10-18T02:48:04.938"/>
+      <inkml:timestamp xml:id="ts0" timeString="2020-12-17T06:27:56.468"/>
     </inkml:context>
     <inkml:brush xml:id="br0">
       <inkml:brushProperty name="width" value="0.05" units="cm"/>
@@ -405,10 +765,7 @@
       <inkml:brushProperty name="fitToCurve" value="1"/>
     </inkml:brush>
   </inkml:definitions>
-  <inkml:trace contextRef="#ctx0" brushRef="#br0">611 176 0,'0'-25'0,"0"1"16,-24 24-1,-1-24-15,1 24 47,-1 0-31,1-25 0,-1 25-16,1-24 15,0 24-15,-1-25 0,-24 25 16,25-24-16,-25 24 0,25 0 15,-25 0-15,0 24 16,25 1-16,-1-25 16,-24 24-16,49 1 0,-24 23 15,-1-23-15,25-1 0,0 1 16,25-1-16,-1 1 0,1-25 16,24 0-16,-25 24 15,25-24-15,24 0 0,-24 0 16,0 0-16,24 0 15,-24 0-15,0 0 0,-25 24 16,1-24-16,-1 25 0,0-1 16,-24 1-16,0-1 15,0 0-15,-24-24 0,0 25 16,-1-1-16,1-24 16,-25 25-16,24-25 0,-23 24 15,23-24-15,-24 0 0,25 0 16,0 0-16,-1 0 15,1 0-15,24-24 0,0-1 16,24 25-16,1-49 16</inkml:trace>
-  <inkml:trace contextRef="#ctx0" brushRef="#br0" timeOffset="579">1148 176 0,'-24'0'0,"-1"0"15,1 0-15,24-25 16,-24 25-16,24-24 15,0 0 1,0-1-16,0 1 16,-25 24 15,25 24-31,-24 1 0,-1-1 16,1 0-16,24 1 15,-25-1-15,25 1 0,-24-1 16,24 25-16,0-25 0,24 1 15,-24-1 1,25 1-16,-1-25 16,1 0-1,-1 0 1,-24-25-16,25 1 16,-25-1-16,24 1 15,-24 0-15,0-1 16,0 1-16,0-1 15,0 1-15,24 24 0,-24-25 16,25 25-16,-25 25 0,24-25 16,1 24-16,-25 1 15,24-1-15,-24 25 0,25-25 16,-25 1-16,0-1 0,24 25 16,0-25-1,-24 1-15,25-25 0</inkml:trace>
-  <inkml:trace contextRef="#ctx0" brushRef="#br0" timeOffset="1002">1393 103 0,'-25'0'0,"25"-25"16,-24 25-16,24-24 0,-25 24 15,25 24-15,0 1 16,25-1-16,-1 0 16,1 1-16,-1-1 0,0 25 15,25-24-15,-24-1 16,-1 0-16,0 25 0,1-24 16,-1-1-16,-24 0 0,25 1 15,-1-1-15,-24 1 16,25-25-1,-25-25-15,0 1 16,24-1 0,-24-23-16,0 23 0,0-24 15,24 1-15,-24 23 16,0-24-16,0 0 0,25 25 16,-25-25-16,0 25 15,24 24 1,-24 24-1,25 1 1,-25-1-16</inkml:trace>
-  <inkml:trace contextRef="#ctx0" brushRef="#br0" timeOffset="1524">2125 225 0,'0'24'0,"-24"-24"16,-1 0 15,50 25 0,-1-25-15,1 24-1,-1-24-15,1 0 16,-1-24-16,0 24 16,1-25-16,-1 25 15,-24-24-15,25-1 0,-1 25 16,-24-24-16,0-1 0,0 1 16,0 0-1,-24 24-15,-1 0 0,1 0 16,-25 0-1,25 0-15,-1 24 0,-24 0 16,25 1-16,-1 24 16,1-25-16,24 25 0,0-25 15,0 25-15,0-24 0,24 23 16,1-23-16,-1-1 16,1 1-16,-1-1 0,1 1 15,23-25-15,-23 24 16,24-24-16,-1 0 0,-23 0 15,-1-24-15,1 24 0,-1-25 16,1 25-16,-25-24 16,0-1-1</inkml:trace>
+  <inkml:trace contextRef="#ctx0" brushRef="#br0">338 106 0,'-21'0'15,"-21"0"-15,21 22 16,-22-22-16,22 21 0,-21-21 16,21 0-16,0 21 0,-1-21 15,22 21-15,22-21 16,-1 0-1,21 0-15,0 0 0,22 0 16,21 0-16,-1-21 16,43 0-16,0 21 0,0-21 15,42 21-15,-20-22 16,-1 1-16,21 21 0,-42 0 16,0 0-16,-42 0 0,-22 0 15,1 0-15,-43 0 16,-42 0-16,0 21 15,-43-21-15,-21 22 16,-20-22-16,-22 21 0,-21 0 16,-1-21-16,1 21 0,-21 0 15,21 0-15,0-21 16,-1 21-16,22 1 0,43-22 16,-1 0-16,22 21 15,-1-21-15,43 0 0,0 0 16,42 0-16,0 0 15,0 0-15,43-21 16,-1 21-16,22-22 0,0 1 16,41 0-16,-20 21 15,21-21-15,0 0 0,0 0 16,-21 21-16,0-21 0,-43 21 16,-20 0-16,-22 0 15,-63 21-15,-1-21 16,-41 21-16,-22-21 0,0 21 15,-21 0-15,0-21 16,0 21-16,0-21 0,21 21 16,0-21-16,22 22 15,20-22-15,22 0 0,21 0 16,21-22-16,21 22 0,42-21 16,22 0-16,21 0 15,21 0-15,21 0 0,0 0 16,22-1-16,-1 22 15,0-21-15,-21 21 0,-21-21 16,-21 21-16,-21 0 16,-43 0-16,0 0 0,-42 21 15,-42-21-15,0 0 16,-22 21-16,1-21 16,-22 0-16,1 22 0,-22-22 15,0 21-15,21-21 0,0 0 16,22 0-16,21 0 15,-1 0-15,43-21 0,22-1 16,20 1-16,21 21 16,43-21-16,0 0 0,0 0 15,21 21-15,0-22 0,0 22 16,0 0-16,-42 0 16,-1 0-16,1 22 0,-43-22 15,-21 21-15,1-21 16,-44 0-16,1 21 0,-21-21 15,-1 0-15,-20 0 0,-22 0 16</inkml:trace>
 </inkml:ink>
 </file>
 
@@ -428,7 +785,7 @@
           <inkml:channelProperty channel="T" name="resolution" value="1" units="1/dev"/>
         </inkml:channelProperties>
       </inkml:inkSource>
-      <inkml:timestamp xml:id="ts0" timeString="2020-10-18T02:49:46.300"/>
+      <inkml:timestamp xml:id="ts0" timeString="2020-12-17T06:28:04.573"/>
     </inkml:context>
     <inkml:brush xml:id="br0">
       <inkml:brushProperty name="width" value="0.05" units="cm"/>
@@ -436,17 +793,16 @@
       <inkml:brushProperty name="fitToCurve" value="1"/>
     </inkml:brush>
   </inkml:definitions>
-  <inkml:trace contextRef="#ctx0" brushRef="#br0">3810 60 0,'-25'0'0,"1"0"16,48 0 47,-24 25-63,25-25 15,-1 0 1,1 0-16,-1 0 0,0 0 15,1 24-15,24-24 16,0 0-16,-1 0 0,26 0 16,-25 0-16,24-24 15,0 24-15,25 0 0,-25 0 16,0 0-16,25-25 0,-25 25 16,25 0-16,-25 0 15,25 0-15,0 0 0,-25 0 16,25 0-16,-25 0 0,25 0 15,-25 0-15,0 0 16,25 0-16,-25 0 0,0 0 16,25 0-16,-25 0 15,25 0-15,-25 0 0,0 0 16,25 0-16,-25 0 16,25 0-16,-25 0 0,1 0 15,-1 0-15,0 0 0,0 0 16,-24 0-16,25 0 15,-26 0-15,26 0 0,-25 0 16,-1 0-16,1 0 0,24 0 16,-24 0-16,0 0 15,24 0-15,-24-24 0,0 24 16,0 0-16,0 0 16,24 0-16,-24 0 0,0 0 15,0 0-15,0 0 0,-1-25 16,1 25-16,0 0 15,0 0-15,0 0 0,24 0 16,-24 0-16,0 0 16,0 0-16,-1 0 0,1 0 15,0 0-15,0 0 0,0 0 16,0 0-16,-25 0 16,25 0-16,-25 0 0,1 0 15,-1 0 1</inkml:trace>
-  <inkml:trace contextRef="#ctx0" brushRef="#br0" timeOffset="954">49 988 0,'-25'0'0,"25"-24"31,-24 24-31,24-25 31,0 50 0,0-1-31,0 1 16,0-1-16,0 25 16,0-25-16,0 25 0,0-24 15,24 23-15,-24-23 16,0-1-16,0 1 0,0-1 16,25 1-16,-25-1 15,0 0-15</inkml:trace>
-  <inkml:trace contextRef="#ctx0" brushRef="#br0" timeOffset="1255">73 1037 0,'-24'0'16,"24"-24"-16,-25 24 15,50 0 1,-1 0 0,0 0-1,1 24-15,-1-24 0,1 24 16,-1 1-16,1-1 0,-1 1 16,25-1-16,-25 1 15,1-1-15,-1 0 0,0-24 16,1 25-16,-1-1 15,1 1-15,-1-25 0,1 24 16</inkml:trace>
-  <inkml:trace contextRef="#ctx0" brushRef="#br0" timeOffset="1518">488 988 0,'-24'-24'0,"24"-1"0,-25 25 16,25-24 0,0 48-1,0 1-15,0 24 16,25-25 0,-25 0-16,0 25 0,24-24 15,-24-1-15,0 25 16,0-25-16,25 1 0,-25-1 15,0 1-15,0-1 0,24-24 16,-24 25-16,0-1 16</inkml:trace>
-  <inkml:trace contextRef="#ctx0" brushRef="#br0" timeOffset="1992">806 1232 0,'0'-24'16,"24"24"46,1 0-46,-1 0 0,0 0-1,-24-24 1,25-1-16,-25 1 16,0-1-1,-25 25-15,25-24 16,-24 24-16,24-25 0,-24 25 15,-1 0-15,1 0 16,-1 0-16,1 25 0,-1-1 16,25 1-1,-24-25-15,24 24 0,0 25 16,24-25-16,-24 1 0,25-1 16,-1 1-16,-24-1 15,49 1-15,-24-25 0,-1 24 16,0-24-16,25 24 15,-24-24-15,-1 0 0</inkml:trace>
-  <inkml:trace contextRef="#ctx0" brushRef="#br0" timeOffset="2285">1099 842 0,'0'-25'32,"0"50"-17,0-1 1,24 1 0,-24-1-16,0 25 15,25-25-15,-1 1 16,-24 23-16,0-23 0,24 24 15,-24-25-15,25 25 0,-25-25 16,0 1-16,0-1 16,24-24-16,-24 25 0</inkml:trace>
-  <inkml:trace contextRef="#ctx0" brushRef="#br0" timeOffset="2460">1123 1135 0,'0'-25'0,"0"1"16,25 24-1,-1 0 1,0 0-16,1 0 16,-1 0-16,25 0 15,-24 0-15,-1 0 0</inkml:trace>
-  <inkml:trace contextRef="#ctx0" brushRef="#br0" timeOffset="3065">2076 964 0,'0'-25'0,"0"1"15,0 0 1,0-1-16,0 1 15,-25 24-15,25-25 0,-24 1 16,-1-1-16,1 25 0,0-24 16,-1 24-16,1 0 15,-25 0-15,24 24 0,1-24 16,0 25-16,-1-1 16,1 1-16,24-1 0,0 1 15,0-1-15,0 0 0,24 1 16,25-1-16,-25 1 15,25-25-15,-24 24 0,24 0 16,-1 1-16,1-1 16,-24-24-16,24 25 0,-25-1 15,0-24-15,25 25 0,-49-1 16,25 0-16,-25 1 16,24-1-16,-24 1 15,0-1-15,-24-24 16,24 25-16,-25-25 0,1 24 15,-1-24-15,1 0 0,0 0 16,-1 0-16,-24 0 16,25 0-16,-25 0 0,25-24 15,-1 24-15,1-25 16,-1 1-16,25-1 16</inkml:trace>
-  <inkml:trace contextRef="#ctx0" brushRef="#br0" timeOffset="3641">2589 1109 0,'24'0'15,"-24"-24"-15,0-1 16,24 1-16,-24 0 16,0-1-1,0 1-15,-24 24 0,24-25 16,-24 1-16,-1 0 16,1 24-1,-1 24-15,1 0 16,24 1-16,-25-1 15,25 1-15,0 23 0,0-23 16,0-1-16,0 1 0,25-1 16,-25 1-16,24-1 15,-24 0-15,25-24 16,-25 25-16,24-25 16,1 0-16,-1 0 31,-24-25-31,0 1 15,24 0-15,-24-1 16,0 1-16,0-1 16,25 1-16,-25-1 15,0 1-15,24 24 16,-24 24 0,25-24-16,-25 25 0,0-1 15,24 1-15,1-25 16,-25 24-16,24 1 0,-24-1 15,24 0-15,-24 1 0,25-1 16,-25 1-16,24-25 16,-24 24-16</inkml:trace>
-  <inkml:trace contextRef="#ctx0" brushRef="#br0" timeOffset="4086">2979 1037 0,'-24'0'0,"-1"-24"0,1 24 15,24-25 1,-24 25-16,24 25 31,24-25-31,-24 24 16,24 0-16,1 1 15,-25-1-15,24 25 16,-24-24-16,25-1 0,-1 0 16,-24 1-16,25-1 15,-25 1 1,24-25-16,-24-25 31,0 1-15,0-1-16,0 1 0,0-25 15,0 25-15,0-1 16,0-24-16,0 25 0,0 0 16,0-1-16,0 1 15,0-1-15,24 25 0,1 25 32,-25-1-17,24-24-15</inkml:trace>
-  <inkml:trace contextRef="#ctx0" brushRef="#br0" timeOffset="4627">3370 1037 0,'-24'0'0,"-1"0"16,1 0-1,48 24 32,-24 1-31,25-25 0,-25 24-16,24-24 15,1 0-15,-1-24 16,0-1-1,1 25-15,-1-24 0,1 24 16,-25-24-16,24-1 16,-24 1-16,0-1 15,-24 25 1,24-24-16,-25 24 0,1 0 16,-1 0-16,1 0 0,0 0 15,-1 24 1,1-24-16,24 25 0,0-1 15,0 1-15,0-1 0,0 25 16,0-25-16,24 1 16,1-1-16,-25 25 0,24-49 15,0 24-15,1 1 16,-1-1-16,1-24 0,-1 25 16,25-25-16,-25 0 0,25 0 15,-24 0-15,-1-25 16,0 25-16,1 0 0,-1-24 15,1 24 1,-25-25-16</inkml:trace>
+  <inkml:trace contextRef="#ctx0" brushRef="#br0">63 85 0,'21'21'0,"0"22"16,1-22-16,-22 0 15,21 22-15,-21-1 16,21-21-16,-21 21 0,0 1 15,0-1-15,0-21 0,0 22 16,-21-1-16,21-21 16,0 0-16,-21 21 0,21-20 15,0-1-15,-22-21 16,22 21-16,0-42 47,0 0-47,0-1 0,0 1 15,22-21-15,-22 0 16,0-1-16,21 1 0,-21 0 16,0-22-16,21 22 0,-21 0 15,21-22-15,-21 22 16,21-1-16,0 22 0,0 0 16,1 0-16,-1 0 15,0 21-15,21 0 0,-20 0 16,-1 21-16,0 0 0,0 0 15,0 0-15,0 22 16,0-22-16,1 21 0,-22 1 16,0-1-16,0 0 15,21 22-15,-21-43 0,0 21 16,0 1-16,0-1 0,0 0 16,0-21-16,0 22 15,0-22-15,0 0 0,0 0 16,0 0-1</inkml:trace>
+  <inkml:trace contextRef="#ctx0" brushRef="#br0" timeOffset="221">126 466 0,'-42'-21'0,"0"21"16,21-21-16,0 21 15,42-21-15,0 21 16,0 0-16,42 0 16,-20 0-16,20 0 0,-20 0 15,20 0-15,1 0 0,-1 0 16,-20 0-16,-22 0 16,21 0-16,-21 0 0</inkml:trace>
+  <inkml:trace contextRef="#ctx0" brushRef="#br0" timeOffset="618">910 530 0,'21'0'15,"0"0"-15,0-21 16,0 0-16,0-1 16,-21 1-16,22 21 15,-22-21-15,0 0 16,-22 0-16,1 21 0,0-22 16,0 22-16,-21 0 0,21 0 15,-22 0-15,22 22 16,-21-22-16,-1 42 0,22-21 15,0 0-15,0 22 16,-21-22-16,42 21 0,-22-21 16,22 22-16,0-22 0,0 0 15,22 0-15,-1 0 16,0 1-16,21-1 0,-21-21 16,22 21-16,20-21 15,-20 0-15,-1 0 0,21-21 16,-20 0-16</inkml:trace>
+  <inkml:trace contextRef="#ctx0" brushRef="#br0" timeOffset="923">1291 466 0,'21'0'0,"-21"-21"0,21 21 16,-21-21-16,21 0 15,-21 0 16,-21 21-31,0 0 0,0 0 16,-1 0-16,1 21 0,0-21 16,0 21-16,0 0 15,0 0-15,0 1 0,21 20 16,-22-21-16,22 0 16,0 21-16,22-20 0,-22-1 15,21 0-15,0 0 0,21 0 16,-21 1-16,22-1 15,-1-21-15,0 0 0,1 0 16,-22 0-16,21 0 0,-21 0 16,0-21-16,1-1 15</inkml:trace>
+  <inkml:trace contextRef="#ctx0" brushRef="#br0" timeOffset="1337">1608 466 0,'0'-21'0,"0"0"15,0 0 1,0 42 31,0 0-47,0 0 16,0 0-16,0 1 0,0-1 15,0 21-15,0-21 16,0 22-16,0-22 0,21 0 15,-21 0-15,21 0 0,1 0 16,20-21 0,-21 22-16,0-22 0,1 0 15,-1-22-15,21 22 16,-21-21-16,0 0 0,0 0 16,1-21-16,-1 21 0,-21-1 15,21-20-15,-21 0 16,0 20-16,0 1 0,0 0 15,0 0-15,0 0 16,0 42 31,0 0-31</inkml:trace>
+  <inkml:trace contextRef="#ctx0" brushRef="#br0" timeOffset="1744">2095 429 0,'0'-21'16,"-21"21"-16,21-21 0,0-1 16,21 1-1,0 21-15,0 21 16,1 1-16,-1-1 15,0 0-15,0 21 16,0-20-16,-21 20 0,21 0 16,0 0-16,-21 1 15,0-22-15,22 0 0,-22 0 16,0 1-16,0-1 16,-22-21-16,1 0 15,0 0-15,0-21 16,21-1-16,0 1 15,0 0-15,0 0 0,0-22 16,21 22-16,0-21 16,0 0-16,1-1 0,-1 1 15,0 21-15,0-22 0,0 22 16,1 21-16,-1-21 16,0 21-16,0 21 15,0-21-15,0 21 16</inkml:trace>
+  <inkml:trace contextRef="#ctx0" brushRef="#br0" timeOffset="2250">2836 509 0,'0'-21'47,"0"-1"-47,0 1 15,0 0-15,-21 21 16,21-21-16,-21 0 0,-1-1 16,1 22-16,0 0 15,0 0-15,0 0 16,-1 22-16,1-1 0,0 0 16,21 0-16,-21 0 0,0 22 15,21-22-15,-21 21 16,21-21-16,0 22 0,0-22 15,0 0-15,0 0 16,21 0-16,0 1 16,0-22-16,0 0 0,0 0 15,1 0-15,-1-22 16,0 22-16,21-21 0,-20 0 16,-1-21-16,0 20 15,0-20-15,-21 21 0,21-21 16,-21-1-16,21 22 0,-21 0 15,0 0-15,21 21 16,-21 21 0,0 0-16,0 0 15,0 1-15,22-1 0,-22 21 16,0-21-16,0 21 0,0-20 16,21-1-16,-21 0 15,21 0-15,0 0 16,0-21-1</inkml:trace>
+  <inkml:trace contextRef="#ctx0" brushRef="#br0" timeOffset="3113">3301 509 0,'22'-21'16,"-22"-1"-16,0 1 15,0 0-15,0 0 0,-22 0 16,1-1-1,0 22-15,0 0 16,0 22-16,0-22 16,0 21-16,21 0 15,-22 0-15,1 0 0,0 1 16,0 20-16,21-21 16,-21 0-16,21 0 0,0 0 15,0 1-15,21-1 0,0-21 16,0 21-16,0 0 15,1-21-15,-1 0 0,21 21 16,-21-21-16,21 0 16,-20-21-16,20 21 0,0-21 15,-20 0-15,-1 0 16,21-1-16,-21 1 0,-21-21 16,21 21-16,-21 0 0,21 0 15,-21-22-15,0 22 16,0 0-16,0 42 31,-21-21-31,21 21 16,0 0-16,-21 1 0,21-1 15,0 0-15,0 0 16,0 0-16,0 0 0,0 0 16,21-21-16,0 22 0,1-22 15,-1 0-15,0 0 16,0 0-16,0 0 0,22 0 15,-22-22-15,0 1 16,0 0-16,-21 0 0,21 0 16,-21 0-16,0 0 0,0-22 15,0 22-15,0 0 16,0 0-16,-21 42 31,21 21-31,0 1 0,0-1 16,21 0-16,-21 22 0,21-1 15,-21 1-15,22-1 16,-1 1-16,-21-1 0,0 1 16,0-22-16,0 0 15,0 1-15,0-1 0,-21-21 16,-22 0-16,22-21 0,0 0 16,-21 0-16,-1 0 15,22-21-15,-21-21 0,21 21 16,-22-22-16,43 1 0,0-21 15,0 20-15,0 1 16,21-1-16,1 1 0,-1 21 16,21 0-16,1 0 15,-22 21-15,21 0 0,0 0 16,1 21-16,-22-21 16,21 0-16,-21 21 0,1-21 15,-1 0-15</inkml:trace>
+  <inkml:trace contextRef="#ctx0" brushRef="#br0" timeOffset="3575">4423 466 0,'-21'-21'16,"0"21"0,21-21-1,0 0 1,0 0-1,21 21-15,0 0 16,1 0 0,-1 0-16,21 21 0,0-21 15,-21 21-15,22 0 16,-22 0-16,21 1 0</inkml:trace>
+  <inkml:trace contextRef="#ctx0" brushRef="#br0" timeOffset="3744">4550 593 0,'-42'0'0,"21"22"16,-22-22-16,22 0 0,0 0 16,42 0-1,0 0 1,1 0-16,-1 0 0,21 0 16,1 0-16,-1 0 15,0 0-15,0 0 0,1 0 16,-22-22-16</inkml:trace>
 </inkml:ink>
 </file>
 
@@ -466,7 +822,7 @@
           <inkml:channelProperty channel="T" name="resolution" value="1" units="1/dev"/>
         </inkml:channelProperties>
       </inkml:inkSource>
-      <inkml:timestamp xml:id="ts0" timeString="2020-10-18T02:51:29.820"/>
+      <inkml:timestamp xml:id="ts0" timeString="2020-12-17T06:28:10.190"/>
     </inkml:context>
     <inkml:brush xml:id="br0">
       <inkml:brushProperty name="width" value="0.05" units="cm"/>
@@ -474,9 +830,7 @@
       <inkml:brushProperty name="fitToCurve" value="1"/>
     </inkml:brush>
   </inkml:definitions>
-  <inkml:trace contextRef="#ctx0" brushRef="#br0">0 245 0,'24'-25'0,"0"1"32,-24-1-32,25 1 15,-25-1 1,0 1-1,0 0 1,0 48 15,0 0-15,-25 1 0,25 24-16,0-25 15,0 1-15,0 23 0,25 1 16,-25-24-16,24 24 15,-24-1-15,25-23 0,-25 24 16,24-25-16,-24 0 16,24 1-16,-24-1 0,25-24 15,-1 0-15,1 0 16,-1-24 0,-24-1-16,25 1 0,-25-25 15,24 25-15,0-1 16,-24-23-16,25 23 0,-25 1 15,0-1-15,24 1 16,-24 48 0,25 1-1,-25-1-15,0 1 16,24-1-16,1 0 0,-25 1 16,24-1-16,0 1 0,1-1 15,-25 0-15,24-24 16,1 25-16,-1-25 0,0 0 15,1 0-15,-1-25 16,1 1-16,-25-25 16,24 25-1,-24-1-15,0-23 0,-24-1 16,24 0-16,-25 24 0,25-23 16,-24 23-16,-1-24 15,25 25-15,-24-1 16,24 50-1,0-1 1,0 1-16,24-1 16,1-24-16</inkml:trace>
-  <inkml:trace contextRef="#ctx0" brushRef="#br0" timeOffset="815">1074 171 0,'0'-24'15,"-24"24"-15,-1 0 32,25 24-32,0 1 15,0-1-15,0 25 0,0-25 16,0 25-16,25 0 15,-25 0-15,0-25 0,24 25 16,-24-24-16,0 23 16,0-23-16,0-1 15,0 1-15,25-25 0,-25-25 16,0 1 0,0-1-16,0-23 15,0 23-15,0-24 16,0 0-16,0 1 0,0-26 15,0 26-15,0-1 0,24 0 16,-24 0-16,0 0 16,0 25-16,24 24 0,1 0 15,-1 24 1,1 25-16,-25-25 16,24 1-16,-24 24 0,24-25 15,-24 25-15,25-25 16,-25 1-16,0 24 0,24-25 15,-24 0-15,0 1 16,0-1-16,0 1 16,25-25-16,-25-25 31,0 1-15,0-1-16,0 1 15,0-25-15,0 25 0,24-25 16,-24 25-16,0-1 0,0-24 15,25 49-15,-25-24 16,24 24-16,0 24 0,1 25 16,-1-24-1,1-1-15,-25 25 0,24 0 16,1-25-16,-25 25 0,24-25 16,-24 1-16,24-1 15,-24 1-15</inkml:trace>
-  <inkml:trace contextRef="#ctx0" brushRef="#br0" timeOffset="1223">1685 25 0,'-25'0'0,"25"-25"16,-24 25-16,24 25 31,24-1-15,-24 1-16,25-1 0,-25 0 15,24 25-15,-24 0 0,25 0 16,-1 0-16,-24 0 16,0 0-16,0-1 0,0 1 15,0 0-15,0-25 0,0 25 16,0-24-1,0-1-15,24-24 16,1-24 0,-1-1-16,1 25 0,-1-24 15,25 24-15,-25-25 0,1 25 16,-1-24-16,25 24 16,-25 0-16,1 0 0,-1 0 15,1 0 1</inkml:trace>
+  <inkml:trace contextRef="#ctx0" brushRef="#br0">30 339 0,'0'-21'0,"-21"21"15,21-21-15,0 42 63,21-21-47,-21 21-16,0 0 0,0 0 15,0 0-15,21 1 16,-21 20-16,0-21 0,0 0 15,0 1-15,21-1 16,-21 0-16,22-21 16,-1-21-16,0 0 0,0-1 15,21-20-15,1 0 16,20-1-16,1 1 0,-1-21 16,1-1-16,20 22 15,1-22-15,-22 22 0,22 0 16,-21 20-16</inkml:trace>
 </inkml:ink>
 </file>
 
@@ -496,7 +850,7 @@
           <inkml:channelProperty channel="T" name="resolution" value="1" units="1/dev"/>
         </inkml:channelProperties>
       </inkml:inkSource>
-      <inkml:timestamp xml:id="ts0" timeString="2020-10-18T02:53:16.299"/>
+      <inkml:timestamp xml:id="ts0" timeString="2020-12-17T06:28:11.436"/>
     </inkml:context>
     <inkml:brush xml:id="br0">
       <inkml:brushProperty name="width" value="0.05" units="cm"/>
@@ -504,15 +858,7 @@
       <inkml:brushProperty name="fitToCurve" value="1"/>
     </inkml:brush>
   </inkml:definitions>
-  <inkml:trace contextRef="#ctx0" brushRef="#br0">49 74 0,'0'-24'32,"0"-1"15,-25 25-47,25 25 31,0-1-16,0 1-15,-24-1 16,24 0-16,0 1 16,0 24-16,0-25 0,0 25 15,0-25-15,0 25 0,0-24 16,0-1-16,0 1 16,0 23-16,24-23 0,-24-1 15,0 1 1,25-1-16,-25 0 15,0 1-15</inkml:trace>
-  <inkml:trace contextRef="#ctx0" brushRef="#br0" timeOffset="602">464 172 0,'0'-25'0,"0"1"15,0 0 1,0-1-16,0 1 16,0-1-1,0 1 1,24 24 0,1 0-1,-1 0-15,1 0 16,-1 24-16,0 1 15,1-1-15,-25 25 16,0 0-16,0 0 0,0 0 16,0-25-16,0 25 15,-25 0-15,1-1 0,0-23 16,-25 24-16,24-25 16,1 1-16,-1-1 0,1-24 15,24 24-15,24-24 31,1 0-31,-1-24 16,1 24-16,-1 0 16,25-24-16,-25 24 0,25 0 15,-24 0-15,-1 24 16,1-24-16,-1 24 0,0-24 16,1 25-16,-25-1 0,24-24 15,-24 25-15</inkml:trace>
-  <inkml:trace contextRef="#ctx0" brushRef="#br0" timeOffset="852">1001 440 0,'25'0'62,"-1"-24"-46,0 24 0</inkml:trace>
-  <inkml:trace contextRef="#ctx0" brushRef="#br0" timeOffset="1390">1270 99 0,'0'-25'0,"24"25"31,-24 25 16,0-1-47,0 0 16,25 1-16,-25-1 15,24 1-15,-24 24 0,25-25 16,-25 0-16,24 1 0,0-1 16,-24 1-16,25-1 15,-1-24-15,1 0 16,-1 0-16,0 0 0,-24-24 16,25 24-16,-1-25 15,-24 1-15,25-1 0,-25 1 16,0 0-16,0-1 15,0 1-15,-25-25 0,25 24 16,0 1 0,-24 24-16,24 24 15,0 1 1,24-1-16,-24 25 16,0-24-16,0 23 0,25 1 15,-25 0-15,0-24 16,0 23-16,0 1 0,24-24 15,-24 23-15,25-23 0,-25-1 16,0 1-16,24-25 16</inkml:trace>
-  <inkml:trace contextRef="#ctx0" brushRef="#br0" timeOffset="1801">1954 172 0,'24'0'47,"0"24"-47,-24 1 15,25-1-15,-25 1 16,24-1-16,-24 0 16,0 1-16,-24-25 0,-1 24 15,1-24 1,0 0-16,-1 0 0,1 0 16,-1-24-16,25-1 15,0 1-15,0 0 16,0-1-16,0 1 0,0-1 15,25 1-15,-1-1 16,-24 1-16,25 24 0,-1 0 16,0 0-1,-24 24-15,25-24 0,-25 25 16,0-1-16</inkml:trace>
-  <inkml:trace contextRef="#ctx0" brushRef="#br0" timeOffset="2148">2271 123 0,'0'-24'15,"0"48"17,0 0-32,0 1 15,0 24-15,0-25 16,0 25-16,0-25 16,-24 25-16,24 0 0,0-24 15,-25 23-15,25-23 16,0 24-16,0-25 0,0 0 15,0 1-15,0-1 0,-24 1 16,24-1-16,0 1 16</inkml:trace>
-  <inkml:trace contextRef="#ctx0" brushRef="#br0" timeOffset="2617">2711 367 0,'-25'0'15,"50"0"32,-1 0-31,1 25-16,-25-1 15,24 0 1,-24 1-16,0-1 16,0 1-1,-24-1-15,-1 1 16,1-25-16,-1 0 15,1 0-15,0 0 16,-1-25-16,1 1 16,24-1-1,0 1-15,24-1 16,-24 1-16,25 0 0,-1-1 16,0 25-1,1 0-15,-1 0 16,-24 25-16,25-1 15</inkml:trace>
-  <inkml:trace contextRef="#ctx0" brushRef="#br0" timeOffset="3103">3272 245 0,'-24'0'15,"48"0"17,1 0-17,-1 0 1,1 0-16,-1 0 0</inkml:trace>
-  <inkml:trace contextRef="#ctx0" brushRef="#br0" timeOffset="3295">3297 392 0,'0'24'16,"24"-24"15,1 0-31,-1 0 16,1 0-1,-1 0-15,0 0 0,1 0 16</inkml:trace>
+  <inkml:trace contextRef="#ctx0" brushRef="#br0">0 339 0,'0'-21'16,"22"21"-1,-1-21-15,0 0 31,-21 42 16,0 0-47,0 0 0,-21 0 16,21 0-16,0 22 0,0-22 16,0 21-16,0-21 15,0 1-15,0-1 0,0 0 16,0 0-16,21-42 31,0 0-31,0 0 0,1-22 16,20 22-16,0-21 15,0-1-15,22-20 0,-22 21 16,22-1-16,-22-20 16,22 20-16,-1 1 0,-20 21 15,-1-21-15,0 20 0,-21 22 16</inkml:trace>
 </inkml:ink>
 </file>
 
@@ -560,6 +906,2614 @@
           <inkml:channelProperty channel="T" name="resolution" value="1" units="1/dev"/>
         </inkml:channelProperties>
       </inkml:inkSource>
+      <inkml:timestamp xml:id="ts0" timeString="2020-12-17T06:28:21.051"/>
+    </inkml:context>
+    <inkml:brush xml:id="br0">
+      <inkml:brushProperty name="width" value="0.05" units="cm"/>
+      <inkml:brushProperty name="height" value="0.05" units="cm"/>
+      <inkml:brushProperty name="fitToCurve" value="1"/>
+    </inkml:brush>
+  </inkml:definitions>
+  <inkml:trace contextRef="#ctx0" brushRef="#br0">169 170 0,'0'-21'0,"-21"21"15,0 0-15,21-22 0,-21 22 16,0 0 62,21 22-78,-21-22 16,21 21-16,-22 21 0,22-21 15,-21 21-15,21-20 0,-21 20 16,21 0-16,0 1 15,0-1-15,0 0 0,0 1 16,0-1-16,21-21 0,-21 22 16,21-22-16,1 0 15,-1 0-15,0-21 0,0 21 16,21-21-16,-21 21 16,22-21-16,-22 0 0,21 0 15,1-21-15</inkml:trace>
+  <inkml:trace contextRef="#ctx0" brushRef="#br0" timeOffset="599">550 212 0,'-21'0'15,"21"-21"-15,-21 21 16,0 0 0,21-21-16,21 21 31,0 0-31,21 0 15,-20 0-15,20 0 16,-21 0-16,22 0 0,-1 0 16,0 0-16,-21 0 0,22 0 15,-22 0-15,0 21 16,0-21-16,-42 0 31,0 0-31,0 0 16,-1 0-16,1 0 15,0 0-15,0 0 16,0 0-16,0 0 16,21 21-16,-21-21 15,-1 0 1,22 21-16,0 0 16,0 1-1,0-1-15,0 0 16,0 0-16,0 0 15,22 0-15,-22 22 0,0-22 16,0 0-16,21 0 0,-21 0 16,0 1-16,0-1 15,21 0-15,-21 0 16,21-21-16</inkml:trace>
+  <inkml:trace contextRef="#ctx0" brushRef="#br0" timeOffset="1290">1080 255 0,'0'-21'31,"0"42"0,0 1-15,21-1-16,-21 21 15,0-21-15,0 0 0,0 0 16,0 1-16,0 20 16,0-21-16,0 0 0,0 1 15,0-1 1,0 0-16,0 0 15,21-21 17,-21-21-17,0 0 1,0 0-16,0-1 0,0-20 16,0 21-16,0 0 0,0-22 15,0 22-15,-21-21 16,21 21-16,0 0 0,0-1 15,-21 1-15,21 0 16,0 0-16,0 0 16,21 21-16,-21-22 15,21 22-15,0 0 16,0 0-16,0 0 16,0 0-16,1 0 15,-1 0-15,0 22 0,0-22 16,0 21-16,-21 0 0,22 0 15,-22 0 1,0 1-16,-22-1 0,1 0 16,21 0-16,-42-21 15,21 21-15,-1-21 0,1 21 16,0-21-16,0 0 0,0 0 16,0 0-16,0 0 15,-1 0-15,44 0 47</inkml:trace>
+  <inkml:trace contextRef="#ctx0" brushRef="#br0" timeOffset="1847">1630 424 0,'-21'0'0,"0"-21"31,-1 21-16,22-22-15,22 1 32,-1 21-17,0 0 1,21 0-16,0 0 0,-20 0 16,20 21-16,0-21 15,1 0-15,-1 0 0,0 0 16,1 0-16,-22 0 0,0 0 15,0 22-15,0-22 16,-42-22 0,0 22-1,0 0 1,0-21-16,-1 21 0</inkml:trace>
+  <inkml:trace contextRef="#ctx0" brushRef="#br0" timeOffset="2141">1778 254 0,'0'-21'15,"0"0"-15,0 0 32,21 21-17,-21 21-15,21 0 16,-21 0-1,22 0-15,-22 1 0,0-1 16,0 0-16,0 0 0,0 22 16,0-22-16,0 0 15,0 0-15,0 0 0,0 0 16,0 0-16,0 1 16,0-1-16,0 0 0,0 0 15,21-21 1,-21 21-16</inkml:trace>
+  <inkml:trace contextRef="#ctx0" brushRef="#br0" timeOffset="3887">2519 254 0,'0'-21'47,"0"42"-16,0 0-15,0 1-16,0-1 15,0 0-15,0 0 0,0 0 16,0 1-16,0 20 16,0-21-16,0 0 0,0 0 15,0 0-15,0 1 0,0-1 16,0 0 0,21-21-16,-21-21 31,21 21-31</inkml:trace>
+  <inkml:trace contextRef="#ctx0" brushRef="#br0" timeOffset="4115">2561 233 0,'0'-21'0,"0"0"0,0 0 15,0 0 1,0-1-16,21 22 15,0 0 1,1 0-16,-1 0 16,0 0-16,0 0 0,0 0 15,1 22-15,20-22 16,-21 0-16,0 21 0,0-21 16,-21 21-16,21-21 15</inkml:trace>
+  <inkml:trace contextRef="#ctx0" brushRef="#br0" timeOffset="4326">2561 339 0,'0'21'16,"-21"-21"-16,42 0 31,0 0-31,1-21 16,-1 21-16,0 0 15,0 0-15,0 0 0,21 0 16,-20 0-16,-1 0 0,21 0 16,-21 0-16,22 0 15,-22 0-15</inkml:trace>
+  <inkml:trace contextRef="#ctx0" brushRef="#br0" timeOffset="4961">3154 148 0,'-21'0'0,"21"-21"16,-22 21-16,22 21 31,0 1-16,22-1-15,-22 0 0,0 0 16,0 0-16,0 1 16,0 20-16,0-21 0,0 0 15,0 0-15,0 0 0,0 1 16,0-1-16,0 0 16,0 0-16,0 0 15,0 1 1,-22-22-1,22-22 1,0 1 0,0 0-1,-21 0-15,21 0 16,0-1-16,0-20 0,0 21 16,0-21-16,0-1 0,0 22 15,0-21-15,21 21 16,-21-1-16,22 1 0,-22 0 15,21 0-15,0 21 16,0 0-16,0 0 0,1 0 16,-1 0-16,0 21 0,0 0 15,0 0-15,0 1 16,0-1-16,-21 0 0,0 0 16,0 0-16,-21 1 15,0-1-15,0-21 16,0 0-16,-21 0 0,-1 21 15,22-21-15,-21 0 16,20 0-16,1 0 0,0 0 16,21-21-1</inkml:trace>
+  <inkml:trace contextRef="#ctx0" brushRef="#br0" timeOffset="5305">3556 22 0,'-21'-22'15,"42"22"1,0 22 0,0-1-16,0 0 15,1 21-15,-1-21 0,0 22 16,0-1-16,0 22 16,1-22-16,-22 0 0,0 0 15,0 22-15,0-22 0,-22 1 16,1-1-16,-21-21 15,-1 21-15,-20-20 0,21-1 16,-22 0-16,1 0 16</inkml:trace>
+</inkml:ink>
+</file>
+
+<file path=ppt/ink/ink21.xml><?xml version="1.0" encoding="utf-8"?>
+<inkml:ink xmlns:inkml="http://www.w3.org/2003/InkML">
+  <inkml:definitions>
+    <inkml:context xml:id="ctx0">
+      <inkml:inkSource xml:id="inkSrc0">
+        <inkml:traceFormat>
+          <inkml:channel name="X" type="integer" max="1920" units="cm"/>
+          <inkml:channel name="Y" type="integer" max="1080" units="cm"/>
+          <inkml:channel name="T" type="integer" max="2.14748E9" units="dev"/>
+        </inkml:traceFormat>
+        <inkml:channelProperties>
+          <inkml:channelProperty channel="X" name="resolution" value="55.81395" units="1/cm"/>
+          <inkml:channelProperty channel="Y" name="resolution" value="55.6701" units="1/cm"/>
+          <inkml:channelProperty channel="T" name="resolution" value="1" units="1/dev"/>
+        </inkml:channelProperties>
+      </inkml:inkSource>
+      <inkml:timestamp xml:id="ts0" timeString="2020-12-17T06:28:27.262"/>
+    </inkml:context>
+    <inkml:brush xml:id="br0">
+      <inkml:brushProperty name="width" value="0.05" units="cm"/>
+      <inkml:brushProperty name="height" value="0.05" units="cm"/>
+      <inkml:brushProperty name="fitToCurve" value="1"/>
+    </inkml:brush>
+  </inkml:definitions>
+  <inkml:trace contextRef="#ctx0" brushRef="#br0">0 0 0,'21'0'15,"0"0"1,0 0-16,21 0 15,1 0-15,20 0 0,22 0 16,105 22 0,-84-22-16,21 0 0,21 0 15,1 0-15,20 21 0,0-21 16,1 0-16,20 0 16,0 21-16,1-21 0,0 0 15,-1 21-15,22-21 16,-22 0-16,1 21 0,20-21 15,-20 21-15,-22-21 0,22 21 16,-1-21-16,-21 22 16,1-22-16,-1 21 0,-21-21 15,22 0-15,-22 0 0,-21 21 16,21-21-16,0 0 16,-21 0-16,0 0 0,-21 0 15,0 0-15,-22 0 16,1 0-16,-21 0 0,-22 0 15,0 0-15,-21 0 0,1 0 16,-44-21 0,1 21-16,0 0 15,0 0-15,-21 0 16</inkml:trace>
+</inkml:ink>
+</file>
+
+<file path=ppt/ink/ink22.xml><?xml version="1.0" encoding="utf-8"?>
+<inkml:ink xmlns:inkml="http://www.w3.org/2003/InkML">
+  <inkml:definitions>
+    <inkml:context xml:id="ctx0">
+      <inkml:inkSource xml:id="inkSrc0">
+        <inkml:traceFormat>
+          <inkml:channel name="X" type="integer" max="1920" units="cm"/>
+          <inkml:channel name="Y" type="integer" max="1080" units="cm"/>
+          <inkml:channel name="T" type="integer" max="2.14748E9" units="dev"/>
+        </inkml:traceFormat>
+        <inkml:channelProperties>
+          <inkml:channelProperty channel="X" name="resolution" value="55.81395" units="1/cm"/>
+          <inkml:channelProperty channel="Y" name="resolution" value="55.6701" units="1/cm"/>
+          <inkml:channelProperty channel="T" name="resolution" value="1" units="1/dev"/>
+        </inkml:channelProperties>
+      </inkml:inkSource>
+      <inkml:timestamp xml:id="ts0" timeString="2020-12-17T06:28:28.395"/>
+    </inkml:context>
+    <inkml:brush xml:id="br0">
+      <inkml:brushProperty name="width" value="0.05" units="cm"/>
+      <inkml:brushProperty name="height" value="0.05" units="cm"/>
+      <inkml:brushProperty name="fitToCurve" value="1"/>
+    </inkml:brush>
+  </inkml:definitions>
+  <inkml:trace contextRef="#ctx0" brushRef="#br0">212 13 0,'0'-21'15,"-22"42"32,1-21-47,21 21 16,-21 1-16,0-1 0,0 21 16,0-21-16,0 21 15,21 1-15,-22 20 0,1-20 16,21 20-16,-21-21 15,21 1-15,0 20 0,0-20 16,0-1-16,21 0 0,0-21 16,1 22-16,-1-22 15,0 0-15,0 0 0,0 1 16,21-22-16</inkml:trace>
+  <inkml:trace contextRef="#ctx0" brushRef="#br0" timeOffset="533">487 225 0,'-21'-21'0,"42"21"47,0 0-31,0 0-16,0 0 16,22 0-16,-1 0 0,0 0 15,1 0-15,20 0 16,-20 0-16,-1 0 0,0 0 15,0 0-15,-20 0 0,-1 0 16,-21-21 0,-21 21-16,-1 0 15,1-22-15,-21 22 16,21 0-16,0 0 0,-22 0 16,22 0-16,0 0 0,0 0 15,0 22-15,-1-1 16,22 0-16,0 0 15,0 0-15,0 21 16,0-20-16,0-1 0,0 21 16,0-21-16,0 22 0,0-22 15,22 0-15,-22 0 16,0 0-16,0 0 0,21-21 16,-21 22-16,0-1 0,21-21 15</inkml:trace>
+  <inkml:trace contextRef="#ctx0" brushRef="#br0" timeOffset="1061">1037 308 0,'-21'0'0,"21"22"47,0-1-47,0 0 16,0 21-16,0-20 15,0-1-15,0 0 0,0 0 16,0 21-16,0-21 16,0 1-16,0-1 0,21-21 15,-21 21-15,0 0 16,21-21-1,-21-21-15,0 0 16,0-22-16,0 22 16,22 0-16,-22-21 15,0 0-15,0-1 0,0 1 16,21-1-16,-21 22 16,0-21-16,0 21 0,21 0 15,0 0-15,0 21 16,0 0-16,0 0 15,1 21-15,-1 0 16,0 0 0,-21 0-16,0 0 0,0 0 15,0 1-15,-21-1 16,0 0-16,-1 0 16,-20-21-16,21 21 0,0-21 15,0 0-15,0 22 16,-1-22-16,1 0 0</inkml:trace>
+  <inkml:trace contextRef="#ctx0" brushRef="#br0" timeOffset="1344">1482 542 0,'-21'0'0,"21"-21"31,21 0-15,0 21 0,0 0-16,0-21 15,21 21-15,1 0 0,-22 0 16,21 0-16,-20 0 0,-1 0 15,21 0-15,-21 0 16</inkml:trace>
+  <inkml:trace contextRef="#ctx0" brushRef="#br0" timeOffset="1595">1588 331 0,'-22'-21'0,"22"42"16,22 0-1,-22 0-15,0 0 16,21 0-16,-21 0 0,0 1 16,21-1-16,-21 0 15,0 0-15,0 0 0,0 22 16,0-22-16,0 0 15,0 0-15,0 0 0,0 0 16,0 1-16</inkml:trace>
+  <inkml:trace contextRef="#ctx0" brushRef="#br0" timeOffset="2099">2011 373 0,'21'0'47,"-21"21"-32,0 0-15,0 1 16,0-1-16,0 0 0,-21 0 15,21 0-15,0 0 0,-21 22 16,21-22-16,0 0 16,0 0-16,0 0 0,0 1 15,0-1 1,21-21-16,-21-21 16,21 21-16,-21-22 15,0 1-15,0 0 16,0 0-16,0 0 0,0-1 15,0-20-15,0 21 16,0-21-16,0 21 0,0-22 16,0 22-16,0 0 0,0 0 15,21-1-15,-21 1 16,21 0-16,1 21 16,-1 0-1,0 0-15,0 21 16,0-21-16,0 0 0,0 21 15,1-21-15,-1 22 16,0-22-16,-21 21 16</inkml:trace>
+  <inkml:trace contextRef="#ctx0" brushRef="#br0" timeOffset="2275">2074 458 0,'-21'0'16,"21"21"-1,21-21 1,0 0 0,1 0-1,-1 0-15,21 0 0,-21 0 16,22 0-16,-22 0 16,0 0-16,21 0 0,-21 0 15</inkml:trace>
+  <inkml:trace contextRef="#ctx0" brushRef="#br0" timeOffset="2856">2498 373 0,'0'21'46,"0"0"-46,0 1 16,-21-1 0,21 0-16,0 0 0,0 0 15,0 0-15,0 0 0,0 1 16,0-1-16,0 0 16,0 0-16,0 0 0,0 1 15,0-1 1,0-42 15,0-1-15,0 1-16,0 0 0,0 0 15,-22-22-15,22 22 16,0-21-16,0 0 0,0 21 16,0-22-16,0 22 0,22 0 15,-22 0-15,21-1 16,0 1-16,0 21 15,0 0-15,0 0 16,0 21-16,1-21 16,-1 0-16,0 22 0,0-22 15,-21 21-15,21-21 16,-21 21-16,0 0 0,-21-21 16,0 0-16,0 21 15,0-21-15,-1 0 0,1 22 16,-21-22-16,21 0 0,0 0 15,0 21-15,-1-21 16,1 0-16,21 21 16</inkml:trace>
+  <inkml:trace contextRef="#ctx0" brushRef="#br0" timeOffset="3415">2984 563 0,'-21'0'16,"21"-21"-16,-21 21 16,42 0 15,0 0-16,1 0-15,-1 0 16,0 0-16,0 0 16,22 0-16,-22 0 0,0 0 15,0 0-15,0 0 16,0 0-16,0 0 0,1 0 16,-22-21 15</inkml:trace>
+  <inkml:trace contextRef="#ctx0" brushRef="#br0" timeOffset="3702">3069 352 0,'0'21'15,"21"0"1,-21 0-16,0 0 16,21 1-1,-21-1-15,0 0 0,0 0 16,22 0-16,-22 1 0,0-1 16,0 0-16,0 0 15,0 0-15,0 0 0,0 22 16,0-22-1,0 0-15,0 0 0</inkml:trace>
+  <inkml:trace contextRef="#ctx0" brushRef="#br0" timeOffset="4097">3450 332 0,'21'0'63,"0"0"-63,1 0 0,-1 0 16,0 0-16,21-22 0,-20 22 15,20 0-15,-21 0 16,21 0-16,-21 0 0,1 0 15,-1 0-15,0 0 16</inkml:trace>
+  <inkml:trace contextRef="#ctx0" brushRef="#br0" timeOffset="4321">3641 310 0,'0'21'0,"-21"-21"16,21 21-16,0 0 0,0 0 16,-22 0-16,22 0 0,0 1 15,0-1-15,0 0 16,0 0-16,0 0 0,0 22 16,0-22-16,22 0 15,-22 0-15,0 0 0,21 0 16,-21 1-16,21-22 15</inkml:trace>
+  <inkml:trace contextRef="#ctx0" brushRef="#br0" timeOffset="5021">3789 331 0,'21'0'0,"-21"-21"16,0 42 0,21-21-16,-21 21 15,0 0-15,0 0 0,0 0 16,0 0-16,0 1 16,0-1-16,21 0 0,-21 0 15,0 0-15,0 1 0,0-1 16,0 0-16,0 0 15,0 0-15,0 0 0,0 0 16,0 1 0,0-44-1,0 1 1,0 0-16,0 0 16,0-21-16,0 21 15,0-1-15,21-20 0,-21 21 16,22 0-16,-22-22 15,21 22-15,-21 0 0,21 0 16,0 0-16,0 21 16,1 0-1,-22 21-15,21 0 16,0 0 0,-21 0-16,21 0 0,0 1 15,-21-1-15,21 0 16,0-21-16,1 21 0,-22 0 15,21-21-15,-21 22 0,21-22 16,-21 21-16,21-21 16,0 0-1,-21-21-15,22-1 16,-22 1-16,21 0 16,-21 0-16,0-22 15,0 22-15,0 0 16,0 0-16,21 0 0,-21 0 15,0 0 1,0 42 31,0 0-31</inkml:trace>
+  <inkml:trace contextRef="#ctx0" brushRef="#br0" timeOffset="5340">4614 479 0,'0'-21'31,"22"21"-15,-1-21-16,0 21 16,0-22-16,0 22 15,21 0-15,-20-21 0,-1 21 16,0 0-16,0 0 15,0 0-15,1-21 0</inkml:trace>
+  <inkml:trace contextRef="#ctx0" brushRef="#br0" timeOffset="5562">4805 288 0,'-21'0'15,"21"-21"-15,0 42 32,0 0-32,0 1 15,0-1-15,0 0 0,0 0 16,0 0-16,0 22 16,0-22-16,0 21 0,0-21 15,0 0-15,0 22 16,0-22-16,21-21 0,-21 21 15,0 0-15</inkml:trace>
+  <inkml:trace contextRef="#ctx0" brushRef="#br0" timeOffset="6041">5122 310 0,'0'21'16,"0"0"-1,0 0 1,0 0-16,22 0 16,-22 0-16,0 1 15,21-1-15,-21 0 0,0 0 16,0 0-16,21-21 0,-21 22 15,0-1-15,0 0 16,0-42 31,0 0-47,-21-1 0,21 1 16,0 0-1,0 0-15,0-22 0,0 22 16,0 0-16,0-21 15,0 21-15,21 0 0,-21-1 16,21 1-16,-21 0 0,21 0 16,0 21-16,0 0 15,1 0-15,-1 0 16,0 0-16,0 21 16,0 0-16,1-21 15,-1 21-15,0 1 16</inkml:trace>
+  <inkml:trace contextRef="#ctx0" brushRef="#br0" timeOffset="6234">5186 458 0,'-21'0'15,"21"21"-15,21-21 31,0 0-31,0 0 16,0 0 0,1 0-16,20 0 0,-21 0 15,0 0-15</inkml:trace>
+  <inkml:trace contextRef="#ctx0" brushRef="#br0" timeOffset="6486">5673 310 0,'0'21'47,"0"0"-32,0 0-15,-21 0 16,21 0-16,0 0 15,0 1-15,0-1 0,-22 0 16,22 0-16,0 0 0,0 1 16,0-1-16,-21-21 0,21 21 15</inkml:trace>
+  <inkml:trace contextRef="#ctx0" brushRef="#br0" timeOffset="6936">5609 352 0,'0'-21'16,"21"21"-16,0 0 16,1 21-1,-22 0-15,21-21 16,0 21-16,0 0 15,0 22-15,0-22 0,1-21 16,-1 21-16,0 0 0,0 0 16,0-21-16,0 0 15,1 22-15,-1-22 16,-21-22-16,0 1 31,0 0-31,0 0 16,-21 21-16,21-21 15,0-1-15,0-20 0,-22 21 16,22 0-16,0 0 16,0 0-16,-21-1 0,21 1 15,0 0-15,-21 21 16,21 21 15,0 0-31,0 1 0,21-1 16,-21 0-1,0 0-15</inkml:trace>
+  <inkml:trace contextRef="#ctx0" brushRef="#br0" timeOffset="7272">6138 77 0,'0'21'16,"22"0"-16,-1 0 16,0 0-16,-21 1 15,21 20-15,0-21 16,21 0-16,-20 21 0,-1 1 15,0-22-15,0 21 16,0-20-16,-21 20 0,22-21 16,-22 21-16,0-21 0,0 1 15,-22-1-15,1 0 16,0 0-16,-21 0 0,-1 1 16,1-22-16,0 0 15</inkml:trace>
+</inkml:ink>
+</file>
+
+<file path=ppt/ink/ink23.xml><?xml version="1.0" encoding="utf-8"?>
+<inkml:ink xmlns:inkml="http://www.w3.org/2003/InkML">
+  <inkml:definitions>
+    <inkml:context xml:id="ctx0">
+      <inkml:inkSource xml:id="inkSrc0">
+        <inkml:traceFormat>
+          <inkml:channel name="X" type="integer" max="1920" units="cm"/>
+          <inkml:channel name="Y" type="integer" max="1080" units="cm"/>
+          <inkml:channel name="T" type="integer" max="2.14748E9" units="dev"/>
+        </inkml:traceFormat>
+        <inkml:channelProperties>
+          <inkml:channelProperty channel="X" name="resolution" value="55.81395" units="1/cm"/>
+          <inkml:channelProperty channel="Y" name="resolution" value="55.6701" units="1/cm"/>
+          <inkml:channelProperty channel="T" name="resolution" value="1" units="1/dev"/>
+        </inkml:channelProperties>
+      </inkml:inkSource>
+      <inkml:timestamp xml:id="ts0" timeString="2020-12-17T06:29:14.502"/>
+    </inkml:context>
+    <inkml:brush xml:id="br0">
+      <inkml:brushProperty name="width" value="0.05" units="cm"/>
+      <inkml:brushProperty name="height" value="0.05" units="cm"/>
+      <inkml:brushProperty name="fitToCurve" value="1"/>
+    </inkml:brush>
+  </inkml:definitions>
+  <inkml:trace contextRef="#ctx0" brushRef="#br0">83 52 0,'0'-22'16,"21"22"-1,0 0-15,-21-21 16,21 21-16,1 0 31,-1 0 0,0 0-31,0 0 16,0 0-16,21 0 0,-20 0 16,20 0-16,0 0 0,1 0 15,-1 0-15,0 0 16,1 0-16,-22 0 0,0 0 16,0 0-16,-42 0 31,0 0-31,0 0 0,-1 0 15,-20 0-15,0 0 16,0 0-16,-1 21 0,-20-21 16,20 0-16,1 0 15,0 0-15,-1 0 0,1 0 16,21 0-16,0 0 0,-1 0 16,1 22-16,0-22 15,42 0 16,0 0-31,1 0 16,-1 0-16,0 0 0,21 0 16,1 0-16,-1 0 15,-21 0-15,21 0 0,1 0 16,-1 0-16,1 0 0,-22 21 16,21-21-16,-21 0 15,-42 0 16,-21 21-31,21-21 0,-22 0 16,1 0-16,-1 0 16,22 21-16,0-21 0,0 0 15</inkml:trace>
+</inkml:ink>
+</file>
+
+<file path=ppt/ink/ink24.xml><?xml version="1.0" encoding="utf-8"?>
+<inkml:ink xmlns:inkml="http://www.w3.org/2003/InkML">
+  <inkml:definitions>
+    <inkml:context xml:id="ctx0">
+      <inkml:inkSource xml:id="inkSrc0">
+        <inkml:traceFormat>
+          <inkml:channel name="X" type="integer" max="1920" units="cm"/>
+          <inkml:channel name="Y" type="integer" max="1080" units="cm"/>
+          <inkml:channel name="T" type="integer" max="2.14748E9" units="dev"/>
+        </inkml:traceFormat>
+        <inkml:channelProperties>
+          <inkml:channelProperty channel="X" name="resolution" value="55.81395" units="1/cm"/>
+          <inkml:channelProperty channel="Y" name="resolution" value="55.6701" units="1/cm"/>
+          <inkml:channelProperty channel="T" name="resolution" value="1" units="1/dev"/>
+        </inkml:channelProperties>
+      </inkml:inkSource>
+      <inkml:timestamp xml:id="ts0" timeString="2020-12-17T06:29:16.794"/>
+    </inkml:context>
+    <inkml:brush xml:id="br0">
+      <inkml:brushProperty name="width" value="0.05" units="cm"/>
+      <inkml:brushProperty name="height" value="0.05" units="cm"/>
+      <inkml:brushProperty name="fitToCurve" value="1"/>
+    </inkml:brush>
+  </inkml:definitions>
+  <inkml:trace contextRef="#ctx0" brushRef="#br0">849 64 0,'-21'0'32,"21"-21"-17,-21 21 1,0 0 0,21-21-1,-22 21-15,1 0 16,0 0-16,0 0 15,0 0-15,-1-21 16,-20 21-16,21 0 16,0 0-16,-21 0 15,20 0-15,1 21 0,0-21 16,0 21-16,0-21 16,-22 21-16,22-21 0,-21 21 15,21 0-15,0 1 0,-1-22 16,1 21-16,0 0 15,0 0-15,0 22 0,-1-22 16,1 0-16,0 0 16,21 0-16,-21 0 0,21 0 15,-21 22-15,21-22 0,-21 0 16,21 0-16,0 1 16,0 20-16,-21-21 0,21 0 15,0 0-15,0 22 16,0-22-16,0 0 0,-22 0 15,22 0-15,0 1 0,0 20 16,22-21-16,-1 0 16,-21 0-16,21 0 15,0 1-15,0-1 16,0 0-16,0 0 0,1 0 16,20 1-16,-21-1 0,0-21 15,22 21-15,-22-21 16,21 21-16,-21-21 0,22 21 15,-22-21-15,21 0 16,-21 0-16,22 0 0,-1 0 16,-21 0-16,21 0 0,-20 0 15,20-21-15,0 21 16,-20 0-16,20-21 0,-21 0 16,21 21-16,-21-21 15,22-1-15,-22 1 0,0 0 16,22 0-16,-22 0 0,0-1 15,0 1-15,0 0 16,0 0-16,0 0 0,1 0 16,-22 0-16,21-1 15,-21 1-15,21 0 0,-21 0 16,21 0-16,-21-22 0,0 22 16,21 0-16,-21 0 15,0 0-15,22-22 0,-22 22 16,0 0-16,0 0 0,0 0 15,0-1-15,0 1 16,0 0-16,0 0 0,-22 0 16,22 0-16,-21 0 15,21-1-15,-21 22 16,0-21-16,21 0 0,-21 21 16,-1-21-16,1 21 15,0-21-15,0-1 16,0 22-16,0-21 15,0 21-15,-1 0 16,22-21-16,-21 21 16,0 0-16,0 0 15,0 0 1,-1 0 0</inkml:trace>
+</inkml:ink>
+</file>
+
+<file path=ppt/ink/ink25.xml><?xml version="1.0" encoding="utf-8"?>
+<inkml:ink xmlns:inkml="http://www.w3.org/2003/InkML">
+  <inkml:definitions>
+    <inkml:context xml:id="ctx0">
+      <inkml:inkSource xml:id="inkSrc0">
+        <inkml:traceFormat>
+          <inkml:channel name="X" type="integer" max="1920" units="cm"/>
+          <inkml:channel name="Y" type="integer" max="1080" units="cm"/>
+          <inkml:channel name="T" type="integer" max="2.14748E9" units="dev"/>
+        </inkml:traceFormat>
+        <inkml:channelProperties>
+          <inkml:channelProperty channel="X" name="resolution" value="55.81395" units="1/cm"/>
+          <inkml:channelProperty channel="Y" name="resolution" value="55.6701" units="1/cm"/>
+          <inkml:channelProperty channel="T" name="resolution" value="1" units="1/dev"/>
+        </inkml:channelProperties>
+      </inkml:inkSource>
+      <inkml:timestamp xml:id="ts0" timeString="2020-12-17T06:26:54.561"/>
+    </inkml:context>
+    <inkml:brush xml:id="br0">
+      <inkml:brushProperty name="width" value="0.05" units="cm"/>
+      <inkml:brushProperty name="height" value="0.05" units="cm"/>
+      <inkml:brushProperty name="fitToCurve" value="1"/>
+    </inkml:brush>
+  </inkml:definitions>
+  <inkml:trace contextRef="#ctx0" brushRef="#br0">2477 731 0,'21'0'15,"0"0"-15,1 21 0,20-21 16,-21 0-16,0 0 16,21 0-16,1 0 0,-22 0 15,21 0-15,1 0 16</inkml:trace>
+  <inkml:trace contextRef="#ctx0" brushRef="#br0" timeOffset="140">2604 985 0,'-21'0'16,"21"21"-16,21-21 15,0 0-15,22 21 16,-1-21-16,0 0 0,0 21 15</inkml:trace>
+  <inkml:trace contextRef="#ctx0" brushRef="#br0" timeOffset="145773">932 159 0,'0'-21'15,"0"0"17,-21 0-17,21 0 1,-21 21-16,21-21 16,-22 21-16,22-22 15,-21 22 1,0 0-1,21-21-15,-21 21 16,0 0-16,-1 0 16,1 0-16,0 0 15,0 0-15,0 0 16,-21 0-16,20 0 0,1 0 16,0 0-16,0 0 15,0 0-15,-22 0 0,22 0 16,0 0-16,0 0 0,0 0 15,-22 21-15,22-21 16,0 0-16,-21 22 0,20-22 16,1 21-16,0-21 15,0 21-15,0 0 0,0-21 16,0 21-16,-1 0 0,22 0 16,-21 1-16,0-1 15,21 0-15,-21 0 0,21 0 16,-21 1-16,21-1 0,0 0 15,0 0-15,-22 0 16,22 0-16,0 22 0,0-22 16,0 0-16,0 0 15,0 0-15,0 1 0,0-1 16,22 0-16,-22 0 0,0 0 16,21-21-16,-21 21 15,21 0-15,-21 1 0,21-1 16,0 0-1,1 0-15,-1 0 0,0 1 16,0-22-16,21 21 0,-21 0 16,1-21-16,20 21 15,0 0-15,1-21 0,-22 21 16,21-21-16,0 0 16,1 21-16,-1-21 0,1 0 15,-1 0-15,0 0 0,0 0 16,1 0-16,-1 0 15,-21 0-15,22-21 0,-1 21 16,-21 0-16,21 0 16,-20-21-16,20 21 0,-21-21 15,0 21-15,1-21 16,-1 0-16,21 0 0,-21 21 16,0-22-16,0 1 0,1 0 15,-1 0-15,0 0 16,0-1-16,0 1 0,1 0 15,-1 0-15,-21 0 16,21-21-16,0 20 0,-21 1 16,21 0-16,-21 0 0,0 0 15,0-1-15,21 1 16,-21 0-16,0 0 0,-21 0 16,21 0-16,-21 0 15,21-1-15,-21 1 16,0 0-16,0 0 0,21 0 15,-22-1-15,1 1 16,0 0-16,0 0 0,0 21 16,-1-21-16,1 21 0,21-21 15,-21 21-15,0 0 16,0 0-16,0 0 16,0 0-16,-1 0 15,1 0-15,0 0 0,0 0 16,0 0-16,-1 0 15,1 0-15,0 0 16,0 0-16,0 0 16,0 0-16,0-21 15,-1 21 1,1 0 0,21-22-1,-21 22 16</inkml:trace>
+</inkml:ink>
+</file>
+
+<file path=ppt/ink/ink26.xml><?xml version="1.0" encoding="utf-8"?>
+<inkml:ink xmlns:inkml="http://www.w3.org/2003/InkML">
+  <inkml:definitions>
+    <inkml:context xml:id="ctx0">
+      <inkml:inkSource xml:id="inkSrc0">
+        <inkml:traceFormat>
+          <inkml:channel name="X" type="integer" max="1920" units="cm"/>
+          <inkml:channel name="Y" type="integer" max="1080" units="cm"/>
+          <inkml:channel name="T" type="integer" max="2.14748E9" units="dev"/>
+        </inkml:traceFormat>
+        <inkml:channelProperties>
+          <inkml:channelProperty channel="X" name="resolution" value="55.81395" units="1/cm"/>
+          <inkml:channelProperty channel="Y" name="resolution" value="55.6701" units="1/cm"/>
+          <inkml:channelProperty channel="T" name="resolution" value="1" units="1/dev"/>
+        </inkml:channelProperties>
+      </inkml:inkSource>
+      <inkml:timestamp xml:id="ts0" timeString="2020-12-17T06:29:29.476"/>
+    </inkml:context>
+    <inkml:brush xml:id="br0">
+      <inkml:brushProperty name="width" value="0.05" units="cm"/>
+      <inkml:brushProperty name="height" value="0.05" units="cm"/>
+      <inkml:brushProperty name="fitToCurve" value="1"/>
+    </inkml:brush>
+  </inkml:definitions>
+  <inkml:trace contextRef="#ctx0" brushRef="#br0">85 150 0,'0'-21'15,"0"0"1,21 21-16,-21-21 0,0 0 16,0-1 31,21 22-32,0-21 1,0 21-1,22 0-15,-22 0 0,21 0 16,1 0-16,-1 0 16,0-21-16,-21 21 0,22 0 15,-22 0-15,0 0 0,0 0 16,0 0-16,-42 0 31,0 0-15,-21 0-16,20 0 0,-20 0 15,0 0-15,0 0 0,-1 0 16,1 0-16,-1 0 16,1 0-16,0 0 0,21 0 15,0 0-15,-1 0 16,1 0-16,0 0 0,21 21 16,21-21-1,0 0 1,22 0-16,-22 0 0,21 0 15,0 0-15,1 0 16,-1 0-16,22 0 0,-22 0 16,0 0-16,1 0 0,-1 0 15,0 0-15,-20 0 16,-1 0-16,-42 0 31,-1 0-31,1 21 16,-21-21-16,-1 0 0,22 0 15,-21 22-15,21-22 16,0 0-16,0 21 0</inkml:trace>
+</inkml:ink>
+</file>
+
+<file path=ppt/ink/ink27.xml><?xml version="1.0" encoding="utf-8"?>
+<inkml:ink xmlns:inkml="http://www.w3.org/2003/InkML">
+  <inkml:definitions>
+    <inkml:context xml:id="ctx0">
+      <inkml:inkSource xml:id="inkSrc0">
+        <inkml:traceFormat>
+          <inkml:channel name="X" type="integer" max="1920" units="cm"/>
+          <inkml:channel name="Y" type="integer" max="1080" units="cm"/>
+          <inkml:channel name="T" type="integer" max="2.14748E9" units="dev"/>
+        </inkml:traceFormat>
+        <inkml:channelProperties>
+          <inkml:channelProperty channel="X" name="resolution" value="55.81395" units="1/cm"/>
+          <inkml:channelProperty channel="Y" name="resolution" value="55.6701" units="1/cm"/>
+          <inkml:channelProperty channel="T" name="resolution" value="1" units="1/dev"/>
+        </inkml:channelProperties>
+      </inkml:inkSource>
+      <inkml:timestamp xml:id="ts0" timeString="2020-12-17T06:29:31.406"/>
+    </inkml:context>
+    <inkml:brush xml:id="br0">
+      <inkml:brushProperty name="width" value="0.05" units="cm"/>
+      <inkml:brushProperty name="height" value="0.05" units="cm"/>
+      <inkml:brushProperty name="fitToCurve" value="1"/>
+    </inkml:brush>
+  </inkml:definitions>
+  <inkml:trace contextRef="#ctx0" brushRef="#br0">214 149 0,'21'0'15,"-21"-21"-15,22 21 16,-44 0 31,1 0-47,0 0 15,0 21-15,0-21 16,-1 21-16,1 1 0,0-1 16,-21 21-16,42-21 0,-21 0 15,0 22-15,21-22 16,0 21-16,0-21 0,0 1 16,0-1-16,21 0 15,0 0-15,0-21 0,0 21 16,21-21-16,-20 0 0,20 0 15,-21 0-15,22 0 16,-1-21-16,-21 0 0,0 21 16,21-21-16,-20 0 15,-1-1-15,-21-20 0,21 21 16,-21 0-16,0-22 0,0 22 16,0 0-16,0-21 15,-21 21-15,0-1 0,21 1 16,-22 21-16,1-21 15,0 21-15,0 0 16,0 0-16,0 0 0,0 21 16,-1-21-1,22 21-15,-21 1 0,21-1 16,0 0 0</inkml:trace>
+  <inkml:trace contextRef="#ctx0" brushRef="#br0" timeOffset="540">761 363 0,'-21'0'15,"21"-21"1,21 21 0,1 0 15,-22 21-16,21-21 1,-21 21 0,-21-21-1,-1 0 1,1 0-16,0 0 16,0 0-1,0-21 1,21 0-16,21 21 31,-21-22-31,21 22 0,0 0 16,0 0-1,1 0-15,-1 0 16,-21 22-16,0-1 31,0 0-15</inkml:trace>
+  <inkml:trace contextRef="#ctx0" brushRef="#br0" timeOffset="1207">1251 315 0,'-21'0'32,"0"0"-32,0 0 15,0 0 1,21 21-16,-21-21 15,21 21-15,-22 0 0,22 0 16,-21 0-16,21 0 0,-21 1 16,21-1-16,0 0 15,0 0-15,21-21 16,0 21-16,1-21 16,-1 22-16,0-22 0,0 0 15,0 0-15,0-22 16,0 22-16,1 0 0,-1-21 15,0 0-15,-21 0 16,0 0 0,-21-1-16,0 1 0,-1 0 15,1 0-15,0 0 0,0 0 16,0 0-16,0-1 16,0 1-16,-1 21 0,1-21 15,21 0-15,-21 0 16,21-1-16,0 1 15,21 21-15,-21-21 0,21 21 16,1-21-16,-1 21 16,0-21-16,21 21 0,-21 0 15,0 0-15,1 0 16,-1 21-16,0-21 0,0 21 16,-21 0-16,21 0 0,-21 1 15,0-1-15,0 0 16,0 0-16,0 0 0,0 1 15,-21-1-15,21 0 16,-21 0-16</inkml:trace>
+  <inkml:trace contextRef="#ctx0" brushRef="#br0" timeOffset="1712">1714 86 0,'0'-21'16,"-21"21"31,21 21-32,-21-21-15,-1 21 0,1 0 16,0 0-16,0 0 0,0 0 16,0 1-16,21-1 15,-21 0-15,21 0 0,0 0 16,21-21 0,0 22-16,0-22 15,0 0-15,0 0 0,0-22 16,1 22-16,-1 0 15,0 0-15,0 0 0,0 0 16,1 0-16,-1 0 16,0 22-16,0-22 0,-21 21 15,0 0-15,0 0 0,0 0 16,-21 0 0,0 0-16,0 1 15,-1-22-15,-20 21 0,21-21 16,0 0-16,-22 0 15,22 0-15,0 0 0,0-21 16,0-1 0,21 1-16,0 0 0</inkml:trace>
+  <inkml:trace contextRef="#ctx0" brushRef="#br0" timeOffset="1974">1820 64 0,'-21'0'0,"0"-21"0,-1 21 15,44 0 17,-1 0-17,0 0 1,21 0-16,-21 0 0,22 0 15,-22 0-15,0 0 16,0 0-16,0 0 0,1 0 16,-22 21-1</inkml:trace>
+  <inkml:trace contextRef="#ctx0" brushRef="#br0" timeOffset="2256">2159 297 0,'-22'0'16,"22"-21"15,22 21-16,-1 0-15,0 0 16,0 0-16,0 0 0,0 0 16,0 0-16,22 0 15,-22 21-15,0-21 0,0 0 16,1 0-16,-1 0 16</inkml:trace>
+  <inkml:trace contextRef="#ctx0" brushRef="#br0" timeOffset="2831">2857 128 0,'-21'0'16,"21"-21"-16,-21 21 16,0-21-16,-1 21 15,1 21 1,0 0-16,0 21 15,0-20-15,-1-1 16,22 21-16,-21-21 16,21 21-16,0-20 0,0-1 15,0 21-15,21-21 16,-21 1-16,22-22 0,-1 21 16,0 0-16,0-21 0,0 0 15,22 0-15,-22 0 16,0 0-16,0 0 0,0 0 15,0-21-15,1 0 16,-22-1-16,0 1 16,0-21-16,0 21 0,0-22 15,0 22-15,-22-21 16,1 21-16,21 0 0,-21-1 16,0 1-16,0 0 15,0 21-15,0 0 0,-1 0 16,1 21-16,0 0 15,21 1 1,0-1-16,21-21 16,-21 21-16</inkml:trace>
+  <inkml:trace contextRef="#ctx0" brushRef="#br0" timeOffset="3236">3217 361 0,'0'-21'31,"-21"21"0,21 21-15,-22-21-16,1 21 15,0-21-15,0 0 16,21 21-16,-21-21 16,0 0-16,0 0 15,21-21-15,0 0 16,0 0 0,21 0-16,0-1 15,0 1-15,0 21 16,0 0-16,0 0 15,1 0-15,-1 0 16,0 0-16,0 21 16,-21 1-1,21-22-15,1 21 16</inkml:trace>
+  <inkml:trace contextRef="#ctx0" brushRef="#br0" timeOffset="3828">3725 107 0,'-21'-21'16,"0"-1"-16,-1 1 15,1 21 1,21-21-16,-21 21 0,0-21 16,0 21-16,-1 0 15,1 0-15,0 21 16,0-21-16,0 21 0,0-21 16,21 21-16,-21 1 15,-1-1-15,22 0 0,0 0 16,0 0-16,0 1 0,0-1 15,22 0 1,-22 0-16,21-21 0,0 21 16,0-21-16,0 0 15,-21 21-15,21-21 0,0 0 16,1 0-16,-1-21 0,0 21 16,0 0-16,0-21 15,1 0-15,-22 0 0,21 21 16,0-21-16,-21-1 15,0 1-15,21 0 0,-21 0 16,0 0-16,21 21 0,-21 21 31,0 21-15,21-21-16,-21 22 16,0-22-16,0 21 0,0 0 15,0 1-15,21-22 0,-21 21 16,0-20-16,0 20 15,0-21-15,22 0 0,-22 0 16,0 0 0</inkml:trace>
+  <inkml:trace contextRef="#ctx0" brushRef="#br0" timeOffset="4434">4150 128 0,'0'-21'0,"0"0"16,0 0-1,-21 21 1,0 0-1,21 21-15,0 0 16,-21 0-16,21 0 16,-22 0-16,22 0 0,0 1 15,0-1-15,0 0 16,0 0-16,0 0 16,22 1-16,-22-1 15,21-21-15,-21 21 16,21-21-1,0 0 1,0-21 15,1 0-31,-1-1 16,0 1 0,0 21-16,0 0 15,0-21-15,0 21 0,1 0 16,-1 0-16,0 21 15,0-21-15,0 21 16,1 1-16,-1-1 16,-21 0-1,0 0-15,0 0 0,0 0 16,0 0-16,-21-21 0,-1 22 16,1-1-16,0 0 15,0-21-15,0 21 0,-1 0 16,1-21-16,0 0 0,0-21 31</inkml:trace>
+  <inkml:trace contextRef="#ctx0" brushRef="#br0" timeOffset="4687">4233 65 0,'0'-21'16,"21"21"0,0 0-1,0 0-15,22 0 0,-22 0 16,21 0-16,1 0 16,-1 0-16,0 0 0,-21 0 15,22 21-15,-22-21 0,0 0 16,-21 22-1,-21-1 1</inkml:trace>
+</inkml:ink>
+</file>
+
+<file path=ppt/ink/ink28.xml><?xml version="1.0" encoding="utf-8"?>
+<inkml:ink xmlns:inkml="http://www.w3.org/2003/InkML">
+  <inkml:definitions>
+    <inkml:context xml:id="ctx0">
+      <inkml:inkSource xml:id="inkSrc0">
+        <inkml:traceFormat>
+          <inkml:channel name="X" type="integer" max="1920" units="cm"/>
+          <inkml:channel name="Y" type="integer" max="1080" units="cm"/>
+          <inkml:channel name="T" type="integer" max="2.14748E9" units="dev"/>
+        </inkml:traceFormat>
+        <inkml:channelProperties>
+          <inkml:channelProperty channel="X" name="resolution" value="55.81395" units="1/cm"/>
+          <inkml:channelProperty channel="Y" name="resolution" value="55.6701" units="1/cm"/>
+          <inkml:channelProperty channel="T" name="resolution" value="1" units="1/dev"/>
+        </inkml:channelProperties>
+      </inkml:inkSource>
+      <inkml:timestamp xml:id="ts0" timeString="2020-12-17T06:29:57.934"/>
+    </inkml:context>
+    <inkml:brush xml:id="br0">
+      <inkml:brushProperty name="width" value="0.05" units="cm"/>
+      <inkml:brushProperty name="height" value="0.05" units="cm"/>
+      <inkml:brushProperty name="fitToCurve" value="1"/>
+    </inkml:brush>
+  </inkml:definitions>
+  <inkml:trace contextRef="#ctx0" brushRef="#br0">22 85 0,'-22'0'47,"44"0"62,-22-21-93,21 21-16,0-22 16,0 22-1,0 0 1,-21-21 0,21 21-16,0 0 15,1 0 1,-1 0-16,0 0 15,0 0 1,-21 21 15,21-21-31,1 0 32,-22 22-17,21-22-15,0 21 16,0-21-1,-21 21-15,21-21 16,-21 21-16,21-21 16,-21 21-1,21-21-15,1 0 16,-22 21 0,21-21-1,0 0 16,-21-21-31,21 0 32,0 0-17,-21 0 1,0 0 0,22 21-16,-22-22 0,0 1 15,0 0 1,21 21 62,-21 21-47</inkml:trace>
+</inkml:ink>
+</file>
+
+<file path=ppt/ink/ink29.xml><?xml version="1.0" encoding="utf-8"?>
+<inkml:ink xmlns:inkml="http://www.w3.org/2003/InkML">
+  <inkml:definitions>
+    <inkml:context xml:id="ctx0">
+      <inkml:inkSource xml:id="inkSrc0">
+        <inkml:traceFormat>
+          <inkml:channel name="X" type="integer" max="1920" units="cm"/>
+          <inkml:channel name="Y" type="integer" max="1080" units="cm"/>
+          <inkml:channel name="T" type="integer" max="2.14748E9" units="dev"/>
+        </inkml:traceFormat>
+        <inkml:channelProperties>
+          <inkml:channelProperty channel="X" name="resolution" value="55.81395" units="1/cm"/>
+          <inkml:channelProperty channel="Y" name="resolution" value="55.6701" units="1/cm"/>
+          <inkml:channelProperty channel="T" name="resolution" value="1" units="1/dev"/>
+        </inkml:channelProperties>
+      </inkml:inkSource>
+      <inkml:timestamp xml:id="ts0" timeString="2020-12-17T06:30:30.040"/>
+    </inkml:context>
+    <inkml:brush xml:id="br0">
+      <inkml:brushProperty name="width" value="0.05" units="cm"/>
+      <inkml:brushProperty name="height" value="0.05" units="cm"/>
+      <inkml:brushProperty name="fitToCurve" value="1"/>
+    </inkml:brush>
+  </inkml:definitions>
+  <inkml:trace contextRef="#ctx0" brushRef="#br0">550 64 0,'-21'0'16,"0"-21"-16,0 21 0,0 0 16,-1 0-1,1 0-15,21-21 0,-21 21 16,0 0 0,21-22-1,-21 22 1,0 0-1,0 0-15,-1 0 0,1 0 16,0 0-16,-21 0 16,20 22-16,-20-22 0,0 21 15,21-21-15,0 21 0,-1 0 16,1-21-16,0 21 16,21 1-16,0-1 15,21 0-15,0-21 0,1 21 16,-1 0-16,21-21 15,0 21-15,-21 0 0,22-21 16,-1 22-16,-21-1 16,22-21-16,-22 21 0,0 0 15,0-21-15,0 21 0,-21 1 16,0-1 0,-21 0-16,0 0 15,-21 0 1,21-21-16,-1 21 0,1-21 15,0 0-15,0 21 0,0-21 16,-1 0-16,1 0 16,21-21-16,-21 0 0,0 21 15,21-21-15,-21 0 16,0 0-16,21 0 16,-21-1-16</inkml:trace>
+  <inkml:trace contextRef="#ctx0" brushRef="#br0" timeOffset="444">635 127 0,'0'-21'0,"0"42"31,0 1-15,21-1-1,-21 0-15,0 0 16,0 22-16,0-22 16,0 0-16,0 0 15,0 0-15,0 0 0,21-21 16,-21 21-16,22 1 15,-1-22 1,0 0-16,0 0 16,-21-22-16,21 22 15,-21-21-15,21 0 0,0 21 16,-21-21-16,22 0 0,-22 0 16,0 0-16,21-1 15,-21 1-15,0 0 0,0 0 16</inkml:trace>
+  <inkml:trace contextRef="#ctx0" brushRef="#br0" timeOffset="1128">1270 233 0,'0'-21'47,"-21"0"-32,0 0 1,-1 21-1,1-21-15,0 21 16,0 0-16,0 21 16,0-21-16,21 21 0,-21 0 15,-1 0-15,22 1 16,-21-1-16,21 0 0,0 0 16,0 0-16,0 0 15,0 0-15,21-21 16,1 0-16,-1 0 15,0 0 1,0-21-16,0 0 16,0 21-16,-21-21 0,0 0 15,21 21 1,-21-21-16,0 42 31,0 0-31,0 0 16,22 0-16,-22 22 0,21-22 15,0 21-15,-21 1 16,21-22-16,-21 21 0,21-21 16,-21 0-16,0 0 15,0 1-15,-21-1 0,0 0 16,0-21-16,0 21 0,-1-21 16,-20 0-16,21 0 15,-21 0-15,21 0 0,-1-21 16,1 0-16,0 0 0,0-1 15,21 1-15,0 0 16,0-21-16,21 21 0,0 0 16,0-1-1,22 22-15,-22-21 0,0 21 16,0 0-16,0 0 16,22 0-16,-22 0 0,0 0 15</inkml:trace>
+  <inkml:trace contextRef="#ctx0" brushRef="#br0" timeOffset="1638">1778 360 0,'21'0'16,"0"-21"-16,0 21 15,-21-21-15,0 0 16,0 0-16,0 0 15,-21-1 1,0 1 0,0 21-16,0 0 15,0 21-15,0 1 16,21-1-16,-22-21 0,1 21 16,0 0-16,0 0 0,21 0 15,-21 0-15,21 1 16,0-1-16,0 0 15,21 0 1,0-21-16,0 0 16,0-21-16,1 21 15,-1-21-15,0 0 16,0-1-16,0 1 0,0 0 16,-21 0-16,21 0 0,-21 0 15,22 0-15,-22-1 16,0 1-16,21 21 0,-21 21 31,0 1-31,21-1 0,-21 0 16,0 0-16,21 0 0,-21 21 15,21-20-15,1-1 16,-22 0-16,21 0 0,0-21 16,-21 21-16,21-21 15,0 0-15</inkml:trace>
+  <inkml:trace contextRef="#ctx0" brushRef="#br0" timeOffset="2005">2159 170 0,'0'-21'16,"21"21"-16,-21 21 31,21-21-31,-21 21 16,22 0-16,-22 0 15,21 0-15,0 1 0,-21-1 16,21 21-16,0-21 0,-21 1 16,21-1-16,-21 0 15,0 0-15,0 0 0,0 0 16,0-42 15,0 0-15,0 0-16,0-21 15,21 20-15,1-20 0,-22 0 16,21-1-16,0 1 0,0 0 16,0 21-16,22-1 15,-22 1-15,0 0 0,0 0 16,0 21-16,0 0 16,1 21-16,-22 0 15</inkml:trace>
+  <inkml:trace contextRef="#ctx0" brushRef="#br0" timeOffset="2562">1207 720 0,'21'21'47,"-21"0"-32,0 1-15,0 20 16,0-21-16,21 22 0,-21-22 16,0 21-16,0-21 15,0 21-15,0 1 0,-21-22 16,21 0-16,0 22 15,0-22-15,-21 0 0,21 0 16,0 0-16</inkml:trace>
+  <inkml:trace contextRef="#ctx0" brushRef="#br0" timeOffset="2976">974 1038 0,'-22'0'0,"1"0"16,0 0-1,42 21 1,0 0 0,-21 0-16,22-21 15,-1 21-15,0 1 16,0-22-16,-21 21 0,21 0 15,1-21-15,-1 0 0,0 21 16,0-21-16,21 0 16,-21-21-16,1 21 0,-1-21 15,0 21-15,0-21 0,0-1 16,1 1-16,-1 0 16,0 21-16,0-21 0,-21 0 15,21 21-15,-21-22 16,0 44-1,-21-22 1,21 21-16,-21 0 16,0-21-16,21 42 0,-21-20 15,-1-1-15,1 0 16,21 21-16</inkml:trace>
+</inkml:ink>
+</file>
+
+<file path=ppt/ink/ink3.xml><?xml version="1.0" encoding="utf-8"?>
+<inkml:ink xmlns:inkml="http://www.w3.org/2003/InkML">
+  <inkml:definitions>
+    <inkml:context xml:id="ctx0">
+      <inkml:inkSource xml:id="inkSrc0">
+        <inkml:traceFormat>
+          <inkml:channel name="X" type="integer" max="1920" units="cm"/>
+          <inkml:channel name="Y" type="integer" max="1080" units="cm"/>
+          <inkml:channel name="T" type="integer" max="2.14748E9" units="dev"/>
+        </inkml:traceFormat>
+        <inkml:channelProperties>
+          <inkml:channelProperty channel="X" name="resolution" value="55.81395" units="1/cm"/>
+          <inkml:channelProperty channel="Y" name="resolution" value="55.6701" units="1/cm"/>
+          <inkml:channelProperty channel="T" name="resolution" value="1" units="1/dev"/>
+        </inkml:channelProperties>
+      </inkml:inkSource>
+      <inkml:timestamp xml:id="ts0" timeString="2020-12-17T06:25:24.151"/>
+    </inkml:context>
+    <inkml:brush xml:id="br0">
+      <inkml:brushProperty name="width" value="0.05" units="cm"/>
+      <inkml:brushProperty name="height" value="0.05" units="cm"/>
+      <inkml:brushProperty name="fitToCurve" value="1"/>
+    </inkml:brush>
+  </inkml:definitions>
+  <inkml:trace contextRef="#ctx0" brushRef="#br0">317 318 0,'21'-21'0,"0"21"15,0-21-15,1 21 16,-22-22 15,0 1 0,0 0 1,0 0-32,0 0 15,-22-1 1,1 1 0,0 21-16,0 0 0,0 0 15,0 0-15,0 0 16,-1 21-16,1-21 0,0 22 15,0-1-15,0-21 16,-1 21-16,22 0 0,-21 0 16,21 1-16,0-1 15,21-21-15,1 21 16,-1 0-16,0 0 0,21-21 16,-20 21-16,20-21 15,0 21-15,0 1 0,-20-22 16,20 21-16,-21 0 0,0 0 15,1 0-15,-22 1 16,0-1-16,0 0 0,-22 0 16,1 0-16,0 0 15,0 0-15,-22 1 0,22-1 16,-21-21-16,21 21 0,-21-21 16,-1 0-16,22 0 15,0 0-15,-22 0 0,22 0 16,0-21-16,0 0 15,0-1-15,0 22 0,0-21 16,21 0-16,0 0 16,21 21-1,0 0 1,0 0-16,0 0 16</inkml:trace>
+  <inkml:trace contextRef="#ctx0" brushRef="#br0" timeOffset="558">740 551 0,'21'21'63,"1"-21"-48,-1 0 1,0 0 0,0 0-16,-21-21 15,21 21 1,-21-21-16,0-1 0,0 1 16,0 0-1,-21 21-15,21-21 16,-21 21-16,0 0 0,0 0 15,-1 0 1,1 0-16,21 21 0,-21 0 16,0 0-16,21 1 0,0-1 15,0 0-15,0 0 16,0 0-16,0 0 0,0 0 16,21 1-16,0-1 15,0 0-15,1-21 16,-1 0-16,21 0 15,-21 0-15</inkml:trace>
+  <inkml:trace contextRef="#ctx0" brushRef="#br0" timeOffset="1019">1058 424 0,'21'0'62,"-21"21"-62,21-21 16,-21 21-16,0 0 16,21-21-16,-21 21 0,0 0 15,0 1-15,0-1 16,-21 0-16,21 0 15,-21-21 1,21-21 0,0 0-1,0 0-15,0-1 16,0 1 0,21 0-16,-21 0 0,21 0 15,0 0-15,-21 0 0,22 21 16,-1 0-16,0 0 15,0 0-15,-21 21 0,21 0 16,1 0-16,-1 0 16,-21 0-16,0 0 15,0 1-15,21-1 0,-21 0 16,0 0-16,0 0 16,0 1-16</inkml:trace>
+  <inkml:trace contextRef="#ctx0" brushRef="#br0" timeOffset="1475">1671 445 0,'0'-21'16,"-21"0"-1,21-1 1,-22 22-16,22-21 16,-21 21-16,0 0 15,0 21 1,0-21-16,21 22 16,-22-1-16,1 0 15,21 0-15,0 0 16,0 0-1,21 0-15,1-21 16,-1 0-16,0 0 0,0 22 16,0-22-16,1 0 15,-1 0-15,0 0 16,-21 21-16,21-21 0,-21 21 16,-21 0-1,0-21-15,0 21 0,-1 1 16,1-22-16,0 21 15,0-21-15,0 0 16,-1 0-16,22-21 16,-21-1-16,21 1 15</inkml:trace>
+  <inkml:trace contextRef="#ctx0" brushRef="#br0" timeOffset="1763">1820 381 0,'21'-21'32,"-21"42"-1,21-21-16,-21 21-15,0 1 0,0-1 16,21 0-16,-21 0 16,0 0-16,0 1 0,0-1 15,0 0-15,0 0 0,0 0 16,-21-21-16,21 21 16</inkml:trace>
+  <inkml:trace contextRef="#ctx0" brushRef="#br0" timeOffset="1943">1799 170 0,'0'21'31,"0"0"-16,21-21-15,0 21 16</inkml:trace>
+  <inkml:trace contextRef="#ctx0" brushRef="#br0" timeOffset="2218">2137 85 0,'-21'0'0,"0"0"31,21 21-31,0 0 0,0 1 16,0-1-16,0 21 0,0-21 16,0 21-16,0 1 15,0-1-15,0 1 0,0-22 16,0 21-16,0-21 15,0 21-15,0-20 0,0-1 16,0 0-16,0 0 0,-21 0 16</inkml:trace>
+  <inkml:trace contextRef="#ctx0" brushRef="#br0" timeOffset="2670">1968 487 0,'0'-21'15,"0"0"-15,-21 21 16,21-21 0,21 21-16,0 0 15,0 0-15,0-22 0,1 22 16,20 0-16,-21 0 16,22-21-16,-22 21 0,21 0 15,-21 0-15,0-21 0,0 21 16,1 0-16,-1-21 15,-21 0 1,-21 21 15,-1 0-15,22 21 0,0 0-16,0 0 15,0 0-15,0 1 16,0 20-16,0-21 0,0 0 15,0 1-15,0-1 0,0 0 16,0 0-16,22-21 16,-22 21-16,0 0 15,0 0 17,0-42-1</inkml:trace>
+  <inkml:trace contextRef="#ctx0" brushRef="#br0" timeOffset="2916">2434 170 0,'21'0'47,"-21"21"-31</inkml:trace>
+  <inkml:trace contextRef="#ctx0" brushRef="#br0" timeOffset="3329">2624 275 0,'-21'0'0,"0"0"32,21 22-17,0-1-15,21-21 16,-21 42-16,0-21 16,21 1-16,-21-1 0,0 0 15,21 21-15,-21-21 16,0 0-16,0 1 0,0-1 15,0 0-15,21-21 16,-21-21 0,22 0-1,-22-1-15,0 1 16,21 0-16,-21 0 16,21 0-16,-21 0 0,21-22 15,-21 22-15,0 0 16,21 0-16,-21 0 15,22 21 1</inkml:trace>
+  <inkml:trace contextRef="#ctx0" brushRef="#br0" timeOffset="3576">2984 275 0,'-21'0'32,"21"22"-17,0-1 1,0 0-16,0 0 0,0 0 16,0 1-16,0-1 15,0 0-15,0 0 0,0 0 16,-21 0-16,21 0 0,0 1 31</inkml:trace>
+  <inkml:trace contextRef="#ctx0" brushRef="#br0" timeOffset="3738">3005 64 0,'0'-21'0,"0"42"47,21-21-47,-21 21 16</inkml:trace>
+  <inkml:trace contextRef="#ctx0" brushRef="#br0" timeOffset="3989">3258 0 0,'0'22'16,"0"-1"0,0 0-16,0 0 15,-21 0-15,21 21 16,0-20-16,0 20 0,0 0 15,0 1-15,-21-22 0,21 21 16,0 0-16,-21-20 16,21-1-16,0 21 0,0-21 15,-21-21-15,21 22 16,0-1-16</inkml:trace>
+  <inkml:trace contextRef="#ctx0" brushRef="#br0" timeOffset="4686">3153 424 0,'0'-22'0,"-21"1"16,21 0-16,-21 0 16,42 21 15,0 0-15,1 21-1,-1-21-15,0 0 16,0 0-16,0 0 0,0-21 15,22 21-15,-22 0 16,0-21-16,0 0 16,0 21-16,-21-21 0,22 21 15,-22-22-15,0 1 16,0 0 0,-22 21-1,22 21-15,-21 0 16,21 1-16,0-1 15,-21 0-15,21 0 16,0 21-16,0-21 0,0 1 16,0-1-1,21 0-15,0-21 16,1-21 0,-1 0-1,-21-1 1,21 1-1,-21 0 1,0 42 0,0 0-16,0 1 15,0-1-15,0 0 0,0 21 16,-21-20-16,21 20 16,-21 0-16,21-21 0,-22 0 15,1 22-15,21-22 0,-21 0 16,0-21-16,0 21 15,-1-21-15,1 0 16,0 0-16,0-21 16,0 0-16,0 21 0,21-21 15,0-22-15,-21 22 0,21 0 16,0 0-16,21 0 16,-21 0-16,21 0 0,0-1 15,0 22-15,0 0 16,0 0-16,1 0 0,-1-21 15,0 21-15,0 0 0</inkml:trace>
+  <inkml:trace contextRef="#ctx0" brushRef="#br0" timeOffset="5333">3831 212 0,'0'21'0,"-21"-21"0,-1 0 16,44 0 15,-1 0-15,0 0-16,21 0 15,-21 0-15,0 0 0,22 0 16,-22 0-16,0 0 16,0 21-16</inkml:trace>
+  <inkml:trace contextRef="#ctx0" brushRef="#br0" timeOffset="5526">3959 360 0,'-21'21'0,"-1"-21"16,1 0-16,0 21 0,0-21 15,0 22-15,21-1 47,21-21-47,0 0 16,0 0 0,0 0-16,1 0 0,20 0 15,-21 0-15</inkml:trace>
+</inkml:ink>
+</file>
+
+<file path=ppt/ink/ink30.xml><?xml version="1.0" encoding="utf-8"?>
+<inkml:ink xmlns:inkml="http://www.w3.org/2003/InkML">
+  <inkml:definitions>
+    <inkml:context xml:id="ctx0">
+      <inkml:inkSource xml:id="inkSrc0">
+        <inkml:traceFormat>
+          <inkml:channel name="X" type="integer" max="1920" units="cm"/>
+          <inkml:channel name="Y" type="integer" max="1080" units="cm"/>
+          <inkml:channel name="T" type="integer" max="2.14748E9" units="dev"/>
+        </inkml:traceFormat>
+        <inkml:channelProperties>
+          <inkml:channelProperty channel="X" name="resolution" value="55.81395" units="1/cm"/>
+          <inkml:channelProperty channel="Y" name="resolution" value="55.6701" units="1/cm"/>
+          <inkml:channelProperty channel="T" name="resolution" value="1" units="1/dev"/>
+        </inkml:channelProperties>
+      </inkml:inkSource>
+      <inkml:timestamp xml:id="ts0" timeString="2020-12-17T06:30:33.514"/>
+    </inkml:context>
+    <inkml:brush xml:id="br0">
+      <inkml:brushProperty name="width" value="0.05" units="cm"/>
+      <inkml:brushProperty name="height" value="0.05" units="cm"/>
+      <inkml:brushProperty name="fitToCurve" value="1"/>
+    </inkml:brush>
+  </inkml:definitions>
+  <inkml:trace contextRef="#ctx0" brushRef="#br0">0 106 0,'0'-21'16,"0"0"0,0-1-1,21 22 1,-21 22 0,0-1-1,0 0-15,0 0 0,0 0 16,0 22-16,0-22 15,0 21-15,0-21 0,0 22 16,0-22-16,0 21 0,0-21 16,0 1-16,0-1 15,0 0-15</inkml:trace>
+  <inkml:trace contextRef="#ctx0" brushRef="#br0" timeOffset="414">572 148 0,'21'-21'16,"0"21"-1,-21-21-15,0 0 32,-21 21-1,0 0-31,0 0 16,-1 21-1,1-21-15,21 21 16,-21 0-16,0 0 0,21 22 15,0-22-15,-21 0 16,21 22-16,0-22 0,0 0 16,21 0-16,0 0 15,21-21-15,-20 21 16,-1-21-16,21 0 0,-21 0 16,0-21-16,22 21 15,-22-21-15,0 0 0</inkml:trace>
+  <inkml:trace contextRef="#ctx0" brushRef="#br0" timeOffset="1128">974 64 0,'-21'0'47,"21"21"-15,0 0-32,0 0 15,-22-21-15,22 21 0,0 1 16,0-1-16,-21 0 15,21 0-15,0 0 0,0 0 16,-21 0-16,21 1 16,0-44 15,21 1-15,-21 0-1,21-21-15,-21 21 16,22 0-16,-22-22 0,21 1 15,-21 21-15,21-1 0,0 1 16,-21 0-16,21 21 16,1 0-16,-22 21 15,21 0-15,-21 1 16,0-1-16,21 21 0,-21-21 16,0 22-16,0-22 0,0 0 15,21 0-15,-21 0 16,0 0-16,0 1 15,0-44 17,21 22-32,-21-21 0,0 0 15,21 0-15,-21 0 16,21-21-16,-21 20 0,22-20 16,-1 21-16,0 0 15,0-22-15,0 22 16,1 21-16,-1 21 15,0-21-15,-21 21 16,21 1-16,-21 20 0,0-21 16,21 43-16,-21-43 15,0 0-15,0 21 16,0-21-16</inkml:trace>
+</inkml:ink>
+</file>
+
+<file path=ppt/ink/ink31.xml><?xml version="1.0" encoding="utf-8"?>
+<inkml:ink xmlns:inkml="http://www.w3.org/2003/InkML">
+  <inkml:definitions>
+    <inkml:context xml:id="ctx0">
+      <inkml:inkSource xml:id="inkSrc0">
+        <inkml:traceFormat>
+          <inkml:channel name="X" type="integer" max="1920" units="cm"/>
+          <inkml:channel name="Y" type="integer" max="1080" units="cm"/>
+          <inkml:channel name="T" type="integer" max="2.14748E9" units="dev"/>
+        </inkml:traceFormat>
+        <inkml:channelProperties>
+          <inkml:channelProperty channel="X" name="resolution" value="55.81395" units="1/cm"/>
+          <inkml:channelProperty channel="Y" name="resolution" value="55.6701" units="1/cm"/>
+          <inkml:channelProperty channel="T" name="resolution" value="1" units="1/dev"/>
+        </inkml:channelProperties>
+      </inkml:inkSource>
+      <inkml:timestamp xml:id="ts0" timeString="2020-12-17T06:30:39.167"/>
+    </inkml:context>
+    <inkml:brush xml:id="br0">
+      <inkml:brushProperty name="width" value="0.05" units="cm"/>
+      <inkml:brushProperty name="height" value="0.05" units="cm"/>
+      <inkml:brushProperty name="fitToCurve" value="1"/>
+    </inkml:brush>
+  </inkml:definitions>
+  <inkml:trace contextRef="#ctx0" brushRef="#br0">198 211 0,'0'-21'31,"21"21"-31,-21-21 15,0 0 17,-21 21-32,0 0 15,0 0 1,-1 0-16,1 21 0,0-21 16,21 21-16,-21 0 0,0 22 15,-1-22-15,1 0 16,21 21-16,0-20 0,0-1 15,0 21-15,0-21 16,0 0-16,21-21 0,1 21 16,-1-21-16,0 22 0,0-22 15,22 0-15,-22-22 16,21 22-16,-21-21 0,0 0 16,0 0-16,1 0 15</inkml:trace>
+  <inkml:trace contextRef="#ctx0" brushRef="#br0" timeOffset="413">346 127 0,'0'-21'0,"0"-1"16,0 1-16,0 42 31,0 1-15,21-22-16,-21 42 15,0-21-15,21 0 0,-21 0 16,0 22-16,0-22 15,0 21-15,0-21 0,0 1 16,0 20-16,0-21 0,0 0 16,0 0-1,0 0-15,0-42 47,0 0-47,22 0 16,-22 0-1,21 0-15,0 0 0,-21-1 16,21 1-16,0 21 16,0 0-16,0 0 0,1 0 15,-1 21-15,-21 1 0,21-1 16,0 0-16,-21 0 16,0 0-16,21 0 0,-21 0 15,0 1-15,0-1 16,0 0-1</inkml:trace>
+  <inkml:trace contextRef="#ctx0" brushRef="#br0" timeOffset="1247">790 381 0,'-21'0'15,"0"0"1,42 0 0,0 0-1,1 0 1,-1 0-16,0-22 16,0 22-16,0 0 0,1-21 15,-1 21-15,0 0 16,-21-21-16,0 0 15,0 0 1,-21 0-16,0 21 16,-1-21-16,1 21 15,0 0-15,0 21 16,0-21-16,-1 21 0,22 0 16,-21 0-16,0 0 15,21 0-15,-21 1 0,21-1 16,0 0-16,-21 0 0,21 0 15,0 1-15,21-1 16,0 0-16,0-21 16,0 0-16,22 0 15,-22 0-15,21 0 0,-20 0 16,20 0-16,0-21 0,0 21 16,-20-21-16,20 21 15,-21-22-15,0 1 0,22 0 16,-43 0-16,21 0 15,0-1-15,0 1 0,-21 0 16,21 0-16,-21 0 0,21-21 31,-21 20-31,-21 1 32,0 21-32,0 0 15,0 0-15,0 21 16,0-21-1,-1 22-15,22-1 16,0 0 0,0 0-16,22 0 15,-1-21-15,0 21 16,0 0 0,0 1-16,0-22 0,0 21 15,1-21-15,-1 21 0,-21 0 16,0 0-1,-21 1 1,-1-22-16,22 21 16,-42-21-16,21 0 0,0 0 15,0 0-15,0 0 16,21-21 0,0-1-16</inkml:trace>
+  <inkml:trace contextRef="#ctx0" brushRef="#br0" timeOffset="1498">1426 42 0,'21'-21'15,"-21"0"-15,21 21 16,-21 21 15,21 0-31,-21 0 16,0 0-16,21 1 0,-21 20 15,0-21-15,21 21 16,-21-21-16,0 22 0,0-22 16,21 21-16,-21-20 0,0 20 15,0-21-15,0 0 16,0 0-16,0 0 16</inkml:trace>
+  <inkml:trace contextRef="#ctx0" brushRef="#br0" timeOffset="1679">1447 317 0,'0'-21'0,"0"0"16,21 21 0,-21-21-16,21 21 15,0 0-15,0-21 0,1 21 16,20 0-16,-21 0 15,0-22-15,0 22 0,0 0 16,1 0-16</inkml:trace>
+  <inkml:trace contextRef="#ctx0" brushRef="#br0" timeOffset="2268">1851 127 0,'0'-22'0,"0"1"15,0 0-15,21 21 16,0 0 15,-21 21-31,0 0 16,0 1-16,0 20 0,0-21 15,0 22-15,0-1 0,0 0 16,0 0-16,0 1 16,0-1-16,0 1 0,0-22 15,21 21-15,-21-21 0,0 0 16,21 0-16,-21 1 16,0-1-16,22-21 15,-44-21 16,22-1-31,-21-20 16,21 21-16,-21-21 16,21 21-16,0-22 0,-21 1 15,21-1-15,0 22 16,0-21-16,21 21 0,-21 0 16,21 21-16,0-21 0,1 21 15,-1 0 1,0 21-16,0-21 0,-21 21 15,21-21-15,-21 21 16,0 0-16,0 0 16,-21-21-16,21 21 15,-21-21-15,21 22 16,-21-22-16,0 0 0,21 21 16,-22-21-16,44 0 31</inkml:trace>
+  <inkml:trace contextRef="#ctx0" brushRef="#br0" timeOffset="2922">2145 338 0,'21'0'0,"-21"-21"0,21 21 16,-21-21-16,0 0 16,0 0-1,-21 42 32,0 0-47,21 0 16,-21-21-16,21 21 15,-21 0-15,21 1 0,0-1 16,0 0 0,0 0-16,21-21 15,0 0-15,0 0 16,0 0-16,1 0 15,-1-21-15,0 21 0,0-21 16,-21 0-16,21-1 16,1 1-16,-22 0 0,0 0 15,21 0-15,-21 0 16,0 0 0,0 42-1,0 0 1,21 0-16,-21 0 0,0 0 15,0 0-15,21 1 0,-21-1 16,21 0 0,0-21-16,-21 21 15,21-21-15,-21-21 16,22 21 0,-22-21-16,0 0 0,21-1 15,-21 1 1,0 0-16,0 0 0,0 0 15,0 0-15,0 0 16,0 42 0,21 0-1,-21 0 1,0 0-16,21 0 16,-21 0-16,21 1 15,-21-1-15,22-21 31</inkml:trace>
+  <inkml:trace contextRef="#ctx0" brushRef="#br0" timeOffset="3072">2590 63 0,'0'-21'0,"0"0"0,-22 21 31,22 21-31,0 0 16,0 0-16,0 0 0,0 1 16,0-1-16</inkml:trace>
+  <inkml:trace contextRef="#ctx0" brushRef="#br0" timeOffset="3443">2632 232 0,'21'0'0,"0"0"31,1 0-15,-1 0 0,-21 22-16,21-22 15,-21 21-15,21 0 0,-21 0 16,21 0-16,-21 1 16,0-1-1,-21-21 32,21-21-31,0-1-16,21 1 15,-21 0-15,21 0 16,-21 0-16,21-1 16,1 1-16,-1 21 0,0 0 15,0 0-15,0 21 16,1 1-16,-22-1 15,0 21-15,0 1 16,-22-1-16,22 21 0,-21-20 16,0-1-16</inkml:trace>
+  <inkml:trace contextRef="#ctx0" brushRef="#br0" timeOffset="3858">1277 825 0,'0'-21'0,"0"0"15,0 0 1,22 21 0,-1 0-1,-21 21 1,21 0-16,-21 0 0,0 0 15,21 22-15,-21-1 16,0-21-16,21 21 0,-21-20 16,0 20-16,0-21 15,0 0-15,0 1 0,-21-1 16,21 0-16,-21 0 0</inkml:trace>
+  <inkml:trace contextRef="#ctx0" brushRef="#br0" timeOffset="4194">1193 1122 0,'0'-22'0,"0"1"16,0 0-1,21 21 1,-21 21 0,21 0-16,0 1 15,0-22-15,1 21 16,-1 0-16,0 0 15,0-21-15,21 0 16,-21 0-16,1 0 16,-1 0-16,0-21 0,21 21 15,-20-21-15,-1 21 0,-21-21 16,21-1-16,0 1 16,0 0-16,-21 0 15,0 0 1,-21 21-16,21 21 15,-21 0-15,0 0 0,0 0 16,-1 22-16,-20-22 16,21 21-16</inkml:trace>
+</inkml:ink>
+</file>
+
+<file path=ppt/ink/ink32.xml><?xml version="1.0" encoding="utf-8"?>
+<inkml:ink xmlns:inkml="http://www.w3.org/2003/InkML">
+  <inkml:definitions>
+    <inkml:context xml:id="ctx0">
+      <inkml:inkSource xml:id="inkSrc0">
+        <inkml:traceFormat>
+          <inkml:channel name="X" type="integer" max="1920" units="cm"/>
+          <inkml:channel name="Y" type="integer" max="1080" units="cm"/>
+          <inkml:channel name="T" type="integer" max="2.14748E9" units="dev"/>
+        </inkml:traceFormat>
+        <inkml:channelProperties>
+          <inkml:channelProperty channel="X" name="resolution" value="55.81395" units="1/cm"/>
+          <inkml:channelProperty channel="Y" name="resolution" value="55.6701" units="1/cm"/>
+          <inkml:channelProperty channel="T" name="resolution" value="1" units="1/dev"/>
+        </inkml:channelProperties>
+      </inkml:inkSource>
+      <inkml:timestamp xml:id="ts0" timeString="2020-12-17T06:30:44.140"/>
+    </inkml:context>
+    <inkml:brush xml:id="br0">
+      <inkml:brushProperty name="width" value="0.05" units="cm"/>
+      <inkml:brushProperty name="height" value="0.05" units="cm"/>
+      <inkml:brushProperty name="fitToCurve" value="1"/>
+    </inkml:brush>
+  </inkml:definitions>
+  <inkml:trace contextRef="#ctx0" brushRef="#br0">0 280 0,'0'-21'16,"0"0"-16,0 0 16,22 0-1,-22-1-15,21 1 16,-21 0-16,21 21 0,-21-21 15,21 21-15,0-21 16,0 21-16,0-22 0,1 22 16,20 0-16,-21 0 15,0 0-15,1 0 0,-1 0 16,0 22-16,0-1 0,-21 0 16,0 0-16,0 0 15,0 1-15,0-1 0,-21 21 16,0-21-16,0 0 15,-1 0-15,1 1 0,0-1 16,-21 0-16,20-21 0,1 21 16,0-21-16,0 21 15,0-21-15,42 0 47,0 0-31,21-21-16,-20 21 15,20 0-15,0 0 0,1 0 16,-1-21-16,-21 21 16,21 0-16,1 0 0,-1 0 15,-21 0-15,1 0 0,-1 0 16,0 0-16,0 0 16,-42 0 62,0 0-47</inkml:trace>
+  <inkml:trace contextRef="#ctx0" brushRef="#br0" timeOffset="1933">1038 174 0,'21'-21'31,"0"0"-15,-21 0-1,0 0 1,-21 21 0,0 0-16,-1 0 15,1 21-15,0-21 0,0 21 16,-22 0-16,22 0 0,0 1 15,0 20-15,0-21 16,21 0-16,-21 21 0,21-20 16,0-1-16,0 21 15,21-21-15,0 1 0,0-1 16,0-21-16,0 21 0,22-21 16,-22 21-16,21-21 15,1 0-15,-1-21 0,-21 0 16,21 21-16,1-43 15</inkml:trace>
+  <inkml:trace contextRef="#ctx0" brushRef="#br0" timeOffset="2600">1419 90 0,'21'0'0,"-21"21"62,0 0-46,0 0-16,0 0 0,0 1 15,-21-1-15,21 0 0,0 21 16,0-21-16,0 0 16,0 1-16,0-1 0,0 0 15,0 0 1,0-42 15,0 0-15,0 0-1,21-22-15,-21 22 0,0-21 16,21 21-16,0-22 16,-21 1-16,21 0 0,0 20 15,-21-20-15,21 21 16,1 21-16,-1 0 0,0 0 15,0 21-15,0 0 16,-21 0-16,22 22 16,-22-22-16,0 0 0,0 22 15,0-22-15,21 0 16,-21 0-16,0 0 0,0 0 16,0 0-16,0 1 0,-21-22 15,21 21-15,0-42 47,0-1-47,0 1 0,0 0 16,21-21-16,-21 0 15,21 20-15,0-20 0,0 21 16,0-22-16,0 22 0,1 0 16,-1 21-16,0 21 15,0-21-15,-21 21 16,21 22-16,-21-22 0,0 21 15,0 1-15,0-22 16,0 21-16,0 0 0,-21-20 16,0 20-16</inkml:trace>
+</inkml:ink>
+</file>
+
+<file path=ppt/ink/ink33.xml><?xml version="1.0" encoding="utf-8"?>
+<inkml:ink xmlns:inkml="http://www.w3.org/2003/InkML">
+  <inkml:definitions>
+    <inkml:context xml:id="ctx0">
+      <inkml:inkSource xml:id="inkSrc0">
+        <inkml:traceFormat>
+          <inkml:channel name="X" type="integer" max="1920" units="cm"/>
+          <inkml:channel name="Y" type="integer" max="1080" units="cm"/>
+          <inkml:channel name="T" type="integer" max="2.14748E9" units="dev"/>
+        </inkml:traceFormat>
+        <inkml:channelProperties>
+          <inkml:channelProperty channel="X" name="resolution" value="55.81395" units="1/cm"/>
+          <inkml:channelProperty channel="Y" name="resolution" value="55.6701" units="1/cm"/>
+          <inkml:channelProperty channel="T" name="resolution" value="1" units="1/dev"/>
+        </inkml:channelProperties>
+      </inkml:inkSource>
+      <inkml:timestamp xml:id="ts0" timeString="2020-12-17T06:30:52.745"/>
+    </inkml:context>
+    <inkml:brush xml:id="br0">
+      <inkml:brushProperty name="width" value="0.05" units="cm"/>
+      <inkml:brushProperty name="height" value="0.05" units="cm"/>
+      <inkml:brushProperty name="fitToCurve" value="1"/>
+    </inkml:brush>
+  </inkml:definitions>
+  <inkml:trace contextRef="#ctx0" brushRef="#br0">211 146 0,'-21'0'15,"0"0"1,0 0 0,0 21-1,0-21-15,21 21 16,-22 0-16,1 0 0,21 1 15,-21-1-15,0 0 0,21 21 16,0-21-16,-21 0 16,21 1-16,0-1 0,0 0 15,21 0-15,0 0 16,0-21 0,0 0-16,1 0 0,20 0 15,-21 0-15,0-21 16,0 21-16,0-21 0,1 0 15,-1 0-15,0-1 16,-21 1-16,21 0 0,-21 0 16,0 0-16,0-21 0,-21 20 15,21 1-15,0 0 16,-21 21-16,21-21 0,-21 21 16,-1-21-16,1 21 15,0 0 1,0 21-16,0-21 15,0 21-15,21 0 32</inkml:trace>
+  <inkml:trace contextRef="#ctx0" brushRef="#br0" timeOffset="557">487 61 0,'0'-21'15,"0"0"-15,0 0 0,0 42 47,0 0-47,0 0 0,0 0 16,0 21-16,0-20 15,0 20-15,0-21 0,0 22 16,0-22-16,0 0 16,-22 0-16,22 0 0,0 0 15,0 0-15,0 1 0,0-1 16,-21 0 0,21-42 15,0 0-16,0-1-15,0 1 16,21 0-16,1 0 16,-22 0-16,21 0 0,0 0 15,21-1-15,-21 22 16,0 0-16,1 0 0,-1 0 16,21 0-16,-42 22 0,21-1 15,1-21-15,-1 21 16,-21 0-16,0 0 0,21 0 15,-21 0-15,0 1 16,-21-1-16,21 0 16,-21-21-16,-1 21 0,1-21 15,0 0-15,0 0 16,0 0-16,-1 0 0,1 0 16,0 0-16,0-21 15</inkml:trace>
+  <inkml:trace contextRef="#ctx0" brushRef="#br0" timeOffset="1085">972 314 0,'-21'0'47,"21"21"0,21-21-47,0 0 16,1 0-1,-1 0-15,0 0 16,0-21-16,0 21 16,-21-21-1,0 0 1,-21 0 0,0 21-16,0 0 0,21-22 15,-21 22-15,-1 0 0,1 0 16,0 0-16,0 0 15,0 22-15,0-22 0,21 21 16,-21 0-16,21 0 16,0 0-16,0 0 0,0 0 15,0 1-15,21-1 0,0-21 16,0 21-16,0 0 16,21-21-16,-20 0 0,20 21 15,0-21-15,-20 0 0,20 0 16,0-21-16,-21 21 15,0-21-15</inkml:trace>
+  <inkml:trace contextRef="#ctx0" brushRef="#br0" timeOffset="1271">1333 273 0,'0'-22'0,"0"1"16,-21 21-16,21-21 16,0 42-1,0 0 1,0 1-16,0-1 15,0 0-15,-21 0 0,21 22 16,0-22-16,0 0 16,0 0-16,0 0 0,0 0 15</inkml:trace>
+  <inkml:trace contextRef="#ctx0" brushRef="#br0" timeOffset="1469">1375 40 0,'-21'0'16,"0"0"-1,21 21-15,0 0 16,0 0-1</inkml:trace>
+  <inkml:trace contextRef="#ctx0" brushRef="#br0" timeOffset="2172">1503 315 0,'0'21'15,"21"-21"-15,0 21 32,0-21-17,0 0-15,0 0 16,0 0-16,1-21 16,-1 21-1,0 0-15,-21-21 16,21 0-1,-21 0 1,0 0-16,0-1 16,-21 22-1,0-21-15,0 21 16,-1 21 0,1 1-16,0-22 15,0 21-15,21 0 0,-21-21 16,21 21-16,-21 0 15,21 0-15,0 0 0,0 1 16,21-1 0,-21 0-16,21-21 0,0 21 15,0-21-15,0 0 0,22 0 16,-22 0-16,21 0 16,-20-21-16,20 21 0,-21-21 15,21 0-15,-21 21 16,1-22-16,-1 1 0,0 0 15,-21 0-15,21-21 16,-21 21-16,0-1 0,21 1 16,-21 0-16,0 0 15,0 42 17,0 0-32,0 0 15,0 1-15,0-1 16,0 0-16,0 0 15,22 0-15,-22 0 16,21 0-16,-21 1 0,21-1 16,-21 0-16,0 0 15,-21-21-15,0 21 16,-22-21-16,1 22 0,-1-22 16,1 0-16,-21 0 15</inkml:trace>
+  <inkml:trace contextRef="#ctx0" brushRef="#br0" timeOffset="2897">846 569 0,'0'-21'16,"0"42"31,0 0-47,0 22 15,0-22-15,0 21 16,0-21-16,0 21 0,0 1 15,0-1-15,0 1 16,0-1-16,0-21 0,0 21 16,0-21-16,0 1 0,0-1 15,0 0-15</inkml:trace>
+  <inkml:trace contextRef="#ctx0" brushRef="#br0" timeOffset="3318">656 931 0,'-21'0'0,"0"0"16,-1 0 0,22 21-1,0 0 1,22-21-16,-22 21 15,0 0-15,21 1 0,0-1 16,0 0-16,0-21 16,0 21-16,0-21 15,1 0-15,20 21 0,-21-21 16,0 0-16,1 0 16,-1-21-16,21 21 0,-21-21 15,0 0-15,0 21 0,-21-21 16,22-1-16,-1 1 15,0 0-15,0 0 16,-21 0 0,0 42-1,-21-21-15,21 21 16,-21 0-16,0 0 16,21 1-16,-22-1 0,1 0 15,0 0-15,0 0 0,-21 1 16</inkml:trace>
+</inkml:ink>
+</file>
+
+<file path=ppt/ink/ink34.xml><?xml version="1.0" encoding="utf-8"?>
+<inkml:ink xmlns:inkml="http://www.w3.org/2003/InkML">
+  <inkml:definitions>
+    <inkml:context xml:id="ctx0">
+      <inkml:inkSource xml:id="inkSrc0">
+        <inkml:traceFormat>
+          <inkml:channel name="X" type="integer" max="1920" units="cm"/>
+          <inkml:channel name="Y" type="integer" max="1080" units="cm"/>
+          <inkml:channel name="T" type="integer" max="2.14748E9" units="dev"/>
+        </inkml:traceFormat>
+        <inkml:channelProperties>
+          <inkml:channelProperty channel="X" name="resolution" value="55.81395" units="1/cm"/>
+          <inkml:channelProperty channel="Y" name="resolution" value="55.6701" units="1/cm"/>
+          <inkml:channelProperty channel="T" name="resolution" value="1" units="1/dev"/>
+        </inkml:channelProperties>
+      </inkml:inkSource>
+      <inkml:timestamp xml:id="ts0" timeString="2020-12-17T06:30:57.490"/>
+    </inkml:context>
+    <inkml:brush xml:id="br0">
+      <inkml:brushProperty name="width" value="0.05" units="cm"/>
+      <inkml:brushProperty name="height" value="0.05" units="cm"/>
+      <inkml:brushProperty name="fitToCurve" value="1"/>
+    </inkml:brush>
+  </inkml:definitions>
+  <inkml:trace contextRef="#ctx0" brushRef="#br0">0 172 0,'21'0'31,"-21"-21"-15,0 0-16,21-1 15,-21 1 1,22 0-16,-1 0 16,0 0-1,0 21-15,0 0 16,1-22-16,-1 22 0,0 0 16,21 0-16,-21 0 0,22 0 15,-22 22-15,0-22 16,0 21-16,0-21 0,-21 21 15,0 0-15,0 0 16,0 1-16,-21-1 16,0 0-16,0 0 15,0 0-15,-1-21 16,1 21-16,0 0 16,0-21-16,0 22 15,0-22-15,21 21 16,21-21 31,0 0-32,0 0-15,0 0 0,0 0 16,1 0-16,-1 21 0,0-21 16,21 21-16,-20 0 15,-1 1-15,0-22 0,0 21 16,-21 0-16,21 0 15,-21 0-15,0 0 0,0 0 16,0 1-16,-21-1 16,0 0-16,0-21 15,0 21-15,-1-21 0,-20 0 16,21 0-16,0 0 16,-22 0-16,22 0 0,0 0 15,0-21-15,0 21 0,0-21 16,-1 21-1,22-21-15,-21-1 32</inkml:trace>
+  <inkml:trace contextRef="#ctx0" brushRef="#br0" timeOffset="516">910 340 0,'0'-21'31,"0"0"-15,0 0-16,0 0 15,-21 21 1,0 0 0,0 0-16,0 0 15,-1 21-15,1 0 16,0 0-16,21 0 0,-21 0 16,0 0-16,21 1 15,0 20-15,-21-21 0,21 0 16,0 1-16,21-1 0,0 0 15,0 0-15,0-21 16,0 21-16,22-21 0,-1 0 16,-21 0-16,22 0 15,-1 0-15,0-21 0</inkml:trace>
+  <inkml:trace contextRef="#ctx0" brushRef="#br0" timeOffset="1255">1228 278 0,'-21'0'16,"21"-22"15,0 44-15,0-1-1,0 0 1,0 0-16,0 0 15,0 1-15,0 20 0,0-21 16,0 0-16,0 0 0,21 0 16,-21 1-1,0-1-15,21-21 16,0-21 0,-21-1-1,0 1-15,21 0 16,-21 0-16,0 0 0,21-21 15,-21 20-15,0-20 0,22 21 16,-1-22-16,-21 22 16,21 0-16,-21 0 0,21 0 15,0 21-15,1 21 16,-1 0 0,-21 0-16,0 0 15,0 1-15,21 20 16,-21-21-16,0 0 0,0 1 15,0-1-15,21 0 16,-21 0-16,0 0 16,0-42 46,0 0-46,0 0-16,21 0 0,-21-1 15,0-20-15,21 21 16,0 0-16,-21-22 0,22 22 16,-22 0-16,21 21 0,-21-21 15,21 21 1,-21 21-16,0 0 0,21 0 16,-21 0-16,21 1 15,-21-1-15,22 0 0,-22 0 16,0 22-16,21-22 0,-21 0 15,0 0 1,0 0-16,0 0 0,-21 0 16</inkml:trace>
+</inkml:ink>
+</file>
+
+<file path=ppt/ink/ink35.xml><?xml version="1.0" encoding="utf-8"?>
+<inkml:ink xmlns:inkml="http://www.w3.org/2003/InkML">
+  <inkml:definitions>
+    <inkml:context xml:id="ctx0">
+      <inkml:inkSource xml:id="inkSrc0">
+        <inkml:traceFormat>
+          <inkml:channel name="X" type="integer" max="1920" units="cm"/>
+          <inkml:channel name="Y" type="integer" max="1080" units="cm"/>
+          <inkml:channel name="T" type="integer" max="2.14748E9" units="dev"/>
+        </inkml:traceFormat>
+        <inkml:channelProperties>
+          <inkml:channelProperty channel="X" name="resolution" value="55.81395" units="1/cm"/>
+          <inkml:channelProperty channel="Y" name="resolution" value="55.6701" units="1/cm"/>
+          <inkml:channelProperty channel="T" name="resolution" value="1" units="1/dev"/>
+        </inkml:channelProperties>
+      </inkml:inkSource>
+      <inkml:timestamp xml:id="ts0" timeString="2020-12-17T06:31:03.436"/>
+    </inkml:context>
+    <inkml:brush xml:id="br0">
+      <inkml:brushProperty name="width" value="0.05" units="cm"/>
+      <inkml:brushProperty name="height" value="0.05" units="cm"/>
+      <inkml:brushProperty name="fitToCurve" value="1"/>
+    </inkml:brush>
+  </inkml:definitions>
+  <inkml:trace contextRef="#ctx0" brushRef="#br0">212 363 0,'0'-21'16,"-22"21"0,22 21-1,0 0 1,0 1-16,0-1 16,0 0-16,0 0 15,0 0-15,0 22 0,0-22 16,0 0-16,0 0 0,22 0 15,-22 0-15,0 1 16,0-1-16,0 0 16,0 0-16,0 0 15,0 1 1,21-22-16,-21-22 78,0 1-47,0 0 1</inkml:trace>
+  <inkml:trace contextRef="#ctx0" brushRef="#br0" timeOffset="883">190 512 0,'-21'0'0,"21"-22"0,-21 22 16,21-21-16,0 0 16,-21 0-16,21 0 0,0-1 15,0-20-15,0 21 0,0-21 16,21-1-16,-21 22 15,21-21-15,-21 21 0,21-22 16,0 22-16,1 0 0,-22 0 16,21 0-16,0 21 15,0-21-15,0 21 0,1 0 16,-1 21-16,0 0 16,0 0-16,-21 0 0,21 0 15,-21 22-15,0-1 0,0-21 16,0 22-16</inkml:trace>
+  <inkml:trace contextRef="#ctx0" brushRef="#br0" timeOffset="1116">42 533 0,'-21'0'0,"0"0"0,42 0 32,21-21-17,-21 21-15,1 0 16,20 0-16,0 0 0,-20 0 16,20 0-16,0 0 0,-21 0 15,0 0-15</inkml:trace>
+  <inkml:trace contextRef="#ctx0" brushRef="#br0" timeOffset="1591">571 512 0,'0'-22'31,"0"1"-15,-21 21-1,0 0 1,0 0-16,0 0 16,-1 21-16,1 1 15,21-1-15,-21 0 0,0 0 16,21 0-16,-21 0 0,21 0 16,0 1-16,0-1 15,0 0-15,21-21 16,-21 21-1,21-21-15,0 0 16,0 0-16,1 0 0,-1-21 16,0 21-16,0-21 15,0 21-15,-21-21 0,22-1 16,-1 1-16,0 0 16,-21 0-16,21 0 15,0 0 1,-21 42-1,21 0-15,-21 0 16,0 0-16,0 0 16,0 1-16,21-1 0,-21 0 15,0 0-15,0 0 0,0 1 16,22-22-16</inkml:trace>
+  <inkml:trace contextRef="#ctx0" brushRef="#br0" timeOffset="2244">804 554 0,'-21'0'0,"21"-21"0,-21 0 16,0 21 0,21 21-1,0 0 1,0 0-16,21 0 15,-21 0-15,0 0 0,0 1 16,0-1-16,21 0 16,-21 0-16,0 0 15,21-21 17,-21-21-17,0 0 1,0 0-1,0 0-15,21-1 16,-21 1-16,22 0 0,-1 21 16,-21-21-16,21 21 15,0 0-15,0 0 16,-21 21-16,21-21 0,-21 21 16,0 0-16,21 1 15,-21-1-15,0 0 0,0 0 16,0 0-16,0 1 15,0-44 32,22 1-31,-22 0-16,21 0 16,0 0-1,-21-1-15,21 1 0,0 0 16,1 21-1,-1 0-15,0 21 16,-21 0 0,21 1-16,-21-1 15,0 0-15,0 0 16,21 0 0</inkml:trace>
+  <inkml:trace contextRef="#ctx0" brushRef="#br0" timeOffset="2472">1291 554 0,'0'-21'16,"-21"21"-16,21 21 15,0 0-15,-21 0 16,21 0-16,0 1 15,0-1-15,-22 0 0,22 21 16,0-21-16,0 0 16,0 1-16,0-1 15</inkml:trace>
+  <inkml:trace contextRef="#ctx0" brushRef="#br0" timeOffset="2629">1185 321 0,'0'-42'15,"0"21"-15,0-1 16,-21 22-16,21 22 31,0-1-31,0 0 16</inkml:trace>
+  <inkml:trace contextRef="#ctx0" brushRef="#br0" timeOffset="2892">1482 363 0,'0'22'47,"21"-1"-47,-21 0 16,0 0-16,21 21 15,-21-21-15,0 1 0,0 20 16,0-21-16,0 22 0,0-22 16,-21 0-16,21 0 15,0 0-15,0 0 0,-21 0 16,21 1-1</inkml:trace>
+  <inkml:trace contextRef="#ctx0" brushRef="#br0" timeOffset="3474">1565 660 0,'0'-21'0,"0"-1"15,0 44 32,0-1-31,0 0-1,21 0-15,1 0 16,-1-21-16,0 21 16,0-21-16,21 0 15,-21 0-15,1 0 0,-1 0 16,0 0-16,0-21 15,-21 0-15,21 21 16,-21-21-16,0 0 16,0 0-16,0-1 15,-21 44 17,21-1-32,0 0 0,0 21 15,0-21-15,0 43 16,0-22-16,0 1 0,0-1 15,0 21-15,-21-20 16,21-1-16,0 0 0,0-20 16,-21 20-16,21-21 0,-21-21 15,-1 21-15,1-21 16,0 0-16,0 0 0,0-21 16,0 0-16,0 0 15,-1 0-15,22-22 0,0 22 16,0-21-16,0-1 0,22 1 15,-1 21-15,0-21 16,21 20-16,-21 1 0,22 21 16,-22-21-16,21 21 0,-21 0 15,22 0-15,-22 0 16,0 0-16,0 0 0,0 0 16</inkml:trace>
+  <inkml:trace contextRef="#ctx0" brushRef="#br0" timeOffset="3738">2095 512 0,'-21'-22'0,"0"22"16,21 22-1,0-1 1,0 0-16,21 0 0,-21 21 16,0-21-16,21 1 15,-21 20-15,0-21 0,22 0 16,-22 22-16,0-22 0,0 0 16,0 0-1</inkml:trace>
+  <inkml:trace contextRef="#ctx0" brushRef="#br0" timeOffset="4093">2053 681 0,'0'-21'0,"0"0"16,21 21-1,0-22 1,1 22-16,-1 0 0,0 0 15,0 0-15,0 0 16,0-21-16,0 21 16,1-21-16,-1 0 15,-21 0-15,21-1 0,-21 1 16,0 0 0,0 0-16,0 0 15,0 42 16,0 0-31,0 21 16,0-20-16,0 20 0,0 0 16,0 22-16,0-22 0,0 0 15,0 1-15,0-1 16,0 1-16,0-1 0,-21-21 16</inkml:trace>
+  <inkml:trace contextRef="#ctx0" brushRef="#br0" timeOffset="4596">889 1189 0,'0'-21'16,"21"21"-1,-21 21 1,21 0-1,-21 0-15,21 0 0,-21 1 16,0 20-16,21-21 16,-21 0-16,22 21 0,-22-20 15,0-1-15,0 21 0,0-21 16,0 1-16,-22-1 16,22 0-16</inkml:trace>
+  <inkml:trace contextRef="#ctx0" brushRef="#br0" timeOffset="4980">804 1549 0,'-21'-21'0,"0"21"16,42 21 15,0-21-31,0 21 15,0-21-15,22 0 0,-1 21 16,-21-21-16,22 0 16,-22 0-16,21 0 0,-21 0 15,22 0-15,-22 0 16,0 0-16,0 0 0,0 0 16,0-21-16,1 21 0,-22-21 15,0 0-15,21 21 16,-21-22-16,0 1 0,0 0 15,-21 21 1,-1 0-16,1 21 16,0 22-16,0-22 15,21 21-15,-21-21 16,0 21-16,-1 1 0,1-1 16,0 1-16,0-22 15</inkml:trace>
+  <inkml:trace contextRef="#ctx0" brushRef="#br0" timeOffset="5616">423 2099 0,'-21'0'15,"21"-21"1,0 0-16,21-1 16,0 22-1,-21-21-15,21 21 16,1 0-1,-1 21-15,-21 1 16,0-1-16,0 0 16,0 0-16,0 22 0,0-22 15,0 0-15,0 0 0,0 21 16,0-21-16,0 1 16,0-1-16,21-21 15,-21 21-15,21-21 16,-21 21-16,21-21 0,1 0 15,-1 0-15,0 0 0,-21-21 16,21 21-16,0-21 16,0 0-16,0-1 0,-21 1 15,22-21-15,-22 21 0,21 0 16,-21-22-16,0 22 16,0 0-16,0 0 0,0 42 31,0 0-16,0 0-15,0 1 0,-21 20 16,21-21-16,0 0 16,0 0-16,0 22 0,0-22 15,0 0-15,0 0 16,0 0-16,21 1 16,-21-1-16,0 0 15</inkml:trace>
+  <inkml:trace contextRef="#ctx0" brushRef="#br0" timeOffset="5940">1164 2163 0,'0'-22'15,"0"1"-15,0 0 16,-21 21 0,0 0-1,-1 21-15,1 0 16,0 1-16,0-1 16,21 0-16,-21 0 15,0 0-15,21 0 0,0 22 16,0-22-16,21 0 0,-21 0 15,21-21-15,21 21 16,-21 1-16,22-22 0,-1 0 16,0 0-16,1-22 15,20 1-15</inkml:trace>
+  <inkml:trace contextRef="#ctx0" brushRef="#br0" timeOffset="6577">1524 2078 0,'-21'0'0,"0"0"16,-1 0 0,22 21-1,0 0 1,0 0-16,0 0 16,-21 1-16,21-1 0,0 21 15,0-21-15,0 1 0,0-1 16,0 0-16,0 0 15,0 0-15,0 0 16,21-21 0,1-21-1,-22 0-15,21 0 16,-21-21 0,21 20-16,-21 1 0,21-21 15,-21 21-15,21-22 16,-21 22-16,21-21 0,0 42 15,1-21-15,-22 0 16,21 21-16,0 0 0,-21 21 16,21 0-16,0 0 15,-21 0-15,0 21 16,22-20-16,-22-1 0,0 0 16,0 0-16,0 0 0,0 1 15,0-1 1,0 0-1,0-42 17,0 0-32,21-1 15,-21 1-15,0 0 16,21 0-16,-21-22 0,21 22 16,0 0-16,0 0 15,0 0-15,1 0 0,-1 21 16,-21 21-16,21-21 0,-21 21 15,21 21-15,-21 1 16,0-22-16,0 21 0,21 1 16,-21-22-16,0 21 15,0-21-15,0 0 0,0 0 16</inkml:trace>
+</inkml:ink>
+</file>
+
+<file path=ppt/ink/ink36.xml><?xml version="1.0" encoding="utf-8"?>
+<inkml:ink xmlns:inkml="http://www.w3.org/2003/InkML">
+  <inkml:definitions>
+    <inkml:context xml:id="ctx0">
+      <inkml:inkSource xml:id="inkSrc0">
+        <inkml:traceFormat>
+          <inkml:channel name="X" type="integer" max="1920" units="cm"/>
+          <inkml:channel name="Y" type="integer" max="1080" units="cm"/>
+          <inkml:channel name="T" type="integer" max="2.14748E9" units="dev"/>
+        </inkml:traceFormat>
+        <inkml:channelProperties>
+          <inkml:channelProperty channel="X" name="resolution" value="55.81395" units="1/cm"/>
+          <inkml:channelProperty channel="Y" name="resolution" value="55.6701" units="1/cm"/>
+          <inkml:channelProperty channel="T" name="resolution" value="1" units="1/dev"/>
+        </inkml:channelProperties>
+      </inkml:inkSource>
+      <inkml:timestamp xml:id="ts0" timeString="2020-12-17T06:31:27.638"/>
+    </inkml:context>
+    <inkml:brush xml:id="br0">
+      <inkml:brushProperty name="width" value="0.05" units="cm"/>
+      <inkml:brushProperty name="height" value="0.05" units="cm"/>
+      <inkml:brushProperty name="fitToCurve" value="1"/>
+    </inkml:brush>
+  </inkml:definitions>
+  <inkml:trace contextRef="#ctx0" brushRef="#br0">2054 106 0,'0'-22'16,"0"1"-16,0 0 0,0 0 16,0 0-1,21 21-15,-21 21 32,0 0-32,21 21 15,-21 1-15,0-1 0,0 0 16,21 22-16,-21-1 15,0 1-15,21-1 0,-21 22 16,0-21-16,0-1 0,0 0 16,0 1-16,0 0 15,0-1-15,-21 0 0,21 1 16,-21-22-16,21 22 16,0-1-16,-21 1 0,21-1 15,0 1-15,0-1 0,-21 22 16,21-21-16,0 20 15,0-20-15,0 20 0,0-20 16,0 20-16,0 1 0,0-21 16,0 20-16,0-20 15,0-1-15,0 22 0,0-22 16,0-20-16,0 20 16,0 1-16,0-1 0,0 1 15,0-1-15,0 1 0,0-22 16,0 22-16,0-1 15,0 1-15,21-1 0,-21 1 16,0-22-16,0 22 16,0-22-16,21 21 0,-21-20 15,0-1-15,0 21 0,21-20 16,-21-1-16,0 0 16,0 1-16,0-1 0,0 1 15,0-1-15,0 0 16,0 0-16,0 1 0,0-1 15,0 22-15,0-22 0,0 0 16,0 22-16,21-22 16,-21 22-16,0-22 0,0 21 15,0-20-15,0-1 16,0 22-16,0-22 0,21 0 16,-21 1-16,0-22 0,0 21 15,0-21-15,0 22 16,0-22-16,0 0 0,0 0 15,0 0-15,21-21 16,-21 21-16,0-42 31,0 0-15</inkml:trace>
+  <inkml:trace contextRef="#ctx0" brushRef="#br0" timeOffset="1264">1376 4677 0,'0'-21'16,"21"21"15,0 0-15,1 0-1,-1-21-15,21 21 0,-21 0 16,22 0-16,-1 0 16,0 0-16,1 0 0,20 0 15,-20 0-15,20 0 0,0 0 16,1 0-16,0 0 16,-1 21-16,22-21 0,-22 0 15,1 0-15,20 0 16,-20 0-16,21 0 0,-22 0 15,22 0-15,-22 0 0,22 0 16,-1 0-16,-20 0 16,21 0-16,-22 0 0,22 0 15,0 0-15,-22-21 16,22 21-16,-1 0 0,-20 0 16,20 0-16,1-21 0,0 21 15,-1 0-15,1 0 16,0-21-16,21 21 0,-22 0 15,1 0-15,0-21 16,21 21-16,-22 0 0,1 0 16,0 0-16,20 0 0,-20 0 15,0 0-15,-1 0 16,1 0-16,0 0 0,-1 21 16,1-21-16,0 0 15,-1 0-15,1 0 0,0 0 16,-1 21-16,1-21 0,0 0 15,-1 0-15,1 0 16,-22 0-16,22 0 0,-21 0 16,20 0-16,1 0 15,-22 0-15,1 0 0,21 0 16,-1 0-16,-20 0 0,21 0 16,-22 0-16,22 0 15,-1 0-15,-20 0 0,-1 0 16,22 0-16,-21 0 15,-1 0-15,0 21 0,1-21 16,0 0-16,-22 0 0,21 0 16,-20 0-16,-1 0 15,0 0-15,1 0 0,-1 0 16,-21 0-16,21 0 0,1 0 16,-1 0-16,1 0 15,-1 0-15,-21-21 0,21 21 16,1 0-16,-22 0 15,21 0-15,1 0 0,-22 0 16,21 0-16,-21 0 16,0 0-16,0 0 0,1 0 15,-1 0-15,21 0 0,-21 0 16,1 0-16,-1 0 16,0 0-16,0 0 0,21 0 15,-21 0-15,1 0 16,-1-21-16,0 21 0,0 0 15,0 0-15,1 0 0,-1 0 16,-21-21-16,21 21 16</inkml:trace>
+  <inkml:trace contextRef="#ctx0" brushRef="#br0" timeOffset="15341">43 2667 0,'0'-21'16,"-21"-1"-1,21 1-15,-22 21 16,22-21-1,0 0 17,22 21-17,-1 0-15,0 0 16,0 0-16,21 0 16,1 0-16,-1 0 0,0 0 15,1-21-15,-1 21 0,0 0 16,-21 0-16,1 0 15,-1 0-15,0 0 0,-42 0 32</inkml:trace>
+  <inkml:trace contextRef="#ctx0" brushRef="#br0" timeOffset="15598">191 2582 0,'21'0'32,"-21"21"-17,21 0 1,-21 1-16,21-1 16,-21 0-16,0 21 0,21-21 15,-21 0-15,0 1 16,0 20-16,0-21 0,0 0 15,0 1-15,0-1 0,0 0 16,0 0 0</inkml:trace>
+  <inkml:trace contextRef="#ctx0" brushRef="#br0" timeOffset="16150">508 2646 0,'-21'0'0,"21"-22"15,-21 22 1,21 22 0,0-1-16,0 0 15,0 0-15,21 0 16,-21 0-16,0 0 0,0 1 15,0-1-15,21 0 16,-21 0-16,0 0 0,0 1 16,0-1-16,0 0 15,0 0 1,0-42 0,0 0-1,0 0 1,0-1-16,0-20 15,0 21-15,0 0 0,0-22 16,0 22-16,0-21 0,0 21 16,0 0-16,0-1 15,0 1-15,0 0 0,22 21 16,-1 0 0,0 0-16,0 21 15,0-21-15,0 21 0,0 1 16,1-22-16,-22 21 15,0 0-15,0 0 16,-22-21 0,1 21-16,0-21 15,0 21-15,0-21 0,0 0 16,0 0-16,-1 0 16</inkml:trace>
+  <inkml:trace contextRef="#ctx0" brushRef="#br0" timeOffset="16801">847 2688 0,'0'-21'16,"0"-1"-1,0 44 32,21-1-47,-21 0 16,0 0-16,0 22 15,0-22-15,0 0 16,0 0-16,0 0 0,0 0 16,0 0-16,0 1 15,0-44 16,0 1-15,0 0-16,0 0 0,0 0 16,0 0-16,0 0 0,0-1 15,0-20-15,0 21 16,0-22-16,0 1 0,21 21 16,-21 0-16,22-21 15,-1 20-15,0 22 16,0 0-16,0 0 0,0 0 15,0 22-15,1-1 16,-1 0-16,-21 0 16,0 0-1,0 0-15,0 0 16,-21-21-16,21 22 0,-22-22 16,1 0-16,0 21 15,0-21 1,42 0 15,0 0-31,0 0 16,1 21-16,20-21 15,-21 21-15,22 0 0,-22 1 16,21-1-16,0 21 16,-21-21-16,22 21 0,-1 1 15,-21-1-15,22 22 0,-22-22 16</inkml:trace>
+  <inkml:trace contextRef="#ctx0" brushRef="#br0" timeOffset="17809">3895 5122 0,'0'-21'0,"0"0"15,0-1 1,21 44 0,-21-1-1,21 0-15,-21 0 16,0 0-16,0 1 16,22-1-16,-22 21 0,0-21 15,0 0-15,0 0 16,0 1-16,0-1 15,0 0 1,0-42 15,21 21-31,-21-21 0,0-1 16,0 1-16,0 0 16,0 0-16,0-21 0,0 21 15,0-22-15,0 22 0,0-21 16,0 20-16,0 1 15,0 0-15,0 0 0,21 0 16,0 0 0,0 21-16,0 0 15,0 0-15,1 21 16,-1-21-16,0 21 0,21-21 16,-20 21-16,-1 0 15,-21 0 1,0 1-16</inkml:trace>
+  <inkml:trace contextRef="#ctx0" brushRef="#br0" timeOffset="18468">4022 5185 0,'-21'0'16,"42"0"15,0 0-15,0 0-16,0 0 15,1 0-15,20 0 16,-21 0-16,0 0 0,22 0 16,-1 0-16,-21 0 0,21 0 15,-20 0-15,20 0 16,-21 0-16,0 0 0,1-21 16,-22 0-1,0 0 1,-22 21-16,22-21 0,-21 21 31,0 0-15,21 21-1,0 0-15,0 0 16,0 0-16,0 1 0,-21-1 16,21 0-16,0 0 15,0 0-15,0 1 0,0-1 16,0 0-1,0 0-15,0 0 16,0-42 15,0 0-31,21 21 16,-21-21-16,0 0 0,0-1 16,0 1-16,21 0 15,-21-21-15,0 20 0,0-20 16,21 21-16,-21-21 15,22 21-15,-22-1 0,0 1 16,21 21-16,0 0 0,0 0 16,0 0-1,0 21-15,0 1 16,1-1-16,-22 0 16,21 0-16,-21 0 15,0 0-15,-21 0 16,-22 1-1,22-22-15,0 0 0,0 0 16,0 0-16,0 0 16</inkml:trace>
+  <inkml:trace contextRef="#ctx0" brushRef="#br0" timeOffset="19139">4720 5080 0,'22'0'16,"-1"0"15,-21 21-31,21-21 0,-21 21 15,0 0-15,0 0 16,0 1-16,0-1 0,0 0 16,0 0-16,-21 0 15,21 0-15,-21 0 16,21 1-16,0-1 16,0-42 15,0-1-31,0 1 15,0 0 1,0 0-16,21 0 0,-21-21 16,0 20-16,21 1 15,-21-21-15,0 21 0,21-1 16,-21 1-16,21 0 0,1 0 16,-1 21-16,0 0 15,0 0-15,0 21 16,0-21-16,-21 21 15,21-21-15,1 21 0,-1 1 16,-21-1 0,-21 0-1,-1-21-15,1 21 16,0-21-16,0 0 16,0 21-16,0-21 0,0 0 15,-1 22-15,22-1 31,22-21-31,-1 21 16,21-21-16,-21 21 16,21 0-16,1 0 0,-1 0 15,1 1-15,-1-1 0,-21 0 16,0 21-16,0-20 16</inkml:trace>
+</inkml:ink>
+</file>
+
+<file path=ppt/ink/ink37.xml><?xml version="1.0" encoding="utf-8"?>
+<inkml:ink xmlns:inkml="http://www.w3.org/2003/InkML">
+  <inkml:definitions>
+    <inkml:context xml:id="ctx0">
+      <inkml:inkSource xml:id="inkSrc0">
+        <inkml:traceFormat>
+          <inkml:channel name="X" type="integer" max="1920" units="cm"/>
+          <inkml:channel name="Y" type="integer" max="1080" units="cm"/>
+          <inkml:channel name="T" type="integer" max="2.14748E9" units="dev"/>
+        </inkml:traceFormat>
+        <inkml:channelProperties>
+          <inkml:channelProperty channel="X" name="resolution" value="55.81395" units="1/cm"/>
+          <inkml:channelProperty channel="Y" name="resolution" value="55.6701" units="1/cm"/>
+          <inkml:channelProperty channel="T" name="resolution" value="1" units="1/dev"/>
+        </inkml:channelProperties>
+      </inkml:inkSource>
+      <inkml:timestamp xml:id="ts0" timeString="2020-12-17T06:31:52.358"/>
+    </inkml:context>
+    <inkml:brush xml:id="br0">
+      <inkml:brushProperty name="width" value="0.05" units="cm"/>
+      <inkml:brushProperty name="height" value="0.05" units="cm"/>
+      <inkml:brushProperty name="fitToCurve" value="1"/>
+    </inkml:brush>
+  </inkml:definitions>
+  <inkml:trace contextRef="#ctx0" brushRef="#br0">85 3492 0,'-21'0'31,"-1"0"16,1 0 31,0 0-47,42 0 79,-21-21-79,21 0-15,-21-1-1,0 1 1,22 21-16,-22-21 15,21 0 1,-21 0 0,21 0-1,-21 0-15,21-1 16,-21 1 0,21 0-1,-21 0 1,21 0-16,-21-1 15,21 1 1,-21 0 0,22 21-1,-22-21-15,0 0 16,21 21-16,-21-21 16,21 21-16,-21-21 15,21 21 1,-21-22-16,21 1 15,-21 0 1,22 21-16,-22-21 0,21 0 16,-21-1-1,21 1-15,-21 0 16,21 21-16,-21-21 16,21 0-1,-21 0-15,21 21 16,-21-21-1,21-1-15,-21 1 16,22 21-16,-22-21 16,21 0-1,-21 0-15,21 21 16,-21-22-16,21 1 16,-21 0-1,21 21 1,-21-21-16,0 0 15,22 21 1,-22-21-16,21-1 16,-21 1-1,21 0-15,0 0 32,-21 0-32,21 0 15,-21-1 1,21 22-16,-21-21 15,0 0-15,21 21 0,-21-21 16,0 0-16,22 21 16,-22-21-16,0 0 0,21 21 15,-21-22-15,21 1 0,-21 0 16,21 0 0,-21 0-16,0-1 0,21 22 15,-21-21-15,0 0 16,22 0-16,-1 0 15,-21 0-15,0 0 0,21-1 16,-21 1 0,21 0-16,-21 0 0,21 0 15,-21-1 1,21 1 0,-21 0-16,21 0 15,-21 0 1,0 0-16,22 21 0,-22-21 15,0-1-15,21 1 16,-21 0 0,21 0-16,-21 0 15,21-1 1,0 1-16,-21 0 16,22 0-1,-1 0-15,-21 0 16,21 21-16,-21-21 0,21-1 15,0 22-15,-21-21 16,21 21-16,-21-21 0,21 0 16,1 0-16,-1 21 15,-21-22-15,21 22 16,-21-21-16,21 21 0,-21-21 16,21 21-16,1-21 15,-1 0-15,0 0 16,0 0-1,0 21-15,-21-22 16,21 22-16,-21-21 16,21 21-16,1-21 0,-1 0 15,0 21-15,0-21 16,0 21-16,-21-22 16,22 22-16,-22-21 15,21 21-15,0 0 0,-21-21 16,21 21-1,0-21-15,0 21 16,0-21-16,1 21 16,-1-21-16,0 21 15,0-21-15,0 21 0,1 0 16,-1-22-16,0 22 16,0-21-16,0 21 0,-21-21 15,21 21-15,0-21 0,1 21 16,-1-21-16,0 21 15,0-22-15,0 22 0,1-21 16,-1 21-16,0-21 16,0 0-16,0 21 0,0-21 15,0 21-15,-21-21 0,22 21 16,-1-21-16,0-1 16,21 22-16,-20-21 0,-1 21 15,0-21-15,0 21 0,0-21 16,0 21-16,0-21 15,1 21-15,-1-22 0,0 22 16,0-21-16,0 21 16,1 0-16,-22-21 0,21 21 15,0 0-15,-21-21 16,21 21-16,0 0 16,0-21-16,0 0 31,1 0-16,-1 21-15,-21-22 16,21 1 0,0 21-16,-21-21 15,21 21-15,1-21 16,-1 21 0,-21-21-16,21 21 0,0-22 15,0 22 1,0-21-16,0 21 15,1 0-15,-1 0 16,-21-21-16,21 21 0,0 0 16,0-21-16,1 21 0,-1 0 15,0-21-15,0 21 16,0 0-16,0 0 0,0-21 16,1 21-1,-1-21-15,0 21 16,0-22-16,0 22 31,1-21-31,-1 21 16,0 0-1,0 0-15,0-21 0,0 21 16,0 0-16,1 0 0,-1 0 16,0 0-16,0 0 15,0 0-15,1 0 0,-1 0 16,0 0-1,0 0-15,0 0 0,0 0 16,0 0-16,1 0 0,-1 0 16,0-21-16,0 21 15,0 0-15,1 0 0,20 0 16,-21 0-16,0 0 16,0 0-16,0 0 0,-21-21 15,22 21-15,-1 0 0,0 0 16,0 0-16,0 0 15,1 0-15,-1 0 0,0 0 16,0 0 0,0 0-16,0 0 0,0 0 15,1 0-15,-1 0 16,0 0-16,0 0 16,0 0-16,-21-22 0,21 22 15,1 0-15,-1 0 16,0 0-16,0 0 15,0 0-15,-21-21 16,21 21-16,1 0 16,-1 0-16,0 0 15,0 0-15,-21-21 0,21 21 16,1 0-16,-1 0 16,0 0-16,0-21 15,0 21 1,0 0-16,0 0 15,1 0-15,-1 0 16,0 0-16,0 0 16,0 0-16,1 0 15,-1 0 1,0 0-16,0-21 16,0 21-16,0 0 15,0 0 1,1 0-16,-1-21 15,0 21 1,0 0-16,0 0 16,1 0-16,-1 0 15,0 0 1,-21-21 0,21 21-1,0 0 16,0 0-15,0 0 0,1 0-1,-1 0 17,0 0-1</inkml:trace>
+</inkml:ink>
+</file>
+
+<file path=ppt/ink/ink38.xml><?xml version="1.0" encoding="utf-8"?>
+<inkml:ink xmlns:inkml="http://www.w3.org/2003/InkML">
+  <inkml:definitions>
+    <inkml:context xml:id="ctx0">
+      <inkml:inkSource xml:id="inkSrc0">
+        <inkml:traceFormat>
+          <inkml:channel name="X" type="integer" max="1920" units="cm"/>
+          <inkml:channel name="Y" type="integer" max="1080" units="cm"/>
+          <inkml:channel name="T" type="integer" max="2.14748E9" units="dev"/>
+        </inkml:traceFormat>
+        <inkml:channelProperties>
+          <inkml:channelProperty channel="X" name="resolution" value="55.81395" units="1/cm"/>
+          <inkml:channelProperty channel="Y" name="resolution" value="55.6701" units="1/cm"/>
+          <inkml:channelProperty channel="T" name="resolution" value="1" units="1/dev"/>
+        </inkml:channelProperties>
+      </inkml:inkSource>
+      <inkml:timestamp xml:id="ts0" timeString="2020-12-17T06:32:00.563"/>
+    </inkml:context>
+    <inkml:brush xml:id="br0">
+      <inkml:brushProperty name="width" value="0.05" units="cm"/>
+      <inkml:brushProperty name="height" value="0.05" units="cm"/>
+      <inkml:brushProperty name="color" value="#ED1C24"/>
+      <inkml:brushProperty name="fitToCurve" value="1"/>
+    </inkml:brush>
+  </inkml:definitions>
+  <inkml:trace contextRef="#ctx0" brushRef="#br0">0 382 0,'0'-22'16,"21"22"15</inkml:trace>
+  <inkml:trace contextRef="#ctx0" brushRef="#br0" timeOffset="343">254 254 0,'21'0'16,"-21"-22"-16,21 22 15,1 0 1,-1-21-16,0 21 0,0 0 16,-21-21-16,43 21 0,-22-21 15,0 0-15,0 21 16,0-21-16,0 21 0,0-21 15,1 21-15,-1-22 16,0 1-16,0 21 16,-21-21-16,21 21 15,-21-21-15,22 21 16,-22-21-16,21 21 16</inkml:trace>
+</inkml:ink>
+</file>
+
+<file path=ppt/ink/ink39.xml><?xml version="1.0" encoding="utf-8"?>
+<inkml:ink xmlns:inkml="http://www.w3.org/2003/InkML">
+  <inkml:definitions>
+    <inkml:context xml:id="ctx0">
+      <inkml:inkSource xml:id="inkSrc0">
+        <inkml:traceFormat>
+          <inkml:channel name="X" type="integer" max="1920" units="cm"/>
+          <inkml:channel name="Y" type="integer" max="1080" units="cm"/>
+          <inkml:channel name="T" type="integer" max="2.14748E9" units="dev"/>
+        </inkml:traceFormat>
+        <inkml:channelProperties>
+          <inkml:channelProperty channel="X" name="resolution" value="55.81395" units="1/cm"/>
+          <inkml:channelProperty channel="Y" name="resolution" value="55.6701" units="1/cm"/>
+          <inkml:channelProperty channel="T" name="resolution" value="1" units="1/dev"/>
+        </inkml:channelProperties>
+      </inkml:inkSource>
+      <inkml:timestamp xml:id="ts0" timeString="2020-12-17T06:32:28.236"/>
+    </inkml:context>
+    <inkml:brush xml:id="br0">
+      <inkml:brushProperty name="width" value="0.05" units="cm"/>
+      <inkml:brushProperty name="height" value="0.05" units="cm"/>
+      <inkml:brushProperty name="fitToCurve" value="1"/>
+    </inkml:brush>
+  </inkml:definitions>
+  <inkml:trace contextRef="#ctx0" brushRef="#br0">0 4086 0,'0'-22'47,"0"1"15,0 0 1,0 0-1,0 0 1,22-1-16,-22 1-16,0 0 0,0 0-15,0 0 15,21 21-15,-21-21-16,0 0 31,21-1-16,-21 1 1,0 0 0,0 0-1,0 0 1,0-1 0,21 22-16,-21-21 15,0 0-15,0 0 16,21 21-16,-21-21 0,0 0 15,0 0 1,22 21-16,-22-22 31,0 1-31,21 21 16,-21-21-16,0 0 16,21 21-1,-21-21-15,21-1 16,0 1 15,-21 0 0,21 21-31,-21-21 16,21 21-16,-21-21 16,22 21-1,-22-21-15,21 0 16,-21-1-1,21 22 1,-21-21 0,21 0-1,-21 0 1,21 21-16,-21-21 16,0-1-16,22 22 15,-22-21 1,0 0-16,21 21 15,-21-21-15,0 0 16,21 21 0,-21-21-16,21-1 15,0 1 17,-21 0-17,21 21-15,-21-21 16,21 21-1,-21-21-15,22 21 16,-22-21-16,21-1 16,-21 1-1,21 0 1,-21 0 0,21 21-16,-21-21 15,0 0 1,21 21-1,-21-21 1,0-1 0,22 22-16,-22-21 15,0 0 1,21 21 0,-21-21-16,0 0 15,21 21-15,-21-22 16,0 1-1,21 21 1,-21-21-16,0 0 16,21 0-1,-21 0-15,0 0 16,21 21-16,-21-22 0,0 1 16,21 21-1,-21-21-15,0 0 16,0 0-1,22-1-15,-22 1 16,0 0 0,21 0-16,-21 0 15,0 0 1,21 0-16,-21-1 16,0 1-16,21 0 15,-21 0 1,0 0-1,21 21-15,-21-22 0,22 1 16,-1 0 15,0 0-15,0 0 0,-21 0-1,21 21-15,-21-21 16,21 21-16,-21-22 15,21 22-15,-21-21 16,22 21-16,-22-21 16,0 0-16,21 21 15,-21-21 1,21 21-16,-21-22 0,21 1 16,-21 0-1,21 21-15,-21-21 16,22 21-16,-22-21 15,21 21-15,-21-21 16,21 21 0,-21-21-16,21 21 15,-21-22-15,21 1 16,0 0 0,-21 0 15,21 21-31,-21-21 15,22 21-15,-22-22 16,21 22-16,-21-21 16,21 21-16,-21-21 15,21 0 1,-21 0 0,21 21-16,-21-21 15,22 21 1,-22-21-16,21 21 15,-21-22-15,21 1 16,-21 0 0,21 21-16,0-21 15,-21 0 1,21 21-16,-21-22 0,21 22 16,-21-21-16,22 21 15,-22-21-15,21 21 0,-21-21 16,21 0-1,-21 0-15,21 0 16,0-1-16,1 22 16,-22-21-16,21 0 15,0 0-15,0 21 16,-21-21-16,21 21 0,-21-22 16,21 22-16,-21-21 15,21 21-15,-21-21 0,22 21 16,-22-21-16,21 21 15,-21-21-15,21 21 0,0-21 16,0 0 0,1 21-16,-1-22 15,0 22-15,-21-21 0,21 21 16,0-21-16,0 21 16,0-21-16,1 21 15,-22-21 1,21 21-16,0 0 0,0 0 15,-21-22-15,21 22 0,1-21 16,-1 21-16,0-21 16,0 21-16,0-21 15,0 0-15,0 21 16,1-21-16,-1 0 16,0 21-16,0-22 15,0 22 1,1-21-16,-1 0 15,0 21-15,0-21 16,0 21 0,0-21-16,0 21 0,-21-22 15,22 22-15,-1-21 16,0 21-16,-21-21 0,21 21 16,0 0-16,1-21 0,-1 21 15,0-21 1,0 21-16,0 0 15,0-21-15,0 21 16,1-21-16,-1 21 16,0 0-16,0-22 15,0 22 1,1 0-16,-1-21 16,0 21-1,0 0-15,0 0 16,0-21-16,0 21 15,1 0-15,-1-21 16,0 21-16,0 0 16,0-21-1,1 21-15,-1 0 16,0-22-16,0 22 0,0 0 16,0-21-1,0 21 1,1-21-1,-1 21-15,0 0 0,0 0 16,-21-21-16,21 21 0,1 0 16,-1 0-16,0-21 15,0 21-15,0 0 0,0-21 16,0 21-16,1 0 16,-1-21-16,0 21 15,0 0-15,-21-22 16,21 22-16,1 0 15,-1 0-15,-21-21 16,21 21-16,0 0 16,0 0-16,0-21 15,0 21-15,1 0 16,-1 0 0,-21-21-16,21 21 0,0 0 15,0 0-15,1 0 16,-1-21-16,0 21 15,0 0-15,0 0 16,0 0 0,0 0-16,1 0 15,-1-22-15,0 22 16,0 0 0,0 0-16,0 0 15,1-21 1,-1 21-16,0 0 15,0 0-15,0-21 16,0 21 0,1 0-1,-1 0 1,0 0-16,0-21 16,0 21-1,1 0 1,-1 0-1,-21-21-15,21 21 16,0 0 0,0 0-16,0-21 15,0 21 1,1 0-16,-1 0 16,0-21-1,0 21 1,0 0-16,1 0 31,-22-22-15,21 22-1,0 0 17,0 0 14,0 0-14</inkml:trace>
+</inkml:ink>
+</file>
+
+<file path=ppt/ink/ink4.xml><?xml version="1.0" encoding="utf-8"?>
+<inkml:ink xmlns:inkml="http://www.w3.org/2003/InkML">
+  <inkml:definitions>
+    <inkml:context xml:id="ctx0">
+      <inkml:inkSource xml:id="inkSrc0">
+        <inkml:traceFormat>
+          <inkml:channel name="X" type="integer" max="1920" units="cm"/>
+          <inkml:channel name="Y" type="integer" max="1080" units="cm"/>
+          <inkml:channel name="T" type="integer" max="2.14748E9" units="dev"/>
+        </inkml:traceFormat>
+        <inkml:channelProperties>
+          <inkml:channelProperty channel="X" name="resolution" value="55.81395" units="1/cm"/>
+          <inkml:channelProperty channel="Y" name="resolution" value="55.6701" units="1/cm"/>
+          <inkml:channelProperty channel="T" name="resolution" value="1" units="1/dev"/>
+        </inkml:channelProperties>
+      </inkml:inkSource>
+      <inkml:timestamp xml:id="ts0" timeString="2020-12-17T06:25:30.286"/>
+    </inkml:context>
+    <inkml:brush xml:id="br0">
+      <inkml:brushProperty name="width" value="0.05" units="cm"/>
+      <inkml:brushProperty name="height" value="0.05" units="cm"/>
+      <inkml:brushProperty name="fitToCurve" value="1"/>
+    </inkml:brush>
+  </inkml:definitions>
+  <inkml:trace contextRef="#ctx0" brushRef="#br0">678 106 0,'-22'-21'16,"1"21"-16,0 0 15,21-21-15,-21 21 0,0 0 16,21-22 0,21 22-1,0 0 1,0 0-16,0 0 15,22 0-15,-1 22 0,0-22 16,1 0-16,20 0 0,-20 0 16,-1 0-16,-21 0 15,21 0-15,-21 0 0,1 0 16,-1 0 0</inkml:trace>
+  <inkml:trace contextRef="#ctx0" brushRef="#br0" timeOffset="259">847 42 0,'-21'22'0,"-1"-22"16,22 21 15,22 0-15,-22 0-16,21 0 0,-21 0 15,21 22-15,-21-22 0,21 21 16,-21 1-16,0-1 16,0 0-16,0-21 0,21 22 15,-21-22-15,0 21 16,0-21-16,0 1 0,22-1 16</inkml:trace>
+  <inkml:trace contextRef="#ctx0" brushRef="#br0" timeOffset="789">1185 127 0,'22'0'15,"-1"0"16,-21 21-15,0 0-16,21 0 0,-21 1 16,0-1-16,21 0 15,-21 0-15,0 22 0,0-22 16,0 0-16,0 21 0,0-21 16,0 0-16,0 1 15,0-1 1,-21-21-1,21-21 1,0-1-16,0 1 16,0 0-16,0-21 15,0 21-15,0-22 0,0 1 16,21 0-16,-21-1 16,0 1-16,21 0 0,-21 21 15,22-22-15,-1 22 0,0 21 16,0 0-1,0 0-15,0 21 0,0 0 16,1 1-16,-1-1 0,0 0 16,0-21-16,-21 21 15,0 0-15,0 0 0,0 0 16,-21-21-16,0 22 16,0-22-16,-1 21 0,1-21 15,-21 21-15,21-21 16,-21 0-16,20 21 0,1-21 15</inkml:trace>
+  <inkml:trace contextRef="#ctx0" brushRef="#br0" timeOffset="1359">64 762 0,'-22'21'0,"1"-21"15,0 0 32,42 0-31,0 0-1,22 0 1,-22 0-16,43 0 0,-1 0 16,22 0-16,21 0 15,42 0-15,0 0 0,42 0 16,22 0-16,0-21 0,20 21 16,1 0-16,0 0 15,0 0-15,-42 0 0,-1 0 16,-21 0-16,-20 0 15,-23 0-15,-41 0 0,-21 0 16,-1 0-16,-42 0 0,-42 0 31,0 0-31,-21 0 0,-1 0 16,1 21-16</inkml:trace>
+</inkml:ink>
+</file>
+
+<file path=ppt/ink/ink40.xml><?xml version="1.0" encoding="utf-8"?>
+<inkml:ink xmlns:inkml="http://www.w3.org/2003/InkML">
+  <inkml:definitions>
+    <inkml:context xml:id="ctx0">
+      <inkml:inkSource xml:id="inkSrc0">
+        <inkml:traceFormat>
+          <inkml:channel name="X" type="integer" max="1920" units="cm"/>
+          <inkml:channel name="Y" type="integer" max="1080" units="cm"/>
+          <inkml:channel name="T" type="integer" max="2.14748E9" units="dev"/>
+        </inkml:traceFormat>
+        <inkml:channelProperties>
+          <inkml:channelProperty channel="X" name="resolution" value="55.81395" units="1/cm"/>
+          <inkml:channelProperty channel="Y" name="resolution" value="55.6701" units="1/cm"/>
+          <inkml:channelProperty channel="T" name="resolution" value="1" units="1/dev"/>
+        </inkml:channelProperties>
+      </inkml:inkSource>
+      <inkml:timestamp xml:id="ts0" timeString="2020-12-17T06:32:34.852"/>
+    </inkml:context>
+    <inkml:brush xml:id="br0">
+      <inkml:brushProperty name="width" value="0.05" units="cm"/>
+      <inkml:brushProperty name="height" value="0.05" units="cm"/>
+      <inkml:brushProperty name="fitToCurve" value="1"/>
+    </inkml:brush>
+  </inkml:definitions>
+  <inkml:trace contextRef="#ctx0" brushRef="#br0">42 4381 0,'0'-21'16,"0"0"31,-21 21-16,0 0 16,21-21-16,0 0 79,0 0-48,0-1-31,21 22 1,-21-21-32,0 0 31,0 0-15,21 21-16,-21-21 15,0-1 1,21 22-1,-21-21-15,0 0 16,21 21 0,-21-21-16,0 0 31,22 21-31,-22-21 16,21 21-1,-21-21-15,21 21 16,-21-22-1,21 22 1,-21-21-16,0 0 16,21 21-1,-21-21-15,21 0 16,-21-1 0,0 1-1,21 21-15,-21-21 0,0 0 16,22 21-16,-22-21 15,0 0-15,21 21 16,-21-21-16,0-1 16,21 22-16,-21-21 15,0 0-15,0 0 16,21 21 0,-21-21-16,0-1 15,21 1-15,-21 0 16,0 0-1,22 21-15,-22-21 16,0 0 0,21-1-16,-21 1 15,0 0 1,21 21-16,-21-21 16,0 0-16,0 0 15,21-1 1,-21 1-1,0 0-15,21 0 16,-21 0 0,0 0-16,21 0 15,-21-1-15,0 1 16,21 0 0,-21 0-16,0 0 15,22 21 1,-22-22-16,0 1 15,21 21-15,-21-21 0,0 0 16,0 0 0,21 21-16,-21-21 0,0 0 15,21-1 1,-21 1-16,21 0 16,-21 0-16,0 0 0,22-1 15,-22 1 1,0 0-16,21 21 0,-21-21 15,0 0-15,0 0 16,21 0-16,-21-1 0,0 1 16,0 0-16,21 0 15,-21 0 1,0-1-16,21 22 0,-21-21 16,0 0-16,0 0 15,21 0-15,-21 0 16,21 0-16,-21-1 15,0 1 1,0 0-16,22 21 0,-22-21 16,0 0-16,0-1 15,21 22-15,-21-21 16,0 0-16,21 21 16,-21-21-16,0 0 15,21 21 1,-21-21-16,21 0 15,-21-1 1,22 22-16,-22-21 16,21 0-1,-21 0-15,21 21 16,-21-21-16,21-1 16,0 1-1,0 0-15,-21 0 16,21 21-16,-21-21 15,22 0-15,-1 0 16,0-1-16,-21 1 0,21 21 16,-21-21-16,21 0 15,-21 0-15,22-1 0,-1 1 16,0 0 0,-21 0-16,21 0 0,-21 0 15,21 21-15,0-21 0,-21-1 16,21 1-16,1 0 15,-22 0-15,21 0 16,0-1-16,0 1 16,-21 0-16,21 0 15,1 0-15,-1 0 0,-21 0 16,21-1-16,0 22 16,0-21-16,-21 0 0,21 0 15,0 0-15,1 21 16,-22-22-16,21 1 0,0 0 15,0 0-15,0 0 16,1 21-16,-22-21 16,21 0-16,0-1 0,0 22 15,0-21-15,-21 0 16,21 21-16,0-21 0,1 21 16,-1-21-16,0 21 15,-21-22-15,21 22 0,0-21 16,1 0-16,-1 0 15,0 21-15,-21-21 16,21 21-16,0-21 0,0 0 16,0 21-16,1-22 0,-1 22 15,0-21-15,-21 0 16,21 21-16,0-21 0,1 21 16,-1-21-16,0 21 0,-21-22 15,21 22-15,0-21 16,0 21-16,0-21 0,1 21 15,-1-21-15,0 21 16,0-21-16,0 21 0,1-21 16,-1 21-1,0 0-15,0-21 0,0 21 16,0 0-16,-21-22 0,21 22 16,1 0-16,-1-21 15,0 21-15,0 0 0,0-21 16,1 21-16,-1-21 15,0 21-15,0 0 0,0-21 16,21 21-16,-20-22 0,-1 22 16,0-21-16,0 21 15,0-21-15,1 21 0,-1-21 16,0 21-16,0-21 16,0 0-16,0 21 15,0-21-15,1 21 0,-22-22 16,21 22-16,0-21 15,0 21-15,0-21 0,1 0 16,-1 21-16,0-21 16,0 21-1,-21-22-15,21 22 0,0 0 16,-21-21-16,21 21 16,1-21-16,-1 21 15,0 0 1,-21-21-16,21 21 0,0 0 15,-21-21-15,22 21 16,-1 0-16,0 0 16,0-21-16,0 21 15,0 0 1,0-21-16,1 21 16,-1 0-1,0-22-15,0 22 16,0 0-16,1-21 15,-1 21-15,0 0 16,0 0 0,0 0-16,0-21 0,0 21 15,1 0 1,-1 0-16,0-21 0,0 21 16,0 0-16,-21-21 15,22 21-15,-1 0 16,0 0-1,0-22 1,0 22-16,0 0 16,0-21-1,1 21 1,-1 0 0,0 0-1,0 0 1,0-21-1,1 21 1,-1 0-16,0 0 16,0 0-1,0-21 1,0 21 0,0 0 15,-21-21-31</inkml:trace>
+</inkml:ink>
+</file>
+
+<file path=ppt/ink/ink41.xml><?xml version="1.0" encoding="utf-8"?>
+<inkml:ink xmlns:inkml="http://www.w3.org/2003/InkML">
+  <inkml:definitions>
+    <inkml:context xml:id="ctx0">
+      <inkml:inkSource xml:id="inkSrc0">
+        <inkml:traceFormat>
+          <inkml:channel name="X" type="integer" max="1920" units="cm"/>
+          <inkml:channel name="Y" type="integer" max="1080" units="cm"/>
+          <inkml:channel name="T" type="integer" max="2.14748E9" units="dev"/>
+        </inkml:traceFormat>
+        <inkml:channelProperties>
+          <inkml:channelProperty channel="X" name="resolution" value="55.81395" units="1/cm"/>
+          <inkml:channelProperty channel="Y" name="resolution" value="55.6701" units="1/cm"/>
+          <inkml:channelProperty channel="T" name="resolution" value="1" units="1/dev"/>
+        </inkml:channelProperties>
+      </inkml:inkSource>
+      <inkml:timestamp xml:id="ts0" timeString="2020-12-17T06:32:50.399"/>
+    </inkml:context>
+    <inkml:brush xml:id="br0">
+      <inkml:brushProperty name="width" value="0.05" units="cm"/>
+      <inkml:brushProperty name="height" value="0.05" units="cm"/>
+      <inkml:brushProperty name="color" value="#ED1C24"/>
+      <inkml:brushProperty name="fitToCurve" value="1"/>
+    </inkml:brush>
+  </inkml:definitions>
+  <inkml:trace contextRef="#ctx0" brushRef="#br0">42 43 0,'0'-21'0,"0"-1"31,0 44 0,-21-22-31,21 21 0,0 0 16,0 0-16,0 22 15,0-22-15,0 21 0,-21 0 16,21 22-16,0-22 0</inkml:trace>
+</inkml:ink>
+</file>
+
+<file path=ppt/ink/ink42.xml><?xml version="1.0" encoding="utf-8"?>
+<inkml:ink xmlns:inkml="http://www.w3.org/2003/InkML">
+  <inkml:definitions>
+    <inkml:context xml:id="ctx0">
+      <inkml:inkSource xml:id="inkSrc0">
+        <inkml:traceFormat>
+          <inkml:channel name="X" type="integer" max="1920" units="cm"/>
+          <inkml:channel name="Y" type="integer" max="1080" units="cm"/>
+          <inkml:channel name="T" type="integer" max="2.14748E9" units="dev"/>
+        </inkml:traceFormat>
+        <inkml:channelProperties>
+          <inkml:channelProperty channel="X" name="resolution" value="55.81395" units="1/cm"/>
+          <inkml:channelProperty channel="Y" name="resolution" value="55.6701" units="1/cm"/>
+          <inkml:channelProperty channel="T" name="resolution" value="1" units="1/dev"/>
+        </inkml:channelProperties>
+      </inkml:inkSource>
+      <inkml:timestamp xml:id="ts0" timeString="2020-12-17T06:32:51.365"/>
+    </inkml:context>
+    <inkml:brush xml:id="br0">
+      <inkml:brushProperty name="width" value="0.05" units="cm"/>
+      <inkml:brushProperty name="height" value="0.05" units="cm"/>
+      <inkml:brushProperty name="color" value="#ED1C24"/>
+      <inkml:brushProperty name="fitToCurve" value="1"/>
+    </inkml:brush>
+  </inkml:definitions>
+  <inkml:trace contextRef="#ctx0" brushRef="#br0">63 87 0,'0'-21'16,"-21"21"62,21 21-62,-21-21-16,21 21 15,0 0-15,-21 0 0,21 0 16,0 0-16,0 1 15,0-1-15,0 0 0,21-21 16,0 21-16,0-21 0,0 0 16,1 0-16,20 0 15,-21-21-15,21 0 0,-21 0 16,22-1-16,-22 1 0,0 0 16,-21 0-16,0 0 15,0 0-15,-21 0 0,21-1 16,-42 1-16,20 21 15,1-21-15,0 21 0,-21 0 16,21 0-16,0 21 16,21 0-16</inkml:trace>
+</inkml:ink>
+</file>
+
+<file path=ppt/ink/ink43.xml><?xml version="1.0" encoding="utf-8"?>
+<inkml:ink xmlns:inkml="http://www.w3.org/2003/InkML">
+  <inkml:definitions>
+    <inkml:context xml:id="ctx0">
+      <inkml:inkSource xml:id="inkSrc0">
+        <inkml:traceFormat>
+          <inkml:channel name="X" type="integer" max="1920" units="cm"/>
+          <inkml:channel name="Y" type="integer" max="1080" units="cm"/>
+          <inkml:channel name="T" type="integer" max="2.14748E9" units="dev"/>
+        </inkml:traceFormat>
+        <inkml:channelProperties>
+          <inkml:channelProperty channel="X" name="resolution" value="55.81395" units="1/cm"/>
+          <inkml:channelProperty channel="Y" name="resolution" value="55.6701" units="1/cm"/>
+          <inkml:channelProperty channel="T" name="resolution" value="1" units="1/dev"/>
+        </inkml:channelProperties>
+      </inkml:inkSource>
+      <inkml:timestamp xml:id="ts0" timeString="2020-12-17T06:32:53.045"/>
+    </inkml:context>
+    <inkml:brush xml:id="br0">
+      <inkml:brushProperty name="width" value="0.05" units="cm"/>
+      <inkml:brushProperty name="height" value="0.05" units="cm"/>
+      <inkml:brushProperty name="color" value="#ED1C24"/>
+      <inkml:brushProperty name="fitToCurve" value="1"/>
+    </inkml:brush>
+  </inkml:definitions>
+  <inkml:trace contextRef="#ctx0" brushRef="#br0">305 0 0,'0'22'109,"0"-1"-93,0 0-1,0 0-15,0 0 16,0 0 0,0 0-16,0 1 15</inkml:trace>
+  <inkml:trace contextRef="#ctx0" brushRef="#br0" timeOffset="527">52 403 0,'0'-22'16,"-21"22"-1,21 22 32,0-1-16,0 0-31,0 0 16,-22-21-16,22 21 0,0 0 16,0 0-1,22-21 1</inkml:trace>
+  <inkml:trace contextRef="#ctx0" brushRef="#br0" timeOffset="906">135 424 0,'22'0'15,"-22"21"48,0 0-48,0 0 17,21 0-17,0-21 1,0 0-1,-21-21-15,21 21 0,1-21 16,-1 0 0,-21 0-1,-21 21 1,21-21-16,-22 21 16,1 0-16,0 21 15,0-21 1</inkml:trace>
+  <inkml:trace contextRef="#ctx0" brushRef="#br0" timeOffset="1176">411 424 0,'0'21'47</inkml:trace>
+  <inkml:trace contextRef="#ctx0" brushRef="#br0" timeOffset="1380">517 424 0,'0'21'15,"-22"-21"1,1 21 0,0-21-16,21 21 15,0 0-15</inkml:trace>
+  <inkml:trace contextRef="#ctx0" brushRef="#br0" timeOffset="1572">432 614 0</inkml:trace>
+</inkml:ink>
+</file>
+
+<file path=ppt/ink/ink44.xml><?xml version="1.0" encoding="utf-8"?>
+<inkml:ink xmlns:inkml="http://www.w3.org/2003/InkML">
+  <inkml:definitions>
+    <inkml:context xml:id="ctx0">
+      <inkml:inkSource xml:id="inkSrc0">
+        <inkml:traceFormat>
+          <inkml:channel name="X" type="integer" max="1920" units="cm"/>
+          <inkml:channel name="Y" type="integer" max="1080" units="cm"/>
+          <inkml:channel name="T" type="integer" max="2.14748E9" units="dev"/>
+        </inkml:traceFormat>
+        <inkml:channelProperties>
+          <inkml:channelProperty channel="X" name="resolution" value="55.81395" units="1/cm"/>
+          <inkml:channelProperty channel="Y" name="resolution" value="55.6701" units="1/cm"/>
+          <inkml:channelProperty channel="T" name="resolution" value="1" units="1/dev"/>
+        </inkml:channelProperties>
+      </inkml:inkSource>
+      <inkml:timestamp xml:id="ts0" timeString="2020-12-17T06:31:59.194"/>
+    </inkml:context>
+    <inkml:brush xml:id="br0">
+      <inkml:brushProperty name="width" value="0.05" units="cm"/>
+      <inkml:brushProperty name="height" value="0.05" units="cm"/>
+      <inkml:brushProperty name="color" value="#ED1C24"/>
+      <inkml:brushProperty name="fitToCurve" value="1"/>
+    </inkml:brush>
+  </inkml:definitions>
+  <inkml:trace contextRef="#ctx0" brushRef="#br0">2244 1145 0,'21'0'15,"-21"-22"-15,21 22 16,-21-21 0,21 0 15,0 21-31</inkml:trace>
+  <inkml:trace contextRef="#ctx0" brushRef="#br0" timeOffset="265">2625 785 0,'0'-21'15,"21"21"-15,-21-22 16,21 1-16,0 21 16,0-21-1,1 21-15,-1-21 16,0 21-16,0 0 15,-21-21-15</inkml:trace>
+  <inkml:trace contextRef="#ctx0" brushRef="#br0" timeOffset="509">3154 425 0,'21'0'0,"-21"-21"0,21 21 16,1 0-1,-1 0-15</inkml:trace>
+  <inkml:trace contextRef="#ctx0" brushRef="#br0" timeOffset="738">3472 235 0,'21'-22'15,"-21"1"1,21 21-16,0-21 16,0 21-1</inkml:trace>
+  <inkml:trace contextRef="#ctx0" brushRef="#br0" timeOffset="978">3980 23 0,'0'-21'16,"21"21"-16,0 0 15</inkml:trace>
+  <inkml:trace contextRef="#ctx0" brushRef="#br0" timeOffset="-1326">593 2351 0,'-21'0'47,"-1"0"63,44 0-1,-1 0-78,-21-21-15,21 21-1,-21-21-15,21 21 16,-21-21-16,21 21 16,-21-21-16,22 21 0,-1-22 15,0 22 1,0-21-16,0 21 16,-21-21-16,21 21 15,0 0-15,-21-21 16,22 21-1,-22-21 1</inkml:trace>
+  <inkml:trace contextRef="#ctx0" brushRef="#br0" timeOffset="-930">974 2055 0,'21'-21'16,"0"21"-1,-21-22 1,21 1 0,0 21-1,-21-21-15,22 21 16,-22-21-1,21 21-15,0 0 16,-21-21-16,21 21 16</inkml:trace>
+  <inkml:trace contextRef="#ctx0" brushRef="#br0" timeOffset="-600">1376 1780 0,'21'0'16,"-21"-22"-16,21 22 15,-21-21-15,22 21 16,-22-21 0,21 21-1,-21-21 1,21 21-16,0 0 31</inkml:trace>
+  <inkml:trace contextRef="#ctx0" brushRef="#br0" timeOffset="-306">1757 1483 0,'21'-21'31,"0"0"-15,1 21 15,-22-21-31</inkml:trace>
+  <inkml:trace contextRef="#ctx0" brushRef="#br0" timeOffset="58928">1969 2309 0,'0'-21'31,"0"-1"16,0 1-16,0 0 0,0 0-15,0 0-1,0 0 1,0 0 0,0-1-16,0 1 15,0 0 1,0-21 0,0 20-1,0 1 1,0 0-16,0 0 15,0 0 1,0 0-16,0 0 16,0-1-16,0 1 15,0 0 1,0 0-16,0 0 16,-21-1-16,21 1 15,0 0-15,0 0 16,0 0-16,0 0 15,0 0 1,-22-1 0,22 1-1,0 0 1,0 0-16,0 0 16,0-1-1,0 1 1,0 0-1,0 0-15,0 0 16,0 0-16,0-1 16,0 1-1,0 0-15,0 0 16,0 0 0,0 0-1,0-1-15,0 1 16,0 0-1,0 0-15,0 0 16,0 0-16,0 0 16,0-1-1,0 1-15,0 0 16,0 0 0,-21 0-1,21-1-15,0 1 16,0 0-1,0 0-15,0 0 16,0 0 0,0 0-1,-21-1 1,21 1-16,0 0 16,0 0-16,0 0 15,0-1 1,0 1-16,0 0 15,0 0-15,0 0 16,0 0-16,0 0 16,0-1-16,0 1 15,0 0 1,0 0-16,0 0 16,0-1-16,0 1 15,0 0 1,0 0 15,0 0-15,0 0-16,0 0 31,0-1-31,0 1 31,0 0-15,21 21-1,-21-21 1,0 0 0,0-1 15,0 1 16,0 0 31,0 0-16,-21 21-62,21-21 47,-21 21 0,21-21 0,-21 21 47,-1 0 156,1 0-235,0 0 1,0 0 0,0 0-16,0 0 15,0 0-15,-1 0 16,1 0-16,0 0 0,0 0 16,0 0-1,-1 0-15,1 0 0,-21 0 16,21 0-16,0 0 15,0 0-15,-1 0 16,1 0-16,0 0 0,0 0 16,0 0-1,-1 0-15,1 0 16,0 0 0,0 0-1,21 21-15,-21-21 0,0 0 16,0 0-1,-1 0-15,1 0 16,0 0 0,0 0-16,0 0 15,-1 0-15,1 0 16,0 0-16,0 0 16,0 0-16,0 0 15,0 0-15,-1 0 16,1 0-16,0 0 15,0 0-15,0 0 16,-1 0 0,1 0-16,0 0 15,0 0-15,0 0 16,0 0 0,0 0-1,-1 0-15,1 0 16,0 0-1,0 0-15,0 0 16,-1 0 0,1 0 15,0 0-15,0 0-1,0 0 1,21 21 15,-21-21-31,0 0 31</inkml:trace>
+  <inkml:trace contextRef="#ctx0" brushRef="#br0" timeOffset="61782">0 129 0,'0'21'16,"21"0"-16,-21 0 16,21-21-1,1 21 1,-1 1 0,-21-1-1,0 0 16,-21-21-15</inkml:trace>
+  <inkml:trace contextRef="#ctx0" brushRef="#br0" timeOffset="62288">42 86 0,'22'0'15,"-1"0"-15,0-21 16,0 21-16,0 0 16,1 0-16,-1 0 0,0 0 15,0 0-15,0 0 16,0 0-1,-21-21 1,0 42 31,-21-21-47,21 21 16,0 0-1,-21 1-15,21-1 16,0 0-1,0 0-15,21-21 16,-21 21 0,21-21-16,0 0 31,-21-21-31,22 21 0,-22-21 16,0 0-16,0 0 15,0-1-15,0 1 16,-22 0-16,1 0 15,0 21-15,0 0 16,0 21 0</inkml:trace>
+</inkml:ink>
+</file>
+
+<file path=ppt/ink/ink45.xml><?xml version="1.0" encoding="utf-8"?>
+<inkml:ink xmlns:inkml="http://www.w3.org/2003/InkML">
+  <inkml:definitions>
+    <inkml:context xml:id="ctx0">
+      <inkml:inkSource xml:id="inkSrc0">
+        <inkml:traceFormat>
+          <inkml:channel name="X" type="integer" max="1920" units="cm"/>
+          <inkml:channel name="Y" type="integer" max="1080" units="cm"/>
+          <inkml:channel name="T" type="integer" max="2.14748E9" units="dev"/>
+        </inkml:traceFormat>
+        <inkml:channelProperties>
+          <inkml:channelProperty channel="X" name="resolution" value="55.81395" units="1/cm"/>
+          <inkml:channelProperty channel="Y" name="resolution" value="55.6701" units="1/cm"/>
+          <inkml:channelProperty channel="T" name="resolution" value="1" units="1/dev"/>
+        </inkml:channelProperties>
+      </inkml:inkSource>
+      <inkml:timestamp xml:id="ts0" timeString="2020-12-17T06:33:07.373"/>
+    </inkml:context>
+    <inkml:brush xml:id="br0">
+      <inkml:brushProperty name="width" value="0.05" units="cm"/>
+      <inkml:brushProperty name="height" value="0.05" units="cm"/>
+      <inkml:brushProperty name="color" value="#ED1C24"/>
+      <inkml:brushProperty name="fitToCurve" value="1"/>
+    </inkml:brush>
+  </inkml:definitions>
+  <inkml:trace contextRef="#ctx0" brushRef="#br0">2138 958 0,'0'-21'15,"-21"21"1,21-22 0,0 1 15,0 0-16,0 0 1,0 0 0,0 0-1,0 0 1,0-1-16,-21 1 16,21 0-1,0 0 1,0 0 15,0-1-15,0 1-1,0 0 1,0 0 0,0 0-1,0 0 1,0 0-16,0-1 15,0 1 1,0 0 0,0 0-1,0 0 1,0-1 0,-21 22-16,21-21 15,0 0 1,0 0-1,0 0-15,0 0 16,0 0 0,0-1-1,0 1 1,0 0 0,0 0-1,0 0 1,0-1-1,0 1 17,21 21-1,-21-21-15,0 0 15,0 0 47,0 42 0,-21-21-31,21 21-31,-21-21 30,-1 0-30,1 0 0,0 0-1,0 0-15,0 0 16,0 0-16,0 0 0,-1 0 16,-20 0-16,0 0 15,20 0-15,-20 0 0,0 0 16,0 0-16,-1 0 0,22 0 15,-21 0-15,-1 0 16,1-21-16,21 21 0,-21 0 16,-1 0-16,22 0 15,-21 0-15,-1 0 0,22 0 16,-21 0-16,0 0 16,-1 0-16,1 0 0,-1 0 15,1 0-15,0 0 0,21 0 16,-22 0-16,22 0 15,0 0-15,0 0 0,0 0 16,-1 0-16,1 0 16,21 21-1,-21-21-15,0 0 0,0 0 16,0 0 0,0 0-16,-1 0 15,1 21 1,0-21 15,0 0 32,42 0 30</inkml:trace>
+  <inkml:trace contextRef="#ctx0" brushRef="#br0" timeOffset="606">0 26 0,'22'0'47,"-1"0"-31,0 0-16,0 0 0,0 0 16,1-21-1,-1 21-15,0 0 0,0 0 16,0 0-16,0 0 15,0 0 1,-21 21 0,0 1-1,22-1 1,-22 0-16,0 0 16,0 0-16,0 1 15,0 20-15,0-21 0,0 0 16,0 0-16,-22 0 15,22 1-15,0-1 0,0 0 16,-21 0 0</inkml:trace>
+  <inkml:trace contextRef="#ctx0" brushRef="#br0" timeOffset="862">149 196 0,'21'0'32,"0"0"-17,0-21-15,0 21 16,1 0-16,-1 0 15,0-22-15,0 22 16,-21-21-16,21 21 16</inkml:trace>
+  <inkml:trace contextRef="#ctx0" brushRef="#br0" timeOffset="1187">339 111 0,'0'21'47,"-21"0"-31,21 1-16,0-1 15,0 0-15,0 0 16,0 0-16,0 1 16,0-1-16,21 0 15,0-21 1,0 0 0,1 0-1,-22-21-15,21 21 0,-21-21 16,21 21-16,-21-22 0,21 1 15,-21 0 1,0 0-16,0 0 16,-21 21-16,21-22 15,-21 22-15,0 0 16</inkml:trace>
+  <inkml:trace contextRef="#ctx0" brushRef="#br0" timeOffset="1411">614 48 0,'0'21'79</inkml:trace>
+  <inkml:trace contextRef="#ctx0" brushRef="#br0" timeOffset="1661">636 48 0,'0'21'15,"0"0"1,0 0 0,0 0-16,0 1 15,0 20-15,0-21 16,-22 0-16,22 0 0,0 0 16,0 1-16</inkml:trace>
+  <inkml:trace contextRef="#ctx0" brushRef="#br0" timeOffset="1849">657 280 0,'21'0'0,"-21"22"62</inkml:trace>
+</inkml:ink>
+</file>
+
+<file path=ppt/ink/ink46.xml><?xml version="1.0" encoding="utf-8"?>
+<inkml:ink xmlns:inkml="http://www.w3.org/2003/InkML">
+  <inkml:definitions>
+    <inkml:context xml:id="ctx0">
+      <inkml:inkSource xml:id="inkSrc0">
+        <inkml:traceFormat>
+          <inkml:channel name="X" type="integer" max="1920" units="cm"/>
+          <inkml:channel name="Y" type="integer" max="1080" units="cm"/>
+          <inkml:channel name="T" type="integer" max="2.14748E9" units="dev"/>
+        </inkml:traceFormat>
+        <inkml:channelProperties>
+          <inkml:channelProperty channel="X" name="resolution" value="55.81395" units="1/cm"/>
+          <inkml:channelProperty channel="Y" name="resolution" value="55.6701" units="1/cm"/>
+          <inkml:channelProperty channel="T" name="resolution" value="1" units="1/dev"/>
+        </inkml:channelProperties>
+      </inkml:inkSource>
+      <inkml:timestamp xml:id="ts0" timeString="2020-12-17T06:33:44.584"/>
+    </inkml:context>
+    <inkml:brush xml:id="br0">
+      <inkml:brushProperty name="width" value="0.2" units="cm"/>
+      <inkml:brushProperty name="height" value="0.4" units="cm"/>
+      <inkml:brushProperty name="color" value="#00FF00"/>
+      <inkml:brushProperty name="tip" value="rectangle"/>
+      <inkml:brushProperty name="rasterOp" value="maskPen"/>
+      <inkml:brushProperty name="fitToCurve" value="1"/>
+    </inkml:brush>
+  </inkml:definitions>
+  <inkml:trace contextRef="#ctx0" brushRef="#br0">148 65 0,'0'-21'32,"-21"21"-1,0 0-16,0 0-15,0 0 16,0 0 0,0 21-16,-1-21 15,44 0 48,-1 0-48,0 0-15,0 0 0,0 0 16,21 0-16,22 0 16,-22 0-16,22 0 0,20 0 15,-20-21-15,21 21 16,-1 0-16,1 0 0,0-21 16,-1 21-16,-20 0 0,21 0 15,-22 0-15,-21 0 16,22-21-16,-22 21 0,-21 0 15,1 0-15,-1 0 0,-42 0 32,-1 0-17,1 0 1,0 0-16,-21 21 0,20-21 16,1 0-16,-21 0 0,21 21 15,0-21-15,-22 0 16,22 0-16,-21 21 0,-1-21 15,22 0-15,-21 21 16,0-21-16,-1 0 0,1 22 16,21-22-16,-22 21 0,1-21 15,0 0-15,0 21 16,-1-21-16,22 21 0,-21-21 16,-1 0-16,22 0 15,0 21-15,-21-21 0,21 0 16,-1 22-16,1-22 15,21-22 17,21 22-17,1-21-15,-1 21 16,0-21-16,21 21 0,-21-21 16,22 0-16,-22 21 15,21-22-15,-21 22 0,1-21 16,-1 21-16</inkml:trace>
+</inkml:ink>
+</file>
+
+<file path=ppt/ink/ink47.xml><?xml version="1.0" encoding="utf-8"?>
+<inkml:ink xmlns:inkml="http://www.w3.org/2003/InkML">
+  <inkml:definitions>
+    <inkml:context xml:id="ctx0">
+      <inkml:inkSource xml:id="inkSrc0">
+        <inkml:traceFormat>
+          <inkml:channel name="X" type="integer" max="1920" units="cm"/>
+          <inkml:channel name="Y" type="integer" max="1080" units="cm"/>
+          <inkml:channel name="T" type="integer" max="2.14748E9" units="dev"/>
+        </inkml:traceFormat>
+        <inkml:channelProperties>
+          <inkml:channelProperty channel="X" name="resolution" value="55.81395" units="1/cm"/>
+          <inkml:channelProperty channel="Y" name="resolution" value="55.6701" units="1/cm"/>
+          <inkml:channelProperty channel="T" name="resolution" value="1" units="1/dev"/>
+        </inkml:channelProperties>
+      </inkml:inkSource>
+      <inkml:timestamp xml:id="ts0" timeString="2020-12-17T06:33:44.645"/>
+    </inkml:context>
+    <inkml:brush xml:id="br0">
+      <inkml:brushProperty name="width" value="0.2" units="cm"/>
+      <inkml:brushProperty name="height" value="0.4" units="cm"/>
+      <inkml:brushProperty name="color" value="#00FF00"/>
+      <inkml:brushProperty name="tip" value="rectangle"/>
+      <inkml:brushProperty name="rasterOp" value="maskPen"/>
+      <inkml:brushProperty name="fitToCurve" value="1"/>
+    </inkml:brush>
+  </inkml:definitions>
+  <inkml:trace contextRef="#ctx0" brushRef="#br0">212 0 0,'-22'22'16,"1"20"-16,-21-21 15,21 0-15,-22 22 0,22-1 16,-21 0-16</inkml:trace>
+</inkml:ink>
+</file>
+
+<file path=ppt/ink/ink48.xml><?xml version="1.0" encoding="utf-8"?>
+<inkml:ink xmlns:inkml="http://www.w3.org/2003/InkML">
+  <inkml:definitions>
+    <inkml:context xml:id="ctx0">
+      <inkml:inkSource xml:id="inkSrc0">
+        <inkml:traceFormat>
+          <inkml:channel name="X" type="integer" max="1920" units="cm"/>
+          <inkml:channel name="Y" type="integer" max="1080" units="cm"/>
+          <inkml:channel name="T" type="integer" max="2.14748E9" units="dev"/>
+        </inkml:traceFormat>
+        <inkml:channelProperties>
+          <inkml:channelProperty channel="X" name="resolution" value="55.81395" units="1/cm"/>
+          <inkml:channelProperty channel="Y" name="resolution" value="55.6701" units="1/cm"/>
+          <inkml:channelProperty channel="T" name="resolution" value="1" units="1/dev"/>
+        </inkml:channelProperties>
+      </inkml:inkSource>
+      <inkml:timestamp xml:id="ts0" timeString="2020-12-17T06:33:44.764"/>
+    </inkml:context>
+    <inkml:brush xml:id="br0">
+      <inkml:brushProperty name="width" value="0.2" units="cm"/>
+      <inkml:brushProperty name="height" value="0.4" units="cm"/>
+      <inkml:brushProperty name="color" value="#00FF00"/>
+      <inkml:brushProperty name="tip" value="rectangle"/>
+      <inkml:brushProperty name="rasterOp" value="maskPen"/>
+      <inkml:brushProperty name="fitToCurve" value="1"/>
+    </inkml:brush>
+  </inkml:definitions>
+  <inkml:trace contextRef="#ctx0" brushRef="#br0">170 0 0,'-43'42'0,"22"-21"16,0 0-16,0 22 15,0-22-15,21 0 0,-21-21 16,21 21-16,-22 1 16,44-22-1,-22-22-15,21 22 16</inkml:trace>
+</inkml:ink>
+</file>
+
+<file path=ppt/ink/ink49.xml><?xml version="1.0" encoding="utf-8"?>
+<inkml:ink xmlns:inkml="http://www.w3.org/2003/InkML">
+  <inkml:definitions>
+    <inkml:context xml:id="ctx0">
+      <inkml:inkSource xml:id="inkSrc0">
+        <inkml:traceFormat>
+          <inkml:channel name="X" type="integer" max="1920" units="cm"/>
+          <inkml:channel name="Y" type="integer" max="1080" units="cm"/>
+          <inkml:channel name="T" type="integer" max="2.14748E9" units="dev"/>
+        </inkml:traceFormat>
+        <inkml:channelProperties>
+          <inkml:channelProperty channel="X" name="resolution" value="55.81395" units="1/cm"/>
+          <inkml:channelProperty channel="Y" name="resolution" value="55.6701" units="1/cm"/>
+          <inkml:channelProperty channel="T" name="resolution" value="1" units="1/dev"/>
+        </inkml:channelProperties>
+      </inkml:inkSource>
+      <inkml:timestamp xml:id="ts0" timeString="2020-12-17T06:33:45.046"/>
+    </inkml:context>
+    <inkml:brush xml:id="br0">
+      <inkml:brushProperty name="width" value="0.2" units="cm"/>
+      <inkml:brushProperty name="height" value="0.4" units="cm"/>
+      <inkml:brushProperty name="color" value="#00FF00"/>
+      <inkml:brushProperty name="tip" value="rectangle"/>
+      <inkml:brushProperty name="rasterOp" value="maskPen"/>
+      <inkml:brushProperty name="fitToCurve" value="1"/>
+    </inkml:brush>
+  </inkml:definitions>
+  <inkml:trace contextRef="#ctx0" brushRef="#br0">65 0 0,'-21'42'0,"21"1"0,0-22 16,-22 21-16,22-20 16,0 20-16,-21-21 0,21 0 15,0 0-15,0 0 16,0 1-16</inkml:trace>
+</inkml:ink>
+</file>
+
+<file path=ppt/ink/ink5.xml><?xml version="1.0" encoding="utf-8"?>
+<inkml:ink xmlns:inkml="http://www.w3.org/2003/InkML">
+  <inkml:definitions>
+    <inkml:context xml:id="ctx0">
+      <inkml:inkSource xml:id="inkSrc0">
+        <inkml:traceFormat>
+          <inkml:channel name="X" type="integer" max="1920" units="cm"/>
+          <inkml:channel name="Y" type="integer" max="1080" units="cm"/>
+          <inkml:channel name="T" type="integer" max="2.14748E9" units="dev"/>
+        </inkml:traceFormat>
+        <inkml:channelProperties>
+          <inkml:channelProperty channel="X" name="resolution" value="55.81395" units="1/cm"/>
+          <inkml:channelProperty channel="Y" name="resolution" value="55.6701" units="1/cm"/>
+          <inkml:channelProperty channel="T" name="resolution" value="1" units="1/dev"/>
+        </inkml:channelProperties>
+      </inkml:inkSource>
+      <inkml:timestamp xml:id="ts0" timeString="2020-12-17T06:25:32.646"/>
+    </inkml:context>
+    <inkml:brush xml:id="br0">
+      <inkml:brushProperty name="width" value="0.05" units="cm"/>
+      <inkml:brushProperty name="height" value="0.05" units="cm"/>
+      <inkml:brushProperty name="fitToCurve" value="1"/>
+    </inkml:brush>
+  </inkml:definitions>
+  <inkml:trace contextRef="#ctx0" brushRef="#br0">64 148 0,'-21'0'15,"21"-21"-15,0 0 31,0 42 16,0 0-31,-21 0-16,21 1 16,0 20-16,0-21 0,-22 21 15,22 1-15,0-1 16,0 0-16,0 1 0,0-1 15,0-21-15,0 21 0,22-20 16,-22-1-16,21 0 16,-21 0-16,21 0 0,0 1 15,0-22 1</inkml:trace>
+  <inkml:trace contextRef="#ctx0" brushRef="#br0" timeOffset="445">360 191 0,'-21'0'16,"21"-22"-16,-21 22 15,42 0 32,0 0-47,22 0 16,-22-21-16,21 21 0,0 0 16,1 0-16,-1 0 15,-21 0-15,0 0 0,1 0 16,-1 0-16,-42 0 15,-1 0 1</inkml:trace>
+  <inkml:trace contextRef="#ctx0" brushRef="#br0" timeOffset="660">424 148 0,'-22'0'15,"22"21"-15,22 0 31,-22 1-31,21-1 0,-21 0 16,0 21-16,21 1 16,-21-22-16,21 21 0,-21 0 15,0-20-15,21 20 0,-21-21 16,0 22-16,0-22 16,22 0-16,-22 0 0,0 0 15</inkml:trace>
+  <inkml:trace contextRef="#ctx0" brushRef="#br0" timeOffset="1188">741 254 0,'0'21'46,"21"0"-30,-21 0 0,21 22-16,-21-22 0,0 0 15,22 22-15,-22-22 16,0 0-16,21 21 0,-21-21 16,0 0-16,0 1 15,0-44 1,21 22-1,-21-21-15,0 0 16,0 0-16,0 0 0,0 0 16,0-22-16,0 1 0,0 0 15,0-1-15,0 1 16,0 0-16,0 21 0,21-22 16,-21 22-16,21 0 15,1 21-15,-1-21 0,21 21 16,-21 0-16,0 21 0,0-21 15,1 21-15,-1-21 16,0 21-16,-21 0 0,0 1 16,-21-1-1,0 0-15,-1 0 0,1-21 16,0 21-16,-21 0 0,21-21 16,0 21-16,-1-21 15,1 0-15,0 22 0,0-22 16,42 0-1</inkml:trace>
+  <inkml:trace contextRef="#ctx0" brushRef="#br0" timeOffset="1495">1334 381 0,'-21'0'0,"42"0"47,0 0-47,0 0 15,0-21-15,1 21 0,-1 0 16,21 0-16,-21 0 15,0-21-15,0 21 0,1 0 16,-1 0-16,-42 0 31,-1 0-15</inkml:trace>
+  <inkml:trace contextRef="#ctx0" brushRef="#br0" timeOffset="1764">1376 169 0,'21'22'47,"-21"-1"-31,21 21-16,-21-21 0,22 21 15,-22-20-15,21 20 16,-21 0-16,0-20 0,0 20 16,0-21-16,0 21 0,0-21 15,0 1-15,0-1 16,0 0-16,-21 0 0</inkml:trace>
+  <inkml:trace contextRef="#ctx0" brushRef="#br0" timeOffset="2071">1800 191 0,'0'21'47,"21"-21"-47,-21 21 0,0 0 16,0 0-16,0 0 15,0 22-15,0-22 0,21 21 16,-21-21-16,0 1 16,0 20-16,0-21 0,0 0 15,0 0-15,0 0 16,0-42 15</inkml:trace>
+  <inkml:trace contextRef="#ctx0" brushRef="#br0" timeOffset="2256">1821 275 0,'0'-21'0,"0"0"15,21 0-15,-21 0 16,21 21-16,-21-22 15,21 22-15,0 0 0,1-21 16,-1 21-16,0 0 16,0 0-16,0 0 0,0 0 15,0 0-15,1 0 0,-1 0 16,-21 21-16</inkml:trace>
+  <inkml:trace contextRef="#ctx0" brushRef="#br0" timeOffset="2455">1905 360 0,'-21'0'15,"42"0"17,0 0-17,1 0 1,-1 0-16,0 0 15,0 0-15,0 0 16,22 0-16,-22 0 0</inkml:trace>
+  <inkml:trace contextRef="#ctx0" brushRef="#br0" timeOffset="3109">2371 148 0,'-21'0'0,"0"0"31,21 21-15,0 1-16,0-1 16,0 21-1,0-21-15,-21 21 0,21-20 16,0 20-16,0-21 0,-22 22 15,22-22-15,0 0 16,0 0-16,22-21 31,-22-21-31,21 0 0,0 0 16,0-1 0,-21 1-16,21-21 0,-21 21 15,0-1-15,0-20 0,21 21 16,-21 0-16,0 0 15,0 0-15,21-1 0,-21 1 16,22 21-16,-22 21 16,21-21-1,-21 22-15,21-1 0,-21 0 16,21 0-16,0 0 16,-21 0-16,22 22 0,-22-22 15,21 0-15,-21 0 0,21 0 16,0 1-1,0-22-15,0 0 16,-21-22 0,21 22-16,-21-21 0,0-21 15,22 21-15,-22-1 16,0-20-16,0 0 0,0 21 16,0 0-16,0-1 0,0 1 15,-22 0-15,22 0 16,0 42-1,0 0 17,22-21-32,-22 21 15</inkml:trace>
+  <inkml:trace contextRef="#ctx0" brushRef="#br0" timeOffset="3378">2942 0 0,'-21'0'16,"42"0"15,-21 21-31,22 0 0,-1-21 16,0 43-16,0-22 0,-21 0 15,21 21-15,1 1 16,-1-1-16,-21 0 0,0 1 16,0-1-16,-21 0 15,-22-21-15,22 22 0,-21-22 16,-1 21-16,-20-42 16</inkml:trace>
+</inkml:ink>
+</file>
+
+<file path=ppt/ink/ink50.xml><?xml version="1.0" encoding="utf-8"?>
+<inkml:ink xmlns:inkml="http://www.w3.org/2003/InkML">
+  <inkml:definitions>
+    <inkml:context xml:id="ctx0">
+      <inkml:inkSource xml:id="inkSrc0">
+        <inkml:traceFormat>
+          <inkml:channel name="X" type="integer" max="1920" units="cm"/>
+          <inkml:channel name="Y" type="integer" max="1080" units="cm"/>
+          <inkml:channel name="T" type="integer" max="2.14748E9" units="dev"/>
+        </inkml:traceFormat>
+        <inkml:channelProperties>
+          <inkml:channelProperty channel="X" name="resolution" value="55.81395" units="1/cm"/>
+          <inkml:channelProperty channel="Y" name="resolution" value="55.6701" units="1/cm"/>
+          <inkml:channelProperty channel="T" name="resolution" value="1" units="1/dev"/>
+        </inkml:channelProperties>
+      </inkml:inkSource>
+      <inkml:timestamp xml:id="ts0" timeString="2020-12-17T06:33:47.176"/>
+    </inkml:context>
+    <inkml:brush xml:id="br0">
+      <inkml:brushProperty name="width" value="0.2" units="cm"/>
+      <inkml:brushProperty name="height" value="0.4" units="cm"/>
+      <inkml:brushProperty name="color" value="#00FF00"/>
+      <inkml:brushProperty name="tip" value="rectangle"/>
+      <inkml:brushProperty name="rasterOp" value="maskPen"/>
+      <inkml:brushProperty name="fitToCurve" value="1"/>
+    </inkml:brush>
+  </inkml:definitions>
+  <inkml:trace contextRef="#ctx0" brushRef="#br0">151 212 0,'-21'42'0,"-1"22"16,1-22-16,21 21 0,-21-20 16,0 20-16,21-20 15,-21 20-15,21 0 0,0-20 16,-22-1-16,22 1 0,0-1 16,0 0-16,0-21 15,0 0-15,22-21 16,-22-21-1,0 0-15,21-21 16,-21 0-16,21-1 0,-21-20 16,0 20-16,21-20 15,-21-22-15,21 22 0,-21-1 16,0 1-16,22-1 16,-22 1-16,0-1 0,21 22 15,-21 0-15,0 20 0,0 1 16,21 0-16,-21 42 31,0 0-31,0 1 0,0 20 16,0 0-16,-21 0 15,21 22-15,0-22 0,0 22 16,-21-1-16,21 1 16,0-1-16,0 1 0,-22-1 15,22 22-15,0-21 0,0-1 16,0 0-16,0 1 15,0 0-15,0-1 0,0 0 16,22 1-16,-22 0 16,0-22-16,21 21 0,-21-20 15,0-1-15,21 0 16,-21 22-16,0-22 0,0-21 16,0 22-16,0-1 0,0 0 15,0 1-15,0-22 16,0 21-16,0-21 0,-21 22 15,21-22-15,0 0 0,-21 21 16,21-20-16,0-1 16,-22 0-16,22 0 0,0 0 15,-21-21-15,21 21 16,0 0-16,0 1 16,0-1-16,0 0 31,0 0-31,-21-21 15,21 21-15,0 1 16,0-1-16,0 0 16,0 0-16,0 0 0,0 0 15,0 0-15,0 1 16,0-1-16,0 0 0,0 0 16,0 0-1,0 1-15,0-1 0,0 0 16,0 0-16,0 0 15,0 0 1,21 0 15,-21 1-15,21-22 0,1 0 15,-1-22-16,-21 1-15,21 0 16,-21 0-16,0 0 0,21 0 16,-21 0-16,0-1 15,0 1-15,0 0 0,0 0 16,0 0-16,0-1 16,0 1-16,0 0 0,0 0 15,0 0-15,0 0 0,0 0 16,0-1-16,0 1 15,0-21-15,0 21 0,21-22 16,-21 22-16,0-21 16,21 0-16,-21 20 0,0-20 15,21 21-15,-21 0 0,22-1 16,-22 1-16,0 0 16,21 21-16,-21-21 0,0 0 15,21 0 1,-42 42 31,21 0-47,-21 0 15,21 0-15,-22 22 16,22-22-16,-21 0 16,21 21-16,-21-20 0,21 20 15,-21-21-15,21 0 16,-21 21-16,21-20 0,0-1 15,-21-21-15,21 21 0,0 0 16,0-42 0,21 21-1,-21-21-15,21 0 16,-21-22-16,21 22 0,0-21 16,0 0-16,1-22 0,-1 22 15,0-22-15,0 1 16,0-1-16,1 1 0,-1-1 15,21 1-15,0-1 16,-21 22-16,22-22 0,-1 22 16,1-21-16,-1 20 0,0 22 15,-21-21-15,22 20 16,-22 1-16,0 0 0,0 21 16,0-21-16,1 21 15,-22 21 1,-22 0-1,1 22-15,0-22 16,0 0-16,0 21 0,-1-20 16,1 20-16,0-21 15,0 21-15,0-21 0,0 1 16,0-1-16,-1-21 0,22 21 16,-21-21-16,21 21 15,-21-21-15,21-21 31,0 0-31,0-22 16,0 22-16,21 0 0,-21-21 16,21 0-16,1-1 15,-1-20-15,0-1 0,0 22 16,0-22-16,0-20 16,0 20-16,22 1 0,-22-1 15,0 22-15,22-22 0,-22 22 16,0 0-16,21 21 15,-21-1-15,-21 1 0,21 0 16,-21 42 0,-21 0-1,21 1-15,-42 20 0,21 0 16,0 22-16,-22-22 16,1 22-16,21-22 0,-22 21 15,1-20-15,21 20 16,-21-20-16,21-1 0,-22-21 15,22 21-15,0-21 0,0-21 16,-1 22-16,1-22 16,21 21-16,-21-21 0,0-21 15,21-1 1,0 1-16,0-21 16,0 0-16,21-1 0,0-20 15,0-1-15</inkml:trace>
+</inkml:ink>
+</file>
+
+<file path=ppt/ink/ink51.xml><?xml version="1.0" encoding="utf-8"?>
+<inkml:ink xmlns:inkml="http://www.w3.org/2003/InkML">
+  <inkml:definitions>
+    <inkml:context xml:id="ctx0">
+      <inkml:inkSource xml:id="inkSrc0">
+        <inkml:traceFormat>
+          <inkml:channel name="X" type="integer" max="1920" units="cm"/>
+          <inkml:channel name="Y" type="integer" max="1080" units="cm"/>
+          <inkml:channel name="T" type="integer" max="2.14748E9" units="dev"/>
+        </inkml:traceFormat>
+        <inkml:channelProperties>
+          <inkml:channelProperty channel="X" name="resolution" value="55.81395" units="1/cm"/>
+          <inkml:channelProperty channel="Y" name="resolution" value="55.6701" units="1/cm"/>
+          <inkml:channelProperty channel="T" name="resolution" value="1" units="1/dev"/>
+        </inkml:channelProperties>
+      </inkml:inkSource>
+      <inkml:timestamp xml:id="ts0" timeString="2020-12-17T06:33:47.453"/>
+    </inkml:context>
+    <inkml:brush xml:id="br0">
+      <inkml:brushProperty name="width" value="0.2" units="cm"/>
+      <inkml:brushProperty name="height" value="0.4" units="cm"/>
+      <inkml:brushProperty name="color" value="#00FF00"/>
+      <inkml:brushProperty name="tip" value="rectangle"/>
+      <inkml:brushProperty name="rasterOp" value="maskPen"/>
+      <inkml:brushProperty name="fitToCurve" value="1"/>
+    </inkml:brush>
+  </inkml:definitions>
+  <inkml:trace contextRef="#ctx0" brushRef="#br0">508 254 0,'21'-42'16,"21"-22"-16,1 22 0,-22-1 15,0 22-15,0 0 16,0 0-16,1 21 0,-22 21 31,-22 0-31,1 0 0,-21 22 16,21-1-16,-22 22 0,-20-22 15,21 21-15,-22 1 16,0-1-16,22 1 0,0-1 16,-22 1-16,22-1 0,21-20 15,-22-1-15,22 0 16,0-21-16,0 1 0,0-1 16,21-42-1,0-1-15,0 1 16,0 0-16,21-21 0,-21 0 15</inkml:trace>
+</inkml:ink>
+</file>
+
+<file path=ppt/ink/ink52.xml><?xml version="1.0" encoding="utf-8"?>
+<inkml:ink xmlns:inkml="http://www.w3.org/2003/InkML">
+  <inkml:definitions>
+    <inkml:context xml:id="ctx0">
+      <inkml:inkSource xml:id="inkSrc0">
+        <inkml:traceFormat>
+          <inkml:channel name="X" type="integer" max="1920" units="cm"/>
+          <inkml:channel name="Y" type="integer" max="1080" units="cm"/>
+          <inkml:channel name="T" type="integer" max="2.14748E9" units="dev"/>
+        </inkml:traceFormat>
+        <inkml:channelProperties>
+          <inkml:channelProperty channel="X" name="resolution" value="55.81395" units="1/cm"/>
+          <inkml:channelProperty channel="Y" name="resolution" value="55.6701" units="1/cm"/>
+          <inkml:channelProperty channel="T" name="resolution" value="1" units="1/dev"/>
+        </inkml:channelProperties>
+      </inkml:inkSource>
+      <inkml:timestamp xml:id="ts0" timeString="2020-12-17T06:33:47.686"/>
+    </inkml:context>
+    <inkml:brush xml:id="br0">
+      <inkml:brushProperty name="width" value="0.2" units="cm"/>
+      <inkml:brushProperty name="height" value="0.4" units="cm"/>
+      <inkml:brushProperty name="color" value="#00FF00"/>
+      <inkml:brushProperty name="tip" value="rectangle"/>
+      <inkml:brushProperty name="rasterOp" value="maskPen"/>
+      <inkml:brushProperty name="fitToCurve" value="1"/>
+    </inkml:brush>
+  </inkml:definitions>
+  <inkml:trace contextRef="#ctx0" brushRef="#br0">338 0 0,'0'21'0,"22"21"15,-22 1-15,-22-1 0,22 0 16,-42 22-16,21-22 16,-21 22-16,-1-1 0,1-20 15,0 20-15,-22 0 0,22-20 16</inkml:trace>
+</inkml:ink>
+</file>
+
+<file path=ppt/ink/ink53.xml><?xml version="1.0" encoding="utf-8"?>
+<inkml:ink xmlns:inkml="http://www.w3.org/2003/InkML">
+  <inkml:definitions>
+    <inkml:context xml:id="ctx0">
+      <inkml:inkSource xml:id="inkSrc0">
+        <inkml:traceFormat>
+          <inkml:channel name="X" type="integer" max="1920" units="cm"/>
+          <inkml:channel name="Y" type="integer" max="1080" units="cm"/>
+          <inkml:channel name="T" type="integer" max="2.14748E9" units="dev"/>
+        </inkml:traceFormat>
+        <inkml:channelProperties>
+          <inkml:channelProperty channel="X" name="resolution" value="55.81395" units="1/cm"/>
+          <inkml:channelProperty channel="Y" name="resolution" value="55.6701" units="1/cm"/>
+          <inkml:channelProperty channel="T" name="resolution" value="1" units="1/dev"/>
+        </inkml:channelProperties>
+      </inkml:inkSource>
+      <inkml:timestamp xml:id="ts0" timeString="2020-12-17T06:33:48.395"/>
+    </inkml:context>
+    <inkml:brush xml:id="br0">
+      <inkml:brushProperty name="width" value="0.2" units="cm"/>
+      <inkml:brushProperty name="height" value="0.4" units="cm"/>
+      <inkml:brushProperty name="color" value="#00FF00"/>
+      <inkml:brushProperty name="tip" value="rectangle"/>
+      <inkml:brushProperty name="rasterOp" value="maskPen"/>
+      <inkml:brushProperty name="fitToCurve" value="1"/>
+    </inkml:brush>
+  </inkml:definitions>
+  <inkml:trace contextRef="#ctx0" brushRef="#br0">529 0 0,'0'21'0,"-21"0"0,0 1 16,0-1-16,-22 21 0,1-21 16,-21 22-16,-1-22 15,0 21-15,1 0 0,0-20 16,-1-1-16</inkml:trace>
+</inkml:ink>
+</file>
+
+<file path=ppt/ink/ink54.xml><?xml version="1.0" encoding="utf-8"?>
+<inkml:ink xmlns:inkml="http://www.w3.org/2003/InkML">
+  <inkml:definitions>
+    <inkml:context xml:id="ctx0">
+      <inkml:inkSource xml:id="inkSrc0">
+        <inkml:traceFormat>
+          <inkml:channel name="X" type="integer" max="1920" units="cm"/>
+          <inkml:channel name="Y" type="integer" max="1080" units="cm"/>
+          <inkml:channel name="T" type="integer" max="2.14748E9" units="dev"/>
+        </inkml:traceFormat>
+        <inkml:channelProperties>
+          <inkml:channelProperty channel="X" name="resolution" value="55.81395" units="1/cm"/>
+          <inkml:channelProperty channel="Y" name="resolution" value="55.6701" units="1/cm"/>
+          <inkml:channelProperty channel="T" name="resolution" value="1" units="1/dev"/>
+        </inkml:channelProperties>
+      </inkml:inkSource>
+      <inkml:timestamp xml:id="ts0" timeString="2020-12-17T06:33:49.318"/>
+    </inkml:context>
+    <inkml:brush xml:id="br0">
+      <inkml:brushProperty name="width" value="0.2" units="cm"/>
+      <inkml:brushProperty name="height" value="0.4" units="cm"/>
+      <inkml:brushProperty name="color" value="#00FF00"/>
+      <inkml:brushProperty name="tip" value="rectangle"/>
+      <inkml:brushProperty name="rasterOp" value="maskPen"/>
+      <inkml:brushProperty name="fitToCurve" value="1"/>
+    </inkml:brush>
+  </inkml:definitions>
+  <inkml:trace contextRef="#ctx0" brushRef="#br0">572 828 0,'-43'22'15,"-20"-1"-15,21 0 0,-1 0 16,22-21-16,-21 21 15,20 1-15,-20-22 0,21 21 16,0-21-16,0 0 0,21 21 16,-21-21-16,21-21 31,0 0-15,21-1-16,-21 1 15,21 0-15,0 0 0,0 0 16,0-1-16,22 1 15,-22 0-15,21-21 0,-21 21 16,22 0-16,-1-1 16,0 1-16,-21 0 0,22 0 15,-22 21-15,0 0 16,0-21-16,1 21 0,-22 21 31,-22-21-31,22 21 16,-21 0-16,0-21 0,0 21 15,-22 1-15,22-1 0,-21 0 16,21 0-16,-21 0 16,-1 0-16,1 22 0,-22-22 15,22 0-15,0 21 16,-1-20-16,1-1 0,21 0 16,-22 0-16,22-21 0,21 21 15,-21-21-15,42-21 47,0 21-47,22-21 0,-1 0 16,1 0-16,-1-1 0,21-20 15,22 0-15,-21-1 16,20 1-16,1 0 0,0-22 16,20 1-16,-20-1 15,21 1-15,0-1 0,0 1 16,-1-1-16,-20 1 0,0 20 15,-1 1-15,1 0 16,-21 20-16,-22 1 0,21 0 16,-20 0-16,-22 21 15,21 0-15,-21 0 0,1 0 16,-1 21-16,-21 0 16,-21 0-1,-1 1 1,-20-1-1,21 0-15,0 0 0,-22 0 16,22 1-16,-21 20 0,0-21 16,-1 0-16,-20 21 15,20-20-15,-20 20 0,-1-21 16,1 0-16,20 22 16,-20-43-16,0 21 0,20 0 15,1-21-15,-22 21 0,43-21 16,-21 0-16,21 0 15,-22-21-15,22 21 0,21-21 16,-21 0-16,21 0 0,0-1 16,0 1-16,21 0 15,0 0-15,1 0 0,20-22 16,0 22-16,0 0 16,1 21-16,20-21 0,-20 21 15,20-21-15,-21 21 0,1 0 16,-1 0-16</inkml:trace>
+</inkml:ink>
+</file>
+
+<file path=ppt/ink/ink55.xml><?xml version="1.0" encoding="utf-8"?>
+<inkml:ink xmlns:inkml="http://www.w3.org/2003/InkML">
+  <inkml:definitions>
+    <inkml:context xml:id="ctx0">
+      <inkml:inkSource xml:id="inkSrc0">
+        <inkml:traceFormat>
+          <inkml:channel name="X" type="integer" max="1920" units="cm"/>
+          <inkml:channel name="Y" type="integer" max="1080" units="cm"/>
+          <inkml:channel name="T" type="integer" max="2.14748E9" units="dev"/>
+        </inkml:traceFormat>
+        <inkml:channelProperties>
+          <inkml:channelProperty channel="X" name="resolution" value="55.81395" units="1/cm"/>
+          <inkml:channelProperty channel="Y" name="resolution" value="55.6701" units="1/cm"/>
+          <inkml:channelProperty channel="T" name="resolution" value="1" units="1/dev"/>
+        </inkml:channelProperties>
+      </inkml:inkSource>
+      <inkml:timestamp xml:id="ts0" timeString="2020-12-17T06:33:53.628"/>
+    </inkml:context>
+    <inkml:brush xml:id="br0">
+      <inkml:brushProperty name="width" value="0.2" units="cm"/>
+      <inkml:brushProperty name="height" value="0.4" units="cm"/>
+      <inkml:brushProperty name="color" value="#FF00FF"/>
+      <inkml:brushProperty name="tip" value="rectangle"/>
+      <inkml:brushProperty name="rasterOp" value="maskPen"/>
+      <inkml:brushProperty name="fitToCurve" value="1"/>
+    </inkml:brush>
+  </inkml:definitions>
+  <inkml:trace contextRef="#ctx0" brushRef="#br0">0 2857 0,'21'-21'94,"-21"0"-79,21 21-15,-21-21 16,21-1-16,0 1 16,-21 0-16,22 0 0,-1 0 15,0-22-15,0 22 0,0 0 16,0 0-16,0 0 15,1 0-15,20-1 0,-21 1 16,0 0-16,1 0 16,-1 21-16,21-21 0,-21 21 15,0-22-15,0 22 0,1 0 16,-1 0-16,-21-21 16,21 21-16,-42 0 46,0 21-46,-1 1 0,1-22 16,0 21-16,0 0 16,0 0-16,0 0 0,0-21 15,-1 22-15,1-22 0,0 21 16,0-21 0,21 21-16,-21-21 31,21-21-31,21 0 31,0-1-31,-21 1 16,21 0-16,-21 0 0,21-22 15,1 22-15,-1-21 16,0 0-16,0-1 0,21 1 16,-21 0-16,1-1 0,-1 1 15,21 0-15,-21-1 16,1 22-16,-1 0 0,0 0 15,0 21-15,0 0 16,0 0-16,0 0 16,-21 21-16,0 0 15,0 0 1,0 0-16,0 1 16,-21-1-1,0 0 1,0 0-16,0-21 31,21-21-15,0 0-1,21 0-15,-21-22 16,21 22-16,-21-21 0,21-1 16,0 1-16,1 0 15,-1 0-15,0-22 0,0 22 16,0-22-16,1 1 0,-1-1 15,21 22-15,-21-22 16,0 22-16,0-21 0,1 20 16,-1 22-16,0 0 15,0 0-15,0-1 0,1 22 16,-1 0 0,-21 22-1,0-1-15,0 0 0,0 0 16,-21 0-16,21 1 15,-22 20-15,1-21 0,21 0 16,-21 0-16,0 0 16,0 1-16,-1-22 15,22-22 1,0 1 0,0 0-16,0 0 0,0-21 15,22 21-15,-22-22 0,21 1 16,0-1-16,0 1 15,22 0-15,-22 0 0,21-22 16,0 22-16,-21-1 16,22-20-16,-1 21 0,1-22 15,-1 22-15,0 20 0,0-20 16,1 21-16,-22 0 16,0 0-16,0 21 0,1 0 15,-1 0-15,0 0 16,0 21-16,-21 0 15,0 0-15,0 0 0,0 0 16,0 1-16,0-1 16,-21 21-16,21-21 0,-21 1 15,0-1-15,21 0 16,-22 0-16,1-21 0,21 21 16,-21-21-16,21 21 0,-21-21 15,42-21 1,0 0-1,0 0 1,1 0-16,20 0 0,0-1 16,0 1-16,22 0 0,-22 0 15,22-22-15,-1 22 16,1 0-16,21-21 0,-22 21 16,0 0-16,1-1 15,0 22-15,-22-21 0,21 21 16,-20 0-16,-1 0 0,0 0 15,1 0-15,-1 0 16,-21 0-16,0 0 0,0 0 16,-21 21-1,-21-21-15,0 22 16,-21-22-16,21 0 0,-22 21 16,1-21-16,-22 21 15,22-21-15,21 0 0,-21 0 16,21 21-16,-1-21 15,1 0-15,21-21 16,21 21-16,1 0 0,20-21 16,0 0-16,0 21 15,1-22-15,20 1 0,1 0 16,-1 0-16,1-22 16,-1 22-16,1-21 0,-1 21 15,1-21-15,-1 20 0,1-20 16,-1 0-16,22 20 15,-21 1-15,-22-21 0,21 21 16,-20 21-16,-1-21 16,-21 21-16,0-21 0,-42 21 15,0 21 1,-21-21-16,-1 21 16,-20 0-16,21 0 0,-22 0 15,0-21-15,1 21 16,0 1-16,-1-22 0,0 21 15,22-21-15,0 0 0,0 21 16,-1-21-16,22 0 16,0 0-16</inkml:trace>
+</inkml:ink>
+</file>
+
+<file path=ppt/ink/ink56.xml><?xml version="1.0" encoding="utf-8"?>
+<inkml:ink xmlns:inkml="http://www.w3.org/2003/InkML">
+  <inkml:definitions>
+    <inkml:context xml:id="ctx0">
+      <inkml:inkSource xml:id="inkSrc0">
+        <inkml:traceFormat>
+          <inkml:channel name="X" type="integer" max="1920" units="cm"/>
+          <inkml:channel name="Y" type="integer" max="1080" units="cm"/>
+          <inkml:channel name="T" type="integer" max="2.14748E9" units="dev"/>
+        </inkml:traceFormat>
+        <inkml:channelProperties>
+          <inkml:channelProperty channel="X" name="resolution" value="55.81395" units="1/cm"/>
+          <inkml:channelProperty channel="Y" name="resolution" value="55.6701" units="1/cm"/>
+          <inkml:channelProperty channel="T" name="resolution" value="1" units="1/dev"/>
+        </inkml:channelProperties>
+      </inkml:inkSource>
+      <inkml:timestamp xml:id="ts0" timeString="2020-12-17T06:33:53.677"/>
+    </inkml:context>
+    <inkml:brush xml:id="br0">
+      <inkml:brushProperty name="width" value="0.2" units="cm"/>
+      <inkml:brushProperty name="height" value="0.4" units="cm"/>
+      <inkml:brushProperty name="color" value="#FF00FF"/>
+      <inkml:brushProperty name="tip" value="rectangle"/>
+      <inkml:brushProperty name="rasterOp" value="maskPen"/>
+      <inkml:brushProperty name="fitToCurve" value="1"/>
+    </inkml:brush>
+  </inkml:definitions>
+  <inkml:trace contextRef="#ctx0" brushRef="#br0">0 85 0,'42'-21'16,"-20"-1"-16,20 22 0,0-21 15,1 0-15</inkml:trace>
+</inkml:ink>
+</file>
+
+<file path=ppt/ink/ink57.xml><?xml version="1.0" encoding="utf-8"?>
+<inkml:ink xmlns:inkml="http://www.w3.org/2003/InkML">
+  <inkml:definitions>
+    <inkml:context xml:id="ctx0">
+      <inkml:inkSource xml:id="inkSrc0">
+        <inkml:traceFormat>
+          <inkml:channel name="X" type="integer" max="1920" units="cm"/>
+          <inkml:channel name="Y" type="integer" max="1080" units="cm"/>
+          <inkml:channel name="T" type="integer" max="2.14748E9" units="dev"/>
+        </inkml:traceFormat>
+        <inkml:channelProperties>
+          <inkml:channelProperty channel="X" name="resolution" value="55.81395" units="1/cm"/>
+          <inkml:channelProperty channel="Y" name="resolution" value="55.6701" units="1/cm"/>
+          <inkml:channelProperty channel="T" name="resolution" value="1" units="1/dev"/>
+        </inkml:channelProperties>
+      </inkml:inkSource>
+      <inkml:timestamp xml:id="ts0" timeString="2020-12-17T06:33:53.731"/>
+    </inkml:context>
+    <inkml:brush xml:id="br0">
+      <inkml:brushProperty name="width" value="0.2" units="cm"/>
+      <inkml:brushProperty name="height" value="0.4" units="cm"/>
+      <inkml:brushProperty name="color" value="#FF00FF"/>
+      <inkml:brushProperty name="tip" value="rectangle"/>
+      <inkml:brushProperty name="rasterOp" value="maskPen"/>
+      <inkml:brushProperty name="fitToCurve" value="1"/>
+    </inkml:brush>
+  </inkml:definitions>
+  <inkml:trace contextRef="#ctx0" brushRef="#br0">0 127 0,'42'-21'15,"22"-1"-15,-1 1 0,1 0 16,-1 0-16,1 0 16</inkml:trace>
+</inkml:ink>
+</file>
+
+<file path=ppt/ink/ink58.xml><?xml version="1.0" encoding="utf-8"?>
+<inkml:ink xmlns:inkml="http://www.w3.org/2003/InkML">
+  <inkml:definitions>
+    <inkml:context xml:id="ctx0">
+      <inkml:inkSource xml:id="inkSrc0">
+        <inkml:traceFormat>
+          <inkml:channel name="X" type="integer" max="1920" units="cm"/>
+          <inkml:channel name="Y" type="integer" max="1080" units="cm"/>
+          <inkml:channel name="T" type="integer" max="2.14748E9" units="dev"/>
+        </inkml:traceFormat>
+        <inkml:channelProperties>
+          <inkml:channelProperty channel="X" name="resolution" value="55.81395" units="1/cm"/>
+          <inkml:channelProperty channel="Y" name="resolution" value="55.6701" units="1/cm"/>
+          <inkml:channelProperty channel="T" name="resolution" value="1" units="1/dev"/>
+        </inkml:channelProperties>
+      </inkml:inkSource>
+      <inkml:timestamp xml:id="ts0" timeString="2020-12-17T06:33:53.772"/>
+    </inkml:context>
+    <inkml:brush xml:id="br0">
+      <inkml:brushProperty name="width" value="0.2" units="cm"/>
+      <inkml:brushProperty name="height" value="0.4" units="cm"/>
+      <inkml:brushProperty name="color" value="#FF00FF"/>
+      <inkml:brushProperty name="tip" value="rectangle"/>
+      <inkml:brushProperty name="rasterOp" value="maskPen"/>
+      <inkml:brushProperty name="fitToCurve" value="1"/>
+    </inkml:brush>
+  </inkml:definitions>
+  <inkml:trace contextRef="#ctx0" brushRef="#br0">0 21 0,'64'-21'0,"-1"21"16,22 0-16,-43 0 0</inkml:trace>
+</inkml:ink>
+</file>
+
+<file path=ppt/ink/ink59.xml><?xml version="1.0" encoding="utf-8"?>
+<inkml:ink xmlns:inkml="http://www.w3.org/2003/InkML">
+  <inkml:definitions>
+    <inkml:context xml:id="ctx0">
+      <inkml:inkSource xml:id="inkSrc0">
+        <inkml:traceFormat>
+          <inkml:channel name="X" type="integer" max="1920" units="cm"/>
+          <inkml:channel name="Y" type="integer" max="1080" units="cm"/>
+          <inkml:channel name="T" type="integer" max="2.14748E9" units="dev"/>
+        </inkml:traceFormat>
+        <inkml:channelProperties>
+          <inkml:channelProperty channel="X" name="resolution" value="55.81395" units="1/cm"/>
+          <inkml:channelProperty channel="Y" name="resolution" value="55.6701" units="1/cm"/>
+          <inkml:channelProperty channel="T" name="resolution" value="1" units="1/dev"/>
+        </inkml:channelProperties>
+      </inkml:inkSource>
+      <inkml:timestamp xml:id="ts0" timeString="2020-12-17T06:33:53.839"/>
+    </inkml:context>
+    <inkml:brush xml:id="br0">
+      <inkml:brushProperty name="width" value="0.2" units="cm"/>
+      <inkml:brushProperty name="height" value="0.4" units="cm"/>
+      <inkml:brushProperty name="color" value="#FF00FF"/>
+      <inkml:brushProperty name="tip" value="rectangle"/>
+      <inkml:brushProperty name="rasterOp" value="maskPen"/>
+      <inkml:brushProperty name="fitToCurve" value="1"/>
+    </inkml:brush>
+  </inkml:definitions>
+  <inkml:trace contextRef="#ctx0" brushRef="#br0">127 0 0,'-21'0'0,"0"22"15,-22-22-15,1 21 16</inkml:trace>
+</inkml:ink>
+</file>
+
+<file path=ppt/ink/ink6.xml><?xml version="1.0" encoding="utf-8"?>
+<inkml:ink xmlns:inkml="http://www.w3.org/2003/InkML">
+  <inkml:definitions>
+    <inkml:context xml:id="ctx0">
+      <inkml:inkSource xml:id="inkSrc0">
+        <inkml:traceFormat>
+          <inkml:channel name="X" type="integer" max="1920" units="cm"/>
+          <inkml:channel name="Y" type="integer" max="1080" units="cm"/>
+          <inkml:channel name="T" type="integer" max="2.14748E9" units="dev"/>
+        </inkml:traceFormat>
+        <inkml:channelProperties>
+          <inkml:channelProperty channel="X" name="resolution" value="55.81395" units="1/cm"/>
+          <inkml:channelProperty channel="Y" name="resolution" value="55.6701" units="1/cm"/>
+          <inkml:channelProperty channel="T" name="resolution" value="1" units="1/dev"/>
+        </inkml:channelProperties>
+      </inkml:inkSource>
+      <inkml:timestamp xml:id="ts0" timeString="2020-12-17T06:25:56.092"/>
+    </inkml:context>
+    <inkml:brush xml:id="br0">
+      <inkml:brushProperty name="width" value="0.05" units="cm"/>
+      <inkml:brushProperty name="height" value="0.05" units="cm"/>
+      <inkml:brushProperty name="fitToCurve" value="1"/>
+    </inkml:brush>
+  </inkml:definitions>
+  <inkml:trace contextRef="#ctx0" brushRef="#br0">21 150 0,'0'-21'16,"-21"21"0,21 21-1,21 0-15,-21 1 16,0-1-16,21 0 0,-21 21 16,21-20-16,-21 20 15,0 0-15,21 0 0,-21-20 16,0 20-16,0-21 15,0 0-15,22 22 0,-22-22 16,0 0-16,21-21 16,0 0-1,0-21 1,-21 0-16,0-22 16,0 22-16,0 0 15,0 0-15,-21-22 0,21 1 16,0 21-16,-21-21 15,21-1-15,-21 1 0,21 21 16,0-22-16,0 22 16,0-21-16,21 21 0,0 0 15,0 21-15,-21-21 16,21 21-16,0 0 16,0 0-16,1 0 0,-1 21 15,0-21-15,0 21 0,0-21 16,1 21-16,-1 0 15,-21 0-15,21 0 0,-21 1 16</inkml:trace>
+  <inkml:trace contextRef="#ctx0" brushRef="#br0" timeOffset="186">211 341 0,'-21'21'16,"0"-21"-16,0 0 15,42 0 16,0 0-31,0 0 16,0 0-16,1-21 16,-1 21-16,21 0 0,1 0 15,-22 0-15,21 0 16,0 0-16,1-21 0,-22 21 16</inkml:trace>
+  <inkml:trace contextRef="#ctx0" brushRef="#br0" timeOffset="714">698 172 0,'-21'-22'16,"21"1"-16,0 0 31,0 42-15,0 0-16,0 1 15,21-1-15,-21 0 16,0 21-16,21-21 0,-21 22 16,0-22-16,0 21 15,0-21-15,0 1 0,0-1 16,22 0-16,-22 0 0,0 0 16,0 0-1,0-42 16,0 0-31,0 0 16,-22-21-16,22 20 0,0-20 16,0 0-16,0 20 15,0-41-15,0 21 0,0-1 16,0 22-16,22-21 16,-22-1-16,21 22 0,0 0 15,0 21-15,0 0 0,0 0 16,0 0-16,1 0 15,-1 21-15,21 0 0,-42 1 16,21-1-16,1 0 0,-1-21 16,-21 21-16,0 0 15,-21 1-15,-1-22 0,1 21 16,0 0-16,-21-21 16,-1 21-16,1-21 0,21 21 15,-21 0-15,20-21 16</inkml:trace>
+</inkml:ink>
+</file>
+
+<file path=ppt/ink/ink60.xml><?xml version="1.0" encoding="utf-8"?>
+<inkml:ink xmlns:inkml="http://www.w3.org/2003/InkML">
+  <inkml:definitions>
+    <inkml:context xml:id="ctx0">
+      <inkml:inkSource xml:id="inkSrc0">
+        <inkml:traceFormat>
+          <inkml:channel name="X" type="integer" max="1920" units="cm"/>
+          <inkml:channel name="Y" type="integer" max="1080" units="cm"/>
+          <inkml:channel name="T" type="integer" max="2.14748E9" units="dev"/>
+        </inkml:traceFormat>
+        <inkml:channelProperties>
+          <inkml:channelProperty channel="X" name="resolution" value="55.81395" units="1/cm"/>
+          <inkml:channelProperty channel="Y" name="resolution" value="55.6701" units="1/cm"/>
+          <inkml:channelProperty channel="T" name="resolution" value="1" units="1/dev"/>
+        </inkml:channelProperties>
+      </inkml:inkSource>
+      <inkml:timestamp xml:id="ts0" timeString="2020-12-17T06:33:54.012"/>
+    </inkml:context>
+    <inkml:brush xml:id="br0">
+      <inkml:brushProperty name="width" value="0.2" units="cm"/>
+      <inkml:brushProperty name="height" value="0.4" units="cm"/>
+      <inkml:brushProperty name="color" value="#FF00FF"/>
+      <inkml:brushProperty name="tip" value="rectangle"/>
+      <inkml:brushProperty name="rasterOp" value="maskPen"/>
+      <inkml:brushProperty name="fitToCurve" value="1"/>
+    </inkml:brush>
+  </inkml:definitions>
+  <inkml:trace contextRef="#ctx0" brushRef="#br0">183 87 0,'-43'21'0,"1"-21"0,0 0 15,21 0-15,0 0 16,-1 0-16,44 0 16,-1 0-1,21 0-15,0-21 0,1 21 16,20 0-16,1-21 0,-1 21 15,1-22-15,-1 22 16,1-21-16,20 21 0,-20-21 16,-1 21-16,1 0 15,-1 0-15,-20 0 0,-1 21 16</inkml:trace>
+</inkml:ink>
+</file>
+
+<file path=ppt/ink/ink61.xml><?xml version="1.0" encoding="utf-8"?>
+<inkml:ink xmlns:inkml="http://www.w3.org/2003/InkML">
+  <inkml:definitions>
+    <inkml:context xml:id="ctx0">
+      <inkml:inkSource xml:id="inkSrc0">
+        <inkml:traceFormat>
+          <inkml:channel name="X" type="integer" max="1920" units="cm"/>
+          <inkml:channel name="Y" type="integer" max="1080" units="cm"/>
+          <inkml:channel name="T" type="integer" max="2.14748E9" units="dev"/>
+        </inkml:traceFormat>
+        <inkml:channelProperties>
+          <inkml:channelProperty channel="X" name="resolution" value="55.81395" units="1/cm"/>
+          <inkml:channelProperty channel="Y" name="resolution" value="55.6701" units="1/cm"/>
+          <inkml:channelProperty channel="T" name="resolution" value="1" units="1/dev"/>
+        </inkml:channelProperties>
+      </inkml:inkSource>
+      <inkml:timestamp xml:id="ts0" timeString="2020-12-17T06:33:54.162"/>
+    </inkml:context>
+    <inkml:brush xml:id="br0">
+      <inkml:brushProperty name="width" value="0.2" units="cm"/>
+      <inkml:brushProperty name="height" value="0.4" units="cm"/>
+      <inkml:brushProperty name="color" value="#FF00FF"/>
+      <inkml:brushProperty name="tip" value="rectangle"/>
+      <inkml:brushProperty name="rasterOp" value="maskPen"/>
+      <inkml:brushProperty name="fitToCurve" value="1"/>
+    </inkml:brush>
+  </inkml:definitions>
+  <inkml:trace contextRef="#ctx0" brushRef="#br0">974 0 0,'21'0'0,"0"22"15,-21-1-15,0 0 0,-21 0 16,0 0-16,0 22 15,0-22-15,-43 0 0,22 0 16,-22 21-16,1-20 0,-1 20 16,1-21-16,-22 0 15,22 22-15,-22-22 0,0 0 16,22 0-16,-22 0 16,43 0-16,-22 1 0</inkml:trace>
+</inkml:ink>
+</file>
+
+<file path=ppt/ink/ink62.xml><?xml version="1.0" encoding="utf-8"?>
+<inkml:ink xmlns:inkml="http://www.w3.org/2003/InkML">
+  <inkml:definitions>
+    <inkml:context xml:id="ctx0">
+      <inkml:inkSource xml:id="inkSrc0">
+        <inkml:traceFormat>
+          <inkml:channel name="X" type="integer" max="1920" units="cm"/>
+          <inkml:channel name="Y" type="integer" max="1080" units="cm"/>
+          <inkml:channel name="T" type="integer" max="2.14748E9" units="dev"/>
+        </inkml:traceFormat>
+        <inkml:channelProperties>
+          <inkml:channelProperty channel="X" name="resolution" value="55.81395" units="1/cm"/>
+          <inkml:channelProperty channel="Y" name="resolution" value="55.6701" units="1/cm"/>
+          <inkml:channelProperty channel="T" name="resolution" value="1" units="1/dev"/>
+        </inkml:channelProperties>
+      </inkml:inkSource>
+      <inkml:timestamp xml:id="ts0" timeString="2020-12-17T06:33:54.438"/>
+    </inkml:context>
+    <inkml:brush xml:id="br0">
+      <inkml:brushProperty name="width" value="0.2" units="cm"/>
+      <inkml:brushProperty name="height" value="0.4" units="cm"/>
+      <inkml:brushProperty name="color" value="#FF00FF"/>
+      <inkml:brushProperty name="tip" value="rectangle"/>
+      <inkml:brushProperty name="rasterOp" value="maskPen"/>
+      <inkml:brushProperty name="fitToCurve" value="1"/>
+    </inkml:brush>
+  </inkml:definitions>
+  <inkml:trace contextRef="#ctx0" brushRef="#br0">2074 0 0,'64'0'16,"0"21"-16,-43-21 0,0 0 15,-21 21-15,-42-21 0,-1 21 16,-42-21-16,1 0 16,-22 21-16,-42-21 0,21 0 15,-42 0-15,-1 0 0,1 0 16,-1 0-16,-20 0 16,21 0-16,21 0 0,-1 0 15,44 0-15,-1 22 16,42-22-16</inkml:trace>
+</inkml:ink>
+</file>
+
+<file path=ppt/ink/ink63.xml><?xml version="1.0" encoding="utf-8"?>
+<inkml:ink xmlns:inkml="http://www.w3.org/2003/InkML">
+  <inkml:definitions>
+    <inkml:context xml:id="ctx0">
+      <inkml:inkSource xml:id="inkSrc0">
+        <inkml:traceFormat>
+          <inkml:channel name="X" type="integer" max="1920" units="cm"/>
+          <inkml:channel name="Y" type="integer" max="1080" units="cm"/>
+          <inkml:channel name="T" type="integer" max="2.14748E9" units="dev"/>
+        </inkml:traceFormat>
+        <inkml:channelProperties>
+          <inkml:channelProperty channel="X" name="resolution" value="55.81395" units="1/cm"/>
+          <inkml:channelProperty channel="Y" name="resolution" value="55.6701" units="1/cm"/>
+          <inkml:channelProperty channel="T" name="resolution" value="1" units="1/dev"/>
+        </inkml:channelProperties>
+      </inkml:inkSource>
+      <inkml:timestamp xml:id="ts0" timeString="2020-12-17T06:33:54.594"/>
+    </inkml:context>
+    <inkml:brush xml:id="br0">
+      <inkml:brushProperty name="width" value="0.2" units="cm"/>
+      <inkml:brushProperty name="height" value="0.4" units="cm"/>
+      <inkml:brushProperty name="color" value="#FF00FF"/>
+      <inkml:brushProperty name="tip" value="rectangle"/>
+      <inkml:brushProperty name="rasterOp" value="maskPen"/>
+      <inkml:brushProperty name="fitToCurve" value="1"/>
+    </inkml:brush>
+  </inkml:definitions>
+  <inkml:trace contextRef="#ctx0" brushRef="#br0">0 0 0,'106'0'0,"21"0"15,0 0-15,21 0 16,-21 0-16,0 0 0,-21 0 16,21 0-16,-42 0 0,-1 0 15,1 0-15,-43 0 16,1 0-16,-22 0 0,-64 0 15,-20 21 1,-22-21-16</inkml:trace>
+</inkml:ink>
+</file>
+
+<file path=ppt/ink/ink64.xml><?xml version="1.0" encoding="utf-8"?>
+<inkml:ink xmlns:inkml="http://www.w3.org/2003/InkML">
+  <inkml:definitions>
+    <inkml:context xml:id="ctx0">
+      <inkml:inkSource xml:id="inkSrc0">
+        <inkml:traceFormat>
+          <inkml:channel name="X" type="integer" max="1920" units="cm"/>
+          <inkml:channel name="Y" type="integer" max="1080" units="cm"/>
+          <inkml:channel name="T" type="integer" max="2.14748E9" units="dev"/>
+        </inkml:traceFormat>
+        <inkml:channelProperties>
+          <inkml:channelProperty channel="X" name="resolution" value="55.81395" units="1/cm"/>
+          <inkml:channelProperty channel="Y" name="resolution" value="55.6701" units="1/cm"/>
+          <inkml:channelProperty channel="T" name="resolution" value="1" units="1/dev"/>
+        </inkml:channelProperties>
+      </inkml:inkSource>
+      <inkml:timestamp xml:id="ts0" timeString="2020-12-17T06:33:56.479"/>
+    </inkml:context>
+    <inkml:brush xml:id="br0">
+      <inkml:brushProperty name="width" value="0.2" units="cm"/>
+      <inkml:brushProperty name="height" value="0.4" units="cm"/>
+      <inkml:brushProperty name="color" value="#FF00FF"/>
+      <inkml:brushProperty name="tip" value="rectangle"/>
+      <inkml:brushProperty name="rasterOp" value="maskPen"/>
+      <inkml:brushProperty name="fitToCurve" value="1"/>
+    </inkml:brush>
+  </inkml:definitions>
+  <inkml:trace contextRef="#ctx0" brushRef="#br0">2074 85 0,'148'-21'0,"-21"0"0,22 21 15,-23-21-15,2 21 16,-2-21-16,-20 21 0,-21 0 16,0 0-16,-22 0 15,1 0-15,-43 0 0,-21 21 16,-21-21-16,-22 21 15,-41-21-15,-22 21 0,-21 0 16,-21-21-16,-22 21 0,-20 1 16,-1-22-16,-20 21 15,20-21-15,1 0 0,20 21 16,1-21-16,42 0 16,21 0-16,22 0 0,41 21 15,22-21-15,63 21 16,22-21-16,20 0 15,44 0-15,20 0 0,21 0 16,22 22-16,20-22 16,22 0-16,0 0 0,0 0 15,-22 0-15,22 21 0,-21-21 16,-43 0-16,0 21 16,-20-21-16,-44 0 0,1 21 15,-42-21-15,-22 0 0,-21 0 16,-21 21-16,-42-21 15,-21 0-15,-22 0 0,-42 0 16,-43 0-16,1 0 16,-42-21-16,-22 21 0,-21 0 15,0 0-15,0 0 0,0 0 16,-21 0-16,42 21 16,-21-21-16,42 21 0,21 0 15,22-21-15,21 22 16,21-1-16,21 0 0,22 0 15,41 0-15,1 1 16,-1-1-16,22 0 0,0 0 16,21 0-16,21 0 31,22-21-31,-1 0 0,43 21 16,-1-21-16,65 0 0,-1 22 15,42-22-15,1 21 16,42-21-16,-1 21 0,1 0 15,0-21-15,0 21 16,0 1-16,-22-1 0,1 0 16,-43 0-16,1-21 0,-43 21 15,-22 0-15,-20 0 16,0 1-16,-43-22 0,-21 21 16,0-21-16,1 21 15,-44 0-15,1-21 16,-21 21-16,-21-21 0,-22 22 15,-21-1-15,0-21 16,-63 21-16,-1-21 0,-20 21 16,-43-21-16,0 0 15,1 0-15,-44 21 0,22-21 16,0 0-16,0 0 0,43 0 16,-1 21-16,43-21 15,42 0-15,21 21 0,42 1 16,22-22-16,21 21 15,21 0-15,42-21 0,22 21 16,20 0-16,22 0 0,42-21 16,0 22-16,64-22 15,0 21-15,21-21 0,0 21 16,21-21-16,21 21 0,-21-21 16,0 0-16,-21 21 15,-1-21-15,1 0 0,-42 0 16,-1 0-16,-20 0 15,-22 0-15,0 0 0,-42 0 16,0 0-16,-22 21 0,-20-21 16,-43 0-16,0 22 15,-63-1-15,-22-21 16,-20 0-16,-22 21 16,-21-21-16,-43 0 0,-20 21 15,-22-21-15,-21 0 16,-21 21-16,0-21 0,0 0 15,0 22-15,0-22 0,22 0 16,-1 21-16,42-21 16,1 21-16,20-21 0,22 21 15,21 0-15,0-21 16,43 21-16,-1 0 0,21-21 16,1 22-16,21-22 0,20 21 15,-20-21-15,21 0 16,0 0-16,-1 0 0,44 0 31,-1 0-31,42-21 0,1 21 16,63 0-16,0 0 0,42 0 15,0 0-15,43 0 16,21 21-16,0 0 0,0-21 16,21 21-16,-21 0 0,-1 1 15,1-1-15,-42 0 16,-1 0-16,1 0 0,-43 0 15,-21-21-15,-21 21 16,-22 1-16,-20-22 0,-22 0 16,-21 21-16,-42-21 15,-42 0-15,-1 0 16,-21 0-16,-41-21 0,-23 21 16,-20 0-16,0-22 15,-43 22-15,-21 0 0,21-21 16,-20 21-16,-1 0 0,0 0 15,21 0-15,1 0 16,20 0-16,22 0 0,0 0 16,41 21-16,2-21 15,20 0-15,21 0 0,43 0 16,-1 0-16,1 0 0,63 0 31,22 0-31,-1 0 0,21 0 16,22 0-16,42 0 15,0 0-15,21 0 0,22 0 16,-1 22-16,42-22 0,-20 21 16,21-21-16,21 21 15,-22-21-15,1 21 0,-1-21 16,-20 0-16,-1 21 16,-20-21-16,-22 0 0,-21 0 15,-21 22-15,-22-22 0,-20 0 16,-22 0-16,1 0 15,-64 0 1,-22 0-16,1 0 16</inkml:trace>
+</inkml:ink>
+</file>
+
+<file path=ppt/ink/ink65.xml><?xml version="1.0" encoding="utf-8"?>
+<inkml:ink xmlns:inkml="http://www.w3.org/2003/InkML">
+  <inkml:definitions>
+    <inkml:context xml:id="ctx0">
+      <inkml:inkSource xml:id="inkSrc0">
+        <inkml:traceFormat>
+          <inkml:channel name="X" type="integer" max="1920" units="cm"/>
+          <inkml:channel name="Y" type="integer" max="1080" units="cm"/>
+          <inkml:channel name="T" type="integer" max="2.14748E9" units="dev"/>
+        </inkml:traceFormat>
+        <inkml:channelProperties>
+          <inkml:channelProperty channel="X" name="resolution" value="55.81395" units="1/cm"/>
+          <inkml:channelProperty channel="Y" name="resolution" value="55.6701" units="1/cm"/>
+          <inkml:channelProperty channel="T" name="resolution" value="1" units="1/dev"/>
+        </inkml:channelProperties>
+      </inkml:inkSource>
+      <inkml:timestamp xml:id="ts0" timeString="2020-12-17T06:34:00.228"/>
+    </inkml:context>
+    <inkml:brush xml:id="br0">
+      <inkml:brushProperty name="width" value="0.05" units="cm"/>
+      <inkml:brushProperty name="height" value="0.05" units="cm"/>
+      <inkml:brushProperty name="fitToCurve" value="1"/>
+    </inkml:brush>
+  </inkml:definitions>
+  <inkml:trace contextRef="#ctx0" brushRef="#br0">213 149 0,'0'-21'15,"-21"21"1,21 21 15,-22-21-15,22 21-16,0 1 0,-21-22 15,21 21-15,-21 0 16,21 21-16,-21-20 0,0-1 16,21 0-16,-21 0 0,0 0 15,21 0-15,-22 0 16,22 1-16,0-1 0,-21-21 16,21 21-16,0 0 15,0-42 1,21 0-1,-21 0 1,22-1-16,-22 1 0,21-21 16,-21 21-16,21-21 15,0 20-15,-21-20 0,21 0 16,0-1-16,-21 1 0,21 21 16,-21 0-16,22-22 15,-1 43-15,-21-21 0,21 21 16,0 0-16,0 0 15,-21 21-15,22-21 0,-1 21 16,0 1-16,0-1 0,0 0 16,0 0-16,-21 21 15,21-20-15,-21-1 0,22 0 16,-22 21-16,0-20 16,21-1-16,-21 21 0,0-21 15,0 21-15,0-20 0,0-1 16,0 0-16,0 0 15,-21 0-15,21 1 0,0-1 16,-22-21 0</inkml:trace>
+  <inkml:trace contextRef="#ctx0" brushRef="#br0" timeOffset="222">107 382 0,'-21'0'0,"21"-21"16,-21 21-16,21-21 31,21 21-15,0 0-16,0 0 0,0 0 16,22 0-16,-1 0 0,-21 0 15,21 0-15,1-21 16,-1 21-16,1 0 0,-1 0 15</inkml:trace>
+  <inkml:trace contextRef="#ctx0" brushRef="#br0" timeOffset="721">551 149 0,'0'22'63,"0"-1"-63,0 0 16,0 0-16,0 0 15,22 0-15,-22 0 0,0 1 16,0-1-16,0 21 0,21-21 15,-21 1-15,21-1 16,-21 0-16,21 0 16,-21 0-16,21-21 0,1 21 15,-1-21-15,0 21 0,0-21 16,0 0-16,0-21 0,0 21 16,1-21-16,-22 0 15,21 0-15,0 0 0,-21 0 16,21-22-16,-21 22 0,0-21 15,0-1-15,21 22 16,-21-21-16,0 21 0,0-22 16,0 22-16,0 0 15,-21 21 1,0 0 0,21 21-16,0 0 15,0 1-15,0-1 16,0 0-1</inkml:trace>
+  <inkml:trace contextRef="#ctx0" brushRef="#br0" timeOffset="1188">1439 192 0,'22'0'16,"-22"-21"-16,21 21 15,-21-22-15,0 1 16,-21 21 0,21-21-16,-22 21 0,1 0 15,0 0-15,-21 0 16,21 0-16,-22 21 0,22-21 15,-21 21-15,21 1 0,-22-22 16,22 21-16,0 0 16,0 0-16,0 0 0,0 0 15,21 0-15,0 1 16,0-1-16,0 0 0,21 0 16,-21 0-16,21-21 15,0 22-15,21-22 0,-21 21 16,22-21-16,-1 0 0,1 0 15,20 0-15,-21 0 16,1 0-16,-1-21 0,-21 21 16,21 0-16,-20-22 0,-1 22 15,-21-21-15,21 21 16,-21-21 0</inkml:trace>
+</inkml:ink>
+</file>
+
+<file path=ppt/ink/ink66.xml><?xml version="1.0" encoding="utf-8"?>
+<inkml:ink xmlns:inkml="http://www.w3.org/2003/InkML">
+  <inkml:definitions>
+    <inkml:context xml:id="ctx0">
+      <inkml:inkSource xml:id="inkSrc0">
+        <inkml:traceFormat>
+          <inkml:channel name="X" type="integer" max="1920" units="cm"/>
+          <inkml:channel name="Y" type="integer" max="1080" units="cm"/>
+          <inkml:channel name="T" type="integer" max="2.14748E9" units="dev"/>
+        </inkml:traceFormat>
+        <inkml:channelProperties>
+          <inkml:channelProperty channel="X" name="resolution" value="55.81395" units="1/cm"/>
+          <inkml:channelProperty channel="Y" name="resolution" value="55.6701" units="1/cm"/>
+          <inkml:channelProperty channel="T" name="resolution" value="1" units="1/dev"/>
+        </inkml:channelProperties>
+      </inkml:inkSource>
+      <inkml:timestamp xml:id="ts0" timeString="2020-12-17T06:34:05.073"/>
+    </inkml:context>
+    <inkml:brush xml:id="br0">
+      <inkml:brushProperty name="width" value="0.05" units="cm"/>
+      <inkml:brushProperty name="height" value="0.05" units="cm"/>
+      <inkml:brushProperty name="fitToCurve" value="1"/>
+    </inkml:brush>
+  </inkml:definitions>
+  <inkml:trace contextRef="#ctx0" brushRef="#br0">127 257 0,'0'-21'15,"0"0"1,0 0-16,21 21 16,-21-22-16,0 1 15,21 0-15,-21 0 16,22 21-16,-22-21 15,21 21 1,0 0 15,-21 21-31,0 0 16,0 0-16,0 0 0,0 1 16,0-1-16,0 21 15,0-21-15,0 22 0,0-22 16,0 21-16,0-21 0,0 0 15,0 22-15,0-22 16,0 0-16,0 0 0,0 1 16,21-22-16,-21 21 15,0 0-15,0 0 16,21-21-16,-21 21 16,-21-21-1,21-21-15,-21 21 16,21-21-16,-21 21 15</inkml:trace>
+  <inkml:trace contextRef="#ctx0" brushRef="#br0" timeOffset="677">190 109 0,'-21'0'31,"0"21"-15,0-21-1,0 21 1,0 0-16,0-21 15,21 22-15,-22-22 0,22 21 16,-21-21-16,21 21 16,-21-21-16,21 21 15,0-42 48,21 21-48,-21-21-15,21 21 0,-21-21 16,22 21-16,-1-22 16,-21 1-16,21 0 0,0 0 15,0 0 1,-21 0-16,21 0 0,0 21 16,-21-22-16,22 22 0,-22-21 15,21 21 1,0 21-1,0 1 1,-21-1 0,21-21-16,1 21 0,-1 0 15,0 0 1,0 0-16,0 0 0,0 1 16,0-22-16,-21 21 15,22 0-15,-1 0 16,0 0-16,-21 1 15,21-22 1,0 0 0,1 21-1</inkml:trace>
+</inkml:ink>
+</file>
+
+<file path=ppt/ink/ink67.xml><?xml version="1.0" encoding="utf-8"?>
+<inkml:ink xmlns:inkml="http://www.w3.org/2003/InkML">
+  <inkml:definitions>
+    <inkml:context xml:id="ctx0">
+      <inkml:inkSource xml:id="inkSrc0">
+        <inkml:traceFormat>
+          <inkml:channel name="X" type="integer" max="1920" units="cm"/>
+          <inkml:channel name="Y" type="integer" max="1080" units="cm"/>
+          <inkml:channel name="T" type="integer" max="2.14748E9" units="dev"/>
+        </inkml:traceFormat>
+        <inkml:channelProperties>
+          <inkml:channelProperty channel="X" name="resolution" value="55.81395" units="1/cm"/>
+          <inkml:channelProperty channel="Y" name="resolution" value="55.6701" units="1/cm"/>
+          <inkml:channelProperty channel="T" name="resolution" value="1" units="1/dev"/>
+        </inkml:channelProperties>
+      </inkml:inkSource>
+      <inkml:timestamp xml:id="ts0" timeString="2020-12-17T06:34:42.110"/>
+    </inkml:context>
+    <inkml:brush xml:id="br0">
+      <inkml:brushProperty name="width" value="0.03969" units="cm"/>
+      <inkml:brushProperty name="height" value="0.07938" units="cm"/>
+      <inkml:brushProperty name="color" value="#00FFFF"/>
+      <inkml:brushProperty name="tip" value="rectangle"/>
+      <inkml:brushProperty name="rasterOp" value="maskPen"/>
+      <inkml:brushProperty name="fitToCurve" value="1"/>
+    </inkml:brush>
+  </inkml:definitions>
+  <inkml:trace contextRef="#ctx0" brushRef="#br0">1444 444 0,'21'0'0,"0"-21"16,1 21-1,-1-21-15,0 21 32,-21-21-32,21 0 15,0 21 1,0 0 0,-21-21-16,21 21 0,1 0 15,-1 0-15,-21-21 0,21 21 16,0 0-16,0-22 15,-42 22 17,21 22-32,-21-22 0,-21 21 15,20 0-15,-20 0 16,0 0-16,-22 0 0,22 0 16,-22 1-16,1-22 0,21 21 15,-22 0-15,22 0 16,-1-21-16,1 21 0,0-21 15,21 0-15,0 0 16,21 22-16,21-44 16,0 22-1,21-21-15,0 21 16,1-21-16,20 0 0,1 21 16,-1-21-16,1-1 15,-1-20-15,22 21 0,0 0 16,-22 0-16,22 0 0,-22-22 15,1 43-15,-1-21 16,-20 0-16,-1 21 0,-21 0 16,0 0-16,-21 21 0,-21-21 15,0 21-15,-21 0 16,-1 22-16,-20-22 0,-1 0 16,-20 0-16,-1 21 15,-21-20-15,22-22 0,-1 21 16,21 0-16,1 0 0,-1-21 15,22 21-15,0-21 16,20 0-16,1 22 0,42-44 31,1 22-31,20-21 0,0 21 16,22-21-16,20 0 0,-20-22 16,42 22-16,-22 0 15,1 0-15,0 0 0,-1 0 16,1 0-16,-21-1 15,-1 22-15,1 0 0,-22 0 16,0 0-16,-21 0 0,-21 22 16,-42-1-1,21 0-15,-43 0 16,1 0-16,-22 0 16,1-21-16,-1 21 0,-21 1 15,0-1-15,22-21 0,-1 21 16,21-21-16,1 0 15,21 21-15,21-21 0,-1 0 16,44-21 0,20 21-16,21-21 0,1 21 15,21-21-15,-1-1 0,22 1 16,-21 0-16,20 0 16,1 0-16,-21 0 0,0 0 15,-22-1-15,1 1 0,-22 0 16,0 21-16,-21-21 15,1 21-15,-44 0 16,-20 21 0,-21-21-16,20 21 0,-41-21 15,-1 21-15,-21-21 0,21 22 16,-20-22-16,20 0 16,0 0-16,22 0 0,-1 0 15,22 0-15,21 0 16,42 0-1,0-22-15,22 22 0,20-21 16,0 21-16,1-21 16,0 0-16,20 0 0,-20-1 15,-1 22-15,-20-21 16,20 0-16,-21 0 0,-21 0 16,1 21-16,-1 0 0,-42 21 31,-22-21-31,1 21 15,-21 0-15,-1 0 16,0 1-16,-20-1 0,20 0 16,1-21-16,-1 21 0,1-21 15,21 0-15,20 0 16,1 0-16,0 0 0,42 0 31,0-21-31,22 21 0,-1-21 16,0 21-16,22-21 0,-1-1 15,1 1-15,-1 0 16,-20 0-16,20 0 0,1 0 16,-1 21-16,-21-21 15,1-1-15,-22 22 0,21 0 16,-21-21-16,-42 42 16,-21-21-1,0 22-15,-22-22 0,1 21 16,-22 0-16,0-21 15,1 0-15,-1 21 0,0-21 16,22 0-16,-1 0 0,1 0 16,20 0-16,1 0 15,21 0-15,42-21 32,0 21-32,22-21 15,-1 21-15,0-21 0,1 21 16,-1-22-16,21 1 15,-20 21-15,-1 0 0,-21-21 16,22 21-16,-22 0 0,0 0 16,0 21-16,-21 0 15,-21 1-15,-21-22 16,-1 21-16,-20 0 16,-1 0-16,1-21 0,-22 21 15,22 0-15,-22-21 0,22 21 16,-1-21-16,0 0 15,1 0-15,21 0 0,-1 0 16,22 0-16,0 0 16,42-21-1,22 21-15,-1-21 0,0 0 16,22 21-16,-1-21 16,1 0-16,-1 0 0,22-1 15,-22 22-15,1-21 16,-22 21-16,0 0 0,1 0 15,-22 0-15,0 21 0,-21 1 16,0-1-16,-21 0 16,0 21-16,-22-21 0,1 0 15,-21 22-15,-1-22 16,1 0-16,-22 22 0,22-22 16,-1 0-16,-21 0 0,22 0 15,21 0-15,-22-21 16,22 21-16,-1-21 0,22 22 15,0-22-15,42 0 16,0 0 0,22-22-16,-1 1 0,0 21 15,22-21-15,-22 0 16,0 0-16,1 21 0,-22-21 16,21 0-16,-20 21 15,-44 21 1,1-21-16,-21 21 15,-1 0-15,1 0 16,0 0-16,-22 0 16,22 1-16,-22-1 0,1 0 15,21 0-15,-22 0 0,22 1 16,-1-1-16,1 0 0,0 0 16,21-21-16,0 21 15,-1-21-15,1 0 0,21 21 16,43-42-1,-22 21 1,21-21-16,0 0 0,1 0 16,20 0-16,-20-1 15,20 1-15,-21 0 0,1 0 16,-22 0-16,0-1 16,0 22-16,-42 0 15,0 22 1,-22-1-16,1 0 15,0 0-15,-22 0 0,1 1 16,-1 20-16,1-21 16,-1 21-16,1-21 0,-1 1 15,1 20-15,21-21 0,-22 0 16,22 1-16,-1-1 16,1 0-16,21-21 0,0 21 15,0-21-15,42 0 16,0 0-1,0 0-15,21-21 0,22 0 16,-1 0-16,1-22 16,-1 22-16</inkml:trace>
+</inkml:ink>
+</file>
+
+<file path=ppt/ink/ink68.xml><?xml version="1.0" encoding="utf-8"?>
+<inkml:ink xmlns:inkml="http://www.w3.org/2003/InkML">
+  <inkml:definitions>
+    <inkml:context xml:id="ctx0">
+      <inkml:inkSource xml:id="inkSrc0">
+        <inkml:traceFormat>
+          <inkml:channel name="X" type="integer" max="1920" units="cm"/>
+          <inkml:channel name="Y" type="integer" max="1080" units="cm"/>
+          <inkml:channel name="T" type="integer" max="2.14748E9" units="dev"/>
+        </inkml:traceFormat>
+        <inkml:channelProperties>
+          <inkml:channelProperty channel="X" name="resolution" value="55.81395" units="1/cm"/>
+          <inkml:channelProperty channel="Y" name="resolution" value="55.6701" units="1/cm"/>
+          <inkml:channelProperty channel="T" name="resolution" value="1" units="1/dev"/>
+        </inkml:channelProperties>
+      </inkml:inkSource>
+      <inkml:timestamp xml:id="ts0" timeString="2020-12-17T06:34:42.388"/>
+    </inkml:context>
+    <inkml:brush xml:id="br0">
+      <inkml:brushProperty name="width" value="0.03969" units="cm"/>
+      <inkml:brushProperty name="height" value="0.07938" units="cm"/>
+      <inkml:brushProperty name="color" value="#00FFFF"/>
+      <inkml:brushProperty name="tip" value="rectangle"/>
+      <inkml:brushProperty name="rasterOp" value="maskPen"/>
+      <inkml:brushProperty name="fitToCurve" value="1"/>
+    </inkml:brush>
+  </inkml:definitions>
+  <inkml:trace contextRef="#ctx0" brushRef="#br0">1143 0 0,'0'21'0,"-21"-21"15,0 21-15,-22 21 16,-20-20-16,20-1 0,-41 21 16,20-21-16,-20 0 0,-1 22 15,0-22-15,1 21 16,-22-21-16,42 1 0,-20-1 16,41 0-16,-20 0 15,21-21-15,20 21 0,1-21 16,0 21-16,42-21 15,22 0 1,-1 0-16,0-21 0,22 0 16,-1 0-16,22 0 15,-1-22-15,1 22 0,21-21 16</inkml:trace>
+</inkml:ink>
+</file>
+
+<file path=ppt/ink/ink69.xml><?xml version="1.0" encoding="utf-8"?>
+<inkml:ink xmlns:inkml="http://www.w3.org/2003/InkML">
+  <inkml:definitions>
+    <inkml:context xml:id="ctx0">
+      <inkml:inkSource xml:id="inkSrc0">
+        <inkml:traceFormat>
+          <inkml:channel name="X" type="integer" max="1920" units="cm"/>
+          <inkml:channel name="Y" type="integer" max="1080" units="cm"/>
+          <inkml:channel name="T" type="integer" max="2.14748E9" units="dev"/>
+        </inkml:traceFormat>
+        <inkml:channelProperties>
+          <inkml:channelProperty channel="X" name="resolution" value="55.81395" units="1/cm"/>
+          <inkml:channelProperty channel="Y" name="resolution" value="55.6701" units="1/cm"/>
+          <inkml:channelProperty channel="T" name="resolution" value="1" units="1/dev"/>
+        </inkml:channelProperties>
+      </inkml:inkSource>
+      <inkml:timestamp xml:id="ts0" timeString="2020-12-17T06:34:42.867"/>
+    </inkml:context>
+    <inkml:brush xml:id="br0">
+      <inkml:brushProperty name="width" value="0.03969" units="cm"/>
+      <inkml:brushProperty name="height" value="0.07938" units="cm"/>
+      <inkml:brushProperty name="color" value="#00FFFF"/>
+      <inkml:brushProperty name="tip" value="rectangle"/>
+      <inkml:brushProperty name="rasterOp" value="maskPen"/>
+      <inkml:brushProperty name="fitToCurve" value="1"/>
+    </inkml:brush>
+  </inkml:definitions>
+  <inkml:trace contextRef="#ctx0" brushRef="#br0">912 84 0,'64'-21'0,"-1"0"0,-20 0 16,-1 0-16,-21 21 0,-21 21 15,-21 0 1,-21 0-16,-22 22 0,22-1 16,-43 0-16,0 0 15,1 1-15,-22-1 0,0 1 16,21-22-16,1 21 0,-1-21 16,21 21-16,1-20 15,21-22-15,-1 21 0,22-21 16,0 21-16,42-42 15,0 21 1,1-21-16,20-1 0,21-20 16,1 21-16,-1-21 15,22-1-15,0 22 0,-1-21 16,1-1-16,-22 22 16,22 0-16,-21 0 0,-1 0 15,1 21-15,-22 0 0,-21 0 16,0 0-16,-21 21 15,-21 0-15,0 0 16,-21 22-16,-22-22 0,1 0 16,-22 21-16,0-20 15,22-1-15,-22 21 0,0-21 16,22 0-16,0 0 16,-1-21-16,22 22 0,-1-1 15,1-21-15,21 0 16,0 21-16,42-21 15,0 0 1,0-21-16,21 0 16,1-1-16,20 1 0</inkml:trace>
+</inkml:ink>
+</file>
+
+<file path=ppt/ink/ink7.xml><?xml version="1.0" encoding="utf-8"?>
+<inkml:ink xmlns:inkml="http://www.w3.org/2003/InkML">
+  <inkml:definitions>
+    <inkml:context xml:id="ctx0">
+      <inkml:inkSource xml:id="inkSrc0">
+        <inkml:traceFormat>
+          <inkml:channel name="X" type="integer" max="1920" units="cm"/>
+          <inkml:channel name="Y" type="integer" max="1080" units="cm"/>
+          <inkml:channel name="T" type="integer" max="2.14748E9" units="dev"/>
+        </inkml:traceFormat>
+        <inkml:channelProperties>
+          <inkml:channelProperty channel="X" name="resolution" value="55.81395" units="1/cm"/>
+          <inkml:channelProperty channel="Y" name="resolution" value="55.6701" units="1/cm"/>
+          <inkml:channelProperty channel="T" name="resolution" value="1" units="1/dev"/>
+        </inkml:channelProperties>
+      </inkml:inkSource>
+      <inkml:timestamp xml:id="ts0" timeString="2020-12-17T06:25:57.335"/>
+    </inkml:context>
+    <inkml:brush xml:id="br0">
+      <inkml:brushProperty name="width" value="0.05" units="cm"/>
+      <inkml:brushProperty name="height" value="0.05" units="cm"/>
+      <inkml:brushProperty name="fitToCurve" value="1"/>
+    </inkml:brush>
+  </inkml:definitions>
+  <inkml:trace contextRef="#ctx0" brushRef="#br0">22 85 0,'-21'0'0,"21"-21"0,0 0 16,21 21 0,1 0-16,-1-21 15,21 21-15,22 0 0,-1 0 16,22-22-16,21 22 0,42 0 15,0 0-15,0 0 16,43 0-16,-1 0 0,22 22 16,0-22-16,-22 0 15,22 0-15,-43 0 0,22 0 16,-43 0-16,-42 0 0,-1 0 16,-20 0-16,-43 0 15,-20 0-15,-44 0 16,1 0-16,-21 0 15,-1 0-15,1 21 0</inkml:trace>
+  <inkml:trace contextRef="#ctx0" brushRef="#br0" timeOffset="821">86 339 0,'-21'0'31,"0"21"0,21 0-31,-22 1 16,22-1-16,0 21 0,-21-21 16,21 21-16,0 1 15,0-1-15,0 1 0,0-1 16,21 0-16,-21 0 15,22 1-15,-22-1 0,21-21 16,0 22-16,0-22 0,0 0 16,1 0-16,-1-21 15,0 21-15,0-21 0,0 0 16,0 0-16,0-21 0,1 21 16</inkml:trace>
+  <inkml:trace contextRef="#ctx0" brushRef="#br0" timeOffset="1667">425 466 0,'21'0'94,"0"0"-94,0 0 15,0 0-15,1 0 16,-22-21-16,21 21 15,-42 0 32,-1 21 16,22 0-63,0 0 15,0 0-15,0 1 16,0-1-16,0 0 0,0 21 16,0-20-16,22-1 15,-22 0-15,0 0 0,0 0 16,21 0-16,-21 0 0,0 1 16,0-44 15,0 1-31,0 0 15,0 0-15,0 0 0,0 0 16,0-22-16,0 22 0,0-21 16,0-1-16,0 22 15,0-21-15,0 0 0,0 21 16,0-1-16,0-20 16,21 21-16,-21 0 15,21 21-15,0 0 0,0 0 16,0 0-1,-21 21-15,22-21 0,-1 21 16,0 0-16,0-21 16,0 21-16,1-21 0,-22 22 15</inkml:trace>
+  <inkml:trace contextRef="#ctx0" brushRef="#br0" timeOffset="1854">594 551 0,'0'21'0,"-21"-21"16,21-21 15,21 21-31,0 0 16,0 0 0,1 0-16,-1 0 15,0 0-15,0 0 16,0 0-16</inkml:trace>
+  <inkml:trace contextRef="#ctx0" brushRef="#br0" timeOffset="2387">996 466 0,'-21'0'0,"21"-21"0,-21 21 16,21 21 15,0 0-31,21 0 16,-21 0-16,0 1 0,0-1 15,21 21-15,-21-21 16,0 22-16,21-22 0,-21 21 16,0-21-16,21 0 15,-21 1-15,0-1 0,0 0 16,0-42 15,0 0-15,0-1-16,-21 1 15,21-21-15,0 21 0,0-21 16,0 20-16,21-20 0,-21 0 16,0-1-16,22 1 15,-22 21-15,21-21 0,-21 20 16,21 1-16,0 21 15,-21-21-15,21 21 0,1 0 16,-1 21-16,-21 0 16,21-21-16,-21 22 15,21-1-15,-21 0 0,0 0 16,0 0 0,0 0-16,-21 0 0,0 1 15,0-1-15,-1 0 16,1-21-16,0 21 15,0-21-15,0 0 16</inkml:trace>
+  <inkml:trace contextRef="#ctx0" brushRef="#br0" timeOffset="2807">1483 699 0,'-21'-21'15,"21"0"17,-21 21-32,42 0 31,0 0-31,0 0 16,22 0-16,-22 0 15,0 0-15,21 0 16,-21 0-16,22 0 0,-22 0 15,21 0-15,-21 0 16,1 0-16,-44 0 31,1-22-15</inkml:trace>
+  <inkml:trace contextRef="#ctx0" brushRef="#br0" timeOffset="3077">1568 466 0,'0'-21'16,"0"42"0,0 0-1,0 0-15,0 0 0,21 1 16,-21-1-16,0 21 15,21-21-15,-21 22 0,0-22 16,21 21-16,-21-21 0,0 22 16,0-22-16,21 21 15,-21-21-15,0 1 0,0-1 16,0 0-16,0 0 16</inkml:trace>
+  <inkml:trace contextRef="#ctx0" brushRef="#br0" timeOffset="3371">2012 487 0,'0'-21'32,"21"21"-17,0 0-15,1 0 16,20 0-16,-21 0 0,22 0 16,-22 0-16,21 0 0,-21 0 15,0 0-15,0 0 16,1 0-16,-1 0 0,-21 21 15</inkml:trace>
+  <inkml:trace contextRef="#ctx0" brushRef="#br0" timeOffset="3618">2097 487 0,'0'21'0,"21"-21"15,-21 21 1,0 1-16,21-1 0,-21 0 16,0 0-16,0 0 0,21 1 15,-21 20-15,0-21 16,0 21-16,0 1 0,0-22 16,0 21-16,0-21 15,0 1-15,0-1 0,0 0 16,0 0-16</inkml:trace>
+  <inkml:trace contextRef="#ctx0" brushRef="#br0" timeOffset="4289">2479 531 0,'0'-22'16,"0"44"0,0-1-1,0 0-15,-21 0 16,21 21-16,0-21 16,0 1-16,0 20 15,0-21-15,0 22 0,-22-22 16,22 0-16,0 0 15,0 0-15,0 0 0,0 0 16,0-42 15,0 0-15,22 0-16,-22 0 16,0-21-16,21 20 0,-21-20 15,0 0-15,21 20 0,-21-20 16,21 21-16,-21 0 15,21 0-15,-21 0 0,22 21 16,-22 21 0,21-21-16,-21 21 0,0 0 15,0 0-15,21 21 0,-21-20 16,21-1-16,-21 0 16,21 0-16,0 22 0,0-22 15,1 0 1,-1-21-16,-21 21 0,21-21 15,0 0-15,0-21 16,-21 0 0,22 0-16,-22-1 0,0 1 15,0 0-15,0-21 16,0 20-16,0 1 0,0-21 16,0 21-16,0 0 0,-22 21 15,22-21-15,0 42 47,22 0-16</inkml:trace>
+  <inkml:trace contextRef="#ctx0" brushRef="#br0" timeOffset="4572">2965 381 0,'0'-21'0,"21"21"16,0 0 0,0 21-1,0 0-15,-21 22 16,22-22-16,-22 21 15,21-20-15,0 20 0,-21 0 16,21 0-16,-21 1 0,0-1 16,21 1-16,-21-1 15,0 0-15,-21 0 0,0-20 16,-21-1-16,20 0 16,-41-21-16</inkml:trace>
+</inkml:ink>
+</file>
+
+<file path=ppt/ink/ink70.xml><?xml version="1.0" encoding="utf-8"?>
+<inkml:ink xmlns:inkml="http://www.w3.org/2003/InkML">
+  <inkml:definitions>
+    <inkml:context xml:id="ctx0">
+      <inkml:inkSource xml:id="inkSrc0">
+        <inkml:traceFormat>
+          <inkml:channel name="X" type="integer" max="1920" units="cm"/>
+          <inkml:channel name="Y" type="integer" max="1080" units="cm"/>
+          <inkml:channel name="T" type="integer" max="2.14748E9" units="dev"/>
+        </inkml:traceFormat>
+        <inkml:channelProperties>
+          <inkml:channelProperty channel="X" name="resolution" value="55.81395" units="1/cm"/>
+          <inkml:channelProperty channel="Y" name="resolution" value="55.6701" units="1/cm"/>
+          <inkml:channelProperty channel="T" name="resolution" value="1" units="1/dev"/>
+        </inkml:channelProperties>
+      </inkml:inkSource>
+      <inkml:timestamp xml:id="ts0" timeString="2020-12-17T06:34:43.142"/>
+    </inkml:context>
+    <inkml:brush xml:id="br0">
+      <inkml:brushProperty name="width" value="0.03969" units="cm"/>
+      <inkml:brushProperty name="height" value="0.07938" units="cm"/>
+      <inkml:brushProperty name="color" value="#00FFFF"/>
+      <inkml:brushProperty name="tip" value="rectangle"/>
+      <inkml:brushProperty name="rasterOp" value="maskPen"/>
+      <inkml:brushProperty name="fitToCurve" value="1"/>
+    </inkml:brush>
+  </inkml:definitions>
+  <inkml:trace contextRef="#ctx0" brushRef="#br0">984 0 0,'-63'43'0,"-22"-1"0,22-21 15,-22 21-15,22 1 16,-22-1-16,21-21 0,-20 22 16,20-22-16,1 21 0,20-21 15,1 0-15,0 1 16,0-1-16,20 0 0,-20 0 15,42 0-15,-21-21 16,0 22-16,42-44 16,0 1-1,0 0-15,0 0 16,22 0-16</inkml:trace>
+</inkml:ink>
+</file>
+
+<file path=ppt/ink/ink71.xml><?xml version="1.0" encoding="utf-8"?>
+<inkml:ink xmlns:inkml="http://www.w3.org/2003/InkML">
+  <inkml:definitions>
+    <inkml:context xml:id="ctx0">
+      <inkml:inkSource xml:id="inkSrc0">
+        <inkml:traceFormat>
+          <inkml:channel name="X" type="integer" max="1920" units="cm"/>
+          <inkml:channel name="Y" type="integer" max="1080" units="cm"/>
+          <inkml:channel name="T" type="integer" max="2.14748E9" units="dev"/>
+        </inkml:traceFormat>
+        <inkml:channelProperties>
+          <inkml:channelProperty channel="X" name="resolution" value="55.81395" units="1/cm"/>
+          <inkml:channelProperty channel="Y" name="resolution" value="55.6701" units="1/cm"/>
+          <inkml:channelProperty channel="T" name="resolution" value="1" units="1/dev"/>
+        </inkml:channelProperties>
+      </inkml:inkSource>
+      <inkml:timestamp xml:id="ts0" timeString="2020-12-17T06:34:43.713"/>
+    </inkml:context>
+    <inkml:brush xml:id="br0">
+      <inkml:brushProperty name="width" value="0.03969" units="cm"/>
+      <inkml:brushProperty name="height" value="0.07938" units="cm"/>
+      <inkml:brushProperty name="color" value="#00FFFF"/>
+      <inkml:brushProperty name="tip" value="rectangle"/>
+      <inkml:brushProperty name="rasterOp" value="maskPen"/>
+      <inkml:brushProperty name="fitToCurve" value="1"/>
+    </inkml:brush>
+  </inkml:definitions>
+  <inkml:trace contextRef="#ctx0" brushRef="#br0">973 0 0,'-21'0'16,"0"21"-16,0 0 0,-22 21 16,1-20-16,0 20 15,-1-21-15,-20 21 0,20 1 16,-20-1-16,21 0 0,-22 1 16,22-1-16,-1 0 15,-20 1-15,21-22 0,-1 21 16,22-21-16,-21 22 15,21-22-15,-22-21 0,43 21 16,-21-21-16,21 21 0,0-42 31,21 0-31,0 21 0,1-42 16,20 20-16,0-20 0,-20 21 16,20-22-16,-21 1 15,21 21-15,-21-21 0,1 21 16,-22-1-16,21 1 15,-21 0-15,0 0 0,0 42 32,0 0-32,0 0 15,-21 1-15,-1 20 0,1-21 16,0 21-16,-21 1 16,21 20-16,-22-20 0,22-1 15,-21 0-15,21 0 16,-22-20-16,22 20 0,0-21 15,0 0-15,0 1 0,0-22 16,21 21-16,21-21 31,0-21-31,0 21 16,0-22-16,0-20 16,22 21-16,-1-22 0,-21 1 15,22 0-15,-1 0 16,-21-22-16,21 22 0,-21-1 15,22 1-15,-22 21 0</inkml:trace>
+</inkml:ink>
+</file>
+
+<file path=ppt/ink/ink72.xml><?xml version="1.0" encoding="utf-8"?>
+<inkml:ink xmlns:inkml="http://www.w3.org/2003/InkML">
+  <inkml:definitions>
+    <inkml:context xml:id="ctx0">
+      <inkml:inkSource xml:id="inkSrc0">
+        <inkml:traceFormat>
+          <inkml:channel name="X" type="integer" max="1920" units="cm"/>
+          <inkml:channel name="Y" type="integer" max="1080" units="cm"/>
+          <inkml:channel name="T" type="integer" max="2.14748E9" units="dev"/>
+        </inkml:traceFormat>
+        <inkml:channelProperties>
+          <inkml:channelProperty channel="X" name="resolution" value="55.81395" units="1/cm"/>
+          <inkml:channelProperty channel="Y" name="resolution" value="55.6701" units="1/cm"/>
+          <inkml:channelProperty channel="T" name="resolution" value="1" units="1/dev"/>
+        </inkml:channelProperties>
+      </inkml:inkSource>
+      <inkml:timestamp xml:id="ts0" timeString="2020-12-17T06:34:43.917"/>
+    </inkml:context>
+    <inkml:brush xml:id="br0">
+      <inkml:brushProperty name="width" value="0.03969" units="cm"/>
+      <inkml:brushProperty name="height" value="0.07938" units="cm"/>
+      <inkml:brushProperty name="color" value="#00FFFF"/>
+      <inkml:brushProperty name="tip" value="rectangle"/>
+      <inkml:brushProperty name="rasterOp" value="maskPen"/>
+      <inkml:brushProperty name="fitToCurve" value="1"/>
+    </inkml:brush>
+  </inkml:definitions>
+  <inkml:trace contextRef="#ctx0" brushRef="#br0">320 0 0,'0'21'15,"0"21"-15,0-21 16,0 22-16,-21-1 0,0 0 16,0 1-16,0-1 0,0 0 15,0 1-15,-22-22 16,22 21-16,0-21 0,0 22 15,-1-22-15,1 0 16,0-21-16,0 21 0,21 0 16,0-42 15,21 0-31,0 0 0,0 0 16,22-22-16,-1-20 15</inkml:trace>
+</inkml:ink>
+</file>
+
+<file path=ppt/ink/ink73.xml><?xml version="1.0" encoding="utf-8"?>
+<inkml:ink xmlns:inkml="http://www.w3.org/2003/InkML">
+  <inkml:definitions>
+    <inkml:context xml:id="ctx0">
+      <inkml:inkSource xml:id="inkSrc0">
+        <inkml:traceFormat>
+          <inkml:channel name="X" type="integer" max="1920" units="cm"/>
+          <inkml:channel name="Y" type="integer" max="1080" units="cm"/>
+          <inkml:channel name="T" type="integer" max="2.14748E9" units="dev"/>
+        </inkml:traceFormat>
+        <inkml:channelProperties>
+          <inkml:channelProperty channel="X" name="resolution" value="55.81395" units="1/cm"/>
+          <inkml:channelProperty channel="Y" name="resolution" value="55.6701" units="1/cm"/>
+          <inkml:channelProperty channel="T" name="resolution" value="1" units="1/dev"/>
+        </inkml:channelProperties>
+      </inkml:inkSource>
+      <inkml:timestamp xml:id="ts0" timeString="2020-12-17T06:34:44.199"/>
+    </inkml:context>
+    <inkml:brush xml:id="br0">
+      <inkml:brushProperty name="width" value="0.03969" units="cm"/>
+      <inkml:brushProperty name="height" value="0.07938" units="cm"/>
+      <inkml:brushProperty name="color" value="#00FFFF"/>
+      <inkml:brushProperty name="tip" value="rectangle"/>
+      <inkml:brushProperty name="rasterOp" value="maskPen"/>
+      <inkml:brushProperty name="fitToCurve" value="1"/>
+    </inkml:brush>
+  </inkml:definitions>
+  <inkml:trace contextRef="#ctx0" brushRef="#br0">614 0 0,'0'21'0,"-21"-21"0,21 21 16,-21 0-16,-22 22 15,22-22-15,-21 21 0,0 1 16,-1-22-16,1 21 15,-1 0-15,1-21 0,-21 22 16,42-22-16,-22 0 0,1 0 16,21-21-16,-1 22 15,1-22-15,0 0 0,42-22 32,0 1-17,1 0-15,-1-21 0,21-1 16,1 1-16,-1-21 15</inkml:trace>
+</inkml:ink>
+</file>
+
+<file path=ppt/ink/ink74.xml><?xml version="1.0" encoding="utf-8"?>
+<inkml:ink xmlns:inkml="http://www.w3.org/2003/InkML">
+  <inkml:definitions>
+    <inkml:context xml:id="ctx0">
+      <inkml:inkSource xml:id="inkSrc0">
+        <inkml:traceFormat>
+          <inkml:channel name="X" type="integer" max="1920" units="cm"/>
+          <inkml:channel name="Y" type="integer" max="1080" units="cm"/>
+          <inkml:channel name="T" type="integer" max="2.14748E9" units="dev"/>
+        </inkml:traceFormat>
+        <inkml:channelProperties>
+          <inkml:channelProperty channel="X" name="resolution" value="55.81395" units="1/cm"/>
+          <inkml:channelProperty channel="Y" name="resolution" value="55.6701" units="1/cm"/>
+          <inkml:channelProperty channel="T" name="resolution" value="1" units="1/dev"/>
+        </inkml:channelProperties>
+      </inkml:inkSource>
+      <inkml:timestamp xml:id="ts0" timeString="2020-12-17T06:34:47.126"/>
+    </inkml:context>
+    <inkml:brush xml:id="br0">
+      <inkml:brushProperty name="width" value="0.03969" units="cm"/>
+      <inkml:brushProperty name="height" value="0.07938" units="cm"/>
+      <inkml:brushProperty name="color" value="#00FFFF"/>
+      <inkml:brushProperty name="tip" value="rectangle"/>
+      <inkml:brushProperty name="rasterOp" value="maskPen"/>
+      <inkml:brushProperty name="fitToCurve" value="1"/>
+    </inkml:brush>
+  </inkml:definitions>
+  <inkml:trace contextRef="#ctx0" brushRef="#br0">1735 0 0,'-21'21'0,"0"22"15,0-1-15,-21 0 16,-22 0-16,22 22 0,-22-22 15,1 22-15,20-22 0,-20 0 16,20 1-16,1-1 16,0-21-16,21 1 0,0-1 15,-1 0-15,1-21 16,42-21 15,1 0-31,-1-22 16,21 1-16,0-1 0,1 1 15,-1-21-15,22 20 0,-22-20 16,21 20-16,-20 1 16,20 21-16,-20-21 0,-22 21 15,21-1-15,-21 22 16,0-21-16,0 21 0,1 0 16,-44 21 15,1-21-31,0 22 15,0-1-15,-21 0 16,-1 0-16,1 0 0,0 0 16,-1 22-16,1-22 0,-21 0 15,20 0-15,22 0 16,-21 1-16,20-1 0,1-21 16,0 21-16,0-21 0,42 0 31,0-21-31,22 0 15,-22 21-15,42-22 16,-20-20-16,20 21 16,1-22-16,-22 22 0,22-21 15,-22 21-15,21 0 0,-42-22 16,22 22-16,-22 21 0,0-21 16,0 21-16,-42 0 31,-21 21-31,21 0 15,-22 22-15,-20-22 0,-1 21 16,1 0-16,-1-20 0,-20 20 16,20 0-16,1-20 15,-1 20-15,1-21 0,20 0 16,1 0-16,0 0 16,-1 1-16,22-22 0,-21 21 15,21-21-15,0 21 0,-1 0 16,22 0-16,-21-21 15,0 22-15,21-1 0,-21-21 16,21 21-16,-21 0 16,21 0-16,-22-21 0,22 21 15,-21 0 1,42-21 46,-21-21-62,22 21 0,-1-21 16,0 21-16,0-21 16,0 0-16,1 0 0,20 0 15,-21 21-15,-21-22 0,21 22 16,-21-21-16,0 42 16,-21 1-1,21-1 1,-21 0-16,0 0 0,0 0 15,-1 0-15,1 22 16,-21-22-16,21 0 0,21 21 16,-22-20-16,1-1 0,0 0 15,0 0-15,0 0 16,0 0-16,21 0 31,0-42-15,21 21-16,-21-21 15,21 0-15,21 0 16,-21 0-16,1-22 0,20 22 16,-21 0-16,22-21 0,-22 20 15,0 1-15,0 0 16,0 0-16,-21 42 31,-21-21-31,21 21 0,-21 0 16,0 1-16,0-1 15,-1 21-15,-20-21 0,21 22 16,0-22-16,-22 21 0,22-21 16,-21 22-16,21-1 15,-22-21-15,22 22 0,0-22 16,0 0-16,0 0 0,-1 0 16,1 0-16,0 0 15,21 1-15,-21-22 0,42 0 31,0-22-15,0 1-16,1 0 0,-1 0 16,0 0-16,21 0 15,-20-22-15,-1 22 0,0 21 16,0-21-16,0 21 16,-21-21-16,21 21 0,-21 21 15,-21-21 1,21 21-16,-21 0 15,21 1-15,-21-1 0,0 0 16,-22 0-16,22 0 0,0 21 16,0-20-16,-22-1 15,22 21-15,0-21 0,0 22 16,0-22-16,0 0 16,21 0-16,-21-21 0,-1 21 15,22 0-15,22-42 63,-22 0-63,21 0 0,0 0 15,0-21-15,0 20 0,0-20 16,0 0-16,1-1 16,-1 22-16,-21-21 0,21 21 15,-21 0-15,21 21 16,-21-22-16,0 44 15,-21-1 1,21 0-16,-21 0 16,21 0-16,-21 0 0,-1 0 15,22 1-15,-21-1 16,0 0-16,0 0 0,0 0 16,0 22-16,0-22 0,-1 0 15,1 0-15,0 0 16,21 0-16,-21 1 0,0-1 15,21 0-15,-22 0 16,22 0-16,0-42 31,22 0-15,-22 0-16,21 0 16,21-22-16,-21 1 15,1 21-15,20-21 0,-21-1 16,21 1-16,-21 21 0,1-22 15,-1 22-15,0 0 16,0 0-16,-21 42 16,-21 0-1,0 0-15,21 22 16,-21-22-16,-1 21 0,1-21 16,-21 22-16,21-22 15,0 21-15,0-21 0,-1 22 16,1-22-16,0 21 15,0-21-15,0 22 0,-1-22 16,1 21-16,0-21 0,0 22 16,0-22-16,0 0 15,21 0-15,-21 0 0,21 1 16,0-44 15,21 22-31,0-42 0,0 21 16,0-22-16,21 22 15,-20-21-15,-1 0 0,0-1 16,0 1-16,0 21 16,1 0-16,-22-1 0,21 1 15,-21 42 1,-21-21-16,21 22 16,-22-1-16,1 21 0,0-21 15,21 22-15,-21-22 16,0 21-16,-1-21 0,1 22 15,0-1-15,0-21 0,0 22 16,21-1-16,-21 0 16,0-21-16,-1 22 0,1-1 15,21-21-15,-21 22 16,21-22-16,-21 0 0,21 0 16,0 0-16,21-21 31,0-21-16,0 0-15,1 0 0,20-22 16,-21 22-16,0-21 16,0-1-16,0 1 0,1 21 15,-1-21-15,0 21 16,-21-1-16,21 1 0,-21 0 16,-21 21 30,0 21-30,0 0-16,21 1 0,-22-1 16,1 0-16,0 0 0,0 21 15,0-21-15,0 1 16,0 20-16,-1-21 0,22 0 16,-21 1-16,21-1 15,-21 0-15,21 0 16,0 0-16,0-42 31,0 0-15,0 0-16,21 0 15,-21-22-15,21 22 0,-21-21 16,22-1-16,-22 1 0,21 0 16,-21-1-16,21 22 15,-21 0-15,-21 42 31,21 0-31,-21 1 0,-1 20 16,22-21-16,-21 0 0,0 21 16,0-20-16,21 20 15,-21-21-15</inkml:trace>
+</inkml:ink>
+</file>
+
+<file path=ppt/ink/ink75.xml><?xml version="1.0" encoding="utf-8"?>
+<inkml:ink xmlns:inkml="http://www.w3.org/2003/InkML">
+  <inkml:definitions>
+    <inkml:context xml:id="ctx0">
+      <inkml:inkSource xml:id="inkSrc0">
+        <inkml:traceFormat>
+          <inkml:channel name="X" type="integer" max="1920" units="cm"/>
+          <inkml:channel name="Y" type="integer" max="1080" units="cm"/>
+          <inkml:channel name="T" type="integer" max="2.14748E9" units="dev"/>
+        </inkml:traceFormat>
+        <inkml:channelProperties>
+          <inkml:channelProperty channel="X" name="resolution" value="55.81395" units="1/cm"/>
+          <inkml:channelProperty channel="Y" name="resolution" value="55.6701" units="1/cm"/>
+          <inkml:channelProperty channel="T" name="resolution" value="1" units="1/dev"/>
+        </inkml:channelProperties>
+      </inkml:inkSource>
+      <inkml:timestamp xml:id="ts0" timeString="2020-10-18T02:45:14.791"/>
+    </inkml:context>
+    <inkml:brush xml:id="br0">
+      <inkml:brushProperty name="width" value="0.05" units="cm"/>
+      <inkml:brushProperty name="height" value="0.05" units="cm"/>
+      <inkml:brushProperty name="fitToCurve" value="1"/>
+    </inkml:brush>
+  </inkml:definitions>
+  <inkml:trace contextRef="#ctx0" brushRef="#br0">49 0 0,'-24'0'141,"-1"0"-110,50 0 0,24 0-15,-25 0-16,25 0 16,24 0-16,-24 0 15,24 0-15,25 0 0,-25 0 16,0 0-16,1 0 0,-1 0 16,0 0-16,-24 0 15,0 0-15,0 0 0,-25 0 16,1 0-16</inkml:trace>
+  <inkml:trace contextRef="#ctx0" brushRef="#br0" timeOffset="288">562 0 0,'-24'0'16,"-1"0"0,25 25-1,0-1 1,25 25 0,-25-24-16,0 23 0,0 1 15,24 0-15,-24 24 16,0-24-16,0 24 0,0 1 15,0-1-15,0-24 0,0 24 16,-24-24-16,24 0 16,0-25-16,-25 1 0,25-1 15</inkml:trace>
+  <inkml:trace contextRef="#ctx0" brushRef="#br0" timeOffset="785">977 611 0,'0'-24'31,"-24"24"-31,-1 0 31,25 24-15,-24-24-16,24 24 0,0 1 16,-24-1-16,24 1 15,-25-1-15,25 1 0,0-1 16,0 25-16,0-25 0,25-24 15,-1 25-15,0-1 16,1-24-16,-1 0 0,25 0 16,-24-24-16,23 24 15,-23-25-15,-1 1 0,1-25 16,-1 25-16,-24-25 0,0 24 16,0-24-16,0 25 15,-24 0-15,-1-1 0,1 1 16,-1 24-16,-23 0 15,23 0-15,1 24 0,-1 1 16,1-25-16,24 24 16,0 0-16</inkml:trace>
+  <inkml:trace contextRef="#ctx0" brushRef="#br0" timeOffset="1068">1417 196 0,'0'-25'0,"0"1"16,0 0-16,0 48 31,0 0-15,0 25-16,24 0 0,-24 0 15,0 0-15,0 0 0,0 24 16,0-24-16,0 0 16,0-1-16,0 1 0,0 0 15,0 0-15,0-25 16,0 1-16,0-1 0,-24-24 16</inkml:trace>
+  <inkml:trace contextRef="#ctx0" brushRef="#br0" timeOffset="1890">1319 562 0,'-24'-24'0,"-1"24"15,25-25 1,25 25 0,-1 0-16,1 0 0,-1 0 15,25 0-15,0 0 16,0 0-16,24 0 0,-24 0 15,0 0-15,24 0 16,-24 0-16,-25 0 0,25 0 16,-25 0-16,1 0 15,-25-24-15,0-1 16,0 1 0,-25 24-1,25-24-15,-24 24 0,-1 0 16,1 24-1,0-24-15,-1 24 16,1 1-16,-1-1 0,25 25 16,-24-24-16,24-1 15,-24 0-15,24 1 0,0-1 16,0 1-16,0-1 0,0 1 16,24-1-16,0-24 15,-24 24-15,25-24 0,-1 0 16,1 0-16,-1-24 15,0 24-15,1-24 0,-1-1 16,-24 1-16,25-1 0,-25-24 16,0 25-16,0-25 15,0 25-15,0-1 0,0 1 16,0 48 0,0 1-1,0-1-15,0 25 0,0 24 16,24-48-1,-24-1-15,25 1 0,-25-1 16,24 0-16,0 1 16,1-25-16,-1 0 15,1-25-15,-1 1 16,1 0-16,-1-1 0,-24-24 16,24 25-16,-24-25 0,0-24 15,0 24-15,0 0 0,0-24 16,-24 24-16,0-24 15,24 24-15,-25 24 0,25-23 16,0 23 0,-24 25-16,24 25 15,0-1-15,0 0 16,0 25-16,0 0 0,0 24 16,0-24-16,0 24 0,24-24 15,-24 25-15,0-26 16,25 1-16,-25 0 0,24-24 15,-24-1-15,0 0 16,24-24-16</inkml:trace>
+</inkml:ink>
+</file>
+
+<file path=ppt/ink/ink76.xml><?xml version="1.0" encoding="utf-8"?>
+<inkml:ink xmlns:inkml="http://www.w3.org/2003/InkML">
+  <inkml:definitions>
+    <inkml:context xml:id="ctx0">
+      <inkml:inkSource xml:id="inkSrc0">
+        <inkml:traceFormat>
+          <inkml:channel name="X" type="integer" max="1920" units="cm"/>
+          <inkml:channel name="Y" type="integer" max="1080" units="cm"/>
+          <inkml:channel name="T" type="integer" max="2.14748E9" units="dev"/>
+        </inkml:traceFormat>
+        <inkml:channelProperties>
+          <inkml:channelProperty channel="X" name="resolution" value="55.81395" units="1/cm"/>
+          <inkml:channelProperty channel="Y" name="resolution" value="55.6701" units="1/cm"/>
+          <inkml:channelProperty channel="T" name="resolution" value="1" units="1/dev"/>
+        </inkml:channelProperties>
+      </inkml:inkSource>
+      <inkml:timestamp xml:id="ts0" timeString="2020-10-18T02:45:17.540"/>
+    </inkml:context>
+    <inkml:brush xml:id="br0">
+      <inkml:brushProperty name="width" value="0.05" units="cm"/>
+      <inkml:brushProperty name="height" value="0.05" units="cm"/>
+      <inkml:brushProperty name="fitToCurve" value="1"/>
+    </inkml:brush>
+  </inkml:definitions>
+  <inkml:trace contextRef="#ctx0" brushRef="#br0">152 511 0,'-24'0'0,"-1"-25"15,1 25 1,48 0 31,-24 25-32,25-25-15,-25 24 16,24-24-16,0 24 0,1-24 16,-1 0-16,1 0 15,-1 0-15,1-24 16,-25 0-16,24 24 16,-24-25-16,0 1 0,0-1 15,0 1-15,-24 24 16,24-25-16,-25 1 0,1 24 15,-1-24-15,-24 24 16,25 0-16,0 24 0,-1 0 16,-24-24-16,25 25 0,24 24 15,-24-25-15,24 1 16,0 23-16,0-23 0,0 24 16,24-25-16,0 25 0,25-25 15,-24 1-15,23-1 16,1-24-16,0 25 0,0-25 15,0 0-15</inkml:trace>
+  <inkml:trace contextRef="#ctx0" brushRef="#br0" timeOffset="595">567 413 0,'-24'-25'0,"24"1"0,-25 0 16,50 24 15,-25 24-15,24 0-16,-24 1 15,25-1-15,-1 25 0,-24-24 16,25 23-16,-25-23 0,24-1 16,-24 1-16,0 24 15,0-25-15,24-24 0,-24 24 16,-24-24 15,24-24-31,0 0 0,0-1 16,0-24-16,0 25 15,0-25-15,0 0 0,0 0 16,24 0-16,-24 25 16,25 0-16,-1-1 0,1 25 15,-1 0-15,1 25 16,-1-1-16,0 0 15,-24 25-15,25-24 0,-25-1 16,24 25-16,-24-25 16,0 1-16,0-1 0,0 1 15,0-50 1,0 1 0,0-1-16,25 1 15,-25 0-15,24-25 16,-24 24-16,24-24 0,-24 25 15,25 0-15,-1-1 0,1 25 16,-25 25 0,24-1-16,-24 0 0,25 25 15,-25 0-15,0-24 16,24 23-16,-24 1 0,0 0 16,0-24-16,0-1 0,24 0 15,-24 1-15</inkml:trace>
+  <inkml:trace contextRef="#ctx0" brushRef="#br0" timeOffset="1121">1300 120 0,'0'-25'0,"0"1"15,0 0-15,0-1 16,0 1-16,0 48 31,0 1-31,0-1 0,24 25 16,-24 0-16,0 0 0,0 24 15,25 0-15,-25 25 16,24-25-16,-24 0 0,0 1 16,25-1-16,-25 0 15,24 0-15,-24-24 0,0 0 16,0 0-16,25-25 0,-25 1 15,0-1-15,-25-24 16,25-24 0,-24-1-1,-1 1-15,25-25 0,0 0 16,-24 0-16,24 0 0,0-24 16,0 24-16,0 1 15,0-26-15,0 25 0,24 1 16,1 23-16,-25 1 15,24-1-15,1 1 0,-1 24 16,0 0-16,1 0 16,-1 24-16,1-24 0,-25 25 15,24-1-15,-24 1 0,0 23 16,0-23-16,0-1 16,0 1-16,-24-1 0,-1 1 15,1-1-15,-1-24 0,25 24 16,-24-24-16,0 0 15,24-24-15</inkml:trace>
+  <inkml:trace contextRef="#ctx0" brushRef="#br0" timeOffset="1373">1764 120 0,'0'-25'0,"0"1"15,24 24 17,-24 24-32,0 1 15,25-1-15,-25 25 16,0 0-16,24 24 0,-24-24 16,0 0-16,0 24 0,0-24 15,0 24-15,0-24 16,0-24-16,0 23 0,0-23 15</inkml:trace>
+  <inkml:trace contextRef="#ctx0" brushRef="#br0" timeOffset="2375">2228 266 0,'24'0'16,"-24"-24"-16,-24 24 15,0 0 1,24 24-16,-25-24 16,25 25-16,-24-1 15,24 1-15,0-1 0,0 25 16,0-25-16,0 25 0,0-24 16,0-1-16,24 0 15,-24 25-15,25-49 0,-1 25 16,0-25-16,1 0 0,-1 0 15,1 0-15,-25-25 16,24 25-16,1-49 0,-25 25 16,0 0-16,0-25 15,0 24-15,0-24 0,0 1 16,-25 23-16,1-24 0,-1 25 16,1-1-16,-1 1 15,1 24-15,0 24 16,24 1-16,0-1 15,0 1-15,0-1 0,0 25 16,0-25-16,24 25 16,0-24-16,1-1 0,-25 1 15,49-25-15,-25 24 0,1-24 16,-1 0-16,0 0 16,1-24-16,-1-1 0,1 1 15,-1-1-15,1 1 0,-25-1 16,24-23-16,-24 23 15,0 1-15,0-1 0,0 1 16,-24 48 15,24 1-31,0-1 0,0 25 16,24-49 0,-24 24-16,24 1 0,1-1 15,-1 1 1,1-1-16,-1-24 0,0 25 15,25-1-15,-24 0 0,-1-24 16,1 0-16,-1 25 16,0-25-16,1-25 15,-25 1-15,0 0 16,0-1-16,0 1 0,-25-1 16,25 1-16,0-25 0,0 25 15,-24-1-15,24 1 16,-24 24-16,24 24 15,0 1 1,-25-1-16,25 25 0,0 24 16,0-24-16,0 24 0,0 25 15,0-25-15,25 1 16,-25-1-16,24 0 0,-24-24 16,24 0-16,-24 0 15,25-1-15,-25-23 0,-25-25 16,1 0-1,0-25-15,-1-23 16,1-1-16,-1 0 0,1 0 16,-1 0-16,1 25 0,0-25 15,24 25-15,0-1 16,0 1-16,24 24 31,0 0-31,1 0 16,-1 0-16,1 0 0,-1 0 15</inkml:trace>
+  <inkml:trace contextRef="#ctx0" brushRef="#br0" timeOffset="2832">3107 535 0,'-24'-24'0,"-1"24"15,50 0 17,-1 0-17,1 0-15,-1 24 16,1-24-1,-1 0-15,0 0 16,1-24-16,-1-1 16,-24 1-1,0-1-15,0 1 16,-24-1 0,-1 1-16,1 24 15,0-24-15,-1 24 16,1 0-16,-1 24 15,1 0-15,24 1 16,0-1-16,0 1 16,0 24-16,0-25 0,0 0 15,0 25-15,24-24 16,1-1-16,-1 1 0,1-25 16,-1 24-16,0-24 0</inkml:trace>
+  <inkml:trace contextRef="#ctx0" brushRef="#br0" timeOffset="3619">3498 462 0,'-24'0'31,"-1"0"-15,50 0 15,-1 0-16,-24-25 1,24 25-16,1 0 0,-1 0 16,1 0-1,-1 0-15,-24-24 0,25 24 16,-25-25-16,24 25 16,-24-24-16,0 0 15,-24-1 1,24 1-16,-25 24 0,1-25 15,-1 25-15,1 0 16,-1 0-16,25 25 16,-24-1-16,0 1 15,24-1-15,0 0 0,0 1 16,0-1-16,0 1 0,0-1 16,0 1-16,0-1 15,0 0-15,24-24 0,0 25 16,1-1-1,-1-24-15,1 0 0,-1 0 16,1 0-16,23-24 0,-23-1 16,-1 25-16,1-24 15,-1-25-15,1 25 0,-1-25 16,0 0-16,1 0 16,-1 0-16,1 0 0,-1 25 15,-24-25-15,25 25 0,-25-1 16,-25 50 15,25-1-31,-24 1 16,24 23-16,-25-23 0,25-1 15,0 25-15,0-24 0,0-1 16,0 0-16,25 1 16,-25-1-16,24 1 0,1-25 15,-1 24-15,0-24 16,1 25-16,-1-25 0,1 0 15,-1 24-15,0-24 0,1 0 16,-25 24-16,24-24 16,-24 25-16,0-1 0,-24 1 15,-1-1 1,1 1-16,-25-25 0,0 0 16,1 24-16,-1-24 0,0 0 15,24-24-15,-23 24 16,23-25-16,25 1 15</inkml:trace>
+  <inkml:trace contextRef="#ctx0" brushRef="#br0" timeOffset="3875">4524 315 0,'-25'0'0,"50"0"47,-1 0-31,1 0-16,-1 0 0,0 0 15</inkml:trace>
+  <inkml:trace contextRef="#ctx0" brushRef="#br0" timeOffset="4037">4573 413 0,'-25'24'15,"1"1"-15,24-1 0,-25-24 16,25 25-16,0-1 15,25-24 1,24 0-16,-25 0 0,25 0 16,0 0-16,0 0 15</inkml:trace>
+</inkml:ink>
+</file>
+
+<file path=ppt/ink/ink77.xml><?xml version="1.0" encoding="utf-8"?>
+<inkml:ink xmlns:inkml="http://www.w3.org/2003/InkML">
+  <inkml:definitions>
+    <inkml:context xml:id="ctx0">
+      <inkml:inkSource xml:id="inkSrc0">
+        <inkml:traceFormat>
+          <inkml:channel name="X" type="integer" max="1920" units="cm"/>
+          <inkml:channel name="Y" type="integer" max="1080" units="cm"/>
+          <inkml:channel name="T" type="integer" max="2.14748E9" units="dev"/>
+        </inkml:traceFormat>
+        <inkml:channelProperties>
+          <inkml:channelProperty channel="X" name="resolution" value="55.81395" units="1/cm"/>
+          <inkml:channelProperty channel="Y" name="resolution" value="55.6701" units="1/cm"/>
+          <inkml:channelProperty channel="T" name="resolution" value="1" units="1/dev"/>
+        </inkml:channelProperties>
+      </inkml:inkSource>
+      <inkml:timestamp xml:id="ts0" timeString="2020-10-18T02:45:22.931"/>
+    </inkml:context>
+    <inkml:brush xml:id="br0">
+      <inkml:brushProperty name="width" value="0.05" units="cm"/>
+      <inkml:brushProperty name="height" value="0.05" units="cm"/>
+      <inkml:brushProperty name="fitToCurve" value="1"/>
+    </inkml:brush>
+  </inkml:definitions>
+  <inkml:trace contextRef="#ctx0" brushRef="#br0">249 440 0,'25'0'15,"-25"-24"1,24 24-16,-48-24 31,-1 24-15,1 0-16,0 0 16,-1 24-16,-24-24 15,25 24-15,-1-24 0,1 25 16,24-1-16,-24 1 15,-1-1-15,25 25 0,0-25 16,0 1-16,25-1 0,-1 25 16,0-24-16,1-25 15,24 24-15,0-24 0,-25 24 16,25-24-16,0 0 16,0 0-16,-1-24 0,-23 24 15,-1-24-15,1 24 0,-25-25 16,0 1-16,0-1 15,0 1-15,-25-1 0,1 1 16,-1-25-16,-23 25 0,23-1 16,1-24-16,-1 1 15,1 23-15,-1-24 0,1 0 16,0 1-16,24 23 16,0-24-16,0 25 0,0-1 15,0 1-15,0 0 16,24-1-16,0 1 15,1 24-15,-1 0 16,1 0-16,-1 0 16,1 0-16,-25 24 0,24 1 15,-24-1-15,0 0 16,0 1-16,0-1 0,-24 1 16,24-1-16,-25 1 0,25 23 15,-24-23-15,-1-1 16,25 1-16,-24-1 0,-1 1 15,1-1 1,24 0-16</inkml:trace>
+  <inkml:trace contextRef="#ctx0" brushRef="#br0" timeOffset="474">836 245 0,'0'-24'16,"-25"24"-16,1 0 31,-1 0-15,25 24-16,-24-24 15,24 24-15,-25 1 16,25 24-16,0-25 0,0 1 16,0 23-16,0-23 15,0 24-15,0-25 0,25 1 16,-1-1-16,1 0 0,-1-24 16,25 25-16,-25-25 15,1 0-15,24 0 0,-25-25 16,1 25-16,-1-24 15,0 0-15,-24-1 0,25 1 16,-25-25-16,0 24 16,-25-23-16,25 23 0,-24 1 15,0-25-15,-1 49 0,1-25 16,-1 25-16,1 0 16,-1 0-16,1 0 0,0 25 15,24-1 1</inkml:trace>
+  <inkml:trace contextRef="#ctx0" brushRef="#br0" timeOffset="937">1348 245 0,'-24'-24'32,"0"24"-17,-1 0 1,1 0-16,-1 24 0,1 0 16,-25 1-16,25-25 0,-25 49 15,24-25-15,25 1 16,0-1-16,0 0 0,0 1 15,25-1-15,-1 1 16,25-25-16,0 24 0,0-24 16,0 0-16,-1 0 0,1 0 15,0 0-15,0 0 16,-25 0-16,1 0 0,-1-24 16,-24-1-16,0 1 0,0-1 15,0-23 1,-24 23-16,24 1 0,-25-1 15,1 1-15,-25-1 16,25 25-16,-1-24 0,1 24 16,-25 0-16,25 0 0,-1 24 15,1-24-15,-1 25 16,25-1-16,0 1 16</inkml:trace>
+  <inkml:trace contextRef="#ctx0" brushRef="#br0" timeOffset="1356">1886 245 0,'0'-24'31,"0"-1"-31,-25 1 16,1 24-16,-1 0 16,1 0-1,0 0-15,-1 24 16,1 1-16,-1-1 16,1 0-16,24 25 0,0-24 15,0 24-15,0-1 0,24-23 16,1-1-16,-1 1 15,25-1-15,-25 1 0,25-25 16,0 0-16,-24 0 16,23-25-16,1 25 0,-24-24 15,-25-1-15,24 1 0,-24-1 16,0-23-16,-24 23 16,-1-24-16,-24 25 0,25-1 15,-25 1-15,0 0 16,0 24-16,1 0 0,-1 0 15,24 24-15</inkml:trace>
+</inkml:ink>
+</file>
+
+<file path=ppt/ink/ink78.xml><?xml version="1.0" encoding="utf-8"?>
+<inkml:ink xmlns:inkml="http://www.w3.org/2003/InkML">
+  <inkml:definitions>
+    <inkml:context xml:id="ctx0">
+      <inkml:inkSource xml:id="inkSrc0">
+        <inkml:traceFormat>
+          <inkml:channel name="X" type="integer" max="1920" units="cm"/>
+          <inkml:channel name="Y" type="integer" max="1080" units="cm"/>
+          <inkml:channel name="T" type="integer" max="2.14748E9" units="dev"/>
+        </inkml:traceFormat>
+        <inkml:channelProperties>
+          <inkml:channelProperty channel="X" name="resolution" value="55.81395" units="1/cm"/>
+          <inkml:channelProperty channel="Y" name="resolution" value="55.6701" units="1/cm"/>
+          <inkml:channelProperty channel="T" name="resolution" value="1" units="1/dev"/>
+        </inkml:channelProperties>
+      </inkml:inkSource>
+      <inkml:timestamp xml:id="ts0" timeString="2020-10-18T02:45:36.251"/>
+    </inkml:context>
+    <inkml:brush xml:id="br0">
+      <inkml:brushProperty name="width" value="0.05" units="cm"/>
+      <inkml:brushProperty name="height" value="0.05" units="cm"/>
+      <inkml:brushProperty name="fitToCurve" value="1"/>
+    </inkml:brush>
+  </inkml:definitions>
+  <inkml:trace contextRef="#ctx0" brushRef="#br0">0 600 0,'0'-24'16,"0"-1"-16,0 1 15,0-1 1,0 1 15,0 48 16,0 1-31,0-1-16,0 1 15,0-1-15,0 0 16,0 1-16,0 24 0,0-25 16,0 25-16,24-25 0,-24 1 15,0 24-15,25-25 16,-1 1-16,-24-1 15,25-24-15,-25 24 16,24-24-16,0 0 16,1-24-1,-1 24-15,1-24 0,-25-1 16,24 1-16,0-1 0,1 1 16,-25-25-16,0 25 15,24-25-15,-24 24 0,0 1 16,0-25-16,0 25 0,0-1 15,-24 1-15,24-1 16,0 50 15,0-1-31,0 1 16,0-1-16,24 25 0,-24-25 16,25 1-16,-25 24 15,24-25-15,1 0 0,-25 1 16,24 24-16,0-25 15,1-24-15,-1 25 0,1-1 16,-1-24-16,1 0 0,23 0 16,-23 0-16,-1-24 15,1 24-15,-1-25 0,-24-24 16,25 25-16,-25-25 16,0 25-16,0-25 0,0 0 15,0 0-15,-25 0 16,25 25-16,-24-25 0,-1 24 15,25 1-15,-24 0 0,24-1 16,-25 25 0,25 25-1,-24-1-15,24 0 16,-24 1-16,24-1 16,0 1-16</inkml:trace>
+  <inkml:trace contextRef="#ctx0" brushRef="#br0" timeOffset="330">879 356 0,'-24'-25'15,"-1"25"1,25 25 15,0-1-15,0 1-16,-24-1 0,24 25 16,0-25-16,0 25 15,-25 0-15,25 0 0,0 0 16,0 0-16,-24-1 0,24 1 15,0-24-15,0 23 16,0-23-16,0-1 16,0 1-16,24-25 0</inkml:trace>
+  <inkml:trace contextRef="#ctx0" brushRef="#br0" timeOffset="775">1148 478 0,'-25'-25'16,"1"50"31,24-1-47,0 1 15,0-1-15,0 1 0,0-1 16,0 25-16,0-25 0,0 1 16,24 24-16,-24-25 15,0 0-15,25-24 0,-25 25 16,24-25-16,1 24 16,-1-24-16,0-24 15,1 24-15,-1-25 0,-24 1 16,25 0-16,-25-25 15,24 24-15,-24-24 0,0 25 16,-24-25-16,-1 25 16,25-1-16,-24 1 0,-1-1 15,1 1-15,-25 24 16,25 0-16,-1 0 16,1 24-16,24 1 0,-25-25 15,25 24-15,0 1 16,25-25-16,-25 24 0</inkml:trace>
+  <inkml:trace contextRef="#ctx0" brushRef="#br0" timeOffset="1332">1734 356 0,'0'-25'16,"-25"25"-16,25-24 15,0-1 1,0 1-16,-24 48 47,24 1-47,0-1 0,0 25 16,0 0-16,0 0 15,0-25-15,0 50 0,0-26 16,0 1-16,0 0 0,0-24 15,0 23-15,0-23 16,0 24-16,0-25 0,0 1 16,24-25 15,-24-25-31,25 25 16,-1-24-16,25-1 15,-24 1-15,-1 24 0,25-25 16,-25 25-16,1-24 15,24 24-15,-25 0 16,0 0-16,1 0 0,-1 0 16</inkml:trace>
+  <inkml:trace contextRef="#ctx0" brushRef="#br0" timeOffset="1842">2344 527 0,'-24'0'0,"0"-25"15,-1 25-15,1-24 16,24 48 31,24-24-47,1 25 15,-1-25 1,0 24-16,1-24 16,-1 0-16,1 0 15,-1-24 1,1-1-16,-25 1 15,0-1 1,0 1-16,0 0 0,-25-1 16,1 1-16,-1 24 15,1 0-15,-1-25 16,1 25-16,0 25 16,-1-1-16,25 1 0,-24-1 15,-1 25-15,25-25 16,0 25-16,0 0 0,0-25 15,0 25-15,25-24 16,-1-1-16,1 1 0,-25-1 16,48 0-16,-23-24 0,-1 0 15,1 0-15,24 0 16</inkml:trace>
+  <inkml:trace contextRef="#ctx0" brushRef="#br0" timeOffset="2334">2809 478 0,'0'-25'15,"0"1"-15,-25 0 16,1-1-16,-1 1 16,1-1-1,-1 25 1,1 0-1,0 0-15,-1 25 16,1-25-16,-1 24 0,1 1 16,-1-1-16,25 0 15,-24 25-15,24-24 0,0 24 16,0-25-16,24 0 16,-24 1-16,25-1 0,-1 1 15,1-1-15,-1-24 16,1 0-16,-1 0 0,0 0 15,-24-24-15,25 24 0,-1-25 16,1 1-16,-25-25 16,0 25-16,24-1 0,-24-24 15,0 25-15,0-1 0,0 1 16,0 0-16,0-1 16,0 50 15,25-1-31,-25 25 0,0-25 15,0 1-15,24 24 0,-24-25 16,24 0-16,1 1 16,-25-1-16,24 1 0</inkml:trace>
+  <inkml:trace contextRef="#ctx0" brushRef="#br0" timeOffset="2707">2906 380 0,'0'-24'0,"0"-1"16,25 25 31,-25 25-47,24-25 15,-24 24-15,0 1 0,24-1 16,-24 0-16,25 1 0,-25-1 15,24 1-15,-24-1 16,0 1-16,0-1 0,25 0 16,-50-48 15,25 0-15,-24-25-1,24 24-15,0 1 0,0-1 16,0 1-16,0-25 15,0 25-15,0-1 0,24 1 16,1 24-16,-25-24 0,24 24 16,1 0-16,-1 0 15</inkml:trace>
+  <inkml:trace contextRef="#ctx0" brushRef="#br0" timeOffset="3205">3175 331 0,'0'-24'32,"0"48"14,24-24-46,-24 25 16,0-1-16,25 1 16,-25-1-16,0 0 0,0 1 15,24-1-15,-24 1 0,0-1 16,0 1 0,0-1-16,0-48 31,0-1-16,0 1-15,0-25 16,0 24-16,0 1 16,0-25-16,25 25 0,-25-1 15,24 1-15,-24 0 16,24-1-16,1 25 16,-1 0-16,1 0 15,-25 25-15,24-1 16,-24 0-16,24 1 0,-24-1 15,0 1-15,25-1 16,-25 0-16,0 1 0,0-1 16,0 1-1</inkml:trace>
+  <inkml:trace contextRef="#ctx0" brushRef="#br0" timeOffset="3457">3541 258 0,'0'-24'15,"0"48"32,0 0-47,25-24 0,-25 25 16,24-1-16,-24 1 0,0-1 15,24 1-15,-24-1 16,0 0-16,25 1 16,-25-1-16</inkml:trace>
+  <inkml:trace contextRef="#ctx0" brushRef="#br0" timeOffset="3641">3541 38 0,'-24'-24'0,"-1"24"16,25-25 0,0 50-1</inkml:trace>
+  <inkml:trace contextRef="#ctx0" brushRef="#br0" timeOffset="4123">3810 258 0,'-25'0'0,"25"-24"0,-24 24 15,24-25 1,0 1 0,24 48 15,1 1-15,-25-1-16,24 0 0,-24 1 15,25-1-15,-25 1 16,0-1-16,0 1 0,0-1 15,24 0-15,-24 1 16,0-1-16,0-48 31,0-1-15,0 1-16,0-25 0,0 25 16,25-1-16,-25-24 15,24 25-15,-24 0 0,24-1 16,-24 1-16,25-1 0,-1 25 15,1 0-15,-1 0 16,1 25-16,-1-25 16,0 24-16,-24 1 0,25 23 15,-1-23-15,1-1 16,-25 1-16,24-1 0,-24 1 16,24-1-16,-24 0 15</inkml:trace>
+  <inkml:trace contextRef="#ctx0" brushRef="#br0" timeOffset="4818">4591 209 0,'0'-24'0,"-24"-1"0,0 1 16,24 0-1,-25 24-15,1-25 0,-1 1 16,1 24-16,-1 0 16,1 24-1,0-24-15,-1 25 0,25-1 16,-24-24-16,24 49 16,-25-25-16,25 1 0,0-1 15,0 1-15,25-1 0,-25 0 16,24-24-16,1 25 15,-1-25-15,0 0 0,25 0 16,-24 0-16,-1 0 16,1 0-16,-1 0 0,-24-25 15,24 25-15,-24-24 0,0 0 16,0-1-16,0 1 16,0-1-16,0 1 0,0-1 15,0 1-15,0 48 31,0 1-15,25-1-16,-25 25 0,24-24 16,1 23-16,-1 1 0,1 24 15,-25-24-15,24 0 16,0 24-16,-24-24 0,25 0 16,-25 0-16,0 0 0,0-25 15,0 25-15,0-25 16,-25 1-16,1-25 0,0 24 15,-1-24-15,1 0 16,-25-24-16,24 24 0,1-25 16,-25-23-16,25-1 0,-1 24 15,25-23-15,-24-1 16,24 0-16,0 0 0,24 0 16,-24 25-16,25-1 15,-1 25-15,1-24 0,-1 24 16,0 0-16,1 0 0,-1 0 15,1 0-15,-1 0 16</inkml:trace>
+  <inkml:trace contextRef="#ctx0" brushRef="#br0" timeOffset="5106">5007 307 0,'-25'0'0,"1"0"15,24-24 1,24 24-1,1-25-15,-1 25 16,0 0-16,1 0 0,-1-24 16,1 24-16,-1 0 15,1 0-15,-1 0 16</inkml:trace>
+</inkml:ink>
+</file>
+
+<file path=ppt/ink/ink79.xml><?xml version="1.0" encoding="utf-8"?>
+<inkml:ink xmlns:inkml="http://www.w3.org/2003/InkML">
+  <inkml:definitions>
+    <inkml:context xml:id="ctx0">
+      <inkml:inkSource xml:id="inkSrc0">
+        <inkml:traceFormat>
+          <inkml:channel name="X" type="integer" max="1920" units="cm"/>
+          <inkml:channel name="Y" type="integer" max="1080" units="cm"/>
+          <inkml:channel name="T" type="integer" max="2.14748E9" units="dev"/>
+        </inkml:traceFormat>
+        <inkml:channelProperties>
+          <inkml:channelProperty channel="X" name="resolution" value="55.81395" units="1/cm"/>
+          <inkml:channelProperty channel="Y" name="resolution" value="55.6701" units="1/cm"/>
+          <inkml:channelProperty channel="T" name="resolution" value="1" units="1/dev"/>
+        </inkml:channelProperties>
+      </inkml:inkSource>
+      <inkml:timestamp xml:id="ts0" timeString="2020-10-18T02:45:51.418"/>
+    </inkml:context>
+    <inkml:brush xml:id="br0">
+      <inkml:brushProperty name="width" value="0.05" units="cm"/>
+      <inkml:brushProperty name="height" value="0.05" units="cm"/>
+      <inkml:brushProperty name="fitToCurve" value="1"/>
+    </inkml:brush>
+  </inkml:definitions>
+  <inkml:trace contextRef="#ctx0" brushRef="#br0">32 201 0,'0'-24'15,"0"0"-15,0-1 16,-24 25 0,24 25-1,0-1 1,0 0-16,0 25 16,0-24-16,0 24 0,0-25 15,0 25-15,0 0 16,0-25-16,0 1 0,0 23 15,24-23-15</inkml:trace>
+  <inkml:trace contextRef="#ctx0" brushRef="#br0" timeOffset="597">570 177 0,'0'-24'16,"-25"24"-16,25-25 15,0 50 17,0-1-17,-24-24 1,24 24-16,-24-24 0,-1 25 15,1-25-15,-1 0 16,1 0-16,-1 0 0,1-25 16,0 25-1,24-24-15,0 0 0,0-1 16,0 1-16,0-1 16,0 1-16,24-1 15,0 1-15,1 24 16,-1 0-16,1 0 15,-1 24-15,-24 1 0,25 24 16,-25-25-16,24 25 0,-24 24 16,0-24-16,-24 0 15,24 0-15,-25-25 0,1 25 16,-25-24-16,24-1 16,1 0-16,0-24 0,-1 0 15,1 0-15,-1 0 16,25-24-16,0 0 15,0-1-15,0 1 0,25-1 16,-1 1-16,1-1 16,-1 25-16,0-24 0,1 24 15,-1 24-15,1-24 0,-1 25 16,1-1-16,-1 1 16,-24-1-16,24 25 0,-24-25 15,25 1-15,-1-25 16</inkml:trace>
+  <inkml:trace contextRef="#ctx0" brushRef="#br0" timeOffset="912">838 397 0,'0'-25'15,"-24"25"-15,48 0 31,-24 25 1,0-1-17,-24 1 1,0-25 15,24-25-31,-25 1 16,25-1-1,0 1 1,25 24-16,-1 0 31</inkml:trace>
+  <inkml:trace contextRef="#ctx0" brushRef="#br0" timeOffset="1515">1205 104 0,'-25'-25'0,"25"1"0,-24 24 16,24-25-16,-25 25 15,25 25 16,0-1-31,0 1 16,0-1-16,0 1 16,0-1-16,0 0 0,0 1 15,0-1-15,0 1 0,0-1 16,0 1-16,0-1 16,0 0-16,25-24 31,-1 0-16,-24-24-15,25 24 0,-1 0 16,1-24-16,-1 24 16,0 0-16,1 0 0,-1 0 15,1 0-15,-1 0 16,1 0 0,-25-25 15,0 1-31,0-1 15,0 1-15,0-1 16,0 1-16,0 0 16,0-1-16,-25 1 15,25 48 1,0 1 0,0-1-16,0 0 15,0 25-15,0-24 0,0 24 16,0-25-16,0 25 0,0-25 15,25 25-15,-25-24 0,24-1 16,-24 0-16</inkml:trace>
+  <inkml:trace contextRef="#ctx0" brushRef="#br0" timeOffset="2035">1840 153 0,'-25'0'15,"25"-25"1,0 50 15,0-1-15,0 0-1,0 1-15,0-1 16,-24-24-16,-1 25 16,1-25-1,0 0-15,24-25 16,-25 25-16,1-24 16,24-1-16,0 1 15,24 0-15,1-1 16,-1 1-1,0 24 1,1 0 0,-25 24-16</inkml:trace>
+  <inkml:trace contextRef="#ctx0" brushRef="#br0" timeOffset="2303">2060 79 0,'-25'0'0,"25"25"31,0-1-15,0 1-16,0-1 0,0 0 15,-24 1-15,24 24 16,0-25-16,0 25 0,0-25 16,-25 1-16,25 24 0,0-25 15,-24-24-15,24 25 16</inkml:trace>
+  <inkml:trace contextRef="#ctx0" brushRef="#br0" timeOffset="2642">2255 324 0,'0'-25'16,"24"25"-16,1 25 31,-25-1-15,24 0-16,-24 1 15,0-1-15,0 1 16,-24-25 0,-1 0-1,1 0-15,0-25 16,24 1 0,0-1-16,0 1 15,0 0-15,24 24 16,-24-25-16,24 25 15,1 0-15,-1 0 16,1 25-16</inkml:trace>
+  <inkml:trace contextRef="#ctx0" brushRef="#br0" timeOffset="2899">2743 177 0,'-24'0'0,"0"-24"15,-1 24-15,25-25 16,25 25-1,-1 0 1,0 0-16,1 0 16,24 0-16</inkml:trace>
+  <inkml:trace contextRef="#ctx0" brushRef="#br0" timeOffset="3062">2695 299 0,'-25'25'0,"1"-25"15,24 24-15,0 0 16,24-24 0,1 0-16,23 0 0,1 0 15,0 0-15,0 0 16,0 0-16,0 0 0</inkml:trace>
+</inkml:ink>
+</file>
+
+<file path=ppt/ink/ink8.xml><?xml version="1.0" encoding="utf-8"?>
+<inkml:ink xmlns:inkml="http://www.w3.org/2003/InkML">
+  <inkml:definitions>
+    <inkml:context xml:id="ctx0">
+      <inkml:inkSource xml:id="inkSrc0">
+        <inkml:traceFormat>
+          <inkml:channel name="X" type="integer" max="1920" units="cm"/>
+          <inkml:channel name="Y" type="integer" max="1080" units="cm"/>
+          <inkml:channel name="T" type="integer" max="2.14748E9" units="dev"/>
+        </inkml:traceFormat>
+        <inkml:channelProperties>
+          <inkml:channelProperty channel="X" name="resolution" value="55.81395" units="1/cm"/>
+          <inkml:channelProperty channel="Y" name="resolution" value="55.6701" units="1/cm"/>
+          <inkml:channelProperty channel="T" name="resolution" value="1" units="1/dev"/>
+        </inkml:channelProperties>
+      </inkml:inkSource>
+      <inkml:timestamp xml:id="ts0" timeString="2020-12-17T06:26:09.059"/>
+    </inkml:context>
+    <inkml:brush xml:id="br0">
+      <inkml:brushProperty name="width" value="0.05" units="cm"/>
+      <inkml:brushProperty name="height" value="0.05" units="cm"/>
+      <inkml:brushProperty name="fitToCurve" value="1"/>
+    </inkml:brush>
+  </inkml:definitions>
+  <inkml:trace contextRef="#ctx0" brushRef="#br0">212 63 0,'-21'0'0,"0"0"16,-1 22-16,1-22 0,0 0 15,21 21-15,-21-21 16,0 0-16,0 21 0,0 0 15,21 22-15,0-22 16,-22 21-16,22 0 16,0 1-16,0-1 0,0 0 15,22 1-15,-22-1 16,21 0-16,0 1 0,21-22 16,-21 0-16,22 0 0,-1 0 15,0-21-15,1 0 16</inkml:trace>
+  <inkml:trace contextRef="#ctx0" brushRef="#br0" timeOffset="577">551 254 0,'-21'-21'0,"-1"0"16,22-1-1,0 1 16,22 21-15,-1 0 0,21-21-1,-21 21-15,0 0 0,0 0 16,22 0-16,-22 0 0,0 0 16,0 0-16,1 0 15,-1 0-15,-42 0 31,-1 0-31,1 0 16,0 0-16,0 0 16,0 0-16,-1 0 15,1 0-15,0 0 16,21 21-16,0 0 16,-21 1-16,21-1 15,0 0-15,0 0 0,0 0 16,0 22-16,21-22 15,-21 21-15,0-21 0,0 0 16,21 22-16,-21-22 16,0 0-16,21-21 0,-21 21 15,22-21-15,-22 22 0</inkml:trace>
+  <inkml:trace contextRef="#ctx0" brushRef="#br0" timeOffset="1146">932 212 0,'21'0'16,"-21"21"15,0 0-16,0 0-15,0 0 16,0 1-16,21-1 0,-21 0 16,0 21-16,0-21 0,0 0 15,21 1-15,-21-1 16,0 0-16,0 0 16,0-42 30,0 0-30,0 0-16,0-1 0,0 1 16,0 0-16,0-21 15,0 21-15,0-22 0,0 1 16,0 21-16,0-22 0,0 22 16,0 0-16,21 0 15,-21 0-15,22 21 0,-1 0 16,0 0-1,0 0-15,-21 21 0,21-21 16,0 0-16,0 21 0,-21 0 16,0 0-1,0 1-15,-21-1 16,0 0 0,0 0-16,0-21 0,0 21 15,0 1-15,-1-22 0,1 21 16,0-21-1</inkml:trace>
+  <inkml:trace contextRef="#ctx0" brushRef="#br0" timeOffset="1878">1334 169 0,'-21'0'15,"21"22"32,0-1-47,21-21 16,-21 21-16,0 21 0,0-21 15,0 0-15,0 1 0,21 20 16,-21-21-16,0 0 16,0 1-16,0-1 0,0 0 15,0 0 1,0-42 0,0 0-1,0 0 1,0-1-16,0 1 0,0-21 15,0 21-15,0-22 16,0 1-16,0 21 0,0-21 16,21-1-16,-21 22 0,21 0 15,1 0-15,-22-1 16,21 1-16,0 21 0,0 0 16,0 21-16,0 1 15,0-22-15,1 21 0,-22 0 16,0 0-16,0 0 0,0 1 15,0-1-15,0 0 16,-22-21-16,22 21 16,-21 0-16,0 0 0,0-21 15,0 21-15,0-21 0,0 22 16,-1-22-16,1 0 16,0 0-1,42 0 1,0 0-1,1 21-15,-1-21 16,0 0-16,21 21 0,-21 0 16,0-21-16,1 21 15,-1 1-15,0-22 0,0 21 16,0 0-16,1 0 16,-1 0-1,0-21 1</inkml:trace>
+  <inkml:trace contextRef="#ctx0" brushRef="#br0" timeOffset="2166">1715 42 0,'0'-21'0,"0"0"16,21 21-1,-21 21 1,21 0-16,0 1 16,-21-1-16,21 21 0,1 0 15,-1-21-15,-21 22 0,21-1 16,0-21-16,-21 22 16,0-22-16,21 0 0,-21 0 15,0 0-15,0 22 16,-21-22-16,0-21 0,21 21 15,-21 0-15,0 0 0,-1-21 16,1 22-16</inkml:trace>
+</inkml:ink>
+</file>
+
+<file path=ppt/ink/ink80.xml><?xml version="1.0" encoding="utf-8"?>
+<inkml:ink xmlns:inkml="http://www.w3.org/2003/InkML">
+  <inkml:definitions>
+    <inkml:context xml:id="ctx0">
+      <inkml:inkSource xml:id="inkSrc0">
+        <inkml:traceFormat>
+          <inkml:channel name="X" type="integer" max="1920" units="cm"/>
+          <inkml:channel name="Y" type="integer" max="1080" units="cm"/>
+          <inkml:channel name="T" type="integer" max="2.14748E9" units="dev"/>
+        </inkml:traceFormat>
+        <inkml:channelProperties>
+          <inkml:channelProperty channel="X" name="resolution" value="55.81395" units="1/cm"/>
+          <inkml:channelProperty channel="Y" name="resolution" value="55.6701" units="1/cm"/>
+          <inkml:channelProperty channel="T" name="resolution" value="1" units="1/dev"/>
+        </inkml:channelProperties>
+      </inkml:inkSource>
+      <inkml:timestamp xml:id="ts0" timeString="2020-10-18T02:45:48.678"/>
+    </inkml:context>
+    <inkml:brush xml:id="br0">
+      <inkml:brushProperty name="width" value="0.05" units="cm"/>
+      <inkml:brushProperty name="height" value="0.05" units="cm"/>
+      <inkml:brushProperty name="fitToCurve" value="1"/>
+    </inkml:brush>
+  </inkml:definitions>
+  <inkml:trace contextRef="#ctx0" brushRef="#br0">469 187 0,'0'-25'0,"0"1"15,0 0 1,0-1-16,24 25 16,-24-24-16,0-1 15,0 1 1,-24 24-16,0 0 0,-1 0 15,1 0-15,-1 0 16,-24 0-16,1 24 0,23-24 16,-24 49-16,1-24 15,-1 23-15,24 1 0,1 0 16,-1 0-16,1 0 0,24 24 16,0-24-16,0-25 15,24 25-15,1 0 0,-1-25 16,1 1-16,-1-25 0,1 24 15,23-24-15,1 0 16,-24 0-16</inkml:trace>
+  <inkml:trace contextRef="#ctx0" brushRef="#br0" timeOffset="389">738 407 0,'-25'-25'16,"1"25"-1,-1-24-15,1 24 16,-25 0-16,25 24 16,-1-24-1,1 25-15,24-1 0,0 1 16,0-1-16,0 0 16,0 1-16,0-1 0,24 1 15,-24-1-15,25 0 0,-1 1 16,1-25-16,-1 0 15,0 0-15,25 0 0,-24 0 16,-1 0-16,1-25 0,-1 1 16,-24 0-1,0-1-15,0 1 16,-24-1-16,-1 1 16,-24 0-16,25-1 0,-1 1 15,1 24-15,24-25 16,-24 25-16,24 25 15,0-1 1,24-24 0,0 0-16</inkml:trace>
+  <inkml:trace contextRef="#ctx0" brushRef="#br0" timeOffset="815">933 407 0,'0'-25'32,"24"25"-1,-24 25-31,25-1 16,-1 1-16,-24-1 15,25 0-15,-25 1 16,0 24-16,0-25 0,0 1 15,0-1 1,-25-24 0,25-24-1,0-1-15,0 1 16,0-1-16,25 1 0,-25-1 16,24-23-16,1 23 15,-25 1-15,24-1 0,0 1 16,1-1-16,24 25 0,-25 0 15,1 0-15,-1 0 16,0 25-16,-24-1 0,25 1 16,-25 24-16,24-25 15,-24 0-15,0 25 0,0-24 16,0-1-16,-24 1 0,24-1 16</inkml:trace>
+  <inkml:trace contextRef="#ctx0" brushRef="#br0" timeOffset="1056">1446 114 0,'0'-25'16,"0"1"-16,0 48 31,0 1-31,0-1 15,0 0-15,0 25 0,0 0 16,24-24-16,-24 23 16,25 1-16,-25 0 0,24-24 15,-24 23-15,0-23 0,25-1 16,-25 1-16,0-1 16</inkml:trace>
+  <inkml:trace contextRef="#ctx0" brushRef="#br0" timeOffset="1613">1422 358 0,'0'-25'0,"24"1"16,0 24 0,1 0-16,-1 0 15,1 0-15,23 0 16,-23 0-16,24 24 0,-25-24 15,25 0-15,0 0 16,-25 0-16,25 0 0,-24 0 16,-1 0-16,0-24 0,-24 0 15,0-1 1,-24 25 0,0-24-16,-1 24 15,1 0-15,-1 0 0,1 0 16,-1 0-16,1 0 0,0 24 15,-1 1 1,1-1-16,24 25 0,0-25 16,-25 25-16,25-24 0,0-1 15,0 0-15,25 1 16,-25-1-16,24 1 0,1-25 16,-1 0-16,0 0 15,1 0-15,-1 0 0,1 0 16,-25-25-16,24 1 0,1-1 15,-25 1-15,24 0 16,-24-1-16,0 1 0,0-1 16,24 1-16,-24-1 15,0 50 1,0-1 0,0 1-1,0-1-15,0 1 0,0-1 16,25 0-16,-25 1 15,24-1-15</inkml:trace>
+  <inkml:trace contextRef="#ctx0" brushRef="#br0" timeOffset="1904">2276 407 0,'0'-25'16,"0"1"-1,0-1-15,0 1 0,-24 24 16,24-24-16,-25-1 16,25 1-16,-24 24 15,0 0-15,24 24 16,-25 1-16,25-1 16,-24 0-16,24 1 0,0-1 15,0 25-15,0-24 16,0-1-16,0 0 0,24 1 15,-24-1-15,25 1 0,-1-1 16,0-24 0,1 0-16,-1 0 0,25-24 15</inkml:trace>
+  <inkml:trace contextRef="#ctx0" brushRef="#br0" timeOffset="2113">2447 161 0,'0'-48'15,"-24"23"-15,24-24 0,-25 25 16,25 0 0,0 48-1,0 0-15,0 25 16,0-24-16,25 23 0,-25 1 16,0 0-16,24 0 15,-24 0-15,0 0 0,25-25 16,-25 25-16,0-25 0,0 1 15,24-25-15</inkml:trace>
+  <inkml:trace contextRef="#ctx0" brushRef="#br0" timeOffset="2279">2447 333 0,'0'-24'16,"25"24"-1,-1 0 1,1 0-16,-1-24 0,0 24 16,1 0-16,24 0 15,-25 0-15</inkml:trace>
+</inkml:ink>
+</file>
+
+<file path=ppt/ink/ink81.xml><?xml version="1.0" encoding="utf-8"?>
+<inkml:ink xmlns:inkml="http://www.w3.org/2003/InkML">
+  <inkml:definitions>
+    <inkml:context xml:id="ctx0">
+      <inkml:inkSource xml:id="inkSrc0">
+        <inkml:traceFormat>
+          <inkml:channel name="X" type="integer" max="1920" units="cm"/>
+          <inkml:channel name="Y" type="integer" max="1080" units="cm"/>
+          <inkml:channel name="T" type="integer" max="2.14748E9" units="dev"/>
+        </inkml:traceFormat>
+        <inkml:channelProperties>
+          <inkml:channelProperty channel="X" name="resolution" value="55.81395" units="1/cm"/>
+          <inkml:channelProperty channel="Y" name="resolution" value="55.6701" units="1/cm"/>
+          <inkml:channelProperty channel="T" name="resolution" value="1" units="1/dev"/>
+        </inkml:channelProperties>
+      </inkml:inkSource>
+      <inkml:timestamp xml:id="ts0" timeString="2020-10-18T02:45:55.623"/>
+    </inkml:context>
+    <inkml:brush xml:id="br0">
+      <inkml:brushProperty name="width" value="0.05" units="cm"/>
+      <inkml:brushProperty name="height" value="0.05" units="cm"/>
+      <inkml:brushProperty name="fitToCurve" value="1"/>
+    </inkml:brush>
+  </inkml:definitions>
+  <inkml:trace contextRef="#ctx0" brushRef="#br0">295 397 0,'-25'0'0,"1"-24"16,0 24-16,-1-25 16,1 25-1,-1 0-15,1 0 16,-1 25-16,1-1 16,24 1-16,-24-1 15,-1 0-15,1 1 0,24 24 16,0-25-16,0 1 15,0 23-15,24-23 0,1-1 16,-1 1-16,25-25 0,-25 24 16,25-24-16,0 0 15,24 0-15,-24 0 0,-24-24 16,23-1-16,-23 25 16,-1-24-16,-24-1 0,0 1 15,0 0-15,-24 24 0,-1-49 16,-23 24-16,-1 1 15,0-1-15,0 1 0,0 0 16,25-1-16,-25-24 16,24 25-16,1-1 0,0-23 15,24 23-15,0 1 0,0-1 16,24 1-16,0 0 16,1 24-16,-1-25 0,25 25 15,-24-24-15,23 24 16,-23 0-16,-1 0 0,25 24 15,-24 1-15,-25-1 0,24 0 16,-24 1-16,0-1 16,-24 25-16,24-25 0,-25 1 15,1 24-15,-1-25 16,1 1-16,24-1 0,-25 0 16,25 1-16</inkml:trace>
+  <inkml:trace contextRef="#ctx0" brushRef="#br0" timeOffset="1186">832 348 0,'0'-24'31,"-24"24"-31,-1 0 31,25 24-31,0 1 16,0-1-16,0 1 15,0-1-15,0 0 0,0 1 16,0-1-16,25 1 0,-25-1 16,24 1-16,1-25 15,-1 0-15,0 0 0,1 0 16,-1 0-16,25 0 0,-24 0 15,-1-25-15,0 1 16,-24-1-16,0 1 16,-24 24-16,24-25 15,-24 1-15,-25 0 0,24-1 16,1 1-16,-1 24 0,1-25 16,0 1-16,-1 24 15,25-24-15,25 24 31,-1 0-31,0 0 16,1 0-16,-1 0 0,1 0 16,24 0-16,-25 0 15,0 0-15,1 0 0,24 0 16,-25 0-16,0 0 16,1 0-16,-1 24 0,1-24 15,-1 24-15,1-24 0,-25 25 16,24-25-16,-24 24 15,0 1-15,0-1 0,-24-24 16,24 24-16,0 1 16,-25-1-16,25 1 15,25-1-15,-1-24 16,0 0 0,1 0-16,-1 0 0,1 0 15,-1 0-15,25 0 16,-25-24-16,1 24 15,-25-25-15,24 25 16,-24-24-16,0-1 16,-24 25-16,-1-24 0,25 0 15,-24-1-15,0 1 16,-1-1-16,1 1 0,-1 24 16,1-24-16,-1 24 15,1 0-15,48 0 47,1 0-47,-1 0 0,25 0 16,-24 0-16,-1 0 0,25 24 15,-25-24-15,1 0 16,-1 0-16,1 0 0,-1 0 16,0 0-16,1 0 0,-1 0 15,-24 24-15,25-24 16,-1 0-16,-24 25 15,0-1 1,-24-24-16,24 25 16,-25-1-16,25 0 15,0 1 1,0-1-16,25-24 16,-1 25-16,1-25 15,-1 0-15,0 0 16,25 0-16,-24-25 0,-1 25 15,0 0-15,1-24 16,-1 24-16,1-25 16,-25 1-16,0 0 15,-25-1-15,1 1 16,-1-25-16,1 25 0,0-1 16,-1 25-16,1-24 15,-25 24-15,25 0 0,-1 0 16,1 0-16,-1 24 15,1 1-15,24-1 0,0 0 16,0 1-16</inkml:trace>
+  <inkml:trace contextRef="#ctx0" brushRef="#br0" timeOffset="1461">2249 226 0,'-25'-24'0,"25"-1"0,0 1 15,0 0-15,0-1 16,25 50 0,-1-1-16,1 0 15,-1 1-15,0 24 16,1-25-16,24 49 15,-25-48-15,0 24 0,1-25 16,-1-24-16,-24 24 16,25 1-16</inkml:trace>
+  <inkml:trace contextRef="#ctx0" brushRef="#br0" timeOffset="1655">2542 153 0,'0'-49'16,"0"25"-16,-25 24 0,25-25 16,-24 25-16,24 25 15,-25-1-15,1 1 16,24 23-16,-24 1 0,24 0 16,-25-25-16,25 25 15,-24 0-15,24 0 0,0-25 16,-25 1-16,25-1 0</inkml:trace>
+  <inkml:trace contextRef="#ctx0" brushRef="#br0" timeOffset="1941">2908 153 0,'-24'-24'16,"24"-1"-1,0 50 17,0-1-32,0 0 15,0 25-15,0 0 0,0 0 16,0-25-16,24 25 15,-24 0-15,0-25 0,0 25 16,25-24-16,-25-1 0</inkml:trace>
+  <inkml:trace contextRef="#ctx0" brushRef="#br0" timeOffset="2337">3055 226 0,'-25'-24'16,"25"-1"-16,0 1 16,0 0-16,25-1 15,-1 25-15,1-24 0,-1 24 16,25 0-16,-25 0 16,25 0-16,-25 24 0,25 1 15,-49-1-15,25 0 0,-25 25 16,0 0-16,-25-24 15,1 23-15,-1 1 0,1-24 16,-25 23-16,25-23 16,-1-1-16,1-24 15,24 25-15,24-50 32,1 25-32,-1-24 15,25 24-15,-25 0 16,1 0-16,24 0 0,-25 0 15,1 0-15,-1 24 16,0-24-16,1 25 0,-1-25 16,1 0-16,-25 24 0,24-24 15</inkml:trace>
+  <inkml:trace contextRef="#ctx0" brushRef="#br0" timeOffset="2668">3811 373 0,'-25'0'0,"25"-25"16,-24 1-16,24-1 16,24 25-1,-24 25 1,25-25-16,-25 24 15,24-24 1,-48 25 0,-1-25-1,1 0-15,0 0 16,24-25-16,24 25 47,0 0-32</inkml:trace>
+  <inkml:trace contextRef="#ctx0" brushRef="#br0" timeOffset="3148">4032 80 0,'0'-25'0,"-25"1"15,25 48 17,0 1-17,0-1-15,25 1 16,-25-1-16,0 25 0,0-25 15,24 1-15,0 23 0,-24-23 16,25-1-16,-1 1 16,1-1-16,-1-24 0,1 25 15,-1-25-15,0-25 16,1 25-16,-1-24 0,-24-1 16,25 1-16,-25-1 0,0-23 15,0 23-15,0-24 16,0 25-16,0 0 0,0-1 15,0 50 17,0-1-32,0 25 0,0 0 15,24-1-15,-24 1 16,24 0-16,-24-24 0,25 23 16,-1-23-16,-24 24 15,25-25-15,-25 1 0</inkml:trace>
+  <inkml:trace contextRef="#ctx0" brushRef="#br0" timeOffset="3486">4593 55 0,'0'-24'16,"25"24"15,-1 24-15,-24 1-16,0-1 15,25 1-15,-25-1 0,0 0 16,-25 1-16,1-1 16,-1-24-1,1-24 1,24-1-1,-25 25-15,25-24 0,0 0 16,0-1-16,0 1 16,25-1-16,-1 25 31,-24 25-15</inkml:trace>
+  <inkml:trace contextRef="#ctx0" brushRef="#br0" timeOffset="3744">5009 31 0,'-25'-25'0,"1"25"15,-1 0 1,1 0-16,-1 25 15,25-1-15,-24 1 16,24-1-16,0 25 0,-24-25 16,24 25-16,0 0 0,0 0 15,0-25-15,0 25 16,0-24-16,0 23 0,0-23 16,-25-25-16</inkml:trace>
+  <inkml:trace contextRef="#ctx0" brushRef="#br0" timeOffset="4084">5253 300 0,'0'-25'0,"24"25"16,-24 25 30,0-1-30,0 0-16,-24-24 16,-1 25-16,1-25 15,-1 0-15,1 0 16,0 0-16,24-25 16,-25 25-16,25-24 15,0 0-15,0-1 16,25 25-16,-1 0 0,-24-24 15,24 24-15,1 0 16,-1 0-16,1 24 16,-1 1-1</inkml:trace>
+  <inkml:trace contextRef="#ctx0" brushRef="#br0" timeOffset="4324">5766 104 0,'-25'0'0,"25"-24"15,0-1-15,25 25 16,-1 0-1,0 0-15,1 0 16,-25 25-16,24-25 16,1 24-16</inkml:trace>
+  <inkml:trace contextRef="#ctx0" brushRef="#br0" timeOffset="4468">5644 324 0,'0'24'0,"24"1"32,25-25-32,0 0 0,-1 0 15,1 0-15,25 0 16</inkml:trace>
+</inkml:ink>
+</file>
+
+<file path=ppt/ink/ink82.xml><?xml version="1.0" encoding="utf-8"?>
+<inkml:ink xmlns:inkml="http://www.w3.org/2003/InkML">
+  <inkml:definitions>
+    <inkml:context xml:id="ctx0">
+      <inkml:inkSource xml:id="inkSrc0">
+        <inkml:traceFormat>
+          <inkml:channel name="X" type="integer" max="1920" units="cm"/>
+          <inkml:channel name="Y" type="integer" max="1080" units="cm"/>
+          <inkml:channel name="T" type="integer" max="2.14748E9" units="dev"/>
+        </inkml:traceFormat>
+        <inkml:channelProperties>
+          <inkml:channelProperty channel="X" name="resolution" value="55.81395" units="1/cm"/>
+          <inkml:channelProperty channel="Y" name="resolution" value="55.6701" units="1/cm"/>
+          <inkml:channelProperty channel="T" name="resolution" value="1" units="1/dev"/>
+        </inkml:channelProperties>
+      </inkml:inkSource>
+      <inkml:timestamp xml:id="ts0" timeString="2020-10-18T02:46:14.650"/>
+    </inkml:context>
+    <inkml:brush xml:id="br0">
+      <inkml:brushProperty name="width" value="0.05" units="cm"/>
+      <inkml:brushProperty name="height" value="0.05" units="cm"/>
+      <inkml:brushProperty name="fitToCurve" value="1"/>
+    </inkml:brush>
+  </inkml:definitions>
+  <inkml:trace contextRef="#ctx0" brushRef="#br0">332 367 0,'0'-25'0,"24"25"16,1 0 0,-25-24 46,24-1-31,-24 1 1,0-1-1,-24 25-15,-1 0-16,1 0 15,0 0-15,-1 0 16,1 0-16,-1 0 0,1 0 15,0 0-15,-1 0 16,1 0-16,-1 25 16,1-25-1,24 24 1,-25-24-16,25 25 0,-24-25 16,24 24-16,-24 1 15,24-1-15,0 0 16,0 1-16,0-1 0,24 1 15,-24-1-15,24-24 16,1 25-16,-1-1 16,1-24-16,-1 0 0,1 0 15,-1 0 1,0-24-16,-24-1 0,25 25 16,-1-24-16,-24-1 15,0 1-15,25-1 0,-25 1 16,24 0-16,-24-1 15,0 1 1,24 48 31,-24 1-31,0-1-1,0 0-15,0 25 0,0-24 16,0-1-16,0 1 15,0 23-15,0-23 0,0 24 16,0-25-16,0 0 0,0 25 16,-24-24-16,24-1 15,0 1-15,0-1 0,0 0 16,-24 1-16,24-1 0,0 1 16,-25-25-1,1 0 1,-1 0-1,1-25-15,0 25 0,-1 0 16,1-24-16,-1 24 16,1 0-16,-1 0 0,1 0 15,0 0-15,-1 0 16,50 0 15,-1 0-15</inkml:trace>
+  <inkml:trace contextRef="#ctx0" brushRef="#br0" timeOffset="894">869 391 0,'0'-24'32,"0"-1"-1,0 1-31,-24 24 16,24-25-1,-24 25-15,-1 0 16,1 0-16,-1 0 15,1 0-15,-1 25 16,1-25-16,0 0 0,-1 24 16,1 1-16,-1-1 15,1-24-15,24 24 16,0 1-16,0-1 16,24 1-1,1-25-15,-1 0 0,1 24 16,-1-24-16,0 0 0,1 0 15,-1 0-15,1 0 16,-1-24-16,1 24 16,-25-25-16,0 1 15,24 24-15,-24-25 0,0 1 16,0 0-16,0 48 62,0 0-62,0 1 16,0-1-16,0 1 0,0 24 16,0-25-16,0 25 15,24 0-15,-24-25 0,0 25 16,25 0-16,-25-25 16,0 25-16,0-25 0,0 25 15,0-24-15,0-1 0,0 1 16,0-1-1,-25-24-15,1 0 16,0 0-16,-1 0 16,-24-24-16,25 24 15,-1 0-15,1-25 0,0 25 16,-1-24-16,1 24 16,-1-25-16,1 25 0,24-24 31,24 24-16,1 0 1</inkml:trace>
+  <inkml:trace contextRef="#ctx0" brushRef="#br0" timeOffset="1459">1260 513 0,'0'-24'31,"-24"-1"-31,24 1 16,-25 24-1,25-25 1,0 1 0,0 0-16,25 24 15,-1 0-15,1-25 16,-1 25-16,0 0 0,1 0 16,-1 0-16,1 0 15,-1 25-15,1-25 0,-25 24 16,0 0-16,0 1 0,0-1 15,0 1-15,-25 24 16,1-25-16,-1 0 0,1 25 16,-25-24-16,25-1 15,-1 1-15,1-1 0,-1-24 16,1 24-16,-1-24 16,25 25-16,25-25 31,-1 0-16,1 0-15,-1 0 0,25 24 16,0-24-16,-25 0 16,25 0-16,0 0 0,0 0 15,-25-24-15,1 24 0,-1 0 16,1 0-16</inkml:trace>
+  <inkml:trace contextRef="#ctx0" brushRef="#br0" timeOffset="1846">2115 220 0,'-24'0'16,"24"-24"-16,0-1 16,-25 25-1,25 25 1,25-1-1,-25 0-15,0 1 16,24 24-16,-24-25 0,0 25 16,24 24-16,-24-24 0,25 0 15,-25 0-15,0 0 16,0 0-16,24-1 0,-24-23 16,0 24-16</inkml:trace>
+  <inkml:trace contextRef="#ctx0" brushRef="#br0" timeOffset="2364">2042 586 0,'-25'-24'0,"1"24"16,-1-24-1,50 24 1,-25-25-16,24 25 15,1 0-15,-1 0 16,25 0-16,-25 0 0,25-24 16,0 24-16,-24 0 15,23 0-15,1 0 0,-24-25 16,-1 25-16,-48 0 47,24 25-47,-25-25 15,25 24-15,-24-24 0,24 25 16,0-1-16,-25 0 0,25 1 16,0-1-16,0 1 15,25-1-15,-1 25 0,1-49 16,-1 24-16,0 1 0,1-25 16,-1 24-16,25-24 15,-24 0-15,-1-24 0,0 24 16,1-25-16,-1 25 15,-24-24-15,25-1 0,-25-23 16,0 23-16,-25 1 16,1-1-16,-1 1 0,1 0 15,0-1-15,-25 25 0,24-24 16,-24 24-16,25 0 16,0 0-16,-1 0 0,25 24 15</inkml:trace>
+  <inkml:trace contextRef="#ctx0" brushRef="#br0" timeOffset="2948">2921 172 0,'-25'-24'16,"25"-1"-16,-24 25 0,24-24 15,0-1-15,-24 25 16,24 25 0,0-1-1,0 1-15,0-1 0,0 1 16,0 23-16,24 1 0,-24 0 15,0 0-15,24 24 16,-24-24-16,0 0 0,0 0 16,0 0-16,0-25 15,25 1-15,-25-1 0,0 0 16,0-48 15,0 0-15,0-1-16,24 1 15,-24-1-15,0 1 0,25-1 16,-1 1-16,-24 0 0,25-1 16,-1 1-16,0 24 15,1 0-15,-1 0 0,1 0 16,-1 0-16,1 24 16,-1 1-16,0-1 0,1 0 15,-25 1-15,24 24 0,-24-25 16,0 1-16,0-1 15,-24 0-15,24 1 0,-25-25 16,1 24-16,0-24 0,-1 0 31,1 0-31,-1 0 0,1-24 0,-1-1 16</inkml:trace>
+  <inkml:trace contextRef="#ctx0" brushRef="#br0" timeOffset="3389">3409 489 0,'-24'0'16,"48"0"15,1 24-16,-1-24-15,1 0 0,-25 25 16,24-25-16,1 0 16,-1 0-16,0 0 15,1 0 1,-25-25-16,24 1 16,-24-1-16,0 1 15,-24-1 1,24 1-16,-25 0 0,1 24 15,0-25-15,-1 25 0,1-24 16,-25 24-16,24 24 16,1-24-16,0 25 0,-1 23 15,25-23-15,0 24 16,0 0-16,0-25 0,25 25 16,-1 0-16,0-25 15,1 25-15,-1-25 0,1-24 16,-1 25-16,1-25 0,-1 0 15,0 0-15</inkml:trace>
+  <inkml:trace contextRef="#ctx0" brushRef="#br0" timeOffset="3845">4289 391 0,'-25'0'15,"25"-24"-15,-24-1 32,24 1-17,-25 24-15,1-25 16,0 25-16,-1 0 16,1 0-16,-1 25 0,1-1 15,-1 1-15,1-1 0,0 0 16,-1 1-16,1-1 15,24 25-15,-25-24 0,25 23 16,0-23-16,0 24 16,25-25-16,-25 1 0,24-1 15,1 0-15,23 1 0,-23-1 16,24-24-16,0 0 16,-1 0-16,1 0 0</inkml:trace>
+  <inkml:trace contextRef="#ctx0" brushRef="#br0" timeOffset="4692">4631 391 0,'-25'-24'0,"1"24"16,-1 0-16,1 24 15,-1-24-15,1 24 16,0 1-16,24-1 0,-25 1 15,1 24-15,24-25 16,0 25-16,0 0 0,0-25 16,0 25-16,24-25 0,1 1 15,-1-1-15,0 1 16,1-25-16,-1 24 0,25-24 16,-24 0-16,23 0 15,-23-24-15,-1-1 0,1 25 16,-1-24-16,0-25 0,1 25 15,-25-1-15,0-24 16,0 0-16,0 25 0,0-25 16,-25 0-16,1 25 15,0-1-15,-1 1 0,-24 0 16,25 24-16,0 0 0,-1 0 16,1 24-16,-1 0 15,1 1-15,24 24 16,0-25-16,0 1 0,0-1 15,0 0-15,0 1 16,24-1-16,-24 1 0,25-25 16,-1 24-16,1-24 15,-1 25-15,0-25 0,1 0 16,-1-25-16,1 1 16,-1-1-1,-24 1-15,24-1 0,-24 1 16,25-25-16,-1 25 15,-24-1-15,25 1 0,-1-1 16,1 25 0,-1 0-16,-24 25 15,24-1-15,-24 1 16,0-1-16,25 1 16,-25-1-16,0 0 0,24 1 15,-24-1-15,25-24 0,-25 25 16,0-50 15,24 25-15,-24-24-16,25-1 15,-1 1-15,0 0 0,1-1 16,-1 1-16,1-1 16,-1 1-16,1 24 0,-1 0 15,-24 24 1,0 25-16,0-24 15,0 23-15,0-23 0,0 24 16,0-25-16,0 1 16,24-1-16,-24 0 0,25 1 15</inkml:trace>
+  <inkml:trace contextRef="#ctx0" brushRef="#br0" timeOffset="4946">5388 171 0,'-25'-24'0,"25"-1"16,25 25 0,-1 0-1,-24 25-15,0-1 0,25 25 16,-1 0-16,-24-25 0,0 25 15,24 0-15,1 0 16,-25 0-16,24 0 0,-24-1 16,0 1-16,25-24 0,-25-1 15,0 0-15,0 1 16</inkml:trace>
+  <inkml:trace contextRef="#ctx0" brushRef="#br0" timeOffset="5536">5461 464 0,'-25'-24'15,"1"-1"-15,48 25 47,1 0-47,-1 0 0,1 0 16,24 0-16,-1 0 15,1 0-15,0 0 0,0-24 16,0 24-16,0 0 0,0 0 16,-25-24-16,25 24 15,-25-25-15,1 1 16,-25-1 0,-25 25-1,1-24-15,-1 24 16,1 0-16,0 0 15,-1 24-15,1 1 0,-1-1 16,1 1-16,-1-1 16,25 25-16,-24-25 0,24 25 15,0-24-15,0-1 0,0 25 16,0-25-16,0 1 16,24-25-16,-24 24 0,25-24 15,-1 0-15,1 0 16,-1 0-16,1-24 15,-1-1-15,-24 1 16,0-1-16,24 1 16,-24 0-16,0-25 0,0 24 15,25 1-15,-25-1 16,24 1-16,-24 48 16,0 1-1,0 24-15,0-25 16,0 25-16,0-25 0,0 25 15,0-24-15,25-1 16,-25 1-16,24-1 0</inkml:trace>
+  <inkml:trace contextRef="#ctx0" brushRef="#br0" timeOffset="5880">6462 513 0,'-24'0'0,"24"-24"16,-25 24-16,25-25 0,-24 25 15,24-24-15,-24 24 16,24-25-16,0 1 0,-25 24 16,25-24-16,0-1 15,-24 1-15,-1 24 16,1 0-16,-1 0 15,1 24-15,24 25 16,-24-25-16,24 1 0,-25-1 16,25 25-16,0-24 15,0 23-15,0-23 0,0-1 16,0 1-16,25-1 0,-1 0 16,0 1-16,1-25 15,24 24-15,-25-24 16,25 0-16,0-24 0,-25 24 15</inkml:trace>
+  <inkml:trace contextRef="#ctx0" brushRef="#br0" timeOffset="6096">6609 318 0,'0'-74'16,"-25"26"-16,25-1 16,-24 0-16,24 24 0,0 1 15,-24 0-15,24 48 31,0 0-31,0 25 0,0 0 16,0 24-16,0-24 0,0 25 16,0-26-16,0 26 15,24-25-15,-24-1 0,24 1 16,-24 0-16,25-24 16,-1-1-16</inkml:trace>
+  <inkml:trace contextRef="#ctx0" brushRef="#br0" timeOffset="6287">6584 489 0,'-24'0'16,"24"-25"-16,-24 25 0,24-24 16,24 24-1,0 0 1,1 0-16,-1 0 15,25 0-15,-25 0 16,25 0-16,-24 0 0,24 0 16</inkml:trace>
+  <inkml:trace contextRef="#ctx0" brushRef="#br0" timeOffset="6809">7024 489 0,'0'24'94,"24"-24"-94,1 0 15,-1 0-15,1 0 16,24 0 0,-25 0-16,0 0 0,1 0 15,-1 0-15,-24-24 16,0-1-1,0 1-15,0-1 16,0 1-16,-24 0 16,-1 24-1,1 0-15,0 0 0,-1 0 16,1 0-16,-1 24 16,1-24-16,-1 24 0,1 1 15,0-1-15,24 1 0,-25 24 16,25-25-16,0 0 15,25 25-15,-1-24 0,0-1 16,1 1-16,24-1 16,-25-24-16,25 24 0,0-24 15,0 0-15</inkml:trace>
+  <inkml:trace contextRef="#ctx0" brushRef="#br0" timeOffset="7361">7683 489 0,'0'-25'0,"0"1"16,0-1-16,0 1 15,0 0 1,-24 24 0,0 0-16,-1 0 0,1 0 15,-1 0-15,1 24 16,-1-24-16,1 24 0,0 1 15,-1-1-15,25 1 16,-24 24-16,24-25 0,0 0 16,0 25-16,0-24 0,24-1 15,-24 0-15,25 1 16,-1-25-16,-24 24 0,24-24 16,1 0-16,-1 0 15,1-24-15,-1 24 16,-24-25-16,25 1 0,-1 0 15,0-25-15,-24 24 16,25-23-16,-25-26 0,24 25 16,-24-24-16,0 24 15,0-24-15,0 24 0,0 0 16,-24 1-16,-1 23 0,25-24 16,-24 49-16,0 0 15,24 25 1,0-1-16,0 1 15,0 23-15,0-23 0,0 24 16,0-1-16,24 1 0,-24 25 16,24-26-16,1 1 15,-25 25-15,24-26 0,1 1 16,-1 0-16,1-25 0,-1 25 16,-24-24-16,24-1 15,1-24-15</inkml:trace>
+</inkml:ink>
+</file>
+
+<file path=ppt/ink/ink83.xml><?xml version="1.0" encoding="utf-8"?>
+<inkml:ink xmlns:inkml="http://www.w3.org/2003/InkML">
+  <inkml:definitions>
+    <inkml:context xml:id="ctx0">
+      <inkml:inkSource xml:id="inkSrc0">
+        <inkml:traceFormat>
+          <inkml:channel name="X" type="integer" max="1920" units="cm"/>
+          <inkml:channel name="Y" type="integer" max="1080" units="cm"/>
+          <inkml:channel name="T" type="integer" max="2.14748E9" units="dev"/>
+        </inkml:traceFormat>
+        <inkml:channelProperties>
+          <inkml:channelProperty channel="X" name="resolution" value="55.81395" units="1/cm"/>
+          <inkml:channelProperty channel="Y" name="resolution" value="55.6701" units="1/cm"/>
+          <inkml:channelProperty channel="T" name="resolution" value="1" units="1/dev"/>
+        </inkml:channelProperties>
+      </inkml:inkSource>
+      <inkml:timestamp xml:id="ts0" timeString="2020-10-18T02:47:09.078"/>
+    </inkml:context>
+    <inkml:brush xml:id="br0">
+      <inkml:brushProperty name="width" value="0.05" units="cm"/>
+      <inkml:brushProperty name="height" value="0.05" units="cm"/>
+      <inkml:brushProperty name="fitToCurve" value="1"/>
+    </inkml:brush>
+  </inkml:definitions>
+  <inkml:trace contextRef="#ctx0" brushRef="#br0">26 242 0,'-24'0'62,"24"-25"-46,0 1 15,0-1-15,0 1 15,0 0-15,0 48 46,0 0-62,0 1 16,0-1-16,0 1 0,0-1 15,24 25-15,-24 0 16,0 0-16,25-25 0,-25 25 16,0 0-16,0 0 15,24-25-15,-24 25 0,0-25 16,0 25-16,0-24 0,0-1 16,0 0-1,0-48 16,0 0-31,0-1 16,0 1-16,0-25 0,25 24 16,-25 1-16,24-25 15,-24 25-15,24-1 0,-24 1 16,25 0-16,-1 24 0,1 0 16,-1 24-16,1-24 15,-1 49-15,-24-25 0,24 1 16,1-1-16,-25 25 15,24-25-15,-24 25 0,0-24 16,0-1-16,0 0 0,0 1 16,-24-25-16,24 24 15</inkml:trace>
+  <inkml:trace contextRef="#ctx0" brushRef="#br0" timeOffset="432">661 559 0,'-24'0'15,"0"0"-15,-1 0 0,1 0 16,-1 0 0,1 0-16,24 25 31,0-1-31,24 1 15,-24-1-15,25 0 16,-25 1-16,24-1 16,1-24-16,-25 25 0,24-1 15,0-24-15,1 0 16,-25 24-16,24-24 0,1 0 16,-25-24-16,24 24 15,-24-24-15,0-1 16,0 1-16,0-1 0,-24 1 15,24-25-15,-25 25 16,25-25-16,-24 24 0,24 1 16,-25 0-16,25-1 0,-24 25 15,0 0 1,24 25-16,0-1 16,24 0-1,-24 1-15,24-25 0</inkml:trace>
+  <inkml:trace contextRef="#ctx0" brushRef="#br0" timeOffset="1003">954 437 0,'-24'0'15,"0"-24"1,24 48-1,24 1 1,-24-1-16,0 0 16,24 1-16,1-1 15,-25 25-15,24-25 0,-24 25 16,25-24-16,-25-1 0,24-24 16,1 25-16,-1-1 15,0-24 1,-24-24-16,25 24 15,-25-25-15,0 1 0,24-1 16,-24 1-16,0-1 0,0 1 16,0-25-16,0 25 15,0-1-15,0 1 16,25 48 0,-25 1-1,24-25-15,-24 24 0,25 1 16,-25-1-16,24 25 15,0-49-15,1 24 0,-25 1 16,24-1-16,1-24 16,-1 0-16,0 0 15,1 0-15,-25-24 16,0-1-16,0 1 16,0-1-16,0 1 0,-25-25 15,25 25-15,-24-25 16,24 25-16,-24-1 0,24 1 15,-25-1-15,1 25 16</inkml:trace>
+  <inkml:trace contextRef="#ctx0" brushRef="#br0" timeOffset="1632">1687 462 0,'-24'0'15,"-1"0"1,25-25-16,-24 25 16,48 0 15,-24 25-31,25-25 0,-25 24 15,24 0-15,1 1 16,-1-1-16,-24 1 0,24-1 16,-24 0-16,0 1 15,0-1-15,25-24 0,-25 25 16,0-50 15,0 1-15,0-1-16,0 1 15,0 0-15,0-25 0,0 24 16,0 1-16,0 0 0,24-1 16,-24 1-16,25 24 15,-1 0-15,-24 24 16,25 1-16,-25-1 16,0 0-16,24 1 0,-24 24 15,0-25-15,0 0 0,0 1 16,0-1-1,24-24-15,-24-24 16,0-1 0,25 1-16,-25 0 15,0-1-15,24 1 0,-24-25 16,25 25-16,-1-1 16,-24 1-16,24 24 0,1-25 15,-1 50-15,1-25 16,-1 24-16,-24 1 15,25 23-15,-25-23 0,0-1 16,0 25-16,0-25 16,0 1-16,0-1 15,24-24-15</inkml:trace>
+  <inkml:trace contextRef="#ctx0" brushRef="#br0" timeOffset="2672">2444 413 0,'0'-25'15,"25"25"1,-25-24-16,0-1 16,0 1-16,-25 24 15,1 0 1,-1 0-16,1 0 15,0 0-15,-1 24 16,1-24-16,-1 25 0,1-25 16,24 24-16,-25 1 0,25-1 15,0 1-15,0-1 16,0 0-16,25 1 0,-25-1 16,24 1-16,1-1 15,-1-24-15,-24 24 0,25-24 16,-1 0-16,0 0 0,1 0 15,-1-24-15,1 24 16,-25-24-16,24-1 0,-24 1 16,25-1-16,-25-23 15,0 23-15,0-24 0,0 25 16,0-1-16,0 1 0,0 48 31,0 1-15,0-1-16,0 1 0,0-1 15,0 1-15,24-1 16,-24 0-16,0 1 16,24-25-16,1 0 15,-1 0-15,1 0 16,-25-25-16,24 25 0,1-24 16,-1 0-16,-24-1 15,24 1-15,-24-1 0,0 1 16,0-1-16,0 1 15,0 0-15,0-1 16,-24 25-16,24 25 16,0-1-1,0 0-15,0 1 16,24-1-16,-24 1 16,25-1-16,-1 1 0,-24-1 15,49 0-15,-25-24 0,1 25 16,24-25-16,-25 0 15,1 0-15,-1 0 0,0 0 16,1-25-16,-1 25 16,-24-24-16,0 0 0,0-1 15,0 1-15,0-1 0,0 1 16,-24-1-16,-1 1 16,1 24-16,0 0 15,24 24 1,0 1-16,0-1 15,0 1-15,24 24 0,0-1 16,-24 1-16,25 0 16,-1 0-16,1 0 0,-1 0 15,-24-1-15,25-23 16,-25 24-16,0-25 0,-25 1 16,1-1-16,-1-24 15,-24 0-15,25-24 16,0 24-16,-25-25 0,24 1 15,1-25-15,24 24 16,-25-23-16,25 23 0,0 1 16,0-1-16,25 1 0,-1-1 15,1 1-15,-1 24 16,1 0-16,-1-24 0,0 24 16,1 0-16,24-25 15</inkml:trace>
+  <inkml:trace contextRef="#ctx0" brushRef="#br0" timeOffset="2963">3299 70 0,'0'-25'0,"0"1"16,0 0-1,0 48 17,0 0-17,24 25-15,-24 0 0,25 0 16,-25 0-16,0 0 0,24 24 16,-24-24-16,0 0 15,25-1-15,-25 1 0,0-24 16,0-1-16,0 0 15,0 1-15</inkml:trace>
+  <inkml:trace contextRef="#ctx0" brushRef="#br0" timeOffset="3552">3665 364 0,'-24'24'0,"0"-24"16,-1 0-16,50 0 31,-1 0-15,0 25-16,1-25 15,-25 24 1,24-24-16,1 0 0,-1 0 15,1 0 1,-1-24 0,-24-1-1,0 1 1,0-1-16,0 1 0,-24 24 16,24-24-16,0-1 0,-25 1 15,1 24-15,24-25 16,-25 25-16,1 0 0,-1 0 15,25 25 1,-24-25-16,24 24 0,0 1 16,0-1-16,0 0 15,0 1-15,0-1 16,0 1-16,0-1 0,0 1 16,0-1-16,0 0 15,24 1-15,1-1 16,-25 1-16,24-25 0,1 24 15,-1-24 1,1 24-16,-1-24 0,0 0 16,1 0-16,-1 0 15,-24 25-15,25-25 16,-25-25 0,0 1-1</inkml:trace>
+  <inkml:trace contextRef="#ctx0" brushRef="#br0" timeOffset="4247">4227 388 0,'0'-24'47,"25"24"-47,-25-25 16,0 1 0,0 0-16,0-1 15,-25 1-15,1 24 16,-1 0-16,1 0 15,-1 0 1,1 24-16,0 1 0,24-1 16,-25 0-16,1 25 0,24-24 15,-25-1-15,25 25 16,0-25-16,25 1 0,-1-1 16,-24 1-16,25-25 15,-1 24-15,0-24 0,1 0 16,-1 0-16,1 0 15,-1-24-15,-24-1 0,25 1 16,-25-1-16,0 1 16,0-49-1,0 48-15,0 1 0,0-1 16,0 1-16,0 48 31,24 1-31,-24-1 16,24 1-16,-24-1 0,25 25 15,-25-25-15,24 1 16,1-1-16,-25 1 0,24-1 16,1-24-16</inkml:trace>
+  <inkml:trace contextRef="#ctx0" brushRef="#br0" timeOffset="4626">4447 315 0,'0'-24'15,"-24"-1"-15,24 1 16,0-1-16,0 50 16,0-1-1,24 1-15,-24 23 16,24-23-16,1 24 0,-1-25 16,-24 25-16,25-25 15,-1 25-15,0-24 0,1-1 16,-25 1-16,24-1 15,1-24-15,-1 0 16,1 0-16,-25-24 16,0-1-16,0 1 15,0-1-15,0-24 0,-25 1 16,25 23-16,0-24 16,0 0-16,0 25 0,0-25 15,0 25-15,0-1 16,0 1-16,0 48 31,25-24-31,-25 25 16,24-25-16,-24 24 15</inkml:trace>
+  <inkml:trace contextRef="#ctx0" brushRef="#br0" timeOffset="5102">4960 363 0,'-25'0'16,"50"0"15,-1 0-16,1 0 1,-1 0-16,1 0 16,-1 0-16,0 0 15,1-25 1,-1 1 0,-24 0-1,0-1-15,-24 25 0,24-24 16,-25-1-16,1 25 0,0-24 15,-1 24 1,1 0-16,-1 0 0,1 24 16,-1 1-16,25-1 0,-24 25 15,24 0-15,0-25 16,24 25-16,1 0 0,-1-25 16,1 25-16,-1-24 15,1-1-15,23 0 0,-23 1 16,-1-1-16,1-24 15,24 0-15,-25-24 0,0-1 16,1 1-16</inkml:trace>
+  <inkml:trace contextRef="#ctx0" brushRef="#br0" timeOffset="5407">5693 291 0,'-25'24'16,"1"-24"-16,24 24 16,-25-24-16,50 0 15,-1 0 1,1 0-16,23 0 15,1 0-15,-24 0 0,23 0 16,-23 0-16,-1 0 16,1 0-16,-25-24 47</inkml:trace>
+</inkml:ink>
+</file>
+
+<file path=ppt/ink/ink84.xml><?xml version="1.0" encoding="utf-8"?>
+<inkml:ink xmlns:inkml="http://www.w3.org/2003/InkML">
+  <inkml:definitions>
+    <inkml:context xml:id="ctx0">
+      <inkml:inkSource xml:id="inkSrc0">
+        <inkml:traceFormat>
+          <inkml:channel name="X" type="integer" max="1920" units="cm"/>
+          <inkml:channel name="Y" type="integer" max="1080" units="cm"/>
+          <inkml:channel name="T" type="integer" max="2.14748E9" units="dev"/>
+        </inkml:traceFormat>
+        <inkml:channelProperties>
+          <inkml:channelProperty channel="X" name="resolution" value="55.81395" units="1/cm"/>
+          <inkml:channelProperty channel="Y" name="resolution" value="55.6701" units="1/cm"/>
+          <inkml:channelProperty channel="T" name="resolution" value="1" units="1/dev"/>
+        </inkml:channelProperties>
+      </inkml:inkSource>
+      <inkml:timestamp xml:id="ts0" timeString="2020-10-18T02:47:16.104"/>
+    </inkml:context>
+    <inkml:brush xml:id="br0">
+      <inkml:brushProperty name="width" value="0.05" units="cm"/>
+      <inkml:brushProperty name="height" value="0.05" units="cm"/>
+      <inkml:brushProperty name="fitToCurve" value="1"/>
+    </inkml:brush>
+  </inkml:definitions>
+  <inkml:trace contextRef="#ctx0" brushRef="#br0">318 202 0,'0'-24'15,"24"24"1,1 0 0,-25-25-1,24 1 1,-24-1 15,0 1-15,-24 24-16,24-24 15,-25 24-15,-24 0 16,25 0-16,-1 0 0,1 0 16,-25 0-16,25 0 0,-1 0 15,-23 0-15,23 24 16,25 0-16,-24 1 0,-1-1 16,25 1-16,0-1 15,0 1-15,25-1 0,-25 0 16,24 1-16,1-1 15,-1-24-15,0 25 0,1-25 16,-1 0-16,1 0 0,-1 0 16,0 0-16,1 0 15,-1 0-15,1-25 0,-1 1 16,-24-1 0,25 1-16,-25 0 15,0-25-15,0 24 0,0 1 16,0-1-16,24 1 15,-24 0-15,24 24 16,-24 24-16,25 0 16,-25 1-16,0-1 15,24 25-15,-24-24 0,0 23 16,25 1-16,-25-24 16,24 23-16,1 1 0,-25-24 15,24 24-15,-24-25 0,24 25 16,-24-25-16,0 1 15,25-1-15,-25 1 16,0-1-16,0 0 0,0 1 16,-25-25-1,1 0 1,0 0-16,-1 0 16,1-25-16,-25 25 0,24 0 15,1 0-15,-25 0 16,25 0-16,-1 0 0,-24 25 15,25-25-15,0 0 0,-1 0 16,25 24-16,-24-24 16,24 25-1,24-25 1</inkml:trace>
+  <inkml:trace contextRef="#ctx0" brushRef="#br0" timeOffset="738">1124 373 0,'0'-24'0,"0"-1"0,0 1 16,-25 24-16,25-25 15,0 1-15,-24 24 16,24-24-16,-25-1 16,25 1-1,-24 24-15,24-25 0,-24 25 16,24-24-16,-25 24 0,1 0 16,-1 0-16,1 0 15,-1 0-15,1 0 16,24 24-16,-24-24 15,24 25-15,0-1 0,-25 1 16,25-1-16,0 0 0,25 1 16,-25-1-16,24 1 15,0-25-15,-24 24 0,25-24 16,-1 0-16,1 0 0,-1 0 16,1 0-16,-1 0 15,-24-24-15,24-1 0,1 25 16,-25-24-16,0-1 15,24 1-15,-24 0 0,0-1 16,0 1-16,0 48 47,0 1-47,25-1 16,-25 0-16,0 25 0,24-24 15,-24 23-15,0-23 0,0 24 16,25-25-16,-25 25 15,0-25-15,0 1 0,24-1 16,-24 1-16,0-1 16,24-24-16,-24 25 0,-24-1 15,0-24 1,-1 0-16,1 0 16,-1 0-16,-24 0 15,25 0-15,0 0 16,-1 0-16,1 0 15,-1 0-15,25 24 32</inkml:trace>
+  <inkml:trace contextRef="#ctx0" brushRef="#br0" timeOffset="1403">1490 397 0,'-24'0'15,"24"-24"1,0 0 0,0-1-1,0 1 1,24-1-16,-24 1 16,24-1-1,-24 1-15,25 24 0,-1-24 16,1 24-1,-1 0-15,1-25 0,-1 25 16,0 0-16,1 25 0,-25-1 16,24-24-16,-24 24 15,0 25-15,0-24 0,0 24 16,0-25-16,0 25 0,-24 0 16,24-25-16,-25 25 15,25 0-15,-24-25 0,0 1 16,-1-1-16,1 1 15,-1-1-15,1-24 0,24 24 16,-25-24-16,25 25 0,-24-25 16,48 0-1,1 0 1,-1-25-16,25 25 16,-24-24-16,23 24 0,-23 0 15,24-24-15,0 24 0,-25 0 16,25 0-16,-25 0 15,1 0-15,-1 0 0,1 0 16,-1 24-16,0-24 16,-24 24-1,25-48 32</inkml:trace>
+  <inkml:trace contextRef="#ctx0" brushRef="#br0" timeOffset="2045">2394 153 0,'0'-24'0,"-25"24"16,50 0 46,-25 24-62,24-24 0,-24 25 16,25-1-16,-1 0 15,0 25-15,1-24 0,-1-1 16,25 25-16,-24-25 0,23 25 16,-23-24-16,24 24 15,-25-25-15,1 0 0,23 1 16,-48-1-16,25-24 16,-1 25-16</inkml:trace>
+  <inkml:trace contextRef="#ctx0" brushRef="#br0" timeOffset="2400">2833 80 0,'0'-24'16,"-24"24"-16,0 24 31,-1 0-15,25 1-16,0-1 0,-24 1 16,24-1-16,-25 0 0,25 25 15,-24-24-15,24-1 16,-25 25-16,25-25 0,-24 25 15,24 0-15,0-24 16,-24 23-16,24-23 0,0-1 16,-25 1-16,25-1 0,0 1 15,0-1-15,-24 0 16,24 1 0,0-50-1</inkml:trace>
+  <inkml:trace contextRef="#ctx0" brushRef="#br0" timeOffset="2982">3322 104 0,'-25'0'15,"25"-24"-15,0 0 16,0 48 31,0 0-32,25 25-15,-25-24 16,24-1-16,-24 25 16,0 0-16,25 0 0,-25-25 15,0 25-15,24 0 16,-24-25-16,0 25 0,0-25 15,25 1-15,-25-1 16,0 1-16,0-1 0,24-24 16,0 0-16,1-24 15</inkml:trace>
+  <inkml:trace contextRef="#ctx0" brushRef="#br0" timeOffset="3473">3786 129 0,'0'-25'16,"0"1"-1,-25 24 1,25 24-1,-24 1 1,0-1-16,24 1 16,0-1-16,-25 25 0,25-25 15,0 25-15,0 0 16,0-25-16,25 25 0,-25-24 16,24-1-16,-24 1 15,24-1-15,1 0 0,-1 1 16,1-25-16,-1 0 0,1 0 15,-1 0-15,0 0 16,1-25-16,-1 1 16,-24 0-16,25-1 15,-25-24-15,0 25 0,0-25 16,0 0-16,-25 0 16,25 0-16,-24 25 0,-1-25 15,1 25-15,0-1 0,-1 25 16,1-24-16,-1 24 15,1 0-15,-1 24 0,25 1 16,-24-25-16,24 24 0,0 1 16,0-1-16</inkml:trace>
+  <inkml:trace contextRef="#ctx0" brushRef="#br0" timeOffset="3826">4323 397 0,'-24'0'16,"48"0"15,-24 25-16,25-1 1,-25 1 0,0-50 15,0 1-15,24 24-1,0 0 16</inkml:trace>
+  <inkml:trace contextRef="#ctx0" brushRef="#br0" timeOffset="4332">4958 31 0,'-24'0'16,"-1"0"-16,1 0 0,-1 0 16,25-24-16,-24 24 15,0 0-15,-1 24 16,1 1-16,24-1 15,-25 0-15,25 1 16,0 24-16,0-25 0,0 25 16,0 0-16,0 0 15,0-1-15,0 1 0,25 0 16,-1-24-16,-24-1 0,25 0 16,-1 1-16,0-1 15,1-24-15,24 0 0,-25 0 16,1 0-16,-1 0 15,0-24-15,1-1 16,-25 1-16,0 0 0,0-25 16,0 24-16,0 1 15,0-1-15,-25 1 0,25 0 16,-24 24-16,0 0 16,-1 0-16,25 24 15,-24 0-15,-1 1 0,25-1 16,-24 1-1,24-1-15,0 1 0,24-25 16,1 0 0</inkml:trace>
+  <inkml:trace contextRef="#ctx0" brushRef="#br0" timeOffset="4800">5349 227 0,'-25'-25'0,"1"1"15,24-1-15,0 1 16,0-1-16,0 1 16,0 0-16,24 24 0,1-25 15,-1 25 1,1 0-16,-1 0 15,-24 25-15,25-25 16,-1 24-16,-24 0 0,24 25 16,-24-24-16,0 24 0,0-1 15,0-23-15,0 24 16,-24-25-16,0 25 0,-1-25 16,1 1-16,-1-1 15,1-24-15,24 25 0,-25-25 16,1 24-16,48-24 31,1 0-31,-1 0 16,25 24-16,-24-24 15,23 0-15,1 0 0,-24 0 16,24 0-16,-25 0 0,0 0 16,1 0-16,-1 0 15,1 0-15,-25-24 0,24 24 16,-24-24-1</inkml:trace>
+  <inkml:trace contextRef="#ctx0" brushRef="#br0" timeOffset="5543">6253 80 0,'0'-24'16,"0"-1"-1,-25 25 1,1-24 0,-1 24-16,1 0 15,-25 0-15,25 0 0,-1 0 16,1 24-16,-1-24 15,1 0-15,0 0 0,-1 0 16,1 0-16,-1 0 16,25 25 15,25-25-15,-25 24-1,0 0 1,0 1-16,0-1 0,24 1 15,-24 23-15,0-23 0,0-1 16,0 1-16,0-1 16,25 1-16,-25-1 15,0 0 1,24-24-16,0 0 16,1 0-1,-1-24 1,1 24-16,-1-24 15,0-1 1,1 25-16,-1 0 0,1 0 16,-1-24-16,1 24 0,-1 0 15,0 0-15,1 24 16,-1-24-16,1 25 0,-1-25 16,1 24-16,-25 0 0,24 1 15,-24-1-15,24 25 16,-24-24-16,0-1 0,25 0 15,-25 1-15,0-1 16,0 1-16,0-1 16,-25-24-16,1 25 15,0-25-15,-25 24 16,-25-24 0,50 0-16,-25 0 0,25-24 15,-1 24-15,1-25 0,-1 25 16,25-24-16</inkml:trace>
+  <inkml:trace contextRef="#ctx0" brushRef="#br0" timeOffset="5832">6765 227 0,'-24'0'15,"24"-25"1,24 25 0,-24-24-16,25 24 15,-1 0-15,1 0 0,24 0 16,-25 0-16,0 0 15,1 0-15,-1 0 0,1 24 32</inkml:trace>
+  <inkml:trace contextRef="#ctx0" brushRef="#br0" timeOffset="6026">6839 446 0,'-25'25'0,"25"-1"15,25-24 1,-1 0 0,1 0-16,-1 0 15,0-24-15,1 24 16,-1 0-16,1 0 0,-1-25 16,1 25-16,-25-24 15</inkml:trace>
+  <inkml:trace contextRef="#ctx0" brushRef="#br0" timeOffset="6714">6765 80 0,'-24'0'0,"24"-24"0,0-1 31,24 25-15,1 0-16,-1 0 16,1 0-1,-1 25-15,1-1 16,-25 0-16,24 1 16,-24-1-16,0 1 0,0-1 15,0 1-15,-24-1 0,-1 0 16,1-24-1,-1 0-15,1 0 16,-1-24 0,1 0-16,0-1 15,24 1-15,-25 24 0,25-25 16,25 1-16,-25-1 16,24 1-16,0 0 0,1-1 15,-1 25-15,1-24 16,-1 24-16,1 0 0,-1 0 15,0 0-15,-24 24 16,0 1-16,0-1 16</inkml:trace>
+  <inkml:trace contextRef="#ctx0" brushRef="#br0" timeOffset="7014">7229 80 0,'25'-24'15,"-50"24"17,1 0-17,0 24-15,-1 0 0,1 1 16,-1-1-16,1 25 0,0 0 15,-1 0-15,25 0 16,-24-1-16,-1 1 0,25 0 16,-24 0-16,24-25 15,0 25-15,0-24 0,0-1 16,0 1-16,24-25 16</inkml:trace>
+  <inkml:trace contextRef="#ctx0" brushRef="#br0" timeOffset="7410">7449 446 0,'0'-24'0,"-24"24"15,24-25 1,24 25-1,1 25 1,-1-1-16,-24 1 16,0-1-16,0 1 15,0-1-15,0 0 0,-24 1 16,-1-25 0,1 0-16,-1 0 0,1 0 15,-25 0-15,25-25 16,-1 25-16,25-24 15,0 0-15,0-1 0,0 1 16,25-1-16,-1 1 16,1-1-16,-1 25 0,0-24 15,1 0-15,-1 24 0,1 0 16,-1 0 0,1 24-16,-25 0 15,24 1 1</inkml:trace>
+  <inkml:trace contextRef="#ctx0" brushRef="#br0" timeOffset="7656">8011 227 0,'0'-25'0,"-24"1"16,24-1-1,24 25-15,0 0 16,1 0-16,-1 0 16,1 0-16,-1 0 15,1 0-15</inkml:trace>
+  <inkml:trace contextRef="#ctx0" brushRef="#br0" timeOffset="7812">8011 397 0,'0'25'16,"24"-25"-1,1 0-15,-1 0 0,25 0 16,-24 0-16,23 0 15,1 0-15,0 0 0</inkml:trace>
+</inkml:ink>
+</file>
+
+<file path=ppt/ink/ink85.xml><?xml version="1.0" encoding="utf-8"?>
+<inkml:ink xmlns:inkml="http://www.w3.org/2003/InkML">
+  <inkml:definitions>
+    <inkml:context xml:id="ctx0">
+      <inkml:inkSource xml:id="inkSrc0">
+        <inkml:traceFormat>
+          <inkml:channel name="X" type="integer" max="1920" units="cm"/>
+          <inkml:channel name="Y" type="integer" max="1080" units="cm"/>
+          <inkml:channel name="T" type="integer" max="2.14748E9" units="dev"/>
+        </inkml:traceFormat>
+        <inkml:channelProperties>
+          <inkml:channelProperty channel="X" name="resolution" value="55.81395" units="1/cm"/>
+          <inkml:channelProperty channel="Y" name="resolution" value="55.6701" units="1/cm"/>
+          <inkml:channelProperty channel="T" name="resolution" value="1" units="1/dev"/>
+        </inkml:channelProperties>
+      </inkml:inkSource>
+      <inkml:timestamp xml:id="ts0" timeString="2020-10-18T02:47:36.282"/>
+    </inkml:context>
+    <inkml:brush xml:id="br0">
+      <inkml:brushProperty name="width" value="0.05" units="cm"/>
+      <inkml:brushProperty name="height" value="0.05" units="cm"/>
+      <inkml:brushProperty name="fitToCurve" value="1"/>
+    </inkml:brush>
+  </inkml:definitions>
+  <inkml:trace contextRef="#ctx0" brushRef="#br0">15 0 0,'0'25'172,"0"-1"-156,0 0-1,0 1-15,0-1 16,0 25-16,0-24 0,0 23 16,0-23-16,0 24 0,0-25 15,0 25-15,0 0 16,0-25-16,0 25 0,0-25 16,0 1-16,0-1 15,0 1-15,0-1 0,0 1 16,24-25-16</inkml:trace>
+  <inkml:trace contextRef="#ctx0" brushRef="#br0" timeOffset="583">454 147 0,'-24'0'16,"24"-25"-1,-25 25 1,25 25 0,0-1-1,-24-24 1,24 25-16,-25-1 16,25 0-16,-24 1 0,24-1 15,0 25-15,0 0 0,0-25 16,0 25-16,0-24 15,24-1-15,1 0 0,-1 1 16,1-1-16,-1-24 16,1 0-16,-1 0 0,25 0 15,-25 0-15,1-24 0,24-1 16,-25 1-16,-24 0 16,24-25-16,1 24 0,-25-24 15,0 25-15,0 0 16,-25-25-16,25 24 0,-24 1 15,0 0-15,-1-1 0,-24 25 16,25-24-16,-1 24 16,1-25-16,0 25 0,-1 0 15,1 0-15,24 25 16,0-1-16</inkml:trace>
+  <inkml:trace contextRef="#ctx0" brushRef="#br0" timeOffset="1358">1333 122 0,'0'-24'0,"0"-1"16,-24 1-1,0 24 1,-1 0 0,1-24-16,-1 24 15,1 0-15,-1 0 0,1 0 16,-25 0-16,25 24 0,-1-24 15,1 0 1,-1 0-16,1 0 16,24 24 15,-24-24-31,24 25 16,-25-25-1,25 24-15,-24 1 16,24-1-1,0 1 1,0-1-16,0 0 0,24 1 16,-24-1-1,0 1-15,25-1 16,-25 1 0,24-50 46,0 25-46,1-24-16,-1 24 15,1-25-15,-1 25 0,1 0 16,-1 0-16,0 0 16,1 0-16,-1 25 0,1-25 15,-25 24-15,24 1 16,-24-1-16,25 0 0,-25 1 15,0-1-15,0 1 0,0-1 16,0 0-16,-25 1 16,1-1-16,-1-24 15,1 25-15,-25-25 16,25 0-16,-1 24 0,1-24 16,-1 0-16,-24 0 0,25-24 15,0 24 1</inkml:trace>
+</inkml:ink>
+</file>
+
+<file path=ppt/ink/ink86.xml><?xml version="1.0" encoding="utf-8"?>
+<inkml:ink xmlns:inkml="http://www.w3.org/2003/InkML">
+  <inkml:definitions>
+    <inkml:context xml:id="ctx0">
+      <inkml:inkSource xml:id="inkSrc0">
+        <inkml:traceFormat>
+          <inkml:channel name="X" type="integer" max="1920" units="cm"/>
+          <inkml:channel name="Y" type="integer" max="1080" units="cm"/>
+          <inkml:channel name="T" type="integer" max="2.14748E9" units="dev"/>
+        </inkml:traceFormat>
+        <inkml:channelProperties>
+          <inkml:channelProperty channel="X" name="resolution" value="55.81395" units="1/cm"/>
+          <inkml:channelProperty channel="Y" name="resolution" value="55.6701" units="1/cm"/>
+          <inkml:channelProperty channel="T" name="resolution" value="1" units="1/dev"/>
+        </inkml:channelProperties>
+      </inkml:inkSource>
+      <inkml:timestamp xml:id="ts0" timeString="2020-10-18T02:47:40.050"/>
+    </inkml:context>
+    <inkml:brush xml:id="br0">
+      <inkml:brushProperty name="width" value="0.05" units="cm"/>
+      <inkml:brushProperty name="height" value="0.05" units="cm"/>
+      <inkml:brushProperty name="fitToCurve" value="1"/>
+    </inkml:brush>
+  </inkml:definitions>
+  <inkml:trace contextRef="#ctx0" brushRef="#br0">74 73 0,'0'-24'16,"-25"0"-16,25-1 15,-24 25 1,0 25-1,24-1 1,0 0-16,0 25 16,0-24-16,0 24 0,0-1 15,0 1-15,0-24 16,0 24-16,0-1 0,0 1 16,0-24-16,24 24 15,-24-1-15,24-23 0,-24-1 16,0 1-16,0-1 0,0 0 15</inkml:trace>
+  <inkml:trace contextRef="#ctx0" brushRef="#br0" timeOffset="465">367 391 0,'-24'-24'0,"-1"24"16,1 0-1,48 0 17,1 24-17,-1-24-15,0 0 16,1 0-16,-1 0 15,25 0-15,-24 0 0,-1-24 16,0 24-16,1 0 0,-1 0 16,-24-25-16,0 1 15,0-1-15,-24 1 16,-1-1 0,-23 1-16,23 24 0,1-24 15,-25 24-15,24 0 0,1 0 16,0 0-16,-1 24 15,1 0-15,-1 1 0,25-1 16,-24 25-16,24 0 16,0-25-16,0 25 0,24 0 15,-24-25-15,25 25 0,-25-24 16,24-1-16,1 1 16,-1-1-16,0-24 0,25 0 15,0 0-15,-24 0 16</inkml:trace>
+  <inkml:trace contextRef="#ctx0" brushRef="#br0" timeOffset="967">978 391 0,'0'-24'15,"0"-1"1,0 1-1,0-1 1,0 1 0,-25-1-16,1 25 15,-1-24-15,1 24 16,-1 24-16,1-24 16,24 25-16,-24-1 15,-1 1-15,1-1 0,24 25 16,-25-25-16,25 1 0,0 24 15,0-25-15,0 1 16,0-1-16,25 0 0,-25 1 16,24-1-16,1-24 15,-1 0-15,0 0 16,1-24-16,-1-1 0,1 1 16,-25 0-1,24-1-15,-24 1 0,0-1 16,0 1-16,0-1 15,0 1-15,0 0 0,0 48 32,25-24-17,-25 24-15,0 1 0,0-1 16,24 25-16,-24-24 0,24-1 16,1 0-16,-25 1 15,24-1-15,1 1 0</inkml:trace>
+  <inkml:trace contextRef="#ctx0" brushRef="#br0" timeOffset="1389">1173 367 0,'0'-25'0,"0"1"15,-25-1-15,25 1 16,0 48-1,25-24-15,-25 25 16,24-1-16,-24 1 16,0-1-16,25 25 0,-25-25 15,24 1-15,1-1 0,-25 0 16,24 1-16,0-1 16,-24 1-16,25-25 0,-1 0 15,-24 24-15,25-24 16,-1-24-16,-24-1 15,0 1-15,25 24 16,-25-25-16,0 1 16,0 0-16,0-1 0,0 1 15,0-25-15,0 25 16,0-1-16,0 1 16,0-1-16,-25 50 31,25-1-31,0 1 15,25-1 1</inkml:trace>
+  <inkml:trace contextRef="#ctx0" brushRef="#br0" timeOffset="1867">1710 391 0,'25'0'94,"-1"0"-79,1 0 1,-1 0-16,0 0 15,1 0-15,-1 0 16,-24-24 0,25 24-16,-25-25 15,0 1-15,-25 24 16,25-25-16,-24 25 0,24-24 16,-25 24-16,25-25 15,-24 25-15,0 0 0,-1 0 16,1 0-16,-1 0 15,1 25-15,-1-25 0,1 24 16,0 1-16,-1 24 16,25-25-16,-24 25 0,24-25 15,0 25-15,24 0 0,-24-25 16,25 25-16,-1-24 16,25-1-16,-25-24 0,25 24 15,-24-24-15,23 0 0,-23 0 16,24 0-16,-25-24 15,0 0-15,1 24 0</inkml:trace>
+</inkml:ink>
+</file>
+
+<file path=ppt/ink/ink87.xml><?xml version="1.0" encoding="utf-8"?>
+<inkml:ink xmlns:inkml="http://www.w3.org/2003/InkML">
+  <inkml:definitions>
+    <inkml:context xml:id="ctx0">
+      <inkml:inkSource xml:id="inkSrc0">
+        <inkml:traceFormat>
+          <inkml:channel name="X" type="integer" max="1920" units="cm"/>
+          <inkml:channel name="Y" type="integer" max="1080" units="cm"/>
+          <inkml:channel name="T" type="integer" max="2.14748E9" units="dev"/>
+        </inkml:traceFormat>
+        <inkml:channelProperties>
+          <inkml:channelProperty channel="X" name="resolution" value="55.81395" units="1/cm"/>
+          <inkml:channelProperty channel="Y" name="resolution" value="55.6701" units="1/cm"/>
+          <inkml:channelProperty channel="T" name="resolution" value="1" units="1/dev"/>
+        </inkml:channelProperties>
+      </inkml:inkSource>
+      <inkml:timestamp xml:id="ts0" timeString="2020-10-18T02:47:38.548"/>
+    </inkml:context>
+    <inkml:brush xml:id="br0">
+      <inkml:brushProperty name="width" value="0.05" units="cm"/>
+      <inkml:brushProperty name="height" value="0.05" units="cm"/>
+      <inkml:brushProperty name="fitToCurve" value="1"/>
+    </inkml:brush>
+  </inkml:definitions>
+  <inkml:trace contextRef="#ctx0" brushRef="#br0">74 366 0,'0'-24'0,"0"-1"15,0 1-15,0 0 16,-25 24 31,25 24-32,0 0-15,-24 1 0,24 24 16,0-25-16,-24 25 16,24-25-16,0 25 0,0-24 15,0-1-15,24 0 0,-24 1 16,24-1-16,1-24 16,-25 25-16,24-25 0,1 0 15,-1 0-15,1-25 16,-1 1-16,0-1 15,-24 1-15,25 0 0,-1-1 16,-24 1-16,0-25 16,0 24-16,0 1 0,0 0 15,0-1-15,0 50 32,0-1-17,0 0-15,0 1 16,0-1-16,0 1 0,0-1 15,25 1-15,-25-1 0,24 0 16,0 1-16,1-25 16,-1 24-16,1-24 0,-1 0 15,1 0-15,-1 0 16,0 0-16,1 0 0,-1-24 16,1-1-16,-25 1 15,0 0-15,0-1 16,0 1-16,0-25 0,0 24 15,0 1-15,0 0 16,0-25-16,0 24 16,-25 25-1,25 25-15,0-1 16,0 25-16,0-25 16,0 1-16,25-1 15,-25 1-15,24-1 0,-24 1 16,25-25-16,-1 24 0,0-24 15,1 0-15,-1 0 16</inkml:trace>
+  <inkml:trace contextRef="#ctx0" brushRef="#br0" timeOffset="244">855 317 0,'-24'0'0,"24"25"31,0-1-15,0 1-1,0-1-15,0 0 0,0 1 16,0-1-16,0 1 16,24-1-16,-24 1 0,0-1 15,25 0-15,-25 1 16,24-25-1</inkml:trace>
+  <inkml:trace contextRef="#ctx0" brushRef="#br0" timeOffset="441">807 146 0,'-25'-24'16,"25"0"-16,-24-1 15,-1 1-15,25 48 47,25-24-47,-1 25 16,1-25 0</inkml:trace>
+  <inkml:trace contextRef="#ctx0" brushRef="#br0" timeOffset="705">1051 98 0,'0'-25'16,"0"50"15,0-1-31,24-24 0,-24 49 15,25-25-15,-1 1 16,-24 24-16,24-1 0,-24 1 16,25-24-16,-25 23 0,0 1 15,0-24-15,0-1 16,0 25-16,0-25 16,24-24-16</inkml:trace>
+  <inkml:trace contextRef="#ctx0" brushRef="#br0" timeOffset="1083">1393 98 0,'0'-25'0,"0"1"16,0-1-16,0 1 16,24 48 15,-24 25-16,0-24-15,24-1 0,-24 25 16,0-25-16,25 25 16,-25 0-16,0-25 0,24 25 15,-24-24-15,25 24 0,-25-25 16,0 0-16,0 1 16,24-1-16,-24 1 15</inkml:trace>
+</inkml:ink>
+</file>
+
+<file path=ppt/ink/ink88.xml><?xml version="1.0" encoding="utf-8"?>
+<inkml:ink xmlns:inkml="http://www.w3.org/2003/InkML">
+  <inkml:definitions>
+    <inkml:context xml:id="ctx0">
+      <inkml:inkSource xml:id="inkSrc0">
+        <inkml:traceFormat>
+          <inkml:channel name="X" type="integer" max="1920" units="cm"/>
+          <inkml:channel name="Y" type="integer" max="1080" units="cm"/>
+          <inkml:channel name="T" type="integer" max="2.14748E9" units="dev"/>
+        </inkml:traceFormat>
+        <inkml:channelProperties>
+          <inkml:channelProperty channel="X" name="resolution" value="55.81395" units="1/cm"/>
+          <inkml:channelProperty channel="Y" name="resolution" value="55.6701" units="1/cm"/>
+          <inkml:channelProperty channel="T" name="resolution" value="1" units="1/dev"/>
+        </inkml:channelProperties>
+      </inkml:inkSource>
+      <inkml:timestamp xml:id="ts0" timeString="2020-10-18T02:48:04.938"/>
+    </inkml:context>
+    <inkml:brush xml:id="br0">
+      <inkml:brushProperty name="width" value="0.05" units="cm"/>
+      <inkml:brushProperty name="height" value="0.05" units="cm"/>
+      <inkml:brushProperty name="fitToCurve" value="1"/>
+    </inkml:brush>
+  </inkml:definitions>
+  <inkml:trace contextRef="#ctx0" brushRef="#br0">611 176 0,'0'-25'0,"0"1"16,-24 24-1,-1-24-15,1 24 47,-1 0-31,1-25 0,-1 25-16,1-24 15,0 24-15,-1-25 0,-24 25 16,25-24-16,-25 24 0,25 0 15,-25 0-15,0 24 16,25 1-16,-1-25 16,-24 24-16,49 1 0,-24 23 15,-1-23-15,25-1 0,0 1 16,25-1-16,-1 1 0,1-25 16,24 0-16,-25 24 15,25-24-15,24 0 0,-24 0 16,0 0-16,24 0 15,-24 0-15,0 0 0,-25 24 16,1-24-16,-1 25 0,0-1 16,-24 1-16,0-1 15,0 0-15,-24-24 0,0 25 16,-1-1-16,1-24 16,-25 25-16,24-25 0,-23 24 15,23-24-15,-24 0 0,25 0 16,0 0-16,-1 0 15,1 0-15,24-24 0,0-1 16,24 25-16,1-49 16</inkml:trace>
+  <inkml:trace contextRef="#ctx0" brushRef="#br0" timeOffset="579">1148 176 0,'-24'0'0,"-1"0"15,1 0-15,24-25 16,-24 25-16,24-24 15,0 0 1,0-1-16,0 1 16,-25 24 15,25 24-31,-24 1 0,-1-1 16,1 0-16,24 1 15,-25-1-15,25 1 0,-24-1 16,24 25-16,0-25 0,24 1 15,-24-1 1,25 1-16,-1-25 16,1 0-1,-1 0 1,-24-25-16,25 1 16,-25-1-16,24 1 15,-24 0-15,0-1 16,0 1-16,0-1 15,0 1-15,24 24 0,-24-25 16,25 25-16,-25 25 0,24-25 16,1 24-16,-25 1 15,24-1-15,-24 25 0,25-25 16,-25 1-16,0-1 0,24 25 16,0-25-1,-24 1-15,25-25 0</inkml:trace>
+  <inkml:trace contextRef="#ctx0" brushRef="#br0" timeOffset="1002">1393 103 0,'-25'0'0,"25"-25"16,-24 25-16,24-24 0,-25 24 15,25 24-15,0 1 16,25-1-16,-1 0 16,1 1-16,-1-1 0,0 25 15,25-24-15,-24-1 16,-1 0-16,0 25 0,1-24 16,-1-1-16,-24 0 0,25 1 15,-1-1-15,-24 1 16,25-25-1,-25-25-15,0 1 16,24-1 0,-24-23-16,0 23 0,0-24 15,24 1-15,-24 23 16,0-24-16,0 0 0,25 25 16,-25-25-16,0 25 15,24 24 1,-24 24-1,25 1 1,-25-1-16</inkml:trace>
+  <inkml:trace contextRef="#ctx0" brushRef="#br0" timeOffset="1524">2125 225 0,'0'24'0,"-24"-24"16,-1 0 15,50 25 0,-1-25-15,1 24-1,-1-24-15,1 0 16,-1-24-16,0 24 16,1-25-16,-1 25 15,-24-24-15,25-1 0,-1 25 16,-24-24-16,0-1 0,0 1 16,0 0-1,-24 24-15,-1 0 0,1 0 16,-25 0-1,25 0-15,-1 24 0,-24 0 16,25 1-16,-1 24 16,1-25-16,24 25 0,0-25 15,0 25-15,0-24 0,24 23 16,1-23-16,-1-1 16,1 1-16,-1-1 0,1 1 15,23-25-15,-23 24 16,24-24-16,-1 0 0,-23 0 15,-1-24-15,1 24 0,-1-25 16,1 25-16,-25-24 16,0-1-1</inkml:trace>
+</inkml:ink>
+</file>
+
+<file path=ppt/ink/ink89.xml><?xml version="1.0" encoding="utf-8"?>
+<inkml:ink xmlns:inkml="http://www.w3.org/2003/InkML">
+  <inkml:definitions>
+    <inkml:context xml:id="ctx0">
+      <inkml:inkSource xml:id="inkSrc0">
+        <inkml:traceFormat>
+          <inkml:channel name="X" type="integer" max="1920" units="cm"/>
+          <inkml:channel name="Y" type="integer" max="1080" units="cm"/>
+          <inkml:channel name="T" type="integer" max="2.14748E9" units="dev"/>
+        </inkml:traceFormat>
+        <inkml:channelProperties>
+          <inkml:channelProperty channel="X" name="resolution" value="55.81395" units="1/cm"/>
+          <inkml:channelProperty channel="Y" name="resolution" value="55.6701" units="1/cm"/>
+          <inkml:channelProperty channel="T" name="resolution" value="1" units="1/dev"/>
+        </inkml:channelProperties>
+      </inkml:inkSource>
+      <inkml:timestamp xml:id="ts0" timeString="2020-10-18T02:49:46.300"/>
+    </inkml:context>
+    <inkml:brush xml:id="br0">
+      <inkml:brushProperty name="width" value="0.05" units="cm"/>
+      <inkml:brushProperty name="height" value="0.05" units="cm"/>
+      <inkml:brushProperty name="fitToCurve" value="1"/>
+    </inkml:brush>
+  </inkml:definitions>
+  <inkml:trace contextRef="#ctx0" brushRef="#br0">3810 60 0,'-25'0'0,"1"0"16,48 0 47,-24 25-63,25-25 15,-1 0 1,1 0-16,-1 0 0,0 0 15,1 24-15,24-24 16,0 0-16,-1 0 0,26 0 16,-25 0-16,24-24 15,0 24-15,25 0 0,-25 0 16,0 0-16,25-25 0,-25 25 16,25 0-16,-25 0 15,25 0-15,0 0 0,-25 0 16,25 0-16,-25 0 0,25 0 15,-25 0-15,0 0 16,25 0-16,-25 0 0,0 0 16,25 0-16,-25 0 15,25 0-15,-25 0 0,0 0 16,25 0-16,-25 0 16,25 0-16,-25 0 0,1 0 15,-1 0-15,0 0 0,0 0 16,-24 0-16,25 0 15,-26 0-15,26 0 0,-25 0 16,-1 0-16,1 0 0,24 0 16,-24 0-16,0 0 15,24 0-15,-24-24 0,0 24 16,0 0-16,0 0 16,24 0-16,-24 0 0,0 0 15,0 0-15,0 0 0,-1-25 16,1 25-16,0 0 15,0 0-15,0 0 0,24 0 16,-24 0-16,0 0 16,0 0-16,-1 0 0,1 0 15,0 0-15,0 0 0,0 0 16,0 0-16,-25 0 16,25 0-16,-25 0 0,1 0 15,-1 0 1</inkml:trace>
+  <inkml:trace contextRef="#ctx0" brushRef="#br0" timeOffset="954">49 988 0,'-25'0'0,"25"-24"31,-24 24-31,24-25 31,0 50 0,0-1-31,0 1 16,0-1-16,0 25 16,0-25-16,0 25 0,0-24 15,24 23-15,-24-23 16,0-1-16,0 1 0,0-1 16,25 1-16,-25-1 15,0 0-15</inkml:trace>
+  <inkml:trace contextRef="#ctx0" brushRef="#br0" timeOffset="1255">73 1037 0,'-24'0'16,"24"-24"-16,-25 24 15,50 0 1,-1 0 0,0 0-1,1 24-15,-1-24 0,1 24 16,-1 1-16,1-1 0,-1 1 16,25-1-16,-25 1 15,1-1-15,-1 0 0,0-24 16,1 25-16,-1-1 15,1 1-15,-1-25 0,1 24 16</inkml:trace>
+  <inkml:trace contextRef="#ctx0" brushRef="#br0" timeOffset="1518">488 988 0,'-24'-24'0,"24"-1"0,-25 25 16,25-24 0,0 48-1,0 1-15,0 24 16,25-25 0,-25 0-16,0 25 0,24-24 15,-24-1-15,0 25 16,0-25-16,25 1 0,-25-1 15,0 1-15,0-1 0,24-24 16,-24 25-16,0-1 16</inkml:trace>
+  <inkml:trace contextRef="#ctx0" brushRef="#br0" timeOffset="1992">806 1232 0,'0'-24'16,"24"24"46,1 0-46,-1 0 0,0 0-1,-24-24 1,25-1-16,-25 1 16,0-1-1,-25 25-15,25-24 16,-24 24-16,24-25 0,-24 25 15,-1 0-15,1 0 16,-1 0-16,1 25 0,-1-1 16,25 1-1,-24-25-15,24 24 0,0 25 16,24-25-16,-24 1 0,25-1 16,-1 1-16,-24-1 15,49 1-15,-24-25 0,-1 24 16,0-24-16,25 24 15,-24-24-15,-1 0 0</inkml:trace>
+  <inkml:trace contextRef="#ctx0" brushRef="#br0" timeOffset="2285">1099 842 0,'0'-25'32,"0"50"-17,0-1 1,24 1 0,-24-1-16,0 25 15,25-25-15,-1 1 16,-24 23-16,0-23 0,24 24 15,-24-25-15,25 25 0,-25-25 16,0 1-16,0-1 16,24-24-16,-24 25 0</inkml:trace>
+  <inkml:trace contextRef="#ctx0" brushRef="#br0" timeOffset="2460">1123 1135 0,'0'-25'0,"0"1"16,25 24-1,-1 0 1,0 0-16,1 0 16,-1 0-16,25 0 15,-24 0-15,-1 0 0</inkml:trace>
+  <inkml:trace contextRef="#ctx0" brushRef="#br0" timeOffset="3065">2076 964 0,'0'-25'0,"0"1"15,0 0 1,0-1-16,0 1 15,-25 24-15,25-25 0,-24 1 16,-1-1-16,1 25 0,0-24 16,-1 24-16,1 0 15,-25 0-15,24 24 0,1-24 16,0 25-16,-1-1 16,1 1-16,24-1 0,0 1 15,0-1-15,0 0 0,24 1 16,25-1-16,-25 1 15,25-25-15,-24 24 0,24 0 16,-1 1-16,1-1 16,-24-24-16,24 25 0,-25-1 15,0-24-15,25 25 0,-49-1 16,25 0-16,-25 1 16,24-1-16,-24 1 15,0-1-15,-24-24 16,24 25-16,-25-25 0,1 24 15,-1-24-15,1 0 0,0 0 16,-1 0-16,-24 0 16,25 0-16,-25 0 0,25-24 15,-1 24-15,1-25 16,-1 1-16,25-1 16</inkml:trace>
+  <inkml:trace contextRef="#ctx0" brushRef="#br0" timeOffset="3641">2589 1109 0,'24'0'15,"-24"-24"-15,0-1 16,24 1-16,-24 0 16,0-1-1,0 1-15,-24 24 0,24-25 16,-24 1-16,-1 0 16,1 24-1,-1 24-15,1 0 16,24 1-16,-25-1 15,25 1-15,0 23 0,0-23 16,0-1-16,0 1 0,25-1 16,-25 1-16,24-1 15,-24 0-15,25-24 16,-25 25-16,24-25 16,1 0-16,-1 0 31,-24-25-31,0 1 15,24 0-15,-24-1 16,0 1-16,0-1 16,25 1-16,-25-1 15,0 1-15,24 24 16,-24 24 0,25-24-16,-25 25 0,0-1 15,24 1-15,1-25 16,-25 24-16,24 1 0,-24-1 15,24 0-15,-24 1 0,25-1 16,-25 1-16,24-25 16,-24 24-16</inkml:trace>
+  <inkml:trace contextRef="#ctx0" brushRef="#br0" timeOffset="4086">2979 1037 0,'-24'0'0,"-1"-24"0,1 24 15,24-25 1,-24 25-16,24 25 31,24-25-31,-24 24 16,24 0-16,1 1 15,-25-1-15,24 25 16,-24-24-16,25-1 0,-1 0 16,-24 1-16,25-1 15,-25 1 1,24-25-16,-24-25 31,0 1-15,0-1-16,0 1 0,0-25 15,0 25-15,0-1 16,0-24-16,0 25 0,0 0 16,0-1-16,0 1 15,0-1-15,24 25 0,1 25 32,-25-1-17,24-24-15</inkml:trace>
+  <inkml:trace contextRef="#ctx0" brushRef="#br0" timeOffset="4627">3370 1037 0,'-24'0'0,"-1"0"16,1 0-1,48 24 32,-24 1-31,25-25 0,-25 24-16,24-24 15,1 0-15,-1-24 16,0-1-1,1 25-15,-1-24 0,1 24 16,-25-24-16,24-1 16,-24 1-16,0-1 15,-24 25 1,24-24-16,-25 24 0,1 0 16,-1 0-16,1 0 0,0 0 15,-1 24 1,1-24-16,24 25 0,0-1 15,0 1-15,0-1 0,0 25 16,0-25-16,24 1 16,1-1-16,-25 25 0,24-49 15,0 24-15,1 1 16,-1-1-16,1-24 0,-1 25 16,25-25-16,-25 0 0,25 0 15,-24 0-15,-1-25 16,0 25-16,1 0 0,-1-24 15,1 24 1,-25-25-16</inkml:trace>
+</inkml:ink>
+</file>
+
+<file path=ppt/ink/ink9.xml><?xml version="1.0" encoding="utf-8"?>
+<inkml:ink xmlns:inkml="http://www.w3.org/2003/InkML">
+  <inkml:definitions>
+    <inkml:context xml:id="ctx0">
+      <inkml:inkSource xml:id="inkSrc0">
+        <inkml:traceFormat>
+          <inkml:channel name="X" type="integer" max="1920" units="cm"/>
+          <inkml:channel name="Y" type="integer" max="1080" units="cm"/>
+          <inkml:channel name="T" type="integer" max="2.14748E9" units="dev"/>
+        </inkml:traceFormat>
+        <inkml:channelProperties>
+          <inkml:channelProperty channel="X" name="resolution" value="55.81395" units="1/cm"/>
+          <inkml:channelProperty channel="Y" name="resolution" value="55.6701" units="1/cm"/>
+          <inkml:channelProperty channel="T" name="resolution" value="1" units="1/dev"/>
+        </inkml:channelProperties>
+      </inkml:inkSource>
+      <inkml:timestamp xml:id="ts0" timeString="2020-12-17T06:25:40.050"/>
+    </inkml:context>
+    <inkml:brush xml:id="br0">
+      <inkml:brushProperty name="width" value="0.05" units="cm"/>
+      <inkml:brushProperty name="height" value="0.05" units="cm"/>
+      <inkml:brushProperty name="fitToCurve" value="1"/>
+    </inkml:brush>
+  </inkml:definitions>
+  <inkml:trace contextRef="#ctx0" brushRef="#br0">593 339 0,'-21'0'15,"0"0"1,-1 0 0,22-21 15,0 0-15,0 0-1,0-1 1,-21 1-1,0 21 1,0-21-16,0 21 16,-1 21-16,-20-21 15,21 21-15,0-21 0,0 22 16,0-1-16,-1-21 0,22 21 16,-21 0-16,21 0 15,0 1-15,0-1 0,0 0 16,21 0-1,1 0-15,-1-21 0,21 21 16,-21-21-16,0 21 0,22-21 16,-22 0-16,0 22 15,0-22-15,0 21 0,1-21 16,-22 21-16,21-21 16,-21 21-16,-21 0 15,-1 1-15,1-22 16,0 21-16,0-21 15,0 0-15,-1 0 0,1 0 16,0 0-16,0-21 16,0 21-16,21-22 15,-21 1-15,21 0 16,-21 0 15</inkml:trace>
+  <inkml:trace contextRef="#ctx0" brushRef="#br0" timeOffset="618">826 254 0,'-22'-21'0,"22"0"0,0 0 16,-21 0-16,42 42 31,-21 0-31,0 21 16,0-20-16,0 20 0,0 0 15,0 1-15,0-1 16,0 0-16,0 1 0,0 20 15,0-42-15,0 22 16,0-1-16,0 0 0,0-21 16,0 1-16,0 20 0,0-21 15,0 0 1,0 1-16,0-44 31,0 1-15,0 0-16,-21-21 0,21 20 15,0-20-15,0 21 16,0-21-16,0-1 0,0 1 16,0 21-16,0 0 15,0-1-15,21 1 0,1 0 16,-1 21 0,0 0-16,0 0 0,22 0 15,-22 21-15,0-21 0,0 21 16,0-21-16,0 22 15,-21-1-15,-21 0 16,0-21 0,0 21-16,-21-21 15,20 21-15,1-21 0,0 0 16,0 22-16,0-22 0</inkml:trace>
+  <inkml:trace contextRef="#ctx0" brushRef="#br0" timeOffset="10073">1143 593 0,'21'0'0,"0"0"15,1 0 32,-1 0-15,0 0-17,0 0-15,0 0 16,1 0-1,-22-21-15,21 21 16,0 0 0,-21-21-1,0 0 17,0 0-32,-21 21 15,21-22-15,-21 1 16,-1 21-16,1 0 15,0 0-15,0 0 16,0 0 0,-1 0-16,22 21 15,-21 1-15,21-1 16,0 0 0,0 0-16,0 0 0,0 0 15,21 0-15,-21 1 16,22-1-1,-1-21-15,0 21 16,0-21 0,0 0-16,1-21 0,-1 21 15</inkml:trace>
+  <inkml:trace contextRef="#ctx0" brushRef="#br0" timeOffset="10541">1672 487 0,'0'-21'31,"-21"0"0,0 21-15,0 21-1,0-21-15,21 21 16,-21-21-16,-1 22 0,1-1 16,0 0-1,21 0-15,0 0 0,-21 0 16,21 0-16,21 1 16,0-1-1,0-21-15,1 0 16,-1 0-16,0 0 15,21 0-15,-21-21 0,0 21 16</inkml:trace>
+  <inkml:trace contextRef="#ctx0" brushRef="#br0" timeOffset="10779">1884 509 0,'0'-22'15,"0"44"32,0-1-31,0 0 0,-21 0-16,21 0 0,0 0 15,0 0-15,-21-21 0,21 22 16,0-1-1</inkml:trace>
+  <inkml:trace contextRef="#ctx0" brushRef="#br0" timeOffset="10962">1884 318 0,'0'-21'15,"-21"21"-15,0 0 32,21 21-32</inkml:trace>
+  <inkml:trace contextRef="#ctx0" brushRef="#br0" timeOffset="12527">2223 106 0,'0'-21'16,"0"0"-16,-22 21 0,22-21 15,0 0-15,-21-1 16,0 22 0,21 22-1,-21-1-15,21 0 16,0 21-16,-21 1 0,21-1 15,0 0-15,0 1 0,0-1 16,0 22-16,0-22 16,0 21-16,0-20 0,21-1 15,-21 0-15,0 1 16,0-1-16,0-21 0,0 21 16,0-20-16,0-1 0,0 0 15,0 0-15,0 0 16</inkml:trace>
+  <inkml:trace contextRef="#ctx0" brushRef="#br0" timeOffset="12952">2096 508 0,'0'-21'16,"21"21"-16,0 0 31,0-21-31,0 21 16,1 0-16,-1 0 15,0 0-15,0 0 0,0 0 16,0-21-16,22 21 0,-22 0 16,0 0-1,0 0-15,0 0 16,-21-21-16,0 0 31,-21 21-31,21-21 16,0 42 31,0 0-47,0 0 15,0 0-15,0 0 16,0 0-16,0 1 15,0-1-15,0 0 0,0 0 16,0 0 0</inkml:trace>
+  <inkml:trace contextRef="#ctx0" brushRef="#br0" timeOffset="13138">2456 212 0,'-22'0'16,"22"21"0,0 0-16,0 1 15,22-22 1,-22 21-16</inkml:trace>
+  <inkml:trace contextRef="#ctx0" brushRef="#br0" timeOffset="13535">2667 297 0,'0'-21'0,"0"-1"0,0 1 16,0 0-16,0 0 0,21 0 15,-21 42 17,0 0-17,0 21-15,0-20 0,0 20 16,0 0-16,0 1 0,0-1 16,0-21-16,0 21 15,-21-20-15,21 20 0,0-21 16,0 0-16,0 1 15,0-1-15</inkml:trace>
+  <inkml:trace contextRef="#ctx0" brushRef="#br0" timeOffset="14255">2604 487 0,'-21'-21'16,"21"0"-1,21 21 1,0 0 0,0 0-16,0 0 15,0 0-15,0 0 0,22-21 16,-22 21-16,0 0 16,22 0-16,-22 0 0,0-21 15,0 21-15,-21-21 16,0-1 15,-21 22-15,21 22-1,-21-1 1,21 0 0,0 0-16,21-21 15,-21 21-15,21-21 16,0 0-16,0 0 15,0 0-15,1 0 16,-22-21-16,21 21 16,0-21-16,-21 0 15,21 21-15,-21-21 16,0-1-16,0 44 31,0-1-31,0 0 16,0 0-16,0 21 0,0 1 15,0-1-15,-21 0 16,21 1-16,0-1 0,0 0 16,0 1-16,0-1 15,-21-21-15,21 0 0,-21 1 16,21-1-16,-22 0 0,1-21 16,0 0-16,0 0 15,0 0-15,0-21 0,0 0 16,-1-1-16,22 1 0,0-21 15,0 21-15,0-22 16,0 1-16,0 21 0,22-21 16,-22 20-16,21 1 15,0 21-15,0-21 0,0 21 16,0-21-16,0 21 0,1 0 16,-1 0-16,0 0 15,0 0-15,0 0 0</inkml:trace>
+  <inkml:trace contextRef="#ctx0" brushRef="#br0" timeOffset="14512">3366 339 0,'-21'-21'16,"42"21"-1,0 0 1,0 0-16,21 0 16,-21 0-16,1 0 0,-1 21 15,0-21-15,0 0 0,-21 21 16</inkml:trace>
+  <inkml:trace contextRef="#ctx0" brushRef="#br0" timeOffset="14674">3429 466 0,'-21'0'0,"0"0"16,21 21-16,-21-21 16,42 0 15,0 0-16,0 0-15,22 0 0,-22 0 16,0 0-16</inkml:trace>
+  <inkml:trace contextRef="#ctx0" brushRef="#br0" timeOffset="32961">85 1101 0,'-21'0'16,"21"-21"0,-22 21-16,22-21 15,0 42 17,0 0-17,-21 0 1,21 0-16,0 22 0,-21-22 15,21 21-15,0 1 0,0-1 16,0-21-16,21 21 16,-21-20-16,21 20 0,1-21 15,-1 0-15,21-21 16</inkml:trace>
+  <inkml:trace contextRef="#ctx0" brushRef="#br0" timeOffset="33867">487 1144 0,'21'0'0,"-21"-22"15,0 1 1,0 0-1,-21 21-15,21-21 0,-21 21 16,21-21-16,-21 21 16,21-22-16,-21 22 0,-1 0 15,1 0 1,21 22-16,-21-1 0,21 0 16,-21 0-16,21 22 0,0-1 15,0 0-15,21 22 16,0-22-16,0 0 0,-21 22 15,22-22-15,-1 0 16,0 1-16,-21-22 0,0 21 16,0-20-16,0-1 15,0 0-15,-21-21 0,21 21 16,-21-21-16,-1 0 0,1 0 16,0 0-16</inkml:trace>
+  <inkml:trace contextRef="#ctx0" brushRef="#br0" timeOffset="35000">297 1376 0,'0'-21'0,"21"21"16,0-21 0,0 21-16,0 0 15,21 0-15,-20 0 16,20 0-16,-21 0 15,22 0-15,-1 0 0,0 0 16,-21 0-16,22 0 0,-22 0 16,21 0-16,-21 0 15,1 0-15,-1 0 16,-21-21 31,-21 0-32,-1 21 1,1-22 0,0 22-1,0 0-15,0 22 16,-1-1 0,1-21-16,21 21 0,0 0 15,-21 0-15,21 1 16,0-1-16,0 0 0,0 0 15,0 0-15,21-21 0,-21 21 16,21 0 0,1-21-16,-1 0 15,0 0-15,0-21 16,0 0-16,1 0 16,-22 0-16,21 0 15,-21 0 1,0-1-16,0 1 0,0 0 15,0 42 17,0 0-17,21 1-15,-21-1 16,21-21-16,-21 21 0,21 0 16,-21 0-16,21 0 0,0 0 15,1-21 1,-1 0-16,-21-21 15,21 21-15,0-21 16,0 0-16,1 0 0,-22 0 16,21-22-16,0 22 0,-21-21 15,0 21-15,0-22 16,0 22-16,0-21 0,0 21 16,-21 0-16,0-1 15,21 1-15,0 0 0,-22 21 16,22 21-1,-21-21-15,21 21 16,0 1-16,0-1 0,0 21 16,0-21-16,0 21 15,0 1-15,0-22 0,21 21 16,-21-20-16,22-1 0,-22 21 16,21-21-1,-21 0-15,21-21 0,0 0 16,0-21-1,-21 0-15,21 0 16,-21 0-16,21 0 0,-21-1 16,22-20-16,-22 21 15,0 0-15,21-22 0,-21 22 16,0 0-16,0 0 0,0 0 16,-21 0-16,21-1 15,-22 22 16,22 22-31,0-1 16,0 0-16,0 0 16,0 0-16,0 21 15,0-20-15,0 20 0,0-21 16,0 0-16,0 1 16,22 20-16,-22-21 0,21 0 15</inkml:trace>
+  <inkml:trace contextRef="#ctx0" brushRef="#br0" timeOffset="36170">1482 1292 0,'0'-22'15,"-21"22"1,21 22 0,0-1-16,0 0 15,0 0-15,-22 0 16,22 1-16,0-1 16,0 0-16,0 0 0,22-21 15,-22 21-15,21-21 16,0 0-16,0 0 0,0 0 15,22 0 1,-43-21-16,21 21 0,0-21 16,0 21-16,-21-21 15,21 0-15,-21-1 16,0 1-16,-21 0 0,0 0 16,0 0-1,0 21-15,0-22 16,-1 22-16,1 0 0,0 0 15,21 22-15,-21-22 16,21 21-16,21 0 16,0-21-1,0 21-15,1-21 16,-1 0-16,0 0 0,0 0 16,0 0-16,21 0 15,-20 0-15,-1 0 0,0 0 16,-21-21-16,21 21 15,0 0-15,-21-21 16,0 42 47,-21 0-63,21 0 15,0 1-15,0-1 0,-21 0 16,21 0-16,0 0 15,0 0-15,0 0 16,21 1 0,0-22-16,1 0 15,-1 0-15,0-22 16,0 22-16,-21-21 16,21 21-16,0-21 0,-21 0 15,21 0-15,-21 0 16,0 0-16,0-1 15,0 1-15,0 0 16,0 42 15,0 0-15,22 1-16,-22-1 16,0 0-16,0 0 0,0 0 15,21-21-15,-21 21 16,21 0-16,0-21 15,0 0 1,1-21 0,-1 21-16,-21-21 0,21 0 15,0 0-15,-21 0 16,21 0-16,-21-1 0,0-20 16,21 21-16,-21-22 0,0 1 15,0 21-15,0 0 16,-21 0-16,21 0 0,-21-1 15,0 44 1,21-1 0,0 0-16,0 0 0,0 21 15,0-21-15,0 22 16,0-1-16,0 1 0,21-22 16,-21 0-16,21 21 15,-21-21-15,21 0 0,-21 1 16,21-22-16,-21-22 31</inkml:trace>
+  <inkml:trace contextRef="#ctx0" brushRef="#br0" timeOffset="36597">2180 1334 0,'-21'-21'0,"21"0"15,-21 21 1,42 0-1,0 0 1,0 0-16,1 0 16,-1 21-16,0-21 15,0 0-15,22 0 0,-22 0 16,21-21-16,-21 21 0,21 0 16,-20-21-16,-1 21 15,-21-22-15,21 22 0,-21-21 16,0 0-16,0 0 15,-21 0-15,0-1 16,21 1 0,-22 0-16,22 0 15,0 0-15,0 0 16,0 42 15,22 0-31,-22 0 16,21 21-16,0 1 15,-21-1-15,21 1 0,-21 20 16,21-21-16,-21 22 16,0-22-16,0 1 0,-21-1 15,0 0-15,-21-21 16,20 0-16,-20 1 0</inkml:trace>
+</inkml:ink>
+</file>
+
+<file path=ppt/ink/ink90.xml><?xml version="1.0" encoding="utf-8"?>
+<inkml:ink xmlns:inkml="http://www.w3.org/2003/InkML">
+  <inkml:definitions>
+    <inkml:context xml:id="ctx0">
+      <inkml:inkSource xml:id="inkSrc0">
+        <inkml:traceFormat>
+          <inkml:channel name="X" type="integer" max="1920" units="cm"/>
+          <inkml:channel name="Y" type="integer" max="1080" units="cm"/>
+          <inkml:channel name="T" type="integer" max="2.14748E9" units="dev"/>
+        </inkml:traceFormat>
+        <inkml:channelProperties>
+          <inkml:channelProperty channel="X" name="resolution" value="55.81395" units="1/cm"/>
+          <inkml:channelProperty channel="Y" name="resolution" value="55.6701" units="1/cm"/>
+          <inkml:channelProperty channel="T" name="resolution" value="1" units="1/dev"/>
+        </inkml:channelProperties>
+      </inkml:inkSource>
+      <inkml:timestamp xml:id="ts0" timeString="2020-10-18T02:51:29.820"/>
+    </inkml:context>
+    <inkml:brush xml:id="br0">
+      <inkml:brushProperty name="width" value="0.05" units="cm"/>
+      <inkml:brushProperty name="height" value="0.05" units="cm"/>
+      <inkml:brushProperty name="fitToCurve" value="1"/>
+    </inkml:brush>
+  </inkml:definitions>
+  <inkml:trace contextRef="#ctx0" brushRef="#br0">0 245 0,'24'-25'0,"0"1"32,-24-1-32,25 1 15,-25-1 1,0 1-1,0 0 1,0 48 15,0 0-15,-25 1 0,25 24-16,0-25 15,0 1-15,0 23 0,25 1 16,-25-24-16,24 24 15,-24-1-15,25-23 0,-25 24 16,24-25-16,-24 0 16,24 1-16,-24-1 0,25-24 15,-1 0-15,1 0 16,-1-24 0,-24-1-16,25 1 0,-25-25 15,24 25-15,0-1 16,-24-23-16,25 23 0,-25 1 15,0-1-15,24 1 16,-24 48 0,25 1-1,-25-1-15,0 1 16,24-1-16,1 0 0,-25 1 16,24-1-16,0 1 0,1-1 15,-25 0-15,24-24 16,1 25-16,-1-25 0,0 0 15,1 0-15,-1-25 16,1 1-16,-25-25 16,24 25-1,-24-1-15,0-23 0,-24-1 16,24 0-16,-25 24 0,25-23 16,-24 23-16,-1-24 15,25 25-15,-24-1 16,24 50-1,0-1 1,0 1-16,24-1 16,1-24-16</inkml:trace>
+  <inkml:trace contextRef="#ctx0" brushRef="#br0" timeOffset="815">1074 171 0,'0'-24'15,"-24"24"-15,-1 0 32,25 24-32,0 1 15,0-1-15,0 25 0,0-25 16,0 25-16,25 0 15,-25 0-15,0-25 0,24 25 16,-24-24-16,0 23 16,0-23-16,0-1 15,0 1-15,25-25 0,-25-25 16,0 1 0,0-1-16,0-23 15,0 23-15,0-24 16,0 0-16,0 1 0,0-26 15,0 26-15,0-1 0,24 0 16,-24 0-16,0 0 16,0 25-16,24 24 0,1 0 15,-1 24 1,1 25-16,-25-25 16,24 1-16,-24 24 0,24-25 15,-24 25-15,25-25 16,-25 1-16,0 24 0,24-25 15,-24 0-15,0 1 16,0-1-16,0 1 16,25-25-16,-25-25 31,0 1-15,0-1-16,0 1 15,0-25-15,0 25 0,24-25 16,-24 25-16,0-1 0,0-24 15,25 49-15,-25-24 16,24 24-16,0 24 0,1 25 16,-1-24-1,1-1-15,-25 25 0,24 0 16,1-25-16,-25 25 0,24-25 16,-24 1-16,24-1 15,-24 1-15</inkml:trace>
+  <inkml:trace contextRef="#ctx0" brushRef="#br0" timeOffset="1223">1685 25 0,'-25'0'0,"25"-25"16,-24 25-16,24 25 31,24-1-15,-24 1-16,25-1 0,-25 0 15,24 25-15,-24 0 0,25 0 16,-1 0-16,-24 0 16,0 0-16,0-1 0,0 1 15,0 0-15,0-25 0,0 25 16,0-24-1,0-1-15,24-24 16,1-24 0,-1-1-16,1 25 0,-1-24 15,25 24-15,-25-25 0,1 25 16,-1-24-16,25 24 16,-25 0-16,1 0 0,-1 0 15,1 0 1</inkml:trace>
+</inkml:ink>
+</file>
+
+<file path=ppt/ink/ink91.xml><?xml version="1.0" encoding="utf-8"?>
+<inkml:ink xmlns:inkml="http://www.w3.org/2003/InkML">
+  <inkml:definitions>
+    <inkml:context xml:id="ctx0">
+      <inkml:inkSource xml:id="inkSrc0">
+        <inkml:traceFormat>
+          <inkml:channel name="X" type="integer" max="1920" units="cm"/>
+          <inkml:channel name="Y" type="integer" max="1080" units="cm"/>
+          <inkml:channel name="T" type="integer" max="2.14748E9" units="dev"/>
+        </inkml:traceFormat>
+        <inkml:channelProperties>
+          <inkml:channelProperty channel="X" name="resolution" value="55.81395" units="1/cm"/>
+          <inkml:channelProperty channel="Y" name="resolution" value="55.6701" units="1/cm"/>
+          <inkml:channelProperty channel="T" name="resolution" value="1" units="1/dev"/>
+        </inkml:channelProperties>
+      </inkml:inkSource>
+      <inkml:timestamp xml:id="ts0" timeString="2020-10-18T02:53:16.299"/>
+    </inkml:context>
+    <inkml:brush xml:id="br0">
+      <inkml:brushProperty name="width" value="0.05" units="cm"/>
+      <inkml:brushProperty name="height" value="0.05" units="cm"/>
+      <inkml:brushProperty name="fitToCurve" value="1"/>
+    </inkml:brush>
+  </inkml:definitions>
+  <inkml:trace contextRef="#ctx0" brushRef="#br0">49 74 0,'0'-24'32,"0"-1"15,-25 25-47,25 25 31,0-1-16,0 1-15,-24-1 16,24 0-16,0 1 16,0 24-16,0-25 0,0 25 15,0-25-15,0 25 0,0-24 16,0-1-16,0 1 16,0 23-16,24-23 0,-24-1 15,0 1 1,25-1-16,-25 0 15,0 1-15</inkml:trace>
+  <inkml:trace contextRef="#ctx0" brushRef="#br0" timeOffset="602">464 172 0,'0'-25'0,"0"1"15,0 0 1,0-1-16,0 1 16,0-1-1,0 1 1,24 24 0,1 0-1,-1 0-15,1 0 16,-1 24-16,0 1 15,1-1-15,-25 25 16,0 0-16,0 0 0,0 0 16,0-25-16,0 25 15,-25 0-15,1-1 0,0-23 16,-25 24-16,24-25 16,1 1-16,-1-1 0,1-24 15,24 24-15,24-24 31,1 0-31,-1-24 16,1 24-16,-1 0 16,25-24-16,-25 24 0,25 0 15,-24 0-15,-1 24 16,1-24-16,-1 24 0,0-24 16,1 25-16,-25-1 0,24-24 15,-24 25-15</inkml:trace>
+  <inkml:trace contextRef="#ctx0" brushRef="#br0" timeOffset="852">1001 440 0,'25'0'62,"-1"-24"-46,0 24 0</inkml:trace>
+  <inkml:trace contextRef="#ctx0" brushRef="#br0" timeOffset="1390">1270 99 0,'0'-25'0,"24"25"31,-24 25 16,0-1-47,0 0 16,25 1-16,-25-1 15,24 1-15,-24 24 0,25-25 16,-25 0-16,24 1 0,0-1 16,-24 1-16,25-1 15,-1-24-15,1 0 16,-1 0-16,0 0 0,-24-24 16,25 24-16,-1-25 15,-24 1-15,25-1 0,-25 1 16,0 0-16,0-1 15,0 1-15,-25-25 0,25 24 16,0 1 0,-24 24-16,24 24 15,0 1 1,24-1-16,-24 25 16,0-24-16,0 23 0,25 1 15,-25 0-15,0-24 16,0 23-16,0 1 0,24-24 15,-24 23-15,25-23 0,-25-1 16,0 1-16,24-25 16</inkml:trace>
+  <inkml:trace contextRef="#ctx0" brushRef="#br0" timeOffset="1801">1954 172 0,'24'0'47,"0"24"-47,-24 1 15,25-1-15,-25 1 16,24-1-16,-24 0 16,0 1-16,-24-25 0,-1 24 15,1-24 1,0 0-16,-1 0 0,1 0 16,-1-24-16,25-1 15,0 1-15,0 0 16,0-1-16,0 1 0,0-1 15,25 1-15,-1-1 16,-24 1-16,25 24 0,-1 0 16,0 0-1,-24 24-15,25-24 0,-25 25 16,0-1-16</inkml:trace>
+  <inkml:trace contextRef="#ctx0" brushRef="#br0" timeOffset="2148">2271 123 0,'0'-24'15,"0"48"17,0 0-32,0 1 15,0 24-15,0-25 16,0 25-16,0-25 16,-24 25-16,24 0 0,0-24 15,-25 23-15,25-23 16,0 24-16,0-25 0,0 0 15,0 1-15,0-1 0,-24 1 16,24-1-16,0 1 16</inkml:trace>
+  <inkml:trace contextRef="#ctx0" brushRef="#br0" timeOffset="2617">2711 367 0,'-25'0'15,"50"0"32,-1 0-31,1 25-16,-25-1 15,24 0 1,-24 1-16,0-1 16,0 1-1,-24-1-15,-1 1 16,1-25-16,-1 0 15,1 0-15,0 0 16,-1-25-16,1 1 16,24-1-1,0 1-15,24-1 16,-24 1-16,25 0 0,-1-1 16,0 25-1,1 0-15,-1 0 16,-24 25-16,25-1 15</inkml:trace>
+  <inkml:trace contextRef="#ctx0" brushRef="#br0" timeOffset="3103">3272 245 0,'-24'0'15,"48"0"17,1 0-17,-1 0 1,1 0-16,-1 0 0</inkml:trace>
+  <inkml:trace contextRef="#ctx0" brushRef="#br0" timeOffset="3295">3297 392 0,'0'24'16,"24"-24"15,1 0-31,-1 0 16,1 0-1,-1 0-15,0 0 0,1 0 16</inkml:trace>
+</inkml:ink>
+</file>
+
+<file path=ppt/ink/ink92.xml><?xml version="1.0" encoding="utf-8"?>
+<inkml:ink xmlns:inkml="http://www.w3.org/2003/InkML">
+  <inkml:definitions>
+    <inkml:context xml:id="ctx0">
+      <inkml:inkSource xml:id="inkSrc0">
+        <inkml:traceFormat>
+          <inkml:channel name="X" type="integer" max="1920" units="cm"/>
+          <inkml:channel name="Y" type="integer" max="1080" units="cm"/>
+          <inkml:channel name="T" type="integer" max="2.14748E9" units="dev"/>
+        </inkml:traceFormat>
+        <inkml:channelProperties>
+          <inkml:channelProperty channel="X" name="resolution" value="55.81395" units="1/cm"/>
+          <inkml:channelProperty channel="Y" name="resolution" value="55.6701" units="1/cm"/>
+          <inkml:channelProperty channel="T" name="resolution" value="1" units="1/dev"/>
+        </inkml:channelProperties>
+      </inkml:inkSource>
       <inkml:timestamp xml:id="ts0" timeString="2020-10-18T02:53:27.914"/>
     </inkml:context>
     <inkml:brush xml:id="br0">
@@ -574,7 +3528,7 @@
 </inkml:ink>
 </file>
 
-<file path=ppt/ink/ink21.xml><?xml version="1.0" encoding="utf-8"?>
+<file path=ppt/ink/ink93.xml><?xml version="1.0" encoding="utf-8"?>
 <inkml:ink xmlns:inkml="http://www.w3.org/2003/InkML">
   <inkml:definitions>
     <inkml:context xml:id="ctx0">
@@ -604,7 +3558,7 @@
 </inkml:ink>
 </file>
 
-<file path=ppt/ink/ink22.xml><?xml version="1.0" encoding="utf-8"?>
+<file path=ppt/ink/ink94.xml><?xml version="1.0" encoding="utf-8"?>
 <inkml:ink xmlns:inkml="http://www.w3.org/2003/InkML">
   <inkml:definitions>
     <inkml:context xml:id="ctx0">
@@ -633,7 +3587,7 @@
 </inkml:ink>
 </file>
 
-<file path=ppt/ink/ink23.xml><?xml version="1.0" encoding="utf-8"?>
+<file path=ppt/ink/ink95.xml><?xml version="1.0" encoding="utf-8"?>
 <inkml:ink xmlns:inkml="http://www.w3.org/2003/InkML">
   <inkml:definitions>
     <inkml:context xml:id="ctx0">
@@ -665,7 +3619,7 @@
 </inkml:ink>
 </file>
 
-<file path=ppt/ink/ink24.xml><?xml version="1.0" encoding="utf-8"?>
+<file path=ppt/ink/ink96.xml><?xml version="1.0" encoding="utf-8"?>
 <inkml:ink xmlns:inkml="http://www.w3.org/2003/InkML">
   <inkml:definitions>
     <inkml:context xml:id="ctx0">
@@ -694,7 +3648,7 @@
 </inkml:ink>
 </file>
 
-<file path=ppt/ink/ink25.xml><?xml version="1.0" encoding="utf-8"?>
+<file path=ppt/ink/ink97.xml><?xml version="1.0" encoding="utf-8"?>
 <inkml:ink xmlns:inkml="http://www.w3.org/2003/InkML">
   <inkml:definitions>
     <inkml:context xml:id="ctx0">
@@ -852,7 +3806,7 @@
 </inkml:ink>
 </file>
 
-<file path=ppt/ink/ink26.xml><?xml version="1.0" encoding="utf-8"?>
+<file path=ppt/ink/ink98.xml><?xml version="1.0" encoding="utf-8"?>
 <inkml:ink xmlns:inkml="http://www.w3.org/2003/InkML">
   <inkml:definitions>
     <inkml:context xml:id="ctx0">
@@ -880,7 +3834,7 @@
 </inkml:ink>
 </file>
 
-<file path=ppt/ink/ink27.xml><?xml version="1.0" encoding="utf-8"?>
+<file path=ppt/ink/ink99.xml><?xml version="1.0" encoding="utf-8"?>
 <inkml:ink xmlns:inkml="http://www.w3.org/2003/InkML">
   <inkml:definitions>
     <inkml:context xml:id="ctx0">
@@ -908,630 +3862,6 @@
 </inkml:ink>
 </file>
 
-<file path=ppt/ink/ink28.xml><?xml version="1.0" encoding="utf-8"?>
-<inkml:ink xmlns:inkml="http://www.w3.org/2003/InkML">
-  <inkml:definitions>
-    <inkml:context xml:id="ctx0">
-      <inkml:inkSource xml:id="inkSrc0">
-        <inkml:traceFormat>
-          <inkml:channel name="X" type="integer" max="1920" units="cm"/>
-          <inkml:channel name="Y" type="integer" max="1080" units="cm"/>
-          <inkml:channel name="T" type="integer" max="2.14748E9" units="dev"/>
-        </inkml:traceFormat>
-        <inkml:channelProperties>
-          <inkml:channelProperty channel="X" name="resolution" value="55.81395" units="1/cm"/>
-          <inkml:channelProperty channel="Y" name="resolution" value="55.6701" units="1/cm"/>
-          <inkml:channelProperty channel="T" name="resolution" value="1" units="1/dev"/>
-        </inkml:channelProperties>
-      </inkml:inkSource>
-      <inkml:timestamp xml:id="ts0" timeString="2020-10-18T02:54:50.472"/>
-    </inkml:context>
-    <inkml:brush xml:id="br0">
-      <inkml:brushProperty name="width" value="0.05" units="cm"/>
-      <inkml:brushProperty name="height" value="0.05" units="cm"/>
-      <inkml:brushProperty name="fitToCurve" value="1"/>
-    </inkml:brush>
-  </inkml:definitions>
-  <inkml:trace contextRef="#ctx0" brushRef="#br0">76 249 0,'-24'0'16,"24"-24"-16,-25 24 15,25-24-15,-24 24 16,24-25 0,0 50 15,0-1-16,0 0-15,0 1 16,0-1-16,0 25 0,0-24 16,0 23-16,0-23 15,0-1-15,0 1 0,24 24 16,-24-25-16,25 0 16,-1 1-1,0-25 1,-24-25-16,25 25 15,-1-24-15,-24 0 0,25-1 16,-1 1-16,0-1 0,1-24 16,-25 25-16,24 0 15,1-1-15,-1 1 0,-24-1 16,25 25-16,-1 0 16,-24 25-1,24-1-15,-24 1 16,0-1-16,0 0 0,0 1 15,25-1-15,-25 1 0,24-25 16,-24 24-16,25 1 16,-1-25-16,1 0 15,-25-25-15,24 25 16,0-24-16,-24-1 16,25 25-16,-25-24 0,0-1 15,0-23-15,0 23 16,0 1-16,0-1 0,0 1 15,0-1-15,0 1 0,0 0 16,-25 24 15,25 24-31</inkml:trace>
-  <inkml:trace contextRef="#ctx0" brushRef="#br0" timeOffset="390">882 201 0,'0'-25'32,"0"50"-17,0-1 1,0 0-16,0 1 0,0-1 15,0 1-15,-25-1 16,25 1-16,-24-1 0,24 0 16,-24 1-16,24-1 0,-25 1 15,25-1 1,25-24 15,-1 0-31,0 0 16,1 0-16,-1 0 0,25 0 15,-24-24-15,23 24 16,-23 0-16,-1 0 0,25 0 16,-24 0-16,-1 0 15,0 0-15,1 0 0,-1 0 16</inkml:trace>
-  <inkml:trace contextRef="#ctx0" brushRef="#br0" timeOffset="805">1737 249 0,'-25'0'0,"1"0"0,-1 25 15,1-25-15,0 0 0,48 0 47,0 0-47,1 0 16,24 0 0,-25 0-16,1 0 0,-1 0 15,0 0-15,1 0 16,-1 24-16,1-24 0</inkml:trace>
-  <inkml:trace contextRef="#ctx0" brushRef="#br0" timeOffset="990">1712 420 0,'0'25'16,"-24"-25"-16,24 24 15,24-24 1,1 0-1,-1 0 1,1 0-16,-1 0 0,0 0 16,25-24-16,-24 24 0,-1 0 15</inkml:trace>
-  <inkml:trace contextRef="#ctx0" brushRef="#br0" timeOffset="1548">2372 127 0,'-25'0'0,"1"-24"16,-1-1-1,25 1 17,25 0-17,-1 24 1,1 0-1,-1 0-15,1 0 0,-1-25 16,25 25-16,-25 0 16,25 0-16,-25 0 0,1 0 15,-1 0-15,1 0 0,-1 0 16,1 25 0,-25-1-1,-25-24-15,25 24 16,-24 1-16,24-1 15,0 1-15,0-1 0,0 25 16,0-25-16,0 25 16,0-24-16,0-1 0,0 25 15,0-25-15,0 1 0,0-1 16,0 1-16,0-1 16,0 1-16,0-1 15</inkml:trace>
-  <inkml:trace contextRef="#ctx0" brushRef="#br0" timeOffset="1735">2543 420 0,'-25'-24'0,"1"24"16,-1 0-16,25-24 0,-24 24 16,24-25-16,24 25 15,1 0 1,-1-24-16,1 24 15,23 0-15,-23 0 16,-1 0-16,25-25 0,-24 25 16,-1 0-16,0 0 0,1-24 15</inkml:trace>
-  <inkml:trace contextRef="#ctx0" brushRef="#br0" timeOffset="2245">3178 78 0,'24'-24'16,"-24"0"-16,-24 24 31,-1 0-15,1 0-1,24 24-15,-25 0 0,1-24 16,0 25-16,-1-1 0,25 1 16,-24 24-16,-1-25 15,25 0-15,0 25 0,0-24 16,0-1-16,0 1 16,0 23-16,0-23 0,25-1 15,-1 1-15,-24-1 16,25-24-16,-1 25 15,0-25-15,1 0 0,-1 0 16,1-25-16,-1 25 0,1-24 16,-1 24-16,-24-25 15,24 1-15,-24-1 0,0 1 16,-24 0 0,0 24-16,-1 0 15,1 0 1,-1 0-16,1 24 0,-1 0 15,1-24-15,24 25 16,0-1 0,0 1-16,24-25 15,1 0 1</inkml:trace>
-  <inkml:trace contextRef="#ctx0" brushRef="#br0" timeOffset="3084">3837 176 0,'-24'-24'0,"-1"-1"16,1 25-16,48 0 46,1 0-30,-25 25 0,0-1 15,-25-24-15,1 0-1,-1 0 1,1 0-16,24-24 0,-24 24 15,-1 0-15,25-25 16,-24 25-16,24-24 0,0-1 16,24 25-1,1-24-15,-1 24 0,0-24 16,1 24-16,-1 0 0,1 0 16,-1 0-16,1 0 15,-1 0-15,-24 24 0,24 0 16,-24 25-16,0-24 15,0 24-15,0-25 0,0 25 16,0 0-16,-24-25 0,24 1 16,-24-1-16,-1 0 15,1 1-15,-1-1 0,1 1 16,-1-25-16,1 0 16,0 0-16,-1 24 0,1-24 15,-1 0-15,25-24 0,-24-1 16,24 1-1,24 24-15,-24-25 16,25 25-16,-1-24 16,1 24-16,-1 0 15,0 0-15,1 24 0,-1-24 16,1 25-16,-25-1 16,24-24-16,1 25 0,-1-1 15,0 1-15,1-25 0,-1 24 16,1-24-16,-1 24 15,0-24-15,1 0 0,-1 0 16,25 0 0,-24 0-16,-1 0 15,-24-24 17,-24 24-1,-1 0 0</inkml:trace>
-</inkml:ink>
-</file>
-
-<file path=ppt/ink/ink29.xml><?xml version="1.0" encoding="utf-8"?>
-<inkml:ink xmlns:inkml="http://www.w3.org/2003/InkML">
-  <inkml:definitions>
-    <inkml:context xml:id="ctx0">
-      <inkml:inkSource xml:id="inkSrc0">
-        <inkml:traceFormat>
-          <inkml:channel name="X" type="integer" max="1920" units="cm"/>
-          <inkml:channel name="Y" type="integer" max="1080" units="cm"/>
-          <inkml:channel name="T" type="integer" max="2.14748E9" units="dev"/>
-        </inkml:traceFormat>
-        <inkml:channelProperties>
-          <inkml:channelProperty channel="X" name="resolution" value="55.81395" units="1/cm"/>
-          <inkml:channelProperty channel="Y" name="resolution" value="55.6701" units="1/cm"/>
-          <inkml:channelProperty channel="T" name="resolution" value="1" units="1/dev"/>
-        </inkml:channelProperties>
-      </inkml:inkSource>
-      <inkml:timestamp xml:id="ts0" timeString="2020-10-18T02:54:54.527"/>
-    </inkml:context>
-    <inkml:brush xml:id="br0">
-      <inkml:brushProperty name="width" value="0.05" units="cm"/>
-      <inkml:brushProperty name="height" value="0.05" units="cm"/>
-      <inkml:brushProperty name="fitToCurve" value="1"/>
-    </inkml:brush>
-  </inkml:definitions>
-  <inkml:trace contextRef="#ctx0" brushRef="#br0">9 279 0,'0'-25'0,"0"1"32,0 0-17,0 48 16,25 0-31,-25 1 16,24-1-16,-24 1 16,25-1-16,-25 0 0,0 1 15,24-1-15,-24 25 0,25-24 16,-25-1-16,24 0 16,0 1-16,1-1 15,-1-24 1,1 0-1,-1-24-15,-24-1 16,24 25 0,-24-24-16,25 0 0,-25-1 15,24 1-15,-24-1 16,25 1-16,-25-1 0,24 25 16,1 0-1,-1 25 1,0-1-16,1 1 15,-1-1-15,1 1 0,-1-25 16,1 24-16,-1 0 16,0 1-16,1-25 0,-1 0 15,25 24-15,-24-24 16,-1 0-16,0 0 0,25 0 16,-24 0-16,-1 0 15,1-24-15,-25-1 16,0 1-16,0 0 15,-25-1-15,25 1 16,-24-1-16,-1 1 0,25-1 16,-24 1-16,-1 0 0,1 24 15,24-25-15,-24 25 16,-1 0 0,25 25-1,25-25-15,-25 24 16,24-24-16</inkml:trace>
-  <inkml:trace contextRef="#ctx0" brushRef="#br0" timeOffset="295">1231 255 0,'0'-24'16,"-25"24"-16,25-25 15,-24 25 1,24 25 15,0-1-31,0 1 0,0 24 16,-25-25-16,25 25 16,0-25-16,-24 25 0,-1 0 15,25-25-15,-24 1 0,24 24 16,-24-25-16,24 1 15,0-1-15,-25 0 16,25 1 0,25-25-16</inkml:trace>
-  <inkml:trace contextRef="#ctx0" brushRef="#br0" timeOffset="745">1524 402 0,'-25'0'16,"1"-25"-16,-1 25 15,1 0 1,0 0 15,24 25-31,0-1 0,0 1 16,0-1-16,-25 1 0,25-1 15,0 0-15,0 1 16,25-1-16,-25 1 0,24-1 16,-24 1-16,24-25 0,-24 24 15,25-24-15,-1 0 16,1-24 0,-1-1-16,-24 1 15,25-1-15,-25 1 16,0-1-16,0 1 0,0-25 15,0 25-15,0-1 16,-25 25-16,25-24 0,-24 24 16,-1 0-16,1 0 15,-1 0 1,25 24-16,0 1 31,25-25-31,-1 0 16</inkml:trace>
-  <inkml:trace contextRef="#ctx0" brushRef="#br0" timeOffset="1063">1939 329 0,'-25'0'15,"1"0"-15,0 0 16,24-25 0,24 25 15,0 0-16,1 25 1,-1-25 0,1 0-16,-25 24 15,24-24-15</inkml:trace>
-  <inkml:trace contextRef="#ctx0" brushRef="#br0" timeOffset="1273">1963 426 0,'-24'0'16,"-1"0"-16,25 25 0,-24-25 15,48 0 17,-24 24-32,25-24 0,-1 0 15,1 0 1,-1 0-16,1 0 0,-1 0 15,0 0 1,1 0-16</inkml:trace>
-  <inkml:trace contextRef="#ctx0" brushRef="#br0" timeOffset="7891">3038 109 0,'0'24'0,"-25"-24"109,1 0-77,0 0-1,-1 0-16,1 0-15,-1 0 16,1 0-16,0 0 0,-1 0 16,1 0-16,-1 0 15,1 0-15,-1 0 0,1 0 16,0 0 0,-1 0-1,1 0 48,-1 0-48,25 25-15,-24-25 16,24 24 0,0 1-1,0-1 1,0 0 15,0 1 0,0-1 1,24-24 61,1 0-77,-1 0 0,1 0-1,-1 0-15,0 0 16,1 0-16,-1 0 15,1 0-15,-1 0 16,1 0-16,-1 0 16,0 0-1,1 0-15,-1 0 16,1 25-16,-1-25 0,0 24 16,1-24-1,-25 24-15,24-24 0,-24 25 16,25-25-16,-25 24 15,0 1-15,0-1 16,0 1-16,0-1 16,0 0-16,-25 1 15,1-1-15,-1-24 16,25 25-16,-24-1 16,0-24-16,-1 25 0,-24-25 15,25 0-15,0 24 0,-25-24 16,24 0-16,-24 0 15,25 0-15,0 0 0,-1 0 16,25-24-16,-24 24 16,-1 0-16,25-25 15,-24 25 1,48 0 31</inkml:trace>
-  <inkml:trace contextRef="#ctx0" brushRef="#br0" timeOffset="8688">3624 475 0,'-24'-24'16,"24"-1"15,-25 25-15,1 0-1,-1 0 1,1 0-16,0 25 16,-1-25-16,1 24 15,-1-24-15,25 25 0,-24-25 16,24 24-16,0 0 0,0 1 15,24-1 1,-24 1-16,25-25 16,-1 24-16,1-24 15,23 25-15,-23-25 0,-1 0 16,1 0-16,-1 0 0,25 0 16,-25 0-16,1-25 15,-1 25-15,-24-24 16,0-1-1,-24 25-15,-1-24 0,1 24 16,-1-25-16,-23 1 0,-1 24 16,24-24-16,-23-1 15,23 1-15,1-1 0,-1 1 16,1-1-16,24 1 0,-25 0 16,25-1-16,0 1 15,0-1-15,25 1 16,-1-1-16,1 1 0,-1 24 15,1-24-15,-1 24 0,25 0 16,-25 0-16,25 0 16,-25 0-16,25 0 0,-24 0 15,24 0-15,-25 0 0,0 24 16,1 0 0,-25 1-16,0-1 0,0 1 15,-25-1-15,1 1 16,24-1-16,-49 0 0,25 1 15,-1-1-15,1 1 0,-1-25 16,1 24-16,0-24 16,24 25-16,-25-25 15</inkml:trace>
-  <inkml:trace contextRef="#ctx0" brushRef="#br0" timeOffset="9164">4112 255 0,'-24'25'15,"24"-1"63,0 1-62,0-1 0,-24 0-1,-1-24 1,1 0-1,-1 0-15,1 0 16,0 0 0,24-24-16,0 0 15,0-1 1,24 25-16,0-24 16,1 24-16,-1-25 15,1 25-15,-1 0 16,-24 25 15,0-1-15</inkml:trace>
-  <inkml:trace contextRef="#ctx0" brushRef="#br0" timeOffset="9703">4332 280 0,'0'24'78,"-24"-24"-62,24 25-16,-25-1 16,25 0-16,-24 1 0,24-1 15,-24-24-15,24 25 16,0-1-16,-25 1 0,25-1 16,-24 0 15,48-24 31,-24-24 79,25 24-141</inkml:trace>
-  <inkml:trace contextRef="#ctx0" brushRef="#br0" timeOffset="10460">4187 304 0,'0'-24'16,"24"24"-16,1 0 15,-25-25 1,24 25 0,0 0-16,1 0 15,-25-24-15,24 24 16,1 0-16,-1 0 0,1 0 15,-25-25-15,24 25 16,-24-24 0,-24 24-1,-1 0-15,1 0 0,-1 0 16,1 0-16,-25 0 16,25 0-16,-1 0 15,-24 24-15,25-24 0,0 25 16,24-1-16,-25-24 0,25 25 15,0-1-15,0 1 16,0-1-16,0 0 16,25 1-16,-1-1 15,25-24 1,-25 25-16,1-25 0,23 24 16,1-24-16,-24 25 15,-1-25-15,1 24 0,-1-24 16,-24 24-16,0 1 15,-24-25 1,-1 24-16,1-24 0,-1 0 16,1 25-16,-25-25 0,25 0 15,-25 0-15,24 0 16,1 0-16,0 0 0,24-25 16</inkml:trace>
-  <inkml:trace contextRef="#ctx0" brushRef="#br0" timeOffset="10855">4283 133 0,'0'-24'16,"0"-25"-16,0 25 15,0-1-15,0 1 16,0 48 15,0 1-31,0-1 16,-24 0-16,24 1 15,0 24-15,-24-1 0,24 1 16,0 0-16,-25 0 16,25 0-16,0 0 0,-24 0 15,24-1-15,-25 1 0,25 0 16,0 0-16,0 0 15,0-25-15,0 1 0,0 24 16,0-25 0,0 0-16,0 1 15,25-25-15,-1 0 32,-24-25-32,0 1 15</inkml:trace>
-</inkml:ink>
-</file>
-
-<file path=ppt/ink/ink3.xml><?xml version="1.0" encoding="utf-8"?>
-<inkml:ink xmlns:inkml="http://www.w3.org/2003/InkML">
-  <inkml:definitions>
-    <inkml:context xml:id="ctx0">
-      <inkml:inkSource xml:id="inkSrc0">
-        <inkml:traceFormat>
-          <inkml:channel name="X" type="integer" max="1920" units="cm"/>
-          <inkml:channel name="Y" type="integer" max="1080" units="cm"/>
-          <inkml:channel name="T" type="integer" max="2.14748E9" units="dev"/>
-        </inkml:traceFormat>
-        <inkml:channelProperties>
-          <inkml:channelProperty channel="X" name="resolution" value="55.81395" units="1/cm"/>
-          <inkml:channelProperty channel="Y" name="resolution" value="55.6701" units="1/cm"/>
-          <inkml:channelProperty channel="T" name="resolution" value="1" units="1/dev"/>
-        </inkml:channelProperties>
-      </inkml:inkSource>
-      <inkml:timestamp xml:id="ts0" timeString="2020-10-18T02:45:14.791"/>
-    </inkml:context>
-    <inkml:brush xml:id="br0">
-      <inkml:brushProperty name="width" value="0.05" units="cm"/>
-      <inkml:brushProperty name="height" value="0.05" units="cm"/>
-      <inkml:brushProperty name="fitToCurve" value="1"/>
-    </inkml:brush>
-  </inkml:definitions>
-  <inkml:trace contextRef="#ctx0" brushRef="#br0">49 0 0,'-24'0'141,"-1"0"-110,50 0 0,24 0-15,-25 0-16,25 0 16,24 0-16,-24 0 15,24 0-15,25 0 0,-25 0 16,0 0-16,1 0 0,-1 0 16,0 0-16,-24 0 15,0 0-15,0 0 0,-25 0 16,1 0-16</inkml:trace>
-  <inkml:trace contextRef="#ctx0" brushRef="#br0" timeOffset="288">562 0 0,'-24'0'16,"-1"0"0,25 25-1,0-1 1,25 25 0,-25-24-16,0 23 0,0 1 15,24 0-15,-24 24 16,0-24-16,0 24 0,0 1 15,0-1-15,0-24 0,0 24 16,-24-24-16,24 0 16,0-25-16,-25 1 0,25-1 15</inkml:trace>
-  <inkml:trace contextRef="#ctx0" brushRef="#br0" timeOffset="785">977 611 0,'0'-24'31,"-24"24"-31,-1 0 31,25 24-15,-24-24-16,24 24 0,0 1 16,-24-1-16,24 1 15,-25-1-15,25 1 0,0-1 16,0 25-16,0-25 0,25-24 15,-1 25-15,0-1 16,1-24-16,-1 0 0,25 0 16,-24-24-16,23 24 15,-23-25-15,-1 1 0,1-25 16,-1 25-16,-24-25 0,0 24 16,0-24-16,0 25 15,-24 0-15,-1-1 0,1 1 16,-1 24-16,-23 0 15,23 0-15,1 24 0,-1 1 16,1-25-16,24 24 16,0 0-16</inkml:trace>
-  <inkml:trace contextRef="#ctx0" brushRef="#br0" timeOffset="1068">1417 196 0,'0'-25'0,"0"1"16,0 0-16,0 48 31,0 0-15,0 25-16,24 0 0,-24 0 15,0 0-15,0 0 0,0 24 16,0-24-16,0 0 16,0-1-16,0 1 0,0 0 15,0 0-15,0-25 16,0 1-16,0-1 0,-24-24 16</inkml:trace>
-  <inkml:trace contextRef="#ctx0" brushRef="#br0" timeOffset="1890">1319 562 0,'-24'-24'0,"-1"24"15,25-25 1,25 25 0,-1 0-16,1 0 0,-1 0 15,25 0-15,0 0 16,0 0-16,24 0 0,-24 0 15,0 0-15,24 0 16,-24 0-16,-25 0 0,25 0 16,-25 0-16,1 0 15,-25-24-15,0-1 16,0 1 0,-25 24-1,25-24-15,-24 24 0,-1 0 16,1 24-1,0-24-15,-1 24 16,1 1-16,-1-1 0,25 25 16,-24-24-16,24-1 15,-24 0-15,24 1 0,0-1 16,0 1-16,0-1 0,0 1 16,24-1-16,0-24 15,-24 24-15,25-24 0,-1 0 16,1 0-16,-1-24 15,0 24-15,1-24 0,-1-1 16,-24 1-16,25-1 0,-25-24 16,0 25-16,0-25 15,0 25-15,0-1 0,0 1 16,0 48 0,0 1-1,0-1-15,0 25 0,0 24 16,24-48-1,-24-1-15,25 1 0,-25-1 16,24 0-16,0 1 16,1-25-16,-1 0 15,1-25-15,-1 1 16,1 0-16,-1-1 0,-24-24 16,24 25-16,-24-25 0,0-24 15,0 24-15,0 0 0,0-24 16,-24 24-16,0-24 15,24 24-15,-25 24 0,25-23 16,0 23 0,-24 25-16,24 25 15,0-1-15,0 0 16,0 25-16,0 0 0,0 24 16,0-24-16,0 24 0,24-24 15,-24 25-15,0-26 16,25 1-16,-25 0 0,24-24 15,-24-1-15,0 0 16,24-24-16</inkml:trace>
-</inkml:ink>
-</file>
-
-<file path=ppt/ink/ink30.xml><?xml version="1.0" encoding="utf-8"?>
-<inkml:ink xmlns:inkml="http://www.w3.org/2003/InkML">
-  <inkml:definitions>
-    <inkml:context xml:id="ctx0">
-      <inkml:inkSource xml:id="inkSrc0">
-        <inkml:traceFormat>
-          <inkml:channel name="X" type="integer" max="1920" units="cm"/>
-          <inkml:channel name="Y" type="integer" max="1080" units="cm"/>
-          <inkml:channel name="T" type="integer" max="2.14748E9" units="dev"/>
-        </inkml:traceFormat>
-        <inkml:channelProperties>
-          <inkml:channelProperty channel="X" name="resolution" value="55.81395" units="1/cm"/>
-          <inkml:channelProperty channel="Y" name="resolution" value="55.6701" units="1/cm"/>
-          <inkml:channelProperty channel="T" name="resolution" value="1" units="1/dev"/>
-        </inkml:channelProperties>
-      </inkml:inkSource>
-      <inkml:timestamp xml:id="ts0" timeString="2020-10-18T02:55:08.181"/>
-    </inkml:context>
-    <inkml:brush xml:id="br0">
-      <inkml:brushProperty name="width" value="0.05" units="cm"/>
-      <inkml:brushProperty name="height" value="0.05" units="cm"/>
-      <inkml:brushProperty name="fitToCurve" value="1"/>
-    </inkml:brush>
-  </inkml:definitions>
-  <inkml:trace contextRef="#ctx0" brushRef="#br0">440 176 0,'0'-25'15,"0"1"16,24 24-31,1-25 16,-25 1 0,-25 24-1,1 0-15,0 0 16,-1 0-16,-24 0 0,0 24 16,25-24-16,-25 25 15,25-1-15,-1-24 0,1 25 16,-1-1-16,25 1 15,0-1-15,0 0 0,0 1 16,0-1-16,25 1 0,-1-1 16,1-24-1,-1 25-15,1-25 0,-1 0 16,0 0-16,1 0 16,-1 0-1,-48 0 1,-1 0-1,1 0-15,0 0 0,-25 24 16,24-24-16,-24 0 16,25 24-16,-25 1 0,25-1 15,-1-24-15,25 25 16,0-1-16,0 1 0,0-1 16,25 0-16,-1 1 0,1-25 15,23 24-15,1-24 0,-24 0 16,48 0-16,-49 0 15,25-24-15,0 24 0,-24-25 16,-1 1-16</inkml:trace>
-  <inkml:trace contextRef="#ctx0" brushRef="#br0" timeOffset="293">587 273 0,'-25'-24'31,"25"48"1,0 1-32,25-1 15,-1 1-15,0-1 16,1 1-16,-1-1 0,1 25 15,-1-25-15,1 1 16,-1-1-16,0 1 0,1-25 16,-1 24-16,1-24 15</inkml:trace>
-  <inkml:trace contextRef="#ctx0" brushRef="#br0" timeOffset="492">855 322 0,'-24'-24'0,"24"-1"16,-25 25-16,1 0 16,24 25-1,-24-1-15,-1 1 0,25 24 16,-24-25-16,24 0 16,0 25-16,-25-24 0,25-1 15,0 1-15,0-1 0,0 0 16</inkml:trace>
-  <inkml:trace contextRef="#ctx0" brushRef="#br0" timeOffset="774">1197 78 0,'-24'-24'0,"-1"24"16,1-25-16,-1 25 16,1 25-1,24-1-15,0 1 0,0-1 16,0 0-16,0 1 16,24 24-16,-24-1 0,25 1 15,-25 0-15,24-24 0,-24 23 16,0 1-16,0-24 15,0 24-15,0-25 0,0 0 16,0 1 0,-24-25-1</inkml:trace>
-  <inkml:trace contextRef="#ctx0" brushRef="#br0" timeOffset="1151">1051 469 0,'-25'0'16,"1"-25"-16,24 1 0,-25 24 15,25-24-15,0-1 16,25 25 0,-1 0-16,-24-24 0,49 24 15,-25 0-15,1-25 16,24 25-16,-25 0 0,1 0 16,-1 25-16,25-25 0,-25 24 15,1 1-15,-25-1 16,24 0-16,-24 1 0,25-1 15,-25 1-15,0-1 16,-25 1-16,25-1 16,-24-24-16,-1 0 15,25-24 1,0-1 0,25 1-16,-25-1 15,24 1-15,25-25 0,-25 25 16,25-1-16,-24-24 0,23 25 15,-23-1-15,-1 1 16,1 24-16,-25 24 31</inkml:trace>
-  <inkml:trace contextRef="#ctx0" brushRef="#br0" timeOffset="1619">1857 371 0,'24'0'0,"-24"-24"31,24 24-31,-24-25 16,0 1 0,0-1-1,-24 25 1,0 0-16,-1 0 15,1 0-15,-1 25 16,1-1-16,-1 1 16,25-1-16,-24 1 0,0-1 15,24 25-15,-25-25 16,25 1-16,0-1 16,0 1-16,25-25 0,-1 0 15,0 0-15,1 0 16,-1-25-1,1 1-15,-25-1 16,24 1-16,1-1 16,-25 1-16,0 0 0,24 24 15,-24-25-15,0 1 0,24 24 32,-24 24-32,0 1 0,0-1 15,0 0-15,25 1 16,-25-1-16,0 1 0,24-1 15,-24 1-15,25-25 0</inkml:trace>
-  <inkml:trace contextRef="#ctx0" brushRef="#br0" timeOffset="2076">2516 297 0,'24'-25'16,"1"1"-16,-1 24 15,-24-24-15,25-1 16,-1 1-16,-24-1 16,0 1-16,-24 24 15,24-24-15,-25 24 0,1 0 16,-25 0-16,25 0 0,-1 0 15,1 24-15,-1 0 16,1 1-16,-1-1 0,25 25 16,0-25-16,0 1 0,0-1 15,25 25-15,-25-24 16,24-1-16,25 0 0,-24 1 16,-1-1-16,0 1 15,1-25-15,-1 24 0,1 1 16,-1-25-16,0 24 15,1 0-15,-25 1 16,0-1 0,-25-24-16,1 25 15,-25-25-15,25 0 0,-1 0 16,-23 0-16,23 0 16,1-25-16,-1 25 0,25-24 15</inkml:trace>
-  <inkml:trace contextRef="#ctx0" brushRef="#br0" timeOffset="2531">3102 444 0,'25'-24'16,"-25"0"-16,-25-1 15,25 1 1,-24 24-16,24-25 0,-25 25 15,1-24-15,-1 24 0,1 0 16,0 0 0,-1 0-16,1 24 0,-1-24 15,1 25-15,-1-1 0,25 1 16,-24-1-16,24 0 16,0 1-16,0-1 0,0 1 15,0-1-15,24 1 16,1-25-16,-1 24 0,1-24 15,-1 0-15,1 0 16,-1 0-16,25 0 0,-25 0 16,1-24-16,-1-1 0,1 1 15,-1-1 1,-24 1-16,0-1 0,24 1 16,-24 0-16,0-1 15,25 25 1,-25 25-16,0-1 0,0 0 15,0 1-15,24-1 16,-24 1-16,0-1 0,25 1 16,-25-1-16,24 0 0,0-24 15</inkml:trace>
-  <inkml:trace contextRef="#ctx0" brushRef="#br0" timeOffset="2891">3420 396 0,'0'-25'16,"0"1"-16,0-1 0,-25 1 16,25 48 15,25-24-31,-25 25 0,24 24 16,0-25-16,1 0 15,-25 1-15,24 24 0,1-25 16,-1 1-16,-24-1 15,25-24-15,-25 24 0,24-24 16,-24-24 15,0 0-31,0-1 0,0 1 16,0-25-16,0 24 16,0 1-16,24-25 0,-24 25 15,0-1-15,25 25 0,-25-24 16,0 48-1,0 1 1,24-1-16,1-24 16</inkml:trace>
-  <inkml:trace contextRef="#ctx0" brushRef="#br0" timeOffset="3371">3932 396 0,'25'24'79,"-1"-24"-64,-24 24-15,25-24 16,-1 0-16,1 0 15,-1-24-15,0 0 16,1-1 0,-25 1-16,0-1 15,0 1 1,-25 24-16,25-25 0,-24 25 16,0-24-16,-1 24 0,1 0 15,-1 0-15,-24 24 16,25 1-16,0-1 0,24 1 15,-25-1-15,1 1 16,24-1-16,0 25 0,24-25 16,-24 1-16,25 24 0,-1-25 15,0 0-15,1-24 16,24 25-16,-25-25 0,1 24 16,23-24-16,-23 0 15,-1 0-15,1-24 0,-1 24 16,1-25-16,-25 1 0,24 24 15,-24-24-15,0-1 16</inkml:trace>
-  <inkml:trace contextRef="#ctx0" brushRef="#br0" timeOffset="3683">4738 322 0,'-24'0'0,"-25"0"16,25 0-16,-1 0 15,50-24 16,-1 24-15,1 0-16,-1 0 16,0 0-16,1 0 15,-1 0-15,1 0 16,-1 0 0</inkml:trace>
-  <inkml:trace contextRef="#ctx0" brushRef="#br0" timeOffset="3864">4714 420 0,'-24'24'16,"-1"-24"-16,25 25 15,0-1 1,25-24 0,-1 0-16,0 0 0,1 0 15,-1 0-15,1 0 16,-1 0-16,1 0 0,23 0 15,-23 0-15,-1 0 0</inkml:trace>
-  <inkml:trace contextRef="#ctx0" brushRef="#br0" timeOffset="4475">5349 103 0,'-24'0'15,"-1"0"-15,1 0 16,24-25 15,-25 25-31,50-24 32,-1 24-17,1 0 1,23 0-16,-23 0 15,24 0-15,-25 0 0,25 0 16,-25 0-16,25 0 0,-24 0 16,24 0-16,-25 0 15,0 24-15,-48-24 47,0 25-16,24-1-31,-25 0 16,25 25 0,0-24-16,0-1 0,0 25 15,0 0-15,0-25 0,0 25 16,25-25-16,-25 25 16,0-24-16,24-1 15,-24 1-15,24-1 0,-24 0 16</inkml:trace>
-  <inkml:trace contextRef="#ctx0" brushRef="#br0" timeOffset="4740">5544 420 0,'-24'0'0,"0"0"0,-1-24 16,50 24 31,-1 0-47,0 0 0,1 0 16,-1 0-16,25 0 15,-24 0-15,-1 0 0,25-25 16,-25 25-16,1 0 0,-1 0 15,0 0 1</inkml:trace>
-  <inkml:trace contextRef="#ctx0" brushRef="#br0" timeOffset="5237">6131 78 0,'24'-24'31,"-24"48"1,-24-24-32,-1 24 15,1 1-15,-1-1 16,25 1-16,-24-1 15,-1 25-15,25-25 0,0 25 16,0-24-16,0 24 0,0-25 16,0 25-16,0-25 15,25 1-15,-25-1 0,24 1 16,1-1-16,-1 0 16,1-24-16,-1 0 15,0 0-15,1-24 0,-1 0 16,-24-1-1,25 1-15,-25-1 0,0 1 16,0-1 0,-25 1-16,1 24 0,24-24 15,-25 24-15,1 0 0,0 24 16,-1-24-16,1 24 16,-1 1-16,25-1 15,0 1-15,0-1 16,25 1-1,-1-25-15</inkml:trace>
-  <inkml:trace contextRef="#ctx0" brushRef="#br0" timeOffset="5929">6668 224 0,'0'-25'16,"-25"25"-16,1 0 15,24 25 17,0-1-17,24-24-15,-24 24 16,0 1-16,-24-1 31,0-24-31,-1 0 16,1 0-16,-1-24 15,1 24-15,0-25 16,24 1-16,-25 24 16,25-24-16,0-1 15,25 1-15,-25-1 0,24 25 16,0-24-16,-24 0 0,25-1 15,-1 25-15,1 0 16,-1 0-16,0 0 0,1 0 16,-1 25-16,1-1 15,-25 0-15,24 1 0,-24 24 16,0-1-16,0 1 0,0 0 16,0 0-16,-24-25 15,24 25-15,-25 0 0,25-24 16,-24-1-16,24 0 0,-25 1 15,1-25-15,0 24 16,-1-24-16,1 0 0,-1 0 16,1-24-1,0-1-15,24 1 16,0 0-16,0-1 16,24 1-16,0 24 0,1-25 15,24 25-15,-25 0 16,0 0-16,1 0 15,-1 25-15,1-25 0,-1 24 16,-24 1-16,25-1 16,-1 0-16,-24 1 15,24-25-15,-24 24 0,25-24 16</inkml:trace>
-  <inkml:trace contextRef="#ctx0" brushRef="#br0" timeOffset="6241">7168 444 0,'-49'0'0,"25"0"16,0 0-16,48 0 31,0 0-31,1 0 16,-1 0-16,1 0 0,-1 0 15,1 0-15,-1 0 16,0 0-16,1 0 16,-1 0-16</inkml:trace>
-  <inkml:trace contextRef="#ctx0" brushRef="#br0" timeOffset="7085">7816 102 0,'0'-24'31,"0"0"-31,-25 24 16,25-25-1,-24 25-15,0 0 0,-1 0 16,1 0-16,-1-24 16,1 24-1,-1 0-15,1 0 0,0 0 16,24 24-16,-25-24 16,1 0-16,-1 0 15,25 25-15,-24-25 0,-1 0 16,25 24-1,0 0 17,0 1-17,0-1-15,25 1 16,-25-1 0,0 1-16,24-25 0,-24 24 15,25 0-15,-25 1 16,0-1-16,24-24 15,-24 25-15,25-25 63,-1-25-47,0 25-1,1 0 1,-1-24-16,1 24 15,-1 0-15,1 0 16,-1 0-16,0 0 16,1 24-16,-1-24 15,-24 25-15,0-1 16,25 1-16,-25-1 0,0 25 16,0-25-16,0 1 0,24-1 15,-24 1-15,0-1 16,0 0-16,0 1 15,-24-1-15,-1-24 16,1 25-16,-1-25 16,1 24-16,0-24 15,-1 0-15,1 0 0,-1 0 16,1 0-16,-1-24 0,1 24 16,24-25-16,0 1 15,0-1-15</inkml:trace>
-  <inkml:trace contextRef="#ctx0" brushRef="#br0" timeOffset="7799">8353 420 0,'-24'0'15,"-1"-24"17,1 24-32,-1 0 15,1 0 1,0 0-1,24 24-15,-25-24 0,1 24 16,24 1-16,-25-1 16,25 1-16,-24-1 0,24 1 15,0-1-15,0 0 16,0 1-16,24-1 0,1 1 16,-1-25-16,1 0 15,23 24-15,-23-24 16,-1 0-16,1 0 0,-1 0 15,0-24-15,1 24 0,-25-25 16,0 1 0,0-1-16,0 1 0,-25 0 15,1-1 1,0 1-16,-1-25 0,-24 24 16,25 1-16,0 0 0,-25-1 15,24 1-15,25-1 16,-24 1-16,24-1 0,0 1 15,24 0-15,1-1 16,-1-24-16,1 25 0,-1 24 16,0-24-16,1-1 0,-1 1 15,-24-1-15,25 25 16,-1-24-16,0 24 16,-24 24-16,25-24 15,-25 25-15,0-1 16,0 1-16,24 23 0,-24-23 15,0 24-15,0-25 16,0 25-16,0-25 0,0 25 16,-24-24-16,24-1 0,0 0 15,-25 1-15,25-1 16</inkml:trace>
-  <inkml:trace contextRef="#ctx0" brushRef="#br0" timeOffset="8315">8890 322 0,'-24'0'0,"0"0"15,-1 0-15,1 0 0,-1 0 16,25-24 0,-24 24-16,48-25 31,1 25-16,-1 0-15,1 0 0,-1 0 16,0 0-16,25 0 16,-24 25-16,23-25 0,-23 0 15,-1 0-15,1 24 16,-1-24-16</inkml:trace>
-  <inkml:trace contextRef="#ctx0" brushRef="#br0" timeOffset="8634">8842 444 0,'-25'0'0,"1"25"0,-1-25 15,25 24 1,25-24-1,-1 0 1,1 0-16,-1 25 0,0-25 16,1 0-16,24 0 0,-25 0 15,0 0-15,25-25 16,0 25-16,-24 0 0,-1 0 16,25-24-16,-25 24 15,1 0-15,-1 0 16,1 0-1,-50 0 1,1 0-16,24-25 16</inkml:trace>
-</inkml:ink>
-</file>
-
-<file path=ppt/ink/ink31.xml><?xml version="1.0" encoding="utf-8"?>
-<inkml:ink xmlns:inkml="http://www.w3.org/2003/InkML">
-  <inkml:definitions>
-    <inkml:context xml:id="ctx0">
-      <inkml:inkSource xml:id="inkSrc0">
-        <inkml:traceFormat>
-          <inkml:channel name="X" type="integer" max="1920" units="cm"/>
-          <inkml:channel name="Y" type="integer" max="1080" units="cm"/>
-          <inkml:channel name="T" type="integer" max="2.14748E9" units="dev"/>
-        </inkml:traceFormat>
-        <inkml:channelProperties>
-          <inkml:channelProperty channel="X" name="resolution" value="55.81395" units="1/cm"/>
-          <inkml:channelProperty channel="Y" name="resolution" value="55.6701" units="1/cm"/>
-          <inkml:channelProperty channel="T" name="resolution" value="1" units="1/dev"/>
-        </inkml:channelProperties>
-      </inkml:inkSource>
-      <inkml:timestamp xml:id="ts0" timeString="2020-10-18T02:55:26.030"/>
-    </inkml:context>
-    <inkml:brush xml:id="br0">
-      <inkml:brushProperty name="width" value="0.05" units="cm"/>
-      <inkml:brushProperty name="height" value="0.05" units="cm"/>
-      <inkml:brushProperty name="fitToCurve" value="1"/>
-    </inkml:brush>
-  </inkml:definitions>
-  <inkml:trace contextRef="#ctx0" brushRef="#br0">146 196 0,'0'-25'47,"-24"25"0,0 0-16,-1 0-16,1 0 17,-1 0-1,1 0 0,48 0 0,1 0-15,-1 0-16,1 0 16,-1 0-16,25 0 0,-25 0 15,25 0-15,0 0 16,0 0-16,-25 0 0,25 0 16,-24 0-16,23 0 15,-23 25-15,-1-25 0,1 0 16,-50 0 46,25 24-62,-24-24 16,24 24 0,-25-24-16,25 25 15,0-1-15,-24 1 0,24-1 16,0 0-16,-24 1 15,24-1-15,0 25 0,0-24 16,-25 23-16,25-23 0,0-1 16,0 1-16,0 24 15,0-25-15,0 0 0,0 1 16,0-1 0,0 1-16</inkml:trace>
-  <inkml:trace contextRef="#ctx0" brushRef="#br0" timeOffset="389">317 489 0,'-24'0'0,"24"-25"16,-24 25-16,24-24 0,0-1 31,24 25 0,0 0-15,1 0-1,-1 0-15,1 0 0,-1 0 16,25 0-16,-25 0 16,1 0-16,-1 0 0,25 0 15,-24 0 1,-1 0-16,-24-24 62</inkml:trace>
-  <inkml:trace contextRef="#ctx0" brushRef="#br0" timeOffset="918">879 391 0,'-24'0'0,"-1"0"31,1 0-15,-1 0-1,25 24-15,-24-24 0,24 25 16,-24-1-16,24 1 0,-25-1 16,25 0-16,0 1 15,-24-1-15,24 1 0,0-1 16,0 1-16,24-1 16,1-24-16,-1 24 0,0-24 15,1 0-15,-1 0 0,1 0 16,24 0-16,-25 0 15,0 0-15,1-24 0,-1 0 16,-24-1-16,25 25 16,-25-24-16,0-25 0,0 24 15,-25 1-15,25 0 0,-24-25 16,24 24-16,-25 1 16,1-1-16,0 25 0,-1-24 15,1 24-15,-1-24 16,1 24-16,-1 0 0,1 0 15,24 24-15,0 0 32,24-24-32,-24 25 0</inkml:trace>
-  <inkml:trace contextRef="#ctx0" brushRef="#br0" timeOffset="1619">1221 171 0,'0'-24'15,"0"-1"1,0 1-16,0 48 47,-24-24-32,24 25-15,-25-1 16,25 1-16,-24-1 16,24 0-16,0 1 15,0-1-15,0 1 0,0-1 16,0 0-16,0 1 0,0-1 15,24 1-15,1-1 16,-25 1-16,24-25 16,1 0-1,-1 24-15,0-24 16,1 0-16,-1 0 16,1-24-16,-1 24 15,0-25-15,1 1 16,-1-1-1,1 1-15,-25-1 16,0 1-16,0 0 0,24-1 16,-24 1-16,0-1 15,0 1-15,0 0 0,0-1 16,0 1 0,-24 24-16,-1 24 46,25 1-46,0-1 0,0 0 16,0 1-16,-24 24 16,24-25-16,0 25 0,0 0 15,0-25-15,0 25 0,0 0 16,0 0-16,0-25 16,0 1-16,0 23 0,0-23 15,0-1-15,0 1 16</inkml:trace>
-  <inkml:trace contextRef="#ctx0" brushRef="#br0" timeOffset="2209">2149 391 0,'0'-25'16,"0"1"-1,-24 24-15,24-24 16,0-1-16,-25 1 16,25-1-16,-24 25 15,-1 0 1,1 0-16,0 0 0,-1 0 16,1 0-16,-1 25 15,1-25-15,0 24 0,-1-24 16,1 25-16,24-1 0,0 0 15,0 1 1,0-1-16,24-24 0,1 25 16,-1-1-16,0-24 15,1 25-15,24-1 0,-25-24 16,25 24-16,-25 1 0,25-25 16,-24 24-16,-1 1 15,0-1-15,1 1 16,-25-1-16,0 0 15,0 1-15,-25-1 16,1-24-16,0 25 0,-1-25 16,-24 24-16,25-24 15,-25 0-15,25 0 0,-1 0 16,1 0-16,-1 0 16,1-24-16</inkml:trace>
-  <inkml:trace contextRef="#ctx0" brushRef="#br0" timeOffset="2622">2027 49 0,'0'-24'0,"0"-1"16,-24 50-1,24-1 1,-25 0 0,25 25-16,-24-24 15,24-1-15,0 25 16,0 0-16,0 0 0,0-1 15,0 1-15,0-24 0,0 24 16,0-1-16,24 1 16,-24-24-16,0 24 0,25-25 15,-25 0-15,0 1 16,24-1-16,-24 1 0,0-1 16,24-24-16,-24 24 15</inkml:trace>
-</inkml:ink>
-</file>
-
-<file path=ppt/ink/ink32.xml><?xml version="1.0" encoding="utf-8"?>
-<inkml:ink xmlns:inkml="http://www.w3.org/2003/InkML">
-  <inkml:definitions>
-    <inkml:context xml:id="ctx0">
-      <inkml:inkSource xml:id="inkSrc0">
-        <inkml:traceFormat>
-          <inkml:channel name="X" type="integer" max="1920" units="cm"/>
-          <inkml:channel name="Y" type="integer" max="1080" units="cm"/>
-          <inkml:channel name="T" type="integer" max="2.14748E9" units="dev"/>
-        </inkml:traceFormat>
-        <inkml:channelProperties>
-          <inkml:channelProperty channel="X" name="resolution" value="55.81395" units="1/cm"/>
-          <inkml:channelProperty channel="Y" name="resolution" value="55.6701" units="1/cm"/>
-          <inkml:channelProperty channel="T" name="resolution" value="1" units="1/dev"/>
-        </inkml:channelProperties>
-      </inkml:inkSource>
-      <inkml:timestamp xml:id="ts0" timeString="2020-10-18T02:55:34.614"/>
-    </inkml:context>
-    <inkml:brush xml:id="br0">
-      <inkml:brushProperty name="width" value="0.05" units="cm"/>
-      <inkml:brushProperty name="height" value="0.05" units="cm"/>
-      <inkml:brushProperty name="fitToCurve" value="1"/>
-    </inkml:brush>
-  </inkml:definitions>
-  <inkml:trace contextRef="#ctx0" brushRef="#br0">4127 97 0,'24'0'109,"1"0"-93,-1 0-16,-24-24 16,25 24-16,-1 0 15,1-24-15,-1 24 16,0 0-16,1-25 15,-1 25-15,1 0 16,-1 0-16,1 0 16,-25 25-1,0-1 1,0 0 0,0 1-16,0-1 15,-25 25-15,25-25 0,0 25 16,0-24-16,0 24 15,0-1-15,0 1 0,-24-24 16,24-1-16,0 25 16,0-25-16,0 1 0,-25-1 15</inkml:trace>
-  <inkml:trace contextRef="#ctx0" brushRef="#br0" timeOffset="246">4200 415 0,'-24'-25'16,"-1"25"-16,25-24 15,0 0 17,25 24-32,-1 0 0,1 0 15,-1 0-15,1 0 16,23 0-16,-23 0 0,24-25 15,-25 25-15,25 0 0,-25 0 16,1 0-16,-1 0 16,1 0-16,-1 0 0,0 0 15,-24-24 17</inkml:trace>
-  <inkml:trace contextRef="#ctx0" brushRef="#br0" timeOffset="686">4884 219 0,'-24'0'47,"24"25"-32,-25-1-15,1 1 16,24-1-16,-25 1 16,1-1-16,24 25 15,0-25-15,0 1 0,0-1 16,0 1-16,24-25 16,-24 24-16,25-24 15,-1 0-15,1 0 0,-1 0 16,1 0-16,-1-24 15,0 24-15,-24-25 0,25 1 16,-25-1-16,0 1 0,0-1 16,0 1-16,0 0 15,0-1-15,0 1 0,-25-1 16,1 1 0,0 24-1,-1 0 1,25 24-1,-24-24-15,24 25 0</inkml:trace>
-  <inkml:trace contextRef="#ctx0" brushRef="#br0" timeOffset="1212">5275 146 0,'-25'-24'0,"25"-1"16,0 1-1,0 48 17,0 1-32,0-1 15,0 1 1,0-1-16,0 0 0,0 1 15,25-1-15,-25 1 16,24-1-16,-24 1 16,25-25-16,-1 0 15,1 0-15,-1 0 16,0 0-16,1 0 16,-25-25-16,24 1 0,-24-1 15,0 1-15,0-1 16,0 1-16,25-25 0,-25 25 15,0-1-15,0 1 16,0 48 0,0 1-1,0-1-15,0 1 16,0 23-16,0-23 16,0 24-16,0-25 0,0 25 15,0-25-15,0 1 0,24-1 16,-24 1-16,0-1 0,25 1 15,-25-1-15,0 0 16,24 1-16</inkml:trace>
-  <inkml:trace contextRef="#ctx0" brushRef="#br0" timeOffset="1549">5715 97 0,'0'-24'16,"24"24"-1,0 0 16,-24 24-15,0 1-16,25-1 16,-25 1-16,24 23 0,1-23 15,-25 24-15,24-25 0,0 1 16,1-1-16,-1 0 16,1 1-16,-25-1 0,24 1 15,1-25-15,-25 24 16,24-24-16,-24-24 15</inkml:trace>
-  <inkml:trace contextRef="#ctx0" brushRef="#br0" timeOffset="1836">6032 48 0,'0'-24'16,"-24"0"-1,-1 24 1,1 0 0,24 24-1,-25-24-15,25 24 0,-24 1 16,24-1-16,-24 1 0,24 24 16,0-25-16,0 25 0,-25 0 15,25-25-15,0 25 16,0-25-16,-24 1 0,24-1 15,0 1-15,0-1 16,0 1-16,-25-1 0,25 0 16,-24-24-16</inkml:trace>
-  <inkml:trace contextRef="#ctx0" brushRef="#br0" timeOffset="2178">6423 97 0,'0'-24'0,"0"-1"15,0 50 32,0-1-47,0 1 16,0-1-16,0 1 15,0 23-15,0-23 0,0-1 16,0 25-16,0-24 16,0-1-16,0 25 0,0-25 15,0 1-15,0-1 16,0 1-16,24-25 15</inkml:trace>
-  <inkml:trace contextRef="#ctx0" brushRef="#br0" timeOffset="2628">6765 122 0,'-25'0'0,"25"-25"16,-24 25-16,24 25 47,0-1-47,0 1 15,0-1-15,0 0 16,-25 1-16,25 24 0,0-25 15,0 1-15,0-1 0,0 0 16,0 1-16,25-1 16,-25 1-16,24-25 0,1 24 15,-1-24 1,1 0-16,-1-24 0,0-1 16,1 25-16,-25-24 0,24-25 15,-24 25-15,25-1 16,-25 1-16,0-1 0,0-24 15,-25 25-15,1 0 16,-1-1-16,1 25 16,0 0-16,-1 0 15,1 0 1,-1 0 0,25 25-16</inkml:trace>
-  <inkml:trace contextRef="#ctx0" brushRef="#br0" timeOffset="3055">7278 97 0,'0'-24'0,"-25"24"31,1 0-31,-1 24 16,25 1-16,-24-1 16,24 1-16,0 23 15,-24-23-15,24 24 0,0-25 16,0 25-16,0-25 16,24 25-16,-24-24 0,24-1 15,1-24-15,-1 25 0,1-25 16,-1 0-16,25 0 15,-25-25-15,1 1 0,-1-1 16,1 1-16,-1-1 0,0 1 16,-24-25-16,25 25 15,-25-25-15,0 0 0,-25 25 16,1-25-16,0 24 16,-1 1-16,-24 24 0,25-25 15,-1 25-15,1 0 16,0 0-16,-1 25 0,1-25 15,24 24-15,0 1 0</inkml:trace>
-  <inkml:trace contextRef="#ctx0" brushRef="#br0" timeOffset="3798">4298 903 0,'24'0'32,"1"0"-17,-1 0-15,25 0 0,24 0 16,1 25-16,-1-25 16,49 0-16,0 0 0,25 0 15,24 0-15,0 0 0,0 0 16,24-25-16,-24 25 15,24 0-15,-48 0 0,24 0 16,-25 0-16,-24 0 16,1 0-16,-26-24 0,-23 24 15,-1 0-15,-24 0 0,0 0 16,-25 0-16,0 0 16,-24-25-16,25 25 0,-50 0 46,1 0-46</inkml:trace>
-  <inkml:trace contextRef="#ctx0" brushRef="#br0" timeOffset="4805">5421 1074 0,'25'0'0,"-25"25"16,-25-25 46,1 0-46,0 0-16,-1 0 16,1 0-1,-1 0-15,1 0 0,-1 0 16,1 0-16,0 0 15,-1 0-15,1 0 0,-1 0 16,25 24 47,25 1-32,-25-1-16,0 0-15,0 1 16,0-1 0,0 1-1,0-1-15,0 0 16,-25-24 0,25 25-16,25-50 31,-1 1-16,1 24 1,-1-24 0,0 24-16,1 0 0,-1 0 15,1 0 1,-1 0-16,1 0 0,-1 24 16,0-24-16,1 24 0,-1-24 15,-24 25-15,25-25 16,-1 24-16,-24 1 0,25-25 15,-25 24-15,0 1 0,0-1 16,0 0 0,-25 1-1,1-25-15,-1 0 16,1 0-16,-1 24 0,1-24 16,-25 0-16,25 0 0,-25 0 15,0 0-15,25 0 16,-1 0-16,-24 0 0,25 0 15</inkml:trace>
-  <inkml:trace contextRef="#ctx0" brushRef="#br0" timeOffset="5402">5910 1294 0,'24'0'16,"-48"24"15,-1-24-15,1 25-16,0-25 0,-1 24 15,1-24-15,24 25 16,-25-1-16,25 1 0,0-1 16,0 0-1,25-24-15,-25 25 16,24-25-16,1 0 16,-1 0-16,0 0 0,1 0 15,-1 0-15,1 0 0,-1 0 16,-24-25-16,25 25 15,-25-24-15,0 0 16,0-1-16,-25 25 16,1-24-16,-1-1 0,1 1 15,-1-1-15,-23 1 0,48 0 16,-25-1-16,1 1 16,24-1-16,0 1 15,0 0-15,0-1 16,24 1-16,1 24 0,-1-25 15,0 25-15,1 0 0,24 0 16,-25 0-16,1 25 16,-1-25-16,0 24 0,-24 1 15,0-1-15,0 0 0,0 1 16,-24-1-16,0 25 16,-25-25-16,24-24 15,1 25-15,-1-25 16</inkml:trace>
-  <inkml:trace contextRef="#ctx0" brushRef="#br0" timeOffset="6217">73 610 0,'24'-24'16,"1"24"-16,-25-25 15,24 25-15,0 0 16,1 0-16,-1 0 0,1 0 16,-1 0-16,1 25 15,-25-1 1,0 1-16,0-1 0,0 1 15,-25-1-15,1 0 0,-1 1 16,1-1-16,-1 1 16,1-1-16,-25-24 0,25 0 15,-1 0-15,1 0 16,0 0-16,24-24 16,0-1-16,0 1 0,0-1 15,0 1-15,0 0 16,24-25-16,-24 24 0,24 1 15,1 24-15,-25-25 16,24 25-16,1 25 16</inkml:trace>
-  <inkml:trace contextRef="#ctx0" brushRef="#br0" timeOffset="6522">683 561 0,'0'25'31,"0"-1"-31,0 1 16,25-1-1,-25 0-15,0 25 0,-25-24 16,25 24-16,-24-1 0,0 1 16,-1-24-16,1 24 15,-1-1-15,1-23 0,-1 24 16,1-25-16,24 1 0,-24-1 16,24 0-1</inkml:trace>
-  <inkml:trace contextRef="#ctx0" brushRef="#br0" timeOffset="6889">1025 879 0,'25'0'0,"-25"24"15,24-24 1,1 25 0,-1-1-16,-24 1 15,24-1-15,-24 0 16,0 1-16,-24-25 16,24 24-16,-24-24 0,-1 25 15,1-25-15,-1 0 16,1 0-16,-1-25 15,1 25-15,24-24 0,-24-1 16,24 1-16,0 0 16,24-1-16,-24 1 0,24-1 15,1 1-15,-1-1 0,1 25 16,-1 0-16,1 0 16,-1 0-16,0 0 15</inkml:trace>
-  <inkml:trace contextRef="#ctx0" brushRef="#br0" timeOffset="7374">1685 708 0,'0'-25'0,"24"25"0,-24-24 16,0 0-16,0-1 15,0 1-15,-24 24 16,-1-25-16,1 25 0,-1 0 16,1 0-16,-25 0 15,25 0-15,-1 0 0,-23 25 16,23-25-16,25 24 0,-24 1 15,24-1-15,0 0 16,0 1-16,24-25 0,1 24 16,-1 1-16,0-1 15,25-24-15,0 25 0,-25-1 16,25 0-16,-24-24 0,24 25 16,-25-1-16,0 1 15,-24-1-15,25 1 0,-25-1 16,0 0-1,0 1-15,-25-25 0,1 24 16,0-24-16,-1 0 0,-24 25 16,25-25-16,-25 0 15,25 0-15,-25-25 0,24 25 16,1 0-16,0-24 16,24-1-16</inkml:trace>
-  <inkml:trace contextRef="#ctx0" brushRef="#br0" timeOffset="7878">2198 807 0,'24'-25'15,"0"1"1,-24-1-1,-24 1-15,0-1 16,-1 25 0,1 0-16,-1 0 0,1 0 15,-25 25-15,25-25 0,-1 24 16,25 1-16,-24-25 16,-1 24-16,25 1 0,0-1 15,0 0-15,0 1 16,0-1-16,25 1 0,-1-1 15,1-24 1,-1 25-16,1-25 0,-1 0 16,0 0-16,1 0 0,-25-25 15,24 25-15,1-24 16,-25-1-16,24 1 16,-24-1-16,0 1 15,0 0-15,0-1 0,24 25 16,-24-24-16,25 24 15,-1 0 1,1 24-16,-25 1 0,24-1 16,1 0-16,-25 1 0,24-1 15,-24 1-15,24-1 16,-24 1-16,0-1 0,25 0 16</inkml:trace>
-  <inkml:trace contextRef="#ctx0" brushRef="#br0" timeOffset="8262">2540 708 0,'-25'0'0,"25"24"31,25 1-15,-1-1-16,-24 1 15,24-1-15,1 0 0,-1 1 16,-24-1-16,25 1 0,-1-1 16,-24 1-16,25-1 15,-1 0 1,-24-48 0,0 0-1,24-1-15,-24 1 0,0-1 16,0 1-16,0-25 15,0 25-15,0-25 0,25 24 16,-25 1-16,0-1 16,0 1-16,24 0 0,1 24 15,-1 24 1,0 0 0,1-24-1</inkml:trace>
-  <inkml:trace contextRef="#ctx0" brushRef="#br0" timeOffset="8732">3126 781 0,'-25'0'31,"50"0"-15,-1 0 0,1 25-1,-1-25 1,0 0 0,1 0-1,-1-25 1,-24 1-16,0-1 15,0 1 1,-24-1-16,-1 1 16,1 24-1,0 0-15,-25 0 0,24 0 16,1 0-16,-1 24 0,1 1 16,0-1-16,-1 1 15,25-1-15,0 25 0,0-25 16,0 25-16,25-24 0,-1-1 15,0 1-15,1-1 16,-1 0-16,25 1 0,-24-25 16,23 0-16,-23 0 15,24 0-15,-1-25 0,-23 25 16</inkml:trace>
-  <inkml:trace contextRef="#ctx0" brushRef="#br0" timeOffset="8964">3614 659 0,'-24'0'16,"24"24"-16,24-24 46,1 0-46,-1 0 16,0 0-16,1 0 16</inkml:trace>
-  <inkml:trace contextRef="#ctx0" brushRef="#br0" timeOffset="9138">3590 830 0,'-25'24'0,"1"1"15,24-1 17,24-24-32,1 0 15,-1 0-15,1 0 16,-1 0-16,0 0 0,-24-24 16,25 24-16,-1 0 0,1 0 15</inkml:trace>
-</inkml:ink>
-</file>
-
-<file path=ppt/ink/ink33.xml><?xml version="1.0" encoding="utf-8"?>
-<inkml:ink xmlns:inkml="http://www.w3.org/2003/InkML">
-  <inkml:definitions>
-    <inkml:context xml:id="ctx0">
-      <inkml:inkSource xml:id="inkSrc0">
-        <inkml:traceFormat>
-          <inkml:channel name="X" type="integer" max="1920" units="cm"/>
-          <inkml:channel name="Y" type="integer" max="1080" units="cm"/>
-          <inkml:channel name="T" type="integer" max="2.14748E9" units="dev"/>
-        </inkml:traceFormat>
-        <inkml:channelProperties>
-          <inkml:channelProperty channel="X" name="resolution" value="55.81395" units="1/cm"/>
-          <inkml:channelProperty channel="Y" name="resolution" value="55.6701" units="1/cm"/>
-          <inkml:channelProperty channel="T" name="resolution" value="1" units="1/dev"/>
-        </inkml:channelProperties>
-      </inkml:inkSource>
-      <inkml:timestamp xml:id="ts0" timeString="2020-10-18T02:55:56.050"/>
-    </inkml:context>
-    <inkml:brush xml:id="br0">
-      <inkml:brushProperty name="width" value="0.05" units="cm"/>
-      <inkml:brushProperty name="height" value="0.05" units="cm"/>
-      <inkml:brushProperty name="fitToCurve" value="1"/>
-    </inkml:brush>
-  </inkml:definitions>
-  <inkml:trace contextRef="#ctx0" brushRef="#br0">0 74 0,'0'25'63,"0"-1"-48,0 1-15,0-1 0,0 0 16,0 1-16,0-1 16,24 25-16,-24-25 0,0 1 15,0 24-15,25-25 0,-25 1 16,24-1-16,-24 0 15,0 1-15,25-1 0,-25 1 16</inkml:trace>
-  <inkml:trace contextRef="#ctx0" brushRef="#br0" timeOffset="639">220 221 0,'0'-25'0,"0"1"16,0 0 0,0-1-16,24 25 15,-24-24-15,0-1 16,25 25-16,-25-24 16,24 24-16,-24-25 0,24 25 15,1 0 1,-1 0-16,1 0 15,-25 25-15,24-25 16,1 24-16,-25 1 0,24-1 16,-24 1-16,24-1 15,-24 0-15,0 25 0,0-24 16,0-1-16,0 1 0,-24-1 16,0-24-16,-1 24 15,-24 1-15,25-25 0,-1 24 16,1-24-16,-25 25 0,25-25 15,-1 0 1,25 24-16,-24-24 0,48 0 31,1 0-31,-1 0 16,1 0-16,-1 0 0,25 24 16,-25-24-16,25 0 15,-24 0-15,23 0 0,-23 0 16,-1 0-16,1 25 15,-1-25-15</inkml:trace>
-  <inkml:trace contextRef="#ctx0" brushRef="#br0" timeOffset="1032">684 25 0,'0'-24'15,"0"48"32,0 1-31,0-1-16,0 1 16,24 24-16,-24-25 0,0 25 15,0-25-15,25 25 16,-25-24-16,0-1 0,24 25 15,-24-25-15,0 1 0,25-1 16,-25 0-16,0 1 16,24-25-1</inkml:trace>
-  <inkml:trace contextRef="#ctx0" brushRef="#br0" timeOffset="1678">977 148 0,'0'-25'16,"-24"25"-16,24-24 0,0-1 15,24 25 1,-24-24-16,24-1 16,1 1-1,-1 24-15,1 0 16,-1 0-16,0 0 16,25 0-16,-24 0 15,-1 0-15,1 24 0,-1-24 16,0 25-16,1-1 15,-25 1 1,0-1-16,0 1 16,-25-25-16,25 24 15,-24-24-15,0 24 0,-1-24 16,1 0-16,-1 25 16,1-25-16,-1 0 15,25 24-15,-24-24 0,48 0 47,1 25-31,-1-25-16,1 0 0,-1 0 15,1 24-15,-1-24 0,25 24 16,-25-24-16,1 25 16,-1-1-16,1 1 0,-1-1 15,0 1-15,-24-1 16,0 0-16,0 1 15,-24-1-15,0-24 16,-25 0-16,24 25 16,-24-25-16,25 0 0,-25 0 15,25-25-15,-25 25 16,24 0-16,25-24 0</inkml:trace>
-  <inkml:trace contextRef="#ctx0" brushRef="#br0" timeOffset="2182">1710 99 0,'0'-25'15,"24"25"32,0 0-31,-24 25-16,25-1 0,-1 1 15,-24-1 1,0 0-16,0 1 0,0-1 16,0 1-1,-24-25-15,-1 0 0,1 24 16,0-24-16,-1-24 16,1 24-1,24-25-15,-25 25 0,25-24 16,0-1-16,0 1 15,25 0-15,-25-1 16,24 1-16,1 24 0,-1-25 16,0 25-16,1-24 15,-1 24-15,1 0 0,-1 0 16</inkml:trace>
-  <inkml:trace contextRef="#ctx0" brushRef="#br0" timeOffset="2560">2174 25 0,'0'-24'16,"0"48"0,-25-24-1,25 25-15,-24-1 0,24 1 16,0-1-16,-25 25 0,25 0 15,0-25-15,0 25 16,-24 0-16,24-25 0,0 25 16,-24-24-16,24-1 0,0 0 15,0 1-15,-25-1 16,25 1-16,0-1 0</inkml:trace>
-  <inkml:trace contextRef="#ctx0" brushRef="#br0" timeOffset="3052">2467 441 0,'24'0'47,"1"0"-31,-1 0-1,-24 24 1,0 0-1,24-24-15,-24 25 0,0-1 16,0 1-16,0-1 31,-24-24-31,0 0 0,-1 0 16,25-24-16,-49 24 16,25-25-16,-1 25 15,1-24-15,24-1 0,0 1 16,0 0-1,0-1-15,24 25 0,1-24 16,-1 24-16,-24-25 16,25 25-16,-1 0 0,1 0 15,-25 25-15,24-25 0,-24 24 16,0 1-16</inkml:trace>
-  <inkml:trace contextRef="#ctx0" brushRef="#br0" timeOffset="3742">391 856 0,'-25'0'16,"1"0"-16,24-25 15,24 25 1,1 0-16,24 0 0,-1 0 15,26 0-15,23 0 16,1 25-16,0-25 0,-1 0 16,1 0-16,0 24 15,0-24-15,-1 25 0,-23-25 16,-1 0-16,-24 0 16,0 24-16,-25-24 0,0 0 15,1 0-15,-25-24 31,-25 24-31</inkml:trace>
-  <inkml:trace contextRef="#ctx0" brushRef="#br0" timeOffset="4086">782 1173 0,'-25'0'0,"50"0"31,-1 0-31,0 0 0,25 0 15,-24-24-15,23 24 0,26 0 16,-25 0-16,24 0 16,0 0-16,0 0 0,1 0 15,-1 0-15,0 0 16,1 0-16,-26 0 0,26 0 16,-50 0-16,25 0 0,-25 0 15,1 0-15</inkml:trace>
-</inkml:ink>
-</file>
-
-<file path=ppt/ink/ink34.xml><?xml version="1.0" encoding="utf-8"?>
-<inkml:ink xmlns:inkml="http://www.w3.org/2003/InkML">
-  <inkml:definitions>
-    <inkml:context xml:id="ctx0">
-      <inkml:inkSource xml:id="inkSrc0">
-        <inkml:traceFormat>
-          <inkml:channel name="X" type="integer" max="1920" units="cm"/>
-          <inkml:channel name="Y" type="integer" max="1080" units="cm"/>
-          <inkml:channel name="T" type="integer" max="2.14748E9" units="dev"/>
-        </inkml:traceFormat>
-        <inkml:channelProperties>
-          <inkml:channelProperty channel="X" name="resolution" value="55.81395" units="1/cm"/>
-          <inkml:channelProperty channel="Y" name="resolution" value="55.6701" units="1/cm"/>
-          <inkml:channelProperty channel="T" name="resolution" value="1" units="1/dev"/>
-        </inkml:channelProperties>
-      </inkml:inkSource>
-      <inkml:timestamp xml:id="ts0" timeString="2020-10-18T02:55:55.370"/>
-    </inkml:context>
-    <inkml:brush xml:id="br0">
-      <inkml:brushProperty name="width" value="0.05" units="cm"/>
-      <inkml:brushProperty name="height" value="0.05" units="cm"/>
-      <inkml:brushProperty name="fitToCurve" value="1"/>
-    </inkml:brush>
-  </inkml:definitions>
-  <inkml:trace contextRef="#ctx0" brushRef="#br0">24 127 0,'0'-24'31,"24"-1"-15,-24 1 15,0 0-15,25 24-1,-1 0 1,1-25 0,-1 25-16,1 0 0,-1 0 15,0 0-15,1 0 0,-1 0 16,1 0-16,-1 0 16,-24 25-16</inkml:trace>
-  <inkml:trace contextRef="#ctx0" brushRef="#br0" timeOffset="244">0 249 0,'24'0'47,"0"0"-47,1 0 0,-1 0 16,25-24-16,-24 24 0,23 0 15,-23 0-15,-1 0 16,1-25-16,-1 25 16</inkml:trace>
-</inkml:ink>
-</file>
-
-<file path=ppt/ink/ink35.xml><?xml version="1.0" encoding="utf-8"?>
-<inkml:ink xmlns:inkml="http://www.w3.org/2003/InkML">
-  <inkml:definitions>
-    <inkml:context xml:id="ctx0">
-      <inkml:inkSource xml:id="inkSrc0">
-        <inkml:traceFormat>
-          <inkml:channel name="X" type="integer" max="1920" units="cm"/>
-          <inkml:channel name="Y" type="integer" max="1080" units="cm"/>
-          <inkml:channel name="T" type="integer" max="2.14748E9" units="dev"/>
-        </inkml:traceFormat>
-        <inkml:channelProperties>
-          <inkml:channelProperty channel="X" name="resolution" value="55.81395" units="1/cm"/>
-          <inkml:channelProperty channel="Y" name="resolution" value="55.6701" units="1/cm"/>
-          <inkml:channelProperty channel="T" name="resolution" value="1" units="1/dev"/>
-        </inkml:channelProperties>
-      </inkml:inkSource>
-      <inkml:timestamp xml:id="ts0" timeString="2020-10-24T01:48:09.834"/>
-    </inkml:context>
-    <inkml:brush xml:id="br0">
-      <inkml:brushProperty name="width" value="0.05" units="cm"/>
-      <inkml:brushProperty name="height" value="0.05" units="cm"/>
-      <inkml:brushProperty name="fitToCurve" value="1"/>
-    </inkml:brush>
-  </inkml:definitions>
-  <inkml:trace contextRef="#ctx0" brushRef="#br0">225 196 0,'0'-25'16,"0"1"-1,-24 24 16,24 24-15,-24-24-16,24 25 16,-25-1-16,1 0 0,-1 1 15,25-1-15,-24 25 16,-1-24-16,1 23 0,24 1 16,-24-24-16,24 24 0,0-1 15,0-23-15,24 24 16,0-25-16,-24 1 0,49-1 15,-24 0-15,-1 1 16,1-1-16,23-24 0,1 0 16,0 0-16,-24 0 0,23 0 15</inkml:trace>
-  <inkml:trace contextRef="#ctx0" brushRef="#br0" timeOffset="606">934 415 0,'0'-24'16,"-25"24"0,1 0-1,-1 0 1,1 0-1,0 24 1,-1-24-16,25 25 0,-24-1 16,-1 1-16,25-1 15,0 1-15,-24-1 0,24 0 16,0 1-16,24-1 16,1 1-16,-25-1 0,24-24 15,1 25-15,23-25 0,-23 0 16,-1 0-16,25 0 15,-24 0-15,23-25 0,-23 25 16,-1-24-16,1-1 16,-1 1-16,-24-1 0,0 1 15,0 0-15,0-1 0,-24 1 16,24-1-16,-25 1 16,1-1-16,-1 1 0,1 24 15,0-24-15,-1 24 16,1 0-16,-1 24 15,25 0 1</inkml:trace>
-  <inkml:trace contextRef="#ctx0" brushRef="#br0" timeOffset="1032">1349 342 0,'-25'0'16,"25"-24"-16,0 48 31,25 1-15,-25-1-16,24 0 0,1 1 15,-25-1-15,24 1 16,1-1-16,-25 1 0,24-1 16,-24 0-16,24 1 0,-24-1 15,25-24-15,-25 25 16,24-25-16,1-25 16,-1 1-1,-24-1 1,25 1-16,-25 0 0,0-1 15,24-24-15,-24 25 16,0-1-16,0 1 0,24 0 16,-24-1-16,0 1 15,0-1-15,25 25 16,-25 25 0</inkml:trace>
-  <inkml:trace contextRef="#ctx0" brushRef="#br0" timeOffset="1500">1984 440 0,'-25'0'15,"1"0"-15,24 24 63,24 1-63,1-1 15,-1-24 1,1 25-16,-1-25 16,1 0-16,-25-25 15,24 25-15,0-24 16,-24-1-16,25 1 15,-25-1-15,0 1 16,-25 0 0,25-1-16,-24 25 0,0 0 15,-1 0-15,1 0 16,-1 0-16,1 0 0,-1 25 16,25-1-16,-24-24 0,24 24 15,0 1-15,0-1 16,0 1-16,0-1 0,0 1 15,24-1-15,1 0 16,-1 1-16,1-25 16,-1 24-16,1-24 0,-1 0 15</inkml:trace>
-  <inkml:trace contextRef="#ctx0" brushRef="#br0" timeOffset="1904">2448 391 0,'-25'-24'0,"1"24"16,0-25-16,48 50 31,0-1-15,1 0-16,-1 1 15,1-1-15,-1 1 16,-24-1-16,25 1 0,-25-1 16,0 0-16,0 1 15,-25-25 1,1 0 0,24-25-1,-25 25-15,25-24 0,0 0 16,0-1-16,0 1 15,25-25-15,-25 24 0,24 1 16,1 0-16,-1-1 0,0 1 16,1-1-16,-1 25 15,1 0-15,-1 0 0,-24 25 16,25-25-16,-25 24 16</inkml:trace>
-  <inkml:trace contextRef="#ctx0" brushRef="#br0" timeOffset="2353">3278 269 0,'25'-25'0,"-25"1"0,24 0 16,-24-1 0,0 1-16,0-1 0,0 1 15,0 0-15,-24-1 16,-1 25-16,1 0 16,-1 0-16,1 0 0,0 25 15,-1-1-15,-24 0 16,25 1-16,-1-1 0,25 1 15,-24 23-15,24-23 16,0 24-16,0 0 0,24-25 16,1 25-16,-1 0 0,1 0 15,-1-1-15,1-23 16,23 24-16,-23-25 0,-1 25 16,-24-25-16,25 1 15,-25-1-15,0 1 0,-25-1 16,1 0-16,-1-24 15,1 0-15,-25 0 16,25 0-16,-1 0 0</inkml:trace>
-  <inkml:trace contextRef="#ctx0" brushRef="#br0" timeOffset="2562">3107 538 0,'0'-25'16,"25"25"0,-1 0-1,1 0-15,-1-24 16,0 24-16,1 0 0,-1 0 16,25 0-16,-24 0 15,23 0-15,-23 0 0,24 0 16</inkml:trace>
-  <inkml:trace contextRef="#ctx0" brushRef="#br0" timeOffset="2767">3571 415 0,'0'-24'0,"-24"24"32,24-24-32,-24 48 15,24 0 1,0 1-1,0-1-15,0 1 0,24-1 16,-24 1-16,0-1 16,24 0-16,-24 1 15,25-1-15,-25 1 16</inkml:trace>
-  <inkml:trace contextRef="#ctx0" brushRef="#br0" timeOffset="2953">3547 196 0,'0'-25'16,"-24"25"-16,48 25 46</inkml:trace>
-  <inkml:trace contextRef="#ctx0" brushRef="#br0" timeOffset="3248">3816 171 0,'0'-24'15,"24"24"17,0 24-17,-24 1 1,0-1-16,0 0 0,0 25 16,25-24-16,-25 24 15,0-1-15,0-23 0,24 24 16,-24 0-16,25-25 0,-25 0 15,24 25-15,1-24 16,-1-25-16,0 0 16,1 0-16,-1 0 15</inkml:trace>
-  <inkml:trace contextRef="#ctx0" brushRef="#br0" timeOffset="3428">3889 391 0,'-25'0'16,"25"24"-16,25-24 15,-1 0-15,1 0 16,-1 0-16,25 0 16,-25 0-16,1-24 0,-1 24 15,25 0-15</inkml:trace>
-  <inkml:trace contextRef="#ctx0" brushRef="#br0" timeOffset="3715">4280 49 0,'0'-24'0,"-25"-1"0,50 50 47,-25-1-47,24 1 0,25-1 15,-25 25-15,25 0 16,0-1-16,0 1 0,-25 0 16,1 0-16,-1 24 0,1-24 15,-25 0-15,0-25 16,0 25-16,-25 0 0,-24-25 15,0-24-15,1 25 16</inkml:trace>
-</inkml:ink>
-</file>
-
-<file path=ppt/ink/ink36.xml><?xml version="1.0" encoding="utf-8"?>
-<inkml:ink xmlns:inkml="http://www.w3.org/2003/InkML">
-  <inkml:definitions>
-    <inkml:context xml:id="ctx0">
-      <inkml:inkSource xml:id="inkSrc0">
-        <inkml:traceFormat>
-          <inkml:channel name="X" type="integer" max="1920" units="cm"/>
-          <inkml:channel name="Y" type="integer" max="1080" units="cm"/>
-          <inkml:channel name="T" type="integer" max="2.14748E9" units="dev"/>
-        </inkml:traceFormat>
-        <inkml:channelProperties>
-          <inkml:channelProperty channel="X" name="resolution" value="55.81395" units="1/cm"/>
-          <inkml:channelProperty channel="Y" name="resolution" value="55.6701" units="1/cm"/>
-          <inkml:channelProperty channel="T" name="resolution" value="1" units="1/dev"/>
-        </inkml:channelProperties>
-      </inkml:inkSource>
-      <inkml:timestamp xml:id="ts0" timeString="2020-10-24T01:48:53.517"/>
-    </inkml:context>
-    <inkml:brush xml:id="br0">
-      <inkml:brushProperty name="width" value="0.05" units="cm"/>
-      <inkml:brushProperty name="height" value="0.05" units="cm"/>
-      <inkml:brushProperty name="fitToCurve" value="1"/>
-    </inkml:brush>
-  </inkml:definitions>
-  <inkml:trace contextRef="#ctx0" brushRef="#br0">0 0 0,'25'0'32</inkml:trace>
-</inkml:ink>
-</file>
-
-<file path=ppt/ink/ink37.xml><?xml version="1.0" encoding="utf-8"?>
-<inkml:ink xmlns:inkml="http://www.w3.org/2003/InkML">
-  <inkml:definitions>
-    <inkml:context xml:id="ctx0">
-      <inkml:inkSource xml:id="inkSrc0">
-        <inkml:traceFormat>
-          <inkml:channel name="X" type="integer" max="1920" units="cm"/>
-          <inkml:channel name="Y" type="integer" max="1080" units="cm"/>
-          <inkml:channel name="T" type="integer" max="2.14748E9" units="dev"/>
-        </inkml:traceFormat>
-        <inkml:channelProperties>
-          <inkml:channelProperty channel="X" name="resolution" value="55.81395" units="1/cm"/>
-          <inkml:channelProperty channel="Y" name="resolution" value="55.6701" units="1/cm"/>
-          <inkml:channelProperty channel="T" name="resolution" value="1" units="1/dev"/>
-        </inkml:channelProperties>
-      </inkml:inkSource>
-      <inkml:timestamp xml:id="ts0" timeString="2020-10-24T01:49:28.270"/>
-    </inkml:context>
-    <inkml:brush xml:id="br0">
-      <inkml:brushProperty name="width" value="0.05" units="cm"/>
-      <inkml:brushProperty name="height" value="0.05" units="cm"/>
-      <inkml:brushProperty name="fitToCurve" value="1"/>
-    </inkml:brush>
-  </inkml:definitions>
-  <inkml:trace contextRef="#ctx0" brushRef="#br0">295 227 0,'-25'0'0,"1"0"16,-1 0-1,1 24 48,-1 1-47,1-25-16,0 24 0,-1 0 15,1 1-15,24-1 16,-25 25-16,1-25 0,24 25 15,0 0-15,-25-24 0,25 23 16,0 1-16,0-24 16,0-1-16,25 25 0,-25-25 15,24-24-15,1 25 16,-1-1-16,1-24 0,-1 25 16,25-25-16,-25 0 0,1 0 15,24 0-15,-25 0 16</inkml:trace>
-  <inkml:trace contextRef="#ctx0" brushRef="#br0" timeOffset="588">612 398 0,'-24'-25'16,"-1"25"-1,25 25 17,0-1-17,0 0-15,0 1 16,0-1 0,25 1-16,-25 24 0,24-25 15,-24 0-15,0 1 0,24-1 16,1 1-16,-1-1 15,1 1-15,-1-25 16,1 0-16,-1 0 16,0 0-16,1 0 15,-1-25-15,1 25 0,-1-24 16,1-1-16,-25 1 16,0-1-16,24-23 0,-24 23 15,0-24-15,0 25 0,-24-25 16,24 25-16,-25-1 15,25 1-15,-24 24 0,24-25 16,-25 25 0,25 25-1,0-1 1,25-24-16</inkml:trace>
-  <inkml:trace contextRef="#ctx0" brushRef="#br0" timeOffset="1096">1125 398 0,'-25'-25'15,"50"50"32,-1-1-31,-24 0-16,25 1 0,-25-1 15,24 1-15,-24-1 16,0 1-16,25-1 0,-25 0 16,0 1-16,0-1 15,0 1 1,0-50 15,-25 1-15,25-1-16,0 1 0,0 0 15,0-1-15,0 1 16,25-1-16,-25 1 0,0-1 16,24 1-16,0 0 15,1 24-15,-1 0 16,1 0-1,-1 24-15,-24 0 16,25-24-16,-1 25 0,-24-1 16,0 1-16,24-1 15,-24 1-15,0-1 16,0 0-16,0 1 16</inkml:trace>
-  <inkml:trace contextRef="#ctx0" brushRef="#br0" timeOffset="1696">1833 446 0,'-24'0'0,"24"-24"0,0 0 16,0-1 0,0 1-1,-25 24-15,1 0 32,-1 0-32,1 24 15,0 1 1,-1-25-16,25 24 0,-24 0 15,24 1-15,-25-1 0,25 1 16,0-1-16,0 1 16,0-1-16,25 0 0,-1 1 15,1-25-15,-1 0 16,0 0-16,1 0 16,-1-25-16,1 25 15,-1-24-15,-24 0 16,25-1-16,-25 1 0,0-1 15,0 1-15,-25-25 0,25 25 16,-24-25-16,24 24 16,-25-23-16,25 23 0,-24 1 15,-1-1-15,25 1 16,0 48 0,25 1-1,-25-1-15,24 1 16,-24 23-16,25-23 0,-25-1 15,24 25-15,-24-25 16,0 25-16,25-24 0,-25-1 16,0 25-16,0-25 0,24-24 15,-24 25-15</inkml:trace>
-  <inkml:trace contextRef="#ctx0" brushRef="#br0" timeOffset="2158">2077 495 0,'-24'-24'0,"0"24"16,24-25-16,24 25 46,0 25-30,1-25 0,-1 0-1,1 0 1,-1 0 0,-24-25-16,25 25 15,-25-24-15,0 0 16,0-1-1,-25 1-15,1 24 16,-1 0 0,1 0-16,24 24 0,-25-24 15,1 25-15,24-1 0,0 0 16,-24 1-16,24-1 16,0 1-16,0-1 15,24 25-15,-24-25 0,24 1 16,1-1-16,-1 1 0,1-25 15,-1 24-15,1-24 0,23 0 16</inkml:trace>
-  <inkml:trace contextRef="#ctx0" brushRef="#br0" timeOffset="2541">2443 373 0,'-25'0'0,"1"0"16,0 0 0,48 0-1,0 25 1,1-1 0,-1 0-16,1 1 0,-1-1 15,0 1 1,-24-1-16,0 1 0,25-25 15,-25 24-15,0 0 16,-25-24-16,1 0 16,0-24-1,-1 24-15,1 0 0,24-24 16,-25-1-16,25 1 0,0-1 16,0 1-16,0-1 15,0 1-15,0 0 0,25-1 16,-1 25-16,1-24 0,-1 24 15,0-25-15,1 25 16,-1 0-16</inkml:trace>
-  <inkml:trace contextRef="#ctx0" brushRef="#br0" timeOffset="2925">3176 178 0,'-24'-25'16,"0"1"-16,-1 24 16,25-24-16,-24-1 0,24 1 15,-25 24 1,25 24-16,-24-24 15,24 25-15,-25-1 0,25 25 16,-24-25-16,24 25 16,-24 0-16,24 0 0,0 0 15,0-1-15,0 1 0,24 0 16,-24 0-16,24 0 16,-24-25-16,25 25 0,-1 0 15,1-25-15,-25 25 16,24-24-16,-24-1 0,0 0 15,0 1-15,0-1 16,0 1-16,-24-1 16</inkml:trace>
-  <inkml:trace contextRef="#ctx0" brushRef="#br0" timeOffset="3112">2859 642 0,'0'-25'0,"24"25"16,1-24-16,-1 0 15,1 24 1,23-25-16,-23 25 0,-1 0 16,25 0-16,-24 0 15,-1-24-15</inkml:trace>
-  <inkml:trace contextRef="#ctx0" brushRef="#br0" timeOffset="3336">3225 471 0,'-24'-25'16,"24"1"0,0 48 15,0 1-31,24-1 15,-24 1-15,25-1 16,-25 1-16,24-1 0,-24 0 16,25 1-16,-25-1 15,24 1-15,-24-1 16,24-24-16</inkml:trace>
-  <inkml:trace contextRef="#ctx0" brushRef="#br0" timeOffset="3489">3250 227 0,'-25'-25'0</inkml:trace>
-  <inkml:trace contextRef="#ctx0" brushRef="#br0" timeOffset="3797">3445 153 0,'-24'-24'0,"24"48"47,0 1-47,24-1 0,-24 1 15,25 23-15,-25 1 16,24-24-16,0 24 0,-24-1 16,25 1-16,-25-24 0,0 24 15,24-25-15,-24 0 16,25 1-16,-25-1 0,24 1 15,1-25 1,-1 0-16,0 0 16</inkml:trace>
-  <inkml:trace contextRef="#ctx0" brushRef="#br0" timeOffset="3977">3347 471 0,'-24'0'0,"48"0"16,1 0-1,24-25-15,-25 25 16,25 0-16,-25-24 0,25 24 16,-24-24-16</inkml:trace>
-  <inkml:trace contextRef="#ctx0" brushRef="#br0" timeOffset="5268">3909 31 0,'-24'-24'0,"-1"24"15,1-25 1,48 50 0,1-25-1,-1 24-15,1 25 0,-1 0 16,25 0-16,-25 0 16,25 24-16,-24 0 0,23 0 15,-23 1-15,-1-1 16,-24-24-16,0 24 0,-49 0 15</inkml:trace>
-</inkml:ink>
-</file>
-
-<file path=ppt/ink/ink4.xml><?xml version="1.0" encoding="utf-8"?>
-<inkml:ink xmlns:inkml="http://www.w3.org/2003/InkML">
-  <inkml:definitions>
-    <inkml:context xml:id="ctx0">
-      <inkml:inkSource xml:id="inkSrc0">
-        <inkml:traceFormat>
-          <inkml:channel name="X" type="integer" max="1920" units="cm"/>
-          <inkml:channel name="Y" type="integer" max="1080" units="cm"/>
-          <inkml:channel name="T" type="integer" max="2.14748E9" units="dev"/>
-        </inkml:traceFormat>
-        <inkml:channelProperties>
-          <inkml:channelProperty channel="X" name="resolution" value="55.81395" units="1/cm"/>
-          <inkml:channelProperty channel="Y" name="resolution" value="55.6701" units="1/cm"/>
-          <inkml:channelProperty channel="T" name="resolution" value="1" units="1/dev"/>
-        </inkml:channelProperties>
-      </inkml:inkSource>
-      <inkml:timestamp xml:id="ts0" timeString="2020-10-18T02:45:17.540"/>
-    </inkml:context>
-    <inkml:brush xml:id="br0">
-      <inkml:brushProperty name="width" value="0.05" units="cm"/>
-      <inkml:brushProperty name="height" value="0.05" units="cm"/>
-      <inkml:brushProperty name="fitToCurve" value="1"/>
-    </inkml:brush>
-  </inkml:definitions>
-  <inkml:trace contextRef="#ctx0" brushRef="#br0">152 511 0,'-24'0'0,"-1"-25"15,1 25 1,48 0 31,-24 25-32,25-25-15,-25 24 16,24-24-16,0 24 0,1-24 16,-1 0-16,1 0 15,-1 0-15,1-24 16,-25 0-16,24 24 16,-24-25-16,0 1 0,0-1 15,0 1-15,-24 24 16,24-25-16,-25 1 0,1 24 15,-1-24-15,-24 24 16,25 0-16,0 24 0,-1 0 16,-24-24-16,25 25 0,24 24 15,-24-25-15,24 1 16,0 23-16,0-23 0,0 24 16,24-25-16,0 25 0,25-25 15,-24 1-15,23-1 16,1-24-16,0 25 0,0-25 15,0 0-15</inkml:trace>
-  <inkml:trace contextRef="#ctx0" brushRef="#br0" timeOffset="595">567 413 0,'-24'-25'0,"24"1"0,-25 0 16,50 24 15,-25 24-15,24 0-16,-24 1 15,25-1-15,-1 25 0,-24-24 16,25 23-16,-25-23 0,24-1 16,-24 1-16,0 24 15,0-25-15,24-24 0,-24 24 16,-24-24 15,24-24-31,0 0 0,0-1 16,0-24-16,0 25 15,0-25-15,0 0 0,0 0 16,24 0-16,-24 25 16,25 0-16,-1-1 0,1 25 15,-1 0-15,1 25 16,-1-1-16,0 0 15,-24 25-15,25-24 0,-25-1 16,24 25-16,-24-25 16,0 1-16,0-1 0,0 1 15,0-50 1,0 1 0,0-1-16,25 1 15,-25 0-15,24-25 16,-24 24-16,24-24 0,-24 25 15,25 0-15,-1-1 0,1 25 16,-25 25 0,24-1-16,-24 0 0,25 25 15,-25 0-15,0-24 16,24 23-16,-24 1 0,0 0 16,0-24-16,0-1 0,24 0 15,-24 1-15</inkml:trace>
-  <inkml:trace contextRef="#ctx0" brushRef="#br0" timeOffset="1121">1300 120 0,'0'-25'0,"0"1"15,0 0-15,0-1 16,0 1-16,0 48 31,0 1-31,0-1 0,24 25 16,-24 0-16,0 0 0,0 24 15,25 0-15,-25 25 16,24-25-16,-24 0 0,0 1 16,25-1-16,-25 0 15,24 0-15,-24-24 0,0 0 16,0 0-16,25-25 0,-25 1 15,0-1-15,-25-24 16,25-24 0,-24-1-1,-1 1-15,25-25 0,0 0 16,-24 0-16,24 0 0,0-24 16,0 24-16,0 1 15,0-26-15,0 25 0,24 1 16,1 23-16,-25 1 15,24-1-15,1 1 0,-1 24 16,0 0-16,1 0 16,-1 24-16,1-24 0,-25 25 15,24-1-15,-24 1 0,0 23 16,0-23-16,0-1 16,0 1-16,-24-1 0,-1 1 15,1-1-15,-1-24 0,25 24 16,-24-24-16,0 0 15,24-24-15</inkml:trace>
-  <inkml:trace contextRef="#ctx0" brushRef="#br0" timeOffset="1373">1764 120 0,'0'-25'0,"0"1"15,24 24 17,-24 24-32,0 1 15,25-1-15,-25 25 16,0 0-16,24 24 0,-24-24 16,0 0-16,0 24 0,0-24 15,0 24-15,0-24 16,0-24-16,0 23 0,0-23 15</inkml:trace>
-  <inkml:trace contextRef="#ctx0" brushRef="#br0" timeOffset="2375">2228 266 0,'24'0'16,"-24"-24"-16,-24 24 15,0 0 1,24 24-16,-25-24 16,25 25-16,-24-1 15,24 1-15,0-1 0,0 25 16,0-25-16,0 25 0,0-24 16,0-1-16,24 0 15,-24 25-15,25-49 0,-1 25 16,0-25-16,1 0 0,-1 0 15,1 0-15,-25-25 16,24 25-16,1-49 0,-25 25 16,0 0-16,0-25 15,0 24-15,0-24 0,0 1 16,-25 23-16,1-24 0,-1 25 16,1-1-16,-1 1 15,1 24-15,0 24 16,24 1-16,0-1 15,0 1-15,0-1 0,0 25 16,0-25-16,24 25 16,0-24-16,1-1 0,-25 1 15,49-25-15,-25 24 0,1-24 16,-1 0-16,0 0 16,1-24-16,-1-1 0,1 1 15,-1-1-15,1 1 0,-25-1 16,24-23-16,-24 23 15,0 1-15,0-1 0,0 1 16,-24 48 15,24 1-31,0-1 0,0 25 16,24-49 0,-24 24-16,24 1 0,1-1 15,-1 1 1,1-1-16,-1-24 0,0 25 15,25-1-15,-24 0 0,-1-24 16,1 0-16,-1 25 16,0-25-16,1-25 15,-25 1-15,0 0 16,0-1-16,0 1 0,-25-1 16,25 1-16,0-25 0,0 25 15,-24-1-15,24 1 16,-24 24-16,24 24 15,0 1 1,-25-1-16,25 25 0,0 24 16,0-24-16,0 24 0,0 25 15,0-25-15,25 1 16,-25-1-16,24 0 0,-24-24 16,24 0-16,-24 0 15,25-1-15,-25-23 0,-25-25 16,1 0-1,0-25-15,-1-23 16,1-1-16,-1 0 0,1 0 16,-1 0-16,1 25 0,0-25 15,24 25-15,0-1 16,0 1-16,24 24 31,0 0-31,1 0 16,-1 0-16,1 0 0,-1 0 15</inkml:trace>
-  <inkml:trace contextRef="#ctx0" brushRef="#br0" timeOffset="2832">3107 535 0,'-24'-24'0,"-1"24"15,50 0 17,-1 0-17,1 0-15,-1 24 16,1-24-1,-1 0-15,0 0 16,1-24-16,-1-1 16,-24 1-1,0-1-15,0 1 16,-24-1 0,-1 1-16,1 24 15,0-24-15,-1 24 16,1 0-16,-1 24 15,1 0-15,24 1 16,0-1-16,0 1 16,0 24-16,0-25 0,0 0 15,0 25-15,24-24 16,1-1-16,-1 1 0,1-25 16,-1 24-16,0-24 0</inkml:trace>
-  <inkml:trace contextRef="#ctx0" brushRef="#br0" timeOffset="3619">3498 462 0,'-24'0'31,"-1"0"-15,50 0 15,-1 0-16,-24-25 1,24 25-16,1 0 0,-1 0 16,1 0-1,-1 0-15,-24-24 0,25 24 16,-25-25-16,24 25 16,-24-24-16,0 0 15,-24-1 1,24 1-16,-25 24 0,1-25 15,-1 25-15,1 0 16,-1 0-16,25 25 16,-24-1-16,0 1 15,24-1-15,0 0 0,0 1 16,0-1-16,0 1 0,0-1 16,0 1-16,0-1 15,0 0-15,24-24 0,0 25 16,1-1-1,-1-24-15,1 0 0,-1 0 16,1 0-16,23-24 0,-23-1 16,-1 25-16,1-24 15,-1-25-15,1 25 0,-1-25 16,0 0-16,1 0 16,-1 0-16,1 0 0,-1 25 15,-24-25-15,25 25 0,-25-1 16,-25 50 15,25-1-31,-24 1 16,24 23-16,-25-23 0,25-1 15,0 25-15,0-24 0,0-1 16,0 0-16,25 1 16,-25-1-16,24 1 0,1-25 15,-1 24-15,0-24 16,1 25-16,-1-25 0,1 0 15,-1 24-15,0-24 0,1 0 16,-25 24-16,24-24 16,-24 25-16,0-1 0,-24 1 15,-1-1 1,1 1-16,-25-25 0,0 0 16,1 24-16,-1-24 0,0 0 15,24-24-15,-23 24 16,23-25-16,25 1 15</inkml:trace>
-  <inkml:trace contextRef="#ctx0" brushRef="#br0" timeOffset="3875">4524 315 0,'-25'0'0,"50"0"47,-1 0-31,1 0-16,-1 0 0,0 0 15</inkml:trace>
-  <inkml:trace contextRef="#ctx0" brushRef="#br0" timeOffset="4037">4573 413 0,'-25'24'15,"1"1"-15,24-1 0,-25-24 16,25 25-16,0-1 15,25-24 1,24 0-16,-25 0 0,25 0 16,0 0-16,0 0 15</inkml:trace>
-</inkml:ink>
-</file>
-
-<file path=ppt/ink/ink5.xml><?xml version="1.0" encoding="utf-8"?>
-<inkml:ink xmlns:inkml="http://www.w3.org/2003/InkML">
-  <inkml:definitions>
-    <inkml:context xml:id="ctx0">
-      <inkml:inkSource xml:id="inkSrc0">
-        <inkml:traceFormat>
-          <inkml:channel name="X" type="integer" max="1920" units="cm"/>
-          <inkml:channel name="Y" type="integer" max="1080" units="cm"/>
-          <inkml:channel name="T" type="integer" max="2.14748E9" units="dev"/>
-        </inkml:traceFormat>
-        <inkml:channelProperties>
-          <inkml:channelProperty channel="X" name="resolution" value="55.81395" units="1/cm"/>
-          <inkml:channelProperty channel="Y" name="resolution" value="55.6701" units="1/cm"/>
-          <inkml:channelProperty channel="T" name="resolution" value="1" units="1/dev"/>
-        </inkml:channelProperties>
-      </inkml:inkSource>
-      <inkml:timestamp xml:id="ts0" timeString="2020-10-18T02:45:22.931"/>
-    </inkml:context>
-    <inkml:brush xml:id="br0">
-      <inkml:brushProperty name="width" value="0.05" units="cm"/>
-      <inkml:brushProperty name="height" value="0.05" units="cm"/>
-      <inkml:brushProperty name="fitToCurve" value="1"/>
-    </inkml:brush>
-  </inkml:definitions>
-  <inkml:trace contextRef="#ctx0" brushRef="#br0">249 440 0,'25'0'15,"-25"-24"1,24 24-16,-48-24 31,-1 24-15,1 0-16,0 0 16,-1 24-16,-24-24 15,25 24-15,-1-24 0,1 25 16,24-1-16,-24 1 15,-1-1-15,25 25 0,0-25 16,0 1-16,25-1 0,-1 25 16,0-24-16,1-25 15,24 24-15,0-24 0,-25 24 16,25-24-16,0 0 16,0 0-16,-1-24 0,-23 24 15,-1-24-15,1 24 0,-25-25 16,0 1-16,0-1 15,0 1-15,-25-1 0,1 1 16,-1-25-16,-23 25 0,23-1 16,1-24-16,-1 1 15,1 23-15,-1-24 0,1 0 16,0 1-16,24 23 16,0-24-16,0 25 0,0-1 15,0 1-15,0 0 16,24-1-16,0 1 15,1 24-15,-1 0 16,1 0-16,-1 0 16,1 0-16,-25 24 0,24 1 15,-24-1-15,0 0 16,0 1-16,0-1 0,-24 1 16,24-1-16,-25 1 0,25 23 15,-24-23-15,-1-1 16,25 1-16,-24-1 0,-1 1 15,1-1 1,24 0-16</inkml:trace>
-  <inkml:trace contextRef="#ctx0" brushRef="#br0" timeOffset="474">836 245 0,'0'-24'16,"-25"24"-16,1 0 31,-1 0-15,25 24-16,-24-24 15,24 24-15,-25 1 16,25 24-16,0-25 0,0 1 16,0 23-16,0-23 15,0 24-15,0-25 0,25 1 16,-1-1-16,1 0 0,-1-24 16,25 25-16,-25-25 15,1 0-15,24 0 0,-25-25 16,1 25-16,-1-24 15,0 0-15,-24-1 0,25 1 16,-25-25-16,0 24 16,-25-23-16,25 23 0,-24 1 15,0-25-15,-1 49 0,1-25 16,-1 25-16,1 0 16,-1 0-16,1 0 0,0 25 15,24-1 1</inkml:trace>
-  <inkml:trace contextRef="#ctx0" brushRef="#br0" timeOffset="937">1348 245 0,'-24'-24'32,"0"24"-17,-1 0 1,1 0-16,-1 24 0,1 0 16,-25 1-16,25-25 0,-25 49 15,24-25-15,25 1 16,0-1-16,0 0 0,0 1 15,25-1-15,-1 1 16,25-25-16,0 24 0,0-24 16,0 0-16,-1 0 0,1 0 15,0 0-15,0 0 16,-25 0-16,1 0 0,-1-24 16,-24-1-16,0 1 0,0-1 15,0-23 1,-24 23-16,24 1 0,-25-1 15,1 1-15,-25-1 16,25 25-16,-1-24 0,1 24 16,-25 0-16,25 0 0,-1 24 15,1-24-15,-1 25 16,25-1-16,0 1 16</inkml:trace>
-  <inkml:trace contextRef="#ctx0" brushRef="#br0" timeOffset="1356">1886 245 0,'0'-24'31,"0"-1"-31,-25 1 16,1 24-16,-1 0 16,1 0-1,0 0-15,-1 24 16,1 1-16,-1-1 16,1 0-16,24 25 0,0-24 15,0 24-15,0-1 0,24-23 16,1-1-16,-1 1 15,25-1-15,-25 1 0,25-25 16,0 0-16,-24 0 16,23-25-16,1 25 0,-24-24 15,-25-1-15,24 1 0,-24-1 16,0-23-16,-24 23 16,-1-24-16,-24 25 0,25-1 15,-25 1-15,0 0 16,0 24-16,1 0 0,-1 0 15,24 24-15</inkml:trace>
-</inkml:ink>
-</file>
-
-<file path=ppt/ink/ink6.xml><?xml version="1.0" encoding="utf-8"?>
-<inkml:ink xmlns:inkml="http://www.w3.org/2003/InkML">
-  <inkml:definitions>
-    <inkml:context xml:id="ctx0">
-      <inkml:inkSource xml:id="inkSrc0">
-        <inkml:traceFormat>
-          <inkml:channel name="X" type="integer" max="1920" units="cm"/>
-          <inkml:channel name="Y" type="integer" max="1080" units="cm"/>
-          <inkml:channel name="T" type="integer" max="2.14748E9" units="dev"/>
-        </inkml:traceFormat>
-        <inkml:channelProperties>
-          <inkml:channelProperty channel="X" name="resolution" value="55.81395" units="1/cm"/>
-          <inkml:channelProperty channel="Y" name="resolution" value="55.6701" units="1/cm"/>
-          <inkml:channelProperty channel="T" name="resolution" value="1" units="1/dev"/>
-        </inkml:channelProperties>
-      </inkml:inkSource>
-      <inkml:timestamp xml:id="ts0" timeString="2020-10-18T02:45:36.251"/>
-    </inkml:context>
-    <inkml:brush xml:id="br0">
-      <inkml:brushProperty name="width" value="0.05" units="cm"/>
-      <inkml:brushProperty name="height" value="0.05" units="cm"/>
-      <inkml:brushProperty name="fitToCurve" value="1"/>
-    </inkml:brush>
-  </inkml:definitions>
-  <inkml:trace contextRef="#ctx0" brushRef="#br0">0 600 0,'0'-24'16,"0"-1"-16,0 1 15,0-1 1,0 1 15,0 48 16,0 1-31,0-1-16,0 1 15,0-1-15,0 0 16,0 1-16,0 24 0,0-25 16,0 25-16,24-25 0,-24 1 15,0 24-15,25-25 16,-1 1-16,-24-1 15,25-24-15,-25 24 16,24-24-16,0 0 16,1-24-1,-1 24-15,1-24 0,-25-1 16,24 1-16,0-1 0,1 1 16,-25-25-16,0 25 15,24-25-15,-24 24 0,0 1 16,0-25-16,0 25 0,0-1 15,-24 1-15,24-1 16,0 50 15,0-1-31,0 1 16,0-1-16,24 25 0,-24-25 16,25 1-16,-25 24 15,24-25-15,1 0 0,-25 1 16,24 24-16,0-25 15,1-24-15,-1 25 0,1-1 16,-1-24-16,1 0 0,23 0 16,-23 0-16,-1-24 15,1 24-15,-1-25 0,-24-24 16,25 25-16,-25-25 16,0 25-16,0-25 0,0 0 15,0 0-15,-25 0 16,25 25-16,-24-25 0,-1 24 15,25 1-15,-24 0 0,24-1 16,-25 25 0,25 25-1,-24-1-15,24 0 16,-24 1-16,24-1 16,0 1-16</inkml:trace>
-  <inkml:trace contextRef="#ctx0" brushRef="#br0" timeOffset="330">879 356 0,'-24'-25'15,"-1"25"1,25 25 15,0-1-15,0 1-16,-24-1 0,24 25 16,0-25-16,0 25 15,-25 0-15,25 0 0,0 0 16,0 0-16,-24-1 0,24 1 15,0-24-15,0 23 16,0-23-16,0-1 16,0 1-16,24-25 0</inkml:trace>
-  <inkml:trace contextRef="#ctx0" brushRef="#br0" timeOffset="775">1148 478 0,'-25'-25'16,"1"50"31,24-1-47,0 1 15,0-1-15,0 1 0,0-1 16,0 25-16,0-25 0,0 1 16,24 24-16,-24-25 15,0 0-15,25-24 0,-25 25 16,24-25-16,1 24 16,-1-24-16,0-24 15,1 24-15,-1-25 0,-24 1 16,25 0-16,-25-25 15,24 24-15,-24-24 0,0 25 16,-24-25-16,-1 25 16,25-1-16,-24 1 0,-1-1 15,1 1-15,-25 24 16,25 0-16,-1 0 16,1 24-16,24 1 0,-25-25 15,25 24-15,0 1 16,25-25-16,-25 24 0</inkml:trace>
-  <inkml:trace contextRef="#ctx0" brushRef="#br0" timeOffset="1332">1734 356 0,'0'-25'16,"-25"25"-16,25-24 15,0-1 1,0 1-16,-24 48 47,24 1-47,0-1 0,0 25 16,0 0-16,0 0 15,0-25-15,0 50 0,0-26 16,0 1-16,0 0 0,0-24 15,0 23-15,0-23 16,0 24-16,0-25 0,0 1 16,24-25 15,-24-25-31,25 25 16,-1-24-16,25-1 15,-24 1-15,-1 24 0,25-25 16,-25 25-16,1-24 15,24 24-15,-25 0 16,0 0-16,1 0 0,-1 0 16</inkml:trace>
-  <inkml:trace contextRef="#ctx0" brushRef="#br0" timeOffset="1842">2344 527 0,'-24'0'0,"0"-25"15,-1 25-15,1-24 16,24 48 31,24-24-47,1 25 15,-1-25 1,0 24-16,1-24 16,-1 0-16,1 0 15,-1-24 1,1-1-16,-25 1 15,0-1 1,0 1-16,0 0 0,-25-1 16,1 1-16,-1 24 15,1 0-15,-1-25 16,1 25-16,0 25 16,-1-1-16,25 1 0,-24-1 15,-1 25-15,25-25 16,0 25-16,0 0 0,0-25 15,0 25-15,25-24 16,-1-1-16,1 1 0,-25-1 16,48 0-16,-23-24 0,-1 0 15,1 0-15,24 0 16</inkml:trace>
-  <inkml:trace contextRef="#ctx0" brushRef="#br0" timeOffset="2334">2809 478 0,'0'-25'15,"0"1"-15,-25 0 16,1-1-16,-1 1 16,1-1-1,-1 25 1,1 0-1,0 0-15,-1 25 16,1-25-16,-1 24 0,1 1 16,-1-1-16,25 0 15,-24 25-15,24-24 0,0 24 16,0-25-16,24 0 16,-24 1-16,25-1 0,-1 1 15,1-1-15,-1-24 16,1 0-16,-1 0 0,0 0 15,-24-24-15,25 24 0,-1-25 16,1 1-16,-25-25 16,0 25-16,24-1 0,-24-24 15,0 25-15,0-1 0,0 1 16,0 0-16,0-1 16,0 50 15,25-1-31,-25 25 0,0-25 15,0 1-15,24 24 0,-24-25 16,24 0-16,1 1 16,-25-1-16,24 1 0</inkml:trace>
-  <inkml:trace contextRef="#ctx0" brushRef="#br0" timeOffset="2707">2906 380 0,'0'-24'0,"0"-1"16,25 25 31,-25 25-47,24-25 15,-24 24-15,0 1 0,24-1 16,-24 0-16,25 1 0,-25-1 15,24 1-15,-24-1 16,0 1-16,0-1 0,25 0 16,-50-48 15,25 0-15,-24-25-1,24 24-15,0 1 0,0-1 16,0 1-16,0-25 15,0 25-15,0-1 0,24 1 16,1 24-16,-25-24 0,24 24 16,1 0-16,-1 0 15</inkml:trace>
-  <inkml:trace contextRef="#ctx0" brushRef="#br0" timeOffset="3205">3175 331 0,'0'-24'32,"0"48"14,24-24-46,-24 25 16,0-1-16,25 1 16,-25-1-16,0 0 0,0 1 15,24-1-15,-24 1 0,0-1 16,0 1 0,0-1-16,0-48 31,0-1-16,0 1-15,0-25 16,0 24-16,0 1 16,0-25-16,25 25 0,-25-1 15,24 1-15,-24 0 16,24-1-16,1 25 16,-1 0-16,1 0 15,-25 25-15,24-1 16,-24 0-16,24 1 0,-24-1 15,0 1-15,25-1 16,-25 0-16,0 1 0,0-1 16,0 1-1</inkml:trace>
-  <inkml:trace contextRef="#ctx0" brushRef="#br0" timeOffset="3457">3541 258 0,'0'-24'15,"0"48"32,0 0-47,25-24 0,-25 25 16,24-1-16,-24 1 0,0-1 15,24 1-15,-24-1 16,0 0-16,25 1 16,-25-1-16</inkml:trace>
-  <inkml:trace contextRef="#ctx0" brushRef="#br0" timeOffset="3641">3541 38 0,'-24'-24'0,"-1"24"16,25-25 0,0 50-1</inkml:trace>
-  <inkml:trace contextRef="#ctx0" brushRef="#br0" timeOffset="4123">3810 258 0,'-25'0'0,"25"-24"0,-24 24 15,24-25 1,0 1 0,24 48 15,1 1-15,-25-1-16,24 0 0,-24 1 15,25-1-15,-25 1 16,0-1-16,0 1 0,0-1 15,24 0-15,-24 1 16,0-1-16,0-48 31,0-1-15,0 1-16,0-25 0,0 25 16,25-1-16,-25-24 15,24 25-15,-24 0 0,24-1 16,-24 1-16,25-1 0,-1 25 15,1 0-15,-1 0 16,1 25-16,-1-25 16,0 24-16,-24 1 0,25 23 15,-1-23-15,1-1 16,-25 1-16,24-1 0,-24 1 16,24-1-16,-24 0 15</inkml:trace>
-  <inkml:trace contextRef="#ctx0" brushRef="#br0" timeOffset="4818">4591 209 0,'0'-24'0,"-24"-1"0,0 1 16,24 0-1,-25 24-15,1-25 0,-1 1 16,1 24-16,-1 0 16,1 24-1,0-24-15,-1 25 0,25-1 16,-24-24-16,24 49 16,-25-25-16,25 1 0,0-1 15,0 1-15,25-1 0,-25 0 16,24-24-16,1 25 15,-1-25-15,0 0 0,25 0 16,-24 0-16,-1 0 16,1 0-16,-1 0 0,-24-25 15,24 25-15,-24-24 0,0 0 16,0-1-16,0 1 16,0-1-16,0 1 0,0-1 15,0 1-15,0 48 31,0 1-15,25-1-16,-25 25 0,24-24 16,1 23-16,-1 1 0,1 24 15,-25-24-15,24 0 16,0 24-16,-24-24 0,25 0 16,-25 0-16,0 0 0,0-25 15,0 25-15,0-25 16,-25 1-16,1-25 0,0 24 15,-1-24-15,1 0 16,-25-24-16,24 24 0,1-25 16,-25-23-16,25-1 0,-1 24 15,25-23-15,-24-1 16,24 0-16,0 0 0,24 0 16,-24 25-16,25-1 15,-1 25-15,1-24 0,-1 24 16,0 0-16,1 0 0,-1 0 15,1 0-15,-1 0 16</inkml:trace>
-  <inkml:trace contextRef="#ctx0" brushRef="#br0" timeOffset="5106">5007 307 0,'-25'0'0,"1"0"15,24-24 1,24 24-1,1-25-15,-1 25 16,0 0-16,1 0 0,-1-24 16,1 24-16,-1 0 15,1 0-15,-1 0 16</inkml:trace>
-</inkml:ink>
-</file>
-
-<file path=ppt/ink/ink7.xml><?xml version="1.0" encoding="utf-8"?>
-<inkml:ink xmlns:inkml="http://www.w3.org/2003/InkML">
-  <inkml:definitions>
-    <inkml:context xml:id="ctx0">
-      <inkml:inkSource xml:id="inkSrc0">
-        <inkml:traceFormat>
-          <inkml:channel name="X" type="integer" max="1920" units="cm"/>
-          <inkml:channel name="Y" type="integer" max="1080" units="cm"/>
-          <inkml:channel name="T" type="integer" max="2.14748E9" units="dev"/>
-        </inkml:traceFormat>
-        <inkml:channelProperties>
-          <inkml:channelProperty channel="X" name="resolution" value="55.81395" units="1/cm"/>
-          <inkml:channelProperty channel="Y" name="resolution" value="55.6701" units="1/cm"/>
-          <inkml:channelProperty channel="T" name="resolution" value="1" units="1/dev"/>
-        </inkml:channelProperties>
-      </inkml:inkSource>
-      <inkml:timestamp xml:id="ts0" timeString="2020-10-18T02:45:51.418"/>
-    </inkml:context>
-    <inkml:brush xml:id="br0">
-      <inkml:brushProperty name="width" value="0.05" units="cm"/>
-      <inkml:brushProperty name="height" value="0.05" units="cm"/>
-      <inkml:brushProperty name="fitToCurve" value="1"/>
-    </inkml:brush>
-  </inkml:definitions>
-  <inkml:trace contextRef="#ctx0" brushRef="#br0">32 201 0,'0'-24'15,"0"0"-15,0-1 16,-24 25 0,24 25-1,0-1 1,0 0-16,0 25 16,0-24-16,0 24 0,0-25 15,0 25-15,0 0 16,0-25-16,0 1 0,0 23 15,24-23-15</inkml:trace>
-  <inkml:trace contextRef="#ctx0" brushRef="#br0" timeOffset="597">570 177 0,'0'-24'16,"-25"24"-16,25-25 15,0 50 17,0-1-17,-24-24 1,24 24-16,-24-24 0,-1 25 15,1-25-15,-1 0 16,1 0-16,-1 0 0,1-25 16,0 25-1,24-24-15,0 0 0,0-1 16,0 1-16,0-1 16,0 1-16,24-1 15,0 1-15,1 24 16,-1 0-16,1 0 15,-1 24-15,-24 1 0,25 24 16,-25-25-16,24 25 0,-24 24 16,0-24-16,-24 0 15,24 0-15,-25-25 0,1 25 16,-25-24-16,24-1 16,1 0-16,0-24 0,-1 0 15,1 0-15,-1 0 16,25-24-16,0 0 15,0-1-15,0 1 0,25-1 16,-1 1-16,1-1 16,-1 25-16,0-24 0,1 24 15,-1 24-15,1-24 0,-1 25 16,1-1-16,-1 1 16,-24-1-16,24 25 0,-24-25 15,25 1-15,-1-25 16</inkml:trace>
-  <inkml:trace contextRef="#ctx0" brushRef="#br0" timeOffset="912">838 397 0,'0'-25'15,"-24"25"-15,48 0 31,-24 25 1,0-1-17,-24 1 1,0-25 15,24-25-31,-25 1 16,25-1-1,0 1 1,25 24-16,-1 0 31</inkml:trace>
-  <inkml:trace contextRef="#ctx0" brushRef="#br0" timeOffset="1515">1205 104 0,'-25'-25'0,"25"1"0,-24 24 16,24-25-16,-25 25 15,25 25 16,0-1-31,0 1 16,0-1-16,0 1 16,0-1-16,0 0 0,0 1 15,0-1-15,0 1 0,0-1 16,0 1-16,0-1 16,0 0-16,25-24 31,-1 0-16,-24-24-15,25 24 0,-1 0 16,1-24-16,-1 24 16,0 0-16,1 0 0,-1 0 15,1 0-15,-1 0 16,1 0 0,-25-25 15,0 1-31,0-1 15,0 1-15,0-1 16,0 1-16,0 0 16,0-1-16,-25 1 15,25 48 1,0 1 0,0-1-16,0 0 15,0 25-15,0-24 0,0 24 16,0-25-16,0 25 0,0-25 15,25 25-15,-25-24 0,24-1 16,-24 0-16</inkml:trace>
-  <inkml:trace contextRef="#ctx0" brushRef="#br0" timeOffset="2035">1840 153 0,'-25'0'15,"25"-25"1,0 50 15,0-1-15,0 0-1,0 1-15,0-1 16,-24-24-16,-1 25 16,1-25-1,0 0-15,24-25 16,-25 25-16,1-24 16,24-1-16,0 1 15,24 0-15,1-1 16,-1 1-1,0 24 1,1 0 0,-25 24-16</inkml:trace>
-  <inkml:trace contextRef="#ctx0" brushRef="#br0" timeOffset="2303">2060 79 0,'-25'0'0,"25"25"31,0-1-15,0 1-16,0-1 0,0 0 15,-24 1-15,24 24 16,0-25-16,0 25 0,0-25 16,-25 1-16,25 24 0,0-25 15,-24-24-15,24 25 16</inkml:trace>
-  <inkml:trace contextRef="#ctx0" brushRef="#br0" timeOffset="2642">2255 324 0,'0'-25'16,"24"25"-16,1 25 31,-25-1-15,24 0-16,-24 1 15,0-1-15,0 1 16,-24-25 0,-1 0-1,1 0-15,0-25 16,24 1 0,0-1-16,0 1 15,0 0-15,24 24 16,-24-25-16,24 25 15,1 0-15,-1 0 16,1 25-16</inkml:trace>
-  <inkml:trace contextRef="#ctx0" brushRef="#br0" timeOffset="2899">2743 177 0,'-24'0'0,"0"-24"15,-1 24-15,25-25 16,25 25-1,-1 0 1,0 0-16,1 0 16,24 0-16</inkml:trace>
-  <inkml:trace contextRef="#ctx0" brushRef="#br0" timeOffset="3062">2695 299 0,'-25'25'0,"1"-25"15,24 24-15,0 0 16,24-24 0,1 0-16,23 0 0,1 0 15,0 0-15,0 0 16,0 0-16,0 0 0</inkml:trace>
-</inkml:ink>
-</file>
-
-<file path=ppt/ink/ink8.xml><?xml version="1.0" encoding="utf-8"?>
-<inkml:ink xmlns:inkml="http://www.w3.org/2003/InkML">
-  <inkml:definitions>
-    <inkml:context xml:id="ctx0">
-      <inkml:inkSource xml:id="inkSrc0">
-        <inkml:traceFormat>
-          <inkml:channel name="X" type="integer" max="1920" units="cm"/>
-          <inkml:channel name="Y" type="integer" max="1080" units="cm"/>
-          <inkml:channel name="T" type="integer" max="2.14748E9" units="dev"/>
-        </inkml:traceFormat>
-        <inkml:channelProperties>
-          <inkml:channelProperty channel="X" name="resolution" value="55.81395" units="1/cm"/>
-          <inkml:channelProperty channel="Y" name="resolution" value="55.6701" units="1/cm"/>
-          <inkml:channelProperty channel="T" name="resolution" value="1" units="1/dev"/>
-        </inkml:channelProperties>
-      </inkml:inkSource>
-      <inkml:timestamp xml:id="ts0" timeString="2020-10-18T02:45:48.678"/>
-    </inkml:context>
-    <inkml:brush xml:id="br0">
-      <inkml:brushProperty name="width" value="0.05" units="cm"/>
-      <inkml:brushProperty name="height" value="0.05" units="cm"/>
-      <inkml:brushProperty name="fitToCurve" value="1"/>
-    </inkml:brush>
-  </inkml:definitions>
-  <inkml:trace contextRef="#ctx0" brushRef="#br0">469 187 0,'0'-25'0,"0"1"15,0 0 1,0-1-16,24 25 16,-24-24-16,0-1 15,0 1 1,-24 24-16,0 0 0,-1 0 15,1 0-15,-1 0 16,-24 0-16,1 24 0,23-24 16,-24 49-16,1-24 15,-1 23-15,24 1 0,1 0 16,-1 0-16,1 0 0,24 24 16,0-24-16,0-25 15,24 25-15,1 0 0,-1-25 16,1 1-16,-1-25 0,1 24 15,23-24-15,1 0 16,-24 0-16</inkml:trace>
-  <inkml:trace contextRef="#ctx0" brushRef="#br0" timeOffset="389">738 407 0,'-25'-25'16,"1"25"-1,-1-24-15,1 24 16,-25 0-16,25 24 16,-1-24-1,1 25-15,24-1 0,0 1 16,0-1-16,0 0 16,0 1-16,0-1 0,24 1 15,-24-1-15,25 0 0,-1 1 16,1-25-16,-1 0 15,0 0-15,25 0 0,-24 0 16,-1 0-16,1-25 0,-1 1 16,-24 0-1,0-1-15,0 1 16,-24-1-16,-1 1 16,-24 0-16,25-1 0,-1 1 15,1 24-15,24-25 16,-24 25-16,24 25 15,0-1 1,24-24 0,0 0-16</inkml:trace>
-  <inkml:trace contextRef="#ctx0" brushRef="#br0" timeOffset="815">933 407 0,'0'-25'32,"24"25"-1,-24 25-31,25-1 16,-1 1-16,-24-1 15,25 0-15,-25 1 16,0 24-16,0-25 0,0 1 15,0-1 1,-25-24 0,25-24-1,0-1-15,0 1 16,0-1-16,25 1 0,-25-1 16,24-23-16,1 23 15,-25 1-15,24-1 0,0 1 16,1-1-16,24 25 0,-25 0 15,1 0-15,-1 0 16,0 25-16,-24-1 0,25 1 16,-25 24-16,24-25 15,-24 0-15,0 25 0,0-24 16,0-1-16,-24 1 0,24-1 16</inkml:trace>
-  <inkml:trace contextRef="#ctx0" brushRef="#br0" timeOffset="1056">1446 114 0,'0'-25'16,"0"1"-16,0 48 31,0 1-31,0-1 15,0 0-15,0 25 0,0 0 16,24-24-16,-24 23 16,25 1-16,-25 0 0,24-24 15,-24 23-15,0-23 0,25-1 16,-25 1-16,0-1 16</inkml:trace>
-  <inkml:trace contextRef="#ctx0" brushRef="#br0" timeOffset="1613">1422 358 0,'0'-25'0,"24"1"16,0 24 0,1 0-16,-1 0 15,1 0-15,23 0 16,-23 0-16,24 24 0,-25-24 15,25 0-15,0 0 16,-25 0-16,25 0 0,-24 0 16,-1 0-16,0-24 0,-24 0 15,0-1 1,-24 25 0,0-24-16,-1 24 15,1 0-15,-1 0 0,1 0 16,-1 0-16,1 0 0,0 24 15,-1 1 1,1-1-16,24 25 0,0-25 16,-25 25-16,25-24 0,0-1 15,0 0-15,25 1 16,-25-1-16,24 1 0,1-25 16,-1 0-16,0 0 15,1 0-15,-1 0 0,1 0 16,-25-25-16,24 1 0,1-1 15,-25 1-15,24 0 16,-24-1-16,0 1 0,0-1 16,24 1-16,-24-1 15,0 50 1,0-1 0,0 1-1,0-1-15,0 1 0,0-1 16,25 0-16,-25 1 15,24-1-15</inkml:trace>
-  <inkml:trace contextRef="#ctx0" brushRef="#br0" timeOffset="1904">2276 407 0,'0'-25'16,"0"1"-1,0-1-15,0 1 0,-24 24 16,24-24-16,-25-1 16,25 1-16,-24 24 15,0 0-15,24 24 16,-25 1-16,25-1 16,-24 0-16,24 1 0,0-1 15,0 25-15,0-24 16,0-1-16,0 0 0,24 1 15,-24-1-15,25 1 0,-1-1 16,0-24 0,1 0-16,-1 0 0,25-24 15</inkml:trace>
-  <inkml:trace contextRef="#ctx0" brushRef="#br0" timeOffset="2113">2447 161 0,'0'-48'15,"-24"23"-15,24-24 0,-25 25 16,25 0 0,0 48-1,0 0-15,0 25 16,0-24-16,25 23 0,-25 1 16,0 0-16,24 0 15,-24 0-15,0 0 0,25-25 16,-25 25-16,0-25 0,0 1 15,24-25-15</inkml:trace>
-  <inkml:trace contextRef="#ctx0" brushRef="#br0" timeOffset="2279">2447 333 0,'0'-24'16,"25"24"-1,-1 0 1,1 0-16,-1-24 0,0 24 16,1 0-16,24 0 15,-25 0-15</inkml:trace>
-</inkml:ink>
-</file>
-
-<file path=ppt/ink/ink9.xml><?xml version="1.0" encoding="utf-8"?>
-<inkml:ink xmlns:inkml="http://www.w3.org/2003/InkML">
-  <inkml:definitions>
-    <inkml:context xml:id="ctx0">
-      <inkml:inkSource xml:id="inkSrc0">
-        <inkml:traceFormat>
-          <inkml:channel name="X" type="integer" max="1920" units="cm"/>
-          <inkml:channel name="Y" type="integer" max="1080" units="cm"/>
-          <inkml:channel name="T" type="integer" max="2.14748E9" units="dev"/>
-        </inkml:traceFormat>
-        <inkml:channelProperties>
-          <inkml:channelProperty channel="X" name="resolution" value="55.81395" units="1/cm"/>
-          <inkml:channelProperty channel="Y" name="resolution" value="55.6701" units="1/cm"/>
-          <inkml:channelProperty channel="T" name="resolution" value="1" units="1/dev"/>
-        </inkml:channelProperties>
-      </inkml:inkSource>
-      <inkml:timestamp xml:id="ts0" timeString="2020-10-18T02:45:55.623"/>
-    </inkml:context>
-    <inkml:brush xml:id="br0">
-      <inkml:brushProperty name="width" value="0.05" units="cm"/>
-      <inkml:brushProperty name="height" value="0.05" units="cm"/>
-      <inkml:brushProperty name="fitToCurve" value="1"/>
-    </inkml:brush>
-  </inkml:definitions>
-  <inkml:trace contextRef="#ctx0" brushRef="#br0">295 397 0,'-25'0'0,"1"-24"16,0 24-16,-1-25 16,1 25-1,-1 0-15,1 0 16,-1 25-16,1-1 16,24 1-16,-24-1 15,-1 0-15,1 1 0,24 24 16,0-25-16,0 1 15,0 23-15,24-23 0,1-1 16,-1 1-16,25-25 0,-25 24 16,25-24-16,0 0 15,24 0-15,-24 0 0,-24-24 16,23-1-16,-23 25 16,-1-24-16,-24-1 0,0 1 15,0 0-15,-24 24 0,-1-49 16,-23 24-16,-1 1 15,0-1-15,0 1 0,0 0 16,25-1-16,-25-24 16,24 25-16,1-1 0,0-23 15,24 23-15,0 1 0,0-1 16,24 1-16,0 0 16,1 24-16,-1-25 0,25 25 15,-24-24-15,23 24 16,-23 0-16,-1 0 0,25 24 15,-24 1-15,-25-1 0,24 0 16,-24 1-16,0-1 16,-24 25-16,24-25 0,-25 1 15,1 24-15,-1-25 16,1 1-16,24-1 0,-25 0 16,25 1-16</inkml:trace>
-  <inkml:trace contextRef="#ctx0" brushRef="#br0" timeOffset="1186">832 348 0,'0'-24'31,"-24"24"-31,-1 0 31,25 24-31,0 1 16,0-1-16,0 1 15,0-1-15,0 0 0,0 1 16,0-1-16,25 1 0,-25-1 16,24 1-16,1-25 15,-1 0-15,0 0 0,1 0 16,-1 0-16,25 0 0,-24 0 15,-1-25-15,0 1 16,-24-1-16,0 1 16,-24 24-16,24-25 15,-24 1-15,-25 0 0,24-1 16,1 1-16,-1 24 0,1-25 16,0 1-16,-1 24 15,25-24-15,25 24 31,-1 0-31,0 0 16,1 0-16,-1 0 0,1 0 16,24 0-16,-25 0 15,0 0-15,1 0 0,24 0 16,-25 0-16,0 0 16,1 0-16,-1 24 0,1-24 15,-1 24-15,1-24 0,-25 25 16,24-25-16,-24 24 15,0 1-15,0-1 0,-24-24 16,24 24-16,0 1 16,-25-1-16,25 1 15,25-1-15,-1-24 16,0 0 0,1 0-16,-1 0 0,1 0 15,-1 0-15,25 0 16,-25-24-16,1 24 15,-25-25-15,24 25 16,-24-24-16,0-1 16,-24 25-16,-1-24 0,25 0 15,-24-1-15,0 1 16,-1-1-16,1 1 0,-1 24 16,1-24-16,-1 24 15,1 0-15,48 0 47,1 0-47,-1 0 0,25 0 16,-24 0-16,-1 0 0,25 24 15,-25-24-15,1 0 16,-1 0-16,1 0 0,-1 0 16,0 0-16,1 0 0,-1 0 15,-24 24-15,25-24 16,-1 0-16,-24 25 15,0-1 1,-24-24-16,24 25 16,-25-1-16,25 0 15,0 1 1,0-1-16,25-24 16,-1 25-16,1-25 15,-1 0-15,0 0 16,25 0-16,-24-25 0,-1 25 15,0 0-15,1-24 16,-1 24-16,1-25 16,-25 1-16,0 0 15,-25-1-15,1 1 16,-1-25-16,1 25 0,0-1 16,-1 25-16,1-24 15,-25 24-15,25 0 0,-1 0 16,1 0-16,-1 24 15,1 1-15,24-1 0,0 0 16,0 1-16</inkml:trace>
-  <inkml:trace contextRef="#ctx0" brushRef="#br0" timeOffset="1461">2249 226 0,'-25'-24'0,"25"-1"0,0 1 15,0 0-15,0-1 16,25 50 0,-1-1-16,1 0 15,-1 1-15,0 24 16,1-25-16,24 49 15,-25-48-15,0 24 0,1-25 16,-1-24-16,-24 24 16,25 1-16</inkml:trace>
-  <inkml:trace contextRef="#ctx0" brushRef="#br0" timeOffset="1655">2542 153 0,'0'-49'16,"0"25"-16,-25 24 0,25-25 16,-24 25-16,24 25 15,-25-1-15,1 1 16,24 23-16,-24 1 0,24 0 16,-25-25-16,25 25 15,-24 0-15,24 0 0,0-25 16,-25 1-16,25-1 0</inkml:trace>
-  <inkml:trace contextRef="#ctx0" brushRef="#br0" timeOffset="1941">2908 153 0,'-24'-24'16,"24"-1"-1,0 50 17,0-1-32,0 0 15,0 25-15,0 0 0,0 0 16,0-25-16,24 25 15,-24 0-15,0-25 0,0 25 16,25-24-16,-25-1 0</inkml:trace>
-  <inkml:trace contextRef="#ctx0" brushRef="#br0" timeOffset="2337">3055 226 0,'-25'-24'16,"25"-1"-16,0 1 16,0 0-16,25-1 15,-1 25-15,1-24 0,-1 24 16,25 0-16,-25 0 16,25 0-16,-25 24 0,25 1 15,-49-1-15,25 0 0,-25 25 16,0 0-16,-25-24 15,1 23-15,-1 1 0,1-24 16,-25 23-16,25-23 16,-1-1-16,1-24 15,24 25-15,24-50 32,1 25-32,-1-24 15,25 24-15,-25 0 16,1 0-16,24 0 0,-25 0 15,1 0-15,-1 24 16,0-24-16,1 25 0,-1-25 16,1 0-16,-25 24 0,24-24 15</inkml:trace>
-  <inkml:trace contextRef="#ctx0" brushRef="#br0" timeOffset="2668">3811 373 0,'-25'0'0,"25"-25"16,-24 1-16,24-1 16,24 25-1,-24 25 1,25-25-16,-25 24 15,24-24 1,-48 25 0,-1-25-1,1 0-15,0 0 16,24-25-16,24 25 47,0 0-32</inkml:trace>
-  <inkml:trace contextRef="#ctx0" brushRef="#br0" timeOffset="3148">4032 80 0,'0'-25'0,"-25"1"15,25 48 17,0 1-17,0-1-15,25 1 16,-25-1-16,0 25 0,0-25 15,24 1-15,0 23 0,-24-23 16,25-1-16,-1 1 16,1-1-16,-1-24 0,1 25 15,-1-25-15,0-25 16,1 25-16,-1-24 0,-24-1 16,25 1-16,-25-1 0,0-23 15,0 23-15,0-24 16,0 25-16,0 0 0,0-1 15,0 50 17,0-1-32,0 25 0,0 0 15,24-1-15,-24 1 16,24 0-16,-24-24 0,25 23 16,-1-23-16,-24 24 15,25-25-15,-25 1 0</inkml:trace>
-  <inkml:trace contextRef="#ctx0" brushRef="#br0" timeOffset="3486">4593 55 0,'0'-24'16,"25"24"15,-1 24-15,-24 1-16,0-1 15,25 1-15,-25-1 0,0 0 16,-25 1-16,1-1 16,-1-24-1,1-24 1,24-1-1,-25 25-15,25-24 0,0 0 16,0-1-16,0 1 16,25-1-16,-1 25 31,-24 25-15</inkml:trace>
-  <inkml:trace contextRef="#ctx0" brushRef="#br0" timeOffset="3744">5009 31 0,'-25'-25'0,"1"25"15,-1 0 1,1 0-16,-1 25 15,25-1-15,-24 1 16,24-1-16,0 25 0,-24-25 16,24 25-16,0 0 0,0 0 15,0-25-15,0 25 16,0-24-16,0 23 0,0-23 16,-25-25-16</inkml:trace>
-  <inkml:trace contextRef="#ctx0" brushRef="#br0" timeOffset="4084">5253 300 0,'0'-25'0,"24"25"16,-24 25 30,0-1-30,0 0-16,-24-24 16,-1 25-16,1-25 15,-1 0-15,1 0 16,0 0-16,24-25 16,-25 25-16,25-24 15,0 0-15,0-1 16,25 25-16,-1 0 0,-24-24 15,24 24-15,1 0 16,-1 0-16,1 24 16,-1 1-1</inkml:trace>
-  <inkml:trace contextRef="#ctx0" brushRef="#br0" timeOffset="4324">5766 104 0,'-25'0'0,"25"-24"15,0-1-15,25 25 16,-1 0-1,0 0-15,1 0 16,-25 25-16,24-25 16,1 24-16</inkml:trace>
-  <inkml:trace contextRef="#ctx0" brushRef="#br0" timeOffset="4468">5644 324 0,'0'24'0,"24"1"32,25-25-32,0 0 0,-1 0 15,1 0-15,25 0 16</inkml:trace>
-</inkml:ink>
-</file>
-
 <file path=ppt/notesMasters/notesMaster1.xml><?xml version="1.0" encoding="utf-8"?>
 <p:notesMaster xmlns:a="http://schemas.openxmlformats.org/drawingml/2006/main" xmlns:r="http://schemas.openxmlformats.org/officeDocument/2006/relationships" xmlns:p="http://schemas.openxmlformats.org/presentationml/2006/main">
   <p:cSld>
@@ -1614,7 +3944,7 @@
           <a:p>
             <a:fld id="{4AF2A06D-4991-4208-8C88-4E8BAD69A8B8}" type="datetimeFigureOut">
               <a:rPr lang="en-US" smtClean="0"/>
-              <a:t>12/16/2020</a:t>
+              <a:t>12/17/2020</a:t>
             </a:fld>
             <a:endParaRPr lang="en-US"/>
           </a:p>
@@ -2322,7 +4652,7 @@
           <a:p>
             <a:fld id="{E26E0DA5-0C76-4851-AA82-0B75261F9EB4}" type="datetimeFigureOut">
               <a:rPr lang="en-US" smtClean="0"/>
-              <a:t>12/16/2020</a:t>
+              <a:t>12/17/2020</a:t>
             </a:fld>
             <a:endParaRPr lang="en-US"/>
           </a:p>
@@ -2490,7 +4820,7 @@
           <a:p>
             <a:fld id="{E26E0DA5-0C76-4851-AA82-0B75261F9EB4}" type="datetimeFigureOut">
               <a:rPr lang="en-US" smtClean="0"/>
-              <a:t>12/16/2020</a:t>
+              <a:t>12/17/2020</a:t>
             </a:fld>
             <a:endParaRPr lang="en-US"/>
           </a:p>
@@ -2668,7 +4998,7 @@
           <a:p>
             <a:fld id="{E26E0DA5-0C76-4851-AA82-0B75261F9EB4}" type="datetimeFigureOut">
               <a:rPr lang="en-US" smtClean="0"/>
-              <a:t>12/16/2020</a:t>
+              <a:t>12/17/2020</a:t>
             </a:fld>
             <a:endParaRPr lang="en-US"/>
           </a:p>
@@ -2792,7 +5122,7 @@
             <a:fld id="{425404F2-BE9A-4460-8815-8F645183555F}" type="datetimeFigureOut">
               <a:rPr lang="en-US" smtClean="0"/>
               <a:pPr/>
-              <a:t>12/16/2020</a:t>
+              <a:t>12/17/2020</a:t>
             </a:fld>
             <a:endParaRPr lang="en-US"/>
           </a:p>
@@ -2974,7 +5304,7 @@
             <a:fld id="{425404F2-BE9A-4460-8815-8F645183555F}" type="datetimeFigureOut">
               <a:rPr lang="en-US" smtClean="0"/>
               <a:pPr/>
-              <a:t>12/16/2020</a:t>
+              <a:t>12/17/2020</a:t>
             </a:fld>
             <a:endParaRPr lang="en-US"/>
           </a:p>
@@ -3156,7 +5486,7 @@
             <a:fld id="{425404F2-BE9A-4460-8815-8F645183555F}" type="datetimeFigureOut">
               <a:rPr lang="en-US" smtClean="0"/>
               <a:pPr/>
-              <a:t>12/16/2020</a:t>
+              <a:t>12/17/2020</a:t>
             </a:fld>
             <a:endParaRPr lang="en-US"/>
           </a:p>
@@ -3338,7 +5668,7 @@
             <a:fld id="{425404F2-BE9A-4460-8815-8F645183555F}" type="datetimeFigureOut">
               <a:rPr lang="en-US" smtClean="0"/>
               <a:pPr/>
-              <a:t>12/16/2020</a:t>
+              <a:t>12/17/2020</a:t>
             </a:fld>
             <a:endParaRPr lang="en-US"/>
           </a:p>
@@ -3520,7 +5850,7 @@
             <a:fld id="{425404F2-BE9A-4460-8815-8F645183555F}" type="datetimeFigureOut">
               <a:rPr lang="en-US" smtClean="0"/>
               <a:pPr/>
-              <a:t>12/16/2020</a:t>
+              <a:t>12/17/2020</a:t>
             </a:fld>
             <a:endParaRPr lang="en-US"/>
           </a:p>
@@ -3702,7 +6032,7 @@
             <a:fld id="{425404F2-BE9A-4460-8815-8F645183555F}" type="datetimeFigureOut">
               <a:rPr lang="en-US" smtClean="0"/>
               <a:pPr/>
-              <a:t>12/16/2020</a:t>
+              <a:t>12/17/2020</a:t>
             </a:fld>
             <a:endParaRPr lang="en-US"/>
           </a:p>
@@ -3884,7 +6214,7 @@
             <a:fld id="{425404F2-BE9A-4460-8815-8F645183555F}" type="datetimeFigureOut">
               <a:rPr lang="en-US" smtClean="0"/>
               <a:pPr/>
-              <a:t>12/16/2020</a:t>
+              <a:t>12/17/2020</a:t>
             </a:fld>
             <a:endParaRPr lang="en-US"/>
           </a:p>
@@ -4066,7 +6396,7 @@
             <a:fld id="{425404F2-BE9A-4460-8815-8F645183555F}" type="datetimeFigureOut">
               <a:rPr lang="en-US" smtClean="0"/>
               <a:pPr/>
-              <a:t>12/16/2020</a:t>
+              <a:t>12/17/2020</a:t>
             </a:fld>
             <a:endParaRPr lang="en-US"/>
           </a:p>
@@ -4292,7 +6622,7 @@
           <a:p>
             <a:fld id="{E26E0DA5-0C76-4851-AA82-0B75261F9EB4}" type="datetimeFigureOut">
               <a:rPr lang="en-US" smtClean="0"/>
-              <a:t>12/16/2020</a:t>
+              <a:t>12/17/2020</a:t>
             </a:fld>
             <a:endParaRPr lang="en-US"/>
           </a:p>
@@ -4416,7 +6746,7 @@
             <a:fld id="{425404F2-BE9A-4460-8815-8F645183555F}" type="datetimeFigureOut">
               <a:rPr lang="en-US" smtClean="0"/>
               <a:pPr/>
-              <a:t>12/16/2020</a:t>
+              <a:t>12/17/2020</a:t>
             </a:fld>
             <a:endParaRPr lang="en-US"/>
           </a:p>
@@ -4598,7 +6928,7 @@
             <a:fld id="{425404F2-BE9A-4460-8815-8F645183555F}" type="datetimeFigureOut">
               <a:rPr lang="en-US" smtClean="0"/>
               <a:pPr/>
-              <a:t>12/16/2020</a:t>
+              <a:t>12/17/2020</a:t>
             </a:fld>
             <a:endParaRPr lang="en-US"/>
           </a:p>
@@ -4780,7 +7110,7 @@
             <a:fld id="{425404F2-BE9A-4460-8815-8F645183555F}" type="datetimeFigureOut">
               <a:rPr lang="en-US" smtClean="0"/>
               <a:pPr/>
-              <a:t>12/16/2020</a:t>
+              <a:t>12/17/2020</a:t>
             </a:fld>
             <a:endParaRPr lang="en-US"/>
           </a:p>
@@ -5165,7 +7495,7 @@
             <a:fld id="{9578D6DB-6798-42D2-B9AD-FC6F1C72FC30}" type="datetimeFigureOut">
               <a:rPr lang="en-US" smtClean="0"/>
               <a:pPr/>
-              <a:t>12/16/2020</a:t>
+              <a:t>12/17/2020</a:t>
             </a:fld>
             <a:endParaRPr lang="en-US"/>
           </a:p>
@@ -5407,7 +7737,7 @@
             <a:fld id="{425404F2-BE9A-4460-8815-8F645183555F}" type="datetimeFigureOut">
               <a:rPr lang="en-US" smtClean="0"/>
               <a:pPr/>
-              <a:t>12/16/2020</a:t>
+              <a:t>12/17/2020</a:t>
             </a:fld>
             <a:endParaRPr lang="en-US"/>
           </a:p>
@@ -5535,7 +7865,7 @@
             <a:fld id="{425404F2-BE9A-4460-8815-8F645183555F}" type="datetimeFigureOut">
               <a:rPr lang="en-US" smtClean="0"/>
               <a:pPr/>
-              <a:t>12/16/2020</a:t>
+              <a:t>12/17/2020</a:t>
             </a:fld>
             <a:endParaRPr lang="en-US"/>
           </a:p>
@@ -5785,7 +8115,7 @@
             <a:fld id="{425404F2-BE9A-4460-8815-8F645183555F}" type="datetimeFigureOut">
               <a:rPr lang="en-US" smtClean="0"/>
               <a:pPr/>
-              <a:t>12/16/2020</a:t>
+              <a:t>12/17/2020</a:t>
             </a:fld>
             <a:endParaRPr lang="en-US"/>
           </a:p>
@@ -5955,7 +8285,7 @@
             <a:fld id="{425404F2-BE9A-4460-8815-8F645183555F}" type="datetimeFigureOut">
               <a:rPr lang="en-US" smtClean="0"/>
               <a:pPr/>
-              <a:t>12/16/2020</a:t>
+              <a:t>12/17/2020</a:t>
             </a:fld>
             <a:endParaRPr lang="en-US"/>
           </a:p>
@@ -6242,7 +8572,7 @@
             <a:fld id="{425404F2-BE9A-4460-8815-8F645183555F}" type="datetimeFigureOut">
               <a:rPr lang="en-US" smtClean="0"/>
               <a:pPr/>
-              <a:t>12/16/2020</a:t>
+              <a:t>12/17/2020</a:t>
             </a:fld>
             <a:endParaRPr lang="en-US"/>
           </a:p>
@@ -6663,7 +8993,7 @@
             <a:fld id="{425404F2-BE9A-4460-8815-8F645183555F}" type="datetimeFigureOut">
               <a:rPr lang="en-US" smtClean="0"/>
               <a:pPr/>
-              <a:t>12/16/2020</a:t>
+              <a:t>12/17/2020</a:t>
             </a:fld>
             <a:endParaRPr lang="en-US"/>
           </a:p>
@@ -6909,7 +9239,7 @@
           <a:p>
             <a:fld id="{E26E0DA5-0C76-4851-AA82-0B75261F9EB4}" type="datetimeFigureOut">
               <a:rPr lang="en-US" smtClean="0"/>
-              <a:t>12/16/2020</a:t>
+              <a:t>12/17/2020</a:t>
             </a:fld>
             <a:endParaRPr lang="en-US"/>
           </a:p>
@@ -7033,7 +9363,7 @@
             <a:fld id="{425404F2-BE9A-4460-8815-8F645183555F}" type="datetimeFigureOut">
               <a:rPr lang="en-US" smtClean="0"/>
               <a:pPr/>
-              <a:t>12/16/2020</a:t>
+              <a:t>12/17/2020</a:t>
             </a:fld>
             <a:endParaRPr lang="en-US"/>
           </a:p>
@@ -7215,7 +9545,7 @@
             <a:fld id="{425404F2-BE9A-4460-8815-8F645183555F}" type="datetimeFigureOut">
               <a:rPr lang="en-US" smtClean="0"/>
               <a:pPr/>
-              <a:t>12/16/2020</a:t>
+              <a:t>12/17/2020</a:t>
             </a:fld>
             <a:endParaRPr lang="en-US"/>
           </a:p>
@@ -7762,7 +10092,7 @@
             <a:fld id="{425404F2-BE9A-4460-8815-8F645183555F}" type="datetimeFigureOut">
               <a:rPr lang="en-US" smtClean="0"/>
               <a:pPr/>
-              <a:t>12/16/2020</a:t>
+              <a:t>12/17/2020</a:t>
             </a:fld>
             <a:endParaRPr lang="en-US"/>
           </a:p>
@@ -7910,7 +10240,7 @@
             <a:fld id="{425404F2-BE9A-4460-8815-8F645183555F}" type="datetimeFigureOut">
               <a:rPr lang="en-US" smtClean="0"/>
               <a:pPr/>
-              <a:t>12/16/2020</a:t>
+              <a:t>12/17/2020</a:t>
             </a:fld>
             <a:endParaRPr lang="en-US"/>
           </a:p>
@@ -8143,7 +10473,7 @@
             <a:fld id="{425404F2-BE9A-4460-8815-8F645183555F}" type="datetimeFigureOut">
               <a:rPr lang="en-US" smtClean="0"/>
               <a:pPr/>
-              <a:t>12/16/2020</a:t>
+              <a:t>12/17/2020</a:t>
             </a:fld>
             <a:endParaRPr lang="en-US"/>
           </a:p>
@@ -8381,7 +10711,7 @@
             <a:fld id="{425404F2-BE9A-4460-8815-8F645183555F}" type="datetimeFigureOut">
               <a:rPr lang="en-US" smtClean="0"/>
               <a:pPr/>
-              <a:t>12/16/2020</a:t>
+              <a:t>12/17/2020</a:t>
             </a:fld>
             <a:endParaRPr lang="en-US"/>
           </a:p>
@@ -8563,7 +10893,7 @@
             <a:fld id="{425404F2-BE9A-4460-8815-8F645183555F}" type="datetimeFigureOut">
               <a:rPr lang="en-US" smtClean="0"/>
               <a:pPr/>
-              <a:t>12/16/2020</a:t>
+              <a:t>12/17/2020</a:t>
             </a:fld>
             <a:endParaRPr lang="en-US"/>
           </a:p>
@@ -8840,7 +11170,7 @@
             <a:fld id="{425404F2-BE9A-4460-8815-8F645183555F}" type="datetimeFigureOut">
               <a:rPr lang="en-US" smtClean="0"/>
               <a:pPr/>
-              <a:t>12/16/2020</a:t>
+              <a:t>12/17/2020</a:t>
             </a:fld>
             <a:endParaRPr lang="en-US"/>
           </a:p>
@@ -9094,7 +11424,7 @@
             <a:fld id="{425404F2-BE9A-4460-8815-8F645183555F}" type="datetimeFigureOut">
               <a:rPr lang="en-US" smtClean="0"/>
               <a:pPr/>
-              <a:t>12/16/2020</a:t>
+              <a:t>12/17/2020</a:t>
             </a:fld>
             <a:endParaRPr lang="en-US"/>
           </a:p>
@@ -9264,7 +11594,7 @@
             <a:fld id="{425404F2-BE9A-4460-8815-8F645183555F}" type="datetimeFigureOut">
               <a:rPr lang="en-US" smtClean="0"/>
               <a:pPr/>
-              <a:t>12/16/2020</a:t>
+              <a:t>12/17/2020</a:t>
             </a:fld>
             <a:endParaRPr lang="en-US"/>
           </a:p>
@@ -9494,7 +11824,7 @@
           <a:p>
             <a:fld id="{E26E0DA5-0C76-4851-AA82-0B75261F9EB4}" type="datetimeFigureOut">
               <a:rPr lang="en-US" smtClean="0"/>
-              <a:t>12/16/2020</a:t>
+              <a:t>12/17/2020</a:t>
             </a:fld>
             <a:endParaRPr lang="en-US"/>
           </a:p>
@@ -9673,7 +12003,7 @@
             <a:fld id="{425404F2-BE9A-4460-8815-8F645183555F}" type="datetimeFigureOut">
               <a:rPr lang="en-US" smtClean="0"/>
               <a:pPr/>
-              <a:t>12/16/2020</a:t>
+              <a:t>12/17/2020</a:t>
             </a:fld>
             <a:endParaRPr lang="en-US"/>
           </a:p>
@@ -10038,7 +12368,7 @@
           <a:p>
             <a:fld id="{E26E0DA5-0C76-4851-AA82-0B75261F9EB4}" type="datetimeFigureOut">
               <a:rPr lang="en-US" smtClean="0"/>
-              <a:t>12/16/2020</a:t>
+              <a:t>12/17/2020</a:t>
             </a:fld>
             <a:endParaRPr lang="en-US"/>
           </a:p>
@@ -10155,7 +12485,7 @@
           <a:p>
             <a:fld id="{E26E0DA5-0C76-4851-AA82-0B75261F9EB4}" type="datetimeFigureOut">
               <a:rPr lang="en-US" smtClean="0"/>
-              <a:t>12/16/2020</a:t>
+              <a:t>12/17/2020</a:t>
             </a:fld>
             <a:endParaRPr lang="en-US"/>
           </a:p>
@@ -10250,7 +12580,7 @@
           <a:p>
             <a:fld id="{E26E0DA5-0C76-4851-AA82-0B75261F9EB4}" type="datetimeFigureOut">
               <a:rPr lang="en-US" smtClean="0"/>
-              <a:t>12/16/2020</a:t>
+              <a:t>12/17/2020</a:t>
             </a:fld>
             <a:endParaRPr lang="en-US"/>
           </a:p>
@@ -10525,7 +12855,7 @@
           <a:p>
             <a:fld id="{E26E0DA5-0C76-4851-AA82-0B75261F9EB4}" type="datetimeFigureOut">
               <a:rPr lang="en-US" smtClean="0"/>
-              <a:t>12/16/2020</a:t>
+              <a:t>12/17/2020</a:t>
             </a:fld>
             <a:endParaRPr lang="en-US"/>
           </a:p>
@@ -10777,7 +13107,7 @@
           <a:p>
             <a:fld id="{E26E0DA5-0C76-4851-AA82-0B75261F9EB4}" type="datetimeFigureOut">
               <a:rPr lang="en-US" smtClean="0"/>
-              <a:t>12/16/2020</a:t>
+              <a:t>12/17/2020</a:t>
             </a:fld>
             <a:endParaRPr lang="en-US"/>
           </a:p>
@@ -10988,7 +13318,7 @@
           <a:p>
             <a:fld id="{E26E0DA5-0C76-4851-AA82-0B75261F9EB4}" type="datetimeFigureOut">
               <a:rPr lang="en-US" smtClean="0"/>
-              <a:t>12/16/2020</a:t>
+              <a:t>12/17/2020</a:t>
             </a:fld>
             <a:endParaRPr lang="en-US"/>
           </a:p>
@@ -11556,7 +13886,7 @@
             <a:fld id="{425404F2-BE9A-4460-8815-8F645183555F}" type="datetimeFigureOut">
               <a:rPr lang="en-US" smtClean="0"/>
               <a:pPr/>
-              <a:t>12/16/2020</a:t>
+              <a:t>12/17/2020</a:t>
             </a:fld>
             <a:endParaRPr lang="en-US"/>
           </a:p>
@@ -15591,7 +17921,13 @@
           <p:cNvGraphicFramePr>
             <a:graphicFrameLocks noGrp="1"/>
           </p:cNvGraphicFramePr>
-          <p:nvPr/>
+          <p:nvPr>
+            <p:extLst>
+              <p:ext uri="{D42A27DB-BD31-4B8C-83A1-F6EECF244321}">
+                <p14:modId xmlns:p14="http://schemas.microsoft.com/office/powerpoint/2010/main" val="1857015221"/>
+              </p:ext>
+            </p:extLst>
+          </p:nvPr>
         </p:nvGraphicFramePr>
         <p:xfrm>
           <a:off x="231922" y="2382489"/>
@@ -16868,9 +19204,8 @@
             <a:avLst/>
           </a:prstGeom>
           <a:solidFill>
-            <a:schemeClr val="accent6">
-              <a:lumMod val="60000"/>
-              <a:lumOff val="40000"/>
+            <a:schemeClr val="accent5">
+              <a:lumMod val="75000"/>
               <a:alpha val="14000"/>
             </a:schemeClr>
           </a:solidFill>
@@ -17694,11 +20029,17 @@
           <p:cNvGraphicFramePr>
             <a:graphicFrameLocks noGrp="1"/>
           </p:cNvGraphicFramePr>
-          <p:nvPr/>
+          <p:nvPr>
+            <p:extLst>
+              <p:ext uri="{D42A27DB-BD31-4B8C-83A1-F6EECF244321}">
+                <p14:modId xmlns:p14="http://schemas.microsoft.com/office/powerpoint/2010/main" val="4206314609"/>
+              </p:ext>
+            </p:extLst>
+          </p:nvPr>
         </p:nvGraphicFramePr>
         <p:xfrm>
           <a:off x="10319975" y="4937158"/>
-          <a:ext cx="1174022" cy="1465784"/>
+          <a:ext cx="1174022" cy="1412360"/>
         </p:xfrm>
         <a:graphic>
           <a:graphicData uri="http://schemas.openxmlformats.org/drawingml/2006/table">
@@ -17715,7 +20056,7 @@
                   </a:extLst>
                 </a:gridCol>
               </a:tblGrid>
-              <a:tr h="366446">
+              <a:tr h="313022">
                 <a:tc>
                   <a:txBody>
                     <a:bodyPr/>
@@ -18436,7 +20777,13 @@
           <p:cNvGraphicFramePr>
             <a:graphicFrameLocks noGrp="1"/>
           </p:cNvGraphicFramePr>
-          <p:nvPr/>
+          <p:nvPr>
+            <p:extLst>
+              <p:ext uri="{D42A27DB-BD31-4B8C-83A1-F6EECF244321}">
+                <p14:modId xmlns:p14="http://schemas.microsoft.com/office/powerpoint/2010/main" val="2558271275"/>
+              </p:ext>
+            </p:extLst>
+          </p:nvPr>
         </p:nvGraphicFramePr>
         <p:xfrm>
           <a:off x="228600" y="1905000"/>
@@ -18498,7 +20845,7 @@
                     <a:p>
                       <a:r>
                         <a:rPr lang="en-US" sz="1800" dirty="0"/>
-                        <a:t>(has heart disease)</a:t>
+                        <a:t>(had heart disease)</a:t>
                       </a:r>
                     </a:p>
                   </a:txBody>
@@ -18517,7 +20864,7 @@
                     <a:p>
                       <a:r>
                         <a:rPr lang="en-US" sz="1800" dirty="0"/>
-                        <a:t>(not have heart disease)</a:t>
+                        <a:t>(not had h disease)</a:t>
                       </a:r>
                     </a:p>
                   </a:txBody>
@@ -18537,13 +20884,13 @@
                     <a:p>
                       <a:r>
                         <a:rPr lang="en-US" sz="1800" dirty="0"/>
-                        <a:t>Predicted as 1</a:t>
+                        <a:t>Predicted 1</a:t>
                       </a:r>
                     </a:p>
                     <a:p>
                       <a:r>
                         <a:rPr lang="en-US" sz="1800" dirty="0"/>
-                        <a:t>(has heart disease) -- 90</a:t>
+                        <a:t>(Machine saying he/she has HD)</a:t>
                       </a:r>
                     </a:p>
                   </a:txBody>
@@ -18562,13 +20909,13 @@
                     <a:p>
                       <a:r>
                         <a:rPr lang="en-US" dirty="0"/>
-                        <a:t>True Positive</a:t>
+                        <a:t>(True Positive)</a:t>
                       </a:r>
                     </a:p>
                     <a:p>
                       <a:r>
                         <a:rPr lang="en-US" dirty="0"/>
-                        <a:t>(TP) - 1</a:t>
+                        <a:t>TP</a:t>
                       </a:r>
                     </a:p>
                   </a:txBody>
@@ -18581,13 +20928,19 @@
                     <a:p>
                       <a:r>
                         <a:rPr lang="en-US" dirty="0"/>
-                        <a:t>20 </a:t>
+                        <a:t>20</a:t>
                       </a:r>
                     </a:p>
                     <a:p>
                       <a:r>
                         <a:rPr lang="en-US" dirty="0"/>
-                        <a:t>False Positive (FP) - 2</a:t>
+                        <a:t>False Positive</a:t>
+                      </a:r>
+                    </a:p>
+                    <a:p>
+                      <a:r>
+                        <a:rPr lang="en-US" dirty="0"/>
+                        <a:t>(FP)</a:t>
                       </a:r>
                     </a:p>
                   </a:txBody>
@@ -18607,7 +20960,13 @@
                     <a:p>
                       <a:r>
                         <a:rPr lang="en-US" sz="1800" dirty="0"/>
-                        <a:t>Predicted as 0 (no not have heart disease) -- 110</a:t>
+                        <a:t>Predicted 0</a:t>
+                      </a:r>
+                    </a:p>
+                    <a:p>
+                      <a:r>
+                        <a:rPr lang="en-US" sz="1800" dirty="0"/>
+                        <a:t>(Machine saying he/she not has HD)</a:t>
                       </a:r>
                     </a:p>
                   </a:txBody>
@@ -18626,8 +20985,11 @@
                     <a:p>
                       <a:r>
                         <a:rPr lang="en-US" dirty="0"/>
-                        <a:t>False Negative (FN) - 3</a:t>
+                        <a:t>FN – False Negative</a:t>
                       </a:r>
+                    </a:p>
+                    <a:p>
+                      <a:endParaRPr lang="en-US" dirty="0"/>
                     </a:p>
                   </a:txBody>
                   <a:tcPr/>
@@ -18639,19 +21001,19 @@
                     <a:p>
                       <a:r>
                         <a:rPr lang="en-US" dirty="0"/>
-                        <a:t>80 </a:t>
+                        <a:t>80</a:t>
                       </a:r>
                     </a:p>
                     <a:p>
                       <a:r>
                         <a:rPr lang="en-US" dirty="0"/>
-                        <a:t>True Negative</a:t>
+                        <a:t>True Negatives</a:t>
                       </a:r>
                     </a:p>
                     <a:p>
                       <a:r>
                         <a:rPr lang="en-US" dirty="0"/>
-                        <a:t>(TN) - 4</a:t>
+                        <a:t>(TN)</a:t>
                       </a:r>
                     </a:p>
                   </a:txBody>
@@ -18681,7 +21043,7 @@
         </p:nvSpPr>
         <p:spPr>
           <a:xfrm>
-            <a:off x="2819400" y="5349240"/>
+            <a:off x="2819400" y="5006340"/>
             <a:ext cx="533400" cy="213360"/>
           </a:xfrm>
           <a:prstGeom prst="downArrow">
@@ -18727,7 +21089,7 @@
         </p:nvSpPr>
         <p:spPr>
           <a:xfrm>
-            <a:off x="4800600" y="5349240"/>
+            <a:off x="4838700" y="5006340"/>
             <a:ext cx="533400" cy="213360"/>
           </a:xfrm>
           <a:prstGeom prst="downArrow">
@@ -18894,6 +21256,3678 @@
               <a:xfrm>
                 <a:off x="1515153" y="3252932"/>
                 <a:ext cx="122400" cy="45360"/>
+              </a:xfrm>
+              <a:prstGeom prst="rect">
+                <a:avLst/>
+              </a:prstGeom>
+            </p:spPr>
+          </p:pic>
+        </mc:Fallback>
+      </mc:AlternateContent>
+      <mc:AlternateContent xmlns:mc="http://schemas.openxmlformats.org/markup-compatibility/2006">
+        <mc:Choice xmlns:p14="http://schemas.microsoft.com/office/powerpoint/2010/main" Requires="p14">
+          <p:contentPart p14:bwMode="auto" r:id="rId5">
+            <p14:nvContentPartPr>
+              <p14:cNvPr id="480" name="Ink 479">
+                <a:extLst>
+                  <a:ext uri="{FF2B5EF4-FFF2-40B4-BE49-F238E27FC236}">
+                    <a16:creationId xmlns:a16="http://schemas.microsoft.com/office/drawing/2014/main" id="{041F95FC-E24A-4D38-A284-9A9E80927E4D}"/>
+                  </a:ext>
+                </a:extLst>
+              </p14:cNvPr>
+              <p14:cNvContentPartPr/>
+              <p14:nvPr/>
+            </p14:nvContentPartPr>
+            <p14:xfrm>
+              <a:off x="434520" y="5486280"/>
+              <a:ext cx="1455480" cy="276480"/>
+            </p14:xfrm>
+          </p:contentPart>
+        </mc:Choice>
+        <mc:Fallback>
+          <p:pic>
+            <p:nvPicPr>
+              <p:cNvPr id="480" name="Ink 479">
+                <a:extLst>
+                  <a:ext uri="{FF2B5EF4-FFF2-40B4-BE49-F238E27FC236}">
+                    <a16:creationId xmlns:a16="http://schemas.microsoft.com/office/drawing/2014/main" id="{041F95FC-E24A-4D38-A284-9A9E80927E4D}"/>
+                  </a:ext>
+                </a:extLst>
+              </p:cNvPr>
+              <p:cNvPicPr/>
+              <p:nvPr/>
+            </p:nvPicPr>
+            <p:blipFill>
+              <a:blip r:embed="rId6"/>
+              <a:stretch>
+                <a:fillRect/>
+              </a:stretch>
+            </p:blipFill>
+            <p:spPr>
+              <a:xfrm>
+                <a:off x="425520" y="5477280"/>
+                <a:ext cx="1473120" cy="294120"/>
+              </a:xfrm>
+              <a:prstGeom prst="rect">
+                <a:avLst/>
+              </a:prstGeom>
+            </p:spPr>
+          </p:pic>
+        </mc:Fallback>
+      </mc:AlternateContent>
+      <mc:AlternateContent xmlns:mc="http://schemas.openxmlformats.org/markup-compatibility/2006">
+        <mc:Choice xmlns:p14="http://schemas.microsoft.com/office/powerpoint/2010/main" Requires="p14">
+          <p:contentPart p14:bwMode="auto" r:id="rId7">
+            <p14:nvContentPartPr>
+              <p14:cNvPr id="485" name="Ink 484">
+                <a:extLst>
+                  <a:ext uri="{FF2B5EF4-FFF2-40B4-BE49-F238E27FC236}">
+                    <a16:creationId xmlns:a16="http://schemas.microsoft.com/office/drawing/2014/main" id="{7A93135A-E21F-41B1-B026-05BAC115EC74}"/>
+                  </a:ext>
+                </a:extLst>
+              </p14:cNvPr>
+              <p14:cNvContentPartPr/>
+              <p14:nvPr/>
+            </p14:nvContentPartPr>
+            <p14:xfrm>
+              <a:off x="2156400" y="5379720"/>
+              <a:ext cx="1189080" cy="282240"/>
+            </p14:xfrm>
+          </p:contentPart>
+        </mc:Choice>
+        <mc:Fallback>
+          <p:pic>
+            <p:nvPicPr>
+              <p:cNvPr id="485" name="Ink 484">
+                <a:extLst>
+                  <a:ext uri="{FF2B5EF4-FFF2-40B4-BE49-F238E27FC236}">
+                    <a16:creationId xmlns:a16="http://schemas.microsoft.com/office/drawing/2014/main" id="{7A93135A-E21F-41B1-B026-05BAC115EC74}"/>
+                  </a:ext>
+                </a:extLst>
+              </p:cNvPr>
+              <p:cNvPicPr/>
+              <p:nvPr/>
+            </p:nvPicPr>
+            <p:blipFill>
+              <a:blip r:embed="rId8"/>
+              <a:stretch>
+                <a:fillRect/>
+              </a:stretch>
+            </p:blipFill>
+            <p:spPr>
+              <a:xfrm>
+                <a:off x="2147400" y="5370720"/>
+                <a:ext cx="1206720" cy="299880"/>
+              </a:xfrm>
+              <a:prstGeom prst="rect">
+                <a:avLst/>
+              </a:prstGeom>
+            </p:spPr>
+          </p:pic>
+        </mc:Fallback>
+      </mc:AlternateContent>
+      <mc:AlternateContent xmlns:mc="http://schemas.openxmlformats.org/markup-compatibility/2006">
+        <mc:Choice xmlns:p14="http://schemas.microsoft.com/office/powerpoint/2010/main" Requires="p14">
+          <p:contentPart p14:bwMode="auto" r:id="rId9">
+            <p14:nvContentPartPr>
+              <p14:cNvPr id="497" name="Ink 496">
+                <a:extLst>
+                  <a:ext uri="{FF2B5EF4-FFF2-40B4-BE49-F238E27FC236}">
+                    <a16:creationId xmlns:a16="http://schemas.microsoft.com/office/drawing/2014/main" id="{BA7A3283-2595-47A9-850D-5F0458748429}"/>
+                  </a:ext>
+                </a:extLst>
+              </p14:cNvPr>
+              <p14:cNvContentPartPr/>
+              <p14:nvPr/>
+            </p14:nvContentPartPr>
+            <p14:xfrm>
+              <a:off x="2163960" y="5745480"/>
+              <a:ext cx="1113480" cy="252720"/>
+            </p14:xfrm>
+          </p:contentPart>
+        </mc:Choice>
+        <mc:Fallback>
+          <p:pic>
+            <p:nvPicPr>
+              <p:cNvPr id="497" name="Ink 496">
+                <a:extLst>
+                  <a:ext uri="{FF2B5EF4-FFF2-40B4-BE49-F238E27FC236}">
+                    <a16:creationId xmlns:a16="http://schemas.microsoft.com/office/drawing/2014/main" id="{BA7A3283-2595-47A9-850D-5F0458748429}"/>
+                  </a:ext>
+                </a:extLst>
+              </p:cNvPr>
+              <p:cNvPicPr/>
+              <p:nvPr/>
+            </p:nvPicPr>
+            <p:blipFill>
+              <a:blip r:embed="rId10"/>
+              <a:stretch>
+                <a:fillRect/>
+              </a:stretch>
+            </p:blipFill>
+            <p:spPr>
+              <a:xfrm>
+                <a:off x="2154960" y="5736480"/>
+                <a:ext cx="1131120" cy="270360"/>
+              </a:xfrm>
+              <a:prstGeom prst="rect">
+                <a:avLst/>
+              </a:prstGeom>
+            </p:spPr>
+          </p:pic>
+        </mc:Fallback>
+      </mc:AlternateContent>
+      <mc:AlternateContent xmlns:mc="http://schemas.openxmlformats.org/markup-compatibility/2006">
+        <mc:Choice xmlns:p14="http://schemas.microsoft.com/office/powerpoint/2010/main" Requires="p14">
+          <p:contentPart p14:bwMode="auto" r:id="rId11">
+            <p14:nvContentPartPr>
+              <p14:cNvPr id="527" name="Ink 526">
+                <a:extLst>
+                  <a:ext uri="{FF2B5EF4-FFF2-40B4-BE49-F238E27FC236}">
+                    <a16:creationId xmlns:a16="http://schemas.microsoft.com/office/drawing/2014/main" id="{6D5A6C23-0917-403C-8204-6E288DACCC03}"/>
+                  </a:ext>
+                </a:extLst>
+              </p14:cNvPr>
+              <p14:cNvContentPartPr/>
+              <p14:nvPr/>
+            </p14:nvContentPartPr>
+            <p14:xfrm>
+              <a:off x="5791320" y="5249400"/>
+              <a:ext cx="366480" cy="222120"/>
+            </p14:xfrm>
+          </p:contentPart>
+        </mc:Choice>
+        <mc:Fallback>
+          <p:pic>
+            <p:nvPicPr>
+              <p:cNvPr id="527" name="Ink 526">
+                <a:extLst>
+                  <a:ext uri="{FF2B5EF4-FFF2-40B4-BE49-F238E27FC236}">
+                    <a16:creationId xmlns:a16="http://schemas.microsoft.com/office/drawing/2014/main" id="{6D5A6C23-0917-403C-8204-6E288DACCC03}"/>
+                  </a:ext>
+                </a:extLst>
+              </p:cNvPr>
+              <p:cNvPicPr/>
+              <p:nvPr/>
+            </p:nvPicPr>
+            <p:blipFill>
+              <a:blip r:embed="rId12"/>
+              <a:stretch>
+                <a:fillRect/>
+              </a:stretch>
+            </p:blipFill>
+            <p:spPr>
+              <a:xfrm>
+                <a:off x="5782320" y="5240400"/>
+                <a:ext cx="384120" cy="239760"/>
+              </a:xfrm>
+              <a:prstGeom prst="rect">
+                <a:avLst/>
+              </a:prstGeom>
+            </p:spPr>
+          </p:pic>
+        </mc:Fallback>
+      </mc:AlternateContent>
+      <mc:AlternateContent xmlns:mc="http://schemas.openxmlformats.org/markup-compatibility/2006">
+        <mc:Choice xmlns:p14="http://schemas.microsoft.com/office/powerpoint/2010/main" Requires="p14">
+          <p:contentPart p14:bwMode="auto" r:id="rId13">
+            <p14:nvContentPartPr>
+              <p14:cNvPr id="539" name="Ink 538">
+                <a:extLst>
+                  <a:ext uri="{FF2B5EF4-FFF2-40B4-BE49-F238E27FC236}">
+                    <a16:creationId xmlns:a16="http://schemas.microsoft.com/office/drawing/2014/main" id="{73297468-8892-4F9C-8FEA-27AD52F14AAC}"/>
+                  </a:ext>
+                </a:extLst>
+              </p14:cNvPr>
+              <p14:cNvContentPartPr/>
+              <p14:nvPr/>
+            </p14:nvContentPartPr>
+            <p14:xfrm>
+              <a:off x="5592600" y="5577720"/>
+              <a:ext cx="1136160" cy="366120"/>
+            </p14:xfrm>
+          </p:contentPart>
+        </mc:Choice>
+        <mc:Fallback>
+          <p:pic>
+            <p:nvPicPr>
+              <p:cNvPr id="539" name="Ink 538">
+                <a:extLst>
+                  <a:ext uri="{FF2B5EF4-FFF2-40B4-BE49-F238E27FC236}">
+                    <a16:creationId xmlns:a16="http://schemas.microsoft.com/office/drawing/2014/main" id="{73297468-8892-4F9C-8FEA-27AD52F14AAC}"/>
+                  </a:ext>
+                </a:extLst>
+              </p:cNvPr>
+              <p:cNvPicPr/>
+              <p:nvPr/>
+            </p:nvPicPr>
+            <p:blipFill>
+              <a:blip r:embed="rId14"/>
+              <a:stretch>
+                <a:fillRect/>
+              </a:stretch>
+            </p:blipFill>
+            <p:spPr>
+              <a:xfrm>
+                <a:off x="5583600" y="5568720"/>
+                <a:ext cx="1153800" cy="383760"/>
+              </a:xfrm>
+              <a:prstGeom prst="rect">
+                <a:avLst/>
+              </a:prstGeom>
+            </p:spPr>
+          </p:pic>
+        </mc:Fallback>
+      </mc:AlternateContent>
+      <mc:AlternateContent xmlns:mc="http://schemas.openxmlformats.org/markup-compatibility/2006">
+        <mc:Choice xmlns:p14="http://schemas.microsoft.com/office/powerpoint/2010/main" Requires="p14">
+          <p:contentPart p14:bwMode="auto" r:id="rId15">
+            <p14:nvContentPartPr>
+              <p14:cNvPr id="545" name="Ink 544">
+                <a:extLst>
+                  <a:ext uri="{FF2B5EF4-FFF2-40B4-BE49-F238E27FC236}">
+                    <a16:creationId xmlns:a16="http://schemas.microsoft.com/office/drawing/2014/main" id="{000B9006-D082-4CBE-9F59-96FF4946C24F}"/>
+                  </a:ext>
+                </a:extLst>
+              </p14:cNvPr>
+              <p14:cNvContentPartPr/>
+              <p14:nvPr/>
+            </p14:nvContentPartPr>
+            <p14:xfrm>
+              <a:off x="335160" y="5836920"/>
+              <a:ext cx="686160" cy="244080"/>
+            </p14:xfrm>
+          </p:contentPart>
+        </mc:Choice>
+        <mc:Fallback>
+          <p:pic>
+            <p:nvPicPr>
+              <p:cNvPr id="545" name="Ink 544">
+                <a:extLst>
+                  <a:ext uri="{FF2B5EF4-FFF2-40B4-BE49-F238E27FC236}">
+                    <a16:creationId xmlns:a16="http://schemas.microsoft.com/office/drawing/2014/main" id="{000B9006-D082-4CBE-9F59-96FF4946C24F}"/>
+                  </a:ext>
+                </a:extLst>
+              </p:cNvPr>
+              <p:cNvPicPr/>
+              <p:nvPr/>
+            </p:nvPicPr>
+            <p:blipFill>
+              <a:blip r:embed="rId16"/>
+              <a:stretch>
+                <a:fillRect/>
+              </a:stretch>
+            </p:blipFill>
+            <p:spPr>
+              <a:xfrm>
+                <a:off x="326160" y="5827920"/>
+                <a:ext cx="703800" cy="261720"/>
+              </a:xfrm>
+              <a:prstGeom prst="rect">
+                <a:avLst/>
+              </a:prstGeom>
+            </p:spPr>
+          </p:pic>
+        </mc:Fallback>
+      </mc:AlternateContent>
+      <mc:AlternateContent xmlns:mc="http://schemas.openxmlformats.org/markup-compatibility/2006">
+        <mc:Choice xmlns:p14="http://schemas.microsoft.com/office/powerpoint/2010/main" Requires="p14">
+          <p:contentPart p14:bwMode="auto" r:id="rId17">
+            <p14:nvContentPartPr>
+              <p14:cNvPr id="553" name="Ink 552">
+                <a:extLst>
+                  <a:ext uri="{FF2B5EF4-FFF2-40B4-BE49-F238E27FC236}">
+                    <a16:creationId xmlns:a16="http://schemas.microsoft.com/office/drawing/2014/main" id="{76CE5206-1F36-4447-8616-5149567FA261}"/>
+                  </a:ext>
+                </a:extLst>
+              </p14:cNvPr>
+              <p14:cNvContentPartPr/>
+              <p14:nvPr/>
+            </p14:nvContentPartPr>
+            <p14:xfrm>
+              <a:off x="3893760" y="5402400"/>
+              <a:ext cx="1280520" cy="618120"/>
+            </p14:xfrm>
+          </p:contentPart>
+        </mc:Choice>
+        <mc:Fallback>
+          <p:pic>
+            <p:nvPicPr>
+              <p:cNvPr id="553" name="Ink 552">
+                <a:extLst>
+                  <a:ext uri="{FF2B5EF4-FFF2-40B4-BE49-F238E27FC236}">
+                    <a16:creationId xmlns:a16="http://schemas.microsoft.com/office/drawing/2014/main" id="{76CE5206-1F36-4447-8616-5149567FA261}"/>
+                  </a:ext>
+                </a:extLst>
+              </p:cNvPr>
+              <p:cNvPicPr/>
+              <p:nvPr/>
+            </p:nvPicPr>
+            <p:blipFill>
+              <a:blip r:embed="rId18"/>
+              <a:stretch>
+                <a:fillRect/>
+              </a:stretch>
+            </p:blipFill>
+            <p:spPr>
+              <a:xfrm>
+                <a:off x="3884760" y="5393400"/>
+                <a:ext cx="1298160" cy="635760"/>
+              </a:xfrm>
+              <a:prstGeom prst="rect">
+                <a:avLst/>
+              </a:prstGeom>
+            </p:spPr>
+          </p:pic>
+        </mc:Fallback>
+      </mc:AlternateContent>
+      <mc:AlternateContent xmlns:mc="http://schemas.openxmlformats.org/markup-compatibility/2006">
+        <mc:Choice xmlns:p14="http://schemas.microsoft.com/office/powerpoint/2010/main" Requires="p14">
+          <p:contentPart p14:bwMode="auto" r:id="rId19">
+            <p14:nvContentPartPr>
+              <p14:cNvPr id="568" name="Ink 567">
+                <a:extLst>
+                  <a:ext uri="{FF2B5EF4-FFF2-40B4-BE49-F238E27FC236}">
+                    <a16:creationId xmlns:a16="http://schemas.microsoft.com/office/drawing/2014/main" id="{ADC529EA-A0B9-4A2B-90BE-84B9B18E7855}"/>
+                  </a:ext>
+                </a:extLst>
+              </p14:cNvPr>
+              <p14:cNvContentPartPr/>
+              <p14:nvPr/>
+            </p14:nvContentPartPr>
+            <p14:xfrm>
+              <a:off x="6685920" y="3374520"/>
+              <a:ext cx="958680" cy="298800"/>
+            </p14:xfrm>
+          </p:contentPart>
+        </mc:Choice>
+        <mc:Fallback>
+          <p:pic>
+            <p:nvPicPr>
+              <p:cNvPr id="568" name="Ink 567">
+                <a:extLst>
+                  <a:ext uri="{FF2B5EF4-FFF2-40B4-BE49-F238E27FC236}">
+                    <a16:creationId xmlns:a16="http://schemas.microsoft.com/office/drawing/2014/main" id="{ADC529EA-A0B9-4A2B-90BE-84B9B18E7855}"/>
+                  </a:ext>
+                </a:extLst>
+              </p:cNvPr>
+              <p:cNvPicPr/>
+              <p:nvPr/>
+            </p:nvPicPr>
+            <p:blipFill>
+              <a:blip r:embed="rId20"/>
+              <a:stretch>
+                <a:fillRect/>
+              </a:stretch>
+            </p:blipFill>
+            <p:spPr>
+              <a:xfrm>
+                <a:off x="6676920" y="3365520"/>
+                <a:ext cx="976320" cy="316440"/>
+              </a:xfrm>
+              <a:prstGeom prst="rect">
+                <a:avLst/>
+              </a:prstGeom>
+            </p:spPr>
+          </p:pic>
+        </mc:Fallback>
+      </mc:AlternateContent>
+      <mc:AlternateContent xmlns:mc="http://schemas.openxmlformats.org/markup-compatibility/2006">
+        <mc:Choice xmlns:p14="http://schemas.microsoft.com/office/powerpoint/2010/main" Requires="p14">
+          <p:contentPart p14:bwMode="auto" r:id="rId21">
+            <p14:nvContentPartPr>
+              <p14:cNvPr id="569" name="Ink 568">
+                <a:extLst>
+                  <a:ext uri="{FF2B5EF4-FFF2-40B4-BE49-F238E27FC236}">
+                    <a16:creationId xmlns:a16="http://schemas.microsoft.com/office/drawing/2014/main" id="{B063ACBE-820D-4BE3-9782-C0862E74DBB3}"/>
+                  </a:ext>
+                </a:extLst>
+              </p14:cNvPr>
+              <p14:cNvContentPartPr/>
+              <p14:nvPr/>
+            </p14:nvContentPartPr>
+            <p14:xfrm>
+              <a:off x="6880680" y="3071040"/>
+              <a:ext cx="306000" cy="157320"/>
+            </p14:xfrm>
+          </p:contentPart>
+        </mc:Choice>
+        <mc:Fallback>
+          <p:pic>
+            <p:nvPicPr>
+              <p:cNvPr id="569" name="Ink 568">
+                <a:extLst>
+                  <a:ext uri="{FF2B5EF4-FFF2-40B4-BE49-F238E27FC236}">
+                    <a16:creationId xmlns:a16="http://schemas.microsoft.com/office/drawing/2014/main" id="{B063ACBE-820D-4BE3-9782-C0862E74DBB3}"/>
+                  </a:ext>
+                </a:extLst>
+              </p:cNvPr>
+              <p:cNvPicPr/>
+              <p:nvPr/>
+            </p:nvPicPr>
+            <p:blipFill>
+              <a:blip r:embed="rId22"/>
+              <a:stretch>
+                <a:fillRect/>
+              </a:stretch>
+            </p:blipFill>
+            <p:spPr>
+              <a:xfrm>
+                <a:off x="6871680" y="3062040"/>
+                <a:ext cx="323640" cy="174960"/>
+              </a:xfrm>
+              <a:prstGeom prst="rect">
+                <a:avLst/>
+              </a:prstGeom>
+            </p:spPr>
+          </p:pic>
+        </mc:Fallback>
+      </mc:AlternateContent>
+      <mc:AlternateContent xmlns:mc="http://schemas.openxmlformats.org/markup-compatibility/2006">
+        <mc:Choice xmlns:p14="http://schemas.microsoft.com/office/powerpoint/2010/main" Requires="p14">
+          <p:contentPart p14:bwMode="auto" r:id="rId23">
+            <p14:nvContentPartPr>
+              <p14:cNvPr id="598" name="Ink 597">
+                <a:extLst>
+                  <a:ext uri="{FF2B5EF4-FFF2-40B4-BE49-F238E27FC236}">
+                    <a16:creationId xmlns:a16="http://schemas.microsoft.com/office/drawing/2014/main" id="{FF2B16E3-3C3B-41EE-B743-303266FA5D92}"/>
+                  </a:ext>
+                </a:extLst>
+              </p14:cNvPr>
+              <p14:cNvContentPartPr/>
+              <p14:nvPr/>
+            </p14:nvContentPartPr>
+            <p14:xfrm>
+              <a:off x="6614280" y="4191000"/>
+              <a:ext cx="1236960" cy="549000"/>
+            </p14:xfrm>
+          </p:contentPart>
+        </mc:Choice>
+        <mc:Fallback>
+          <p:pic>
+            <p:nvPicPr>
+              <p:cNvPr id="598" name="Ink 597">
+                <a:extLst>
+                  <a:ext uri="{FF2B5EF4-FFF2-40B4-BE49-F238E27FC236}">
+                    <a16:creationId xmlns:a16="http://schemas.microsoft.com/office/drawing/2014/main" id="{FF2B16E3-3C3B-41EE-B743-303266FA5D92}"/>
+                  </a:ext>
+                </a:extLst>
+              </p:cNvPr>
+              <p:cNvPicPr/>
+              <p:nvPr/>
+            </p:nvPicPr>
+            <p:blipFill>
+              <a:blip r:embed="rId24"/>
+              <a:stretch>
+                <a:fillRect/>
+              </a:stretch>
+            </p:blipFill>
+            <p:spPr>
+              <a:xfrm>
+                <a:off x="6605280" y="4182000"/>
+                <a:ext cx="1254600" cy="566640"/>
+              </a:xfrm>
+              <a:prstGeom prst="rect">
+                <a:avLst/>
+              </a:prstGeom>
+            </p:spPr>
+          </p:pic>
+        </mc:Fallback>
+      </mc:AlternateContent>
+      <mc:AlternateContent xmlns:mc="http://schemas.openxmlformats.org/markup-compatibility/2006">
+        <mc:Choice xmlns:p14="http://schemas.microsoft.com/office/powerpoint/2010/main" Requires="p14">
+          <p:contentPart p14:bwMode="auto" r:id="rId25">
+            <p14:nvContentPartPr>
+              <p14:cNvPr id="610" name="Ink 609">
+                <a:extLst>
+                  <a:ext uri="{FF2B5EF4-FFF2-40B4-BE49-F238E27FC236}">
+                    <a16:creationId xmlns:a16="http://schemas.microsoft.com/office/drawing/2014/main" id="{B1BA6B31-6B77-42D6-9557-BE979EFCC5DD}"/>
+                  </a:ext>
+                </a:extLst>
+              </p14:cNvPr>
+              <p14:cNvContentPartPr/>
+              <p14:nvPr/>
+            </p14:nvContentPartPr>
+            <p14:xfrm>
+              <a:off x="8183880" y="3176880"/>
+              <a:ext cx="1265400" cy="275400"/>
+            </p14:xfrm>
+          </p:contentPart>
+        </mc:Choice>
+        <mc:Fallback>
+          <p:pic>
+            <p:nvPicPr>
+              <p:cNvPr id="610" name="Ink 609">
+                <a:extLst>
+                  <a:ext uri="{FF2B5EF4-FFF2-40B4-BE49-F238E27FC236}">
+                    <a16:creationId xmlns:a16="http://schemas.microsoft.com/office/drawing/2014/main" id="{B1BA6B31-6B77-42D6-9557-BE979EFCC5DD}"/>
+                  </a:ext>
+                </a:extLst>
+              </p:cNvPr>
+              <p:cNvPicPr/>
+              <p:nvPr/>
+            </p:nvPicPr>
+            <p:blipFill>
+              <a:blip r:embed="rId26"/>
+              <a:stretch>
+                <a:fillRect/>
+              </a:stretch>
+            </p:blipFill>
+            <p:spPr>
+              <a:xfrm>
+                <a:off x="8174880" y="3167880"/>
+                <a:ext cx="1283040" cy="293040"/>
+              </a:xfrm>
+              <a:prstGeom prst="rect">
+                <a:avLst/>
+              </a:prstGeom>
+            </p:spPr>
+          </p:pic>
+        </mc:Fallback>
+      </mc:AlternateContent>
+      <mc:AlternateContent xmlns:mc="http://schemas.openxmlformats.org/markup-compatibility/2006">
+        <mc:Choice xmlns:p14="http://schemas.microsoft.com/office/powerpoint/2010/main" Requires="p14">
+          <p:contentPart p14:bwMode="auto" r:id="rId27">
+            <p14:nvContentPartPr>
+              <p14:cNvPr id="614" name="Ink 613">
+                <a:extLst>
+                  <a:ext uri="{FF2B5EF4-FFF2-40B4-BE49-F238E27FC236}">
+                    <a16:creationId xmlns:a16="http://schemas.microsoft.com/office/drawing/2014/main" id="{EE4CAECA-C3FA-4644-80D5-67380E0239E4}"/>
+                  </a:ext>
+                </a:extLst>
+              </p14:cNvPr>
+              <p14:cNvContentPartPr/>
+              <p14:nvPr/>
+            </p14:nvContentPartPr>
+            <p14:xfrm>
+              <a:off x="3875400" y="3229440"/>
+              <a:ext cx="163440" cy="283680"/>
+            </p14:xfrm>
+          </p:contentPart>
+        </mc:Choice>
+        <mc:Fallback>
+          <p:pic>
+            <p:nvPicPr>
+              <p:cNvPr id="614" name="Ink 613">
+                <a:extLst>
+                  <a:ext uri="{FF2B5EF4-FFF2-40B4-BE49-F238E27FC236}">
+                    <a16:creationId xmlns:a16="http://schemas.microsoft.com/office/drawing/2014/main" id="{EE4CAECA-C3FA-4644-80D5-67380E0239E4}"/>
+                  </a:ext>
+                </a:extLst>
+              </p:cNvPr>
+              <p:cNvPicPr/>
+              <p:nvPr/>
+            </p:nvPicPr>
+            <p:blipFill>
+              <a:blip r:embed="rId28"/>
+              <a:stretch>
+                <a:fillRect/>
+              </a:stretch>
+            </p:blipFill>
+            <p:spPr>
+              <a:xfrm>
+                <a:off x="3866400" y="3220440"/>
+                <a:ext cx="181080" cy="301320"/>
+              </a:xfrm>
+              <a:prstGeom prst="rect">
+                <a:avLst/>
+              </a:prstGeom>
+            </p:spPr>
+          </p:pic>
+        </mc:Fallback>
+      </mc:AlternateContent>
+      <mc:AlternateContent xmlns:mc="http://schemas.openxmlformats.org/markup-compatibility/2006">
+        <mc:Choice xmlns:p14="http://schemas.microsoft.com/office/powerpoint/2010/main" Requires="p14">
+          <p:contentPart p14:bwMode="auto" r:id="rId29">
+            <p14:nvContentPartPr>
+              <p14:cNvPr id="619" name="Ink 618">
+                <a:extLst>
+                  <a:ext uri="{FF2B5EF4-FFF2-40B4-BE49-F238E27FC236}">
+                    <a16:creationId xmlns:a16="http://schemas.microsoft.com/office/drawing/2014/main" id="{B64361A4-5E12-427F-A946-083BD42EC25D}"/>
+                  </a:ext>
+                </a:extLst>
+              </p14:cNvPr>
+              <p14:cNvContentPartPr/>
+              <p14:nvPr/>
+            </p14:nvContentPartPr>
+            <p14:xfrm>
+              <a:off x="8077320" y="4160400"/>
+              <a:ext cx="1135800" cy="389160"/>
+            </p14:xfrm>
+          </p:contentPart>
+        </mc:Choice>
+        <mc:Fallback>
+          <p:pic>
+            <p:nvPicPr>
+              <p:cNvPr id="619" name="Ink 618">
+                <a:extLst>
+                  <a:ext uri="{FF2B5EF4-FFF2-40B4-BE49-F238E27FC236}">
+                    <a16:creationId xmlns:a16="http://schemas.microsoft.com/office/drawing/2014/main" id="{B64361A4-5E12-427F-A946-083BD42EC25D}"/>
+                  </a:ext>
+                </a:extLst>
+              </p:cNvPr>
+              <p:cNvPicPr/>
+              <p:nvPr/>
+            </p:nvPicPr>
+            <p:blipFill>
+              <a:blip r:embed="rId30"/>
+              <a:stretch>
+                <a:fillRect/>
+              </a:stretch>
+            </p:blipFill>
+            <p:spPr>
+              <a:xfrm>
+                <a:off x="8068320" y="4151400"/>
+                <a:ext cx="1153440" cy="406800"/>
+              </a:xfrm>
+              <a:prstGeom prst="rect">
+                <a:avLst/>
+              </a:prstGeom>
+            </p:spPr>
+          </p:pic>
+        </mc:Fallback>
+      </mc:AlternateContent>
+      <mc:AlternateContent xmlns:mc="http://schemas.openxmlformats.org/markup-compatibility/2006">
+        <mc:Choice xmlns:p14="http://schemas.microsoft.com/office/powerpoint/2010/main" Requires="p14">
+          <p:contentPart p14:bwMode="auto" r:id="rId31">
+            <p14:nvContentPartPr>
+              <p14:cNvPr id="620" name="Ink 619">
+                <a:extLst>
+                  <a:ext uri="{FF2B5EF4-FFF2-40B4-BE49-F238E27FC236}">
+                    <a16:creationId xmlns:a16="http://schemas.microsoft.com/office/drawing/2014/main" id="{F62FE9E7-0815-44BC-BBB9-C76F401001A9}"/>
+                  </a:ext>
+                </a:extLst>
+              </p14:cNvPr>
+              <p14:cNvContentPartPr/>
+              <p14:nvPr/>
+            </p14:nvContentPartPr>
+            <p14:xfrm>
+              <a:off x="4008240" y="5859600"/>
+              <a:ext cx="766080" cy="107280"/>
+            </p14:xfrm>
+          </p:contentPart>
+        </mc:Choice>
+        <mc:Fallback>
+          <p:pic>
+            <p:nvPicPr>
+              <p:cNvPr id="620" name="Ink 619">
+                <a:extLst>
+                  <a:ext uri="{FF2B5EF4-FFF2-40B4-BE49-F238E27FC236}">
+                    <a16:creationId xmlns:a16="http://schemas.microsoft.com/office/drawing/2014/main" id="{F62FE9E7-0815-44BC-BBB9-C76F401001A9}"/>
+                  </a:ext>
+                </a:extLst>
+              </p:cNvPr>
+              <p:cNvPicPr/>
+              <p:nvPr/>
+            </p:nvPicPr>
+            <p:blipFill>
+              <a:blip r:embed="rId32"/>
+              <a:stretch>
+                <a:fillRect/>
+              </a:stretch>
+            </p:blipFill>
+            <p:spPr>
+              <a:xfrm>
+                <a:off x="3999240" y="5850600"/>
+                <a:ext cx="783720" cy="124920"/>
+              </a:xfrm>
+              <a:prstGeom prst="rect">
+                <a:avLst/>
+              </a:prstGeom>
+            </p:spPr>
+          </p:pic>
+        </mc:Fallback>
+      </mc:AlternateContent>
+      <mc:AlternateContent xmlns:mc="http://schemas.openxmlformats.org/markup-compatibility/2006">
+        <mc:Choice xmlns:p14="http://schemas.microsoft.com/office/powerpoint/2010/main" Requires="p14">
+          <p:contentPart p14:bwMode="auto" r:id="rId33">
+            <p14:nvContentPartPr>
+              <p14:cNvPr id="632" name="Ink 631">
+                <a:extLst>
+                  <a:ext uri="{FF2B5EF4-FFF2-40B4-BE49-F238E27FC236}">
+                    <a16:creationId xmlns:a16="http://schemas.microsoft.com/office/drawing/2014/main" id="{970E4327-BE93-4723-A17B-ADDB97FE9355}"/>
+                  </a:ext>
+                </a:extLst>
+              </p14:cNvPr>
+              <p14:cNvContentPartPr/>
+              <p14:nvPr/>
+            </p14:nvContentPartPr>
+            <p14:xfrm>
+              <a:off x="7292520" y="5272800"/>
+              <a:ext cx="1714680" cy="442800"/>
+            </p14:xfrm>
+          </p:contentPart>
+        </mc:Choice>
+        <mc:Fallback>
+          <p:pic>
+            <p:nvPicPr>
+              <p:cNvPr id="632" name="Ink 631">
+                <a:extLst>
+                  <a:ext uri="{FF2B5EF4-FFF2-40B4-BE49-F238E27FC236}">
+                    <a16:creationId xmlns:a16="http://schemas.microsoft.com/office/drawing/2014/main" id="{970E4327-BE93-4723-A17B-ADDB97FE9355}"/>
+                  </a:ext>
+                </a:extLst>
+              </p:cNvPr>
+              <p:cNvPicPr/>
+              <p:nvPr/>
+            </p:nvPicPr>
+            <p:blipFill>
+              <a:blip r:embed="rId34"/>
+              <a:stretch>
+                <a:fillRect/>
+              </a:stretch>
+            </p:blipFill>
+            <p:spPr>
+              <a:xfrm>
+                <a:off x="7283520" y="5263800"/>
+                <a:ext cx="1732320" cy="460440"/>
+              </a:xfrm>
+              <a:prstGeom prst="rect">
+                <a:avLst/>
+              </a:prstGeom>
+            </p:spPr>
+          </p:pic>
+        </mc:Fallback>
+      </mc:AlternateContent>
+      <mc:AlternateContent xmlns:mc="http://schemas.openxmlformats.org/markup-compatibility/2006">
+        <mc:Choice xmlns:p14="http://schemas.microsoft.com/office/powerpoint/2010/main" Requires="p14">
+          <p:contentPart p14:bwMode="auto" r:id="rId35">
+            <p14:nvContentPartPr>
+              <p14:cNvPr id="633" name="Ink 632">
+                <a:extLst>
+                  <a:ext uri="{FF2B5EF4-FFF2-40B4-BE49-F238E27FC236}">
+                    <a16:creationId xmlns:a16="http://schemas.microsoft.com/office/drawing/2014/main" id="{F74493CB-8286-44C9-A51C-77A8AEAE9DF1}"/>
+                  </a:ext>
+                </a:extLst>
+              </p14:cNvPr>
+              <p14:cNvContentPartPr/>
+              <p14:nvPr/>
+            </p14:nvContentPartPr>
+            <p14:xfrm>
+              <a:off x="3555360" y="3611760"/>
+              <a:ext cx="316080" cy="206280"/>
+            </p14:xfrm>
+          </p:contentPart>
+        </mc:Choice>
+        <mc:Fallback>
+          <p:pic>
+            <p:nvPicPr>
+              <p:cNvPr id="633" name="Ink 632">
+                <a:extLst>
+                  <a:ext uri="{FF2B5EF4-FFF2-40B4-BE49-F238E27FC236}">
+                    <a16:creationId xmlns:a16="http://schemas.microsoft.com/office/drawing/2014/main" id="{F74493CB-8286-44C9-A51C-77A8AEAE9DF1}"/>
+                  </a:ext>
+                </a:extLst>
+              </p:cNvPr>
+              <p:cNvPicPr/>
+              <p:nvPr/>
+            </p:nvPicPr>
+            <p:blipFill>
+              <a:blip r:embed="rId36"/>
+              <a:stretch>
+                <a:fillRect/>
+              </a:stretch>
+            </p:blipFill>
+            <p:spPr>
+              <a:xfrm>
+                <a:off x="3546360" y="3602760"/>
+                <a:ext cx="333720" cy="223920"/>
+              </a:xfrm>
+              <a:prstGeom prst="rect">
+                <a:avLst/>
+              </a:prstGeom>
+            </p:spPr>
+          </p:pic>
+        </mc:Fallback>
+      </mc:AlternateContent>
+      <mc:AlternateContent xmlns:mc="http://schemas.openxmlformats.org/markup-compatibility/2006">
+        <mc:Choice xmlns:p14="http://schemas.microsoft.com/office/powerpoint/2010/main" Requires="p14">
+          <p:contentPart p14:bwMode="auto" r:id="rId37">
+            <p14:nvContentPartPr>
+              <p14:cNvPr id="634" name="Ink 633">
+                <a:extLst>
+                  <a:ext uri="{FF2B5EF4-FFF2-40B4-BE49-F238E27FC236}">
+                    <a16:creationId xmlns:a16="http://schemas.microsoft.com/office/drawing/2014/main" id="{0065503A-C5F1-4424-AF98-13A12AD25EA5}"/>
+                  </a:ext>
+                </a:extLst>
+              </p14:cNvPr>
+              <p14:cNvContentPartPr/>
+              <p14:nvPr/>
+            </p14:nvContentPartPr>
+            <p14:xfrm>
+              <a:off x="5600520" y="4160400"/>
+              <a:ext cx="267120" cy="213840"/>
+            </p14:xfrm>
+          </p:contentPart>
+        </mc:Choice>
+        <mc:Fallback>
+          <p:pic>
+            <p:nvPicPr>
+              <p:cNvPr id="634" name="Ink 633">
+                <a:extLst>
+                  <a:ext uri="{FF2B5EF4-FFF2-40B4-BE49-F238E27FC236}">
+                    <a16:creationId xmlns:a16="http://schemas.microsoft.com/office/drawing/2014/main" id="{0065503A-C5F1-4424-AF98-13A12AD25EA5}"/>
+                  </a:ext>
+                </a:extLst>
+              </p:cNvPr>
+              <p:cNvPicPr/>
+              <p:nvPr/>
+            </p:nvPicPr>
+            <p:blipFill>
+              <a:blip r:embed="rId38"/>
+              <a:stretch>
+                <a:fillRect/>
+              </a:stretch>
+            </p:blipFill>
+            <p:spPr>
+              <a:xfrm>
+                <a:off x="5591520" y="4151400"/>
+                <a:ext cx="284760" cy="231480"/>
+              </a:xfrm>
+              <a:prstGeom prst="rect">
+                <a:avLst/>
+              </a:prstGeom>
+            </p:spPr>
+          </p:pic>
+        </mc:Fallback>
+      </mc:AlternateContent>
+      <mc:AlternateContent xmlns:mc="http://schemas.openxmlformats.org/markup-compatibility/2006">
+        <mc:Choice xmlns:p14="http://schemas.microsoft.com/office/powerpoint/2010/main" Requires="p14">
+          <p:contentPart p14:bwMode="auto" r:id="rId39">
+            <p14:nvContentPartPr>
+              <p14:cNvPr id="647" name="Ink 646">
+                <a:extLst>
+                  <a:ext uri="{FF2B5EF4-FFF2-40B4-BE49-F238E27FC236}">
+                    <a16:creationId xmlns:a16="http://schemas.microsoft.com/office/drawing/2014/main" id="{D959DAC6-DB9B-40E9-9532-1D418190EDAC}"/>
+                  </a:ext>
+                </a:extLst>
+              </p14:cNvPr>
+              <p14:cNvContentPartPr/>
+              <p14:nvPr/>
+            </p14:nvContentPartPr>
+            <p14:xfrm>
+              <a:off x="9372600" y="5029080"/>
+              <a:ext cx="1349280" cy="276120"/>
+            </p14:xfrm>
+          </p:contentPart>
+        </mc:Choice>
+        <mc:Fallback>
+          <p:pic>
+            <p:nvPicPr>
+              <p:cNvPr id="647" name="Ink 646">
+                <a:extLst>
+                  <a:ext uri="{FF2B5EF4-FFF2-40B4-BE49-F238E27FC236}">
+                    <a16:creationId xmlns:a16="http://schemas.microsoft.com/office/drawing/2014/main" id="{D959DAC6-DB9B-40E9-9532-1D418190EDAC}"/>
+                  </a:ext>
+                </a:extLst>
+              </p:cNvPr>
+              <p:cNvPicPr/>
+              <p:nvPr/>
+            </p:nvPicPr>
+            <p:blipFill>
+              <a:blip r:embed="rId40"/>
+              <a:stretch>
+                <a:fillRect/>
+              </a:stretch>
+            </p:blipFill>
+            <p:spPr>
+              <a:xfrm>
+                <a:off x="9363600" y="5020080"/>
+                <a:ext cx="1366920" cy="293760"/>
+              </a:xfrm>
+              <a:prstGeom prst="rect">
+                <a:avLst/>
+              </a:prstGeom>
+            </p:spPr>
+          </p:pic>
+        </mc:Fallback>
+      </mc:AlternateContent>
+      <mc:AlternateContent xmlns:mc="http://schemas.openxmlformats.org/markup-compatibility/2006">
+        <mc:Choice xmlns:p14="http://schemas.microsoft.com/office/powerpoint/2010/main" Requires="p14">
+          <p:contentPart p14:bwMode="auto" r:id="rId41">
+            <p14:nvContentPartPr>
+              <p14:cNvPr id="648" name="Ink 647">
+                <a:extLst>
+                  <a:ext uri="{FF2B5EF4-FFF2-40B4-BE49-F238E27FC236}">
+                    <a16:creationId xmlns:a16="http://schemas.microsoft.com/office/drawing/2014/main" id="{E19092A6-CE08-431A-951E-A0B87907244A}"/>
+                  </a:ext>
+                </a:extLst>
+              </p14:cNvPr>
+              <p14:cNvContentPartPr/>
+              <p14:nvPr/>
+            </p14:nvContentPartPr>
+            <p14:xfrm>
+              <a:off x="9121320" y="5440560"/>
+              <a:ext cx="2257920" cy="81720"/>
+            </p14:xfrm>
+          </p:contentPart>
+        </mc:Choice>
+        <mc:Fallback>
+          <p:pic>
+            <p:nvPicPr>
+              <p:cNvPr id="648" name="Ink 647">
+                <a:extLst>
+                  <a:ext uri="{FF2B5EF4-FFF2-40B4-BE49-F238E27FC236}">
+                    <a16:creationId xmlns:a16="http://schemas.microsoft.com/office/drawing/2014/main" id="{E19092A6-CE08-431A-951E-A0B87907244A}"/>
+                  </a:ext>
+                </a:extLst>
+              </p:cNvPr>
+              <p:cNvPicPr/>
+              <p:nvPr/>
+            </p:nvPicPr>
+            <p:blipFill>
+              <a:blip r:embed="rId42"/>
+              <a:stretch>
+                <a:fillRect/>
+              </a:stretch>
+            </p:blipFill>
+            <p:spPr>
+              <a:xfrm>
+                <a:off x="9112320" y="5431560"/>
+                <a:ext cx="2275560" cy="99360"/>
+              </a:xfrm>
+              <a:prstGeom prst="rect">
+                <a:avLst/>
+              </a:prstGeom>
+            </p:spPr>
+          </p:pic>
+        </mc:Fallback>
+      </mc:AlternateContent>
+      <mc:AlternateContent xmlns:mc="http://schemas.openxmlformats.org/markup-compatibility/2006">
+        <mc:Choice xmlns:p14="http://schemas.microsoft.com/office/powerpoint/2010/main" Requires="p14">
+          <p:contentPart p14:bwMode="auto" r:id="rId43">
+            <p14:nvContentPartPr>
+              <p14:cNvPr id="670" name="Ink 669">
+                <a:extLst>
+                  <a:ext uri="{FF2B5EF4-FFF2-40B4-BE49-F238E27FC236}">
+                    <a16:creationId xmlns:a16="http://schemas.microsoft.com/office/drawing/2014/main" id="{0892B5DE-30AC-4FAD-BC6C-60923E4CAE7E}"/>
+                  </a:ext>
+                </a:extLst>
+              </p14:cNvPr>
+              <p14:cNvContentPartPr/>
+              <p14:nvPr/>
+            </p14:nvContentPartPr>
+            <p14:xfrm>
+              <a:off x="9144000" y="5611200"/>
+              <a:ext cx="2309760" cy="296640"/>
+            </p14:xfrm>
+          </p:contentPart>
+        </mc:Choice>
+        <mc:Fallback>
+          <p:pic>
+            <p:nvPicPr>
+              <p:cNvPr id="670" name="Ink 669">
+                <a:extLst>
+                  <a:ext uri="{FF2B5EF4-FFF2-40B4-BE49-F238E27FC236}">
+                    <a16:creationId xmlns:a16="http://schemas.microsoft.com/office/drawing/2014/main" id="{0892B5DE-30AC-4FAD-BC6C-60923E4CAE7E}"/>
+                  </a:ext>
+                </a:extLst>
+              </p:cNvPr>
+              <p:cNvPicPr/>
+              <p:nvPr/>
+            </p:nvPicPr>
+            <p:blipFill>
+              <a:blip r:embed="rId44"/>
+              <a:stretch>
+                <a:fillRect/>
+              </a:stretch>
+            </p:blipFill>
+            <p:spPr>
+              <a:xfrm>
+                <a:off x="9135000" y="5602189"/>
+                <a:ext cx="2327400" cy="314301"/>
+              </a:xfrm>
+              <a:prstGeom prst="rect">
+                <a:avLst/>
+              </a:prstGeom>
+            </p:spPr>
+          </p:pic>
+        </mc:Fallback>
+      </mc:AlternateContent>
+      <mc:AlternateContent xmlns:mc="http://schemas.openxmlformats.org/markup-compatibility/2006">
+        <mc:Choice xmlns:p14="http://schemas.microsoft.com/office/powerpoint/2010/main" Requires="p14">
+          <p:contentPart p14:bwMode="auto" r:id="rId45">
+            <p14:nvContentPartPr>
+              <p14:cNvPr id="671" name="Ink 670">
+                <a:extLst>
+                  <a:ext uri="{FF2B5EF4-FFF2-40B4-BE49-F238E27FC236}">
+                    <a16:creationId xmlns:a16="http://schemas.microsoft.com/office/drawing/2014/main" id="{44899376-9AAB-495C-BBDC-E43394A67869}"/>
+                  </a:ext>
+                </a:extLst>
+              </p14:cNvPr>
+              <p14:cNvContentPartPr/>
+              <p14:nvPr/>
+            </p14:nvContentPartPr>
+            <p14:xfrm>
+              <a:off x="7872120" y="5665920"/>
+              <a:ext cx="233640" cy="41760"/>
+            </p14:xfrm>
+          </p:contentPart>
+        </mc:Choice>
+        <mc:Fallback>
+          <p:pic>
+            <p:nvPicPr>
+              <p:cNvPr id="671" name="Ink 670">
+                <a:extLst>
+                  <a:ext uri="{FF2B5EF4-FFF2-40B4-BE49-F238E27FC236}">
+                    <a16:creationId xmlns:a16="http://schemas.microsoft.com/office/drawing/2014/main" id="{44899376-9AAB-495C-BBDC-E43394A67869}"/>
+                  </a:ext>
+                </a:extLst>
+              </p:cNvPr>
+              <p:cNvPicPr/>
+              <p:nvPr/>
+            </p:nvPicPr>
+            <p:blipFill>
+              <a:blip r:embed="rId46"/>
+              <a:stretch>
+                <a:fillRect/>
+              </a:stretch>
+            </p:blipFill>
+            <p:spPr>
+              <a:xfrm>
+                <a:off x="7863106" y="5656920"/>
+                <a:ext cx="251307" cy="59400"/>
+              </a:xfrm>
+              <a:prstGeom prst="rect">
+                <a:avLst/>
+              </a:prstGeom>
+            </p:spPr>
+          </p:pic>
+        </mc:Fallback>
+      </mc:AlternateContent>
+      <mc:AlternateContent xmlns:mc="http://schemas.openxmlformats.org/markup-compatibility/2006">
+        <mc:Choice xmlns:p14="http://schemas.microsoft.com/office/powerpoint/2010/main" Requires="p14">
+          <p:contentPart p14:bwMode="auto" r:id="rId47">
+            <p14:nvContentPartPr>
+              <p14:cNvPr id="672" name="Ink 671">
+                <a:extLst>
+                  <a:ext uri="{FF2B5EF4-FFF2-40B4-BE49-F238E27FC236}">
+                    <a16:creationId xmlns:a16="http://schemas.microsoft.com/office/drawing/2014/main" id="{727096D1-E590-4EAF-B2EE-A377F8A78F76}"/>
+                  </a:ext>
+                </a:extLst>
+              </p14:cNvPr>
+              <p14:cNvContentPartPr/>
+              <p14:nvPr/>
+            </p14:nvContentPartPr>
+            <p14:xfrm>
+              <a:off x="9478440" y="4998480"/>
+              <a:ext cx="467280" cy="389520"/>
+            </p14:xfrm>
+          </p:contentPart>
+        </mc:Choice>
+        <mc:Fallback>
+          <p:pic>
+            <p:nvPicPr>
+              <p:cNvPr id="672" name="Ink 671">
+                <a:extLst>
+                  <a:ext uri="{FF2B5EF4-FFF2-40B4-BE49-F238E27FC236}">
+                    <a16:creationId xmlns:a16="http://schemas.microsoft.com/office/drawing/2014/main" id="{727096D1-E590-4EAF-B2EE-A377F8A78F76}"/>
+                  </a:ext>
+                </a:extLst>
+              </p:cNvPr>
+              <p:cNvPicPr/>
+              <p:nvPr/>
+            </p:nvPicPr>
+            <p:blipFill>
+              <a:blip r:embed="rId48"/>
+              <a:stretch>
+                <a:fillRect/>
+              </a:stretch>
+            </p:blipFill>
+            <p:spPr>
+              <a:xfrm>
+                <a:off x="9469440" y="4989480"/>
+                <a:ext cx="484920" cy="407160"/>
+              </a:xfrm>
+              <a:prstGeom prst="rect">
+                <a:avLst/>
+              </a:prstGeom>
+            </p:spPr>
+          </p:pic>
+        </mc:Fallback>
+      </mc:AlternateContent>
+      <mc:AlternateContent xmlns:mc="http://schemas.openxmlformats.org/markup-compatibility/2006">
+        <mc:Choice xmlns:p14="http://schemas.microsoft.com/office/powerpoint/2010/main" Requires="p14">
+          <p:contentPart p14:bwMode="auto" r:id="rId49">
+            <p14:nvContentPartPr>
+              <p14:cNvPr id="674" name="Ink 673">
+                <a:extLst>
+                  <a:ext uri="{FF2B5EF4-FFF2-40B4-BE49-F238E27FC236}">
+                    <a16:creationId xmlns:a16="http://schemas.microsoft.com/office/drawing/2014/main" id="{7BC72225-F627-4C61-8568-9F8408171851}"/>
+                  </a:ext>
+                </a:extLst>
+              </p14:cNvPr>
+              <p14:cNvContentPartPr/>
+              <p14:nvPr/>
+            </p14:nvContentPartPr>
+            <p14:xfrm>
+              <a:off x="6789240" y="3005880"/>
+              <a:ext cx="1014120" cy="377640"/>
+            </p14:xfrm>
+          </p:contentPart>
+        </mc:Choice>
+        <mc:Fallback>
+          <p:pic>
+            <p:nvPicPr>
+              <p:cNvPr id="674" name="Ink 673">
+                <a:extLst>
+                  <a:ext uri="{FF2B5EF4-FFF2-40B4-BE49-F238E27FC236}">
+                    <a16:creationId xmlns:a16="http://schemas.microsoft.com/office/drawing/2014/main" id="{7BC72225-F627-4C61-8568-9F8408171851}"/>
+                  </a:ext>
+                </a:extLst>
+              </p:cNvPr>
+              <p:cNvPicPr/>
+              <p:nvPr/>
+            </p:nvPicPr>
+            <p:blipFill>
+              <a:blip r:embed="rId50"/>
+              <a:stretch>
+                <a:fillRect/>
+              </a:stretch>
+            </p:blipFill>
+            <p:spPr>
+              <a:xfrm>
+                <a:off x="6780240" y="2996880"/>
+                <a:ext cx="1031760" cy="395280"/>
+              </a:xfrm>
+              <a:prstGeom prst="rect">
+                <a:avLst/>
+              </a:prstGeom>
+            </p:spPr>
+          </p:pic>
+        </mc:Fallback>
+      </mc:AlternateContent>
+      <mc:AlternateContent xmlns:mc="http://schemas.openxmlformats.org/markup-compatibility/2006">
+        <mc:Choice xmlns:p14="http://schemas.microsoft.com/office/powerpoint/2010/main" Requires="p14">
+          <p:contentPart p14:bwMode="auto" r:id="rId51">
+            <p14:nvContentPartPr>
+              <p14:cNvPr id="675" name="Ink 674">
+                <a:extLst>
+                  <a:ext uri="{FF2B5EF4-FFF2-40B4-BE49-F238E27FC236}">
+                    <a16:creationId xmlns:a16="http://schemas.microsoft.com/office/drawing/2014/main" id="{FA9B47CD-EF24-4095-B769-E6D21DD093EA}"/>
+                  </a:ext>
+                </a:extLst>
+              </p14:cNvPr>
+              <p14:cNvContentPartPr/>
+              <p14:nvPr/>
+            </p14:nvContentPartPr>
+            <p14:xfrm>
+              <a:off x="7818120" y="5699040"/>
+              <a:ext cx="219960" cy="54360"/>
+            </p14:xfrm>
+          </p:contentPart>
+        </mc:Choice>
+        <mc:Fallback>
+          <p:pic>
+            <p:nvPicPr>
+              <p:cNvPr id="675" name="Ink 674">
+                <a:extLst>
+                  <a:ext uri="{FF2B5EF4-FFF2-40B4-BE49-F238E27FC236}">
+                    <a16:creationId xmlns:a16="http://schemas.microsoft.com/office/drawing/2014/main" id="{FA9B47CD-EF24-4095-B769-E6D21DD093EA}"/>
+                  </a:ext>
+                </a:extLst>
+              </p:cNvPr>
+              <p:cNvPicPr/>
+              <p:nvPr/>
+            </p:nvPicPr>
+            <p:blipFill>
+              <a:blip r:embed="rId52"/>
+              <a:stretch>
+                <a:fillRect/>
+              </a:stretch>
+            </p:blipFill>
+            <p:spPr>
+              <a:xfrm>
+                <a:off x="7809120" y="5690040"/>
+                <a:ext cx="237600" cy="72000"/>
+              </a:xfrm>
+              <a:prstGeom prst="rect">
+                <a:avLst/>
+              </a:prstGeom>
+            </p:spPr>
+          </p:pic>
+        </mc:Fallback>
+      </mc:AlternateContent>
+      <mc:AlternateContent xmlns:mc="http://schemas.openxmlformats.org/markup-compatibility/2006">
+        <mc:Choice xmlns:p14="http://schemas.microsoft.com/office/powerpoint/2010/main" Requires="p14">
+          <p:contentPart p14:bwMode="auto" r:id="rId53">
+            <p14:nvContentPartPr>
+              <p14:cNvPr id="687" name="Ink 686">
+                <a:extLst>
+                  <a:ext uri="{FF2B5EF4-FFF2-40B4-BE49-F238E27FC236}">
+                    <a16:creationId xmlns:a16="http://schemas.microsoft.com/office/drawing/2014/main" id="{516C8538-E514-4145-B894-C6A3D7BC93BC}"/>
+                  </a:ext>
+                </a:extLst>
+              </p14:cNvPr>
+              <p14:cNvContentPartPr/>
+              <p14:nvPr/>
+            </p14:nvContentPartPr>
+            <p14:xfrm>
+              <a:off x="7383960" y="5973720"/>
+              <a:ext cx="1668600" cy="206640"/>
+            </p14:xfrm>
+          </p:contentPart>
+        </mc:Choice>
+        <mc:Fallback>
+          <p:pic>
+            <p:nvPicPr>
+              <p:cNvPr id="687" name="Ink 686">
+                <a:extLst>
+                  <a:ext uri="{FF2B5EF4-FFF2-40B4-BE49-F238E27FC236}">
+                    <a16:creationId xmlns:a16="http://schemas.microsoft.com/office/drawing/2014/main" id="{516C8538-E514-4145-B894-C6A3D7BC93BC}"/>
+                  </a:ext>
+                </a:extLst>
+              </p:cNvPr>
+              <p:cNvPicPr/>
+              <p:nvPr/>
+            </p:nvPicPr>
+            <p:blipFill>
+              <a:blip r:embed="rId54"/>
+              <a:stretch>
+                <a:fillRect/>
+              </a:stretch>
+            </p:blipFill>
+            <p:spPr>
+              <a:xfrm>
+                <a:off x="7374960" y="5964704"/>
+                <a:ext cx="1686240" cy="224311"/>
+              </a:xfrm>
+              <a:prstGeom prst="rect">
+                <a:avLst/>
+              </a:prstGeom>
+            </p:spPr>
+          </p:pic>
+        </mc:Fallback>
+      </mc:AlternateContent>
+      <mc:AlternateContent xmlns:mc="http://schemas.openxmlformats.org/markup-compatibility/2006">
+        <mc:Choice xmlns:p14="http://schemas.microsoft.com/office/powerpoint/2010/main" Requires="p14">
+          <p:contentPart p14:bwMode="auto" r:id="rId55">
+            <p14:nvContentPartPr>
+              <p14:cNvPr id="688" name="Ink 687">
+                <a:extLst>
+                  <a:ext uri="{FF2B5EF4-FFF2-40B4-BE49-F238E27FC236}">
+                    <a16:creationId xmlns:a16="http://schemas.microsoft.com/office/drawing/2014/main" id="{1FE05179-AA00-4F36-8627-40D366864FEA}"/>
+                  </a:ext>
+                </a:extLst>
+              </p14:cNvPr>
+              <p14:cNvContentPartPr/>
+              <p14:nvPr/>
+            </p14:nvContentPartPr>
+            <p14:xfrm>
+              <a:off x="7101720" y="6065520"/>
+              <a:ext cx="199800" cy="61560"/>
+            </p14:xfrm>
+          </p:contentPart>
+        </mc:Choice>
+        <mc:Fallback>
+          <p:pic>
+            <p:nvPicPr>
+              <p:cNvPr id="688" name="Ink 687">
+                <a:extLst>
+                  <a:ext uri="{FF2B5EF4-FFF2-40B4-BE49-F238E27FC236}">
+                    <a16:creationId xmlns:a16="http://schemas.microsoft.com/office/drawing/2014/main" id="{1FE05179-AA00-4F36-8627-40D366864FEA}"/>
+                  </a:ext>
+                </a:extLst>
+              </p:cNvPr>
+              <p:cNvPicPr/>
+              <p:nvPr/>
+            </p:nvPicPr>
+            <p:blipFill>
+              <a:blip r:embed="rId56"/>
+              <a:stretch>
+                <a:fillRect/>
+              </a:stretch>
+            </p:blipFill>
+            <p:spPr>
+              <a:xfrm>
+                <a:off x="7092720" y="6056520"/>
+                <a:ext cx="217440" cy="79200"/>
+              </a:xfrm>
+              <a:prstGeom prst="rect">
+                <a:avLst/>
+              </a:prstGeom>
+            </p:spPr>
+          </p:pic>
+        </mc:Fallback>
+      </mc:AlternateContent>
+      <mc:AlternateContent xmlns:mc="http://schemas.openxmlformats.org/markup-compatibility/2006">
+        <mc:Choice xmlns:p14="http://schemas.microsoft.com/office/powerpoint/2010/main" Requires="p14">
+          <p:contentPart p14:bwMode="auto" r:id="rId57">
+            <p14:nvContentPartPr>
+              <p14:cNvPr id="700" name="Ink 699">
+                <a:extLst>
+                  <a:ext uri="{FF2B5EF4-FFF2-40B4-BE49-F238E27FC236}">
+                    <a16:creationId xmlns:a16="http://schemas.microsoft.com/office/drawing/2014/main" id="{6C57085B-FE01-4B4D-BCF5-D42A8E3A1964}"/>
+                  </a:ext>
+                </a:extLst>
+              </p14:cNvPr>
+              <p14:cNvContentPartPr/>
+              <p14:nvPr/>
+            </p14:nvContentPartPr>
+            <p14:xfrm>
+              <a:off x="6949440" y="1836240"/>
+              <a:ext cx="946080" cy="442440"/>
+            </p14:xfrm>
+          </p:contentPart>
+        </mc:Choice>
+        <mc:Fallback>
+          <p:pic>
+            <p:nvPicPr>
+              <p:cNvPr id="700" name="Ink 699">
+                <a:extLst>
+                  <a:ext uri="{FF2B5EF4-FFF2-40B4-BE49-F238E27FC236}">
+                    <a16:creationId xmlns:a16="http://schemas.microsoft.com/office/drawing/2014/main" id="{6C57085B-FE01-4B4D-BCF5-D42A8E3A1964}"/>
+                  </a:ext>
+                </a:extLst>
+              </p:cNvPr>
+              <p:cNvPicPr/>
+              <p:nvPr/>
+            </p:nvPicPr>
+            <p:blipFill>
+              <a:blip r:embed="rId58"/>
+              <a:stretch>
+                <a:fillRect/>
+              </a:stretch>
+            </p:blipFill>
+            <p:spPr>
+              <a:xfrm>
+                <a:off x="6940440" y="1827240"/>
+                <a:ext cx="963720" cy="460080"/>
+              </a:xfrm>
+              <a:prstGeom prst="rect">
+                <a:avLst/>
+              </a:prstGeom>
+            </p:spPr>
+          </p:pic>
+        </mc:Fallback>
+      </mc:AlternateContent>
+      <mc:AlternateContent xmlns:mc="http://schemas.openxmlformats.org/markup-compatibility/2006">
+        <mc:Choice xmlns:p14="http://schemas.microsoft.com/office/powerpoint/2010/main" Requires="p14">
+          <p:contentPart p14:bwMode="auto" r:id="rId59">
+            <p14:nvContentPartPr>
+              <p14:cNvPr id="702" name="Ink 701">
+                <a:extLst>
+                  <a:ext uri="{FF2B5EF4-FFF2-40B4-BE49-F238E27FC236}">
+                    <a16:creationId xmlns:a16="http://schemas.microsoft.com/office/drawing/2014/main" id="{BF463D27-0CC1-4B83-9448-766CD4322CE3}"/>
+                  </a:ext>
+                </a:extLst>
+              </p14:cNvPr>
+              <p14:cNvContentPartPr/>
+              <p14:nvPr/>
+            </p14:nvContentPartPr>
+            <p14:xfrm>
+              <a:off x="7231320" y="2369760"/>
+              <a:ext cx="504360" cy="168120"/>
+            </p14:xfrm>
+          </p:contentPart>
+        </mc:Choice>
+        <mc:Fallback>
+          <p:pic>
+            <p:nvPicPr>
+              <p:cNvPr id="702" name="Ink 701">
+                <a:extLst>
+                  <a:ext uri="{FF2B5EF4-FFF2-40B4-BE49-F238E27FC236}">
+                    <a16:creationId xmlns:a16="http://schemas.microsoft.com/office/drawing/2014/main" id="{BF463D27-0CC1-4B83-9448-766CD4322CE3}"/>
+                  </a:ext>
+                </a:extLst>
+              </p:cNvPr>
+              <p:cNvPicPr/>
+              <p:nvPr/>
+            </p:nvPicPr>
+            <p:blipFill>
+              <a:blip r:embed="rId60"/>
+              <a:stretch>
+                <a:fillRect/>
+              </a:stretch>
+            </p:blipFill>
+            <p:spPr>
+              <a:xfrm>
+                <a:off x="7222320" y="2360760"/>
+                <a:ext cx="522000" cy="185760"/>
+              </a:xfrm>
+              <a:prstGeom prst="rect">
+                <a:avLst/>
+              </a:prstGeom>
+            </p:spPr>
+          </p:pic>
+        </mc:Fallback>
+      </mc:AlternateContent>
+      <mc:AlternateContent xmlns:mc="http://schemas.openxmlformats.org/markup-compatibility/2006">
+        <mc:Choice xmlns:p14="http://schemas.microsoft.com/office/powerpoint/2010/main" Requires="p14">
+          <p:contentPart p14:bwMode="auto" r:id="rId61">
+            <p14:nvContentPartPr>
+              <p14:cNvPr id="716" name="Ink 715">
+                <a:extLst>
+                  <a:ext uri="{FF2B5EF4-FFF2-40B4-BE49-F238E27FC236}">
+                    <a16:creationId xmlns:a16="http://schemas.microsoft.com/office/drawing/2014/main" id="{453E4E87-BB37-488A-9126-F43F35350350}"/>
+                  </a:ext>
+                </a:extLst>
+              </p14:cNvPr>
+              <p14:cNvContentPartPr/>
+              <p14:nvPr/>
+            </p14:nvContentPartPr>
+            <p14:xfrm>
+              <a:off x="8333640" y="1798440"/>
+              <a:ext cx="1062360" cy="434520"/>
+            </p14:xfrm>
+          </p:contentPart>
+        </mc:Choice>
+        <mc:Fallback>
+          <p:pic>
+            <p:nvPicPr>
+              <p:cNvPr id="716" name="Ink 715">
+                <a:extLst>
+                  <a:ext uri="{FF2B5EF4-FFF2-40B4-BE49-F238E27FC236}">
+                    <a16:creationId xmlns:a16="http://schemas.microsoft.com/office/drawing/2014/main" id="{453E4E87-BB37-488A-9126-F43F35350350}"/>
+                  </a:ext>
+                </a:extLst>
+              </p:cNvPr>
+              <p:cNvPicPr/>
+              <p:nvPr/>
+            </p:nvPicPr>
+            <p:blipFill>
+              <a:blip r:embed="rId62"/>
+              <a:stretch>
+                <a:fillRect/>
+              </a:stretch>
+            </p:blipFill>
+            <p:spPr>
+              <a:xfrm>
+                <a:off x="8324640" y="1789440"/>
+                <a:ext cx="1080000" cy="452160"/>
+              </a:xfrm>
+              <a:prstGeom prst="rect">
+                <a:avLst/>
+              </a:prstGeom>
+            </p:spPr>
+          </p:pic>
+        </mc:Fallback>
+      </mc:AlternateContent>
+      <mc:AlternateContent xmlns:mc="http://schemas.openxmlformats.org/markup-compatibility/2006">
+        <mc:Choice xmlns:p14="http://schemas.microsoft.com/office/powerpoint/2010/main" Requires="p14">
+          <p:contentPart p14:bwMode="auto" r:id="rId63">
+            <p14:nvContentPartPr>
+              <p14:cNvPr id="720" name="Ink 719">
+                <a:extLst>
+                  <a:ext uri="{FF2B5EF4-FFF2-40B4-BE49-F238E27FC236}">
+                    <a16:creationId xmlns:a16="http://schemas.microsoft.com/office/drawing/2014/main" id="{C8BC17B9-D090-4051-8C9C-E407204FA516}"/>
+                  </a:ext>
+                </a:extLst>
+              </p14:cNvPr>
+              <p14:cNvContentPartPr/>
+              <p14:nvPr/>
+            </p14:nvContentPartPr>
+            <p14:xfrm>
+              <a:off x="8519040" y="2360400"/>
+              <a:ext cx="686520" cy="185040"/>
+            </p14:xfrm>
+          </p:contentPart>
+        </mc:Choice>
+        <mc:Fallback>
+          <p:pic>
+            <p:nvPicPr>
+              <p:cNvPr id="720" name="Ink 719">
+                <a:extLst>
+                  <a:ext uri="{FF2B5EF4-FFF2-40B4-BE49-F238E27FC236}">
+                    <a16:creationId xmlns:a16="http://schemas.microsoft.com/office/drawing/2014/main" id="{C8BC17B9-D090-4051-8C9C-E407204FA516}"/>
+                  </a:ext>
+                </a:extLst>
+              </p:cNvPr>
+              <p:cNvPicPr/>
+              <p:nvPr/>
+            </p:nvPicPr>
+            <p:blipFill>
+              <a:blip r:embed="rId64"/>
+              <a:stretch>
+                <a:fillRect/>
+              </a:stretch>
+            </p:blipFill>
+            <p:spPr>
+              <a:xfrm>
+                <a:off x="8510040" y="2351400"/>
+                <a:ext cx="704160" cy="202680"/>
+              </a:xfrm>
+              <a:prstGeom prst="rect">
+                <a:avLst/>
+              </a:prstGeom>
+            </p:spPr>
+          </p:pic>
+        </mc:Fallback>
+      </mc:AlternateContent>
+      <mc:AlternateContent xmlns:mc="http://schemas.openxmlformats.org/markup-compatibility/2006">
+        <mc:Choice xmlns:p14="http://schemas.microsoft.com/office/powerpoint/2010/main" Requires="p14">
+          <p:contentPart p14:bwMode="auto" r:id="rId65">
+            <p14:nvContentPartPr>
+              <p14:cNvPr id="729" name="Ink 728">
+                <a:extLst>
+                  <a:ext uri="{FF2B5EF4-FFF2-40B4-BE49-F238E27FC236}">
+                    <a16:creationId xmlns:a16="http://schemas.microsoft.com/office/drawing/2014/main" id="{A1E0B1DD-4669-494A-8421-8371663DACC9}"/>
+                  </a:ext>
+                </a:extLst>
+              </p14:cNvPr>
+              <p14:cNvContentPartPr/>
+              <p14:nvPr/>
+            </p14:nvContentPartPr>
+            <p14:xfrm>
+              <a:off x="9677520" y="1791600"/>
+              <a:ext cx="739440" cy="411840"/>
+            </p14:xfrm>
+          </p:contentPart>
+        </mc:Choice>
+        <mc:Fallback>
+          <p:pic>
+            <p:nvPicPr>
+              <p:cNvPr id="729" name="Ink 728">
+                <a:extLst>
+                  <a:ext uri="{FF2B5EF4-FFF2-40B4-BE49-F238E27FC236}">
+                    <a16:creationId xmlns:a16="http://schemas.microsoft.com/office/drawing/2014/main" id="{A1E0B1DD-4669-494A-8421-8371663DACC9}"/>
+                  </a:ext>
+                </a:extLst>
+              </p:cNvPr>
+              <p:cNvPicPr/>
+              <p:nvPr/>
+            </p:nvPicPr>
+            <p:blipFill>
+              <a:blip r:embed="rId66"/>
+              <a:stretch>
+                <a:fillRect/>
+              </a:stretch>
+            </p:blipFill>
+            <p:spPr>
+              <a:xfrm>
+                <a:off x="9668520" y="1782600"/>
+                <a:ext cx="757080" cy="429480"/>
+              </a:xfrm>
+              <a:prstGeom prst="rect">
+                <a:avLst/>
+              </a:prstGeom>
+            </p:spPr>
+          </p:pic>
+        </mc:Fallback>
+      </mc:AlternateContent>
+      <mc:AlternateContent xmlns:mc="http://schemas.openxmlformats.org/markup-compatibility/2006">
+        <mc:Choice xmlns:p14="http://schemas.microsoft.com/office/powerpoint/2010/main" Requires="p14">
+          <p:contentPart p14:bwMode="auto" r:id="rId67">
+            <p14:nvContentPartPr>
+              <p14:cNvPr id="733" name="Ink 732">
+                <a:extLst>
+                  <a:ext uri="{FF2B5EF4-FFF2-40B4-BE49-F238E27FC236}">
+                    <a16:creationId xmlns:a16="http://schemas.microsoft.com/office/drawing/2014/main" id="{10F73D43-1626-40D7-B646-6948ED64D606}"/>
+                  </a:ext>
+                </a:extLst>
+              </p14:cNvPr>
+              <p14:cNvContentPartPr/>
+              <p14:nvPr/>
+            </p14:nvContentPartPr>
+            <p14:xfrm>
+              <a:off x="9700200" y="2292720"/>
+              <a:ext cx="617760" cy="215280"/>
+            </p14:xfrm>
+          </p:contentPart>
+        </mc:Choice>
+        <mc:Fallback>
+          <p:pic>
+            <p:nvPicPr>
+              <p:cNvPr id="733" name="Ink 732">
+                <a:extLst>
+                  <a:ext uri="{FF2B5EF4-FFF2-40B4-BE49-F238E27FC236}">
+                    <a16:creationId xmlns:a16="http://schemas.microsoft.com/office/drawing/2014/main" id="{10F73D43-1626-40D7-B646-6948ED64D606}"/>
+                  </a:ext>
+                </a:extLst>
+              </p:cNvPr>
+              <p:cNvPicPr/>
+              <p:nvPr/>
+            </p:nvPicPr>
+            <p:blipFill>
+              <a:blip r:embed="rId68"/>
+              <a:stretch>
+                <a:fillRect/>
+              </a:stretch>
+            </p:blipFill>
+            <p:spPr>
+              <a:xfrm>
+                <a:off x="9691200" y="2283720"/>
+                <a:ext cx="635400" cy="232920"/>
+              </a:xfrm>
+              <a:prstGeom prst="rect">
+                <a:avLst/>
+              </a:prstGeom>
+            </p:spPr>
+          </p:pic>
+        </mc:Fallback>
+      </mc:AlternateContent>
+      <mc:AlternateContent xmlns:mc="http://schemas.openxmlformats.org/markup-compatibility/2006">
+        <mc:Choice xmlns:p14="http://schemas.microsoft.com/office/powerpoint/2010/main" Requires="p14">
+          <p:contentPart p14:bwMode="auto" r:id="rId69">
+            <p14:nvContentPartPr>
+              <p14:cNvPr id="752" name="Ink 751">
+                <a:extLst>
+                  <a:ext uri="{FF2B5EF4-FFF2-40B4-BE49-F238E27FC236}">
+                    <a16:creationId xmlns:a16="http://schemas.microsoft.com/office/drawing/2014/main" id="{1AA00641-0003-4A88-B11A-DD1FAB3E61FE}"/>
+                  </a:ext>
+                </a:extLst>
+              </p14:cNvPr>
+              <p14:cNvContentPartPr/>
+              <p14:nvPr/>
+            </p14:nvContentPartPr>
+            <p14:xfrm>
+              <a:off x="10782360" y="1698000"/>
+              <a:ext cx="837000" cy="885600"/>
+            </p14:xfrm>
+          </p:contentPart>
+        </mc:Choice>
+        <mc:Fallback>
+          <p:pic>
+            <p:nvPicPr>
+              <p:cNvPr id="752" name="Ink 751">
+                <a:extLst>
+                  <a:ext uri="{FF2B5EF4-FFF2-40B4-BE49-F238E27FC236}">
+                    <a16:creationId xmlns:a16="http://schemas.microsoft.com/office/drawing/2014/main" id="{1AA00641-0003-4A88-B11A-DD1FAB3E61FE}"/>
+                  </a:ext>
+                </a:extLst>
+              </p:cNvPr>
+              <p:cNvPicPr/>
+              <p:nvPr/>
+            </p:nvPicPr>
+            <p:blipFill>
+              <a:blip r:embed="rId70"/>
+              <a:stretch>
+                <a:fillRect/>
+              </a:stretch>
+            </p:blipFill>
+            <p:spPr>
+              <a:xfrm>
+                <a:off x="10773360" y="1689000"/>
+                <a:ext cx="854640" cy="903240"/>
+              </a:xfrm>
+              <a:prstGeom prst="rect">
+                <a:avLst/>
+              </a:prstGeom>
+            </p:spPr>
+          </p:pic>
+        </mc:Fallback>
+      </mc:AlternateContent>
+      <mc:AlternateContent xmlns:mc="http://schemas.openxmlformats.org/markup-compatibility/2006">
+        <mc:Choice xmlns:p14="http://schemas.microsoft.com/office/powerpoint/2010/main" Requires="p14">
+          <p:contentPart p14:bwMode="auto" r:id="rId71">
+            <p14:nvContentPartPr>
+              <p14:cNvPr id="765" name="Ink 764">
+                <a:extLst>
+                  <a:ext uri="{FF2B5EF4-FFF2-40B4-BE49-F238E27FC236}">
+                    <a16:creationId xmlns:a16="http://schemas.microsoft.com/office/drawing/2014/main" id="{BB072B13-B3A8-4315-AA18-6E85EAE6D159}"/>
+                  </a:ext>
+                </a:extLst>
+              </p14:cNvPr>
+              <p14:cNvContentPartPr/>
+              <p14:nvPr/>
+            </p14:nvContentPartPr>
+            <p14:xfrm>
+              <a:off x="8930520" y="2758560"/>
+              <a:ext cx="3315240" cy="1958760"/>
+            </p14:xfrm>
+          </p:contentPart>
+        </mc:Choice>
+        <mc:Fallback>
+          <p:pic>
+            <p:nvPicPr>
+              <p:cNvPr id="765" name="Ink 764">
+                <a:extLst>
+                  <a:ext uri="{FF2B5EF4-FFF2-40B4-BE49-F238E27FC236}">
+                    <a16:creationId xmlns:a16="http://schemas.microsoft.com/office/drawing/2014/main" id="{BB072B13-B3A8-4315-AA18-6E85EAE6D159}"/>
+                  </a:ext>
+                </a:extLst>
+              </p:cNvPr>
+              <p:cNvPicPr/>
+              <p:nvPr/>
+            </p:nvPicPr>
+            <p:blipFill>
+              <a:blip r:embed="rId72"/>
+              <a:stretch>
+                <a:fillRect/>
+              </a:stretch>
+            </p:blipFill>
+            <p:spPr>
+              <a:xfrm>
+                <a:off x="8921520" y="2749560"/>
+                <a:ext cx="3332880" cy="1976400"/>
+              </a:xfrm>
+              <a:prstGeom prst="rect">
+                <a:avLst/>
+              </a:prstGeom>
+            </p:spPr>
+          </p:pic>
+        </mc:Fallback>
+      </mc:AlternateContent>
+      <mc:AlternateContent xmlns:mc="http://schemas.openxmlformats.org/markup-compatibility/2006">
+        <mc:Choice xmlns:p14="http://schemas.microsoft.com/office/powerpoint/2010/main" Requires="p14">
+          <p:contentPart p14:bwMode="auto" r:id="rId73">
+            <p14:nvContentPartPr>
+              <p14:cNvPr id="766" name="Ink 765">
+                <a:extLst>
+                  <a:ext uri="{FF2B5EF4-FFF2-40B4-BE49-F238E27FC236}">
+                    <a16:creationId xmlns:a16="http://schemas.microsoft.com/office/drawing/2014/main" id="{72CCE1E0-B766-4D49-B395-667596AAA95E}"/>
+                  </a:ext>
+                </a:extLst>
+              </p14:cNvPr>
+              <p14:cNvContentPartPr/>
+              <p14:nvPr/>
+            </p14:nvContentPartPr>
+            <p14:xfrm>
+              <a:off x="9692640" y="3162480"/>
+              <a:ext cx="1920600" cy="1257480"/>
+            </p14:xfrm>
+          </p:contentPart>
+        </mc:Choice>
+        <mc:Fallback>
+          <p:pic>
+            <p:nvPicPr>
+              <p:cNvPr id="766" name="Ink 765">
+                <a:extLst>
+                  <a:ext uri="{FF2B5EF4-FFF2-40B4-BE49-F238E27FC236}">
+                    <a16:creationId xmlns:a16="http://schemas.microsoft.com/office/drawing/2014/main" id="{72CCE1E0-B766-4D49-B395-667596AAA95E}"/>
+                  </a:ext>
+                </a:extLst>
+              </p:cNvPr>
+              <p:cNvPicPr/>
+              <p:nvPr/>
+            </p:nvPicPr>
+            <p:blipFill>
+              <a:blip r:embed="rId74"/>
+              <a:stretch>
+                <a:fillRect/>
+              </a:stretch>
+            </p:blipFill>
+            <p:spPr>
+              <a:xfrm>
+                <a:off x="9683640" y="3153480"/>
+                <a:ext cx="1938240" cy="1275120"/>
+              </a:xfrm>
+              <a:prstGeom prst="rect">
+                <a:avLst/>
+              </a:prstGeom>
+            </p:spPr>
+          </p:pic>
+        </mc:Fallback>
+      </mc:AlternateContent>
+      <mc:AlternateContent xmlns:mc="http://schemas.openxmlformats.org/markup-compatibility/2006">
+        <mc:Choice xmlns:p14="http://schemas.microsoft.com/office/powerpoint/2010/main" Requires="p14">
+          <p:contentPart p14:bwMode="auto" r:id="rId75">
+            <p14:nvContentPartPr>
+              <p14:cNvPr id="778" name="Ink 777">
+                <a:extLst>
+                  <a:ext uri="{FF2B5EF4-FFF2-40B4-BE49-F238E27FC236}">
+                    <a16:creationId xmlns:a16="http://schemas.microsoft.com/office/drawing/2014/main" id="{29642136-B8B7-49CD-9D87-AA3FB64F318F}"/>
+                  </a:ext>
+                </a:extLst>
+              </p14:cNvPr>
+              <p14:cNvContentPartPr/>
+              <p14:nvPr/>
+            </p14:nvContentPartPr>
+            <p14:xfrm>
+              <a:off x="11163240" y="3307200"/>
+              <a:ext cx="252000" cy="137520"/>
+            </p14:xfrm>
+          </p:contentPart>
+        </mc:Choice>
+        <mc:Fallback>
+          <p:pic>
+            <p:nvPicPr>
+              <p:cNvPr id="778" name="Ink 777">
+                <a:extLst>
+                  <a:ext uri="{FF2B5EF4-FFF2-40B4-BE49-F238E27FC236}">
+                    <a16:creationId xmlns:a16="http://schemas.microsoft.com/office/drawing/2014/main" id="{29642136-B8B7-49CD-9D87-AA3FB64F318F}"/>
+                  </a:ext>
+                </a:extLst>
+              </p:cNvPr>
+              <p:cNvPicPr/>
+              <p:nvPr/>
+            </p:nvPicPr>
+            <p:blipFill>
+              <a:blip r:embed="rId76"/>
+              <a:stretch>
+                <a:fillRect/>
+              </a:stretch>
+            </p:blipFill>
+            <p:spPr>
+              <a:xfrm>
+                <a:off x="11154240" y="3298223"/>
+                <a:ext cx="269640" cy="155114"/>
+              </a:xfrm>
+              <a:prstGeom prst="rect">
+                <a:avLst/>
+              </a:prstGeom>
+            </p:spPr>
+          </p:pic>
+        </mc:Fallback>
+      </mc:AlternateContent>
+      <mc:AlternateContent xmlns:mc="http://schemas.openxmlformats.org/markup-compatibility/2006">
+        <mc:Choice xmlns:p14="http://schemas.microsoft.com/office/powerpoint/2010/main" Requires="p14">
+          <p:contentPart p14:bwMode="auto" r:id="rId77">
+            <p14:nvContentPartPr>
+              <p14:cNvPr id="781" name="Ink 780">
+                <a:extLst>
+                  <a:ext uri="{FF2B5EF4-FFF2-40B4-BE49-F238E27FC236}">
+                    <a16:creationId xmlns:a16="http://schemas.microsoft.com/office/drawing/2014/main" id="{B87C1C75-DFA1-404F-A7E0-F80942A44A98}"/>
+                  </a:ext>
+                </a:extLst>
+              </p14:cNvPr>
+              <p14:cNvContentPartPr/>
+              <p14:nvPr/>
+            </p14:nvContentPartPr>
+            <p14:xfrm>
+              <a:off x="9715320" y="2971680"/>
+              <a:ext cx="1722600" cy="1471320"/>
+            </p14:xfrm>
+          </p:contentPart>
+        </mc:Choice>
+        <mc:Fallback>
+          <p:pic>
+            <p:nvPicPr>
+              <p:cNvPr id="781" name="Ink 780">
+                <a:extLst>
+                  <a:ext uri="{FF2B5EF4-FFF2-40B4-BE49-F238E27FC236}">
+                    <a16:creationId xmlns:a16="http://schemas.microsoft.com/office/drawing/2014/main" id="{B87C1C75-DFA1-404F-A7E0-F80942A44A98}"/>
+                  </a:ext>
+                </a:extLst>
+              </p:cNvPr>
+              <p:cNvPicPr/>
+              <p:nvPr/>
+            </p:nvPicPr>
+            <p:blipFill>
+              <a:blip r:embed="rId78"/>
+              <a:stretch>
+                <a:fillRect/>
+              </a:stretch>
+            </p:blipFill>
+            <p:spPr>
+              <a:xfrm>
+                <a:off x="9706320" y="2962680"/>
+                <a:ext cx="1740240" cy="1488960"/>
+              </a:xfrm>
+              <a:prstGeom prst="rect">
+                <a:avLst/>
+              </a:prstGeom>
+            </p:spPr>
+          </p:pic>
+        </mc:Fallback>
+      </mc:AlternateContent>
+      <mc:AlternateContent xmlns:mc="http://schemas.openxmlformats.org/markup-compatibility/2006">
+        <mc:Choice xmlns:p14="http://schemas.microsoft.com/office/powerpoint/2010/main" Requires="p14">
+          <p:contentPart p14:bwMode="auto" r:id="rId79">
+            <p14:nvContentPartPr>
+              <p14:cNvPr id="782" name="Ink 781">
+                <a:extLst>
+                  <a:ext uri="{FF2B5EF4-FFF2-40B4-BE49-F238E27FC236}">
+                    <a16:creationId xmlns:a16="http://schemas.microsoft.com/office/drawing/2014/main" id="{DFED66B1-D324-42D2-9527-B712AF81BF52}"/>
+                  </a:ext>
+                </a:extLst>
+              </p14:cNvPr>
+              <p14:cNvContentPartPr/>
+              <p14:nvPr/>
+            </p14:nvContentPartPr>
+            <p14:xfrm>
+              <a:off x="9677520" y="2811840"/>
+              <a:ext cx="1548000" cy="1577520"/>
+            </p14:xfrm>
+          </p:contentPart>
+        </mc:Choice>
+        <mc:Fallback>
+          <p:pic>
+            <p:nvPicPr>
+              <p:cNvPr id="782" name="Ink 781">
+                <a:extLst>
+                  <a:ext uri="{FF2B5EF4-FFF2-40B4-BE49-F238E27FC236}">
+                    <a16:creationId xmlns:a16="http://schemas.microsoft.com/office/drawing/2014/main" id="{DFED66B1-D324-42D2-9527-B712AF81BF52}"/>
+                  </a:ext>
+                </a:extLst>
+              </p:cNvPr>
+              <p:cNvPicPr/>
+              <p:nvPr/>
+            </p:nvPicPr>
+            <p:blipFill>
+              <a:blip r:embed="rId80"/>
+              <a:stretch>
+                <a:fillRect/>
+              </a:stretch>
+            </p:blipFill>
+            <p:spPr>
+              <a:xfrm>
+                <a:off x="9668520" y="2802840"/>
+                <a:ext cx="1565640" cy="1595160"/>
+              </a:xfrm>
+              <a:prstGeom prst="rect">
+                <a:avLst/>
+              </a:prstGeom>
+            </p:spPr>
+          </p:pic>
+        </mc:Fallback>
+      </mc:AlternateContent>
+      <mc:AlternateContent xmlns:mc="http://schemas.openxmlformats.org/markup-compatibility/2006">
+        <mc:Choice xmlns:p14="http://schemas.microsoft.com/office/powerpoint/2010/main" Requires="p14">
+          <p:contentPart p14:bwMode="auto" r:id="rId81">
+            <p14:nvContentPartPr>
+              <p14:cNvPr id="783" name="Ink 782">
+                <a:extLst>
+                  <a:ext uri="{FF2B5EF4-FFF2-40B4-BE49-F238E27FC236}">
+                    <a16:creationId xmlns:a16="http://schemas.microsoft.com/office/drawing/2014/main" id="{9BB02780-1080-473D-A9F7-198B298D31E3}"/>
+                  </a:ext>
+                </a:extLst>
+              </p14:cNvPr>
+              <p14:cNvContentPartPr/>
+              <p14:nvPr/>
+            </p14:nvContentPartPr>
+            <p14:xfrm>
+              <a:off x="9471600" y="2842080"/>
+              <a:ext cx="15840" cy="122400"/>
+            </p14:xfrm>
+          </p:contentPart>
+        </mc:Choice>
+        <mc:Fallback>
+          <p:pic>
+            <p:nvPicPr>
+              <p:cNvPr id="783" name="Ink 782">
+                <a:extLst>
+                  <a:ext uri="{FF2B5EF4-FFF2-40B4-BE49-F238E27FC236}">
+                    <a16:creationId xmlns:a16="http://schemas.microsoft.com/office/drawing/2014/main" id="{9BB02780-1080-473D-A9F7-198B298D31E3}"/>
+                  </a:ext>
+                </a:extLst>
+              </p:cNvPr>
+              <p:cNvPicPr/>
+              <p:nvPr/>
+            </p:nvPicPr>
+            <p:blipFill>
+              <a:blip r:embed="rId82"/>
+              <a:stretch>
+                <a:fillRect/>
+              </a:stretch>
+            </p:blipFill>
+            <p:spPr>
+              <a:xfrm>
+                <a:off x="9462391" y="2833080"/>
+                <a:ext cx="33890" cy="140040"/>
+              </a:xfrm>
+              <a:prstGeom prst="rect">
+                <a:avLst/>
+              </a:prstGeom>
+            </p:spPr>
+          </p:pic>
+        </mc:Fallback>
+      </mc:AlternateContent>
+      <mc:AlternateContent xmlns:mc="http://schemas.openxmlformats.org/markup-compatibility/2006">
+        <mc:Choice xmlns:p14="http://schemas.microsoft.com/office/powerpoint/2010/main" Requires="p14">
+          <p:contentPart p14:bwMode="auto" r:id="rId83">
+            <p14:nvContentPartPr>
+              <p14:cNvPr id="784" name="Ink 783">
+                <a:extLst>
+                  <a:ext uri="{FF2B5EF4-FFF2-40B4-BE49-F238E27FC236}">
+                    <a16:creationId xmlns:a16="http://schemas.microsoft.com/office/drawing/2014/main" id="{B1E8A1C8-D5C5-4C57-B22E-CEE866393DE7}"/>
+                  </a:ext>
+                </a:extLst>
+              </p14:cNvPr>
+              <p14:cNvContentPartPr/>
+              <p14:nvPr/>
+            </p14:nvContentPartPr>
+            <p14:xfrm>
+              <a:off x="9357480" y="4281720"/>
+              <a:ext cx="114480" cy="100080"/>
+            </p14:xfrm>
+          </p:contentPart>
+        </mc:Choice>
+        <mc:Fallback>
+          <p:pic>
+            <p:nvPicPr>
+              <p:cNvPr id="784" name="Ink 783">
+                <a:extLst>
+                  <a:ext uri="{FF2B5EF4-FFF2-40B4-BE49-F238E27FC236}">
+                    <a16:creationId xmlns:a16="http://schemas.microsoft.com/office/drawing/2014/main" id="{B1E8A1C8-D5C5-4C57-B22E-CEE866393DE7}"/>
+                  </a:ext>
+                </a:extLst>
+              </p:cNvPr>
+              <p:cNvPicPr/>
+              <p:nvPr/>
+            </p:nvPicPr>
+            <p:blipFill>
+              <a:blip r:embed="rId84"/>
+              <a:stretch>
+                <a:fillRect/>
+              </a:stretch>
+            </p:blipFill>
+            <p:spPr>
+              <a:xfrm>
+                <a:off x="9348480" y="4272720"/>
+                <a:ext cx="132120" cy="117720"/>
+              </a:xfrm>
+              <a:prstGeom prst="rect">
+                <a:avLst/>
+              </a:prstGeom>
+            </p:spPr>
+          </p:pic>
+        </mc:Fallback>
+      </mc:AlternateContent>
+      <mc:AlternateContent xmlns:mc="http://schemas.openxmlformats.org/markup-compatibility/2006">
+        <mc:Choice xmlns:p14="http://schemas.microsoft.com/office/powerpoint/2010/main" Requires="p14">
+          <p:contentPart p14:bwMode="auto" r:id="rId85">
+            <p14:nvContentPartPr>
+              <p14:cNvPr id="791" name="Ink 790">
+                <a:extLst>
+                  <a:ext uri="{FF2B5EF4-FFF2-40B4-BE49-F238E27FC236}">
+                    <a16:creationId xmlns:a16="http://schemas.microsoft.com/office/drawing/2014/main" id="{4EFA6B4E-866D-4EF0-A9A3-0403D1A865ED}"/>
+                  </a:ext>
+                </a:extLst>
+              </p14:cNvPr>
+              <p14:cNvContentPartPr/>
+              <p14:nvPr/>
+            </p14:nvContentPartPr>
+            <p14:xfrm>
+              <a:off x="10123920" y="4389000"/>
+              <a:ext cx="186480" cy="221400"/>
+            </p14:xfrm>
+          </p:contentPart>
+        </mc:Choice>
+        <mc:Fallback>
+          <p:pic>
+            <p:nvPicPr>
+              <p:cNvPr id="791" name="Ink 790">
+                <a:extLst>
+                  <a:ext uri="{FF2B5EF4-FFF2-40B4-BE49-F238E27FC236}">
+                    <a16:creationId xmlns:a16="http://schemas.microsoft.com/office/drawing/2014/main" id="{4EFA6B4E-866D-4EF0-A9A3-0403D1A865ED}"/>
+                  </a:ext>
+                </a:extLst>
+              </p:cNvPr>
+              <p:cNvPicPr/>
+              <p:nvPr/>
+            </p:nvPicPr>
+            <p:blipFill>
+              <a:blip r:embed="rId86"/>
+              <a:stretch>
+                <a:fillRect/>
+              </a:stretch>
+            </p:blipFill>
+            <p:spPr>
+              <a:xfrm>
+                <a:off x="10114920" y="4380000"/>
+                <a:ext cx="204120" cy="239040"/>
+              </a:xfrm>
+              <a:prstGeom prst="rect">
+                <a:avLst/>
+              </a:prstGeom>
+            </p:spPr>
+          </p:pic>
+        </mc:Fallback>
+      </mc:AlternateContent>
+      <mc:AlternateContent xmlns:mc="http://schemas.openxmlformats.org/markup-compatibility/2006">
+        <mc:Choice xmlns:p14="http://schemas.microsoft.com/office/powerpoint/2010/main" Requires="p14">
+          <p:contentPart p14:bwMode="auto" r:id="rId87">
+            <p14:nvContentPartPr>
+              <p14:cNvPr id="796" name="Ink 795">
+                <a:extLst>
+                  <a:ext uri="{FF2B5EF4-FFF2-40B4-BE49-F238E27FC236}">
+                    <a16:creationId xmlns:a16="http://schemas.microsoft.com/office/drawing/2014/main" id="{853BA559-2986-42A2-BF57-B1D882BE1BFA}"/>
+                  </a:ext>
+                </a:extLst>
+              </p14:cNvPr>
+              <p14:cNvContentPartPr/>
+              <p14:nvPr/>
+            </p14:nvContentPartPr>
+            <p14:xfrm>
+              <a:off x="9517320" y="3580800"/>
+              <a:ext cx="1448280" cy="847080"/>
+            </p14:xfrm>
+          </p:contentPart>
+        </mc:Choice>
+        <mc:Fallback>
+          <p:pic>
+            <p:nvPicPr>
+              <p:cNvPr id="796" name="Ink 795">
+                <a:extLst>
+                  <a:ext uri="{FF2B5EF4-FFF2-40B4-BE49-F238E27FC236}">
+                    <a16:creationId xmlns:a16="http://schemas.microsoft.com/office/drawing/2014/main" id="{853BA559-2986-42A2-BF57-B1D882BE1BFA}"/>
+                  </a:ext>
+                </a:extLst>
+              </p:cNvPr>
+              <p:cNvPicPr/>
+              <p:nvPr/>
+            </p:nvPicPr>
+            <p:blipFill>
+              <a:blip r:embed="rId88"/>
+              <a:stretch>
+                <a:fillRect/>
+              </a:stretch>
+            </p:blipFill>
+            <p:spPr>
+              <a:xfrm>
+                <a:off x="9508320" y="3571800"/>
+                <a:ext cx="1465920" cy="864720"/>
+              </a:xfrm>
+              <a:prstGeom prst="rect">
+                <a:avLst/>
+              </a:prstGeom>
+            </p:spPr>
+          </p:pic>
+        </mc:Fallback>
+      </mc:AlternateContent>
+      <mc:AlternateContent xmlns:mc="http://schemas.openxmlformats.org/markup-compatibility/2006">
+        <mc:Choice xmlns:p14="http://schemas.microsoft.com/office/powerpoint/2010/main" Requires="p14">
+          <p:contentPart p14:bwMode="auto" r:id="rId89">
+            <p14:nvContentPartPr>
+              <p14:cNvPr id="804" name="Ink 803">
+                <a:extLst>
+                  <a:ext uri="{FF2B5EF4-FFF2-40B4-BE49-F238E27FC236}">
+                    <a16:creationId xmlns:a16="http://schemas.microsoft.com/office/drawing/2014/main" id="{3AEA185E-5739-458F-BBD5-047FFB29770A}"/>
+                  </a:ext>
+                </a:extLst>
+              </p14:cNvPr>
+              <p14:cNvContentPartPr/>
+              <p14:nvPr/>
+            </p14:nvContentPartPr>
+            <p14:xfrm>
+              <a:off x="9441000" y="3289920"/>
+              <a:ext cx="770040" cy="345240"/>
+            </p14:xfrm>
+          </p:contentPart>
+        </mc:Choice>
+        <mc:Fallback>
+          <p:pic>
+            <p:nvPicPr>
+              <p:cNvPr id="804" name="Ink 803">
+                <a:extLst>
+                  <a:ext uri="{FF2B5EF4-FFF2-40B4-BE49-F238E27FC236}">
+                    <a16:creationId xmlns:a16="http://schemas.microsoft.com/office/drawing/2014/main" id="{3AEA185E-5739-458F-BBD5-047FFB29770A}"/>
+                  </a:ext>
+                </a:extLst>
+              </p:cNvPr>
+              <p:cNvPicPr/>
+              <p:nvPr/>
+            </p:nvPicPr>
+            <p:blipFill>
+              <a:blip r:embed="rId90"/>
+              <a:stretch>
+                <a:fillRect/>
+              </a:stretch>
+            </p:blipFill>
+            <p:spPr>
+              <a:xfrm>
+                <a:off x="9432000" y="3280920"/>
+                <a:ext cx="787680" cy="362880"/>
+              </a:xfrm>
+              <a:prstGeom prst="rect">
+                <a:avLst/>
+              </a:prstGeom>
+            </p:spPr>
+          </p:pic>
+        </mc:Fallback>
+      </mc:AlternateContent>
+      <mc:AlternateContent xmlns:mc="http://schemas.openxmlformats.org/markup-compatibility/2006">
+        <mc:Choice xmlns:p14="http://schemas.microsoft.com/office/powerpoint/2010/main" Requires="p14">
+          <p:contentPart p14:bwMode="auto" r:id="rId91">
+            <p14:nvContentPartPr>
+              <p14:cNvPr id="805" name="Ink 804">
+                <a:extLst>
+                  <a:ext uri="{FF2B5EF4-FFF2-40B4-BE49-F238E27FC236}">
+                    <a16:creationId xmlns:a16="http://schemas.microsoft.com/office/drawing/2014/main" id="{DFADC45F-9016-4AD7-90F5-645FE0D12DC7}"/>
+                  </a:ext>
+                </a:extLst>
+              </p14:cNvPr>
+              <p14:cNvContentPartPr/>
+              <p14:nvPr/>
+            </p14:nvContentPartPr>
+            <p14:xfrm>
+              <a:off x="9799200" y="2811120"/>
+              <a:ext cx="473040" cy="77400"/>
+            </p14:xfrm>
+          </p:contentPart>
+        </mc:Choice>
+        <mc:Fallback>
+          <p:pic>
+            <p:nvPicPr>
+              <p:cNvPr id="805" name="Ink 804">
+                <a:extLst>
+                  <a:ext uri="{FF2B5EF4-FFF2-40B4-BE49-F238E27FC236}">
+                    <a16:creationId xmlns:a16="http://schemas.microsoft.com/office/drawing/2014/main" id="{DFADC45F-9016-4AD7-90F5-645FE0D12DC7}"/>
+                  </a:ext>
+                </a:extLst>
+              </p:cNvPr>
+              <p:cNvPicPr/>
+              <p:nvPr/>
+            </p:nvPicPr>
+            <p:blipFill>
+              <a:blip r:embed="rId92"/>
+              <a:stretch>
+                <a:fillRect/>
+              </a:stretch>
+            </p:blipFill>
+            <p:spPr>
+              <a:xfrm>
+                <a:off x="9763200" y="2739120"/>
+                <a:ext cx="544680" cy="221040"/>
+              </a:xfrm>
+              <a:prstGeom prst="rect">
+                <a:avLst/>
+              </a:prstGeom>
+            </p:spPr>
+          </p:pic>
+        </mc:Fallback>
+      </mc:AlternateContent>
+      <mc:AlternateContent xmlns:mc="http://schemas.openxmlformats.org/markup-compatibility/2006">
+        <mc:Choice xmlns:p14="http://schemas.microsoft.com/office/powerpoint/2010/main" Requires="p14">
+          <p:contentPart p14:bwMode="auto" r:id="rId93">
+            <p14:nvContentPartPr>
+              <p14:cNvPr id="806" name="Ink 805">
+                <a:extLst>
+                  <a:ext uri="{FF2B5EF4-FFF2-40B4-BE49-F238E27FC236}">
+                    <a16:creationId xmlns:a16="http://schemas.microsoft.com/office/drawing/2014/main" id="{1D23D093-5131-47BD-AA9C-122BBD9449C2}"/>
+                  </a:ext>
+                </a:extLst>
+              </p14:cNvPr>
+              <p14:cNvContentPartPr/>
+              <p14:nvPr/>
+            </p14:nvContentPartPr>
+            <p14:xfrm>
+              <a:off x="9913680" y="2842080"/>
+              <a:ext cx="76320" cy="84240"/>
+            </p14:xfrm>
+          </p:contentPart>
+        </mc:Choice>
+        <mc:Fallback>
+          <p:pic>
+            <p:nvPicPr>
+              <p:cNvPr id="806" name="Ink 805">
+                <a:extLst>
+                  <a:ext uri="{FF2B5EF4-FFF2-40B4-BE49-F238E27FC236}">
+                    <a16:creationId xmlns:a16="http://schemas.microsoft.com/office/drawing/2014/main" id="{1D23D093-5131-47BD-AA9C-122BBD9449C2}"/>
+                  </a:ext>
+                </a:extLst>
+              </p:cNvPr>
+              <p:cNvPicPr/>
+              <p:nvPr/>
+            </p:nvPicPr>
+            <p:blipFill>
+              <a:blip r:embed="rId94"/>
+              <a:stretch>
+                <a:fillRect/>
+              </a:stretch>
+            </p:blipFill>
+            <p:spPr>
+              <a:xfrm>
+                <a:off x="9877849" y="2770080"/>
+                <a:ext cx="147624" cy="227880"/>
+              </a:xfrm>
+              <a:prstGeom prst="rect">
+                <a:avLst/>
+              </a:prstGeom>
+            </p:spPr>
+          </p:pic>
+        </mc:Fallback>
+      </mc:AlternateContent>
+      <mc:AlternateContent xmlns:mc="http://schemas.openxmlformats.org/markup-compatibility/2006">
+        <mc:Choice xmlns:p14="http://schemas.microsoft.com/office/powerpoint/2010/main" Requires="p14">
+          <p:contentPart p14:bwMode="auto" r:id="rId95">
+            <p14:nvContentPartPr>
+              <p14:cNvPr id="807" name="Ink 806">
+                <a:extLst>
+                  <a:ext uri="{FF2B5EF4-FFF2-40B4-BE49-F238E27FC236}">
+                    <a16:creationId xmlns:a16="http://schemas.microsoft.com/office/drawing/2014/main" id="{F9F5A4E8-A5BD-4A79-B9DB-6A5C5E2D2D8D}"/>
+                  </a:ext>
+                </a:extLst>
+              </p14:cNvPr>
+              <p14:cNvContentPartPr/>
+              <p14:nvPr/>
+            </p14:nvContentPartPr>
+            <p14:xfrm>
+              <a:off x="9799200" y="2994720"/>
+              <a:ext cx="61560" cy="76680"/>
+            </p14:xfrm>
+          </p:contentPart>
+        </mc:Choice>
+        <mc:Fallback>
+          <p:pic>
+            <p:nvPicPr>
+              <p:cNvPr id="807" name="Ink 806">
+                <a:extLst>
+                  <a:ext uri="{FF2B5EF4-FFF2-40B4-BE49-F238E27FC236}">
+                    <a16:creationId xmlns:a16="http://schemas.microsoft.com/office/drawing/2014/main" id="{F9F5A4E8-A5BD-4A79-B9DB-6A5C5E2D2D8D}"/>
+                  </a:ext>
+                </a:extLst>
+              </p:cNvPr>
+              <p:cNvPicPr/>
+              <p:nvPr/>
+            </p:nvPicPr>
+            <p:blipFill>
+              <a:blip r:embed="rId96"/>
+              <a:stretch>
+                <a:fillRect/>
+              </a:stretch>
+            </p:blipFill>
+            <p:spPr>
+              <a:xfrm>
+                <a:off x="9763200" y="2922720"/>
+                <a:ext cx="133200" cy="220320"/>
+              </a:xfrm>
+              <a:prstGeom prst="rect">
+                <a:avLst/>
+              </a:prstGeom>
+            </p:spPr>
+          </p:pic>
+        </mc:Fallback>
+      </mc:AlternateContent>
+      <mc:AlternateContent xmlns:mc="http://schemas.openxmlformats.org/markup-compatibility/2006">
+        <mc:Choice xmlns:p14="http://schemas.microsoft.com/office/powerpoint/2010/main" Requires="p14">
+          <p:contentPart p14:bwMode="auto" r:id="rId97">
+            <p14:nvContentPartPr>
+              <p14:cNvPr id="808" name="Ink 807">
+                <a:extLst>
+                  <a:ext uri="{FF2B5EF4-FFF2-40B4-BE49-F238E27FC236}">
+                    <a16:creationId xmlns:a16="http://schemas.microsoft.com/office/drawing/2014/main" id="{6B8B44C8-8245-48FF-B15F-0E1469523A40}"/>
+                  </a:ext>
+                </a:extLst>
+              </p14:cNvPr>
+              <p14:cNvContentPartPr/>
+              <p14:nvPr/>
+            </p14:nvContentPartPr>
+            <p14:xfrm>
+              <a:off x="9791280" y="3055560"/>
+              <a:ext cx="23760" cy="114840"/>
+            </p14:xfrm>
+          </p:contentPart>
+        </mc:Choice>
+        <mc:Fallback>
+          <p:pic>
+            <p:nvPicPr>
+              <p:cNvPr id="808" name="Ink 807">
+                <a:extLst>
+                  <a:ext uri="{FF2B5EF4-FFF2-40B4-BE49-F238E27FC236}">
+                    <a16:creationId xmlns:a16="http://schemas.microsoft.com/office/drawing/2014/main" id="{6B8B44C8-8245-48FF-B15F-0E1469523A40}"/>
+                  </a:ext>
+                </a:extLst>
+              </p:cNvPr>
+              <p:cNvPicPr/>
+              <p:nvPr/>
+            </p:nvPicPr>
+            <p:blipFill>
+              <a:blip r:embed="rId98"/>
+              <a:stretch>
+                <a:fillRect/>
+              </a:stretch>
+            </p:blipFill>
+            <p:spPr>
+              <a:xfrm>
+                <a:off x="9755280" y="2983560"/>
+                <a:ext cx="95400" cy="258480"/>
+              </a:xfrm>
+              <a:prstGeom prst="rect">
+                <a:avLst/>
+              </a:prstGeom>
+            </p:spPr>
+          </p:pic>
+        </mc:Fallback>
+      </mc:AlternateContent>
+      <mc:AlternateContent xmlns:mc="http://schemas.openxmlformats.org/markup-compatibility/2006">
+        <mc:Choice xmlns:p14="http://schemas.microsoft.com/office/powerpoint/2010/main" Requires="p14">
+          <p:contentPart p14:bwMode="auto" r:id="rId99">
+            <p14:nvContentPartPr>
+              <p14:cNvPr id="809" name="Ink 808">
+                <a:extLst>
+                  <a:ext uri="{FF2B5EF4-FFF2-40B4-BE49-F238E27FC236}">
+                    <a16:creationId xmlns:a16="http://schemas.microsoft.com/office/drawing/2014/main" id="{47618908-2DFB-46D8-89BB-4F847998E990}"/>
+                  </a:ext>
+                </a:extLst>
+              </p14:cNvPr>
+              <p14:cNvContentPartPr/>
+              <p14:nvPr/>
+            </p14:nvContentPartPr>
+            <p14:xfrm>
+              <a:off x="9714600" y="3002280"/>
+              <a:ext cx="366840" cy="991080"/>
+            </p14:xfrm>
+          </p:contentPart>
+        </mc:Choice>
+        <mc:Fallback>
+          <p:pic>
+            <p:nvPicPr>
+              <p:cNvPr id="809" name="Ink 808">
+                <a:extLst>
+                  <a:ext uri="{FF2B5EF4-FFF2-40B4-BE49-F238E27FC236}">
+                    <a16:creationId xmlns:a16="http://schemas.microsoft.com/office/drawing/2014/main" id="{47618908-2DFB-46D8-89BB-4F847998E990}"/>
+                  </a:ext>
+                </a:extLst>
+              </p:cNvPr>
+              <p:cNvPicPr/>
+              <p:nvPr/>
+            </p:nvPicPr>
+            <p:blipFill>
+              <a:blip r:embed="rId100"/>
+              <a:stretch>
+                <a:fillRect/>
+              </a:stretch>
+            </p:blipFill>
+            <p:spPr>
+              <a:xfrm>
+                <a:off x="9678600" y="2930280"/>
+                <a:ext cx="438480" cy="1134720"/>
+              </a:xfrm>
+              <a:prstGeom prst="rect">
+                <a:avLst/>
+              </a:prstGeom>
+            </p:spPr>
+          </p:pic>
+        </mc:Fallback>
+      </mc:AlternateContent>
+      <mc:AlternateContent xmlns:mc="http://schemas.openxmlformats.org/markup-compatibility/2006">
+        <mc:Choice xmlns:p14="http://schemas.microsoft.com/office/powerpoint/2010/main" Requires="p14">
+          <p:contentPart p14:bwMode="auto" r:id="rId101">
+            <p14:nvContentPartPr>
+              <p14:cNvPr id="810" name="Ink 809">
+                <a:extLst>
+                  <a:ext uri="{FF2B5EF4-FFF2-40B4-BE49-F238E27FC236}">
+                    <a16:creationId xmlns:a16="http://schemas.microsoft.com/office/drawing/2014/main" id="{F943D85C-A3AF-436F-BC5F-38D082B993DA}"/>
+                  </a:ext>
+                </a:extLst>
+              </p14:cNvPr>
+              <p14:cNvContentPartPr/>
+              <p14:nvPr/>
+            </p14:nvContentPartPr>
+            <p14:xfrm>
+              <a:off x="9822240" y="3040440"/>
+              <a:ext cx="259200" cy="320400"/>
+            </p14:xfrm>
+          </p:contentPart>
+        </mc:Choice>
+        <mc:Fallback>
+          <p:pic>
+            <p:nvPicPr>
+              <p:cNvPr id="810" name="Ink 809">
+                <a:extLst>
+                  <a:ext uri="{FF2B5EF4-FFF2-40B4-BE49-F238E27FC236}">
+                    <a16:creationId xmlns:a16="http://schemas.microsoft.com/office/drawing/2014/main" id="{F943D85C-A3AF-436F-BC5F-38D082B993DA}"/>
+                  </a:ext>
+                </a:extLst>
+              </p:cNvPr>
+              <p:cNvPicPr/>
+              <p:nvPr/>
+            </p:nvPicPr>
+            <p:blipFill>
+              <a:blip r:embed="rId102"/>
+              <a:stretch>
+                <a:fillRect/>
+              </a:stretch>
+            </p:blipFill>
+            <p:spPr>
+              <a:xfrm>
+                <a:off x="9786290" y="2968440"/>
+                <a:ext cx="330741" cy="464040"/>
+              </a:xfrm>
+              <a:prstGeom prst="rect">
+                <a:avLst/>
+              </a:prstGeom>
+            </p:spPr>
+          </p:pic>
+        </mc:Fallback>
+      </mc:AlternateContent>
+      <mc:AlternateContent xmlns:mc="http://schemas.openxmlformats.org/markup-compatibility/2006">
+        <mc:Choice xmlns:p14="http://schemas.microsoft.com/office/powerpoint/2010/main" Requires="p14">
+          <p:contentPart p14:bwMode="auto" r:id="rId103">
+            <p14:nvContentPartPr>
+              <p14:cNvPr id="811" name="Ink 810">
+                <a:extLst>
+                  <a:ext uri="{FF2B5EF4-FFF2-40B4-BE49-F238E27FC236}">
+                    <a16:creationId xmlns:a16="http://schemas.microsoft.com/office/drawing/2014/main" id="{DDC63311-AC65-4F6B-8EA1-8C6E0E0BCF20}"/>
+                  </a:ext>
+                </a:extLst>
+              </p14:cNvPr>
+              <p14:cNvContentPartPr/>
+              <p14:nvPr/>
+            </p14:nvContentPartPr>
+            <p14:xfrm>
+              <a:off x="10142280" y="2811840"/>
+              <a:ext cx="125640" cy="228960"/>
+            </p14:xfrm>
+          </p:contentPart>
+        </mc:Choice>
+        <mc:Fallback>
+          <p:pic>
+            <p:nvPicPr>
+              <p:cNvPr id="811" name="Ink 810">
+                <a:extLst>
+                  <a:ext uri="{FF2B5EF4-FFF2-40B4-BE49-F238E27FC236}">
+                    <a16:creationId xmlns:a16="http://schemas.microsoft.com/office/drawing/2014/main" id="{DDC63311-AC65-4F6B-8EA1-8C6E0E0BCF20}"/>
+                  </a:ext>
+                </a:extLst>
+              </p:cNvPr>
+              <p:cNvPicPr/>
+              <p:nvPr/>
+            </p:nvPicPr>
+            <p:blipFill>
+              <a:blip r:embed="rId104"/>
+              <a:stretch>
+                <a:fillRect/>
+              </a:stretch>
+            </p:blipFill>
+            <p:spPr>
+              <a:xfrm>
+                <a:off x="10106280" y="2739840"/>
+                <a:ext cx="197280" cy="372600"/>
+              </a:xfrm>
+              <a:prstGeom prst="rect">
+                <a:avLst/>
+              </a:prstGeom>
+            </p:spPr>
+          </p:pic>
+        </mc:Fallback>
+      </mc:AlternateContent>
+      <mc:AlternateContent xmlns:mc="http://schemas.openxmlformats.org/markup-compatibility/2006">
+        <mc:Choice xmlns:p14="http://schemas.microsoft.com/office/powerpoint/2010/main" Requires="p14">
+          <p:contentPart p14:bwMode="auto" r:id="rId105">
+            <p14:nvContentPartPr>
+              <p14:cNvPr id="812" name="Ink 811">
+                <a:extLst>
+                  <a:ext uri="{FF2B5EF4-FFF2-40B4-BE49-F238E27FC236}">
+                    <a16:creationId xmlns:a16="http://schemas.microsoft.com/office/drawing/2014/main" id="{72DF23E8-44CA-4449-AE27-188D82DD2719}"/>
+                  </a:ext>
+                </a:extLst>
+              </p14:cNvPr>
+              <p14:cNvContentPartPr/>
+              <p14:nvPr/>
+            </p14:nvContentPartPr>
+            <p14:xfrm>
+              <a:off x="10378440" y="2872680"/>
+              <a:ext cx="190800" cy="122400"/>
+            </p14:xfrm>
+          </p:contentPart>
+        </mc:Choice>
+        <mc:Fallback>
+          <p:pic>
+            <p:nvPicPr>
+              <p:cNvPr id="812" name="Ink 811">
+                <a:extLst>
+                  <a:ext uri="{FF2B5EF4-FFF2-40B4-BE49-F238E27FC236}">
+                    <a16:creationId xmlns:a16="http://schemas.microsoft.com/office/drawing/2014/main" id="{72DF23E8-44CA-4449-AE27-188D82DD2719}"/>
+                  </a:ext>
+                </a:extLst>
+              </p:cNvPr>
+              <p:cNvPicPr/>
+              <p:nvPr/>
+            </p:nvPicPr>
+            <p:blipFill>
+              <a:blip r:embed="rId106"/>
+              <a:stretch>
+                <a:fillRect/>
+              </a:stretch>
+            </p:blipFill>
+            <p:spPr>
+              <a:xfrm>
+                <a:off x="10342440" y="2800680"/>
+                <a:ext cx="262440" cy="266040"/>
+              </a:xfrm>
+              <a:prstGeom prst="rect">
+                <a:avLst/>
+              </a:prstGeom>
+            </p:spPr>
+          </p:pic>
+        </mc:Fallback>
+      </mc:AlternateContent>
+      <mc:AlternateContent xmlns:mc="http://schemas.openxmlformats.org/markup-compatibility/2006">
+        <mc:Choice xmlns:p14="http://schemas.microsoft.com/office/powerpoint/2010/main" Requires="p14">
+          <p:contentPart p14:bwMode="auto" r:id="rId107">
+            <p14:nvContentPartPr>
+              <p14:cNvPr id="813" name="Ink 812">
+                <a:extLst>
+                  <a:ext uri="{FF2B5EF4-FFF2-40B4-BE49-F238E27FC236}">
+                    <a16:creationId xmlns:a16="http://schemas.microsoft.com/office/drawing/2014/main" id="{598CCDC5-8B49-47EE-A73A-EC521D45BD61}"/>
+                  </a:ext>
+                </a:extLst>
+              </p14:cNvPr>
+              <p14:cNvContentPartPr/>
+              <p14:nvPr/>
+            </p14:nvContentPartPr>
+            <p14:xfrm>
+              <a:off x="10111680" y="2726880"/>
+              <a:ext cx="709200" cy="375840"/>
+            </p14:xfrm>
+          </p:contentPart>
+        </mc:Choice>
+        <mc:Fallback>
+          <p:pic>
+            <p:nvPicPr>
+              <p:cNvPr id="813" name="Ink 812">
+                <a:extLst>
+                  <a:ext uri="{FF2B5EF4-FFF2-40B4-BE49-F238E27FC236}">
+                    <a16:creationId xmlns:a16="http://schemas.microsoft.com/office/drawing/2014/main" id="{598CCDC5-8B49-47EE-A73A-EC521D45BD61}"/>
+                  </a:ext>
+                </a:extLst>
+              </p:cNvPr>
+              <p:cNvPicPr/>
+              <p:nvPr/>
+            </p:nvPicPr>
+            <p:blipFill>
+              <a:blip r:embed="rId108"/>
+              <a:stretch>
+                <a:fillRect/>
+              </a:stretch>
+            </p:blipFill>
+            <p:spPr>
+              <a:xfrm>
+                <a:off x="10075348" y="2654673"/>
+                <a:ext cx="781501" cy="519894"/>
+              </a:xfrm>
+              <a:prstGeom prst="rect">
+                <a:avLst/>
+              </a:prstGeom>
+            </p:spPr>
+          </p:pic>
+        </mc:Fallback>
+      </mc:AlternateContent>
+      <mc:AlternateContent xmlns:mc="http://schemas.openxmlformats.org/markup-compatibility/2006">
+        <mc:Choice xmlns:p14="http://schemas.microsoft.com/office/powerpoint/2010/main" Requires="p14">
+          <p:contentPart p14:bwMode="auto" r:id="rId109">
+            <p14:nvContentPartPr>
+              <p14:cNvPr id="814" name="Ink 813">
+                <a:extLst>
+                  <a:ext uri="{FF2B5EF4-FFF2-40B4-BE49-F238E27FC236}">
+                    <a16:creationId xmlns:a16="http://schemas.microsoft.com/office/drawing/2014/main" id="{02B600B8-8F43-4FF0-B8F2-4BCC7A959C3E}"/>
+                  </a:ext>
+                </a:extLst>
+              </p14:cNvPr>
+              <p14:cNvContentPartPr/>
+              <p14:nvPr/>
+            </p14:nvContentPartPr>
+            <p14:xfrm>
+              <a:off x="9814680" y="3345360"/>
+              <a:ext cx="1310760" cy="1028880"/>
+            </p14:xfrm>
+          </p:contentPart>
+        </mc:Choice>
+        <mc:Fallback>
+          <p:pic>
+            <p:nvPicPr>
+              <p:cNvPr id="814" name="Ink 813">
+                <a:extLst>
+                  <a:ext uri="{FF2B5EF4-FFF2-40B4-BE49-F238E27FC236}">
+                    <a16:creationId xmlns:a16="http://schemas.microsoft.com/office/drawing/2014/main" id="{02B600B8-8F43-4FF0-B8F2-4BCC7A959C3E}"/>
+                  </a:ext>
+                </a:extLst>
+              </p:cNvPr>
+              <p:cNvPicPr/>
+              <p:nvPr/>
+            </p:nvPicPr>
+            <p:blipFill>
+              <a:blip r:embed="rId110"/>
+              <a:stretch>
+                <a:fillRect/>
+              </a:stretch>
+            </p:blipFill>
+            <p:spPr>
+              <a:xfrm>
+                <a:off x="9778680" y="3273360"/>
+                <a:ext cx="1382400" cy="1172520"/>
+              </a:xfrm>
+              <a:prstGeom prst="rect">
+                <a:avLst/>
+              </a:prstGeom>
+            </p:spPr>
+          </p:pic>
+        </mc:Fallback>
+      </mc:AlternateContent>
+      <mc:AlternateContent xmlns:mc="http://schemas.openxmlformats.org/markup-compatibility/2006">
+        <mc:Choice xmlns:p14="http://schemas.microsoft.com/office/powerpoint/2010/main" Requires="p14">
+          <p:contentPart p14:bwMode="auto" r:id="rId111">
+            <p14:nvContentPartPr>
+              <p14:cNvPr id="815" name="Ink 814">
+                <a:extLst>
+                  <a:ext uri="{FF2B5EF4-FFF2-40B4-BE49-F238E27FC236}">
+                    <a16:creationId xmlns:a16="http://schemas.microsoft.com/office/drawing/2014/main" id="{38976F94-20B3-42D6-9501-B88AF0140151}"/>
+                  </a:ext>
+                </a:extLst>
+              </p14:cNvPr>
+              <p14:cNvContentPartPr/>
+              <p14:nvPr/>
+            </p14:nvContentPartPr>
+            <p14:xfrm>
+              <a:off x="10843200" y="3375600"/>
+              <a:ext cx="69120" cy="30960"/>
+            </p14:xfrm>
+          </p:contentPart>
+        </mc:Choice>
+        <mc:Fallback>
+          <p:pic>
+            <p:nvPicPr>
+              <p:cNvPr id="815" name="Ink 814">
+                <a:extLst>
+                  <a:ext uri="{FF2B5EF4-FFF2-40B4-BE49-F238E27FC236}">
+                    <a16:creationId xmlns:a16="http://schemas.microsoft.com/office/drawing/2014/main" id="{38976F94-20B3-42D6-9501-B88AF0140151}"/>
+                  </a:ext>
+                </a:extLst>
+              </p:cNvPr>
+              <p:cNvPicPr/>
+              <p:nvPr/>
+            </p:nvPicPr>
+            <p:blipFill>
+              <a:blip r:embed="rId112"/>
+              <a:stretch>
+                <a:fillRect/>
+              </a:stretch>
+            </p:blipFill>
+            <p:spPr>
+              <a:xfrm>
+                <a:off x="10807200" y="3303600"/>
+                <a:ext cx="140760" cy="174600"/>
+              </a:xfrm>
+              <a:prstGeom prst="rect">
+                <a:avLst/>
+              </a:prstGeom>
+            </p:spPr>
+          </p:pic>
+        </mc:Fallback>
+      </mc:AlternateContent>
+      <mc:AlternateContent xmlns:mc="http://schemas.openxmlformats.org/markup-compatibility/2006">
+        <mc:Choice xmlns:p14="http://schemas.microsoft.com/office/powerpoint/2010/main" Requires="p14">
+          <p:contentPart p14:bwMode="auto" r:id="rId113">
+            <p14:nvContentPartPr>
+              <p14:cNvPr id="816" name="Ink 815">
+                <a:extLst>
+                  <a:ext uri="{FF2B5EF4-FFF2-40B4-BE49-F238E27FC236}">
+                    <a16:creationId xmlns:a16="http://schemas.microsoft.com/office/drawing/2014/main" id="{5EE258B9-0793-4180-9D1C-38DD4A8C210B}"/>
+                  </a:ext>
+                </a:extLst>
+              </p14:cNvPr>
+              <p14:cNvContentPartPr/>
+              <p14:nvPr/>
+            </p14:nvContentPartPr>
+            <p14:xfrm>
+              <a:off x="10965240" y="3307200"/>
+              <a:ext cx="129960" cy="46080"/>
+            </p14:xfrm>
+          </p:contentPart>
+        </mc:Choice>
+        <mc:Fallback>
+          <p:pic>
+            <p:nvPicPr>
+              <p:cNvPr id="816" name="Ink 815">
+                <a:extLst>
+                  <a:ext uri="{FF2B5EF4-FFF2-40B4-BE49-F238E27FC236}">
+                    <a16:creationId xmlns:a16="http://schemas.microsoft.com/office/drawing/2014/main" id="{5EE258B9-0793-4180-9D1C-38DD4A8C210B}"/>
+                  </a:ext>
+                </a:extLst>
+              </p:cNvPr>
+              <p:cNvPicPr/>
+              <p:nvPr/>
+            </p:nvPicPr>
+            <p:blipFill>
+              <a:blip r:embed="rId114"/>
+              <a:stretch>
+                <a:fillRect/>
+              </a:stretch>
+            </p:blipFill>
+            <p:spPr>
+              <a:xfrm>
+                <a:off x="10929240" y="3235200"/>
+                <a:ext cx="201600" cy="189720"/>
+              </a:xfrm>
+              <a:prstGeom prst="rect">
+                <a:avLst/>
+              </a:prstGeom>
+            </p:spPr>
+          </p:pic>
+        </mc:Fallback>
+      </mc:AlternateContent>
+      <mc:AlternateContent xmlns:mc="http://schemas.openxmlformats.org/markup-compatibility/2006">
+        <mc:Choice xmlns:p14="http://schemas.microsoft.com/office/powerpoint/2010/main" Requires="p14">
+          <p:contentPart p14:bwMode="auto" r:id="rId115">
+            <p14:nvContentPartPr>
+              <p14:cNvPr id="817" name="Ink 816">
+                <a:extLst>
+                  <a:ext uri="{FF2B5EF4-FFF2-40B4-BE49-F238E27FC236}">
+                    <a16:creationId xmlns:a16="http://schemas.microsoft.com/office/drawing/2014/main" id="{8B40B5CF-7168-4ABA-A535-6855FCB4B036}"/>
+                  </a:ext>
+                </a:extLst>
+              </p14:cNvPr>
+              <p14:cNvContentPartPr/>
+              <p14:nvPr/>
+            </p14:nvContentPartPr>
+            <p14:xfrm>
+              <a:off x="11170800" y="3284160"/>
+              <a:ext cx="91800" cy="7920"/>
+            </p14:xfrm>
+          </p:contentPart>
+        </mc:Choice>
+        <mc:Fallback>
+          <p:pic>
+            <p:nvPicPr>
+              <p:cNvPr id="817" name="Ink 816">
+                <a:extLst>
+                  <a:ext uri="{FF2B5EF4-FFF2-40B4-BE49-F238E27FC236}">
+                    <a16:creationId xmlns:a16="http://schemas.microsoft.com/office/drawing/2014/main" id="{8B40B5CF-7168-4ABA-A535-6855FCB4B036}"/>
+                  </a:ext>
+                </a:extLst>
+              </p:cNvPr>
+              <p:cNvPicPr/>
+              <p:nvPr/>
+            </p:nvPicPr>
+            <p:blipFill>
+              <a:blip r:embed="rId116"/>
+              <a:stretch>
+                <a:fillRect/>
+              </a:stretch>
+            </p:blipFill>
+            <p:spPr>
+              <a:xfrm>
+                <a:off x="11134800" y="3212160"/>
+                <a:ext cx="163440" cy="151560"/>
+              </a:xfrm>
+              <a:prstGeom prst="rect">
+                <a:avLst/>
+              </a:prstGeom>
+            </p:spPr>
+          </p:pic>
+        </mc:Fallback>
+      </mc:AlternateContent>
+      <mc:AlternateContent xmlns:mc="http://schemas.openxmlformats.org/markup-compatibility/2006">
+        <mc:Choice xmlns:p14="http://schemas.microsoft.com/office/powerpoint/2010/main" Requires="p14">
+          <p:contentPart p14:bwMode="auto" r:id="rId117">
+            <p14:nvContentPartPr>
+              <p14:cNvPr id="818" name="Ink 817">
+                <a:extLst>
+                  <a:ext uri="{FF2B5EF4-FFF2-40B4-BE49-F238E27FC236}">
+                    <a16:creationId xmlns:a16="http://schemas.microsoft.com/office/drawing/2014/main" id="{E7F0699A-D571-46ED-BA5A-5E85F35BF207}"/>
+                  </a:ext>
+                </a:extLst>
+              </p14:cNvPr>
+              <p14:cNvContentPartPr/>
+              <p14:nvPr/>
+            </p14:nvContentPartPr>
+            <p14:xfrm>
+              <a:off x="11292840" y="3291720"/>
+              <a:ext cx="46080" cy="15840"/>
+            </p14:xfrm>
+          </p:contentPart>
+        </mc:Choice>
+        <mc:Fallback>
+          <p:pic>
+            <p:nvPicPr>
+              <p:cNvPr id="818" name="Ink 817">
+                <a:extLst>
+                  <a:ext uri="{FF2B5EF4-FFF2-40B4-BE49-F238E27FC236}">
+                    <a16:creationId xmlns:a16="http://schemas.microsoft.com/office/drawing/2014/main" id="{E7F0699A-D571-46ED-BA5A-5E85F35BF207}"/>
+                  </a:ext>
+                </a:extLst>
+              </p:cNvPr>
+              <p:cNvPicPr/>
+              <p:nvPr/>
+            </p:nvPicPr>
+            <p:blipFill>
+              <a:blip r:embed="rId118"/>
+              <a:stretch>
+                <a:fillRect/>
+              </a:stretch>
+            </p:blipFill>
+            <p:spPr>
+              <a:xfrm>
+                <a:off x="11256840" y="3219720"/>
+                <a:ext cx="117720" cy="159480"/>
+              </a:xfrm>
+              <a:prstGeom prst="rect">
+                <a:avLst/>
+              </a:prstGeom>
+            </p:spPr>
+          </p:pic>
+        </mc:Fallback>
+      </mc:AlternateContent>
+      <mc:AlternateContent xmlns:mc="http://schemas.openxmlformats.org/markup-compatibility/2006">
+        <mc:Choice xmlns:p14="http://schemas.microsoft.com/office/powerpoint/2010/main" Requires="p14">
+          <p:contentPart p14:bwMode="auto" r:id="rId119">
+            <p14:nvContentPartPr>
+              <p14:cNvPr id="819" name="Ink 818">
+                <a:extLst>
+                  <a:ext uri="{FF2B5EF4-FFF2-40B4-BE49-F238E27FC236}">
+                    <a16:creationId xmlns:a16="http://schemas.microsoft.com/office/drawing/2014/main" id="{2BC15C2C-F918-44DB-9797-EE351BB19769}"/>
+                  </a:ext>
+                </a:extLst>
+              </p14:cNvPr>
+              <p14:cNvContentPartPr/>
+              <p14:nvPr/>
+            </p14:nvContentPartPr>
+            <p14:xfrm>
+              <a:off x="11173680" y="3275880"/>
+              <a:ext cx="348120" cy="39240"/>
+            </p14:xfrm>
+          </p:contentPart>
+        </mc:Choice>
+        <mc:Fallback>
+          <p:pic>
+            <p:nvPicPr>
+              <p:cNvPr id="819" name="Ink 818">
+                <a:extLst>
+                  <a:ext uri="{FF2B5EF4-FFF2-40B4-BE49-F238E27FC236}">
+                    <a16:creationId xmlns:a16="http://schemas.microsoft.com/office/drawing/2014/main" id="{2BC15C2C-F918-44DB-9797-EE351BB19769}"/>
+                  </a:ext>
+                </a:extLst>
+              </p:cNvPr>
+              <p:cNvPicPr/>
+              <p:nvPr/>
+            </p:nvPicPr>
+            <p:blipFill>
+              <a:blip r:embed="rId120"/>
+              <a:stretch>
+                <a:fillRect/>
+              </a:stretch>
+            </p:blipFill>
+            <p:spPr>
+              <a:xfrm>
+                <a:off x="11137680" y="3203880"/>
+                <a:ext cx="419760" cy="182880"/>
+              </a:xfrm>
+              <a:prstGeom prst="rect">
+                <a:avLst/>
+              </a:prstGeom>
+            </p:spPr>
+          </p:pic>
+        </mc:Fallback>
+      </mc:AlternateContent>
+      <mc:AlternateContent xmlns:mc="http://schemas.openxmlformats.org/markup-compatibility/2006">
+        <mc:Choice xmlns:p14="http://schemas.microsoft.com/office/powerpoint/2010/main" Requires="p14">
+          <p:contentPart p14:bwMode="auto" r:id="rId121">
+            <p14:nvContentPartPr>
+              <p14:cNvPr id="820" name="Ink 819">
+                <a:extLst>
+                  <a:ext uri="{FF2B5EF4-FFF2-40B4-BE49-F238E27FC236}">
+                    <a16:creationId xmlns:a16="http://schemas.microsoft.com/office/drawing/2014/main" id="{2456D036-32E4-4617-A881-30784DDDFE3D}"/>
+                  </a:ext>
+                </a:extLst>
+              </p14:cNvPr>
+              <p14:cNvContentPartPr/>
+              <p14:nvPr/>
+            </p14:nvContentPartPr>
+            <p14:xfrm>
+              <a:off x="11208960" y="3299280"/>
+              <a:ext cx="367560" cy="191160"/>
+            </p14:xfrm>
+          </p:contentPart>
+        </mc:Choice>
+        <mc:Fallback>
+          <p:pic>
+            <p:nvPicPr>
+              <p:cNvPr id="820" name="Ink 819">
+                <a:extLst>
+                  <a:ext uri="{FF2B5EF4-FFF2-40B4-BE49-F238E27FC236}">
+                    <a16:creationId xmlns:a16="http://schemas.microsoft.com/office/drawing/2014/main" id="{2456D036-32E4-4617-A881-30784DDDFE3D}"/>
+                  </a:ext>
+                </a:extLst>
+              </p:cNvPr>
+              <p:cNvPicPr/>
+              <p:nvPr/>
+            </p:nvPicPr>
+            <p:blipFill>
+              <a:blip r:embed="rId122"/>
+              <a:stretch>
+                <a:fillRect/>
+              </a:stretch>
+            </p:blipFill>
+            <p:spPr>
+              <a:xfrm>
+                <a:off x="11172960" y="3227280"/>
+                <a:ext cx="439200" cy="334800"/>
+              </a:xfrm>
+              <a:prstGeom prst="rect">
+                <a:avLst/>
+              </a:prstGeom>
+            </p:spPr>
+          </p:pic>
+        </mc:Fallback>
+      </mc:AlternateContent>
+      <mc:AlternateContent xmlns:mc="http://schemas.openxmlformats.org/markup-compatibility/2006">
+        <mc:Choice xmlns:p14="http://schemas.microsoft.com/office/powerpoint/2010/main" Requires="p14">
+          <p:contentPart p14:bwMode="auto" r:id="rId123">
+            <p14:nvContentPartPr>
+              <p14:cNvPr id="821" name="Ink 820">
+                <a:extLst>
+                  <a:ext uri="{FF2B5EF4-FFF2-40B4-BE49-F238E27FC236}">
+                    <a16:creationId xmlns:a16="http://schemas.microsoft.com/office/drawing/2014/main" id="{3C7056FB-4A52-4598-BF3E-BF1CD7B9588A}"/>
+                  </a:ext>
+                </a:extLst>
+              </p14:cNvPr>
+              <p14:cNvContentPartPr/>
+              <p14:nvPr/>
+            </p14:nvContentPartPr>
+            <p14:xfrm>
+              <a:off x="10888920" y="3490080"/>
+              <a:ext cx="808200" cy="38520"/>
+            </p14:xfrm>
+          </p:contentPart>
+        </mc:Choice>
+        <mc:Fallback>
+          <p:pic>
+            <p:nvPicPr>
+              <p:cNvPr id="821" name="Ink 820">
+                <a:extLst>
+                  <a:ext uri="{FF2B5EF4-FFF2-40B4-BE49-F238E27FC236}">
+                    <a16:creationId xmlns:a16="http://schemas.microsoft.com/office/drawing/2014/main" id="{3C7056FB-4A52-4598-BF3E-BF1CD7B9588A}"/>
+                  </a:ext>
+                </a:extLst>
+              </p:cNvPr>
+              <p:cNvPicPr/>
+              <p:nvPr/>
+            </p:nvPicPr>
+            <p:blipFill>
+              <a:blip r:embed="rId124"/>
+              <a:stretch>
+                <a:fillRect/>
+              </a:stretch>
+            </p:blipFill>
+            <p:spPr>
+              <a:xfrm>
+                <a:off x="10852920" y="3418080"/>
+                <a:ext cx="879840" cy="182160"/>
+              </a:xfrm>
+              <a:prstGeom prst="rect">
+                <a:avLst/>
+              </a:prstGeom>
+            </p:spPr>
+          </p:pic>
+        </mc:Fallback>
+      </mc:AlternateContent>
+      <mc:AlternateContent xmlns:mc="http://schemas.openxmlformats.org/markup-compatibility/2006">
+        <mc:Choice xmlns:p14="http://schemas.microsoft.com/office/powerpoint/2010/main" Requires="p14">
+          <p:contentPart p14:bwMode="auto" r:id="rId125">
+            <p14:nvContentPartPr>
+              <p14:cNvPr id="822" name="Ink 821">
+                <a:extLst>
+                  <a:ext uri="{FF2B5EF4-FFF2-40B4-BE49-F238E27FC236}">
+                    <a16:creationId xmlns:a16="http://schemas.microsoft.com/office/drawing/2014/main" id="{A22A1C35-6954-4168-906A-3B1F695E02B1}"/>
+                  </a:ext>
+                </a:extLst>
+              </p14:cNvPr>
+              <p14:cNvContentPartPr/>
+              <p14:nvPr/>
+            </p14:nvContentPartPr>
+            <p14:xfrm>
+              <a:off x="10972800" y="3558480"/>
+              <a:ext cx="508320" cy="9360"/>
+            </p14:xfrm>
+          </p:contentPart>
+        </mc:Choice>
+        <mc:Fallback>
+          <p:pic>
+            <p:nvPicPr>
+              <p:cNvPr id="822" name="Ink 821">
+                <a:extLst>
+                  <a:ext uri="{FF2B5EF4-FFF2-40B4-BE49-F238E27FC236}">
+                    <a16:creationId xmlns:a16="http://schemas.microsoft.com/office/drawing/2014/main" id="{A22A1C35-6954-4168-906A-3B1F695E02B1}"/>
+                  </a:ext>
+                </a:extLst>
+              </p:cNvPr>
+              <p:cNvPicPr/>
+              <p:nvPr/>
+            </p:nvPicPr>
+            <p:blipFill>
+              <a:blip r:embed="rId126"/>
+              <a:stretch>
+                <a:fillRect/>
+              </a:stretch>
+            </p:blipFill>
+            <p:spPr>
+              <a:xfrm>
+                <a:off x="10936800" y="3486480"/>
+                <a:ext cx="579960" cy="153000"/>
+              </a:xfrm>
+              <a:prstGeom prst="rect">
+                <a:avLst/>
+              </a:prstGeom>
+            </p:spPr>
+          </p:pic>
+        </mc:Fallback>
+      </mc:AlternateContent>
+      <mc:AlternateContent xmlns:mc="http://schemas.openxmlformats.org/markup-compatibility/2006">
+        <mc:Choice xmlns:p14="http://schemas.microsoft.com/office/powerpoint/2010/main" Requires="p14">
+          <p:contentPart p14:bwMode="auto" r:id="rId127">
+            <p14:nvContentPartPr>
+              <p14:cNvPr id="823" name="Ink 822">
+                <a:extLst>
+                  <a:ext uri="{FF2B5EF4-FFF2-40B4-BE49-F238E27FC236}">
+                    <a16:creationId xmlns:a16="http://schemas.microsoft.com/office/drawing/2014/main" id="{C95618BF-E2B2-46A5-94E1-6A934C20F4CA}"/>
+                  </a:ext>
+                </a:extLst>
+              </p14:cNvPr>
+              <p14:cNvContentPartPr/>
+              <p14:nvPr/>
+            </p14:nvContentPartPr>
+            <p14:xfrm>
+              <a:off x="10188000" y="3626880"/>
+              <a:ext cx="1608120" cy="725040"/>
+            </p14:xfrm>
+          </p:contentPart>
+        </mc:Choice>
+        <mc:Fallback>
+          <p:pic>
+            <p:nvPicPr>
+              <p:cNvPr id="823" name="Ink 822">
+                <a:extLst>
+                  <a:ext uri="{FF2B5EF4-FFF2-40B4-BE49-F238E27FC236}">
+                    <a16:creationId xmlns:a16="http://schemas.microsoft.com/office/drawing/2014/main" id="{C95618BF-E2B2-46A5-94E1-6A934C20F4CA}"/>
+                  </a:ext>
+                </a:extLst>
+              </p:cNvPr>
+              <p:cNvPicPr/>
+              <p:nvPr/>
+            </p:nvPicPr>
+            <p:blipFill>
+              <a:blip r:embed="rId128"/>
+              <a:stretch>
+                <a:fillRect/>
+              </a:stretch>
+            </p:blipFill>
+            <p:spPr>
+              <a:xfrm>
+                <a:off x="10152000" y="3554880"/>
+                <a:ext cx="1679760" cy="868680"/>
+              </a:xfrm>
+              <a:prstGeom prst="rect">
+                <a:avLst/>
+              </a:prstGeom>
+            </p:spPr>
+          </p:pic>
+        </mc:Fallback>
+      </mc:AlternateContent>
+      <mc:AlternateContent xmlns:mc="http://schemas.openxmlformats.org/markup-compatibility/2006">
+        <mc:Choice xmlns:p14="http://schemas.microsoft.com/office/powerpoint/2010/main" Requires="p14">
+          <p:contentPart p14:bwMode="auto" r:id="rId129">
+            <p14:nvContentPartPr>
+              <p14:cNvPr id="828" name="Ink 827">
+                <a:extLst>
+                  <a:ext uri="{FF2B5EF4-FFF2-40B4-BE49-F238E27FC236}">
+                    <a16:creationId xmlns:a16="http://schemas.microsoft.com/office/drawing/2014/main" id="{AC803F70-3283-49F4-9C98-4DFCCFBC4F97}"/>
+                  </a:ext>
+                </a:extLst>
+              </p14:cNvPr>
+              <p14:cNvContentPartPr/>
+              <p14:nvPr/>
+            </p14:nvContentPartPr>
+            <p14:xfrm>
+              <a:off x="10705680" y="4061040"/>
+              <a:ext cx="587520" cy="206640"/>
+            </p14:xfrm>
+          </p:contentPart>
+        </mc:Choice>
+        <mc:Fallback>
+          <p:pic>
+            <p:nvPicPr>
+              <p:cNvPr id="828" name="Ink 827">
+                <a:extLst>
+                  <a:ext uri="{FF2B5EF4-FFF2-40B4-BE49-F238E27FC236}">
+                    <a16:creationId xmlns:a16="http://schemas.microsoft.com/office/drawing/2014/main" id="{AC803F70-3283-49F4-9C98-4DFCCFBC4F97}"/>
+                  </a:ext>
+                </a:extLst>
+              </p:cNvPr>
+              <p:cNvPicPr/>
+              <p:nvPr/>
+            </p:nvPicPr>
+            <p:blipFill>
+              <a:blip r:embed="rId130"/>
+              <a:stretch>
+                <a:fillRect/>
+              </a:stretch>
+            </p:blipFill>
+            <p:spPr>
+              <a:xfrm>
+                <a:off x="10696674" y="4052040"/>
+                <a:ext cx="605171" cy="224280"/>
+              </a:xfrm>
+              <a:prstGeom prst="rect">
+                <a:avLst/>
+              </a:prstGeom>
+            </p:spPr>
+          </p:pic>
+        </mc:Fallback>
+      </mc:AlternateContent>
+      <mc:AlternateContent xmlns:mc="http://schemas.openxmlformats.org/markup-compatibility/2006">
+        <mc:Choice xmlns:p14="http://schemas.microsoft.com/office/powerpoint/2010/main" Requires="p14">
+          <p:contentPart p14:bwMode="auto" r:id="rId131">
+            <p14:nvContentPartPr>
+              <p14:cNvPr id="831" name="Ink 830">
+                <a:extLst>
+                  <a:ext uri="{FF2B5EF4-FFF2-40B4-BE49-F238E27FC236}">
+                    <a16:creationId xmlns:a16="http://schemas.microsoft.com/office/drawing/2014/main" id="{8166F3B3-A78C-4141-B9B7-A950EE9A2DF3}"/>
+                  </a:ext>
+                </a:extLst>
+              </p14:cNvPr>
+              <p14:cNvContentPartPr/>
+              <p14:nvPr/>
+            </p14:nvContentPartPr>
+            <p14:xfrm>
+              <a:off x="11338560" y="4014600"/>
+              <a:ext cx="206280" cy="230040"/>
+            </p14:xfrm>
+          </p:contentPart>
+        </mc:Choice>
+        <mc:Fallback>
+          <p:pic>
+            <p:nvPicPr>
+              <p:cNvPr id="831" name="Ink 830">
+                <a:extLst>
+                  <a:ext uri="{FF2B5EF4-FFF2-40B4-BE49-F238E27FC236}">
+                    <a16:creationId xmlns:a16="http://schemas.microsoft.com/office/drawing/2014/main" id="{8166F3B3-A78C-4141-B9B7-A950EE9A2DF3}"/>
+                  </a:ext>
+                </a:extLst>
+              </p:cNvPr>
+              <p:cNvPicPr/>
+              <p:nvPr/>
+            </p:nvPicPr>
+            <p:blipFill>
+              <a:blip r:embed="rId132"/>
+              <a:stretch>
+                <a:fillRect/>
+              </a:stretch>
+            </p:blipFill>
+            <p:spPr>
+              <a:xfrm>
+                <a:off x="11329560" y="4005600"/>
+                <a:ext cx="223920" cy="247680"/>
+              </a:xfrm>
+              <a:prstGeom prst="rect">
+                <a:avLst/>
+              </a:prstGeom>
+            </p:spPr>
+          </p:pic>
+        </mc:Fallback>
+      </mc:AlternateContent>
+      <mc:AlternateContent xmlns:mc="http://schemas.openxmlformats.org/markup-compatibility/2006">
+        <mc:Choice xmlns:p14="http://schemas.microsoft.com/office/powerpoint/2010/main" Requires="p14">
+          <p:contentPart p14:bwMode="auto" r:id="rId133">
+            <p14:nvContentPartPr>
+              <p14:cNvPr id="832" name="Ink 831">
+                <a:extLst>
+                  <a:ext uri="{FF2B5EF4-FFF2-40B4-BE49-F238E27FC236}">
+                    <a16:creationId xmlns:a16="http://schemas.microsoft.com/office/drawing/2014/main" id="{803BFE77-B451-4BCC-BDA5-1DC82157DD5C}"/>
+                  </a:ext>
+                </a:extLst>
+              </p14:cNvPr>
+              <p14:cNvContentPartPr/>
+              <p14:nvPr/>
+            </p14:nvContentPartPr>
+            <p14:xfrm>
+              <a:off x="10452960" y="2865120"/>
+              <a:ext cx="867960" cy="324000"/>
+            </p14:xfrm>
+          </p:contentPart>
+        </mc:Choice>
+        <mc:Fallback>
+          <p:pic>
+            <p:nvPicPr>
+              <p:cNvPr id="832" name="Ink 831">
+                <a:extLst>
+                  <a:ext uri="{FF2B5EF4-FFF2-40B4-BE49-F238E27FC236}">
+                    <a16:creationId xmlns:a16="http://schemas.microsoft.com/office/drawing/2014/main" id="{803BFE77-B451-4BCC-BDA5-1DC82157DD5C}"/>
+                  </a:ext>
+                </a:extLst>
+              </p:cNvPr>
+              <p:cNvPicPr/>
+              <p:nvPr/>
+            </p:nvPicPr>
+            <p:blipFill>
+              <a:blip r:embed="rId134"/>
+              <a:stretch>
+                <a:fillRect/>
+              </a:stretch>
+            </p:blipFill>
+            <p:spPr>
+              <a:xfrm>
+                <a:off x="10445760" y="2850704"/>
+                <a:ext cx="882000" cy="352111"/>
+              </a:xfrm>
+              <a:prstGeom prst="rect">
+                <a:avLst/>
+              </a:prstGeom>
+            </p:spPr>
+          </p:pic>
+        </mc:Fallback>
+      </mc:AlternateContent>
+      <mc:AlternateContent xmlns:mc="http://schemas.openxmlformats.org/markup-compatibility/2006">
+        <mc:Choice xmlns:p14="http://schemas.microsoft.com/office/powerpoint/2010/main" Requires="p14">
+          <p:contentPart p14:bwMode="auto" r:id="rId135">
+            <p14:nvContentPartPr>
+              <p14:cNvPr id="833" name="Ink 832">
+                <a:extLst>
+                  <a:ext uri="{FF2B5EF4-FFF2-40B4-BE49-F238E27FC236}">
+                    <a16:creationId xmlns:a16="http://schemas.microsoft.com/office/drawing/2014/main" id="{68186CA9-4338-4CE4-8B22-F85C8E86598A}"/>
+                  </a:ext>
+                </a:extLst>
+              </p14:cNvPr>
+              <p14:cNvContentPartPr/>
+              <p14:nvPr/>
+            </p14:nvContentPartPr>
+            <p14:xfrm>
+              <a:off x="10378440" y="3032880"/>
+              <a:ext cx="411840" cy="167760"/>
+            </p14:xfrm>
+          </p:contentPart>
+        </mc:Choice>
+        <mc:Fallback>
+          <p:pic>
+            <p:nvPicPr>
+              <p:cNvPr id="833" name="Ink 832">
+                <a:extLst>
+                  <a:ext uri="{FF2B5EF4-FFF2-40B4-BE49-F238E27FC236}">
+                    <a16:creationId xmlns:a16="http://schemas.microsoft.com/office/drawing/2014/main" id="{68186CA9-4338-4CE4-8B22-F85C8E86598A}"/>
+                  </a:ext>
+                </a:extLst>
+              </p:cNvPr>
+              <p:cNvPicPr/>
+              <p:nvPr/>
+            </p:nvPicPr>
+            <p:blipFill>
+              <a:blip r:embed="rId136"/>
+              <a:stretch>
+                <a:fillRect/>
+              </a:stretch>
+            </p:blipFill>
+            <p:spPr>
+              <a:xfrm>
+                <a:off x="10371240" y="3018480"/>
+                <a:ext cx="425880" cy="195840"/>
+              </a:xfrm>
+              <a:prstGeom prst="rect">
+                <a:avLst/>
+              </a:prstGeom>
+            </p:spPr>
+          </p:pic>
+        </mc:Fallback>
+      </mc:AlternateContent>
+      <mc:AlternateContent xmlns:mc="http://schemas.openxmlformats.org/markup-compatibility/2006">
+        <mc:Choice xmlns:p14="http://schemas.microsoft.com/office/powerpoint/2010/main" Requires="p14">
+          <p:contentPart p14:bwMode="auto" r:id="rId137">
+            <p14:nvContentPartPr>
+              <p14:cNvPr id="834" name="Ink 833">
+                <a:extLst>
+                  <a:ext uri="{FF2B5EF4-FFF2-40B4-BE49-F238E27FC236}">
+                    <a16:creationId xmlns:a16="http://schemas.microsoft.com/office/drawing/2014/main" id="{09F6188F-79A7-4F60-9AA1-35637D08AAB7}"/>
+                  </a:ext>
+                </a:extLst>
+              </p14:cNvPr>
+              <p14:cNvContentPartPr/>
+              <p14:nvPr/>
+            </p14:nvContentPartPr>
+            <p14:xfrm>
+              <a:off x="10423440" y="3032880"/>
+              <a:ext cx="412560" cy="200160"/>
+            </p14:xfrm>
+          </p:contentPart>
+        </mc:Choice>
+        <mc:Fallback>
+          <p:pic>
+            <p:nvPicPr>
+              <p:cNvPr id="834" name="Ink 833">
+                <a:extLst>
+                  <a:ext uri="{FF2B5EF4-FFF2-40B4-BE49-F238E27FC236}">
+                    <a16:creationId xmlns:a16="http://schemas.microsoft.com/office/drawing/2014/main" id="{09F6188F-79A7-4F60-9AA1-35637D08AAB7}"/>
+                  </a:ext>
+                </a:extLst>
+              </p:cNvPr>
+              <p:cNvPicPr/>
+              <p:nvPr/>
+            </p:nvPicPr>
+            <p:blipFill>
+              <a:blip r:embed="rId138"/>
+              <a:stretch>
+                <a:fillRect/>
+              </a:stretch>
+            </p:blipFill>
+            <p:spPr>
+              <a:xfrm>
+                <a:off x="10416240" y="3018480"/>
+                <a:ext cx="426600" cy="228240"/>
+              </a:xfrm>
+              <a:prstGeom prst="rect">
+                <a:avLst/>
+              </a:prstGeom>
+            </p:spPr>
+          </p:pic>
+        </mc:Fallback>
+      </mc:AlternateContent>
+      <mc:AlternateContent xmlns:mc="http://schemas.openxmlformats.org/markup-compatibility/2006">
+        <mc:Choice xmlns:p14="http://schemas.microsoft.com/office/powerpoint/2010/main" Requires="p14">
+          <p:contentPart p14:bwMode="auto" r:id="rId139">
+            <p14:nvContentPartPr>
+              <p14:cNvPr id="835" name="Ink 834">
+                <a:extLst>
+                  <a:ext uri="{FF2B5EF4-FFF2-40B4-BE49-F238E27FC236}">
+                    <a16:creationId xmlns:a16="http://schemas.microsoft.com/office/drawing/2014/main" id="{730BE26E-69AD-4EBA-A00D-907C26954E58}"/>
+                  </a:ext>
+                </a:extLst>
+              </p14:cNvPr>
+              <p14:cNvContentPartPr/>
+              <p14:nvPr/>
+            </p14:nvContentPartPr>
+            <p14:xfrm>
+              <a:off x="10321200" y="3108840"/>
+              <a:ext cx="354960" cy="186840"/>
+            </p14:xfrm>
+          </p:contentPart>
+        </mc:Choice>
+        <mc:Fallback>
+          <p:pic>
+            <p:nvPicPr>
+              <p:cNvPr id="835" name="Ink 834">
+                <a:extLst>
+                  <a:ext uri="{FF2B5EF4-FFF2-40B4-BE49-F238E27FC236}">
+                    <a16:creationId xmlns:a16="http://schemas.microsoft.com/office/drawing/2014/main" id="{730BE26E-69AD-4EBA-A00D-907C26954E58}"/>
+                  </a:ext>
+                </a:extLst>
+              </p:cNvPr>
+              <p:cNvPicPr/>
+              <p:nvPr/>
+            </p:nvPicPr>
+            <p:blipFill>
+              <a:blip r:embed="rId140"/>
+              <a:stretch>
+                <a:fillRect/>
+              </a:stretch>
+            </p:blipFill>
+            <p:spPr>
+              <a:xfrm>
+                <a:off x="10313993" y="3094440"/>
+                <a:ext cx="369014" cy="214920"/>
+              </a:xfrm>
+              <a:prstGeom prst="rect">
+                <a:avLst/>
+              </a:prstGeom>
+            </p:spPr>
+          </p:pic>
+        </mc:Fallback>
+      </mc:AlternateContent>
+      <mc:AlternateContent xmlns:mc="http://schemas.openxmlformats.org/markup-compatibility/2006">
+        <mc:Choice xmlns:p14="http://schemas.microsoft.com/office/powerpoint/2010/main" Requires="p14">
+          <p:contentPart p14:bwMode="auto" r:id="rId141">
+            <p14:nvContentPartPr>
+              <p14:cNvPr id="836" name="Ink 835">
+                <a:extLst>
+                  <a:ext uri="{FF2B5EF4-FFF2-40B4-BE49-F238E27FC236}">
+                    <a16:creationId xmlns:a16="http://schemas.microsoft.com/office/drawing/2014/main" id="{AAE6DED1-A0BE-4D88-915D-AA1510FD2254}"/>
+                  </a:ext>
+                </a:extLst>
+              </p14:cNvPr>
+              <p14:cNvContentPartPr/>
+              <p14:nvPr/>
+            </p14:nvContentPartPr>
+            <p14:xfrm>
+              <a:off x="10127160" y="3170040"/>
+              <a:ext cx="350640" cy="320400"/>
+            </p14:xfrm>
+          </p:contentPart>
+        </mc:Choice>
+        <mc:Fallback>
+          <p:pic>
+            <p:nvPicPr>
+              <p:cNvPr id="836" name="Ink 835">
+                <a:extLst>
+                  <a:ext uri="{FF2B5EF4-FFF2-40B4-BE49-F238E27FC236}">
+                    <a16:creationId xmlns:a16="http://schemas.microsoft.com/office/drawing/2014/main" id="{AAE6DED1-A0BE-4D88-915D-AA1510FD2254}"/>
+                  </a:ext>
+                </a:extLst>
+              </p:cNvPr>
+              <p:cNvPicPr/>
+              <p:nvPr/>
+            </p:nvPicPr>
+            <p:blipFill>
+              <a:blip r:embed="rId142"/>
+              <a:stretch>
+                <a:fillRect/>
+              </a:stretch>
+            </p:blipFill>
+            <p:spPr>
+              <a:xfrm>
+                <a:off x="10119960" y="3155640"/>
+                <a:ext cx="364680" cy="348480"/>
+              </a:xfrm>
+              <a:prstGeom prst="rect">
+                <a:avLst/>
+              </a:prstGeom>
+            </p:spPr>
+          </p:pic>
+        </mc:Fallback>
+      </mc:AlternateContent>
+      <mc:AlternateContent xmlns:mc="http://schemas.openxmlformats.org/markup-compatibility/2006">
+        <mc:Choice xmlns:p14="http://schemas.microsoft.com/office/powerpoint/2010/main" Requires="p14">
+          <p:contentPart p14:bwMode="auto" r:id="rId143">
+            <p14:nvContentPartPr>
+              <p14:cNvPr id="837" name="Ink 836">
+                <a:extLst>
+                  <a:ext uri="{FF2B5EF4-FFF2-40B4-BE49-F238E27FC236}">
+                    <a16:creationId xmlns:a16="http://schemas.microsoft.com/office/drawing/2014/main" id="{6104EC4C-8BBE-4E20-A2E7-37AC1711A24B}"/>
+                  </a:ext>
+                </a:extLst>
+              </p14:cNvPr>
+              <p14:cNvContentPartPr/>
+              <p14:nvPr/>
+            </p14:nvContentPartPr>
+            <p14:xfrm>
+              <a:off x="10194480" y="3307200"/>
+              <a:ext cx="115920" cy="215280"/>
+            </p14:xfrm>
+          </p:contentPart>
+        </mc:Choice>
+        <mc:Fallback>
+          <p:pic>
+            <p:nvPicPr>
+              <p:cNvPr id="837" name="Ink 836">
+                <a:extLst>
+                  <a:ext uri="{FF2B5EF4-FFF2-40B4-BE49-F238E27FC236}">
+                    <a16:creationId xmlns:a16="http://schemas.microsoft.com/office/drawing/2014/main" id="{6104EC4C-8BBE-4E20-A2E7-37AC1711A24B}"/>
+                  </a:ext>
+                </a:extLst>
+              </p:cNvPr>
+              <p:cNvPicPr/>
+              <p:nvPr/>
+            </p:nvPicPr>
+            <p:blipFill>
+              <a:blip r:embed="rId144"/>
+              <a:stretch>
+                <a:fillRect/>
+              </a:stretch>
+            </p:blipFill>
+            <p:spPr>
+              <a:xfrm>
+                <a:off x="10187258" y="3292800"/>
+                <a:ext cx="130004" cy="243360"/>
+              </a:xfrm>
+              <a:prstGeom prst="rect">
+                <a:avLst/>
+              </a:prstGeom>
+            </p:spPr>
+          </p:pic>
+        </mc:Fallback>
+      </mc:AlternateContent>
+      <mc:AlternateContent xmlns:mc="http://schemas.openxmlformats.org/markup-compatibility/2006">
+        <mc:Choice xmlns:p14="http://schemas.microsoft.com/office/powerpoint/2010/main" Requires="p14">
+          <p:contentPart p14:bwMode="auto" r:id="rId145">
+            <p14:nvContentPartPr>
+              <p14:cNvPr id="838" name="Ink 837">
+                <a:extLst>
+                  <a:ext uri="{FF2B5EF4-FFF2-40B4-BE49-F238E27FC236}">
+                    <a16:creationId xmlns:a16="http://schemas.microsoft.com/office/drawing/2014/main" id="{3414BC4D-FCE4-4906-A4FE-E215E6D6291A}"/>
+                  </a:ext>
+                </a:extLst>
+              </p14:cNvPr>
+              <p14:cNvContentPartPr/>
+              <p14:nvPr/>
+            </p14:nvContentPartPr>
+            <p14:xfrm>
+              <a:off x="10203120" y="3314760"/>
+              <a:ext cx="221400" cy="167760"/>
+            </p14:xfrm>
+          </p:contentPart>
+        </mc:Choice>
+        <mc:Fallback>
+          <p:pic>
+            <p:nvPicPr>
+              <p:cNvPr id="838" name="Ink 837">
+                <a:extLst>
+                  <a:ext uri="{FF2B5EF4-FFF2-40B4-BE49-F238E27FC236}">
+                    <a16:creationId xmlns:a16="http://schemas.microsoft.com/office/drawing/2014/main" id="{3414BC4D-FCE4-4906-A4FE-E215E6D6291A}"/>
+                  </a:ext>
+                </a:extLst>
+              </p:cNvPr>
+              <p:cNvPicPr/>
+              <p:nvPr/>
+            </p:nvPicPr>
+            <p:blipFill>
+              <a:blip r:embed="rId146"/>
+              <a:stretch>
+                <a:fillRect/>
+              </a:stretch>
+            </p:blipFill>
+            <p:spPr>
+              <a:xfrm>
+                <a:off x="10195920" y="3300391"/>
+                <a:ext cx="235440" cy="195780"/>
+              </a:xfrm>
+              <a:prstGeom prst="rect">
+                <a:avLst/>
+              </a:prstGeom>
+            </p:spPr>
+          </p:pic>
+        </mc:Fallback>
+      </mc:AlternateContent>
+      <mc:AlternateContent xmlns:mc="http://schemas.openxmlformats.org/markup-compatibility/2006">
+        <mc:Choice xmlns:p14="http://schemas.microsoft.com/office/powerpoint/2010/main" Requires="p14">
+          <p:contentPart p14:bwMode="auto" r:id="rId147">
+            <p14:nvContentPartPr>
+              <p14:cNvPr id="839" name="Ink 838">
+                <a:extLst>
+                  <a:ext uri="{FF2B5EF4-FFF2-40B4-BE49-F238E27FC236}">
+                    <a16:creationId xmlns:a16="http://schemas.microsoft.com/office/drawing/2014/main" id="{33628A0F-7BEC-4A73-9E8F-9B79CCA64320}"/>
+                  </a:ext>
+                </a:extLst>
+              </p14:cNvPr>
+              <p14:cNvContentPartPr/>
+              <p14:nvPr/>
+            </p14:nvContentPartPr>
+            <p14:xfrm>
+              <a:off x="9860400" y="3230880"/>
+              <a:ext cx="670680" cy="785160"/>
+            </p14:xfrm>
+          </p:contentPart>
+        </mc:Choice>
+        <mc:Fallback>
+          <p:pic>
+            <p:nvPicPr>
+              <p:cNvPr id="839" name="Ink 838">
+                <a:extLst>
+                  <a:ext uri="{FF2B5EF4-FFF2-40B4-BE49-F238E27FC236}">
+                    <a16:creationId xmlns:a16="http://schemas.microsoft.com/office/drawing/2014/main" id="{33628A0F-7BEC-4A73-9E8F-9B79CCA64320}"/>
+                  </a:ext>
+                </a:extLst>
+              </p:cNvPr>
+              <p:cNvPicPr/>
+              <p:nvPr/>
+            </p:nvPicPr>
+            <p:blipFill>
+              <a:blip r:embed="rId148"/>
+              <a:stretch>
+                <a:fillRect/>
+              </a:stretch>
+            </p:blipFill>
+            <p:spPr>
+              <a:xfrm>
+                <a:off x="9853200" y="3216480"/>
+                <a:ext cx="684720" cy="813240"/>
               </a:xfrm>
               <a:prstGeom prst="rect">
                 <a:avLst/>
@@ -20094,8 +26128,8 @@
           </a:p>
         </p:txBody>
       </p:sp>
-      <mc:AlternateContent xmlns:mc="http://schemas.openxmlformats.org/markup-compatibility/2006">
-        <mc:Choice xmlns:p14="http://schemas.microsoft.com/office/powerpoint/2010/main" Requires="p14">
+      <mc:AlternateContent xmlns:mc="http://schemas.openxmlformats.org/markup-compatibility/2006" xmlns:p14="http://schemas.microsoft.com/office/powerpoint/2010/main">
+        <mc:Choice Requires="p14">
           <p:contentPart p14:bwMode="auto" r:id="rId2">
             <p14:nvContentPartPr>
               <p14:cNvPr id="10" name="Ink 9">
@@ -20114,7 +26148,7 @@
             </p14:xfrm>
           </p:contentPart>
         </mc:Choice>
-        <mc:Fallback>
+        <mc:Fallback xmlns="">
           <p:pic>
             <p:nvPicPr>
               <p:cNvPr id="10" name="Ink 9">
@@ -20145,8 +26179,8 @@
           </p:pic>
         </mc:Fallback>
       </mc:AlternateContent>
-      <mc:AlternateContent xmlns:mc="http://schemas.openxmlformats.org/markup-compatibility/2006">
-        <mc:Choice xmlns:p14="http://schemas.microsoft.com/office/powerpoint/2010/main" Requires="p14">
+      <mc:AlternateContent xmlns:mc="http://schemas.openxmlformats.org/markup-compatibility/2006" xmlns:p14="http://schemas.microsoft.com/office/powerpoint/2010/main">
+        <mc:Choice Requires="p14">
           <p:contentPart p14:bwMode="auto" r:id="rId4">
             <p14:nvContentPartPr>
               <p14:cNvPr id="21" name="Ink 20">
@@ -20165,7 +26199,7 @@
             </p14:xfrm>
           </p:contentPart>
         </mc:Choice>
-        <mc:Fallback>
+        <mc:Fallback xmlns="">
           <p:pic>
             <p:nvPicPr>
               <p:cNvPr id="21" name="Ink 20">
@@ -20196,8 +26230,8 @@
           </p:pic>
         </mc:Fallback>
       </mc:AlternateContent>
-      <mc:AlternateContent xmlns:mc="http://schemas.openxmlformats.org/markup-compatibility/2006">
-        <mc:Choice xmlns:p14="http://schemas.microsoft.com/office/powerpoint/2010/main" Requires="p14">
+      <mc:AlternateContent xmlns:mc="http://schemas.openxmlformats.org/markup-compatibility/2006" xmlns:p14="http://schemas.microsoft.com/office/powerpoint/2010/main">
+        <mc:Choice Requires="p14">
           <p:contentPart p14:bwMode="auto" r:id="rId6">
             <p14:nvContentPartPr>
               <p14:cNvPr id="26" name="Ink 25">
@@ -20216,7 +26250,7 @@
             </p14:xfrm>
           </p:contentPart>
         </mc:Choice>
-        <mc:Fallback>
+        <mc:Fallback xmlns="">
           <p:pic>
             <p:nvPicPr>
               <p:cNvPr id="26" name="Ink 25">
@@ -20247,8 +26281,8 @@
           </p:pic>
         </mc:Fallback>
       </mc:AlternateContent>
-      <mc:AlternateContent xmlns:mc="http://schemas.openxmlformats.org/markup-compatibility/2006">
-        <mc:Choice xmlns:p14="http://schemas.microsoft.com/office/powerpoint/2010/main" Requires="p14">
+      <mc:AlternateContent xmlns:mc="http://schemas.openxmlformats.org/markup-compatibility/2006" xmlns:p14="http://schemas.microsoft.com/office/powerpoint/2010/main">
+        <mc:Choice Requires="p14">
           <p:contentPart p14:bwMode="auto" r:id="rId8">
             <p14:nvContentPartPr>
               <p14:cNvPr id="40" name="Ink 39">
@@ -20267,7 +26301,7 @@
             </p14:xfrm>
           </p:contentPart>
         </mc:Choice>
-        <mc:Fallback>
+        <mc:Fallback xmlns="">
           <p:pic>
             <p:nvPicPr>
               <p:cNvPr id="40" name="Ink 39">
@@ -20298,8 +26332,8 @@
           </p:pic>
         </mc:Fallback>
       </mc:AlternateContent>
-      <mc:AlternateContent xmlns:mc="http://schemas.openxmlformats.org/markup-compatibility/2006">
-        <mc:Choice xmlns:p14="http://schemas.microsoft.com/office/powerpoint/2010/main" Requires="p14">
+      <mc:AlternateContent xmlns:mc="http://schemas.openxmlformats.org/markup-compatibility/2006" xmlns:p14="http://schemas.microsoft.com/office/powerpoint/2010/main">
+        <mc:Choice Requires="p14">
           <p:contentPart p14:bwMode="auto" r:id="rId10">
             <p14:nvContentPartPr>
               <p14:cNvPr id="58" name="Ink 57">
@@ -20318,7 +26352,7 @@
             </p14:xfrm>
           </p:contentPart>
         </mc:Choice>
-        <mc:Fallback>
+        <mc:Fallback xmlns="">
           <p:pic>
             <p:nvPicPr>
               <p:cNvPr id="58" name="Ink 57">
@@ -20349,8 +26383,8 @@
           </p:pic>
         </mc:Fallback>
       </mc:AlternateContent>
-      <mc:AlternateContent xmlns:mc="http://schemas.openxmlformats.org/markup-compatibility/2006">
-        <mc:Choice xmlns:p14="http://schemas.microsoft.com/office/powerpoint/2010/main" Requires="p14">
+      <mc:AlternateContent xmlns:mc="http://schemas.openxmlformats.org/markup-compatibility/2006" xmlns:p14="http://schemas.microsoft.com/office/powerpoint/2010/main">
+        <mc:Choice Requires="p14">
           <p:contentPart p14:bwMode="auto" r:id="rId12">
             <p14:nvContentPartPr>
               <p14:cNvPr id="59" name="Ink 58">
@@ -20369,7 +26403,7 @@
             </p14:xfrm>
           </p:contentPart>
         </mc:Choice>
-        <mc:Fallback>
+        <mc:Fallback xmlns="">
           <p:pic>
             <p:nvPicPr>
               <p:cNvPr id="59" name="Ink 58">
@@ -20400,8 +26434,8 @@
           </p:pic>
         </mc:Fallback>
       </mc:AlternateContent>
-      <mc:AlternateContent xmlns:mc="http://schemas.openxmlformats.org/markup-compatibility/2006">
-        <mc:Choice xmlns:p14="http://schemas.microsoft.com/office/powerpoint/2010/main" Requires="p14">
+      <mc:AlternateContent xmlns:mc="http://schemas.openxmlformats.org/markup-compatibility/2006" xmlns:p14="http://schemas.microsoft.com/office/powerpoint/2010/main">
+        <mc:Choice Requires="p14">
           <p:contentPart p14:bwMode="auto" r:id="rId14">
             <p14:nvContentPartPr>
               <p14:cNvPr id="73" name="Ink 72">
@@ -20420,7 +26454,7 @@
             </p14:xfrm>
           </p:contentPart>
         </mc:Choice>
-        <mc:Fallback>
+        <mc:Fallback xmlns="">
           <p:pic>
             <p:nvPicPr>
               <p:cNvPr id="73" name="Ink 72">
@@ -20451,8 +26485,8 @@
           </p:pic>
         </mc:Fallback>
       </mc:AlternateContent>
-      <mc:AlternateContent xmlns:mc="http://schemas.openxmlformats.org/markup-compatibility/2006">
-        <mc:Choice xmlns:p14="http://schemas.microsoft.com/office/powerpoint/2010/main" Requires="p14">
+      <mc:AlternateContent xmlns:mc="http://schemas.openxmlformats.org/markup-compatibility/2006" xmlns:p14="http://schemas.microsoft.com/office/powerpoint/2010/main">
+        <mc:Choice Requires="p14">
           <p:contentPart p14:bwMode="auto" r:id="rId16">
             <p14:nvContentPartPr>
               <p14:cNvPr id="93" name="Ink 92">
@@ -20471,7 +26505,7 @@
             </p14:xfrm>
           </p:contentPart>
         </mc:Choice>
-        <mc:Fallback>
+        <mc:Fallback xmlns="">
           <p:pic>
             <p:nvPicPr>
               <p:cNvPr id="93" name="Ink 92">
@@ -20502,8 +26536,8 @@
           </p:pic>
         </mc:Fallback>
       </mc:AlternateContent>
-      <mc:AlternateContent xmlns:mc="http://schemas.openxmlformats.org/markup-compatibility/2006">
-        <mc:Choice xmlns:p14="http://schemas.microsoft.com/office/powerpoint/2010/main" Requires="p14">
+      <mc:AlternateContent xmlns:mc="http://schemas.openxmlformats.org/markup-compatibility/2006" xmlns:p14="http://schemas.microsoft.com/office/powerpoint/2010/main">
+        <mc:Choice Requires="p14">
           <p:contentPart p14:bwMode="auto" r:id="rId18">
             <p14:nvContentPartPr>
               <p14:cNvPr id="108" name="Ink 107">
@@ -20522,7 +26556,7 @@
             </p14:xfrm>
           </p:contentPart>
         </mc:Choice>
-        <mc:Fallback>
+        <mc:Fallback xmlns="">
           <p:pic>
             <p:nvPicPr>
               <p:cNvPr id="108" name="Ink 107">
@@ -20553,8 +26587,8 @@
           </p:pic>
         </mc:Fallback>
       </mc:AlternateContent>
-      <mc:AlternateContent xmlns:mc="http://schemas.openxmlformats.org/markup-compatibility/2006">
-        <mc:Choice xmlns:p14="http://schemas.microsoft.com/office/powerpoint/2010/main" Requires="p14">
+      <mc:AlternateContent xmlns:mc="http://schemas.openxmlformats.org/markup-compatibility/2006" xmlns:p14="http://schemas.microsoft.com/office/powerpoint/2010/main">
+        <mc:Choice Requires="p14">
           <p:contentPart p14:bwMode="auto" r:id="rId20">
             <p14:nvContentPartPr>
               <p14:cNvPr id="129" name="Ink 128">
@@ -20573,7 +26607,7 @@
             </p14:xfrm>
           </p:contentPart>
         </mc:Choice>
-        <mc:Fallback>
+        <mc:Fallback xmlns="">
           <p:pic>
             <p:nvPicPr>
               <p:cNvPr id="129" name="Ink 128">
@@ -20604,8 +26638,8 @@
           </p:pic>
         </mc:Fallback>
       </mc:AlternateContent>
-      <mc:AlternateContent xmlns:mc="http://schemas.openxmlformats.org/markup-compatibility/2006">
-        <mc:Choice xmlns:p14="http://schemas.microsoft.com/office/powerpoint/2010/main" Requires="p14">
+      <mc:AlternateContent xmlns:mc="http://schemas.openxmlformats.org/markup-compatibility/2006" xmlns:p14="http://schemas.microsoft.com/office/powerpoint/2010/main">
+        <mc:Choice Requires="p14">
           <p:contentPart p14:bwMode="auto" r:id="rId22">
             <p14:nvContentPartPr>
               <p14:cNvPr id="133" name="Ink 132">
@@ -20624,7 +26658,7 @@
             </p14:xfrm>
           </p:contentPart>
         </mc:Choice>
-        <mc:Fallback>
+        <mc:Fallback xmlns="">
           <p:pic>
             <p:nvPicPr>
               <p:cNvPr id="133" name="Ink 132">
@@ -20655,8 +26689,8 @@
           </p:pic>
         </mc:Fallback>
       </mc:AlternateContent>
-      <mc:AlternateContent xmlns:mc="http://schemas.openxmlformats.org/markup-compatibility/2006">
-        <mc:Choice xmlns:p14="http://schemas.microsoft.com/office/powerpoint/2010/main" Requires="p14">
+      <mc:AlternateContent xmlns:mc="http://schemas.openxmlformats.org/markup-compatibility/2006" xmlns:p14="http://schemas.microsoft.com/office/powerpoint/2010/main">
+        <mc:Choice Requires="p14">
           <p:contentPart p14:bwMode="auto" r:id="rId24">
             <p14:nvContentPartPr>
               <p14:cNvPr id="144" name="Ink 143">
@@ -20675,7 +26709,7 @@
             </p14:xfrm>
           </p:contentPart>
         </mc:Choice>
-        <mc:Fallback>
+        <mc:Fallback xmlns="">
           <p:pic>
             <p:nvPicPr>
               <p:cNvPr id="144" name="Ink 143">
@@ -20706,8 +26740,8 @@
           </p:pic>
         </mc:Fallback>
       </mc:AlternateContent>
-      <mc:AlternateContent xmlns:mc="http://schemas.openxmlformats.org/markup-compatibility/2006">
-        <mc:Choice xmlns:p14="http://schemas.microsoft.com/office/powerpoint/2010/main" Requires="p14">
+      <mc:AlternateContent xmlns:mc="http://schemas.openxmlformats.org/markup-compatibility/2006" xmlns:p14="http://schemas.microsoft.com/office/powerpoint/2010/main">
+        <mc:Choice Requires="p14">
           <p:contentPart p14:bwMode="auto" r:id="rId26">
             <p14:nvContentPartPr>
               <p14:cNvPr id="145" name="Ink 144">
@@ -20726,7 +26760,7 @@
             </p14:xfrm>
           </p:contentPart>
         </mc:Choice>
-        <mc:Fallback>
+        <mc:Fallback xmlns="">
           <p:pic>
             <p:nvPicPr>
               <p:cNvPr id="145" name="Ink 144">
@@ -20757,8 +26791,8 @@
           </p:pic>
         </mc:Fallback>
       </mc:AlternateContent>
-      <mc:AlternateContent xmlns:mc="http://schemas.openxmlformats.org/markup-compatibility/2006">
-        <mc:Choice xmlns:p14="http://schemas.microsoft.com/office/powerpoint/2010/main" Requires="p14">
+      <mc:AlternateContent xmlns:mc="http://schemas.openxmlformats.org/markup-compatibility/2006" xmlns:p14="http://schemas.microsoft.com/office/powerpoint/2010/main">
+        <mc:Choice Requires="p14">
           <p:contentPart p14:bwMode="auto" r:id="rId28">
             <p14:nvContentPartPr>
               <p14:cNvPr id="176" name="Ink 175">
@@ -20777,7 +26811,7 @@
             </p14:xfrm>
           </p:contentPart>
         </mc:Choice>
-        <mc:Fallback>
+        <mc:Fallback xmlns="">
           <p:pic>
             <p:nvPicPr>
               <p:cNvPr id="176" name="Ink 175">
@@ -20808,8 +26842,8 @@
           </p:pic>
         </mc:Fallback>
       </mc:AlternateContent>
-      <mc:AlternateContent xmlns:mc="http://schemas.openxmlformats.org/markup-compatibility/2006">
-        <mc:Choice xmlns:p14="http://schemas.microsoft.com/office/powerpoint/2010/main" Requires="p14">
+      <mc:AlternateContent xmlns:mc="http://schemas.openxmlformats.org/markup-compatibility/2006" xmlns:p14="http://schemas.microsoft.com/office/powerpoint/2010/main">
+        <mc:Choice Requires="p14">
           <p:contentPart p14:bwMode="auto" r:id="rId30">
             <p14:nvContentPartPr>
               <p14:cNvPr id="253" name="Ink 252">
@@ -20828,7 +26862,7 @@
             </p14:xfrm>
           </p:contentPart>
         </mc:Choice>
-        <mc:Fallback>
+        <mc:Fallback xmlns="">
           <p:pic>
             <p:nvPicPr>
               <p:cNvPr id="253" name="Ink 252">
@@ -20859,8 +26893,8 @@
           </p:pic>
         </mc:Fallback>
       </mc:AlternateContent>
-      <mc:AlternateContent xmlns:mc="http://schemas.openxmlformats.org/markup-compatibility/2006">
-        <mc:Choice xmlns:p14="http://schemas.microsoft.com/office/powerpoint/2010/main" Requires="p14">
+      <mc:AlternateContent xmlns:mc="http://schemas.openxmlformats.org/markup-compatibility/2006" xmlns:p14="http://schemas.microsoft.com/office/powerpoint/2010/main">
+        <mc:Choice Requires="p14">
           <p:contentPart p14:bwMode="auto" r:id="rId32">
             <p14:nvContentPartPr>
               <p14:cNvPr id="264" name="Ink 263">
@@ -20879,7 +26913,7 @@
             </p14:xfrm>
           </p:contentPart>
         </mc:Choice>
-        <mc:Fallback>
+        <mc:Fallback xmlns="">
           <p:pic>
             <p:nvPicPr>
               <p:cNvPr id="264" name="Ink 263">
@@ -20910,8 +26944,8 @@
           </p:pic>
         </mc:Fallback>
       </mc:AlternateContent>
-      <mc:AlternateContent xmlns:mc="http://schemas.openxmlformats.org/markup-compatibility/2006">
-        <mc:Choice xmlns:p14="http://schemas.microsoft.com/office/powerpoint/2010/main" Requires="p14">
+      <mc:AlternateContent xmlns:mc="http://schemas.openxmlformats.org/markup-compatibility/2006" xmlns:p14="http://schemas.microsoft.com/office/powerpoint/2010/main">
+        <mc:Choice Requires="p14">
           <p:contentPart p14:bwMode="auto" r:id="rId34">
             <p14:nvContentPartPr>
               <p14:cNvPr id="274" name="Ink 273">
@@ -20930,7 +26964,7 @@
             </p14:xfrm>
           </p:contentPart>
         </mc:Choice>
-        <mc:Fallback>
+        <mc:Fallback xmlns="">
           <p:pic>
             <p:nvPicPr>
               <p:cNvPr id="274" name="Ink 273">
@@ -20961,8 +26995,8 @@
           </p:pic>
         </mc:Fallback>
       </mc:AlternateContent>
-      <mc:AlternateContent xmlns:mc="http://schemas.openxmlformats.org/markup-compatibility/2006">
-        <mc:Choice xmlns:p14="http://schemas.microsoft.com/office/powerpoint/2010/main" Requires="p14">
+      <mc:AlternateContent xmlns:mc="http://schemas.openxmlformats.org/markup-compatibility/2006" xmlns:p14="http://schemas.microsoft.com/office/powerpoint/2010/main">
+        <mc:Choice Requires="p14">
           <p:contentPart p14:bwMode="auto" r:id="rId36">
             <p14:nvContentPartPr>
               <p14:cNvPr id="279" name="Ink 278">
@@ -20981,7 +27015,7 @@
             </p14:xfrm>
           </p:contentPart>
         </mc:Choice>
-        <mc:Fallback>
+        <mc:Fallback xmlns="">
           <p:pic>
             <p:nvPicPr>
               <p:cNvPr id="279" name="Ink 278">
@@ -21012,8 +27046,8 @@
           </p:pic>
         </mc:Fallback>
       </mc:AlternateContent>
-      <mc:AlternateContent xmlns:mc="http://schemas.openxmlformats.org/markup-compatibility/2006">
-        <mc:Choice xmlns:p14="http://schemas.microsoft.com/office/powerpoint/2010/main" Requires="p14">
+      <mc:AlternateContent xmlns:mc="http://schemas.openxmlformats.org/markup-compatibility/2006" xmlns:p14="http://schemas.microsoft.com/office/powerpoint/2010/main">
+        <mc:Choice Requires="p14">
           <p:contentPart p14:bwMode="auto" r:id="rId38">
             <p14:nvContentPartPr>
               <p14:cNvPr id="316" name="Ink 315">
@@ -21032,7 +27066,7 @@
             </p14:xfrm>
           </p:contentPart>
         </mc:Choice>
-        <mc:Fallback>
+        <mc:Fallback xmlns="">
           <p:pic>
             <p:nvPicPr>
               <p:cNvPr id="316" name="Ink 315">
@@ -21063,8 +27097,8 @@
           </p:pic>
         </mc:Fallback>
       </mc:AlternateContent>
-      <mc:AlternateContent xmlns:mc="http://schemas.openxmlformats.org/markup-compatibility/2006">
-        <mc:Choice xmlns:p14="http://schemas.microsoft.com/office/powerpoint/2010/main" Requires="p14">
+      <mc:AlternateContent xmlns:mc="http://schemas.openxmlformats.org/markup-compatibility/2006" xmlns:p14="http://schemas.microsoft.com/office/powerpoint/2010/main">
+        <mc:Choice Requires="p14">
           <p:contentPart p14:bwMode="auto" r:id="rId40">
             <p14:nvContentPartPr>
               <p14:cNvPr id="317" name="Ink 316">
@@ -21083,7 +27117,7 @@
             </p14:xfrm>
           </p:contentPart>
         </mc:Choice>
-        <mc:Fallback>
+        <mc:Fallback xmlns="">
           <p:pic>
             <p:nvPicPr>
               <p:cNvPr id="317" name="Ink 316">
@@ -21114,8 +27148,8 @@
           </p:pic>
         </mc:Fallback>
       </mc:AlternateContent>
-      <mc:AlternateContent xmlns:mc="http://schemas.openxmlformats.org/markup-compatibility/2006">
-        <mc:Choice xmlns:p14="http://schemas.microsoft.com/office/powerpoint/2010/main" Requires="p14">
+      <mc:AlternateContent xmlns:mc="http://schemas.openxmlformats.org/markup-compatibility/2006" xmlns:p14="http://schemas.microsoft.com/office/powerpoint/2010/main">
+        <mc:Choice Requires="p14">
           <p:contentPart p14:bwMode="auto" r:id="rId42">
             <p14:nvContentPartPr>
               <p14:cNvPr id="318" name="Ink 317">
@@ -21134,7 +27168,7 @@
             </p14:xfrm>
           </p:contentPart>
         </mc:Choice>
-        <mc:Fallback>
+        <mc:Fallback xmlns="">
           <p:pic>
             <p:nvPicPr>
               <p:cNvPr id="318" name="Ink 317">
@@ -21165,8 +27199,8 @@
           </p:pic>
         </mc:Fallback>
       </mc:AlternateContent>
-      <mc:AlternateContent xmlns:mc="http://schemas.openxmlformats.org/markup-compatibility/2006">
-        <mc:Choice xmlns:p14="http://schemas.microsoft.com/office/powerpoint/2010/main" Requires="p14">
+      <mc:AlternateContent xmlns:mc="http://schemas.openxmlformats.org/markup-compatibility/2006" xmlns:p14="http://schemas.microsoft.com/office/powerpoint/2010/main">
+        <mc:Choice Requires="p14">
           <p:contentPart p14:bwMode="auto" r:id="rId44">
             <p14:nvContentPartPr>
               <p14:cNvPr id="319" name="Ink 318">
@@ -21185,7 +27219,7 @@
             </p14:xfrm>
           </p:contentPart>
         </mc:Choice>
-        <mc:Fallback>
+        <mc:Fallback xmlns="">
           <p:pic>
             <p:nvPicPr>
               <p:cNvPr id="319" name="Ink 318">
@@ -21216,8 +27250,8 @@
           </p:pic>
         </mc:Fallback>
       </mc:AlternateContent>
-      <mc:AlternateContent xmlns:mc="http://schemas.openxmlformats.org/markup-compatibility/2006">
-        <mc:Choice xmlns:p14="http://schemas.microsoft.com/office/powerpoint/2010/main" Requires="p14">
+      <mc:AlternateContent xmlns:mc="http://schemas.openxmlformats.org/markup-compatibility/2006" xmlns:p14="http://schemas.microsoft.com/office/powerpoint/2010/main">
+        <mc:Choice Requires="p14">
           <p:contentPart p14:bwMode="auto" r:id="rId46">
             <p14:nvContentPartPr>
               <p14:cNvPr id="361" name="Ink 360">
@@ -21236,7 +27270,7 @@
             </p14:xfrm>
           </p:contentPart>
         </mc:Choice>
-        <mc:Fallback>
+        <mc:Fallback xmlns="">
           <p:pic>
             <p:nvPicPr>
               <p:cNvPr id="361" name="Ink 360">
@@ -21267,8 +27301,8 @@
           </p:pic>
         </mc:Fallback>
       </mc:AlternateContent>
-      <mc:AlternateContent xmlns:mc="http://schemas.openxmlformats.org/markup-compatibility/2006">
-        <mc:Choice xmlns:p14="http://schemas.microsoft.com/office/powerpoint/2010/main" Requires="p14">
+      <mc:AlternateContent xmlns:mc="http://schemas.openxmlformats.org/markup-compatibility/2006" xmlns:p14="http://schemas.microsoft.com/office/powerpoint/2010/main">
+        <mc:Choice Requires="p14">
           <p:contentPart p14:bwMode="auto" r:id="rId48">
             <p14:nvContentPartPr>
               <p14:cNvPr id="362" name="Ink 361">
@@ -21287,7 +27321,7 @@
             </p14:xfrm>
           </p:contentPart>
         </mc:Choice>
-        <mc:Fallback>
+        <mc:Fallback xmlns="">
           <p:pic>
             <p:nvPicPr>
               <p:cNvPr id="362" name="Ink 361">
@@ -21318,8 +27352,8 @@
           </p:pic>
         </mc:Fallback>
       </mc:AlternateContent>
-      <mc:AlternateContent xmlns:mc="http://schemas.openxmlformats.org/markup-compatibility/2006">
-        <mc:Choice xmlns:p14="http://schemas.microsoft.com/office/powerpoint/2010/main" Requires="p14">
+      <mc:AlternateContent xmlns:mc="http://schemas.openxmlformats.org/markup-compatibility/2006" xmlns:p14="http://schemas.microsoft.com/office/powerpoint/2010/main">
+        <mc:Choice Requires="p14">
           <p:contentPart p14:bwMode="auto" r:id="rId50">
             <p14:nvContentPartPr>
               <p14:cNvPr id="363" name="Ink 362">
@@ -21338,7 +27372,7 @@
             </p14:xfrm>
           </p:contentPart>
         </mc:Choice>
-        <mc:Fallback>
+        <mc:Fallback xmlns="">
           <p:pic>
             <p:nvPicPr>
               <p:cNvPr id="363" name="Ink 362">
@@ -21369,8 +27403,8 @@
           </p:pic>
         </mc:Fallback>
       </mc:AlternateContent>
-      <mc:AlternateContent xmlns:mc="http://schemas.openxmlformats.org/markup-compatibility/2006">
-        <mc:Choice xmlns:p14="http://schemas.microsoft.com/office/powerpoint/2010/main" Requires="p14">
+      <mc:AlternateContent xmlns:mc="http://schemas.openxmlformats.org/markup-compatibility/2006" xmlns:p14="http://schemas.microsoft.com/office/powerpoint/2010/main">
+        <mc:Choice Requires="p14">
           <p:contentPart p14:bwMode="auto" r:id="rId52">
             <p14:nvContentPartPr>
               <p14:cNvPr id="373" name="Ink 372">
@@ -21389,7 +27423,7 @@
             </p14:xfrm>
           </p:contentPart>
         </mc:Choice>
-        <mc:Fallback>
+        <mc:Fallback xmlns="">
           <p:pic>
             <p:nvPicPr>
               <p:cNvPr id="373" name="Ink 372">
@@ -21420,8 +27454,8 @@
           </p:pic>
         </mc:Fallback>
       </mc:AlternateContent>
-      <mc:AlternateContent xmlns:mc="http://schemas.openxmlformats.org/markup-compatibility/2006">
-        <mc:Choice xmlns:p14="http://schemas.microsoft.com/office/powerpoint/2010/main" Requires="p14">
+      <mc:AlternateContent xmlns:mc="http://schemas.openxmlformats.org/markup-compatibility/2006" xmlns:p14="http://schemas.microsoft.com/office/powerpoint/2010/main">
+        <mc:Choice Requires="p14">
           <p:contentPart p14:bwMode="auto" r:id="rId54">
             <p14:nvContentPartPr>
               <p14:cNvPr id="387" name="Ink 386">
@@ -21440,7 +27474,7 @@
             </p14:xfrm>
           </p:contentPart>
         </mc:Choice>
-        <mc:Fallback>
+        <mc:Fallback xmlns="">
           <p:pic>
             <p:nvPicPr>
               <p:cNvPr id="387" name="Ink 386">
@@ -21471,8 +27505,8 @@
           </p:pic>
         </mc:Fallback>
       </mc:AlternateContent>
-      <mc:AlternateContent xmlns:mc="http://schemas.openxmlformats.org/markup-compatibility/2006">
-        <mc:Choice xmlns:p14="http://schemas.microsoft.com/office/powerpoint/2010/main" Requires="p14">
+      <mc:AlternateContent xmlns:mc="http://schemas.openxmlformats.org/markup-compatibility/2006" xmlns:p14="http://schemas.microsoft.com/office/powerpoint/2010/main">
+        <mc:Choice Requires="p14">
           <p:contentPart p14:bwMode="auto" r:id="rId56">
             <p14:nvContentPartPr>
               <p14:cNvPr id="413" name="Ink 412">
@@ -21491,7 +27525,7 @@
             </p14:xfrm>
           </p:contentPart>
         </mc:Choice>
-        <mc:Fallback>
+        <mc:Fallback xmlns="">
           <p:pic>
             <p:nvPicPr>
               <p:cNvPr id="413" name="Ink 412">
@@ -21522,8 +27556,8 @@
           </p:pic>
         </mc:Fallback>
       </mc:AlternateContent>
-      <mc:AlternateContent xmlns:mc="http://schemas.openxmlformats.org/markup-compatibility/2006">
-        <mc:Choice xmlns:p14="http://schemas.microsoft.com/office/powerpoint/2010/main" Requires="p14">
+      <mc:AlternateContent xmlns:mc="http://schemas.openxmlformats.org/markup-compatibility/2006" xmlns:p14="http://schemas.microsoft.com/office/powerpoint/2010/main">
+        <mc:Choice Requires="p14">
           <p:contentPart p14:bwMode="auto" r:id="rId58">
             <p14:nvContentPartPr>
               <p14:cNvPr id="421" name="Ink 420">
@@ -21542,7 +27576,7 @@
             </p14:xfrm>
           </p:contentPart>
         </mc:Choice>
-        <mc:Fallback>
+        <mc:Fallback xmlns="">
           <p:pic>
             <p:nvPicPr>
               <p:cNvPr id="421" name="Ink 420">
@@ -21573,8 +27607,8 @@
           </p:pic>
         </mc:Fallback>
       </mc:AlternateContent>
-      <mc:AlternateContent xmlns:mc="http://schemas.openxmlformats.org/markup-compatibility/2006">
-        <mc:Choice xmlns:p14="http://schemas.microsoft.com/office/powerpoint/2010/main" Requires="p14">
+      <mc:AlternateContent xmlns:mc="http://schemas.openxmlformats.org/markup-compatibility/2006" xmlns:p14="http://schemas.microsoft.com/office/powerpoint/2010/main">
+        <mc:Choice Requires="p14">
           <p:contentPart p14:bwMode="auto" r:id="rId60">
             <p14:nvContentPartPr>
               <p14:cNvPr id="445" name="Ink 444">
@@ -21593,7 +27627,7 @@
             </p14:xfrm>
           </p:contentPart>
         </mc:Choice>
-        <mc:Fallback>
+        <mc:Fallback xmlns="">
           <p:pic>
             <p:nvPicPr>
               <p:cNvPr id="445" name="Ink 444">
@@ -21624,8 +27658,8 @@
           </p:pic>
         </mc:Fallback>
       </mc:AlternateContent>
-      <mc:AlternateContent xmlns:mc="http://schemas.openxmlformats.org/markup-compatibility/2006">
-        <mc:Choice xmlns:p14="http://schemas.microsoft.com/office/powerpoint/2010/main" Requires="p14">
+      <mc:AlternateContent xmlns:mc="http://schemas.openxmlformats.org/markup-compatibility/2006" xmlns:p14="http://schemas.microsoft.com/office/powerpoint/2010/main">
+        <mc:Choice Requires="p14">
           <p:contentPart p14:bwMode="auto" r:id="rId62">
             <p14:nvContentPartPr>
               <p14:cNvPr id="457" name="Ink 456">
@@ -21644,7 +27678,7 @@
             </p14:xfrm>
           </p:contentPart>
         </mc:Choice>
-        <mc:Fallback>
+        <mc:Fallback xmlns="">
           <p:pic>
             <p:nvPicPr>
               <p:cNvPr id="457" name="Ink 456">
@@ -21675,8 +27709,8 @@
           </p:pic>
         </mc:Fallback>
       </mc:AlternateContent>
-      <mc:AlternateContent xmlns:mc="http://schemas.openxmlformats.org/markup-compatibility/2006">
-        <mc:Choice xmlns:p14="http://schemas.microsoft.com/office/powerpoint/2010/main" Requires="p14">
+      <mc:AlternateContent xmlns:mc="http://schemas.openxmlformats.org/markup-compatibility/2006" xmlns:p14="http://schemas.microsoft.com/office/powerpoint/2010/main">
+        <mc:Choice Requires="p14">
           <p:contentPart p14:bwMode="auto" r:id="rId64">
             <p14:nvContentPartPr>
               <p14:cNvPr id="458" name="Ink 457">
@@ -21695,7 +27729,7 @@
             </p14:xfrm>
           </p:contentPart>
         </mc:Choice>
-        <mc:Fallback>
+        <mc:Fallback xmlns="">
           <p:pic>
             <p:nvPicPr>
               <p:cNvPr id="458" name="Ink 457">
